--- a/current.pptx
+++ b/current.pptx
@@ -8,10 +8,11 @@
     <p:sldId id="256" r:id="rId2"/>
     <p:sldId id="257" r:id="rId3"/>
     <p:sldId id="262" r:id="rId4"/>
-    <p:sldId id="258" r:id="rId5"/>
-    <p:sldId id="259" r:id="rId6"/>
-    <p:sldId id="260" r:id="rId7"/>
-    <p:sldId id="261" r:id="rId8"/>
+    <p:sldId id="263" r:id="rId5"/>
+    <p:sldId id="258" r:id="rId6"/>
+    <p:sldId id="259" r:id="rId7"/>
+    <p:sldId id="260" r:id="rId8"/>
+    <p:sldId id="261" r:id="rId9"/>
   </p:sldIdLst>
   <p:sldSz cx="12192000" cy="6858000"/>
   <p:notesSz cx="6858000" cy="9144000"/>
@@ -110,6 +111,11 @@
       </a:defRPr>
     </a:lvl9pPr>
   </p:defaultTextStyle>
+  <p:extLst>
+    <p:ext uri="{EFAFB233-063F-42B5-8137-9DF3F51BA10A}">
+      <p15:sldGuideLst xmlns:p15="http://schemas.microsoft.com/office/powerpoint/2012/main"/>
+    </p:ext>
+  </p:extLst>
 </p:presentation>
 </file>
 
@@ -2765,9 +2771,15 @@
 <p:sldMaster xmlns:a="http://schemas.openxmlformats.org/drawingml/2006/main" xmlns:r="http://schemas.openxmlformats.org/officeDocument/2006/relationships" xmlns:p="http://schemas.openxmlformats.org/presentationml/2006/main">
   <p:cSld>
     <p:bg>
-      <p:bgRef idx="1001">
-        <a:schemeClr val="bg1"/>
-      </p:bgRef>
+      <p:bgPr>
+        <a:solidFill>
+          <a:schemeClr val="accent3">
+            <a:lumMod val="20000"/>
+            <a:lumOff val="80000"/>
+          </a:schemeClr>
+        </a:solidFill>
+        <a:effectLst/>
+      </p:bgPr>
     </p:bg>
     <p:spTree>
       <p:nvGrpSpPr>
@@ -3334,17 +3346,6 @@
 <file path=ppt/slides/slide1.xml><?xml version="1.0" encoding="utf-8"?>
 <p:sld xmlns:a="http://schemas.openxmlformats.org/drawingml/2006/main" xmlns:r="http://schemas.openxmlformats.org/officeDocument/2006/relationships" xmlns:p="http://schemas.openxmlformats.org/presentationml/2006/main">
   <p:cSld>
-    <p:bg>
-      <p:bgPr>
-        <a:solidFill>
-          <a:schemeClr val="accent3">
-            <a:lumMod val="20000"/>
-            <a:lumOff val="80000"/>
-          </a:schemeClr>
-        </a:solidFill>
-        <a:effectLst/>
-      </p:bgPr>
-    </p:bg>
     <p:spTree>
       <p:nvGrpSpPr>
         <p:cNvPr id="1" name=""/>
@@ -3509,17 +3510,6 @@
 <file path=ppt/slides/slide2.xml><?xml version="1.0" encoding="utf-8"?>
 <p:sld xmlns:a="http://schemas.openxmlformats.org/drawingml/2006/main" xmlns:r="http://schemas.openxmlformats.org/officeDocument/2006/relationships" xmlns:p="http://schemas.openxmlformats.org/presentationml/2006/main">
   <p:cSld>
-    <p:bg>
-      <p:bgPr>
-        <a:solidFill>
-          <a:schemeClr val="accent3">
-            <a:lumMod val="20000"/>
-            <a:lumOff val="80000"/>
-          </a:schemeClr>
-        </a:solidFill>
-        <a:effectLst/>
-      </p:bgPr>
-    </p:bg>
     <p:spTree>
       <p:nvGrpSpPr>
         <p:cNvPr id="1" name=""/>
@@ -3556,7 +3546,10 @@
           <a:lstStyle/>
           <a:p>
             <a:r>
-              <a:rPr lang="en-GB" b="1" dirty="0"/>
+              <a:rPr lang="en-GB" b="1" dirty="0">
+                <a:latin typeface="Arial Black" panose="020B0A04020102020204" pitchFamily="34" charset="0"/>
+                <a:cs typeface="Arial" panose="020B0604020202020204" pitchFamily="34" charset="0"/>
+              </a:rPr>
               <a:t>Agenda:</a:t>
             </a:r>
           </a:p>
@@ -3595,7 +3588,10 @@
               <a:buAutoNum type="arabicPeriod"/>
             </a:pPr>
             <a:r>
-              <a:rPr lang="en-GB" b="1" dirty="0"/>
+              <a:rPr lang="en-GB" b="1" dirty="0">
+                <a:latin typeface="Arial" panose="020B0604020202020204" pitchFamily="34" charset="0"/>
+                <a:cs typeface="Arial" panose="020B0604020202020204" pitchFamily="34" charset="0"/>
+              </a:rPr>
               <a:t>What Is GraphQL</a:t>
             </a:r>
           </a:p>
@@ -3604,7 +3600,10 @@
               <a:buFont typeface="+mj-lt"/>
               <a:buAutoNum type="arabicPeriod"/>
             </a:pPr>
-            <a:endParaRPr lang="en-GB" b="1" dirty="0"/>
+            <a:endParaRPr lang="en-GB" b="1" dirty="0">
+              <a:latin typeface="Arial" panose="020B0604020202020204" pitchFamily="34" charset="0"/>
+              <a:cs typeface="Arial" panose="020B0604020202020204" pitchFamily="34" charset="0"/>
+            </a:endParaRPr>
           </a:p>
           <a:p>
             <a:pPr marL="514350" indent="-514350">
@@ -3612,7 +3611,10 @@
               <a:buAutoNum type="arabicPeriod"/>
             </a:pPr>
             <a:r>
-              <a:rPr lang="en-GB" b="1" dirty="0"/>
+              <a:rPr lang="en-GB" b="1" dirty="0">
+                <a:latin typeface="Arial" panose="020B0604020202020204" pitchFamily="34" charset="0"/>
+                <a:cs typeface="Arial" panose="020B0604020202020204" pitchFamily="34" charset="0"/>
+              </a:rPr>
               <a:t>Advantages Of GraphQL Over REST</a:t>
             </a:r>
           </a:p>
@@ -3621,7 +3623,10 @@
               <a:buFont typeface="+mj-lt"/>
               <a:buAutoNum type="arabicPeriod"/>
             </a:pPr>
-            <a:endParaRPr lang="en-GB" b="1" dirty="0"/>
+            <a:endParaRPr lang="en-GB" b="1" dirty="0">
+              <a:latin typeface="Arial" panose="020B0604020202020204" pitchFamily="34" charset="0"/>
+              <a:cs typeface="Arial" panose="020B0604020202020204" pitchFamily="34" charset="0"/>
+            </a:endParaRPr>
           </a:p>
           <a:p>
             <a:pPr marL="514350" indent="-514350">
@@ -3629,7 +3634,10 @@
               <a:buAutoNum type="arabicPeriod"/>
             </a:pPr>
             <a:r>
-              <a:rPr lang="en-GB" b="1" dirty="0"/>
+              <a:rPr lang="en-GB" b="1" dirty="0">
+                <a:latin typeface="Arial" panose="020B0604020202020204" pitchFamily="34" charset="0"/>
+                <a:cs typeface="Arial" panose="020B0604020202020204" pitchFamily="34" charset="0"/>
+              </a:rPr>
               <a:t>Some Disadvantages</a:t>
             </a:r>
           </a:p>
@@ -3638,7 +3646,10 @@
               <a:buFont typeface="+mj-lt"/>
               <a:buAutoNum type="arabicPeriod"/>
             </a:pPr>
-            <a:endParaRPr lang="en-GB" b="1" dirty="0"/>
+            <a:endParaRPr lang="en-GB" b="1" dirty="0">
+              <a:latin typeface="Arial" panose="020B0604020202020204" pitchFamily="34" charset="0"/>
+              <a:cs typeface="Arial" panose="020B0604020202020204" pitchFamily="34" charset="0"/>
+            </a:endParaRPr>
           </a:p>
           <a:p>
             <a:pPr marL="514350" indent="-514350">
@@ -3646,7 +3657,10 @@
               <a:buAutoNum type="arabicPeriod"/>
             </a:pPr>
             <a:r>
-              <a:rPr lang="en-GB" b="1" dirty="0"/>
+              <a:rPr lang="en-GB" b="1" dirty="0">
+                <a:latin typeface="Arial" panose="020B0604020202020204" pitchFamily="34" charset="0"/>
+                <a:cs typeface="Arial" panose="020B0604020202020204" pitchFamily="34" charset="0"/>
+              </a:rPr>
               <a:t>Demonstration Of A Simple NodeJS GraphQL Server Built Using Express.js</a:t>
             </a:r>
           </a:p>
@@ -3655,7 +3669,10 @@
               <a:buFont typeface="+mj-lt"/>
               <a:buAutoNum type="arabicPeriod"/>
             </a:pPr>
-            <a:endParaRPr lang="en-GB" b="1" dirty="0"/>
+            <a:endParaRPr lang="en-GB" b="1" dirty="0">
+              <a:latin typeface="Arial" panose="020B0604020202020204" pitchFamily="34" charset="0"/>
+              <a:cs typeface="Arial" panose="020B0604020202020204" pitchFamily="34" charset="0"/>
+            </a:endParaRPr>
           </a:p>
           <a:p>
             <a:pPr marL="514350" indent="-514350">
@@ -3663,7 +3680,10 @@
               <a:buAutoNum type="arabicPeriod"/>
             </a:pPr>
             <a:r>
-              <a:rPr lang="en-GB" b="1" dirty="0"/>
+              <a:rPr lang="en-GB" b="1" dirty="0">
+                <a:latin typeface="Arial" panose="020B0604020202020204" pitchFamily="34" charset="0"/>
+                <a:cs typeface="Arial" panose="020B0604020202020204" pitchFamily="34" charset="0"/>
+              </a:rPr>
               <a:t>Questions </a:t>
             </a:r>
           </a:p>
@@ -3711,17 +3731,6 @@
 <file path=ppt/slides/slide3.xml><?xml version="1.0" encoding="utf-8"?>
 <p:sld xmlns:a="http://schemas.openxmlformats.org/drawingml/2006/main" xmlns:r="http://schemas.openxmlformats.org/officeDocument/2006/relationships" xmlns:p="http://schemas.openxmlformats.org/presentationml/2006/main">
   <p:cSld>
-    <p:bg>
-      <p:bgPr>
-        <a:solidFill>
-          <a:schemeClr val="accent3">
-            <a:lumMod val="20000"/>
-            <a:lumOff val="80000"/>
-          </a:schemeClr>
-        </a:solidFill>
-        <a:effectLst/>
-      </p:bgPr>
-    </p:bg>
     <p:spTree>
       <p:nvGrpSpPr>
         <p:cNvPr id="1" name=""/>
@@ -3757,7 +3766,27 @@
           <a:bodyPr/>
           <a:lstStyle/>
           <a:p>
-            <a:endParaRPr lang="en-GB"/>
+            <a:r>
+              <a:rPr lang="en-GB" dirty="0">
+                <a:latin typeface="Arial" panose="020B0604020202020204" pitchFamily="34" charset="0"/>
+                <a:cs typeface="Arial" panose="020B0604020202020204" pitchFamily="34" charset="0"/>
+              </a:rPr>
+              <a:t>What Is </a:t>
+            </a:r>
+            <a:r>
+              <a:rPr lang="en-GB" dirty="0" err="1">
+                <a:latin typeface="Arial" panose="020B0604020202020204" pitchFamily="34" charset="0"/>
+                <a:cs typeface="Arial" panose="020B0604020202020204" pitchFamily="34" charset="0"/>
+              </a:rPr>
+              <a:t>GraphQL</a:t>
+            </a:r>
+            <a:r>
+              <a:rPr lang="en-GB" dirty="0">
+                <a:latin typeface="Arial" panose="020B0604020202020204" pitchFamily="34" charset="0"/>
+                <a:cs typeface="Arial" panose="020B0604020202020204" pitchFamily="34" charset="0"/>
+              </a:rPr>
+              <a:t>?	</a:t>
+            </a:r>
           </a:p>
         </p:txBody>
       </p:sp>
@@ -3779,10 +3808,59 @@
         </p:nvSpPr>
         <p:spPr/>
         <p:txBody>
-          <a:bodyPr/>
-          <a:lstStyle/>
-          <a:p>
-            <a:endParaRPr lang="en-GB"/>
+          <a:bodyPr>
+            <a:normAutofit lnSpcReduction="10000"/>
+          </a:bodyPr>
+          <a:lstStyle/>
+          <a:p>
+            <a:r>
+              <a:rPr lang="en-GB" dirty="0" err="1"/>
+              <a:t>GraphQL</a:t>
+            </a:r>
+            <a:r>
+              <a:rPr lang="en-GB" dirty="0"/>
+              <a:t> is a data query language for APIs and a runtime for fulfilling those queries with your existing data.</a:t>
+            </a:r>
+          </a:p>
+          <a:p>
+            <a:endParaRPr lang="en-GB" dirty="0"/>
+          </a:p>
+          <a:p>
+            <a:r>
+              <a:rPr lang="en-GB" dirty="0" err="1"/>
+              <a:t>GraphQL</a:t>
+            </a:r>
+            <a:r>
+              <a:rPr lang="en-GB" dirty="0"/>
+              <a:t> provides a complete and understandable description of the data in your API.</a:t>
+            </a:r>
+          </a:p>
+          <a:p>
+            <a:endParaRPr lang="en-GB" dirty="0"/>
+          </a:p>
+          <a:p>
+            <a:r>
+              <a:rPr lang="en-GB" dirty="0"/>
+              <a:t>Gives clients the power to ask for exactly what they need and nothing more.</a:t>
+            </a:r>
+          </a:p>
+          <a:p>
+            <a:pPr marL="0" indent="0">
+              <a:buNone/>
+            </a:pPr>
+            <a:endParaRPr lang="en-GB" b="1" dirty="0"/>
+          </a:p>
+          <a:p>
+            <a:pPr marL="0" indent="0">
+              <a:buNone/>
+            </a:pPr>
+            <a:r>
+              <a:rPr lang="en-GB" b="1" dirty="0"/>
+              <a:t>(Source: GraphQL.org)</a:t>
+            </a:r>
+          </a:p>
+          <a:p>
+            <a:endParaRPr lang="en-GB" dirty="0"/>
           </a:p>
         </p:txBody>
       </p:sp>
@@ -3802,17 +3880,6 @@
 <file path=ppt/slides/slide4.xml><?xml version="1.0" encoding="utf-8"?>
 <p:sld xmlns:a="http://schemas.openxmlformats.org/drawingml/2006/main" xmlns:r="http://schemas.openxmlformats.org/officeDocument/2006/relationships" xmlns:p="http://schemas.openxmlformats.org/presentationml/2006/main">
   <p:cSld>
-    <p:bg>
-      <p:bgPr>
-        <a:solidFill>
-          <a:schemeClr val="accent3">
-            <a:lumMod val="20000"/>
-            <a:lumOff val="80000"/>
-          </a:schemeClr>
-        </a:solidFill>
-        <a:effectLst/>
-      </p:bgPr>
-    </p:bg>
     <p:spTree>
       <p:nvGrpSpPr>
         <p:cNvPr id="1" name=""/>
@@ -3829,6 +3896,93 @@
       </p:grpSpPr>
       <p:sp>
         <p:nvSpPr>
+          <p:cNvPr id="3" name="Content Placeholder 2">
+            <a:extLst>
+              <a:ext uri="{FF2B5EF4-FFF2-40B4-BE49-F238E27FC236}">
+                <a16:creationId xmlns:a16="http://schemas.microsoft.com/office/drawing/2014/main" id="{1AE97B97-6D77-4F49-B405-07CC25C94BD3}"/>
+              </a:ext>
+            </a:extLst>
+          </p:cNvPr>
+          <p:cNvSpPr>
+            <a:spLocks noGrp="1"/>
+          </p:cNvSpPr>
+          <p:nvPr>
+            <p:ph idx="1"/>
+          </p:nvPr>
+        </p:nvSpPr>
+        <p:spPr>
+          <a:xfrm>
+            <a:off x="838200" y="341194"/>
+            <a:ext cx="10515600" cy="5835769"/>
+          </a:xfrm>
+        </p:spPr>
+        <p:txBody>
+          <a:bodyPr/>
+          <a:lstStyle/>
+          <a:p>
+            <a:r>
+              <a:rPr lang="en-GB" dirty="0"/>
+              <a:t>It can provide a more efficient, powerful and flexible alternative to REST</a:t>
+            </a:r>
+          </a:p>
+          <a:p>
+            <a:endParaRPr lang="en-GB" dirty="0"/>
+          </a:p>
+          <a:p>
+            <a:r>
+              <a:rPr lang="en-GB" dirty="0" err="1"/>
+              <a:t>GraphQL</a:t>
+            </a:r>
+            <a:r>
+              <a:rPr lang="en-GB" dirty="0"/>
+              <a:t> supports reading, writing (mutating) and subscribing to changes to data (</a:t>
+            </a:r>
+            <a:r>
+              <a:rPr lang="en-GB" dirty="0" err="1"/>
+              <a:t>realtime</a:t>
+            </a:r>
+            <a:r>
+              <a:rPr lang="en-GB" dirty="0"/>
+              <a:t> updates)</a:t>
+            </a:r>
+          </a:p>
+          <a:p>
+            <a:endParaRPr lang="en-GB" dirty="0"/>
+          </a:p>
+        </p:txBody>
+      </p:sp>
+    </p:spTree>
+    <p:extLst>
+      <p:ext uri="{BB962C8B-B14F-4D97-AF65-F5344CB8AC3E}">
+        <p14:creationId xmlns:p14="http://schemas.microsoft.com/office/powerpoint/2010/main" val="2846025939"/>
+      </p:ext>
+    </p:extLst>
+  </p:cSld>
+  <p:clrMapOvr>
+    <a:masterClrMapping/>
+  </p:clrMapOvr>
+</p:sld>
+</file>
+
+<file path=ppt/slides/slide5.xml><?xml version="1.0" encoding="utf-8"?>
+<p:sld xmlns:a="http://schemas.openxmlformats.org/drawingml/2006/main" xmlns:r="http://schemas.openxmlformats.org/officeDocument/2006/relationships" xmlns:p="http://schemas.openxmlformats.org/presentationml/2006/main">
+  <p:cSld>
+    <p:spTree>
+      <p:nvGrpSpPr>
+        <p:cNvPr id="1" name=""/>
+        <p:cNvGrpSpPr/>
+        <p:nvPr/>
+      </p:nvGrpSpPr>
+      <p:grpSpPr>
+        <a:xfrm>
+          <a:off x="0" y="0"/>
+          <a:ext cx="0" cy="0"/>
+          <a:chOff x="0" y="0"/>
+          <a:chExt cx="0" cy="0"/>
+        </a:xfrm>
+      </p:grpSpPr>
+      <p:sp>
+        <p:nvSpPr>
           <p:cNvPr id="2" name="Title 1">
             <a:extLst>
               <a:ext uri="{FF2B5EF4-FFF2-40B4-BE49-F238E27FC236}">
@@ -3857,14 +4011,14 @@
           <a:p>
             <a:r>
               <a:rPr lang="en-GB" sz="7200" b="1" u="sng" dirty="0">
-                <a:latin typeface="Arial" panose="020B0604020202020204" pitchFamily="34" charset="0"/>
+                <a:latin typeface="Arial Black" panose="020B0A04020102020204" pitchFamily="34" charset="0"/>
                 <a:cs typeface="Arial" panose="020B0604020202020204" pitchFamily="34" charset="0"/>
               </a:rPr>
               <a:t>Graph</a:t>
             </a:r>
             <a:r>
               <a:rPr lang="en-GB" sz="7200" b="1" dirty="0">
-                <a:latin typeface="Arial" panose="020B0604020202020204" pitchFamily="34" charset="0"/>
+                <a:latin typeface="Arial Black" panose="020B0A04020102020204" pitchFamily="34" charset="0"/>
                 <a:cs typeface="Arial" panose="020B0604020202020204" pitchFamily="34" charset="0"/>
               </a:rPr>
               <a:t>???QL</a:t>
@@ -3921,20 +4075,9 @@
 </p:sld>
 </file>
 
-<file path=ppt/slides/slide5.xml><?xml version="1.0" encoding="utf-8"?>
+<file path=ppt/slides/slide6.xml><?xml version="1.0" encoding="utf-8"?>
 <p:sld xmlns:a="http://schemas.openxmlformats.org/drawingml/2006/main" xmlns:r="http://schemas.openxmlformats.org/officeDocument/2006/relationships" xmlns:p="http://schemas.openxmlformats.org/presentationml/2006/main">
   <p:cSld>
-    <p:bg>
-      <p:bgPr>
-        <a:solidFill>
-          <a:schemeClr val="accent3">
-            <a:lumMod val="20000"/>
-            <a:lumOff val="80000"/>
-          </a:schemeClr>
-        </a:solidFill>
-        <a:effectLst/>
-      </p:bgPr>
-    </p:bg>
     <p:spTree>
       <p:nvGrpSpPr>
         <p:cNvPr id="1" name=""/>
@@ -4011,7 +4154,7 @@
         </p:nvSpPr>
         <p:spPr>
           <a:xfrm>
-            <a:off x="838200" y="2388005"/>
+            <a:off x="838200" y="1936348"/>
             <a:ext cx="10515600" cy="4351338"/>
           </a:xfrm>
         </p:spPr>
@@ -4091,20 +4234,9 @@
 </p:sld>
 </file>
 
-<file path=ppt/slides/slide6.xml><?xml version="1.0" encoding="utf-8"?>
+<file path=ppt/slides/slide7.xml><?xml version="1.0" encoding="utf-8"?>
 <p:sld xmlns:a="http://schemas.openxmlformats.org/drawingml/2006/main" xmlns:r="http://schemas.openxmlformats.org/officeDocument/2006/relationships" xmlns:p="http://schemas.openxmlformats.org/presentationml/2006/main">
   <p:cSld>
-    <p:bg>
-      <p:bgPr>
-        <a:solidFill>
-          <a:schemeClr val="accent3">
-            <a:lumMod val="20000"/>
-            <a:lumOff val="80000"/>
-          </a:schemeClr>
-        </a:solidFill>
-        <a:effectLst/>
-      </p:bgPr>
-    </p:bg>
     <p:spTree>
       <p:nvGrpSpPr>
         <p:cNvPr id="1" name=""/>
@@ -4280,20 +4412,9 @@
 </p:sld>
 </file>
 
-<file path=ppt/slides/slide7.xml><?xml version="1.0" encoding="utf-8"?>
+<file path=ppt/slides/slide8.xml><?xml version="1.0" encoding="utf-8"?>
 <p:sld xmlns:a="http://schemas.openxmlformats.org/drawingml/2006/main" xmlns:r="http://schemas.openxmlformats.org/officeDocument/2006/relationships" xmlns:p="http://schemas.openxmlformats.org/presentationml/2006/main">
   <p:cSld>
-    <p:bg>
-      <p:bgPr>
-        <a:solidFill>
-          <a:schemeClr val="accent3">
-            <a:lumMod val="20000"/>
-            <a:lumOff val="80000"/>
-          </a:schemeClr>
-        </a:solidFill>
-        <a:effectLst/>
-      </p:bgPr>
-    </p:bg>
     <p:spTree>
       <p:nvGrpSpPr>
         <p:cNvPr id="1" name=""/>

--- a/current.pptx
+++ b/current.pptx
@@ -8,11 +8,19 @@
     <p:sldId id="256" r:id="rId2"/>
     <p:sldId id="257" r:id="rId3"/>
     <p:sldId id="262" r:id="rId4"/>
-    <p:sldId id="263" r:id="rId5"/>
-    <p:sldId id="258" r:id="rId6"/>
-    <p:sldId id="259" r:id="rId7"/>
-    <p:sldId id="260" r:id="rId8"/>
-    <p:sldId id="261" r:id="rId9"/>
+    <p:sldId id="266" r:id="rId5"/>
+    <p:sldId id="263" r:id="rId6"/>
+    <p:sldId id="258" r:id="rId7"/>
+    <p:sldId id="259" r:id="rId8"/>
+    <p:sldId id="260" r:id="rId9"/>
+    <p:sldId id="261" r:id="rId10"/>
+    <p:sldId id="267" r:id="rId11"/>
+    <p:sldId id="264" r:id="rId12"/>
+    <p:sldId id="268" r:id="rId13"/>
+    <p:sldId id="265" r:id="rId14"/>
+    <p:sldId id="269" r:id="rId15"/>
+    <p:sldId id="270" r:id="rId16"/>
+    <p:sldId id="271" r:id="rId17"/>
   </p:sldIdLst>
   <p:sldSz cx="12192000" cy="6858000"/>
   <p:notesSz cx="6858000" cy="9144000"/>
@@ -268,7 +276,7 @@
           <a:p>
             <a:fld id="{6FADB570-57FC-4C94-8057-F2D76F2B7762}" type="datetimeFigureOut">
               <a:rPr lang="en-GB" smtClean="0"/>
-              <a:t>26/03/2019</a:t>
+              <a:t>28/03/2019</a:t>
             </a:fld>
             <a:endParaRPr lang="en-GB"/>
           </a:p>
@@ -468,7 +476,7 @@
           <a:p>
             <a:fld id="{6FADB570-57FC-4C94-8057-F2D76F2B7762}" type="datetimeFigureOut">
               <a:rPr lang="en-GB" smtClean="0"/>
-              <a:t>26/03/2019</a:t>
+              <a:t>28/03/2019</a:t>
             </a:fld>
             <a:endParaRPr lang="en-GB"/>
           </a:p>
@@ -678,7 +686,7 @@
           <a:p>
             <a:fld id="{6FADB570-57FC-4C94-8057-F2D76F2B7762}" type="datetimeFigureOut">
               <a:rPr lang="en-GB" smtClean="0"/>
-              <a:t>26/03/2019</a:t>
+              <a:t>28/03/2019</a:t>
             </a:fld>
             <a:endParaRPr lang="en-GB"/>
           </a:p>
@@ -878,7 +886,7 @@
           <a:p>
             <a:fld id="{6FADB570-57FC-4C94-8057-F2D76F2B7762}" type="datetimeFigureOut">
               <a:rPr lang="en-GB" smtClean="0"/>
-              <a:t>26/03/2019</a:t>
+              <a:t>28/03/2019</a:t>
             </a:fld>
             <a:endParaRPr lang="en-GB"/>
           </a:p>
@@ -1154,7 +1162,7 @@
           <a:p>
             <a:fld id="{6FADB570-57FC-4C94-8057-F2D76F2B7762}" type="datetimeFigureOut">
               <a:rPr lang="en-GB" smtClean="0"/>
-              <a:t>26/03/2019</a:t>
+              <a:t>28/03/2019</a:t>
             </a:fld>
             <a:endParaRPr lang="en-GB"/>
           </a:p>
@@ -1422,7 +1430,7 @@
           <a:p>
             <a:fld id="{6FADB570-57FC-4C94-8057-F2D76F2B7762}" type="datetimeFigureOut">
               <a:rPr lang="en-GB" smtClean="0"/>
-              <a:t>26/03/2019</a:t>
+              <a:t>28/03/2019</a:t>
             </a:fld>
             <a:endParaRPr lang="en-GB"/>
           </a:p>
@@ -1837,7 +1845,7 @@
           <a:p>
             <a:fld id="{6FADB570-57FC-4C94-8057-F2D76F2B7762}" type="datetimeFigureOut">
               <a:rPr lang="en-GB" smtClean="0"/>
-              <a:t>26/03/2019</a:t>
+              <a:t>28/03/2019</a:t>
             </a:fld>
             <a:endParaRPr lang="en-GB"/>
           </a:p>
@@ -1979,7 +1987,7 @@
           <a:p>
             <a:fld id="{6FADB570-57FC-4C94-8057-F2D76F2B7762}" type="datetimeFigureOut">
               <a:rPr lang="en-GB" smtClean="0"/>
-              <a:t>26/03/2019</a:t>
+              <a:t>28/03/2019</a:t>
             </a:fld>
             <a:endParaRPr lang="en-GB"/>
           </a:p>
@@ -2092,7 +2100,7 @@
           <a:p>
             <a:fld id="{6FADB570-57FC-4C94-8057-F2D76F2B7762}" type="datetimeFigureOut">
               <a:rPr lang="en-GB" smtClean="0"/>
-              <a:t>26/03/2019</a:t>
+              <a:t>28/03/2019</a:t>
             </a:fld>
             <a:endParaRPr lang="en-GB"/>
           </a:p>
@@ -2405,7 +2413,7 @@
           <a:p>
             <a:fld id="{6FADB570-57FC-4C94-8057-F2D76F2B7762}" type="datetimeFigureOut">
               <a:rPr lang="en-GB" smtClean="0"/>
-              <a:t>26/03/2019</a:t>
+              <a:t>28/03/2019</a:t>
             </a:fld>
             <a:endParaRPr lang="en-GB"/>
           </a:p>
@@ -2694,7 +2702,7 @@
           <a:p>
             <a:fld id="{6FADB570-57FC-4C94-8057-F2D76F2B7762}" type="datetimeFigureOut">
               <a:rPr lang="en-GB" smtClean="0"/>
-              <a:t>26/03/2019</a:t>
+              <a:t>28/03/2019</a:t>
             </a:fld>
             <a:endParaRPr lang="en-GB"/>
           </a:p>
@@ -2943,7 +2951,7 @@
           <a:p>
             <a:fld id="{6FADB570-57FC-4C94-8057-F2D76F2B7762}" type="datetimeFigureOut">
               <a:rPr lang="en-GB" smtClean="0"/>
-              <a:t>26/03/2019</a:t>
+              <a:t>28/03/2019</a:t>
             </a:fld>
             <a:endParaRPr lang="en-GB"/>
           </a:p>
@@ -3507,6 +3515,994 @@
 </p:sld>
 </file>
 
+<file path=ppt/slides/slide10.xml><?xml version="1.0" encoding="utf-8"?>
+<p:sld xmlns:a="http://schemas.openxmlformats.org/drawingml/2006/main" xmlns:r="http://schemas.openxmlformats.org/officeDocument/2006/relationships" xmlns:p="http://schemas.openxmlformats.org/presentationml/2006/main">
+  <p:cSld>
+    <p:spTree>
+      <p:nvGrpSpPr>
+        <p:cNvPr id="1" name=""/>
+        <p:cNvGrpSpPr/>
+        <p:nvPr/>
+      </p:nvGrpSpPr>
+      <p:grpSpPr>
+        <a:xfrm>
+          <a:off x="0" y="0"/>
+          <a:ext cx="0" cy="0"/>
+          <a:chOff x="0" y="0"/>
+          <a:chExt cx="0" cy="0"/>
+        </a:xfrm>
+      </p:grpSpPr>
+      <p:sp>
+        <p:nvSpPr>
+          <p:cNvPr id="2" name="Title 1">
+            <a:extLst>
+              <a:ext uri="{FF2B5EF4-FFF2-40B4-BE49-F238E27FC236}">
+                <a16:creationId xmlns:a16="http://schemas.microsoft.com/office/drawing/2014/main" id="{42FBE61B-5173-404B-B1E7-B537A0E40EE7}"/>
+              </a:ext>
+            </a:extLst>
+          </p:cNvPr>
+          <p:cNvSpPr>
+            <a:spLocks noGrp="1"/>
+          </p:cNvSpPr>
+          <p:nvPr>
+            <p:ph type="title"/>
+          </p:nvPr>
+        </p:nvSpPr>
+        <p:spPr/>
+        <p:txBody>
+          <a:bodyPr>
+            <a:normAutofit fontScale="90000"/>
+          </a:bodyPr>
+          <a:lstStyle/>
+          <a:p>
+            <a:br>
+              <a:rPr lang="en-GB" b="1" dirty="0">
+                <a:latin typeface="Arial" panose="020B0604020202020204" pitchFamily="34" charset="0"/>
+                <a:cs typeface="Arial" panose="020B0604020202020204" pitchFamily="34" charset="0"/>
+              </a:rPr>
+            </a:br>
+            <a:r>
+              <a:rPr lang="en-GB" b="1" dirty="0">
+                <a:latin typeface="Arial" panose="020B0604020202020204" pitchFamily="34" charset="0"/>
+                <a:cs typeface="Arial" panose="020B0604020202020204" pitchFamily="34" charset="0"/>
+              </a:rPr>
+              <a:t>Fundamental Language Constructs</a:t>
+            </a:r>
+            <a:br>
+              <a:rPr lang="en-GB" dirty="0"/>
+            </a:br>
+            <a:endParaRPr lang="en-GB" dirty="0"/>
+          </a:p>
+        </p:txBody>
+      </p:sp>
+    </p:spTree>
+    <p:extLst>
+      <p:ext uri="{BB962C8B-B14F-4D97-AF65-F5344CB8AC3E}">
+        <p14:creationId xmlns:p14="http://schemas.microsoft.com/office/powerpoint/2010/main" val="53481959"/>
+      </p:ext>
+    </p:extLst>
+  </p:cSld>
+  <p:clrMapOvr>
+    <a:masterClrMapping/>
+  </p:clrMapOvr>
+</p:sld>
+</file>
+
+<file path=ppt/slides/slide11.xml><?xml version="1.0" encoding="utf-8"?>
+<p:sld xmlns:a="http://schemas.openxmlformats.org/drawingml/2006/main" xmlns:r="http://schemas.openxmlformats.org/officeDocument/2006/relationships" xmlns:p="http://schemas.openxmlformats.org/presentationml/2006/main">
+  <p:cSld>
+    <p:spTree>
+      <p:nvGrpSpPr>
+        <p:cNvPr id="1" name=""/>
+        <p:cNvGrpSpPr/>
+        <p:nvPr/>
+      </p:nvGrpSpPr>
+      <p:grpSpPr>
+        <a:xfrm>
+          <a:off x="0" y="0"/>
+          <a:ext cx="0" cy="0"/>
+          <a:chOff x="0" y="0"/>
+          <a:chExt cx="0" cy="0"/>
+        </a:xfrm>
+      </p:grpSpPr>
+      <p:sp>
+        <p:nvSpPr>
+          <p:cNvPr id="2" name="Title 1">
+            <a:extLst>
+              <a:ext uri="{FF2B5EF4-FFF2-40B4-BE49-F238E27FC236}">
+                <a16:creationId xmlns:a16="http://schemas.microsoft.com/office/drawing/2014/main" id="{27B47342-65E1-4DA6-AC49-41E1D7C94E72}"/>
+              </a:ext>
+            </a:extLst>
+          </p:cNvPr>
+          <p:cNvSpPr>
+            <a:spLocks noGrp="1"/>
+          </p:cNvSpPr>
+          <p:nvPr>
+            <p:ph type="title"/>
+          </p:nvPr>
+        </p:nvSpPr>
+        <p:spPr/>
+        <p:txBody>
+          <a:bodyPr/>
+          <a:lstStyle/>
+          <a:p>
+            <a:r>
+              <a:rPr lang="en-GB" b="1" dirty="0">
+                <a:latin typeface="Arial" panose="020B0604020202020204" pitchFamily="34" charset="0"/>
+                <a:cs typeface="Arial" panose="020B0604020202020204" pitchFamily="34" charset="0"/>
+              </a:rPr>
+              <a:t>The </a:t>
+            </a:r>
+            <a:r>
+              <a:rPr lang="en-GB" b="1" dirty="0" err="1">
+                <a:latin typeface="Arial" panose="020B0604020202020204" pitchFamily="34" charset="0"/>
+                <a:cs typeface="Arial" panose="020B0604020202020204" pitchFamily="34" charset="0"/>
+              </a:rPr>
+              <a:t>GraphQL</a:t>
+            </a:r>
+            <a:r>
+              <a:rPr lang="en-GB" b="1" dirty="0">
+                <a:latin typeface="Arial" panose="020B0604020202020204" pitchFamily="34" charset="0"/>
+                <a:cs typeface="Arial" panose="020B0604020202020204" pitchFamily="34" charset="0"/>
+              </a:rPr>
+              <a:t> Schema</a:t>
+            </a:r>
+          </a:p>
+        </p:txBody>
+      </p:sp>
+      <p:sp>
+        <p:nvSpPr>
+          <p:cNvPr id="3" name="Content Placeholder 2">
+            <a:extLst>
+              <a:ext uri="{FF2B5EF4-FFF2-40B4-BE49-F238E27FC236}">
+                <a16:creationId xmlns:a16="http://schemas.microsoft.com/office/drawing/2014/main" id="{46249623-7E50-4A03-B2A3-9F5FB92325FF}"/>
+              </a:ext>
+            </a:extLst>
+          </p:cNvPr>
+          <p:cNvSpPr>
+            <a:spLocks noGrp="1"/>
+          </p:cNvSpPr>
+          <p:nvPr>
+            <p:ph idx="1"/>
+          </p:nvPr>
+        </p:nvSpPr>
+        <p:spPr>
+          <a:xfrm>
+            <a:off x="838200" y="1825625"/>
+            <a:ext cx="10515600" cy="4766244"/>
+          </a:xfrm>
+        </p:spPr>
+        <p:txBody>
+          <a:bodyPr/>
+          <a:lstStyle/>
+          <a:p>
+            <a:r>
+              <a:rPr lang="en-GB" dirty="0"/>
+              <a:t>Used in the </a:t>
+            </a:r>
+            <a:r>
+              <a:rPr lang="en-GB" dirty="0" err="1"/>
+              <a:t>GraphQL</a:t>
+            </a:r>
+            <a:r>
+              <a:rPr lang="en-GB" dirty="0"/>
+              <a:t> server-side runtime</a:t>
+            </a:r>
+          </a:p>
+          <a:p>
+            <a:endParaRPr lang="en-GB" dirty="0"/>
+          </a:p>
+          <a:p>
+            <a:r>
+              <a:rPr lang="en-GB" dirty="0"/>
+              <a:t>Describes the data available from the API</a:t>
+            </a:r>
+          </a:p>
+          <a:p>
+            <a:endParaRPr lang="en-GB" dirty="0"/>
+          </a:p>
+          <a:p>
+            <a:r>
+              <a:rPr lang="en-GB" dirty="0"/>
+              <a:t>Defines how clients can request data from the API</a:t>
+            </a:r>
+          </a:p>
+          <a:p>
+            <a:endParaRPr lang="en-GB" dirty="0"/>
+          </a:p>
+          <a:p>
+            <a:r>
+              <a:rPr lang="en-GB" dirty="0"/>
+              <a:t>Validates </a:t>
+            </a:r>
+            <a:r>
+              <a:rPr lang="en-GB" dirty="0" err="1"/>
+              <a:t>GraphQL</a:t>
+            </a:r>
+            <a:r>
+              <a:rPr lang="en-GB" dirty="0"/>
+              <a:t> queries</a:t>
+            </a:r>
+          </a:p>
+          <a:p>
+            <a:endParaRPr lang="en-GB" dirty="0"/>
+          </a:p>
+          <a:p>
+            <a:r>
+              <a:rPr lang="en-GB" dirty="0"/>
+              <a:t>Can be seen as a contract between the server and the client</a:t>
+            </a:r>
+          </a:p>
+          <a:p>
+            <a:endParaRPr lang="en-GB" dirty="0"/>
+          </a:p>
+        </p:txBody>
+      </p:sp>
+    </p:spTree>
+    <p:extLst>
+      <p:ext uri="{BB962C8B-B14F-4D97-AF65-F5344CB8AC3E}">
+        <p14:creationId xmlns:p14="http://schemas.microsoft.com/office/powerpoint/2010/main" val="3881882428"/>
+      </p:ext>
+    </p:extLst>
+  </p:cSld>
+  <p:clrMapOvr>
+    <a:masterClrMapping/>
+  </p:clrMapOvr>
+</p:sld>
+</file>
+
+<file path=ppt/slides/slide12.xml><?xml version="1.0" encoding="utf-8"?>
+<p:sld xmlns:a="http://schemas.openxmlformats.org/drawingml/2006/main" xmlns:r="http://schemas.openxmlformats.org/officeDocument/2006/relationships" xmlns:p="http://schemas.openxmlformats.org/presentationml/2006/main">
+  <p:cSld>
+    <p:spTree>
+      <p:nvGrpSpPr>
+        <p:cNvPr id="1" name=""/>
+        <p:cNvGrpSpPr/>
+        <p:nvPr/>
+      </p:nvGrpSpPr>
+      <p:grpSpPr>
+        <a:xfrm>
+          <a:off x="0" y="0"/>
+          <a:ext cx="0" cy="0"/>
+          <a:chOff x="0" y="0"/>
+          <a:chExt cx="0" cy="0"/>
+        </a:xfrm>
+      </p:grpSpPr>
+      <p:sp>
+        <p:nvSpPr>
+          <p:cNvPr id="2" name="Title 1">
+            <a:extLst>
+              <a:ext uri="{FF2B5EF4-FFF2-40B4-BE49-F238E27FC236}">
+                <a16:creationId xmlns:a16="http://schemas.microsoft.com/office/drawing/2014/main" id="{21B7A6DF-E19C-4F5B-B2C9-6BBB88376D79}"/>
+              </a:ext>
+            </a:extLst>
+          </p:cNvPr>
+          <p:cNvSpPr>
+            <a:spLocks noGrp="1"/>
+          </p:cNvSpPr>
+          <p:nvPr>
+            <p:ph type="title"/>
+          </p:nvPr>
+        </p:nvSpPr>
+        <p:spPr/>
+        <p:txBody>
+          <a:bodyPr/>
+          <a:lstStyle/>
+          <a:p>
+            <a:r>
+              <a:rPr lang="en-GB" dirty="0" err="1">
+                <a:latin typeface="Arial" panose="020B0604020202020204" pitchFamily="34" charset="0"/>
+                <a:cs typeface="Arial" panose="020B0604020202020204" pitchFamily="34" charset="0"/>
+              </a:rPr>
+              <a:t>GraphQL</a:t>
+            </a:r>
+            <a:r>
+              <a:rPr lang="en-GB" dirty="0">
+                <a:latin typeface="Arial" panose="020B0604020202020204" pitchFamily="34" charset="0"/>
+                <a:cs typeface="Arial" panose="020B0604020202020204" pitchFamily="34" charset="0"/>
+              </a:rPr>
+              <a:t> Schema Definition Language</a:t>
+            </a:r>
+          </a:p>
+        </p:txBody>
+      </p:sp>
+      <p:sp>
+        <p:nvSpPr>
+          <p:cNvPr id="3" name="Content Placeholder 2">
+            <a:extLst>
+              <a:ext uri="{FF2B5EF4-FFF2-40B4-BE49-F238E27FC236}">
+                <a16:creationId xmlns:a16="http://schemas.microsoft.com/office/drawing/2014/main" id="{74B33D01-E5BC-4DFE-8EED-C30C5519E129}"/>
+              </a:ext>
+            </a:extLst>
+          </p:cNvPr>
+          <p:cNvSpPr>
+            <a:spLocks noGrp="1"/>
+          </p:cNvSpPr>
+          <p:nvPr>
+            <p:ph idx="1"/>
+          </p:nvPr>
+        </p:nvSpPr>
+        <p:spPr>
+          <a:xfrm>
+            <a:off x="838200" y="1825624"/>
+            <a:ext cx="10515600" cy="4793539"/>
+          </a:xfrm>
+        </p:spPr>
+        <p:txBody>
+          <a:bodyPr/>
+          <a:lstStyle/>
+          <a:p>
+            <a:r>
+              <a:rPr lang="en-GB" dirty="0"/>
+              <a:t>One of the most common ways to define Schema</a:t>
+            </a:r>
+          </a:p>
+          <a:p>
+            <a:r>
+              <a:rPr lang="en-GB" dirty="0"/>
+              <a:t>Typed Language</a:t>
+            </a:r>
+          </a:p>
+          <a:p>
+            <a:pPr marL="0" indent="0">
+              <a:buNone/>
+            </a:pPr>
+            <a:endParaRPr lang="en-GB" dirty="0"/>
+          </a:p>
+          <a:p>
+            <a:pPr marL="0" indent="0">
+              <a:buNone/>
+            </a:pPr>
+            <a:r>
+              <a:rPr lang="en-GB" sz="1800" dirty="0">
+                <a:latin typeface="Arial" panose="020B0604020202020204" pitchFamily="34" charset="0"/>
+                <a:cs typeface="Arial" panose="020B0604020202020204" pitchFamily="34" charset="0"/>
+              </a:rPr>
+              <a:t>Below is a simple example of an Object Type defined using </a:t>
+            </a:r>
+            <a:r>
+              <a:rPr lang="en-GB" sz="1800" dirty="0" err="1">
+                <a:latin typeface="Arial" panose="020B0604020202020204" pitchFamily="34" charset="0"/>
+                <a:cs typeface="Arial" panose="020B0604020202020204" pitchFamily="34" charset="0"/>
+              </a:rPr>
+              <a:t>GraphQL</a:t>
+            </a:r>
+            <a:r>
+              <a:rPr lang="en-GB" sz="1800" dirty="0">
+                <a:latin typeface="Arial" panose="020B0604020202020204" pitchFamily="34" charset="0"/>
+                <a:cs typeface="Arial" panose="020B0604020202020204" pitchFamily="34" charset="0"/>
+              </a:rPr>
+              <a:t> SDL:</a:t>
+            </a:r>
+          </a:p>
+          <a:p>
+            <a:pPr marL="0" indent="0">
+              <a:buNone/>
+            </a:pPr>
+            <a:endParaRPr lang="en-GB" dirty="0"/>
+          </a:p>
+        </p:txBody>
+      </p:sp>
+      <p:pic>
+        <p:nvPicPr>
+          <p:cNvPr id="4" name="Picture 3">
+            <a:extLst>
+              <a:ext uri="{FF2B5EF4-FFF2-40B4-BE49-F238E27FC236}">
+                <a16:creationId xmlns:a16="http://schemas.microsoft.com/office/drawing/2014/main" id="{71209898-D6A6-422B-A205-4AF0BB1D13D3}"/>
+              </a:ext>
+            </a:extLst>
+          </p:cNvPr>
+          <p:cNvPicPr>
+            <a:picLocks noChangeAspect="1"/>
+          </p:cNvPicPr>
+          <p:nvPr/>
+        </p:nvPicPr>
+        <p:blipFill>
+          <a:blip r:embed="rId2"/>
+          <a:stretch>
+            <a:fillRect/>
+          </a:stretch>
+        </p:blipFill>
+        <p:spPr>
+          <a:xfrm>
+            <a:off x="944275" y="4464050"/>
+            <a:ext cx="2962275" cy="1847850"/>
+          </a:xfrm>
+          <a:prstGeom prst="rect">
+            <a:avLst/>
+          </a:prstGeom>
+        </p:spPr>
+      </p:pic>
+    </p:spTree>
+    <p:extLst>
+      <p:ext uri="{BB962C8B-B14F-4D97-AF65-F5344CB8AC3E}">
+        <p14:creationId xmlns:p14="http://schemas.microsoft.com/office/powerpoint/2010/main" val="3020784088"/>
+      </p:ext>
+    </p:extLst>
+  </p:cSld>
+  <p:clrMapOvr>
+    <a:masterClrMapping/>
+  </p:clrMapOvr>
+</p:sld>
+</file>
+
+<file path=ppt/slides/slide13.xml><?xml version="1.0" encoding="utf-8"?>
+<p:sld xmlns:a="http://schemas.openxmlformats.org/drawingml/2006/main" xmlns:r="http://schemas.openxmlformats.org/officeDocument/2006/relationships" xmlns:p="http://schemas.openxmlformats.org/presentationml/2006/main">
+  <p:cSld>
+    <p:spTree>
+      <p:nvGrpSpPr>
+        <p:cNvPr id="1" name=""/>
+        <p:cNvGrpSpPr/>
+        <p:nvPr/>
+      </p:nvGrpSpPr>
+      <p:grpSpPr>
+        <a:xfrm>
+          <a:off x="0" y="0"/>
+          <a:ext cx="0" cy="0"/>
+          <a:chOff x="0" y="0"/>
+          <a:chExt cx="0" cy="0"/>
+        </a:xfrm>
+      </p:grpSpPr>
+      <p:sp>
+        <p:nvSpPr>
+          <p:cNvPr id="2" name="Title 1">
+            <a:extLst>
+              <a:ext uri="{FF2B5EF4-FFF2-40B4-BE49-F238E27FC236}">
+                <a16:creationId xmlns:a16="http://schemas.microsoft.com/office/drawing/2014/main" id="{7995D02D-56B8-4AE2-AF9C-CA9EB76410A7}"/>
+              </a:ext>
+            </a:extLst>
+          </p:cNvPr>
+          <p:cNvSpPr>
+            <a:spLocks noGrp="1"/>
+          </p:cNvSpPr>
+          <p:nvPr>
+            <p:ph type="title"/>
+          </p:nvPr>
+        </p:nvSpPr>
+        <p:spPr/>
+        <p:txBody>
+          <a:bodyPr/>
+          <a:lstStyle/>
+          <a:p>
+            <a:r>
+              <a:rPr lang="en-GB" dirty="0"/>
+              <a:t>A Simple Schema</a:t>
+            </a:r>
+          </a:p>
+        </p:txBody>
+      </p:sp>
+      <p:pic>
+        <p:nvPicPr>
+          <p:cNvPr id="4" name="Content Placeholder 3">
+            <a:extLst>
+              <a:ext uri="{FF2B5EF4-FFF2-40B4-BE49-F238E27FC236}">
+                <a16:creationId xmlns:a16="http://schemas.microsoft.com/office/drawing/2014/main" id="{38B58097-2BF9-43E7-AAAB-FD10893454DE}"/>
+              </a:ext>
+            </a:extLst>
+          </p:cNvPr>
+          <p:cNvPicPr>
+            <a:picLocks noGrp="1" noChangeAspect="1"/>
+          </p:cNvPicPr>
+          <p:nvPr>
+            <p:ph idx="1"/>
+          </p:nvPr>
+        </p:nvPicPr>
+        <p:blipFill>
+          <a:blip r:embed="rId2"/>
+          <a:stretch>
+            <a:fillRect/>
+          </a:stretch>
+        </p:blipFill>
+        <p:spPr>
+          <a:xfrm>
+            <a:off x="7983940" y="1567001"/>
+            <a:ext cx="3944085" cy="5134049"/>
+          </a:xfrm>
+          <a:prstGeom prst="rect">
+            <a:avLst/>
+          </a:prstGeom>
+        </p:spPr>
+      </p:pic>
+      <p:pic>
+        <p:nvPicPr>
+          <p:cNvPr id="5" name="Picture 4">
+            <a:extLst>
+              <a:ext uri="{FF2B5EF4-FFF2-40B4-BE49-F238E27FC236}">
+                <a16:creationId xmlns:a16="http://schemas.microsoft.com/office/drawing/2014/main" id="{D3B67A5A-A292-4623-84BF-1D242AD57160}"/>
+              </a:ext>
+            </a:extLst>
+          </p:cNvPr>
+          <p:cNvPicPr>
+            <a:picLocks noChangeAspect="1"/>
+          </p:cNvPicPr>
+          <p:nvPr/>
+        </p:nvPicPr>
+        <p:blipFill>
+          <a:blip r:embed="rId3"/>
+          <a:stretch>
+            <a:fillRect/>
+          </a:stretch>
+        </p:blipFill>
+        <p:spPr>
+          <a:xfrm>
+            <a:off x="4369905" y="1567001"/>
+            <a:ext cx="3452190" cy="2868582"/>
+          </a:xfrm>
+          <a:prstGeom prst="rect">
+            <a:avLst/>
+          </a:prstGeom>
+        </p:spPr>
+      </p:pic>
+      <p:sp>
+        <p:nvSpPr>
+          <p:cNvPr id="8" name="TextBox 7">
+            <a:extLst>
+              <a:ext uri="{FF2B5EF4-FFF2-40B4-BE49-F238E27FC236}">
+                <a16:creationId xmlns:a16="http://schemas.microsoft.com/office/drawing/2014/main" id="{CC684E0E-CBBD-47CC-80B0-955236168D9B}"/>
+              </a:ext>
+            </a:extLst>
+          </p:cNvPr>
+          <p:cNvSpPr txBox="1"/>
+          <p:nvPr/>
+        </p:nvSpPr>
+        <p:spPr>
+          <a:xfrm>
+            <a:off x="263975" y="1622867"/>
+            <a:ext cx="3944085" cy="7294305"/>
+          </a:xfrm>
+          <a:prstGeom prst="rect">
+            <a:avLst/>
+          </a:prstGeom>
+          <a:noFill/>
+        </p:spPr>
+        <p:txBody>
+          <a:bodyPr wrap="square" rtlCol="0">
+            <a:spAutoFit/>
+          </a:bodyPr>
+          <a:lstStyle/>
+          <a:p>
+            <a:r>
+              <a:rPr lang="en-GB" b="1" dirty="0"/>
+              <a:t>type Course</a:t>
+            </a:r>
+          </a:p>
+          <a:p>
+            <a:endParaRPr lang="en-GB" b="1" dirty="0"/>
+          </a:p>
+          <a:p>
+            <a:pPr marL="285750" indent="-285750">
+              <a:buFont typeface="Arial" panose="020B0604020202020204" pitchFamily="34" charset="0"/>
+              <a:buChar char="•"/>
+            </a:pPr>
+            <a:r>
+              <a:rPr lang="en-GB" dirty="0"/>
+              <a:t>an Object Type. </a:t>
+            </a:r>
+          </a:p>
+          <a:p>
+            <a:pPr marL="285750" indent="-285750">
+              <a:buFont typeface="Arial" panose="020B0604020202020204" pitchFamily="34" charset="0"/>
+              <a:buChar char="•"/>
+            </a:pPr>
+            <a:r>
+              <a:rPr lang="en-GB" dirty="0"/>
+              <a:t>defines the structure of the courses ‘model’. </a:t>
+            </a:r>
+          </a:p>
+          <a:p>
+            <a:pPr marL="285750" indent="-285750">
+              <a:buFont typeface="Arial" panose="020B0604020202020204" pitchFamily="34" charset="0"/>
+              <a:buChar char="•"/>
+            </a:pPr>
+            <a:endParaRPr lang="en-GB" dirty="0"/>
+          </a:p>
+          <a:p>
+            <a:r>
+              <a:rPr lang="en-GB" b="1" dirty="0"/>
+              <a:t>type Query</a:t>
+            </a:r>
+          </a:p>
+          <a:p>
+            <a:endParaRPr lang="en-GB" b="1" dirty="0"/>
+          </a:p>
+          <a:p>
+            <a:pPr marL="285750" indent="-285750">
+              <a:buFont typeface="Arial" panose="020B0604020202020204" pitchFamily="34" charset="0"/>
+              <a:buChar char="•"/>
+            </a:pPr>
+            <a:r>
+              <a:rPr lang="en-GB" dirty="0"/>
+              <a:t>a type of Root Type</a:t>
+            </a:r>
+          </a:p>
+          <a:p>
+            <a:pPr marL="285750" indent="-285750">
+              <a:buFont typeface="Arial" panose="020B0604020202020204" pitchFamily="34" charset="0"/>
+              <a:buChar char="•"/>
+            </a:pPr>
+            <a:r>
+              <a:rPr lang="en-GB" dirty="0"/>
+              <a:t>Equivalent to </a:t>
+            </a:r>
+            <a:r>
+              <a:rPr lang="en-GB" b="1" dirty="0"/>
+              <a:t>GET </a:t>
+            </a:r>
+            <a:r>
+              <a:rPr lang="en-GB" dirty="0"/>
+              <a:t>in </a:t>
+            </a:r>
+            <a:r>
+              <a:rPr lang="en-GB" b="1" dirty="0"/>
+              <a:t>REST</a:t>
+            </a:r>
+          </a:p>
+          <a:p>
+            <a:endParaRPr lang="en-GB" b="1" dirty="0"/>
+          </a:p>
+          <a:p>
+            <a:r>
+              <a:rPr lang="en-GB" b="1" dirty="0"/>
+              <a:t>Other Root Types are:</a:t>
+            </a:r>
+          </a:p>
+          <a:p>
+            <a:endParaRPr lang="en-GB" b="1" dirty="0"/>
+          </a:p>
+          <a:p>
+            <a:pPr marL="285750" indent="-285750">
+              <a:buFont typeface="Arial" panose="020B0604020202020204" pitchFamily="34" charset="0"/>
+              <a:buChar char="•"/>
+            </a:pPr>
+            <a:r>
+              <a:rPr lang="en-GB" b="1" dirty="0"/>
+              <a:t>type Mutation: </a:t>
+            </a:r>
+            <a:r>
+              <a:rPr lang="en-GB" dirty="0"/>
+              <a:t>equivalent to POST, </a:t>
+            </a:r>
+          </a:p>
+          <a:p>
+            <a:r>
+              <a:rPr lang="en-GB" dirty="0"/>
+              <a:t>	UPDATE and DELETE in REST</a:t>
+            </a:r>
+          </a:p>
+          <a:p>
+            <a:pPr marL="285750" indent="-285750">
+              <a:buFont typeface="Arial" panose="020B0604020202020204" pitchFamily="34" charset="0"/>
+              <a:buChar char="•"/>
+            </a:pPr>
+            <a:r>
+              <a:rPr lang="en-GB" b="1" dirty="0"/>
+              <a:t>type Subscription: </a:t>
+            </a:r>
+            <a:r>
+              <a:rPr lang="en-GB" dirty="0"/>
+              <a:t>Provides Realtime Updates. Currently experimental</a:t>
+            </a:r>
+          </a:p>
+          <a:p>
+            <a:pPr marL="285750" indent="-285750">
+              <a:buFont typeface="Arial" panose="020B0604020202020204" pitchFamily="34" charset="0"/>
+              <a:buChar char="•"/>
+            </a:pPr>
+            <a:endParaRPr lang="en-GB" dirty="0"/>
+          </a:p>
+          <a:p>
+            <a:pPr marL="285750" indent="-285750">
+              <a:buFont typeface="Arial" panose="020B0604020202020204" pitchFamily="34" charset="0"/>
+              <a:buChar char="•"/>
+            </a:pPr>
+            <a:endParaRPr lang="en-GB" dirty="0"/>
+          </a:p>
+          <a:p>
+            <a:pPr marL="285750" indent="-285750">
+              <a:buFont typeface="Arial" panose="020B0604020202020204" pitchFamily="34" charset="0"/>
+              <a:buChar char="•"/>
+            </a:pPr>
+            <a:endParaRPr lang="en-GB" dirty="0"/>
+          </a:p>
+          <a:p>
+            <a:pPr marL="285750" indent="-285750">
+              <a:buFont typeface="Arial" panose="020B0604020202020204" pitchFamily="34" charset="0"/>
+              <a:buChar char="•"/>
+            </a:pPr>
+            <a:endParaRPr lang="en-GB" dirty="0"/>
+          </a:p>
+          <a:p>
+            <a:pPr marL="285750" indent="-285750">
+              <a:buFont typeface="Arial" panose="020B0604020202020204" pitchFamily="34" charset="0"/>
+              <a:buChar char="•"/>
+            </a:pPr>
+            <a:endParaRPr lang="en-GB" dirty="0"/>
+          </a:p>
+          <a:p>
+            <a:pPr marL="285750" indent="-285750">
+              <a:buFont typeface="Arial" panose="020B0604020202020204" pitchFamily="34" charset="0"/>
+              <a:buChar char="•"/>
+            </a:pPr>
+            <a:endParaRPr lang="en-GB" dirty="0"/>
+          </a:p>
+          <a:p>
+            <a:pPr marL="285750" indent="-285750">
+              <a:buFont typeface="Arial" panose="020B0604020202020204" pitchFamily="34" charset="0"/>
+              <a:buChar char="•"/>
+            </a:pPr>
+            <a:endParaRPr lang="en-GB" dirty="0"/>
+          </a:p>
+          <a:p>
+            <a:pPr marL="285750" indent="-285750">
+              <a:buFont typeface="Arial" panose="020B0604020202020204" pitchFamily="34" charset="0"/>
+              <a:buChar char="•"/>
+            </a:pPr>
+            <a:endParaRPr lang="en-GB" dirty="0"/>
+          </a:p>
+        </p:txBody>
+      </p:sp>
+    </p:spTree>
+    <p:extLst>
+      <p:ext uri="{BB962C8B-B14F-4D97-AF65-F5344CB8AC3E}">
+        <p14:creationId xmlns:p14="http://schemas.microsoft.com/office/powerpoint/2010/main" val="3041054050"/>
+      </p:ext>
+    </p:extLst>
+  </p:cSld>
+  <p:clrMapOvr>
+    <a:masterClrMapping/>
+  </p:clrMapOvr>
+</p:sld>
+</file>
+
+<file path=ppt/slides/slide14.xml><?xml version="1.0" encoding="utf-8"?>
+<p:sld xmlns:a="http://schemas.openxmlformats.org/drawingml/2006/main" xmlns:r="http://schemas.openxmlformats.org/officeDocument/2006/relationships" xmlns:p="http://schemas.openxmlformats.org/presentationml/2006/main">
+  <p:cSld>
+    <p:spTree>
+      <p:nvGrpSpPr>
+        <p:cNvPr id="1" name=""/>
+        <p:cNvGrpSpPr/>
+        <p:nvPr/>
+      </p:nvGrpSpPr>
+      <p:grpSpPr>
+        <a:xfrm>
+          <a:off x="0" y="0"/>
+          <a:ext cx="0" cy="0"/>
+          <a:chOff x="0" y="0"/>
+          <a:chExt cx="0" cy="0"/>
+        </a:xfrm>
+      </p:grpSpPr>
+      <p:sp>
+        <p:nvSpPr>
+          <p:cNvPr id="2" name="Title 1">
+            <a:extLst>
+              <a:ext uri="{FF2B5EF4-FFF2-40B4-BE49-F238E27FC236}">
+                <a16:creationId xmlns:a16="http://schemas.microsoft.com/office/drawing/2014/main" id="{83B2E181-C10A-4D7E-BA08-5E00B5FC5091}"/>
+              </a:ext>
+            </a:extLst>
+          </p:cNvPr>
+          <p:cNvSpPr>
+            <a:spLocks noGrp="1"/>
+          </p:cNvSpPr>
+          <p:nvPr>
+            <p:ph type="title"/>
+          </p:nvPr>
+        </p:nvSpPr>
+        <p:spPr/>
+        <p:txBody>
+          <a:bodyPr/>
+          <a:lstStyle/>
+          <a:p>
+            <a:r>
+              <a:rPr lang="en-GB" b="1" dirty="0"/>
+              <a:t>Queries</a:t>
+            </a:r>
+          </a:p>
+        </p:txBody>
+      </p:sp>
+      <p:sp>
+        <p:nvSpPr>
+          <p:cNvPr id="3" name="Content Placeholder 2">
+            <a:extLst>
+              <a:ext uri="{FF2B5EF4-FFF2-40B4-BE49-F238E27FC236}">
+                <a16:creationId xmlns:a16="http://schemas.microsoft.com/office/drawing/2014/main" id="{43B538C1-52AB-423F-8A85-E4DF1D2F5693}"/>
+              </a:ext>
+            </a:extLst>
+          </p:cNvPr>
+          <p:cNvSpPr>
+            <a:spLocks noGrp="1"/>
+          </p:cNvSpPr>
+          <p:nvPr>
+            <p:ph idx="1"/>
+          </p:nvPr>
+        </p:nvSpPr>
+        <p:spPr/>
+        <p:txBody>
+          <a:bodyPr/>
+          <a:lstStyle/>
+          <a:p>
+            <a:endParaRPr lang="en-GB" dirty="0"/>
+          </a:p>
+        </p:txBody>
+      </p:sp>
+    </p:spTree>
+    <p:extLst>
+      <p:ext uri="{BB962C8B-B14F-4D97-AF65-F5344CB8AC3E}">
+        <p14:creationId xmlns:p14="http://schemas.microsoft.com/office/powerpoint/2010/main" val="1108600773"/>
+      </p:ext>
+    </p:extLst>
+  </p:cSld>
+  <p:clrMapOvr>
+    <a:masterClrMapping/>
+  </p:clrMapOvr>
+</p:sld>
+</file>
+
+<file path=ppt/slides/slide15.xml><?xml version="1.0" encoding="utf-8"?>
+<p:sld xmlns:a="http://schemas.openxmlformats.org/drawingml/2006/main" xmlns:r="http://schemas.openxmlformats.org/officeDocument/2006/relationships" xmlns:p="http://schemas.openxmlformats.org/presentationml/2006/main">
+  <p:cSld>
+    <p:spTree>
+      <p:nvGrpSpPr>
+        <p:cNvPr id="1" name=""/>
+        <p:cNvGrpSpPr/>
+        <p:nvPr/>
+      </p:nvGrpSpPr>
+      <p:grpSpPr>
+        <a:xfrm>
+          <a:off x="0" y="0"/>
+          <a:ext cx="0" cy="0"/>
+          <a:chOff x="0" y="0"/>
+          <a:chExt cx="0" cy="0"/>
+        </a:xfrm>
+      </p:grpSpPr>
+      <p:sp>
+        <p:nvSpPr>
+          <p:cNvPr id="2" name="Title 1">
+            <a:extLst>
+              <a:ext uri="{FF2B5EF4-FFF2-40B4-BE49-F238E27FC236}">
+                <a16:creationId xmlns:a16="http://schemas.microsoft.com/office/drawing/2014/main" id="{C6ACE1D4-FACE-4C30-8601-10CDB72DE9E4}"/>
+              </a:ext>
+            </a:extLst>
+          </p:cNvPr>
+          <p:cNvSpPr>
+            <a:spLocks noGrp="1"/>
+          </p:cNvSpPr>
+          <p:nvPr>
+            <p:ph type="title"/>
+          </p:nvPr>
+        </p:nvSpPr>
+        <p:spPr/>
+        <p:txBody>
+          <a:bodyPr/>
+          <a:lstStyle/>
+          <a:p>
+            <a:r>
+              <a:rPr lang="en-GB" dirty="0"/>
+              <a:t>Resolvers</a:t>
+            </a:r>
+          </a:p>
+        </p:txBody>
+      </p:sp>
+      <p:sp>
+        <p:nvSpPr>
+          <p:cNvPr id="3" name="Content Placeholder 2">
+            <a:extLst>
+              <a:ext uri="{FF2B5EF4-FFF2-40B4-BE49-F238E27FC236}">
+                <a16:creationId xmlns:a16="http://schemas.microsoft.com/office/drawing/2014/main" id="{F37FCA24-5BEE-4241-8497-D547DB502F2D}"/>
+              </a:ext>
+            </a:extLst>
+          </p:cNvPr>
+          <p:cNvSpPr>
+            <a:spLocks noGrp="1"/>
+          </p:cNvSpPr>
+          <p:nvPr>
+            <p:ph idx="1"/>
+          </p:nvPr>
+        </p:nvSpPr>
+        <p:spPr/>
+        <p:txBody>
+          <a:bodyPr/>
+          <a:lstStyle/>
+          <a:p>
+            <a:endParaRPr lang="en-GB" dirty="0"/>
+          </a:p>
+        </p:txBody>
+      </p:sp>
+    </p:spTree>
+    <p:extLst>
+      <p:ext uri="{BB962C8B-B14F-4D97-AF65-F5344CB8AC3E}">
+        <p14:creationId xmlns:p14="http://schemas.microsoft.com/office/powerpoint/2010/main" val="4266476312"/>
+      </p:ext>
+    </p:extLst>
+  </p:cSld>
+  <p:clrMapOvr>
+    <a:masterClrMapping/>
+  </p:clrMapOvr>
+</p:sld>
+</file>
+
+<file path=ppt/slides/slide16.xml><?xml version="1.0" encoding="utf-8"?>
+<p:sld xmlns:a="http://schemas.openxmlformats.org/drawingml/2006/main" xmlns:r="http://schemas.openxmlformats.org/officeDocument/2006/relationships" xmlns:p="http://schemas.openxmlformats.org/presentationml/2006/main">
+  <p:cSld>
+    <p:spTree>
+      <p:nvGrpSpPr>
+        <p:cNvPr id="1" name=""/>
+        <p:cNvGrpSpPr/>
+        <p:nvPr/>
+      </p:nvGrpSpPr>
+      <p:grpSpPr>
+        <a:xfrm>
+          <a:off x="0" y="0"/>
+          <a:ext cx="0" cy="0"/>
+          <a:chOff x="0" y="0"/>
+          <a:chExt cx="0" cy="0"/>
+        </a:xfrm>
+      </p:grpSpPr>
+      <p:sp>
+        <p:nvSpPr>
+          <p:cNvPr id="2" name="Title 1">
+            <a:extLst>
+              <a:ext uri="{FF2B5EF4-FFF2-40B4-BE49-F238E27FC236}">
+                <a16:creationId xmlns:a16="http://schemas.microsoft.com/office/drawing/2014/main" id="{C17ACC09-60FE-433B-BCAF-A3D0C2D38E51}"/>
+              </a:ext>
+            </a:extLst>
+          </p:cNvPr>
+          <p:cNvSpPr>
+            <a:spLocks noGrp="1"/>
+          </p:cNvSpPr>
+          <p:nvPr>
+            <p:ph type="title"/>
+          </p:nvPr>
+        </p:nvSpPr>
+        <p:spPr/>
+        <p:txBody>
+          <a:bodyPr/>
+          <a:lstStyle/>
+          <a:p>
+            <a:r>
+              <a:rPr lang="en-GB" dirty="0"/>
+              <a:t>Live Demo</a:t>
+            </a:r>
+          </a:p>
+        </p:txBody>
+      </p:sp>
+      <p:sp>
+        <p:nvSpPr>
+          <p:cNvPr id="3" name="Content Placeholder 2">
+            <a:extLst>
+              <a:ext uri="{FF2B5EF4-FFF2-40B4-BE49-F238E27FC236}">
+                <a16:creationId xmlns:a16="http://schemas.microsoft.com/office/drawing/2014/main" id="{032CD588-C8E3-4BFE-A446-3256F3D62076}"/>
+              </a:ext>
+            </a:extLst>
+          </p:cNvPr>
+          <p:cNvSpPr>
+            <a:spLocks noGrp="1"/>
+          </p:cNvSpPr>
+          <p:nvPr>
+            <p:ph idx="1"/>
+          </p:nvPr>
+        </p:nvSpPr>
+        <p:spPr/>
+        <p:txBody>
+          <a:bodyPr/>
+          <a:lstStyle/>
+          <a:p>
+            <a:endParaRPr lang="en-GB"/>
+          </a:p>
+        </p:txBody>
+      </p:sp>
+    </p:spTree>
+    <p:extLst>
+      <p:ext uri="{BB962C8B-B14F-4D97-AF65-F5344CB8AC3E}">
+        <p14:creationId xmlns:p14="http://schemas.microsoft.com/office/powerpoint/2010/main" val="3417984309"/>
+      </p:ext>
+    </p:extLst>
+  </p:cSld>
+  <p:clrMapOvr>
+    <a:masterClrMapping/>
+  </p:clrMapOvr>
+</p:sld>
+</file>
+
 <file path=ppt/slides/slide2.xml><?xml version="1.0" encoding="utf-8"?>
 <p:sld xmlns:a="http://schemas.openxmlformats.org/drawingml/2006/main" xmlns:r="http://schemas.openxmlformats.org/officeDocument/2006/relationships" xmlns:p="http://schemas.openxmlformats.org/presentationml/2006/main">
   <p:cSld>
@@ -3896,6 +4892,112 @@
       </p:grpSpPr>
       <p:sp>
         <p:nvSpPr>
+          <p:cNvPr id="2" name="Title 1">
+            <a:extLst>
+              <a:ext uri="{FF2B5EF4-FFF2-40B4-BE49-F238E27FC236}">
+                <a16:creationId xmlns:a16="http://schemas.microsoft.com/office/drawing/2014/main" id="{1F25C1B4-9501-42C1-8603-CEB6C63094E9}"/>
+              </a:ext>
+            </a:extLst>
+          </p:cNvPr>
+          <p:cNvSpPr>
+            <a:spLocks noGrp="1"/>
+          </p:cNvSpPr>
+          <p:nvPr>
+            <p:ph type="title"/>
+          </p:nvPr>
+        </p:nvSpPr>
+        <p:spPr/>
+        <p:txBody>
+          <a:bodyPr/>
+          <a:lstStyle/>
+          <a:p>
+            <a:r>
+              <a:rPr lang="en-GB" dirty="0"/>
+              <a:t>What is </a:t>
+            </a:r>
+            <a:r>
+              <a:rPr lang="en-GB" dirty="0" err="1"/>
+              <a:t>GraphQL</a:t>
+            </a:r>
+            <a:endParaRPr lang="en-GB" dirty="0"/>
+          </a:p>
+        </p:txBody>
+      </p:sp>
+      <p:sp>
+        <p:nvSpPr>
+          <p:cNvPr id="3" name="Content Placeholder 2">
+            <a:extLst>
+              <a:ext uri="{FF2B5EF4-FFF2-40B4-BE49-F238E27FC236}">
+                <a16:creationId xmlns:a16="http://schemas.microsoft.com/office/drawing/2014/main" id="{6B8C41F0-62B7-4E9C-8239-5307582A2381}"/>
+              </a:ext>
+            </a:extLst>
+          </p:cNvPr>
+          <p:cNvSpPr>
+            <a:spLocks noGrp="1"/>
+          </p:cNvSpPr>
+          <p:nvPr>
+            <p:ph idx="1"/>
+          </p:nvPr>
+        </p:nvSpPr>
+        <p:spPr/>
+        <p:txBody>
+          <a:bodyPr/>
+          <a:lstStyle/>
+          <a:p>
+            <a:r>
+              <a:rPr lang="en-GB" dirty="0"/>
+              <a:t>A query language for your API</a:t>
+            </a:r>
+          </a:p>
+          <a:p>
+            <a:endParaRPr lang="en-GB" dirty="0"/>
+          </a:p>
+          <a:p>
+            <a:r>
+              <a:rPr lang="en-GB" dirty="0"/>
+              <a:t>And a server-side runtime for executing queries </a:t>
+            </a:r>
+          </a:p>
+          <a:p>
+            <a:endParaRPr lang="en-GB" dirty="0"/>
+          </a:p>
+          <a:p>
+            <a:endParaRPr lang="en-GB" dirty="0"/>
+          </a:p>
+        </p:txBody>
+      </p:sp>
+    </p:spTree>
+    <p:extLst>
+      <p:ext uri="{BB962C8B-B14F-4D97-AF65-F5344CB8AC3E}">
+        <p14:creationId xmlns:p14="http://schemas.microsoft.com/office/powerpoint/2010/main" val="1327652700"/>
+      </p:ext>
+    </p:extLst>
+  </p:cSld>
+  <p:clrMapOvr>
+    <a:masterClrMapping/>
+  </p:clrMapOvr>
+</p:sld>
+</file>
+
+<file path=ppt/slides/slide5.xml><?xml version="1.0" encoding="utf-8"?>
+<p:sld xmlns:a="http://schemas.openxmlformats.org/drawingml/2006/main" xmlns:r="http://schemas.openxmlformats.org/officeDocument/2006/relationships" xmlns:p="http://schemas.openxmlformats.org/presentationml/2006/main">
+  <p:cSld>
+    <p:spTree>
+      <p:nvGrpSpPr>
+        <p:cNvPr id="1" name=""/>
+        <p:cNvGrpSpPr/>
+        <p:nvPr/>
+      </p:nvGrpSpPr>
+      <p:grpSpPr>
+        <a:xfrm>
+          <a:off x="0" y="0"/>
+          <a:ext cx="0" cy="0"/>
+          <a:chOff x="0" y="0"/>
+          <a:chExt cx="0" cy="0"/>
+        </a:xfrm>
+      </p:grpSpPr>
+      <p:sp>
+        <p:nvSpPr>
           <p:cNvPr id="3" name="Content Placeholder 2">
             <a:extLst>
               <a:ext uri="{FF2B5EF4-FFF2-40B4-BE49-F238E27FC236}">
@@ -3964,7 +5066,7 @@
 </p:sld>
 </file>
 
-<file path=ppt/slides/slide5.xml><?xml version="1.0" encoding="utf-8"?>
+<file path=ppt/slides/slide6.xml><?xml version="1.0" encoding="utf-8"?>
 <p:sld xmlns:a="http://schemas.openxmlformats.org/drawingml/2006/main" xmlns:r="http://schemas.openxmlformats.org/officeDocument/2006/relationships" xmlns:p="http://schemas.openxmlformats.org/presentationml/2006/main">
   <p:cSld>
     <p:spTree>
@@ -4075,165 +5177,6 @@
 </p:sld>
 </file>
 
-<file path=ppt/slides/slide6.xml><?xml version="1.0" encoding="utf-8"?>
-<p:sld xmlns:a="http://schemas.openxmlformats.org/drawingml/2006/main" xmlns:r="http://schemas.openxmlformats.org/officeDocument/2006/relationships" xmlns:p="http://schemas.openxmlformats.org/presentationml/2006/main">
-  <p:cSld>
-    <p:spTree>
-      <p:nvGrpSpPr>
-        <p:cNvPr id="1" name=""/>
-        <p:cNvGrpSpPr/>
-        <p:nvPr/>
-      </p:nvGrpSpPr>
-      <p:grpSpPr>
-        <a:xfrm>
-          <a:off x="0" y="0"/>
-          <a:ext cx="0" cy="0"/>
-          <a:chOff x="0" y="0"/>
-          <a:chExt cx="0" cy="0"/>
-        </a:xfrm>
-      </p:grpSpPr>
-      <p:sp>
-        <p:nvSpPr>
-          <p:cNvPr id="2" name="Title 1">
-            <a:extLst>
-              <a:ext uri="{FF2B5EF4-FFF2-40B4-BE49-F238E27FC236}">
-                <a16:creationId xmlns:a16="http://schemas.microsoft.com/office/drawing/2014/main" id="{DB0C4B2F-920D-4427-BBAB-D13309EBBB80}"/>
-              </a:ext>
-            </a:extLst>
-          </p:cNvPr>
-          <p:cNvSpPr>
-            <a:spLocks noGrp="1"/>
-          </p:cNvSpPr>
-          <p:nvPr>
-            <p:ph type="title"/>
-          </p:nvPr>
-        </p:nvSpPr>
-        <p:spPr/>
-        <p:txBody>
-          <a:bodyPr>
-            <a:normAutofit/>
-          </a:bodyPr>
-          <a:lstStyle/>
-          <a:p>
-            <a:r>
-              <a:rPr lang="en-GB" sz="6000" dirty="0">
-                <a:latin typeface="Arial" panose="020B0604020202020204" pitchFamily="34" charset="0"/>
-                <a:cs typeface="Arial" panose="020B0604020202020204" pitchFamily="34" charset="0"/>
-              </a:rPr>
-              <a:t>Application Data </a:t>
-            </a:r>
-            <a:r>
-              <a:rPr lang="en-GB" sz="6000" b="1" dirty="0">
-                <a:latin typeface="Arial" panose="020B0604020202020204" pitchFamily="34" charset="0"/>
-                <a:cs typeface="Arial" panose="020B0604020202020204" pitchFamily="34" charset="0"/>
-              </a:rPr>
-              <a:t>Graphs</a:t>
-            </a:r>
-            <a:endParaRPr lang="en-GB" sz="6000" dirty="0">
-              <a:latin typeface="Arial" panose="020B0604020202020204" pitchFamily="34" charset="0"/>
-              <a:cs typeface="Arial" panose="020B0604020202020204" pitchFamily="34" charset="0"/>
-            </a:endParaRPr>
-          </a:p>
-        </p:txBody>
-      </p:sp>
-      <p:sp>
-        <p:nvSpPr>
-          <p:cNvPr id="3" name="Content Placeholder 2">
-            <a:extLst>
-              <a:ext uri="{FF2B5EF4-FFF2-40B4-BE49-F238E27FC236}">
-                <a16:creationId xmlns:a16="http://schemas.microsoft.com/office/drawing/2014/main" id="{B9080104-3D62-4B1F-89EE-D0872427203E}"/>
-              </a:ext>
-            </a:extLst>
-          </p:cNvPr>
-          <p:cNvSpPr>
-            <a:spLocks noGrp="1"/>
-          </p:cNvSpPr>
-          <p:nvPr>
-            <p:ph idx="1"/>
-          </p:nvPr>
-        </p:nvSpPr>
-        <p:spPr>
-          <a:xfrm>
-            <a:off x="838200" y="1936348"/>
-            <a:ext cx="10515600" cy="4351338"/>
-          </a:xfrm>
-        </p:spPr>
-        <p:txBody>
-          <a:bodyPr>
-            <a:noAutofit/>
-          </a:bodyPr>
-          <a:lstStyle/>
-          <a:p>
-            <a:r>
-              <a:rPr lang="en-GB" sz="3600" dirty="0"/>
-              <a:t>A lot of data in modern applications can be represented using a </a:t>
-            </a:r>
-            <a:r>
-              <a:rPr lang="en-GB" sz="3600" b="1" dirty="0"/>
-              <a:t>graph</a:t>
-            </a:r>
-            <a:r>
-              <a:rPr lang="en-GB" sz="3600" dirty="0"/>
-              <a:t> of </a:t>
-            </a:r>
-            <a:r>
-              <a:rPr lang="en-GB" sz="3600" b="1" dirty="0"/>
-              <a:t>Nodes</a:t>
-            </a:r>
-            <a:r>
-              <a:rPr lang="en-GB" sz="3600" dirty="0"/>
-              <a:t> and </a:t>
-            </a:r>
-            <a:r>
-              <a:rPr lang="en-GB" sz="3600" b="1" dirty="0"/>
-              <a:t>Edges</a:t>
-            </a:r>
-            <a:r>
-              <a:rPr lang="en-GB" sz="3600" dirty="0"/>
-              <a:t>,</a:t>
-            </a:r>
-          </a:p>
-          <a:p>
-            <a:endParaRPr lang="en-GB" sz="3600" dirty="0"/>
-          </a:p>
-          <a:p>
-            <a:r>
-              <a:rPr lang="en-GB" sz="3600" b="1" dirty="0"/>
-              <a:t>Nodes</a:t>
-            </a:r>
-            <a:r>
-              <a:rPr lang="en-GB" sz="3600" dirty="0"/>
-              <a:t>: Represent Objects</a:t>
-            </a:r>
-          </a:p>
-          <a:p>
-            <a:endParaRPr lang="en-GB" sz="3600" dirty="0"/>
-          </a:p>
-          <a:p>
-            <a:r>
-              <a:rPr lang="en-GB" sz="3600" b="1" dirty="0"/>
-              <a:t>Edges</a:t>
-            </a:r>
-            <a:r>
-              <a:rPr lang="en-GB" sz="3600" dirty="0"/>
-              <a:t>: Represent relationship between these Object </a:t>
-            </a:r>
-          </a:p>
-        </p:txBody>
-      </p:sp>
-    </p:spTree>
-    <p:extLst>
-      <p:ext uri="{BB962C8B-B14F-4D97-AF65-F5344CB8AC3E}">
-        <p14:creationId xmlns:p14="http://schemas.microsoft.com/office/powerpoint/2010/main" val="2051387651"/>
-      </p:ext>
-    </p:extLst>
-  </p:cSld>
-  <p:clrMapOvr>
-    <a:masterClrMapping/>
-  </p:clrMapOvr>
-</p:sld>
-</file>
-
 <file path=ppt/slides/slide7.xml><?xml version="1.0" encoding="utf-8"?>
 <p:sld xmlns:a="http://schemas.openxmlformats.org/drawingml/2006/main" xmlns:r="http://schemas.openxmlformats.org/officeDocument/2006/relationships" xmlns:p="http://schemas.openxmlformats.org/presentationml/2006/main">
   <p:cSld>
@@ -4256,6 +5199,165 @@
           <p:cNvPr id="2" name="Title 1">
             <a:extLst>
               <a:ext uri="{FF2B5EF4-FFF2-40B4-BE49-F238E27FC236}">
+                <a16:creationId xmlns:a16="http://schemas.microsoft.com/office/drawing/2014/main" id="{DB0C4B2F-920D-4427-BBAB-D13309EBBB80}"/>
+              </a:ext>
+            </a:extLst>
+          </p:cNvPr>
+          <p:cNvSpPr>
+            <a:spLocks noGrp="1"/>
+          </p:cNvSpPr>
+          <p:nvPr>
+            <p:ph type="title"/>
+          </p:nvPr>
+        </p:nvSpPr>
+        <p:spPr/>
+        <p:txBody>
+          <a:bodyPr>
+            <a:normAutofit/>
+          </a:bodyPr>
+          <a:lstStyle/>
+          <a:p>
+            <a:r>
+              <a:rPr lang="en-GB" sz="6000" dirty="0">
+                <a:latin typeface="Arial" panose="020B0604020202020204" pitchFamily="34" charset="0"/>
+                <a:cs typeface="Arial" panose="020B0604020202020204" pitchFamily="34" charset="0"/>
+              </a:rPr>
+              <a:t>Application Data </a:t>
+            </a:r>
+            <a:r>
+              <a:rPr lang="en-GB" sz="6000" b="1" dirty="0">
+                <a:latin typeface="Arial" panose="020B0604020202020204" pitchFamily="34" charset="0"/>
+                <a:cs typeface="Arial" panose="020B0604020202020204" pitchFamily="34" charset="0"/>
+              </a:rPr>
+              <a:t>Graphs</a:t>
+            </a:r>
+            <a:endParaRPr lang="en-GB" sz="6000" dirty="0">
+              <a:latin typeface="Arial" panose="020B0604020202020204" pitchFamily="34" charset="0"/>
+              <a:cs typeface="Arial" panose="020B0604020202020204" pitchFamily="34" charset="0"/>
+            </a:endParaRPr>
+          </a:p>
+        </p:txBody>
+      </p:sp>
+      <p:sp>
+        <p:nvSpPr>
+          <p:cNvPr id="3" name="Content Placeholder 2">
+            <a:extLst>
+              <a:ext uri="{FF2B5EF4-FFF2-40B4-BE49-F238E27FC236}">
+                <a16:creationId xmlns:a16="http://schemas.microsoft.com/office/drawing/2014/main" id="{B9080104-3D62-4B1F-89EE-D0872427203E}"/>
+              </a:ext>
+            </a:extLst>
+          </p:cNvPr>
+          <p:cNvSpPr>
+            <a:spLocks noGrp="1"/>
+          </p:cNvSpPr>
+          <p:nvPr>
+            <p:ph idx="1"/>
+          </p:nvPr>
+        </p:nvSpPr>
+        <p:spPr>
+          <a:xfrm>
+            <a:off x="838200" y="1936348"/>
+            <a:ext cx="10515600" cy="4351338"/>
+          </a:xfrm>
+        </p:spPr>
+        <p:txBody>
+          <a:bodyPr>
+            <a:noAutofit/>
+          </a:bodyPr>
+          <a:lstStyle/>
+          <a:p>
+            <a:r>
+              <a:rPr lang="en-GB" sz="3600" dirty="0"/>
+              <a:t>A lot of data in modern applications can be represented using a </a:t>
+            </a:r>
+            <a:r>
+              <a:rPr lang="en-GB" sz="3600" b="1" dirty="0"/>
+              <a:t>graph</a:t>
+            </a:r>
+            <a:r>
+              <a:rPr lang="en-GB" sz="3600" dirty="0"/>
+              <a:t> of </a:t>
+            </a:r>
+            <a:r>
+              <a:rPr lang="en-GB" sz="3600" b="1" dirty="0"/>
+              <a:t>Nodes</a:t>
+            </a:r>
+            <a:r>
+              <a:rPr lang="en-GB" sz="3600" dirty="0"/>
+              <a:t> and </a:t>
+            </a:r>
+            <a:r>
+              <a:rPr lang="en-GB" sz="3600" b="1" dirty="0"/>
+              <a:t>Edges</a:t>
+            </a:r>
+            <a:r>
+              <a:rPr lang="en-GB" sz="3600" dirty="0"/>
+              <a:t>,</a:t>
+            </a:r>
+          </a:p>
+          <a:p>
+            <a:endParaRPr lang="en-GB" sz="3600" dirty="0"/>
+          </a:p>
+          <a:p>
+            <a:r>
+              <a:rPr lang="en-GB" sz="3600" b="1" dirty="0"/>
+              <a:t>Nodes</a:t>
+            </a:r>
+            <a:r>
+              <a:rPr lang="en-GB" sz="3600" dirty="0"/>
+              <a:t>: Represent Objects</a:t>
+            </a:r>
+          </a:p>
+          <a:p>
+            <a:endParaRPr lang="en-GB" sz="3600" dirty="0"/>
+          </a:p>
+          <a:p>
+            <a:r>
+              <a:rPr lang="en-GB" sz="3600" b="1" dirty="0"/>
+              <a:t>Edges</a:t>
+            </a:r>
+            <a:r>
+              <a:rPr lang="en-GB" sz="3600" dirty="0"/>
+              <a:t>: Represent relationship between these Object </a:t>
+            </a:r>
+          </a:p>
+        </p:txBody>
+      </p:sp>
+    </p:spTree>
+    <p:extLst>
+      <p:ext uri="{BB962C8B-B14F-4D97-AF65-F5344CB8AC3E}">
+        <p14:creationId xmlns:p14="http://schemas.microsoft.com/office/powerpoint/2010/main" val="2051387651"/>
+      </p:ext>
+    </p:extLst>
+  </p:cSld>
+  <p:clrMapOvr>
+    <a:masterClrMapping/>
+  </p:clrMapOvr>
+</p:sld>
+</file>
+
+<file path=ppt/slides/slide8.xml><?xml version="1.0" encoding="utf-8"?>
+<p:sld xmlns:a="http://schemas.openxmlformats.org/drawingml/2006/main" xmlns:r="http://schemas.openxmlformats.org/officeDocument/2006/relationships" xmlns:p="http://schemas.openxmlformats.org/presentationml/2006/main">
+  <p:cSld>
+    <p:spTree>
+      <p:nvGrpSpPr>
+        <p:cNvPr id="1" name=""/>
+        <p:cNvGrpSpPr/>
+        <p:nvPr/>
+      </p:nvGrpSpPr>
+      <p:grpSpPr>
+        <a:xfrm>
+          <a:off x="0" y="0"/>
+          <a:ext cx="0" cy="0"/>
+          <a:chOff x="0" y="0"/>
+          <a:chExt cx="0" cy="0"/>
+        </a:xfrm>
+      </p:grpSpPr>
+      <p:sp>
+        <p:nvSpPr>
+          <p:cNvPr id="2" name="Title 1">
+            <a:extLst>
+              <a:ext uri="{FF2B5EF4-FFF2-40B4-BE49-F238E27FC236}">
                 <a16:creationId xmlns:a16="http://schemas.microsoft.com/office/drawing/2014/main" id="{24F7B8BA-C2D0-4C4D-8E45-F921989ABC7D}"/>
               </a:ext>
             </a:extLst>
@@ -4412,7 +5514,7 @@
 </p:sld>
 </file>
 
-<file path=ppt/slides/slide8.xml><?xml version="1.0" encoding="utf-8"?>
+<file path=ppt/slides/slide9.xml><?xml version="1.0" encoding="utf-8"?>
 <p:sld xmlns:a="http://schemas.openxmlformats.org/drawingml/2006/main" xmlns:r="http://schemas.openxmlformats.org/officeDocument/2006/relationships" xmlns:p="http://schemas.openxmlformats.org/presentationml/2006/main">
   <p:cSld>
     <p:spTree>

--- a/current.pptx
+++ b/current.pptx
@@ -4,6 +4,9 @@
   <p:sldMasterIdLst>
     <p:sldMasterId id="2147483648" r:id="rId1"/>
   </p:sldMasterIdLst>
+  <p:notesMasterIdLst>
+    <p:notesMasterId r:id="rId19"/>
+  </p:notesMasterIdLst>
   <p:sldIdLst>
     <p:sldId id="256" r:id="rId2"/>
     <p:sldId id="257" r:id="rId3"/>
@@ -18,9 +21,10 @@
     <p:sldId id="264" r:id="rId12"/>
     <p:sldId id="268" r:id="rId13"/>
     <p:sldId id="265" r:id="rId14"/>
-    <p:sldId id="269" r:id="rId15"/>
-    <p:sldId id="270" r:id="rId16"/>
-    <p:sldId id="271" r:id="rId17"/>
+    <p:sldId id="270" r:id="rId15"/>
+    <p:sldId id="273" r:id="rId16"/>
+    <p:sldId id="272" r:id="rId17"/>
+    <p:sldId id="271" r:id="rId18"/>
   </p:sldIdLst>
   <p:sldSz cx="12192000" cy="6858000"/>
   <p:notesSz cx="6858000" cy="9144000"/>
@@ -127,6 +131,440 @@
 </p:presentation>
 </file>
 
+<file path=ppt/notesMasters/notesMaster1.xml><?xml version="1.0" encoding="utf-8"?>
+<p:notesMaster xmlns:a="http://schemas.openxmlformats.org/drawingml/2006/main" xmlns:r="http://schemas.openxmlformats.org/officeDocument/2006/relationships" xmlns:p="http://schemas.openxmlformats.org/presentationml/2006/main">
+  <p:cSld>
+    <p:bg>
+      <p:bgRef idx="1001">
+        <a:schemeClr val="bg1"/>
+      </p:bgRef>
+    </p:bg>
+    <p:spTree>
+      <p:nvGrpSpPr>
+        <p:cNvPr id="1" name=""/>
+        <p:cNvGrpSpPr/>
+        <p:nvPr/>
+      </p:nvGrpSpPr>
+      <p:grpSpPr>
+        <a:xfrm>
+          <a:off x="0" y="0"/>
+          <a:ext cx="0" cy="0"/>
+          <a:chOff x="0" y="0"/>
+          <a:chExt cx="0" cy="0"/>
+        </a:xfrm>
+      </p:grpSpPr>
+      <p:sp>
+        <p:nvSpPr>
+          <p:cNvPr id="2" name="Header Placeholder 1"/>
+          <p:cNvSpPr>
+            <a:spLocks noGrp="1"/>
+          </p:cNvSpPr>
+          <p:nvPr>
+            <p:ph type="hdr" sz="quarter"/>
+          </p:nvPr>
+        </p:nvSpPr>
+        <p:spPr>
+          <a:xfrm>
+            <a:off x="0" y="0"/>
+            <a:ext cx="2971800" cy="458788"/>
+          </a:xfrm>
+          <a:prstGeom prst="rect">
+            <a:avLst/>
+          </a:prstGeom>
+        </p:spPr>
+        <p:txBody>
+          <a:bodyPr vert="horz" lIns="91440" tIns="45720" rIns="91440" bIns="45720" rtlCol="0"/>
+          <a:lstStyle>
+            <a:lvl1pPr algn="l">
+              <a:defRPr sz="1200"/>
+            </a:lvl1pPr>
+          </a:lstStyle>
+          <a:p>
+            <a:endParaRPr lang="en-GB"/>
+          </a:p>
+        </p:txBody>
+      </p:sp>
+      <p:sp>
+        <p:nvSpPr>
+          <p:cNvPr id="3" name="Date Placeholder 2"/>
+          <p:cNvSpPr>
+            <a:spLocks noGrp="1"/>
+          </p:cNvSpPr>
+          <p:nvPr>
+            <p:ph type="dt" idx="1"/>
+          </p:nvPr>
+        </p:nvSpPr>
+        <p:spPr>
+          <a:xfrm>
+            <a:off x="3884613" y="0"/>
+            <a:ext cx="2971800" cy="458788"/>
+          </a:xfrm>
+          <a:prstGeom prst="rect">
+            <a:avLst/>
+          </a:prstGeom>
+        </p:spPr>
+        <p:txBody>
+          <a:bodyPr vert="horz" lIns="91440" tIns="45720" rIns="91440" bIns="45720" rtlCol="0"/>
+          <a:lstStyle>
+            <a:lvl1pPr algn="r">
+              <a:defRPr sz="1200"/>
+            </a:lvl1pPr>
+          </a:lstStyle>
+          <a:p>
+            <a:fld id="{05A2C539-3BAE-43DA-89DD-3C2B65931CAB}" type="datetimeFigureOut">
+              <a:rPr lang="en-GB" smtClean="0"/>
+              <a:t>29/03/2019</a:t>
+            </a:fld>
+            <a:endParaRPr lang="en-GB"/>
+          </a:p>
+        </p:txBody>
+      </p:sp>
+      <p:sp>
+        <p:nvSpPr>
+          <p:cNvPr id="4" name="Slide Image Placeholder 3"/>
+          <p:cNvSpPr>
+            <a:spLocks noGrp="1" noRot="1" noChangeAspect="1"/>
+          </p:cNvSpPr>
+          <p:nvPr>
+            <p:ph type="sldImg" idx="2"/>
+          </p:nvPr>
+        </p:nvSpPr>
+        <p:spPr>
+          <a:xfrm>
+            <a:off x="685800" y="1143000"/>
+            <a:ext cx="5486400" cy="3086100"/>
+          </a:xfrm>
+          <a:prstGeom prst="rect">
+            <a:avLst/>
+          </a:prstGeom>
+          <a:noFill/>
+          <a:ln w="12700">
+            <a:solidFill>
+              <a:prstClr val="black"/>
+            </a:solidFill>
+          </a:ln>
+        </p:spPr>
+        <p:txBody>
+          <a:bodyPr vert="horz" lIns="91440" tIns="45720" rIns="91440" bIns="45720" rtlCol="0" anchor="ctr"/>
+          <a:lstStyle/>
+          <a:p>
+            <a:endParaRPr lang="en-GB"/>
+          </a:p>
+        </p:txBody>
+      </p:sp>
+      <p:sp>
+        <p:nvSpPr>
+          <p:cNvPr id="5" name="Notes Placeholder 4"/>
+          <p:cNvSpPr>
+            <a:spLocks noGrp="1"/>
+          </p:cNvSpPr>
+          <p:nvPr>
+            <p:ph type="body" sz="quarter" idx="3"/>
+          </p:nvPr>
+        </p:nvSpPr>
+        <p:spPr>
+          <a:xfrm>
+            <a:off x="685800" y="4400550"/>
+            <a:ext cx="5486400" cy="3600450"/>
+          </a:xfrm>
+          <a:prstGeom prst="rect">
+            <a:avLst/>
+          </a:prstGeom>
+        </p:spPr>
+        <p:txBody>
+          <a:bodyPr vert="horz" lIns="91440" tIns="45720" rIns="91440" bIns="45720" rtlCol="0"/>
+          <a:lstStyle/>
+          <a:p>
+            <a:pPr lvl="0"/>
+            <a:r>
+              <a:rPr lang="en-US"/>
+              <a:t>Click to edit Master text styles</a:t>
+            </a:r>
+          </a:p>
+          <a:p>
+            <a:pPr lvl="1"/>
+            <a:r>
+              <a:rPr lang="en-US"/>
+              <a:t>Second level</a:t>
+            </a:r>
+          </a:p>
+          <a:p>
+            <a:pPr lvl="2"/>
+            <a:r>
+              <a:rPr lang="en-US"/>
+              <a:t>Third level</a:t>
+            </a:r>
+          </a:p>
+          <a:p>
+            <a:pPr lvl="3"/>
+            <a:r>
+              <a:rPr lang="en-US"/>
+              <a:t>Fourth level</a:t>
+            </a:r>
+          </a:p>
+          <a:p>
+            <a:pPr lvl="4"/>
+            <a:r>
+              <a:rPr lang="en-US"/>
+              <a:t>Fifth level</a:t>
+            </a:r>
+            <a:endParaRPr lang="en-GB"/>
+          </a:p>
+        </p:txBody>
+      </p:sp>
+      <p:sp>
+        <p:nvSpPr>
+          <p:cNvPr id="6" name="Footer Placeholder 5"/>
+          <p:cNvSpPr>
+            <a:spLocks noGrp="1"/>
+          </p:cNvSpPr>
+          <p:nvPr>
+            <p:ph type="ftr" sz="quarter" idx="4"/>
+          </p:nvPr>
+        </p:nvSpPr>
+        <p:spPr>
+          <a:xfrm>
+            <a:off x="0" y="8685213"/>
+            <a:ext cx="2971800" cy="458787"/>
+          </a:xfrm>
+          <a:prstGeom prst="rect">
+            <a:avLst/>
+          </a:prstGeom>
+        </p:spPr>
+        <p:txBody>
+          <a:bodyPr vert="horz" lIns="91440" tIns="45720" rIns="91440" bIns="45720" rtlCol="0" anchor="b"/>
+          <a:lstStyle>
+            <a:lvl1pPr algn="l">
+              <a:defRPr sz="1200"/>
+            </a:lvl1pPr>
+          </a:lstStyle>
+          <a:p>
+            <a:endParaRPr lang="en-GB"/>
+          </a:p>
+        </p:txBody>
+      </p:sp>
+      <p:sp>
+        <p:nvSpPr>
+          <p:cNvPr id="7" name="Slide Number Placeholder 6"/>
+          <p:cNvSpPr>
+            <a:spLocks noGrp="1"/>
+          </p:cNvSpPr>
+          <p:nvPr>
+            <p:ph type="sldNum" sz="quarter" idx="5"/>
+          </p:nvPr>
+        </p:nvSpPr>
+        <p:spPr>
+          <a:xfrm>
+            <a:off x="3884613" y="8685213"/>
+            <a:ext cx="2971800" cy="458787"/>
+          </a:xfrm>
+          <a:prstGeom prst="rect">
+            <a:avLst/>
+          </a:prstGeom>
+        </p:spPr>
+        <p:txBody>
+          <a:bodyPr vert="horz" lIns="91440" tIns="45720" rIns="91440" bIns="45720" rtlCol="0" anchor="b"/>
+          <a:lstStyle>
+            <a:lvl1pPr algn="r">
+              <a:defRPr sz="1200"/>
+            </a:lvl1pPr>
+          </a:lstStyle>
+          <a:p>
+            <a:fld id="{D6719FC5-C3CA-4722-957E-A07B335E4D2F}" type="slidenum">
+              <a:rPr lang="en-GB" smtClean="0"/>
+              <a:t>‹#›</a:t>
+            </a:fld>
+            <a:endParaRPr lang="en-GB"/>
+          </a:p>
+        </p:txBody>
+      </p:sp>
+    </p:spTree>
+    <p:extLst>
+      <p:ext uri="{BB962C8B-B14F-4D97-AF65-F5344CB8AC3E}">
+        <p14:creationId xmlns:p14="http://schemas.microsoft.com/office/powerpoint/2010/main" val="2024411698"/>
+      </p:ext>
+    </p:extLst>
+  </p:cSld>
+  <p:clrMap bg1="lt1" tx1="dk1" bg2="lt2" tx2="dk2" accent1="accent1" accent2="accent2" accent3="accent3" accent4="accent4" accent5="accent5" accent6="accent6" hlink="hlink" folHlink="folHlink"/>
+  <p:notesStyle>
+    <a:lvl1pPr marL="0" algn="l" defTabSz="914400" rtl="0" eaLnBrk="1" latinLnBrk="0" hangingPunct="1">
+      <a:defRPr sz="1200" kern="1200">
+        <a:solidFill>
+          <a:schemeClr val="tx1"/>
+        </a:solidFill>
+        <a:latin typeface="+mn-lt"/>
+        <a:ea typeface="+mn-ea"/>
+        <a:cs typeface="+mn-cs"/>
+      </a:defRPr>
+    </a:lvl1pPr>
+    <a:lvl2pPr marL="457200" algn="l" defTabSz="914400" rtl="0" eaLnBrk="1" latinLnBrk="0" hangingPunct="1">
+      <a:defRPr sz="1200" kern="1200">
+        <a:solidFill>
+          <a:schemeClr val="tx1"/>
+        </a:solidFill>
+        <a:latin typeface="+mn-lt"/>
+        <a:ea typeface="+mn-ea"/>
+        <a:cs typeface="+mn-cs"/>
+      </a:defRPr>
+    </a:lvl2pPr>
+    <a:lvl3pPr marL="914400" algn="l" defTabSz="914400" rtl="0" eaLnBrk="1" latinLnBrk="0" hangingPunct="1">
+      <a:defRPr sz="1200" kern="1200">
+        <a:solidFill>
+          <a:schemeClr val="tx1"/>
+        </a:solidFill>
+        <a:latin typeface="+mn-lt"/>
+        <a:ea typeface="+mn-ea"/>
+        <a:cs typeface="+mn-cs"/>
+      </a:defRPr>
+    </a:lvl3pPr>
+    <a:lvl4pPr marL="1371600" algn="l" defTabSz="914400" rtl="0" eaLnBrk="1" latinLnBrk="0" hangingPunct="1">
+      <a:defRPr sz="1200" kern="1200">
+        <a:solidFill>
+          <a:schemeClr val="tx1"/>
+        </a:solidFill>
+        <a:latin typeface="+mn-lt"/>
+        <a:ea typeface="+mn-ea"/>
+        <a:cs typeface="+mn-cs"/>
+      </a:defRPr>
+    </a:lvl4pPr>
+    <a:lvl5pPr marL="1828800" algn="l" defTabSz="914400" rtl="0" eaLnBrk="1" latinLnBrk="0" hangingPunct="1">
+      <a:defRPr sz="1200" kern="1200">
+        <a:solidFill>
+          <a:schemeClr val="tx1"/>
+        </a:solidFill>
+        <a:latin typeface="+mn-lt"/>
+        <a:ea typeface="+mn-ea"/>
+        <a:cs typeface="+mn-cs"/>
+      </a:defRPr>
+    </a:lvl5pPr>
+    <a:lvl6pPr marL="2286000" algn="l" defTabSz="914400" rtl="0" eaLnBrk="1" latinLnBrk="0" hangingPunct="1">
+      <a:defRPr sz="1200" kern="1200">
+        <a:solidFill>
+          <a:schemeClr val="tx1"/>
+        </a:solidFill>
+        <a:latin typeface="+mn-lt"/>
+        <a:ea typeface="+mn-ea"/>
+        <a:cs typeface="+mn-cs"/>
+      </a:defRPr>
+    </a:lvl6pPr>
+    <a:lvl7pPr marL="2743200" algn="l" defTabSz="914400" rtl="0" eaLnBrk="1" latinLnBrk="0" hangingPunct="1">
+      <a:defRPr sz="1200" kern="1200">
+        <a:solidFill>
+          <a:schemeClr val="tx1"/>
+        </a:solidFill>
+        <a:latin typeface="+mn-lt"/>
+        <a:ea typeface="+mn-ea"/>
+        <a:cs typeface="+mn-cs"/>
+      </a:defRPr>
+    </a:lvl7pPr>
+    <a:lvl8pPr marL="3200400" algn="l" defTabSz="914400" rtl="0" eaLnBrk="1" latinLnBrk="0" hangingPunct="1">
+      <a:defRPr sz="1200" kern="1200">
+        <a:solidFill>
+          <a:schemeClr val="tx1"/>
+        </a:solidFill>
+        <a:latin typeface="+mn-lt"/>
+        <a:ea typeface="+mn-ea"/>
+        <a:cs typeface="+mn-cs"/>
+      </a:defRPr>
+    </a:lvl8pPr>
+    <a:lvl9pPr marL="3657600" algn="l" defTabSz="914400" rtl="0" eaLnBrk="1" latinLnBrk="0" hangingPunct="1">
+      <a:defRPr sz="1200" kern="1200">
+        <a:solidFill>
+          <a:schemeClr val="tx1"/>
+        </a:solidFill>
+        <a:latin typeface="+mn-lt"/>
+        <a:ea typeface="+mn-ea"/>
+        <a:cs typeface="+mn-cs"/>
+      </a:defRPr>
+    </a:lvl9pPr>
+  </p:notesStyle>
+</p:notesMaster>
+</file>
+
+<file path=ppt/notesSlides/notesSlide1.xml><?xml version="1.0" encoding="utf-8"?>
+<p:notes xmlns:a="http://schemas.openxmlformats.org/drawingml/2006/main" xmlns:r="http://schemas.openxmlformats.org/officeDocument/2006/relationships" xmlns:p="http://schemas.openxmlformats.org/presentationml/2006/main">
+  <p:cSld>
+    <p:spTree>
+      <p:nvGrpSpPr>
+        <p:cNvPr id="1" name=""/>
+        <p:cNvGrpSpPr/>
+        <p:nvPr/>
+      </p:nvGrpSpPr>
+      <p:grpSpPr>
+        <a:xfrm>
+          <a:off x="0" y="0"/>
+          <a:ext cx="0" cy="0"/>
+          <a:chOff x="0" y="0"/>
+          <a:chExt cx="0" cy="0"/>
+        </a:xfrm>
+      </p:grpSpPr>
+      <p:sp>
+        <p:nvSpPr>
+          <p:cNvPr id="2" name="Slide Image Placeholder 1"/>
+          <p:cNvSpPr>
+            <a:spLocks noGrp="1" noRot="1" noChangeAspect="1"/>
+          </p:cNvSpPr>
+          <p:nvPr>
+            <p:ph type="sldImg"/>
+          </p:nvPr>
+        </p:nvSpPr>
+        <p:spPr/>
+      </p:sp>
+      <p:sp>
+        <p:nvSpPr>
+          <p:cNvPr id="3" name="Notes Placeholder 2"/>
+          <p:cNvSpPr>
+            <a:spLocks noGrp="1"/>
+          </p:cNvSpPr>
+          <p:nvPr>
+            <p:ph type="body" idx="1"/>
+          </p:nvPr>
+        </p:nvSpPr>
+        <p:spPr/>
+        <p:txBody>
+          <a:bodyPr/>
+          <a:lstStyle/>
+          <a:p>
+            <a:endParaRPr lang="en-GB" dirty="0"/>
+          </a:p>
+        </p:txBody>
+      </p:sp>
+      <p:sp>
+        <p:nvSpPr>
+          <p:cNvPr id="4" name="Slide Number Placeholder 3"/>
+          <p:cNvSpPr>
+            <a:spLocks noGrp="1"/>
+          </p:cNvSpPr>
+          <p:nvPr>
+            <p:ph type="sldNum" sz="quarter" idx="5"/>
+          </p:nvPr>
+        </p:nvSpPr>
+        <p:spPr/>
+        <p:txBody>
+          <a:bodyPr/>
+          <a:lstStyle/>
+          <a:p>
+            <a:fld id="{D6719FC5-C3CA-4722-957E-A07B335E4D2F}" type="slidenum">
+              <a:rPr lang="en-GB" smtClean="0"/>
+              <a:t>15</a:t>
+            </a:fld>
+            <a:endParaRPr lang="en-GB"/>
+          </a:p>
+        </p:txBody>
+      </p:sp>
+    </p:spTree>
+    <p:extLst>
+      <p:ext uri="{BB962C8B-B14F-4D97-AF65-F5344CB8AC3E}">
+        <p14:creationId xmlns:p14="http://schemas.microsoft.com/office/powerpoint/2010/main" val="1557874753"/>
+      </p:ext>
+    </p:extLst>
+  </p:cSld>
+  <p:clrMapOvr>
+    <a:masterClrMapping/>
+  </p:clrMapOvr>
+</p:notes>
+</file>
+
 <file path=ppt/slideLayouts/slideLayout1.xml><?xml version="1.0" encoding="utf-8"?>
 <p:sldLayout xmlns:a="http://schemas.openxmlformats.org/drawingml/2006/main" xmlns:r="http://schemas.openxmlformats.org/officeDocument/2006/relationships" xmlns:p="http://schemas.openxmlformats.org/presentationml/2006/main" type="title" preserve="1">
   <p:cSld name="Title Slide">
@@ -276,7 +714,7 @@
           <a:p>
             <a:fld id="{6FADB570-57FC-4C94-8057-F2D76F2B7762}" type="datetimeFigureOut">
               <a:rPr lang="en-GB" smtClean="0"/>
-              <a:t>28/03/2019</a:t>
+              <a:t>29/03/2019</a:t>
             </a:fld>
             <a:endParaRPr lang="en-GB"/>
           </a:p>
@@ -476,7 +914,7 @@
           <a:p>
             <a:fld id="{6FADB570-57FC-4C94-8057-F2D76F2B7762}" type="datetimeFigureOut">
               <a:rPr lang="en-GB" smtClean="0"/>
-              <a:t>28/03/2019</a:t>
+              <a:t>29/03/2019</a:t>
             </a:fld>
             <a:endParaRPr lang="en-GB"/>
           </a:p>
@@ -686,7 +1124,7 @@
           <a:p>
             <a:fld id="{6FADB570-57FC-4C94-8057-F2D76F2B7762}" type="datetimeFigureOut">
               <a:rPr lang="en-GB" smtClean="0"/>
-              <a:t>28/03/2019</a:t>
+              <a:t>29/03/2019</a:t>
             </a:fld>
             <a:endParaRPr lang="en-GB"/>
           </a:p>
@@ -886,7 +1324,7 @@
           <a:p>
             <a:fld id="{6FADB570-57FC-4C94-8057-F2D76F2B7762}" type="datetimeFigureOut">
               <a:rPr lang="en-GB" smtClean="0"/>
-              <a:t>28/03/2019</a:t>
+              <a:t>29/03/2019</a:t>
             </a:fld>
             <a:endParaRPr lang="en-GB"/>
           </a:p>
@@ -1162,7 +1600,7 @@
           <a:p>
             <a:fld id="{6FADB570-57FC-4C94-8057-F2D76F2B7762}" type="datetimeFigureOut">
               <a:rPr lang="en-GB" smtClean="0"/>
-              <a:t>28/03/2019</a:t>
+              <a:t>29/03/2019</a:t>
             </a:fld>
             <a:endParaRPr lang="en-GB"/>
           </a:p>
@@ -1430,7 +1868,7 @@
           <a:p>
             <a:fld id="{6FADB570-57FC-4C94-8057-F2D76F2B7762}" type="datetimeFigureOut">
               <a:rPr lang="en-GB" smtClean="0"/>
-              <a:t>28/03/2019</a:t>
+              <a:t>29/03/2019</a:t>
             </a:fld>
             <a:endParaRPr lang="en-GB"/>
           </a:p>
@@ -1845,7 +2283,7 @@
           <a:p>
             <a:fld id="{6FADB570-57FC-4C94-8057-F2D76F2B7762}" type="datetimeFigureOut">
               <a:rPr lang="en-GB" smtClean="0"/>
-              <a:t>28/03/2019</a:t>
+              <a:t>29/03/2019</a:t>
             </a:fld>
             <a:endParaRPr lang="en-GB"/>
           </a:p>
@@ -1987,7 +2425,7 @@
           <a:p>
             <a:fld id="{6FADB570-57FC-4C94-8057-F2D76F2B7762}" type="datetimeFigureOut">
               <a:rPr lang="en-GB" smtClean="0"/>
-              <a:t>28/03/2019</a:t>
+              <a:t>29/03/2019</a:t>
             </a:fld>
             <a:endParaRPr lang="en-GB"/>
           </a:p>
@@ -2100,7 +2538,7 @@
           <a:p>
             <a:fld id="{6FADB570-57FC-4C94-8057-F2D76F2B7762}" type="datetimeFigureOut">
               <a:rPr lang="en-GB" smtClean="0"/>
-              <a:t>28/03/2019</a:t>
+              <a:t>29/03/2019</a:t>
             </a:fld>
             <a:endParaRPr lang="en-GB"/>
           </a:p>
@@ -2413,7 +2851,7 @@
           <a:p>
             <a:fld id="{6FADB570-57FC-4C94-8057-F2D76F2B7762}" type="datetimeFigureOut">
               <a:rPr lang="en-GB" smtClean="0"/>
-              <a:t>28/03/2019</a:t>
+              <a:t>29/03/2019</a:t>
             </a:fld>
             <a:endParaRPr lang="en-GB"/>
           </a:p>
@@ -2702,7 +3140,7 @@
           <a:p>
             <a:fld id="{6FADB570-57FC-4C94-8057-F2D76F2B7762}" type="datetimeFigureOut">
               <a:rPr lang="en-GB" smtClean="0"/>
-              <a:t>28/03/2019</a:t>
+              <a:t>29/03/2019</a:t>
             </a:fld>
             <a:endParaRPr lang="en-GB"/>
           </a:p>
@@ -2781,10 +3219,7 @@
     <p:bg>
       <p:bgPr>
         <a:solidFill>
-          <a:schemeClr val="accent3">
-            <a:lumMod val="20000"/>
-            <a:lumOff val="80000"/>
-          </a:schemeClr>
+          <a:schemeClr val="bg2"/>
         </a:solidFill>
         <a:effectLst/>
       </p:bgPr>
@@ -2951,7 +3386,7 @@
           <a:p>
             <a:fld id="{6FADB570-57FC-4C94-8057-F2D76F2B7762}" type="datetimeFigureOut">
               <a:rPr lang="en-GB" smtClean="0"/>
-              <a:t>28/03/2019</a:t>
+              <a:t>29/03/2019</a:t>
             </a:fld>
             <a:endParaRPr lang="en-GB"/>
           </a:p>
@@ -3575,6 +4010,82 @@
           </a:p>
         </p:txBody>
       </p:sp>
+      <p:sp>
+        <p:nvSpPr>
+          <p:cNvPr id="3" name="TextBox 2">
+            <a:extLst>
+              <a:ext uri="{FF2B5EF4-FFF2-40B4-BE49-F238E27FC236}">
+                <a16:creationId xmlns:a16="http://schemas.microsoft.com/office/drawing/2014/main" id="{3FCB7ACB-6C4A-4C51-9E6F-787D47E33487}"/>
+              </a:ext>
+            </a:extLst>
+          </p:cNvPr>
+          <p:cNvSpPr txBox="1"/>
+          <p:nvPr/>
+        </p:nvSpPr>
+        <p:spPr>
+          <a:xfrm>
+            <a:off x="838200" y="1666142"/>
+            <a:ext cx="5398477" cy="1754326"/>
+          </a:xfrm>
+          <a:prstGeom prst="rect">
+            <a:avLst/>
+          </a:prstGeom>
+          <a:noFill/>
+        </p:spPr>
+        <p:txBody>
+          <a:bodyPr wrap="square" rtlCol="0">
+            <a:spAutoFit/>
+          </a:bodyPr>
+          <a:lstStyle/>
+          <a:p>
+            <a:pPr marL="285750" indent="-285750">
+              <a:buFont typeface="Arial" panose="020B0604020202020204" pitchFamily="34" charset="0"/>
+              <a:buChar char="•"/>
+            </a:pPr>
+            <a:r>
+              <a:rPr lang="en-GB" dirty="0"/>
+              <a:t>Schema</a:t>
+            </a:r>
+          </a:p>
+          <a:p>
+            <a:pPr marL="285750" indent="-285750">
+              <a:buFont typeface="Arial" panose="020B0604020202020204" pitchFamily="34" charset="0"/>
+              <a:buChar char="•"/>
+            </a:pPr>
+            <a:endParaRPr lang="en-GB" dirty="0"/>
+          </a:p>
+          <a:p>
+            <a:pPr marL="285750" indent="-285750">
+              <a:buFont typeface="Arial" panose="020B0604020202020204" pitchFamily="34" charset="0"/>
+              <a:buChar char="•"/>
+            </a:pPr>
+            <a:r>
+              <a:rPr lang="en-GB" dirty="0"/>
+              <a:t>Resolvers</a:t>
+            </a:r>
+          </a:p>
+          <a:p>
+            <a:pPr marL="285750" indent="-285750">
+              <a:buFont typeface="Arial" panose="020B0604020202020204" pitchFamily="34" charset="0"/>
+              <a:buChar char="•"/>
+            </a:pPr>
+            <a:endParaRPr lang="en-GB" dirty="0"/>
+          </a:p>
+          <a:p>
+            <a:pPr marL="285750" indent="-285750">
+              <a:buFont typeface="Arial" panose="020B0604020202020204" pitchFamily="34" charset="0"/>
+              <a:buChar char="•"/>
+            </a:pPr>
+            <a:r>
+              <a:rPr lang="en-GB" dirty="0"/>
+              <a:t>Queries</a:t>
+            </a:r>
+          </a:p>
+          <a:p>
+            <a:endParaRPr lang="en-GB" dirty="0"/>
+          </a:p>
+        </p:txBody>
+      </p:sp>
     </p:spTree>
     <p:extLst>
       <p:ext uri="{BB962C8B-B14F-4D97-AF65-F5344CB8AC3E}">
@@ -4003,12 +4514,216 @@
           </a:prstGeom>
         </p:spPr>
       </p:pic>
+      <p:sp>
+        <p:nvSpPr>
+          <p:cNvPr id="8" name="TextBox 7">
+            <a:extLst>
+              <a:ext uri="{FF2B5EF4-FFF2-40B4-BE49-F238E27FC236}">
+                <a16:creationId xmlns:a16="http://schemas.microsoft.com/office/drawing/2014/main" id="{CC684E0E-CBBD-47CC-80B0-955236168D9B}"/>
+              </a:ext>
+            </a:extLst>
+          </p:cNvPr>
+          <p:cNvSpPr txBox="1"/>
+          <p:nvPr/>
+        </p:nvSpPr>
+        <p:spPr>
+          <a:xfrm>
+            <a:off x="263975" y="1622867"/>
+            <a:ext cx="3944085" cy="7294305"/>
+          </a:xfrm>
+          <a:prstGeom prst="rect">
+            <a:avLst/>
+          </a:prstGeom>
+          <a:noFill/>
+        </p:spPr>
+        <p:txBody>
+          <a:bodyPr wrap="square" rtlCol="0">
+            <a:spAutoFit/>
+          </a:bodyPr>
+          <a:lstStyle/>
+          <a:p>
+            <a:r>
+              <a:rPr lang="en-GB" b="1" dirty="0"/>
+              <a:t>type Course</a:t>
+            </a:r>
+          </a:p>
+          <a:p>
+            <a:endParaRPr lang="en-GB" b="1" dirty="0"/>
+          </a:p>
+          <a:p>
+            <a:pPr marL="285750" indent="-285750">
+              <a:buFont typeface="Arial" panose="020B0604020202020204" pitchFamily="34" charset="0"/>
+              <a:buChar char="•"/>
+            </a:pPr>
+            <a:r>
+              <a:rPr lang="en-GB" dirty="0"/>
+              <a:t>an Object Type. </a:t>
+            </a:r>
+          </a:p>
+          <a:p>
+            <a:pPr marL="285750" indent="-285750">
+              <a:buFont typeface="Arial" panose="020B0604020202020204" pitchFamily="34" charset="0"/>
+              <a:buChar char="•"/>
+            </a:pPr>
+            <a:r>
+              <a:rPr lang="en-GB" dirty="0"/>
+              <a:t>defines the structure of the course ‘model’. </a:t>
+            </a:r>
+          </a:p>
+          <a:p>
+            <a:pPr marL="285750" indent="-285750">
+              <a:buFont typeface="Arial" panose="020B0604020202020204" pitchFamily="34" charset="0"/>
+              <a:buChar char="•"/>
+            </a:pPr>
+            <a:endParaRPr lang="en-GB" dirty="0"/>
+          </a:p>
+          <a:p>
+            <a:r>
+              <a:rPr lang="en-GB" b="1" dirty="0"/>
+              <a:t>type Query</a:t>
+            </a:r>
+          </a:p>
+          <a:p>
+            <a:endParaRPr lang="en-GB" b="1" dirty="0"/>
+          </a:p>
+          <a:p>
+            <a:pPr marL="285750" indent="-285750">
+              <a:buFont typeface="Arial" panose="020B0604020202020204" pitchFamily="34" charset="0"/>
+              <a:buChar char="•"/>
+            </a:pPr>
+            <a:r>
+              <a:rPr lang="en-GB" dirty="0"/>
+              <a:t>a type of Root Type</a:t>
+            </a:r>
+          </a:p>
+          <a:p>
+            <a:pPr marL="285750" indent="-285750">
+              <a:buFont typeface="Arial" panose="020B0604020202020204" pitchFamily="34" charset="0"/>
+              <a:buChar char="•"/>
+            </a:pPr>
+            <a:r>
+              <a:rPr lang="en-GB" dirty="0"/>
+              <a:t>Equivalent to </a:t>
+            </a:r>
+            <a:r>
+              <a:rPr lang="en-GB" b="1" dirty="0"/>
+              <a:t>GET </a:t>
+            </a:r>
+            <a:r>
+              <a:rPr lang="en-GB" dirty="0"/>
+              <a:t>in </a:t>
+            </a:r>
+            <a:r>
+              <a:rPr lang="en-GB" b="1" dirty="0"/>
+              <a:t>REST</a:t>
+            </a:r>
+          </a:p>
+          <a:p>
+            <a:endParaRPr lang="en-GB" dirty="0"/>
+          </a:p>
+          <a:p>
+            <a:endParaRPr lang="en-GB" b="1" dirty="0"/>
+          </a:p>
+          <a:p>
+            <a:r>
+              <a:rPr lang="en-GB" b="1" dirty="0"/>
+              <a:t>Other Root Types are:</a:t>
+            </a:r>
+          </a:p>
+          <a:p>
+            <a:endParaRPr lang="en-GB" b="1" dirty="0"/>
+          </a:p>
+          <a:p>
+            <a:pPr marL="285750" indent="-285750">
+              <a:buFont typeface="Arial" panose="020B0604020202020204" pitchFamily="34" charset="0"/>
+              <a:buChar char="•"/>
+            </a:pPr>
+            <a:r>
+              <a:rPr lang="en-GB" b="1" dirty="0"/>
+              <a:t>type Mutation: </a:t>
+            </a:r>
+            <a:r>
+              <a:rPr lang="en-GB" dirty="0"/>
+              <a:t>equivalent to POST, </a:t>
+            </a:r>
+          </a:p>
+          <a:p>
+            <a:r>
+              <a:rPr lang="en-GB" dirty="0"/>
+              <a:t>	UPDATE and DELETE in REST</a:t>
+            </a:r>
+          </a:p>
+          <a:p>
+            <a:pPr marL="285750" indent="-285750">
+              <a:buFont typeface="Arial" panose="020B0604020202020204" pitchFamily="34" charset="0"/>
+              <a:buChar char="•"/>
+            </a:pPr>
+            <a:r>
+              <a:rPr lang="en-GB" b="1" dirty="0"/>
+              <a:t>type Subscription: </a:t>
+            </a:r>
+            <a:r>
+              <a:rPr lang="en-GB" dirty="0"/>
+              <a:t>Provides Realtime Updates. Currently experimental</a:t>
+            </a:r>
+          </a:p>
+          <a:p>
+            <a:pPr marL="285750" indent="-285750">
+              <a:buFont typeface="Arial" panose="020B0604020202020204" pitchFamily="34" charset="0"/>
+              <a:buChar char="•"/>
+            </a:pPr>
+            <a:endParaRPr lang="en-GB" dirty="0"/>
+          </a:p>
+          <a:p>
+            <a:pPr marL="285750" indent="-285750">
+              <a:buFont typeface="Arial" panose="020B0604020202020204" pitchFamily="34" charset="0"/>
+              <a:buChar char="•"/>
+            </a:pPr>
+            <a:endParaRPr lang="en-GB" dirty="0"/>
+          </a:p>
+          <a:p>
+            <a:pPr marL="285750" indent="-285750">
+              <a:buFont typeface="Arial" panose="020B0604020202020204" pitchFamily="34" charset="0"/>
+              <a:buChar char="•"/>
+            </a:pPr>
+            <a:endParaRPr lang="en-GB" dirty="0"/>
+          </a:p>
+          <a:p>
+            <a:pPr marL="285750" indent="-285750">
+              <a:buFont typeface="Arial" panose="020B0604020202020204" pitchFamily="34" charset="0"/>
+              <a:buChar char="•"/>
+            </a:pPr>
+            <a:endParaRPr lang="en-GB" dirty="0"/>
+          </a:p>
+          <a:p>
+            <a:pPr marL="285750" indent="-285750">
+              <a:buFont typeface="Arial" panose="020B0604020202020204" pitchFamily="34" charset="0"/>
+              <a:buChar char="•"/>
+            </a:pPr>
+            <a:endParaRPr lang="en-GB" dirty="0"/>
+          </a:p>
+          <a:p>
+            <a:pPr marL="285750" indent="-285750">
+              <a:buFont typeface="Arial" panose="020B0604020202020204" pitchFamily="34" charset="0"/>
+              <a:buChar char="•"/>
+            </a:pPr>
+            <a:endParaRPr lang="en-GB" dirty="0"/>
+          </a:p>
+          <a:p>
+            <a:pPr marL="285750" indent="-285750">
+              <a:buFont typeface="Arial" panose="020B0604020202020204" pitchFamily="34" charset="0"/>
+              <a:buChar char="•"/>
+            </a:pPr>
+            <a:endParaRPr lang="en-GB" dirty="0"/>
+          </a:p>
+        </p:txBody>
+      </p:sp>
       <p:pic>
         <p:nvPicPr>
-          <p:cNvPr id="5" name="Picture 4">
-            <a:extLst>
-              <a:ext uri="{FF2B5EF4-FFF2-40B4-BE49-F238E27FC236}">
-                <a16:creationId xmlns:a16="http://schemas.microsoft.com/office/drawing/2014/main" id="{D3B67A5A-A292-4623-84BF-1D242AD57160}"/>
+          <p:cNvPr id="3" name="Picture 2">
+            <a:extLst>
+              <a:ext uri="{FF2B5EF4-FFF2-40B4-BE49-F238E27FC236}">
+                <a16:creationId xmlns:a16="http://schemas.microsoft.com/office/drawing/2014/main" id="{45EA68D6-6BC3-478D-904A-86F9E31E697C}"/>
               </a:ext>
             </a:extLst>
           </p:cNvPr>
@@ -4025,222 +4740,14 @@
         </p:blipFill>
         <p:spPr>
           <a:xfrm>
-            <a:off x="4369905" y="1567001"/>
-            <a:ext cx="3452190" cy="2868582"/>
+            <a:off x="4281487" y="1567001"/>
+            <a:ext cx="3629025" cy="3438525"/>
           </a:xfrm>
           <a:prstGeom prst="rect">
             <a:avLst/>
           </a:prstGeom>
         </p:spPr>
       </p:pic>
-      <p:sp>
-        <p:nvSpPr>
-          <p:cNvPr id="8" name="TextBox 7">
-            <a:extLst>
-              <a:ext uri="{FF2B5EF4-FFF2-40B4-BE49-F238E27FC236}">
-                <a16:creationId xmlns:a16="http://schemas.microsoft.com/office/drawing/2014/main" id="{CC684E0E-CBBD-47CC-80B0-955236168D9B}"/>
-              </a:ext>
-            </a:extLst>
-          </p:cNvPr>
-          <p:cNvSpPr txBox="1"/>
-          <p:nvPr/>
-        </p:nvSpPr>
-        <p:spPr>
-          <a:xfrm>
-            <a:off x="263975" y="1622867"/>
-            <a:ext cx="3944085" cy="7294305"/>
-          </a:xfrm>
-          <a:prstGeom prst="rect">
-            <a:avLst/>
-          </a:prstGeom>
-          <a:noFill/>
-        </p:spPr>
-        <p:txBody>
-          <a:bodyPr wrap="square" rtlCol="0">
-            <a:spAutoFit/>
-          </a:bodyPr>
-          <a:lstStyle/>
-          <a:p>
-            <a:r>
-              <a:rPr lang="en-GB" b="1" dirty="0"/>
-              <a:t>type Course</a:t>
-            </a:r>
-          </a:p>
-          <a:p>
-            <a:endParaRPr lang="en-GB" b="1" dirty="0"/>
-          </a:p>
-          <a:p>
-            <a:pPr marL="285750" indent="-285750">
-              <a:buFont typeface="Arial" panose="020B0604020202020204" pitchFamily="34" charset="0"/>
-              <a:buChar char="•"/>
-            </a:pPr>
-            <a:r>
-              <a:rPr lang="en-GB" dirty="0"/>
-              <a:t>an Object Type. </a:t>
-            </a:r>
-          </a:p>
-          <a:p>
-            <a:pPr marL="285750" indent="-285750">
-              <a:buFont typeface="Arial" panose="020B0604020202020204" pitchFamily="34" charset="0"/>
-              <a:buChar char="•"/>
-            </a:pPr>
-            <a:r>
-              <a:rPr lang="en-GB" dirty="0"/>
-              <a:t>defines the structure of the courses ‘model’. </a:t>
-            </a:r>
-          </a:p>
-          <a:p>
-            <a:pPr marL="285750" indent="-285750">
-              <a:buFont typeface="Arial" panose="020B0604020202020204" pitchFamily="34" charset="0"/>
-              <a:buChar char="•"/>
-            </a:pPr>
-            <a:endParaRPr lang="en-GB" dirty="0"/>
-          </a:p>
-          <a:p>
-            <a:r>
-              <a:rPr lang="en-GB" b="1" dirty="0"/>
-              <a:t>type Query</a:t>
-            </a:r>
-          </a:p>
-          <a:p>
-            <a:endParaRPr lang="en-GB" b="1" dirty="0"/>
-          </a:p>
-          <a:p>
-            <a:pPr marL="285750" indent="-285750">
-              <a:buFont typeface="Arial" panose="020B0604020202020204" pitchFamily="34" charset="0"/>
-              <a:buChar char="•"/>
-            </a:pPr>
-            <a:r>
-              <a:rPr lang="en-GB" dirty="0"/>
-              <a:t>a type of Root Type</a:t>
-            </a:r>
-          </a:p>
-          <a:p>
-            <a:pPr marL="285750" indent="-285750">
-              <a:buFont typeface="Arial" panose="020B0604020202020204" pitchFamily="34" charset="0"/>
-              <a:buChar char="•"/>
-            </a:pPr>
-            <a:r>
-              <a:rPr lang="en-GB" dirty="0"/>
-              <a:t>Equivalent to </a:t>
-            </a:r>
-            <a:r>
-              <a:rPr lang="en-GB" b="1" dirty="0"/>
-              <a:t>GET </a:t>
-            </a:r>
-            <a:r>
-              <a:rPr lang="en-GB" dirty="0"/>
-              <a:t>in </a:t>
-            </a:r>
-            <a:r>
-              <a:rPr lang="en-GB" b="1" dirty="0"/>
-              <a:t>REST</a:t>
-            </a:r>
-          </a:p>
-          <a:p>
-            <a:endParaRPr lang="en-GB" b="1" dirty="0"/>
-          </a:p>
-          <a:p>
-            <a:r>
-              <a:rPr lang="en-GB" b="1" dirty="0"/>
-              <a:t>Other Root Types are:</a:t>
-            </a:r>
-          </a:p>
-          <a:p>
-            <a:endParaRPr lang="en-GB" b="1" dirty="0"/>
-          </a:p>
-          <a:p>
-            <a:pPr marL="285750" indent="-285750">
-              <a:buFont typeface="Arial" panose="020B0604020202020204" pitchFamily="34" charset="0"/>
-              <a:buChar char="•"/>
-            </a:pPr>
-            <a:r>
-              <a:rPr lang="en-GB" b="1" dirty="0"/>
-              <a:t>type Mutation: </a:t>
-            </a:r>
-            <a:r>
-              <a:rPr lang="en-GB" dirty="0"/>
-              <a:t>equivalent to POST, </a:t>
-            </a:r>
-          </a:p>
-          <a:p>
-            <a:r>
-              <a:rPr lang="en-GB" dirty="0"/>
-              <a:t>	UPDATE and DELETE in REST</a:t>
-            </a:r>
-          </a:p>
-          <a:p>
-            <a:pPr marL="285750" indent="-285750">
-              <a:buFont typeface="Arial" panose="020B0604020202020204" pitchFamily="34" charset="0"/>
-              <a:buChar char="•"/>
-            </a:pPr>
-            <a:r>
-              <a:rPr lang="en-GB" b="1" dirty="0"/>
-              <a:t>type Subscription: </a:t>
-            </a:r>
-            <a:r>
-              <a:rPr lang="en-GB" dirty="0"/>
-              <a:t>Provides Realtime Updates. Currently experimental</a:t>
-            </a:r>
-          </a:p>
-          <a:p>
-            <a:pPr marL="285750" indent="-285750">
-              <a:buFont typeface="Arial" panose="020B0604020202020204" pitchFamily="34" charset="0"/>
-              <a:buChar char="•"/>
-            </a:pPr>
-            <a:endParaRPr lang="en-GB" dirty="0"/>
-          </a:p>
-          <a:p>
-            <a:pPr marL="285750" indent="-285750">
-              <a:buFont typeface="Arial" panose="020B0604020202020204" pitchFamily="34" charset="0"/>
-              <a:buChar char="•"/>
-            </a:pPr>
-            <a:endParaRPr lang="en-GB" dirty="0"/>
-          </a:p>
-          <a:p>
-            <a:pPr marL="285750" indent="-285750">
-              <a:buFont typeface="Arial" panose="020B0604020202020204" pitchFamily="34" charset="0"/>
-              <a:buChar char="•"/>
-            </a:pPr>
-            <a:endParaRPr lang="en-GB" dirty="0"/>
-          </a:p>
-          <a:p>
-            <a:pPr marL="285750" indent="-285750">
-              <a:buFont typeface="Arial" panose="020B0604020202020204" pitchFamily="34" charset="0"/>
-              <a:buChar char="•"/>
-            </a:pPr>
-            <a:endParaRPr lang="en-GB" dirty="0"/>
-          </a:p>
-          <a:p>
-            <a:pPr marL="285750" indent="-285750">
-              <a:buFont typeface="Arial" panose="020B0604020202020204" pitchFamily="34" charset="0"/>
-              <a:buChar char="•"/>
-            </a:pPr>
-            <a:endParaRPr lang="en-GB" dirty="0"/>
-          </a:p>
-          <a:p>
-            <a:pPr marL="285750" indent="-285750">
-              <a:buFont typeface="Arial" panose="020B0604020202020204" pitchFamily="34" charset="0"/>
-              <a:buChar char="•"/>
-            </a:pPr>
-            <a:endParaRPr lang="en-GB" dirty="0"/>
-          </a:p>
-          <a:p>
-            <a:pPr marL="285750" indent="-285750">
-              <a:buFont typeface="Arial" panose="020B0604020202020204" pitchFamily="34" charset="0"/>
-              <a:buChar char="•"/>
-            </a:pPr>
-            <a:endParaRPr lang="en-GB" dirty="0"/>
-          </a:p>
-          <a:p>
-            <a:pPr marL="285750" indent="-285750">
-              <a:buFont typeface="Arial" panose="020B0604020202020204" pitchFamily="34" charset="0"/>
-              <a:buChar char="•"/>
-            </a:pPr>
-            <a:endParaRPr lang="en-GB" dirty="0"/>
-          </a:p>
-        </p:txBody>
-      </p:sp>
     </p:spTree>
     <p:extLst>
       <p:ext uri="{BB962C8B-B14F-4D97-AF65-F5344CB8AC3E}">
@@ -4276,7 +4783,7 @@
           <p:cNvPr id="2" name="Title 1">
             <a:extLst>
               <a:ext uri="{FF2B5EF4-FFF2-40B4-BE49-F238E27FC236}">
-                <a16:creationId xmlns:a16="http://schemas.microsoft.com/office/drawing/2014/main" id="{83B2E181-C10A-4D7E-BA08-5E00B5FC5091}"/>
+                <a16:creationId xmlns:a16="http://schemas.microsoft.com/office/drawing/2014/main" id="{C6ACE1D4-FACE-4C30-8601-10CDB72DE9E4}"/>
               </a:ext>
             </a:extLst>
           </p:cNvPr>
@@ -4293,41 +4800,148 @@
           <a:lstStyle/>
           <a:p>
             <a:r>
+              <a:rPr lang="en-GB" dirty="0"/>
+              <a:t>Resolvers</a:t>
+            </a:r>
+          </a:p>
+        </p:txBody>
+      </p:sp>
+      <p:sp>
+        <p:nvSpPr>
+          <p:cNvPr id="3" name="Content Placeholder 2">
+            <a:extLst>
+              <a:ext uri="{FF2B5EF4-FFF2-40B4-BE49-F238E27FC236}">
+                <a16:creationId xmlns:a16="http://schemas.microsoft.com/office/drawing/2014/main" id="{F37FCA24-5BEE-4241-8497-D547DB502F2D}"/>
+              </a:ext>
+            </a:extLst>
+          </p:cNvPr>
+          <p:cNvSpPr>
+            <a:spLocks noGrp="1"/>
+          </p:cNvSpPr>
+          <p:nvPr>
+            <p:ph idx="1"/>
+          </p:nvPr>
+        </p:nvSpPr>
+        <p:spPr>
+          <a:xfrm>
+            <a:off x="838199" y="1690688"/>
+            <a:ext cx="7418697" cy="4730300"/>
+          </a:xfrm>
+        </p:spPr>
+        <p:txBody>
+          <a:bodyPr/>
+          <a:lstStyle/>
+          <a:p>
+            <a:r>
+              <a:rPr lang="en-GB" dirty="0"/>
+              <a:t>Responsible for mapping operations to actual functions</a:t>
+            </a:r>
+          </a:p>
+          <a:p>
+            <a:endParaRPr lang="en-GB" dirty="0"/>
+          </a:p>
+          <a:p>
+            <a:r>
+              <a:rPr lang="en-GB" dirty="0"/>
+              <a:t>operation called </a:t>
+            </a:r>
+            <a:r>
               <a:rPr lang="en-GB" b="1" dirty="0"/>
-              <a:t>Queries</a:t>
-            </a:r>
-          </a:p>
-        </p:txBody>
-      </p:sp>
-      <p:sp>
-        <p:nvSpPr>
-          <p:cNvPr id="3" name="Content Placeholder 2">
-            <a:extLst>
-              <a:ext uri="{FF2B5EF4-FFF2-40B4-BE49-F238E27FC236}">
-                <a16:creationId xmlns:a16="http://schemas.microsoft.com/office/drawing/2014/main" id="{43B538C1-52AB-423F-8A85-E4DF1D2F5693}"/>
-              </a:ext>
-            </a:extLst>
-          </p:cNvPr>
-          <p:cNvSpPr>
-            <a:spLocks noGrp="1"/>
-          </p:cNvSpPr>
-          <p:nvPr>
-            <p:ph idx="1"/>
-          </p:nvPr>
-        </p:nvSpPr>
-        <p:spPr/>
-        <p:txBody>
-          <a:bodyPr/>
-          <a:lstStyle/>
+              <a:t>course </a:t>
+            </a:r>
+            <a:r>
+              <a:rPr lang="en-GB" dirty="0"/>
+              <a:t>inside </a:t>
+            </a:r>
+            <a:r>
+              <a:rPr lang="en-GB" b="1" dirty="0"/>
+              <a:t>type Query </a:t>
+            </a:r>
+            <a:r>
+              <a:rPr lang="en-GB" dirty="0"/>
+              <a:t>is mapped to </a:t>
+            </a:r>
+            <a:r>
+              <a:rPr lang="en-GB" b="1" dirty="0" err="1"/>
+              <a:t>getCourse</a:t>
+            </a:r>
+            <a:r>
+              <a:rPr lang="en-GB" dirty="0"/>
+              <a:t> function</a:t>
+            </a:r>
+          </a:p>
           <a:p>
             <a:endParaRPr lang="en-GB" dirty="0"/>
           </a:p>
-        </p:txBody>
-      </p:sp>
+          <a:p>
+            <a:r>
+              <a:rPr lang="en-GB" dirty="0"/>
+              <a:t>operation called </a:t>
+            </a:r>
+            <a:r>
+              <a:rPr lang="en-GB" b="1" dirty="0"/>
+              <a:t>courses </a:t>
+            </a:r>
+            <a:r>
+              <a:rPr lang="en-GB" dirty="0"/>
+              <a:t>inside </a:t>
+            </a:r>
+            <a:r>
+              <a:rPr lang="en-GB" b="1" dirty="0"/>
+              <a:t>type Query </a:t>
+            </a:r>
+            <a:r>
+              <a:rPr lang="en-GB" dirty="0"/>
+              <a:t>is mapped to </a:t>
+            </a:r>
+            <a:r>
+              <a:rPr lang="en-GB" b="1" dirty="0" err="1"/>
+              <a:t>getCourses</a:t>
+            </a:r>
+            <a:r>
+              <a:rPr lang="en-GB" dirty="0"/>
+              <a:t> function</a:t>
+            </a:r>
+          </a:p>
+          <a:p>
+            <a:endParaRPr lang="en-GB" b="1" dirty="0"/>
+          </a:p>
+        </p:txBody>
+      </p:sp>
+      <p:pic>
+        <p:nvPicPr>
+          <p:cNvPr id="4" name="Picture 3">
+            <a:extLst>
+              <a:ext uri="{FF2B5EF4-FFF2-40B4-BE49-F238E27FC236}">
+                <a16:creationId xmlns:a16="http://schemas.microsoft.com/office/drawing/2014/main" id="{8A4E5061-6F51-404C-8604-75EA22065441}"/>
+              </a:ext>
+            </a:extLst>
+          </p:cNvPr>
+          <p:cNvPicPr>
+            <a:picLocks noChangeAspect="1"/>
+          </p:cNvPicPr>
+          <p:nvPr/>
+        </p:nvPicPr>
+        <p:blipFill>
+          <a:blip r:embed="rId2"/>
+          <a:stretch>
+            <a:fillRect/>
+          </a:stretch>
+        </p:blipFill>
+        <p:spPr>
+          <a:xfrm>
+            <a:off x="8496801" y="365126"/>
+            <a:ext cx="2857000" cy="6476866"/>
+          </a:xfrm>
+          <a:prstGeom prst="rect">
+            <a:avLst/>
+          </a:prstGeom>
+        </p:spPr>
+      </p:pic>
     </p:spTree>
     <p:extLst>
       <p:ext uri="{BB962C8B-B14F-4D97-AF65-F5344CB8AC3E}">
-        <p14:creationId xmlns:p14="http://schemas.microsoft.com/office/powerpoint/2010/main" val="1108600773"/>
+        <p14:creationId xmlns:p14="http://schemas.microsoft.com/office/powerpoint/2010/main" val="4266476312"/>
       </p:ext>
     </p:extLst>
   </p:cSld>
@@ -4359,7 +4973,7 @@
           <p:cNvPr id="2" name="Title 1">
             <a:extLst>
               <a:ext uri="{FF2B5EF4-FFF2-40B4-BE49-F238E27FC236}">
-                <a16:creationId xmlns:a16="http://schemas.microsoft.com/office/drawing/2014/main" id="{C6ACE1D4-FACE-4C30-8601-10CDB72DE9E4}"/>
+                <a16:creationId xmlns:a16="http://schemas.microsoft.com/office/drawing/2014/main" id="{E27FAF20-FFF6-4E47-84B4-50B14FD45DAA}"/>
               </a:ext>
             </a:extLst>
           </p:cNvPr>
@@ -4377,40 +4991,592 @@
           <a:p>
             <a:r>
               <a:rPr lang="en-GB" dirty="0"/>
-              <a:t>Resolvers</a:t>
-            </a:r>
-          </a:p>
-        </p:txBody>
-      </p:sp>
-      <p:sp>
-        <p:nvSpPr>
-          <p:cNvPr id="3" name="Content Placeholder 2">
-            <a:extLst>
-              <a:ext uri="{FF2B5EF4-FFF2-40B4-BE49-F238E27FC236}">
-                <a16:creationId xmlns:a16="http://schemas.microsoft.com/office/drawing/2014/main" id="{F37FCA24-5BEE-4241-8497-D547DB502F2D}"/>
-              </a:ext>
-            </a:extLst>
-          </p:cNvPr>
-          <p:cNvSpPr>
-            <a:spLocks noGrp="1"/>
-          </p:cNvSpPr>
+              <a:t>Queries</a:t>
+            </a:r>
+          </a:p>
+        </p:txBody>
+      </p:sp>
+      <p:pic>
+        <p:nvPicPr>
+          <p:cNvPr id="4" name="Content Placeholder 3">
+            <a:extLst>
+              <a:ext uri="{FF2B5EF4-FFF2-40B4-BE49-F238E27FC236}">
+                <a16:creationId xmlns:a16="http://schemas.microsoft.com/office/drawing/2014/main" id="{ACE95CBC-E5E1-49DD-9724-70E2D65E1E1F}"/>
+              </a:ext>
+            </a:extLst>
+          </p:cNvPr>
+          <p:cNvPicPr>
+            <a:picLocks noGrp="1" noChangeAspect="1"/>
+          </p:cNvPicPr>
           <p:nvPr>
             <p:ph idx="1"/>
           </p:nvPr>
-        </p:nvSpPr>
-        <p:spPr/>
-        <p:txBody>
-          <a:bodyPr/>
-          <a:lstStyle/>
-          <a:p>
+        </p:nvPicPr>
+        <p:blipFill>
+          <a:blip r:embed="rId3"/>
+          <a:stretch>
+            <a:fillRect/>
+          </a:stretch>
+        </p:blipFill>
+        <p:spPr>
+          <a:xfrm>
+            <a:off x="6790908" y="2575250"/>
+            <a:ext cx="3467100" cy="2381250"/>
+          </a:xfrm>
+          <a:prstGeom prst="rect">
+            <a:avLst/>
+          </a:prstGeom>
+        </p:spPr>
+      </p:pic>
+      <p:cxnSp>
+        <p:nvCxnSpPr>
+          <p:cNvPr id="8" name="Straight Arrow Connector 7">
+            <a:extLst>
+              <a:ext uri="{FF2B5EF4-FFF2-40B4-BE49-F238E27FC236}">
+                <a16:creationId xmlns:a16="http://schemas.microsoft.com/office/drawing/2014/main" id="{66DF41F3-C8D3-48C5-8B0A-CC8BD0BDB5F1}"/>
+              </a:ext>
+            </a:extLst>
+          </p:cNvPr>
+          <p:cNvCxnSpPr>
+            <a:cxnSpLocks/>
+            <a:stCxn id="9" idx="2"/>
+          </p:cNvCxnSpPr>
+          <p:nvPr/>
+        </p:nvCxnSpPr>
+        <p:spPr>
+          <a:xfrm flipH="1">
+            <a:off x="6998678" y="1273345"/>
+            <a:ext cx="13188" cy="1329178"/>
+          </a:xfrm>
+          <a:prstGeom prst="straightConnector1">
+            <a:avLst/>
+          </a:prstGeom>
+          <a:ln>
+            <a:tailEnd type="triangle"/>
+          </a:ln>
+        </p:spPr>
+        <p:style>
+          <a:lnRef idx="1">
+            <a:schemeClr val="accent1"/>
+          </a:lnRef>
+          <a:fillRef idx="0">
+            <a:schemeClr val="accent1"/>
+          </a:fillRef>
+          <a:effectRef idx="0">
+            <a:schemeClr val="accent1"/>
+          </a:effectRef>
+          <a:fontRef idx="minor">
+            <a:schemeClr val="tx1"/>
+          </a:fontRef>
+        </p:style>
+      </p:cxnSp>
+      <p:sp>
+        <p:nvSpPr>
+          <p:cNvPr id="9" name="TextBox 8">
+            <a:extLst>
+              <a:ext uri="{FF2B5EF4-FFF2-40B4-BE49-F238E27FC236}">
+                <a16:creationId xmlns:a16="http://schemas.microsoft.com/office/drawing/2014/main" id="{D7B05566-AD28-4C67-A322-9388DC979211}"/>
+              </a:ext>
+            </a:extLst>
+          </p:cNvPr>
+          <p:cNvSpPr txBox="1"/>
+          <p:nvPr/>
+        </p:nvSpPr>
+        <p:spPr>
+          <a:xfrm>
+            <a:off x="6163408" y="904013"/>
+            <a:ext cx="1696915" cy="369332"/>
+          </a:xfrm>
+          <a:prstGeom prst="rect">
+            <a:avLst/>
+          </a:prstGeom>
+          <a:noFill/>
+        </p:spPr>
+        <p:txBody>
+          <a:bodyPr wrap="square" rtlCol="0">
+            <a:spAutoFit/>
+          </a:bodyPr>
+          <a:lstStyle/>
+          <a:p>
+            <a:r>
+              <a:rPr lang="en-GB" dirty="0"/>
+              <a:t>Operation Type</a:t>
+            </a:r>
+          </a:p>
+        </p:txBody>
+      </p:sp>
+      <p:cxnSp>
+        <p:nvCxnSpPr>
+          <p:cNvPr id="11" name="Straight Arrow Connector 10">
+            <a:extLst>
+              <a:ext uri="{FF2B5EF4-FFF2-40B4-BE49-F238E27FC236}">
+                <a16:creationId xmlns:a16="http://schemas.microsoft.com/office/drawing/2014/main" id="{A78E6112-6415-4F21-98EC-B5DD9B2F92D5}"/>
+              </a:ext>
+            </a:extLst>
+          </p:cNvPr>
+          <p:cNvCxnSpPr>
+            <a:cxnSpLocks/>
+          </p:cNvCxnSpPr>
+          <p:nvPr/>
+        </p:nvCxnSpPr>
+        <p:spPr>
+          <a:xfrm>
+            <a:off x="7860323" y="1690688"/>
+            <a:ext cx="0" cy="902147"/>
+          </a:xfrm>
+          <a:prstGeom prst="straightConnector1">
+            <a:avLst/>
+          </a:prstGeom>
+          <a:ln>
+            <a:tailEnd type="triangle"/>
+          </a:ln>
+        </p:spPr>
+        <p:style>
+          <a:lnRef idx="1">
+            <a:schemeClr val="accent1"/>
+          </a:lnRef>
+          <a:fillRef idx="0">
+            <a:schemeClr val="accent1"/>
+          </a:fillRef>
+          <a:effectRef idx="0">
+            <a:schemeClr val="accent1"/>
+          </a:effectRef>
+          <a:fontRef idx="minor">
+            <a:schemeClr val="tx1"/>
+          </a:fontRef>
+        </p:style>
+      </p:cxnSp>
+      <p:sp>
+        <p:nvSpPr>
+          <p:cNvPr id="12" name="TextBox 11">
+            <a:extLst>
+              <a:ext uri="{FF2B5EF4-FFF2-40B4-BE49-F238E27FC236}">
+                <a16:creationId xmlns:a16="http://schemas.microsoft.com/office/drawing/2014/main" id="{6D0F6A8A-452B-4636-975C-8853468D9682}"/>
+              </a:ext>
+            </a:extLst>
+          </p:cNvPr>
+          <p:cNvSpPr txBox="1"/>
+          <p:nvPr/>
+        </p:nvSpPr>
+        <p:spPr>
+          <a:xfrm>
+            <a:off x="7498737" y="1326200"/>
+            <a:ext cx="1819997" cy="369332"/>
+          </a:xfrm>
+          <a:prstGeom prst="rect">
+            <a:avLst/>
+          </a:prstGeom>
+          <a:noFill/>
+        </p:spPr>
+        <p:txBody>
+          <a:bodyPr wrap="square" rtlCol="0">
+            <a:spAutoFit/>
+          </a:bodyPr>
+          <a:lstStyle/>
+          <a:p>
+            <a:r>
+              <a:rPr lang="en-GB" dirty="0"/>
+              <a:t>Operation name</a:t>
+            </a:r>
+          </a:p>
+        </p:txBody>
+      </p:sp>
+      <p:cxnSp>
+        <p:nvCxnSpPr>
+          <p:cNvPr id="16" name="Straight Arrow Connector 15">
+            <a:extLst>
+              <a:ext uri="{FF2B5EF4-FFF2-40B4-BE49-F238E27FC236}">
+                <a16:creationId xmlns:a16="http://schemas.microsoft.com/office/drawing/2014/main" id="{59FAE0AC-14A9-4EF2-B0F7-BA649C5A354E}"/>
+              </a:ext>
+            </a:extLst>
+          </p:cNvPr>
+          <p:cNvCxnSpPr/>
+          <p:nvPr/>
+        </p:nvCxnSpPr>
+        <p:spPr>
+          <a:xfrm>
+            <a:off x="9135208" y="2141761"/>
+            <a:ext cx="0" cy="460762"/>
+          </a:xfrm>
+          <a:prstGeom prst="straightConnector1">
+            <a:avLst/>
+          </a:prstGeom>
+          <a:ln>
+            <a:tailEnd type="triangle"/>
+          </a:ln>
+        </p:spPr>
+        <p:style>
+          <a:lnRef idx="1">
+            <a:schemeClr val="accent1"/>
+          </a:lnRef>
+          <a:fillRef idx="0">
+            <a:schemeClr val="accent1"/>
+          </a:fillRef>
+          <a:effectRef idx="0">
+            <a:schemeClr val="accent1"/>
+          </a:effectRef>
+          <a:fontRef idx="minor">
+            <a:schemeClr val="tx1"/>
+          </a:fontRef>
+        </p:style>
+      </p:cxnSp>
+      <p:sp>
+        <p:nvSpPr>
+          <p:cNvPr id="17" name="TextBox 16">
+            <a:extLst>
+              <a:ext uri="{FF2B5EF4-FFF2-40B4-BE49-F238E27FC236}">
+                <a16:creationId xmlns:a16="http://schemas.microsoft.com/office/drawing/2014/main" id="{5232AD55-A07E-406F-BC6B-61154BE0F653}"/>
+              </a:ext>
+            </a:extLst>
+          </p:cNvPr>
+          <p:cNvSpPr txBox="1"/>
+          <p:nvPr/>
+        </p:nvSpPr>
+        <p:spPr>
+          <a:xfrm>
+            <a:off x="8998101" y="1777274"/>
+            <a:ext cx="2519815" cy="369332"/>
+          </a:xfrm>
+          <a:prstGeom prst="rect">
+            <a:avLst/>
+          </a:prstGeom>
+          <a:noFill/>
+        </p:spPr>
+        <p:txBody>
+          <a:bodyPr wrap="square" rtlCol="0">
+            <a:spAutoFit/>
+          </a:bodyPr>
+          <a:lstStyle/>
+          <a:p>
+            <a:r>
+              <a:rPr lang="en-GB" dirty="0"/>
+              <a:t>Variable Definitions</a:t>
+            </a:r>
+          </a:p>
+        </p:txBody>
+      </p:sp>
+      <p:sp>
+        <p:nvSpPr>
+          <p:cNvPr id="18" name="Left Brace 17">
+            <a:extLst>
+              <a:ext uri="{FF2B5EF4-FFF2-40B4-BE49-F238E27FC236}">
+                <a16:creationId xmlns:a16="http://schemas.microsoft.com/office/drawing/2014/main" id="{4C632083-2939-4227-8EDB-B7D99BE6CF11}"/>
+              </a:ext>
+            </a:extLst>
+          </p:cNvPr>
+          <p:cNvSpPr/>
+          <p:nvPr/>
+        </p:nvSpPr>
+        <p:spPr>
+          <a:xfrm>
+            <a:off x="7288822" y="3288323"/>
+            <a:ext cx="137863" cy="1055077"/>
+          </a:xfrm>
+          <a:prstGeom prst="leftBrace">
+            <a:avLst/>
+          </a:prstGeom>
+        </p:spPr>
+        <p:style>
+          <a:lnRef idx="1">
+            <a:schemeClr val="accent1"/>
+          </a:lnRef>
+          <a:fillRef idx="0">
+            <a:schemeClr val="accent1"/>
+          </a:fillRef>
+          <a:effectRef idx="0">
+            <a:schemeClr val="accent1"/>
+          </a:effectRef>
+          <a:fontRef idx="minor">
+            <a:schemeClr val="tx1"/>
+          </a:fontRef>
+        </p:style>
+        <p:txBody>
+          <a:bodyPr rtlCol="0" anchor="ctr"/>
+          <a:lstStyle/>
+          <a:p>
+            <a:pPr algn="ctr"/>
+            <a:endParaRPr lang="en-GB"/>
+          </a:p>
+        </p:txBody>
+      </p:sp>
+      <p:cxnSp>
+        <p:nvCxnSpPr>
+          <p:cNvPr id="20" name="Straight Arrow Connector 19">
+            <a:extLst>
+              <a:ext uri="{FF2B5EF4-FFF2-40B4-BE49-F238E27FC236}">
+                <a16:creationId xmlns:a16="http://schemas.microsoft.com/office/drawing/2014/main" id="{791E28C2-BC74-4DEC-9725-E661BDA2BAA2}"/>
+              </a:ext>
+            </a:extLst>
+          </p:cNvPr>
+          <p:cNvCxnSpPr>
+            <a:cxnSpLocks/>
+          </p:cNvCxnSpPr>
+          <p:nvPr/>
+        </p:nvCxnSpPr>
+        <p:spPr>
+          <a:xfrm>
+            <a:off x="6242538" y="3815862"/>
+            <a:ext cx="1184147" cy="0"/>
+          </a:xfrm>
+          <a:prstGeom prst="straightConnector1">
+            <a:avLst/>
+          </a:prstGeom>
+          <a:ln>
+            <a:tailEnd type="triangle"/>
+          </a:ln>
+        </p:spPr>
+        <p:style>
+          <a:lnRef idx="1">
+            <a:schemeClr val="accent1"/>
+          </a:lnRef>
+          <a:fillRef idx="0">
+            <a:schemeClr val="accent1"/>
+          </a:fillRef>
+          <a:effectRef idx="0">
+            <a:schemeClr val="accent1"/>
+          </a:effectRef>
+          <a:fontRef idx="minor">
+            <a:schemeClr val="tx1"/>
+          </a:fontRef>
+        </p:style>
+      </p:cxnSp>
+      <p:sp>
+        <p:nvSpPr>
+          <p:cNvPr id="25" name="TextBox 24">
+            <a:extLst>
+              <a:ext uri="{FF2B5EF4-FFF2-40B4-BE49-F238E27FC236}">
+                <a16:creationId xmlns:a16="http://schemas.microsoft.com/office/drawing/2014/main" id="{C5EC9195-7396-43E9-B8D8-EAAC12A5DC5B}"/>
+              </a:ext>
+            </a:extLst>
+          </p:cNvPr>
+          <p:cNvSpPr txBox="1"/>
+          <p:nvPr/>
+        </p:nvSpPr>
+        <p:spPr>
+          <a:xfrm>
+            <a:off x="5627067" y="3631195"/>
+            <a:ext cx="1037492" cy="369332"/>
+          </a:xfrm>
+          <a:prstGeom prst="rect">
+            <a:avLst/>
+          </a:prstGeom>
+          <a:noFill/>
+        </p:spPr>
+        <p:txBody>
+          <a:bodyPr wrap="square" rtlCol="0">
+            <a:spAutoFit/>
+          </a:bodyPr>
+          <a:lstStyle/>
+          <a:p>
+            <a:r>
+              <a:rPr lang="en-GB" dirty="0"/>
+              <a:t>Fields</a:t>
+            </a:r>
+          </a:p>
+        </p:txBody>
+      </p:sp>
+      <p:sp>
+        <p:nvSpPr>
+          <p:cNvPr id="26" name="TextBox 25">
+            <a:extLst>
+              <a:ext uri="{FF2B5EF4-FFF2-40B4-BE49-F238E27FC236}">
+                <a16:creationId xmlns:a16="http://schemas.microsoft.com/office/drawing/2014/main" id="{F4D70436-4062-41B3-9AB5-4E18999E1AEA}"/>
+              </a:ext>
+            </a:extLst>
+          </p:cNvPr>
+          <p:cNvSpPr txBox="1"/>
+          <p:nvPr/>
+        </p:nvSpPr>
+        <p:spPr>
+          <a:xfrm>
+            <a:off x="476982" y="1690687"/>
+            <a:ext cx="4332414" cy="3693319"/>
+          </a:xfrm>
+          <a:prstGeom prst="rect">
+            <a:avLst/>
+          </a:prstGeom>
+          <a:noFill/>
+        </p:spPr>
+        <p:txBody>
+          <a:bodyPr wrap="square" rtlCol="0">
+            <a:spAutoFit/>
+          </a:bodyPr>
+          <a:lstStyle/>
+          <a:p>
+            <a:pPr marL="285750" indent="-285750">
+              <a:buFont typeface="Arial" panose="020B0604020202020204" pitchFamily="34" charset="0"/>
+              <a:buChar char="•"/>
+            </a:pPr>
+            <a:r>
+              <a:rPr lang="en-GB" b="1" dirty="0"/>
+              <a:t>Operation type</a:t>
+            </a:r>
+            <a:r>
+              <a:rPr lang="en-GB" dirty="0"/>
+              <a:t>: either a query, mutation or subscription</a:t>
+            </a:r>
+          </a:p>
+          <a:p>
+            <a:pPr marL="285750" indent="-285750">
+              <a:buFont typeface="Arial" panose="020B0604020202020204" pitchFamily="34" charset="0"/>
+              <a:buChar char="•"/>
+            </a:pPr>
             <a:endParaRPr lang="en-GB" dirty="0"/>
+          </a:p>
+          <a:p>
+            <a:pPr marL="285750" indent="-285750">
+              <a:buFont typeface="Arial" panose="020B0604020202020204" pitchFamily="34" charset="0"/>
+              <a:buChar char="•"/>
+            </a:pPr>
+            <a:r>
+              <a:rPr lang="en-GB" b="1" dirty="0"/>
+              <a:t>Operation name: </a:t>
+            </a:r>
+            <a:r>
+              <a:rPr lang="en-GB" dirty="0"/>
+              <a:t>For debugging and server-side logging reasons, it’s useful to give your queries meaningful names.</a:t>
+            </a:r>
+          </a:p>
+          <a:p>
+            <a:pPr marL="285750" indent="-285750">
+              <a:buFont typeface="Arial" panose="020B0604020202020204" pitchFamily="34" charset="0"/>
+              <a:buChar char="•"/>
+            </a:pPr>
+            <a:endParaRPr lang="en-GB" dirty="0"/>
+          </a:p>
+          <a:p>
+            <a:pPr marL="285750" indent="-285750">
+              <a:buFont typeface="Arial" panose="020B0604020202020204" pitchFamily="34" charset="0"/>
+              <a:buChar char="•"/>
+            </a:pPr>
+            <a:r>
+              <a:rPr lang="en-GB" b="1" dirty="0"/>
+              <a:t>Variable Definitions: </a:t>
+            </a:r>
+            <a:r>
+              <a:rPr lang="en-GB" dirty="0"/>
+              <a:t>where you declare the types of variables you are planning to provide</a:t>
+            </a:r>
+          </a:p>
+          <a:p>
+            <a:pPr marL="285750" indent="-285750">
+              <a:buFont typeface="Arial" panose="020B0604020202020204" pitchFamily="34" charset="0"/>
+              <a:buChar char="•"/>
+            </a:pPr>
+            <a:endParaRPr lang="en-GB" dirty="0"/>
+          </a:p>
+          <a:p>
+            <a:pPr marL="285750" indent="-285750">
+              <a:buFont typeface="Arial" panose="020B0604020202020204" pitchFamily="34" charset="0"/>
+              <a:buChar char="•"/>
+            </a:pPr>
+            <a:r>
+              <a:rPr lang="en-GB" b="1" dirty="0"/>
+              <a:t>Fields: </a:t>
+            </a:r>
+            <a:r>
+              <a:rPr lang="en-GB" dirty="0"/>
+              <a:t>What data we want returned from query</a:t>
+            </a:r>
+          </a:p>
+        </p:txBody>
+      </p:sp>
+      <p:cxnSp>
+        <p:nvCxnSpPr>
+          <p:cNvPr id="28" name="Straight Arrow Connector 27">
+            <a:extLst>
+              <a:ext uri="{FF2B5EF4-FFF2-40B4-BE49-F238E27FC236}">
+                <a16:creationId xmlns:a16="http://schemas.microsoft.com/office/drawing/2014/main" id="{6936F1BE-EF40-4FE7-AF97-18183C2DF889}"/>
+              </a:ext>
+            </a:extLst>
+          </p:cNvPr>
+          <p:cNvCxnSpPr>
+            <a:cxnSpLocks/>
+          </p:cNvCxnSpPr>
+          <p:nvPr/>
+        </p:nvCxnSpPr>
+        <p:spPr>
+          <a:xfrm flipV="1">
+            <a:off x="6383215" y="3121848"/>
+            <a:ext cx="817784" cy="8214"/>
+          </a:xfrm>
+          <a:prstGeom prst="straightConnector1">
+            <a:avLst/>
+          </a:prstGeom>
+          <a:ln>
+            <a:tailEnd type="triangle"/>
+          </a:ln>
+        </p:spPr>
+        <p:style>
+          <a:lnRef idx="1">
+            <a:schemeClr val="accent1"/>
+          </a:lnRef>
+          <a:fillRef idx="0">
+            <a:schemeClr val="accent1"/>
+          </a:fillRef>
+          <a:effectRef idx="0">
+            <a:schemeClr val="accent1"/>
+          </a:effectRef>
+          <a:fontRef idx="minor">
+            <a:schemeClr val="tx1"/>
+          </a:fontRef>
+        </p:style>
+      </p:cxnSp>
+      <p:sp>
+        <p:nvSpPr>
+          <p:cNvPr id="31" name="TextBox 30">
+            <a:extLst>
+              <a:ext uri="{FF2B5EF4-FFF2-40B4-BE49-F238E27FC236}">
+                <a16:creationId xmlns:a16="http://schemas.microsoft.com/office/drawing/2014/main" id="{DADFE7A5-8162-477E-89C1-507970D8E716}"/>
+              </a:ext>
+            </a:extLst>
+          </p:cNvPr>
+          <p:cNvSpPr txBox="1"/>
+          <p:nvPr/>
+        </p:nvSpPr>
+        <p:spPr>
+          <a:xfrm>
+            <a:off x="5401093" y="2389084"/>
+            <a:ext cx="1292475" cy="1200329"/>
+          </a:xfrm>
+          <a:prstGeom prst="rect">
+            <a:avLst/>
+          </a:prstGeom>
+          <a:noFill/>
+        </p:spPr>
+        <p:txBody>
+          <a:bodyPr wrap="square" rtlCol="0">
+            <a:spAutoFit/>
+          </a:bodyPr>
+          <a:lstStyle/>
+          <a:p>
+            <a:r>
+              <a:rPr lang="en-GB" dirty="0"/>
+              <a:t>Query to run on</a:t>
+            </a:r>
+            <a:r>
+              <a:rPr lang="en-GB" b="1" dirty="0"/>
+              <a:t> </a:t>
+            </a:r>
+            <a:r>
+              <a:rPr lang="en-GB" dirty="0" err="1"/>
+              <a:t>GraphQL</a:t>
+            </a:r>
+            <a:r>
+              <a:rPr lang="en-GB" b="1" dirty="0"/>
+              <a:t> </a:t>
+            </a:r>
+            <a:r>
+              <a:rPr lang="en-GB" dirty="0"/>
+              <a:t>Server</a:t>
+            </a:r>
           </a:p>
         </p:txBody>
       </p:sp>
     </p:spTree>
     <p:extLst>
       <p:ext uri="{BB962C8B-B14F-4D97-AF65-F5344CB8AC3E}">
-        <p14:creationId xmlns:p14="http://schemas.microsoft.com/office/powerpoint/2010/main" val="4266476312"/>
+        <p14:creationId xmlns:p14="http://schemas.microsoft.com/office/powerpoint/2010/main" val="2625303275"/>
       </p:ext>
     </p:extLst>
   </p:cSld>
@@ -4437,6 +5603,592 @@
           <a:chExt cx="0" cy="0"/>
         </a:xfrm>
       </p:grpSpPr>
+      <p:pic>
+        <p:nvPicPr>
+          <p:cNvPr id="6" name="Picture 5">
+            <a:extLst>
+              <a:ext uri="{FF2B5EF4-FFF2-40B4-BE49-F238E27FC236}">
+                <a16:creationId xmlns:a16="http://schemas.microsoft.com/office/drawing/2014/main" id="{4B636BB9-33BF-44EC-8AD6-4260F2769238}"/>
+              </a:ext>
+            </a:extLst>
+          </p:cNvPr>
+          <p:cNvPicPr>
+            <a:picLocks noChangeAspect="1"/>
+          </p:cNvPicPr>
+          <p:nvPr/>
+        </p:nvPicPr>
+        <p:blipFill>
+          <a:blip r:embed="rId2"/>
+          <a:stretch>
+            <a:fillRect/>
+          </a:stretch>
+        </p:blipFill>
+        <p:spPr>
+          <a:xfrm>
+            <a:off x="-201811" y="4196484"/>
+            <a:ext cx="3933825" cy="2686050"/>
+          </a:xfrm>
+          <a:prstGeom prst="rect">
+            <a:avLst/>
+          </a:prstGeom>
+        </p:spPr>
+      </p:pic>
+      <p:cxnSp>
+        <p:nvCxnSpPr>
+          <p:cNvPr id="12" name="Straight Arrow Connector 11">
+            <a:extLst>
+              <a:ext uri="{FF2B5EF4-FFF2-40B4-BE49-F238E27FC236}">
+                <a16:creationId xmlns:a16="http://schemas.microsoft.com/office/drawing/2014/main" id="{68BCC22E-A651-4BAB-9753-7AC4395BC90E}"/>
+              </a:ext>
+            </a:extLst>
+          </p:cNvPr>
+          <p:cNvCxnSpPr>
+            <a:cxnSpLocks/>
+          </p:cNvCxnSpPr>
+          <p:nvPr/>
+        </p:nvCxnSpPr>
+        <p:spPr>
+          <a:xfrm>
+            <a:off x="3562126" y="2403764"/>
+            <a:ext cx="1849616" cy="0"/>
+          </a:xfrm>
+          <a:prstGeom prst="straightConnector1">
+            <a:avLst/>
+          </a:prstGeom>
+          <a:ln>
+            <a:tailEnd type="triangle"/>
+          </a:ln>
+        </p:spPr>
+        <p:style>
+          <a:lnRef idx="1">
+            <a:schemeClr val="accent1"/>
+          </a:lnRef>
+          <a:fillRef idx="0">
+            <a:schemeClr val="accent1"/>
+          </a:fillRef>
+          <a:effectRef idx="0">
+            <a:schemeClr val="accent1"/>
+          </a:effectRef>
+          <a:fontRef idx="minor">
+            <a:schemeClr val="tx1"/>
+          </a:fontRef>
+        </p:style>
+      </p:cxnSp>
+      <p:pic>
+        <p:nvPicPr>
+          <p:cNvPr id="13" name="Picture 12">
+            <a:extLst>
+              <a:ext uri="{FF2B5EF4-FFF2-40B4-BE49-F238E27FC236}">
+                <a16:creationId xmlns:a16="http://schemas.microsoft.com/office/drawing/2014/main" id="{3BBBFC4E-BB3B-4FE6-A4A7-24992628731D}"/>
+              </a:ext>
+            </a:extLst>
+          </p:cNvPr>
+          <p:cNvPicPr>
+            <a:picLocks noChangeAspect="1"/>
+          </p:cNvPicPr>
+          <p:nvPr/>
+        </p:nvPicPr>
+        <p:blipFill>
+          <a:blip r:embed="rId3"/>
+          <a:stretch>
+            <a:fillRect/>
+          </a:stretch>
+        </p:blipFill>
+        <p:spPr>
+          <a:xfrm>
+            <a:off x="5411742" y="1305519"/>
+            <a:ext cx="2796789" cy="2746070"/>
+          </a:xfrm>
+          <a:prstGeom prst="rect">
+            <a:avLst/>
+          </a:prstGeom>
+        </p:spPr>
+      </p:pic>
+      <p:sp>
+        <p:nvSpPr>
+          <p:cNvPr id="15" name="TextBox 14">
+            <a:extLst>
+              <a:ext uri="{FF2B5EF4-FFF2-40B4-BE49-F238E27FC236}">
+                <a16:creationId xmlns:a16="http://schemas.microsoft.com/office/drawing/2014/main" id="{73FDDC16-05EC-4804-8AE0-AAE31FE8C37A}"/>
+              </a:ext>
+            </a:extLst>
+          </p:cNvPr>
+          <p:cNvSpPr txBox="1"/>
+          <p:nvPr/>
+        </p:nvSpPr>
+        <p:spPr>
+          <a:xfrm>
+            <a:off x="3965079" y="1905123"/>
+            <a:ext cx="1043709" cy="338554"/>
+          </a:xfrm>
+          <a:prstGeom prst="rect">
+            <a:avLst/>
+          </a:prstGeom>
+          <a:noFill/>
+        </p:spPr>
+        <p:txBody>
+          <a:bodyPr wrap="square" rtlCol="0">
+            <a:spAutoFit/>
+          </a:bodyPr>
+          <a:lstStyle/>
+          <a:p>
+            <a:r>
+              <a:rPr lang="en-GB" sz="800" dirty="0"/>
+              <a:t>Sent to </a:t>
+            </a:r>
+            <a:r>
+              <a:rPr lang="en-GB" sz="800" dirty="0" err="1"/>
+              <a:t>GraphQL</a:t>
+            </a:r>
+            <a:r>
+              <a:rPr lang="en-GB" sz="800" dirty="0"/>
+              <a:t> server </a:t>
+            </a:r>
+          </a:p>
+        </p:txBody>
+      </p:sp>
+      <p:sp>
+        <p:nvSpPr>
+          <p:cNvPr id="16" name="TextBox 15">
+            <a:extLst>
+              <a:ext uri="{FF2B5EF4-FFF2-40B4-BE49-F238E27FC236}">
+                <a16:creationId xmlns:a16="http://schemas.microsoft.com/office/drawing/2014/main" id="{4933DC2D-DB23-4363-8399-777D7AA1EE81}"/>
+              </a:ext>
+            </a:extLst>
+          </p:cNvPr>
+          <p:cNvSpPr txBox="1"/>
+          <p:nvPr/>
+        </p:nvSpPr>
+        <p:spPr>
+          <a:xfrm>
+            <a:off x="3823853" y="2493888"/>
+            <a:ext cx="1330037" cy="215444"/>
+          </a:xfrm>
+          <a:prstGeom prst="rect">
+            <a:avLst/>
+          </a:prstGeom>
+          <a:noFill/>
+        </p:spPr>
+        <p:txBody>
+          <a:bodyPr wrap="square" rtlCol="0">
+            <a:spAutoFit/>
+          </a:bodyPr>
+          <a:lstStyle/>
+          <a:p>
+            <a:r>
+              <a:rPr lang="en-GB" sz="800" dirty="0"/>
+              <a:t>Validated against Schema</a:t>
+            </a:r>
+          </a:p>
+        </p:txBody>
+      </p:sp>
+      <p:pic>
+        <p:nvPicPr>
+          <p:cNvPr id="17" name="Picture 16">
+            <a:extLst>
+              <a:ext uri="{FF2B5EF4-FFF2-40B4-BE49-F238E27FC236}">
+                <a16:creationId xmlns:a16="http://schemas.microsoft.com/office/drawing/2014/main" id="{7868F457-30B0-499A-97EB-9222F36A6B00}"/>
+              </a:ext>
+            </a:extLst>
+          </p:cNvPr>
+          <p:cNvPicPr>
+            <a:picLocks noChangeAspect="1"/>
+          </p:cNvPicPr>
+          <p:nvPr/>
+        </p:nvPicPr>
+        <p:blipFill>
+          <a:blip r:embed="rId4"/>
+          <a:stretch>
+            <a:fillRect/>
+          </a:stretch>
+        </p:blipFill>
+        <p:spPr>
+          <a:xfrm>
+            <a:off x="8957974" y="3720234"/>
+            <a:ext cx="2828925" cy="1504950"/>
+          </a:xfrm>
+          <a:prstGeom prst="rect">
+            <a:avLst/>
+          </a:prstGeom>
+        </p:spPr>
+      </p:pic>
+      <p:cxnSp>
+        <p:nvCxnSpPr>
+          <p:cNvPr id="19" name="Straight Arrow Connector 18">
+            <a:extLst>
+              <a:ext uri="{FF2B5EF4-FFF2-40B4-BE49-F238E27FC236}">
+                <a16:creationId xmlns:a16="http://schemas.microsoft.com/office/drawing/2014/main" id="{8C68C2FD-6FB6-469E-BC8D-9418E59CA1B3}"/>
+              </a:ext>
+            </a:extLst>
+          </p:cNvPr>
+          <p:cNvCxnSpPr/>
+          <p:nvPr/>
+        </p:nvCxnSpPr>
+        <p:spPr>
+          <a:xfrm>
+            <a:off x="8315083" y="3860800"/>
+            <a:ext cx="570299" cy="489527"/>
+          </a:xfrm>
+          <a:prstGeom prst="straightConnector1">
+            <a:avLst/>
+          </a:prstGeom>
+          <a:ln>
+            <a:tailEnd type="triangle"/>
+          </a:ln>
+        </p:spPr>
+        <p:style>
+          <a:lnRef idx="1">
+            <a:schemeClr val="accent1"/>
+          </a:lnRef>
+          <a:fillRef idx="0">
+            <a:schemeClr val="accent1"/>
+          </a:fillRef>
+          <a:effectRef idx="0">
+            <a:schemeClr val="accent1"/>
+          </a:effectRef>
+          <a:fontRef idx="minor">
+            <a:schemeClr val="tx1"/>
+          </a:fontRef>
+        </p:style>
+      </p:cxnSp>
+      <p:pic>
+        <p:nvPicPr>
+          <p:cNvPr id="20" name="Picture 19">
+            <a:extLst>
+              <a:ext uri="{FF2B5EF4-FFF2-40B4-BE49-F238E27FC236}">
+                <a16:creationId xmlns:a16="http://schemas.microsoft.com/office/drawing/2014/main" id="{10B16741-61CE-4027-9848-410E44774662}"/>
+              </a:ext>
+            </a:extLst>
+          </p:cNvPr>
+          <p:cNvPicPr>
+            <a:picLocks noChangeAspect="1"/>
+          </p:cNvPicPr>
+          <p:nvPr/>
+        </p:nvPicPr>
+        <p:blipFill>
+          <a:blip r:embed="rId5"/>
+          <a:stretch>
+            <a:fillRect/>
+          </a:stretch>
+        </p:blipFill>
+        <p:spPr>
+          <a:xfrm>
+            <a:off x="5631063" y="5419117"/>
+            <a:ext cx="2828925" cy="1215242"/>
+          </a:xfrm>
+          <a:prstGeom prst="rect">
+            <a:avLst/>
+          </a:prstGeom>
+        </p:spPr>
+      </p:pic>
+      <p:cxnSp>
+        <p:nvCxnSpPr>
+          <p:cNvPr id="22" name="Straight Arrow Connector 21">
+            <a:extLst>
+              <a:ext uri="{FF2B5EF4-FFF2-40B4-BE49-F238E27FC236}">
+                <a16:creationId xmlns:a16="http://schemas.microsoft.com/office/drawing/2014/main" id="{4F99996B-6FF4-4416-B30E-131BEB855BA0}"/>
+              </a:ext>
+            </a:extLst>
+          </p:cNvPr>
+          <p:cNvCxnSpPr/>
+          <p:nvPr/>
+        </p:nvCxnSpPr>
+        <p:spPr>
+          <a:xfrm flipH="1">
+            <a:off x="8124092" y="4651131"/>
+            <a:ext cx="833882" cy="712177"/>
+          </a:xfrm>
+          <a:prstGeom prst="straightConnector1">
+            <a:avLst/>
+          </a:prstGeom>
+          <a:ln>
+            <a:tailEnd type="triangle"/>
+          </a:ln>
+        </p:spPr>
+        <p:style>
+          <a:lnRef idx="1">
+            <a:schemeClr val="accent1"/>
+          </a:lnRef>
+          <a:fillRef idx="0">
+            <a:schemeClr val="accent1"/>
+          </a:fillRef>
+          <a:effectRef idx="0">
+            <a:schemeClr val="accent1"/>
+          </a:effectRef>
+          <a:fontRef idx="minor">
+            <a:schemeClr val="tx1"/>
+          </a:fontRef>
+        </p:style>
+      </p:cxnSp>
+      <p:cxnSp>
+        <p:nvCxnSpPr>
+          <p:cNvPr id="24" name="Straight Arrow Connector 23">
+            <a:extLst>
+              <a:ext uri="{FF2B5EF4-FFF2-40B4-BE49-F238E27FC236}">
+                <a16:creationId xmlns:a16="http://schemas.microsoft.com/office/drawing/2014/main" id="{6BA1D4C1-B508-4E66-A6C7-896B5474CD19}"/>
+              </a:ext>
+            </a:extLst>
+          </p:cNvPr>
+          <p:cNvCxnSpPr/>
+          <p:nvPr/>
+        </p:nvCxnSpPr>
+        <p:spPr>
+          <a:xfrm flipH="1">
+            <a:off x="3823853" y="5802923"/>
+            <a:ext cx="1807210" cy="0"/>
+          </a:xfrm>
+          <a:prstGeom prst="straightConnector1">
+            <a:avLst/>
+          </a:prstGeom>
+          <a:ln>
+            <a:tailEnd type="triangle"/>
+          </a:ln>
+        </p:spPr>
+        <p:style>
+          <a:lnRef idx="1">
+            <a:schemeClr val="accent1"/>
+          </a:lnRef>
+          <a:fillRef idx="0">
+            <a:schemeClr val="accent1"/>
+          </a:fillRef>
+          <a:effectRef idx="0">
+            <a:schemeClr val="accent1"/>
+          </a:effectRef>
+          <a:fontRef idx="minor">
+            <a:schemeClr val="tx1"/>
+          </a:fontRef>
+        </p:style>
+      </p:cxnSp>
+      <p:pic>
+        <p:nvPicPr>
+          <p:cNvPr id="26" name="Picture 25">
+            <a:extLst>
+              <a:ext uri="{FF2B5EF4-FFF2-40B4-BE49-F238E27FC236}">
+                <a16:creationId xmlns:a16="http://schemas.microsoft.com/office/drawing/2014/main" id="{38E1B787-2A56-4D9B-8746-2AB9207A5303}"/>
+              </a:ext>
+            </a:extLst>
+          </p:cNvPr>
+          <p:cNvPicPr>
+            <a:picLocks noChangeAspect="1"/>
+          </p:cNvPicPr>
+          <p:nvPr/>
+        </p:nvPicPr>
+        <p:blipFill>
+          <a:blip r:embed="rId6"/>
+          <a:stretch>
+            <a:fillRect/>
+          </a:stretch>
+        </p:blipFill>
+        <p:spPr>
+          <a:xfrm>
+            <a:off x="123258" y="1458953"/>
+            <a:ext cx="3467100" cy="2381250"/>
+          </a:xfrm>
+          <a:prstGeom prst="rect">
+            <a:avLst/>
+          </a:prstGeom>
+        </p:spPr>
+      </p:pic>
+      <p:sp>
+        <p:nvSpPr>
+          <p:cNvPr id="27" name="TextBox 26">
+            <a:extLst>
+              <a:ext uri="{FF2B5EF4-FFF2-40B4-BE49-F238E27FC236}">
+                <a16:creationId xmlns:a16="http://schemas.microsoft.com/office/drawing/2014/main" id="{B9C98BDE-48B7-4CEA-B4C6-48CB1983F5E2}"/>
+              </a:ext>
+            </a:extLst>
+          </p:cNvPr>
+          <p:cNvSpPr txBox="1"/>
+          <p:nvPr/>
+        </p:nvSpPr>
+        <p:spPr>
+          <a:xfrm>
+            <a:off x="2259623" y="439615"/>
+            <a:ext cx="2749165" cy="369332"/>
+          </a:xfrm>
+          <a:prstGeom prst="rect">
+            <a:avLst/>
+          </a:prstGeom>
+          <a:noFill/>
+        </p:spPr>
+        <p:txBody>
+          <a:bodyPr wrap="square" rtlCol="0">
+            <a:spAutoFit/>
+          </a:bodyPr>
+          <a:lstStyle/>
+          <a:p>
+            <a:r>
+              <a:rPr lang="en-US" dirty="0">
+                <a:solidFill>
+                  <a:srgbClr val="FFFFFF"/>
+                </a:solidFill>
+              </a:rPr>
+              <a:t>Put it all together</a:t>
+            </a:r>
+            <a:endParaRPr lang="en-GB" dirty="0"/>
+          </a:p>
+        </p:txBody>
+      </p:sp>
+    </p:spTree>
+    <p:extLst>
+      <p:ext uri="{BB962C8B-B14F-4D97-AF65-F5344CB8AC3E}">
+        <p14:creationId xmlns:p14="http://schemas.microsoft.com/office/powerpoint/2010/main" val="4088840245"/>
+      </p:ext>
+    </p:extLst>
+  </p:cSld>
+  <p:clrMapOvr>
+    <a:masterClrMapping/>
+  </p:clrMapOvr>
+</p:sld>
+</file>
+
+<file path=ppt/slides/slide17.xml><?xml version="1.0" encoding="utf-8"?>
+<p:sld xmlns:a="http://schemas.openxmlformats.org/drawingml/2006/main" xmlns:r="http://schemas.openxmlformats.org/officeDocument/2006/relationships" xmlns:p="http://schemas.openxmlformats.org/presentationml/2006/main">
+  <p:cSld>
+    <p:spTree>
+      <p:nvGrpSpPr>
+        <p:cNvPr id="1" name=""/>
+        <p:cNvGrpSpPr/>
+        <p:nvPr/>
+      </p:nvGrpSpPr>
+      <p:grpSpPr>
+        <a:xfrm>
+          <a:off x="0" y="0"/>
+          <a:ext cx="0" cy="0"/>
+          <a:chOff x="0" y="0"/>
+          <a:chExt cx="0" cy="0"/>
+        </a:xfrm>
+      </p:grpSpPr>
+      <p:sp>
+        <p:nvSpPr>
+          <p:cNvPr id="17" name="Rectangle 7">
+            <a:extLst>
+              <a:ext uri="{FF2B5EF4-FFF2-40B4-BE49-F238E27FC236}">
+                <a16:creationId xmlns:a16="http://schemas.microsoft.com/office/drawing/2014/main" id="{23962611-DFD5-4092-AAFD-559E3DFCE2C9}"/>
+              </a:ext>
+              <a:ext uri="{C183D7F6-B498-43B3-948B-1728B52AA6E4}">
+                <adec:decorative xmlns:adec="http://schemas.microsoft.com/office/drawing/2017/decorative" val="1"/>
+              </a:ext>
+            </a:extLst>
+          </p:cNvPr>
+          <p:cNvSpPr>
+            <a:spLocks noGrp="1" noRot="1" noChangeAspect="1" noMove="1" noResize="1" noEditPoints="1" noAdjustHandles="1" noChangeArrowheads="1" noChangeShapeType="1" noTextEdit="1"/>
+          </p:cNvSpPr>
+          <p:nvPr>
+            <p:extLst>
+              <p:ext uri="{386F3935-93C4-4BCD-93E2-E3B085C9AB24}">
+                <p16:designElem xmlns:p16="http://schemas.microsoft.com/office/powerpoint/2015/main" val="1"/>
+              </p:ext>
+            </p:extLst>
+          </p:nvPr>
+        </p:nvSpPr>
+        <p:spPr>
+          <a:xfrm>
+            <a:off x="475488" y="0"/>
+            <a:ext cx="10910292" cy="6858000"/>
+          </a:xfrm>
+          <a:prstGeom prst="rect">
+            <a:avLst/>
+          </a:prstGeom>
+          <a:gradFill>
+            <a:gsLst>
+              <a:gs pos="0">
+                <a:schemeClr val="accent1">
+                  <a:lumMod val="90000"/>
+                </a:schemeClr>
+              </a:gs>
+              <a:gs pos="25000">
+                <a:schemeClr val="accent1">
+                  <a:lumMod val="90000"/>
+                </a:schemeClr>
+              </a:gs>
+              <a:gs pos="94000">
+                <a:schemeClr val="bg2">
+                  <a:lumMod val="25000"/>
+                </a:schemeClr>
+              </a:gs>
+              <a:gs pos="100000">
+                <a:schemeClr val="bg2">
+                  <a:lumMod val="25000"/>
+                </a:schemeClr>
+              </a:gs>
+            </a:gsLst>
+            <a:lin ang="4200000" scaled="0"/>
+          </a:gradFill>
+          <a:ln>
+            <a:noFill/>
+          </a:ln>
+        </p:spPr>
+        <p:style>
+          <a:lnRef idx="2">
+            <a:schemeClr val="accent1">
+              <a:shade val="50000"/>
+            </a:schemeClr>
+          </a:lnRef>
+          <a:fillRef idx="1">
+            <a:schemeClr val="accent1"/>
+          </a:fillRef>
+          <a:effectRef idx="0">
+            <a:schemeClr val="accent1"/>
+          </a:effectRef>
+          <a:fontRef idx="minor">
+            <a:schemeClr val="lt1"/>
+          </a:fontRef>
+        </p:style>
+        <p:txBody>
+          <a:bodyPr rtlCol="0" anchor="ctr"/>
+          <a:lstStyle/>
+          <a:p>
+            <a:pPr algn="ctr"/>
+            <a:endParaRPr lang="en-US"/>
+          </a:p>
+        </p:txBody>
+      </p:sp>
+      <p:pic>
+        <p:nvPicPr>
+          <p:cNvPr id="18" name="Picture 9">
+            <a:extLst>
+              <a:ext uri="{FF2B5EF4-FFF2-40B4-BE49-F238E27FC236}">
+                <a16:creationId xmlns:a16="http://schemas.microsoft.com/office/drawing/2014/main" id="{2270F1FA-0425-408F-9861-80BF5AFB276D}"/>
+              </a:ext>
+              <a:ext uri="{C183D7F6-B498-43B3-948B-1728B52AA6E4}">
+                <adec:decorative xmlns:adec="http://schemas.microsoft.com/office/drawing/2017/decorative" val="1"/>
+              </a:ext>
+            </a:extLst>
+          </p:cNvPr>
+          <p:cNvPicPr>
+            <a:picLocks noGrp="1" noRot="1" noChangeAspect="1" noMove="1" noResize="1" noEditPoints="1" noAdjustHandles="1" noChangeArrowheads="1" noChangeShapeType="1" noCrop="1"/>
+          </p:cNvPicPr>
+          <p:nvPr>
+            <p:extLst>
+              <p:ext uri="{386F3935-93C4-4BCD-93E2-E3B085C9AB24}">
+                <p16:designElem xmlns:p16="http://schemas.microsoft.com/office/powerpoint/2015/main" val="1"/>
+              </p:ext>
+            </p:extLst>
+          </p:nvPr>
+        </p:nvPicPr>
+        <p:blipFill>
+          <a:blip r:embed="rId2">
+            <a:extLst>
+              <a:ext uri="{28A0092B-C50C-407E-A947-70E740481C1C}">
+                <a14:useLocalDpi xmlns:a14="http://schemas.microsoft.com/office/drawing/2010/main" val="0"/>
+              </a:ext>
+            </a:extLst>
+          </a:blip>
+          <a:stretch>
+            <a:fillRect/>
+          </a:stretch>
+        </p:blipFill>
+        <p:spPr>
+          <a:xfrm>
+            <a:off x="0" y="0"/>
+            <a:ext cx="12192000" cy="6858000"/>
+          </a:xfrm>
+          <a:prstGeom prst="rect">
+            <a:avLst/>
+          </a:prstGeom>
+        </p:spPr>
+      </p:pic>
       <p:sp>
         <p:nvSpPr>
           <p:cNvPr id="2" name="Title 1">
@@ -4453,40 +6205,30 @@
             <p:ph type="title"/>
           </p:nvPr>
         </p:nvSpPr>
-        <p:spPr/>
-        <p:txBody>
-          <a:bodyPr/>
-          <a:lstStyle/>
-          <a:p>
-            <a:r>
-              <a:rPr lang="en-GB" dirty="0"/>
-              <a:t>Live Demo</a:t>
-            </a:r>
-          </a:p>
-        </p:txBody>
-      </p:sp>
-      <p:sp>
-        <p:nvSpPr>
-          <p:cNvPr id="3" name="Content Placeholder 2">
-            <a:extLst>
-              <a:ext uri="{FF2B5EF4-FFF2-40B4-BE49-F238E27FC236}">
-                <a16:creationId xmlns:a16="http://schemas.microsoft.com/office/drawing/2014/main" id="{032CD588-C8E3-4BFE-A446-3256F3D62076}"/>
-              </a:ext>
-            </a:extLst>
-          </p:cNvPr>
-          <p:cNvSpPr>
-            <a:spLocks noGrp="1"/>
-          </p:cNvSpPr>
-          <p:nvPr>
-            <p:ph idx="1"/>
-          </p:nvPr>
-        </p:nvSpPr>
-        <p:spPr/>
-        <p:txBody>
-          <a:bodyPr/>
-          <a:lstStyle/>
-          <a:p>
-            <a:endParaRPr lang="en-GB"/>
+        <p:spPr>
+          <a:xfrm>
+            <a:off x="3045368" y="2043663"/>
+            <a:ext cx="6105194" cy="2031055"/>
+          </a:xfrm>
+        </p:spPr>
+        <p:txBody>
+          <a:bodyPr vert="horz" lIns="91440" tIns="45720" rIns="91440" bIns="45720" rtlCol="0" anchor="b">
+            <a:normAutofit/>
+          </a:bodyPr>
+          <a:lstStyle/>
+          <a:p>
+            <a:pPr algn="ctr"/>
+            <a:r>
+              <a:rPr lang="en-US" sz="6000" kern="1200" dirty="0">
+                <a:solidFill>
+                  <a:srgbClr val="FFFFFF"/>
+                </a:solidFill>
+                <a:latin typeface="+mj-lt"/>
+                <a:ea typeface="+mj-ea"/>
+                <a:cs typeface="+mj-cs"/>
+              </a:rPr>
+              <a:t> Live Demo</a:t>
+            </a:r>
           </a:p>
         </p:txBody>
       </p:sp>
@@ -6061,4 +7803,299 @@
     </a:ext>
   </a:extLst>
 </a:theme>
+</file>
+
+<file path=ppt/theme/theme2.xml><?xml version="1.0" encoding="utf-8"?>
+<a:theme xmlns:a="http://schemas.openxmlformats.org/drawingml/2006/main" name="Office Theme">
+  <a:themeElements>
+    <a:clrScheme name="Office">
+      <a:dk1>
+        <a:sysClr val="windowText" lastClr="000000"/>
+      </a:dk1>
+      <a:lt1>
+        <a:sysClr val="window" lastClr="FFFFFF"/>
+      </a:lt1>
+      <a:dk2>
+        <a:srgbClr val="44546A"/>
+      </a:dk2>
+      <a:lt2>
+        <a:srgbClr val="E7E6E6"/>
+      </a:lt2>
+      <a:accent1>
+        <a:srgbClr val="4472C4"/>
+      </a:accent1>
+      <a:accent2>
+        <a:srgbClr val="ED7D31"/>
+      </a:accent2>
+      <a:accent3>
+        <a:srgbClr val="A5A5A5"/>
+      </a:accent3>
+      <a:accent4>
+        <a:srgbClr val="FFC000"/>
+      </a:accent4>
+      <a:accent5>
+        <a:srgbClr val="5B9BD5"/>
+      </a:accent5>
+      <a:accent6>
+        <a:srgbClr val="70AD47"/>
+      </a:accent6>
+      <a:hlink>
+        <a:srgbClr val="0563C1"/>
+      </a:hlink>
+      <a:folHlink>
+        <a:srgbClr val="954F72"/>
+      </a:folHlink>
+    </a:clrScheme>
+    <a:fontScheme name="Office">
+      <a:majorFont>
+        <a:latin typeface="Calibri Light" panose="020F0302020204030204"/>
+        <a:ea typeface=""/>
+        <a:cs typeface=""/>
+        <a:font script="Jpan" typeface="游ゴシック Light"/>
+        <a:font script="Hang" typeface="맑은 고딕"/>
+        <a:font script="Hans" typeface="等线 Light"/>
+        <a:font script="Hant" typeface="新細明體"/>
+        <a:font script="Arab" typeface="Times New Roman"/>
+        <a:font script="Hebr" typeface="Times New Roman"/>
+        <a:font script="Thai" typeface="Angsana New"/>
+        <a:font script="Ethi" typeface="Nyala"/>
+        <a:font script="Beng" typeface="Vrinda"/>
+        <a:font script="Gujr" typeface="Shruti"/>
+        <a:font script="Khmr" typeface="MoolBoran"/>
+        <a:font script="Knda" typeface="Tunga"/>
+        <a:font script="Guru" typeface="Raavi"/>
+        <a:font script="Cans" typeface="Euphemia"/>
+        <a:font script="Cher" typeface="Plantagenet Cherokee"/>
+        <a:font script="Yiii" typeface="Microsoft Yi Baiti"/>
+        <a:font script="Tibt" typeface="Microsoft Himalaya"/>
+        <a:font script="Thaa" typeface="MV Boli"/>
+        <a:font script="Deva" typeface="Mangal"/>
+        <a:font script="Telu" typeface="Gautami"/>
+        <a:font script="Taml" typeface="Latha"/>
+        <a:font script="Syrc" typeface="Estrangelo Edessa"/>
+        <a:font script="Orya" typeface="Kalinga"/>
+        <a:font script="Mlym" typeface="Kartika"/>
+        <a:font script="Laoo" typeface="DokChampa"/>
+        <a:font script="Sinh" typeface="Iskoola Pota"/>
+        <a:font script="Mong" typeface="Mongolian Baiti"/>
+        <a:font script="Viet" typeface="Times New Roman"/>
+        <a:font script="Uigh" typeface="Microsoft Uighur"/>
+        <a:font script="Geor" typeface="Sylfaen"/>
+        <a:font script="Armn" typeface="Arial"/>
+        <a:font script="Bugi" typeface="Leelawadee UI"/>
+        <a:font script="Bopo" typeface="Microsoft JhengHei"/>
+        <a:font script="Java" typeface="Javanese Text"/>
+        <a:font script="Lisu" typeface="Segoe UI"/>
+        <a:font script="Mymr" typeface="Myanmar Text"/>
+        <a:font script="Nkoo" typeface="Ebrima"/>
+        <a:font script="Olck" typeface="Nirmala UI"/>
+        <a:font script="Osma" typeface="Ebrima"/>
+        <a:font script="Phag" typeface="Phagspa"/>
+        <a:font script="Syrn" typeface="Estrangelo Edessa"/>
+        <a:font script="Syrj" typeface="Estrangelo Edessa"/>
+        <a:font script="Syre" typeface="Estrangelo Edessa"/>
+        <a:font script="Sora" typeface="Nirmala UI"/>
+        <a:font script="Tale" typeface="Microsoft Tai Le"/>
+        <a:font script="Talu" typeface="Microsoft New Tai Lue"/>
+        <a:font script="Tfng" typeface="Ebrima"/>
+      </a:majorFont>
+      <a:minorFont>
+        <a:latin typeface="Calibri" panose="020F0502020204030204"/>
+        <a:ea typeface=""/>
+        <a:cs typeface=""/>
+        <a:font script="Jpan" typeface="游ゴシック"/>
+        <a:font script="Hang" typeface="맑은 고딕"/>
+        <a:font script="Hans" typeface="等线"/>
+        <a:font script="Hant" typeface="新細明體"/>
+        <a:font script="Arab" typeface="Arial"/>
+        <a:font script="Hebr" typeface="Arial"/>
+        <a:font script="Thai" typeface="Cordia New"/>
+        <a:font script="Ethi" typeface="Nyala"/>
+        <a:font script="Beng" typeface="Vrinda"/>
+        <a:font script="Gujr" typeface="Shruti"/>
+        <a:font script="Khmr" typeface="DaunPenh"/>
+        <a:font script="Knda" typeface="Tunga"/>
+        <a:font script="Guru" typeface="Raavi"/>
+        <a:font script="Cans" typeface="Euphemia"/>
+        <a:font script="Cher" typeface="Plantagenet Cherokee"/>
+        <a:font script="Yiii" typeface="Microsoft Yi Baiti"/>
+        <a:font script="Tibt" typeface="Microsoft Himalaya"/>
+        <a:font script="Thaa" typeface="MV Boli"/>
+        <a:font script="Deva" typeface="Mangal"/>
+        <a:font script="Telu" typeface="Gautami"/>
+        <a:font script="Taml" typeface="Latha"/>
+        <a:font script="Syrc" typeface="Estrangelo Edessa"/>
+        <a:font script="Orya" typeface="Kalinga"/>
+        <a:font script="Mlym" typeface="Kartika"/>
+        <a:font script="Laoo" typeface="DokChampa"/>
+        <a:font script="Sinh" typeface="Iskoola Pota"/>
+        <a:font script="Mong" typeface="Mongolian Baiti"/>
+        <a:font script="Viet" typeface="Arial"/>
+        <a:font script="Uigh" typeface="Microsoft Uighur"/>
+        <a:font script="Geor" typeface="Sylfaen"/>
+        <a:font script="Armn" typeface="Arial"/>
+        <a:font script="Bugi" typeface="Leelawadee UI"/>
+        <a:font script="Bopo" typeface="Microsoft JhengHei"/>
+        <a:font script="Java" typeface="Javanese Text"/>
+        <a:font script="Lisu" typeface="Segoe UI"/>
+        <a:font script="Mymr" typeface="Myanmar Text"/>
+        <a:font script="Nkoo" typeface="Ebrima"/>
+        <a:font script="Olck" typeface="Nirmala UI"/>
+        <a:font script="Osma" typeface="Ebrima"/>
+        <a:font script="Phag" typeface="Phagspa"/>
+        <a:font script="Syrn" typeface="Estrangelo Edessa"/>
+        <a:font script="Syrj" typeface="Estrangelo Edessa"/>
+        <a:font script="Syre" typeface="Estrangelo Edessa"/>
+        <a:font script="Sora" typeface="Nirmala UI"/>
+        <a:font script="Tale" typeface="Microsoft Tai Le"/>
+        <a:font script="Talu" typeface="Microsoft New Tai Lue"/>
+        <a:font script="Tfng" typeface="Ebrima"/>
+      </a:minorFont>
+    </a:fontScheme>
+    <a:fmtScheme name="Office">
+      <a:fillStyleLst>
+        <a:solidFill>
+          <a:schemeClr val="phClr"/>
+        </a:solidFill>
+        <a:gradFill rotWithShape="1">
+          <a:gsLst>
+            <a:gs pos="0">
+              <a:schemeClr val="phClr">
+                <a:lumMod val="110000"/>
+                <a:satMod val="105000"/>
+                <a:tint val="67000"/>
+              </a:schemeClr>
+            </a:gs>
+            <a:gs pos="50000">
+              <a:schemeClr val="phClr">
+                <a:lumMod val="105000"/>
+                <a:satMod val="103000"/>
+                <a:tint val="73000"/>
+              </a:schemeClr>
+            </a:gs>
+            <a:gs pos="100000">
+              <a:schemeClr val="phClr">
+                <a:lumMod val="105000"/>
+                <a:satMod val="109000"/>
+                <a:tint val="81000"/>
+              </a:schemeClr>
+            </a:gs>
+          </a:gsLst>
+          <a:lin ang="5400000" scaled="0"/>
+        </a:gradFill>
+        <a:gradFill rotWithShape="1">
+          <a:gsLst>
+            <a:gs pos="0">
+              <a:schemeClr val="phClr">
+                <a:satMod val="103000"/>
+                <a:lumMod val="102000"/>
+                <a:tint val="94000"/>
+              </a:schemeClr>
+            </a:gs>
+            <a:gs pos="50000">
+              <a:schemeClr val="phClr">
+                <a:satMod val="110000"/>
+                <a:lumMod val="100000"/>
+                <a:shade val="100000"/>
+              </a:schemeClr>
+            </a:gs>
+            <a:gs pos="100000">
+              <a:schemeClr val="phClr">
+                <a:lumMod val="99000"/>
+                <a:satMod val="120000"/>
+                <a:shade val="78000"/>
+              </a:schemeClr>
+            </a:gs>
+          </a:gsLst>
+          <a:lin ang="5400000" scaled="0"/>
+        </a:gradFill>
+      </a:fillStyleLst>
+      <a:lnStyleLst>
+        <a:ln w="6350" cap="flat" cmpd="sng" algn="ctr">
+          <a:solidFill>
+            <a:schemeClr val="phClr"/>
+          </a:solidFill>
+          <a:prstDash val="solid"/>
+          <a:miter lim="800000"/>
+        </a:ln>
+        <a:ln w="12700" cap="flat" cmpd="sng" algn="ctr">
+          <a:solidFill>
+            <a:schemeClr val="phClr"/>
+          </a:solidFill>
+          <a:prstDash val="solid"/>
+          <a:miter lim="800000"/>
+        </a:ln>
+        <a:ln w="19050" cap="flat" cmpd="sng" algn="ctr">
+          <a:solidFill>
+            <a:schemeClr val="phClr"/>
+          </a:solidFill>
+          <a:prstDash val="solid"/>
+          <a:miter lim="800000"/>
+        </a:ln>
+      </a:lnStyleLst>
+      <a:effectStyleLst>
+        <a:effectStyle>
+          <a:effectLst/>
+        </a:effectStyle>
+        <a:effectStyle>
+          <a:effectLst/>
+        </a:effectStyle>
+        <a:effectStyle>
+          <a:effectLst>
+            <a:outerShdw blurRad="57150" dist="19050" dir="5400000" algn="ctr" rotWithShape="0">
+              <a:srgbClr val="000000">
+                <a:alpha val="63000"/>
+              </a:srgbClr>
+            </a:outerShdw>
+          </a:effectLst>
+        </a:effectStyle>
+      </a:effectStyleLst>
+      <a:bgFillStyleLst>
+        <a:solidFill>
+          <a:schemeClr val="phClr"/>
+        </a:solidFill>
+        <a:solidFill>
+          <a:schemeClr val="phClr">
+            <a:tint val="95000"/>
+            <a:satMod val="170000"/>
+          </a:schemeClr>
+        </a:solidFill>
+        <a:gradFill rotWithShape="1">
+          <a:gsLst>
+            <a:gs pos="0">
+              <a:schemeClr val="phClr">
+                <a:tint val="93000"/>
+                <a:satMod val="150000"/>
+                <a:shade val="98000"/>
+                <a:lumMod val="102000"/>
+              </a:schemeClr>
+            </a:gs>
+            <a:gs pos="50000">
+              <a:schemeClr val="phClr">
+                <a:tint val="98000"/>
+                <a:satMod val="130000"/>
+                <a:shade val="90000"/>
+                <a:lumMod val="103000"/>
+              </a:schemeClr>
+            </a:gs>
+            <a:gs pos="100000">
+              <a:schemeClr val="phClr">
+                <a:shade val="63000"/>
+                <a:satMod val="120000"/>
+              </a:schemeClr>
+            </a:gs>
+          </a:gsLst>
+          <a:lin ang="5400000" scaled="0"/>
+        </a:gradFill>
+      </a:bgFillStyleLst>
+    </a:fmtScheme>
+  </a:themeElements>
+  <a:objectDefaults/>
+  <a:extraClrSchemeLst/>
+  <a:extLst>
+    <a:ext uri="{05A4C25C-085E-4340-85A3-A5531E510DB2}">
+      <thm15:themeFamily xmlns:thm15="http://schemas.microsoft.com/office/thememl/2012/main" name="Office Theme" id="{62F939B6-93AF-4DB8-9C6B-D6C7DFDC589F}" vid="{4A3C46E8-61CC-4603-A589-7422A47A8E4A}"/>
+    </a:ext>
+  </a:extLst>
+</a:theme>
 </file>
--- a/current.pptx
+++ b/current.pptx
@@ -5,7 +5,7 @@
     <p:sldMasterId id="2147483648" r:id="rId1"/>
   </p:sldMasterIdLst>
   <p:notesMasterIdLst>
-    <p:notesMasterId r:id="rId19"/>
+    <p:notesMasterId r:id="rId25"/>
   </p:notesMasterIdLst>
   <p:sldIdLst>
     <p:sldId id="256" r:id="rId2"/>
@@ -25,6 +25,12 @@
     <p:sldId id="273" r:id="rId16"/>
     <p:sldId id="272" r:id="rId17"/>
     <p:sldId id="271" r:id="rId18"/>
+    <p:sldId id="274" r:id="rId19"/>
+    <p:sldId id="276" r:id="rId20"/>
+    <p:sldId id="277" r:id="rId21"/>
+    <p:sldId id="278" r:id="rId22"/>
+    <p:sldId id="279" r:id="rId23"/>
+    <p:sldId id="275" r:id="rId24"/>
   </p:sldIdLst>
   <p:sldSz cx="12192000" cy="6858000"/>
   <p:notesSz cx="6858000" cy="9144000"/>
@@ -213,7 +219,7 @@
           <a:p>
             <a:fld id="{05A2C539-3BAE-43DA-89DD-3C2B65931CAB}" type="datetimeFigureOut">
               <a:rPr lang="en-GB" smtClean="0"/>
-              <a:t>29/03/2019</a:t>
+              <a:t>02/04/2019</a:t>
             </a:fld>
             <a:endParaRPr lang="en-GB"/>
           </a:p>
@@ -714,7 +720,7 @@
           <a:p>
             <a:fld id="{6FADB570-57FC-4C94-8057-F2D76F2B7762}" type="datetimeFigureOut">
               <a:rPr lang="en-GB" smtClean="0"/>
-              <a:t>29/03/2019</a:t>
+              <a:t>02/04/2019</a:t>
             </a:fld>
             <a:endParaRPr lang="en-GB"/>
           </a:p>
@@ -914,7 +920,7 @@
           <a:p>
             <a:fld id="{6FADB570-57FC-4C94-8057-F2D76F2B7762}" type="datetimeFigureOut">
               <a:rPr lang="en-GB" smtClean="0"/>
-              <a:t>29/03/2019</a:t>
+              <a:t>02/04/2019</a:t>
             </a:fld>
             <a:endParaRPr lang="en-GB"/>
           </a:p>
@@ -1124,7 +1130,7 @@
           <a:p>
             <a:fld id="{6FADB570-57FC-4C94-8057-F2D76F2B7762}" type="datetimeFigureOut">
               <a:rPr lang="en-GB" smtClean="0"/>
-              <a:t>29/03/2019</a:t>
+              <a:t>02/04/2019</a:t>
             </a:fld>
             <a:endParaRPr lang="en-GB"/>
           </a:p>
@@ -1324,7 +1330,7 @@
           <a:p>
             <a:fld id="{6FADB570-57FC-4C94-8057-F2D76F2B7762}" type="datetimeFigureOut">
               <a:rPr lang="en-GB" smtClean="0"/>
-              <a:t>29/03/2019</a:t>
+              <a:t>02/04/2019</a:t>
             </a:fld>
             <a:endParaRPr lang="en-GB"/>
           </a:p>
@@ -1600,7 +1606,7 @@
           <a:p>
             <a:fld id="{6FADB570-57FC-4C94-8057-F2D76F2B7762}" type="datetimeFigureOut">
               <a:rPr lang="en-GB" smtClean="0"/>
-              <a:t>29/03/2019</a:t>
+              <a:t>02/04/2019</a:t>
             </a:fld>
             <a:endParaRPr lang="en-GB"/>
           </a:p>
@@ -1868,7 +1874,7 @@
           <a:p>
             <a:fld id="{6FADB570-57FC-4C94-8057-F2D76F2B7762}" type="datetimeFigureOut">
               <a:rPr lang="en-GB" smtClean="0"/>
-              <a:t>29/03/2019</a:t>
+              <a:t>02/04/2019</a:t>
             </a:fld>
             <a:endParaRPr lang="en-GB"/>
           </a:p>
@@ -2283,7 +2289,7 @@
           <a:p>
             <a:fld id="{6FADB570-57FC-4C94-8057-F2D76F2B7762}" type="datetimeFigureOut">
               <a:rPr lang="en-GB" smtClean="0"/>
-              <a:t>29/03/2019</a:t>
+              <a:t>02/04/2019</a:t>
             </a:fld>
             <a:endParaRPr lang="en-GB"/>
           </a:p>
@@ -2425,7 +2431,7 @@
           <a:p>
             <a:fld id="{6FADB570-57FC-4C94-8057-F2D76F2B7762}" type="datetimeFigureOut">
               <a:rPr lang="en-GB" smtClean="0"/>
-              <a:t>29/03/2019</a:t>
+              <a:t>02/04/2019</a:t>
             </a:fld>
             <a:endParaRPr lang="en-GB"/>
           </a:p>
@@ -2538,7 +2544,7 @@
           <a:p>
             <a:fld id="{6FADB570-57FC-4C94-8057-F2D76F2B7762}" type="datetimeFigureOut">
               <a:rPr lang="en-GB" smtClean="0"/>
-              <a:t>29/03/2019</a:t>
+              <a:t>02/04/2019</a:t>
             </a:fld>
             <a:endParaRPr lang="en-GB"/>
           </a:p>
@@ -2851,7 +2857,7 @@
           <a:p>
             <a:fld id="{6FADB570-57FC-4C94-8057-F2D76F2B7762}" type="datetimeFigureOut">
               <a:rPr lang="en-GB" smtClean="0"/>
-              <a:t>29/03/2019</a:t>
+              <a:t>02/04/2019</a:t>
             </a:fld>
             <a:endParaRPr lang="en-GB"/>
           </a:p>
@@ -3140,7 +3146,7 @@
           <a:p>
             <a:fld id="{6FADB570-57FC-4C94-8057-F2D76F2B7762}" type="datetimeFigureOut">
               <a:rPr lang="en-GB" smtClean="0"/>
-              <a:t>29/03/2019</a:t>
+              <a:t>02/04/2019</a:t>
             </a:fld>
             <a:endParaRPr lang="en-GB"/>
           </a:p>
@@ -3386,7 +3392,7 @@
           <a:p>
             <a:fld id="{6FADB570-57FC-4C94-8057-F2D76F2B7762}" type="datetimeFigureOut">
               <a:rPr lang="en-GB" smtClean="0"/>
-              <a:t>29/03/2019</a:t>
+              <a:t>02/04/2019</a:t>
             </a:fld>
             <a:endParaRPr lang="en-GB"/>
           </a:p>
@@ -6245,6 +6251,237 @@
 </p:sld>
 </file>
 
+<file path=ppt/slides/slide18.xml><?xml version="1.0" encoding="utf-8"?>
+<p:sld xmlns:a="http://schemas.openxmlformats.org/drawingml/2006/main" xmlns:r="http://schemas.openxmlformats.org/officeDocument/2006/relationships" xmlns:p="http://schemas.openxmlformats.org/presentationml/2006/main">
+  <p:cSld>
+    <p:spTree>
+      <p:nvGrpSpPr>
+        <p:cNvPr id="1" name=""/>
+        <p:cNvGrpSpPr/>
+        <p:nvPr/>
+      </p:nvGrpSpPr>
+      <p:grpSpPr>
+        <a:xfrm>
+          <a:off x="0" y="0"/>
+          <a:ext cx="0" cy="0"/>
+          <a:chOff x="0" y="0"/>
+          <a:chExt cx="0" cy="0"/>
+        </a:xfrm>
+      </p:grpSpPr>
+      <p:sp>
+        <p:nvSpPr>
+          <p:cNvPr id="2" name="Title 1">
+            <a:extLst>
+              <a:ext uri="{FF2B5EF4-FFF2-40B4-BE49-F238E27FC236}">
+                <a16:creationId xmlns:a16="http://schemas.microsoft.com/office/drawing/2014/main" id="{43E1D11C-B418-49B3-898F-A7C84CA224DC}"/>
+              </a:ext>
+            </a:extLst>
+          </p:cNvPr>
+          <p:cNvSpPr>
+            <a:spLocks noGrp="1"/>
+          </p:cNvSpPr>
+          <p:nvPr>
+            <p:ph type="title"/>
+          </p:nvPr>
+        </p:nvSpPr>
+        <p:spPr/>
+        <p:txBody>
+          <a:bodyPr/>
+          <a:lstStyle/>
+          <a:p>
+            <a:r>
+              <a:rPr lang="en-GB" dirty="0" err="1"/>
+              <a:t>GraphQL</a:t>
+            </a:r>
+            <a:r>
+              <a:rPr lang="en-GB" dirty="0"/>
+              <a:t> Advantages</a:t>
+            </a:r>
+          </a:p>
+        </p:txBody>
+      </p:sp>
+      <p:sp>
+        <p:nvSpPr>
+          <p:cNvPr id="3" name="Content Placeholder 2">
+            <a:extLst>
+              <a:ext uri="{FF2B5EF4-FFF2-40B4-BE49-F238E27FC236}">
+                <a16:creationId xmlns:a16="http://schemas.microsoft.com/office/drawing/2014/main" id="{51EBDCA0-E10E-4C3B-907D-E1D36159BAC7}"/>
+              </a:ext>
+            </a:extLst>
+          </p:cNvPr>
+          <p:cNvSpPr>
+            <a:spLocks noGrp="1"/>
+          </p:cNvSpPr>
+          <p:nvPr>
+            <p:ph idx="1"/>
+          </p:nvPr>
+        </p:nvSpPr>
+        <p:spPr/>
+        <p:txBody>
+          <a:bodyPr/>
+          <a:lstStyle/>
+          <a:p>
+            <a:endParaRPr lang="en-GB" dirty="0"/>
+          </a:p>
+        </p:txBody>
+      </p:sp>
+    </p:spTree>
+    <p:extLst>
+      <p:ext uri="{BB962C8B-B14F-4D97-AF65-F5344CB8AC3E}">
+        <p14:creationId xmlns:p14="http://schemas.microsoft.com/office/powerpoint/2010/main" val="4152342311"/>
+      </p:ext>
+    </p:extLst>
+  </p:cSld>
+  <p:clrMapOvr>
+    <a:masterClrMapping/>
+  </p:clrMapOvr>
+</p:sld>
+</file>
+
+<file path=ppt/slides/slide19.xml><?xml version="1.0" encoding="utf-8"?>
+<p:sld xmlns:a="http://schemas.openxmlformats.org/drawingml/2006/main" xmlns:r="http://schemas.openxmlformats.org/officeDocument/2006/relationships" xmlns:p="http://schemas.openxmlformats.org/presentationml/2006/main">
+  <p:cSld>
+    <p:bg>
+      <p:bgPr>
+        <a:solidFill>
+          <a:schemeClr val="bg1"/>
+        </a:solidFill>
+        <a:effectLst/>
+      </p:bgPr>
+    </p:bg>
+    <p:spTree>
+      <p:nvGrpSpPr>
+        <p:cNvPr id="1" name=""/>
+        <p:cNvGrpSpPr/>
+        <p:nvPr/>
+      </p:nvGrpSpPr>
+      <p:grpSpPr>
+        <a:xfrm>
+          <a:off x="0" y="0"/>
+          <a:ext cx="0" cy="0"/>
+          <a:chOff x="0" y="0"/>
+          <a:chExt cx="0" cy="0"/>
+        </a:xfrm>
+      </p:grpSpPr>
+      <p:sp>
+        <p:nvSpPr>
+          <p:cNvPr id="2" name="Title 1">
+            <a:extLst>
+              <a:ext uri="{FF2B5EF4-FFF2-40B4-BE49-F238E27FC236}">
+                <a16:creationId xmlns:a16="http://schemas.microsoft.com/office/drawing/2014/main" id="{9A503389-E6D6-464A-9E41-A404679E3BA0}"/>
+              </a:ext>
+            </a:extLst>
+          </p:cNvPr>
+          <p:cNvSpPr>
+            <a:spLocks noGrp="1"/>
+          </p:cNvSpPr>
+          <p:nvPr>
+            <p:ph type="title"/>
+          </p:nvPr>
+        </p:nvSpPr>
+        <p:spPr>
+          <a:xfrm>
+            <a:off x="838200" y="365125"/>
+            <a:ext cx="10515600" cy="1325563"/>
+          </a:xfrm>
+        </p:spPr>
+        <p:txBody>
+          <a:bodyPr>
+            <a:normAutofit/>
+          </a:bodyPr>
+          <a:lstStyle/>
+          <a:p>
+            <a:r>
+              <a:rPr lang="en-GB"/>
+              <a:t>Data Fetching: REST VS GraphQL</a:t>
+            </a:r>
+            <a:endParaRPr lang="en-GB" dirty="0"/>
+          </a:p>
+        </p:txBody>
+      </p:sp>
+      <p:sp>
+        <p:nvSpPr>
+          <p:cNvPr id="3" name="Content Placeholder 2">
+            <a:extLst>
+              <a:ext uri="{FF2B5EF4-FFF2-40B4-BE49-F238E27FC236}">
+                <a16:creationId xmlns:a16="http://schemas.microsoft.com/office/drawing/2014/main" id="{F421BF0F-99A7-440D-B2EA-27565F6D8F69}"/>
+              </a:ext>
+            </a:extLst>
+          </p:cNvPr>
+          <p:cNvSpPr>
+            <a:spLocks noGrp="1"/>
+          </p:cNvSpPr>
+          <p:nvPr>
+            <p:ph idx="1"/>
+          </p:nvPr>
+        </p:nvSpPr>
+        <p:spPr>
+          <a:xfrm>
+            <a:off x="838200" y="1825625"/>
+            <a:ext cx="3797807" cy="4351338"/>
+          </a:xfrm>
+        </p:spPr>
+        <p:txBody>
+          <a:bodyPr>
+            <a:normAutofit/>
+          </a:bodyPr>
+          <a:lstStyle/>
+          <a:p>
+            <a:r>
+              <a:rPr lang="en-GB" sz="2000"/>
+              <a:t>Imagine we have to </a:t>
+            </a:r>
+          </a:p>
+          <a:p>
+            <a:endParaRPr lang="en-GB" sz="2000"/>
+          </a:p>
+          <a:p>
+            <a:endParaRPr lang="en-GB" sz="2000"/>
+          </a:p>
+        </p:txBody>
+      </p:sp>
+      <p:pic>
+        <p:nvPicPr>
+          <p:cNvPr id="4" name="Picture 3">
+            <a:extLst>
+              <a:ext uri="{FF2B5EF4-FFF2-40B4-BE49-F238E27FC236}">
+                <a16:creationId xmlns:a16="http://schemas.microsoft.com/office/drawing/2014/main" id="{5755EC7D-9025-41A4-9560-20A3FCE22C82}"/>
+              </a:ext>
+            </a:extLst>
+          </p:cNvPr>
+          <p:cNvPicPr>
+            <a:picLocks noChangeAspect="1"/>
+          </p:cNvPicPr>
+          <p:nvPr/>
+        </p:nvPicPr>
+        <p:blipFill rotWithShape="1">
+          <a:blip r:embed="rId2"/>
+          <a:srcRect t="9129" r="1" b="7784"/>
+          <a:stretch/>
+        </p:blipFill>
+        <p:spPr>
+          <a:xfrm>
+            <a:off x="5120640" y="1904281"/>
+            <a:ext cx="6233160" cy="4272681"/>
+          </a:xfrm>
+          <a:prstGeom prst="rect">
+            <a:avLst/>
+          </a:prstGeom>
+        </p:spPr>
+      </p:pic>
+    </p:spTree>
+    <p:extLst>
+      <p:ext uri="{BB962C8B-B14F-4D97-AF65-F5344CB8AC3E}">
+        <p14:creationId xmlns:p14="http://schemas.microsoft.com/office/powerpoint/2010/main" val="3738782287"/>
+      </p:ext>
+    </p:extLst>
+  </p:cSld>
+  <p:clrMapOvr>
+    <a:masterClrMapping/>
+  </p:clrMapOvr>
+</p:sld>
+</file>
+
 <file path=ppt/slides/slide2.xml><?xml version="1.0" encoding="utf-8"?>
 <p:sld xmlns:a="http://schemas.openxmlformats.org/drawingml/2006/main" xmlns:r="http://schemas.openxmlformats.org/officeDocument/2006/relationships" xmlns:p="http://schemas.openxmlformats.org/presentationml/2006/main">
   <p:cSld>
@@ -6457,6 +6694,536 @@
     <p:extLst>
       <p:ext uri="{BB962C8B-B14F-4D97-AF65-F5344CB8AC3E}">
         <p14:creationId xmlns:p14="http://schemas.microsoft.com/office/powerpoint/2010/main" val="1520505893"/>
+      </p:ext>
+    </p:extLst>
+  </p:cSld>
+  <p:clrMapOvr>
+    <a:masterClrMapping/>
+  </p:clrMapOvr>
+</p:sld>
+</file>
+
+<file path=ppt/slides/slide20.xml><?xml version="1.0" encoding="utf-8"?>
+<p:sld xmlns:a="http://schemas.openxmlformats.org/drawingml/2006/main" xmlns:r="http://schemas.openxmlformats.org/officeDocument/2006/relationships" xmlns:p="http://schemas.openxmlformats.org/presentationml/2006/main">
+  <p:cSld>
+    <p:spTree>
+      <p:nvGrpSpPr>
+        <p:cNvPr id="1" name=""/>
+        <p:cNvGrpSpPr/>
+        <p:nvPr/>
+      </p:nvGrpSpPr>
+      <p:grpSpPr>
+        <a:xfrm>
+          <a:off x="0" y="0"/>
+          <a:ext cx="0" cy="0"/>
+          <a:chOff x="0" y="0"/>
+          <a:chExt cx="0" cy="0"/>
+        </a:xfrm>
+      </p:grpSpPr>
+      <p:sp>
+        <p:nvSpPr>
+          <p:cNvPr id="2" name="Title 1">
+            <a:extLst>
+              <a:ext uri="{FF2B5EF4-FFF2-40B4-BE49-F238E27FC236}">
+                <a16:creationId xmlns:a16="http://schemas.microsoft.com/office/drawing/2014/main" id="{BF6CD4F8-1FCA-427D-8F89-2CFB2D6F1184}"/>
+              </a:ext>
+            </a:extLst>
+          </p:cNvPr>
+          <p:cNvSpPr>
+            <a:spLocks noGrp="1"/>
+          </p:cNvSpPr>
+          <p:nvPr>
+            <p:ph type="title"/>
+          </p:nvPr>
+        </p:nvSpPr>
+        <p:spPr/>
+        <p:txBody>
+          <a:bodyPr/>
+          <a:lstStyle/>
+          <a:p>
+            <a:endParaRPr lang="en-GB"/>
+          </a:p>
+        </p:txBody>
+      </p:sp>
+      <p:sp>
+        <p:nvSpPr>
+          <p:cNvPr id="3" name="Content Placeholder 2">
+            <a:extLst>
+              <a:ext uri="{FF2B5EF4-FFF2-40B4-BE49-F238E27FC236}">
+                <a16:creationId xmlns:a16="http://schemas.microsoft.com/office/drawing/2014/main" id="{7C0DCB0D-817C-4150-B909-87CD3337A383}"/>
+              </a:ext>
+            </a:extLst>
+          </p:cNvPr>
+          <p:cNvSpPr>
+            <a:spLocks noGrp="1"/>
+          </p:cNvSpPr>
+          <p:nvPr>
+            <p:ph idx="1"/>
+          </p:nvPr>
+        </p:nvSpPr>
+        <p:spPr/>
+        <p:txBody>
+          <a:bodyPr/>
+          <a:lstStyle/>
+          <a:p>
+            <a:endParaRPr lang="en-GB"/>
+          </a:p>
+        </p:txBody>
+      </p:sp>
+      <p:pic>
+        <p:nvPicPr>
+          <p:cNvPr id="4" name="Picture 3">
+            <a:extLst>
+              <a:ext uri="{FF2B5EF4-FFF2-40B4-BE49-F238E27FC236}">
+                <a16:creationId xmlns:a16="http://schemas.microsoft.com/office/drawing/2014/main" id="{4F06D03E-298B-4F3F-8BC0-13BFCC0F5DF9}"/>
+              </a:ext>
+            </a:extLst>
+          </p:cNvPr>
+          <p:cNvPicPr>
+            <a:picLocks noChangeAspect="1"/>
+          </p:cNvPicPr>
+          <p:nvPr/>
+        </p:nvPicPr>
+        <p:blipFill>
+          <a:blip r:embed="rId2"/>
+          <a:stretch>
+            <a:fillRect/>
+          </a:stretch>
+        </p:blipFill>
+        <p:spPr>
+          <a:xfrm>
+            <a:off x="1253766" y="1825625"/>
+            <a:ext cx="2752725" cy="3333750"/>
+          </a:xfrm>
+          <a:prstGeom prst="rect">
+            <a:avLst/>
+          </a:prstGeom>
+        </p:spPr>
+      </p:pic>
+      <p:pic>
+        <p:nvPicPr>
+          <p:cNvPr id="5" name="Picture 4">
+            <a:extLst>
+              <a:ext uri="{FF2B5EF4-FFF2-40B4-BE49-F238E27FC236}">
+                <a16:creationId xmlns:a16="http://schemas.microsoft.com/office/drawing/2014/main" id="{46C1C2CF-79EC-4EDD-B7F0-448E89D8EAB3}"/>
+              </a:ext>
+            </a:extLst>
+          </p:cNvPr>
+          <p:cNvPicPr>
+            <a:picLocks noChangeAspect="1"/>
+          </p:cNvPicPr>
+          <p:nvPr/>
+        </p:nvPicPr>
+        <p:blipFill>
+          <a:blip r:embed="rId3"/>
+          <a:stretch>
+            <a:fillRect/>
+          </a:stretch>
+        </p:blipFill>
+        <p:spPr>
+          <a:xfrm>
+            <a:off x="3738562" y="1472175"/>
+            <a:ext cx="4714875" cy="2238375"/>
+          </a:xfrm>
+          <a:prstGeom prst="rect">
+            <a:avLst/>
+          </a:prstGeom>
+        </p:spPr>
+      </p:pic>
+    </p:spTree>
+    <p:extLst>
+      <p:ext uri="{BB962C8B-B14F-4D97-AF65-F5344CB8AC3E}">
+        <p14:creationId xmlns:p14="http://schemas.microsoft.com/office/powerpoint/2010/main" val="2972110637"/>
+      </p:ext>
+    </p:extLst>
+  </p:cSld>
+  <p:clrMapOvr>
+    <a:masterClrMapping/>
+  </p:clrMapOvr>
+</p:sld>
+</file>
+
+<file path=ppt/slides/slide21.xml><?xml version="1.0" encoding="utf-8"?>
+<p:sld xmlns:a="http://schemas.openxmlformats.org/drawingml/2006/main" xmlns:r="http://schemas.openxmlformats.org/officeDocument/2006/relationships" xmlns:p="http://schemas.openxmlformats.org/presentationml/2006/main">
+  <p:cSld>
+    <p:spTree>
+      <p:nvGrpSpPr>
+        <p:cNvPr id="1" name=""/>
+        <p:cNvGrpSpPr/>
+        <p:nvPr/>
+      </p:nvGrpSpPr>
+      <p:grpSpPr>
+        <a:xfrm>
+          <a:off x="0" y="0"/>
+          <a:ext cx="0" cy="0"/>
+          <a:chOff x="0" y="0"/>
+          <a:chExt cx="0" cy="0"/>
+        </a:xfrm>
+      </p:grpSpPr>
+      <p:sp>
+        <p:nvSpPr>
+          <p:cNvPr id="2" name="Title 1">
+            <a:extLst>
+              <a:ext uri="{FF2B5EF4-FFF2-40B4-BE49-F238E27FC236}">
+                <a16:creationId xmlns:a16="http://schemas.microsoft.com/office/drawing/2014/main" id="{AFA3A47F-FCCE-44B6-8CAA-A90B4474ED9E}"/>
+              </a:ext>
+            </a:extLst>
+          </p:cNvPr>
+          <p:cNvSpPr>
+            <a:spLocks noGrp="1"/>
+          </p:cNvSpPr>
+          <p:nvPr>
+            <p:ph type="title"/>
+          </p:nvPr>
+        </p:nvSpPr>
+        <p:spPr/>
+        <p:txBody>
+          <a:bodyPr/>
+          <a:lstStyle/>
+          <a:p>
+            <a:endParaRPr lang="en-GB"/>
+          </a:p>
+        </p:txBody>
+      </p:sp>
+      <p:sp>
+        <p:nvSpPr>
+          <p:cNvPr id="3" name="Content Placeholder 2">
+            <a:extLst>
+              <a:ext uri="{FF2B5EF4-FFF2-40B4-BE49-F238E27FC236}">
+                <a16:creationId xmlns:a16="http://schemas.microsoft.com/office/drawing/2014/main" id="{3E451208-5DBC-4096-9A68-53ACFCF2D461}"/>
+              </a:ext>
+            </a:extLst>
+          </p:cNvPr>
+          <p:cNvSpPr>
+            <a:spLocks noGrp="1"/>
+          </p:cNvSpPr>
+          <p:nvPr>
+            <p:ph idx="1"/>
+          </p:nvPr>
+        </p:nvSpPr>
+        <p:spPr/>
+        <p:txBody>
+          <a:bodyPr/>
+          <a:lstStyle/>
+          <a:p>
+            <a:endParaRPr lang="en-GB"/>
+          </a:p>
+        </p:txBody>
+      </p:sp>
+      <p:pic>
+        <p:nvPicPr>
+          <p:cNvPr id="4" name="Picture 3">
+            <a:extLst>
+              <a:ext uri="{FF2B5EF4-FFF2-40B4-BE49-F238E27FC236}">
+                <a16:creationId xmlns:a16="http://schemas.microsoft.com/office/drawing/2014/main" id="{17CFFA48-17FF-4A4B-86E7-9ABD2339FD00}"/>
+              </a:ext>
+            </a:extLst>
+          </p:cNvPr>
+          <p:cNvPicPr>
+            <a:picLocks noChangeAspect="1"/>
+          </p:cNvPicPr>
+          <p:nvPr/>
+        </p:nvPicPr>
+        <p:blipFill>
+          <a:blip r:embed="rId2"/>
+          <a:stretch>
+            <a:fillRect/>
+          </a:stretch>
+        </p:blipFill>
+        <p:spPr>
+          <a:xfrm>
+            <a:off x="247650" y="1825625"/>
+            <a:ext cx="5848350" cy="3267075"/>
+          </a:xfrm>
+          <a:prstGeom prst="rect">
+            <a:avLst/>
+          </a:prstGeom>
+        </p:spPr>
+      </p:pic>
+      <p:pic>
+        <p:nvPicPr>
+          <p:cNvPr id="5" name="Picture 4">
+            <a:extLst>
+              <a:ext uri="{FF2B5EF4-FFF2-40B4-BE49-F238E27FC236}">
+                <a16:creationId xmlns:a16="http://schemas.microsoft.com/office/drawing/2014/main" id="{D5C7A749-8E17-44A7-94FC-6AB3CD78F39F}"/>
+              </a:ext>
+            </a:extLst>
+          </p:cNvPr>
+          <p:cNvPicPr>
+            <a:picLocks noChangeAspect="1"/>
+          </p:cNvPicPr>
+          <p:nvPr/>
+        </p:nvPicPr>
+        <p:blipFill>
+          <a:blip r:embed="rId3"/>
+          <a:stretch>
+            <a:fillRect/>
+          </a:stretch>
+        </p:blipFill>
+        <p:spPr>
+          <a:xfrm>
+            <a:off x="4975890" y="1970087"/>
+            <a:ext cx="5838825" cy="3257550"/>
+          </a:xfrm>
+          <a:prstGeom prst="rect">
+            <a:avLst/>
+          </a:prstGeom>
+        </p:spPr>
+      </p:pic>
+      <p:pic>
+        <p:nvPicPr>
+          <p:cNvPr id="6" name="Picture 5">
+            <a:extLst>
+              <a:ext uri="{FF2B5EF4-FFF2-40B4-BE49-F238E27FC236}">
+                <a16:creationId xmlns:a16="http://schemas.microsoft.com/office/drawing/2014/main" id="{CBD3C4E1-069E-4DEF-9F61-22544F2A35AF}"/>
+              </a:ext>
+            </a:extLst>
+          </p:cNvPr>
+          <p:cNvPicPr>
+            <a:picLocks noChangeAspect="1"/>
+          </p:cNvPicPr>
+          <p:nvPr/>
+        </p:nvPicPr>
+        <p:blipFill>
+          <a:blip r:embed="rId4"/>
+          <a:stretch>
+            <a:fillRect/>
+          </a:stretch>
+        </p:blipFill>
+        <p:spPr>
+          <a:xfrm>
+            <a:off x="257175" y="4678362"/>
+            <a:ext cx="5838825" cy="3286125"/>
+          </a:xfrm>
+          <a:prstGeom prst="rect">
+            <a:avLst/>
+          </a:prstGeom>
+        </p:spPr>
+      </p:pic>
+    </p:spTree>
+    <p:extLst>
+      <p:ext uri="{BB962C8B-B14F-4D97-AF65-F5344CB8AC3E}">
+        <p14:creationId xmlns:p14="http://schemas.microsoft.com/office/powerpoint/2010/main" val="480149916"/>
+      </p:ext>
+    </p:extLst>
+  </p:cSld>
+  <p:clrMapOvr>
+    <a:masterClrMapping/>
+  </p:clrMapOvr>
+</p:sld>
+</file>
+
+<file path=ppt/slides/slide22.xml><?xml version="1.0" encoding="utf-8"?>
+<p:sld xmlns:a="http://schemas.openxmlformats.org/drawingml/2006/main" xmlns:r="http://schemas.openxmlformats.org/officeDocument/2006/relationships" xmlns:p="http://schemas.openxmlformats.org/presentationml/2006/main">
+  <p:cSld>
+    <p:spTree>
+      <p:nvGrpSpPr>
+        <p:cNvPr id="1" name=""/>
+        <p:cNvGrpSpPr/>
+        <p:nvPr/>
+      </p:nvGrpSpPr>
+      <p:grpSpPr>
+        <a:xfrm>
+          <a:off x="0" y="0"/>
+          <a:ext cx="0" cy="0"/>
+          <a:chOff x="0" y="0"/>
+          <a:chExt cx="0" cy="0"/>
+        </a:xfrm>
+      </p:grpSpPr>
+      <p:sp>
+        <p:nvSpPr>
+          <p:cNvPr id="2" name="Title 1">
+            <a:extLst>
+              <a:ext uri="{FF2B5EF4-FFF2-40B4-BE49-F238E27FC236}">
+                <a16:creationId xmlns:a16="http://schemas.microsoft.com/office/drawing/2014/main" id="{A7B4C74B-07A7-4403-9F43-035008B09A27}"/>
+              </a:ext>
+            </a:extLst>
+          </p:cNvPr>
+          <p:cNvSpPr>
+            <a:spLocks noGrp="1"/>
+          </p:cNvSpPr>
+          <p:nvPr>
+            <p:ph type="title"/>
+          </p:nvPr>
+        </p:nvSpPr>
+        <p:spPr/>
+        <p:txBody>
+          <a:bodyPr/>
+          <a:lstStyle/>
+          <a:p>
+            <a:endParaRPr lang="en-GB"/>
+          </a:p>
+        </p:txBody>
+      </p:sp>
+      <p:pic>
+        <p:nvPicPr>
+          <p:cNvPr id="4" name="Content Placeholder 3">
+            <a:extLst>
+              <a:ext uri="{FF2B5EF4-FFF2-40B4-BE49-F238E27FC236}">
+                <a16:creationId xmlns:a16="http://schemas.microsoft.com/office/drawing/2014/main" id="{B9523099-1A67-4D3F-9C54-FC8B4CE91091}"/>
+              </a:ext>
+            </a:extLst>
+          </p:cNvPr>
+          <p:cNvPicPr>
+            <a:picLocks noGrp="1" noChangeAspect="1"/>
+          </p:cNvPicPr>
+          <p:nvPr>
+            <p:ph idx="1"/>
+          </p:nvPr>
+        </p:nvPicPr>
+        <p:blipFill>
+          <a:blip r:embed="rId2"/>
+          <a:stretch>
+            <a:fillRect/>
+          </a:stretch>
+        </p:blipFill>
+        <p:spPr>
+          <a:xfrm>
+            <a:off x="582715" y="123825"/>
+            <a:ext cx="5953125" cy="3305175"/>
+          </a:xfrm>
+          <a:prstGeom prst="rect">
+            <a:avLst/>
+          </a:prstGeom>
+        </p:spPr>
+      </p:pic>
+      <p:pic>
+        <p:nvPicPr>
+          <p:cNvPr id="5" name="Picture 4">
+            <a:extLst>
+              <a:ext uri="{FF2B5EF4-FFF2-40B4-BE49-F238E27FC236}">
+                <a16:creationId xmlns:a16="http://schemas.microsoft.com/office/drawing/2014/main" id="{12BF0B87-92D1-46BE-B954-29241E1D7FE2}"/>
+              </a:ext>
+            </a:extLst>
+          </p:cNvPr>
+          <p:cNvPicPr>
+            <a:picLocks noChangeAspect="1"/>
+          </p:cNvPicPr>
+          <p:nvPr/>
+        </p:nvPicPr>
+        <p:blipFill>
+          <a:blip r:embed="rId3"/>
+          <a:stretch>
+            <a:fillRect/>
+          </a:stretch>
+        </p:blipFill>
+        <p:spPr>
+          <a:xfrm>
+            <a:off x="4916896" y="488950"/>
+            <a:ext cx="5838825" cy="3181350"/>
+          </a:xfrm>
+          <a:prstGeom prst="rect">
+            <a:avLst/>
+          </a:prstGeom>
+        </p:spPr>
+      </p:pic>
+    </p:spTree>
+    <p:extLst>
+      <p:ext uri="{BB962C8B-B14F-4D97-AF65-F5344CB8AC3E}">
+        <p14:creationId xmlns:p14="http://schemas.microsoft.com/office/powerpoint/2010/main" val="1889830992"/>
+      </p:ext>
+    </p:extLst>
+  </p:cSld>
+  <p:clrMapOvr>
+    <a:masterClrMapping/>
+  </p:clrMapOvr>
+</p:sld>
+</file>
+
+<file path=ppt/slides/slide23.xml><?xml version="1.0" encoding="utf-8"?>
+<p:sld xmlns:a="http://schemas.openxmlformats.org/drawingml/2006/main" xmlns:r="http://schemas.openxmlformats.org/officeDocument/2006/relationships" xmlns:p="http://schemas.openxmlformats.org/presentationml/2006/main">
+  <p:cSld>
+    <p:spTree>
+      <p:nvGrpSpPr>
+        <p:cNvPr id="1" name=""/>
+        <p:cNvGrpSpPr/>
+        <p:nvPr/>
+      </p:nvGrpSpPr>
+      <p:grpSpPr>
+        <a:xfrm>
+          <a:off x="0" y="0"/>
+          <a:ext cx="0" cy="0"/>
+          <a:chOff x="0" y="0"/>
+          <a:chExt cx="0" cy="0"/>
+        </a:xfrm>
+      </p:grpSpPr>
+      <p:sp>
+        <p:nvSpPr>
+          <p:cNvPr id="2" name="Title 1">
+            <a:extLst>
+              <a:ext uri="{FF2B5EF4-FFF2-40B4-BE49-F238E27FC236}">
+                <a16:creationId xmlns:a16="http://schemas.microsoft.com/office/drawing/2014/main" id="{6B39982E-B2B4-483D-A055-2AB6C3B7D601}"/>
+              </a:ext>
+            </a:extLst>
+          </p:cNvPr>
+          <p:cNvSpPr>
+            <a:spLocks noGrp="1"/>
+          </p:cNvSpPr>
+          <p:nvPr>
+            <p:ph type="title"/>
+          </p:nvPr>
+        </p:nvSpPr>
+        <p:spPr/>
+        <p:txBody>
+          <a:bodyPr/>
+          <a:lstStyle/>
+          <a:p>
+            <a:r>
+              <a:rPr lang="en-GB" dirty="0"/>
+              <a:t>Conclusion</a:t>
+            </a:r>
+          </a:p>
+        </p:txBody>
+      </p:sp>
+      <p:sp>
+        <p:nvSpPr>
+          <p:cNvPr id="3" name="Content Placeholder 2">
+            <a:extLst>
+              <a:ext uri="{FF2B5EF4-FFF2-40B4-BE49-F238E27FC236}">
+                <a16:creationId xmlns:a16="http://schemas.microsoft.com/office/drawing/2014/main" id="{2F4287DA-39A8-4FAC-9B17-4822286D8AB1}"/>
+              </a:ext>
+            </a:extLst>
+          </p:cNvPr>
+          <p:cNvSpPr>
+            <a:spLocks noGrp="1"/>
+          </p:cNvSpPr>
+          <p:nvPr>
+            <p:ph idx="1"/>
+          </p:nvPr>
+        </p:nvSpPr>
+        <p:spPr/>
+        <p:txBody>
+          <a:bodyPr/>
+          <a:lstStyle/>
+          <a:p>
+            <a:r>
+              <a:rPr lang="en-GB" dirty="0"/>
+              <a:t>If you have a simple REST API and deal with data that is relatively consistent over time, you would be better off sticking with your REST API. For companies that deal with rapidly-changing data, and have the engineering resources to devote to rearchitecting their API platforms, </a:t>
+            </a:r>
+            <a:r>
+              <a:rPr lang="en-GB" dirty="0" err="1"/>
+              <a:t>GraphQL</a:t>
+            </a:r>
+            <a:r>
+              <a:rPr lang="en-GB" dirty="0"/>
+              <a:t> can solve many of the pain points experienced with REST APIs.</a:t>
+            </a:r>
+          </a:p>
+          <a:p>
+            <a:endParaRPr lang="en-GB" dirty="0"/>
+          </a:p>
+          <a:p>
+            <a:r>
+              <a:rPr lang="en-GB" dirty="0"/>
+              <a:t>if you find yourself working with rapidly-changing data at scale, it could be a great solution for your business.</a:t>
+            </a:r>
+          </a:p>
+        </p:txBody>
+      </p:sp>
+    </p:spTree>
+    <p:extLst>
+      <p:ext uri="{BB962C8B-B14F-4D97-AF65-F5344CB8AC3E}">
+        <p14:creationId xmlns:p14="http://schemas.microsoft.com/office/powerpoint/2010/main" val="2355465839"/>
       </p:ext>
     </p:extLst>
   </p:cSld>

--- a/current.pptx
+++ b/current.pptx
@@ -5,7 +5,7 @@
     <p:sldMasterId id="2147483648" r:id="rId1"/>
   </p:sldMasterIdLst>
   <p:notesMasterIdLst>
-    <p:notesMasterId r:id="rId25"/>
+    <p:notesMasterId r:id="rId31"/>
   </p:notesMasterIdLst>
   <p:sldIdLst>
     <p:sldId id="256" r:id="rId2"/>
@@ -28,9 +28,15 @@
     <p:sldId id="274" r:id="rId19"/>
     <p:sldId id="276" r:id="rId20"/>
     <p:sldId id="277" r:id="rId21"/>
-    <p:sldId id="278" r:id="rId22"/>
-    <p:sldId id="279" r:id="rId23"/>
-    <p:sldId id="275" r:id="rId24"/>
+    <p:sldId id="282" r:id="rId22"/>
+    <p:sldId id="278" r:id="rId23"/>
+    <p:sldId id="280" r:id="rId24"/>
+    <p:sldId id="281" r:id="rId25"/>
+    <p:sldId id="283" r:id="rId26"/>
+    <p:sldId id="284" r:id="rId27"/>
+    <p:sldId id="286" r:id="rId28"/>
+    <p:sldId id="279" r:id="rId29"/>
+    <p:sldId id="275" r:id="rId30"/>
   </p:sldIdLst>
   <p:sldSz cx="12192000" cy="6858000"/>
   <p:notesSz cx="6858000" cy="9144000"/>
@@ -219,7 +225,7 @@
           <a:p>
             <a:fld id="{05A2C539-3BAE-43DA-89DD-3C2B65931CAB}" type="datetimeFigureOut">
               <a:rPr lang="en-GB" smtClean="0"/>
-              <a:t>02/04/2019</a:t>
+              <a:t>05/04/2019</a:t>
             </a:fld>
             <a:endParaRPr lang="en-GB"/>
           </a:p>
@@ -571,6 +577,90 @@
 </p:notes>
 </file>
 
+<file path=ppt/notesSlides/notesSlide2.xml><?xml version="1.0" encoding="utf-8"?>
+<p:notes xmlns:a="http://schemas.openxmlformats.org/drawingml/2006/main" xmlns:r="http://schemas.openxmlformats.org/officeDocument/2006/relationships" xmlns:p="http://schemas.openxmlformats.org/presentationml/2006/main">
+  <p:cSld>
+    <p:spTree>
+      <p:nvGrpSpPr>
+        <p:cNvPr id="1" name=""/>
+        <p:cNvGrpSpPr/>
+        <p:nvPr/>
+      </p:nvGrpSpPr>
+      <p:grpSpPr>
+        <a:xfrm>
+          <a:off x="0" y="0"/>
+          <a:ext cx="0" cy="0"/>
+          <a:chOff x="0" y="0"/>
+          <a:chExt cx="0" cy="0"/>
+        </a:xfrm>
+      </p:grpSpPr>
+      <p:sp>
+        <p:nvSpPr>
+          <p:cNvPr id="2" name="Slide Image Placeholder 1"/>
+          <p:cNvSpPr>
+            <a:spLocks noGrp="1" noRot="1" noChangeAspect="1"/>
+          </p:cNvSpPr>
+          <p:nvPr>
+            <p:ph type="sldImg"/>
+          </p:nvPr>
+        </p:nvSpPr>
+        <p:spPr/>
+      </p:sp>
+      <p:sp>
+        <p:nvSpPr>
+          <p:cNvPr id="3" name="Notes Placeholder 2"/>
+          <p:cNvSpPr>
+            <a:spLocks noGrp="1"/>
+          </p:cNvSpPr>
+          <p:nvPr>
+            <p:ph type="body" idx="1"/>
+          </p:nvPr>
+        </p:nvSpPr>
+        <p:spPr/>
+        <p:txBody>
+          <a:bodyPr/>
+          <a:lstStyle/>
+          <a:p>
+            <a:endParaRPr lang="en-GB" dirty="0"/>
+          </a:p>
+        </p:txBody>
+      </p:sp>
+      <p:sp>
+        <p:nvSpPr>
+          <p:cNvPr id="4" name="Slide Number Placeholder 3"/>
+          <p:cNvSpPr>
+            <a:spLocks noGrp="1"/>
+          </p:cNvSpPr>
+          <p:nvPr>
+            <p:ph type="sldNum" sz="quarter" idx="5"/>
+          </p:nvPr>
+        </p:nvSpPr>
+        <p:spPr/>
+        <p:txBody>
+          <a:bodyPr/>
+          <a:lstStyle/>
+          <a:p>
+            <a:fld id="{D6719FC5-C3CA-4722-957E-A07B335E4D2F}" type="slidenum">
+              <a:rPr lang="en-GB" smtClean="0"/>
+              <a:t>23</a:t>
+            </a:fld>
+            <a:endParaRPr lang="en-GB"/>
+          </a:p>
+        </p:txBody>
+      </p:sp>
+    </p:spTree>
+    <p:extLst>
+      <p:ext uri="{BB962C8B-B14F-4D97-AF65-F5344CB8AC3E}">
+        <p14:creationId xmlns:p14="http://schemas.microsoft.com/office/powerpoint/2010/main" val="370973637"/>
+      </p:ext>
+    </p:extLst>
+  </p:cSld>
+  <p:clrMapOvr>
+    <a:masterClrMapping/>
+  </p:clrMapOvr>
+</p:notes>
+</file>
+
 <file path=ppt/slideLayouts/slideLayout1.xml><?xml version="1.0" encoding="utf-8"?>
 <p:sldLayout xmlns:a="http://schemas.openxmlformats.org/drawingml/2006/main" xmlns:r="http://schemas.openxmlformats.org/officeDocument/2006/relationships" xmlns:p="http://schemas.openxmlformats.org/presentationml/2006/main" type="title" preserve="1">
   <p:cSld name="Title Slide">
@@ -720,7 +810,7 @@
           <a:p>
             <a:fld id="{6FADB570-57FC-4C94-8057-F2D76F2B7762}" type="datetimeFigureOut">
               <a:rPr lang="en-GB" smtClean="0"/>
-              <a:t>02/04/2019</a:t>
+              <a:t>05/04/2019</a:t>
             </a:fld>
             <a:endParaRPr lang="en-GB"/>
           </a:p>
@@ -920,7 +1010,7 @@
           <a:p>
             <a:fld id="{6FADB570-57FC-4C94-8057-F2D76F2B7762}" type="datetimeFigureOut">
               <a:rPr lang="en-GB" smtClean="0"/>
-              <a:t>02/04/2019</a:t>
+              <a:t>05/04/2019</a:t>
             </a:fld>
             <a:endParaRPr lang="en-GB"/>
           </a:p>
@@ -1130,7 +1220,7 @@
           <a:p>
             <a:fld id="{6FADB570-57FC-4C94-8057-F2D76F2B7762}" type="datetimeFigureOut">
               <a:rPr lang="en-GB" smtClean="0"/>
-              <a:t>02/04/2019</a:t>
+              <a:t>05/04/2019</a:t>
             </a:fld>
             <a:endParaRPr lang="en-GB"/>
           </a:p>
@@ -1330,7 +1420,7 @@
           <a:p>
             <a:fld id="{6FADB570-57FC-4C94-8057-F2D76F2B7762}" type="datetimeFigureOut">
               <a:rPr lang="en-GB" smtClean="0"/>
-              <a:t>02/04/2019</a:t>
+              <a:t>05/04/2019</a:t>
             </a:fld>
             <a:endParaRPr lang="en-GB"/>
           </a:p>
@@ -1606,7 +1696,7 @@
           <a:p>
             <a:fld id="{6FADB570-57FC-4C94-8057-F2D76F2B7762}" type="datetimeFigureOut">
               <a:rPr lang="en-GB" smtClean="0"/>
-              <a:t>02/04/2019</a:t>
+              <a:t>05/04/2019</a:t>
             </a:fld>
             <a:endParaRPr lang="en-GB"/>
           </a:p>
@@ -1874,7 +1964,7 @@
           <a:p>
             <a:fld id="{6FADB570-57FC-4C94-8057-F2D76F2B7762}" type="datetimeFigureOut">
               <a:rPr lang="en-GB" smtClean="0"/>
-              <a:t>02/04/2019</a:t>
+              <a:t>05/04/2019</a:t>
             </a:fld>
             <a:endParaRPr lang="en-GB"/>
           </a:p>
@@ -2289,7 +2379,7 @@
           <a:p>
             <a:fld id="{6FADB570-57FC-4C94-8057-F2D76F2B7762}" type="datetimeFigureOut">
               <a:rPr lang="en-GB" smtClean="0"/>
-              <a:t>02/04/2019</a:t>
+              <a:t>05/04/2019</a:t>
             </a:fld>
             <a:endParaRPr lang="en-GB"/>
           </a:p>
@@ -2431,7 +2521,7 @@
           <a:p>
             <a:fld id="{6FADB570-57FC-4C94-8057-F2D76F2B7762}" type="datetimeFigureOut">
               <a:rPr lang="en-GB" smtClean="0"/>
-              <a:t>02/04/2019</a:t>
+              <a:t>05/04/2019</a:t>
             </a:fld>
             <a:endParaRPr lang="en-GB"/>
           </a:p>
@@ -2544,7 +2634,7 @@
           <a:p>
             <a:fld id="{6FADB570-57FC-4C94-8057-F2D76F2B7762}" type="datetimeFigureOut">
               <a:rPr lang="en-GB" smtClean="0"/>
-              <a:t>02/04/2019</a:t>
+              <a:t>05/04/2019</a:t>
             </a:fld>
             <a:endParaRPr lang="en-GB"/>
           </a:p>
@@ -2857,7 +2947,7 @@
           <a:p>
             <a:fld id="{6FADB570-57FC-4C94-8057-F2D76F2B7762}" type="datetimeFigureOut">
               <a:rPr lang="en-GB" smtClean="0"/>
-              <a:t>02/04/2019</a:t>
+              <a:t>05/04/2019</a:t>
             </a:fld>
             <a:endParaRPr lang="en-GB"/>
           </a:p>
@@ -3146,7 +3236,7 @@
           <a:p>
             <a:fld id="{6FADB570-57FC-4C94-8057-F2D76F2B7762}" type="datetimeFigureOut">
               <a:rPr lang="en-GB" smtClean="0"/>
-              <a:t>02/04/2019</a:t>
+              <a:t>05/04/2019</a:t>
             </a:fld>
             <a:endParaRPr lang="en-GB"/>
           </a:p>
@@ -3392,7 +3482,7 @@
           <a:p>
             <a:fld id="{6FADB570-57FC-4C94-8057-F2D76F2B7762}" type="datetimeFigureOut">
               <a:rPr lang="en-GB" smtClean="0"/>
-              <a:t>02/04/2019</a:t>
+              <a:t>05/04/2019</a:t>
             </a:fld>
             <a:endParaRPr lang="en-GB"/>
           </a:p>
@@ -6392,10 +6482,9 @@
           <a:lstStyle/>
           <a:p>
             <a:r>
-              <a:rPr lang="en-GB"/>
-              <a:t>Data Fetching: REST VS GraphQL</a:t>
-            </a:r>
-            <a:endParaRPr lang="en-GB" dirty="0"/>
+              <a:rPr lang="en-GB" dirty="0"/>
+              <a:t>Blog Application</a:t>
+            </a:r>
           </a:p>
         </p:txBody>
       </p:sp>
@@ -6418,7 +6507,7 @@
         <p:spPr>
           <a:xfrm>
             <a:off x="838200" y="1825625"/>
-            <a:ext cx="3797807" cy="4351338"/>
+            <a:ext cx="6639232" cy="4351338"/>
           </a:xfrm>
         </p:spPr>
         <p:txBody>
@@ -6427,25 +6516,61 @@
           </a:bodyPr>
           <a:lstStyle/>
           <a:p>
-            <a:r>
-              <a:rPr lang="en-GB" sz="2000"/>
-              <a:t>Imagine we have to </a:t>
-            </a:r>
-          </a:p>
-          <a:p>
-            <a:endParaRPr lang="en-GB" sz="2000"/>
-          </a:p>
-          <a:p>
-            <a:endParaRPr lang="en-GB" sz="2000"/>
+            <a:pPr marL="0" lvl="0" indent="0">
+              <a:buNone/>
+            </a:pPr>
+            <a:r>
+              <a:rPr lang="en-GB" sz="2000" dirty="0"/>
+              <a:t>Imagine we have build an API that lets us:</a:t>
+            </a:r>
+          </a:p>
+          <a:p>
+            <a:pPr marL="0" lvl="0" indent="0">
+              <a:buNone/>
+            </a:pPr>
+            <a:r>
+              <a:rPr lang="en-GB" sz="2000" dirty="0"/>
+              <a:t> </a:t>
+            </a:r>
+          </a:p>
+          <a:p>
+            <a:r>
+              <a:rPr lang="en-GB" sz="2000" dirty="0"/>
+              <a:t>Retrieve user details </a:t>
+            </a:r>
+          </a:p>
+          <a:p>
+            <a:endParaRPr lang="en-GB" sz="2000" dirty="0"/>
+          </a:p>
+          <a:p>
+            <a:r>
+              <a:rPr lang="en-GB" sz="2000" dirty="0"/>
+              <a:t>Shows the posts he/she has created</a:t>
+            </a:r>
+          </a:p>
+          <a:p>
+            <a:endParaRPr lang="en-GB" sz="2000" dirty="0"/>
+          </a:p>
+          <a:p>
+            <a:r>
+              <a:rPr lang="en-GB" sz="2000" dirty="0"/>
+              <a:t>Shows the followers the user has.</a:t>
+            </a:r>
+          </a:p>
+          <a:p>
+            <a:endParaRPr lang="en-GB" sz="2000" dirty="0"/>
+          </a:p>
+          <a:p>
+            <a:endParaRPr lang="en-GB" sz="2000" dirty="0"/>
           </a:p>
         </p:txBody>
       </p:sp>
       <p:pic>
         <p:nvPicPr>
-          <p:cNvPr id="4" name="Picture 3">
-            <a:extLst>
-              <a:ext uri="{FF2B5EF4-FFF2-40B4-BE49-F238E27FC236}">
-                <a16:creationId xmlns:a16="http://schemas.microsoft.com/office/drawing/2014/main" id="{5755EC7D-9025-41A4-9560-20A3FCE22C82}"/>
+          <p:cNvPr id="5" name="Picture 4">
+            <a:extLst>
+              <a:ext uri="{FF2B5EF4-FFF2-40B4-BE49-F238E27FC236}">
+                <a16:creationId xmlns:a16="http://schemas.microsoft.com/office/drawing/2014/main" id="{99AC3FA8-248E-40DA-A3C2-73A96FD594E3}"/>
               </a:ext>
             </a:extLst>
           </p:cNvPr>
@@ -6454,15 +6579,16 @@
           </p:cNvPicPr>
           <p:nvPr/>
         </p:nvPicPr>
-        <p:blipFill rotWithShape="1">
+        <p:blipFill>
           <a:blip r:embed="rId2"/>
-          <a:srcRect t="9129" r="1" b="7784"/>
-          <a:stretch/>
+          <a:stretch>
+            <a:fillRect/>
+          </a:stretch>
         </p:blipFill>
         <p:spPr>
           <a:xfrm>
-            <a:off x="5120640" y="1904281"/>
-            <a:ext cx="6233160" cy="4272681"/>
+            <a:off x="7525536" y="1253613"/>
+            <a:ext cx="4457131" cy="5397909"/>
           </a:xfrm>
           <a:prstGeom prst="rect">
             <a:avLst/>
@@ -6741,7 +6867,10 @@
           <a:bodyPr/>
           <a:lstStyle/>
           <a:p>
-            <a:endParaRPr lang="en-GB"/>
+            <a:r>
+              <a:rPr lang="en-GB" dirty="0"/>
+              <a:t>Blogging App With REST</a:t>
+            </a:r>
           </a:p>
         </p:txBody>
       </p:sp>
@@ -6761,21 +6890,79 @@
             <p:ph idx="1"/>
           </p:nvPr>
         </p:nvSpPr>
-        <p:spPr/>
-        <p:txBody>
-          <a:bodyPr/>
-          <a:lstStyle/>
-          <a:p>
-            <a:endParaRPr lang="en-GB"/>
+        <p:spPr>
+          <a:xfrm>
+            <a:off x="838200" y="1825625"/>
+            <a:ext cx="7007942" cy="4667250"/>
+          </a:xfrm>
+        </p:spPr>
+        <p:txBody>
+          <a:bodyPr>
+            <a:normAutofit lnSpcReduction="10000"/>
+          </a:bodyPr>
+          <a:lstStyle/>
+          <a:p>
+            <a:pPr marL="0" indent="0">
+              <a:buNone/>
+            </a:pPr>
+            <a:r>
+              <a:rPr lang="en-GB" dirty="0"/>
+              <a:t>With REST, we might have the following endpoints:</a:t>
+            </a:r>
+          </a:p>
+          <a:p>
+            <a:pPr marL="0" indent="0">
+              <a:buNone/>
+            </a:pPr>
+            <a:endParaRPr lang="en-GB" dirty="0"/>
+          </a:p>
+          <a:p>
+            <a:r>
+              <a:rPr lang="en-GB" b="1" dirty="0"/>
+              <a:t>/users/&lt;id&gt;</a:t>
+            </a:r>
+            <a:r>
+              <a:rPr lang="en-GB" dirty="0"/>
+              <a:t>  to fetch a user</a:t>
+            </a:r>
+          </a:p>
+          <a:p>
+            <a:endParaRPr lang="en-GB" dirty="0"/>
+          </a:p>
+          <a:p>
+            <a:r>
+              <a:rPr lang="en-GB" b="1" dirty="0"/>
+              <a:t>/users/&lt;id&gt;/posts </a:t>
+            </a:r>
+            <a:r>
+              <a:rPr lang="en-GB" dirty="0"/>
+              <a:t>to fetch the post of that particular user</a:t>
+            </a:r>
+          </a:p>
+          <a:p>
+            <a:endParaRPr lang="en-GB" dirty="0"/>
+          </a:p>
+          <a:p>
+            <a:r>
+              <a:rPr lang="en-GB" b="1" dirty="0"/>
+              <a:t>/users/&lt;id&gt;/followers </a:t>
+            </a:r>
+            <a:r>
+              <a:rPr lang="en-GB" dirty="0"/>
+              <a:t>to fetch the followers of that particular user</a:t>
+            </a:r>
+          </a:p>
+          <a:p>
+            <a:endParaRPr lang="en-GB" dirty="0"/>
           </a:p>
         </p:txBody>
       </p:sp>
       <p:pic>
         <p:nvPicPr>
-          <p:cNvPr id="4" name="Picture 3">
-            <a:extLst>
-              <a:ext uri="{FF2B5EF4-FFF2-40B4-BE49-F238E27FC236}">
-                <a16:creationId xmlns:a16="http://schemas.microsoft.com/office/drawing/2014/main" id="{4F06D03E-298B-4F3F-8BC0-13BFCC0F5DF9}"/>
+          <p:cNvPr id="5" name="Picture 4">
+            <a:extLst>
+              <a:ext uri="{FF2B5EF4-FFF2-40B4-BE49-F238E27FC236}">
+                <a16:creationId xmlns:a16="http://schemas.microsoft.com/office/drawing/2014/main" id="{46C1C2CF-79EC-4EDD-B7F0-448E89D8EAB3}"/>
               </a:ext>
             </a:extLst>
           </p:cNvPr>
@@ -6792,38 +6979,8 @@
         </p:blipFill>
         <p:spPr>
           <a:xfrm>
-            <a:off x="1253766" y="1825625"/>
-            <a:ext cx="2752725" cy="3333750"/>
-          </a:xfrm>
-          <a:prstGeom prst="rect">
-            <a:avLst/>
-          </a:prstGeom>
-        </p:spPr>
-      </p:pic>
-      <p:pic>
-        <p:nvPicPr>
-          <p:cNvPr id="5" name="Picture 4">
-            <a:extLst>
-              <a:ext uri="{FF2B5EF4-FFF2-40B4-BE49-F238E27FC236}">
-                <a16:creationId xmlns:a16="http://schemas.microsoft.com/office/drawing/2014/main" id="{46C1C2CF-79EC-4EDD-B7F0-448E89D8EAB3}"/>
-              </a:ext>
-            </a:extLst>
-          </p:cNvPr>
-          <p:cNvPicPr>
-            <a:picLocks noChangeAspect="1"/>
-          </p:cNvPicPr>
-          <p:nvPr/>
-        </p:nvPicPr>
-        <p:blipFill>
-          <a:blip r:embed="rId3"/>
-          <a:stretch>
-            <a:fillRect/>
-          </a:stretch>
-        </p:blipFill>
-        <p:spPr>
-          <a:xfrm>
-            <a:off x="3738562" y="1472175"/>
-            <a:ext cx="4714875" cy="2238375"/>
+            <a:off x="7961178" y="2902642"/>
+            <a:ext cx="4230822" cy="2008572"/>
           </a:xfrm>
           <a:prstGeom prst="rect">
             <a:avLst/>
@@ -6860,69 +7017,21 @@
           <a:chExt cx="0" cy="0"/>
         </a:xfrm>
       </p:grpSpPr>
-      <p:sp>
-        <p:nvSpPr>
-          <p:cNvPr id="2" name="Title 1">
-            <a:extLst>
-              <a:ext uri="{FF2B5EF4-FFF2-40B4-BE49-F238E27FC236}">
-                <a16:creationId xmlns:a16="http://schemas.microsoft.com/office/drawing/2014/main" id="{AFA3A47F-FCCE-44B6-8CAA-A90B4474ED9E}"/>
-              </a:ext>
-            </a:extLst>
-          </p:cNvPr>
-          <p:cNvSpPr>
-            <a:spLocks noGrp="1"/>
-          </p:cNvSpPr>
-          <p:nvPr>
-            <p:ph type="title"/>
-          </p:nvPr>
-        </p:nvSpPr>
-        <p:spPr/>
-        <p:txBody>
-          <a:bodyPr/>
-          <a:lstStyle/>
-          <a:p>
-            <a:endParaRPr lang="en-GB"/>
-          </a:p>
-        </p:txBody>
-      </p:sp>
-      <p:sp>
-        <p:nvSpPr>
-          <p:cNvPr id="3" name="Content Placeholder 2">
-            <a:extLst>
-              <a:ext uri="{FF2B5EF4-FFF2-40B4-BE49-F238E27FC236}">
-                <a16:creationId xmlns:a16="http://schemas.microsoft.com/office/drawing/2014/main" id="{3E451208-5DBC-4096-9A68-53ACFCF2D461}"/>
-              </a:ext>
-            </a:extLst>
-          </p:cNvPr>
-          <p:cNvSpPr>
-            <a:spLocks noGrp="1"/>
-          </p:cNvSpPr>
-          <p:nvPr>
-            <p:ph idx="1"/>
-          </p:nvPr>
-        </p:nvSpPr>
-        <p:spPr/>
-        <p:txBody>
-          <a:bodyPr/>
-          <a:lstStyle/>
-          <a:p>
-            <a:endParaRPr lang="en-GB"/>
-          </a:p>
-        </p:txBody>
-      </p:sp>
       <p:pic>
         <p:nvPicPr>
-          <p:cNvPr id="4" name="Picture 3">
-            <a:extLst>
-              <a:ext uri="{FF2B5EF4-FFF2-40B4-BE49-F238E27FC236}">
-                <a16:creationId xmlns:a16="http://schemas.microsoft.com/office/drawing/2014/main" id="{17CFFA48-17FF-4A4B-86E7-9ABD2339FD00}"/>
+          <p:cNvPr id="4" name="Content Placeholder 3">
+            <a:extLst>
+              <a:ext uri="{FF2B5EF4-FFF2-40B4-BE49-F238E27FC236}">
+                <a16:creationId xmlns:a16="http://schemas.microsoft.com/office/drawing/2014/main" id="{0DD73423-8C3A-4006-9FB0-CDFBAB53C595}"/>
               </a:ext>
             </a:extLst>
           </p:cNvPr>
           <p:cNvPicPr>
-            <a:picLocks noChangeAspect="1"/>
+            <a:picLocks noGrp="1" noChangeAspect="1"/>
           </p:cNvPicPr>
-          <p:nvPr/>
+          <p:nvPr>
+            <p:ph idx="1"/>
+          </p:nvPr>
         </p:nvPicPr>
         <p:blipFill>
           <a:blip r:embed="rId2"/>
@@ -6932,68 +7041,8 @@
         </p:blipFill>
         <p:spPr>
           <a:xfrm>
-            <a:off x="247650" y="1825625"/>
-            <a:ext cx="5848350" cy="3267075"/>
-          </a:xfrm>
-          <a:prstGeom prst="rect">
-            <a:avLst/>
-          </a:prstGeom>
-        </p:spPr>
-      </p:pic>
-      <p:pic>
-        <p:nvPicPr>
-          <p:cNvPr id="5" name="Picture 4">
-            <a:extLst>
-              <a:ext uri="{FF2B5EF4-FFF2-40B4-BE49-F238E27FC236}">
-                <a16:creationId xmlns:a16="http://schemas.microsoft.com/office/drawing/2014/main" id="{D5C7A749-8E17-44A7-94FC-6AB3CD78F39F}"/>
-              </a:ext>
-            </a:extLst>
-          </p:cNvPr>
-          <p:cNvPicPr>
-            <a:picLocks noChangeAspect="1"/>
-          </p:cNvPicPr>
-          <p:nvPr/>
-        </p:nvPicPr>
-        <p:blipFill>
-          <a:blip r:embed="rId3"/>
-          <a:stretch>
-            <a:fillRect/>
-          </a:stretch>
-        </p:blipFill>
-        <p:spPr>
-          <a:xfrm>
-            <a:off x="4975890" y="1970087"/>
-            <a:ext cx="5838825" cy="3257550"/>
-          </a:xfrm>
-          <a:prstGeom prst="rect">
-            <a:avLst/>
-          </a:prstGeom>
-        </p:spPr>
-      </p:pic>
-      <p:pic>
-        <p:nvPicPr>
-          <p:cNvPr id="6" name="Picture 5">
-            <a:extLst>
-              <a:ext uri="{FF2B5EF4-FFF2-40B4-BE49-F238E27FC236}">
-                <a16:creationId xmlns:a16="http://schemas.microsoft.com/office/drawing/2014/main" id="{CBD3C4E1-069E-4DEF-9F61-22544F2A35AF}"/>
-              </a:ext>
-            </a:extLst>
-          </p:cNvPr>
-          <p:cNvPicPr>
-            <a:picLocks noChangeAspect="1"/>
-          </p:cNvPicPr>
-          <p:nvPr/>
-        </p:nvPicPr>
-        <p:blipFill>
-          <a:blip r:embed="rId4"/>
-          <a:stretch>
-            <a:fillRect/>
-          </a:stretch>
-        </p:blipFill>
-        <p:spPr>
-          <a:xfrm>
-            <a:off x="257175" y="4678362"/>
-            <a:ext cx="5838825" cy="3286125"/>
+            <a:off x="40814" y="136478"/>
+            <a:ext cx="11985486" cy="6721522"/>
           </a:xfrm>
           <a:prstGeom prst="rect">
             <a:avLst/>
@@ -7003,7 +7052,7 @@
     </p:spTree>
     <p:extLst>
       <p:ext uri="{BB962C8B-B14F-4D97-AF65-F5344CB8AC3E}">
-        <p14:creationId xmlns:p14="http://schemas.microsoft.com/office/powerpoint/2010/main" val="480149916"/>
+        <p14:creationId xmlns:p14="http://schemas.microsoft.com/office/powerpoint/2010/main" val="124588992"/>
       </p:ext>
     </p:extLst>
   </p:cSld>
@@ -7030,6 +7079,525 @@
           <a:chExt cx="0" cy="0"/>
         </a:xfrm>
       </p:grpSpPr>
+      <p:pic>
+        <p:nvPicPr>
+          <p:cNvPr id="7" name="Picture 6">
+            <a:extLst>
+              <a:ext uri="{FF2B5EF4-FFF2-40B4-BE49-F238E27FC236}">
+                <a16:creationId xmlns:a16="http://schemas.microsoft.com/office/drawing/2014/main" id="{9C2A9CA2-53F6-43F9-93EA-F5607E36970B}"/>
+              </a:ext>
+            </a:extLst>
+          </p:cNvPr>
+          <p:cNvPicPr>
+            <a:picLocks noChangeAspect="1"/>
+          </p:cNvPicPr>
+          <p:nvPr/>
+        </p:nvPicPr>
+        <p:blipFill>
+          <a:blip r:embed="rId2"/>
+          <a:stretch>
+            <a:fillRect/>
+          </a:stretch>
+        </p:blipFill>
+        <p:spPr>
+          <a:xfrm>
+            <a:off x="0" y="0"/>
+            <a:ext cx="12192000" cy="6858000"/>
+          </a:xfrm>
+          <a:prstGeom prst="rect">
+            <a:avLst/>
+          </a:prstGeom>
+        </p:spPr>
+      </p:pic>
+    </p:spTree>
+    <p:extLst>
+      <p:ext uri="{BB962C8B-B14F-4D97-AF65-F5344CB8AC3E}">
+        <p14:creationId xmlns:p14="http://schemas.microsoft.com/office/powerpoint/2010/main" val="480149916"/>
+      </p:ext>
+    </p:extLst>
+  </p:cSld>
+  <p:clrMapOvr>
+    <a:masterClrMapping/>
+  </p:clrMapOvr>
+</p:sld>
+</file>
+
+<file path=ppt/slides/slide23.xml><?xml version="1.0" encoding="utf-8"?>
+<p:sld xmlns:a="http://schemas.openxmlformats.org/drawingml/2006/main" xmlns:r="http://schemas.openxmlformats.org/officeDocument/2006/relationships" xmlns:p="http://schemas.openxmlformats.org/presentationml/2006/main">
+  <p:cSld>
+    <p:spTree>
+      <p:nvGrpSpPr>
+        <p:cNvPr id="1" name=""/>
+        <p:cNvGrpSpPr/>
+        <p:nvPr/>
+      </p:nvGrpSpPr>
+      <p:grpSpPr>
+        <a:xfrm>
+          <a:off x="0" y="0"/>
+          <a:ext cx="0" cy="0"/>
+          <a:chOff x="0" y="0"/>
+          <a:chExt cx="0" cy="0"/>
+        </a:xfrm>
+      </p:grpSpPr>
+      <p:pic>
+        <p:nvPicPr>
+          <p:cNvPr id="5" name="Picture 4">
+            <a:extLst>
+              <a:ext uri="{FF2B5EF4-FFF2-40B4-BE49-F238E27FC236}">
+                <a16:creationId xmlns:a16="http://schemas.microsoft.com/office/drawing/2014/main" id="{8DFFAE8D-D5C1-4F65-95EF-CBE1FC582CD0}"/>
+              </a:ext>
+            </a:extLst>
+          </p:cNvPr>
+          <p:cNvPicPr>
+            <a:picLocks noChangeAspect="1"/>
+          </p:cNvPicPr>
+          <p:nvPr/>
+        </p:nvPicPr>
+        <p:blipFill>
+          <a:blip r:embed="rId3"/>
+          <a:stretch>
+            <a:fillRect/>
+          </a:stretch>
+        </p:blipFill>
+        <p:spPr>
+          <a:xfrm>
+            <a:off x="0" y="0"/>
+            <a:ext cx="12192000" cy="6858000"/>
+          </a:xfrm>
+          <a:prstGeom prst="rect">
+            <a:avLst/>
+          </a:prstGeom>
+        </p:spPr>
+      </p:pic>
+    </p:spTree>
+    <p:extLst>
+      <p:ext uri="{BB962C8B-B14F-4D97-AF65-F5344CB8AC3E}">
+        <p14:creationId xmlns:p14="http://schemas.microsoft.com/office/powerpoint/2010/main" val="3918686251"/>
+      </p:ext>
+    </p:extLst>
+  </p:cSld>
+  <p:clrMapOvr>
+    <a:masterClrMapping/>
+  </p:clrMapOvr>
+</p:sld>
+</file>
+
+<file path=ppt/slides/slide24.xml><?xml version="1.0" encoding="utf-8"?>
+<p:sld xmlns:a="http://schemas.openxmlformats.org/drawingml/2006/main" xmlns:r="http://schemas.openxmlformats.org/officeDocument/2006/relationships" xmlns:p="http://schemas.openxmlformats.org/presentationml/2006/main">
+  <p:cSld>
+    <p:spTree>
+      <p:nvGrpSpPr>
+        <p:cNvPr id="1" name=""/>
+        <p:cNvGrpSpPr/>
+        <p:nvPr/>
+      </p:nvGrpSpPr>
+      <p:grpSpPr>
+        <a:xfrm>
+          <a:off x="0" y="0"/>
+          <a:ext cx="0" cy="0"/>
+          <a:chOff x="0" y="0"/>
+          <a:chExt cx="0" cy="0"/>
+        </a:xfrm>
+      </p:grpSpPr>
+      <p:sp>
+        <p:nvSpPr>
+          <p:cNvPr id="2" name="Title 1">
+            <a:extLst>
+              <a:ext uri="{FF2B5EF4-FFF2-40B4-BE49-F238E27FC236}">
+                <a16:creationId xmlns:a16="http://schemas.microsoft.com/office/drawing/2014/main" id="{8B111B06-BDB7-4048-8F46-C67D9E1911F8}"/>
+              </a:ext>
+            </a:extLst>
+          </p:cNvPr>
+          <p:cNvSpPr>
+            <a:spLocks noGrp="1"/>
+          </p:cNvSpPr>
+          <p:nvPr>
+            <p:ph type="title"/>
+          </p:nvPr>
+        </p:nvSpPr>
+        <p:spPr/>
+        <p:txBody>
+          <a:bodyPr/>
+          <a:lstStyle/>
+          <a:p>
+            <a:r>
+              <a:rPr lang="en-GB" dirty="0"/>
+              <a:t>With REST…..</a:t>
+            </a:r>
+          </a:p>
+        </p:txBody>
+      </p:sp>
+      <p:sp>
+        <p:nvSpPr>
+          <p:cNvPr id="3" name="Content Placeholder 2">
+            <a:extLst>
+              <a:ext uri="{FF2B5EF4-FFF2-40B4-BE49-F238E27FC236}">
+                <a16:creationId xmlns:a16="http://schemas.microsoft.com/office/drawing/2014/main" id="{20343586-2C23-461A-918F-857AA4A54394}"/>
+              </a:ext>
+            </a:extLst>
+          </p:cNvPr>
+          <p:cNvSpPr>
+            <a:spLocks noGrp="1"/>
+          </p:cNvSpPr>
+          <p:nvPr>
+            <p:ph idx="1"/>
+          </p:nvPr>
+        </p:nvSpPr>
+        <p:spPr>
+          <a:xfrm>
+            <a:off x="838200" y="1825625"/>
+            <a:ext cx="10515600" cy="4351338"/>
+          </a:xfrm>
+        </p:spPr>
+        <p:txBody>
+          <a:bodyPr/>
+          <a:lstStyle/>
+          <a:p>
+            <a:r>
+              <a:rPr lang="en-GB" dirty="0"/>
+              <a:t>Have to make three requests to different endpoints</a:t>
+            </a:r>
+          </a:p>
+          <a:p>
+            <a:endParaRPr lang="en-GB" dirty="0"/>
+          </a:p>
+          <a:p>
+            <a:r>
+              <a:rPr lang="en-GB" dirty="0"/>
+              <a:t>You are </a:t>
+            </a:r>
+            <a:r>
+              <a:rPr lang="en-GB" b="1" dirty="0" err="1"/>
+              <a:t>overfetching</a:t>
+            </a:r>
+            <a:r>
+              <a:rPr lang="en-GB" b="1" dirty="0"/>
+              <a:t> </a:t>
+            </a:r>
+            <a:r>
+              <a:rPr lang="en-GB" dirty="0"/>
+              <a:t>since the endpoints return additional information that is not needed.</a:t>
+            </a:r>
+            <a:endParaRPr lang="en-GB" b="1" dirty="0"/>
+          </a:p>
+        </p:txBody>
+      </p:sp>
+    </p:spTree>
+    <p:extLst>
+      <p:ext uri="{BB962C8B-B14F-4D97-AF65-F5344CB8AC3E}">
+        <p14:creationId xmlns:p14="http://schemas.microsoft.com/office/powerpoint/2010/main" val="1492141706"/>
+      </p:ext>
+    </p:extLst>
+  </p:cSld>
+  <p:clrMapOvr>
+    <a:masterClrMapping/>
+  </p:clrMapOvr>
+</p:sld>
+</file>
+
+<file path=ppt/slides/slide25.xml><?xml version="1.0" encoding="utf-8"?>
+<p:sld xmlns:a="http://schemas.openxmlformats.org/drawingml/2006/main" xmlns:r="http://schemas.openxmlformats.org/officeDocument/2006/relationships" xmlns:p="http://schemas.openxmlformats.org/presentationml/2006/main">
+  <p:cSld>
+    <p:spTree>
+      <p:nvGrpSpPr>
+        <p:cNvPr id="1" name=""/>
+        <p:cNvGrpSpPr/>
+        <p:nvPr/>
+      </p:nvGrpSpPr>
+      <p:grpSpPr>
+        <a:xfrm>
+          <a:off x="0" y="0"/>
+          <a:ext cx="0" cy="0"/>
+          <a:chOff x="0" y="0"/>
+          <a:chExt cx="0" cy="0"/>
+        </a:xfrm>
+      </p:grpSpPr>
+      <p:sp>
+        <p:nvSpPr>
+          <p:cNvPr id="2" name="Title 1">
+            <a:extLst>
+              <a:ext uri="{FF2B5EF4-FFF2-40B4-BE49-F238E27FC236}">
+                <a16:creationId xmlns:a16="http://schemas.microsoft.com/office/drawing/2014/main" id="{4C6B8FDF-AD0E-4ADD-89AA-9B9E76870271}"/>
+              </a:ext>
+            </a:extLst>
+          </p:cNvPr>
+          <p:cNvSpPr>
+            <a:spLocks noGrp="1"/>
+          </p:cNvSpPr>
+          <p:nvPr>
+            <p:ph type="title"/>
+          </p:nvPr>
+        </p:nvSpPr>
+        <p:spPr/>
+        <p:txBody>
+          <a:bodyPr/>
+          <a:lstStyle/>
+          <a:p>
+            <a:r>
+              <a:rPr lang="en-GB" dirty="0"/>
+              <a:t>Blogging App With </a:t>
+            </a:r>
+            <a:r>
+              <a:rPr lang="en-GB" dirty="0" err="1"/>
+              <a:t>GraphQL</a:t>
+            </a:r>
+            <a:endParaRPr lang="en-GB" dirty="0"/>
+          </a:p>
+        </p:txBody>
+      </p:sp>
+      <p:pic>
+        <p:nvPicPr>
+          <p:cNvPr id="5" name="Content Placeholder 4">
+            <a:extLst>
+              <a:ext uri="{FF2B5EF4-FFF2-40B4-BE49-F238E27FC236}">
+                <a16:creationId xmlns:a16="http://schemas.microsoft.com/office/drawing/2014/main" id="{08F1F91B-B51B-4941-B827-1EF1CDF668AD}"/>
+              </a:ext>
+            </a:extLst>
+          </p:cNvPr>
+          <p:cNvPicPr>
+            <a:picLocks noGrp="1" noChangeAspect="1"/>
+          </p:cNvPicPr>
+          <p:nvPr>
+            <p:ph idx="1"/>
+          </p:nvPr>
+        </p:nvPicPr>
+        <p:blipFill>
+          <a:blip r:embed="rId2"/>
+          <a:stretch>
+            <a:fillRect/>
+          </a:stretch>
+        </p:blipFill>
+        <p:spPr>
+          <a:xfrm>
+            <a:off x="604684" y="1383174"/>
+            <a:ext cx="9426490" cy="5311222"/>
+          </a:xfrm>
+          <a:prstGeom prst="rect">
+            <a:avLst/>
+          </a:prstGeom>
+        </p:spPr>
+      </p:pic>
+    </p:spTree>
+    <p:extLst>
+      <p:ext uri="{BB962C8B-B14F-4D97-AF65-F5344CB8AC3E}">
+        <p14:creationId xmlns:p14="http://schemas.microsoft.com/office/powerpoint/2010/main" val="3706277604"/>
+      </p:ext>
+    </p:extLst>
+  </p:cSld>
+  <p:clrMapOvr>
+    <a:masterClrMapping/>
+  </p:clrMapOvr>
+</p:sld>
+</file>
+
+<file path=ppt/slides/slide26.xml><?xml version="1.0" encoding="utf-8"?>
+<p:sld xmlns:a="http://schemas.openxmlformats.org/drawingml/2006/main" xmlns:r="http://schemas.openxmlformats.org/officeDocument/2006/relationships" xmlns:p="http://schemas.openxmlformats.org/presentationml/2006/main">
+  <p:cSld>
+    <p:spTree>
+      <p:nvGrpSpPr>
+        <p:cNvPr id="1" name=""/>
+        <p:cNvGrpSpPr/>
+        <p:nvPr/>
+      </p:nvGrpSpPr>
+      <p:grpSpPr>
+        <a:xfrm>
+          <a:off x="0" y="0"/>
+          <a:ext cx="0" cy="0"/>
+          <a:chOff x="0" y="0"/>
+          <a:chExt cx="0" cy="0"/>
+        </a:xfrm>
+      </p:grpSpPr>
+      <p:pic>
+        <p:nvPicPr>
+          <p:cNvPr id="6" name="Picture 2">
+            <a:extLst>
+              <a:ext uri="{FF2B5EF4-FFF2-40B4-BE49-F238E27FC236}">
+                <a16:creationId xmlns:a16="http://schemas.microsoft.com/office/drawing/2014/main" id="{3BCF2D05-2325-4D61-B594-368DA63A7DE9}"/>
+              </a:ext>
+            </a:extLst>
+          </p:cNvPr>
+          <p:cNvPicPr>
+            <a:picLocks noChangeAspect="1"/>
+          </p:cNvPicPr>
+          <p:nvPr/>
+        </p:nvPicPr>
+        <p:blipFill>
+          <a:blip r:embed="rId2"/>
+          <a:srcRect/>
+          <a:stretch>
+            <a:fillRect/>
+          </a:stretch>
+        </p:blipFill>
+        <p:spPr>
+          <a:xfrm>
+            <a:off x="1763485" y="1"/>
+            <a:ext cx="9463949" cy="6820260"/>
+          </a:xfrm>
+          <a:prstGeom prst="rect">
+            <a:avLst/>
+          </a:prstGeom>
+        </p:spPr>
+      </p:pic>
+    </p:spTree>
+    <p:extLst>
+      <p:ext uri="{BB962C8B-B14F-4D97-AF65-F5344CB8AC3E}">
+        <p14:creationId xmlns:p14="http://schemas.microsoft.com/office/powerpoint/2010/main" val="925745760"/>
+      </p:ext>
+    </p:extLst>
+  </p:cSld>
+  <p:clrMapOvr>
+    <a:masterClrMapping/>
+  </p:clrMapOvr>
+</p:sld>
+</file>
+
+<file path=ppt/slides/slide27.xml><?xml version="1.0" encoding="utf-8"?>
+<p:sld xmlns:a="http://schemas.openxmlformats.org/drawingml/2006/main" xmlns:r="http://schemas.openxmlformats.org/officeDocument/2006/relationships" xmlns:p="http://schemas.openxmlformats.org/presentationml/2006/main">
+  <p:cSld>
+    <p:spTree>
+      <p:nvGrpSpPr>
+        <p:cNvPr id="1" name=""/>
+        <p:cNvGrpSpPr/>
+        <p:nvPr/>
+      </p:nvGrpSpPr>
+      <p:grpSpPr>
+        <a:xfrm>
+          <a:off x="0" y="0"/>
+          <a:ext cx="0" cy="0"/>
+          <a:chOff x="0" y="0"/>
+          <a:chExt cx="0" cy="0"/>
+        </a:xfrm>
+      </p:grpSpPr>
+      <p:sp>
+        <p:nvSpPr>
+          <p:cNvPr id="2" name="Title 1">
+            <a:extLst>
+              <a:ext uri="{FF2B5EF4-FFF2-40B4-BE49-F238E27FC236}">
+                <a16:creationId xmlns:a16="http://schemas.microsoft.com/office/drawing/2014/main" id="{ED60D1A4-C522-49A5-94EC-5F091AFBB652}"/>
+              </a:ext>
+            </a:extLst>
+          </p:cNvPr>
+          <p:cNvSpPr>
+            <a:spLocks noGrp="1"/>
+          </p:cNvSpPr>
+          <p:nvPr>
+            <p:ph type="title"/>
+          </p:nvPr>
+        </p:nvSpPr>
+        <p:spPr/>
+        <p:txBody>
+          <a:bodyPr/>
+          <a:lstStyle/>
+          <a:p>
+            <a:r>
+              <a:rPr lang="en-GB" dirty="0"/>
+              <a:t>With </a:t>
+            </a:r>
+            <a:r>
+              <a:rPr lang="en-GB" dirty="0" err="1"/>
+              <a:t>GraphQL</a:t>
+            </a:r>
+            <a:r>
+              <a:rPr lang="en-GB" dirty="0"/>
+              <a:t>…</a:t>
+            </a:r>
+          </a:p>
+        </p:txBody>
+      </p:sp>
+      <p:sp>
+        <p:nvSpPr>
+          <p:cNvPr id="3" name="Content Placeholder 2">
+            <a:extLst>
+              <a:ext uri="{FF2B5EF4-FFF2-40B4-BE49-F238E27FC236}">
+                <a16:creationId xmlns:a16="http://schemas.microsoft.com/office/drawing/2014/main" id="{7D5A59F9-3C79-4770-A4DC-44B074329FFB}"/>
+              </a:ext>
+            </a:extLst>
+          </p:cNvPr>
+          <p:cNvSpPr>
+            <a:spLocks noGrp="1"/>
+          </p:cNvSpPr>
+          <p:nvPr>
+            <p:ph idx="1"/>
+          </p:nvPr>
+        </p:nvSpPr>
+        <p:spPr/>
+        <p:txBody>
+          <a:bodyPr/>
+          <a:lstStyle/>
+          <a:p>
+            <a:r>
+              <a:rPr lang="en-GB" dirty="0"/>
+              <a:t>Only make a single request to the server</a:t>
+            </a:r>
+          </a:p>
+          <a:p>
+            <a:r>
+              <a:rPr lang="en-GB" dirty="0" err="1"/>
+              <a:t>GraphQL</a:t>
+            </a:r>
+            <a:r>
+              <a:rPr lang="en-GB" dirty="0"/>
+              <a:t> reduces network requests by allowing us fetch or retrieve all the data we need in a single query</a:t>
+            </a:r>
+          </a:p>
+          <a:p>
+            <a:r>
+              <a:rPr lang="en-GB" dirty="0"/>
+              <a:t>We (Client)  can specify exactly what data is required (no over fetching)</a:t>
+            </a:r>
+          </a:p>
+          <a:p>
+            <a:r>
+              <a:rPr lang="en-GB" dirty="0"/>
+              <a:t>we can basically shift this multi-request complexity to the server-side and have the </a:t>
+            </a:r>
+            <a:r>
+              <a:rPr lang="en-GB" dirty="0" err="1"/>
+              <a:t>GraphQL</a:t>
+            </a:r>
+            <a:r>
+              <a:rPr lang="en-GB"/>
+              <a:t> layer deal with it.</a:t>
+            </a:r>
+          </a:p>
+          <a:p>
+            <a:endParaRPr lang="en-GB" dirty="0"/>
+          </a:p>
+          <a:p>
+            <a:endParaRPr lang="en-GB" dirty="0"/>
+          </a:p>
+        </p:txBody>
+      </p:sp>
+    </p:spTree>
+    <p:extLst>
+      <p:ext uri="{BB962C8B-B14F-4D97-AF65-F5344CB8AC3E}">
+        <p14:creationId xmlns:p14="http://schemas.microsoft.com/office/powerpoint/2010/main" val="3087788816"/>
+      </p:ext>
+    </p:extLst>
+  </p:cSld>
+  <p:clrMapOvr>
+    <a:masterClrMapping/>
+  </p:clrMapOvr>
+</p:sld>
+</file>
+
+<file path=ppt/slides/slide28.xml><?xml version="1.0" encoding="utf-8"?>
+<p:sld xmlns:a="http://schemas.openxmlformats.org/drawingml/2006/main" xmlns:r="http://schemas.openxmlformats.org/officeDocument/2006/relationships" xmlns:p="http://schemas.openxmlformats.org/presentationml/2006/main">
+  <p:cSld>
+    <p:spTree>
+      <p:nvGrpSpPr>
+        <p:cNvPr id="1" name=""/>
+        <p:cNvGrpSpPr/>
+        <p:nvPr/>
+      </p:nvGrpSpPr>
+      <p:grpSpPr>
+        <a:xfrm>
+          <a:off x="0" y="0"/>
+          <a:ext cx="0" cy="0"/>
+          <a:chOff x="0" y="0"/>
+          <a:chExt cx="0" cy="0"/>
+        </a:xfrm>
+      </p:grpSpPr>
       <p:sp>
         <p:nvSpPr>
           <p:cNvPr id="2" name="Title 1">
@@ -7130,7 +7698,7 @@
 </p:sld>
 </file>
 
-<file path=ppt/slides/slide23.xml><?xml version="1.0" encoding="utf-8"?>
+<file path=ppt/slides/slide29.xml><?xml version="1.0" encoding="utf-8"?>
 <p:sld xmlns:a="http://schemas.openxmlformats.org/drawingml/2006/main" xmlns:r="http://schemas.openxmlformats.org/officeDocument/2006/relationships" xmlns:p="http://schemas.openxmlformats.org/presentationml/2006/main">
   <p:cSld>
     <p:spTree>

--- a/current.pptx
+++ b/current.pptx
@@ -5,7 +5,7 @@
     <p:sldMasterId id="2147483648" r:id="rId1"/>
   </p:sldMasterIdLst>
   <p:notesMasterIdLst>
-    <p:notesMasterId r:id="rId31"/>
+    <p:notesMasterId r:id="rId32"/>
   </p:notesMasterIdLst>
   <p:sldIdLst>
     <p:sldId id="256" r:id="rId2"/>
@@ -34,9 +34,10 @@
     <p:sldId id="281" r:id="rId25"/>
     <p:sldId id="283" r:id="rId26"/>
     <p:sldId id="284" r:id="rId27"/>
-    <p:sldId id="286" r:id="rId28"/>
-    <p:sldId id="279" r:id="rId29"/>
-    <p:sldId id="275" r:id="rId30"/>
+    <p:sldId id="285" r:id="rId28"/>
+    <p:sldId id="286" r:id="rId29"/>
+    <p:sldId id="287" r:id="rId30"/>
+    <p:sldId id="275" r:id="rId31"/>
   </p:sldIdLst>
   <p:sldSz cx="12192000" cy="6858000"/>
   <p:notesSz cx="6858000" cy="9144000"/>
@@ -225,7 +226,7 @@
           <a:p>
             <a:fld id="{05A2C539-3BAE-43DA-89DD-3C2B65931CAB}" type="datetimeFigureOut">
               <a:rPr lang="en-GB" smtClean="0"/>
-              <a:t>05/04/2019</a:t>
+              <a:t>09/04/2019</a:t>
             </a:fld>
             <a:endParaRPr lang="en-GB"/>
           </a:p>
@@ -810,7 +811,7 @@
           <a:p>
             <a:fld id="{6FADB570-57FC-4C94-8057-F2D76F2B7762}" type="datetimeFigureOut">
               <a:rPr lang="en-GB" smtClean="0"/>
-              <a:t>05/04/2019</a:t>
+              <a:t>09/04/2019</a:t>
             </a:fld>
             <a:endParaRPr lang="en-GB"/>
           </a:p>
@@ -1010,7 +1011,7 @@
           <a:p>
             <a:fld id="{6FADB570-57FC-4C94-8057-F2D76F2B7762}" type="datetimeFigureOut">
               <a:rPr lang="en-GB" smtClean="0"/>
-              <a:t>05/04/2019</a:t>
+              <a:t>09/04/2019</a:t>
             </a:fld>
             <a:endParaRPr lang="en-GB"/>
           </a:p>
@@ -1220,7 +1221,7 @@
           <a:p>
             <a:fld id="{6FADB570-57FC-4C94-8057-F2D76F2B7762}" type="datetimeFigureOut">
               <a:rPr lang="en-GB" smtClean="0"/>
-              <a:t>05/04/2019</a:t>
+              <a:t>09/04/2019</a:t>
             </a:fld>
             <a:endParaRPr lang="en-GB"/>
           </a:p>
@@ -1420,7 +1421,7 @@
           <a:p>
             <a:fld id="{6FADB570-57FC-4C94-8057-F2D76F2B7762}" type="datetimeFigureOut">
               <a:rPr lang="en-GB" smtClean="0"/>
-              <a:t>05/04/2019</a:t>
+              <a:t>09/04/2019</a:t>
             </a:fld>
             <a:endParaRPr lang="en-GB"/>
           </a:p>
@@ -1696,7 +1697,7 @@
           <a:p>
             <a:fld id="{6FADB570-57FC-4C94-8057-F2D76F2B7762}" type="datetimeFigureOut">
               <a:rPr lang="en-GB" smtClean="0"/>
-              <a:t>05/04/2019</a:t>
+              <a:t>09/04/2019</a:t>
             </a:fld>
             <a:endParaRPr lang="en-GB"/>
           </a:p>
@@ -1964,7 +1965,7 @@
           <a:p>
             <a:fld id="{6FADB570-57FC-4C94-8057-F2D76F2B7762}" type="datetimeFigureOut">
               <a:rPr lang="en-GB" smtClean="0"/>
-              <a:t>05/04/2019</a:t>
+              <a:t>09/04/2019</a:t>
             </a:fld>
             <a:endParaRPr lang="en-GB"/>
           </a:p>
@@ -2379,7 +2380,7 @@
           <a:p>
             <a:fld id="{6FADB570-57FC-4C94-8057-F2D76F2B7762}" type="datetimeFigureOut">
               <a:rPr lang="en-GB" smtClean="0"/>
-              <a:t>05/04/2019</a:t>
+              <a:t>09/04/2019</a:t>
             </a:fld>
             <a:endParaRPr lang="en-GB"/>
           </a:p>
@@ -2521,7 +2522,7 @@
           <a:p>
             <a:fld id="{6FADB570-57FC-4C94-8057-F2D76F2B7762}" type="datetimeFigureOut">
               <a:rPr lang="en-GB" smtClean="0"/>
-              <a:t>05/04/2019</a:t>
+              <a:t>09/04/2019</a:t>
             </a:fld>
             <a:endParaRPr lang="en-GB"/>
           </a:p>
@@ -2634,7 +2635,7 @@
           <a:p>
             <a:fld id="{6FADB570-57FC-4C94-8057-F2D76F2B7762}" type="datetimeFigureOut">
               <a:rPr lang="en-GB" smtClean="0"/>
-              <a:t>05/04/2019</a:t>
+              <a:t>09/04/2019</a:t>
             </a:fld>
             <a:endParaRPr lang="en-GB"/>
           </a:p>
@@ -2947,7 +2948,7 @@
           <a:p>
             <a:fld id="{6FADB570-57FC-4C94-8057-F2D76F2B7762}" type="datetimeFigureOut">
               <a:rPr lang="en-GB" smtClean="0"/>
-              <a:t>05/04/2019</a:t>
+              <a:t>09/04/2019</a:t>
             </a:fld>
             <a:endParaRPr lang="en-GB"/>
           </a:p>
@@ -3236,7 +3237,7 @@
           <a:p>
             <a:fld id="{6FADB570-57FC-4C94-8057-F2D76F2B7762}" type="datetimeFigureOut">
               <a:rPr lang="en-GB" smtClean="0"/>
-              <a:t>05/04/2019</a:t>
+              <a:t>09/04/2019</a:t>
             </a:fld>
             <a:endParaRPr lang="en-GB"/>
           </a:p>
@@ -3482,7 +3483,7 @@
           <a:p>
             <a:fld id="{6FADB570-57FC-4C94-8057-F2D76F2B7762}" type="datetimeFigureOut">
               <a:rPr lang="en-GB" smtClean="0"/>
-              <a:t>05/04/2019</a:t>
+              <a:t>09/04/2019</a:t>
             </a:fld>
             <a:endParaRPr lang="en-GB"/>
           </a:p>
@@ -7430,14 +7431,159 @@
         </p:blipFill>
         <p:spPr>
           <a:xfrm>
-            <a:off x="1763485" y="1"/>
-            <a:ext cx="9463949" cy="6820260"/>
+            <a:off x="5260711" y="0"/>
+            <a:ext cx="6931289" cy="4995081"/>
           </a:xfrm>
           <a:prstGeom prst="rect">
             <a:avLst/>
           </a:prstGeom>
         </p:spPr>
       </p:pic>
+      <p:sp>
+        <p:nvSpPr>
+          <p:cNvPr id="3" name="TextBox 2">
+            <a:extLst>
+              <a:ext uri="{FF2B5EF4-FFF2-40B4-BE49-F238E27FC236}">
+                <a16:creationId xmlns:a16="http://schemas.microsoft.com/office/drawing/2014/main" id="{ED97FC0A-DAA6-44EE-9A86-1F0816A86659}"/>
+              </a:ext>
+            </a:extLst>
+          </p:cNvPr>
+          <p:cNvSpPr txBox="1"/>
+          <p:nvPr/>
+        </p:nvSpPr>
+        <p:spPr>
+          <a:xfrm>
+            <a:off x="95534" y="829063"/>
+            <a:ext cx="4544705" cy="6028937"/>
+          </a:xfrm>
+          <a:prstGeom prst="rect">
+            <a:avLst/>
+          </a:prstGeom>
+          <a:noFill/>
+        </p:spPr>
+        <p:txBody>
+          <a:bodyPr wrap="square" rtlCol="0">
+            <a:spAutoFit/>
+          </a:bodyPr>
+          <a:lstStyle/>
+          <a:p>
+            <a:pPr marL="285750" indent="-285750">
+              <a:buFont typeface="Arial" panose="020B0604020202020204" pitchFamily="34" charset="0"/>
+              <a:buChar char="•"/>
+            </a:pPr>
+            <a:r>
+              <a:rPr lang="en-GB" sz="2400" dirty="0"/>
+              <a:t>Only make a single request to the server</a:t>
+            </a:r>
+          </a:p>
+          <a:p>
+            <a:pPr marL="285750" indent="-285750">
+              <a:buFont typeface="Arial" panose="020B0604020202020204" pitchFamily="34" charset="0"/>
+              <a:buChar char="•"/>
+            </a:pPr>
+            <a:endParaRPr lang="en-GB" sz="2400" dirty="0"/>
+          </a:p>
+          <a:p>
+            <a:pPr marL="285750" indent="-285750">
+              <a:buFont typeface="Arial" panose="020B0604020202020204" pitchFamily="34" charset="0"/>
+              <a:buChar char="•"/>
+            </a:pPr>
+            <a:r>
+              <a:rPr lang="en-GB" sz="2400" dirty="0" err="1"/>
+              <a:t>GraphQL</a:t>
+            </a:r>
+            <a:r>
+              <a:rPr lang="en-GB" sz="2400" dirty="0"/>
+              <a:t> reduces network requests by allowing us fetch or retrieve all the data we need in a single query</a:t>
+            </a:r>
+          </a:p>
+          <a:p>
+            <a:pPr marL="285750" indent="-285750">
+              <a:buFont typeface="Arial" panose="020B0604020202020204" pitchFamily="34" charset="0"/>
+              <a:buChar char="•"/>
+            </a:pPr>
+            <a:endParaRPr lang="en-GB" sz="2400" dirty="0"/>
+          </a:p>
+          <a:p>
+            <a:pPr marL="285750" indent="-285750">
+              <a:buFont typeface="Arial" panose="020B0604020202020204" pitchFamily="34" charset="0"/>
+              <a:buChar char="•"/>
+            </a:pPr>
+            <a:r>
+              <a:rPr lang="en-GB" sz="2400" dirty="0"/>
+              <a:t>We (Client)  can specify exactly what data is required (no over fetching)</a:t>
+            </a:r>
+          </a:p>
+          <a:p>
+            <a:pPr marL="285750" indent="-285750">
+              <a:buFont typeface="Arial" panose="020B0604020202020204" pitchFamily="34" charset="0"/>
+              <a:buChar char="•"/>
+            </a:pPr>
+            <a:endParaRPr lang="en-GB" sz="2400" dirty="0"/>
+          </a:p>
+          <a:p>
+            <a:pPr marL="285750" indent="-285750">
+              <a:buFont typeface="Arial" panose="020B0604020202020204" pitchFamily="34" charset="0"/>
+              <a:buChar char="•"/>
+            </a:pPr>
+            <a:r>
+              <a:rPr lang="en-GB" sz="2400" dirty="0"/>
+              <a:t>we can basically shift this multi-request complexity to the server-side and have the </a:t>
+            </a:r>
+            <a:r>
+              <a:rPr lang="en-GB" sz="2400" dirty="0" err="1"/>
+              <a:t>GraphQL</a:t>
+            </a:r>
+            <a:r>
+              <a:rPr lang="en-GB" sz="2400" dirty="0"/>
+              <a:t> layer deal with it</a:t>
+            </a:r>
+            <a:r>
+              <a:rPr lang="en-GB" dirty="0"/>
+              <a:t>.</a:t>
+            </a:r>
+          </a:p>
+        </p:txBody>
+      </p:sp>
+      <p:sp>
+        <p:nvSpPr>
+          <p:cNvPr id="4" name="TextBox 3">
+            <a:extLst>
+              <a:ext uri="{FF2B5EF4-FFF2-40B4-BE49-F238E27FC236}">
+                <a16:creationId xmlns:a16="http://schemas.microsoft.com/office/drawing/2014/main" id="{260E860F-7FEA-4F09-AF8D-219180B23DCE}"/>
+              </a:ext>
+            </a:extLst>
+          </p:cNvPr>
+          <p:cNvSpPr txBox="1"/>
+          <p:nvPr/>
+        </p:nvSpPr>
+        <p:spPr>
+          <a:xfrm>
+            <a:off x="218364" y="163773"/>
+            <a:ext cx="3971499" cy="707886"/>
+          </a:xfrm>
+          <a:prstGeom prst="rect">
+            <a:avLst/>
+          </a:prstGeom>
+          <a:noFill/>
+        </p:spPr>
+        <p:txBody>
+          <a:bodyPr wrap="square" rtlCol="0">
+            <a:spAutoFit/>
+          </a:bodyPr>
+          <a:lstStyle/>
+          <a:p>
+            <a:r>
+              <a:rPr lang="en-GB" sz="4000" b="1" dirty="0" err="1"/>
+              <a:t>GraphQL</a:t>
+            </a:r>
+            <a:r>
+              <a:rPr lang="en-GB" sz="4000" b="1" dirty="0"/>
+              <a:t>…..</a:t>
+            </a:r>
+          </a:p>
+        </p:txBody>
+      </p:sp>
     </p:spTree>
     <p:extLst>
       <p:ext uri="{BB962C8B-B14F-4D97-AF65-F5344CB8AC3E}">
@@ -7470,28 +7616,48 @@
       </p:grpSpPr>
       <p:sp>
         <p:nvSpPr>
-          <p:cNvPr id="2" name="Title 1">
-            <a:extLst>
-              <a:ext uri="{FF2B5EF4-FFF2-40B4-BE49-F238E27FC236}">
-                <a16:creationId xmlns:a16="http://schemas.microsoft.com/office/drawing/2014/main" id="{ED60D1A4-C522-49A5-94EC-5F091AFBB652}"/>
-              </a:ext>
-            </a:extLst>
-          </p:cNvPr>
-          <p:cNvSpPr>
-            <a:spLocks noGrp="1"/>
-          </p:cNvSpPr>
-          <p:nvPr>
-            <p:ph type="title"/>
-          </p:nvPr>
-        </p:nvSpPr>
-        <p:spPr/>
-        <p:txBody>
-          <a:bodyPr/>
-          <a:lstStyle/>
+          <p:cNvPr id="3" name="Content Placeholder 2">
+            <a:extLst>
+              <a:ext uri="{FF2B5EF4-FFF2-40B4-BE49-F238E27FC236}">
+                <a16:creationId xmlns:a16="http://schemas.microsoft.com/office/drawing/2014/main" id="{424BD421-50F2-45E6-992D-89C04A3E92FA}"/>
+              </a:ext>
+            </a:extLst>
+          </p:cNvPr>
+          <p:cNvSpPr>
+            <a:spLocks noGrp="1"/>
+          </p:cNvSpPr>
+          <p:nvPr>
+            <p:ph idx="1"/>
+          </p:nvPr>
+        </p:nvSpPr>
+        <p:spPr>
+          <a:xfrm>
+            <a:off x="838200" y="106006"/>
+            <a:ext cx="10515600" cy="6158315"/>
+          </a:xfrm>
+        </p:spPr>
+        <p:txBody>
+          <a:bodyPr>
+            <a:normAutofit/>
+          </a:bodyPr>
+          <a:lstStyle/>
+          <a:p>
+            <a:pPr marL="0" indent="0">
+              <a:buNone/>
+            </a:pPr>
+            <a:r>
+              <a:rPr lang="en-GB" sz="4000" b="1" dirty="0"/>
+              <a:t>No Need For Versioning</a:t>
+            </a:r>
+            <a:r>
+              <a:rPr lang="en-GB" b="1" dirty="0"/>
+              <a:t>:</a:t>
+            </a:r>
+          </a:p>
           <a:p>
             <a:r>
               <a:rPr lang="en-GB" dirty="0"/>
-              <a:t>With </a:t>
+              <a:t>Can easily add new fields and types to our </a:t>
             </a:r>
             <a:r>
               <a:rPr lang="en-GB" dirty="0" err="1"/>
@@ -7499,35 +7665,40 @@
             </a:r>
             <a:r>
               <a:rPr lang="en-GB" dirty="0"/>
-              <a:t>…</a:t>
-            </a:r>
-          </a:p>
-        </p:txBody>
-      </p:sp>
-      <p:sp>
-        <p:nvSpPr>
-          <p:cNvPr id="3" name="Content Placeholder 2">
-            <a:extLst>
-              <a:ext uri="{FF2B5EF4-FFF2-40B4-BE49-F238E27FC236}">
-                <a16:creationId xmlns:a16="http://schemas.microsoft.com/office/drawing/2014/main" id="{7D5A59F9-3C79-4770-A4DC-44B074329FFB}"/>
-              </a:ext>
-            </a:extLst>
-          </p:cNvPr>
-          <p:cNvSpPr>
-            <a:spLocks noGrp="1"/>
-          </p:cNvSpPr>
-          <p:nvPr>
-            <p:ph idx="1"/>
-          </p:nvPr>
-        </p:nvSpPr>
-        <p:spPr/>
-        <p:txBody>
-          <a:bodyPr/>
-          <a:lstStyle/>
+              <a:t> API without impacting existing queries</a:t>
+            </a:r>
+          </a:p>
+          <a:p>
+            <a:pPr marL="0" indent="0">
+              <a:buNone/>
+            </a:pPr>
+            <a:endParaRPr lang="en-GB" dirty="0"/>
+          </a:p>
+          <a:p>
+            <a:pPr marL="0" indent="0">
+              <a:buNone/>
+            </a:pPr>
+            <a:endParaRPr lang="en-GB" dirty="0"/>
+          </a:p>
+          <a:p>
+            <a:pPr marL="0" indent="0">
+              <a:buNone/>
+            </a:pPr>
+            <a:endParaRPr lang="en-GB" dirty="0"/>
+          </a:p>
+          <a:p>
+            <a:pPr marL="0" indent="0">
+              <a:buNone/>
+            </a:pPr>
+            <a:r>
+              <a:rPr lang="en-GB" sz="4000" b="1" dirty="0"/>
+              <a:t>No Need To Create A Custom Data Endpoints:</a:t>
+            </a:r>
+          </a:p>
           <a:p>
             <a:r>
               <a:rPr lang="en-GB" dirty="0"/>
-              <a:t>Only make a single request to the server</a:t>
+              <a:t>Exact data requirements are specified on the client side</a:t>
             </a:r>
           </a:p>
           <a:p>
@@ -7537,33 +7708,13 @@
             </a:r>
             <a:r>
               <a:rPr lang="en-GB" dirty="0"/>
-              <a:t> reduces network requests by allowing us fetch or retrieve all the data we need in a single query</a:t>
-            </a:r>
-          </a:p>
-          <a:p>
-            <a:r>
-              <a:rPr lang="en-GB" dirty="0"/>
-              <a:t>We (Client)  can specify exactly what data is required (no over fetching)</a:t>
-            </a:r>
-          </a:p>
-          <a:p>
-            <a:r>
-              <a:rPr lang="en-GB" dirty="0"/>
-              <a:t>we can basically shift this multi-request complexity to the server-side and have the </a:t>
-            </a:r>
-            <a:r>
-              <a:rPr lang="en-GB" dirty="0" err="1"/>
-              <a:t>GraphQL</a:t>
-            </a:r>
-            <a:r>
-              <a:rPr lang="en-GB"/>
-              <a:t> layer deal with it.</a:t>
-            </a:r>
-          </a:p>
-          <a:p>
-            <a:endParaRPr lang="en-GB" dirty="0"/>
-          </a:p>
-          <a:p>
+              <a:t> server will only return those requested by the client</a:t>
+            </a:r>
+          </a:p>
+          <a:p>
+            <a:pPr marL="0" indent="0">
+              <a:buNone/>
+            </a:pPr>
             <a:endParaRPr lang="en-GB" dirty="0"/>
           </a:p>
         </p:txBody>
@@ -7571,7 +7722,7 @@
     </p:spTree>
     <p:extLst>
       <p:ext uri="{BB962C8B-B14F-4D97-AF65-F5344CB8AC3E}">
-        <p14:creationId xmlns:p14="http://schemas.microsoft.com/office/powerpoint/2010/main" val="3087788816"/>
+        <p14:creationId xmlns:p14="http://schemas.microsoft.com/office/powerpoint/2010/main" val="3681285667"/>
       </p:ext>
     </p:extLst>
   </p:cSld>
@@ -7603,7 +7754,7 @@
           <p:cNvPr id="2" name="Title 1">
             <a:extLst>
               <a:ext uri="{FF2B5EF4-FFF2-40B4-BE49-F238E27FC236}">
-                <a16:creationId xmlns:a16="http://schemas.microsoft.com/office/drawing/2014/main" id="{A7B4C74B-07A7-4403-9F43-035008B09A27}"/>
+                <a16:creationId xmlns:a16="http://schemas.microsoft.com/office/drawing/2014/main" id="{B6307AB7-21BA-4219-BC89-165D5CC642D3}"/>
               </a:ext>
             </a:extLst>
           </p:cNvPr>
@@ -7619,76 +7770,155 @@
           <a:bodyPr/>
           <a:lstStyle/>
           <a:p>
-            <a:endParaRPr lang="en-GB"/>
-          </a:p>
-        </p:txBody>
-      </p:sp>
-      <p:pic>
-        <p:nvPicPr>
-          <p:cNvPr id="4" name="Content Placeholder 3">
-            <a:extLst>
-              <a:ext uri="{FF2B5EF4-FFF2-40B4-BE49-F238E27FC236}">
-                <a16:creationId xmlns:a16="http://schemas.microsoft.com/office/drawing/2014/main" id="{B9523099-1A67-4D3F-9C54-FC8B4CE91091}"/>
-              </a:ext>
-            </a:extLst>
-          </p:cNvPr>
-          <p:cNvPicPr>
-            <a:picLocks noGrp="1" noChangeAspect="1"/>
-          </p:cNvPicPr>
+            <a:r>
+              <a:rPr lang="en-GB" dirty="0" err="1"/>
+              <a:t>GraphQL</a:t>
+            </a:r>
+            <a:r>
+              <a:rPr lang="en-GB" dirty="0"/>
+              <a:t> Server Libraries</a:t>
+            </a:r>
+          </a:p>
+        </p:txBody>
+      </p:sp>
+      <p:sp>
+        <p:nvSpPr>
+          <p:cNvPr id="3" name="Content Placeholder 2">
+            <a:extLst>
+              <a:ext uri="{FF2B5EF4-FFF2-40B4-BE49-F238E27FC236}">
+                <a16:creationId xmlns:a16="http://schemas.microsoft.com/office/drawing/2014/main" id="{D04F5F05-5729-4AC9-9DE6-24DE1BFF989E}"/>
+              </a:ext>
+            </a:extLst>
+          </p:cNvPr>
+          <p:cNvSpPr>
+            <a:spLocks noGrp="1"/>
+          </p:cNvSpPr>
           <p:nvPr>
             <p:ph idx="1"/>
           </p:nvPr>
-        </p:nvPicPr>
-        <p:blipFill>
-          <a:blip r:embed="rId2"/>
-          <a:stretch>
-            <a:fillRect/>
-          </a:stretch>
-        </p:blipFill>
-        <p:spPr>
-          <a:xfrm>
-            <a:off x="582715" y="123825"/>
-            <a:ext cx="5953125" cy="3305175"/>
-          </a:xfrm>
-          <a:prstGeom prst="rect">
-            <a:avLst/>
-          </a:prstGeom>
-        </p:spPr>
-      </p:pic>
-      <p:pic>
-        <p:nvPicPr>
-          <p:cNvPr id="5" name="Picture 4">
-            <a:extLst>
-              <a:ext uri="{FF2B5EF4-FFF2-40B4-BE49-F238E27FC236}">
-                <a16:creationId xmlns:a16="http://schemas.microsoft.com/office/drawing/2014/main" id="{12BF0B87-92D1-46BE-B954-29241E1D7FE2}"/>
-              </a:ext>
-            </a:extLst>
-          </p:cNvPr>
-          <p:cNvPicPr>
-            <a:picLocks noChangeAspect="1"/>
-          </p:cNvPicPr>
-          <p:nvPr/>
-        </p:nvPicPr>
-        <p:blipFill>
-          <a:blip r:embed="rId3"/>
-          <a:stretch>
-            <a:fillRect/>
-          </a:stretch>
-        </p:blipFill>
-        <p:spPr>
-          <a:xfrm>
-            <a:off x="4916896" y="488950"/>
-            <a:ext cx="5838825" cy="3181350"/>
-          </a:xfrm>
-          <a:prstGeom prst="rect">
-            <a:avLst/>
-          </a:prstGeom>
-        </p:spPr>
-      </p:pic>
+        </p:nvSpPr>
+        <p:spPr/>
+        <p:txBody>
+          <a:bodyPr>
+            <a:normAutofit fontScale="47500" lnSpcReduction="20000"/>
+          </a:bodyPr>
+          <a:lstStyle/>
+          <a:p>
+            <a:pPr marL="0" indent="0">
+              <a:buNone/>
+            </a:pPr>
+            <a:r>
+              <a:rPr lang="en-GB" dirty="0" err="1"/>
+              <a:t>GraphQL</a:t>
+            </a:r>
+            <a:r>
+              <a:rPr lang="en-GB" dirty="0"/>
+              <a:t> is a </a:t>
+            </a:r>
+            <a:r>
+              <a:rPr lang="en-GB" b="1" dirty="0"/>
+              <a:t>specification</a:t>
+            </a:r>
+            <a:r>
+              <a:rPr lang="en-GB" dirty="0"/>
+              <a:t> You will find server libraries to help you implement </a:t>
+            </a:r>
+            <a:r>
+              <a:rPr lang="en-GB" dirty="0" err="1"/>
+              <a:t>GraphQL</a:t>
+            </a:r>
+            <a:r>
+              <a:rPr lang="en-GB" dirty="0"/>
+              <a:t> in a variety of languages including:</a:t>
+            </a:r>
+          </a:p>
+          <a:p>
+            <a:pPr marL="0" indent="0">
+              <a:buNone/>
+            </a:pPr>
+            <a:endParaRPr lang="en-GB" dirty="0"/>
+          </a:p>
+          <a:p>
+            <a:r>
+              <a:rPr lang="en-GB" sz="3200" dirty="0"/>
+              <a:t>C# / .NET, </a:t>
+            </a:r>
+          </a:p>
+          <a:p>
+            <a:r>
+              <a:rPr lang="en-GB" sz="3200" dirty="0"/>
+              <a:t>Clojure, </a:t>
+            </a:r>
+          </a:p>
+          <a:p>
+            <a:r>
+              <a:rPr lang="en-GB" sz="3200" dirty="0"/>
+              <a:t>Elixir, </a:t>
+            </a:r>
+          </a:p>
+          <a:p>
+            <a:r>
+              <a:rPr lang="en-GB" sz="3200" dirty="0"/>
+              <a:t>Erlang, </a:t>
+            </a:r>
+          </a:p>
+          <a:p>
+            <a:r>
+              <a:rPr lang="en-GB" sz="3200" dirty="0"/>
+              <a:t>Go,</a:t>
+            </a:r>
+          </a:p>
+          <a:p>
+            <a:r>
+              <a:rPr lang="en-GB" sz="3200" dirty="0"/>
+              <a:t>Groovy, </a:t>
+            </a:r>
+          </a:p>
+          <a:p>
+            <a:r>
+              <a:rPr lang="en-GB" sz="3200" dirty="0"/>
+              <a:t>Java, </a:t>
+            </a:r>
+          </a:p>
+          <a:p>
+            <a:r>
+              <a:rPr lang="en-GB" sz="3200" dirty="0"/>
+              <a:t>JavaScript, </a:t>
+            </a:r>
+          </a:p>
+          <a:p>
+            <a:r>
+              <a:rPr lang="en-GB" sz="3200" dirty="0"/>
+              <a:t>PHP, </a:t>
+            </a:r>
+          </a:p>
+          <a:p>
+            <a:r>
+              <a:rPr lang="en-GB" sz="3200" dirty="0"/>
+              <a:t>Python, </a:t>
+            </a:r>
+          </a:p>
+          <a:p>
+            <a:r>
+              <a:rPr lang="en-GB" sz="3200" dirty="0"/>
+              <a:t>Scala, </a:t>
+            </a:r>
+          </a:p>
+          <a:p>
+            <a:r>
+              <a:rPr lang="en-GB" sz="3200" dirty="0"/>
+              <a:t>Ruby</a:t>
+            </a:r>
+          </a:p>
+          <a:p>
+            <a:endParaRPr lang="en-GB" dirty="0"/>
+          </a:p>
+        </p:txBody>
+      </p:sp>
     </p:spTree>
     <p:extLst>
       <p:ext uri="{BB962C8B-B14F-4D97-AF65-F5344CB8AC3E}">
-        <p14:creationId xmlns:p14="http://schemas.microsoft.com/office/powerpoint/2010/main" val="1889830992"/>
+        <p14:creationId xmlns:p14="http://schemas.microsoft.com/office/powerpoint/2010/main" val="3121276402"/>
       </p:ext>
     </p:extLst>
   </p:cSld>
@@ -7720,7 +7950,7 @@
           <p:cNvPr id="2" name="Title 1">
             <a:extLst>
               <a:ext uri="{FF2B5EF4-FFF2-40B4-BE49-F238E27FC236}">
-                <a16:creationId xmlns:a16="http://schemas.microsoft.com/office/drawing/2014/main" id="{6B39982E-B2B4-483D-A055-2AB6C3B7D601}"/>
+                <a16:creationId xmlns:a16="http://schemas.microsoft.com/office/drawing/2014/main" id="{2C63CBC6-7DB4-4E54-BCC5-14F93A3F7D6A}"/>
               </a:ext>
             </a:extLst>
           </p:cNvPr>
@@ -7736,54 +7966,41 @@
           <a:bodyPr/>
           <a:lstStyle/>
           <a:p>
-            <a:r>
-              <a:rPr lang="en-GB" dirty="0"/>
-              <a:t>Conclusion</a:t>
-            </a:r>
-          </a:p>
-        </p:txBody>
-      </p:sp>
-      <p:sp>
-        <p:nvSpPr>
-          <p:cNvPr id="3" name="Content Placeholder 2">
-            <a:extLst>
-              <a:ext uri="{FF2B5EF4-FFF2-40B4-BE49-F238E27FC236}">
-                <a16:creationId xmlns:a16="http://schemas.microsoft.com/office/drawing/2014/main" id="{2F4287DA-39A8-4FAC-9B17-4822286D8AB1}"/>
-              </a:ext>
-            </a:extLst>
-          </p:cNvPr>
-          <p:cNvSpPr>
-            <a:spLocks noGrp="1"/>
-          </p:cNvSpPr>
-          <p:nvPr>
-            <p:ph idx="1"/>
-          </p:nvPr>
-        </p:nvSpPr>
-        <p:spPr/>
-        <p:txBody>
-          <a:bodyPr/>
-          <a:lstStyle/>
-          <a:p>
-            <a:r>
-              <a:rPr lang="en-GB" dirty="0"/>
-              <a:t>If you have a simple REST API and deal with data that is relatively consistent over time, you would be better off sticking with your REST API. For companies that deal with rapidly-changing data, and have the engineering resources to devote to rearchitecting their API platforms, </a:t>
-            </a:r>
             <a:r>
               <a:rPr lang="en-GB" dirty="0" err="1"/>
               <a:t>GraphQL</a:t>
             </a:r>
             <a:r>
               <a:rPr lang="en-GB" dirty="0"/>
-              <a:t> can solve many of the pain points experienced with REST APIs.</a:t>
-            </a:r>
-          </a:p>
-          <a:p>
-            <a:endParaRPr lang="en-GB" dirty="0"/>
-          </a:p>
+              <a:t> Disadvantages</a:t>
+            </a:r>
+          </a:p>
+        </p:txBody>
+      </p:sp>
+      <p:sp>
+        <p:nvSpPr>
+          <p:cNvPr id="3" name="Content Placeholder 2">
+            <a:extLst>
+              <a:ext uri="{FF2B5EF4-FFF2-40B4-BE49-F238E27FC236}">
+                <a16:creationId xmlns:a16="http://schemas.microsoft.com/office/drawing/2014/main" id="{58E3BA50-296D-4D95-8673-712118DFB9A5}"/>
+              </a:ext>
+            </a:extLst>
+          </p:cNvPr>
+          <p:cNvSpPr>
+            <a:spLocks noGrp="1"/>
+          </p:cNvSpPr>
+          <p:nvPr>
+            <p:ph idx="1"/>
+          </p:nvPr>
+        </p:nvSpPr>
+        <p:spPr/>
+        <p:txBody>
+          <a:bodyPr/>
+          <a:lstStyle/>
           <a:p>
             <a:r>
               <a:rPr lang="en-GB" dirty="0"/>
-              <a:t>if you find yourself working with rapidly-changing data at scale, it could be a great solution for your business.</a:t>
+              <a:t>https://stablekernel.com/advantages-and-disadvantages-of-graphql/</a:t>
             </a:r>
           </a:p>
         </p:txBody>
@@ -7791,7 +8008,7 @@
     </p:spTree>
     <p:extLst>
       <p:ext uri="{BB962C8B-B14F-4D97-AF65-F5344CB8AC3E}">
-        <p14:creationId xmlns:p14="http://schemas.microsoft.com/office/powerpoint/2010/main" val="2355465839"/>
+        <p14:creationId xmlns:p14="http://schemas.microsoft.com/office/powerpoint/2010/main" val="2749597948"/>
       </p:ext>
     </p:extLst>
   </p:cSld>
@@ -7941,6 +8158,109 @@
     <p:extLst>
       <p:ext uri="{BB962C8B-B14F-4D97-AF65-F5344CB8AC3E}">
         <p14:creationId xmlns:p14="http://schemas.microsoft.com/office/powerpoint/2010/main" val="972039916"/>
+      </p:ext>
+    </p:extLst>
+  </p:cSld>
+  <p:clrMapOvr>
+    <a:masterClrMapping/>
+  </p:clrMapOvr>
+</p:sld>
+</file>
+
+<file path=ppt/slides/slide30.xml><?xml version="1.0" encoding="utf-8"?>
+<p:sld xmlns:a="http://schemas.openxmlformats.org/drawingml/2006/main" xmlns:r="http://schemas.openxmlformats.org/officeDocument/2006/relationships" xmlns:p="http://schemas.openxmlformats.org/presentationml/2006/main">
+  <p:cSld>
+    <p:spTree>
+      <p:nvGrpSpPr>
+        <p:cNvPr id="1" name=""/>
+        <p:cNvGrpSpPr/>
+        <p:nvPr/>
+      </p:nvGrpSpPr>
+      <p:grpSpPr>
+        <a:xfrm>
+          <a:off x="0" y="0"/>
+          <a:ext cx="0" cy="0"/>
+          <a:chOff x="0" y="0"/>
+          <a:chExt cx="0" cy="0"/>
+        </a:xfrm>
+      </p:grpSpPr>
+      <p:sp>
+        <p:nvSpPr>
+          <p:cNvPr id="2" name="Title 1">
+            <a:extLst>
+              <a:ext uri="{FF2B5EF4-FFF2-40B4-BE49-F238E27FC236}">
+                <a16:creationId xmlns:a16="http://schemas.microsoft.com/office/drawing/2014/main" id="{6B39982E-B2B4-483D-A055-2AB6C3B7D601}"/>
+              </a:ext>
+            </a:extLst>
+          </p:cNvPr>
+          <p:cNvSpPr>
+            <a:spLocks noGrp="1"/>
+          </p:cNvSpPr>
+          <p:nvPr>
+            <p:ph type="title"/>
+          </p:nvPr>
+        </p:nvSpPr>
+        <p:spPr/>
+        <p:txBody>
+          <a:bodyPr/>
+          <a:lstStyle/>
+          <a:p>
+            <a:r>
+              <a:rPr lang="en-GB" dirty="0"/>
+              <a:t>Conclusion</a:t>
+            </a:r>
+          </a:p>
+        </p:txBody>
+      </p:sp>
+      <p:sp>
+        <p:nvSpPr>
+          <p:cNvPr id="3" name="Content Placeholder 2">
+            <a:extLst>
+              <a:ext uri="{FF2B5EF4-FFF2-40B4-BE49-F238E27FC236}">
+                <a16:creationId xmlns:a16="http://schemas.microsoft.com/office/drawing/2014/main" id="{2F4287DA-39A8-4FAC-9B17-4822286D8AB1}"/>
+              </a:ext>
+            </a:extLst>
+          </p:cNvPr>
+          <p:cNvSpPr>
+            <a:spLocks noGrp="1"/>
+          </p:cNvSpPr>
+          <p:nvPr>
+            <p:ph idx="1"/>
+          </p:nvPr>
+        </p:nvSpPr>
+        <p:spPr/>
+        <p:txBody>
+          <a:bodyPr/>
+          <a:lstStyle/>
+          <a:p>
+            <a:r>
+              <a:rPr lang="en-GB" dirty="0"/>
+              <a:t>If you have a simple REST API and deal with data that is relatively consistent over time, you would be better off sticking with your REST API. For companies that deal with rapidly-changing data, and have the engineering resources to devote to rearchitecting their API platforms, </a:t>
+            </a:r>
+            <a:r>
+              <a:rPr lang="en-GB" dirty="0" err="1"/>
+              <a:t>GraphQL</a:t>
+            </a:r>
+            <a:r>
+              <a:rPr lang="en-GB" dirty="0"/>
+              <a:t> can solve many of the pain points experienced with REST APIs.</a:t>
+            </a:r>
+          </a:p>
+          <a:p>
+            <a:endParaRPr lang="en-GB" dirty="0"/>
+          </a:p>
+          <a:p>
+            <a:r>
+              <a:rPr lang="en-GB" dirty="0"/>
+              <a:t>if you find yourself working with rapidly-changing data at scale, it could be a great solution for your business.</a:t>
+            </a:r>
+          </a:p>
+        </p:txBody>
+      </p:sp>
+    </p:spTree>
+    <p:extLst>
+      <p:ext uri="{BB962C8B-B14F-4D97-AF65-F5344CB8AC3E}">
+        <p14:creationId xmlns:p14="http://schemas.microsoft.com/office/powerpoint/2010/main" val="2355465839"/>
       </p:ext>
     </p:extLst>
   </p:cSld>

--- a/current.pptx
+++ b/current.pptx
@@ -226,7 +226,7 @@
           <a:p>
             <a:fld id="{05A2C539-3BAE-43DA-89DD-3C2B65931CAB}" type="datetimeFigureOut">
               <a:rPr lang="en-GB" smtClean="0"/>
-              <a:t>09/04/2019</a:t>
+              <a:t>11/04/2019</a:t>
             </a:fld>
             <a:endParaRPr lang="en-GB"/>
           </a:p>
@@ -811,7 +811,7 @@
           <a:p>
             <a:fld id="{6FADB570-57FC-4C94-8057-F2D76F2B7762}" type="datetimeFigureOut">
               <a:rPr lang="en-GB" smtClean="0"/>
-              <a:t>09/04/2019</a:t>
+              <a:t>11/04/2019</a:t>
             </a:fld>
             <a:endParaRPr lang="en-GB"/>
           </a:p>
@@ -1011,7 +1011,7 @@
           <a:p>
             <a:fld id="{6FADB570-57FC-4C94-8057-F2D76F2B7762}" type="datetimeFigureOut">
               <a:rPr lang="en-GB" smtClean="0"/>
-              <a:t>09/04/2019</a:t>
+              <a:t>11/04/2019</a:t>
             </a:fld>
             <a:endParaRPr lang="en-GB"/>
           </a:p>
@@ -1221,7 +1221,7 @@
           <a:p>
             <a:fld id="{6FADB570-57FC-4C94-8057-F2D76F2B7762}" type="datetimeFigureOut">
               <a:rPr lang="en-GB" smtClean="0"/>
-              <a:t>09/04/2019</a:t>
+              <a:t>11/04/2019</a:t>
             </a:fld>
             <a:endParaRPr lang="en-GB"/>
           </a:p>
@@ -1421,7 +1421,7 @@
           <a:p>
             <a:fld id="{6FADB570-57FC-4C94-8057-F2D76F2B7762}" type="datetimeFigureOut">
               <a:rPr lang="en-GB" smtClean="0"/>
-              <a:t>09/04/2019</a:t>
+              <a:t>11/04/2019</a:t>
             </a:fld>
             <a:endParaRPr lang="en-GB"/>
           </a:p>
@@ -1697,7 +1697,7 @@
           <a:p>
             <a:fld id="{6FADB570-57FC-4C94-8057-F2D76F2B7762}" type="datetimeFigureOut">
               <a:rPr lang="en-GB" smtClean="0"/>
-              <a:t>09/04/2019</a:t>
+              <a:t>11/04/2019</a:t>
             </a:fld>
             <a:endParaRPr lang="en-GB"/>
           </a:p>
@@ -1965,7 +1965,7 @@
           <a:p>
             <a:fld id="{6FADB570-57FC-4C94-8057-F2D76F2B7762}" type="datetimeFigureOut">
               <a:rPr lang="en-GB" smtClean="0"/>
-              <a:t>09/04/2019</a:t>
+              <a:t>11/04/2019</a:t>
             </a:fld>
             <a:endParaRPr lang="en-GB"/>
           </a:p>
@@ -2380,7 +2380,7 @@
           <a:p>
             <a:fld id="{6FADB570-57FC-4C94-8057-F2D76F2B7762}" type="datetimeFigureOut">
               <a:rPr lang="en-GB" smtClean="0"/>
-              <a:t>09/04/2019</a:t>
+              <a:t>11/04/2019</a:t>
             </a:fld>
             <a:endParaRPr lang="en-GB"/>
           </a:p>
@@ -2522,7 +2522,7 @@
           <a:p>
             <a:fld id="{6FADB570-57FC-4C94-8057-F2D76F2B7762}" type="datetimeFigureOut">
               <a:rPr lang="en-GB" smtClean="0"/>
-              <a:t>09/04/2019</a:t>
+              <a:t>11/04/2019</a:t>
             </a:fld>
             <a:endParaRPr lang="en-GB"/>
           </a:p>
@@ -2635,7 +2635,7 @@
           <a:p>
             <a:fld id="{6FADB570-57FC-4C94-8057-F2D76F2B7762}" type="datetimeFigureOut">
               <a:rPr lang="en-GB" smtClean="0"/>
-              <a:t>09/04/2019</a:t>
+              <a:t>11/04/2019</a:t>
             </a:fld>
             <a:endParaRPr lang="en-GB"/>
           </a:p>
@@ -2948,7 +2948,7 @@
           <a:p>
             <a:fld id="{6FADB570-57FC-4C94-8057-F2D76F2B7762}" type="datetimeFigureOut">
               <a:rPr lang="en-GB" smtClean="0"/>
-              <a:t>09/04/2019</a:t>
+              <a:t>11/04/2019</a:t>
             </a:fld>
             <a:endParaRPr lang="en-GB"/>
           </a:p>
@@ -3237,7 +3237,7 @@
           <a:p>
             <a:fld id="{6FADB570-57FC-4C94-8057-F2D76F2B7762}" type="datetimeFigureOut">
               <a:rPr lang="en-GB" smtClean="0"/>
-              <a:t>09/04/2019</a:t>
+              <a:t>11/04/2019</a:t>
             </a:fld>
             <a:endParaRPr lang="en-GB"/>
           </a:p>
@@ -3483,7 +3483,7 @@
           <a:p>
             <a:fld id="{6FADB570-57FC-4C94-8057-F2D76F2B7762}" type="datetimeFigureOut">
               <a:rPr lang="en-GB" smtClean="0"/>
-              <a:t>09/04/2019</a:t>
+              <a:t>11/04/2019</a:t>
             </a:fld>
             <a:endParaRPr lang="en-GB"/>
           </a:p>
@@ -4281,7 +4281,9 @@
           </a:xfrm>
         </p:spPr>
         <p:txBody>
-          <a:bodyPr/>
+          <a:bodyPr>
+            <a:normAutofit lnSpcReduction="10000"/>
+          </a:bodyPr>
           <a:lstStyle/>
           <a:p>
             <a:r>
@@ -4298,6 +4300,26 @@
             </a:r>
           </a:p>
           <a:p>
+            <a:r>
+              <a:rPr lang="en-GB" dirty="0"/>
+              <a:t>The </a:t>
+            </a:r>
+            <a:r>
+              <a:rPr lang="en-GB" dirty="0" err="1"/>
+              <a:t>GraphQL</a:t>
+            </a:r>
+            <a:r>
+              <a:rPr lang="en-GB" dirty="0"/>
+              <a:t> schema is the single source of truth in </a:t>
+            </a:r>
+            <a:r>
+              <a:rPr lang="en-GB" dirty="0" err="1"/>
+              <a:t>GraphQL</a:t>
+            </a:r>
+            <a:r>
+              <a:rPr lang="en-GB"/>
+              <a:t> applications.</a:t>
+            </a:r>
             <a:endParaRPr lang="en-GB" dirty="0"/>
           </a:p>
           <a:p>
@@ -8443,6 +8465,15 @@
             <a:r>
               <a:rPr lang="en-GB" dirty="0"/>
               <a:t> updates)</a:t>
+            </a:r>
+          </a:p>
+          <a:p>
+            <a:endParaRPr lang="en-GB" dirty="0"/>
+          </a:p>
+          <a:p>
+            <a:r>
+              <a:rPr lang="en-GB" dirty="0"/>
+              <a:t>clients have the ability to dictate exactly what they need from the server and receive that data in a predictable way.</a:t>
             </a:r>
           </a:p>
           <a:p>

--- a/current.pptx
+++ b/current.pptx
@@ -5,39 +5,42 @@
     <p:sldMasterId id="2147483648" r:id="rId1"/>
   </p:sldMasterIdLst>
   <p:notesMasterIdLst>
-    <p:notesMasterId r:id="rId32"/>
+    <p:notesMasterId r:id="rId35"/>
   </p:notesMasterIdLst>
   <p:sldIdLst>
     <p:sldId id="256" r:id="rId2"/>
     <p:sldId id="257" r:id="rId3"/>
-    <p:sldId id="262" r:id="rId4"/>
-    <p:sldId id="266" r:id="rId5"/>
-    <p:sldId id="263" r:id="rId6"/>
-    <p:sldId id="258" r:id="rId7"/>
-    <p:sldId id="259" r:id="rId8"/>
-    <p:sldId id="260" r:id="rId9"/>
-    <p:sldId id="261" r:id="rId10"/>
-    <p:sldId id="267" r:id="rId11"/>
-    <p:sldId id="264" r:id="rId12"/>
-    <p:sldId id="268" r:id="rId13"/>
-    <p:sldId id="265" r:id="rId14"/>
-    <p:sldId id="270" r:id="rId15"/>
-    <p:sldId id="273" r:id="rId16"/>
-    <p:sldId id="272" r:id="rId17"/>
-    <p:sldId id="271" r:id="rId18"/>
-    <p:sldId id="274" r:id="rId19"/>
-    <p:sldId id="276" r:id="rId20"/>
-    <p:sldId id="277" r:id="rId21"/>
-    <p:sldId id="282" r:id="rId22"/>
-    <p:sldId id="278" r:id="rId23"/>
-    <p:sldId id="280" r:id="rId24"/>
-    <p:sldId id="281" r:id="rId25"/>
-    <p:sldId id="283" r:id="rId26"/>
-    <p:sldId id="284" r:id="rId27"/>
-    <p:sldId id="285" r:id="rId28"/>
-    <p:sldId id="286" r:id="rId29"/>
-    <p:sldId id="287" r:id="rId30"/>
-    <p:sldId id="275" r:id="rId31"/>
+    <p:sldId id="266" r:id="rId4"/>
+    <p:sldId id="258" r:id="rId5"/>
+    <p:sldId id="259" r:id="rId6"/>
+    <p:sldId id="260" r:id="rId7"/>
+    <p:sldId id="261" r:id="rId8"/>
+    <p:sldId id="267" r:id="rId9"/>
+    <p:sldId id="264" r:id="rId10"/>
+    <p:sldId id="268" r:id="rId11"/>
+    <p:sldId id="265" r:id="rId12"/>
+    <p:sldId id="270" r:id="rId13"/>
+    <p:sldId id="273" r:id="rId14"/>
+    <p:sldId id="272" r:id="rId15"/>
+    <p:sldId id="271" r:id="rId16"/>
+    <p:sldId id="274" r:id="rId17"/>
+    <p:sldId id="276" r:id="rId18"/>
+    <p:sldId id="277" r:id="rId19"/>
+    <p:sldId id="282" r:id="rId20"/>
+    <p:sldId id="278" r:id="rId21"/>
+    <p:sldId id="280" r:id="rId22"/>
+    <p:sldId id="281" r:id="rId23"/>
+    <p:sldId id="283" r:id="rId24"/>
+    <p:sldId id="284" r:id="rId25"/>
+    <p:sldId id="285" r:id="rId26"/>
+    <p:sldId id="287" r:id="rId27"/>
+    <p:sldId id="289" r:id="rId28"/>
+    <p:sldId id="288" r:id="rId29"/>
+    <p:sldId id="290" r:id="rId30"/>
+    <p:sldId id="291" r:id="rId31"/>
+    <p:sldId id="292" r:id="rId32"/>
+    <p:sldId id="275" r:id="rId33"/>
+    <p:sldId id="262" r:id="rId34"/>
   </p:sldIdLst>
   <p:sldSz cx="12192000" cy="6858000"/>
   <p:notesSz cx="6858000" cy="9144000"/>
@@ -226,7 +229,7 @@
           <a:p>
             <a:fld id="{05A2C539-3BAE-43DA-89DD-3C2B65931CAB}" type="datetimeFigureOut">
               <a:rPr lang="en-GB" smtClean="0"/>
-              <a:t>11/04/2019</a:t>
+              <a:t>12/04/2019</a:t>
             </a:fld>
             <a:endParaRPr lang="en-GB"/>
           </a:p>
@@ -559,7 +562,7 @@
           <a:p>
             <a:fld id="{D6719FC5-C3CA-4722-957E-A07B335E4D2F}" type="slidenum">
               <a:rPr lang="en-GB" smtClean="0"/>
-              <a:t>15</a:t>
+              <a:t>13</a:t>
             </a:fld>
             <a:endParaRPr lang="en-GB"/>
           </a:p>
@@ -643,7 +646,7 @@
           <a:p>
             <a:fld id="{D6719FC5-C3CA-4722-957E-A07B335E4D2F}" type="slidenum">
               <a:rPr lang="en-GB" smtClean="0"/>
-              <a:t>23</a:t>
+              <a:t>21</a:t>
             </a:fld>
             <a:endParaRPr lang="en-GB"/>
           </a:p>
@@ -811,7 +814,7 @@
           <a:p>
             <a:fld id="{6FADB570-57FC-4C94-8057-F2D76F2B7762}" type="datetimeFigureOut">
               <a:rPr lang="en-GB" smtClean="0"/>
-              <a:t>11/04/2019</a:t>
+              <a:t>12/04/2019</a:t>
             </a:fld>
             <a:endParaRPr lang="en-GB"/>
           </a:p>
@@ -1011,7 +1014,7 @@
           <a:p>
             <a:fld id="{6FADB570-57FC-4C94-8057-F2D76F2B7762}" type="datetimeFigureOut">
               <a:rPr lang="en-GB" smtClean="0"/>
-              <a:t>11/04/2019</a:t>
+              <a:t>12/04/2019</a:t>
             </a:fld>
             <a:endParaRPr lang="en-GB"/>
           </a:p>
@@ -1221,7 +1224,7 @@
           <a:p>
             <a:fld id="{6FADB570-57FC-4C94-8057-F2D76F2B7762}" type="datetimeFigureOut">
               <a:rPr lang="en-GB" smtClean="0"/>
-              <a:t>11/04/2019</a:t>
+              <a:t>12/04/2019</a:t>
             </a:fld>
             <a:endParaRPr lang="en-GB"/>
           </a:p>
@@ -1421,7 +1424,7 @@
           <a:p>
             <a:fld id="{6FADB570-57FC-4C94-8057-F2D76F2B7762}" type="datetimeFigureOut">
               <a:rPr lang="en-GB" smtClean="0"/>
-              <a:t>11/04/2019</a:t>
+              <a:t>12/04/2019</a:t>
             </a:fld>
             <a:endParaRPr lang="en-GB"/>
           </a:p>
@@ -1697,7 +1700,7 @@
           <a:p>
             <a:fld id="{6FADB570-57FC-4C94-8057-F2D76F2B7762}" type="datetimeFigureOut">
               <a:rPr lang="en-GB" smtClean="0"/>
-              <a:t>11/04/2019</a:t>
+              <a:t>12/04/2019</a:t>
             </a:fld>
             <a:endParaRPr lang="en-GB"/>
           </a:p>
@@ -1965,7 +1968,7 @@
           <a:p>
             <a:fld id="{6FADB570-57FC-4C94-8057-F2D76F2B7762}" type="datetimeFigureOut">
               <a:rPr lang="en-GB" smtClean="0"/>
-              <a:t>11/04/2019</a:t>
+              <a:t>12/04/2019</a:t>
             </a:fld>
             <a:endParaRPr lang="en-GB"/>
           </a:p>
@@ -2380,7 +2383,7 @@
           <a:p>
             <a:fld id="{6FADB570-57FC-4C94-8057-F2D76F2B7762}" type="datetimeFigureOut">
               <a:rPr lang="en-GB" smtClean="0"/>
-              <a:t>11/04/2019</a:t>
+              <a:t>12/04/2019</a:t>
             </a:fld>
             <a:endParaRPr lang="en-GB"/>
           </a:p>
@@ -2522,7 +2525,7 @@
           <a:p>
             <a:fld id="{6FADB570-57FC-4C94-8057-F2D76F2B7762}" type="datetimeFigureOut">
               <a:rPr lang="en-GB" smtClean="0"/>
-              <a:t>11/04/2019</a:t>
+              <a:t>12/04/2019</a:t>
             </a:fld>
             <a:endParaRPr lang="en-GB"/>
           </a:p>
@@ -2635,7 +2638,7 @@
           <a:p>
             <a:fld id="{6FADB570-57FC-4C94-8057-F2D76F2B7762}" type="datetimeFigureOut">
               <a:rPr lang="en-GB" smtClean="0"/>
-              <a:t>11/04/2019</a:t>
+              <a:t>12/04/2019</a:t>
             </a:fld>
             <a:endParaRPr lang="en-GB"/>
           </a:p>
@@ -2948,7 +2951,7 @@
           <a:p>
             <a:fld id="{6FADB570-57FC-4C94-8057-F2D76F2B7762}" type="datetimeFigureOut">
               <a:rPr lang="en-GB" smtClean="0"/>
-              <a:t>11/04/2019</a:t>
+              <a:t>12/04/2019</a:t>
             </a:fld>
             <a:endParaRPr lang="en-GB"/>
           </a:p>
@@ -3237,7 +3240,7 @@
           <a:p>
             <a:fld id="{6FADB570-57FC-4C94-8057-F2D76F2B7762}" type="datetimeFigureOut">
               <a:rPr lang="en-GB" smtClean="0"/>
-              <a:t>11/04/2019</a:t>
+              <a:t>12/04/2019</a:t>
             </a:fld>
             <a:endParaRPr lang="en-GB"/>
           </a:p>
@@ -3316,7 +3319,10 @@
     <p:bg>
       <p:bgPr>
         <a:solidFill>
-          <a:schemeClr val="bg2"/>
+          <a:schemeClr val="accent1">
+            <a:lumMod val="20000"/>
+            <a:lumOff val="80000"/>
+          </a:schemeClr>
         </a:solidFill>
         <a:effectLst/>
       </p:bgPr>
@@ -3483,7 +3489,7 @@
           <a:p>
             <a:fld id="{6FADB570-57FC-4C94-8057-F2D76F2B7762}" type="datetimeFigureOut">
               <a:rPr lang="en-GB" smtClean="0"/>
-              <a:t>11/04/2019</a:t>
+              <a:t>12/04/2019</a:t>
             </a:fld>
             <a:endParaRPr lang="en-GB"/>
           </a:p>
@@ -4069,7 +4075,7 @@
           <p:cNvPr id="2" name="Title 1">
             <a:extLst>
               <a:ext uri="{FF2B5EF4-FFF2-40B4-BE49-F238E27FC236}">
-                <a16:creationId xmlns:a16="http://schemas.microsoft.com/office/drawing/2014/main" id="{42FBE61B-5173-404B-B1E7-B537A0E40EE7}"/>
+                <a16:creationId xmlns:a16="http://schemas.microsoft.com/office/drawing/2014/main" id="{21B7A6DF-E19C-4F5B-B2C9-6BBB88376D79}"/>
               </a:ext>
             </a:extLst>
           </p:cNvPr>
@@ -4083,116 +4089,375 @@
         <p:spPr/>
         <p:txBody>
           <a:bodyPr>
-            <a:normAutofit fontScale="90000"/>
+            <a:normAutofit/>
           </a:bodyPr>
           <a:lstStyle/>
           <a:p>
-            <a:br>
-              <a:rPr lang="en-GB" b="1" dirty="0">
-                <a:latin typeface="Arial" panose="020B0604020202020204" pitchFamily="34" charset="0"/>
-                <a:cs typeface="Arial" panose="020B0604020202020204" pitchFamily="34" charset="0"/>
-              </a:rPr>
-            </a:br>
-            <a:r>
-              <a:rPr lang="en-GB" b="1" dirty="0">
-                <a:latin typeface="Arial" panose="020B0604020202020204" pitchFamily="34" charset="0"/>
-                <a:cs typeface="Arial" panose="020B0604020202020204" pitchFamily="34" charset="0"/>
-              </a:rPr>
-              <a:t>Fundamental Language Constructs</a:t>
-            </a:r>
-            <a:br>
-              <a:rPr lang="en-GB" dirty="0"/>
-            </a:br>
-            <a:endParaRPr lang="en-GB" dirty="0"/>
+            <a:r>
+              <a:rPr lang="en-GB" sz="4000" dirty="0" err="1">
+                <a:latin typeface="Arial" panose="020B0604020202020204" pitchFamily="34" charset="0"/>
+                <a:cs typeface="Arial" panose="020B0604020202020204" pitchFamily="34" charset="0"/>
+              </a:rPr>
+              <a:t>GraphQL</a:t>
+            </a:r>
+            <a:r>
+              <a:rPr lang="en-GB" sz="4000" dirty="0">
+                <a:latin typeface="Arial" panose="020B0604020202020204" pitchFamily="34" charset="0"/>
+                <a:cs typeface="Arial" panose="020B0604020202020204" pitchFamily="34" charset="0"/>
+              </a:rPr>
+              <a:t> Schema Definition Language</a:t>
+            </a:r>
           </a:p>
         </p:txBody>
       </p:sp>
       <p:sp>
         <p:nvSpPr>
-          <p:cNvPr id="3" name="TextBox 2">
-            <a:extLst>
-              <a:ext uri="{FF2B5EF4-FFF2-40B4-BE49-F238E27FC236}">
-                <a16:creationId xmlns:a16="http://schemas.microsoft.com/office/drawing/2014/main" id="{3FCB7ACB-6C4A-4C51-9E6F-787D47E33487}"/>
-              </a:ext>
-            </a:extLst>
-          </p:cNvPr>
-          <p:cNvSpPr txBox="1"/>
-          <p:nvPr/>
+          <p:cNvPr id="3" name="Content Placeholder 2">
+            <a:extLst>
+              <a:ext uri="{FF2B5EF4-FFF2-40B4-BE49-F238E27FC236}">
+                <a16:creationId xmlns:a16="http://schemas.microsoft.com/office/drawing/2014/main" id="{74B33D01-E5BC-4DFE-8EED-C30C5519E129}"/>
+              </a:ext>
+            </a:extLst>
+          </p:cNvPr>
+          <p:cNvSpPr>
+            <a:spLocks noGrp="1"/>
+          </p:cNvSpPr>
+          <p:nvPr>
+            <p:ph idx="1"/>
+          </p:nvPr>
         </p:nvSpPr>
         <p:spPr>
           <a:xfrm>
-            <a:off x="838200" y="1666142"/>
-            <a:ext cx="5398477" cy="1754326"/>
+            <a:off x="838200" y="1825624"/>
+            <a:ext cx="10515600" cy="4793539"/>
+          </a:xfrm>
+        </p:spPr>
+        <p:txBody>
+          <a:bodyPr/>
+          <a:lstStyle/>
+          <a:p>
+            <a:r>
+              <a:rPr lang="en-GB" dirty="0">
+                <a:latin typeface="Arial" panose="020B0604020202020204" pitchFamily="34" charset="0"/>
+                <a:cs typeface="Arial" panose="020B0604020202020204" pitchFamily="34" charset="0"/>
+              </a:rPr>
+              <a:t>One of the most common ways to define Schema</a:t>
+            </a:r>
+          </a:p>
+          <a:p>
+            <a:r>
+              <a:rPr lang="en-GB" dirty="0">
+                <a:latin typeface="Arial" panose="020B0604020202020204" pitchFamily="34" charset="0"/>
+                <a:cs typeface="Arial" panose="020B0604020202020204" pitchFamily="34" charset="0"/>
+              </a:rPr>
+              <a:t>Typed Language</a:t>
+            </a:r>
+          </a:p>
+          <a:p>
+            <a:pPr marL="0" indent="0">
+              <a:buNone/>
+            </a:pPr>
+            <a:endParaRPr lang="en-GB" dirty="0">
+              <a:latin typeface="Arial" panose="020B0604020202020204" pitchFamily="34" charset="0"/>
+              <a:cs typeface="Arial" panose="020B0604020202020204" pitchFamily="34" charset="0"/>
+            </a:endParaRPr>
+          </a:p>
+          <a:p>
+            <a:pPr marL="0" indent="0">
+              <a:buNone/>
+            </a:pPr>
+            <a:r>
+              <a:rPr lang="en-GB" dirty="0">
+                <a:latin typeface="Arial" panose="020B0604020202020204" pitchFamily="34" charset="0"/>
+                <a:cs typeface="Arial" panose="020B0604020202020204" pitchFamily="34" charset="0"/>
+              </a:rPr>
+              <a:t>Below is a simple example of an Object Type defined using </a:t>
+            </a:r>
+            <a:r>
+              <a:rPr lang="en-GB" dirty="0" err="1">
+                <a:latin typeface="Arial" panose="020B0604020202020204" pitchFamily="34" charset="0"/>
+                <a:cs typeface="Arial" panose="020B0604020202020204" pitchFamily="34" charset="0"/>
+              </a:rPr>
+              <a:t>GraphQL</a:t>
+            </a:r>
+            <a:r>
+              <a:rPr lang="en-GB" dirty="0">
+                <a:latin typeface="Arial" panose="020B0604020202020204" pitchFamily="34" charset="0"/>
+                <a:cs typeface="Arial" panose="020B0604020202020204" pitchFamily="34" charset="0"/>
+              </a:rPr>
+              <a:t> SDL:</a:t>
+            </a:r>
+          </a:p>
+          <a:p>
+            <a:pPr marL="0" indent="0">
+              <a:buNone/>
+            </a:pPr>
+            <a:endParaRPr lang="en-GB" dirty="0"/>
+          </a:p>
+        </p:txBody>
+      </p:sp>
+      <p:pic>
+        <p:nvPicPr>
+          <p:cNvPr id="4" name="Picture 3">
+            <a:extLst>
+              <a:ext uri="{FF2B5EF4-FFF2-40B4-BE49-F238E27FC236}">
+                <a16:creationId xmlns:a16="http://schemas.microsoft.com/office/drawing/2014/main" id="{71209898-D6A6-422B-A205-4AF0BB1D13D3}"/>
+              </a:ext>
+            </a:extLst>
+          </p:cNvPr>
+          <p:cNvPicPr>
+            <a:picLocks noChangeAspect="1"/>
+          </p:cNvPicPr>
+          <p:nvPr/>
+        </p:nvPicPr>
+        <p:blipFill>
+          <a:blip r:embed="rId2"/>
+          <a:stretch>
+            <a:fillRect/>
+          </a:stretch>
+        </p:blipFill>
+        <p:spPr>
+          <a:xfrm>
+            <a:off x="838200" y="4645025"/>
+            <a:ext cx="2962275" cy="1847850"/>
           </a:xfrm>
           <a:prstGeom prst="rect">
             <a:avLst/>
           </a:prstGeom>
-          <a:noFill/>
         </p:spPr>
-        <p:txBody>
-          <a:bodyPr wrap="square" rtlCol="0">
-            <a:spAutoFit/>
-          </a:bodyPr>
-          <a:lstStyle/>
-          <a:p>
-            <a:pPr marL="285750" indent="-285750">
-              <a:buFont typeface="Arial" panose="020B0604020202020204" pitchFamily="34" charset="0"/>
-              <a:buChar char="•"/>
-            </a:pPr>
-            <a:r>
-              <a:rPr lang="en-GB" dirty="0"/>
-              <a:t>Schema</a:t>
-            </a:r>
-          </a:p>
-          <a:p>
-            <a:pPr marL="285750" indent="-285750">
-              <a:buFont typeface="Arial" panose="020B0604020202020204" pitchFamily="34" charset="0"/>
-              <a:buChar char="•"/>
-            </a:pPr>
-            <a:endParaRPr lang="en-GB" dirty="0"/>
-          </a:p>
-          <a:p>
-            <a:pPr marL="285750" indent="-285750">
-              <a:buFont typeface="Arial" panose="020B0604020202020204" pitchFamily="34" charset="0"/>
-              <a:buChar char="•"/>
-            </a:pPr>
-            <a:r>
-              <a:rPr lang="en-GB" dirty="0"/>
-              <a:t>Resolvers</a:t>
-            </a:r>
-          </a:p>
-          <a:p>
-            <a:pPr marL="285750" indent="-285750">
-              <a:buFont typeface="Arial" panose="020B0604020202020204" pitchFamily="34" charset="0"/>
-              <a:buChar char="•"/>
-            </a:pPr>
-            <a:endParaRPr lang="en-GB" dirty="0"/>
-          </a:p>
-          <a:p>
-            <a:pPr marL="285750" indent="-285750">
-              <a:buFont typeface="Arial" panose="020B0604020202020204" pitchFamily="34" charset="0"/>
-              <a:buChar char="•"/>
-            </a:pPr>
-            <a:r>
-              <a:rPr lang="en-GB" dirty="0"/>
-              <a:t>Queries</a:t>
-            </a:r>
-          </a:p>
-          <a:p>
-            <a:endParaRPr lang="en-GB" dirty="0"/>
-          </a:p>
-        </p:txBody>
-      </p:sp>
+      </p:pic>
     </p:spTree>
     <p:extLst>
       <p:ext uri="{BB962C8B-B14F-4D97-AF65-F5344CB8AC3E}">
-        <p14:creationId xmlns:p14="http://schemas.microsoft.com/office/powerpoint/2010/main" val="53481959"/>
+        <p14:creationId xmlns:p14="http://schemas.microsoft.com/office/powerpoint/2010/main" val="3020784088"/>
       </p:ext>
     </p:extLst>
   </p:cSld>
   <p:clrMapOvr>
     <a:masterClrMapping/>
   </p:clrMapOvr>
+  <p:timing>
+    <p:tnLst>
+      <p:par>
+        <p:cTn id="1" dur="indefinite" restart="never" nodeType="tmRoot">
+          <p:childTnLst>
+            <p:seq concurrent="1" nextAc="seek">
+              <p:cTn id="2" dur="indefinite" nodeType="mainSeq">
+                <p:childTnLst>
+                  <p:par>
+                    <p:cTn id="3" fill="hold">
+                      <p:stCondLst>
+                        <p:cond delay="indefinite"/>
+                      </p:stCondLst>
+                      <p:childTnLst>
+                        <p:par>
+                          <p:cTn id="4" fill="hold">
+                            <p:stCondLst>
+                              <p:cond delay="0"/>
+                            </p:stCondLst>
+                            <p:childTnLst>
+                              <p:par>
+                                <p:cTn id="5" presetID="1" presetClass="entr" presetSubtype="0" fill="hold" nodeType="clickEffect">
+                                  <p:stCondLst>
+                                    <p:cond delay="0"/>
+                                  </p:stCondLst>
+                                  <p:childTnLst>
+                                    <p:set>
+                                      <p:cBhvr>
+                                        <p:cTn id="6" dur="1" fill="hold">
+                                          <p:stCondLst>
+                                            <p:cond delay="0"/>
+                                          </p:stCondLst>
+                                        </p:cTn>
+                                        <p:tgtEl>
+                                          <p:spTgt spid="3">
+                                            <p:txEl>
+                                              <p:pRg st="0" end="0"/>
+                                            </p:txEl>
+                                          </p:spTgt>
+                                        </p:tgtEl>
+                                        <p:attrNameLst>
+                                          <p:attrName>style.visibility</p:attrName>
+                                        </p:attrNameLst>
+                                      </p:cBhvr>
+                                      <p:to>
+                                        <p:strVal val="visible"/>
+                                      </p:to>
+                                    </p:set>
+                                  </p:childTnLst>
+                                </p:cTn>
+                              </p:par>
+                            </p:childTnLst>
+                          </p:cTn>
+                        </p:par>
+                      </p:childTnLst>
+                    </p:cTn>
+                  </p:par>
+                  <p:par>
+                    <p:cTn id="7" fill="hold">
+                      <p:stCondLst>
+                        <p:cond delay="indefinite"/>
+                      </p:stCondLst>
+                      <p:childTnLst>
+                        <p:par>
+                          <p:cTn id="8" fill="hold">
+                            <p:stCondLst>
+                              <p:cond delay="0"/>
+                            </p:stCondLst>
+                            <p:childTnLst>
+                              <p:par>
+                                <p:cTn id="9" presetID="1" presetClass="entr" presetSubtype="0" fill="hold" nodeType="clickEffect">
+                                  <p:stCondLst>
+                                    <p:cond delay="0"/>
+                                  </p:stCondLst>
+                                  <p:childTnLst>
+                                    <p:set>
+                                      <p:cBhvr>
+                                        <p:cTn id="10" dur="1" fill="hold">
+                                          <p:stCondLst>
+                                            <p:cond delay="0"/>
+                                          </p:stCondLst>
+                                        </p:cTn>
+                                        <p:tgtEl>
+                                          <p:spTgt spid="3">
+                                            <p:txEl>
+                                              <p:pRg st="1" end="1"/>
+                                            </p:txEl>
+                                          </p:spTgt>
+                                        </p:tgtEl>
+                                        <p:attrNameLst>
+                                          <p:attrName>style.visibility</p:attrName>
+                                        </p:attrNameLst>
+                                      </p:cBhvr>
+                                      <p:to>
+                                        <p:strVal val="visible"/>
+                                      </p:to>
+                                    </p:set>
+                                  </p:childTnLst>
+                                </p:cTn>
+                              </p:par>
+                            </p:childTnLst>
+                          </p:cTn>
+                        </p:par>
+                      </p:childTnLst>
+                    </p:cTn>
+                  </p:par>
+                  <p:par>
+                    <p:cTn id="11" fill="hold">
+                      <p:stCondLst>
+                        <p:cond delay="indefinite"/>
+                      </p:stCondLst>
+                      <p:childTnLst>
+                        <p:par>
+                          <p:cTn id="12" fill="hold">
+                            <p:stCondLst>
+                              <p:cond delay="0"/>
+                            </p:stCondLst>
+                            <p:childTnLst>
+                              <p:par>
+                                <p:cTn id="13" presetID="1" presetClass="entr" presetSubtype="0" fill="hold" nodeType="clickEffect">
+                                  <p:stCondLst>
+                                    <p:cond delay="0"/>
+                                  </p:stCondLst>
+                                  <p:childTnLst>
+                                    <p:set>
+                                      <p:cBhvr>
+                                        <p:cTn id="14" dur="1" fill="hold">
+                                          <p:stCondLst>
+                                            <p:cond delay="0"/>
+                                          </p:stCondLst>
+                                        </p:cTn>
+                                        <p:tgtEl>
+                                          <p:spTgt spid="3">
+                                            <p:txEl>
+                                              <p:pRg st="3" end="3"/>
+                                            </p:txEl>
+                                          </p:spTgt>
+                                        </p:tgtEl>
+                                        <p:attrNameLst>
+                                          <p:attrName>style.visibility</p:attrName>
+                                        </p:attrNameLst>
+                                      </p:cBhvr>
+                                      <p:to>
+                                        <p:strVal val="visible"/>
+                                      </p:to>
+                                    </p:set>
+                                  </p:childTnLst>
+                                </p:cTn>
+                              </p:par>
+                            </p:childTnLst>
+                          </p:cTn>
+                        </p:par>
+                      </p:childTnLst>
+                    </p:cTn>
+                  </p:par>
+                  <p:par>
+                    <p:cTn id="15" fill="hold">
+                      <p:stCondLst>
+                        <p:cond delay="indefinite"/>
+                      </p:stCondLst>
+                      <p:childTnLst>
+                        <p:par>
+                          <p:cTn id="16" fill="hold">
+                            <p:stCondLst>
+                              <p:cond delay="0"/>
+                            </p:stCondLst>
+                            <p:childTnLst>
+                              <p:par>
+                                <p:cTn id="17" presetID="1" presetClass="entr" presetSubtype="0" fill="hold" nodeType="clickEffect">
+                                  <p:stCondLst>
+                                    <p:cond delay="0"/>
+                                  </p:stCondLst>
+                                  <p:childTnLst>
+                                    <p:set>
+                                      <p:cBhvr>
+                                        <p:cTn id="18" dur="1" fill="hold">
+                                          <p:stCondLst>
+                                            <p:cond delay="0"/>
+                                          </p:stCondLst>
+                                        </p:cTn>
+                                        <p:tgtEl>
+                                          <p:spTgt spid="4"/>
+                                        </p:tgtEl>
+                                        <p:attrNameLst>
+                                          <p:attrName>style.visibility</p:attrName>
+                                        </p:attrNameLst>
+                                      </p:cBhvr>
+                                      <p:to>
+                                        <p:strVal val="visible"/>
+                                      </p:to>
+                                    </p:set>
+                                  </p:childTnLst>
+                                </p:cTn>
+                              </p:par>
+                            </p:childTnLst>
+                          </p:cTn>
+                        </p:par>
+                      </p:childTnLst>
+                    </p:cTn>
+                  </p:par>
+                </p:childTnLst>
+              </p:cTn>
+              <p:prevCondLst>
+                <p:cond evt="onPrev" delay="0">
+                  <p:tgtEl>
+                    <p:sldTgt/>
+                  </p:tgtEl>
+                </p:cond>
+              </p:prevCondLst>
+              <p:nextCondLst>
+                <p:cond evt="onNext" delay="0">
+                  <p:tgtEl>
+                    <p:sldTgt/>
+                  </p:tgtEl>
+                </p:cond>
+              </p:nextCondLst>
+            </p:seq>
+          </p:childTnLst>
+        </p:cTn>
+      </p:par>
+    </p:tnLst>
+  </p:timing>
 </p:sld>
 </file>
 
@@ -4218,7 +4483,7 @@
           <p:cNvPr id="2" name="Title 1">
             <a:extLst>
               <a:ext uri="{FF2B5EF4-FFF2-40B4-BE49-F238E27FC236}">
-                <a16:creationId xmlns:a16="http://schemas.microsoft.com/office/drawing/2014/main" id="{27B47342-65E1-4DA6-AC49-41E1D7C94E72}"/>
+                <a16:creationId xmlns:a16="http://schemas.microsoft.com/office/drawing/2014/main" id="{7995D02D-56B8-4AE2-AF9C-CA9EB76410A7}"/>
               </a:ext>
             </a:extLst>
           </p:cNvPr>
@@ -4229,155 +4494,911 @@
             <p:ph type="title"/>
           </p:nvPr>
         </p:nvSpPr>
-        <p:spPr/>
-        <p:txBody>
-          <a:bodyPr/>
-          <a:lstStyle/>
-          <a:p>
-            <a:r>
-              <a:rPr lang="en-GB" b="1" dirty="0">
-                <a:latin typeface="Arial" panose="020B0604020202020204" pitchFamily="34" charset="0"/>
-                <a:cs typeface="Arial" panose="020B0604020202020204" pitchFamily="34" charset="0"/>
-              </a:rPr>
-              <a:t>The </a:t>
-            </a:r>
-            <a:r>
-              <a:rPr lang="en-GB" b="1" dirty="0" err="1">
-                <a:latin typeface="Arial" panose="020B0604020202020204" pitchFamily="34" charset="0"/>
-                <a:cs typeface="Arial" panose="020B0604020202020204" pitchFamily="34" charset="0"/>
-              </a:rPr>
-              <a:t>GraphQL</a:t>
-            </a:r>
-            <a:r>
-              <a:rPr lang="en-GB" b="1" dirty="0">
-                <a:latin typeface="Arial" panose="020B0604020202020204" pitchFamily="34" charset="0"/>
-                <a:cs typeface="Arial" panose="020B0604020202020204" pitchFamily="34" charset="0"/>
-              </a:rPr>
-              <a:t> Schema</a:t>
-            </a:r>
-          </a:p>
-        </p:txBody>
-      </p:sp>
-      <p:sp>
-        <p:nvSpPr>
-          <p:cNvPr id="3" name="Content Placeholder 2">
-            <a:extLst>
-              <a:ext uri="{FF2B5EF4-FFF2-40B4-BE49-F238E27FC236}">
-                <a16:creationId xmlns:a16="http://schemas.microsoft.com/office/drawing/2014/main" id="{46249623-7E50-4A03-B2A3-9F5FB92325FF}"/>
-              </a:ext>
-            </a:extLst>
-          </p:cNvPr>
-          <p:cNvSpPr>
-            <a:spLocks noGrp="1"/>
-          </p:cNvSpPr>
-          <p:nvPr>
-            <p:ph idx="1"/>
-          </p:nvPr>
-        </p:nvSpPr>
         <p:spPr>
           <a:xfrm>
-            <a:off x="838200" y="1825625"/>
-            <a:ext cx="10515600" cy="4766244"/>
+            <a:off x="6252555" y="170985"/>
+            <a:ext cx="4588529" cy="1270660"/>
           </a:xfrm>
         </p:spPr>
         <p:txBody>
           <a:bodyPr>
-            <a:normAutofit lnSpcReduction="10000"/>
+            <a:normAutofit/>
           </a:bodyPr>
           <a:lstStyle/>
           <a:p>
             <a:r>
-              <a:rPr lang="en-GB" dirty="0"/>
-              <a:t>Used in the </a:t>
-            </a:r>
-            <a:r>
-              <a:rPr lang="en-GB" dirty="0" err="1"/>
-              <a:t>GraphQL</a:t>
-            </a:r>
-            <a:r>
-              <a:rPr lang="en-GB" dirty="0"/>
-              <a:t> server-side runtime</a:t>
-            </a:r>
-          </a:p>
-          <a:p>
-            <a:r>
-              <a:rPr lang="en-GB" dirty="0"/>
-              <a:t>The </a:t>
-            </a:r>
-            <a:r>
-              <a:rPr lang="en-GB" dirty="0" err="1"/>
-              <a:t>GraphQL</a:t>
-            </a:r>
-            <a:r>
-              <a:rPr lang="en-GB" dirty="0"/>
-              <a:t> schema is the single source of truth in </a:t>
-            </a:r>
-            <a:r>
-              <a:rPr lang="en-GB" dirty="0" err="1"/>
-              <a:t>GraphQL</a:t>
-            </a:r>
-            <a:r>
-              <a:rPr lang="en-GB"/>
-              <a:t> applications.</a:t>
-            </a:r>
-            <a:endParaRPr lang="en-GB" dirty="0"/>
-          </a:p>
-          <a:p>
-            <a:r>
-              <a:rPr lang="en-GB" dirty="0"/>
-              <a:t>Describes the data available from the API</a:t>
-            </a:r>
-          </a:p>
-          <a:p>
-            <a:endParaRPr lang="en-GB" dirty="0"/>
-          </a:p>
-          <a:p>
-            <a:r>
-              <a:rPr lang="en-GB" dirty="0"/>
-              <a:t>Defines how clients can request data from the API</a:t>
-            </a:r>
-          </a:p>
-          <a:p>
-            <a:endParaRPr lang="en-GB" dirty="0"/>
-          </a:p>
-          <a:p>
-            <a:r>
-              <a:rPr lang="en-GB" dirty="0"/>
-              <a:t>Validates </a:t>
-            </a:r>
-            <a:r>
-              <a:rPr lang="en-GB" dirty="0" err="1"/>
-              <a:t>GraphQL</a:t>
-            </a:r>
-            <a:r>
-              <a:rPr lang="en-GB" dirty="0"/>
-              <a:t> queries</a:t>
-            </a:r>
-          </a:p>
-          <a:p>
-            <a:endParaRPr lang="en-GB" dirty="0"/>
-          </a:p>
-          <a:p>
-            <a:r>
-              <a:rPr lang="en-GB" dirty="0"/>
-              <a:t>Can be seen as a contract between the server and the client</a:t>
-            </a:r>
-          </a:p>
-          <a:p>
-            <a:endParaRPr lang="en-GB" dirty="0"/>
+              <a:rPr lang="en-GB" sz="4000" dirty="0">
+                <a:latin typeface="Arial" panose="020B0604020202020204" pitchFamily="34" charset="0"/>
+                <a:cs typeface="Arial" panose="020B0604020202020204" pitchFamily="34" charset="0"/>
+              </a:rPr>
+              <a:t>A Simple Schema</a:t>
+            </a:r>
           </a:p>
         </p:txBody>
       </p:sp>
+      <p:pic>
+        <p:nvPicPr>
+          <p:cNvPr id="4" name="Content Placeholder 3">
+            <a:extLst>
+              <a:ext uri="{FF2B5EF4-FFF2-40B4-BE49-F238E27FC236}">
+                <a16:creationId xmlns:a16="http://schemas.microsoft.com/office/drawing/2014/main" id="{38B58097-2BF9-43E7-AAAB-FD10893454DE}"/>
+              </a:ext>
+            </a:extLst>
+          </p:cNvPr>
+          <p:cNvPicPr>
+            <a:picLocks noGrp="1" noChangeAspect="1"/>
+          </p:cNvPicPr>
+          <p:nvPr>
+            <p:ph idx="1"/>
+          </p:nvPr>
+        </p:nvPicPr>
+        <p:blipFill>
+          <a:blip r:embed="rId2"/>
+          <a:stretch>
+            <a:fillRect/>
+          </a:stretch>
+        </p:blipFill>
+        <p:spPr>
+          <a:xfrm>
+            <a:off x="8117752" y="1690688"/>
+            <a:ext cx="3944085" cy="5134049"/>
+          </a:xfrm>
+          <a:prstGeom prst="rect">
+            <a:avLst/>
+          </a:prstGeom>
+        </p:spPr>
+      </p:pic>
+      <p:sp>
+        <p:nvSpPr>
+          <p:cNvPr id="8" name="TextBox 7">
+            <a:extLst>
+              <a:ext uri="{FF2B5EF4-FFF2-40B4-BE49-F238E27FC236}">
+                <a16:creationId xmlns:a16="http://schemas.microsoft.com/office/drawing/2014/main" id="{CC684E0E-CBBD-47CC-80B0-955236168D9B}"/>
+              </a:ext>
+            </a:extLst>
+          </p:cNvPr>
+          <p:cNvSpPr txBox="1"/>
+          <p:nvPr/>
+        </p:nvSpPr>
+        <p:spPr>
+          <a:xfrm>
+            <a:off x="410830" y="806315"/>
+            <a:ext cx="3944085" cy="7848302"/>
+          </a:xfrm>
+          <a:prstGeom prst="rect">
+            <a:avLst/>
+          </a:prstGeom>
+          <a:noFill/>
+        </p:spPr>
+        <p:txBody>
+          <a:bodyPr wrap="square" rtlCol="0">
+            <a:spAutoFit/>
+          </a:bodyPr>
+          <a:lstStyle/>
+          <a:p>
+            <a:r>
+              <a:rPr lang="en-GB" b="1" dirty="0">
+                <a:latin typeface="Arial" panose="020B0604020202020204" pitchFamily="34" charset="0"/>
+                <a:cs typeface="Arial" panose="020B0604020202020204" pitchFamily="34" charset="0"/>
+              </a:rPr>
+              <a:t>type Course</a:t>
+            </a:r>
+          </a:p>
+          <a:p>
+            <a:endParaRPr lang="en-GB" b="1" dirty="0">
+              <a:latin typeface="Arial" panose="020B0604020202020204" pitchFamily="34" charset="0"/>
+              <a:cs typeface="Arial" panose="020B0604020202020204" pitchFamily="34" charset="0"/>
+            </a:endParaRPr>
+          </a:p>
+          <a:p>
+            <a:pPr marL="285750" indent="-285750">
+              <a:buFont typeface="Arial" panose="020B0604020202020204" pitchFamily="34" charset="0"/>
+              <a:buChar char="•"/>
+            </a:pPr>
+            <a:r>
+              <a:rPr lang="en-GB" dirty="0">
+                <a:latin typeface="Arial" panose="020B0604020202020204" pitchFamily="34" charset="0"/>
+                <a:cs typeface="Arial" panose="020B0604020202020204" pitchFamily="34" charset="0"/>
+              </a:rPr>
+              <a:t>An Object Type </a:t>
+            </a:r>
+          </a:p>
+          <a:p>
+            <a:pPr marL="285750" indent="-285750">
+              <a:buFont typeface="Arial" panose="020B0604020202020204" pitchFamily="34" charset="0"/>
+              <a:buChar char="•"/>
+            </a:pPr>
+            <a:r>
+              <a:rPr lang="en-GB" dirty="0">
+                <a:latin typeface="Arial" panose="020B0604020202020204" pitchFamily="34" charset="0"/>
+                <a:cs typeface="Arial" panose="020B0604020202020204" pitchFamily="34" charset="0"/>
+              </a:rPr>
+              <a:t>Defines the structure of the course ‘model’ </a:t>
+            </a:r>
+          </a:p>
+          <a:p>
+            <a:pPr marL="285750" indent="-285750">
+              <a:buFont typeface="Arial" panose="020B0604020202020204" pitchFamily="34" charset="0"/>
+              <a:buChar char="•"/>
+            </a:pPr>
+            <a:endParaRPr lang="en-GB" dirty="0">
+              <a:latin typeface="Arial" panose="020B0604020202020204" pitchFamily="34" charset="0"/>
+              <a:cs typeface="Arial" panose="020B0604020202020204" pitchFamily="34" charset="0"/>
+            </a:endParaRPr>
+          </a:p>
+          <a:p>
+            <a:r>
+              <a:rPr lang="en-GB" b="1" dirty="0">
+                <a:latin typeface="Arial" panose="020B0604020202020204" pitchFamily="34" charset="0"/>
+                <a:cs typeface="Arial" panose="020B0604020202020204" pitchFamily="34" charset="0"/>
+              </a:rPr>
+              <a:t>type Query</a:t>
+            </a:r>
+          </a:p>
+          <a:p>
+            <a:endParaRPr lang="en-GB" b="1" dirty="0">
+              <a:latin typeface="Arial" panose="020B0604020202020204" pitchFamily="34" charset="0"/>
+              <a:cs typeface="Arial" panose="020B0604020202020204" pitchFamily="34" charset="0"/>
+            </a:endParaRPr>
+          </a:p>
+          <a:p>
+            <a:pPr marL="285750" indent="-285750">
+              <a:buFont typeface="Arial" panose="020B0604020202020204" pitchFamily="34" charset="0"/>
+              <a:buChar char="•"/>
+            </a:pPr>
+            <a:r>
+              <a:rPr lang="en-GB" dirty="0">
+                <a:latin typeface="Arial" panose="020B0604020202020204" pitchFamily="34" charset="0"/>
+                <a:cs typeface="Arial" panose="020B0604020202020204" pitchFamily="34" charset="0"/>
+              </a:rPr>
+              <a:t>A Root Type</a:t>
+            </a:r>
+          </a:p>
+          <a:p>
+            <a:pPr marL="285750" indent="-285750">
+              <a:buFont typeface="Arial" panose="020B0604020202020204" pitchFamily="34" charset="0"/>
+              <a:buChar char="•"/>
+            </a:pPr>
+            <a:r>
+              <a:rPr lang="en-GB" dirty="0">
+                <a:latin typeface="Arial" panose="020B0604020202020204" pitchFamily="34" charset="0"/>
+                <a:cs typeface="Arial" panose="020B0604020202020204" pitchFamily="34" charset="0"/>
+              </a:rPr>
+              <a:t>Equivalent to </a:t>
+            </a:r>
+            <a:r>
+              <a:rPr lang="en-GB" b="1" dirty="0">
+                <a:latin typeface="Arial" panose="020B0604020202020204" pitchFamily="34" charset="0"/>
+                <a:cs typeface="Arial" panose="020B0604020202020204" pitchFamily="34" charset="0"/>
+              </a:rPr>
+              <a:t>GET </a:t>
+            </a:r>
+            <a:r>
+              <a:rPr lang="en-GB" dirty="0">
+                <a:latin typeface="Arial" panose="020B0604020202020204" pitchFamily="34" charset="0"/>
+                <a:cs typeface="Arial" panose="020B0604020202020204" pitchFamily="34" charset="0"/>
+              </a:rPr>
+              <a:t>in </a:t>
+            </a:r>
+            <a:r>
+              <a:rPr lang="en-GB" b="1" dirty="0">
+                <a:latin typeface="Arial" panose="020B0604020202020204" pitchFamily="34" charset="0"/>
+                <a:cs typeface="Arial" panose="020B0604020202020204" pitchFamily="34" charset="0"/>
+              </a:rPr>
+              <a:t>REST</a:t>
+            </a:r>
+          </a:p>
+          <a:p>
+            <a:endParaRPr lang="en-GB" dirty="0">
+              <a:latin typeface="Arial" panose="020B0604020202020204" pitchFamily="34" charset="0"/>
+              <a:cs typeface="Arial" panose="020B0604020202020204" pitchFamily="34" charset="0"/>
+            </a:endParaRPr>
+          </a:p>
+          <a:p>
+            <a:endParaRPr lang="en-GB" b="1" dirty="0">
+              <a:latin typeface="Arial" panose="020B0604020202020204" pitchFamily="34" charset="0"/>
+              <a:cs typeface="Arial" panose="020B0604020202020204" pitchFamily="34" charset="0"/>
+            </a:endParaRPr>
+          </a:p>
+          <a:p>
+            <a:r>
+              <a:rPr lang="en-GB" b="1" dirty="0">
+                <a:latin typeface="Arial" panose="020B0604020202020204" pitchFamily="34" charset="0"/>
+                <a:cs typeface="Arial" panose="020B0604020202020204" pitchFamily="34" charset="0"/>
+              </a:rPr>
+              <a:t>Other Root Types are:</a:t>
+            </a:r>
+          </a:p>
+          <a:p>
+            <a:endParaRPr lang="en-GB" b="1" dirty="0">
+              <a:latin typeface="Arial" panose="020B0604020202020204" pitchFamily="34" charset="0"/>
+              <a:cs typeface="Arial" panose="020B0604020202020204" pitchFamily="34" charset="0"/>
+            </a:endParaRPr>
+          </a:p>
+          <a:p>
+            <a:pPr marL="285750" indent="-285750">
+              <a:buFont typeface="Arial" panose="020B0604020202020204" pitchFamily="34" charset="0"/>
+              <a:buChar char="•"/>
+            </a:pPr>
+            <a:r>
+              <a:rPr lang="en-GB" b="1" dirty="0">
+                <a:latin typeface="Arial" panose="020B0604020202020204" pitchFamily="34" charset="0"/>
+                <a:cs typeface="Arial" panose="020B0604020202020204" pitchFamily="34" charset="0"/>
+              </a:rPr>
+              <a:t>type Mutation: </a:t>
+            </a:r>
+            <a:r>
+              <a:rPr lang="en-GB" dirty="0">
+                <a:latin typeface="Arial" panose="020B0604020202020204" pitchFamily="34" charset="0"/>
+                <a:cs typeface="Arial" panose="020B0604020202020204" pitchFamily="34" charset="0"/>
+              </a:rPr>
+              <a:t>equivalent to POST, UPDATE and DELETE in REST</a:t>
+            </a:r>
+          </a:p>
+          <a:p>
+            <a:pPr marL="285750" indent="-285750">
+              <a:buFont typeface="Arial" panose="020B0604020202020204" pitchFamily="34" charset="0"/>
+              <a:buChar char="•"/>
+            </a:pPr>
+            <a:endParaRPr lang="en-GB" dirty="0">
+              <a:latin typeface="Arial" panose="020B0604020202020204" pitchFamily="34" charset="0"/>
+              <a:cs typeface="Arial" panose="020B0604020202020204" pitchFamily="34" charset="0"/>
+            </a:endParaRPr>
+          </a:p>
+          <a:p>
+            <a:pPr marL="285750" indent="-285750">
+              <a:buFont typeface="Arial" panose="020B0604020202020204" pitchFamily="34" charset="0"/>
+              <a:buChar char="•"/>
+            </a:pPr>
+            <a:r>
+              <a:rPr lang="en-GB" b="1" dirty="0">
+                <a:latin typeface="Arial" panose="020B0604020202020204" pitchFamily="34" charset="0"/>
+                <a:cs typeface="Arial" panose="020B0604020202020204" pitchFamily="34" charset="0"/>
+              </a:rPr>
+              <a:t>type Subscription: </a:t>
+            </a:r>
+            <a:r>
+              <a:rPr lang="en-GB" dirty="0">
+                <a:latin typeface="Arial" panose="020B0604020202020204" pitchFamily="34" charset="0"/>
+                <a:cs typeface="Arial" panose="020B0604020202020204" pitchFamily="34" charset="0"/>
+              </a:rPr>
+              <a:t>Provides Realtime Updates. Currently experimental</a:t>
+            </a:r>
+          </a:p>
+          <a:p>
+            <a:pPr marL="285750" indent="-285750">
+              <a:buFont typeface="Arial" panose="020B0604020202020204" pitchFamily="34" charset="0"/>
+              <a:buChar char="•"/>
+            </a:pPr>
+            <a:endParaRPr lang="en-GB" dirty="0"/>
+          </a:p>
+          <a:p>
+            <a:pPr marL="285750" indent="-285750">
+              <a:buFont typeface="Arial" panose="020B0604020202020204" pitchFamily="34" charset="0"/>
+              <a:buChar char="•"/>
+            </a:pPr>
+            <a:endParaRPr lang="en-GB" dirty="0"/>
+          </a:p>
+          <a:p>
+            <a:pPr marL="285750" indent="-285750">
+              <a:buFont typeface="Arial" panose="020B0604020202020204" pitchFamily="34" charset="0"/>
+              <a:buChar char="•"/>
+            </a:pPr>
+            <a:endParaRPr lang="en-GB" dirty="0"/>
+          </a:p>
+          <a:p>
+            <a:pPr marL="285750" indent="-285750">
+              <a:buFont typeface="Arial" panose="020B0604020202020204" pitchFamily="34" charset="0"/>
+              <a:buChar char="•"/>
+            </a:pPr>
+            <a:endParaRPr lang="en-GB" dirty="0"/>
+          </a:p>
+          <a:p>
+            <a:pPr marL="285750" indent="-285750">
+              <a:buFont typeface="Arial" panose="020B0604020202020204" pitchFamily="34" charset="0"/>
+              <a:buChar char="•"/>
+            </a:pPr>
+            <a:endParaRPr lang="en-GB" dirty="0"/>
+          </a:p>
+          <a:p>
+            <a:pPr marL="285750" indent="-285750">
+              <a:buFont typeface="Arial" panose="020B0604020202020204" pitchFamily="34" charset="0"/>
+              <a:buChar char="•"/>
+            </a:pPr>
+            <a:endParaRPr lang="en-GB" dirty="0"/>
+          </a:p>
+          <a:p>
+            <a:pPr marL="285750" indent="-285750">
+              <a:buFont typeface="Arial" panose="020B0604020202020204" pitchFamily="34" charset="0"/>
+              <a:buChar char="•"/>
+            </a:pPr>
+            <a:endParaRPr lang="en-GB" dirty="0"/>
+          </a:p>
+        </p:txBody>
+      </p:sp>
+      <p:pic>
+        <p:nvPicPr>
+          <p:cNvPr id="3" name="Picture 2">
+            <a:extLst>
+              <a:ext uri="{FF2B5EF4-FFF2-40B4-BE49-F238E27FC236}">
+                <a16:creationId xmlns:a16="http://schemas.microsoft.com/office/drawing/2014/main" id="{45EA68D6-6BC3-478D-904A-86F9E31E697C}"/>
+              </a:ext>
+            </a:extLst>
+          </p:cNvPr>
+          <p:cNvPicPr>
+            <a:picLocks noChangeAspect="1"/>
+          </p:cNvPicPr>
+          <p:nvPr/>
+        </p:nvPicPr>
+        <p:blipFill>
+          <a:blip r:embed="rId3"/>
+          <a:stretch>
+            <a:fillRect/>
+          </a:stretch>
+        </p:blipFill>
+        <p:spPr>
+          <a:xfrm>
+            <a:off x="4354915" y="1690688"/>
+            <a:ext cx="3629025" cy="3438525"/>
+          </a:xfrm>
+          <a:prstGeom prst="rect">
+            <a:avLst/>
+          </a:prstGeom>
+        </p:spPr>
+      </p:pic>
     </p:spTree>
     <p:extLst>
       <p:ext uri="{BB962C8B-B14F-4D97-AF65-F5344CB8AC3E}">
-        <p14:creationId xmlns:p14="http://schemas.microsoft.com/office/powerpoint/2010/main" val="3881882428"/>
+        <p14:creationId xmlns:p14="http://schemas.microsoft.com/office/powerpoint/2010/main" val="3041054050"/>
       </p:ext>
     </p:extLst>
   </p:cSld>
   <p:clrMapOvr>
     <a:masterClrMapping/>
   </p:clrMapOvr>
+  <p:timing>
+    <p:tnLst>
+      <p:par>
+        <p:cTn id="1" dur="indefinite" restart="never" nodeType="tmRoot">
+          <p:childTnLst>
+            <p:seq concurrent="1" nextAc="seek">
+              <p:cTn id="2" dur="indefinite" nodeType="mainSeq">
+                <p:childTnLst>
+                  <p:par>
+                    <p:cTn id="3" fill="hold">
+                      <p:stCondLst>
+                        <p:cond delay="indefinite"/>
+                      </p:stCondLst>
+                      <p:childTnLst>
+                        <p:par>
+                          <p:cTn id="4" fill="hold">
+                            <p:stCondLst>
+                              <p:cond delay="0"/>
+                            </p:stCondLst>
+                            <p:childTnLst>
+                              <p:par>
+                                <p:cTn id="5" presetID="1" presetClass="entr" presetSubtype="0" fill="hold" nodeType="clickEffect">
+                                  <p:stCondLst>
+                                    <p:cond delay="0"/>
+                                  </p:stCondLst>
+                                  <p:childTnLst>
+                                    <p:set>
+                                      <p:cBhvr>
+                                        <p:cTn id="6" dur="1" fill="hold">
+                                          <p:stCondLst>
+                                            <p:cond delay="0"/>
+                                          </p:stCondLst>
+                                        </p:cTn>
+                                        <p:tgtEl>
+                                          <p:spTgt spid="4"/>
+                                        </p:tgtEl>
+                                        <p:attrNameLst>
+                                          <p:attrName>style.visibility</p:attrName>
+                                        </p:attrNameLst>
+                                      </p:cBhvr>
+                                      <p:to>
+                                        <p:strVal val="visible"/>
+                                      </p:to>
+                                    </p:set>
+                                  </p:childTnLst>
+                                </p:cTn>
+                              </p:par>
+                            </p:childTnLst>
+                          </p:cTn>
+                        </p:par>
+                      </p:childTnLst>
+                    </p:cTn>
+                  </p:par>
+                  <p:par>
+                    <p:cTn id="7" fill="hold">
+                      <p:stCondLst>
+                        <p:cond delay="indefinite"/>
+                      </p:stCondLst>
+                      <p:childTnLst>
+                        <p:par>
+                          <p:cTn id="8" fill="hold">
+                            <p:stCondLst>
+                              <p:cond delay="0"/>
+                            </p:stCondLst>
+                            <p:childTnLst>
+                              <p:par>
+                                <p:cTn id="9" presetID="1" presetClass="entr" presetSubtype="0" fill="hold" nodeType="clickEffect">
+                                  <p:stCondLst>
+                                    <p:cond delay="0"/>
+                                  </p:stCondLst>
+                                  <p:childTnLst>
+                                    <p:set>
+                                      <p:cBhvr>
+                                        <p:cTn id="10" dur="1" fill="hold">
+                                          <p:stCondLst>
+                                            <p:cond delay="0"/>
+                                          </p:stCondLst>
+                                        </p:cTn>
+                                        <p:tgtEl>
+                                          <p:spTgt spid="3"/>
+                                        </p:tgtEl>
+                                        <p:attrNameLst>
+                                          <p:attrName>style.visibility</p:attrName>
+                                        </p:attrNameLst>
+                                      </p:cBhvr>
+                                      <p:to>
+                                        <p:strVal val="visible"/>
+                                      </p:to>
+                                    </p:set>
+                                  </p:childTnLst>
+                                </p:cTn>
+                              </p:par>
+                            </p:childTnLst>
+                          </p:cTn>
+                        </p:par>
+                      </p:childTnLst>
+                    </p:cTn>
+                  </p:par>
+                  <p:par>
+                    <p:cTn id="11" fill="hold">
+                      <p:stCondLst>
+                        <p:cond delay="indefinite"/>
+                      </p:stCondLst>
+                      <p:childTnLst>
+                        <p:par>
+                          <p:cTn id="12" fill="hold">
+                            <p:stCondLst>
+                              <p:cond delay="0"/>
+                            </p:stCondLst>
+                            <p:childTnLst>
+                              <p:par>
+                                <p:cTn id="13" presetID="1" presetClass="entr" presetSubtype="0" fill="hold" nodeType="clickEffect">
+                                  <p:stCondLst>
+                                    <p:cond delay="0"/>
+                                  </p:stCondLst>
+                                  <p:childTnLst>
+                                    <p:set>
+                                      <p:cBhvr>
+                                        <p:cTn id="14" dur="1" fill="hold">
+                                          <p:stCondLst>
+                                            <p:cond delay="0"/>
+                                          </p:stCondLst>
+                                        </p:cTn>
+                                        <p:tgtEl>
+                                          <p:spTgt spid="8">
+                                            <p:txEl>
+                                              <p:pRg st="0" end="0"/>
+                                            </p:txEl>
+                                          </p:spTgt>
+                                        </p:tgtEl>
+                                        <p:attrNameLst>
+                                          <p:attrName>style.visibility</p:attrName>
+                                        </p:attrNameLst>
+                                      </p:cBhvr>
+                                      <p:to>
+                                        <p:strVal val="visible"/>
+                                      </p:to>
+                                    </p:set>
+                                  </p:childTnLst>
+                                </p:cTn>
+                              </p:par>
+                            </p:childTnLst>
+                          </p:cTn>
+                        </p:par>
+                      </p:childTnLst>
+                    </p:cTn>
+                  </p:par>
+                  <p:par>
+                    <p:cTn id="15" fill="hold">
+                      <p:stCondLst>
+                        <p:cond delay="indefinite"/>
+                      </p:stCondLst>
+                      <p:childTnLst>
+                        <p:par>
+                          <p:cTn id="16" fill="hold">
+                            <p:stCondLst>
+                              <p:cond delay="0"/>
+                            </p:stCondLst>
+                            <p:childTnLst>
+                              <p:par>
+                                <p:cTn id="17" presetID="1" presetClass="entr" presetSubtype="0" fill="hold" nodeType="clickEffect">
+                                  <p:stCondLst>
+                                    <p:cond delay="0"/>
+                                  </p:stCondLst>
+                                  <p:childTnLst>
+                                    <p:set>
+                                      <p:cBhvr>
+                                        <p:cTn id="18" dur="1" fill="hold">
+                                          <p:stCondLst>
+                                            <p:cond delay="0"/>
+                                          </p:stCondLst>
+                                        </p:cTn>
+                                        <p:tgtEl>
+                                          <p:spTgt spid="8">
+                                            <p:txEl>
+                                              <p:pRg st="2" end="2"/>
+                                            </p:txEl>
+                                          </p:spTgt>
+                                        </p:tgtEl>
+                                        <p:attrNameLst>
+                                          <p:attrName>style.visibility</p:attrName>
+                                        </p:attrNameLst>
+                                      </p:cBhvr>
+                                      <p:to>
+                                        <p:strVal val="visible"/>
+                                      </p:to>
+                                    </p:set>
+                                  </p:childTnLst>
+                                </p:cTn>
+                              </p:par>
+                            </p:childTnLst>
+                          </p:cTn>
+                        </p:par>
+                      </p:childTnLst>
+                    </p:cTn>
+                  </p:par>
+                  <p:par>
+                    <p:cTn id="19" fill="hold">
+                      <p:stCondLst>
+                        <p:cond delay="indefinite"/>
+                      </p:stCondLst>
+                      <p:childTnLst>
+                        <p:par>
+                          <p:cTn id="20" fill="hold">
+                            <p:stCondLst>
+                              <p:cond delay="0"/>
+                            </p:stCondLst>
+                            <p:childTnLst>
+                              <p:par>
+                                <p:cTn id="21" presetID="1" presetClass="entr" presetSubtype="0" fill="hold" nodeType="clickEffect">
+                                  <p:stCondLst>
+                                    <p:cond delay="0"/>
+                                  </p:stCondLst>
+                                  <p:childTnLst>
+                                    <p:set>
+                                      <p:cBhvr>
+                                        <p:cTn id="22" dur="1" fill="hold">
+                                          <p:stCondLst>
+                                            <p:cond delay="0"/>
+                                          </p:stCondLst>
+                                        </p:cTn>
+                                        <p:tgtEl>
+                                          <p:spTgt spid="8">
+                                            <p:txEl>
+                                              <p:pRg st="3" end="3"/>
+                                            </p:txEl>
+                                          </p:spTgt>
+                                        </p:tgtEl>
+                                        <p:attrNameLst>
+                                          <p:attrName>style.visibility</p:attrName>
+                                        </p:attrNameLst>
+                                      </p:cBhvr>
+                                      <p:to>
+                                        <p:strVal val="visible"/>
+                                      </p:to>
+                                    </p:set>
+                                  </p:childTnLst>
+                                </p:cTn>
+                              </p:par>
+                            </p:childTnLst>
+                          </p:cTn>
+                        </p:par>
+                      </p:childTnLst>
+                    </p:cTn>
+                  </p:par>
+                  <p:par>
+                    <p:cTn id="23" fill="hold">
+                      <p:stCondLst>
+                        <p:cond delay="indefinite"/>
+                      </p:stCondLst>
+                      <p:childTnLst>
+                        <p:par>
+                          <p:cTn id="24" fill="hold">
+                            <p:stCondLst>
+                              <p:cond delay="0"/>
+                            </p:stCondLst>
+                            <p:childTnLst>
+                              <p:par>
+                                <p:cTn id="25" presetID="1" presetClass="entr" presetSubtype="0" fill="hold" nodeType="clickEffect">
+                                  <p:stCondLst>
+                                    <p:cond delay="0"/>
+                                  </p:stCondLst>
+                                  <p:childTnLst>
+                                    <p:set>
+                                      <p:cBhvr>
+                                        <p:cTn id="26" dur="1" fill="hold">
+                                          <p:stCondLst>
+                                            <p:cond delay="0"/>
+                                          </p:stCondLst>
+                                        </p:cTn>
+                                        <p:tgtEl>
+                                          <p:spTgt spid="8">
+                                            <p:txEl>
+                                              <p:pRg st="5" end="5"/>
+                                            </p:txEl>
+                                          </p:spTgt>
+                                        </p:tgtEl>
+                                        <p:attrNameLst>
+                                          <p:attrName>style.visibility</p:attrName>
+                                        </p:attrNameLst>
+                                      </p:cBhvr>
+                                      <p:to>
+                                        <p:strVal val="visible"/>
+                                      </p:to>
+                                    </p:set>
+                                  </p:childTnLst>
+                                </p:cTn>
+                              </p:par>
+                            </p:childTnLst>
+                          </p:cTn>
+                        </p:par>
+                      </p:childTnLst>
+                    </p:cTn>
+                  </p:par>
+                  <p:par>
+                    <p:cTn id="27" fill="hold">
+                      <p:stCondLst>
+                        <p:cond delay="indefinite"/>
+                      </p:stCondLst>
+                      <p:childTnLst>
+                        <p:par>
+                          <p:cTn id="28" fill="hold">
+                            <p:stCondLst>
+                              <p:cond delay="0"/>
+                            </p:stCondLst>
+                            <p:childTnLst>
+                              <p:par>
+                                <p:cTn id="29" presetID="1" presetClass="entr" presetSubtype="0" fill="hold" nodeType="clickEffect">
+                                  <p:stCondLst>
+                                    <p:cond delay="0"/>
+                                  </p:stCondLst>
+                                  <p:childTnLst>
+                                    <p:set>
+                                      <p:cBhvr>
+                                        <p:cTn id="30" dur="1" fill="hold">
+                                          <p:stCondLst>
+                                            <p:cond delay="0"/>
+                                          </p:stCondLst>
+                                        </p:cTn>
+                                        <p:tgtEl>
+                                          <p:spTgt spid="8">
+                                            <p:txEl>
+                                              <p:pRg st="7" end="7"/>
+                                            </p:txEl>
+                                          </p:spTgt>
+                                        </p:tgtEl>
+                                        <p:attrNameLst>
+                                          <p:attrName>style.visibility</p:attrName>
+                                        </p:attrNameLst>
+                                      </p:cBhvr>
+                                      <p:to>
+                                        <p:strVal val="visible"/>
+                                      </p:to>
+                                    </p:set>
+                                  </p:childTnLst>
+                                </p:cTn>
+                              </p:par>
+                            </p:childTnLst>
+                          </p:cTn>
+                        </p:par>
+                      </p:childTnLst>
+                    </p:cTn>
+                  </p:par>
+                  <p:par>
+                    <p:cTn id="31" fill="hold">
+                      <p:stCondLst>
+                        <p:cond delay="indefinite"/>
+                      </p:stCondLst>
+                      <p:childTnLst>
+                        <p:par>
+                          <p:cTn id="32" fill="hold">
+                            <p:stCondLst>
+                              <p:cond delay="0"/>
+                            </p:stCondLst>
+                            <p:childTnLst>
+                              <p:par>
+                                <p:cTn id="33" presetID="1" presetClass="entr" presetSubtype="0" fill="hold" nodeType="clickEffect">
+                                  <p:stCondLst>
+                                    <p:cond delay="0"/>
+                                  </p:stCondLst>
+                                  <p:childTnLst>
+                                    <p:set>
+                                      <p:cBhvr>
+                                        <p:cTn id="34" dur="1" fill="hold">
+                                          <p:stCondLst>
+                                            <p:cond delay="0"/>
+                                          </p:stCondLst>
+                                        </p:cTn>
+                                        <p:tgtEl>
+                                          <p:spTgt spid="8">
+                                            <p:txEl>
+                                              <p:pRg st="8" end="8"/>
+                                            </p:txEl>
+                                          </p:spTgt>
+                                        </p:tgtEl>
+                                        <p:attrNameLst>
+                                          <p:attrName>style.visibility</p:attrName>
+                                        </p:attrNameLst>
+                                      </p:cBhvr>
+                                      <p:to>
+                                        <p:strVal val="visible"/>
+                                      </p:to>
+                                    </p:set>
+                                  </p:childTnLst>
+                                </p:cTn>
+                              </p:par>
+                            </p:childTnLst>
+                          </p:cTn>
+                        </p:par>
+                      </p:childTnLst>
+                    </p:cTn>
+                  </p:par>
+                  <p:par>
+                    <p:cTn id="35" fill="hold">
+                      <p:stCondLst>
+                        <p:cond delay="indefinite"/>
+                      </p:stCondLst>
+                      <p:childTnLst>
+                        <p:par>
+                          <p:cTn id="36" fill="hold">
+                            <p:stCondLst>
+                              <p:cond delay="0"/>
+                            </p:stCondLst>
+                            <p:childTnLst>
+                              <p:par>
+                                <p:cTn id="37" presetID="1" presetClass="entr" presetSubtype="0" fill="hold" nodeType="clickEffect">
+                                  <p:stCondLst>
+                                    <p:cond delay="0"/>
+                                  </p:stCondLst>
+                                  <p:childTnLst>
+                                    <p:set>
+                                      <p:cBhvr>
+                                        <p:cTn id="38" dur="1" fill="hold">
+                                          <p:stCondLst>
+                                            <p:cond delay="0"/>
+                                          </p:stCondLst>
+                                        </p:cTn>
+                                        <p:tgtEl>
+                                          <p:spTgt spid="8">
+                                            <p:txEl>
+                                              <p:pRg st="11" end="11"/>
+                                            </p:txEl>
+                                          </p:spTgt>
+                                        </p:tgtEl>
+                                        <p:attrNameLst>
+                                          <p:attrName>style.visibility</p:attrName>
+                                        </p:attrNameLst>
+                                      </p:cBhvr>
+                                      <p:to>
+                                        <p:strVal val="visible"/>
+                                      </p:to>
+                                    </p:set>
+                                  </p:childTnLst>
+                                </p:cTn>
+                              </p:par>
+                              <p:par>
+                                <p:cTn id="39" presetID="1" presetClass="entr" presetSubtype="0" fill="hold" nodeType="withEffect">
+                                  <p:stCondLst>
+                                    <p:cond delay="0"/>
+                                  </p:stCondLst>
+                                  <p:childTnLst>
+                                    <p:set>
+                                      <p:cBhvr>
+                                        <p:cTn id="40" dur="1" fill="hold">
+                                          <p:stCondLst>
+                                            <p:cond delay="0"/>
+                                          </p:stCondLst>
+                                        </p:cTn>
+                                        <p:tgtEl>
+                                          <p:spTgt spid="8">
+                                            <p:txEl>
+                                              <p:pRg st="13" end="13"/>
+                                            </p:txEl>
+                                          </p:spTgt>
+                                        </p:tgtEl>
+                                        <p:attrNameLst>
+                                          <p:attrName>style.visibility</p:attrName>
+                                        </p:attrNameLst>
+                                      </p:cBhvr>
+                                      <p:to>
+                                        <p:strVal val="visible"/>
+                                      </p:to>
+                                    </p:set>
+                                  </p:childTnLst>
+                                </p:cTn>
+                              </p:par>
+                            </p:childTnLst>
+                          </p:cTn>
+                        </p:par>
+                      </p:childTnLst>
+                    </p:cTn>
+                  </p:par>
+                  <p:par>
+                    <p:cTn id="41" fill="hold">
+                      <p:stCondLst>
+                        <p:cond delay="indefinite"/>
+                      </p:stCondLst>
+                      <p:childTnLst>
+                        <p:par>
+                          <p:cTn id="42" fill="hold">
+                            <p:stCondLst>
+                              <p:cond delay="0"/>
+                            </p:stCondLst>
+                            <p:childTnLst>
+                              <p:par>
+                                <p:cTn id="43" presetID="1" presetClass="entr" presetSubtype="0" fill="hold" nodeType="clickEffect">
+                                  <p:stCondLst>
+                                    <p:cond delay="0"/>
+                                  </p:stCondLst>
+                                  <p:childTnLst>
+                                    <p:set>
+                                      <p:cBhvr>
+                                        <p:cTn id="44" dur="1" fill="hold">
+                                          <p:stCondLst>
+                                            <p:cond delay="0"/>
+                                          </p:stCondLst>
+                                        </p:cTn>
+                                        <p:tgtEl>
+                                          <p:spTgt spid="8">
+                                            <p:txEl>
+                                              <p:pRg st="15" end="15"/>
+                                            </p:txEl>
+                                          </p:spTgt>
+                                        </p:tgtEl>
+                                        <p:attrNameLst>
+                                          <p:attrName>style.visibility</p:attrName>
+                                        </p:attrNameLst>
+                                      </p:cBhvr>
+                                      <p:to>
+                                        <p:strVal val="visible"/>
+                                      </p:to>
+                                    </p:set>
+                                  </p:childTnLst>
+                                </p:cTn>
+                              </p:par>
+                            </p:childTnLst>
+                          </p:cTn>
+                        </p:par>
+                      </p:childTnLst>
+                    </p:cTn>
+                  </p:par>
+                </p:childTnLst>
+              </p:cTn>
+              <p:prevCondLst>
+                <p:cond evt="onPrev" delay="0">
+                  <p:tgtEl>
+                    <p:sldTgt/>
+                  </p:tgtEl>
+                </p:cond>
+              </p:prevCondLst>
+              <p:nextCondLst>
+                <p:cond evt="onNext" delay="0">
+                  <p:tgtEl>
+                    <p:sldTgt/>
+                  </p:tgtEl>
+                </p:cond>
+              </p:nextCondLst>
+            </p:seq>
+          </p:childTnLst>
+        </p:cTn>
+      </p:par>
+    </p:tnLst>
+  </p:timing>
 </p:sld>
 </file>
 
@@ -4403,7 +5424,7 @@
           <p:cNvPr id="2" name="Title 1">
             <a:extLst>
               <a:ext uri="{FF2B5EF4-FFF2-40B4-BE49-F238E27FC236}">
-                <a16:creationId xmlns:a16="http://schemas.microsoft.com/office/drawing/2014/main" id="{21B7A6DF-E19C-4F5B-B2C9-6BBB88376D79}"/>
+                <a16:creationId xmlns:a16="http://schemas.microsoft.com/office/drawing/2014/main" id="{C6ACE1D4-FACE-4C30-8601-10CDB72DE9E4}"/>
               </a:ext>
             </a:extLst>
           </p:cNvPr>
@@ -4414,24 +5435,24 @@
             <p:ph type="title"/>
           </p:nvPr>
         </p:nvSpPr>
-        <p:spPr/>
+        <p:spPr>
+          <a:xfrm>
+            <a:off x="838200" y="365125"/>
+            <a:ext cx="6191992" cy="1325563"/>
+          </a:xfrm>
+        </p:spPr>
         <p:txBody>
-          <a:bodyPr/>
+          <a:bodyPr>
+            <a:normAutofit/>
+          </a:bodyPr>
           <a:lstStyle/>
           <a:p>
             <a:r>
-              <a:rPr lang="en-GB" dirty="0" err="1">
-                <a:latin typeface="Arial" panose="020B0604020202020204" pitchFamily="34" charset="0"/>
-                <a:cs typeface="Arial" panose="020B0604020202020204" pitchFamily="34" charset="0"/>
-              </a:rPr>
-              <a:t>GraphQL</a:t>
-            </a:r>
-            <a:r>
-              <a:rPr lang="en-GB" dirty="0">
-                <a:latin typeface="Arial" panose="020B0604020202020204" pitchFamily="34" charset="0"/>
-                <a:cs typeface="Arial" panose="020B0604020202020204" pitchFamily="34" charset="0"/>
-              </a:rPr>
-              <a:t> Schema Definition Language</a:t>
+              <a:rPr lang="en-GB" sz="4000" dirty="0">
+                <a:latin typeface="Arial" panose="020B0604020202020204" pitchFamily="34" charset="0"/>
+                <a:cs typeface="Arial" panose="020B0604020202020204" pitchFamily="34" charset="0"/>
+              </a:rPr>
+              <a:t>Resolvers</a:t>
             </a:r>
           </a:p>
         </p:txBody>
@@ -4441,7 +5462,7 @@
           <p:cNvPr id="3" name="Content Placeholder 2">
             <a:extLst>
               <a:ext uri="{FF2B5EF4-FFF2-40B4-BE49-F238E27FC236}">
-                <a16:creationId xmlns:a16="http://schemas.microsoft.com/office/drawing/2014/main" id="{74B33D01-E5BC-4DFE-8EED-C30C5519E129}"/>
+                <a16:creationId xmlns:a16="http://schemas.microsoft.com/office/drawing/2014/main" id="{F37FCA24-5BEE-4241-8497-D547DB502F2D}"/>
               </a:ext>
             </a:extLst>
           </p:cNvPr>
@@ -4454,8 +5475,8 @@
         </p:nvSpPr>
         <p:spPr>
           <a:xfrm>
-            <a:off x="838200" y="1825624"/>
-            <a:ext cx="10515600" cy="4793539"/>
+            <a:off x="838199" y="1690688"/>
+            <a:ext cx="7418697" cy="4730300"/>
           </a:xfrm>
         </p:spPr>
         <p:txBody>
@@ -4463,62 +5484,138 @@
           <a:lstStyle/>
           <a:p>
             <a:r>
-              <a:rPr lang="en-GB" dirty="0"/>
-              <a:t>One of the most common ways to define Schema</a:t>
-            </a:r>
-          </a:p>
-          <a:p>
-            <a:r>
-              <a:rPr lang="en-GB" dirty="0"/>
-              <a:t>Typed Language</a:t>
-            </a:r>
-          </a:p>
-          <a:p>
-            <a:pPr marL="0" indent="0">
-              <a:buNone/>
-            </a:pPr>
-            <a:endParaRPr lang="en-GB" dirty="0"/>
-          </a:p>
-          <a:p>
-            <a:pPr marL="0" indent="0">
-              <a:buNone/>
-            </a:pPr>
-            <a:r>
-              <a:rPr lang="en-GB" sz="1800" dirty="0">
-                <a:latin typeface="Arial" panose="020B0604020202020204" pitchFamily="34" charset="0"/>
-                <a:cs typeface="Arial" panose="020B0604020202020204" pitchFamily="34" charset="0"/>
-              </a:rPr>
-              <a:t>Below is a simple example of an Object Type defined using </a:t>
-            </a:r>
-            <a:r>
-              <a:rPr lang="en-GB" sz="1800" dirty="0" err="1">
-                <a:latin typeface="Arial" panose="020B0604020202020204" pitchFamily="34" charset="0"/>
-                <a:cs typeface="Arial" panose="020B0604020202020204" pitchFamily="34" charset="0"/>
-              </a:rPr>
-              <a:t>GraphQL</a:t>
-            </a:r>
-            <a:r>
-              <a:rPr lang="en-GB" sz="1800" dirty="0">
-                <a:latin typeface="Arial" panose="020B0604020202020204" pitchFamily="34" charset="0"/>
-                <a:cs typeface="Arial" panose="020B0604020202020204" pitchFamily="34" charset="0"/>
-              </a:rPr>
-              <a:t> SDL:</a:t>
-            </a:r>
-          </a:p>
-          <a:p>
-            <a:pPr marL="0" indent="0">
-              <a:buNone/>
-            </a:pPr>
-            <a:endParaRPr lang="en-GB" dirty="0"/>
+              <a:rPr lang="en-GB" dirty="0">
+                <a:latin typeface="Arial" panose="020B0604020202020204" pitchFamily="34" charset="0"/>
+                <a:cs typeface="Arial" panose="020B0604020202020204" pitchFamily="34" charset="0"/>
+              </a:rPr>
+              <a:t>Responsible for mapping operations to actual functions</a:t>
+            </a:r>
+          </a:p>
+          <a:p>
+            <a:endParaRPr lang="en-GB" dirty="0">
+              <a:latin typeface="Arial" panose="020B0604020202020204" pitchFamily="34" charset="0"/>
+              <a:cs typeface="Arial" panose="020B0604020202020204" pitchFamily="34" charset="0"/>
+            </a:endParaRPr>
+          </a:p>
+          <a:p>
+            <a:r>
+              <a:rPr lang="en-GB" dirty="0">
+                <a:latin typeface="Arial" panose="020B0604020202020204" pitchFamily="34" charset="0"/>
+                <a:cs typeface="Arial" panose="020B0604020202020204" pitchFamily="34" charset="0"/>
+              </a:rPr>
+              <a:t>Operation called </a:t>
+            </a:r>
+            <a:r>
+              <a:rPr lang="en-GB" b="1" dirty="0">
+                <a:latin typeface="Arial" panose="020B0604020202020204" pitchFamily="34" charset="0"/>
+                <a:cs typeface="Arial" panose="020B0604020202020204" pitchFamily="34" charset="0"/>
+              </a:rPr>
+              <a:t>course </a:t>
+            </a:r>
+            <a:r>
+              <a:rPr lang="en-GB" dirty="0">
+                <a:latin typeface="Arial" panose="020B0604020202020204" pitchFamily="34" charset="0"/>
+                <a:cs typeface="Arial" panose="020B0604020202020204" pitchFamily="34" charset="0"/>
+              </a:rPr>
+              <a:t>inside </a:t>
+            </a:r>
+            <a:r>
+              <a:rPr lang="en-GB" b="1" dirty="0">
+                <a:latin typeface="Arial" panose="020B0604020202020204" pitchFamily="34" charset="0"/>
+                <a:cs typeface="Arial" panose="020B0604020202020204" pitchFamily="34" charset="0"/>
+              </a:rPr>
+              <a:t>type Query </a:t>
+            </a:r>
+            <a:r>
+              <a:rPr lang="en-GB" dirty="0">
+                <a:latin typeface="Arial" panose="020B0604020202020204" pitchFamily="34" charset="0"/>
+                <a:cs typeface="Arial" panose="020B0604020202020204" pitchFamily="34" charset="0"/>
+              </a:rPr>
+              <a:t>is mapped to </a:t>
+            </a:r>
+            <a:r>
+              <a:rPr lang="en-GB" b="1" dirty="0" err="1">
+                <a:latin typeface="Arial" panose="020B0604020202020204" pitchFamily="34" charset="0"/>
+                <a:cs typeface="Arial" panose="020B0604020202020204" pitchFamily="34" charset="0"/>
+              </a:rPr>
+              <a:t>getCourse</a:t>
+            </a:r>
+            <a:r>
+              <a:rPr lang="en-GB" dirty="0">
+                <a:latin typeface="Arial" panose="020B0604020202020204" pitchFamily="34" charset="0"/>
+                <a:cs typeface="Arial" panose="020B0604020202020204" pitchFamily="34" charset="0"/>
+              </a:rPr>
+              <a:t> function</a:t>
+            </a:r>
+          </a:p>
+          <a:p>
+            <a:endParaRPr lang="en-GB" dirty="0">
+              <a:latin typeface="Arial" panose="020B0604020202020204" pitchFamily="34" charset="0"/>
+              <a:cs typeface="Arial" panose="020B0604020202020204" pitchFamily="34" charset="0"/>
+            </a:endParaRPr>
+          </a:p>
+          <a:p>
+            <a:r>
+              <a:rPr lang="en-GB" dirty="0">
+                <a:latin typeface="Arial" panose="020B0604020202020204" pitchFamily="34" charset="0"/>
+                <a:cs typeface="Arial" panose="020B0604020202020204" pitchFamily="34" charset="0"/>
+              </a:rPr>
+              <a:t>Operation called </a:t>
+            </a:r>
+            <a:r>
+              <a:rPr lang="en-GB" b="1" dirty="0">
+                <a:latin typeface="Arial" panose="020B0604020202020204" pitchFamily="34" charset="0"/>
+                <a:cs typeface="Arial" panose="020B0604020202020204" pitchFamily="34" charset="0"/>
+              </a:rPr>
+              <a:t>courses </a:t>
+            </a:r>
+            <a:r>
+              <a:rPr lang="en-GB" dirty="0">
+                <a:latin typeface="Arial" panose="020B0604020202020204" pitchFamily="34" charset="0"/>
+                <a:cs typeface="Arial" panose="020B0604020202020204" pitchFamily="34" charset="0"/>
+              </a:rPr>
+              <a:t>inside </a:t>
+            </a:r>
+            <a:r>
+              <a:rPr lang="en-GB" b="1" dirty="0">
+                <a:latin typeface="Arial" panose="020B0604020202020204" pitchFamily="34" charset="0"/>
+                <a:cs typeface="Arial" panose="020B0604020202020204" pitchFamily="34" charset="0"/>
+              </a:rPr>
+              <a:t>type Query </a:t>
+            </a:r>
+            <a:r>
+              <a:rPr lang="en-GB" dirty="0">
+                <a:latin typeface="Arial" panose="020B0604020202020204" pitchFamily="34" charset="0"/>
+                <a:cs typeface="Arial" panose="020B0604020202020204" pitchFamily="34" charset="0"/>
+              </a:rPr>
+              <a:t>is mapped to </a:t>
+            </a:r>
+            <a:r>
+              <a:rPr lang="en-GB" b="1" dirty="0" err="1">
+                <a:latin typeface="Arial" panose="020B0604020202020204" pitchFamily="34" charset="0"/>
+                <a:cs typeface="Arial" panose="020B0604020202020204" pitchFamily="34" charset="0"/>
+              </a:rPr>
+              <a:t>getCourses</a:t>
+            </a:r>
+            <a:r>
+              <a:rPr lang="en-GB" dirty="0">
+                <a:latin typeface="Arial" panose="020B0604020202020204" pitchFamily="34" charset="0"/>
+                <a:cs typeface="Arial" panose="020B0604020202020204" pitchFamily="34" charset="0"/>
+              </a:rPr>
+              <a:t> function</a:t>
+            </a:r>
+          </a:p>
+          <a:p>
+            <a:endParaRPr lang="en-GB" b="1" dirty="0"/>
           </a:p>
         </p:txBody>
       </p:sp>
       <p:pic>
         <p:nvPicPr>
-          <p:cNvPr id="4" name="Picture 3">
-            <a:extLst>
-              <a:ext uri="{FF2B5EF4-FFF2-40B4-BE49-F238E27FC236}">
-                <a16:creationId xmlns:a16="http://schemas.microsoft.com/office/drawing/2014/main" id="{71209898-D6A6-422B-A205-4AF0BB1D13D3}"/>
+          <p:cNvPr id="5" name="Picture 4">
+            <a:extLst>
+              <a:ext uri="{FF2B5EF4-FFF2-40B4-BE49-F238E27FC236}">
+                <a16:creationId xmlns:a16="http://schemas.microsoft.com/office/drawing/2014/main" id="{AE39C120-503E-46B7-AA0A-C8631A91092C}"/>
               </a:ext>
             </a:extLst>
           </p:cNvPr>
@@ -4535,8 +5632,8 @@
         </p:blipFill>
         <p:spPr>
           <a:xfrm>
-            <a:off x="944275" y="4464050"/>
-            <a:ext cx="2962275" cy="1847850"/>
+            <a:off x="8989621" y="46380"/>
+            <a:ext cx="3099459" cy="6765239"/>
           </a:xfrm>
           <a:prstGeom prst="rect">
             <a:avLst/>
@@ -4546,13 +5643,235 @@
     </p:spTree>
     <p:extLst>
       <p:ext uri="{BB962C8B-B14F-4D97-AF65-F5344CB8AC3E}">
-        <p14:creationId xmlns:p14="http://schemas.microsoft.com/office/powerpoint/2010/main" val="3020784088"/>
+        <p14:creationId xmlns:p14="http://schemas.microsoft.com/office/powerpoint/2010/main" val="4266476312"/>
       </p:ext>
     </p:extLst>
   </p:cSld>
   <p:clrMapOvr>
     <a:masterClrMapping/>
   </p:clrMapOvr>
+  <p:timing>
+    <p:tnLst>
+      <p:par>
+        <p:cTn id="1" dur="indefinite" restart="never" nodeType="tmRoot">
+          <p:childTnLst>
+            <p:seq concurrent="1" nextAc="seek">
+              <p:cTn id="2" dur="indefinite" nodeType="mainSeq">
+                <p:childTnLst>
+                  <p:par>
+                    <p:cTn id="3" fill="hold">
+                      <p:stCondLst>
+                        <p:cond delay="indefinite"/>
+                      </p:stCondLst>
+                      <p:childTnLst>
+                        <p:par>
+                          <p:cTn id="4" fill="hold">
+                            <p:stCondLst>
+                              <p:cond delay="0"/>
+                            </p:stCondLst>
+                            <p:childTnLst>
+                              <p:par>
+                                <p:cTn id="5" presetID="1" presetClass="entr" presetSubtype="0" fill="hold" nodeType="clickEffect">
+                                  <p:stCondLst>
+                                    <p:cond delay="0"/>
+                                  </p:stCondLst>
+                                  <p:childTnLst>
+                                    <p:set>
+                                      <p:cBhvr>
+                                        <p:cTn id="6" dur="1" fill="hold">
+                                          <p:stCondLst>
+                                            <p:cond delay="0"/>
+                                          </p:stCondLst>
+                                        </p:cTn>
+                                        <p:tgtEl>
+                                          <p:spTgt spid="5"/>
+                                        </p:tgtEl>
+                                        <p:attrNameLst>
+                                          <p:attrName>style.visibility</p:attrName>
+                                        </p:attrNameLst>
+                                      </p:cBhvr>
+                                      <p:to>
+                                        <p:strVal val="visible"/>
+                                      </p:to>
+                                    </p:set>
+                                  </p:childTnLst>
+                                </p:cTn>
+                              </p:par>
+                            </p:childTnLst>
+                          </p:cTn>
+                        </p:par>
+                      </p:childTnLst>
+                    </p:cTn>
+                  </p:par>
+                  <p:par>
+                    <p:cTn id="7" fill="hold">
+                      <p:stCondLst>
+                        <p:cond delay="indefinite"/>
+                      </p:stCondLst>
+                      <p:childTnLst>
+                        <p:par>
+                          <p:cTn id="8" fill="hold">
+                            <p:stCondLst>
+                              <p:cond delay="0"/>
+                            </p:stCondLst>
+                            <p:childTnLst>
+                              <p:par>
+                                <p:cTn id="9" presetID="1" presetClass="entr" presetSubtype="0" fill="hold" nodeType="clickEffect">
+                                  <p:stCondLst>
+                                    <p:cond delay="0"/>
+                                  </p:stCondLst>
+                                  <p:childTnLst>
+                                    <p:set>
+                                      <p:cBhvr>
+                                        <p:cTn id="10" dur="1" fill="hold">
+                                          <p:stCondLst>
+                                            <p:cond delay="0"/>
+                                          </p:stCondLst>
+                                        </p:cTn>
+                                        <p:tgtEl>
+                                          <p:spTgt spid="3">
+                                            <p:txEl>
+                                              <p:pRg st="0" end="0"/>
+                                            </p:txEl>
+                                          </p:spTgt>
+                                        </p:tgtEl>
+                                        <p:attrNameLst>
+                                          <p:attrName>style.visibility</p:attrName>
+                                        </p:attrNameLst>
+                                      </p:cBhvr>
+                                      <p:to>
+                                        <p:strVal val="visible"/>
+                                      </p:to>
+                                    </p:set>
+                                  </p:childTnLst>
+                                </p:cTn>
+                              </p:par>
+                            </p:childTnLst>
+                          </p:cTn>
+                        </p:par>
+                      </p:childTnLst>
+                    </p:cTn>
+                  </p:par>
+                  <p:par>
+                    <p:cTn id="11" fill="hold">
+                      <p:stCondLst>
+                        <p:cond delay="indefinite"/>
+                      </p:stCondLst>
+                      <p:childTnLst>
+                        <p:par>
+                          <p:cTn id="12" fill="hold">
+                            <p:stCondLst>
+                              <p:cond delay="0"/>
+                            </p:stCondLst>
+                            <p:childTnLst>
+                              <p:par>
+                                <p:cTn id="13" presetID="1" presetClass="entr" presetSubtype="0" fill="hold" nodeType="clickEffect">
+                                  <p:stCondLst>
+                                    <p:cond delay="0"/>
+                                  </p:stCondLst>
+                                  <p:childTnLst>
+                                    <p:set>
+                                      <p:cBhvr>
+                                        <p:cTn id="14" dur="1" fill="hold">
+                                          <p:stCondLst>
+                                            <p:cond delay="0"/>
+                                          </p:stCondLst>
+                                        </p:cTn>
+                                        <p:tgtEl>
+                                          <p:spTgt spid="3">
+                                            <p:txEl>
+                                              <p:pRg st="2" end="2"/>
+                                            </p:txEl>
+                                          </p:spTgt>
+                                        </p:tgtEl>
+                                        <p:attrNameLst>
+                                          <p:attrName>style.visibility</p:attrName>
+                                        </p:attrNameLst>
+                                      </p:cBhvr>
+                                      <p:to>
+                                        <p:strVal val="visible"/>
+                                      </p:to>
+                                    </p:set>
+                                  </p:childTnLst>
+                                </p:cTn>
+                              </p:par>
+                            </p:childTnLst>
+                          </p:cTn>
+                        </p:par>
+                      </p:childTnLst>
+                    </p:cTn>
+                  </p:par>
+                  <p:par>
+                    <p:cTn id="15" fill="hold">
+                      <p:stCondLst>
+                        <p:cond delay="indefinite"/>
+                      </p:stCondLst>
+                      <p:childTnLst>
+                        <p:par>
+                          <p:cTn id="16" fill="hold">
+                            <p:stCondLst>
+                              <p:cond delay="0"/>
+                            </p:stCondLst>
+                            <p:childTnLst>
+                              <p:par>
+                                <p:cTn id="17" presetID="1" presetClass="entr" presetSubtype="0" fill="hold" nodeType="clickEffect">
+                                  <p:stCondLst>
+                                    <p:cond delay="0"/>
+                                  </p:stCondLst>
+                                  <p:childTnLst>
+                                    <p:set>
+                                      <p:cBhvr>
+                                        <p:cTn id="18" dur="1" fill="hold">
+                                          <p:stCondLst>
+                                            <p:cond delay="0"/>
+                                          </p:stCondLst>
+                                        </p:cTn>
+                                        <p:tgtEl>
+                                          <p:spTgt spid="3">
+                                            <p:txEl>
+                                              <p:pRg st="4" end="4"/>
+                                            </p:txEl>
+                                          </p:spTgt>
+                                        </p:tgtEl>
+                                        <p:attrNameLst>
+                                          <p:attrName>style.visibility</p:attrName>
+                                        </p:attrNameLst>
+                                      </p:cBhvr>
+                                      <p:to>
+                                        <p:strVal val="visible"/>
+                                      </p:to>
+                                    </p:set>
+                                  </p:childTnLst>
+                                </p:cTn>
+                              </p:par>
+                            </p:childTnLst>
+                          </p:cTn>
+                        </p:par>
+                      </p:childTnLst>
+                    </p:cTn>
+                  </p:par>
+                </p:childTnLst>
+              </p:cTn>
+              <p:prevCondLst>
+                <p:cond evt="onPrev" delay="0">
+                  <p:tgtEl>
+                    <p:sldTgt/>
+                  </p:tgtEl>
+                </p:cond>
+              </p:prevCondLst>
+              <p:nextCondLst>
+                <p:cond evt="onNext" delay="0">
+                  <p:tgtEl>
+                    <p:sldTgt/>
+                  </p:tgtEl>
+                </p:cond>
+              </p:nextCondLst>
+            </p:seq>
+          </p:childTnLst>
+        </p:cTn>
+      </p:par>
+    </p:tnLst>
+  </p:timing>
 </p:sld>
 </file>
 
@@ -4578,7 +5897,7 @@
           <p:cNvPr id="2" name="Title 1">
             <a:extLst>
               <a:ext uri="{FF2B5EF4-FFF2-40B4-BE49-F238E27FC236}">
-                <a16:creationId xmlns:a16="http://schemas.microsoft.com/office/drawing/2014/main" id="{7995D02D-56B8-4AE2-AF9C-CA9EB76410A7}"/>
+                <a16:creationId xmlns:a16="http://schemas.microsoft.com/office/drawing/2014/main" id="{E27FAF20-FFF6-4E47-84B4-50B14FD45DAA}"/>
               </a:ext>
             </a:extLst>
           </p:cNvPr>
@@ -4589,527 +5908,23 @@
             <p:ph type="title"/>
           </p:nvPr>
         </p:nvSpPr>
-        <p:spPr/>
-        <p:txBody>
-          <a:bodyPr/>
-          <a:lstStyle/>
-          <a:p>
-            <a:r>
-              <a:rPr lang="en-GB" dirty="0"/>
-              <a:t>A Simple Schema</a:t>
-            </a:r>
-          </a:p>
-        </p:txBody>
-      </p:sp>
-      <p:pic>
-        <p:nvPicPr>
-          <p:cNvPr id="4" name="Content Placeholder 3">
-            <a:extLst>
-              <a:ext uri="{FF2B5EF4-FFF2-40B4-BE49-F238E27FC236}">
-                <a16:creationId xmlns:a16="http://schemas.microsoft.com/office/drawing/2014/main" id="{38B58097-2BF9-43E7-AAAB-FD10893454DE}"/>
-              </a:ext>
-            </a:extLst>
-          </p:cNvPr>
-          <p:cNvPicPr>
-            <a:picLocks noGrp="1" noChangeAspect="1"/>
-          </p:cNvPicPr>
-          <p:nvPr>
-            <p:ph idx="1"/>
-          </p:nvPr>
-        </p:nvPicPr>
-        <p:blipFill>
-          <a:blip r:embed="rId2"/>
-          <a:stretch>
-            <a:fillRect/>
-          </a:stretch>
-        </p:blipFill>
         <p:spPr>
           <a:xfrm>
-            <a:off x="7983940" y="1567001"/>
-            <a:ext cx="3944085" cy="5134049"/>
-          </a:xfrm>
-          <a:prstGeom prst="rect">
-            <a:avLst/>
-          </a:prstGeom>
-        </p:spPr>
-      </p:pic>
-      <p:sp>
-        <p:nvSpPr>
-          <p:cNvPr id="8" name="TextBox 7">
-            <a:extLst>
-              <a:ext uri="{FF2B5EF4-FFF2-40B4-BE49-F238E27FC236}">
-                <a16:creationId xmlns:a16="http://schemas.microsoft.com/office/drawing/2014/main" id="{CC684E0E-CBBD-47CC-80B0-955236168D9B}"/>
-              </a:ext>
-            </a:extLst>
-          </p:cNvPr>
-          <p:cNvSpPr txBox="1"/>
-          <p:nvPr/>
-        </p:nvSpPr>
-        <p:spPr>
-          <a:xfrm>
-            <a:off x="263975" y="1622867"/>
-            <a:ext cx="3944085" cy="7294305"/>
-          </a:xfrm>
-          <a:prstGeom prst="rect">
-            <a:avLst/>
-          </a:prstGeom>
-          <a:noFill/>
-        </p:spPr>
-        <p:txBody>
-          <a:bodyPr wrap="square" rtlCol="0">
-            <a:spAutoFit/>
-          </a:bodyPr>
-          <a:lstStyle/>
-          <a:p>
-            <a:r>
-              <a:rPr lang="en-GB" b="1" dirty="0"/>
-              <a:t>type Course</a:t>
-            </a:r>
-          </a:p>
-          <a:p>
-            <a:endParaRPr lang="en-GB" b="1" dirty="0"/>
-          </a:p>
-          <a:p>
-            <a:pPr marL="285750" indent="-285750">
-              <a:buFont typeface="Arial" panose="020B0604020202020204" pitchFamily="34" charset="0"/>
-              <a:buChar char="•"/>
-            </a:pPr>
-            <a:r>
-              <a:rPr lang="en-GB" dirty="0"/>
-              <a:t>an Object Type. </a:t>
-            </a:r>
-          </a:p>
-          <a:p>
-            <a:pPr marL="285750" indent="-285750">
-              <a:buFont typeface="Arial" panose="020B0604020202020204" pitchFamily="34" charset="0"/>
-              <a:buChar char="•"/>
-            </a:pPr>
-            <a:r>
-              <a:rPr lang="en-GB" dirty="0"/>
-              <a:t>defines the structure of the course ‘model’. </a:t>
-            </a:r>
-          </a:p>
-          <a:p>
-            <a:pPr marL="285750" indent="-285750">
-              <a:buFont typeface="Arial" panose="020B0604020202020204" pitchFamily="34" charset="0"/>
-              <a:buChar char="•"/>
-            </a:pPr>
-            <a:endParaRPr lang="en-GB" dirty="0"/>
-          </a:p>
-          <a:p>
-            <a:r>
-              <a:rPr lang="en-GB" b="1" dirty="0"/>
-              <a:t>type Query</a:t>
-            </a:r>
-          </a:p>
-          <a:p>
-            <a:endParaRPr lang="en-GB" b="1" dirty="0"/>
-          </a:p>
-          <a:p>
-            <a:pPr marL="285750" indent="-285750">
-              <a:buFont typeface="Arial" panose="020B0604020202020204" pitchFamily="34" charset="0"/>
-              <a:buChar char="•"/>
-            </a:pPr>
-            <a:r>
-              <a:rPr lang="en-GB" dirty="0"/>
-              <a:t>a type of Root Type</a:t>
-            </a:r>
-          </a:p>
-          <a:p>
-            <a:pPr marL="285750" indent="-285750">
-              <a:buFont typeface="Arial" panose="020B0604020202020204" pitchFamily="34" charset="0"/>
-              <a:buChar char="•"/>
-            </a:pPr>
-            <a:r>
-              <a:rPr lang="en-GB" dirty="0"/>
-              <a:t>Equivalent to </a:t>
-            </a:r>
-            <a:r>
-              <a:rPr lang="en-GB" b="1" dirty="0"/>
-              <a:t>GET </a:t>
-            </a:r>
-            <a:r>
-              <a:rPr lang="en-GB" dirty="0"/>
-              <a:t>in </a:t>
-            </a:r>
-            <a:r>
-              <a:rPr lang="en-GB" b="1" dirty="0"/>
-              <a:t>REST</a:t>
-            </a:r>
-          </a:p>
-          <a:p>
-            <a:endParaRPr lang="en-GB" dirty="0"/>
-          </a:p>
-          <a:p>
-            <a:endParaRPr lang="en-GB" b="1" dirty="0"/>
-          </a:p>
-          <a:p>
-            <a:r>
-              <a:rPr lang="en-GB" b="1" dirty="0"/>
-              <a:t>Other Root Types are:</a:t>
-            </a:r>
-          </a:p>
-          <a:p>
-            <a:endParaRPr lang="en-GB" b="1" dirty="0"/>
-          </a:p>
-          <a:p>
-            <a:pPr marL="285750" indent="-285750">
-              <a:buFont typeface="Arial" panose="020B0604020202020204" pitchFamily="34" charset="0"/>
-              <a:buChar char="•"/>
-            </a:pPr>
-            <a:r>
-              <a:rPr lang="en-GB" b="1" dirty="0"/>
-              <a:t>type Mutation: </a:t>
-            </a:r>
-            <a:r>
-              <a:rPr lang="en-GB" dirty="0"/>
-              <a:t>equivalent to POST, </a:t>
-            </a:r>
-          </a:p>
-          <a:p>
-            <a:r>
-              <a:rPr lang="en-GB" dirty="0"/>
-              <a:t>	UPDATE and DELETE in REST</a:t>
-            </a:r>
-          </a:p>
-          <a:p>
-            <a:pPr marL="285750" indent="-285750">
-              <a:buFont typeface="Arial" panose="020B0604020202020204" pitchFamily="34" charset="0"/>
-              <a:buChar char="•"/>
-            </a:pPr>
-            <a:r>
-              <a:rPr lang="en-GB" b="1" dirty="0"/>
-              <a:t>type Subscription: </a:t>
-            </a:r>
-            <a:r>
-              <a:rPr lang="en-GB" dirty="0"/>
-              <a:t>Provides Realtime Updates. Currently experimental</a:t>
-            </a:r>
-          </a:p>
-          <a:p>
-            <a:pPr marL="285750" indent="-285750">
-              <a:buFont typeface="Arial" panose="020B0604020202020204" pitchFamily="34" charset="0"/>
-              <a:buChar char="•"/>
-            </a:pPr>
-            <a:endParaRPr lang="en-GB" dirty="0"/>
-          </a:p>
-          <a:p>
-            <a:pPr marL="285750" indent="-285750">
-              <a:buFont typeface="Arial" panose="020B0604020202020204" pitchFamily="34" charset="0"/>
-              <a:buChar char="•"/>
-            </a:pPr>
-            <a:endParaRPr lang="en-GB" dirty="0"/>
-          </a:p>
-          <a:p>
-            <a:pPr marL="285750" indent="-285750">
-              <a:buFont typeface="Arial" panose="020B0604020202020204" pitchFamily="34" charset="0"/>
-              <a:buChar char="•"/>
-            </a:pPr>
-            <a:endParaRPr lang="en-GB" dirty="0"/>
-          </a:p>
-          <a:p>
-            <a:pPr marL="285750" indent="-285750">
-              <a:buFont typeface="Arial" panose="020B0604020202020204" pitchFamily="34" charset="0"/>
-              <a:buChar char="•"/>
-            </a:pPr>
-            <a:endParaRPr lang="en-GB" dirty="0"/>
-          </a:p>
-          <a:p>
-            <a:pPr marL="285750" indent="-285750">
-              <a:buFont typeface="Arial" panose="020B0604020202020204" pitchFamily="34" charset="0"/>
-              <a:buChar char="•"/>
-            </a:pPr>
-            <a:endParaRPr lang="en-GB" dirty="0"/>
-          </a:p>
-          <a:p>
-            <a:pPr marL="285750" indent="-285750">
-              <a:buFont typeface="Arial" panose="020B0604020202020204" pitchFamily="34" charset="0"/>
-              <a:buChar char="•"/>
-            </a:pPr>
-            <a:endParaRPr lang="en-GB" dirty="0"/>
-          </a:p>
-          <a:p>
-            <a:pPr marL="285750" indent="-285750">
-              <a:buFont typeface="Arial" panose="020B0604020202020204" pitchFamily="34" charset="0"/>
-              <a:buChar char="•"/>
-            </a:pPr>
-            <a:endParaRPr lang="en-GB" dirty="0"/>
-          </a:p>
-        </p:txBody>
-      </p:sp>
-      <p:pic>
-        <p:nvPicPr>
-          <p:cNvPr id="3" name="Picture 2">
-            <a:extLst>
-              <a:ext uri="{FF2B5EF4-FFF2-40B4-BE49-F238E27FC236}">
-                <a16:creationId xmlns:a16="http://schemas.microsoft.com/office/drawing/2014/main" id="{45EA68D6-6BC3-478D-904A-86F9E31E697C}"/>
-              </a:ext>
-            </a:extLst>
-          </p:cNvPr>
-          <p:cNvPicPr>
-            <a:picLocks noChangeAspect="1"/>
-          </p:cNvPicPr>
-          <p:nvPr/>
-        </p:nvPicPr>
-        <p:blipFill>
-          <a:blip r:embed="rId3"/>
-          <a:stretch>
-            <a:fillRect/>
-          </a:stretch>
-        </p:blipFill>
-        <p:spPr>
-          <a:xfrm>
-            <a:off x="4281487" y="1567001"/>
-            <a:ext cx="3629025" cy="3438525"/>
-          </a:xfrm>
-          <a:prstGeom prst="rect">
-            <a:avLst/>
-          </a:prstGeom>
-        </p:spPr>
-      </p:pic>
-    </p:spTree>
-    <p:extLst>
-      <p:ext uri="{BB962C8B-B14F-4D97-AF65-F5344CB8AC3E}">
-        <p14:creationId xmlns:p14="http://schemas.microsoft.com/office/powerpoint/2010/main" val="3041054050"/>
-      </p:ext>
-    </p:extLst>
-  </p:cSld>
-  <p:clrMapOvr>
-    <a:masterClrMapping/>
-  </p:clrMapOvr>
-</p:sld>
-</file>
-
-<file path=ppt/slides/slide14.xml><?xml version="1.0" encoding="utf-8"?>
-<p:sld xmlns:a="http://schemas.openxmlformats.org/drawingml/2006/main" xmlns:r="http://schemas.openxmlformats.org/officeDocument/2006/relationships" xmlns:p="http://schemas.openxmlformats.org/presentationml/2006/main">
-  <p:cSld>
-    <p:spTree>
-      <p:nvGrpSpPr>
-        <p:cNvPr id="1" name=""/>
-        <p:cNvGrpSpPr/>
-        <p:nvPr/>
-      </p:nvGrpSpPr>
-      <p:grpSpPr>
-        <a:xfrm>
-          <a:off x="0" y="0"/>
-          <a:ext cx="0" cy="0"/>
-          <a:chOff x="0" y="0"/>
-          <a:chExt cx="0" cy="0"/>
-        </a:xfrm>
-      </p:grpSpPr>
-      <p:sp>
-        <p:nvSpPr>
-          <p:cNvPr id="2" name="Title 1">
-            <a:extLst>
-              <a:ext uri="{FF2B5EF4-FFF2-40B4-BE49-F238E27FC236}">
-                <a16:creationId xmlns:a16="http://schemas.microsoft.com/office/drawing/2014/main" id="{C6ACE1D4-FACE-4C30-8601-10CDB72DE9E4}"/>
-              </a:ext>
-            </a:extLst>
-          </p:cNvPr>
-          <p:cNvSpPr>
-            <a:spLocks noGrp="1"/>
-          </p:cNvSpPr>
-          <p:nvPr>
-            <p:ph type="title"/>
-          </p:nvPr>
-        </p:nvSpPr>
-        <p:spPr/>
-        <p:txBody>
-          <a:bodyPr/>
-          <a:lstStyle/>
-          <a:p>
-            <a:r>
-              <a:rPr lang="en-GB" dirty="0"/>
-              <a:t>Resolvers</a:t>
-            </a:r>
-          </a:p>
-        </p:txBody>
-      </p:sp>
-      <p:sp>
-        <p:nvSpPr>
-          <p:cNvPr id="3" name="Content Placeholder 2">
-            <a:extLst>
-              <a:ext uri="{FF2B5EF4-FFF2-40B4-BE49-F238E27FC236}">
-                <a16:creationId xmlns:a16="http://schemas.microsoft.com/office/drawing/2014/main" id="{F37FCA24-5BEE-4241-8497-D547DB502F2D}"/>
-              </a:ext>
-            </a:extLst>
-          </p:cNvPr>
-          <p:cNvSpPr>
-            <a:spLocks noGrp="1"/>
-          </p:cNvSpPr>
-          <p:nvPr>
-            <p:ph idx="1"/>
-          </p:nvPr>
-        </p:nvSpPr>
-        <p:spPr>
-          <a:xfrm>
-            <a:off x="838199" y="1690688"/>
-            <a:ext cx="7418697" cy="4730300"/>
+            <a:off x="838200" y="365125"/>
+            <a:ext cx="4510141" cy="1325563"/>
           </a:xfrm>
         </p:spPr>
         <p:txBody>
-          <a:bodyPr/>
+          <a:bodyPr>
+            <a:normAutofit/>
+          </a:bodyPr>
           <a:lstStyle/>
           <a:p>
             <a:r>
-              <a:rPr lang="en-GB" dirty="0"/>
-              <a:t>Responsible for mapping operations to actual functions</a:t>
-            </a:r>
-          </a:p>
-          <a:p>
-            <a:endParaRPr lang="en-GB" dirty="0"/>
-          </a:p>
-          <a:p>
-            <a:r>
-              <a:rPr lang="en-GB" dirty="0"/>
-              <a:t>operation called </a:t>
-            </a:r>
-            <a:r>
-              <a:rPr lang="en-GB" b="1" dirty="0"/>
-              <a:t>course </a:t>
-            </a:r>
-            <a:r>
-              <a:rPr lang="en-GB" dirty="0"/>
-              <a:t>inside </a:t>
-            </a:r>
-            <a:r>
-              <a:rPr lang="en-GB" b="1" dirty="0"/>
-              <a:t>type Query </a:t>
-            </a:r>
-            <a:r>
-              <a:rPr lang="en-GB" dirty="0"/>
-              <a:t>is mapped to </a:t>
-            </a:r>
-            <a:r>
-              <a:rPr lang="en-GB" b="1" dirty="0" err="1"/>
-              <a:t>getCourse</a:t>
-            </a:r>
-            <a:r>
-              <a:rPr lang="en-GB" dirty="0"/>
-              <a:t> function</a:t>
-            </a:r>
-          </a:p>
-          <a:p>
-            <a:endParaRPr lang="en-GB" dirty="0"/>
-          </a:p>
-          <a:p>
-            <a:r>
-              <a:rPr lang="en-GB" dirty="0"/>
-              <a:t>operation called </a:t>
-            </a:r>
-            <a:r>
-              <a:rPr lang="en-GB" b="1" dirty="0"/>
-              <a:t>courses </a:t>
-            </a:r>
-            <a:r>
-              <a:rPr lang="en-GB" dirty="0"/>
-              <a:t>inside </a:t>
-            </a:r>
-            <a:r>
-              <a:rPr lang="en-GB" b="1" dirty="0"/>
-              <a:t>type Query </a:t>
-            </a:r>
-            <a:r>
-              <a:rPr lang="en-GB" dirty="0"/>
-              <a:t>is mapped to </a:t>
-            </a:r>
-            <a:r>
-              <a:rPr lang="en-GB" b="1" dirty="0" err="1"/>
-              <a:t>getCourses</a:t>
-            </a:r>
-            <a:r>
-              <a:rPr lang="en-GB" dirty="0"/>
-              <a:t> function</a:t>
-            </a:r>
-          </a:p>
-          <a:p>
-            <a:endParaRPr lang="en-GB" b="1" dirty="0"/>
-          </a:p>
-        </p:txBody>
-      </p:sp>
-      <p:pic>
-        <p:nvPicPr>
-          <p:cNvPr id="4" name="Picture 3">
-            <a:extLst>
-              <a:ext uri="{FF2B5EF4-FFF2-40B4-BE49-F238E27FC236}">
-                <a16:creationId xmlns:a16="http://schemas.microsoft.com/office/drawing/2014/main" id="{8A4E5061-6F51-404C-8604-75EA22065441}"/>
-              </a:ext>
-            </a:extLst>
-          </p:cNvPr>
-          <p:cNvPicPr>
-            <a:picLocks noChangeAspect="1"/>
-          </p:cNvPicPr>
-          <p:nvPr/>
-        </p:nvPicPr>
-        <p:blipFill>
-          <a:blip r:embed="rId2"/>
-          <a:stretch>
-            <a:fillRect/>
-          </a:stretch>
-        </p:blipFill>
-        <p:spPr>
-          <a:xfrm>
-            <a:off x="8496801" y="365126"/>
-            <a:ext cx="2857000" cy="6476866"/>
-          </a:xfrm>
-          <a:prstGeom prst="rect">
-            <a:avLst/>
-          </a:prstGeom>
-        </p:spPr>
-      </p:pic>
-    </p:spTree>
-    <p:extLst>
-      <p:ext uri="{BB962C8B-B14F-4D97-AF65-F5344CB8AC3E}">
-        <p14:creationId xmlns:p14="http://schemas.microsoft.com/office/powerpoint/2010/main" val="4266476312"/>
-      </p:ext>
-    </p:extLst>
-  </p:cSld>
-  <p:clrMapOvr>
-    <a:masterClrMapping/>
-  </p:clrMapOvr>
-</p:sld>
-</file>
-
-<file path=ppt/slides/slide15.xml><?xml version="1.0" encoding="utf-8"?>
-<p:sld xmlns:a="http://schemas.openxmlformats.org/drawingml/2006/main" xmlns:r="http://schemas.openxmlformats.org/officeDocument/2006/relationships" xmlns:p="http://schemas.openxmlformats.org/presentationml/2006/main">
-  <p:cSld>
-    <p:spTree>
-      <p:nvGrpSpPr>
-        <p:cNvPr id="1" name=""/>
-        <p:cNvGrpSpPr/>
-        <p:nvPr/>
-      </p:nvGrpSpPr>
-      <p:grpSpPr>
-        <a:xfrm>
-          <a:off x="0" y="0"/>
-          <a:ext cx="0" cy="0"/>
-          <a:chOff x="0" y="0"/>
-          <a:chExt cx="0" cy="0"/>
-        </a:xfrm>
-      </p:grpSpPr>
-      <p:sp>
-        <p:nvSpPr>
-          <p:cNvPr id="2" name="Title 1">
-            <a:extLst>
-              <a:ext uri="{FF2B5EF4-FFF2-40B4-BE49-F238E27FC236}">
-                <a16:creationId xmlns:a16="http://schemas.microsoft.com/office/drawing/2014/main" id="{E27FAF20-FFF6-4E47-84B4-50B14FD45DAA}"/>
-              </a:ext>
-            </a:extLst>
-          </p:cNvPr>
-          <p:cNvSpPr>
-            <a:spLocks noGrp="1"/>
-          </p:cNvSpPr>
-          <p:nvPr>
-            <p:ph type="title"/>
-          </p:nvPr>
-        </p:nvSpPr>
-        <p:spPr/>
-        <p:txBody>
-          <a:bodyPr/>
-          <a:lstStyle/>
-          <a:p>
-            <a:r>
-              <a:rPr lang="en-GB" dirty="0"/>
+              <a:rPr lang="en-GB" sz="4000" dirty="0">
+                <a:latin typeface="Arial" panose="020B0604020202020204" pitchFamily="34" charset="0"/>
+                <a:cs typeface="Arial" panose="020B0604020202020204" pitchFamily="34" charset="0"/>
+              </a:rPr>
               <a:t>Queries</a:t>
             </a:r>
           </a:p>
@@ -5163,9 +5978,9 @@
           <p:nvPr/>
         </p:nvCxnSpPr>
         <p:spPr>
-          <a:xfrm flipH="1">
-            <a:off x="6998678" y="1273345"/>
-            <a:ext cx="13188" cy="1329178"/>
+          <a:xfrm>
+            <a:off x="6996158" y="1273345"/>
+            <a:ext cx="2520" cy="1329178"/>
           </a:xfrm>
           <a:prstGeom prst="straightConnector1">
             <a:avLst/>
@@ -5203,8 +6018,8 @@
         </p:nvSpPr>
         <p:spPr>
           <a:xfrm>
-            <a:off x="6163408" y="904013"/>
-            <a:ext cx="1696915" cy="369332"/>
+            <a:off x="6008915" y="904013"/>
+            <a:ext cx="1974485" cy="369332"/>
           </a:xfrm>
           <a:prstGeom prst="rect">
             <a:avLst/>
@@ -5218,7 +6033,10 @@
           <a:lstStyle/>
           <a:p>
             <a:r>
-              <a:rPr lang="en-GB" dirty="0"/>
+              <a:rPr lang="en-GB" b="1" dirty="0">
+                <a:latin typeface="Arial" panose="020B0604020202020204" pitchFamily="34" charset="0"/>
+                <a:cs typeface="Arial" panose="020B0604020202020204" pitchFamily="34" charset="0"/>
+              </a:rPr>
               <a:t>Operation Type</a:t>
             </a:r>
           </a:p>
@@ -5280,7 +6098,7 @@
         <p:spPr>
           <a:xfrm>
             <a:off x="7498737" y="1326200"/>
-            <a:ext cx="1819997" cy="369332"/>
+            <a:ext cx="2053339" cy="369332"/>
           </a:xfrm>
           <a:prstGeom prst="rect">
             <a:avLst/>
@@ -5294,7 +6112,10 @@
           <a:lstStyle/>
           <a:p>
             <a:r>
-              <a:rPr lang="en-GB" dirty="0"/>
+              <a:rPr lang="en-GB" b="1" dirty="0">
+                <a:latin typeface="Arial" panose="020B0604020202020204" pitchFamily="34" charset="0"/>
+                <a:cs typeface="Arial" panose="020B0604020202020204" pitchFamily="34" charset="0"/>
+              </a:rPr>
               <a:t>Operation name</a:t>
             </a:r>
           </a:p>
@@ -5368,7 +6189,10 @@
           <a:lstStyle/>
           <a:p>
             <a:r>
-              <a:rPr lang="en-GB" dirty="0"/>
+              <a:rPr lang="en-GB" b="1" dirty="0">
+                <a:latin typeface="Arial" panose="020B0604020202020204" pitchFamily="34" charset="0"/>
+                <a:cs typeface="Arial" panose="020B0604020202020204" pitchFamily="34" charset="0"/>
+              </a:rPr>
               <a:t>Variable Definitions</a:t>
             </a:r>
           </a:p>
@@ -5434,8 +6258,8 @@
         </p:nvCxnSpPr>
         <p:spPr>
           <a:xfrm>
-            <a:off x="6242538" y="3815862"/>
-            <a:ext cx="1184147" cy="0"/>
+            <a:off x="6383215" y="3815862"/>
+            <a:ext cx="1043470" cy="0"/>
           </a:xfrm>
           <a:prstGeom prst="straightConnector1">
             <a:avLst/>
@@ -5473,8 +6297,8 @@
         </p:nvSpPr>
         <p:spPr>
           <a:xfrm>
-            <a:off x="5627067" y="3631195"/>
-            <a:ext cx="1037492" cy="369332"/>
+            <a:off x="5401093" y="3631195"/>
+            <a:ext cx="885452" cy="369332"/>
           </a:xfrm>
           <a:prstGeom prst="rect">
             <a:avLst/>
@@ -5488,7 +6312,10 @@
           <a:lstStyle/>
           <a:p>
             <a:r>
-              <a:rPr lang="en-GB" dirty="0"/>
+              <a:rPr lang="en-GB" b="1" dirty="0">
+                <a:latin typeface="Arial" panose="020B0604020202020204" pitchFamily="34" charset="0"/>
+                <a:cs typeface="Arial" panose="020B0604020202020204" pitchFamily="34" charset="0"/>
+              </a:rPr>
               <a:t>Fields</a:t>
             </a:r>
           </a:p>
@@ -5508,8 +6335,8 @@
         </p:nvSpPr>
         <p:spPr>
           <a:xfrm>
-            <a:off x="476982" y="1690687"/>
-            <a:ext cx="4332414" cy="3693319"/>
+            <a:off x="476982" y="1690686"/>
+            <a:ext cx="4301628" cy="3970318"/>
           </a:xfrm>
           <a:prstGeom prst="rect">
             <a:avLst/>
@@ -5527,11 +6354,17 @@
               <a:buChar char="•"/>
             </a:pPr>
             <a:r>
-              <a:rPr lang="en-GB" b="1" dirty="0"/>
+              <a:rPr lang="en-GB" b="1" dirty="0">
+                <a:latin typeface="Arial" panose="020B0604020202020204" pitchFamily="34" charset="0"/>
+                <a:cs typeface="Arial" panose="020B0604020202020204" pitchFamily="34" charset="0"/>
+              </a:rPr>
               <a:t>Operation type</a:t>
             </a:r>
             <a:r>
-              <a:rPr lang="en-GB" dirty="0"/>
+              <a:rPr lang="en-GB" dirty="0">
+                <a:latin typeface="Arial" panose="020B0604020202020204" pitchFamily="34" charset="0"/>
+                <a:cs typeface="Arial" panose="020B0604020202020204" pitchFamily="34" charset="0"/>
+              </a:rPr>
               <a:t>: either a query, mutation or subscription</a:t>
             </a:r>
           </a:p>
@@ -5540,7 +6373,10 @@
               <a:buFont typeface="Arial" panose="020B0604020202020204" pitchFamily="34" charset="0"/>
               <a:buChar char="•"/>
             </a:pPr>
-            <a:endParaRPr lang="en-GB" dirty="0"/>
+            <a:endParaRPr lang="en-GB" dirty="0">
+              <a:latin typeface="Arial" panose="020B0604020202020204" pitchFamily="34" charset="0"/>
+              <a:cs typeface="Arial" panose="020B0604020202020204" pitchFamily="34" charset="0"/>
+            </a:endParaRPr>
           </a:p>
           <a:p>
             <a:pPr marL="285750" indent="-285750">
@@ -5548,11 +6384,17 @@
               <a:buChar char="•"/>
             </a:pPr>
             <a:r>
-              <a:rPr lang="en-GB" b="1" dirty="0"/>
+              <a:rPr lang="en-GB" b="1" dirty="0">
+                <a:latin typeface="Arial" panose="020B0604020202020204" pitchFamily="34" charset="0"/>
+                <a:cs typeface="Arial" panose="020B0604020202020204" pitchFamily="34" charset="0"/>
+              </a:rPr>
               <a:t>Operation name: </a:t>
             </a:r>
             <a:r>
-              <a:rPr lang="en-GB" dirty="0"/>
+              <a:rPr lang="en-GB" dirty="0">
+                <a:latin typeface="Arial" panose="020B0604020202020204" pitchFamily="34" charset="0"/>
+                <a:cs typeface="Arial" panose="020B0604020202020204" pitchFamily="34" charset="0"/>
+              </a:rPr>
               <a:t>For debugging and server-side logging reasons, it’s useful to give your queries meaningful names.</a:t>
             </a:r>
           </a:p>
@@ -5561,7 +6403,10 @@
               <a:buFont typeface="Arial" panose="020B0604020202020204" pitchFamily="34" charset="0"/>
               <a:buChar char="•"/>
             </a:pPr>
-            <a:endParaRPr lang="en-GB" dirty="0"/>
+            <a:endParaRPr lang="en-GB" dirty="0">
+              <a:latin typeface="Arial" panose="020B0604020202020204" pitchFamily="34" charset="0"/>
+              <a:cs typeface="Arial" panose="020B0604020202020204" pitchFamily="34" charset="0"/>
+            </a:endParaRPr>
           </a:p>
           <a:p>
             <a:pPr marL="285750" indent="-285750">
@@ -5569,11 +6414,17 @@
               <a:buChar char="•"/>
             </a:pPr>
             <a:r>
-              <a:rPr lang="en-GB" b="1" dirty="0"/>
+              <a:rPr lang="en-GB" b="1" dirty="0">
+                <a:latin typeface="Arial" panose="020B0604020202020204" pitchFamily="34" charset="0"/>
+                <a:cs typeface="Arial" panose="020B0604020202020204" pitchFamily="34" charset="0"/>
+              </a:rPr>
               <a:t>Variable Definitions: </a:t>
             </a:r>
             <a:r>
-              <a:rPr lang="en-GB" dirty="0"/>
+              <a:rPr lang="en-GB" dirty="0">
+                <a:latin typeface="Arial" panose="020B0604020202020204" pitchFamily="34" charset="0"/>
+                <a:cs typeface="Arial" panose="020B0604020202020204" pitchFamily="34" charset="0"/>
+              </a:rPr>
               <a:t>where you declare the types of variables you are planning to provide</a:t>
             </a:r>
           </a:p>
@@ -5582,7 +6433,10 @@
               <a:buFont typeface="Arial" panose="020B0604020202020204" pitchFamily="34" charset="0"/>
               <a:buChar char="•"/>
             </a:pPr>
-            <a:endParaRPr lang="en-GB" dirty="0"/>
+            <a:endParaRPr lang="en-GB" dirty="0">
+              <a:latin typeface="Arial" panose="020B0604020202020204" pitchFamily="34" charset="0"/>
+              <a:cs typeface="Arial" panose="020B0604020202020204" pitchFamily="34" charset="0"/>
+            </a:endParaRPr>
           </a:p>
           <a:p>
             <a:pPr marL="285750" indent="-285750">
@@ -5590,11 +6444,17 @@
               <a:buChar char="•"/>
             </a:pPr>
             <a:r>
-              <a:rPr lang="en-GB" b="1" dirty="0"/>
+              <a:rPr lang="en-GB" b="1" dirty="0">
+                <a:latin typeface="Arial" panose="020B0604020202020204" pitchFamily="34" charset="0"/>
+                <a:cs typeface="Arial" panose="020B0604020202020204" pitchFamily="34" charset="0"/>
+              </a:rPr>
               <a:t>Fields: </a:t>
             </a:r>
             <a:r>
-              <a:rPr lang="en-GB" dirty="0"/>
+              <a:rPr lang="en-GB" dirty="0">
+                <a:latin typeface="Arial" panose="020B0604020202020204" pitchFamily="34" charset="0"/>
+                <a:cs typeface="Arial" panose="020B0604020202020204" pitchFamily="34" charset="0"/>
+              </a:rPr>
               <a:t>What data we want returned from query</a:t>
             </a:r>
           </a:p>
@@ -5655,7 +6515,7 @@
         </p:nvSpPr>
         <p:spPr>
           <a:xfrm>
-            <a:off x="5401093" y="2389084"/>
+            <a:off x="5317640" y="2410725"/>
             <a:ext cx="1292475" cy="1200329"/>
           </a:xfrm>
           <a:prstGeom prst="rect">
@@ -5670,24 +6530,25 @@
           <a:lstStyle/>
           <a:p>
             <a:r>
-              <a:rPr lang="en-GB" dirty="0"/>
-              <a:t>Query to run on</a:t>
-            </a:r>
-            <a:r>
-              <a:rPr lang="en-GB" b="1" dirty="0"/>
-              <a:t> </a:t>
-            </a:r>
-            <a:r>
-              <a:rPr lang="en-GB" dirty="0" err="1"/>
+              <a:rPr lang="en-GB" b="1" dirty="0">
+                <a:latin typeface="Arial" panose="020B0604020202020204" pitchFamily="34" charset="0"/>
+                <a:cs typeface="Arial" panose="020B0604020202020204" pitchFamily="34" charset="0"/>
+              </a:rPr>
+              <a:t>Query to run on </a:t>
+            </a:r>
+            <a:r>
+              <a:rPr lang="en-GB" b="1" dirty="0" err="1">
+                <a:latin typeface="Arial" panose="020B0604020202020204" pitchFamily="34" charset="0"/>
+                <a:cs typeface="Arial" panose="020B0604020202020204" pitchFamily="34" charset="0"/>
+              </a:rPr>
               <a:t>GraphQL</a:t>
             </a:r>
             <a:r>
-              <a:rPr lang="en-GB" b="1" dirty="0"/>
-              <a:t> </a:t>
-            </a:r>
-            <a:r>
-              <a:rPr lang="en-GB" dirty="0"/>
-              <a:t>Server</a:t>
+              <a:rPr lang="en-GB" b="1" dirty="0">
+                <a:latin typeface="Arial" panose="020B0604020202020204" pitchFamily="34" charset="0"/>
+                <a:cs typeface="Arial" panose="020B0604020202020204" pitchFamily="34" charset="0"/>
+              </a:rPr>
+              <a:t> Server</a:t>
             </a:r>
           </a:p>
         </p:txBody>
@@ -5702,10 +6563,481 @@
   <p:clrMapOvr>
     <a:masterClrMapping/>
   </p:clrMapOvr>
+  <p:timing>
+    <p:tnLst>
+      <p:par>
+        <p:cTn id="1" dur="indefinite" restart="never" nodeType="tmRoot">
+          <p:childTnLst>
+            <p:seq concurrent="1" nextAc="seek">
+              <p:cTn id="2" dur="indefinite" nodeType="mainSeq">
+                <p:childTnLst>
+                  <p:par>
+                    <p:cTn id="3" fill="hold">
+                      <p:stCondLst>
+                        <p:cond delay="indefinite"/>
+                      </p:stCondLst>
+                      <p:childTnLst>
+                        <p:par>
+                          <p:cTn id="4" fill="hold">
+                            <p:stCondLst>
+                              <p:cond delay="0"/>
+                            </p:stCondLst>
+                            <p:childTnLst>
+                              <p:par>
+                                <p:cTn id="5" presetID="1" presetClass="entr" presetSubtype="0" fill="hold" nodeType="clickEffect">
+                                  <p:stCondLst>
+                                    <p:cond delay="0"/>
+                                  </p:stCondLst>
+                                  <p:childTnLst>
+                                    <p:set>
+                                      <p:cBhvr>
+                                        <p:cTn id="6" dur="1" fill="hold">
+                                          <p:stCondLst>
+                                            <p:cond delay="0"/>
+                                          </p:stCondLst>
+                                        </p:cTn>
+                                        <p:tgtEl>
+                                          <p:spTgt spid="31">
+                                            <p:txEl>
+                                              <p:pRg st="0" end="0"/>
+                                            </p:txEl>
+                                          </p:spTgt>
+                                        </p:tgtEl>
+                                        <p:attrNameLst>
+                                          <p:attrName>style.visibility</p:attrName>
+                                        </p:attrNameLst>
+                                      </p:cBhvr>
+                                      <p:to>
+                                        <p:strVal val="visible"/>
+                                      </p:to>
+                                    </p:set>
+                                  </p:childTnLst>
+                                </p:cTn>
+                              </p:par>
+                            </p:childTnLst>
+                          </p:cTn>
+                        </p:par>
+                      </p:childTnLst>
+                    </p:cTn>
+                  </p:par>
+                  <p:par>
+                    <p:cTn id="7" fill="hold">
+                      <p:stCondLst>
+                        <p:cond delay="indefinite"/>
+                      </p:stCondLst>
+                      <p:childTnLst>
+                        <p:par>
+                          <p:cTn id="8" fill="hold">
+                            <p:stCondLst>
+                              <p:cond delay="0"/>
+                            </p:stCondLst>
+                            <p:childTnLst>
+                              <p:par>
+                                <p:cTn id="9" presetID="1" presetClass="entr" presetSubtype="0" fill="hold" nodeType="clickEffect">
+                                  <p:stCondLst>
+                                    <p:cond delay="0"/>
+                                  </p:stCondLst>
+                                  <p:childTnLst>
+                                    <p:set>
+                                      <p:cBhvr>
+                                        <p:cTn id="10" dur="1" fill="hold">
+                                          <p:stCondLst>
+                                            <p:cond delay="0"/>
+                                          </p:stCondLst>
+                                        </p:cTn>
+                                        <p:tgtEl>
+                                          <p:spTgt spid="9">
+                                            <p:txEl>
+                                              <p:pRg st="0" end="0"/>
+                                            </p:txEl>
+                                          </p:spTgt>
+                                        </p:tgtEl>
+                                        <p:attrNameLst>
+                                          <p:attrName>style.visibility</p:attrName>
+                                        </p:attrNameLst>
+                                      </p:cBhvr>
+                                      <p:to>
+                                        <p:strVal val="visible"/>
+                                      </p:to>
+                                    </p:set>
+                                  </p:childTnLst>
+                                </p:cTn>
+                              </p:par>
+                            </p:childTnLst>
+                          </p:cTn>
+                        </p:par>
+                      </p:childTnLst>
+                    </p:cTn>
+                  </p:par>
+                  <p:par>
+                    <p:cTn id="11" fill="hold">
+                      <p:stCondLst>
+                        <p:cond delay="indefinite"/>
+                      </p:stCondLst>
+                      <p:childTnLst>
+                        <p:par>
+                          <p:cTn id="12" fill="hold">
+                            <p:stCondLst>
+                              <p:cond delay="0"/>
+                            </p:stCondLst>
+                            <p:childTnLst>
+                              <p:par>
+                                <p:cTn id="13" presetID="1" presetClass="entr" presetSubtype="0" fill="hold" nodeType="clickEffect">
+                                  <p:stCondLst>
+                                    <p:cond delay="0"/>
+                                  </p:stCondLst>
+                                  <p:childTnLst>
+                                    <p:set>
+                                      <p:cBhvr>
+                                        <p:cTn id="14" dur="1" fill="hold">
+                                          <p:stCondLst>
+                                            <p:cond delay="0"/>
+                                          </p:stCondLst>
+                                        </p:cTn>
+                                        <p:tgtEl>
+                                          <p:spTgt spid="26">
+                                            <p:txEl>
+                                              <p:pRg st="0" end="0"/>
+                                            </p:txEl>
+                                          </p:spTgt>
+                                        </p:tgtEl>
+                                        <p:attrNameLst>
+                                          <p:attrName>style.visibility</p:attrName>
+                                        </p:attrNameLst>
+                                      </p:cBhvr>
+                                      <p:to>
+                                        <p:strVal val="visible"/>
+                                      </p:to>
+                                    </p:set>
+                                  </p:childTnLst>
+                                </p:cTn>
+                              </p:par>
+                            </p:childTnLst>
+                          </p:cTn>
+                        </p:par>
+                      </p:childTnLst>
+                    </p:cTn>
+                  </p:par>
+                  <p:par>
+                    <p:cTn id="15" fill="hold">
+                      <p:stCondLst>
+                        <p:cond delay="indefinite"/>
+                      </p:stCondLst>
+                      <p:childTnLst>
+                        <p:par>
+                          <p:cTn id="16" fill="hold">
+                            <p:stCondLst>
+                              <p:cond delay="0"/>
+                            </p:stCondLst>
+                            <p:childTnLst>
+                              <p:par>
+                                <p:cTn id="17" presetID="1" presetClass="entr" presetSubtype="0" fill="hold" nodeType="clickEffect">
+                                  <p:stCondLst>
+                                    <p:cond delay="0"/>
+                                  </p:stCondLst>
+                                  <p:childTnLst>
+                                    <p:set>
+                                      <p:cBhvr>
+                                        <p:cTn id="18" dur="1" fill="hold">
+                                          <p:stCondLst>
+                                            <p:cond delay="0"/>
+                                          </p:stCondLst>
+                                        </p:cTn>
+                                        <p:tgtEl>
+                                          <p:spTgt spid="12">
+                                            <p:txEl>
+                                              <p:pRg st="0" end="0"/>
+                                            </p:txEl>
+                                          </p:spTgt>
+                                        </p:tgtEl>
+                                        <p:attrNameLst>
+                                          <p:attrName>style.visibility</p:attrName>
+                                        </p:attrNameLst>
+                                      </p:cBhvr>
+                                      <p:to>
+                                        <p:strVal val="visible"/>
+                                      </p:to>
+                                    </p:set>
+                                  </p:childTnLst>
+                                </p:cTn>
+                              </p:par>
+                            </p:childTnLst>
+                          </p:cTn>
+                        </p:par>
+                      </p:childTnLst>
+                    </p:cTn>
+                  </p:par>
+                  <p:par>
+                    <p:cTn id="19" fill="hold">
+                      <p:stCondLst>
+                        <p:cond delay="indefinite"/>
+                      </p:stCondLst>
+                      <p:childTnLst>
+                        <p:par>
+                          <p:cTn id="20" fill="hold">
+                            <p:stCondLst>
+                              <p:cond delay="0"/>
+                            </p:stCondLst>
+                            <p:childTnLst>
+                              <p:par>
+                                <p:cTn id="21" presetID="1" presetClass="entr" presetSubtype="0" fill="hold" nodeType="clickEffect">
+                                  <p:stCondLst>
+                                    <p:cond delay="0"/>
+                                  </p:stCondLst>
+                                  <p:childTnLst>
+                                    <p:set>
+                                      <p:cBhvr>
+                                        <p:cTn id="22" dur="1" fill="hold">
+                                          <p:stCondLst>
+                                            <p:cond delay="0"/>
+                                          </p:stCondLst>
+                                        </p:cTn>
+                                        <p:tgtEl>
+                                          <p:spTgt spid="26">
+                                            <p:txEl>
+                                              <p:pRg st="2" end="2"/>
+                                            </p:txEl>
+                                          </p:spTgt>
+                                        </p:tgtEl>
+                                        <p:attrNameLst>
+                                          <p:attrName>style.visibility</p:attrName>
+                                        </p:attrNameLst>
+                                      </p:cBhvr>
+                                      <p:to>
+                                        <p:strVal val="visible"/>
+                                      </p:to>
+                                    </p:set>
+                                  </p:childTnLst>
+                                </p:cTn>
+                              </p:par>
+                            </p:childTnLst>
+                          </p:cTn>
+                        </p:par>
+                      </p:childTnLst>
+                    </p:cTn>
+                  </p:par>
+                  <p:par>
+                    <p:cTn id="23" fill="hold">
+                      <p:stCondLst>
+                        <p:cond delay="indefinite"/>
+                      </p:stCondLst>
+                      <p:childTnLst>
+                        <p:par>
+                          <p:cTn id="24" fill="hold">
+                            <p:stCondLst>
+                              <p:cond delay="0"/>
+                            </p:stCondLst>
+                            <p:childTnLst>
+                              <p:par>
+                                <p:cTn id="25" presetID="1" presetClass="entr" presetSubtype="0" fill="hold" nodeType="clickEffect">
+                                  <p:stCondLst>
+                                    <p:cond delay="0"/>
+                                  </p:stCondLst>
+                                  <p:childTnLst>
+                                    <p:set>
+                                      <p:cBhvr>
+                                        <p:cTn id="26" dur="1" fill="hold">
+                                          <p:stCondLst>
+                                            <p:cond delay="0"/>
+                                          </p:stCondLst>
+                                        </p:cTn>
+                                        <p:tgtEl>
+                                          <p:spTgt spid="17">
+                                            <p:txEl>
+                                              <p:pRg st="0" end="0"/>
+                                            </p:txEl>
+                                          </p:spTgt>
+                                        </p:tgtEl>
+                                        <p:attrNameLst>
+                                          <p:attrName>style.visibility</p:attrName>
+                                        </p:attrNameLst>
+                                      </p:cBhvr>
+                                      <p:to>
+                                        <p:strVal val="visible"/>
+                                      </p:to>
+                                    </p:set>
+                                  </p:childTnLst>
+                                </p:cTn>
+                              </p:par>
+                            </p:childTnLst>
+                          </p:cTn>
+                        </p:par>
+                      </p:childTnLst>
+                    </p:cTn>
+                  </p:par>
+                  <p:par>
+                    <p:cTn id="27" fill="hold">
+                      <p:stCondLst>
+                        <p:cond delay="indefinite"/>
+                      </p:stCondLst>
+                      <p:childTnLst>
+                        <p:par>
+                          <p:cTn id="28" fill="hold">
+                            <p:stCondLst>
+                              <p:cond delay="0"/>
+                            </p:stCondLst>
+                            <p:childTnLst>
+                              <p:par>
+                                <p:cTn id="29" presetID="1" presetClass="entr" presetSubtype="0" fill="hold" nodeType="clickEffect">
+                                  <p:stCondLst>
+                                    <p:cond delay="0"/>
+                                  </p:stCondLst>
+                                  <p:childTnLst>
+                                    <p:set>
+                                      <p:cBhvr>
+                                        <p:cTn id="30" dur="1" fill="hold">
+                                          <p:stCondLst>
+                                            <p:cond delay="0"/>
+                                          </p:stCondLst>
+                                        </p:cTn>
+                                        <p:tgtEl>
+                                          <p:spTgt spid="26">
+                                            <p:txEl>
+                                              <p:pRg st="4" end="4"/>
+                                            </p:txEl>
+                                          </p:spTgt>
+                                        </p:tgtEl>
+                                        <p:attrNameLst>
+                                          <p:attrName>style.visibility</p:attrName>
+                                        </p:attrNameLst>
+                                      </p:cBhvr>
+                                      <p:to>
+                                        <p:strVal val="visible"/>
+                                      </p:to>
+                                    </p:set>
+                                  </p:childTnLst>
+                                </p:cTn>
+                              </p:par>
+                            </p:childTnLst>
+                          </p:cTn>
+                        </p:par>
+                      </p:childTnLst>
+                    </p:cTn>
+                  </p:par>
+                  <p:par>
+                    <p:cTn id="31" fill="hold">
+                      <p:stCondLst>
+                        <p:cond delay="indefinite"/>
+                      </p:stCondLst>
+                      <p:childTnLst>
+                        <p:par>
+                          <p:cTn id="32" fill="hold">
+                            <p:stCondLst>
+                              <p:cond delay="0"/>
+                            </p:stCondLst>
+                            <p:childTnLst>
+                              <p:par>
+                                <p:cTn id="33" presetID="1" presetClass="entr" presetSubtype="0" fill="hold" nodeType="clickEffect">
+                                  <p:stCondLst>
+                                    <p:cond delay="0"/>
+                                  </p:stCondLst>
+                                  <p:childTnLst>
+                                    <p:set>
+                                      <p:cBhvr>
+                                        <p:cTn id="34" dur="1" fill="hold">
+                                          <p:stCondLst>
+                                            <p:cond delay="0"/>
+                                          </p:stCondLst>
+                                        </p:cTn>
+                                        <p:tgtEl>
+                                          <p:spTgt spid="25">
+                                            <p:txEl>
+                                              <p:pRg st="0" end="0"/>
+                                            </p:txEl>
+                                          </p:spTgt>
+                                        </p:tgtEl>
+                                        <p:attrNameLst>
+                                          <p:attrName>style.visibility</p:attrName>
+                                        </p:attrNameLst>
+                                      </p:cBhvr>
+                                      <p:to>
+                                        <p:strVal val="visible"/>
+                                      </p:to>
+                                    </p:set>
+                                  </p:childTnLst>
+                                </p:cTn>
+                              </p:par>
+                            </p:childTnLst>
+                          </p:cTn>
+                        </p:par>
+                      </p:childTnLst>
+                    </p:cTn>
+                  </p:par>
+                  <p:par>
+                    <p:cTn id="35" fill="hold">
+                      <p:stCondLst>
+                        <p:cond delay="indefinite"/>
+                      </p:stCondLst>
+                      <p:childTnLst>
+                        <p:par>
+                          <p:cTn id="36" fill="hold">
+                            <p:stCondLst>
+                              <p:cond delay="0"/>
+                            </p:stCondLst>
+                            <p:childTnLst>
+                              <p:par>
+                                <p:cTn id="37" presetID="1" presetClass="entr" presetSubtype="0" fill="hold" nodeType="clickEffect">
+                                  <p:stCondLst>
+                                    <p:cond delay="0"/>
+                                  </p:stCondLst>
+                                  <p:childTnLst>
+                                    <p:set>
+                                      <p:cBhvr>
+                                        <p:cTn id="38" dur="1" fill="hold">
+                                          <p:stCondLst>
+                                            <p:cond delay="0"/>
+                                          </p:stCondLst>
+                                        </p:cTn>
+                                        <p:tgtEl>
+                                          <p:spTgt spid="26">
+                                            <p:txEl>
+                                              <p:pRg st="6" end="6"/>
+                                            </p:txEl>
+                                          </p:spTgt>
+                                        </p:tgtEl>
+                                        <p:attrNameLst>
+                                          <p:attrName>style.visibility</p:attrName>
+                                        </p:attrNameLst>
+                                      </p:cBhvr>
+                                      <p:to>
+                                        <p:strVal val="visible"/>
+                                      </p:to>
+                                    </p:set>
+                                  </p:childTnLst>
+                                </p:cTn>
+                              </p:par>
+                            </p:childTnLst>
+                          </p:cTn>
+                        </p:par>
+                      </p:childTnLst>
+                    </p:cTn>
+                  </p:par>
+                </p:childTnLst>
+              </p:cTn>
+              <p:prevCondLst>
+                <p:cond evt="onPrev" delay="0">
+                  <p:tgtEl>
+                    <p:sldTgt/>
+                  </p:tgtEl>
+                </p:cond>
+              </p:prevCondLst>
+              <p:nextCondLst>
+                <p:cond evt="onNext" delay="0">
+                  <p:tgtEl>
+                    <p:sldTgt/>
+                  </p:tgtEl>
+                </p:cond>
+              </p:nextCondLst>
+            </p:seq>
+          </p:childTnLst>
+        </p:cTn>
+      </p:par>
+    </p:tnLst>
+  </p:timing>
 </p:sld>
 </file>
 
-<file path=ppt/slides/slide16.xml><?xml version="1.0" encoding="utf-8"?>
+<file path=ppt/slides/slide14.xml><?xml version="1.0" encoding="utf-8"?>
 <p:sld xmlns:a="http://schemas.openxmlformats.org/drawingml/2006/main" xmlns:r="http://schemas.openxmlformats.org/officeDocument/2006/relationships" xmlns:p="http://schemas.openxmlformats.org/presentationml/2006/main">
   <p:cSld>
     <p:spTree>
@@ -5837,8 +7169,8 @@
         </p:nvSpPr>
         <p:spPr>
           <a:xfrm>
-            <a:off x="3965079" y="1905123"/>
-            <a:ext cx="1043709" cy="338554"/>
+            <a:off x="3775996" y="1572767"/>
+            <a:ext cx="1421875" cy="830997"/>
           </a:xfrm>
           <a:prstGeom prst="rect">
             <a:avLst/>
@@ -5852,51 +7184,11 @@
           <a:lstStyle/>
           <a:p>
             <a:r>
-              <a:rPr lang="en-GB" sz="800" dirty="0"/>
-              <a:t>Sent to </a:t>
-            </a:r>
-            <a:r>
-              <a:rPr lang="en-GB" sz="800" dirty="0" err="1"/>
-              <a:t>GraphQL</a:t>
-            </a:r>
-            <a:r>
-              <a:rPr lang="en-GB" sz="800" dirty="0"/>
-              <a:t> server </a:t>
-            </a:r>
-          </a:p>
-        </p:txBody>
-      </p:sp>
-      <p:sp>
-        <p:nvSpPr>
-          <p:cNvPr id="16" name="TextBox 15">
-            <a:extLst>
-              <a:ext uri="{FF2B5EF4-FFF2-40B4-BE49-F238E27FC236}">
-                <a16:creationId xmlns:a16="http://schemas.microsoft.com/office/drawing/2014/main" id="{4933DC2D-DB23-4363-8399-777D7AA1EE81}"/>
-              </a:ext>
-            </a:extLst>
-          </p:cNvPr>
-          <p:cNvSpPr txBox="1"/>
-          <p:nvPr/>
-        </p:nvSpPr>
-        <p:spPr>
-          <a:xfrm>
-            <a:off x="3823853" y="2493888"/>
-            <a:ext cx="1330037" cy="215444"/>
-          </a:xfrm>
-          <a:prstGeom prst="rect">
-            <a:avLst/>
-          </a:prstGeom>
-          <a:noFill/>
-        </p:spPr>
-        <p:txBody>
-          <a:bodyPr wrap="square" rtlCol="0">
-            <a:spAutoFit/>
-          </a:bodyPr>
-          <a:lstStyle/>
-          <a:p>
-            <a:r>
-              <a:rPr lang="en-GB" sz="800" dirty="0"/>
-              <a:t>Validated against Schema</a:t>
+              <a:rPr lang="en-GB" sz="1200" b="1" dirty="0">
+                <a:latin typeface="Arial" panose="020B0604020202020204" pitchFamily="34" charset="0"/>
+                <a:cs typeface="Arial" panose="020B0604020202020204" pitchFamily="34" charset="0"/>
+              </a:rPr>
+              <a:t>Query sent to server and validated against Schema </a:t>
             </a:r>
           </a:p>
         </p:txBody>
@@ -6122,8 +7414,8 @@
         </p:nvSpPr>
         <p:spPr>
           <a:xfrm>
-            <a:off x="2259623" y="439615"/>
-            <a:ext cx="2749165" cy="369332"/>
+            <a:off x="2184116" y="257102"/>
+            <a:ext cx="5649343" cy="707886"/>
           </a:xfrm>
           <a:prstGeom prst="rect">
             <a:avLst/>
@@ -6137,14 +7429,10 @@
           <a:lstStyle/>
           <a:p>
             <a:r>
-              <a:rPr lang="en-US" dirty="0">
-                <a:solidFill>
-                  <a:srgbClr val="FFFFFF"/>
-                </a:solidFill>
-              </a:rPr>
+              <a:rPr lang="en-US" sz="4000" b="1" dirty="0"/>
               <a:t>Put it all together</a:t>
             </a:r>
-            <a:endParaRPr lang="en-GB" dirty="0"/>
+            <a:endParaRPr lang="en-GB" sz="4000" b="1" dirty="0"/>
           </a:p>
         </p:txBody>
       </p:sp>
@@ -6158,10 +7446,493 @@
   <p:clrMapOvr>
     <a:masterClrMapping/>
   </p:clrMapOvr>
+  <p:timing>
+    <p:tnLst>
+      <p:par>
+        <p:cTn id="1" dur="indefinite" restart="never" nodeType="tmRoot">
+          <p:childTnLst>
+            <p:seq concurrent="1" nextAc="seek">
+              <p:cTn id="2" dur="indefinite" nodeType="mainSeq">
+                <p:childTnLst>
+                  <p:par>
+                    <p:cTn id="3" fill="hold">
+                      <p:stCondLst>
+                        <p:cond delay="indefinite"/>
+                      </p:stCondLst>
+                      <p:childTnLst>
+                        <p:par>
+                          <p:cTn id="4" fill="hold">
+                            <p:stCondLst>
+                              <p:cond delay="0"/>
+                            </p:stCondLst>
+                            <p:childTnLst>
+                              <p:par>
+                                <p:cTn id="5" presetID="1" presetClass="entr" presetSubtype="0" fill="hold" nodeType="clickEffect">
+                                  <p:stCondLst>
+                                    <p:cond delay="0"/>
+                                  </p:stCondLst>
+                                  <p:childTnLst>
+                                    <p:set>
+                                      <p:cBhvr>
+                                        <p:cTn id="6" dur="1" fill="hold">
+                                          <p:stCondLst>
+                                            <p:cond delay="0"/>
+                                          </p:stCondLst>
+                                        </p:cTn>
+                                        <p:tgtEl>
+                                          <p:spTgt spid="26"/>
+                                        </p:tgtEl>
+                                        <p:attrNameLst>
+                                          <p:attrName>style.visibility</p:attrName>
+                                        </p:attrNameLst>
+                                      </p:cBhvr>
+                                      <p:to>
+                                        <p:strVal val="visible"/>
+                                      </p:to>
+                                    </p:set>
+                                  </p:childTnLst>
+                                </p:cTn>
+                              </p:par>
+                            </p:childTnLst>
+                          </p:cTn>
+                        </p:par>
+                      </p:childTnLst>
+                    </p:cTn>
+                  </p:par>
+                  <p:par>
+                    <p:cTn id="7" fill="hold">
+                      <p:stCondLst>
+                        <p:cond delay="indefinite"/>
+                      </p:stCondLst>
+                      <p:childTnLst>
+                        <p:par>
+                          <p:cTn id="8" fill="hold">
+                            <p:stCondLst>
+                              <p:cond delay="0"/>
+                            </p:stCondLst>
+                            <p:childTnLst>
+                              <p:par>
+                                <p:cTn id="9" presetID="1" presetClass="entr" presetSubtype="0" fill="hold" nodeType="clickEffect">
+                                  <p:stCondLst>
+                                    <p:cond delay="0"/>
+                                  </p:stCondLst>
+                                  <p:childTnLst>
+                                    <p:set>
+                                      <p:cBhvr>
+                                        <p:cTn id="10" dur="1" fill="hold">
+                                          <p:stCondLst>
+                                            <p:cond delay="0"/>
+                                          </p:stCondLst>
+                                        </p:cTn>
+                                        <p:tgtEl>
+                                          <p:spTgt spid="12"/>
+                                        </p:tgtEl>
+                                        <p:attrNameLst>
+                                          <p:attrName>style.visibility</p:attrName>
+                                        </p:attrNameLst>
+                                      </p:cBhvr>
+                                      <p:to>
+                                        <p:strVal val="visible"/>
+                                      </p:to>
+                                    </p:set>
+                                  </p:childTnLst>
+                                </p:cTn>
+                              </p:par>
+                            </p:childTnLst>
+                          </p:cTn>
+                        </p:par>
+                      </p:childTnLst>
+                    </p:cTn>
+                  </p:par>
+                  <p:par>
+                    <p:cTn id="11" fill="hold">
+                      <p:stCondLst>
+                        <p:cond delay="indefinite"/>
+                      </p:stCondLst>
+                      <p:childTnLst>
+                        <p:par>
+                          <p:cTn id="12" fill="hold">
+                            <p:stCondLst>
+                              <p:cond delay="0"/>
+                            </p:stCondLst>
+                            <p:childTnLst>
+                              <p:par>
+                                <p:cTn id="13" presetID="1" presetClass="entr" presetSubtype="0" fill="hold" grpId="0" nodeType="clickEffect">
+                                  <p:stCondLst>
+                                    <p:cond delay="0"/>
+                                  </p:stCondLst>
+                                  <p:childTnLst>
+                                    <p:set>
+                                      <p:cBhvr>
+                                        <p:cTn id="14" dur="1" fill="hold">
+                                          <p:stCondLst>
+                                            <p:cond delay="0"/>
+                                          </p:stCondLst>
+                                        </p:cTn>
+                                        <p:tgtEl>
+                                          <p:spTgt spid="15"/>
+                                        </p:tgtEl>
+                                        <p:attrNameLst>
+                                          <p:attrName>style.visibility</p:attrName>
+                                        </p:attrNameLst>
+                                      </p:cBhvr>
+                                      <p:to>
+                                        <p:strVal val="visible"/>
+                                      </p:to>
+                                    </p:set>
+                                  </p:childTnLst>
+                                </p:cTn>
+                              </p:par>
+                            </p:childTnLst>
+                          </p:cTn>
+                        </p:par>
+                      </p:childTnLst>
+                    </p:cTn>
+                  </p:par>
+                  <p:par>
+                    <p:cTn id="15" fill="hold">
+                      <p:stCondLst>
+                        <p:cond delay="indefinite"/>
+                      </p:stCondLst>
+                      <p:childTnLst>
+                        <p:par>
+                          <p:cTn id="16" fill="hold">
+                            <p:stCondLst>
+                              <p:cond delay="0"/>
+                            </p:stCondLst>
+                            <p:childTnLst>
+                              <p:par>
+                                <p:cTn id="17" presetID="1" presetClass="entr" presetSubtype="0" fill="hold" nodeType="clickEffect">
+                                  <p:stCondLst>
+                                    <p:cond delay="0"/>
+                                  </p:stCondLst>
+                                  <p:childTnLst>
+                                    <p:set>
+                                      <p:cBhvr>
+                                        <p:cTn id="18" dur="1" fill="hold">
+                                          <p:stCondLst>
+                                            <p:cond delay="0"/>
+                                          </p:stCondLst>
+                                        </p:cTn>
+                                        <p:tgtEl>
+                                          <p:spTgt spid="13"/>
+                                        </p:tgtEl>
+                                        <p:attrNameLst>
+                                          <p:attrName>style.visibility</p:attrName>
+                                        </p:attrNameLst>
+                                      </p:cBhvr>
+                                      <p:to>
+                                        <p:strVal val="visible"/>
+                                      </p:to>
+                                    </p:set>
+                                  </p:childTnLst>
+                                </p:cTn>
+                              </p:par>
+                            </p:childTnLst>
+                          </p:cTn>
+                        </p:par>
+                      </p:childTnLst>
+                    </p:cTn>
+                  </p:par>
+                  <p:par>
+                    <p:cTn id="19" fill="hold">
+                      <p:stCondLst>
+                        <p:cond delay="indefinite"/>
+                      </p:stCondLst>
+                      <p:childTnLst>
+                        <p:par>
+                          <p:cTn id="20" fill="hold">
+                            <p:stCondLst>
+                              <p:cond delay="0"/>
+                            </p:stCondLst>
+                            <p:childTnLst>
+                              <p:par>
+                                <p:cTn id="21" presetID="1" presetClass="entr" presetSubtype="0" fill="hold" nodeType="clickEffect">
+                                  <p:stCondLst>
+                                    <p:cond delay="0"/>
+                                  </p:stCondLst>
+                                  <p:childTnLst>
+                                    <p:set>
+                                      <p:cBhvr>
+                                        <p:cTn id="22" dur="1" fill="hold">
+                                          <p:stCondLst>
+                                            <p:cond delay="0"/>
+                                          </p:stCondLst>
+                                        </p:cTn>
+                                        <p:tgtEl>
+                                          <p:spTgt spid="19"/>
+                                        </p:tgtEl>
+                                        <p:attrNameLst>
+                                          <p:attrName>style.visibility</p:attrName>
+                                        </p:attrNameLst>
+                                      </p:cBhvr>
+                                      <p:to>
+                                        <p:strVal val="visible"/>
+                                      </p:to>
+                                    </p:set>
+                                  </p:childTnLst>
+                                </p:cTn>
+                              </p:par>
+                            </p:childTnLst>
+                          </p:cTn>
+                        </p:par>
+                      </p:childTnLst>
+                    </p:cTn>
+                  </p:par>
+                  <p:par>
+                    <p:cTn id="23" fill="hold">
+                      <p:stCondLst>
+                        <p:cond delay="indefinite"/>
+                      </p:stCondLst>
+                      <p:childTnLst>
+                        <p:par>
+                          <p:cTn id="24" fill="hold">
+                            <p:stCondLst>
+                              <p:cond delay="0"/>
+                            </p:stCondLst>
+                            <p:childTnLst>
+                              <p:par>
+                                <p:cTn id="25" presetID="1" presetClass="entr" presetSubtype="0" fill="hold" nodeType="clickEffect">
+                                  <p:stCondLst>
+                                    <p:cond delay="0"/>
+                                  </p:stCondLst>
+                                  <p:childTnLst>
+                                    <p:set>
+                                      <p:cBhvr>
+                                        <p:cTn id="26" dur="1" fill="hold">
+                                          <p:stCondLst>
+                                            <p:cond delay="0"/>
+                                          </p:stCondLst>
+                                        </p:cTn>
+                                        <p:tgtEl>
+                                          <p:spTgt spid="17"/>
+                                        </p:tgtEl>
+                                        <p:attrNameLst>
+                                          <p:attrName>style.visibility</p:attrName>
+                                        </p:attrNameLst>
+                                      </p:cBhvr>
+                                      <p:to>
+                                        <p:strVal val="visible"/>
+                                      </p:to>
+                                    </p:set>
+                                  </p:childTnLst>
+                                </p:cTn>
+                              </p:par>
+                            </p:childTnLst>
+                          </p:cTn>
+                        </p:par>
+                      </p:childTnLst>
+                    </p:cTn>
+                  </p:par>
+                  <p:par>
+                    <p:cTn id="27" fill="hold">
+                      <p:stCondLst>
+                        <p:cond delay="indefinite"/>
+                      </p:stCondLst>
+                      <p:childTnLst>
+                        <p:par>
+                          <p:cTn id="28" fill="hold">
+                            <p:stCondLst>
+                              <p:cond delay="0"/>
+                            </p:stCondLst>
+                            <p:childTnLst>
+                              <p:par>
+                                <p:cTn id="29" presetID="1" presetClass="entr" presetSubtype="0" fill="hold" nodeType="clickEffect">
+                                  <p:stCondLst>
+                                    <p:cond delay="0"/>
+                                  </p:stCondLst>
+                                  <p:childTnLst>
+                                    <p:set>
+                                      <p:cBhvr>
+                                        <p:cTn id="30" dur="1" fill="hold">
+                                          <p:stCondLst>
+                                            <p:cond delay="0"/>
+                                          </p:stCondLst>
+                                        </p:cTn>
+                                        <p:tgtEl>
+                                          <p:spTgt spid="22"/>
+                                        </p:tgtEl>
+                                        <p:attrNameLst>
+                                          <p:attrName>style.visibility</p:attrName>
+                                        </p:attrNameLst>
+                                      </p:cBhvr>
+                                      <p:to>
+                                        <p:strVal val="visible"/>
+                                      </p:to>
+                                    </p:set>
+                                  </p:childTnLst>
+                                </p:cTn>
+                              </p:par>
+                            </p:childTnLst>
+                          </p:cTn>
+                        </p:par>
+                      </p:childTnLst>
+                    </p:cTn>
+                  </p:par>
+                  <p:par>
+                    <p:cTn id="31" fill="hold">
+                      <p:stCondLst>
+                        <p:cond delay="indefinite"/>
+                      </p:stCondLst>
+                      <p:childTnLst>
+                        <p:par>
+                          <p:cTn id="32" fill="hold">
+                            <p:stCondLst>
+                              <p:cond delay="0"/>
+                            </p:stCondLst>
+                            <p:childTnLst>
+                              <p:par>
+                                <p:cTn id="33" presetID="1" presetClass="entr" presetSubtype="0" fill="hold" nodeType="clickEffect">
+                                  <p:stCondLst>
+                                    <p:cond delay="0"/>
+                                  </p:stCondLst>
+                                  <p:childTnLst>
+                                    <p:set>
+                                      <p:cBhvr>
+                                        <p:cTn id="34" dur="1" fill="hold">
+                                          <p:stCondLst>
+                                            <p:cond delay="0"/>
+                                          </p:stCondLst>
+                                        </p:cTn>
+                                        <p:tgtEl>
+                                          <p:spTgt spid="20"/>
+                                        </p:tgtEl>
+                                        <p:attrNameLst>
+                                          <p:attrName>style.visibility</p:attrName>
+                                        </p:attrNameLst>
+                                      </p:cBhvr>
+                                      <p:to>
+                                        <p:strVal val="visible"/>
+                                      </p:to>
+                                    </p:set>
+                                  </p:childTnLst>
+                                </p:cTn>
+                              </p:par>
+                            </p:childTnLst>
+                          </p:cTn>
+                        </p:par>
+                      </p:childTnLst>
+                    </p:cTn>
+                  </p:par>
+                  <p:par>
+                    <p:cTn id="35" fill="hold">
+                      <p:stCondLst>
+                        <p:cond delay="indefinite"/>
+                      </p:stCondLst>
+                      <p:childTnLst>
+                        <p:par>
+                          <p:cTn id="36" fill="hold">
+                            <p:stCondLst>
+                              <p:cond delay="0"/>
+                            </p:stCondLst>
+                            <p:childTnLst>
+                              <p:par>
+                                <p:cTn id="37" presetID="1" presetClass="entr" presetSubtype="0" fill="hold" nodeType="clickEffect">
+                                  <p:stCondLst>
+                                    <p:cond delay="0"/>
+                                  </p:stCondLst>
+                                  <p:childTnLst>
+                                    <p:set>
+                                      <p:cBhvr>
+                                        <p:cTn id="38" dur="1" fill="hold">
+                                          <p:stCondLst>
+                                            <p:cond delay="0"/>
+                                          </p:stCondLst>
+                                        </p:cTn>
+                                        <p:tgtEl>
+                                          <p:spTgt spid="24"/>
+                                        </p:tgtEl>
+                                        <p:attrNameLst>
+                                          <p:attrName>style.visibility</p:attrName>
+                                        </p:attrNameLst>
+                                      </p:cBhvr>
+                                      <p:to>
+                                        <p:strVal val="visible"/>
+                                      </p:to>
+                                    </p:set>
+                                  </p:childTnLst>
+                                </p:cTn>
+                              </p:par>
+                            </p:childTnLst>
+                          </p:cTn>
+                        </p:par>
+                      </p:childTnLst>
+                    </p:cTn>
+                  </p:par>
+                  <p:par>
+                    <p:cTn id="39" fill="hold">
+                      <p:stCondLst>
+                        <p:cond delay="indefinite"/>
+                      </p:stCondLst>
+                      <p:childTnLst>
+                        <p:par>
+                          <p:cTn id="40" fill="hold">
+                            <p:stCondLst>
+                              <p:cond delay="0"/>
+                            </p:stCondLst>
+                            <p:childTnLst>
+                              <p:par>
+                                <p:cTn id="41" presetID="1" presetClass="entr" presetSubtype="0" fill="hold" nodeType="clickEffect">
+                                  <p:stCondLst>
+                                    <p:cond delay="0"/>
+                                  </p:stCondLst>
+                                  <p:childTnLst>
+                                    <p:set>
+                                      <p:cBhvr>
+                                        <p:cTn id="42" dur="1" fill="hold">
+                                          <p:stCondLst>
+                                            <p:cond delay="0"/>
+                                          </p:stCondLst>
+                                        </p:cTn>
+                                        <p:tgtEl>
+                                          <p:spTgt spid="6"/>
+                                        </p:tgtEl>
+                                        <p:attrNameLst>
+                                          <p:attrName>style.visibility</p:attrName>
+                                        </p:attrNameLst>
+                                      </p:cBhvr>
+                                      <p:to>
+                                        <p:strVal val="visible"/>
+                                      </p:to>
+                                    </p:set>
+                                  </p:childTnLst>
+                                </p:cTn>
+                              </p:par>
+                            </p:childTnLst>
+                          </p:cTn>
+                        </p:par>
+                      </p:childTnLst>
+                    </p:cTn>
+                  </p:par>
+                </p:childTnLst>
+              </p:cTn>
+              <p:prevCondLst>
+                <p:cond evt="onPrev" delay="0">
+                  <p:tgtEl>
+                    <p:sldTgt/>
+                  </p:tgtEl>
+                </p:cond>
+              </p:prevCondLst>
+              <p:nextCondLst>
+                <p:cond evt="onNext" delay="0">
+                  <p:tgtEl>
+                    <p:sldTgt/>
+                  </p:tgtEl>
+                </p:cond>
+              </p:nextCondLst>
+            </p:seq>
+          </p:childTnLst>
+        </p:cTn>
+      </p:par>
+    </p:tnLst>
+    <p:bldLst>
+      <p:bldP spid="15" grpId="0"/>
+    </p:bldLst>
+  </p:timing>
 </p:sld>
 </file>
 
-<file path=ppt/slides/slide17.xml><?xml version="1.0" encoding="utf-8"?>
+<file path=ppt/slides/slide15.xml><?xml version="1.0" encoding="utf-8"?>
 <p:sld xmlns:a="http://schemas.openxmlformats.org/drawingml/2006/main" xmlns:r="http://schemas.openxmlformats.org/officeDocument/2006/relationships" xmlns:p="http://schemas.openxmlformats.org/presentationml/2006/main">
   <p:cSld>
     <p:spTree>
@@ -6346,7 +8117,17 @@
                 <a:ea typeface="+mj-ea"/>
                 <a:cs typeface="+mj-cs"/>
               </a:rPr>
-              <a:t> Live Demo</a:t>
+              <a:t> </a:t>
+            </a:r>
+            <a:r>
+              <a:rPr lang="en-US" sz="6000" b="1" kern="1200" dirty="0">
+                <a:solidFill>
+                  <a:srgbClr val="FFFFFF"/>
+                </a:solidFill>
+                <a:latin typeface="Arial" panose="020B0604020202020204" pitchFamily="34" charset="0"/>
+                <a:cs typeface="Arial" panose="020B0604020202020204" pitchFamily="34" charset="0"/>
+              </a:rPr>
+              <a:t>Live Demo</a:t>
             </a:r>
           </a:p>
         </p:txBody>
@@ -6364,7 +8145,7 @@
 </p:sld>
 </file>
 
-<file path=ppt/slides/slide18.xml><?xml version="1.0" encoding="utf-8"?>
+<file path=ppt/slides/slide16.xml><?xml version="1.0" encoding="utf-8"?>
 <p:sld xmlns:a="http://schemas.openxmlformats.org/drawingml/2006/main" xmlns:r="http://schemas.openxmlformats.org/officeDocument/2006/relationships" xmlns:p="http://schemas.openxmlformats.org/presentationml/2006/main">
   <p:cSld>
     <p:spTree>
@@ -6399,42 +8180,25 @@
         </p:nvSpPr>
         <p:spPr/>
         <p:txBody>
-          <a:bodyPr/>
+          <a:bodyPr>
+            <a:normAutofit/>
+          </a:bodyPr>
           <a:lstStyle/>
           <a:p>
             <a:r>
-              <a:rPr lang="en-GB" dirty="0" err="1"/>
+              <a:rPr lang="en-GB" sz="4000" dirty="0" err="1">
+                <a:latin typeface="Arial" panose="020B0604020202020204" pitchFamily="34" charset="0"/>
+                <a:cs typeface="Arial" panose="020B0604020202020204" pitchFamily="34" charset="0"/>
+              </a:rPr>
               <a:t>GraphQL</a:t>
             </a:r>
             <a:r>
-              <a:rPr lang="en-GB" dirty="0"/>
+              <a:rPr lang="en-GB" sz="4000" dirty="0">
+                <a:latin typeface="Arial" panose="020B0604020202020204" pitchFamily="34" charset="0"/>
+                <a:cs typeface="Arial" panose="020B0604020202020204" pitchFamily="34" charset="0"/>
+              </a:rPr>
               <a:t> Advantages</a:t>
             </a:r>
-          </a:p>
-        </p:txBody>
-      </p:sp>
-      <p:sp>
-        <p:nvSpPr>
-          <p:cNvPr id="3" name="Content Placeholder 2">
-            <a:extLst>
-              <a:ext uri="{FF2B5EF4-FFF2-40B4-BE49-F238E27FC236}">
-                <a16:creationId xmlns:a16="http://schemas.microsoft.com/office/drawing/2014/main" id="{51EBDCA0-E10E-4C3B-907D-E1D36159BAC7}"/>
-              </a:ext>
-            </a:extLst>
-          </p:cNvPr>
-          <p:cNvSpPr>
-            <a:spLocks noGrp="1"/>
-          </p:cNvSpPr>
-          <p:nvPr>
-            <p:ph idx="1"/>
-          </p:nvPr>
-        </p:nvSpPr>
-        <p:spPr/>
-        <p:txBody>
-          <a:bodyPr/>
-          <a:lstStyle/>
-          <a:p>
-            <a:endParaRPr lang="en-GB" dirty="0"/>
           </a:p>
         </p:txBody>
       </p:sp>
@@ -6451,17 +8215,9 @@
 </p:sld>
 </file>
 
-<file path=ppt/slides/slide19.xml><?xml version="1.0" encoding="utf-8"?>
+<file path=ppt/slides/slide17.xml><?xml version="1.0" encoding="utf-8"?>
 <p:sld xmlns:a="http://schemas.openxmlformats.org/drawingml/2006/main" xmlns:r="http://schemas.openxmlformats.org/officeDocument/2006/relationships" xmlns:p="http://schemas.openxmlformats.org/presentationml/2006/main">
   <p:cSld>
-    <p:bg>
-      <p:bgPr>
-        <a:solidFill>
-          <a:schemeClr val="bg1"/>
-        </a:solidFill>
-        <a:effectLst/>
-      </p:bgPr>
-    </p:bg>
     <p:spTree>
       <p:nvGrpSpPr>
         <p:cNvPr id="1" name=""/>
@@ -6505,7 +8261,10 @@
           <a:lstStyle/>
           <a:p>
             <a:r>
-              <a:rPr lang="en-GB" dirty="0"/>
+              <a:rPr lang="en-GB" sz="4000" dirty="0">
+                <a:latin typeface="Arial" panose="020B0604020202020204" pitchFamily="34" charset="0"/>
+                <a:cs typeface="Arial" panose="020B0604020202020204" pitchFamily="34" charset="0"/>
+              </a:rPr>
               <a:t>Blog Application</a:t>
             </a:r>
           </a:p>
@@ -6532,6 +8291,7 @@
             <a:off x="838200" y="1825625"/>
             <a:ext cx="6639232" cy="4351338"/>
           </a:xfrm>
+          <a:noFill/>
         </p:spPr>
         <p:txBody>
           <a:bodyPr>
@@ -6543,7 +8303,7 @@
               <a:buNone/>
             </a:pPr>
             <a:r>
-              <a:rPr lang="en-GB" sz="2000" dirty="0"/>
+              <a:rPr lang="en-GB" dirty="0"/>
               <a:t>Imagine we have build an API that lets us:</a:t>
             </a:r>
           </a:p>
@@ -6552,36 +8312,36 @@
               <a:buNone/>
             </a:pPr>
             <a:r>
-              <a:rPr lang="en-GB" sz="2000" dirty="0"/>
+              <a:rPr lang="en-GB" dirty="0"/>
               <a:t> </a:t>
             </a:r>
           </a:p>
           <a:p>
             <a:r>
-              <a:rPr lang="en-GB" sz="2000" dirty="0"/>
-              <a:t>Retrieve user details </a:t>
-            </a:r>
-          </a:p>
-          <a:p>
-            <a:endParaRPr lang="en-GB" sz="2000" dirty="0"/>
-          </a:p>
-          <a:p>
-            <a:r>
-              <a:rPr lang="en-GB" sz="2000" dirty="0"/>
+              <a:rPr lang="en-GB" dirty="0"/>
+              <a:t>Retrieve user name </a:t>
+            </a:r>
+          </a:p>
+          <a:p>
+            <a:endParaRPr lang="en-GB" dirty="0"/>
+          </a:p>
+          <a:p>
+            <a:r>
+              <a:rPr lang="en-GB" dirty="0"/>
               <a:t>Shows the posts he/she has created</a:t>
             </a:r>
           </a:p>
           <a:p>
-            <a:endParaRPr lang="en-GB" sz="2000" dirty="0"/>
-          </a:p>
-          <a:p>
-            <a:r>
-              <a:rPr lang="en-GB" sz="2000" dirty="0"/>
+            <a:endParaRPr lang="en-GB" dirty="0"/>
+          </a:p>
+          <a:p>
+            <a:r>
+              <a:rPr lang="en-GB" dirty="0"/>
               <a:t>Shows the followers the user has.</a:t>
             </a:r>
           </a:p>
           <a:p>
-            <a:endParaRPr lang="en-GB" sz="2000" dirty="0"/>
+            <a:endParaRPr lang="en-GB" dirty="0"/>
           </a:p>
           <a:p>
             <a:endParaRPr lang="en-GB" sz="2000" dirty="0"/>
@@ -6631,7 +8391,7 @@
 </p:sld>
 </file>
 
-<file path=ppt/slides/slide2.xml><?xml version="1.0" encoding="utf-8"?>
+<file path=ppt/slides/slide18.xml><?xml version="1.0" encoding="utf-8"?>
 <p:sld xmlns:a="http://schemas.openxmlformats.org/drawingml/2006/main" xmlns:r="http://schemas.openxmlformats.org/officeDocument/2006/relationships" xmlns:p="http://schemas.openxmlformats.org/presentationml/2006/main">
   <p:cSld>
     <p:spTree>
@@ -6653,7 +8413,7 @@
           <p:cNvPr id="2" name="Title 1">
             <a:extLst>
               <a:ext uri="{FF2B5EF4-FFF2-40B4-BE49-F238E27FC236}">
-                <a16:creationId xmlns:a16="http://schemas.microsoft.com/office/drawing/2014/main" id="{09950500-FC78-4BA6-B721-73EE72597F31}"/>
+                <a16:creationId xmlns:a16="http://schemas.microsoft.com/office/drawing/2014/main" id="{BF6CD4F8-1FCA-427D-8F89-2CFB2D6F1184}"/>
               </a:ext>
             </a:extLst>
           </p:cNvPr>
@@ -6666,232 +8426,13 @@
         </p:nvSpPr>
         <p:spPr/>
         <p:txBody>
-          <a:bodyPr/>
-          <a:lstStyle/>
-          <a:p>
-            <a:r>
-              <a:rPr lang="en-GB" b="1" dirty="0">
-                <a:latin typeface="Arial Black" panose="020B0A04020102020204" pitchFamily="34" charset="0"/>
-                <a:cs typeface="Arial" panose="020B0604020202020204" pitchFamily="34" charset="0"/>
-              </a:rPr>
-              <a:t>Agenda:</a:t>
-            </a:r>
-          </a:p>
-        </p:txBody>
-      </p:sp>
-      <p:sp>
-        <p:nvSpPr>
-          <p:cNvPr id="3" name="Content Placeholder 2">
-            <a:extLst>
-              <a:ext uri="{FF2B5EF4-FFF2-40B4-BE49-F238E27FC236}">
-                <a16:creationId xmlns:a16="http://schemas.microsoft.com/office/drawing/2014/main" id="{047F16F6-016F-4E9A-905D-D1DF3CBF6983}"/>
-              </a:ext>
-            </a:extLst>
-          </p:cNvPr>
-          <p:cNvSpPr>
-            <a:spLocks noGrp="1"/>
-          </p:cNvSpPr>
-          <p:nvPr>
-            <p:ph idx="1"/>
-          </p:nvPr>
-        </p:nvSpPr>
-        <p:spPr>
-          <a:xfrm>
-            <a:off x="838200" y="1825625"/>
-            <a:ext cx="10515600" cy="4667250"/>
-          </a:xfrm>
-        </p:spPr>
-        <p:txBody>
           <a:bodyPr>
-            <a:normAutofit lnSpcReduction="10000"/>
+            <a:normAutofit/>
           </a:bodyPr>
           <a:lstStyle/>
           <a:p>
-            <a:pPr marL="514350" indent="-514350">
-              <a:buFont typeface="+mj-lt"/>
-              <a:buAutoNum type="arabicPeriod"/>
-            </a:pPr>
-            <a:r>
-              <a:rPr lang="en-GB" b="1" dirty="0">
-                <a:latin typeface="Arial" panose="020B0604020202020204" pitchFamily="34" charset="0"/>
-                <a:cs typeface="Arial" panose="020B0604020202020204" pitchFamily="34" charset="0"/>
-              </a:rPr>
-              <a:t>What Is GraphQL</a:t>
-            </a:r>
-          </a:p>
-          <a:p>
-            <a:pPr marL="514350" indent="-514350">
-              <a:buFont typeface="+mj-lt"/>
-              <a:buAutoNum type="arabicPeriod"/>
-            </a:pPr>
-            <a:endParaRPr lang="en-GB" b="1" dirty="0">
-              <a:latin typeface="Arial" panose="020B0604020202020204" pitchFamily="34" charset="0"/>
-              <a:cs typeface="Arial" panose="020B0604020202020204" pitchFamily="34" charset="0"/>
-            </a:endParaRPr>
-          </a:p>
-          <a:p>
-            <a:pPr marL="514350" indent="-514350">
-              <a:buFont typeface="+mj-lt"/>
-              <a:buAutoNum type="arabicPeriod"/>
-            </a:pPr>
-            <a:r>
-              <a:rPr lang="en-GB" b="1" dirty="0">
-                <a:latin typeface="Arial" panose="020B0604020202020204" pitchFamily="34" charset="0"/>
-                <a:cs typeface="Arial" panose="020B0604020202020204" pitchFamily="34" charset="0"/>
-              </a:rPr>
-              <a:t>Advantages Of GraphQL Over REST</a:t>
-            </a:r>
-          </a:p>
-          <a:p>
-            <a:pPr marL="514350" indent="-514350">
-              <a:buFont typeface="+mj-lt"/>
-              <a:buAutoNum type="arabicPeriod"/>
-            </a:pPr>
-            <a:endParaRPr lang="en-GB" b="1" dirty="0">
-              <a:latin typeface="Arial" panose="020B0604020202020204" pitchFamily="34" charset="0"/>
-              <a:cs typeface="Arial" panose="020B0604020202020204" pitchFamily="34" charset="0"/>
-            </a:endParaRPr>
-          </a:p>
-          <a:p>
-            <a:pPr marL="514350" indent="-514350">
-              <a:buFont typeface="+mj-lt"/>
-              <a:buAutoNum type="arabicPeriod"/>
-            </a:pPr>
-            <a:r>
-              <a:rPr lang="en-GB" b="1" dirty="0">
-                <a:latin typeface="Arial" panose="020B0604020202020204" pitchFamily="34" charset="0"/>
-                <a:cs typeface="Arial" panose="020B0604020202020204" pitchFamily="34" charset="0"/>
-              </a:rPr>
-              <a:t>Some Disadvantages</a:t>
-            </a:r>
-          </a:p>
-          <a:p>
-            <a:pPr marL="514350" indent="-514350">
-              <a:buFont typeface="+mj-lt"/>
-              <a:buAutoNum type="arabicPeriod"/>
-            </a:pPr>
-            <a:endParaRPr lang="en-GB" b="1" dirty="0">
-              <a:latin typeface="Arial" panose="020B0604020202020204" pitchFamily="34" charset="0"/>
-              <a:cs typeface="Arial" panose="020B0604020202020204" pitchFamily="34" charset="0"/>
-            </a:endParaRPr>
-          </a:p>
-          <a:p>
-            <a:pPr marL="514350" indent="-514350">
-              <a:buFont typeface="+mj-lt"/>
-              <a:buAutoNum type="arabicPeriod"/>
-            </a:pPr>
-            <a:r>
-              <a:rPr lang="en-GB" b="1" dirty="0">
-                <a:latin typeface="Arial" panose="020B0604020202020204" pitchFamily="34" charset="0"/>
-                <a:cs typeface="Arial" panose="020B0604020202020204" pitchFamily="34" charset="0"/>
-              </a:rPr>
-              <a:t>Demonstration Of A Simple NodeJS GraphQL Server Built Using Express.js</a:t>
-            </a:r>
-          </a:p>
-          <a:p>
-            <a:pPr marL="514350" indent="-514350">
-              <a:buFont typeface="+mj-lt"/>
-              <a:buAutoNum type="arabicPeriod"/>
-            </a:pPr>
-            <a:endParaRPr lang="en-GB" b="1" dirty="0">
-              <a:latin typeface="Arial" panose="020B0604020202020204" pitchFamily="34" charset="0"/>
-              <a:cs typeface="Arial" panose="020B0604020202020204" pitchFamily="34" charset="0"/>
-            </a:endParaRPr>
-          </a:p>
-          <a:p>
-            <a:pPr marL="514350" indent="-514350">
-              <a:buFont typeface="+mj-lt"/>
-              <a:buAutoNum type="arabicPeriod"/>
-            </a:pPr>
-            <a:r>
-              <a:rPr lang="en-GB" b="1" dirty="0">
-                <a:latin typeface="Arial" panose="020B0604020202020204" pitchFamily="34" charset="0"/>
-                <a:cs typeface="Arial" panose="020B0604020202020204" pitchFamily="34" charset="0"/>
-              </a:rPr>
-              <a:t>Questions </a:t>
-            </a:r>
-          </a:p>
-          <a:p>
-            <a:pPr marL="0" indent="0">
-              <a:buNone/>
-            </a:pPr>
-            <a:endParaRPr lang="en-GB" dirty="0"/>
-          </a:p>
-          <a:p>
-            <a:pPr marL="0" indent="0">
-              <a:buNone/>
-            </a:pPr>
-            <a:endParaRPr lang="en-GB" dirty="0"/>
-          </a:p>
-          <a:p>
-            <a:pPr marL="514350" indent="-514350">
-              <a:buFont typeface="+mj-lt"/>
-              <a:buAutoNum type="arabicPeriod"/>
-            </a:pPr>
-            <a:endParaRPr lang="en-GB" dirty="0"/>
-          </a:p>
-          <a:p>
-            <a:pPr marL="514350" indent="-514350">
-              <a:buFont typeface="+mj-lt"/>
-              <a:buAutoNum type="arabicPeriod"/>
-            </a:pPr>
-            <a:endParaRPr lang="en-GB" dirty="0"/>
-          </a:p>
-        </p:txBody>
-      </p:sp>
-    </p:spTree>
-    <p:extLst>
-      <p:ext uri="{BB962C8B-B14F-4D97-AF65-F5344CB8AC3E}">
-        <p14:creationId xmlns:p14="http://schemas.microsoft.com/office/powerpoint/2010/main" val="1520505893"/>
-      </p:ext>
-    </p:extLst>
-  </p:cSld>
-  <p:clrMapOvr>
-    <a:masterClrMapping/>
-  </p:clrMapOvr>
-</p:sld>
-</file>
-
-<file path=ppt/slides/slide20.xml><?xml version="1.0" encoding="utf-8"?>
-<p:sld xmlns:a="http://schemas.openxmlformats.org/drawingml/2006/main" xmlns:r="http://schemas.openxmlformats.org/officeDocument/2006/relationships" xmlns:p="http://schemas.openxmlformats.org/presentationml/2006/main">
-  <p:cSld>
-    <p:spTree>
-      <p:nvGrpSpPr>
-        <p:cNvPr id="1" name=""/>
-        <p:cNvGrpSpPr/>
-        <p:nvPr/>
-      </p:nvGrpSpPr>
-      <p:grpSpPr>
-        <a:xfrm>
-          <a:off x="0" y="0"/>
-          <a:ext cx="0" cy="0"/>
-          <a:chOff x="0" y="0"/>
-          <a:chExt cx="0" cy="0"/>
-        </a:xfrm>
-      </p:grpSpPr>
-      <p:sp>
-        <p:nvSpPr>
-          <p:cNvPr id="2" name="Title 1">
-            <a:extLst>
-              <a:ext uri="{FF2B5EF4-FFF2-40B4-BE49-F238E27FC236}">
-                <a16:creationId xmlns:a16="http://schemas.microsoft.com/office/drawing/2014/main" id="{BF6CD4F8-1FCA-427D-8F89-2CFB2D6F1184}"/>
-              </a:ext>
-            </a:extLst>
-          </p:cNvPr>
-          <p:cNvSpPr>
-            <a:spLocks noGrp="1"/>
-          </p:cNvSpPr>
-          <p:nvPr>
-            <p:ph type="title"/>
-          </p:nvPr>
-        </p:nvSpPr>
-        <p:spPr/>
-        <p:txBody>
-          <a:bodyPr/>
-          <a:lstStyle/>
-          <a:p>
-            <a:r>
-              <a:rPr lang="en-GB" dirty="0"/>
+            <a:r>
+              <a:rPr lang="en-GB" sz="4000" b="1" dirty="0"/>
               <a:t>Blogging App With REST</a:t>
             </a:r>
           </a:p>
@@ -6929,7 +8470,10 @@
               <a:buNone/>
             </a:pPr>
             <a:r>
-              <a:rPr lang="en-GB" dirty="0"/>
+              <a:rPr lang="en-GB" dirty="0">
+                <a:latin typeface="Arial" panose="020B0604020202020204" pitchFamily="34" charset="0"/>
+                <a:cs typeface="Arial" panose="020B0604020202020204" pitchFamily="34" charset="0"/>
+              </a:rPr>
               <a:t>With REST, we might have the following endpoints:</a:t>
             </a:r>
           </a:p>
@@ -6937,41 +8481,68 @@
             <a:pPr marL="0" indent="0">
               <a:buNone/>
             </a:pPr>
-            <a:endParaRPr lang="en-GB" dirty="0"/>
-          </a:p>
-          <a:p>
-            <a:r>
-              <a:rPr lang="en-GB" b="1" dirty="0"/>
+            <a:endParaRPr lang="en-GB" dirty="0">
+              <a:latin typeface="Arial" panose="020B0604020202020204" pitchFamily="34" charset="0"/>
+              <a:cs typeface="Arial" panose="020B0604020202020204" pitchFamily="34" charset="0"/>
+            </a:endParaRPr>
+          </a:p>
+          <a:p>
+            <a:r>
+              <a:rPr lang="en-GB" b="1" dirty="0">
+                <a:latin typeface="Arial" panose="020B0604020202020204" pitchFamily="34" charset="0"/>
+                <a:cs typeface="Arial" panose="020B0604020202020204" pitchFamily="34" charset="0"/>
+              </a:rPr>
               <a:t>/users/&lt;id&gt;</a:t>
             </a:r>
             <a:r>
-              <a:rPr lang="en-GB" dirty="0"/>
+              <a:rPr lang="en-GB" dirty="0">
+                <a:latin typeface="Arial" panose="020B0604020202020204" pitchFamily="34" charset="0"/>
+                <a:cs typeface="Arial" panose="020B0604020202020204" pitchFamily="34" charset="0"/>
+              </a:rPr>
               <a:t>  to fetch a user</a:t>
             </a:r>
           </a:p>
           <a:p>
-            <a:endParaRPr lang="en-GB" dirty="0"/>
-          </a:p>
-          <a:p>
-            <a:r>
-              <a:rPr lang="en-GB" b="1" dirty="0"/>
+            <a:endParaRPr lang="en-GB" dirty="0">
+              <a:latin typeface="Arial" panose="020B0604020202020204" pitchFamily="34" charset="0"/>
+              <a:cs typeface="Arial" panose="020B0604020202020204" pitchFamily="34" charset="0"/>
+            </a:endParaRPr>
+          </a:p>
+          <a:p>
+            <a:r>
+              <a:rPr lang="en-GB" b="1" dirty="0">
+                <a:latin typeface="Arial" panose="020B0604020202020204" pitchFamily="34" charset="0"/>
+                <a:cs typeface="Arial" panose="020B0604020202020204" pitchFamily="34" charset="0"/>
+              </a:rPr>
               <a:t>/users/&lt;id&gt;/posts </a:t>
             </a:r>
             <a:r>
-              <a:rPr lang="en-GB" dirty="0"/>
+              <a:rPr lang="en-GB" dirty="0">
+                <a:latin typeface="Arial" panose="020B0604020202020204" pitchFamily="34" charset="0"/>
+                <a:cs typeface="Arial" panose="020B0604020202020204" pitchFamily="34" charset="0"/>
+              </a:rPr>
               <a:t>to fetch the post of that particular user</a:t>
             </a:r>
           </a:p>
           <a:p>
-            <a:endParaRPr lang="en-GB" dirty="0"/>
-          </a:p>
-          <a:p>
-            <a:r>
-              <a:rPr lang="en-GB" b="1" dirty="0"/>
+            <a:endParaRPr lang="en-GB" dirty="0">
+              <a:latin typeface="Arial" panose="020B0604020202020204" pitchFamily="34" charset="0"/>
+              <a:cs typeface="Arial" panose="020B0604020202020204" pitchFamily="34" charset="0"/>
+            </a:endParaRPr>
+          </a:p>
+          <a:p>
+            <a:r>
+              <a:rPr lang="en-GB" b="1" dirty="0">
+                <a:latin typeface="Arial" panose="020B0604020202020204" pitchFamily="34" charset="0"/>
+                <a:cs typeface="Arial" panose="020B0604020202020204" pitchFamily="34" charset="0"/>
+              </a:rPr>
               <a:t>/users/&lt;id&gt;/followers </a:t>
             </a:r>
             <a:r>
-              <a:rPr lang="en-GB" dirty="0"/>
+              <a:rPr lang="en-GB" dirty="0">
+                <a:latin typeface="Arial" panose="020B0604020202020204" pitchFamily="34" charset="0"/>
+                <a:cs typeface="Arial" panose="020B0604020202020204" pitchFamily="34" charset="0"/>
+              </a:rPr>
               <a:t>to fetch the followers of that particular user</a:t>
             </a:r>
           </a:p>
@@ -7002,8 +8573,8 @@
         </p:blipFill>
         <p:spPr>
           <a:xfrm>
-            <a:off x="7961178" y="2902642"/>
-            <a:ext cx="4230822" cy="2008572"/>
+            <a:off x="7375193" y="2624447"/>
+            <a:ext cx="4816806" cy="2286766"/>
           </a:xfrm>
           <a:prstGeom prst="rect">
             <a:avLst/>
@@ -7020,10 +8591,187 @@
   <p:clrMapOvr>
     <a:masterClrMapping/>
   </p:clrMapOvr>
+  <p:timing>
+    <p:tnLst>
+      <p:par>
+        <p:cTn id="1" dur="indefinite" restart="never" nodeType="tmRoot">
+          <p:childTnLst>
+            <p:seq concurrent="1" nextAc="seek">
+              <p:cTn id="2" dur="indefinite" nodeType="mainSeq">
+                <p:childTnLst>
+                  <p:par>
+                    <p:cTn id="3" fill="hold">
+                      <p:stCondLst>
+                        <p:cond delay="indefinite"/>
+                      </p:stCondLst>
+                      <p:childTnLst>
+                        <p:par>
+                          <p:cTn id="4" fill="hold">
+                            <p:stCondLst>
+                              <p:cond delay="0"/>
+                            </p:stCondLst>
+                            <p:childTnLst>
+                              <p:par>
+                                <p:cTn id="5" presetID="1" presetClass="entr" presetSubtype="0" fill="hold" nodeType="clickEffect">
+                                  <p:stCondLst>
+                                    <p:cond delay="0"/>
+                                  </p:stCondLst>
+                                  <p:childTnLst>
+                                    <p:set>
+                                      <p:cBhvr>
+                                        <p:cTn id="6" dur="1" fill="hold">
+                                          <p:stCondLst>
+                                            <p:cond delay="0"/>
+                                          </p:stCondLst>
+                                        </p:cTn>
+                                        <p:tgtEl>
+                                          <p:spTgt spid="3">
+                                            <p:txEl>
+                                              <p:pRg st="2" end="2"/>
+                                            </p:txEl>
+                                          </p:spTgt>
+                                        </p:tgtEl>
+                                        <p:attrNameLst>
+                                          <p:attrName>style.visibility</p:attrName>
+                                        </p:attrNameLst>
+                                      </p:cBhvr>
+                                      <p:to>
+                                        <p:strVal val="visible"/>
+                                      </p:to>
+                                    </p:set>
+                                  </p:childTnLst>
+                                </p:cTn>
+                              </p:par>
+                            </p:childTnLst>
+                          </p:cTn>
+                        </p:par>
+                      </p:childTnLst>
+                    </p:cTn>
+                  </p:par>
+                  <p:par>
+                    <p:cTn id="7" fill="hold">
+                      <p:stCondLst>
+                        <p:cond delay="indefinite"/>
+                      </p:stCondLst>
+                      <p:childTnLst>
+                        <p:par>
+                          <p:cTn id="8" fill="hold">
+                            <p:stCondLst>
+                              <p:cond delay="0"/>
+                            </p:stCondLst>
+                            <p:childTnLst>
+                              <p:par>
+                                <p:cTn id="9" presetID="1" presetClass="entr" presetSubtype="0" fill="hold" nodeType="clickEffect">
+                                  <p:stCondLst>
+                                    <p:cond delay="0"/>
+                                  </p:stCondLst>
+                                  <p:childTnLst>
+                                    <p:set>
+                                      <p:cBhvr>
+                                        <p:cTn id="10" dur="1" fill="hold">
+                                          <p:stCondLst>
+                                            <p:cond delay="0"/>
+                                          </p:stCondLst>
+                                        </p:cTn>
+                                        <p:tgtEl>
+                                          <p:spTgt spid="3">
+                                            <p:txEl>
+                                              <p:pRg st="4" end="4"/>
+                                            </p:txEl>
+                                          </p:spTgt>
+                                        </p:tgtEl>
+                                        <p:attrNameLst>
+                                          <p:attrName>style.visibility</p:attrName>
+                                        </p:attrNameLst>
+                                      </p:cBhvr>
+                                      <p:to>
+                                        <p:strVal val="visible"/>
+                                      </p:to>
+                                    </p:set>
+                                  </p:childTnLst>
+                                </p:cTn>
+                              </p:par>
+                            </p:childTnLst>
+                          </p:cTn>
+                        </p:par>
+                      </p:childTnLst>
+                    </p:cTn>
+                  </p:par>
+                  <p:par>
+                    <p:cTn id="11" fill="hold">
+                      <p:stCondLst>
+                        <p:cond delay="indefinite"/>
+                      </p:stCondLst>
+                      <p:childTnLst>
+                        <p:par>
+                          <p:cTn id="12" fill="hold">
+                            <p:stCondLst>
+                              <p:cond delay="0"/>
+                            </p:stCondLst>
+                            <p:childTnLst>
+                              <p:par>
+                                <p:cTn id="13" presetID="1" presetClass="entr" presetSubtype="0" fill="hold" nodeType="clickEffect">
+                                  <p:stCondLst>
+                                    <p:cond delay="0"/>
+                                  </p:stCondLst>
+                                  <p:childTnLst>
+                                    <p:set>
+                                      <p:cBhvr>
+                                        <p:cTn id="14" dur="1" fill="hold">
+                                          <p:stCondLst>
+                                            <p:cond delay="0"/>
+                                          </p:stCondLst>
+                                        </p:cTn>
+                                        <p:tgtEl>
+                                          <p:spTgt spid="3">
+                                            <p:txEl>
+                                              <p:pRg st="6" end="6"/>
+                                            </p:txEl>
+                                          </p:spTgt>
+                                        </p:tgtEl>
+                                        <p:attrNameLst>
+                                          <p:attrName>style.visibility</p:attrName>
+                                        </p:attrNameLst>
+                                      </p:cBhvr>
+                                      <p:to>
+                                        <p:strVal val="visible"/>
+                                      </p:to>
+                                    </p:set>
+                                  </p:childTnLst>
+                                </p:cTn>
+                              </p:par>
+                            </p:childTnLst>
+                          </p:cTn>
+                        </p:par>
+                      </p:childTnLst>
+                    </p:cTn>
+                  </p:par>
+                </p:childTnLst>
+              </p:cTn>
+              <p:prevCondLst>
+                <p:cond evt="onPrev" delay="0">
+                  <p:tgtEl>
+                    <p:sldTgt/>
+                  </p:tgtEl>
+                </p:cond>
+              </p:prevCondLst>
+              <p:nextCondLst>
+                <p:cond evt="onNext" delay="0">
+                  <p:tgtEl>
+                    <p:sldTgt/>
+                  </p:tgtEl>
+                </p:cond>
+              </p:nextCondLst>
+            </p:seq>
+          </p:childTnLst>
+        </p:cTn>
+      </p:par>
+    </p:tnLst>
+  </p:timing>
 </p:sld>
 </file>
 
-<file path=ppt/slides/slide21.xml><?xml version="1.0" encoding="utf-8"?>
+<file path=ppt/slides/slide19.xml><?xml version="1.0" encoding="utf-8"?>
 <p:sld xmlns:a="http://schemas.openxmlformats.org/drawingml/2006/main" xmlns:r="http://schemas.openxmlformats.org/officeDocument/2006/relationships" xmlns:p="http://schemas.openxmlformats.org/presentationml/2006/main">
   <p:cSld>
     <p:spTree>
@@ -7085,7 +8833,228 @@
 </p:sld>
 </file>
 
-<file path=ppt/slides/slide22.xml><?xml version="1.0" encoding="utf-8"?>
+<file path=ppt/slides/slide2.xml><?xml version="1.0" encoding="utf-8"?>
+<p:sld xmlns:a="http://schemas.openxmlformats.org/drawingml/2006/main" xmlns:r="http://schemas.openxmlformats.org/officeDocument/2006/relationships" xmlns:p="http://schemas.openxmlformats.org/presentationml/2006/main">
+  <p:cSld>
+    <p:spTree>
+      <p:nvGrpSpPr>
+        <p:cNvPr id="1" name=""/>
+        <p:cNvGrpSpPr/>
+        <p:nvPr/>
+      </p:nvGrpSpPr>
+      <p:grpSpPr>
+        <a:xfrm>
+          <a:off x="0" y="0"/>
+          <a:ext cx="0" cy="0"/>
+          <a:chOff x="0" y="0"/>
+          <a:chExt cx="0" cy="0"/>
+        </a:xfrm>
+      </p:grpSpPr>
+      <p:sp>
+        <p:nvSpPr>
+          <p:cNvPr id="2" name="Title 1">
+            <a:extLst>
+              <a:ext uri="{FF2B5EF4-FFF2-40B4-BE49-F238E27FC236}">
+                <a16:creationId xmlns:a16="http://schemas.microsoft.com/office/drawing/2014/main" id="{09950500-FC78-4BA6-B721-73EE72597F31}"/>
+              </a:ext>
+            </a:extLst>
+          </p:cNvPr>
+          <p:cNvSpPr>
+            <a:spLocks noGrp="1"/>
+          </p:cNvSpPr>
+          <p:nvPr>
+            <p:ph type="title"/>
+          </p:nvPr>
+        </p:nvSpPr>
+        <p:spPr/>
+        <p:txBody>
+          <a:bodyPr/>
+          <a:lstStyle/>
+          <a:p>
+            <a:r>
+              <a:rPr lang="en-GB" b="1" dirty="0">
+                <a:latin typeface="Arial Black" panose="020B0A04020102020204" pitchFamily="34" charset="0"/>
+                <a:cs typeface="Arial" panose="020B0604020202020204" pitchFamily="34" charset="0"/>
+              </a:rPr>
+              <a:t>Agenda:</a:t>
+            </a:r>
+          </a:p>
+        </p:txBody>
+      </p:sp>
+      <p:sp>
+        <p:nvSpPr>
+          <p:cNvPr id="3" name="Content Placeholder 2">
+            <a:extLst>
+              <a:ext uri="{FF2B5EF4-FFF2-40B4-BE49-F238E27FC236}">
+                <a16:creationId xmlns:a16="http://schemas.microsoft.com/office/drawing/2014/main" id="{047F16F6-016F-4E9A-905D-D1DF3CBF6983}"/>
+              </a:ext>
+            </a:extLst>
+          </p:cNvPr>
+          <p:cNvSpPr>
+            <a:spLocks noGrp="1"/>
+          </p:cNvSpPr>
+          <p:nvPr>
+            <p:ph idx="1"/>
+          </p:nvPr>
+        </p:nvSpPr>
+        <p:spPr>
+          <a:xfrm>
+            <a:off x="838200" y="1825625"/>
+            <a:ext cx="10515600" cy="4667250"/>
+          </a:xfrm>
+        </p:spPr>
+        <p:txBody>
+          <a:bodyPr>
+            <a:normAutofit lnSpcReduction="10000"/>
+          </a:bodyPr>
+          <a:lstStyle/>
+          <a:p>
+            <a:pPr marL="514350" indent="-514350">
+              <a:buFont typeface="+mj-lt"/>
+              <a:buAutoNum type="arabicPeriod"/>
+            </a:pPr>
+            <a:r>
+              <a:rPr lang="en-GB" b="1" dirty="0">
+                <a:latin typeface="Arial" panose="020B0604020202020204" pitchFamily="34" charset="0"/>
+                <a:cs typeface="Arial" panose="020B0604020202020204" pitchFamily="34" charset="0"/>
+              </a:rPr>
+              <a:t>What Is GraphQL</a:t>
+            </a:r>
+          </a:p>
+          <a:p>
+            <a:pPr marL="514350" indent="-514350">
+              <a:buFont typeface="+mj-lt"/>
+              <a:buAutoNum type="arabicPeriod"/>
+            </a:pPr>
+            <a:endParaRPr lang="en-GB" b="1" dirty="0">
+              <a:latin typeface="Arial" panose="020B0604020202020204" pitchFamily="34" charset="0"/>
+              <a:cs typeface="Arial" panose="020B0604020202020204" pitchFamily="34" charset="0"/>
+            </a:endParaRPr>
+          </a:p>
+          <a:p>
+            <a:pPr marL="514350" indent="-514350">
+              <a:buFont typeface="+mj-lt"/>
+              <a:buAutoNum type="arabicPeriod"/>
+            </a:pPr>
+            <a:r>
+              <a:rPr lang="en-GB" b="1" dirty="0">
+                <a:latin typeface="Arial" panose="020B0604020202020204" pitchFamily="34" charset="0"/>
+                <a:cs typeface="Arial" panose="020B0604020202020204" pitchFamily="34" charset="0"/>
+              </a:rPr>
+              <a:t>Advantages Of GraphQL Over REST</a:t>
+            </a:r>
+          </a:p>
+          <a:p>
+            <a:pPr marL="514350" indent="-514350">
+              <a:buFont typeface="+mj-lt"/>
+              <a:buAutoNum type="arabicPeriod"/>
+            </a:pPr>
+            <a:endParaRPr lang="en-GB" b="1" dirty="0">
+              <a:latin typeface="Arial" panose="020B0604020202020204" pitchFamily="34" charset="0"/>
+              <a:cs typeface="Arial" panose="020B0604020202020204" pitchFamily="34" charset="0"/>
+            </a:endParaRPr>
+          </a:p>
+          <a:p>
+            <a:pPr marL="514350" indent="-514350">
+              <a:buFont typeface="+mj-lt"/>
+              <a:buAutoNum type="arabicPeriod"/>
+            </a:pPr>
+            <a:r>
+              <a:rPr lang="en-GB" b="1" dirty="0">
+                <a:latin typeface="Arial" panose="020B0604020202020204" pitchFamily="34" charset="0"/>
+                <a:cs typeface="Arial" panose="020B0604020202020204" pitchFamily="34" charset="0"/>
+              </a:rPr>
+              <a:t>Some Disadvantages</a:t>
+            </a:r>
+          </a:p>
+          <a:p>
+            <a:pPr marL="514350" indent="-514350">
+              <a:buFont typeface="+mj-lt"/>
+              <a:buAutoNum type="arabicPeriod"/>
+            </a:pPr>
+            <a:endParaRPr lang="en-GB" b="1" dirty="0">
+              <a:latin typeface="Arial" panose="020B0604020202020204" pitchFamily="34" charset="0"/>
+              <a:cs typeface="Arial" panose="020B0604020202020204" pitchFamily="34" charset="0"/>
+            </a:endParaRPr>
+          </a:p>
+          <a:p>
+            <a:pPr marL="514350" indent="-514350">
+              <a:buFont typeface="+mj-lt"/>
+              <a:buAutoNum type="arabicPeriod"/>
+            </a:pPr>
+            <a:r>
+              <a:rPr lang="en-GB" b="1" dirty="0">
+                <a:latin typeface="Arial" panose="020B0604020202020204" pitchFamily="34" charset="0"/>
+                <a:cs typeface="Arial" panose="020B0604020202020204" pitchFamily="34" charset="0"/>
+              </a:rPr>
+              <a:t>Demonstration Of A Simple NodeJS GraphQL Server Built Using Express.js</a:t>
+            </a:r>
+          </a:p>
+          <a:p>
+            <a:pPr marL="514350" indent="-514350">
+              <a:buFont typeface="+mj-lt"/>
+              <a:buAutoNum type="arabicPeriod"/>
+            </a:pPr>
+            <a:endParaRPr lang="en-GB" b="1" dirty="0">
+              <a:latin typeface="Arial" panose="020B0604020202020204" pitchFamily="34" charset="0"/>
+              <a:cs typeface="Arial" panose="020B0604020202020204" pitchFamily="34" charset="0"/>
+            </a:endParaRPr>
+          </a:p>
+          <a:p>
+            <a:pPr marL="514350" indent="-514350">
+              <a:buFont typeface="+mj-lt"/>
+              <a:buAutoNum type="arabicPeriod"/>
+            </a:pPr>
+            <a:r>
+              <a:rPr lang="en-GB" b="1" dirty="0">
+                <a:latin typeface="Arial" panose="020B0604020202020204" pitchFamily="34" charset="0"/>
+                <a:cs typeface="Arial" panose="020B0604020202020204" pitchFamily="34" charset="0"/>
+              </a:rPr>
+              <a:t>Questions </a:t>
+            </a:r>
+          </a:p>
+          <a:p>
+            <a:pPr marL="0" indent="0">
+              <a:buNone/>
+            </a:pPr>
+            <a:endParaRPr lang="en-GB" dirty="0"/>
+          </a:p>
+          <a:p>
+            <a:pPr marL="0" indent="0">
+              <a:buNone/>
+            </a:pPr>
+            <a:endParaRPr lang="en-GB" dirty="0"/>
+          </a:p>
+          <a:p>
+            <a:pPr marL="514350" indent="-514350">
+              <a:buFont typeface="+mj-lt"/>
+              <a:buAutoNum type="arabicPeriod"/>
+            </a:pPr>
+            <a:endParaRPr lang="en-GB" dirty="0"/>
+          </a:p>
+          <a:p>
+            <a:pPr marL="514350" indent="-514350">
+              <a:buFont typeface="+mj-lt"/>
+              <a:buAutoNum type="arabicPeriod"/>
+            </a:pPr>
+            <a:endParaRPr lang="en-GB" dirty="0"/>
+          </a:p>
+        </p:txBody>
+      </p:sp>
+    </p:spTree>
+    <p:extLst>
+      <p:ext uri="{BB962C8B-B14F-4D97-AF65-F5344CB8AC3E}">
+        <p14:creationId xmlns:p14="http://schemas.microsoft.com/office/powerpoint/2010/main" val="1520505893"/>
+      </p:ext>
+    </p:extLst>
+  </p:cSld>
+  <p:clrMapOvr>
+    <a:masterClrMapping/>
+  </p:clrMapOvr>
+</p:sld>
+</file>
+
+<file path=ppt/slides/slide20.xml><?xml version="1.0" encoding="utf-8"?>
 <p:sld xmlns:a="http://schemas.openxmlformats.org/drawingml/2006/main" xmlns:r="http://schemas.openxmlformats.org/officeDocument/2006/relationships" xmlns:p="http://schemas.openxmlformats.org/presentationml/2006/main">
   <p:cSld>
     <p:spTree>
@@ -7145,7 +9114,7 @@
 </p:sld>
 </file>
 
-<file path=ppt/slides/slide23.xml><?xml version="1.0" encoding="utf-8"?>
+<file path=ppt/slides/slide21.xml><?xml version="1.0" encoding="utf-8"?>
 <p:sld xmlns:a="http://schemas.openxmlformats.org/drawingml/2006/main" xmlns:r="http://schemas.openxmlformats.org/officeDocument/2006/relationships" xmlns:p="http://schemas.openxmlformats.org/presentationml/2006/main">
   <p:cSld>
     <p:spTree>
@@ -7205,7 +9174,7 @@
 </p:sld>
 </file>
 
-<file path=ppt/slides/slide24.xml><?xml version="1.0" encoding="utf-8"?>
+<file path=ppt/slides/slide22.xml><?xml version="1.0" encoding="utf-8"?>
 <p:sld xmlns:a="http://schemas.openxmlformats.org/drawingml/2006/main" xmlns:r="http://schemas.openxmlformats.org/officeDocument/2006/relationships" xmlns:p="http://schemas.openxmlformats.org/presentationml/2006/main">
   <p:cSld>
     <p:spTree>
@@ -7240,11 +9209,16 @@
         </p:nvSpPr>
         <p:spPr/>
         <p:txBody>
-          <a:bodyPr/>
+          <a:bodyPr>
+            <a:normAutofit/>
+          </a:bodyPr>
           <a:lstStyle/>
           <a:p>
             <a:r>
-              <a:rPr lang="en-GB" dirty="0"/>
+              <a:rPr lang="en-GB" sz="4000" b="1" dirty="0">
+                <a:latin typeface="Arial" panose="020B0604020202020204" pitchFamily="34" charset="0"/>
+                <a:cs typeface="Arial" panose="020B0604020202020204" pitchFamily="34" charset="0"/>
+              </a:rPr>
               <a:t>With REST…..</a:t>
             </a:r>
           </a:p>
@@ -7277,31 +9251,52 @@
           <a:lstStyle/>
           <a:p>
             <a:r>
-              <a:rPr lang="en-GB" dirty="0"/>
+              <a:rPr lang="en-GB" dirty="0">
+                <a:latin typeface="Arial" panose="020B0604020202020204" pitchFamily="34" charset="0"/>
+                <a:cs typeface="Arial" panose="020B0604020202020204" pitchFamily="34" charset="0"/>
+              </a:rPr>
               <a:t>Have to make three requests to different endpoints</a:t>
             </a:r>
           </a:p>
           <a:p>
-            <a:endParaRPr lang="en-GB" dirty="0"/>
-          </a:p>
-          <a:p>
-            <a:r>
-              <a:rPr lang="en-GB" dirty="0"/>
+            <a:endParaRPr lang="en-GB" dirty="0">
+              <a:latin typeface="Arial" panose="020B0604020202020204" pitchFamily="34" charset="0"/>
+              <a:cs typeface="Arial" panose="020B0604020202020204" pitchFamily="34" charset="0"/>
+            </a:endParaRPr>
+          </a:p>
+          <a:p>
+            <a:r>
+              <a:rPr lang="en-GB" dirty="0">
+                <a:latin typeface="Arial" panose="020B0604020202020204" pitchFamily="34" charset="0"/>
+                <a:cs typeface="Arial" panose="020B0604020202020204" pitchFamily="34" charset="0"/>
+              </a:rPr>
               <a:t>You are </a:t>
             </a:r>
             <a:r>
-              <a:rPr lang="en-GB" b="1" dirty="0" err="1"/>
+              <a:rPr lang="en-GB" b="1" dirty="0" err="1">
+                <a:latin typeface="Arial" panose="020B0604020202020204" pitchFamily="34" charset="0"/>
+                <a:cs typeface="Arial" panose="020B0604020202020204" pitchFamily="34" charset="0"/>
+              </a:rPr>
               <a:t>overfetching</a:t>
             </a:r>
             <a:r>
-              <a:rPr lang="en-GB" b="1" dirty="0"/>
+              <a:rPr lang="en-GB" b="1" dirty="0">
+                <a:latin typeface="Arial" panose="020B0604020202020204" pitchFamily="34" charset="0"/>
+                <a:cs typeface="Arial" panose="020B0604020202020204" pitchFamily="34" charset="0"/>
+              </a:rPr>
               <a:t> </a:t>
             </a:r>
             <a:r>
-              <a:rPr lang="en-GB" dirty="0"/>
+              <a:rPr lang="en-GB" dirty="0">
+                <a:latin typeface="Arial" panose="020B0604020202020204" pitchFamily="34" charset="0"/>
+                <a:cs typeface="Arial" panose="020B0604020202020204" pitchFamily="34" charset="0"/>
+              </a:rPr>
               <a:t>since the endpoints return additional information that is not needed.</a:t>
             </a:r>
-            <a:endParaRPr lang="en-GB" b="1" dirty="0"/>
+            <a:endParaRPr lang="en-GB" b="1" dirty="0">
+              <a:latin typeface="Arial" panose="020B0604020202020204" pitchFamily="34" charset="0"/>
+              <a:cs typeface="Arial" panose="020B0604020202020204" pitchFamily="34" charset="0"/>
+            </a:endParaRPr>
           </a:p>
         </p:txBody>
       </p:sp>
@@ -7318,7 +9313,7 @@
 </p:sld>
 </file>
 
-<file path=ppt/slides/slide25.xml><?xml version="1.0" encoding="utf-8"?>
+<file path=ppt/slides/slide23.xml><?xml version="1.0" encoding="utf-8"?>
 <p:sld xmlns:a="http://schemas.openxmlformats.org/drawingml/2006/main" xmlns:r="http://schemas.openxmlformats.org/officeDocument/2006/relationships" xmlns:p="http://schemas.openxmlformats.org/presentationml/2006/main">
   <p:cSld>
     <p:spTree>
@@ -7351,20 +9346,36 @@
             <p:ph type="title"/>
           </p:nvPr>
         </p:nvSpPr>
-        <p:spPr/>
+        <p:spPr>
+          <a:xfrm>
+            <a:off x="838200" y="365126"/>
+            <a:ext cx="10300855" cy="881784"/>
+          </a:xfrm>
+        </p:spPr>
         <p:txBody>
-          <a:bodyPr/>
+          <a:bodyPr>
+            <a:normAutofit/>
+          </a:bodyPr>
           <a:lstStyle/>
           <a:p>
             <a:r>
-              <a:rPr lang="en-GB" dirty="0"/>
+              <a:rPr lang="en-GB" sz="4000" b="1" dirty="0">
+                <a:latin typeface="Arial" panose="020B0604020202020204" pitchFamily="34" charset="0"/>
+                <a:cs typeface="Arial" panose="020B0604020202020204" pitchFamily="34" charset="0"/>
+              </a:rPr>
               <a:t>Blogging App With </a:t>
             </a:r>
             <a:r>
-              <a:rPr lang="en-GB" dirty="0" err="1"/>
+              <a:rPr lang="en-GB" sz="4000" b="1" dirty="0" err="1">
+                <a:latin typeface="Arial" panose="020B0604020202020204" pitchFamily="34" charset="0"/>
+                <a:cs typeface="Arial" panose="020B0604020202020204" pitchFamily="34" charset="0"/>
+              </a:rPr>
               <a:t>GraphQL</a:t>
             </a:r>
-            <a:endParaRPr lang="en-GB" dirty="0"/>
+            <a:endParaRPr lang="en-GB" sz="4000" b="1" dirty="0">
+              <a:latin typeface="Arial" panose="020B0604020202020204" pitchFamily="34" charset="0"/>
+              <a:cs typeface="Arial" panose="020B0604020202020204" pitchFamily="34" charset="0"/>
+            </a:endParaRPr>
           </a:p>
         </p:txBody>
       </p:sp>
@@ -7413,7 +9424,7 @@
 </p:sld>
 </file>
 
-<file path=ppt/slides/slide26.xml><?xml version="1.0" encoding="utf-8"?>
+<file path=ppt/slides/slide24.xml><?xml version="1.0" encoding="utf-8"?>
 <p:sld xmlns:a="http://schemas.openxmlformats.org/drawingml/2006/main" xmlns:r="http://schemas.openxmlformats.org/officeDocument/2006/relationships" xmlns:p="http://schemas.openxmlformats.org/presentationml/2006/main">
   <p:cSld>
     <p:spTree>
@@ -7476,7 +9487,7 @@
         <p:spPr>
           <a:xfrm>
             <a:off x="95534" y="829063"/>
-            <a:ext cx="4544705" cy="6028937"/>
+            <a:ext cx="4544705" cy="4154984"/>
           </a:xfrm>
           <a:prstGeom prst="rect">
             <a:avLst/>
@@ -7493,9 +9504,16 @@
               <a:buFont typeface="Arial" panose="020B0604020202020204" pitchFamily="34" charset="0"/>
               <a:buChar char="•"/>
             </a:pPr>
+            <a:endParaRPr lang="en-GB" sz="2400" dirty="0"/>
+          </a:p>
+          <a:p>
+            <a:pPr marL="285750" indent="-285750">
+              <a:buFont typeface="Arial" panose="020B0604020202020204" pitchFamily="34" charset="0"/>
+              <a:buChar char="•"/>
+            </a:pPr>
             <a:r>
               <a:rPr lang="en-GB" sz="2400" dirty="0"/>
-              <a:t>Only make a single request to the server</a:t>
+              <a:t>Reduces network requests by allowing the retrieval of all the data we need in a single query</a:t>
             </a:r>
           </a:p>
           <a:p>
@@ -7511,12 +9529,8 @@
               <a:buChar char="•"/>
             </a:pPr>
             <a:r>
-              <a:rPr lang="en-GB" sz="2400" dirty="0" err="1"/>
-              <a:t>GraphQL</a:t>
-            </a:r>
-            <a:r>
               <a:rPr lang="en-GB" sz="2400" dirty="0"/>
-              <a:t> reduces network requests by allowing us fetch or retrieve all the data we need in a single query</a:t>
+              <a:t>Client can specify exactly what data is required (no over fetching)</a:t>
             </a:r>
           </a:p>
           <a:p>
@@ -7533,37 +9547,9 @@
             </a:pPr>
             <a:r>
               <a:rPr lang="en-GB" sz="2400" dirty="0"/>
-              <a:t>We (Client)  can specify exactly what data is required (no over fetching)</a:t>
-            </a:r>
-          </a:p>
-          <a:p>
-            <a:pPr marL="285750" indent="-285750">
-              <a:buFont typeface="Arial" panose="020B0604020202020204" pitchFamily="34" charset="0"/>
-              <a:buChar char="•"/>
-            </a:pPr>
-            <a:endParaRPr lang="en-GB" sz="2400" dirty="0"/>
-          </a:p>
-          <a:p>
-            <a:pPr marL="285750" indent="-285750">
-              <a:buFont typeface="Arial" panose="020B0604020202020204" pitchFamily="34" charset="0"/>
-              <a:buChar char="•"/>
-            </a:pPr>
-            <a:r>
-              <a:rPr lang="en-GB" sz="2400" dirty="0"/>
-              <a:t>we can basically shift this multi-request complexity to the server-side and have the </a:t>
-            </a:r>
-            <a:r>
-              <a:rPr lang="en-GB" sz="2400" dirty="0" err="1"/>
-              <a:t>GraphQL</a:t>
-            </a:r>
-            <a:r>
-              <a:rPr lang="en-GB" sz="2400" dirty="0"/>
-              <a:t> layer deal with it</a:t>
-            </a:r>
-            <a:r>
-              <a:rPr lang="en-GB" dirty="0"/>
-              <a:t>.</a:t>
-            </a:r>
+              <a:t>Basically shifts this multi-request complexity to the server-side</a:t>
+            </a:r>
+            <a:endParaRPr lang="en-GB" dirty="0"/>
           </a:p>
         </p:txBody>
       </p:sp>
@@ -7596,11 +9582,17 @@
           <a:lstStyle/>
           <a:p>
             <a:r>
-              <a:rPr lang="en-GB" sz="4000" b="1" dirty="0" err="1"/>
+              <a:rPr lang="en-GB" sz="4000" b="1" dirty="0" err="1">
+                <a:latin typeface="Arial" panose="020B0604020202020204" pitchFamily="34" charset="0"/>
+                <a:cs typeface="Arial" panose="020B0604020202020204" pitchFamily="34" charset="0"/>
+              </a:rPr>
               <a:t>GraphQL</a:t>
             </a:r>
             <a:r>
-              <a:rPr lang="en-GB" sz="4000" b="1" dirty="0"/>
+              <a:rPr lang="en-GB" sz="4000" b="1" dirty="0">
+                <a:latin typeface="Arial" panose="020B0604020202020204" pitchFamily="34" charset="0"/>
+                <a:cs typeface="Arial" panose="020B0604020202020204" pitchFamily="34" charset="0"/>
+              </a:rPr>
               <a:t>…..</a:t>
             </a:r>
           </a:p>
@@ -7610,6 +9602,424 @@
     <p:extLst>
       <p:ext uri="{BB962C8B-B14F-4D97-AF65-F5344CB8AC3E}">
         <p14:creationId xmlns:p14="http://schemas.microsoft.com/office/powerpoint/2010/main" val="925745760"/>
+      </p:ext>
+    </p:extLst>
+  </p:cSld>
+  <p:clrMapOvr>
+    <a:masterClrMapping/>
+  </p:clrMapOvr>
+  <p:timing>
+    <p:tnLst>
+      <p:par>
+        <p:cTn id="1" dur="indefinite" restart="never" nodeType="tmRoot">
+          <p:childTnLst>
+            <p:seq concurrent="1" nextAc="seek">
+              <p:cTn id="2" dur="indefinite" nodeType="mainSeq">
+                <p:childTnLst>
+                  <p:par>
+                    <p:cTn id="3" fill="hold">
+                      <p:stCondLst>
+                        <p:cond delay="indefinite"/>
+                      </p:stCondLst>
+                      <p:childTnLst>
+                        <p:par>
+                          <p:cTn id="4" fill="hold">
+                            <p:stCondLst>
+                              <p:cond delay="0"/>
+                            </p:stCondLst>
+                            <p:childTnLst>
+                              <p:par>
+                                <p:cTn id="5" presetID="1" presetClass="entr" presetSubtype="0" fill="hold" nodeType="clickEffect">
+                                  <p:stCondLst>
+                                    <p:cond delay="0"/>
+                                  </p:stCondLst>
+                                  <p:childTnLst>
+                                    <p:set>
+                                      <p:cBhvr>
+                                        <p:cTn id="6" dur="1" fill="hold">
+                                          <p:stCondLst>
+                                            <p:cond delay="0"/>
+                                          </p:stCondLst>
+                                        </p:cTn>
+                                        <p:tgtEl>
+                                          <p:spTgt spid="3">
+                                            <p:txEl>
+                                              <p:pRg st="1" end="1"/>
+                                            </p:txEl>
+                                          </p:spTgt>
+                                        </p:tgtEl>
+                                        <p:attrNameLst>
+                                          <p:attrName>style.visibility</p:attrName>
+                                        </p:attrNameLst>
+                                      </p:cBhvr>
+                                      <p:to>
+                                        <p:strVal val="visible"/>
+                                      </p:to>
+                                    </p:set>
+                                  </p:childTnLst>
+                                </p:cTn>
+                              </p:par>
+                            </p:childTnLst>
+                          </p:cTn>
+                        </p:par>
+                      </p:childTnLst>
+                    </p:cTn>
+                  </p:par>
+                  <p:par>
+                    <p:cTn id="7" fill="hold">
+                      <p:stCondLst>
+                        <p:cond delay="indefinite"/>
+                      </p:stCondLst>
+                      <p:childTnLst>
+                        <p:par>
+                          <p:cTn id="8" fill="hold">
+                            <p:stCondLst>
+                              <p:cond delay="0"/>
+                            </p:stCondLst>
+                            <p:childTnLst>
+                              <p:par>
+                                <p:cTn id="9" presetID="1" presetClass="entr" presetSubtype="0" fill="hold" nodeType="clickEffect">
+                                  <p:stCondLst>
+                                    <p:cond delay="0"/>
+                                  </p:stCondLst>
+                                  <p:childTnLst>
+                                    <p:set>
+                                      <p:cBhvr>
+                                        <p:cTn id="10" dur="1" fill="hold">
+                                          <p:stCondLst>
+                                            <p:cond delay="0"/>
+                                          </p:stCondLst>
+                                        </p:cTn>
+                                        <p:tgtEl>
+                                          <p:spTgt spid="3">
+                                            <p:txEl>
+                                              <p:pRg st="3" end="3"/>
+                                            </p:txEl>
+                                          </p:spTgt>
+                                        </p:tgtEl>
+                                        <p:attrNameLst>
+                                          <p:attrName>style.visibility</p:attrName>
+                                        </p:attrNameLst>
+                                      </p:cBhvr>
+                                      <p:to>
+                                        <p:strVal val="visible"/>
+                                      </p:to>
+                                    </p:set>
+                                  </p:childTnLst>
+                                </p:cTn>
+                              </p:par>
+                            </p:childTnLst>
+                          </p:cTn>
+                        </p:par>
+                      </p:childTnLst>
+                    </p:cTn>
+                  </p:par>
+                  <p:par>
+                    <p:cTn id="11" fill="hold">
+                      <p:stCondLst>
+                        <p:cond delay="indefinite"/>
+                      </p:stCondLst>
+                      <p:childTnLst>
+                        <p:par>
+                          <p:cTn id="12" fill="hold">
+                            <p:stCondLst>
+                              <p:cond delay="0"/>
+                            </p:stCondLst>
+                            <p:childTnLst>
+                              <p:par>
+                                <p:cTn id="13" presetID="1" presetClass="entr" presetSubtype="0" fill="hold" nodeType="clickEffect">
+                                  <p:stCondLst>
+                                    <p:cond delay="0"/>
+                                  </p:stCondLst>
+                                  <p:childTnLst>
+                                    <p:set>
+                                      <p:cBhvr>
+                                        <p:cTn id="14" dur="1" fill="hold">
+                                          <p:stCondLst>
+                                            <p:cond delay="0"/>
+                                          </p:stCondLst>
+                                        </p:cTn>
+                                        <p:tgtEl>
+                                          <p:spTgt spid="3">
+                                            <p:txEl>
+                                              <p:pRg st="5" end="5"/>
+                                            </p:txEl>
+                                          </p:spTgt>
+                                        </p:tgtEl>
+                                        <p:attrNameLst>
+                                          <p:attrName>style.visibility</p:attrName>
+                                        </p:attrNameLst>
+                                      </p:cBhvr>
+                                      <p:to>
+                                        <p:strVal val="visible"/>
+                                      </p:to>
+                                    </p:set>
+                                  </p:childTnLst>
+                                </p:cTn>
+                              </p:par>
+                            </p:childTnLst>
+                          </p:cTn>
+                        </p:par>
+                      </p:childTnLst>
+                    </p:cTn>
+                  </p:par>
+                </p:childTnLst>
+              </p:cTn>
+              <p:prevCondLst>
+                <p:cond evt="onPrev" delay="0">
+                  <p:tgtEl>
+                    <p:sldTgt/>
+                  </p:tgtEl>
+                </p:cond>
+              </p:prevCondLst>
+              <p:nextCondLst>
+                <p:cond evt="onNext" delay="0">
+                  <p:tgtEl>
+                    <p:sldTgt/>
+                  </p:tgtEl>
+                </p:cond>
+              </p:nextCondLst>
+            </p:seq>
+          </p:childTnLst>
+        </p:cTn>
+      </p:par>
+    </p:tnLst>
+  </p:timing>
+</p:sld>
+</file>
+
+<file path=ppt/slides/slide25.xml><?xml version="1.0" encoding="utf-8"?>
+<p:sld xmlns:a="http://schemas.openxmlformats.org/drawingml/2006/main" xmlns:r="http://schemas.openxmlformats.org/officeDocument/2006/relationships" xmlns:p="http://schemas.openxmlformats.org/presentationml/2006/main">
+  <p:cSld>
+    <p:spTree>
+      <p:nvGrpSpPr>
+        <p:cNvPr id="1" name=""/>
+        <p:cNvGrpSpPr/>
+        <p:nvPr/>
+      </p:nvGrpSpPr>
+      <p:grpSpPr>
+        <a:xfrm>
+          <a:off x="0" y="0"/>
+          <a:ext cx="0" cy="0"/>
+          <a:chOff x="0" y="0"/>
+          <a:chExt cx="0" cy="0"/>
+        </a:xfrm>
+      </p:grpSpPr>
+      <p:sp>
+        <p:nvSpPr>
+          <p:cNvPr id="3" name="Content Placeholder 2">
+            <a:extLst>
+              <a:ext uri="{FF2B5EF4-FFF2-40B4-BE49-F238E27FC236}">
+                <a16:creationId xmlns:a16="http://schemas.microsoft.com/office/drawing/2014/main" id="{424BD421-50F2-45E6-992D-89C04A3E92FA}"/>
+              </a:ext>
+            </a:extLst>
+          </p:cNvPr>
+          <p:cNvSpPr>
+            <a:spLocks noGrp="1"/>
+          </p:cNvSpPr>
+          <p:nvPr>
+            <p:ph idx="1"/>
+          </p:nvPr>
+        </p:nvSpPr>
+        <p:spPr>
+          <a:xfrm>
+            <a:off x="838200" y="106006"/>
+            <a:ext cx="10515600" cy="6158315"/>
+          </a:xfrm>
+        </p:spPr>
+        <p:txBody>
+          <a:bodyPr>
+            <a:normAutofit/>
+          </a:bodyPr>
+          <a:lstStyle/>
+          <a:p>
+            <a:pPr marL="0" indent="0">
+              <a:buNone/>
+            </a:pPr>
+            <a:r>
+              <a:rPr lang="en-GB" sz="3600" b="1" dirty="0">
+                <a:latin typeface="Arial" panose="020B0604020202020204" pitchFamily="34" charset="0"/>
+                <a:cs typeface="Arial" panose="020B0604020202020204" pitchFamily="34" charset="0"/>
+              </a:rPr>
+              <a:t>No Need For Versioning:</a:t>
+            </a:r>
+          </a:p>
+          <a:p>
+            <a:pPr marL="0" indent="0">
+              <a:buNone/>
+            </a:pPr>
+            <a:endParaRPr lang="en-GB" sz="4000" b="1" dirty="0">
+              <a:latin typeface="Arial" panose="020B0604020202020204" pitchFamily="34" charset="0"/>
+              <a:cs typeface="Arial" panose="020B0604020202020204" pitchFamily="34" charset="0"/>
+            </a:endParaRPr>
+          </a:p>
+          <a:p>
+            <a:r>
+              <a:rPr lang="en-GB" dirty="0">
+                <a:latin typeface="Arial" panose="020B0604020202020204" pitchFamily="34" charset="0"/>
+                <a:cs typeface="Arial" panose="020B0604020202020204" pitchFamily="34" charset="0"/>
+              </a:rPr>
+              <a:t>Can easily add new fields and types to our </a:t>
+            </a:r>
+            <a:r>
+              <a:rPr lang="en-GB" dirty="0" err="1">
+                <a:latin typeface="Arial" panose="020B0604020202020204" pitchFamily="34" charset="0"/>
+                <a:cs typeface="Arial" panose="020B0604020202020204" pitchFamily="34" charset="0"/>
+              </a:rPr>
+              <a:t>GraphQL</a:t>
+            </a:r>
+            <a:r>
+              <a:rPr lang="en-GB" dirty="0">
+                <a:latin typeface="Arial" panose="020B0604020202020204" pitchFamily="34" charset="0"/>
+                <a:cs typeface="Arial" panose="020B0604020202020204" pitchFamily="34" charset="0"/>
+              </a:rPr>
+              <a:t> API without impacting existing queries</a:t>
+            </a:r>
+          </a:p>
+          <a:p>
+            <a:pPr marL="0" indent="0">
+              <a:buNone/>
+            </a:pPr>
+            <a:endParaRPr lang="en-GB" dirty="0"/>
+          </a:p>
+          <a:p>
+            <a:pPr marL="0" indent="0">
+              <a:buNone/>
+            </a:pPr>
+            <a:r>
+              <a:rPr lang="en-GB" sz="3600" b="1" dirty="0">
+                <a:latin typeface="Arial" panose="020B0604020202020204" pitchFamily="34" charset="0"/>
+                <a:cs typeface="Arial" panose="020B0604020202020204" pitchFamily="34" charset="0"/>
+              </a:rPr>
+              <a:t>No Need To Create A Custom Data Endpoints:</a:t>
+            </a:r>
+          </a:p>
+          <a:p>
+            <a:pPr marL="0" indent="0">
+              <a:buNone/>
+            </a:pPr>
+            <a:endParaRPr lang="en-GB" sz="4000" b="1" dirty="0"/>
+          </a:p>
+          <a:p>
+            <a:r>
+              <a:rPr lang="en-GB" dirty="0">
+                <a:latin typeface="Arial" panose="020B0604020202020204" pitchFamily="34" charset="0"/>
+                <a:cs typeface="Arial" panose="020B0604020202020204" pitchFamily="34" charset="0"/>
+              </a:rPr>
+              <a:t>Exact data requirements are specified on the client side</a:t>
+            </a:r>
+          </a:p>
+          <a:p>
+            <a:endParaRPr lang="en-GB" dirty="0">
+              <a:latin typeface="Arial" panose="020B0604020202020204" pitchFamily="34" charset="0"/>
+              <a:cs typeface="Arial" panose="020B0604020202020204" pitchFamily="34" charset="0"/>
+            </a:endParaRPr>
+          </a:p>
+          <a:p>
+            <a:r>
+              <a:rPr lang="en-GB" dirty="0" err="1">
+                <a:latin typeface="Arial" panose="020B0604020202020204" pitchFamily="34" charset="0"/>
+                <a:cs typeface="Arial" panose="020B0604020202020204" pitchFamily="34" charset="0"/>
+              </a:rPr>
+              <a:t>GraphQL</a:t>
+            </a:r>
+            <a:r>
+              <a:rPr lang="en-GB" dirty="0">
+                <a:latin typeface="Arial" panose="020B0604020202020204" pitchFamily="34" charset="0"/>
+                <a:cs typeface="Arial" panose="020B0604020202020204" pitchFamily="34" charset="0"/>
+              </a:rPr>
+              <a:t> server will only return those requested by the client</a:t>
+            </a:r>
+          </a:p>
+          <a:p>
+            <a:pPr marL="0" indent="0">
+              <a:buNone/>
+            </a:pPr>
+            <a:endParaRPr lang="en-GB" dirty="0"/>
+          </a:p>
+        </p:txBody>
+      </p:sp>
+    </p:spTree>
+    <p:extLst>
+      <p:ext uri="{BB962C8B-B14F-4D97-AF65-F5344CB8AC3E}">
+        <p14:creationId xmlns:p14="http://schemas.microsoft.com/office/powerpoint/2010/main" val="3681285667"/>
+      </p:ext>
+    </p:extLst>
+  </p:cSld>
+  <p:clrMapOvr>
+    <a:masterClrMapping/>
+  </p:clrMapOvr>
+</p:sld>
+</file>
+
+<file path=ppt/slides/slide26.xml><?xml version="1.0" encoding="utf-8"?>
+<p:sld xmlns:a="http://schemas.openxmlformats.org/drawingml/2006/main" xmlns:r="http://schemas.openxmlformats.org/officeDocument/2006/relationships" xmlns:p="http://schemas.openxmlformats.org/presentationml/2006/main">
+  <p:cSld>
+    <p:spTree>
+      <p:nvGrpSpPr>
+        <p:cNvPr id="1" name=""/>
+        <p:cNvGrpSpPr/>
+        <p:nvPr/>
+      </p:nvGrpSpPr>
+      <p:grpSpPr>
+        <a:xfrm>
+          <a:off x="0" y="0"/>
+          <a:ext cx="0" cy="0"/>
+          <a:chOff x="0" y="0"/>
+          <a:chExt cx="0" cy="0"/>
+        </a:xfrm>
+      </p:grpSpPr>
+      <p:sp>
+        <p:nvSpPr>
+          <p:cNvPr id="2" name="Title 1">
+            <a:extLst>
+              <a:ext uri="{FF2B5EF4-FFF2-40B4-BE49-F238E27FC236}">
+                <a16:creationId xmlns:a16="http://schemas.microsoft.com/office/drawing/2014/main" id="{2C63CBC6-7DB4-4E54-BCC5-14F93A3F7D6A}"/>
+              </a:ext>
+            </a:extLst>
+          </p:cNvPr>
+          <p:cNvSpPr>
+            <a:spLocks noGrp="1"/>
+          </p:cNvSpPr>
+          <p:nvPr>
+            <p:ph type="title"/>
+          </p:nvPr>
+        </p:nvSpPr>
+        <p:spPr/>
+        <p:txBody>
+          <a:bodyPr>
+            <a:normAutofit/>
+          </a:bodyPr>
+          <a:lstStyle/>
+          <a:p>
+            <a:r>
+              <a:rPr lang="en-GB" sz="4000" b="1" dirty="0">
+                <a:latin typeface="Arial" panose="020B0604020202020204" pitchFamily="34" charset="0"/>
+                <a:cs typeface="Arial" panose="020B0604020202020204" pitchFamily="34" charset="0"/>
+              </a:rPr>
+              <a:t>Some </a:t>
+            </a:r>
+            <a:r>
+              <a:rPr lang="en-GB" sz="4000" b="1" dirty="0" err="1">
+                <a:latin typeface="Arial" panose="020B0604020202020204" pitchFamily="34" charset="0"/>
+                <a:cs typeface="Arial" panose="020B0604020202020204" pitchFamily="34" charset="0"/>
+              </a:rPr>
+              <a:t>GraphQL</a:t>
+            </a:r>
+            <a:r>
+              <a:rPr lang="en-GB" sz="4000" b="1" dirty="0">
+                <a:latin typeface="Arial" panose="020B0604020202020204" pitchFamily="34" charset="0"/>
+                <a:cs typeface="Arial" panose="020B0604020202020204" pitchFamily="34" charset="0"/>
+              </a:rPr>
+              <a:t> Cons</a:t>
+            </a:r>
+          </a:p>
+        </p:txBody>
+      </p:sp>
+    </p:spTree>
+    <p:extLst>
+      <p:ext uri="{BB962C8B-B14F-4D97-AF65-F5344CB8AC3E}">
+        <p14:creationId xmlns:p14="http://schemas.microsoft.com/office/powerpoint/2010/main" val="2749597948"/>
       </p:ext>
     </p:extLst>
   </p:cSld>
@@ -7638,10 +10048,43 @@
       </p:grpSpPr>
       <p:sp>
         <p:nvSpPr>
+          <p:cNvPr id="2" name="Title 1">
+            <a:extLst>
+              <a:ext uri="{FF2B5EF4-FFF2-40B4-BE49-F238E27FC236}">
+                <a16:creationId xmlns:a16="http://schemas.microsoft.com/office/drawing/2014/main" id="{6F93E33B-E8EA-469B-8B6C-6855B42BF147}"/>
+              </a:ext>
+            </a:extLst>
+          </p:cNvPr>
+          <p:cNvSpPr>
+            <a:spLocks noGrp="1"/>
+          </p:cNvSpPr>
+          <p:nvPr>
+            <p:ph type="title"/>
+          </p:nvPr>
+        </p:nvSpPr>
+        <p:spPr/>
+        <p:txBody>
+          <a:bodyPr>
+            <a:normAutofit/>
+          </a:bodyPr>
+          <a:lstStyle/>
+          <a:p>
+            <a:r>
+              <a:rPr lang="en-GB" sz="4000" b="1" dirty="0">
+                <a:latin typeface="Arial" panose="020B0604020202020204" pitchFamily="34" charset="0"/>
+                <a:cs typeface="Arial" panose="020B0604020202020204" pitchFamily="34" charset="0"/>
+              </a:rPr>
+              <a:t>Denial of Service Attacks</a:t>
+            </a:r>
+          </a:p>
+        </p:txBody>
+      </p:sp>
+      <p:sp>
+        <p:nvSpPr>
           <p:cNvPr id="3" name="Content Placeholder 2">
             <a:extLst>
               <a:ext uri="{FF2B5EF4-FFF2-40B4-BE49-F238E27FC236}">
-                <a16:creationId xmlns:a16="http://schemas.microsoft.com/office/drawing/2014/main" id="{424BD421-50F2-45E6-992D-89C04A3E92FA}"/>
+                <a16:creationId xmlns:a16="http://schemas.microsoft.com/office/drawing/2014/main" id="{767B64BA-C5ED-40A9-A106-8E3FA7B2ECC5}"/>
               </a:ext>
             </a:extLst>
           </p:cNvPr>
@@ -7652,86 +10095,70 @@
             <p:ph idx="1"/>
           </p:nvPr>
         </p:nvSpPr>
-        <p:spPr>
-          <a:xfrm>
-            <a:off x="838200" y="106006"/>
-            <a:ext cx="10515600" cy="6158315"/>
-          </a:xfrm>
-        </p:spPr>
+        <p:spPr/>
         <p:txBody>
-          <a:bodyPr>
-            <a:normAutofit/>
-          </a:bodyPr>
+          <a:bodyPr/>
           <a:lstStyle/>
           <a:p>
-            <a:pPr marL="0" indent="0">
-              <a:buNone/>
-            </a:pPr>
-            <a:r>
-              <a:rPr lang="en-GB" sz="4000" b="1" dirty="0"/>
-              <a:t>No Need For Versioning</a:t>
-            </a:r>
-            <a:r>
-              <a:rPr lang="en-GB" b="1" dirty="0"/>
-              <a:t>:</a:t>
-            </a:r>
-          </a:p>
-          <a:p>
-            <a:r>
-              <a:rPr lang="en-GB" dirty="0"/>
-              <a:t>Can easily add new fields and types to our </a:t>
-            </a:r>
-            <a:r>
-              <a:rPr lang="en-GB" dirty="0" err="1"/>
+            <a:r>
+              <a:rPr lang="en-GB" dirty="0">
+                <a:latin typeface="Arial" panose="020B0604020202020204" pitchFamily="34" charset="0"/>
+                <a:cs typeface="Arial" panose="020B0604020202020204" pitchFamily="34" charset="0"/>
+              </a:rPr>
+              <a:t>A </a:t>
+            </a:r>
+            <a:r>
+              <a:rPr lang="en-GB" dirty="0" err="1">
+                <a:latin typeface="Arial" panose="020B0604020202020204" pitchFamily="34" charset="0"/>
+                <a:cs typeface="Arial" panose="020B0604020202020204" pitchFamily="34" charset="0"/>
+              </a:rPr>
               <a:t>GraphQL</a:t>
             </a:r>
             <a:r>
-              <a:rPr lang="en-GB" dirty="0"/>
-              <a:t> API without impacting existing queries</a:t>
-            </a:r>
+              <a:rPr lang="en-GB" dirty="0">
+                <a:latin typeface="Arial" panose="020B0604020202020204" pitchFamily="34" charset="0"/>
+                <a:cs typeface="Arial" panose="020B0604020202020204" pitchFamily="34" charset="0"/>
+              </a:rPr>
+              <a:t> server can be attacked with overly complex queries that can consume all the resources of the server. </a:t>
+            </a:r>
+          </a:p>
+          <a:p>
+            <a:endParaRPr lang="en-GB" dirty="0">
+              <a:latin typeface="Arial" panose="020B0604020202020204" pitchFamily="34" charset="0"/>
+              <a:cs typeface="Arial" panose="020B0604020202020204" pitchFamily="34" charset="0"/>
+            </a:endParaRPr>
+          </a:p>
+          <a:p>
+            <a:r>
+              <a:rPr lang="en-GB" dirty="0">
+                <a:latin typeface="Arial" panose="020B0604020202020204" pitchFamily="34" charset="0"/>
+                <a:cs typeface="Arial" panose="020B0604020202020204" pitchFamily="34" charset="0"/>
+              </a:rPr>
+              <a:t>Although not specific to </a:t>
+            </a:r>
+            <a:r>
+              <a:rPr lang="en-GB" dirty="0" err="1">
+                <a:latin typeface="Arial" panose="020B0604020202020204" pitchFamily="34" charset="0"/>
+                <a:cs typeface="Arial" panose="020B0604020202020204" pitchFamily="34" charset="0"/>
+              </a:rPr>
+              <a:t>GraphQL</a:t>
+            </a:r>
+            <a:r>
+              <a:rPr lang="en-GB" dirty="0">
+                <a:latin typeface="Arial" panose="020B0604020202020204" pitchFamily="34" charset="0"/>
+                <a:cs typeface="Arial" panose="020B0604020202020204" pitchFamily="34" charset="0"/>
+              </a:rPr>
+              <a:t>, we have to be extra careful and have put in place mitigation functionality.</a:t>
+            </a:r>
+          </a:p>
+          <a:p>
+            <a:endParaRPr lang="en-GB" dirty="0"/>
           </a:p>
           <a:p>
             <a:pPr marL="0" indent="0">
               <a:buNone/>
             </a:pPr>
             <a:endParaRPr lang="en-GB" dirty="0"/>
-          </a:p>
-          <a:p>
-            <a:pPr marL="0" indent="0">
-              <a:buNone/>
-            </a:pPr>
-            <a:endParaRPr lang="en-GB" dirty="0"/>
-          </a:p>
-          <a:p>
-            <a:pPr marL="0" indent="0">
-              <a:buNone/>
-            </a:pPr>
-            <a:endParaRPr lang="en-GB" dirty="0"/>
-          </a:p>
-          <a:p>
-            <a:pPr marL="0" indent="0">
-              <a:buNone/>
-            </a:pPr>
-            <a:r>
-              <a:rPr lang="en-GB" sz="4000" b="1" dirty="0"/>
-              <a:t>No Need To Create A Custom Data Endpoints:</a:t>
-            </a:r>
-          </a:p>
-          <a:p>
-            <a:r>
-              <a:rPr lang="en-GB" dirty="0"/>
-              <a:t>Exact data requirements are specified on the client side</a:t>
-            </a:r>
-          </a:p>
-          <a:p>
-            <a:r>
-              <a:rPr lang="en-GB" dirty="0" err="1"/>
-              <a:t>GraphQL</a:t>
-            </a:r>
-            <a:r>
-              <a:rPr lang="en-GB" dirty="0"/>
-              <a:t> server will only return those requested by the client</a:t>
-            </a:r>
           </a:p>
           <a:p>
             <a:pPr marL="0" indent="0">
@@ -7744,13 +10171,141 @@
     </p:spTree>
     <p:extLst>
       <p:ext uri="{BB962C8B-B14F-4D97-AF65-F5344CB8AC3E}">
-        <p14:creationId xmlns:p14="http://schemas.microsoft.com/office/powerpoint/2010/main" val="3681285667"/>
+        <p14:creationId xmlns:p14="http://schemas.microsoft.com/office/powerpoint/2010/main" val="863917254"/>
       </p:ext>
     </p:extLst>
   </p:cSld>
   <p:clrMapOvr>
     <a:masterClrMapping/>
   </p:clrMapOvr>
+  <p:timing>
+    <p:tnLst>
+      <p:par>
+        <p:cTn id="1" dur="indefinite" restart="never" nodeType="tmRoot">
+          <p:childTnLst>
+            <p:seq concurrent="1" nextAc="seek">
+              <p:cTn id="2" dur="indefinite" nodeType="mainSeq">
+                <p:childTnLst>
+                  <p:par>
+                    <p:cTn id="3" fill="hold">
+                      <p:stCondLst>
+                        <p:cond delay="indefinite"/>
+                      </p:stCondLst>
+                      <p:childTnLst>
+                        <p:par>
+                          <p:cTn id="4" fill="hold">
+                            <p:stCondLst>
+                              <p:cond delay="0"/>
+                            </p:stCondLst>
+                            <p:childTnLst>
+                              <p:par>
+                                <p:cTn id="5" presetID="1" presetClass="entr" presetSubtype="0" fill="hold" nodeType="clickEffect">
+                                  <p:stCondLst>
+                                    <p:cond delay="0"/>
+                                  </p:stCondLst>
+                                  <p:childTnLst>
+                                    <p:set>
+                                      <p:cBhvr>
+                                        <p:cTn id="6" dur="1" fill="hold">
+                                          <p:stCondLst>
+                                            <p:cond delay="0"/>
+                                          </p:stCondLst>
+                                        </p:cTn>
+                                        <p:tgtEl>
+                                          <p:spTgt spid="3">
+                                            <p:txEl>
+                                              <p:pRg st="0" end="0"/>
+                                            </p:txEl>
+                                          </p:spTgt>
+                                        </p:tgtEl>
+                                        <p:attrNameLst>
+                                          <p:attrName>style.visibility</p:attrName>
+                                        </p:attrNameLst>
+                                      </p:cBhvr>
+                                      <p:to>
+                                        <p:strVal val="visible"/>
+                                      </p:to>
+                                    </p:set>
+                                  </p:childTnLst>
+                                </p:cTn>
+                              </p:par>
+                            </p:childTnLst>
+                          </p:cTn>
+                        </p:par>
+                      </p:childTnLst>
+                    </p:cTn>
+                  </p:par>
+                  <p:par>
+                    <p:cTn id="7" fill="hold">
+                      <p:stCondLst>
+                        <p:cond delay="indefinite"/>
+                      </p:stCondLst>
+                      <p:childTnLst>
+                        <p:par>
+                          <p:cTn id="8" fill="hold">
+                            <p:stCondLst>
+                              <p:cond delay="0"/>
+                            </p:stCondLst>
+                            <p:childTnLst>
+                              <p:par>
+                                <p:cTn id="9" presetID="1" presetClass="entr" presetSubtype="0" fill="hold" nodeType="clickEffect">
+                                  <p:stCondLst>
+                                    <p:cond delay="0"/>
+                                  </p:stCondLst>
+                                  <p:childTnLst>
+                                    <p:set>
+                                      <p:cBhvr>
+                                        <p:cTn id="10" dur="1" fill="hold">
+                                          <p:stCondLst>
+                                            <p:cond delay="0"/>
+                                          </p:stCondLst>
+                                        </p:cTn>
+                                        <p:tgtEl>
+                                          <p:spTgt spid="3">
+                                            <p:txEl>
+                                              <p:pRg st="2" end="2"/>
+                                            </p:txEl>
+                                          </p:spTgt>
+                                        </p:tgtEl>
+                                        <p:attrNameLst>
+                                          <p:attrName>style.visibility</p:attrName>
+                                        </p:attrNameLst>
+                                      </p:cBhvr>
+                                      <p:to>
+                                        <p:strVal val="visible"/>
+                                      </p:to>
+                                    </p:set>
+                                  </p:childTnLst>
+                                </p:cTn>
+                              </p:par>
+                            </p:childTnLst>
+                          </p:cTn>
+                        </p:par>
+                      </p:childTnLst>
+                    </p:cTn>
+                  </p:par>
+                </p:childTnLst>
+              </p:cTn>
+              <p:prevCondLst>
+                <p:cond evt="onPrev" delay="0">
+                  <p:tgtEl>
+                    <p:sldTgt/>
+                  </p:tgtEl>
+                </p:cond>
+              </p:prevCondLst>
+              <p:nextCondLst>
+                <p:cond evt="onNext" delay="0">
+                  <p:tgtEl>
+                    <p:sldTgt/>
+                  </p:tgtEl>
+                </p:cond>
+              </p:nextCondLst>
+            </p:seq>
+          </p:childTnLst>
+        </p:cTn>
+      </p:par>
+    </p:tnLst>
+  </p:timing>
 </p:sld>
 </file>
 
@@ -7776,7 +10331,7 @@
           <p:cNvPr id="2" name="Title 1">
             <a:extLst>
               <a:ext uri="{FF2B5EF4-FFF2-40B4-BE49-F238E27FC236}">
-                <a16:creationId xmlns:a16="http://schemas.microsoft.com/office/drawing/2014/main" id="{B6307AB7-21BA-4219-BC89-165D5CC642D3}"/>
+                <a16:creationId xmlns:a16="http://schemas.microsoft.com/office/drawing/2014/main" id="{7BC30914-AAD0-4E8D-9E2C-9D9BBCA57323}"/>
               </a:ext>
             </a:extLst>
           </p:cNvPr>
@@ -7789,16 +10344,24 @@
         </p:nvSpPr>
         <p:spPr/>
         <p:txBody>
-          <a:bodyPr/>
+          <a:bodyPr>
+            <a:normAutofit/>
+          </a:bodyPr>
           <a:lstStyle/>
           <a:p>
             <a:r>
-              <a:rPr lang="en-GB" dirty="0" err="1"/>
+              <a:rPr lang="en-GB" sz="4000" b="1" dirty="0" err="1">
+                <a:latin typeface="Arial" panose="020B0604020202020204" pitchFamily="34" charset="0"/>
+                <a:cs typeface="Arial" panose="020B0604020202020204" pitchFamily="34" charset="0"/>
+              </a:rPr>
               <a:t>GraphQL</a:t>
             </a:r>
             <a:r>
-              <a:rPr lang="en-GB" dirty="0"/>
-              <a:t> Server Libraries</a:t>
+              <a:rPr lang="en-GB" sz="4000" b="1" dirty="0">
+                <a:latin typeface="Arial" panose="020B0604020202020204" pitchFamily="34" charset="0"/>
+                <a:cs typeface="Arial" panose="020B0604020202020204" pitchFamily="34" charset="0"/>
+              </a:rPr>
+              <a:t> API request are most commonly implemented using HTTP POST:</a:t>
             </a:r>
           </a:p>
         </p:txBody>
@@ -7808,7 +10371,7 @@
           <p:cNvPr id="3" name="Content Placeholder 2">
             <a:extLst>
               <a:ext uri="{FF2B5EF4-FFF2-40B4-BE49-F238E27FC236}">
-                <a16:creationId xmlns:a16="http://schemas.microsoft.com/office/drawing/2014/main" id="{D04F5F05-5729-4AC9-9DE6-24DE1BFF989E}"/>
+                <a16:creationId xmlns:a16="http://schemas.microsoft.com/office/drawing/2014/main" id="{84E581ED-7D63-41F6-945D-5C6E2ACC4A87}"/>
               </a:ext>
             </a:extLst>
           </p:cNvPr>
@@ -7819,134 +10382,318 @@
             <p:ph idx="1"/>
           </p:nvPr>
         </p:nvSpPr>
-        <p:spPr/>
+        <p:spPr>
+          <a:xfrm>
+            <a:off x="838200" y="1690688"/>
+            <a:ext cx="10515600" cy="4351338"/>
+          </a:xfrm>
+        </p:spPr>
         <p:txBody>
           <a:bodyPr>
-            <a:normAutofit fontScale="47500" lnSpcReduction="20000"/>
+            <a:normAutofit lnSpcReduction="10000"/>
           </a:bodyPr>
           <a:lstStyle/>
+          <a:p>
+            <a:endParaRPr lang="en-GB" dirty="0"/>
+          </a:p>
+          <a:p>
+            <a:r>
+              <a:rPr lang="en-GB" dirty="0">
+                <a:latin typeface="Arial" panose="020B0604020202020204" pitchFamily="34" charset="0"/>
+                <a:cs typeface="Arial" panose="020B0604020202020204" pitchFamily="34" charset="0"/>
+              </a:rPr>
+              <a:t>You will need to set up your own caching support </a:t>
+            </a:r>
+          </a:p>
           <a:p>
             <a:pPr marL="0" indent="0">
               <a:buNone/>
             </a:pPr>
-            <a:r>
-              <a:rPr lang="en-GB" dirty="0" err="1"/>
-              <a:t>GraphQL</a:t>
-            </a:r>
-            <a:r>
-              <a:rPr lang="en-GB" dirty="0"/>
-              <a:t> is a </a:t>
-            </a:r>
-            <a:r>
-              <a:rPr lang="en-GB" b="1" dirty="0"/>
-              <a:t>specification</a:t>
-            </a:r>
-            <a:r>
-              <a:rPr lang="en-GB" dirty="0"/>
-              <a:t> You will find server libraries to help you implement </a:t>
-            </a:r>
-            <a:r>
-              <a:rPr lang="en-GB" dirty="0" err="1"/>
-              <a:t>GraphQL</a:t>
-            </a:r>
-            <a:r>
-              <a:rPr lang="en-GB" dirty="0"/>
-              <a:t> in a variety of languages including:</a:t>
+            <a:endParaRPr lang="en-GB" dirty="0">
+              <a:latin typeface="Arial" panose="020B0604020202020204" pitchFamily="34" charset="0"/>
+              <a:cs typeface="Arial" panose="020B0604020202020204" pitchFamily="34" charset="0"/>
+            </a:endParaRPr>
+          </a:p>
+          <a:p>
+            <a:r>
+              <a:rPr lang="en-GB" dirty="0">
+                <a:latin typeface="Arial" panose="020B0604020202020204" pitchFamily="34" charset="0"/>
+                <a:cs typeface="Arial" panose="020B0604020202020204" pitchFamily="34" charset="0"/>
+              </a:rPr>
+              <a:t>Requests can not be bookmarked</a:t>
             </a:r>
           </a:p>
           <a:p>
             <a:pPr marL="0" indent="0">
               <a:buNone/>
             </a:pPr>
-            <a:endParaRPr lang="en-GB" dirty="0"/>
-          </a:p>
-          <a:p>
-            <a:r>
-              <a:rPr lang="en-GB" sz="3200" dirty="0"/>
-              <a:t>C# / .NET, </a:t>
-            </a:r>
-          </a:p>
-          <a:p>
-            <a:r>
-              <a:rPr lang="en-GB" sz="3200" dirty="0"/>
-              <a:t>Clojure, </a:t>
-            </a:r>
-          </a:p>
-          <a:p>
-            <a:r>
-              <a:rPr lang="en-GB" sz="3200" dirty="0"/>
-              <a:t>Elixir, </a:t>
-            </a:r>
-          </a:p>
-          <a:p>
-            <a:r>
-              <a:rPr lang="en-GB" sz="3200" dirty="0"/>
-              <a:t>Erlang, </a:t>
-            </a:r>
-          </a:p>
-          <a:p>
-            <a:r>
-              <a:rPr lang="en-GB" sz="3200" dirty="0"/>
-              <a:t>Go,</a:t>
-            </a:r>
-          </a:p>
-          <a:p>
-            <a:r>
-              <a:rPr lang="en-GB" sz="3200" dirty="0"/>
-              <a:t>Groovy, </a:t>
-            </a:r>
-          </a:p>
-          <a:p>
-            <a:r>
-              <a:rPr lang="en-GB" sz="3200" dirty="0"/>
-              <a:t>Java, </a:t>
-            </a:r>
-          </a:p>
-          <a:p>
-            <a:r>
-              <a:rPr lang="en-GB" sz="3200" dirty="0"/>
-              <a:t>JavaScript, </a:t>
-            </a:r>
-          </a:p>
-          <a:p>
-            <a:r>
-              <a:rPr lang="en-GB" sz="3200" dirty="0"/>
-              <a:t>PHP, </a:t>
-            </a:r>
-          </a:p>
-          <a:p>
-            <a:r>
-              <a:rPr lang="en-GB" sz="3200" dirty="0"/>
-              <a:t>Python, </a:t>
-            </a:r>
-          </a:p>
-          <a:p>
-            <a:r>
-              <a:rPr lang="en-GB" sz="3200" dirty="0"/>
-              <a:t>Scala, </a:t>
-            </a:r>
-          </a:p>
-          <a:p>
-            <a:r>
-              <a:rPr lang="en-GB" sz="3200" dirty="0"/>
-              <a:t>Ruby</a:t>
-            </a:r>
-          </a:p>
-          <a:p>
-            <a:endParaRPr lang="en-GB" dirty="0"/>
+            <a:endParaRPr lang="en-GB" dirty="0">
+              <a:latin typeface="Arial" panose="020B0604020202020204" pitchFamily="34" charset="0"/>
+              <a:cs typeface="Arial" panose="020B0604020202020204" pitchFamily="34" charset="0"/>
+            </a:endParaRPr>
+          </a:p>
+          <a:p>
+            <a:r>
+              <a:rPr lang="en-GB" dirty="0">
+                <a:latin typeface="Arial" panose="020B0604020202020204" pitchFamily="34" charset="0"/>
+                <a:cs typeface="Arial" panose="020B0604020202020204" pitchFamily="34" charset="0"/>
+              </a:rPr>
+              <a:t>Request do not stay in browser history</a:t>
+            </a:r>
+          </a:p>
+          <a:p>
+            <a:endParaRPr lang="en-GB" dirty="0">
+              <a:latin typeface="Arial" panose="020B0604020202020204" pitchFamily="34" charset="0"/>
+              <a:cs typeface="Arial" panose="020B0604020202020204" pitchFamily="34" charset="0"/>
+            </a:endParaRPr>
+          </a:p>
+          <a:p>
+            <a:r>
+              <a:rPr lang="en-GB" dirty="0">
+                <a:latin typeface="Arial" panose="020B0604020202020204" pitchFamily="34" charset="0"/>
+                <a:cs typeface="Arial" panose="020B0604020202020204" pitchFamily="34" charset="0"/>
+              </a:rPr>
+              <a:t>You can require that the clients use GET for all requests, but it's not ideal, because mutations will get cached too</a:t>
+            </a:r>
           </a:p>
         </p:txBody>
       </p:sp>
     </p:spTree>
     <p:extLst>
       <p:ext uri="{BB962C8B-B14F-4D97-AF65-F5344CB8AC3E}">
-        <p14:creationId xmlns:p14="http://schemas.microsoft.com/office/powerpoint/2010/main" val="3121276402"/>
+        <p14:creationId xmlns:p14="http://schemas.microsoft.com/office/powerpoint/2010/main" val="3634226830"/>
       </p:ext>
     </p:extLst>
   </p:cSld>
   <p:clrMapOvr>
     <a:masterClrMapping/>
   </p:clrMapOvr>
+  <p:timing>
+    <p:tnLst>
+      <p:par>
+        <p:cTn id="1" dur="indefinite" restart="never" nodeType="tmRoot">
+          <p:childTnLst>
+            <p:seq concurrent="1" nextAc="seek">
+              <p:cTn id="2" dur="indefinite" nodeType="mainSeq">
+                <p:childTnLst>
+                  <p:par>
+                    <p:cTn id="3" fill="hold">
+                      <p:stCondLst>
+                        <p:cond delay="indefinite"/>
+                      </p:stCondLst>
+                      <p:childTnLst>
+                        <p:par>
+                          <p:cTn id="4" fill="hold">
+                            <p:stCondLst>
+                              <p:cond delay="0"/>
+                            </p:stCondLst>
+                            <p:childTnLst>
+                              <p:par>
+                                <p:cTn id="5" presetID="1" presetClass="entr" presetSubtype="0" fill="hold" nodeType="clickEffect">
+                                  <p:stCondLst>
+                                    <p:cond delay="0"/>
+                                  </p:stCondLst>
+                                  <p:childTnLst>
+                                    <p:set>
+                                      <p:cBhvr>
+                                        <p:cTn id="6" dur="1" fill="hold">
+                                          <p:stCondLst>
+                                            <p:cond delay="0"/>
+                                          </p:stCondLst>
+                                        </p:cTn>
+                                        <p:tgtEl>
+                                          <p:spTgt spid="3">
+                                            <p:txEl>
+                                              <p:pRg st="1" end="1"/>
+                                            </p:txEl>
+                                          </p:spTgt>
+                                        </p:tgtEl>
+                                        <p:attrNameLst>
+                                          <p:attrName>style.visibility</p:attrName>
+                                        </p:attrNameLst>
+                                      </p:cBhvr>
+                                      <p:to>
+                                        <p:strVal val="visible"/>
+                                      </p:to>
+                                    </p:set>
+                                  </p:childTnLst>
+                                </p:cTn>
+                              </p:par>
+                            </p:childTnLst>
+                          </p:cTn>
+                        </p:par>
+                      </p:childTnLst>
+                    </p:cTn>
+                  </p:par>
+                  <p:par>
+                    <p:cTn id="7" fill="hold">
+                      <p:stCondLst>
+                        <p:cond delay="indefinite"/>
+                      </p:stCondLst>
+                      <p:childTnLst>
+                        <p:par>
+                          <p:cTn id="8" fill="hold">
+                            <p:stCondLst>
+                              <p:cond delay="0"/>
+                            </p:stCondLst>
+                            <p:childTnLst>
+                              <p:par>
+                                <p:cTn id="9" presetID="1" presetClass="entr" presetSubtype="0" fill="hold" nodeType="clickEffect">
+                                  <p:stCondLst>
+                                    <p:cond delay="0"/>
+                                  </p:stCondLst>
+                                  <p:childTnLst>
+                                    <p:set>
+                                      <p:cBhvr>
+                                        <p:cTn id="10" dur="1" fill="hold">
+                                          <p:stCondLst>
+                                            <p:cond delay="0"/>
+                                          </p:stCondLst>
+                                        </p:cTn>
+                                        <p:tgtEl>
+                                          <p:spTgt spid="3">
+                                            <p:txEl>
+                                              <p:pRg st="3" end="3"/>
+                                            </p:txEl>
+                                          </p:spTgt>
+                                        </p:tgtEl>
+                                        <p:attrNameLst>
+                                          <p:attrName>style.visibility</p:attrName>
+                                        </p:attrNameLst>
+                                      </p:cBhvr>
+                                      <p:to>
+                                        <p:strVal val="visible"/>
+                                      </p:to>
+                                    </p:set>
+                                  </p:childTnLst>
+                                </p:cTn>
+                              </p:par>
+                            </p:childTnLst>
+                          </p:cTn>
+                        </p:par>
+                      </p:childTnLst>
+                    </p:cTn>
+                  </p:par>
+                  <p:par>
+                    <p:cTn id="11" fill="hold">
+                      <p:stCondLst>
+                        <p:cond delay="indefinite"/>
+                      </p:stCondLst>
+                      <p:childTnLst>
+                        <p:par>
+                          <p:cTn id="12" fill="hold">
+                            <p:stCondLst>
+                              <p:cond delay="0"/>
+                            </p:stCondLst>
+                            <p:childTnLst>
+                              <p:par>
+                                <p:cTn id="13" presetID="1" presetClass="entr" presetSubtype="0" fill="hold" nodeType="clickEffect">
+                                  <p:stCondLst>
+                                    <p:cond delay="0"/>
+                                  </p:stCondLst>
+                                  <p:childTnLst>
+                                    <p:set>
+                                      <p:cBhvr>
+                                        <p:cTn id="14" dur="1" fill="hold">
+                                          <p:stCondLst>
+                                            <p:cond delay="0"/>
+                                          </p:stCondLst>
+                                        </p:cTn>
+                                        <p:tgtEl>
+                                          <p:spTgt spid="3">
+                                            <p:txEl>
+                                              <p:pRg st="5" end="5"/>
+                                            </p:txEl>
+                                          </p:spTgt>
+                                        </p:tgtEl>
+                                        <p:attrNameLst>
+                                          <p:attrName>style.visibility</p:attrName>
+                                        </p:attrNameLst>
+                                      </p:cBhvr>
+                                      <p:to>
+                                        <p:strVal val="visible"/>
+                                      </p:to>
+                                    </p:set>
+                                  </p:childTnLst>
+                                </p:cTn>
+                              </p:par>
+                            </p:childTnLst>
+                          </p:cTn>
+                        </p:par>
+                      </p:childTnLst>
+                    </p:cTn>
+                  </p:par>
+                  <p:par>
+                    <p:cTn id="15" fill="hold">
+                      <p:stCondLst>
+                        <p:cond delay="indefinite"/>
+                      </p:stCondLst>
+                      <p:childTnLst>
+                        <p:par>
+                          <p:cTn id="16" fill="hold">
+                            <p:stCondLst>
+                              <p:cond delay="0"/>
+                            </p:stCondLst>
+                            <p:childTnLst>
+                              <p:par>
+                                <p:cTn id="17" presetID="1" presetClass="entr" presetSubtype="0" fill="hold" nodeType="clickEffect">
+                                  <p:stCondLst>
+                                    <p:cond delay="0"/>
+                                  </p:stCondLst>
+                                  <p:childTnLst>
+                                    <p:set>
+                                      <p:cBhvr>
+                                        <p:cTn id="18" dur="1" fill="hold">
+                                          <p:stCondLst>
+                                            <p:cond delay="0"/>
+                                          </p:stCondLst>
+                                        </p:cTn>
+                                        <p:tgtEl>
+                                          <p:spTgt spid="3">
+                                            <p:txEl>
+                                              <p:pRg st="7" end="7"/>
+                                            </p:txEl>
+                                          </p:spTgt>
+                                        </p:tgtEl>
+                                        <p:attrNameLst>
+                                          <p:attrName>style.visibility</p:attrName>
+                                        </p:attrNameLst>
+                                      </p:cBhvr>
+                                      <p:to>
+                                        <p:strVal val="visible"/>
+                                      </p:to>
+                                    </p:set>
+                                  </p:childTnLst>
+                                </p:cTn>
+                              </p:par>
+                            </p:childTnLst>
+                          </p:cTn>
+                        </p:par>
+                      </p:childTnLst>
+                    </p:cTn>
+                  </p:par>
+                </p:childTnLst>
+              </p:cTn>
+              <p:prevCondLst>
+                <p:cond evt="onPrev" delay="0">
+                  <p:tgtEl>
+                    <p:sldTgt/>
+                  </p:tgtEl>
+                </p:cond>
+              </p:prevCondLst>
+              <p:nextCondLst>
+                <p:cond evt="onNext" delay="0">
+                  <p:tgtEl>
+                    <p:sldTgt/>
+                  </p:tgtEl>
+                </p:cond>
+              </p:nextCondLst>
+            </p:seq>
+          </p:childTnLst>
+        </p:cTn>
+      </p:par>
+    </p:tnLst>
+  </p:timing>
 </p:sld>
 </file>
 
@@ -7972,7 +10719,7 @@
           <p:cNvPr id="2" name="Title 1">
             <a:extLst>
               <a:ext uri="{FF2B5EF4-FFF2-40B4-BE49-F238E27FC236}">
-                <a16:creationId xmlns:a16="http://schemas.microsoft.com/office/drawing/2014/main" id="{2C63CBC6-7DB4-4E54-BCC5-14F93A3F7D6A}"/>
+                <a16:creationId xmlns:a16="http://schemas.microsoft.com/office/drawing/2014/main" id="{0E3C60F8-DD1F-4212-81B7-F83F830A32C0}"/>
               </a:ext>
             </a:extLst>
           </p:cNvPr>
@@ -7985,16 +10732,31 @@
         </p:nvSpPr>
         <p:spPr/>
         <p:txBody>
-          <a:bodyPr/>
+          <a:bodyPr>
+            <a:normAutofit/>
+          </a:bodyPr>
           <a:lstStyle/>
           <a:p>
             <a:r>
-              <a:rPr lang="en-GB" dirty="0" err="1"/>
+              <a:rPr lang="en-GB" sz="4000" b="1" dirty="0">
+                <a:latin typeface="Arial" panose="020B0604020202020204" pitchFamily="34" charset="0"/>
+                <a:cs typeface="Arial" panose="020B0604020202020204" pitchFamily="34" charset="0"/>
+              </a:rPr>
+              <a:t>Should you consider Using </a:t>
+            </a:r>
+            <a:r>
+              <a:rPr lang="en-GB" sz="4000" b="1" dirty="0" err="1">
+                <a:latin typeface="Arial" panose="020B0604020202020204" pitchFamily="34" charset="0"/>
+                <a:cs typeface="Arial" panose="020B0604020202020204" pitchFamily="34" charset="0"/>
+              </a:rPr>
               <a:t>GraphQL</a:t>
             </a:r>
             <a:r>
-              <a:rPr lang="en-GB" dirty="0"/>
-              <a:t> Disadvantages</a:t>
+              <a:rPr lang="en-GB" sz="4000" b="1" dirty="0">
+                <a:latin typeface="Arial" panose="020B0604020202020204" pitchFamily="34" charset="0"/>
+                <a:cs typeface="Arial" panose="020B0604020202020204" pitchFamily="34" charset="0"/>
+              </a:rPr>
+              <a:t>?</a:t>
             </a:r>
           </a:p>
         </p:txBody>
@@ -8004,7 +10766,7 @@
           <p:cNvPr id="3" name="Content Placeholder 2">
             <a:extLst>
               <a:ext uri="{FF2B5EF4-FFF2-40B4-BE49-F238E27FC236}">
-                <a16:creationId xmlns:a16="http://schemas.microsoft.com/office/drawing/2014/main" id="{58E3BA50-296D-4D95-8673-712118DFB9A5}"/>
+                <a16:creationId xmlns:a16="http://schemas.microsoft.com/office/drawing/2014/main" id="{75EE9A8F-D1E3-4346-BC6C-5B56623FB003}"/>
               </a:ext>
             </a:extLst>
           </p:cNvPr>
@@ -8020,9 +10782,29 @@
           <a:bodyPr/>
           <a:lstStyle/>
           <a:p>
-            <a:r>
-              <a:rPr lang="en-GB" dirty="0"/>
-              <a:t>https://stablekernel.com/advantages-and-disadvantages-of-graphql/</a:t>
+            <a:endParaRPr lang="en-GB" dirty="0"/>
+          </a:p>
+          <a:p>
+            <a:r>
+              <a:rPr lang="en-GB" dirty="0">
+                <a:latin typeface="Arial" panose="020B0604020202020204" pitchFamily="34" charset="0"/>
+                <a:cs typeface="Arial" panose="020B0604020202020204" pitchFamily="34" charset="0"/>
+              </a:rPr>
+              <a:t>If you find yourself working with a scalable application that has rapidly-changing data, </a:t>
+            </a:r>
+            <a:r>
+              <a:rPr lang="en-GB" dirty="0" err="1">
+                <a:latin typeface="Arial" panose="020B0604020202020204" pitchFamily="34" charset="0"/>
+                <a:cs typeface="Arial" panose="020B0604020202020204" pitchFamily="34" charset="0"/>
+              </a:rPr>
+              <a:t>GraphQL</a:t>
+            </a:r>
+            <a:r>
+              <a:rPr lang="en-GB" dirty="0">
+                <a:latin typeface="Arial" panose="020B0604020202020204" pitchFamily="34" charset="0"/>
+                <a:cs typeface="Arial" panose="020B0604020202020204" pitchFamily="34" charset="0"/>
+              </a:rPr>
+              <a:t> could be a great solution.</a:t>
             </a:r>
           </a:p>
         </p:txBody>
@@ -8030,7 +10812,7 @@
     </p:spTree>
     <p:extLst>
       <p:ext uri="{BB962C8B-B14F-4D97-AF65-F5344CB8AC3E}">
-        <p14:creationId xmlns:p14="http://schemas.microsoft.com/office/powerpoint/2010/main" val="2749597948"/>
+        <p14:creationId xmlns:p14="http://schemas.microsoft.com/office/powerpoint/2010/main" val="975833146"/>
       </p:ext>
     </p:extLst>
   </p:cSld>
@@ -8062,7 +10844,7 @@
           <p:cNvPr id="2" name="Title 1">
             <a:extLst>
               <a:ext uri="{FF2B5EF4-FFF2-40B4-BE49-F238E27FC236}">
-                <a16:creationId xmlns:a16="http://schemas.microsoft.com/office/drawing/2014/main" id="{7B9E8B8E-F033-42D5-980B-ED08ED7910B5}"/>
+                <a16:creationId xmlns:a16="http://schemas.microsoft.com/office/drawing/2014/main" id="{1F25C1B4-9501-42C1-8603-CEB6C63094E9}"/>
               </a:ext>
             </a:extLst>
           </p:cNvPr>
@@ -8075,30 +10857,29 @@
         </p:nvSpPr>
         <p:spPr/>
         <p:txBody>
-          <a:bodyPr/>
+          <a:bodyPr>
+            <a:normAutofit/>
+          </a:bodyPr>
           <a:lstStyle/>
           <a:p>
             <a:r>
-              <a:rPr lang="en-GB" dirty="0">
-                <a:latin typeface="Arial" panose="020B0604020202020204" pitchFamily="34" charset="0"/>
-                <a:cs typeface="Arial" panose="020B0604020202020204" pitchFamily="34" charset="0"/>
-              </a:rPr>
-              <a:t>What Is </a:t>
-            </a:r>
-            <a:r>
-              <a:rPr lang="en-GB" dirty="0" err="1">
+              <a:rPr lang="en-GB" sz="4000" b="1" dirty="0">
+                <a:latin typeface="Arial" panose="020B0604020202020204" pitchFamily="34" charset="0"/>
+                <a:cs typeface="Arial" panose="020B0604020202020204" pitchFamily="34" charset="0"/>
+              </a:rPr>
+              <a:t>What is </a:t>
+            </a:r>
+            <a:r>
+              <a:rPr lang="en-GB" sz="4000" b="1" dirty="0" err="1">
                 <a:latin typeface="Arial" panose="020B0604020202020204" pitchFamily="34" charset="0"/>
                 <a:cs typeface="Arial" panose="020B0604020202020204" pitchFamily="34" charset="0"/>
               </a:rPr>
               <a:t>GraphQL</a:t>
             </a:r>
-            <a:r>
-              <a:rPr lang="en-GB" dirty="0">
-                <a:latin typeface="Arial" panose="020B0604020202020204" pitchFamily="34" charset="0"/>
-                <a:cs typeface="Arial" panose="020B0604020202020204" pitchFamily="34" charset="0"/>
-              </a:rPr>
-              <a:t>?	</a:t>
-            </a:r>
+            <a:endParaRPr lang="en-GB" sz="4000" b="1" dirty="0">
+              <a:latin typeface="Arial" panose="020B0604020202020204" pitchFamily="34" charset="0"/>
+              <a:cs typeface="Arial" panose="020B0604020202020204" pitchFamily="34" charset="0"/>
+            </a:endParaRPr>
           </a:p>
         </p:txBody>
       </p:sp>
@@ -8107,7 +10888,7 @@
           <p:cNvPr id="3" name="Content Placeholder 2">
             <a:extLst>
               <a:ext uri="{FF2B5EF4-FFF2-40B4-BE49-F238E27FC236}">
-                <a16:creationId xmlns:a16="http://schemas.microsoft.com/office/drawing/2014/main" id="{97091BEC-29C9-4BDB-9E64-C10725B1BBD9}"/>
+                <a16:creationId xmlns:a16="http://schemas.microsoft.com/office/drawing/2014/main" id="{6B8C41F0-62B7-4E9C-8239-5307582A2381}"/>
               </a:ext>
             </a:extLst>
           </p:cNvPr>
@@ -8118,58 +10899,76 @@
             <p:ph idx="1"/>
           </p:nvPr>
         </p:nvSpPr>
-        <p:spPr/>
+        <p:spPr>
+          <a:xfrm>
+            <a:off x="838200" y="1825625"/>
+            <a:ext cx="10515600" cy="4667250"/>
+          </a:xfrm>
+        </p:spPr>
         <p:txBody>
           <a:bodyPr>
-            <a:normAutofit lnSpcReduction="10000"/>
+            <a:normAutofit/>
           </a:bodyPr>
           <a:lstStyle/>
           <a:p>
             <a:r>
-              <a:rPr lang="en-GB" dirty="0" err="1"/>
-              <a:t>GraphQL</a:t>
-            </a:r>
-            <a:r>
-              <a:rPr lang="en-GB" dirty="0"/>
-              <a:t> is a data query language for APIs and a runtime for fulfilling those queries with your existing data.</a:t>
-            </a:r>
-          </a:p>
-          <a:p>
-            <a:endParaRPr lang="en-GB" dirty="0"/>
-          </a:p>
-          <a:p>
-            <a:r>
-              <a:rPr lang="en-GB" dirty="0" err="1"/>
-              <a:t>GraphQL</a:t>
-            </a:r>
-            <a:r>
-              <a:rPr lang="en-GB" dirty="0"/>
-              <a:t> provides a complete and understandable description of the data in your API.</a:t>
-            </a:r>
-          </a:p>
-          <a:p>
-            <a:endParaRPr lang="en-GB" dirty="0"/>
-          </a:p>
-          <a:p>
-            <a:r>
-              <a:rPr lang="en-GB" dirty="0"/>
-              <a:t>Gives clients the power to ask for exactly what they need and nothing more.</a:t>
-            </a:r>
-          </a:p>
-          <a:p>
-            <a:pPr marL="0" indent="0">
-              <a:buNone/>
-            </a:pPr>
-            <a:endParaRPr lang="en-GB" b="1" dirty="0"/>
-          </a:p>
-          <a:p>
-            <a:pPr marL="0" indent="0">
-              <a:buNone/>
-            </a:pPr>
-            <a:r>
-              <a:rPr lang="en-GB" b="1" dirty="0"/>
-              <a:t>(Source: GraphQL.org)</a:t>
-            </a:r>
+              <a:rPr lang="en-GB" dirty="0">
+                <a:latin typeface="Arial" panose="020B0604020202020204" pitchFamily="34" charset="0"/>
+                <a:cs typeface="Arial" panose="020B0604020202020204" pitchFamily="34" charset="0"/>
+              </a:rPr>
+              <a:t>A query language for your API</a:t>
+            </a:r>
+          </a:p>
+          <a:p>
+            <a:endParaRPr lang="en-GB" dirty="0">
+              <a:latin typeface="Arial" panose="020B0604020202020204" pitchFamily="34" charset="0"/>
+              <a:cs typeface="Arial" panose="020B0604020202020204" pitchFamily="34" charset="0"/>
+            </a:endParaRPr>
+          </a:p>
+          <a:p>
+            <a:r>
+              <a:rPr lang="en-GB" dirty="0">
+                <a:latin typeface="Arial" panose="020B0604020202020204" pitchFamily="34" charset="0"/>
+                <a:cs typeface="Arial" panose="020B0604020202020204" pitchFamily="34" charset="0"/>
+              </a:rPr>
+              <a:t>A server-side runtime for executing queries </a:t>
+            </a:r>
+          </a:p>
+          <a:p>
+            <a:endParaRPr lang="en-GB" dirty="0">
+              <a:latin typeface="Arial" panose="020B0604020202020204" pitchFamily="34" charset="0"/>
+              <a:cs typeface="Arial" panose="020B0604020202020204" pitchFamily="34" charset="0"/>
+            </a:endParaRPr>
+          </a:p>
+          <a:p>
+            <a:r>
+              <a:rPr lang="en-GB" dirty="0">
+                <a:latin typeface="Arial" panose="020B0604020202020204" pitchFamily="34" charset="0"/>
+                <a:cs typeface="Arial" panose="020B0604020202020204" pitchFamily="34" charset="0"/>
+              </a:rPr>
+              <a:t>It can provide a more efficient, powerful and flexible alternative to REST</a:t>
+            </a:r>
+          </a:p>
+          <a:p>
+            <a:endParaRPr lang="en-GB" dirty="0">
+              <a:latin typeface="Arial" panose="020B0604020202020204" pitchFamily="34" charset="0"/>
+              <a:cs typeface="Arial" panose="020B0604020202020204" pitchFamily="34" charset="0"/>
+            </a:endParaRPr>
+          </a:p>
+          <a:p>
+            <a:r>
+              <a:rPr lang="en-GB" dirty="0">
+                <a:latin typeface="Arial" panose="020B0604020202020204" pitchFamily="34" charset="0"/>
+                <a:cs typeface="Arial" panose="020B0604020202020204" pitchFamily="34" charset="0"/>
+              </a:rPr>
+              <a:t>Supports reading, writing (mutating) and subscribing to changes to data (Realtime updates)</a:t>
+            </a:r>
+          </a:p>
+          <a:p>
+            <a:endParaRPr lang="en-GB" dirty="0">
+              <a:latin typeface="Arial" panose="020B0604020202020204" pitchFamily="34" charset="0"/>
+              <a:cs typeface="Arial" panose="020B0604020202020204" pitchFamily="34" charset="0"/>
+            </a:endParaRPr>
           </a:p>
           <a:p>
             <a:endParaRPr lang="en-GB" dirty="0"/>
@@ -8179,13 +10978,287 @@
     </p:spTree>
     <p:extLst>
       <p:ext uri="{BB962C8B-B14F-4D97-AF65-F5344CB8AC3E}">
-        <p14:creationId xmlns:p14="http://schemas.microsoft.com/office/powerpoint/2010/main" val="972039916"/>
+        <p14:creationId xmlns:p14="http://schemas.microsoft.com/office/powerpoint/2010/main" val="1327652700"/>
       </p:ext>
     </p:extLst>
   </p:cSld>
   <p:clrMapOvr>
     <a:masterClrMapping/>
   </p:clrMapOvr>
+  <p:timing>
+    <p:tnLst>
+      <p:par>
+        <p:cTn id="1" dur="indefinite" restart="never" nodeType="tmRoot">
+          <p:childTnLst>
+            <p:seq concurrent="1" nextAc="seek">
+              <p:cTn id="2" dur="indefinite" nodeType="mainSeq">
+                <p:childTnLst>
+                  <p:par>
+                    <p:cTn id="3" fill="hold">
+                      <p:stCondLst>
+                        <p:cond delay="indefinite"/>
+                      </p:stCondLst>
+                      <p:childTnLst>
+                        <p:par>
+                          <p:cTn id="4" fill="hold">
+                            <p:stCondLst>
+                              <p:cond delay="0"/>
+                            </p:stCondLst>
+                            <p:childTnLst>
+                              <p:par>
+                                <p:cTn id="5" presetID="1" presetClass="entr" presetSubtype="0" fill="hold" grpId="0" nodeType="clickEffect">
+                                  <p:stCondLst>
+                                    <p:cond delay="0"/>
+                                  </p:stCondLst>
+                                  <p:childTnLst>
+                                    <p:set>
+                                      <p:cBhvr>
+                                        <p:cTn id="6" dur="1" fill="hold">
+                                          <p:stCondLst>
+                                            <p:cond delay="0"/>
+                                          </p:stCondLst>
+                                        </p:cTn>
+                                        <p:tgtEl>
+                                          <p:spTgt spid="2"/>
+                                        </p:tgtEl>
+                                        <p:attrNameLst>
+                                          <p:attrName>style.visibility</p:attrName>
+                                        </p:attrNameLst>
+                                      </p:cBhvr>
+                                      <p:to>
+                                        <p:strVal val="visible"/>
+                                      </p:to>
+                                    </p:set>
+                                  </p:childTnLst>
+                                </p:cTn>
+                              </p:par>
+                            </p:childTnLst>
+                          </p:cTn>
+                        </p:par>
+                      </p:childTnLst>
+                    </p:cTn>
+                  </p:par>
+                  <p:par>
+                    <p:cTn id="7" fill="hold">
+                      <p:stCondLst>
+                        <p:cond delay="indefinite"/>
+                      </p:stCondLst>
+                      <p:childTnLst>
+                        <p:par>
+                          <p:cTn id="8" fill="hold">
+                            <p:stCondLst>
+                              <p:cond delay="0"/>
+                            </p:stCondLst>
+                            <p:childTnLst>
+                              <p:par>
+                                <p:cTn id="9" presetID="1" presetClass="entr" presetSubtype="0" fill="hold" nodeType="clickEffect">
+                                  <p:stCondLst>
+                                    <p:cond delay="0"/>
+                                  </p:stCondLst>
+                                  <p:childTnLst>
+                                    <p:set>
+                                      <p:cBhvr>
+                                        <p:cTn id="10" dur="1" fill="hold">
+                                          <p:stCondLst>
+                                            <p:cond delay="0"/>
+                                          </p:stCondLst>
+                                        </p:cTn>
+                                        <p:tgtEl>
+                                          <p:spTgt spid="3">
+                                            <p:txEl>
+                                              <p:pRg st="0" end="0"/>
+                                            </p:txEl>
+                                          </p:spTgt>
+                                        </p:tgtEl>
+                                        <p:attrNameLst>
+                                          <p:attrName>style.visibility</p:attrName>
+                                        </p:attrNameLst>
+                                      </p:cBhvr>
+                                      <p:to>
+                                        <p:strVal val="visible"/>
+                                      </p:to>
+                                    </p:set>
+                                  </p:childTnLst>
+                                </p:cTn>
+                              </p:par>
+                            </p:childTnLst>
+                          </p:cTn>
+                        </p:par>
+                      </p:childTnLst>
+                    </p:cTn>
+                  </p:par>
+                  <p:par>
+                    <p:cTn id="11" fill="hold">
+                      <p:stCondLst>
+                        <p:cond delay="indefinite"/>
+                      </p:stCondLst>
+                      <p:childTnLst>
+                        <p:par>
+                          <p:cTn id="12" fill="hold">
+                            <p:stCondLst>
+                              <p:cond delay="0"/>
+                            </p:stCondLst>
+                            <p:childTnLst>
+                              <p:par>
+                                <p:cTn id="13" presetID="1" presetClass="entr" presetSubtype="0" fill="hold" nodeType="clickEffect">
+                                  <p:stCondLst>
+                                    <p:cond delay="0"/>
+                                  </p:stCondLst>
+                                  <p:childTnLst>
+                                    <p:set>
+                                      <p:cBhvr>
+                                        <p:cTn id="14" dur="1" fill="hold">
+                                          <p:stCondLst>
+                                            <p:cond delay="0"/>
+                                          </p:stCondLst>
+                                        </p:cTn>
+                                        <p:tgtEl>
+                                          <p:spTgt spid="3">
+                                            <p:txEl>
+                                              <p:pRg st="2" end="2"/>
+                                            </p:txEl>
+                                          </p:spTgt>
+                                        </p:tgtEl>
+                                        <p:attrNameLst>
+                                          <p:attrName>style.visibility</p:attrName>
+                                        </p:attrNameLst>
+                                      </p:cBhvr>
+                                      <p:to>
+                                        <p:strVal val="visible"/>
+                                      </p:to>
+                                    </p:set>
+                                  </p:childTnLst>
+                                </p:cTn>
+                              </p:par>
+                            </p:childTnLst>
+                          </p:cTn>
+                        </p:par>
+                      </p:childTnLst>
+                    </p:cTn>
+                  </p:par>
+                  <p:par>
+                    <p:cTn id="15" fill="hold">
+                      <p:stCondLst>
+                        <p:cond delay="indefinite"/>
+                      </p:stCondLst>
+                      <p:childTnLst>
+                        <p:par>
+                          <p:cTn id="16" fill="hold">
+                            <p:stCondLst>
+                              <p:cond delay="0"/>
+                            </p:stCondLst>
+                            <p:childTnLst>
+                              <p:par>
+                                <p:cTn id="17" presetID="1" presetClass="entr" presetSubtype="0" fill="hold" nodeType="clickEffect">
+                                  <p:stCondLst>
+                                    <p:cond delay="0"/>
+                                  </p:stCondLst>
+                                  <p:childTnLst>
+                                    <p:set>
+                                      <p:cBhvr>
+                                        <p:cTn id="18" dur="1" fill="hold">
+                                          <p:stCondLst>
+                                            <p:cond delay="0"/>
+                                          </p:stCondLst>
+                                        </p:cTn>
+                                        <p:tgtEl>
+                                          <p:spTgt spid="3">
+                                            <p:txEl>
+                                              <p:pRg st="4" end="4"/>
+                                            </p:txEl>
+                                          </p:spTgt>
+                                        </p:tgtEl>
+                                        <p:attrNameLst>
+                                          <p:attrName>style.visibility</p:attrName>
+                                        </p:attrNameLst>
+                                      </p:cBhvr>
+                                      <p:to>
+                                        <p:strVal val="visible"/>
+                                      </p:to>
+                                    </p:set>
+                                  </p:childTnLst>
+                                </p:cTn>
+                              </p:par>
+                            </p:childTnLst>
+                          </p:cTn>
+                        </p:par>
+                      </p:childTnLst>
+                    </p:cTn>
+                  </p:par>
+                  <p:par>
+                    <p:cTn id="19" fill="hold">
+                      <p:stCondLst>
+                        <p:cond delay="indefinite"/>
+                      </p:stCondLst>
+                      <p:childTnLst>
+                        <p:par>
+                          <p:cTn id="20" fill="hold">
+                            <p:stCondLst>
+                              <p:cond delay="0"/>
+                            </p:stCondLst>
+                            <p:childTnLst>
+                              <p:par>
+                                <p:cTn id="21" presetID="1" presetClass="entr" presetSubtype="0" fill="hold" nodeType="clickEffect">
+                                  <p:stCondLst>
+                                    <p:cond delay="0"/>
+                                  </p:stCondLst>
+                                  <p:childTnLst>
+                                    <p:set>
+                                      <p:cBhvr>
+                                        <p:cTn id="22" dur="1" fill="hold">
+                                          <p:stCondLst>
+                                            <p:cond delay="0"/>
+                                          </p:stCondLst>
+                                        </p:cTn>
+                                        <p:tgtEl>
+                                          <p:spTgt spid="3">
+                                            <p:txEl>
+                                              <p:pRg st="6" end="6"/>
+                                            </p:txEl>
+                                          </p:spTgt>
+                                        </p:tgtEl>
+                                        <p:attrNameLst>
+                                          <p:attrName>style.visibility</p:attrName>
+                                        </p:attrNameLst>
+                                      </p:cBhvr>
+                                      <p:to>
+                                        <p:strVal val="visible"/>
+                                      </p:to>
+                                    </p:set>
+                                  </p:childTnLst>
+                                </p:cTn>
+                              </p:par>
+                            </p:childTnLst>
+                          </p:cTn>
+                        </p:par>
+                      </p:childTnLst>
+                    </p:cTn>
+                  </p:par>
+                </p:childTnLst>
+              </p:cTn>
+              <p:prevCondLst>
+                <p:cond evt="onPrev" delay="0">
+                  <p:tgtEl>
+                    <p:sldTgt/>
+                  </p:tgtEl>
+                </p:cond>
+              </p:prevCondLst>
+              <p:nextCondLst>
+                <p:cond evt="onNext" delay="0">
+                  <p:tgtEl>
+                    <p:sldTgt/>
+                  </p:tgtEl>
+                </p:cond>
+              </p:nextCondLst>
+            </p:seq>
+          </p:childTnLst>
+        </p:cTn>
+      </p:par>
+    </p:tnLst>
+    <p:bldLst>
+      <p:bldP spid="2" grpId="0"/>
+    </p:bldLst>
+  </p:timing>
 </p:sld>
 </file>
 
@@ -8211,6 +11284,132 @@
           <p:cNvPr id="2" name="Title 1">
             <a:extLst>
               <a:ext uri="{FF2B5EF4-FFF2-40B4-BE49-F238E27FC236}">
+                <a16:creationId xmlns:a16="http://schemas.microsoft.com/office/drawing/2014/main" id="{5025B909-8380-407F-98D1-5BBA276DF1B7}"/>
+              </a:ext>
+            </a:extLst>
+          </p:cNvPr>
+          <p:cNvSpPr>
+            <a:spLocks noGrp="1"/>
+          </p:cNvSpPr>
+          <p:nvPr>
+            <p:ph type="title"/>
+          </p:nvPr>
+        </p:nvSpPr>
+        <p:spPr/>
+        <p:txBody>
+          <a:bodyPr>
+            <a:normAutofit/>
+          </a:bodyPr>
+          <a:lstStyle/>
+          <a:p>
+            <a:r>
+              <a:rPr lang="en-GB" sz="4000" dirty="0">
+                <a:latin typeface="Arial" panose="020B0604020202020204" pitchFamily="34" charset="0"/>
+                <a:cs typeface="Arial" panose="020B0604020202020204" pitchFamily="34" charset="0"/>
+              </a:rPr>
+              <a:t>Thank You For Listening</a:t>
+            </a:r>
+          </a:p>
+        </p:txBody>
+      </p:sp>
+    </p:spTree>
+    <p:extLst>
+      <p:ext uri="{BB962C8B-B14F-4D97-AF65-F5344CB8AC3E}">
+        <p14:creationId xmlns:p14="http://schemas.microsoft.com/office/powerpoint/2010/main" val="360220739"/>
+      </p:ext>
+    </p:extLst>
+  </p:cSld>
+  <p:clrMapOvr>
+    <a:masterClrMapping/>
+  </p:clrMapOvr>
+</p:sld>
+</file>
+
+<file path=ppt/slides/slide31.xml><?xml version="1.0" encoding="utf-8"?>
+<p:sld xmlns:a="http://schemas.openxmlformats.org/drawingml/2006/main" xmlns:r="http://schemas.openxmlformats.org/officeDocument/2006/relationships" xmlns:p="http://schemas.openxmlformats.org/presentationml/2006/main">
+  <p:cSld>
+    <p:spTree>
+      <p:nvGrpSpPr>
+        <p:cNvPr id="1" name=""/>
+        <p:cNvGrpSpPr/>
+        <p:nvPr/>
+      </p:nvGrpSpPr>
+      <p:grpSpPr>
+        <a:xfrm>
+          <a:off x="0" y="0"/>
+          <a:ext cx="0" cy="0"/>
+          <a:chOff x="0" y="0"/>
+          <a:chExt cx="0" cy="0"/>
+        </a:xfrm>
+      </p:grpSpPr>
+      <p:sp>
+        <p:nvSpPr>
+          <p:cNvPr id="2" name="Title 1">
+            <a:extLst>
+              <a:ext uri="{FF2B5EF4-FFF2-40B4-BE49-F238E27FC236}">
+                <a16:creationId xmlns:a16="http://schemas.microsoft.com/office/drawing/2014/main" id="{ADF842CB-C496-4F73-A1FF-31C756A22EC4}"/>
+              </a:ext>
+            </a:extLst>
+          </p:cNvPr>
+          <p:cNvSpPr>
+            <a:spLocks noGrp="1"/>
+          </p:cNvSpPr>
+          <p:nvPr>
+            <p:ph type="title"/>
+          </p:nvPr>
+        </p:nvSpPr>
+        <p:spPr/>
+        <p:txBody>
+          <a:bodyPr>
+            <a:normAutofit/>
+          </a:bodyPr>
+          <a:lstStyle/>
+          <a:p>
+            <a:r>
+              <a:rPr lang="en-GB" sz="4000" dirty="0">
+                <a:latin typeface="Arial" panose="020B0604020202020204" pitchFamily="34" charset="0"/>
+                <a:cs typeface="Arial" panose="020B0604020202020204" pitchFamily="34" charset="0"/>
+              </a:rPr>
+              <a:t>Questions…..</a:t>
+            </a:r>
+          </a:p>
+        </p:txBody>
+      </p:sp>
+    </p:spTree>
+    <p:extLst>
+      <p:ext uri="{BB962C8B-B14F-4D97-AF65-F5344CB8AC3E}">
+        <p14:creationId xmlns:p14="http://schemas.microsoft.com/office/powerpoint/2010/main" val="1184689899"/>
+      </p:ext>
+    </p:extLst>
+  </p:cSld>
+  <p:clrMapOvr>
+    <a:masterClrMapping/>
+  </p:clrMapOvr>
+</p:sld>
+</file>
+
+<file path=ppt/slides/slide32.xml><?xml version="1.0" encoding="utf-8"?>
+<p:sld xmlns:a="http://schemas.openxmlformats.org/drawingml/2006/main" xmlns:r="http://schemas.openxmlformats.org/officeDocument/2006/relationships" xmlns:p="http://schemas.openxmlformats.org/presentationml/2006/main" show="0">
+  <p:cSld>
+    <p:spTree>
+      <p:nvGrpSpPr>
+        <p:cNvPr id="1" name=""/>
+        <p:cNvGrpSpPr/>
+        <p:nvPr/>
+      </p:nvGrpSpPr>
+      <p:grpSpPr>
+        <a:xfrm>
+          <a:off x="0" y="0"/>
+          <a:ext cx="0" cy="0"/>
+          <a:chOff x="0" y="0"/>
+          <a:chExt cx="0" cy="0"/>
+        </a:xfrm>
+      </p:grpSpPr>
+      <p:sp>
+        <p:nvSpPr>
+          <p:cNvPr id="2" name="Title 1">
+            <a:extLst>
+              <a:ext uri="{FF2B5EF4-FFF2-40B4-BE49-F238E27FC236}">
                 <a16:creationId xmlns:a16="http://schemas.microsoft.com/office/drawing/2014/main" id="{6B39982E-B2B4-483D-A055-2AB6C3B7D601}"/>
               </a:ext>
             </a:extLst>
@@ -8283,6 +11482,162 @@
     <p:extLst>
       <p:ext uri="{BB962C8B-B14F-4D97-AF65-F5344CB8AC3E}">
         <p14:creationId xmlns:p14="http://schemas.microsoft.com/office/powerpoint/2010/main" val="2355465839"/>
+      </p:ext>
+    </p:extLst>
+  </p:cSld>
+  <p:clrMapOvr>
+    <a:masterClrMapping/>
+  </p:clrMapOvr>
+</p:sld>
+</file>
+
+<file path=ppt/slides/slide33.xml><?xml version="1.0" encoding="utf-8"?>
+<p:sld xmlns:a="http://schemas.openxmlformats.org/drawingml/2006/main" xmlns:r="http://schemas.openxmlformats.org/officeDocument/2006/relationships" xmlns:p="http://schemas.openxmlformats.org/presentationml/2006/main" show="0">
+  <p:cSld>
+    <p:spTree>
+      <p:nvGrpSpPr>
+        <p:cNvPr id="1" name=""/>
+        <p:cNvGrpSpPr/>
+        <p:nvPr/>
+      </p:nvGrpSpPr>
+      <p:grpSpPr>
+        <a:xfrm>
+          <a:off x="0" y="0"/>
+          <a:ext cx="0" cy="0"/>
+          <a:chOff x="0" y="0"/>
+          <a:chExt cx="0" cy="0"/>
+        </a:xfrm>
+      </p:grpSpPr>
+      <p:sp>
+        <p:nvSpPr>
+          <p:cNvPr id="2" name="Title 1">
+            <a:extLst>
+              <a:ext uri="{FF2B5EF4-FFF2-40B4-BE49-F238E27FC236}">
+                <a16:creationId xmlns:a16="http://schemas.microsoft.com/office/drawing/2014/main" id="{7B9E8B8E-F033-42D5-980B-ED08ED7910B5}"/>
+              </a:ext>
+            </a:extLst>
+          </p:cNvPr>
+          <p:cNvSpPr>
+            <a:spLocks noGrp="1"/>
+          </p:cNvSpPr>
+          <p:nvPr>
+            <p:ph type="title"/>
+          </p:nvPr>
+        </p:nvSpPr>
+        <p:spPr/>
+        <p:txBody>
+          <a:bodyPr/>
+          <a:lstStyle/>
+          <a:p>
+            <a:r>
+              <a:rPr lang="en-GB" b="1" dirty="0">
+                <a:latin typeface="Arial" panose="020B0604020202020204" pitchFamily="34" charset="0"/>
+                <a:cs typeface="Arial" panose="020B0604020202020204" pitchFamily="34" charset="0"/>
+              </a:rPr>
+              <a:t>What Is </a:t>
+            </a:r>
+            <a:r>
+              <a:rPr lang="en-GB" b="1" dirty="0" err="1">
+                <a:latin typeface="Arial" panose="020B0604020202020204" pitchFamily="34" charset="0"/>
+                <a:cs typeface="Arial" panose="020B0604020202020204" pitchFamily="34" charset="0"/>
+              </a:rPr>
+              <a:t>GraphQL</a:t>
+            </a:r>
+            <a:r>
+              <a:rPr lang="en-GB" b="1" dirty="0">
+                <a:latin typeface="Arial" panose="020B0604020202020204" pitchFamily="34" charset="0"/>
+                <a:cs typeface="Arial" panose="020B0604020202020204" pitchFamily="34" charset="0"/>
+              </a:rPr>
+              <a:t>?</a:t>
+            </a:r>
+            <a:r>
+              <a:rPr lang="en-GB" dirty="0">
+                <a:latin typeface="Arial" panose="020B0604020202020204" pitchFamily="34" charset="0"/>
+                <a:cs typeface="Arial" panose="020B0604020202020204" pitchFamily="34" charset="0"/>
+              </a:rPr>
+              <a:t>	</a:t>
+            </a:r>
+          </a:p>
+        </p:txBody>
+      </p:sp>
+      <p:sp>
+        <p:nvSpPr>
+          <p:cNvPr id="3" name="Content Placeholder 2">
+            <a:extLst>
+              <a:ext uri="{FF2B5EF4-FFF2-40B4-BE49-F238E27FC236}">
+                <a16:creationId xmlns:a16="http://schemas.microsoft.com/office/drawing/2014/main" id="{97091BEC-29C9-4BDB-9E64-C10725B1BBD9}"/>
+              </a:ext>
+            </a:extLst>
+          </p:cNvPr>
+          <p:cNvSpPr>
+            <a:spLocks noGrp="1"/>
+          </p:cNvSpPr>
+          <p:nvPr>
+            <p:ph idx="1"/>
+          </p:nvPr>
+        </p:nvSpPr>
+        <p:spPr/>
+        <p:txBody>
+          <a:bodyPr>
+            <a:normAutofit lnSpcReduction="10000"/>
+          </a:bodyPr>
+          <a:lstStyle/>
+          <a:p>
+            <a:r>
+              <a:rPr lang="en-GB" dirty="0" err="1"/>
+              <a:t>GraphQL</a:t>
+            </a:r>
+            <a:r>
+              <a:rPr lang="en-GB" dirty="0"/>
+              <a:t> is a data query language for APIs and a runtime for fulfilling those queries with your existing data.</a:t>
+            </a:r>
+          </a:p>
+          <a:p>
+            <a:endParaRPr lang="en-GB" dirty="0"/>
+          </a:p>
+          <a:p>
+            <a:r>
+              <a:rPr lang="en-GB" dirty="0" err="1"/>
+              <a:t>GraphQL</a:t>
+            </a:r>
+            <a:r>
+              <a:rPr lang="en-GB" dirty="0"/>
+              <a:t> provides a complete and understandable description of the data in your API.</a:t>
+            </a:r>
+          </a:p>
+          <a:p>
+            <a:endParaRPr lang="en-GB" dirty="0"/>
+          </a:p>
+          <a:p>
+            <a:r>
+              <a:rPr lang="en-GB" dirty="0"/>
+              <a:t>Gives clients the power to ask for exactly what they need and nothing more.</a:t>
+            </a:r>
+          </a:p>
+          <a:p>
+            <a:pPr marL="0" indent="0">
+              <a:buNone/>
+            </a:pPr>
+            <a:endParaRPr lang="en-GB" b="1" dirty="0"/>
+          </a:p>
+          <a:p>
+            <a:pPr marL="0" indent="0">
+              <a:buNone/>
+            </a:pPr>
+            <a:r>
+              <a:rPr lang="en-GB" b="1" dirty="0"/>
+              <a:t>(Source: GraphQL.org)</a:t>
+            </a:r>
+          </a:p>
+          <a:p>
+            <a:endParaRPr lang="en-GB" dirty="0"/>
+          </a:p>
+        </p:txBody>
+      </p:sp>
+    </p:spTree>
+    <p:extLst>
+      <p:ext uri="{BB962C8B-B14F-4D97-AF65-F5344CB8AC3E}">
+        <p14:creationId xmlns:p14="http://schemas.microsoft.com/office/powerpoint/2010/main" val="395996166"/>
       </p:ext>
     </p:extLst>
   </p:cSld>
@@ -8314,7 +11669,7 @@
           <p:cNvPr id="2" name="Title 1">
             <a:extLst>
               <a:ext uri="{FF2B5EF4-FFF2-40B4-BE49-F238E27FC236}">
-                <a16:creationId xmlns:a16="http://schemas.microsoft.com/office/drawing/2014/main" id="{1F25C1B4-9501-42C1-8603-CEB6C63094E9}"/>
+                <a16:creationId xmlns:a16="http://schemas.microsoft.com/office/drawing/2014/main" id="{041C0F86-50CA-4304-AD41-45B8337EA416}"/>
               </a:ext>
             </a:extLst>
           </p:cNvPr>
@@ -8325,70 +11680,75 @@
             <p:ph type="title"/>
           </p:nvPr>
         </p:nvSpPr>
-        <p:spPr/>
+        <p:spPr>
+          <a:xfrm>
+            <a:off x="648929" y="629266"/>
+            <a:ext cx="6586491" cy="1676603"/>
+          </a:xfrm>
+        </p:spPr>
         <p:txBody>
-          <a:bodyPr/>
+          <a:bodyPr>
+            <a:normAutofit/>
+          </a:bodyPr>
           <a:lstStyle/>
           <a:p>
             <a:r>
-              <a:rPr lang="en-GB" dirty="0"/>
-              <a:t>What is </a:t>
-            </a:r>
-            <a:r>
-              <a:rPr lang="en-GB" dirty="0" err="1"/>
-              <a:t>GraphQL</a:t>
-            </a:r>
-            <a:endParaRPr lang="en-GB" dirty="0"/>
+              <a:rPr lang="en-GB" sz="7200" b="1" u="sng" dirty="0">
+                <a:latin typeface="Arial Black" panose="020B0A04020102020204" pitchFamily="34" charset="0"/>
+                <a:cs typeface="Arial" panose="020B0604020202020204" pitchFamily="34" charset="0"/>
+              </a:rPr>
+              <a:t>Graph</a:t>
+            </a:r>
+            <a:r>
+              <a:rPr lang="en-GB" sz="7200" b="1" dirty="0">
+                <a:latin typeface="Arial Black" panose="020B0A04020102020204" pitchFamily="34" charset="0"/>
+                <a:cs typeface="Arial" panose="020B0604020202020204" pitchFamily="34" charset="0"/>
+              </a:rPr>
+              <a:t>???QL</a:t>
+            </a:r>
           </a:p>
         </p:txBody>
       </p:sp>
-      <p:sp>
-        <p:nvSpPr>
-          <p:cNvPr id="3" name="Content Placeholder 2">
-            <a:extLst>
-              <a:ext uri="{FF2B5EF4-FFF2-40B4-BE49-F238E27FC236}">
-                <a16:creationId xmlns:a16="http://schemas.microsoft.com/office/drawing/2014/main" id="{6B8C41F0-62B7-4E9C-8239-5307582A2381}"/>
-              </a:ext>
-            </a:extLst>
-          </p:cNvPr>
-          <p:cNvSpPr>
-            <a:spLocks noGrp="1"/>
-          </p:cNvSpPr>
-          <p:nvPr>
-            <p:ph idx="1"/>
-          </p:nvPr>
-        </p:nvSpPr>
-        <p:spPr/>
-        <p:txBody>
-          <a:bodyPr/>
-          <a:lstStyle/>
-          <a:p>
-            <a:r>
-              <a:rPr lang="en-GB" dirty="0"/>
-              <a:t>A query language for your API</a:t>
-            </a:r>
-          </a:p>
-          <a:p>
-            <a:endParaRPr lang="en-GB" dirty="0"/>
-          </a:p>
-          <a:p>
-            <a:r>
-              <a:rPr lang="en-GB" dirty="0"/>
-              <a:t>And a server-side runtime for executing queries </a:t>
-            </a:r>
-          </a:p>
-          <a:p>
-            <a:endParaRPr lang="en-GB" dirty="0"/>
-          </a:p>
-          <a:p>
-            <a:endParaRPr lang="en-GB" dirty="0"/>
-          </a:p>
-        </p:txBody>
-      </p:sp>
+      <p:pic>
+        <p:nvPicPr>
+          <p:cNvPr id="10" name="Content Placeholder 6">
+            <a:extLst>
+              <a:ext uri="{FF2B5EF4-FFF2-40B4-BE49-F238E27FC236}">
+                <a16:creationId xmlns:a16="http://schemas.microsoft.com/office/drawing/2014/main" id="{C0A51745-70B0-4479-8FF8-9A6D17F335F3}"/>
+              </a:ext>
+            </a:extLst>
+          </p:cNvPr>
+          <p:cNvPicPr>
+            <a:picLocks noChangeAspect="1"/>
+          </p:cNvPicPr>
+          <p:nvPr/>
+        </p:nvPicPr>
+        <p:blipFill rotWithShape="1">
+          <a:blip r:embed="rId2">
+            <a:extLst>
+              <a:ext uri="{28A0092B-C50C-407E-A947-70E740481C1C}">
+                <a14:useLocalDpi xmlns:a14="http://schemas.microsoft.com/office/drawing/2010/main" val="0"/>
+              </a:ext>
+            </a:extLst>
+          </a:blip>
+          <a:srcRect l="24730" r="23729" b="-1"/>
+          <a:stretch/>
+        </p:blipFill>
+        <p:spPr>
+          <a:xfrm>
+            <a:off x="7556408" y="10"/>
+            <a:ext cx="4635591" cy="6857990"/>
+          </a:xfrm>
+          <a:prstGeom prst="rect">
+            <a:avLst/>
+          </a:prstGeom>
+          <a:effectLst/>
+        </p:spPr>
+      </p:pic>
     </p:spTree>
     <p:extLst>
       <p:ext uri="{BB962C8B-B14F-4D97-AF65-F5344CB8AC3E}">
-        <p14:creationId xmlns:p14="http://schemas.microsoft.com/office/powerpoint/2010/main" val="1327652700"/>
+        <p14:creationId xmlns:p14="http://schemas.microsoft.com/office/powerpoint/2010/main" val="2044215885"/>
       </p:ext>
     </p:extLst>
   </p:cSld>
@@ -8417,10 +11777,54 @@
       </p:grpSpPr>
       <p:sp>
         <p:nvSpPr>
+          <p:cNvPr id="2" name="Title 1">
+            <a:extLst>
+              <a:ext uri="{FF2B5EF4-FFF2-40B4-BE49-F238E27FC236}">
+                <a16:creationId xmlns:a16="http://schemas.microsoft.com/office/drawing/2014/main" id="{DB0C4B2F-920D-4427-BBAB-D13309EBBB80}"/>
+              </a:ext>
+            </a:extLst>
+          </p:cNvPr>
+          <p:cNvSpPr>
+            <a:spLocks noGrp="1"/>
+          </p:cNvSpPr>
+          <p:nvPr>
+            <p:ph type="title"/>
+          </p:nvPr>
+        </p:nvSpPr>
+        <p:spPr/>
+        <p:txBody>
+          <a:bodyPr>
+            <a:normAutofit/>
+          </a:bodyPr>
+          <a:lstStyle/>
+          <a:p>
+            <a:r>
+              <a:rPr lang="en-GB" sz="4000" dirty="0">
+                <a:latin typeface="Arial" panose="020B0604020202020204" pitchFamily="34" charset="0"/>
+                <a:cs typeface="Arial" panose="020B0604020202020204" pitchFamily="34" charset="0"/>
+              </a:rPr>
+              <a:t>Application Data </a:t>
+            </a:r>
+            <a:r>
+              <a:rPr lang="en-GB" sz="4000" b="1" dirty="0">
+                <a:latin typeface="Arial" panose="020B0604020202020204" pitchFamily="34" charset="0"/>
+                <a:cs typeface="Arial" panose="020B0604020202020204" pitchFamily="34" charset="0"/>
+              </a:rPr>
+              <a:t>Graphs</a:t>
+            </a:r>
+            <a:endParaRPr lang="en-GB" sz="4000" dirty="0">
+              <a:latin typeface="Arial" panose="020B0604020202020204" pitchFamily="34" charset="0"/>
+              <a:cs typeface="Arial" panose="020B0604020202020204" pitchFamily="34" charset="0"/>
+            </a:endParaRPr>
+          </a:p>
+        </p:txBody>
+      </p:sp>
+      <p:sp>
+        <p:nvSpPr>
           <p:cNvPr id="3" name="Content Placeholder 2">
             <a:extLst>
               <a:ext uri="{FF2B5EF4-FFF2-40B4-BE49-F238E27FC236}">
-                <a16:creationId xmlns:a16="http://schemas.microsoft.com/office/drawing/2014/main" id="{1AE97B97-6D77-4F49-B405-07CC25C94BD3}"/>
+                <a16:creationId xmlns:a16="http://schemas.microsoft.com/office/drawing/2014/main" id="{B9080104-3D62-4B1F-89EE-D0872427203E}"/>
               </a:ext>
             </a:extLst>
           </p:cNvPr>
@@ -8433,64 +11837,347 @@
         </p:nvSpPr>
         <p:spPr>
           <a:xfrm>
-            <a:off x="838200" y="341194"/>
-            <a:ext cx="10515600" cy="5835769"/>
+            <a:off x="838200" y="1936348"/>
+            <a:ext cx="10515600" cy="4351338"/>
           </a:xfrm>
         </p:spPr>
         <p:txBody>
-          <a:bodyPr/>
+          <a:bodyPr>
+            <a:noAutofit/>
+          </a:bodyPr>
           <a:lstStyle/>
           <a:p>
             <a:r>
-              <a:rPr lang="en-GB" dirty="0"/>
-              <a:t>It can provide a more efficient, powerful and flexible alternative to REST</a:t>
-            </a:r>
-          </a:p>
-          <a:p>
-            <a:endParaRPr lang="en-GB" dirty="0"/>
-          </a:p>
-          <a:p>
-            <a:r>
-              <a:rPr lang="en-GB" dirty="0" err="1"/>
-              <a:t>GraphQL</a:t>
-            </a:r>
-            <a:r>
-              <a:rPr lang="en-GB" dirty="0"/>
-              <a:t> supports reading, writing (mutating) and subscribing to changes to data (</a:t>
-            </a:r>
-            <a:r>
-              <a:rPr lang="en-GB" dirty="0" err="1"/>
-              <a:t>realtime</a:t>
-            </a:r>
-            <a:r>
-              <a:rPr lang="en-GB" dirty="0"/>
-              <a:t> updates)</a:t>
-            </a:r>
-          </a:p>
-          <a:p>
-            <a:endParaRPr lang="en-GB" dirty="0"/>
-          </a:p>
-          <a:p>
-            <a:r>
-              <a:rPr lang="en-GB" dirty="0"/>
-              <a:t>clients have the ability to dictate exactly what they need from the server and receive that data in a predictable way.</a:t>
-            </a:r>
-          </a:p>
-          <a:p>
-            <a:endParaRPr lang="en-GB" dirty="0"/>
+              <a:rPr lang="en-GB" dirty="0">
+                <a:latin typeface="Arial" panose="020B0604020202020204" pitchFamily="34" charset="0"/>
+                <a:cs typeface="Arial" panose="020B0604020202020204" pitchFamily="34" charset="0"/>
+              </a:rPr>
+              <a:t>A lot of data in modern applications can be represented using a </a:t>
+            </a:r>
+            <a:r>
+              <a:rPr lang="en-GB" b="1" dirty="0">
+                <a:latin typeface="Arial" panose="020B0604020202020204" pitchFamily="34" charset="0"/>
+                <a:cs typeface="Arial" panose="020B0604020202020204" pitchFamily="34" charset="0"/>
+              </a:rPr>
+              <a:t>Graph</a:t>
+            </a:r>
+            <a:r>
+              <a:rPr lang="en-GB" dirty="0">
+                <a:latin typeface="Arial" panose="020B0604020202020204" pitchFamily="34" charset="0"/>
+                <a:cs typeface="Arial" panose="020B0604020202020204" pitchFamily="34" charset="0"/>
+              </a:rPr>
+              <a:t> of </a:t>
+            </a:r>
+            <a:r>
+              <a:rPr lang="en-GB" b="1" dirty="0">
+                <a:latin typeface="Arial" panose="020B0604020202020204" pitchFamily="34" charset="0"/>
+                <a:cs typeface="Arial" panose="020B0604020202020204" pitchFamily="34" charset="0"/>
+              </a:rPr>
+              <a:t>Nodes</a:t>
+            </a:r>
+            <a:r>
+              <a:rPr lang="en-GB" dirty="0">
+                <a:latin typeface="Arial" panose="020B0604020202020204" pitchFamily="34" charset="0"/>
+                <a:cs typeface="Arial" panose="020B0604020202020204" pitchFamily="34" charset="0"/>
+              </a:rPr>
+              <a:t> and </a:t>
+            </a:r>
+            <a:r>
+              <a:rPr lang="en-GB" b="1" dirty="0">
+                <a:latin typeface="Arial" panose="020B0604020202020204" pitchFamily="34" charset="0"/>
+                <a:cs typeface="Arial" panose="020B0604020202020204" pitchFamily="34" charset="0"/>
+              </a:rPr>
+              <a:t>Edges</a:t>
+            </a:r>
+            <a:r>
+              <a:rPr lang="en-GB" dirty="0">
+                <a:latin typeface="Arial" panose="020B0604020202020204" pitchFamily="34" charset="0"/>
+                <a:cs typeface="Arial" panose="020B0604020202020204" pitchFamily="34" charset="0"/>
+              </a:rPr>
+              <a:t>,</a:t>
+            </a:r>
+          </a:p>
+          <a:p>
+            <a:endParaRPr lang="en-GB" dirty="0">
+              <a:latin typeface="Arial" panose="020B0604020202020204" pitchFamily="34" charset="0"/>
+              <a:cs typeface="Arial" panose="020B0604020202020204" pitchFamily="34" charset="0"/>
+            </a:endParaRPr>
+          </a:p>
+          <a:p>
+            <a:r>
+              <a:rPr lang="en-GB" b="1" dirty="0">
+                <a:latin typeface="Arial" panose="020B0604020202020204" pitchFamily="34" charset="0"/>
+                <a:cs typeface="Arial" panose="020B0604020202020204" pitchFamily="34" charset="0"/>
+              </a:rPr>
+              <a:t>Nodes</a:t>
+            </a:r>
+            <a:r>
+              <a:rPr lang="en-GB" dirty="0">
+                <a:latin typeface="Arial" panose="020B0604020202020204" pitchFamily="34" charset="0"/>
+                <a:cs typeface="Arial" panose="020B0604020202020204" pitchFamily="34" charset="0"/>
+              </a:rPr>
+              <a:t>: Represent Objects</a:t>
+            </a:r>
+          </a:p>
+          <a:p>
+            <a:endParaRPr lang="en-GB" dirty="0">
+              <a:latin typeface="Arial" panose="020B0604020202020204" pitchFamily="34" charset="0"/>
+              <a:cs typeface="Arial" panose="020B0604020202020204" pitchFamily="34" charset="0"/>
+            </a:endParaRPr>
+          </a:p>
+          <a:p>
+            <a:r>
+              <a:rPr lang="en-GB" b="1" dirty="0">
+                <a:latin typeface="Arial" panose="020B0604020202020204" pitchFamily="34" charset="0"/>
+                <a:cs typeface="Arial" panose="020B0604020202020204" pitchFamily="34" charset="0"/>
+              </a:rPr>
+              <a:t>Edges</a:t>
+            </a:r>
+            <a:r>
+              <a:rPr lang="en-GB" dirty="0">
+                <a:latin typeface="Arial" panose="020B0604020202020204" pitchFamily="34" charset="0"/>
+                <a:cs typeface="Arial" panose="020B0604020202020204" pitchFamily="34" charset="0"/>
+              </a:rPr>
+              <a:t>: Represent relationship between these Object </a:t>
+            </a:r>
           </a:p>
         </p:txBody>
       </p:sp>
     </p:spTree>
     <p:extLst>
       <p:ext uri="{BB962C8B-B14F-4D97-AF65-F5344CB8AC3E}">
-        <p14:creationId xmlns:p14="http://schemas.microsoft.com/office/powerpoint/2010/main" val="2846025939"/>
+        <p14:creationId xmlns:p14="http://schemas.microsoft.com/office/powerpoint/2010/main" val="2051387651"/>
       </p:ext>
     </p:extLst>
   </p:cSld>
   <p:clrMapOvr>
     <a:masterClrMapping/>
   </p:clrMapOvr>
+  <p:timing>
+    <p:tnLst>
+      <p:par>
+        <p:cTn id="1" dur="indefinite" restart="never" nodeType="tmRoot">
+          <p:childTnLst>
+            <p:seq concurrent="1" nextAc="seek">
+              <p:cTn id="2" dur="indefinite" nodeType="mainSeq">
+                <p:childTnLst>
+                  <p:par>
+                    <p:cTn id="3" fill="hold">
+                      <p:stCondLst>
+                        <p:cond delay="indefinite"/>
+                      </p:stCondLst>
+                      <p:childTnLst>
+                        <p:par>
+                          <p:cTn id="4" fill="hold">
+                            <p:stCondLst>
+                              <p:cond delay="0"/>
+                            </p:stCondLst>
+                            <p:childTnLst>
+                              <p:par>
+                                <p:cTn id="5" presetID="1" presetClass="entr" presetSubtype="0" fill="hold" grpId="0" nodeType="clickEffect">
+                                  <p:stCondLst>
+                                    <p:cond delay="0"/>
+                                  </p:stCondLst>
+                                  <p:childTnLst>
+                                    <p:set>
+                                      <p:cBhvr>
+                                        <p:cTn id="6" dur="1" fill="hold">
+                                          <p:stCondLst>
+                                            <p:cond delay="0"/>
+                                          </p:stCondLst>
+                                        </p:cTn>
+                                        <p:tgtEl>
+                                          <p:spTgt spid="2"/>
+                                        </p:tgtEl>
+                                        <p:attrNameLst>
+                                          <p:attrName>style.visibility</p:attrName>
+                                        </p:attrNameLst>
+                                      </p:cBhvr>
+                                      <p:to>
+                                        <p:strVal val="visible"/>
+                                      </p:to>
+                                    </p:set>
+                                  </p:childTnLst>
+                                </p:cTn>
+                              </p:par>
+                            </p:childTnLst>
+                          </p:cTn>
+                        </p:par>
+                      </p:childTnLst>
+                    </p:cTn>
+                  </p:par>
+                  <p:par>
+                    <p:cTn id="7" fill="hold">
+                      <p:stCondLst>
+                        <p:cond delay="indefinite"/>
+                      </p:stCondLst>
+                      <p:childTnLst>
+                        <p:par>
+                          <p:cTn id="8" fill="hold">
+                            <p:stCondLst>
+                              <p:cond delay="0"/>
+                            </p:stCondLst>
+                            <p:childTnLst>
+                              <p:par>
+                                <p:cTn id="9" presetID="1" presetClass="entr" presetSubtype="0" fill="hold" nodeType="clickEffect">
+                                  <p:stCondLst>
+                                    <p:cond delay="0"/>
+                                  </p:stCondLst>
+                                  <p:childTnLst>
+                                    <p:set>
+                                      <p:cBhvr>
+                                        <p:cTn id="10" dur="1" fill="hold">
+                                          <p:stCondLst>
+                                            <p:cond delay="0"/>
+                                          </p:stCondLst>
+                                        </p:cTn>
+                                        <p:tgtEl>
+                                          <p:spTgt spid="3">
+                                            <p:txEl>
+                                              <p:pRg st="0" end="0"/>
+                                            </p:txEl>
+                                          </p:spTgt>
+                                        </p:tgtEl>
+                                        <p:attrNameLst>
+                                          <p:attrName>style.visibility</p:attrName>
+                                        </p:attrNameLst>
+                                      </p:cBhvr>
+                                      <p:to>
+                                        <p:strVal val="visible"/>
+                                      </p:to>
+                                    </p:set>
+                                  </p:childTnLst>
+                                </p:cTn>
+                              </p:par>
+                            </p:childTnLst>
+                          </p:cTn>
+                        </p:par>
+                      </p:childTnLst>
+                    </p:cTn>
+                  </p:par>
+                  <p:par>
+                    <p:cTn id="11" fill="hold">
+                      <p:stCondLst>
+                        <p:cond delay="indefinite"/>
+                      </p:stCondLst>
+                      <p:childTnLst>
+                        <p:par>
+                          <p:cTn id="12" fill="hold">
+                            <p:stCondLst>
+                              <p:cond delay="0"/>
+                            </p:stCondLst>
+                            <p:childTnLst>
+                              <p:par>
+                                <p:cTn id="13" presetID="1" presetClass="entr" presetSubtype="0" fill="hold" nodeType="clickEffect">
+                                  <p:stCondLst>
+                                    <p:cond delay="0"/>
+                                  </p:stCondLst>
+                                  <p:childTnLst>
+                                    <p:set>
+                                      <p:cBhvr>
+                                        <p:cTn id="14" dur="1" fill="hold">
+                                          <p:stCondLst>
+                                            <p:cond delay="0"/>
+                                          </p:stCondLst>
+                                        </p:cTn>
+                                        <p:tgtEl>
+                                          <p:spTgt spid="3">
+                                            <p:txEl>
+                                              <p:pRg st="2" end="2"/>
+                                            </p:txEl>
+                                          </p:spTgt>
+                                        </p:tgtEl>
+                                        <p:attrNameLst>
+                                          <p:attrName>style.visibility</p:attrName>
+                                        </p:attrNameLst>
+                                      </p:cBhvr>
+                                      <p:to>
+                                        <p:strVal val="visible"/>
+                                      </p:to>
+                                    </p:set>
+                                  </p:childTnLst>
+                                </p:cTn>
+                              </p:par>
+                            </p:childTnLst>
+                          </p:cTn>
+                        </p:par>
+                      </p:childTnLst>
+                    </p:cTn>
+                  </p:par>
+                  <p:par>
+                    <p:cTn id="15" fill="hold">
+                      <p:stCondLst>
+                        <p:cond delay="indefinite"/>
+                      </p:stCondLst>
+                      <p:childTnLst>
+                        <p:par>
+                          <p:cTn id="16" fill="hold">
+                            <p:stCondLst>
+                              <p:cond delay="0"/>
+                            </p:stCondLst>
+                            <p:childTnLst>
+                              <p:par>
+                                <p:cTn id="17" presetID="1" presetClass="entr" presetSubtype="0" fill="hold" nodeType="clickEffect">
+                                  <p:stCondLst>
+                                    <p:cond delay="0"/>
+                                  </p:stCondLst>
+                                  <p:childTnLst>
+                                    <p:set>
+                                      <p:cBhvr>
+                                        <p:cTn id="18" dur="1" fill="hold">
+                                          <p:stCondLst>
+                                            <p:cond delay="0"/>
+                                          </p:stCondLst>
+                                        </p:cTn>
+                                        <p:tgtEl>
+                                          <p:spTgt spid="3">
+                                            <p:txEl>
+                                              <p:pRg st="4" end="4"/>
+                                            </p:txEl>
+                                          </p:spTgt>
+                                        </p:tgtEl>
+                                        <p:attrNameLst>
+                                          <p:attrName>style.visibility</p:attrName>
+                                        </p:attrNameLst>
+                                      </p:cBhvr>
+                                      <p:to>
+                                        <p:strVal val="visible"/>
+                                      </p:to>
+                                    </p:set>
+                                  </p:childTnLst>
+                                </p:cTn>
+                              </p:par>
+                            </p:childTnLst>
+                          </p:cTn>
+                        </p:par>
+                      </p:childTnLst>
+                    </p:cTn>
+                  </p:par>
+                </p:childTnLst>
+              </p:cTn>
+              <p:prevCondLst>
+                <p:cond evt="onPrev" delay="0">
+                  <p:tgtEl>
+                    <p:sldTgt/>
+                  </p:tgtEl>
+                </p:cond>
+              </p:prevCondLst>
+              <p:nextCondLst>
+                <p:cond evt="onNext" delay="0">
+                  <p:tgtEl>
+                    <p:sldTgt/>
+                  </p:tgtEl>
+                </p:cond>
+              </p:nextCondLst>
+            </p:seq>
+          </p:childTnLst>
+        </p:cTn>
+      </p:par>
+    </p:tnLst>
+    <p:bldLst>
+      <p:bldP spid="2" grpId="0"/>
+    </p:bldLst>
+  </p:timing>
 </p:sld>
 </file>
 
@@ -8516,7 +12203,7 @@
           <p:cNvPr id="2" name="Title 1">
             <a:extLst>
               <a:ext uri="{FF2B5EF4-FFF2-40B4-BE49-F238E27FC236}">
-                <a16:creationId xmlns:a16="http://schemas.microsoft.com/office/drawing/2014/main" id="{041C0F86-50CA-4304-AD41-45B8337EA416}"/>
+                <a16:creationId xmlns:a16="http://schemas.microsoft.com/office/drawing/2014/main" id="{24F7B8BA-C2D0-4C4D-8E45-F921989ABC7D}"/>
               </a:ext>
             </a:extLst>
           </p:cNvPr>
@@ -8529,48 +12216,77 @@
         </p:nvSpPr>
         <p:spPr>
           <a:xfrm>
-            <a:off x="648929" y="629266"/>
-            <a:ext cx="6586491" cy="1676603"/>
+            <a:off x="838200" y="326214"/>
+            <a:ext cx="10515600" cy="1325563"/>
           </a:xfrm>
         </p:spPr>
         <p:txBody>
           <a:bodyPr>
-            <a:normAutofit/>
+            <a:normAutofit fontScale="90000"/>
           </a:bodyPr>
           <a:lstStyle/>
           <a:p>
-            <a:r>
-              <a:rPr lang="en-GB" sz="7200" b="1" u="sng" dirty="0">
-                <a:latin typeface="Arial Black" panose="020B0A04020102020204" pitchFamily="34" charset="0"/>
-                <a:cs typeface="Arial" panose="020B0604020202020204" pitchFamily="34" charset="0"/>
-              </a:rPr>
-              <a:t>Graph</a:t>
-            </a:r>
-            <a:r>
-              <a:rPr lang="en-GB" sz="7200" b="1" dirty="0">
-                <a:latin typeface="Arial Black" panose="020B0A04020102020204" pitchFamily="34" charset="0"/>
-                <a:cs typeface="Arial" panose="020B0604020202020204" pitchFamily="34" charset="0"/>
-              </a:rPr>
-              <a:t>???QL</a:t>
-            </a:r>
+            <a:br>
+              <a:rPr lang="en-GB" b="1" dirty="0">
+                <a:solidFill>
+                  <a:srgbClr val="000000"/>
+                </a:solidFill>
+                <a:latin typeface="Calibri"/>
+              </a:rPr>
+            </a:br>
+            <a:r>
+              <a:rPr lang="en-GB" b="1" dirty="0">
+                <a:solidFill>
+                  <a:srgbClr val="000000"/>
+                </a:solidFill>
+                <a:latin typeface="Arial" panose="020B0604020202020204" pitchFamily="34" charset="0"/>
+                <a:cs typeface="Arial" panose="020B0604020202020204" pitchFamily="34" charset="0"/>
+              </a:rPr>
+              <a:t>A Data Graph representation of an extract of data for a Book Application</a:t>
+            </a:r>
+            <a:r>
+              <a:rPr lang="en-GB" dirty="0">
+                <a:solidFill>
+                  <a:srgbClr val="000000"/>
+                </a:solidFill>
+                <a:latin typeface="Arial" panose="020B0604020202020204" pitchFamily="34" charset="0"/>
+                <a:cs typeface="Arial" panose="020B0604020202020204" pitchFamily="34" charset="0"/>
+              </a:rPr>
+              <a:t>:</a:t>
+            </a:r>
+            <a:br>
+              <a:rPr lang="en-GB" dirty="0">
+                <a:solidFill>
+                  <a:srgbClr val="000000"/>
+                </a:solidFill>
+                <a:latin typeface="Arial" panose="020B0604020202020204" pitchFamily="34" charset="0"/>
+                <a:cs typeface="Arial" panose="020B0604020202020204" pitchFamily="34" charset="0"/>
+              </a:rPr>
+            </a:br>
+            <a:endParaRPr lang="en-GB" dirty="0">
+              <a:latin typeface="Arial" panose="020B0604020202020204" pitchFamily="34" charset="0"/>
+              <a:cs typeface="Arial" panose="020B0604020202020204" pitchFamily="34" charset="0"/>
+            </a:endParaRPr>
           </a:p>
         </p:txBody>
       </p:sp>
       <p:pic>
         <p:nvPicPr>
-          <p:cNvPr id="10" name="Content Placeholder 6">
-            <a:extLst>
-              <a:ext uri="{FF2B5EF4-FFF2-40B4-BE49-F238E27FC236}">
-                <a16:creationId xmlns:a16="http://schemas.microsoft.com/office/drawing/2014/main" id="{C0A51745-70B0-4479-8FF8-9A6D17F335F3}"/>
+          <p:cNvPr id="5" name="Content Placeholder 4">
+            <a:extLst>
+              <a:ext uri="{FF2B5EF4-FFF2-40B4-BE49-F238E27FC236}">
+                <a16:creationId xmlns:a16="http://schemas.microsoft.com/office/drawing/2014/main" id="{A48B3AC8-6B53-4B30-A95D-6E795C8D92CE}"/>
               </a:ext>
             </a:extLst>
           </p:cNvPr>
           <p:cNvPicPr>
-            <a:picLocks noChangeAspect="1"/>
+            <a:picLocks noGrp="1" noChangeAspect="1"/>
           </p:cNvPicPr>
-          <p:nvPr/>
+          <p:nvPr>
+            <p:ph idx="1"/>
+          </p:nvPr>
         </p:nvPicPr>
-        <p:blipFill rotWithShape="1">
+        <p:blipFill>
           <a:blip r:embed="rId2">
             <a:extLst>
               <a:ext uri="{28A0092B-C50C-407E-A947-70E740481C1C}">
@@ -8578,24 +12294,62 @@
               </a:ext>
             </a:extLst>
           </a:blip>
-          <a:srcRect l="24730" r="23729" b="-1"/>
-          <a:stretch/>
+          <a:stretch>
+            <a:fillRect/>
+          </a:stretch>
         </p:blipFill>
         <p:spPr>
           <a:xfrm>
-            <a:off x="7556408" y="10"/>
-            <a:ext cx="4635591" cy="6857990"/>
+            <a:off x="838200" y="1730274"/>
+            <a:ext cx="9153294" cy="4405023"/>
+          </a:xfrm>
+        </p:spPr>
+      </p:pic>
+      <p:sp>
+        <p:nvSpPr>
+          <p:cNvPr id="6" name="TextBox 5">
+            <a:extLst>
+              <a:ext uri="{FF2B5EF4-FFF2-40B4-BE49-F238E27FC236}">
+                <a16:creationId xmlns:a16="http://schemas.microsoft.com/office/drawing/2014/main" id="{26FBEC38-C322-4747-B669-2FCC1748B8C0}"/>
+              </a:ext>
+            </a:extLst>
+          </p:cNvPr>
+          <p:cNvSpPr txBox="1"/>
+          <p:nvPr/>
+        </p:nvSpPr>
+        <p:spPr>
+          <a:xfrm>
+            <a:off x="838199" y="6531787"/>
+            <a:ext cx="6326876" cy="538609"/>
           </a:xfrm>
           <a:prstGeom prst="rect">
             <a:avLst/>
           </a:prstGeom>
-          <a:effectLst/>
+          <a:noFill/>
         </p:spPr>
-      </p:pic>
+        <p:txBody>
+          <a:bodyPr wrap="square" rtlCol="0">
+            <a:spAutoFit/>
+          </a:bodyPr>
+          <a:lstStyle/>
+          <a:p>
+            <a:r>
+              <a:rPr lang="en-GB" sz="1100" b="1" dirty="0">
+                <a:latin typeface="Arial" panose="020B0604020202020204" pitchFamily="34" charset="0"/>
+                <a:cs typeface="Arial" panose="020B0604020202020204" pitchFamily="34" charset="0"/>
+              </a:rPr>
+              <a:t>Source: https://blog.apollographql.com/the-concepts-of-graphql-bc68bd819be3</a:t>
+            </a:r>
+          </a:p>
+          <a:p>
+            <a:endParaRPr lang="en-GB" dirty="0"/>
+          </a:p>
+        </p:txBody>
+      </p:sp>
     </p:spTree>
     <p:extLst>
       <p:ext uri="{BB962C8B-B14F-4D97-AF65-F5344CB8AC3E}">
-        <p14:creationId xmlns:p14="http://schemas.microsoft.com/office/powerpoint/2010/main" val="2044215885"/>
+        <p14:creationId xmlns:p14="http://schemas.microsoft.com/office/powerpoint/2010/main" val="338428629"/>
       </p:ext>
     </p:extLst>
   </p:cSld>
@@ -8627,343 +12381,6 @@
           <p:cNvPr id="2" name="Title 1">
             <a:extLst>
               <a:ext uri="{FF2B5EF4-FFF2-40B4-BE49-F238E27FC236}">
-                <a16:creationId xmlns:a16="http://schemas.microsoft.com/office/drawing/2014/main" id="{DB0C4B2F-920D-4427-BBAB-D13309EBBB80}"/>
-              </a:ext>
-            </a:extLst>
-          </p:cNvPr>
-          <p:cNvSpPr>
-            <a:spLocks noGrp="1"/>
-          </p:cNvSpPr>
-          <p:nvPr>
-            <p:ph type="title"/>
-          </p:nvPr>
-        </p:nvSpPr>
-        <p:spPr/>
-        <p:txBody>
-          <a:bodyPr>
-            <a:normAutofit/>
-          </a:bodyPr>
-          <a:lstStyle/>
-          <a:p>
-            <a:r>
-              <a:rPr lang="en-GB" sz="6000" dirty="0">
-                <a:latin typeface="Arial" panose="020B0604020202020204" pitchFamily="34" charset="0"/>
-                <a:cs typeface="Arial" panose="020B0604020202020204" pitchFamily="34" charset="0"/>
-              </a:rPr>
-              <a:t>Application Data </a:t>
-            </a:r>
-            <a:r>
-              <a:rPr lang="en-GB" sz="6000" b="1" dirty="0">
-                <a:latin typeface="Arial" panose="020B0604020202020204" pitchFamily="34" charset="0"/>
-                <a:cs typeface="Arial" panose="020B0604020202020204" pitchFamily="34" charset="0"/>
-              </a:rPr>
-              <a:t>Graphs</a:t>
-            </a:r>
-            <a:endParaRPr lang="en-GB" sz="6000" dirty="0">
-              <a:latin typeface="Arial" panose="020B0604020202020204" pitchFamily="34" charset="0"/>
-              <a:cs typeface="Arial" panose="020B0604020202020204" pitchFamily="34" charset="0"/>
-            </a:endParaRPr>
-          </a:p>
-        </p:txBody>
-      </p:sp>
-      <p:sp>
-        <p:nvSpPr>
-          <p:cNvPr id="3" name="Content Placeholder 2">
-            <a:extLst>
-              <a:ext uri="{FF2B5EF4-FFF2-40B4-BE49-F238E27FC236}">
-                <a16:creationId xmlns:a16="http://schemas.microsoft.com/office/drawing/2014/main" id="{B9080104-3D62-4B1F-89EE-D0872427203E}"/>
-              </a:ext>
-            </a:extLst>
-          </p:cNvPr>
-          <p:cNvSpPr>
-            <a:spLocks noGrp="1"/>
-          </p:cNvSpPr>
-          <p:nvPr>
-            <p:ph idx="1"/>
-          </p:nvPr>
-        </p:nvSpPr>
-        <p:spPr>
-          <a:xfrm>
-            <a:off x="838200" y="1936348"/>
-            <a:ext cx="10515600" cy="4351338"/>
-          </a:xfrm>
-        </p:spPr>
-        <p:txBody>
-          <a:bodyPr>
-            <a:noAutofit/>
-          </a:bodyPr>
-          <a:lstStyle/>
-          <a:p>
-            <a:r>
-              <a:rPr lang="en-GB" sz="3600" dirty="0"/>
-              <a:t>A lot of data in modern applications can be represented using a </a:t>
-            </a:r>
-            <a:r>
-              <a:rPr lang="en-GB" sz="3600" b="1" dirty="0"/>
-              <a:t>graph</a:t>
-            </a:r>
-            <a:r>
-              <a:rPr lang="en-GB" sz="3600" dirty="0"/>
-              <a:t> of </a:t>
-            </a:r>
-            <a:r>
-              <a:rPr lang="en-GB" sz="3600" b="1" dirty="0"/>
-              <a:t>Nodes</a:t>
-            </a:r>
-            <a:r>
-              <a:rPr lang="en-GB" sz="3600" dirty="0"/>
-              <a:t> and </a:t>
-            </a:r>
-            <a:r>
-              <a:rPr lang="en-GB" sz="3600" b="1" dirty="0"/>
-              <a:t>Edges</a:t>
-            </a:r>
-            <a:r>
-              <a:rPr lang="en-GB" sz="3600" dirty="0"/>
-              <a:t>,</a:t>
-            </a:r>
-          </a:p>
-          <a:p>
-            <a:endParaRPr lang="en-GB" sz="3600" dirty="0"/>
-          </a:p>
-          <a:p>
-            <a:r>
-              <a:rPr lang="en-GB" sz="3600" b="1" dirty="0"/>
-              <a:t>Nodes</a:t>
-            </a:r>
-            <a:r>
-              <a:rPr lang="en-GB" sz="3600" dirty="0"/>
-              <a:t>: Represent Objects</a:t>
-            </a:r>
-          </a:p>
-          <a:p>
-            <a:endParaRPr lang="en-GB" sz="3600" dirty="0"/>
-          </a:p>
-          <a:p>
-            <a:r>
-              <a:rPr lang="en-GB" sz="3600" b="1" dirty="0"/>
-              <a:t>Edges</a:t>
-            </a:r>
-            <a:r>
-              <a:rPr lang="en-GB" sz="3600" dirty="0"/>
-              <a:t>: Represent relationship between these Object </a:t>
-            </a:r>
-          </a:p>
-        </p:txBody>
-      </p:sp>
-    </p:spTree>
-    <p:extLst>
-      <p:ext uri="{BB962C8B-B14F-4D97-AF65-F5344CB8AC3E}">
-        <p14:creationId xmlns:p14="http://schemas.microsoft.com/office/powerpoint/2010/main" val="2051387651"/>
-      </p:ext>
-    </p:extLst>
-  </p:cSld>
-  <p:clrMapOvr>
-    <a:masterClrMapping/>
-  </p:clrMapOvr>
-</p:sld>
-</file>
-
-<file path=ppt/slides/slide8.xml><?xml version="1.0" encoding="utf-8"?>
-<p:sld xmlns:a="http://schemas.openxmlformats.org/drawingml/2006/main" xmlns:r="http://schemas.openxmlformats.org/officeDocument/2006/relationships" xmlns:p="http://schemas.openxmlformats.org/presentationml/2006/main">
-  <p:cSld>
-    <p:spTree>
-      <p:nvGrpSpPr>
-        <p:cNvPr id="1" name=""/>
-        <p:cNvGrpSpPr/>
-        <p:nvPr/>
-      </p:nvGrpSpPr>
-      <p:grpSpPr>
-        <a:xfrm>
-          <a:off x="0" y="0"/>
-          <a:ext cx="0" cy="0"/>
-          <a:chOff x="0" y="0"/>
-          <a:chExt cx="0" cy="0"/>
-        </a:xfrm>
-      </p:grpSpPr>
-      <p:sp>
-        <p:nvSpPr>
-          <p:cNvPr id="2" name="Title 1">
-            <a:extLst>
-              <a:ext uri="{FF2B5EF4-FFF2-40B4-BE49-F238E27FC236}">
-                <a16:creationId xmlns:a16="http://schemas.microsoft.com/office/drawing/2014/main" id="{24F7B8BA-C2D0-4C4D-8E45-F921989ABC7D}"/>
-              </a:ext>
-            </a:extLst>
-          </p:cNvPr>
-          <p:cNvSpPr>
-            <a:spLocks noGrp="1"/>
-          </p:cNvSpPr>
-          <p:nvPr>
-            <p:ph type="title"/>
-          </p:nvPr>
-        </p:nvSpPr>
-        <p:spPr>
-          <a:xfrm>
-            <a:off x="838200" y="326214"/>
-            <a:ext cx="10515600" cy="1325563"/>
-          </a:xfrm>
-        </p:spPr>
-        <p:txBody>
-          <a:bodyPr>
-            <a:normAutofit fontScale="90000"/>
-          </a:bodyPr>
-          <a:lstStyle/>
-          <a:p>
-            <a:br>
-              <a:rPr lang="en-GB" b="1" dirty="0">
-                <a:solidFill>
-                  <a:srgbClr val="000000"/>
-                </a:solidFill>
-                <a:latin typeface="Calibri"/>
-              </a:rPr>
-            </a:br>
-            <a:r>
-              <a:rPr lang="en-GB" sz="3600" b="1" dirty="0">
-                <a:solidFill>
-                  <a:srgbClr val="000000"/>
-                </a:solidFill>
-                <a:latin typeface="Arial" panose="020B0604020202020204" pitchFamily="34" charset="0"/>
-                <a:cs typeface="Arial" panose="020B0604020202020204" pitchFamily="34" charset="0"/>
-              </a:rPr>
-              <a:t>A data graph representation of an extract of data for a simple library catalogue</a:t>
-            </a:r>
-            <a:r>
-              <a:rPr lang="en-GB" sz="3600" dirty="0">
-                <a:solidFill>
-                  <a:srgbClr val="000000"/>
-                </a:solidFill>
-                <a:latin typeface="Arial" panose="020B0604020202020204" pitchFamily="34" charset="0"/>
-                <a:cs typeface="Arial" panose="020B0604020202020204" pitchFamily="34" charset="0"/>
-              </a:rPr>
-              <a:t>:</a:t>
-            </a:r>
-            <a:br>
-              <a:rPr lang="en-GB" sz="3600" dirty="0">
-                <a:solidFill>
-                  <a:srgbClr val="000000"/>
-                </a:solidFill>
-                <a:latin typeface="Arial" panose="020B0604020202020204" pitchFamily="34" charset="0"/>
-                <a:cs typeface="Arial" panose="020B0604020202020204" pitchFamily="34" charset="0"/>
-              </a:rPr>
-            </a:br>
-            <a:endParaRPr lang="en-GB" sz="3600" dirty="0">
-              <a:latin typeface="Arial" panose="020B0604020202020204" pitchFamily="34" charset="0"/>
-              <a:cs typeface="Arial" panose="020B0604020202020204" pitchFamily="34" charset="0"/>
-            </a:endParaRPr>
-          </a:p>
-        </p:txBody>
-      </p:sp>
-      <p:pic>
-        <p:nvPicPr>
-          <p:cNvPr id="5" name="Content Placeholder 4">
-            <a:extLst>
-              <a:ext uri="{FF2B5EF4-FFF2-40B4-BE49-F238E27FC236}">
-                <a16:creationId xmlns:a16="http://schemas.microsoft.com/office/drawing/2014/main" id="{A48B3AC8-6B53-4B30-A95D-6E795C8D92CE}"/>
-              </a:ext>
-            </a:extLst>
-          </p:cNvPr>
-          <p:cNvPicPr>
-            <a:picLocks noGrp="1" noChangeAspect="1"/>
-          </p:cNvPicPr>
-          <p:nvPr>
-            <p:ph idx="1"/>
-          </p:nvPr>
-        </p:nvPicPr>
-        <p:blipFill>
-          <a:blip r:embed="rId2">
-            <a:extLst>
-              <a:ext uri="{28A0092B-C50C-407E-A947-70E740481C1C}">
-                <a14:useLocalDpi xmlns:a14="http://schemas.microsoft.com/office/drawing/2010/main" val="0"/>
-              </a:ext>
-            </a:extLst>
-          </a:blip>
-          <a:stretch>
-            <a:fillRect/>
-          </a:stretch>
-        </p:blipFill>
-        <p:spPr>
-          <a:xfrm>
-            <a:off x="838199" y="1730274"/>
-            <a:ext cx="9932307" cy="4779923"/>
-          </a:xfrm>
-        </p:spPr>
-      </p:pic>
-      <p:sp>
-        <p:nvSpPr>
-          <p:cNvPr id="6" name="TextBox 5">
-            <a:extLst>
-              <a:ext uri="{FF2B5EF4-FFF2-40B4-BE49-F238E27FC236}">
-                <a16:creationId xmlns:a16="http://schemas.microsoft.com/office/drawing/2014/main" id="{26FBEC38-C322-4747-B669-2FCC1748B8C0}"/>
-              </a:ext>
-            </a:extLst>
-          </p:cNvPr>
-          <p:cNvSpPr txBox="1"/>
-          <p:nvPr/>
-        </p:nvSpPr>
-        <p:spPr>
-          <a:xfrm>
-            <a:off x="838199" y="6531787"/>
-            <a:ext cx="6326876" cy="538609"/>
-          </a:xfrm>
-          <a:prstGeom prst="rect">
-            <a:avLst/>
-          </a:prstGeom>
-          <a:noFill/>
-        </p:spPr>
-        <p:txBody>
-          <a:bodyPr wrap="square" rtlCol="0">
-            <a:spAutoFit/>
-          </a:bodyPr>
-          <a:lstStyle/>
-          <a:p>
-            <a:r>
-              <a:rPr lang="en-GB" sz="1100" b="1" dirty="0">
-                <a:latin typeface="Arial" panose="020B0604020202020204" pitchFamily="34" charset="0"/>
-                <a:cs typeface="Arial" panose="020B0604020202020204" pitchFamily="34" charset="0"/>
-              </a:rPr>
-              <a:t>Source: https://blog.apollographql.com/the-concepts-of-graphql-bc68bd819be3</a:t>
-            </a:r>
-          </a:p>
-          <a:p>
-            <a:endParaRPr lang="en-GB" dirty="0"/>
-          </a:p>
-        </p:txBody>
-      </p:sp>
-    </p:spTree>
-    <p:extLst>
-      <p:ext uri="{BB962C8B-B14F-4D97-AF65-F5344CB8AC3E}">
-        <p14:creationId xmlns:p14="http://schemas.microsoft.com/office/powerpoint/2010/main" val="338428629"/>
-      </p:ext>
-    </p:extLst>
-  </p:cSld>
-  <p:clrMapOvr>
-    <a:masterClrMapping/>
-  </p:clrMapOvr>
-</p:sld>
-</file>
-
-<file path=ppt/slides/slide9.xml><?xml version="1.0" encoding="utf-8"?>
-<p:sld xmlns:a="http://schemas.openxmlformats.org/drawingml/2006/main" xmlns:r="http://schemas.openxmlformats.org/officeDocument/2006/relationships" xmlns:p="http://schemas.openxmlformats.org/presentationml/2006/main">
-  <p:cSld>
-    <p:spTree>
-      <p:nvGrpSpPr>
-        <p:cNvPr id="1" name=""/>
-        <p:cNvGrpSpPr/>
-        <p:nvPr/>
-      </p:nvGrpSpPr>
-      <p:grpSpPr>
-        <a:xfrm>
-          <a:off x="0" y="0"/>
-          <a:ext cx="0" cy="0"/>
-          <a:chOff x="0" y="0"/>
-          <a:chExt cx="0" cy="0"/>
-        </a:xfrm>
-      </p:grpSpPr>
-      <p:sp>
-        <p:nvSpPr>
-          <p:cNvPr id="2" name="Title 1">
-            <a:extLst>
-              <a:ext uri="{FF2B5EF4-FFF2-40B4-BE49-F238E27FC236}">
                 <a16:creationId xmlns:a16="http://schemas.microsoft.com/office/drawing/2014/main" id="{7486264D-638F-476A-A5B2-1A10C977B409}"/>
               </a:ext>
             </a:extLst>
@@ -9071,7 +12488,7 @@
         </p:nvSpPr>
         <p:spPr>
           <a:xfrm>
-            <a:off x="6856909" y="254333"/>
+            <a:off x="6856909" y="179777"/>
             <a:ext cx="3942105" cy="584775"/>
           </a:xfrm>
           <a:prstGeom prst="rect">
@@ -9193,6 +12610,1176 @@
   <p:clrMapOvr>
     <a:masterClrMapping/>
   </p:clrMapOvr>
+  <p:timing>
+    <p:tnLst>
+      <p:par>
+        <p:cTn id="1" dur="indefinite" restart="never" nodeType="tmRoot">
+          <p:childTnLst>
+            <p:seq concurrent="1" nextAc="seek">
+              <p:cTn id="2" dur="indefinite" nodeType="mainSeq">
+                <p:childTnLst>
+                  <p:par>
+                    <p:cTn id="3" fill="hold">
+                      <p:stCondLst>
+                        <p:cond delay="indefinite"/>
+                      </p:stCondLst>
+                      <p:childTnLst>
+                        <p:par>
+                          <p:cTn id="4" fill="hold">
+                            <p:stCondLst>
+                              <p:cond delay="0"/>
+                            </p:stCondLst>
+                            <p:childTnLst>
+                              <p:par>
+                                <p:cTn id="5" presetID="1" presetClass="entr" presetSubtype="0" fill="hold" grpId="0" nodeType="clickEffect">
+                                  <p:stCondLst>
+                                    <p:cond delay="0"/>
+                                  </p:stCondLst>
+                                  <p:childTnLst>
+                                    <p:set>
+                                      <p:cBhvr>
+                                        <p:cTn id="6" dur="1" fill="hold">
+                                          <p:stCondLst>
+                                            <p:cond delay="0"/>
+                                          </p:stCondLst>
+                                        </p:cTn>
+                                        <p:tgtEl>
+                                          <p:spTgt spid="2"/>
+                                        </p:tgtEl>
+                                        <p:attrNameLst>
+                                          <p:attrName>style.visibility</p:attrName>
+                                        </p:attrNameLst>
+                                      </p:cBhvr>
+                                      <p:to>
+                                        <p:strVal val="visible"/>
+                                      </p:to>
+                                    </p:set>
+                                  </p:childTnLst>
+                                </p:cTn>
+                              </p:par>
+                            </p:childTnLst>
+                          </p:cTn>
+                        </p:par>
+                      </p:childTnLst>
+                    </p:cTn>
+                  </p:par>
+                  <p:par>
+                    <p:cTn id="7" fill="hold">
+                      <p:stCondLst>
+                        <p:cond delay="indefinite"/>
+                      </p:stCondLst>
+                      <p:childTnLst>
+                        <p:par>
+                          <p:cTn id="8" fill="hold">
+                            <p:stCondLst>
+                              <p:cond delay="0"/>
+                            </p:stCondLst>
+                            <p:childTnLst>
+                              <p:par>
+                                <p:cTn id="9" presetID="1" presetClass="entr" presetSubtype="0" fill="hold" nodeType="clickEffect">
+                                  <p:stCondLst>
+                                    <p:cond delay="0"/>
+                                  </p:stCondLst>
+                                  <p:childTnLst>
+                                    <p:set>
+                                      <p:cBhvr>
+                                        <p:cTn id="10" dur="1" fill="hold">
+                                          <p:stCondLst>
+                                            <p:cond delay="0"/>
+                                          </p:stCondLst>
+                                        </p:cTn>
+                                        <p:tgtEl>
+                                          <p:spTgt spid="7"/>
+                                        </p:tgtEl>
+                                        <p:attrNameLst>
+                                          <p:attrName>style.visibility</p:attrName>
+                                        </p:attrNameLst>
+                                      </p:cBhvr>
+                                      <p:to>
+                                        <p:strVal val="visible"/>
+                                      </p:to>
+                                    </p:set>
+                                  </p:childTnLst>
+                                </p:cTn>
+                              </p:par>
+                            </p:childTnLst>
+                          </p:cTn>
+                        </p:par>
+                      </p:childTnLst>
+                    </p:cTn>
+                  </p:par>
+                  <p:par>
+                    <p:cTn id="11" fill="hold">
+                      <p:stCondLst>
+                        <p:cond delay="indefinite"/>
+                      </p:stCondLst>
+                      <p:childTnLst>
+                        <p:par>
+                          <p:cTn id="12" fill="hold">
+                            <p:stCondLst>
+                              <p:cond delay="0"/>
+                            </p:stCondLst>
+                            <p:childTnLst>
+                              <p:par>
+                                <p:cTn id="13" presetID="1" presetClass="entr" presetSubtype="0" fill="hold" grpId="0" nodeType="clickEffect">
+                                  <p:stCondLst>
+                                    <p:cond delay="0"/>
+                                  </p:stCondLst>
+                                  <p:childTnLst>
+                                    <p:set>
+                                      <p:cBhvr>
+                                        <p:cTn id="14" dur="1" fill="hold">
+                                          <p:stCondLst>
+                                            <p:cond delay="0"/>
+                                          </p:stCondLst>
+                                        </p:cTn>
+                                        <p:tgtEl>
+                                          <p:spTgt spid="9"/>
+                                        </p:tgtEl>
+                                        <p:attrNameLst>
+                                          <p:attrName>style.visibility</p:attrName>
+                                        </p:attrNameLst>
+                                      </p:cBhvr>
+                                      <p:to>
+                                        <p:strVal val="visible"/>
+                                      </p:to>
+                                    </p:set>
+                                  </p:childTnLst>
+                                </p:cTn>
+                              </p:par>
+                            </p:childTnLst>
+                          </p:cTn>
+                        </p:par>
+                      </p:childTnLst>
+                    </p:cTn>
+                  </p:par>
+                  <p:par>
+                    <p:cTn id="15" fill="hold">
+                      <p:stCondLst>
+                        <p:cond delay="indefinite"/>
+                      </p:stCondLst>
+                      <p:childTnLst>
+                        <p:par>
+                          <p:cTn id="16" fill="hold">
+                            <p:stCondLst>
+                              <p:cond delay="0"/>
+                            </p:stCondLst>
+                            <p:childTnLst>
+                              <p:par>
+                                <p:cTn id="17" presetID="1" presetClass="entr" presetSubtype="0" fill="hold" nodeType="clickEffect">
+                                  <p:stCondLst>
+                                    <p:cond delay="0"/>
+                                  </p:stCondLst>
+                                  <p:childTnLst>
+                                    <p:set>
+                                      <p:cBhvr>
+                                        <p:cTn id="18" dur="1" fill="hold">
+                                          <p:stCondLst>
+                                            <p:cond delay="0"/>
+                                          </p:stCondLst>
+                                        </p:cTn>
+                                        <p:tgtEl>
+                                          <p:spTgt spid="8"/>
+                                        </p:tgtEl>
+                                        <p:attrNameLst>
+                                          <p:attrName>style.visibility</p:attrName>
+                                        </p:attrNameLst>
+                                      </p:cBhvr>
+                                      <p:to>
+                                        <p:strVal val="visible"/>
+                                      </p:to>
+                                    </p:set>
+                                  </p:childTnLst>
+                                </p:cTn>
+                              </p:par>
+                            </p:childTnLst>
+                          </p:cTn>
+                        </p:par>
+                      </p:childTnLst>
+                    </p:cTn>
+                  </p:par>
+                  <p:par>
+                    <p:cTn id="19" fill="hold">
+                      <p:stCondLst>
+                        <p:cond delay="indefinite"/>
+                      </p:stCondLst>
+                      <p:childTnLst>
+                        <p:par>
+                          <p:cTn id="20" fill="hold">
+                            <p:stCondLst>
+                              <p:cond delay="0"/>
+                            </p:stCondLst>
+                            <p:childTnLst>
+                              <p:par>
+                                <p:cTn id="21" presetID="1" presetClass="entr" presetSubtype="0" fill="hold" grpId="0" nodeType="clickEffect">
+                                  <p:stCondLst>
+                                    <p:cond delay="0"/>
+                                  </p:stCondLst>
+                                  <p:childTnLst>
+                                    <p:set>
+                                      <p:cBhvr>
+                                        <p:cTn id="22" dur="1" fill="hold">
+                                          <p:stCondLst>
+                                            <p:cond delay="0"/>
+                                          </p:stCondLst>
+                                        </p:cTn>
+                                        <p:tgtEl>
+                                          <p:spTgt spid="12"/>
+                                        </p:tgtEl>
+                                        <p:attrNameLst>
+                                          <p:attrName>style.visibility</p:attrName>
+                                        </p:attrNameLst>
+                                      </p:cBhvr>
+                                      <p:to>
+                                        <p:strVal val="visible"/>
+                                      </p:to>
+                                    </p:set>
+                                  </p:childTnLst>
+                                </p:cTn>
+                              </p:par>
+                            </p:childTnLst>
+                          </p:cTn>
+                        </p:par>
+                      </p:childTnLst>
+                    </p:cTn>
+                  </p:par>
+                  <p:par>
+                    <p:cTn id="23" fill="hold">
+                      <p:stCondLst>
+                        <p:cond delay="indefinite"/>
+                      </p:stCondLst>
+                      <p:childTnLst>
+                        <p:par>
+                          <p:cTn id="24" fill="hold">
+                            <p:stCondLst>
+                              <p:cond delay="0"/>
+                            </p:stCondLst>
+                            <p:childTnLst>
+                              <p:par>
+                                <p:cTn id="25" presetID="1" presetClass="entr" presetSubtype="0" fill="hold" nodeType="clickEffect">
+                                  <p:stCondLst>
+                                    <p:cond delay="0"/>
+                                  </p:stCondLst>
+                                  <p:childTnLst>
+                                    <p:set>
+                                      <p:cBhvr>
+                                        <p:cTn id="26" dur="1" fill="hold">
+                                          <p:stCondLst>
+                                            <p:cond delay="0"/>
+                                          </p:stCondLst>
+                                        </p:cTn>
+                                        <p:tgtEl>
+                                          <p:spTgt spid="11"/>
+                                        </p:tgtEl>
+                                        <p:attrNameLst>
+                                          <p:attrName>style.visibility</p:attrName>
+                                        </p:attrNameLst>
+                                      </p:cBhvr>
+                                      <p:to>
+                                        <p:strVal val="visible"/>
+                                      </p:to>
+                                    </p:set>
+                                  </p:childTnLst>
+                                </p:cTn>
+                              </p:par>
+                            </p:childTnLst>
+                          </p:cTn>
+                        </p:par>
+                      </p:childTnLst>
+                    </p:cTn>
+                  </p:par>
+                </p:childTnLst>
+              </p:cTn>
+              <p:prevCondLst>
+                <p:cond evt="onPrev" delay="0">
+                  <p:tgtEl>
+                    <p:sldTgt/>
+                  </p:tgtEl>
+                </p:cond>
+              </p:prevCondLst>
+              <p:nextCondLst>
+                <p:cond evt="onNext" delay="0">
+                  <p:tgtEl>
+                    <p:sldTgt/>
+                  </p:tgtEl>
+                </p:cond>
+              </p:nextCondLst>
+            </p:seq>
+          </p:childTnLst>
+        </p:cTn>
+      </p:par>
+    </p:tnLst>
+    <p:bldLst>
+      <p:bldP spid="2" grpId="0"/>
+      <p:bldP spid="9" grpId="0"/>
+      <p:bldP spid="12" grpId="0"/>
+    </p:bldLst>
+  </p:timing>
+</p:sld>
+</file>
+
+<file path=ppt/slides/slide8.xml><?xml version="1.0" encoding="utf-8"?>
+<p:sld xmlns:a="http://schemas.openxmlformats.org/drawingml/2006/main" xmlns:r="http://schemas.openxmlformats.org/officeDocument/2006/relationships" xmlns:p="http://schemas.openxmlformats.org/presentationml/2006/main">
+  <p:cSld>
+    <p:spTree>
+      <p:nvGrpSpPr>
+        <p:cNvPr id="1" name=""/>
+        <p:cNvGrpSpPr/>
+        <p:nvPr/>
+      </p:nvGrpSpPr>
+      <p:grpSpPr>
+        <a:xfrm>
+          <a:off x="0" y="0"/>
+          <a:ext cx="0" cy="0"/>
+          <a:chOff x="0" y="0"/>
+          <a:chExt cx="0" cy="0"/>
+        </a:xfrm>
+      </p:grpSpPr>
+      <p:sp>
+        <p:nvSpPr>
+          <p:cNvPr id="2" name="Title 1">
+            <a:extLst>
+              <a:ext uri="{FF2B5EF4-FFF2-40B4-BE49-F238E27FC236}">
+                <a16:creationId xmlns:a16="http://schemas.microsoft.com/office/drawing/2014/main" id="{42FBE61B-5173-404B-B1E7-B537A0E40EE7}"/>
+              </a:ext>
+            </a:extLst>
+          </p:cNvPr>
+          <p:cNvSpPr>
+            <a:spLocks noGrp="1"/>
+          </p:cNvSpPr>
+          <p:nvPr>
+            <p:ph type="title"/>
+          </p:nvPr>
+        </p:nvSpPr>
+        <p:spPr/>
+        <p:txBody>
+          <a:bodyPr>
+            <a:normAutofit fontScale="90000"/>
+          </a:bodyPr>
+          <a:lstStyle/>
+          <a:p>
+            <a:br>
+              <a:rPr lang="en-GB" b="1" dirty="0">
+                <a:latin typeface="Arial" panose="020B0604020202020204" pitchFamily="34" charset="0"/>
+                <a:cs typeface="Arial" panose="020B0604020202020204" pitchFamily="34" charset="0"/>
+              </a:rPr>
+            </a:br>
+            <a:r>
+              <a:rPr lang="en-GB" dirty="0">
+                <a:latin typeface="Arial" panose="020B0604020202020204" pitchFamily="34" charset="0"/>
+                <a:cs typeface="Arial" panose="020B0604020202020204" pitchFamily="34" charset="0"/>
+              </a:rPr>
+              <a:t>Fundamental Language Constructs</a:t>
+            </a:r>
+            <a:br>
+              <a:rPr lang="en-GB" dirty="0"/>
+            </a:br>
+            <a:endParaRPr lang="en-GB" dirty="0"/>
+          </a:p>
+        </p:txBody>
+      </p:sp>
+      <p:sp>
+        <p:nvSpPr>
+          <p:cNvPr id="3" name="TextBox 2">
+            <a:extLst>
+              <a:ext uri="{FF2B5EF4-FFF2-40B4-BE49-F238E27FC236}">
+                <a16:creationId xmlns:a16="http://schemas.microsoft.com/office/drawing/2014/main" id="{3FCB7ACB-6C4A-4C51-9E6F-787D47E33487}"/>
+              </a:ext>
+            </a:extLst>
+          </p:cNvPr>
+          <p:cNvSpPr txBox="1"/>
+          <p:nvPr/>
+        </p:nvSpPr>
+        <p:spPr>
+          <a:xfrm>
+            <a:off x="838200" y="1666142"/>
+            <a:ext cx="7056863" cy="2523768"/>
+          </a:xfrm>
+          <a:prstGeom prst="rect">
+            <a:avLst/>
+          </a:prstGeom>
+          <a:noFill/>
+        </p:spPr>
+        <p:txBody>
+          <a:bodyPr wrap="square" rtlCol="0">
+            <a:spAutoFit/>
+          </a:bodyPr>
+          <a:lstStyle/>
+          <a:p>
+            <a:pPr marL="285750" indent="-285750">
+              <a:buFont typeface="Arial" panose="020B0604020202020204" pitchFamily="34" charset="0"/>
+              <a:buChar char="•"/>
+            </a:pPr>
+            <a:r>
+              <a:rPr lang="en-GB" sz="2800" dirty="0" err="1">
+                <a:latin typeface="Arial" panose="020B0604020202020204" pitchFamily="34" charset="0"/>
+                <a:cs typeface="Arial" panose="020B0604020202020204" pitchFamily="34" charset="0"/>
+              </a:rPr>
+              <a:t>GraphQL</a:t>
+            </a:r>
+            <a:r>
+              <a:rPr lang="en-GB" sz="2800" dirty="0">
+                <a:latin typeface="Arial" panose="020B0604020202020204" pitchFamily="34" charset="0"/>
+                <a:cs typeface="Arial" panose="020B0604020202020204" pitchFamily="34" charset="0"/>
+              </a:rPr>
+              <a:t> Schema</a:t>
+            </a:r>
+          </a:p>
+          <a:p>
+            <a:pPr marL="285750" indent="-285750">
+              <a:buFont typeface="Arial" panose="020B0604020202020204" pitchFamily="34" charset="0"/>
+              <a:buChar char="•"/>
+            </a:pPr>
+            <a:endParaRPr lang="en-GB" sz="2800" dirty="0">
+              <a:latin typeface="Arial" panose="020B0604020202020204" pitchFamily="34" charset="0"/>
+              <a:cs typeface="Arial" panose="020B0604020202020204" pitchFamily="34" charset="0"/>
+            </a:endParaRPr>
+          </a:p>
+          <a:p>
+            <a:pPr marL="285750" indent="-285750">
+              <a:buFont typeface="Arial" panose="020B0604020202020204" pitchFamily="34" charset="0"/>
+              <a:buChar char="•"/>
+            </a:pPr>
+            <a:r>
+              <a:rPr lang="en-GB" sz="2800" dirty="0">
+                <a:latin typeface="Arial" panose="020B0604020202020204" pitchFamily="34" charset="0"/>
+                <a:cs typeface="Arial" panose="020B0604020202020204" pitchFamily="34" charset="0"/>
+              </a:rPr>
+              <a:t>Resolvers</a:t>
+            </a:r>
+          </a:p>
+          <a:p>
+            <a:pPr marL="285750" indent="-285750">
+              <a:buFont typeface="Arial" panose="020B0604020202020204" pitchFamily="34" charset="0"/>
+              <a:buChar char="•"/>
+            </a:pPr>
+            <a:endParaRPr lang="en-GB" sz="2800" dirty="0">
+              <a:latin typeface="Arial" panose="020B0604020202020204" pitchFamily="34" charset="0"/>
+              <a:cs typeface="Arial" panose="020B0604020202020204" pitchFamily="34" charset="0"/>
+            </a:endParaRPr>
+          </a:p>
+          <a:p>
+            <a:pPr marL="285750" indent="-285750">
+              <a:buFont typeface="Arial" panose="020B0604020202020204" pitchFamily="34" charset="0"/>
+              <a:buChar char="•"/>
+            </a:pPr>
+            <a:r>
+              <a:rPr lang="en-GB" sz="2800" dirty="0">
+                <a:latin typeface="Arial" panose="020B0604020202020204" pitchFamily="34" charset="0"/>
+                <a:cs typeface="Arial" panose="020B0604020202020204" pitchFamily="34" charset="0"/>
+              </a:rPr>
+              <a:t>Queries</a:t>
+            </a:r>
+          </a:p>
+          <a:p>
+            <a:endParaRPr lang="en-GB" dirty="0"/>
+          </a:p>
+        </p:txBody>
+      </p:sp>
+    </p:spTree>
+    <p:extLst>
+      <p:ext uri="{BB962C8B-B14F-4D97-AF65-F5344CB8AC3E}">
+        <p14:creationId xmlns:p14="http://schemas.microsoft.com/office/powerpoint/2010/main" val="53481959"/>
+      </p:ext>
+    </p:extLst>
+  </p:cSld>
+  <p:clrMapOvr>
+    <a:masterClrMapping/>
+  </p:clrMapOvr>
+  <p:timing>
+    <p:tnLst>
+      <p:par>
+        <p:cTn id="1" dur="indefinite" restart="never" nodeType="tmRoot">
+          <p:childTnLst>
+            <p:seq concurrent="1" nextAc="seek">
+              <p:cTn id="2" dur="indefinite" nodeType="mainSeq">
+                <p:childTnLst>
+                  <p:par>
+                    <p:cTn id="3" fill="hold">
+                      <p:stCondLst>
+                        <p:cond delay="indefinite"/>
+                      </p:stCondLst>
+                      <p:childTnLst>
+                        <p:par>
+                          <p:cTn id="4" fill="hold">
+                            <p:stCondLst>
+                              <p:cond delay="0"/>
+                            </p:stCondLst>
+                            <p:childTnLst>
+                              <p:par>
+                                <p:cTn id="5" presetID="1" presetClass="entr" presetSubtype="0" fill="hold" nodeType="clickEffect">
+                                  <p:stCondLst>
+                                    <p:cond delay="0"/>
+                                  </p:stCondLst>
+                                  <p:childTnLst>
+                                    <p:set>
+                                      <p:cBhvr>
+                                        <p:cTn id="6" dur="1" fill="hold">
+                                          <p:stCondLst>
+                                            <p:cond delay="0"/>
+                                          </p:stCondLst>
+                                        </p:cTn>
+                                        <p:tgtEl>
+                                          <p:spTgt spid="3">
+                                            <p:txEl>
+                                              <p:pRg st="0" end="0"/>
+                                            </p:txEl>
+                                          </p:spTgt>
+                                        </p:tgtEl>
+                                        <p:attrNameLst>
+                                          <p:attrName>style.visibility</p:attrName>
+                                        </p:attrNameLst>
+                                      </p:cBhvr>
+                                      <p:to>
+                                        <p:strVal val="visible"/>
+                                      </p:to>
+                                    </p:set>
+                                  </p:childTnLst>
+                                </p:cTn>
+                              </p:par>
+                            </p:childTnLst>
+                          </p:cTn>
+                        </p:par>
+                      </p:childTnLst>
+                    </p:cTn>
+                  </p:par>
+                  <p:par>
+                    <p:cTn id="7" fill="hold">
+                      <p:stCondLst>
+                        <p:cond delay="indefinite"/>
+                      </p:stCondLst>
+                      <p:childTnLst>
+                        <p:par>
+                          <p:cTn id="8" fill="hold">
+                            <p:stCondLst>
+                              <p:cond delay="0"/>
+                            </p:stCondLst>
+                            <p:childTnLst>
+                              <p:par>
+                                <p:cTn id="9" presetID="1" presetClass="entr" presetSubtype="0" fill="hold" nodeType="clickEffect">
+                                  <p:stCondLst>
+                                    <p:cond delay="0"/>
+                                  </p:stCondLst>
+                                  <p:childTnLst>
+                                    <p:set>
+                                      <p:cBhvr>
+                                        <p:cTn id="10" dur="1" fill="hold">
+                                          <p:stCondLst>
+                                            <p:cond delay="0"/>
+                                          </p:stCondLst>
+                                        </p:cTn>
+                                        <p:tgtEl>
+                                          <p:spTgt spid="3">
+                                            <p:txEl>
+                                              <p:pRg st="2" end="2"/>
+                                            </p:txEl>
+                                          </p:spTgt>
+                                        </p:tgtEl>
+                                        <p:attrNameLst>
+                                          <p:attrName>style.visibility</p:attrName>
+                                        </p:attrNameLst>
+                                      </p:cBhvr>
+                                      <p:to>
+                                        <p:strVal val="visible"/>
+                                      </p:to>
+                                    </p:set>
+                                  </p:childTnLst>
+                                </p:cTn>
+                              </p:par>
+                            </p:childTnLst>
+                          </p:cTn>
+                        </p:par>
+                      </p:childTnLst>
+                    </p:cTn>
+                  </p:par>
+                  <p:par>
+                    <p:cTn id="11" fill="hold">
+                      <p:stCondLst>
+                        <p:cond delay="indefinite"/>
+                      </p:stCondLst>
+                      <p:childTnLst>
+                        <p:par>
+                          <p:cTn id="12" fill="hold">
+                            <p:stCondLst>
+                              <p:cond delay="0"/>
+                            </p:stCondLst>
+                            <p:childTnLst>
+                              <p:par>
+                                <p:cTn id="13" presetID="1" presetClass="entr" presetSubtype="0" fill="hold" nodeType="clickEffect">
+                                  <p:stCondLst>
+                                    <p:cond delay="0"/>
+                                  </p:stCondLst>
+                                  <p:childTnLst>
+                                    <p:set>
+                                      <p:cBhvr>
+                                        <p:cTn id="14" dur="1" fill="hold">
+                                          <p:stCondLst>
+                                            <p:cond delay="0"/>
+                                          </p:stCondLst>
+                                        </p:cTn>
+                                        <p:tgtEl>
+                                          <p:spTgt spid="3">
+                                            <p:txEl>
+                                              <p:pRg st="4" end="4"/>
+                                            </p:txEl>
+                                          </p:spTgt>
+                                        </p:tgtEl>
+                                        <p:attrNameLst>
+                                          <p:attrName>style.visibility</p:attrName>
+                                        </p:attrNameLst>
+                                      </p:cBhvr>
+                                      <p:to>
+                                        <p:strVal val="visible"/>
+                                      </p:to>
+                                    </p:set>
+                                  </p:childTnLst>
+                                </p:cTn>
+                              </p:par>
+                            </p:childTnLst>
+                          </p:cTn>
+                        </p:par>
+                      </p:childTnLst>
+                    </p:cTn>
+                  </p:par>
+                </p:childTnLst>
+              </p:cTn>
+              <p:prevCondLst>
+                <p:cond evt="onPrev" delay="0">
+                  <p:tgtEl>
+                    <p:sldTgt/>
+                  </p:tgtEl>
+                </p:cond>
+              </p:prevCondLst>
+              <p:nextCondLst>
+                <p:cond evt="onNext" delay="0">
+                  <p:tgtEl>
+                    <p:sldTgt/>
+                  </p:tgtEl>
+                </p:cond>
+              </p:nextCondLst>
+            </p:seq>
+          </p:childTnLst>
+        </p:cTn>
+      </p:par>
+    </p:tnLst>
+  </p:timing>
+</p:sld>
+</file>
+
+<file path=ppt/slides/slide9.xml><?xml version="1.0" encoding="utf-8"?>
+<p:sld xmlns:a="http://schemas.openxmlformats.org/drawingml/2006/main" xmlns:r="http://schemas.openxmlformats.org/officeDocument/2006/relationships" xmlns:p="http://schemas.openxmlformats.org/presentationml/2006/main">
+  <p:cSld>
+    <p:spTree>
+      <p:nvGrpSpPr>
+        <p:cNvPr id="1" name=""/>
+        <p:cNvGrpSpPr/>
+        <p:nvPr/>
+      </p:nvGrpSpPr>
+      <p:grpSpPr>
+        <a:xfrm>
+          <a:off x="0" y="0"/>
+          <a:ext cx="0" cy="0"/>
+          <a:chOff x="0" y="0"/>
+          <a:chExt cx="0" cy="0"/>
+        </a:xfrm>
+      </p:grpSpPr>
+      <p:sp>
+        <p:nvSpPr>
+          <p:cNvPr id="2" name="Title 1">
+            <a:extLst>
+              <a:ext uri="{FF2B5EF4-FFF2-40B4-BE49-F238E27FC236}">
+                <a16:creationId xmlns:a16="http://schemas.microsoft.com/office/drawing/2014/main" id="{27B47342-65E1-4DA6-AC49-41E1D7C94E72}"/>
+              </a:ext>
+            </a:extLst>
+          </p:cNvPr>
+          <p:cNvSpPr>
+            <a:spLocks noGrp="1"/>
+          </p:cNvSpPr>
+          <p:nvPr>
+            <p:ph type="title"/>
+          </p:nvPr>
+        </p:nvSpPr>
+        <p:spPr>
+          <a:xfrm>
+            <a:off x="838200" y="365126"/>
+            <a:ext cx="10515600" cy="794602"/>
+          </a:xfrm>
+        </p:spPr>
+        <p:txBody>
+          <a:bodyPr>
+            <a:normAutofit/>
+          </a:bodyPr>
+          <a:lstStyle/>
+          <a:p>
+            <a:r>
+              <a:rPr lang="en-GB" sz="4000" dirty="0">
+                <a:latin typeface="Arial" panose="020B0604020202020204" pitchFamily="34" charset="0"/>
+                <a:cs typeface="Arial" panose="020B0604020202020204" pitchFamily="34" charset="0"/>
+              </a:rPr>
+              <a:t>The </a:t>
+            </a:r>
+            <a:r>
+              <a:rPr lang="en-GB" sz="4000" dirty="0" err="1">
+                <a:latin typeface="Arial" panose="020B0604020202020204" pitchFamily="34" charset="0"/>
+                <a:cs typeface="Arial" panose="020B0604020202020204" pitchFamily="34" charset="0"/>
+              </a:rPr>
+              <a:t>GraphQL</a:t>
+            </a:r>
+            <a:r>
+              <a:rPr lang="en-GB" sz="4000" dirty="0">
+                <a:latin typeface="Arial" panose="020B0604020202020204" pitchFamily="34" charset="0"/>
+                <a:cs typeface="Arial" panose="020B0604020202020204" pitchFamily="34" charset="0"/>
+              </a:rPr>
+              <a:t> Schema</a:t>
+            </a:r>
+          </a:p>
+        </p:txBody>
+      </p:sp>
+      <p:sp>
+        <p:nvSpPr>
+          <p:cNvPr id="3" name="Content Placeholder 2">
+            <a:extLst>
+              <a:ext uri="{FF2B5EF4-FFF2-40B4-BE49-F238E27FC236}">
+                <a16:creationId xmlns:a16="http://schemas.microsoft.com/office/drawing/2014/main" id="{46249623-7E50-4A03-B2A3-9F5FB92325FF}"/>
+              </a:ext>
+            </a:extLst>
+          </p:cNvPr>
+          <p:cNvSpPr>
+            <a:spLocks noGrp="1"/>
+          </p:cNvSpPr>
+          <p:nvPr>
+            <p:ph idx="1"/>
+          </p:nvPr>
+        </p:nvSpPr>
+        <p:spPr>
+          <a:xfrm>
+            <a:off x="838200" y="1516566"/>
+            <a:ext cx="10515600" cy="5075303"/>
+          </a:xfrm>
+        </p:spPr>
+        <p:txBody>
+          <a:bodyPr>
+            <a:normAutofit lnSpcReduction="10000"/>
+          </a:bodyPr>
+          <a:lstStyle/>
+          <a:p>
+            <a:r>
+              <a:rPr lang="en-GB" dirty="0">
+                <a:latin typeface="Arial" panose="020B0604020202020204" pitchFamily="34" charset="0"/>
+                <a:cs typeface="Arial" panose="020B0604020202020204" pitchFamily="34" charset="0"/>
+              </a:rPr>
+              <a:t>Used in the </a:t>
+            </a:r>
+            <a:r>
+              <a:rPr lang="en-GB" dirty="0" err="1">
+                <a:latin typeface="Arial" panose="020B0604020202020204" pitchFamily="34" charset="0"/>
+                <a:cs typeface="Arial" panose="020B0604020202020204" pitchFamily="34" charset="0"/>
+              </a:rPr>
+              <a:t>GraphQL</a:t>
+            </a:r>
+            <a:r>
+              <a:rPr lang="en-GB" dirty="0">
+                <a:latin typeface="Arial" panose="020B0604020202020204" pitchFamily="34" charset="0"/>
+                <a:cs typeface="Arial" panose="020B0604020202020204" pitchFamily="34" charset="0"/>
+              </a:rPr>
+              <a:t> server-side runtime</a:t>
+            </a:r>
+          </a:p>
+          <a:p>
+            <a:endParaRPr lang="en-GB" dirty="0">
+              <a:latin typeface="Arial" panose="020B0604020202020204" pitchFamily="34" charset="0"/>
+              <a:cs typeface="Arial" panose="020B0604020202020204" pitchFamily="34" charset="0"/>
+            </a:endParaRPr>
+          </a:p>
+          <a:p>
+            <a:r>
+              <a:rPr lang="en-GB" dirty="0">
+                <a:latin typeface="Arial" panose="020B0604020202020204" pitchFamily="34" charset="0"/>
+                <a:cs typeface="Arial" panose="020B0604020202020204" pitchFamily="34" charset="0"/>
+              </a:rPr>
+              <a:t>The </a:t>
+            </a:r>
+            <a:r>
+              <a:rPr lang="en-GB" dirty="0" err="1">
+                <a:latin typeface="Arial" panose="020B0604020202020204" pitchFamily="34" charset="0"/>
+                <a:cs typeface="Arial" panose="020B0604020202020204" pitchFamily="34" charset="0"/>
+              </a:rPr>
+              <a:t>GraphQL</a:t>
+            </a:r>
+            <a:r>
+              <a:rPr lang="en-GB" dirty="0">
+                <a:latin typeface="Arial" panose="020B0604020202020204" pitchFamily="34" charset="0"/>
+                <a:cs typeface="Arial" panose="020B0604020202020204" pitchFamily="34" charset="0"/>
+              </a:rPr>
+              <a:t> schema is the single source of truth in </a:t>
+            </a:r>
+            <a:r>
+              <a:rPr lang="en-GB" dirty="0" err="1">
+                <a:latin typeface="Arial" panose="020B0604020202020204" pitchFamily="34" charset="0"/>
+                <a:cs typeface="Arial" panose="020B0604020202020204" pitchFamily="34" charset="0"/>
+              </a:rPr>
+              <a:t>GraphQL</a:t>
+            </a:r>
+            <a:r>
+              <a:rPr lang="en-GB" dirty="0">
+                <a:latin typeface="Arial" panose="020B0604020202020204" pitchFamily="34" charset="0"/>
+                <a:cs typeface="Arial" panose="020B0604020202020204" pitchFamily="34" charset="0"/>
+              </a:rPr>
+              <a:t> applications.</a:t>
+            </a:r>
+          </a:p>
+          <a:p>
+            <a:endParaRPr lang="en-GB" dirty="0">
+              <a:latin typeface="Arial" panose="020B0604020202020204" pitchFamily="34" charset="0"/>
+              <a:cs typeface="Arial" panose="020B0604020202020204" pitchFamily="34" charset="0"/>
+            </a:endParaRPr>
+          </a:p>
+          <a:p>
+            <a:r>
+              <a:rPr lang="en-GB" dirty="0">
+                <a:latin typeface="Arial" panose="020B0604020202020204" pitchFamily="34" charset="0"/>
+                <a:cs typeface="Arial" panose="020B0604020202020204" pitchFamily="34" charset="0"/>
+              </a:rPr>
+              <a:t>Defines the data available from the API how clients can request data from it.</a:t>
+            </a:r>
+          </a:p>
+          <a:p>
+            <a:pPr marL="0" indent="0">
+              <a:buNone/>
+            </a:pPr>
+            <a:endParaRPr lang="en-GB" dirty="0">
+              <a:latin typeface="Arial" panose="020B0604020202020204" pitchFamily="34" charset="0"/>
+              <a:cs typeface="Arial" panose="020B0604020202020204" pitchFamily="34" charset="0"/>
+            </a:endParaRPr>
+          </a:p>
+          <a:p>
+            <a:r>
+              <a:rPr lang="en-GB" dirty="0">
+                <a:latin typeface="Arial" panose="020B0604020202020204" pitchFamily="34" charset="0"/>
+                <a:cs typeface="Arial" panose="020B0604020202020204" pitchFamily="34" charset="0"/>
+              </a:rPr>
+              <a:t>Used to validate </a:t>
+            </a:r>
+            <a:r>
+              <a:rPr lang="en-GB" dirty="0" err="1">
+                <a:latin typeface="Arial" panose="020B0604020202020204" pitchFamily="34" charset="0"/>
+                <a:cs typeface="Arial" panose="020B0604020202020204" pitchFamily="34" charset="0"/>
+              </a:rPr>
+              <a:t>GraphQL</a:t>
+            </a:r>
+            <a:r>
+              <a:rPr lang="en-GB" dirty="0">
+                <a:latin typeface="Arial" panose="020B0604020202020204" pitchFamily="34" charset="0"/>
+                <a:cs typeface="Arial" panose="020B0604020202020204" pitchFamily="34" charset="0"/>
+              </a:rPr>
+              <a:t> queries</a:t>
+            </a:r>
+          </a:p>
+          <a:p>
+            <a:endParaRPr lang="en-GB" dirty="0">
+              <a:latin typeface="Arial" panose="020B0604020202020204" pitchFamily="34" charset="0"/>
+              <a:cs typeface="Arial" panose="020B0604020202020204" pitchFamily="34" charset="0"/>
+            </a:endParaRPr>
+          </a:p>
+          <a:p>
+            <a:r>
+              <a:rPr lang="en-GB" dirty="0">
+                <a:latin typeface="Arial" panose="020B0604020202020204" pitchFamily="34" charset="0"/>
+                <a:cs typeface="Arial" panose="020B0604020202020204" pitchFamily="34" charset="0"/>
+              </a:rPr>
+              <a:t>Can be seen as a contract between the server and the client</a:t>
+            </a:r>
+          </a:p>
+          <a:p>
+            <a:endParaRPr lang="en-GB" dirty="0"/>
+          </a:p>
+        </p:txBody>
+      </p:sp>
+    </p:spTree>
+    <p:extLst>
+      <p:ext uri="{BB962C8B-B14F-4D97-AF65-F5344CB8AC3E}">
+        <p14:creationId xmlns:p14="http://schemas.microsoft.com/office/powerpoint/2010/main" val="3881882428"/>
+      </p:ext>
+    </p:extLst>
+  </p:cSld>
+  <p:clrMapOvr>
+    <a:masterClrMapping/>
+  </p:clrMapOvr>
+  <p:timing>
+    <p:tnLst>
+      <p:par>
+        <p:cTn id="1" dur="indefinite" restart="never" nodeType="tmRoot">
+          <p:childTnLst>
+            <p:seq concurrent="1" nextAc="seek">
+              <p:cTn id="2" dur="indefinite" nodeType="mainSeq">
+                <p:childTnLst>
+                  <p:par>
+                    <p:cTn id="3" fill="hold">
+                      <p:stCondLst>
+                        <p:cond delay="indefinite"/>
+                      </p:stCondLst>
+                      <p:childTnLst>
+                        <p:par>
+                          <p:cTn id="4" fill="hold">
+                            <p:stCondLst>
+                              <p:cond delay="0"/>
+                            </p:stCondLst>
+                            <p:childTnLst>
+                              <p:par>
+                                <p:cTn id="5" presetID="1" presetClass="entr" presetSubtype="0" fill="hold" nodeType="clickEffect">
+                                  <p:stCondLst>
+                                    <p:cond delay="0"/>
+                                  </p:stCondLst>
+                                  <p:childTnLst>
+                                    <p:set>
+                                      <p:cBhvr>
+                                        <p:cTn id="6" dur="1" fill="hold">
+                                          <p:stCondLst>
+                                            <p:cond delay="0"/>
+                                          </p:stCondLst>
+                                        </p:cTn>
+                                        <p:tgtEl>
+                                          <p:spTgt spid="3">
+                                            <p:txEl>
+                                              <p:pRg st="0" end="0"/>
+                                            </p:txEl>
+                                          </p:spTgt>
+                                        </p:tgtEl>
+                                        <p:attrNameLst>
+                                          <p:attrName>style.visibility</p:attrName>
+                                        </p:attrNameLst>
+                                      </p:cBhvr>
+                                      <p:to>
+                                        <p:strVal val="visible"/>
+                                      </p:to>
+                                    </p:set>
+                                  </p:childTnLst>
+                                </p:cTn>
+                              </p:par>
+                            </p:childTnLst>
+                          </p:cTn>
+                        </p:par>
+                      </p:childTnLst>
+                    </p:cTn>
+                  </p:par>
+                  <p:par>
+                    <p:cTn id="7" fill="hold">
+                      <p:stCondLst>
+                        <p:cond delay="indefinite"/>
+                      </p:stCondLst>
+                      <p:childTnLst>
+                        <p:par>
+                          <p:cTn id="8" fill="hold">
+                            <p:stCondLst>
+                              <p:cond delay="0"/>
+                            </p:stCondLst>
+                            <p:childTnLst>
+                              <p:par>
+                                <p:cTn id="9" presetID="1" presetClass="entr" presetSubtype="0" fill="hold" nodeType="clickEffect">
+                                  <p:stCondLst>
+                                    <p:cond delay="0"/>
+                                  </p:stCondLst>
+                                  <p:childTnLst>
+                                    <p:set>
+                                      <p:cBhvr>
+                                        <p:cTn id="10" dur="1" fill="hold">
+                                          <p:stCondLst>
+                                            <p:cond delay="0"/>
+                                          </p:stCondLst>
+                                        </p:cTn>
+                                        <p:tgtEl>
+                                          <p:spTgt spid="3">
+                                            <p:txEl>
+                                              <p:pRg st="2" end="2"/>
+                                            </p:txEl>
+                                          </p:spTgt>
+                                        </p:tgtEl>
+                                        <p:attrNameLst>
+                                          <p:attrName>style.visibility</p:attrName>
+                                        </p:attrNameLst>
+                                      </p:cBhvr>
+                                      <p:to>
+                                        <p:strVal val="visible"/>
+                                      </p:to>
+                                    </p:set>
+                                  </p:childTnLst>
+                                </p:cTn>
+                              </p:par>
+                            </p:childTnLst>
+                          </p:cTn>
+                        </p:par>
+                      </p:childTnLst>
+                    </p:cTn>
+                  </p:par>
+                  <p:par>
+                    <p:cTn id="11" fill="hold">
+                      <p:stCondLst>
+                        <p:cond delay="indefinite"/>
+                      </p:stCondLst>
+                      <p:childTnLst>
+                        <p:par>
+                          <p:cTn id="12" fill="hold">
+                            <p:stCondLst>
+                              <p:cond delay="0"/>
+                            </p:stCondLst>
+                            <p:childTnLst>
+                              <p:par>
+                                <p:cTn id="13" presetID="1" presetClass="entr" presetSubtype="0" fill="hold" nodeType="clickEffect">
+                                  <p:stCondLst>
+                                    <p:cond delay="0"/>
+                                  </p:stCondLst>
+                                  <p:childTnLst>
+                                    <p:set>
+                                      <p:cBhvr>
+                                        <p:cTn id="14" dur="1" fill="hold">
+                                          <p:stCondLst>
+                                            <p:cond delay="0"/>
+                                          </p:stCondLst>
+                                        </p:cTn>
+                                        <p:tgtEl>
+                                          <p:spTgt spid="3">
+                                            <p:txEl>
+                                              <p:pRg st="4" end="4"/>
+                                            </p:txEl>
+                                          </p:spTgt>
+                                        </p:tgtEl>
+                                        <p:attrNameLst>
+                                          <p:attrName>style.visibility</p:attrName>
+                                        </p:attrNameLst>
+                                      </p:cBhvr>
+                                      <p:to>
+                                        <p:strVal val="visible"/>
+                                      </p:to>
+                                    </p:set>
+                                  </p:childTnLst>
+                                </p:cTn>
+                              </p:par>
+                            </p:childTnLst>
+                          </p:cTn>
+                        </p:par>
+                      </p:childTnLst>
+                    </p:cTn>
+                  </p:par>
+                  <p:par>
+                    <p:cTn id="15" fill="hold">
+                      <p:stCondLst>
+                        <p:cond delay="indefinite"/>
+                      </p:stCondLst>
+                      <p:childTnLst>
+                        <p:par>
+                          <p:cTn id="16" fill="hold">
+                            <p:stCondLst>
+                              <p:cond delay="0"/>
+                            </p:stCondLst>
+                            <p:childTnLst>
+                              <p:par>
+                                <p:cTn id="17" presetID="1" presetClass="entr" presetSubtype="0" fill="hold" nodeType="clickEffect">
+                                  <p:stCondLst>
+                                    <p:cond delay="0"/>
+                                  </p:stCondLst>
+                                  <p:childTnLst>
+                                    <p:set>
+                                      <p:cBhvr>
+                                        <p:cTn id="18" dur="1" fill="hold">
+                                          <p:stCondLst>
+                                            <p:cond delay="0"/>
+                                          </p:stCondLst>
+                                        </p:cTn>
+                                        <p:tgtEl>
+                                          <p:spTgt spid="3">
+                                            <p:txEl>
+                                              <p:pRg st="6" end="6"/>
+                                            </p:txEl>
+                                          </p:spTgt>
+                                        </p:tgtEl>
+                                        <p:attrNameLst>
+                                          <p:attrName>style.visibility</p:attrName>
+                                        </p:attrNameLst>
+                                      </p:cBhvr>
+                                      <p:to>
+                                        <p:strVal val="visible"/>
+                                      </p:to>
+                                    </p:set>
+                                  </p:childTnLst>
+                                </p:cTn>
+                              </p:par>
+                            </p:childTnLst>
+                          </p:cTn>
+                        </p:par>
+                      </p:childTnLst>
+                    </p:cTn>
+                  </p:par>
+                  <p:par>
+                    <p:cTn id="19" fill="hold">
+                      <p:stCondLst>
+                        <p:cond delay="indefinite"/>
+                      </p:stCondLst>
+                      <p:childTnLst>
+                        <p:par>
+                          <p:cTn id="20" fill="hold">
+                            <p:stCondLst>
+                              <p:cond delay="0"/>
+                            </p:stCondLst>
+                            <p:childTnLst>
+                              <p:par>
+                                <p:cTn id="21" presetID="1" presetClass="entr" presetSubtype="0" fill="hold" nodeType="clickEffect">
+                                  <p:stCondLst>
+                                    <p:cond delay="0"/>
+                                  </p:stCondLst>
+                                  <p:childTnLst>
+                                    <p:set>
+                                      <p:cBhvr>
+                                        <p:cTn id="22" dur="1" fill="hold">
+                                          <p:stCondLst>
+                                            <p:cond delay="0"/>
+                                          </p:stCondLst>
+                                        </p:cTn>
+                                        <p:tgtEl>
+                                          <p:spTgt spid="3">
+                                            <p:txEl>
+                                              <p:pRg st="8" end="8"/>
+                                            </p:txEl>
+                                          </p:spTgt>
+                                        </p:tgtEl>
+                                        <p:attrNameLst>
+                                          <p:attrName>style.visibility</p:attrName>
+                                        </p:attrNameLst>
+                                      </p:cBhvr>
+                                      <p:to>
+                                        <p:strVal val="visible"/>
+                                      </p:to>
+                                    </p:set>
+                                  </p:childTnLst>
+                                </p:cTn>
+                              </p:par>
+                            </p:childTnLst>
+                          </p:cTn>
+                        </p:par>
+                      </p:childTnLst>
+                    </p:cTn>
+                  </p:par>
+                </p:childTnLst>
+              </p:cTn>
+              <p:prevCondLst>
+                <p:cond evt="onPrev" delay="0">
+                  <p:tgtEl>
+                    <p:sldTgt/>
+                  </p:tgtEl>
+                </p:cond>
+              </p:prevCondLst>
+              <p:nextCondLst>
+                <p:cond evt="onNext" delay="0">
+                  <p:tgtEl>
+                    <p:sldTgt/>
+                  </p:tgtEl>
+                </p:cond>
+              </p:nextCondLst>
+            </p:seq>
+          </p:childTnLst>
+        </p:cTn>
+      </p:par>
+    </p:tnLst>
+  </p:timing>
 </p:sld>
 </file>
 

--- a/current.pptx
+++ b/current.pptx
@@ -562,6 +562,90 @@
           <a:p>
             <a:fld id="{D6719FC5-C3CA-4722-957E-A07B335E4D2F}" type="slidenum">
               <a:rPr lang="en-GB" smtClean="0"/>
+              <a:t>12</a:t>
+            </a:fld>
+            <a:endParaRPr lang="en-GB"/>
+          </a:p>
+        </p:txBody>
+      </p:sp>
+    </p:spTree>
+    <p:extLst>
+      <p:ext uri="{BB962C8B-B14F-4D97-AF65-F5344CB8AC3E}">
+        <p14:creationId xmlns:p14="http://schemas.microsoft.com/office/powerpoint/2010/main" val="1717315459"/>
+      </p:ext>
+    </p:extLst>
+  </p:cSld>
+  <p:clrMapOvr>
+    <a:masterClrMapping/>
+  </p:clrMapOvr>
+</p:notes>
+</file>
+
+<file path=ppt/notesSlides/notesSlide2.xml><?xml version="1.0" encoding="utf-8"?>
+<p:notes xmlns:a="http://schemas.openxmlformats.org/drawingml/2006/main" xmlns:r="http://schemas.openxmlformats.org/officeDocument/2006/relationships" xmlns:p="http://schemas.openxmlformats.org/presentationml/2006/main">
+  <p:cSld>
+    <p:spTree>
+      <p:nvGrpSpPr>
+        <p:cNvPr id="1" name=""/>
+        <p:cNvGrpSpPr/>
+        <p:nvPr/>
+      </p:nvGrpSpPr>
+      <p:grpSpPr>
+        <a:xfrm>
+          <a:off x="0" y="0"/>
+          <a:ext cx="0" cy="0"/>
+          <a:chOff x="0" y="0"/>
+          <a:chExt cx="0" cy="0"/>
+        </a:xfrm>
+      </p:grpSpPr>
+      <p:sp>
+        <p:nvSpPr>
+          <p:cNvPr id="2" name="Slide Image Placeholder 1"/>
+          <p:cNvSpPr>
+            <a:spLocks noGrp="1" noRot="1" noChangeAspect="1"/>
+          </p:cNvSpPr>
+          <p:nvPr>
+            <p:ph type="sldImg"/>
+          </p:nvPr>
+        </p:nvSpPr>
+        <p:spPr/>
+      </p:sp>
+      <p:sp>
+        <p:nvSpPr>
+          <p:cNvPr id="3" name="Notes Placeholder 2"/>
+          <p:cNvSpPr>
+            <a:spLocks noGrp="1"/>
+          </p:cNvSpPr>
+          <p:nvPr>
+            <p:ph type="body" idx="1"/>
+          </p:nvPr>
+        </p:nvSpPr>
+        <p:spPr/>
+        <p:txBody>
+          <a:bodyPr/>
+          <a:lstStyle/>
+          <a:p>
+            <a:endParaRPr lang="en-GB" dirty="0"/>
+          </a:p>
+        </p:txBody>
+      </p:sp>
+      <p:sp>
+        <p:nvSpPr>
+          <p:cNvPr id="4" name="Slide Number Placeholder 3"/>
+          <p:cNvSpPr>
+            <a:spLocks noGrp="1"/>
+          </p:cNvSpPr>
+          <p:nvPr>
+            <p:ph type="sldNum" sz="quarter" idx="5"/>
+          </p:nvPr>
+        </p:nvSpPr>
+        <p:spPr/>
+        <p:txBody>
+          <a:bodyPr/>
+          <a:lstStyle/>
+          <a:p>
+            <a:fld id="{D6719FC5-C3CA-4722-957E-A07B335E4D2F}" type="slidenum">
+              <a:rPr lang="en-GB" smtClean="0"/>
               <a:t>13</a:t>
             </a:fld>
             <a:endParaRPr lang="en-GB"/>
@@ -581,7 +665,7 @@
 </p:notes>
 </file>
 
-<file path=ppt/notesSlides/notesSlide2.xml><?xml version="1.0" encoding="utf-8"?>
+<file path=ppt/notesSlides/notesSlide3.xml><?xml version="1.0" encoding="utf-8"?>
 <p:notes xmlns:a="http://schemas.openxmlformats.org/drawingml/2006/main" xmlns:r="http://schemas.openxmlformats.org/officeDocument/2006/relationships" xmlns:p="http://schemas.openxmlformats.org/presentationml/2006/main">
   <p:cSld>
     <p:spTree>
@@ -4094,14 +4178,14 @@
           <a:lstStyle/>
           <a:p>
             <a:r>
-              <a:rPr lang="en-GB" sz="4000" dirty="0" err="1">
+              <a:rPr lang="en-GB" sz="4000" b="1" dirty="0" err="1">
                 <a:latin typeface="Arial" panose="020B0604020202020204" pitchFamily="34" charset="0"/>
                 <a:cs typeface="Arial" panose="020B0604020202020204" pitchFamily="34" charset="0"/>
               </a:rPr>
               <a:t>GraphQL</a:t>
             </a:r>
             <a:r>
-              <a:rPr lang="en-GB" sz="4000" dirty="0">
+              <a:rPr lang="en-GB" sz="4000" b="1" dirty="0">
                 <a:latin typeface="Arial" panose="020B0604020202020204" pitchFamily="34" charset="0"/>
                 <a:cs typeface="Arial" panose="020B0604020202020204" pitchFamily="34" charset="0"/>
               </a:rPr>
@@ -4507,7 +4591,7 @@
           <a:lstStyle/>
           <a:p>
             <a:r>
-              <a:rPr lang="en-GB" sz="4000" dirty="0">
+              <a:rPr lang="en-GB" sz="4000" b="1" dirty="0">
                 <a:latin typeface="Arial" panose="020B0604020202020204" pitchFamily="34" charset="0"/>
                 <a:cs typeface="Arial" panose="020B0604020202020204" pitchFamily="34" charset="0"/>
               </a:rPr>
@@ -5612,10 +5696,10 @@
       </p:sp>
       <p:pic>
         <p:nvPicPr>
-          <p:cNvPr id="5" name="Picture 4">
-            <a:extLst>
-              <a:ext uri="{FF2B5EF4-FFF2-40B4-BE49-F238E27FC236}">
-                <a16:creationId xmlns:a16="http://schemas.microsoft.com/office/drawing/2014/main" id="{AE39C120-503E-46B7-AA0A-C8631A91092C}"/>
+          <p:cNvPr id="4" name="Picture 3">
+            <a:extLst>
+              <a:ext uri="{FF2B5EF4-FFF2-40B4-BE49-F238E27FC236}">
+                <a16:creationId xmlns:a16="http://schemas.microsoft.com/office/drawing/2014/main" id="{6017D40B-B9D3-4CF7-A687-FDD9F2EC1D9D}"/>
               </a:ext>
             </a:extLst>
           </p:cNvPr>
@@ -5625,21 +5709,73 @@
           <p:nvPr/>
         </p:nvPicPr>
         <p:blipFill>
-          <a:blip r:embed="rId2"/>
+          <a:blip r:embed="rId3"/>
           <a:stretch>
             <a:fillRect/>
           </a:stretch>
         </p:blipFill>
         <p:spPr>
           <a:xfrm>
-            <a:off x="8989621" y="46380"/>
-            <a:ext cx="3099459" cy="6765239"/>
+            <a:off x="8976325" y="0"/>
+            <a:ext cx="3215675" cy="6858000"/>
           </a:xfrm>
           <a:prstGeom prst="rect">
             <a:avLst/>
           </a:prstGeom>
         </p:spPr>
       </p:pic>
+      <p:sp>
+        <p:nvSpPr>
+          <p:cNvPr id="7" name="Rectangle 6">
+            <a:extLst>
+              <a:ext uri="{FF2B5EF4-FFF2-40B4-BE49-F238E27FC236}">
+                <a16:creationId xmlns:a16="http://schemas.microsoft.com/office/drawing/2014/main" id="{1767AE71-480F-4D74-A8FA-C8CE72CBAA84}"/>
+              </a:ext>
+            </a:extLst>
+          </p:cNvPr>
+          <p:cNvSpPr/>
+          <p:nvPr/>
+        </p:nvSpPr>
+        <p:spPr>
+          <a:xfrm>
+            <a:off x="8976325" y="2980706"/>
+            <a:ext cx="1996475" cy="997528"/>
+          </a:xfrm>
+          <a:prstGeom prst="rect">
+            <a:avLst/>
+          </a:prstGeom>
+          <a:noFill/>
+          <a:ln>
+            <a:solidFill>
+              <a:srgbClr val="FF0000"/>
+            </a:solidFill>
+          </a:ln>
+        </p:spPr>
+        <p:style>
+          <a:lnRef idx="2">
+            <a:schemeClr val="accent1">
+              <a:shade val="50000"/>
+            </a:schemeClr>
+          </a:lnRef>
+          <a:fillRef idx="1">
+            <a:schemeClr val="accent1"/>
+          </a:fillRef>
+          <a:effectRef idx="0">
+            <a:schemeClr val="accent1"/>
+          </a:effectRef>
+          <a:fontRef idx="minor">
+            <a:schemeClr val="lt1"/>
+          </a:fontRef>
+        </p:style>
+        <p:txBody>
+          <a:bodyPr rtlCol="0" anchor="ctr"/>
+          <a:lstStyle/>
+          <a:p>
+            <a:pPr algn="ctr"/>
+            <a:endParaRPr lang="en-GB"/>
+          </a:p>
+        </p:txBody>
+      </p:sp>
     </p:spTree>
     <p:extLst>
       <p:ext uri="{BB962C8B-B14F-4D97-AF65-F5344CB8AC3E}">
@@ -5684,7 +5820,11 @@
                                           </p:stCondLst>
                                         </p:cTn>
                                         <p:tgtEl>
-                                          <p:spTgt spid="5"/>
+                                          <p:spTgt spid="3">
+                                            <p:txEl>
+                                              <p:pRg st="0" end="0"/>
+                                            </p:txEl>
+                                          </p:spTgt>
                                         </p:tgtEl>
                                         <p:attrNameLst>
                                           <p:attrName>style.visibility</p:attrName>
@@ -5731,7 +5871,7 @@
                                         <p:tgtEl>
                                           <p:spTgt spid="3">
                                             <p:txEl>
-                                              <p:pRg st="0" end="0"/>
+                                              <p:pRg st="2" end="2"/>
                                             </p:txEl>
                                           </p:spTgt>
                                         </p:tgtEl>
@@ -5773,55 +5913,6 @@
                                     <p:set>
                                       <p:cBhvr>
                                         <p:cTn id="14" dur="1" fill="hold">
-                                          <p:stCondLst>
-                                            <p:cond delay="0"/>
-                                          </p:stCondLst>
-                                        </p:cTn>
-                                        <p:tgtEl>
-                                          <p:spTgt spid="3">
-                                            <p:txEl>
-                                              <p:pRg st="2" end="2"/>
-                                            </p:txEl>
-                                          </p:spTgt>
-                                        </p:tgtEl>
-                                        <p:attrNameLst>
-                                          <p:attrName>style.visibility</p:attrName>
-                                        </p:attrNameLst>
-                                      </p:cBhvr>
-                                      <p:to>
-                                        <p:strVal val="visible"/>
-                                      </p:to>
-                                    </p:set>
-                                  </p:childTnLst>
-                                </p:cTn>
-                              </p:par>
-                            </p:childTnLst>
-                          </p:cTn>
-                        </p:par>
-                      </p:childTnLst>
-                    </p:cTn>
-                  </p:par>
-                  <p:par>
-                    <p:cTn id="15" fill="hold">
-                      <p:stCondLst>
-                        <p:cond delay="indefinite"/>
-                      </p:stCondLst>
-                      <p:childTnLst>
-                        <p:par>
-                          <p:cTn id="16" fill="hold">
-                            <p:stCondLst>
-                              <p:cond delay="0"/>
-                            </p:stCondLst>
-                            <p:childTnLst>
-                              <p:par>
-                                <p:cTn id="17" presetID="1" presetClass="entr" presetSubtype="0" fill="hold" nodeType="clickEffect">
-                                  <p:stCondLst>
-                                    <p:cond delay="0"/>
-                                  </p:stCondLst>
-                                  <p:childTnLst>
-                                    <p:set>
-                                      <p:cBhvr>
-                                        <p:cTn id="18" dur="1" fill="hold">
                                           <p:stCondLst>
                                             <p:cond delay="0"/>
                                           </p:stCondLst>
@@ -5921,7 +6012,7 @@
           <a:lstStyle/>
           <a:p>
             <a:r>
-              <a:rPr lang="en-GB" sz="4000" dirty="0">
+              <a:rPr lang="en-GB" sz="4000" b="1" dirty="0">
                 <a:latin typeface="Arial" panose="020B0604020202020204" pitchFamily="34" charset="0"/>
                 <a:cs typeface="Arial" panose="020B0604020202020204" pitchFamily="34" charset="0"/>
               </a:rPr>
@@ -7429,10 +7520,16 @@
           <a:lstStyle/>
           <a:p>
             <a:r>
-              <a:rPr lang="en-US" sz="4000" b="1" dirty="0"/>
+              <a:rPr lang="en-US" sz="4000" b="1" dirty="0">
+                <a:latin typeface="Arial" panose="020B0604020202020204" pitchFamily="34" charset="0"/>
+                <a:cs typeface="Arial" panose="020B0604020202020204" pitchFamily="34" charset="0"/>
+              </a:rPr>
               <a:t>Put it all together</a:t>
             </a:r>
-            <a:endParaRPr lang="en-GB" sz="4000" b="1" dirty="0"/>
+            <a:endParaRPr lang="en-GB" sz="4000" b="1" dirty="0">
+              <a:latin typeface="Arial" panose="020B0604020202020204" pitchFamily="34" charset="0"/>
+              <a:cs typeface="Arial" panose="020B0604020202020204" pitchFamily="34" charset="0"/>
+            </a:endParaRPr>
           </a:p>
         </p:txBody>
       </p:sp>
@@ -8097,8 +8194,8 @@
         </p:nvSpPr>
         <p:spPr>
           <a:xfrm>
-            <a:off x="3045368" y="2043663"/>
-            <a:ext cx="6105194" cy="2031055"/>
+            <a:off x="3045368" y="866899"/>
+            <a:ext cx="6105194" cy="3207819"/>
           </a:xfrm>
         </p:spPr>
         <p:txBody>
@@ -8120,15 +8217,42 @@
               <a:t> </a:t>
             </a:r>
             <a:r>
-              <a:rPr lang="en-US" sz="6000" b="1" kern="1200" dirty="0">
+              <a:rPr lang="en-GB" b="1" dirty="0">
                 <a:solidFill>
                   <a:srgbClr val="FFFFFF"/>
                 </a:solidFill>
                 <a:latin typeface="Arial" panose="020B0604020202020204" pitchFamily="34" charset="0"/>
                 <a:cs typeface="Arial" panose="020B0604020202020204" pitchFamily="34" charset="0"/>
               </a:rPr>
-              <a:t>Live Demo</a:t>
-            </a:r>
+              <a:t>Demonstration Of A Simple NodeJS </a:t>
+            </a:r>
+            <a:r>
+              <a:rPr lang="en-GB" b="1" dirty="0" err="1">
+                <a:solidFill>
+                  <a:srgbClr val="FFFFFF"/>
+                </a:solidFill>
+                <a:latin typeface="Arial" panose="020B0604020202020204" pitchFamily="34" charset="0"/>
+                <a:cs typeface="Arial" panose="020B0604020202020204" pitchFamily="34" charset="0"/>
+              </a:rPr>
+              <a:t>GraphQL</a:t>
+            </a:r>
+            <a:r>
+              <a:rPr lang="en-GB" b="1" dirty="0">
+                <a:solidFill>
+                  <a:srgbClr val="FFFFFF"/>
+                </a:solidFill>
+                <a:latin typeface="Arial" panose="020B0604020202020204" pitchFamily="34" charset="0"/>
+                <a:cs typeface="Arial" panose="020B0604020202020204" pitchFamily="34" charset="0"/>
+              </a:rPr>
+              <a:t> Server</a:t>
+            </a:r>
+            <a:endParaRPr lang="en-US" b="1" kern="1200" dirty="0">
+              <a:solidFill>
+                <a:srgbClr val="FFFFFF"/>
+              </a:solidFill>
+              <a:latin typeface="Arial" panose="020B0604020202020204" pitchFamily="34" charset="0"/>
+              <a:cs typeface="Arial" panose="020B0604020202020204" pitchFamily="34" charset="0"/>
+            </a:endParaRPr>
           </a:p>
         </p:txBody>
       </p:sp>
@@ -8186,18 +8310,18 @@
           <a:lstStyle/>
           <a:p>
             <a:r>
-              <a:rPr lang="en-GB" sz="4000" dirty="0" err="1">
+              <a:rPr lang="en-GB" sz="4000" b="1" dirty="0" err="1">
                 <a:latin typeface="Arial" panose="020B0604020202020204" pitchFamily="34" charset="0"/>
                 <a:cs typeface="Arial" panose="020B0604020202020204" pitchFamily="34" charset="0"/>
               </a:rPr>
               <a:t>GraphQL</a:t>
             </a:r>
             <a:r>
-              <a:rPr lang="en-GB" sz="4000" dirty="0">
-                <a:latin typeface="Arial" panose="020B0604020202020204" pitchFamily="34" charset="0"/>
-                <a:cs typeface="Arial" panose="020B0604020202020204" pitchFamily="34" charset="0"/>
-              </a:rPr>
-              <a:t> Advantages</a:t>
+              <a:rPr lang="en-GB" sz="4000" b="1" dirty="0">
+                <a:latin typeface="Arial" panose="020B0604020202020204" pitchFamily="34" charset="0"/>
+                <a:cs typeface="Arial" panose="020B0604020202020204" pitchFamily="34" charset="0"/>
+              </a:rPr>
+              <a:t> Pros</a:t>
             </a:r>
           </a:p>
         </p:txBody>
@@ -8261,7 +8385,7 @@
           <a:lstStyle/>
           <a:p>
             <a:r>
-              <a:rPr lang="en-GB" sz="4000" dirty="0">
+              <a:rPr lang="en-GB" sz="4000" b="1" dirty="0">
                 <a:latin typeface="Arial" panose="020B0604020202020204" pitchFamily="34" charset="0"/>
                 <a:cs typeface="Arial" panose="020B0604020202020204" pitchFamily="34" charset="0"/>
               </a:rPr>
@@ -8304,7 +8428,7 @@
             </a:pPr>
             <a:r>
               <a:rPr lang="en-GB" dirty="0"/>
-              <a:t>Imagine we have build an API that lets us:</a:t>
+              <a:t>Imagine we have to build an API that lets us:</a:t>
             </a:r>
           </a:p>
           <a:p>
@@ -8319,7 +8443,7 @@
           <a:p>
             <a:r>
               <a:rPr lang="en-GB" dirty="0"/>
-              <a:t>Retrieve user name </a:t>
+              <a:t>Retrieve user’s name </a:t>
             </a:r>
           </a:p>
           <a:p>
@@ -8432,7 +8556,10 @@
           <a:lstStyle/>
           <a:p>
             <a:r>
-              <a:rPr lang="en-GB" sz="4000" b="1" dirty="0"/>
+              <a:rPr lang="en-GB" sz="4000" b="1" dirty="0">
+                <a:latin typeface="Arial" panose="020B0604020202020204" pitchFamily="34" charset="0"/>
+                <a:cs typeface="Arial" panose="020B0604020202020204" pitchFamily="34" charset="0"/>
+              </a:rPr>
               <a:t>Blogging App With REST</a:t>
             </a:r>
           </a:p>
@@ -8873,10 +9000,17 @@
           <a:p>
             <a:r>
               <a:rPr lang="en-GB" b="1" dirty="0">
+                <a:latin typeface="Arial" panose="020B0604020202020204" pitchFamily="34" charset="0"/>
+                <a:cs typeface="Arial" panose="020B0604020202020204" pitchFamily="34" charset="0"/>
+              </a:rPr>
+              <a:t>Agenda</a:t>
+            </a:r>
+            <a:r>
+              <a:rPr lang="en-GB" b="1" dirty="0">
                 <a:latin typeface="Arial Black" panose="020B0A04020102020204" pitchFamily="34" charset="0"/>
                 <a:cs typeface="Arial" panose="020B0604020202020204" pitchFamily="34" charset="0"/>
               </a:rPr>
-              <a:t>Agenda:</a:t>
+              <a:t>:</a:t>
             </a:r>
           </a:p>
         </p:txBody>
@@ -8905,7 +9039,7 @@
         </p:spPr>
         <p:txBody>
           <a:bodyPr>
-            <a:normAutofit lnSpcReduction="10000"/>
+            <a:normAutofit/>
           </a:bodyPr>
           <a:lstStyle/>
           <a:p>
@@ -8941,7 +9075,7 @@
                 <a:latin typeface="Arial" panose="020B0604020202020204" pitchFamily="34" charset="0"/>
                 <a:cs typeface="Arial" panose="020B0604020202020204" pitchFamily="34" charset="0"/>
               </a:rPr>
-              <a:t>Advantages Of GraphQL Over REST</a:t>
+              <a:t>Fundamental Language Constructs</a:t>
             </a:r>
           </a:p>
           <a:p>
@@ -8964,7 +9098,21 @@
                 <a:latin typeface="Arial" panose="020B0604020202020204" pitchFamily="34" charset="0"/>
                 <a:cs typeface="Arial" panose="020B0604020202020204" pitchFamily="34" charset="0"/>
               </a:rPr>
-              <a:t>Some Disadvantages</a:t>
+              <a:t>Demonstration Of A Simple NodeJS </a:t>
+            </a:r>
+            <a:r>
+              <a:rPr lang="en-GB" b="1" dirty="0" err="1">
+                <a:latin typeface="Arial" panose="020B0604020202020204" pitchFamily="34" charset="0"/>
+                <a:cs typeface="Arial" panose="020B0604020202020204" pitchFamily="34" charset="0"/>
+              </a:rPr>
+              <a:t>GraphQL</a:t>
+            </a:r>
+            <a:r>
+              <a:rPr lang="en-GB" b="1" dirty="0">
+                <a:latin typeface="Arial" panose="020B0604020202020204" pitchFamily="34" charset="0"/>
+                <a:cs typeface="Arial" panose="020B0604020202020204" pitchFamily="34" charset="0"/>
+              </a:rPr>
+              <a:t> Server</a:t>
             </a:r>
           </a:p>
           <a:p>
@@ -8983,11 +9131,18 @@
               <a:buAutoNum type="arabicPeriod"/>
             </a:pPr>
             <a:r>
+              <a:rPr lang="en-GB" b="1" dirty="0" err="1">
+                <a:latin typeface="Arial" panose="020B0604020202020204" pitchFamily="34" charset="0"/>
+                <a:cs typeface="Arial" panose="020B0604020202020204" pitchFamily="34" charset="0"/>
+              </a:rPr>
+              <a:t>GraphQL</a:t>
+            </a:r>
+            <a:r>
               <a:rPr lang="en-GB" b="1" dirty="0">
                 <a:latin typeface="Arial" panose="020B0604020202020204" pitchFamily="34" charset="0"/>
                 <a:cs typeface="Arial" panose="020B0604020202020204" pitchFamily="34" charset="0"/>
               </a:rPr>
-              <a:t>Demonstration Of A Simple NodeJS GraphQL Server Built Using Express.js</a:t>
+              <a:t> Pros &amp; Cons</a:t>
             </a:r>
           </a:p>
           <a:p>
@@ -9051,6 +9206,281 @@
   <p:clrMapOvr>
     <a:masterClrMapping/>
   </p:clrMapOvr>
+  <p:timing>
+    <p:tnLst>
+      <p:par>
+        <p:cTn id="1" dur="indefinite" restart="never" nodeType="tmRoot">
+          <p:childTnLst>
+            <p:seq concurrent="1" nextAc="seek">
+              <p:cTn id="2" dur="indefinite" nodeType="mainSeq">
+                <p:childTnLst>
+                  <p:par>
+                    <p:cTn id="3" fill="hold">
+                      <p:stCondLst>
+                        <p:cond delay="indefinite"/>
+                      </p:stCondLst>
+                      <p:childTnLst>
+                        <p:par>
+                          <p:cTn id="4" fill="hold">
+                            <p:stCondLst>
+                              <p:cond delay="0"/>
+                            </p:stCondLst>
+                            <p:childTnLst>
+                              <p:par>
+                                <p:cTn id="5" presetID="1" presetClass="entr" presetSubtype="0" fill="hold" nodeType="clickEffect">
+                                  <p:stCondLst>
+                                    <p:cond delay="0"/>
+                                  </p:stCondLst>
+                                  <p:childTnLst>
+                                    <p:set>
+                                      <p:cBhvr>
+                                        <p:cTn id="6" dur="1" fill="hold">
+                                          <p:stCondLst>
+                                            <p:cond delay="0"/>
+                                          </p:stCondLst>
+                                        </p:cTn>
+                                        <p:tgtEl>
+                                          <p:spTgt spid="3">
+                                            <p:txEl>
+                                              <p:pRg st="0" end="0"/>
+                                            </p:txEl>
+                                          </p:spTgt>
+                                        </p:tgtEl>
+                                        <p:attrNameLst>
+                                          <p:attrName>style.visibility</p:attrName>
+                                        </p:attrNameLst>
+                                      </p:cBhvr>
+                                      <p:to>
+                                        <p:strVal val="visible"/>
+                                      </p:to>
+                                    </p:set>
+                                  </p:childTnLst>
+                                </p:cTn>
+                              </p:par>
+                            </p:childTnLst>
+                          </p:cTn>
+                        </p:par>
+                      </p:childTnLst>
+                    </p:cTn>
+                  </p:par>
+                  <p:par>
+                    <p:cTn id="7" fill="hold">
+                      <p:stCondLst>
+                        <p:cond delay="indefinite"/>
+                      </p:stCondLst>
+                      <p:childTnLst>
+                        <p:par>
+                          <p:cTn id="8" fill="hold">
+                            <p:stCondLst>
+                              <p:cond delay="0"/>
+                            </p:stCondLst>
+                            <p:childTnLst>
+                              <p:par>
+                                <p:cTn id="9" presetID="1" presetClass="entr" presetSubtype="0" fill="hold" nodeType="clickEffect">
+                                  <p:stCondLst>
+                                    <p:cond delay="0"/>
+                                  </p:stCondLst>
+                                  <p:childTnLst>
+                                    <p:set>
+                                      <p:cBhvr>
+                                        <p:cTn id="10" dur="1" fill="hold">
+                                          <p:stCondLst>
+                                            <p:cond delay="0"/>
+                                          </p:stCondLst>
+                                        </p:cTn>
+                                        <p:tgtEl>
+                                          <p:spTgt spid="3">
+                                            <p:txEl>
+                                              <p:pRg st="2" end="2"/>
+                                            </p:txEl>
+                                          </p:spTgt>
+                                        </p:tgtEl>
+                                        <p:attrNameLst>
+                                          <p:attrName>style.visibility</p:attrName>
+                                        </p:attrNameLst>
+                                      </p:cBhvr>
+                                      <p:to>
+                                        <p:strVal val="visible"/>
+                                      </p:to>
+                                    </p:set>
+                                  </p:childTnLst>
+                                </p:cTn>
+                              </p:par>
+                            </p:childTnLst>
+                          </p:cTn>
+                        </p:par>
+                      </p:childTnLst>
+                    </p:cTn>
+                  </p:par>
+                  <p:par>
+                    <p:cTn id="11" fill="hold">
+                      <p:stCondLst>
+                        <p:cond delay="indefinite"/>
+                      </p:stCondLst>
+                      <p:childTnLst>
+                        <p:par>
+                          <p:cTn id="12" fill="hold">
+                            <p:stCondLst>
+                              <p:cond delay="0"/>
+                            </p:stCondLst>
+                            <p:childTnLst>
+                              <p:par>
+                                <p:cTn id="13" presetID="1" presetClass="entr" presetSubtype="0" fill="hold" nodeType="clickEffect">
+                                  <p:stCondLst>
+                                    <p:cond delay="0"/>
+                                  </p:stCondLst>
+                                  <p:childTnLst>
+                                    <p:set>
+                                      <p:cBhvr>
+                                        <p:cTn id="14" dur="1" fill="hold">
+                                          <p:stCondLst>
+                                            <p:cond delay="0"/>
+                                          </p:stCondLst>
+                                        </p:cTn>
+                                        <p:tgtEl>
+                                          <p:spTgt spid="3">
+                                            <p:txEl>
+                                              <p:pRg st="4" end="4"/>
+                                            </p:txEl>
+                                          </p:spTgt>
+                                        </p:tgtEl>
+                                        <p:attrNameLst>
+                                          <p:attrName>style.visibility</p:attrName>
+                                        </p:attrNameLst>
+                                      </p:cBhvr>
+                                      <p:to>
+                                        <p:strVal val="visible"/>
+                                      </p:to>
+                                    </p:set>
+                                  </p:childTnLst>
+                                </p:cTn>
+                              </p:par>
+                            </p:childTnLst>
+                          </p:cTn>
+                        </p:par>
+                      </p:childTnLst>
+                    </p:cTn>
+                  </p:par>
+                  <p:par>
+                    <p:cTn id="15" fill="hold">
+                      <p:stCondLst>
+                        <p:cond delay="indefinite"/>
+                      </p:stCondLst>
+                      <p:childTnLst>
+                        <p:par>
+                          <p:cTn id="16" fill="hold">
+                            <p:stCondLst>
+                              <p:cond delay="0"/>
+                            </p:stCondLst>
+                            <p:childTnLst>
+                              <p:par>
+                                <p:cTn id="17" presetID="1" presetClass="entr" presetSubtype="0" fill="hold" nodeType="clickEffect">
+                                  <p:stCondLst>
+                                    <p:cond delay="0"/>
+                                  </p:stCondLst>
+                                  <p:childTnLst>
+                                    <p:set>
+                                      <p:cBhvr>
+                                        <p:cTn id="18" dur="1" fill="hold">
+                                          <p:stCondLst>
+                                            <p:cond delay="0"/>
+                                          </p:stCondLst>
+                                        </p:cTn>
+                                        <p:tgtEl>
+                                          <p:spTgt spid="3">
+                                            <p:txEl>
+                                              <p:pRg st="6" end="6"/>
+                                            </p:txEl>
+                                          </p:spTgt>
+                                        </p:tgtEl>
+                                        <p:attrNameLst>
+                                          <p:attrName>style.visibility</p:attrName>
+                                        </p:attrNameLst>
+                                      </p:cBhvr>
+                                      <p:to>
+                                        <p:strVal val="visible"/>
+                                      </p:to>
+                                    </p:set>
+                                  </p:childTnLst>
+                                </p:cTn>
+                              </p:par>
+                            </p:childTnLst>
+                          </p:cTn>
+                        </p:par>
+                      </p:childTnLst>
+                    </p:cTn>
+                  </p:par>
+                  <p:par>
+                    <p:cTn id="19" fill="hold">
+                      <p:stCondLst>
+                        <p:cond delay="indefinite"/>
+                      </p:stCondLst>
+                      <p:childTnLst>
+                        <p:par>
+                          <p:cTn id="20" fill="hold">
+                            <p:stCondLst>
+                              <p:cond delay="0"/>
+                            </p:stCondLst>
+                            <p:childTnLst>
+                              <p:par>
+                                <p:cTn id="21" presetID="1" presetClass="entr" presetSubtype="0" fill="hold" nodeType="clickEffect">
+                                  <p:stCondLst>
+                                    <p:cond delay="0"/>
+                                  </p:stCondLst>
+                                  <p:childTnLst>
+                                    <p:set>
+                                      <p:cBhvr>
+                                        <p:cTn id="22" dur="1" fill="hold">
+                                          <p:stCondLst>
+                                            <p:cond delay="0"/>
+                                          </p:stCondLst>
+                                        </p:cTn>
+                                        <p:tgtEl>
+                                          <p:spTgt spid="3">
+                                            <p:txEl>
+                                              <p:pRg st="8" end="8"/>
+                                            </p:txEl>
+                                          </p:spTgt>
+                                        </p:tgtEl>
+                                        <p:attrNameLst>
+                                          <p:attrName>style.visibility</p:attrName>
+                                        </p:attrNameLst>
+                                      </p:cBhvr>
+                                      <p:to>
+                                        <p:strVal val="visible"/>
+                                      </p:to>
+                                    </p:set>
+                                  </p:childTnLst>
+                                </p:cTn>
+                              </p:par>
+                            </p:childTnLst>
+                          </p:cTn>
+                        </p:par>
+                      </p:childTnLst>
+                    </p:cTn>
+                  </p:par>
+                </p:childTnLst>
+              </p:cTn>
+              <p:prevCondLst>
+                <p:cond evt="onPrev" delay="0">
+                  <p:tgtEl>
+                    <p:sldTgt/>
+                  </p:tgtEl>
+                </p:cond>
+              </p:prevCondLst>
+              <p:nextCondLst>
+                <p:cond evt="onNext" delay="0">
+                  <p:tgtEl>
+                    <p:sldTgt/>
+                  </p:tgtEl>
+                </p:cond>
+              </p:nextCondLst>
+            </p:seq>
+          </p:childTnLst>
+        </p:cTn>
+      </p:par>
+    </p:tnLst>
+  </p:timing>
 </p:sld>
 </file>
 
@@ -9270,7 +9700,7 @@
                 <a:latin typeface="Arial" panose="020B0604020202020204" pitchFamily="34" charset="0"/>
                 <a:cs typeface="Arial" panose="020B0604020202020204" pitchFamily="34" charset="0"/>
               </a:rPr>
-              <a:t>You are </a:t>
+              <a:t>You are also </a:t>
             </a:r>
             <a:r>
               <a:rPr lang="en-GB" b="1" dirty="0" err="1">
@@ -11006,7 +11436,7 @@
                             </p:stCondLst>
                             <p:childTnLst>
                               <p:par>
-                                <p:cTn id="5" presetID="1" presetClass="entr" presetSubtype="0" fill="hold" grpId="0" nodeType="clickEffect">
+                                <p:cTn id="5" presetID="1" presetClass="entr" presetSubtype="0" fill="hold" nodeType="clickEffect">
                                   <p:stCondLst>
                                     <p:cond delay="0"/>
                                   </p:stCondLst>
@@ -11019,7 +11449,11 @@
                                           </p:stCondLst>
                                         </p:cTn>
                                         <p:tgtEl>
-                                          <p:spTgt spid="2"/>
+                                          <p:spTgt spid="3">
+                                            <p:txEl>
+                                              <p:pRg st="0" end="0"/>
+                                            </p:txEl>
+                                          </p:spTgt>
                                         </p:tgtEl>
                                         <p:attrNameLst>
                                           <p:attrName>style.visibility</p:attrName>
@@ -11066,7 +11500,7 @@
                                         <p:tgtEl>
                                           <p:spTgt spid="3">
                                             <p:txEl>
-                                              <p:pRg st="0" end="0"/>
+                                              <p:pRg st="2" end="2"/>
                                             </p:txEl>
                                           </p:spTgt>
                                         </p:tgtEl>
@@ -11115,7 +11549,7 @@
                                         <p:tgtEl>
                                           <p:spTgt spid="3">
                                             <p:txEl>
-                                              <p:pRg st="2" end="2"/>
+                                              <p:pRg st="4" end="4"/>
                                             </p:txEl>
                                           </p:spTgt>
                                         </p:tgtEl>
@@ -11157,55 +11591,6 @@
                                     <p:set>
                                       <p:cBhvr>
                                         <p:cTn id="18" dur="1" fill="hold">
-                                          <p:stCondLst>
-                                            <p:cond delay="0"/>
-                                          </p:stCondLst>
-                                        </p:cTn>
-                                        <p:tgtEl>
-                                          <p:spTgt spid="3">
-                                            <p:txEl>
-                                              <p:pRg st="4" end="4"/>
-                                            </p:txEl>
-                                          </p:spTgt>
-                                        </p:tgtEl>
-                                        <p:attrNameLst>
-                                          <p:attrName>style.visibility</p:attrName>
-                                        </p:attrNameLst>
-                                      </p:cBhvr>
-                                      <p:to>
-                                        <p:strVal val="visible"/>
-                                      </p:to>
-                                    </p:set>
-                                  </p:childTnLst>
-                                </p:cTn>
-                              </p:par>
-                            </p:childTnLst>
-                          </p:cTn>
-                        </p:par>
-                      </p:childTnLst>
-                    </p:cTn>
-                  </p:par>
-                  <p:par>
-                    <p:cTn id="19" fill="hold">
-                      <p:stCondLst>
-                        <p:cond delay="indefinite"/>
-                      </p:stCondLst>
-                      <p:childTnLst>
-                        <p:par>
-                          <p:cTn id="20" fill="hold">
-                            <p:stCondLst>
-                              <p:cond delay="0"/>
-                            </p:stCondLst>
-                            <p:childTnLst>
-                              <p:par>
-                                <p:cTn id="21" presetID="1" presetClass="entr" presetSubtype="0" fill="hold" nodeType="clickEffect">
-                                  <p:stCondLst>
-                                    <p:cond delay="0"/>
-                                  </p:stCondLst>
-                                  <p:childTnLst>
-                                    <p:set>
-                                      <p:cBhvr>
-                                        <p:cTn id="22" dur="1" fill="hold">
                                           <p:stCondLst>
                                             <p:cond delay="0"/>
                                           </p:stCondLst>
@@ -11255,9 +11640,6 @@
         </p:cTn>
       </p:par>
     </p:tnLst>
-    <p:bldLst>
-      <p:bldP spid="2" grpId="0"/>
-    </p:bldLst>
   </p:timing>
 </p:sld>
 </file>
@@ -11303,7 +11685,7 @@
           <a:lstStyle/>
           <a:p>
             <a:r>
-              <a:rPr lang="en-GB" sz="4000" dirty="0">
+              <a:rPr lang="en-GB" sz="4000" b="1" dirty="0">
                 <a:latin typeface="Arial" panose="020B0604020202020204" pitchFamily="34" charset="0"/>
                 <a:cs typeface="Arial" panose="020B0604020202020204" pitchFamily="34" charset="0"/>
               </a:rPr>
@@ -11366,7 +11748,7 @@
           <a:lstStyle/>
           <a:p>
             <a:r>
-              <a:rPr lang="en-GB" sz="4000" dirty="0">
+              <a:rPr lang="en-GB" sz="4000" b="1" dirty="0">
                 <a:latin typeface="Arial" panose="020B0604020202020204" pitchFamily="34" charset="0"/>
                 <a:cs typeface="Arial" panose="020B0604020202020204" pitchFamily="34" charset="0"/>
               </a:rPr>
@@ -11904,42 +12286,10 @@
             </a:endParaRPr>
           </a:p>
           <a:p>
-            <a:r>
-              <a:rPr lang="en-GB" b="1" dirty="0">
-                <a:latin typeface="Arial" panose="020B0604020202020204" pitchFamily="34" charset="0"/>
-                <a:cs typeface="Arial" panose="020B0604020202020204" pitchFamily="34" charset="0"/>
-              </a:rPr>
-              <a:t>Nodes</a:t>
-            </a:r>
-            <a:r>
-              <a:rPr lang="en-GB" dirty="0">
-                <a:latin typeface="Arial" panose="020B0604020202020204" pitchFamily="34" charset="0"/>
-                <a:cs typeface="Arial" panose="020B0604020202020204" pitchFamily="34" charset="0"/>
-              </a:rPr>
-              <a:t>: Represent Objects</a:t>
-            </a:r>
-          </a:p>
-          <a:p>
             <a:endParaRPr lang="en-GB" dirty="0">
               <a:latin typeface="Arial" panose="020B0604020202020204" pitchFamily="34" charset="0"/>
               <a:cs typeface="Arial" panose="020B0604020202020204" pitchFamily="34" charset="0"/>
             </a:endParaRPr>
-          </a:p>
-          <a:p>
-            <a:r>
-              <a:rPr lang="en-GB" b="1" dirty="0">
-                <a:latin typeface="Arial" panose="020B0604020202020204" pitchFamily="34" charset="0"/>
-                <a:cs typeface="Arial" panose="020B0604020202020204" pitchFamily="34" charset="0"/>
-              </a:rPr>
-              <a:t>Edges</a:t>
-            </a:r>
-            <a:r>
-              <a:rPr lang="en-GB" dirty="0">
-                <a:latin typeface="Arial" panose="020B0604020202020204" pitchFamily="34" charset="0"/>
-                <a:cs typeface="Arial" panose="020B0604020202020204" pitchFamily="34" charset="0"/>
-              </a:rPr>
-              <a:t>: Represent relationship between these Object </a:t>
-            </a:r>
           </a:p>
         </p:txBody>
       </p:sp>
@@ -11974,7 +12324,7 @@
                             </p:stCondLst>
                             <p:childTnLst>
                               <p:par>
-                                <p:cTn id="5" presetID="1" presetClass="entr" presetSubtype="0" fill="hold" grpId="0" nodeType="clickEffect">
+                                <p:cTn id="5" presetID="1" presetClass="entr" presetSubtype="0" fill="hold" nodeType="clickEffect">
                                   <p:stCondLst>
                                     <p:cond delay="0"/>
                                   </p:stCondLst>
@@ -11987,152 +12337,9 @@
                                           </p:stCondLst>
                                         </p:cTn>
                                         <p:tgtEl>
-                                          <p:spTgt spid="2"/>
-                                        </p:tgtEl>
-                                        <p:attrNameLst>
-                                          <p:attrName>style.visibility</p:attrName>
-                                        </p:attrNameLst>
-                                      </p:cBhvr>
-                                      <p:to>
-                                        <p:strVal val="visible"/>
-                                      </p:to>
-                                    </p:set>
-                                  </p:childTnLst>
-                                </p:cTn>
-                              </p:par>
-                            </p:childTnLst>
-                          </p:cTn>
-                        </p:par>
-                      </p:childTnLst>
-                    </p:cTn>
-                  </p:par>
-                  <p:par>
-                    <p:cTn id="7" fill="hold">
-                      <p:stCondLst>
-                        <p:cond delay="indefinite"/>
-                      </p:stCondLst>
-                      <p:childTnLst>
-                        <p:par>
-                          <p:cTn id="8" fill="hold">
-                            <p:stCondLst>
-                              <p:cond delay="0"/>
-                            </p:stCondLst>
-                            <p:childTnLst>
-                              <p:par>
-                                <p:cTn id="9" presetID="1" presetClass="entr" presetSubtype="0" fill="hold" nodeType="clickEffect">
-                                  <p:stCondLst>
-                                    <p:cond delay="0"/>
-                                  </p:stCondLst>
-                                  <p:childTnLst>
-                                    <p:set>
-                                      <p:cBhvr>
-                                        <p:cTn id="10" dur="1" fill="hold">
-                                          <p:stCondLst>
-                                            <p:cond delay="0"/>
-                                          </p:stCondLst>
-                                        </p:cTn>
-                                        <p:tgtEl>
                                           <p:spTgt spid="3">
                                             <p:txEl>
                                               <p:pRg st="0" end="0"/>
-                                            </p:txEl>
-                                          </p:spTgt>
-                                        </p:tgtEl>
-                                        <p:attrNameLst>
-                                          <p:attrName>style.visibility</p:attrName>
-                                        </p:attrNameLst>
-                                      </p:cBhvr>
-                                      <p:to>
-                                        <p:strVal val="visible"/>
-                                      </p:to>
-                                    </p:set>
-                                  </p:childTnLst>
-                                </p:cTn>
-                              </p:par>
-                            </p:childTnLst>
-                          </p:cTn>
-                        </p:par>
-                      </p:childTnLst>
-                    </p:cTn>
-                  </p:par>
-                  <p:par>
-                    <p:cTn id="11" fill="hold">
-                      <p:stCondLst>
-                        <p:cond delay="indefinite"/>
-                      </p:stCondLst>
-                      <p:childTnLst>
-                        <p:par>
-                          <p:cTn id="12" fill="hold">
-                            <p:stCondLst>
-                              <p:cond delay="0"/>
-                            </p:stCondLst>
-                            <p:childTnLst>
-                              <p:par>
-                                <p:cTn id="13" presetID="1" presetClass="entr" presetSubtype="0" fill="hold" nodeType="clickEffect">
-                                  <p:stCondLst>
-                                    <p:cond delay="0"/>
-                                  </p:stCondLst>
-                                  <p:childTnLst>
-                                    <p:set>
-                                      <p:cBhvr>
-                                        <p:cTn id="14" dur="1" fill="hold">
-                                          <p:stCondLst>
-                                            <p:cond delay="0"/>
-                                          </p:stCondLst>
-                                        </p:cTn>
-                                        <p:tgtEl>
-                                          <p:spTgt spid="3">
-                                            <p:txEl>
-                                              <p:pRg st="2" end="2"/>
-                                            </p:txEl>
-                                          </p:spTgt>
-                                        </p:tgtEl>
-                                        <p:attrNameLst>
-                                          <p:attrName>style.visibility</p:attrName>
-                                        </p:attrNameLst>
-                                      </p:cBhvr>
-                                      <p:to>
-                                        <p:strVal val="visible"/>
-                                      </p:to>
-                                    </p:set>
-                                  </p:childTnLst>
-                                </p:cTn>
-                              </p:par>
-                            </p:childTnLst>
-                          </p:cTn>
-                        </p:par>
-                      </p:childTnLst>
-                    </p:cTn>
-                  </p:par>
-                  <p:par>
-                    <p:cTn id="15" fill="hold">
-                      <p:stCondLst>
-                        <p:cond delay="indefinite"/>
-                      </p:stCondLst>
-                      <p:childTnLst>
-                        <p:par>
-                          <p:cTn id="16" fill="hold">
-                            <p:stCondLst>
-                              <p:cond delay="0"/>
-                            </p:stCondLst>
-                            <p:childTnLst>
-                              <p:par>
-                                <p:cTn id="17" presetID="1" presetClass="entr" presetSubtype="0" fill="hold" nodeType="clickEffect">
-                                  <p:stCondLst>
-                                    <p:cond delay="0"/>
-                                  </p:stCondLst>
-                                  <p:childTnLst>
-                                    <p:set>
-                                      <p:cBhvr>
-                                        <p:cTn id="18" dur="1" fill="hold">
-                                          <p:stCondLst>
-                                            <p:cond delay="0"/>
-                                          </p:stCondLst>
-                                        </p:cTn>
-                                        <p:tgtEl>
-                                          <p:spTgt spid="3">
-                                            <p:txEl>
-                                              <p:pRg st="4" end="4"/>
                                             </p:txEl>
                                           </p:spTgt>
                                         </p:tgtEl>
@@ -12174,9 +12381,6 @@
         </p:cTn>
       </p:par>
     </p:tnLst>
-    <p:bldLst>
-      <p:bldP spid="2" grpId="0"/>
-    </p:bldLst>
   </p:timing>
 </p:sld>
 </file>
@@ -12242,7 +12446,7 @@
                 <a:latin typeface="Arial" panose="020B0604020202020204" pitchFamily="34" charset="0"/>
                 <a:cs typeface="Arial" panose="020B0604020202020204" pitchFamily="34" charset="0"/>
               </a:rPr>
-              <a:t>A Data Graph representation of an extract of data for a Book Application</a:t>
+              <a:t>Extract Of Data From A Book Application</a:t>
             </a:r>
             <a:r>
               <a:rPr lang="en-GB" dirty="0">
@@ -12300,8 +12504,8 @@
         </p:blipFill>
         <p:spPr>
           <a:xfrm>
-            <a:off x="838200" y="1730274"/>
-            <a:ext cx="9153294" cy="4405023"/>
+            <a:off x="500324" y="1780818"/>
+            <a:ext cx="7617031" cy="3665696"/>
           </a:xfrm>
         </p:spPr>
       </p:pic>
@@ -12346,6 +12550,174 @@
           </a:p>
         </p:txBody>
       </p:sp>
+      <p:sp>
+        <p:nvSpPr>
+          <p:cNvPr id="3" name="Rectangle 2">
+            <a:extLst>
+              <a:ext uri="{FF2B5EF4-FFF2-40B4-BE49-F238E27FC236}">
+                <a16:creationId xmlns:a16="http://schemas.microsoft.com/office/drawing/2014/main" id="{090281AF-D021-49B6-A5D5-FE2FCFDF9787}"/>
+              </a:ext>
+            </a:extLst>
+          </p:cNvPr>
+          <p:cNvSpPr/>
+          <p:nvPr/>
+        </p:nvSpPr>
+        <p:spPr>
+          <a:xfrm>
+            <a:off x="8847236" y="3059668"/>
+            <a:ext cx="2941831" cy="369332"/>
+          </a:xfrm>
+          <a:prstGeom prst="rect">
+            <a:avLst/>
+          </a:prstGeom>
+        </p:spPr>
+        <p:txBody>
+          <a:bodyPr wrap="none">
+            <a:spAutoFit/>
+          </a:bodyPr>
+          <a:lstStyle/>
+          <a:p>
+            <a:r>
+              <a:rPr lang="en-GB" b="1" dirty="0">
+                <a:latin typeface="Arial" panose="020B0604020202020204" pitchFamily="34" charset="0"/>
+                <a:cs typeface="Arial" panose="020B0604020202020204" pitchFamily="34" charset="0"/>
+              </a:rPr>
+              <a:t>Nodes: </a:t>
+            </a:r>
+            <a:r>
+              <a:rPr lang="en-GB" dirty="0">
+                <a:latin typeface="Arial" panose="020B0604020202020204" pitchFamily="34" charset="0"/>
+                <a:cs typeface="Arial" panose="020B0604020202020204" pitchFamily="34" charset="0"/>
+              </a:rPr>
+              <a:t>Represent Objects</a:t>
+            </a:r>
+          </a:p>
+        </p:txBody>
+      </p:sp>
+      <p:sp>
+        <p:nvSpPr>
+          <p:cNvPr id="4" name="Rectangle 3">
+            <a:extLst>
+              <a:ext uri="{FF2B5EF4-FFF2-40B4-BE49-F238E27FC236}">
+                <a16:creationId xmlns:a16="http://schemas.microsoft.com/office/drawing/2014/main" id="{16B25C57-3966-4B7A-A5B0-BE21E68FC48A}"/>
+              </a:ext>
+            </a:extLst>
+          </p:cNvPr>
+          <p:cNvSpPr/>
+          <p:nvPr/>
+        </p:nvSpPr>
+        <p:spPr>
+          <a:xfrm>
+            <a:off x="1869913" y="5714818"/>
+            <a:ext cx="5673348" cy="369332"/>
+          </a:xfrm>
+          <a:prstGeom prst="rect">
+            <a:avLst/>
+          </a:prstGeom>
+        </p:spPr>
+        <p:txBody>
+          <a:bodyPr wrap="none">
+            <a:spAutoFit/>
+          </a:bodyPr>
+          <a:lstStyle/>
+          <a:p>
+            <a:r>
+              <a:rPr lang="en-GB" b="1" dirty="0">
+                <a:latin typeface="Arial" panose="020B0604020202020204" pitchFamily="34" charset="0"/>
+                <a:cs typeface="Arial" panose="020B0604020202020204" pitchFamily="34" charset="0"/>
+              </a:rPr>
+              <a:t>Edges</a:t>
+            </a:r>
+            <a:r>
+              <a:rPr lang="en-GB" dirty="0">
+                <a:latin typeface="Arial" panose="020B0604020202020204" pitchFamily="34" charset="0"/>
+                <a:cs typeface="Arial" panose="020B0604020202020204" pitchFamily="34" charset="0"/>
+              </a:rPr>
+              <a:t>: Represent relationship between these Object </a:t>
+            </a:r>
+          </a:p>
+        </p:txBody>
+      </p:sp>
+      <p:cxnSp>
+        <p:nvCxnSpPr>
+          <p:cNvPr id="8" name="Straight Arrow Connector 7">
+            <a:extLst>
+              <a:ext uri="{FF2B5EF4-FFF2-40B4-BE49-F238E27FC236}">
+                <a16:creationId xmlns:a16="http://schemas.microsoft.com/office/drawing/2014/main" id="{92A6945B-8DDA-41DB-A4B5-97D737B80545}"/>
+              </a:ext>
+            </a:extLst>
+          </p:cNvPr>
+          <p:cNvCxnSpPr>
+            <a:stCxn id="3" idx="1"/>
+          </p:cNvCxnSpPr>
+          <p:nvPr/>
+        </p:nvCxnSpPr>
+        <p:spPr>
+          <a:xfrm flipH="1" flipV="1">
+            <a:off x="7165075" y="3230088"/>
+            <a:ext cx="1682161" cy="14246"/>
+          </a:xfrm>
+          <a:prstGeom prst="straightConnector1">
+            <a:avLst/>
+          </a:prstGeom>
+          <a:ln>
+            <a:tailEnd type="triangle"/>
+          </a:ln>
+        </p:spPr>
+        <p:style>
+          <a:lnRef idx="1">
+            <a:schemeClr val="accent1"/>
+          </a:lnRef>
+          <a:fillRef idx="0">
+            <a:schemeClr val="accent1"/>
+          </a:fillRef>
+          <a:effectRef idx="0">
+            <a:schemeClr val="accent1"/>
+          </a:effectRef>
+          <a:fontRef idx="minor">
+            <a:schemeClr val="tx1"/>
+          </a:fontRef>
+        </p:style>
+      </p:cxnSp>
+      <p:cxnSp>
+        <p:nvCxnSpPr>
+          <p:cNvPr id="10" name="Straight Arrow Connector 9">
+            <a:extLst>
+              <a:ext uri="{FF2B5EF4-FFF2-40B4-BE49-F238E27FC236}">
+                <a16:creationId xmlns:a16="http://schemas.microsoft.com/office/drawing/2014/main" id="{FB111FA6-4D61-4F7C-9726-65B024EC9F7B}"/>
+              </a:ext>
+            </a:extLst>
+          </p:cNvPr>
+          <p:cNvCxnSpPr/>
+          <p:nvPr/>
+        </p:nvCxnSpPr>
+        <p:spPr>
+          <a:xfrm flipV="1">
+            <a:off x="2945081" y="4013860"/>
+            <a:ext cx="736270" cy="1790624"/>
+          </a:xfrm>
+          <a:prstGeom prst="straightConnector1">
+            <a:avLst/>
+          </a:prstGeom>
+          <a:ln>
+            <a:tailEnd type="triangle"/>
+          </a:ln>
+        </p:spPr>
+        <p:style>
+          <a:lnRef idx="1">
+            <a:schemeClr val="accent1"/>
+          </a:lnRef>
+          <a:fillRef idx="0">
+            <a:schemeClr val="accent1"/>
+          </a:fillRef>
+          <a:effectRef idx="0">
+            <a:schemeClr val="accent1"/>
+          </a:effectRef>
+          <a:fontRef idx="minor">
+            <a:schemeClr val="tx1"/>
+          </a:fontRef>
+        </p:style>
+      </p:cxnSp>
     </p:spTree>
     <p:extLst>
       <p:ext uri="{BB962C8B-B14F-4D97-AF65-F5344CB8AC3E}">
@@ -12965,16 +13337,22 @@
               </a:rPr>
             </a:br>
             <a:r>
-              <a:rPr lang="en-GB" dirty="0">
+              <a:rPr lang="en-GB" b="1" dirty="0">
                 <a:latin typeface="Arial" panose="020B0604020202020204" pitchFamily="34" charset="0"/>
                 <a:cs typeface="Arial" panose="020B0604020202020204" pitchFamily="34" charset="0"/>
               </a:rPr>
               <a:t>Fundamental Language Constructs</a:t>
             </a:r>
             <a:br>
-              <a:rPr lang="en-GB" dirty="0"/>
+              <a:rPr lang="en-GB" b="1" dirty="0">
+                <a:latin typeface="Arial" panose="020B0604020202020204" pitchFamily="34" charset="0"/>
+                <a:cs typeface="Arial" panose="020B0604020202020204" pitchFamily="34" charset="0"/>
+              </a:rPr>
             </a:br>
-            <a:endParaRPr lang="en-GB" dirty="0"/>
+            <a:endParaRPr lang="en-GB" b="1" dirty="0">
+              <a:latin typeface="Arial" panose="020B0604020202020204" pitchFamily="34" charset="0"/>
+              <a:cs typeface="Arial" panose="020B0604020202020204" pitchFamily="34" charset="0"/>
+            </a:endParaRPr>
           </a:p>
         </p:txBody>
       </p:sp>
@@ -13312,21 +13690,21 @@
           <a:lstStyle/>
           <a:p>
             <a:r>
-              <a:rPr lang="en-GB" sz="4000" dirty="0">
+              <a:rPr lang="en-GB" sz="4000" b="1" dirty="0">
                 <a:latin typeface="Arial" panose="020B0604020202020204" pitchFamily="34" charset="0"/>
                 <a:cs typeface="Arial" panose="020B0604020202020204" pitchFamily="34" charset="0"/>
               </a:rPr>
               <a:t>The </a:t>
             </a:r>
             <a:r>
-              <a:rPr lang="en-GB" sz="4000" dirty="0" err="1">
+              <a:rPr lang="en-GB" sz="4000" b="1" dirty="0" err="1">
                 <a:latin typeface="Arial" panose="020B0604020202020204" pitchFamily="34" charset="0"/>
                 <a:cs typeface="Arial" panose="020B0604020202020204" pitchFamily="34" charset="0"/>
               </a:rPr>
               <a:t>GraphQL</a:t>
             </a:r>
             <a:r>
-              <a:rPr lang="en-GB" sz="4000" dirty="0">
+              <a:rPr lang="en-GB" sz="4000" b="1" dirty="0">
                 <a:latin typeface="Arial" panose="020B0604020202020204" pitchFamily="34" charset="0"/>
                 <a:cs typeface="Arial" panose="020B0604020202020204" pitchFamily="34" charset="0"/>
               </a:rPr>

--- a/current.pptx
+++ b/current.pptx
@@ -4225,8 +4225,19 @@
                 <a:latin typeface="Arial" panose="020B0604020202020204" pitchFamily="34" charset="0"/>
                 <a:cs typeface="Arial" panose="020B0604020202020204" pitchFamily="34" charset="0"/>
               </a:rPr>
-              <a:t>One of the most common ways to define Schema</a:t>
-            </a:r>
+              <a:t>One of the most common ways to define Schema In </a:t>
+            </a:r>
+            <a:r>
+              <a:rPr lang="en-GB" dirty="0" err="1">
+                <a:latin typeface="Arial" panose="020B0604020202020204" pitchFamily="34" charset="0"/>
+                <a:cs typeface="Arial" panose="020B0604020202020204" pitchFamily="34" charset="0"/>
+              </a:rPr>
+              <a:t>GraphQL</a:t>
+            </a:r>
+            <a:endParaRPr lang="en-GB" dirty="0">
+              <a:latin typeface="Arial" panose="020B0604020202020204" pitchFamily="34" charset="0"/>
+              <a:cs typeface="Arial" panose="020B0604020202020204" pitchFamily="34" charset="0"/>
+            </a:endParaRPr>
           </a:p>
           <a:p>
             <a:r>
@@ -9730,6 +9741,96 @@
           </a:p>
         </p:txBody>
       </p:sp>
+      <p:pic>
+        <p:nvPicPr>
+          <p:cNvPr id="4" name="Content Placeholder 3">
+            <a:extLst>
+              <a:ext uri="{FF2B5EF4-FFF2-40B4-BE49-F238E27FC236}">
+                <a16:creationId xmlns:a16="http://schemas.microsoft.com/office/drawing/2014/main" id="{6091989B-9E71-4130-972D-312352B145EB}"/>
+              </a:ext>
+            </a:extLst>
+          </p:cNvPr>
+          <p:cNvPicPr>
+            <a:picLocks noChangeAspect="1"/>
+          </p:cNvPicPr>
+          <p:nvPr/>
+        </p:nvPicPr>
+        <p:blipFill>
+          <a:blip r:embed="rId2"/>
+          <a:stretch>
+            <a:fillRect/>
+          </a:stretch>
+        </p:blipFill>
+        <p:spPr>
+          <a:xfrm>
+            <a:off x="332506" y="4460231"/>
+            <a:ext cx="3470894" cy="1946495"/>
+          </a:xfrm>
+          <a:prstGeom prst="rect">
+            <a:avLst/>
+          </a:prstGeom>
+        </p:spPr>
+      </p:pic>
+      <p:pic>
+        <p:nvPicPr>
+          <p:cNvPr id="5" name="Picture 4">
+            <a:extLst>
+              <a:ext uri="{FF2B5EF4-FFF2-40B4-BE49-F238E27FC236}">
+                <a16:creationId xmlns:a16="http://schemas.microsoft.com/office/drawing/2014/main" id="{E427FBBA-18BC-498B-B3A2-44E6C4F37C48}"/>
+              </a:ext>
+            </a:extLst>
+          </p:cNvPr>
+          <p:cNvPicPr>
+            <a:picLocks noChangeAspect="1"/>
+          </p:cNvPicPr>
+          <p:nvPr/>
+        </p:nvPicPr>
+        <p:blipFill>
+          <a:blip r:embed="rId3"/>
+          <a:stretch>
+            <a:fillRect/>
+          </a:stretch>
+        </p:blipFill>
+        <p:spPr>
+          <a:xfrm>
+            <a:off x="4355390" y="4501850"/>
+            <a:ext cx="3470894" cy="1952378"/>
+          </a:xfrm>
+          <a:prstGeom prst="rect">
+            <a:avLst/>
+          </a:prstGeom>
+        </p:spPr>
+      </p:pic>
+      <p:pic>
+        <p:nvPicPr>
+          <p:cNvPr id="6" name="Picture 5">
+            <a:extLst>
+              <a:ext uri="{FF2B5EF4-FFF2-40B4-BE49-F238E27FC236}">
+                <a16:creationId xmlns:a16="http://schemas.microsoft.com/office/drawing/2014/main" id="{1E8BF612-AFAD-45A9-9085-8B2B0C4B9052}"/>
+              </a:ext>
+            </a:extLst>
+          </p:cNvPr>
+          <p:cNvPicPr>
+            <a:picLocks noChangeAspect="1"/>
+          </p:cNvPicPr>
+          <p:nvPr/>
+        </p:nvPicPr>
+        <p:blipFill>
+          <a:blip r:embed="rId4"/>
+          <a:stretch>
+            <a:fillRect/>
+          </a:stretch>
+        </p:blipFill>
+        <p:spPr>
+          <a:xfrm>
+            <a:off x="8354524" y="4513725"/>
+            <a:ext cx="3470894" cy="1952378"/>
+          </a:xfrm>
+          <a:prstGeom prst="rect">
+            <a:avLst/>
+          </a:prstGeom>
+        </p:spPr>
+      </p:pic>
     </p:spTree>
     <p:extLst>
       <p:ext uri="{BB962C8B-B14F-4D97-AF65-F5344CB8AC3E}">
@@ -13003,7 +13104,7 @@
                             </p:stCondLst>
                             <p:childTnLst>
                               <p:par>
-                                <p:cTn id="5" presetID="1" presetClass="entr" presetSubtype="0" fill="hold" grpId="0" nodeType="clickEffect">
+                                <p:cTn id="5" presetID="1" presetClass="entr" presetSubtype="0" fill="hold" nodeType="clickEffect">
                                   <p:stCondLst>
                                     <p:cond delay="0"/>
                                   </p:stCondLst>
@@ -13016,7 +13117,7 @@
                                           </p:stCondLst>
                                         </p:cTn>
                                         <p:tgtEl>
-                                          <p:spTgt spid="2"/>
+                                          <p:spTgt spid="7"/>
                                         </p:tgtEl>
                                         <p:attrNameLst>
                                           <p:attrName>style.visibility</p:attrName>
@@ -13048,7 +13149,7 @@
                             </p:stCondLst>
                             <p:childTnLst>
                               <p:par>
-                                <p:cTn id="9" presetID="1" presetClass="entr" presetSubtype="0" fill="hold" nodeType="clickEffect">
+                                <p:cTn id="9" presetID="1" presetClass="entr" presetSubtype="0" fill="hold" grpId="0" nodeType="clickEffect">
                                   <p:stCondLst>
                                     <p:cond delay="0"/>
                                   </p:stCondLst>
@@ -13061,7 +13162,7 @@
                                           </p:stCondLst>
                                         </p:cTn>
                                         <p:tgtEl>
-                                          <p:spTgt spid="7"/>
+                                          <p:spTgt spid="9"/>
                                         </p:tgtEl>
                                         <p:attrNameLst>
                                           <p:attrName>style.visibility</p:attrName>
@@ -13093,7 +13194,7 @@
                             </p:stCondLst>
                             <p:childTnLst>
                               <p:par>
-                                <p:cTn id="13" presetID="1" presetClass="entr" presetSubtype="0" fill="hold" grpId="0" nodeType="clickEffect">
+                                <p:cTn id="13" presetID="1" presetClass="entr" presetSubtype="0" fill="hold" nodeType="clickEffect">
                                   <p:stCondLst>
                                     <p:cond delay="0"/>
                                   </p:stCondLst>
@@ -13106,7 +13207,7 @@
                                           </p:stCondLst>
                                         </p:cTn>
                                         <p:tgtEl>
-                                          <p:spTgt spid="9"/>
+                                          <p:spTgt spid="8"/>
                                         </p:tgtEl>
                                         <p:attrNameLst>
                                           <p:attrName>style.visibility</p:attrName>
@@ -13138,7 +13239,7 @@
                             </p:stCondLst>
                             <p:childTnLst>
                               <p:par>
-                                <p:cTn id="17" presetID="1" presetClass="entr" presetSubtype="0" fill="hold" nodeType="clickEffect">
+                                <p:cTn id="17" presetID="1" presetClass="entr" presetSubtype="0" fill="hold" grpId="0" nodeType="clickEffect">
                                   <p:stCondLst>
                                     <p:cond delay="0"/>
                                   </p:stCondLst>
@@ -13151,7 +13252,7 @@
                                           </p:stCondLst>
                                         </p:cTn>
                                         <p:tgtEl>
-                                          <p:spTgt spid="8"/>
+                                          <p:spTgt spid="12"/>
                                         </p:tgtEl>
                                         <p:attrNameLst>
                                           <p:attrName>style.visibility</p:attrName>
@@ -13183,7 +13284,7 @@
                             </p:stCondLst>
                             <p:childTnLst>
                               <p:par>
-                                <p:cTn id="21" presetID="1" presetClass="entr" presetSubtype="0" fill="hold" grpId="0" nodeType="clickEffect">
+                                <p:cTn id="21" presetID="1" presetClass="entr" presetSubtype="0" fill="hold" nodeType="clickEffect">
                                   <p:stCondLst>
                                     <p:cond delay="0"/>
                                   </p:stCondLst>
@@ -13191,51 +13292,6 @@
                                     <p:set>
                                       <p:cBhvr>
                                         <p:cTn id="22" dur="1" fill="hold">
-                                          <p:stCondLst>
-                                            <p:cond delay="0"/>
-                                          </p:stCondLst>
-                                        </p:cTn>
-                                        <p:tgtEl>
-                                          <p:spTgt spid="12"/>
-                                        </p:tgtEl>
-                                        <p:attrNameLst>
-                                          <p:attrName>style.visibility</p:attrName>
-                                        </p:attrNameLst>
-                                      </p:cBhvr>
-                                      <p:to>
-                                        <p:strVal val="visible"/>
-                                      </p:to>
-                                    </p:set>
-                                  </p:childTnLst>
-                                </p:cTn>
-                              </p:par>
-                            </p:childTnLst>
-                          </p:cTn>
-                        </p:par>
-                      </p:childTnLst>
-                    </p:cTn>
-                  </p:par>
-                  <p:par>
-                    <p:cTn id="23" fill="hold">
-                      <p:stCondLst>
-                        <p:cond delay="indefinite"/>
-                      </p:stCondLst>
-                      <p:childTnLst>
-                        <p:par>
-                          <p:cTn id="24" fill="hold">
-                            <p:stCondLst>
-                              <p:cond delay="0"/>
-                            </p:stCondLst>
-                            <p:childTnLst>
-                              <p:par>
-                                <p:cTn id="25" presetID="1" presetClass="entr" presetSubtype="0" fill="hold" nodeType="clickEffect">
-                                  <p:stCondLst>
-                                    <p:cond delay="0"/>
-                                  </p:stCondLst>
-                                  <p:childTnLst>
-                                    <p:set>
-                                      <p:cBhvr>
-                                        <p:cTn id="26" dur="1" fill="hold">
                                           <p:stCondLst>
                                             <p:cond delay="0"/>
                                           </p:stCondLst>
@@ -13282,7 +13338,6 @@
       </p:par>
     </p:tnLst>
     <p:bldLst>
-      <p:bldP spid="2" grpId="0"/>
       <p:bldP spid="9" grpId="0"/>
       <p:bldP spid="12" grpId="0"/>
     </p:bldLst>
@@ -13803,7 +13858,7 @@
                 <a:latin typeface="Arial" panose="020B0604020202020204" pitchFamily="34" charset="0"/>
                 <a:cs typeface="Arial" panose="020B0604020202020204" pitchFamily="34" charset="0"/>
               </a:rPr>
-              <a:t> applications.</a:t>
+              <a:t> applications</a:t>
             </a:r>
           </a:p>
           <a:p>
@@ -13818,7 +13873,7 @@
                 <a:latin typeface="Arial" panose="020B0604020202020204" pitchFamily="34" charset="0"/>
                 <a:cs typeface="Arial" panose="020B0604020202020204" pitchFamily="34" charset="0"/>
               </a:rPr>
-              <a:t>Defines the data available from the API how clients can request data from it.</a:t>
+              <a:t>Defines the data available from the API how clients can request data from it</a:t>
             </a:r>
           </a:p>
           <a:p>

--- a/current.pptx
+++ b/current.pptx
@@ -5,7 +5,7 @@
     <p:sldMasterId id="2147483648" r:id="rId1"/>
   </p:sldMasterIdLst>
   <p:notesMasterIdLst>
-    <p:notesMasterId r:id="rId35"/>
+    <p:notesMasterId r:id="rId36"/>
   </p:notesMasterIdLst>
   <p:sldIdLst>
     <p:sldId id="256" r:id="rId2"/>
@@ -17,12 +17,12 @@
     <p:sldId id="261" r:id="rId8"/>
     <p:sldId id="267" r:id="rId9"/>
     <p:sldId id="264" r:id="rId10"/>
-    <p:sldId id="268" r:id="rId11"/>
-    <p:sldId id="265" r:id="rId12"/>
-    <p:sldId id="270" r:id="rId13"/>
-    <p:sldId id="273" r:id="rId14"/>
-    <p:sldId id="272" r:id="rId15"/>
-    <p:sldId id="271" r:id="rId16"/>
+    <p:sldId id="265" r:id="rId11"/>
+    <p:sldId id="270" r:id="rId12"/>
+    <p:sldId id="273" r:id="rId13"/>
+    <p:sldId id="272" r:id="rId14"/>
+    <p:sldId id="271" r:id="rId15"/>
+    <p:sldId id="294" r:id="rId16"/>
     <p:sldId id="274" r:id="rId17"/>
     <p:sldId id="276" r:id="rId18"/>
     <p:sldId id="277" r:id="rId19"/>
@@ -37,10 +37,11 @@
     <p:sldId id="289" r:id="rId28"/>
     <p:sldId id="288" r:id="rId29"/>
     <p:sldId id="290" r:id="rId30"/>
-    <p:sldId id="291" r:id="rId31"/>
-    <p:sldId id="292" r:id="rId32"/>
-    <p:sldId id="275" r:id="rId33"/>
-    <p:sldId id="262" r:id="rId34"/>
+    <p:sldId id="293" r:id="rId31"/>
+    <p:sldId id="291" r:id="rId32"/>
+    <p:sldId id="292" r:id="rId33"/>
+    <p:sldId id="275" r:id="rId34"/>
+    <p:sldId id="262" r:id="rId35"/>
   </p:sldIdLst>
   <p:sldSz cx="12192000" cy="6858000"/>
   <p:notesSz cx="6858000" cy="9144000"/>
@@ -229,7 +230,7 @@
           <a:p>
             <a:fld id="{05A2C539-3BAE-43DA-89DD-3C2B65931CAB}" type="datetimeFigureOut">
               <a:rPr lang="en-GB" smtClean="0"/>
-              <a:t>12/04/2019</a:t>
+              <a:t>15/04/2019</a:t>
             </a:fld>
             <a:endParaRPr lang="en-GB"/>
           </a:p>
@@ -562,7 +563,7 @@
           <a:p>
             <a:fld id="{D6719FC5-C3CA-4722-957E-A07B335E4D2F}" type="slidenum">
               <a:rPr lang="en-GB" smtClean="0"/>
-              <a:t>12</a:t>
+              <a:t>11</a:t>
             </a:fld>
             <a:endParaRPr lang="en-GB"/>
           </a:p>
@@ -646,7 +647,7 @@
           <a:p>
             <a:fld id="{D6719FC5-C3CA-4722-957E-A07B335E4D2F}" type="slidenum">
               <a:rPr lang="en-GB" smtClean="0"/>
-              <a:t>13</a:t>
+              <a:t>12</a:t>
             </a:fld>
             <a:endParaRPr lang="en-GB"/>
           </a:p>
@@ -898,7 +899,7 @@
           <a:p>
             <a:fld id="{6FADB570-57FC-4C94-8057-F2D76F2B7762}" type="datetimeFigureOut">
               <a:rPr lang="en-GB" smtClean="0"/>
-              <a:t>12/04/2019</a:t>
+              <a:t>15/04/2019</a:t>
             </a:fld>
             <a:endParaRPr lang="en-GB"/>
           </a:p>
@@ -1098,7 +1099,7 @@
           <a:p>
             <a:fld id="{6FADB570-57FC-4C94-8057-F2D76F2B7762}" type="datetimeFigureOut">
               <a:rPr lang="en-GB" smtClean="0"/>
-              <a:t>12/04/2019</a:t>
+              <a:t>15/04/2019</a:t>
             </a:fld>
             <a:endParaRPr lang="en-GB"/>
           </a:p>
@@ -1308,7 +1309,7 @@
           <a:p>
             <a:fld id="{6FADB570-57FC-4C94-8057-F2D76F2B7762}" type="datetimeFigureOut">
               <a:rPr lang="en-GB" smtClean="0"/>
-              <a:t>12/04/2019</a:t>
+              <a:t>15/04/2019</a:t>
             </a:fld>
             <a:endParaRPr lang="en-GB"/>
           </a:p>
@@ -1508,7 +1509,7 @@
           <a:p>
             <a:fld id="{6FADB570-57FC-4C94-8057-F2D76F2B7762}" type="datetimeFigureOut">
               <a:rPr lang="en-GB" smtClean="0"/>
-              <a:t>12/04/2019</a:t>
+              <a:t>15/04/2019</a:t>
             </a:fld>
             <a:endParaRPr lang="en-GB"/>
           </a:p>
@@ -1784,7 +1785,7 @@
           <a:p>
             <a:fld id="{6FADB570-57FC-4C94-8057-F2D76F2B7762}" type="datetimeFigureOut">
               <a:rPr lang="en-GB" smtClean="0"/>
-              <a:t>12/04/2019</a:t>
+              <a:t>15/04/2019</a:t>
             </a:fld>
             <a:endParaRPr lang="en-GB"/>
           </a:p>
@@ -2052,7 +2053,7 @@
           <a:p>
             <a:fld id="{6FADB570-57FC-4C94-8057-F2D76F2B7762}" type="datetimeFigureOut">
               <a:rPr lang="en-GB" smtClean="0"/>
-              <a:t>12/04/2019</a:t>
+              <a:t>15/04/2019</a:t>
             </a:fld>
             <a:endParaRPr lang="en-GB"/>
           </a:p>
@@ -2467,7 +2468,7 @@
           <a:p>
             <a:fld id="{6FADB570-57FC-4C94-8057-F2D76F2B7762}" type="datetimeFigureOut">
               <a:rPr lang="en-GB" smtClean="0"/>
-              <a:t>12/04/2019</a:t>
+              <a:t>15/04/2019</a:t>
             </a:fld>
             <a:endParaRPr lang="en-GB"/>
           </a:p>
@@ -2609,7 +2610,7 @@
           <a:p>
             <a:fld id="{6FADB570-57FC-4C94-8057-F2D76F2B7762}" type="datetimeFigureOut">
               <a:rPr lang="en-GB" smtClean="0"/>
-              <a:t>12/04/2019</a:t>
+              <a:t>15/04/2019</a:t>
             </a:fld>
             <a:endParaRPr lang="en-GB"/>
           </a:p>
@@ -2722,7 +2723,7 @@
           <a:p>
             <a:fld id="{6FADB570-57FC-4C94-8057-F2D76F2B7762}" type="datetimeFigureOut">
               <a:rPr lang="en-GB" smtClean="0"/>
-              <a:t>12/04/2019</a:t>
+              <a:t>15/04/2019</a:t>
             </a:fld>
             <a:endParaRPr lang="en-GB"/>
           </a:p>
@@ -3035,7 +3036,7 @@
           <a:p>
             <a:fld id="{6FADB570-57FC-4C94-8057-F2D76F2B7762}" type="datetimeFigureOut">
               <a:rPr lang="en-GB" smtClean="0"/>
-              <a:t>12/04/2019</a:t>
+              <a:t>15/04/2019</a:t>
             </a:fld>
             <a:endParaRPr lang="en-GB"/>
           </a:p>
@@ -3324,7 +3325,7 @@
           <a:p>
             <a:fld id="{6FADB570-57FC-4C94-8057-F2D76F2B7762}" type="datetimeFigureOut">
               <a:rPr lang="en-GB" smtClean="0"/>
-              <a:t>12/04/2019</a:t>
+              <a:t>15/04/2019</a:t>
             </a:fld>
             <a:endParaRPr lang="en-GB"/>
           </a:p>
@@ -3573,7 +3574,7 @@
           <a:p>
             <a:fld id="{6FADB570-57FC-4C94-8057-F2D76F2B7762}" type="datetimeFigureOut">
               <a:rPr lang="en-GB" smtClean="0"/>
-              <a:t>12/04/2019</a:t>
+              <a:t>15/04/2019</a:t>
             </a:fld>
             <a:endParaRPr lang="en-GB"/>
           </a:p>
@@ -4138,425 +4139,6 @@
 </file>
 
 <file path=ppt/slides/slide10.xml><?xml version="1.0" encoding="utf-8"?>
-<p:sld xmlns:a="http://schemas.openxmlformats.org/drawingml/2006/main" xmlns:r="http://schemas.openxmlformats.org/officeDocument/2006/relationships" xmlns:p="http://schemas.openxmlformats.org/presentationml/2006/main">
-  <p:cSld>
-    <p:spTree>
-      <p:nvGrpSpPr>
-        <p:cNvPr id="1" name=""/>
-        <p:cNvGrpSpPr/>
-        <p:nvPr/>
-      </p:nvGrpSpPr>
-      <p:grpSpPr>
-        <a:xfrm>
-          <a:off x="0" y="0"/>
-          <a:ext cx="0" cy="0"/>
-          <a:chOff x="0" y="0"/>
-          <a:chExt cx="0" cy="0"/>
-        </a:xfrm>
-      </p:grpSpPr>
-      <p:sp>
-        <p:nvSpPr>
-          <p:cNvPr id="2" name="Title 1">
-            <a:extLst>
-              <a:ext uri="{FF2B5EF4-FFF2-40B4-BE49-F238E27FC236}">
-                <a16:creationId xmlns:a16="http://schemas.microsoft.com/office/drawing/2014/main" id="{21B7A6DF-E19C-4F5B-B2C9-6BBB88376D79}"/>
-              </a:ext>
-            </a:extLst>
-          </p:cNvPr>
-          <p:cNvSpPr>
-            <a:spLocks noGrp="1"/>
-          </p:cNvSpPr>
-          <p:nvPr>
-            <p:ph type="title"/>
-          </p:nvPr>
-        </p:nvSpPr>
-        <p:spPr/>
-        <p:txBody>
-          <a:bodyPr>
-            <a:normAutofit/>
-          </a:bodyPr>
-          <a:lstStyle/>
-          <a:p>
-            <a:r>
-              <a:rPr lang="en-GB" sz="4000" b="1" dirty="0" err="1">
-                <a:latin typeface="Arial" panose="020B0604020202020204" pitchFamily="34" charset="0"/>
-                <a:cs typeface="Arial" panose="020B0604020202020204" pitchFamily="34" charset="0"/>
-              </a:rPr>
-              <a:t>GraphQL</a:t>
-            </a:r>
-            <a:r>
-              <a:rPr lang="en-GB" sz="4000" b="1" dirty="0">
-                <a:latin typeface="Arial" panose="020B0604020202020204" pitchFamily="34" charset="0"/>
-                <a:cs typeface="Arial" panose="020B0604020202020204" pitchFamily="34" charset="0"/>
-              </a:rPr>
-              <a:t> Schema Definition Language</a:t>
-            </a:r>
-          </a:p>
-        </p:txBody>
-      </p:sp>
-      <p:sp>
-        <p:nvSpPr>
-          <p:cNvPr id="3" name="Content Placeholder 2">
-            <a:extLst>
-              <a:ext uri="{FF2B5EF4-FFF2-40B4-BE49-F238E27FC236}">
-                <a16:creationId xmlns:a16="http://schemas.microsoft.com/office/drawing/2014/main" id="{74B33D01-E5BC-4DFE-8EED-C30C5519E129}"/>
-              </a:ext>
-            </a:extLst>
-          </p:cNvPr>
-          <p:cNvSpPr>
-            <a:spLocks noGrp="1"/>
-          </p:cNvSpPr>
-          <p:nvPr>
-            <p:ph idx="1"/>
-          </p:nvPr>
-        </p:nvSpPr>
-        <p:spPr>
-          <a:xfrm>
-            <a:off x="838200" y="1825624"/>
-            <a:ext cx="10515600" cy="4793539"/>
-          </a:xfrm>
-        </p:spPr>
-        <p:txBody>
-          <a:bodyPr/>
-          <a:lstStyle/>
-          <a:p>
-            <a:r>
-              <a:rPr lang="en-GB" dirty="0">
-                <a:latin typeface="Arial" panose="020B0604020202020204" pitchFamily="34" charset="0"/>
-                <a:cs typeface="Arial" panose="020B0604020202020204" pitchFamily="34" charset="0"/>
-              </a:rPr>
-              <a:t>One of the most common ways to define Schema In </a:t>
-            </a:r>
-            <a:r>
-              <a:rPr lang="en-GB" dirty="0" err="1">
-                <a:latin typeface="Arial" panose="020B0604020202020204" pitchFamily="34" charset="0"/>
-                <a:cs typeface="Arial" panose="020B0604020202020204" pitchFamily="34" charset="0"/>
-              </a:rPr>
-              <a:t>GraphQL</a:t>
-            </a:r>
-            <a:endParaRPr lang="en-GB" dirty="0">
-              <a:latin typeface="Arial" panose="020B0604020202020204" pitchFamily="34" charset="0"/>
-              <a:cs typeface="Arial" panose="020B0604020202020204" pitchFamily="34" charset="0"/>
-            </a:endParaRPr>
-          </a:p>
-          <a:p>
-            <a:r>
-              <a:rPr lang="en-GB" dirty="0">
-                <a:latin typeface="Arial" panose="020B0604020202020204" pitchFamily="34" charset="0"/>
-                <a:cs typeface="Arial" panose="020B0604020202020204" pitchFamily="34" charset="0"/>
-              </a:rPr>
-              <a:t>Typed Language</a:t>
-            </a:r>
-          </a:p>
-          <a:p>
-            <a:pPr marL="0" indent="0">
-              <a:buNone/>
-            </a:pPr>
-            <a:endParaRPr lang="en-GB" dirty="0">
-              <a:latin typeface="Arial" panose="020B0604020202020204" pitchFamily="34" charset="0"/>
-              <a:cs typeface="Arial" panose="020B0604020202020204" pitchFamily="34" charset="0"/>
-            </a:endParaRPr>
-          </a:p>
-          <a:p>
-            <a:pPr marL="0" indent="0">
-              <a:buNone/>
-            </a:pPr>
-            <a:r>
-              <a:rPr lang="en-GB" dirty="0">
-                <a:latin typeface="Arial" panose="020B0604020202020204" pitchFamily="34" charset="0"/>
-                <a:cs typeface="Arial" panose="020B0604020202020204" pitchFamily="34" charset="0"/>
-              </a:rPr>
-              <a:t>Below is a simple example of an Object Type defined using </a:t>
-            </a:r>
-            <a:r>
-              <a:rPr lang="en-GB" dirty="0" err="1">
-                <a:latin typeface="Arial" panose="020B0604020202020204" pitchFamily="34" charset="0"/>
-                <a:cs typeface="Arial" panose="020B0604020202020204" pitchFamily="34" charset="0"/>
-              </a:rPr>
-              <a:t>GraphQL</a:t>
-            </a:r>
-            <a:r>
-              <a:rPr lang="en-GB" dirty="0">
-                <a:latin typeface="Arial" panose="020B0604020202020204" pitchFamily="34" charset="0"/>
-                <a:cs typeface="Arial" panose="020B0604020202020204" pitchFamily="34" charset="0"/>
-              </a:rPr>
-              <a:t> SDL:</a:t>
-            </a:r>
-          </a:p>
-          <a:p>
-            <a:pPr marL="0" indent="0">
-              <a:buNone/>
-            </a:pPr>
-            <a:endParaRPr lang="en-GB" dirty="0"/>
-          </a:p>
-        </p:txBody>
-      </p:sp>
-      <p:pic>
-        <p:nvPicPr>
-          <p:cNvPr id="4" name="Picture 3">
-            <a:extLst>
-              <a:ext uri="{FF2B5EF4-FFF2-40B4-BE49-F238E27FC236}">
-                <a16:creationId xmlns:a16="http://schemas.microsoft.com/office/drawing/2014/main" id="{71209898-D6A6-422B-A205-4AF0BB1D13D3}"/>
-              </a:ext>
-            </a:extLst>
-          </p:cNvPr>
-          <p:cNvPicPr>
-            <a:picLocks noChangeAspect="1"/>
-          </p:cNvPicPr>
-          <p:nvPr/>
-        </p:nvPicPr>
-        <p:blipFill>
-          <a:blip r:embed="rId2"/>
-          <a:stretch>
-            <a:fillRect/>
-          </a:stretch>
-        </p:blipFill>
-        <p:spPr>
-          <a:xfrm>
-            <a:off x="838200" y="4645025"/>
-            <a:ext cx="2962275" cy="1847850"/>
-          </a:xfrm>
-          <a:prstGeom prst="rect">
-            <a:avLst/>
-          </a:prstGeom>
-        </p:spPr>
-      </p:pic>
-    </p:spTree>
-    <p:extLst>
-      <p:ext uri="{BB962C8B-B14F-4D97-AF65-F5344CB8AC3E}">
-        <p14:creationId xmlns:p14="http://schemas.microsoft.com/office/powerpoint/2010/main" val="3020784088"/>
-      </p:ext>
-    </p:extLst>
-  </p:cSld>
-  <p:clrMapOvr>
-    <a:masterClrMapping/>
-  </p:clrMapOvr>
-  <p:timing>
-    <p:tnLst>
-      <p:par>
-        <p:cTn id="1" dur="indefinite" restart="never" nodeType="tmRoot">
-          <p:childTnLst>
-            <p:seq concurrent="1" nextAc="seek">
-              <p:cTn id="2" dur="indefinite" nodeType="mainSeq">
-                <p:childTnLst>
-                  <p:par>
-                    <p:cTn id="3" fill="hold">
-                      <p:stCondLst>
-                        <p:cond delay="indefinite"/>
-                      </p:stCondLst>
-                      <p:childTnLst>
-                        <p:par>
-                          <p:cTn id="4" fill="hold">
-                            <p:stCondLst>
-                              <p:cond delay="0"/>
-                            </p:stCondLst>
-                            <p:childTnLst>
-                              <p:par>
-                                <p:cTn id="5" presetID="1" presetClass="entr" presetSubtype="0" fill="hold" nodeType="clickEffect">
-                                  <p:stCondLst>
-                                    <p:cond delay="0"/>
-                                  </p:stCondLst>
-                                  <p:childTnLst>
-                                    <p:set>
-                                      <p:cBhvr>
-                                        <p:cTn id="6" dur="1" fill="hold">
-                                          <p:stCondLst>
-                                            <p:cond delay="0"/>
-                                          </p:stCondLst>
-                                        </p:cTn>
-                                        <p:tgtEl>
-                                          <p:spTgt spid="3">
-                                            <p:txEl>
-                                              <p:pRg st="0" end="0"/>
-                                            </p:txEl>
-                                          </p:spTgt>
-                                        </p:tgtEl>
-                                        <p:attrNameLst>
-                                          <p:attrName>style.visibility</p:attrName>
-                                        </p:attrNameLst>
-                                      </p:cBhvr>
-                                      <p:to>
-                                        <p:strVal val="visible"/>
-                                      </p:to>
-                                    </p:set>
-                                  </p:childTnLst>
-                                </p:cTn>
-                              </p:par>
-                            </p:childTnLst>
-                          </p:cTn>
-                        </p:par>
-                      </p:childTnLst>
-                    </p:cTn>
-                  </p:par>
-                  <p:par>
-                    <p:cTn id="7" fill="hold">
-                      <p:stCondLst>
-                        <p:cond delay="indefinite"/>
-                      </p:stCondLst>
-                      <p:childTnLst>
-                        <p:par>
-                          <p:cTn id="8" fill="hold">
-                            <p:stCondLst>
-                              <p:cond delay="0"/>
-                            </p:stCondLst>
-                            <p:childTnLst>
-                              <p:par>
-                                <p:cTn id="9" presetID="1" presetClass="entr" presetSubtype="0" fill="hold" nodeType="clickEffect">
-                                  <p:stCondLst>
-                                    <p:cond delay="0"/>
-                                  </p:stCondLst>
-                                  <p:childTnLst>
-                                    <p:set>
-                                      <p:cBhvr>
-                                        <p:cTn id="10" dur="1" fill="hold">
-                                          <p:stCondLst>
-                                            <p:cond delay="0"/>
-                                          </p:stCondLst>
-                                        </p:cTn>
-                                        <p:tgtEl>
-                                          <p:spTgt spid="3">
-                                            <p:txEl>
-                                              <p:pRg st="1" end="1"/>
-                                            </p:txEl>
-                                          </p:spTgt>
-                                        </p:tgtEl>
-                                        <p:attrNameLst>
-                                          <p:attrName>style.visibility</p:attrName>
-                                        </p:attrNameLst>
-                                      </p:cBhvr>
-                                      <p:to>
-                                        <p:strVal val="visible"/>
-                                      </p:to>
-                                    </p:set>
-                                  </p:childTnLst>
-                                </p:cTn>
-                              </p:par>
-                            </p:childTnLst>
-                          </p:cTn>
-                        </p:par>
-                      </p:childTnLst>
-                    </p:cTn>
-                  </p:par>
-                  <p:par>
-                    <p:cTn id="11" fill="hold">
-                      <p:stCondLst>
-                        <p:cond delay="indefinite"/>
-                      </p:stCondLst>
-                      <p:childTnLst>
-                        <p:par>
-                          <p:cTn id="12" fill="hold">
-                            <p:stCondLst>
-                              <p:cond delay="0"/>
-                            </p:stCondLst>
-                            <p:childTnLst>
-                              <p:par>
-                                <p:cTn id="13" presetID="1" presetClass="entr" presetSubtype="0" fill="hold" nodeType="clickEffect">
-                                  <p:stCondLst>
-                                    <p:cond delay="0"/>
-                                  </p:stCondLst>
-                                  <p:childTnLst>
-                                    <p:set>
-                                      <p:cBhvr>
-                                        <p:cTn id="14" dur="1" fill="hold">
-                                          <p:stCondLst>
-                                            <p:cond delay="0"/>
-                                          </p:stCondLst>
-                                        </p:cTn>
-                                        <p:tgtEl>
-                                          <p:spTgt spid="3">
-                                            <p:txEl>
-                                              <p:pRg st="3" end="3"/>
-                                            </p:txEl>
-                                          </p:spTgt>
-                                        </p:tgtEl>
-                                        <p:attrNameLst>
-                                          <p:attrName>style.visibility</p:attrName>
-                                        </p:attrNameLst>
-                                      </p:cBhvr>
-                                      <p:to>
-                                        <p:strVal val="visible"/>
-                                      </p:to>
-                                    </p:set>
-                                  </p:childTnLst>
-                                </p:cTn>
-                              </p:par>
-                            </p:childTnLst>
-                          </p:cTn>
-                        </p:par>
-                      </p:childTnLst>
-                    </p:cTn>
-                  </p:par>
-                  <p:par>
-                    <p:cTn id="15" fill="hold">
-                      <p:stCondLst>
-                        <p:cond delay="indefinite"/>
-                      </p:stCondLst>
-                      <p:childTnLst>
-                        <p:par>
-                          <p:cTn id="16" fill="hold">
-                            <p:stCondLst>
-                              <p:cond delay="0"/>
-                            </p:stCondLst>
-                            <p:childTnLst>
-                              <p:par>
-                                <p:cTn id="17" presetID="1" presetClass="entr" presetSubtype="0" fill="hold" nodeType="clickEffect">
-                                  <p:stCondLst>
-                                    <p:cond delay="0"/>
-                                  </p:stCondLst>
-                                  <p:childTnLst>
-                                    <p:set>
-                                      <p:cBhvr>
-                                        <p:cTn id="18" dur="1" fill="hold">
-                                          <p:stCondLst>
-                                            <p:cond delay="0"/>
-                                          </p:stCondLst>
-                                        </p:cTn>
-                                        <p:tgtEl>
-                                          <p:spTgt spid="4"/>
-                                        </p:tgtEl>
-                                        <p:attrNameLst>
-                                          <p:attrName>style.visibility</p:attrName>
-                                        </p:attrNameLst>
-                                      </p:cBhvr>
-                                      <p:to>
-                                        <p:strVal val="visible"/>
-                                      </p:to>
-                                    </p:set>
-                                  </p:childTnLst>
-                                </p:cTn>
-                              </p:par>
-                            </p:childTnLst>
-                          </p:cTn>
-                        </p:par>
-                      </p:childTnLst>
-                    </p:cTn>
-                  </p:par>
-                </p:childTnLst>
-              </p:cTn>
-              <p:prevCondLst>
-                <p:cond evt="onPrev" delay="0">
-                  <p:tgtEl>
-                    <p:sldTgt/>
-                  </p:tgtEl>
-                </p:cond>
-              </p:prevCondLst>
-              <p:nextCondLst>
-                <p:cond evt="onNext" delay="0">
-                  <p:tgtEl>
-                    <p:sldTgt/>
-                  </p:tgtEl>
-                </p:cond>
-              </p:nextCondLst>
-            </p:seq>
-          </p:childTnLst>
-        </p:cTn>
-      </p:par>
-    </p:tnLst>
-  </p:timing>
-</p:sld>
-</file>
-
-<file path=ppt/slides/slide11.xml><?xml version="1.0" encoding="utf-8"?>
 <p:sld xmlns:a="http://schemas.openxmlformats.org/drawingml/2006/main" xmlns:r="http://schemas.openxmlformats.org/officeDocument/2006/relationships" xmlns:p="http://schemas.openxmlformats.org/presentationml/2006/main">
   <p:cSld>
     <p:spTree>
@@ -5497,7 +5079,7 @@
 </p:sld>
 </file>
 
-<file path=ppt/slides/slide12.xml><?xml version="1.0" encoding="utf-8"?>
+<file path=ppt/slides/slide11.xml><?xml version="1.0" encoding="utf-8"?>
 <p:sld xmlns:a="http://schemas.openxmlformats.org/drawingml/2006/main" xmlns:r="http://schemas.openxmlformats.org/officeDocument/2006/relationships" xmlns:p="http://schemas.openxmlformats.org/presentationml/2006/main">
   <p:cSld>
     <p:spTree>
@@ -5543,7 +5125,7 @@
           <a:lstStyle/>
           <a:p>
             <a:r>
-              <a:rPr lang="en-GB" sz="4000" dirty="0">
+              <a:rPr lang="en-GB" sz="4000" b="1" dirty="0">
                 <a:latin typeface="Arial" panose="020B0604020202020204" pitchFamily="34" charset="0"/>
                 <a:cs typeface="Arial" panose="020B0604020202020204" pitchFamily="34" charset="0"/>
               </a:rPr>
@@ -5977,7 +5559,7 @@
 </p:sld>
 </file>
 
-<file path=ppt/slides/slide13.xml><?xml version="1.0" encoding="utf-8"?>
+<file path=ppt/slides/slide12.xml><?xml version="1.0" encoding="utf-8"?>
 <p:sld xmlns:a="http://schemas.openxmlformats.org/drawingml/2006/main" xmlns:r="http://schemas.openxmlformats.org/officeDocument/2006/relationships" xmlns:p="http://schemas.openxmlformats.org/presentationml/2006/main">
   <p:cSld>
     <p:spTree>
@@ -6497,7 +6079,21 @@
                 <a:latin typeface="Arial" panose="020B0604020202020204" pitchFamily="34" charset="0"/>
                 <a:cs typeface="Arial" panose="020B0604020202020204" pitchFamily="34" charset="0"/>
               </a:rPr>
-              <a:t>For debugging and server-side logging reasons, it’s useful to give your queries meaningful names.</a:t>
+              <a:t>Optional but</a:t>
+            </a:r>
+            <a:r>
+              <a:rPr lang="en-GB" b="1" dirty="0">
+                <a:latin typeface="Arial" panose="020B0604020202020204" pitchFamily="34" charset="0"/>
+                <a:cs typeface="Arial" panose="020B0604020202020204" pitchFamily="34" charset="0"/>
+              </a:rPr>
+              <a:t> </a:t>
+            </a:r>
+            <a:r>
+              <a:rPr lang="en-GB" dirty="0">
+                <a:latin typeface="Arial" panose="020B0604020202020204" pitchFamily="34" charset="0"/>
+                <a:cs typeface="Arial" panose="020B0604020202020204" pitchFamily="34" charset="0"/>
+              </a:rPr>
+              <a:t>for debugging and server-side logging reasons, it’s useful to give your queries meaningful names.</a:t>
             </a:r>
           </a:p>
           <a:p>
@@ -7139,7 +6735,7 @@
 </p:sld>
 </file>
 
-<file path=ppt/slides/slide14.xml><?xml version="1.0" encoding="utf-8"?>
+<file path=ppt/slides/slide13.xml><?xml version="1.0" encoding="utf-8"?>
 <p:sld xmlns:a="http://schemas.openxmlformats.org/drawingml/2006/main" xmlns:r="http://schemas.openxmlformats.org/officeDocument/2006/relationships" xmlns:p="http://schemas.openxmlformats.org/presentationml/2006/main">
   <p:cSld>
     <p:spTree>
@@ -8040,7 +7636,7 @@
 </p:sld>
 </file>
 
-<file path=ppt/slides/slide15.xml><?xml version="1.0" encoding="utf-8"?>
+<file path=ppt/slides/slide14.xml><?xml version="1.0" encoding="utf-8"?>
 <p:sld xmlns:a="http://schemas.openxmlformats.org/drawingml/2006/main" xmlns:r="http://schemas.openxmlformats.org/officeDocument/2006/relationships" xmlns:p="http://schemas.openxmlformats.org/presentationml/2006/main">
   <p:cSld>
     <p:spTree>
@@ -8271,6 +7867,103 @@
     <p:extLst>
       <p:ext uri="{BB962C8B-B14F-4D97-AF65-F5344CB8AC3E}">
         <p14:creationId xmlns:p14="http://schemas.microsoft.com/office/powerpoint/2010/main" val="3417984309"/>
+      </p:ext>
+    </p:extLst>
+  </p:cSld>
+  <p:clrMapOvr>
+    <a:masterClrMapping/>
+  </p:clrMapOvr>
+</p:sld>
+</file>
+
+<file path=ppt/slides/slide15.xml><?xml version="1.0" encoding="utf-8"?>
+<p:sld xmlns:a="http://schemas.openxmlformats.org/drawingml/2006/main" xmlns:r="http://schemas.openxmlformats.org/officeDocument/2006/relationships" xmlns:p="http://schemas.openxmlformats.org/presentationml/2006/main">
+  <p:cSld>
+    <p:spTree>
+      <p:nvGrpSpPr>
+        <p:cNvPr id="1" name=""/>
+        <p:cNvGrpSpPr/>
+        <p:nvPr/>
+      </p:nvGrpSpPr>
+      <p:grpSpPr>
+        <a:xfrm>
+          <a:off x="0" y="0"/>
+          <a:ext cx="0" cy="0"/>
+          <a:chOff x="0" y="0"/>
+          <a:chExt cx="0" cy="0"/>
+        </a:xfrm>
+      </p:grpSpPr>
+      <p:sp>
+        <p:nvSpPr>
+          <p:cNvPr id="2" name="Title 1">
+            <a:extLst>
+              <a:ext uri="{FF2B5EF4-FFF2-40B4-BE49-F238E27FC236}">
+                <a16:creationId xmlns:a16="http://schemas.microsoft.com/office/drawing/2014/main" id="{5A77AE23-7EE8-4A86-A4AA-CD17F6990D38}"/>
+              </a:ext>
+            </a:extLst>
+          </p:cNvPr>
+          <p:cNvSpPr>
+            <a:spLocks noGrp="1"/>
+          </p:cNvSpPr>
+          <p:nvPr>
+            <p:ph type="title"/>
+          </p:nvPr>
+        </p:nvSpPr>
+        <p:spPr/>
+        <p:txBody>
+          <a:bodyPr/>
+          <a:lstStyle/>
+          <a:p>
+            <a:r>
+              <a:rPr lang="en-GB" dirty="0"/>
+              <a:t>Live Demonstration</a:t>
+            </a:r>
+          </a:p>
+        </p:txBody>
+      </p:sp>
+      <p:sp>
+        <p:nvSpPr>
+          <p:cNvPr id="3" name="Content Placeholder 2">
+            <a:extLst>
+              <a:ext uri="{FF2B5EF4-FFF2-40B4-BE49-F238E27FC236}">
+                <a16:creationId xmlns:a16="http://schemas.microsoft.com/office/drawing/2014/main" id="{8FA25EB6-0680-4A57-A123-928EB7CD72D1}"/>
+              </a:ext>
+            </a:extLst>
+          </p:cNvPr>
+          <p:cNvSpPr>
+            <a:spLocks noGrp="1"/>
+          </p:cNvSpPr>
+          <p:nvPr>
+            <p:ph idx="1"/>
+          </p:nvPr>
+        </p:nvSpPr>
+        <p:spPr/>
+        <p:txBody>
+          <a:bodyPr/>
+          <a:lstStyle/>
+          <a:p>
+            <a:r>
+              <a:rPr lang="en-GB" dirty="0"/>
+              <a:t>A simple </a:t>
+            </a:r>
+            <a:r>
+              <a:rPr lang="en-GB" dirty="0" err="1"/>
+              <a:t>GraphQL</a:t>
+            </a:r>
+            <a:r>
+              <a:rPr lang="en-GB" dirty="0"/>
+              <a:t> Server</a:t>
+            </a:r>
+          </a:p>
+          <a:p>
+            <a:endParaRPr lang="en-GB" dirty="0"/>
+          </a:p>
+        </p:txBody>
+      </p:sp>
+    </p:spTree>
+    <p:extLst>
+      <p:ext uri="{BB962C8B-B14F-4D97-AF65-F5344CB8AC3E}">
+        <p14:creationId xmlns:p14="http://schemas.microsoft.com/office/powerpoint/2010/main" val="185134489"/>
       </p:ext>
     </p:extLst>
   </p:cSld>
@@ -9054,16 +8747,79 @@
           </a:bodyPr>
           <a:lstStyle/>
           <a:p>
+            <a:pPr marL="0" indent="0">
+              <a:buNone/>
+            </a:pPr>
+            <a:r>
+              <a:rPr lang="en-GB" sz="2000" b="1" dirty="0">
+                <a:latin typeface="Arial" panose="020B0604020202020204" pitchFamily="34" charset="0"/>
+                <a:cs typeface="Arial" panose="020B0604020202020204" pitchFamily="34" charset="0"/>
+              </a:rPr>
+              <a:t>What Is GraphQL</a:t>
+            </a:r>
+          </a:p>
+          <a:p>
             <a:pPr marL="514350" indent="-514350">
               <a:buFont typeface="+mj-lt"/>
               <a:buAutoNum type="arabicPeriod"/>
             </a:pPr>
-            <a:r>
-              <a:rPr lang="en-GB" b="1" dirty="0">
-                <a:latin typeface="Arial" panose="020B0604020202020204" pitchFamily="34" charset="0"/>
-                <a:cs typeface="Arial" panose="020B0604020202020204" pitchFamily="34" charset="0"/>
-              </a:rPr>
-              <a:t>What Is GraphQL</a:t>
+            <a:endParaRPr lang="en-GB" sz="2000" b="1" dirty="0">
+              <a:latin typeface="Arial" panose="020B0604020202020204" pitchFamily="34" charset="0"/>
+              <a:cs typeface="Arial" panose="020B0604020202020204" pitchFamily="34" charset="0"/>
+            </a:endParaRPr>
+          </a:p>
+          <a:p>
+            <a:pPr marL="0" indent="0">
+              <a:buNone/>
+            </a:pPr>
+            <a:r>
+              <a:rPr lang="en-GB" sz="2000" b="1" dirty="0" err="1">
+                <a:latin typeface="Arial" panose="020B0604020202020204" pitchFamily="34" charset="0"/>
+                <a:cs typeface="Arial" panose="020B0604020202020204" pitchFamily="34" charset="0"/>
+              </a:rPr>
+              <a:t>GraphQL</a:t>
+            </a:r>
+            <a:r>
+              <a:rPr lang="en-GB" sz="2000" b="1" dirty="0">
+                <a:latin typeface="Arial" panose="020B0604020202020204" pitchFamily="34" charset="0"/>
+                <a:cs typeface="Arial" panose="020B0604020202020204" pitchFamily="34" charset="0"/>
+              </a:rPr>
+              <a:t> API Components</a:t>
+            </a:r>
+          </a:p>
+          <a:p>
+            <a:pPr marL="0" indent="0">
+              <a:buNone/>
+            </a:pPr>
+            <a:endParaRPr lang="en-GB" sz="2000" b="1" dirty="0">
+              <a:latin typeface="Arial" panose="020B0604020202020204" pitchFamily="34" charset="0"/>
+              <a:cs typeface="Arial" panose="020B0604020202020204" pitchFamily="34" charset="0"/>
+            </a:endParaRPr>
+          </a:p>
+          <a:p>
+            <a:pPr marL="0" indent="0">
+              <a:buNone/>
+            </a:pPr>
+            <a:r>
+              <a:rPr lang="en-GB" sz="2000" b="1" dirty="0">
+                <a:latin typeface="Arial" panose="020B0604020202020204" pitchFamily="34" charset="0"/>
+                <a:cs typeface="Arial" panose="020B0604020202020204" pitchFamily="34" charset="0"/>
+              </a:rPr>
+              <a:t>Demonstration Of A Simple NodeJS </a:t>
+            </a:r>
+            <a:r>
+              <a:rPr lang="en-GB" sz="2000" b="1" dirty="0" err="1">
+                <a:latin typeface="Arial" panose="020B0604020202020204" pitchFamily="34" charset="0"/>
+                <a:cs typeface="Arial" panose="020B0604020202020204" pitchFamily="34" charset="0"/>
+              </a:rPr>
+              <a:t>GraphQL</a:t>
+            </a:r>
+            <a:r>
+              <a:rPr lang="en-GB" sz="2000" b="1" dirty="0">
+                <a:latin typeface="Arial" panose="020B0604020202020204" pitchFamily="34" charset="0"/>
+                <a:cs typeface="Arial" panose="020B0604020202020204" pitchFamily="34" charset="0"/>
+              </a:rPr>
+              <a:t> Server</a:t>
             </a:r>
           </a:p>
           <a:p>
@@ -9071,108 +8827,73 @@
               <a:buFont typeface="+mj-lt"/>
               <a:buAutoNum type="arabicPeriod"/>
             </a:pPr>
-            <a:endParaRPr lang="en-GB" b="1" dirty="0">
+            <a:endParaRPr lang="en-GB" sz="2000" b="1" dirty="0">
               <a:latin typeface="Arial" panose="020B0604020202020204" pitchFamily="34" charset="0"/>
               <a:cs typeface="Arial" panose="020B0604020202020204" pitchFamily="34" charset="0"/>
             </a:endParaRPr>
           </a:p>
           <a:p>
-            <a:pPr marL="514350" indent="-514350">
-              <a:buFont typeface="+mj-lt"/>
-              <a:buAutoNum type="arabicPeriod"/>
+            <a:pPr marL="0" indent="0">
+              <a:buNone/>
             </a:pPr>
             <a:r>
-              <a:rPr lang="en-GB" b="1" dirty="0">
-                <a:latin typeface="Arial" panose="020B0604020202020204" pitchFamily="34" charset="0"/>
-                <a:cs typeface="Arial" panose="020B0604020202020204" pitchFamily="34" charset="0"/>
-              </a:rPr>
-              <a:t>Fundamental Language Constructs</a:t>
-            </a:r>
-          </a:p>
-          <a:p>
-            <a:pPr marL="514350" indent="-514350">
-              <a:buFont typeface="+mj-lt"/>
-              <a:buAutoNum type="arabicPeriod"/>
+              <a:rPr lang="en-GB" sz="2000" b="1" dirty="0" err="1">
+                <a:latin typeface="Arial" panose="020B0604020202020204" pitchFamily="34" charset="0"/>
+                <a:cs typeface="Arial" panose="020B0604020202020204" pitchFamily="34" charset="0"/>
+              </a:rPr>
+              <a:t>GraphQL</a:t>
+            </a:r>
+            <a:r>
+              <a:rPr lang="en-GB" sz="2000" b="1" dirty="0">
+                <a:latin typeface="Arial" panose="020B0604020202020204" pitchFamily="34" charset="0"/>
+                <a:cs typeface="Arial" panose="020B0604020202020204" pitchFamily="34" charset="0"/>
+              </a:rPr>
+              <a:t> Pros &amp; Cons</a:t>
+            </a:r>
+          </a:p>
+          <a:p>
+            <a:pPr marL="0" indent="0">
+              <a:buNone/>
             </a:pPr>
-            <a:endParaRPr lang="en-GB" b="1" dirty="0">
+            <a:endParaRPr lang="en-GB" sz="2000" b="1" dirty="0">
               <a:latin typeface="Arial" panose="020B0604020202020204" pitchFamily="34" charset="0"/>
               <a:cs typeface="Arial" panose="020B0604020202020204" pitchFamily="34" charset="0"/>
             </a:endParaRPr>
           </a:p>
           <a:p>
-            <a:pPr marL="514350" indent="-514350">
-              <a:buFont typeface="+mj-lt"/>
-              <a:buAutoNum type="arabicPeriod"/>
+            <a:pPr marL="0" indent="0">
+              <a:buNone/>
             </a:pPr>
             <a:r>
-              <a:rPr lang="en-GB" b="1" dirty="0">
-                <a:latin typeface="Arial" panose="020B0604020202020204" pitchFamily="34" charset="0"/>
-                <a:cs typeface="Arial" panose="020B0604020202020204" pitchFamily="34" charset="0"/>
-              </a:rPr>
-              <a:t>Demonstration Of A Simple NodeJS </a:t>
-            </a:r>
-            <a:r>
-              <a:rPr lang="en-GB" b="1" dirty="0" err="1">
+              <a:rPr lang="en-GB" sz="2000" b="1" dirty="0" err="1">
                 <a:latin typeface="Arial" panose="020B0604020202020204" pitchFamily="34" charset="0"/>
                 <a:cs typeface="Arial" panose="020B0604020202020204" pitchFamily="34" charset="0"/>
               </a:rPr>
               <a:t>GraphQL</a:t>
             </a:r>
             <a:r>
-              <a:rPr lang="en-GB" b="1" dirty="0">
-                <a:latin typeface="Arial" panose="020B0604020202020204" pitchFamily="34" charset="0"/>
-                <a:cs typeface="Arial" panose="020B0604020202020204" pitchFamily="34" charset="0"/>
-              </a:rPr>
-              <a:t> Server</a:t>
-            </a:r>
-          </a:p>
-          <a:p>
-            <a:pPr marL="514350" indent="-514350">
-              <a:buFont typeface="+mj-lt"/>
-              <a:buAutoNum type="arabicPeriod"/>
+              <a:rPr lang="en-GB" sz="2000" b="1" dirty="0">
+                <a:latin typeface="Arial" panose="020B0604020202020204" pitchFamily="34" charset="0"/>
+                <a:cs typeface="Arial" panose="020B0604020202020204" pitchFamily="34" charset="0"/>
+              </a:rPr>
+              <a:t> Server Libraries And Clients</a:t>
+            </a:r>
+          </a:p>
+          <a:p>
+            <a:pPr marL="0" indent="0">
+              <a:buNone/>
             </a:pPr>
-            <a:endParaRPr lang="en-GB" b="1" dirty="0">
+            <a:endParaRPr lang="en-GB" sz="2000" b="1" dirty="0">
               <a:latin typeface="Arial" panose="020B0604020202020204" pitchFamily="34" charset="0"/>
               <a:cs typeface="Arial" panose="020B0604020202020204" pitchFamily="34" charset="0"/>
             </a:endParaRPr>
           </a:p>
           <a:p>
-            <a:pPr marL="514350" indent="-514350">
-              <a:buFont typeface="+mj-lt"/>
-              <a:buAutoNum type="arabicPeriod"/>
+            <a:pPr marL="0" indent="0">
+              <a:buNone/>
             </a:pPr>
             <a:r>
-              <a:rPr lang="en-GB" b="1" dirty="0" err="1">
-                <a:latin typeface="Arial" panose="020B0604020202020204" pitchFamily="34" charset="0"/>
-                <a:cs typeface="Arial" panose="020B0604020202020204" pitchFamily="34" charset="0"/>
-              </a:rPr>
-              <a:t>GraphQL</a:t>
-            </a:r>
-            <a:r>
-              <a:rPr lang="en-GB" b="1" dirty="0">
-                <a:latin typeface="Arial" panose="020B0604020202020204" pitchFamily="34" charset="0"/>
-                <a:cs typeface="Arial" panose="020B0604020202020204" pitchFamily="34" charset="0"/>
-              </a:rPr>
-              <a:t> Pros &amp; Cons</a:t>
-            </a:r>
-          </a:p>
-          <a:p>
-            <a:pPr marL="514350" indent="-514350">
-              <a:buFont typeface="+mj-lt"/>
-              <a:buAutoNum type="arabicPeriod"/>
-            </a:pPr>
-            <a:endParaRPr lang="en-GB" b="1" dirty="0">
-              <a:latin typeface="Arial" panose="020B0604020202020204" pitchFamily="34" charset="0"/>
-              <a:cs typeface="Arial" panose="020B0604020202020204" pitchFamily="34" charset="0"/>
-            </a:endParaRPr>
-          </a:p>
-          <a:p>
-            <a:pPr marL="514350" indent="-514350">
-              <a:buFont typeface="+mj-lt"/>
-              <a:buAutoNum type="arabicPeriod"/>
-            </a:pPr>
-            <a:r>
-              <a:rPr lang="en-GB" b="1" dirty="0">
+              <a:rPr lang="en-GB" sz="2000" b="1" dirty="0">
                 <a:latin typeface="Arial" panose="020B0604020202020204" pitchFamily="34" charset="0"/>
                 <a:cs typeface="Arial" panose="020B0604020202020204" pitchFamily="34" charset="0"/>
               </a:rPr>
@@ -9302,7 +9023,7 @@
                                         <p:tgtEl>
                                           <p:spTgt spid="3">
                                             <p:txEl>
-                                              <p:pRg st="2" end="2"/>
+                                              <p:pRg st="4" end="4"/>
                                             </p:txEl>
                                           </p:spTgt>
                                         </p:tgtEl>
@@ -9351,7 +9072,7 @@
                                         <p:tgtEl>
                                           <p:spTgt spid="3">
                                             <p:txEl>
-                                              <p:pRg st="4" end="4"/>
+                                              <p:pRg st="6" end="6"/>
                                             </p:txEl>
                                           </p:spTgt>
                                         </p:tgtEl>
@@ -9400,7 +9121,7 @@
                                         <p:tgtEl>
                                           <p:spTgt spid="3">
                                             <p:txEl>
-                                              <p:pRg st="6" end="6"/>
+                                              <p:pRg st="8" end="8"/>
                                             </p:txEl>
                                           </p:spTgt>
                                         </p:tgtEl>
@@ -9449,7 +9170,7 @@
                                         <p:tgtEl>
                                           <p:spTgt spid="3">
                                             <p:txEl>
-                                              <p:pRg st="8" end="8"/>
+                                              <p:pRg st="10" end="10"/>
                                             </p:txEl>
                                           </p:spTgt>
                                         </p:tgtEl>
@@ -11443,52 +11164,70 @@
           <a:lstStyle/>
           <a:p>
             <a:r>
-              <a:rPr lang="en-GB" dirty="0">
-                <a:latin typeface="Arial" panose="020B0604020202020204" pitchFamily="34" charset="0"/>
-                <a:cs typeface="Arial" panose="020B0604020202020204" pitchFamily="34" charset="0"/>
-              </a:rPr>
-              <a:t>A query language for your API</a:t>
-            </a:r>
-          </a:p>
-          <a:p>
-            <a:endParaRPr lang="en-GB" dirty="0">
+              <a:rPr lang="en-GB" sz="2000" dirty="0">
+                <a:latin typeface="Arial" panose="020B0604020202020204" pitchFamily="34" charset="0"/>
+                <a:cs typeface="Arial" panose="020B0604020202020204" pitchFamily="34" charset="0"/>
+              </a:rPr>
+              <a:t>A specification, developed by Facebook and open sourced in 2015</a:t>
+            </a:r>
+          </a:p>
+          <a:p>
+            <a:pPr marL="0" indent="0">
+              <a:buNone/>
+            </a:pPr>
+            <a:endParaRPr lang="en-GB" sz="2000" dirty="0">
               <a:latin typeface="Arial" panose="020B0604020202020204" pitchFamily="34" charset="0"/>
               <a:cs typeface="Arial" panose="020B0604020202020204" pitchFamily="34" charset="0"/>
             </a:endParaRPr>
           </a:p>
           <a:p>
             <a:r>
-              <a:rPr lang="en-GB" dirty="0">
-                <a:latin typeface="Arial" panose="020B0604020202020204" pitchFamily="34" charset="0"/>
-                <a:cs typeface="Arial" panose="020B0604020202020204" pitchFamily="34" charset="0"/>
-              </a:rPr>
-              <a:t>A server-side runtime for executing queries </a:t>
-            </a:r>
-          </a:p>
-          <a:p>
-            <a:endParaRPr lang="en-GB" dirty="0">
+              <a:rPr lang="en-GB" sz="2000" dirty="0">
+                <a:latin typeface="Arial" panose="020B0604020202020204" pitchFamily="34" charset="0"/>
+                <a:cs typeface="Arial" panose="020B0604020202020204" pitchFamily="34" charset="0"/>
+              </a:rPr>
+              <a:t>A query language for your API and server-side runtime for executing queries </a:t>
+            </a:r>
+          </a:p>
+          <a:p>
+            <a:endParaRPr lang="en-GB" sz="2000" dirty="0">
               <a:latin typeface="Arial" panose="020B0604020202020204" pitchFamily="34" charset="0"/>
               <a:cs typeface="Arial" panose="020B0604020202020204" pitchFamily="34" charset="0"/>
             </a:endParaRPr>
           </a:p>
           <a:p>
             <a:r>
-              <a:rPr lang="en-GB" dirty="0">
-                <a:latin typeface="Arial" panose="020B0604020202020204" pitchFamily="34" charset="0"/>
-                <a:cs typeface="Arial" panose="020B0604020202020204" pitchFamily="34" charset="0"/>
-              </a:rPr>
-              <a:t>It can provide a more efficient, powerful and flexible alternative to REST</a:t>
-            </a:r>
-          </a:p>
-          <a:p>
-            <a:endParaRPr lang="en-GB" dirty="0">
+              <a:rPr lang="en-GB" sz="2000" dirty="0">
+                <a:latin typeface="Arial" panose="020B0604020202020204" pitchFamily="34" charset="0"/>
+                <a:cs typeface="Arial" panose="020B0604020202020204" pitchFamily="34" charset="0"/>
+              </a:rPr>
+              <a:t>Isn't tied to any specific database or storage engine </a:t>
+            </a:r>
+          </a:p>
+          <a:p>
+            <a:endParaRPr lang="en-GB" sz="2000" dirty="0">
               <a:latin typeface="Arial" panose="020B0604020202020204" pitchFamily="34" charset="0"/>
               <a:cs typeface="Arial" panose="020B0604020202020204" pitchFamily="34" charset="0"/>
             </a:endParaRPr>
           </a:p>
           <a:p>
             <a:r>
-              <a:rPr lang="en-GB" dirty="0">
+              <a:rPr lang="en-GB" sz="2000" dirty="0">
+                <a:latin typeface="Arial" panose="020B0604020202020204" pitchFamily="34" charset="0"/>
+                <a:cs typeface="Arial" panose="020B0604020202020204" pitchFamily="34" charset="0"/>
+              </a:rPr>
+              <a:t>It can provide a more efficient, powerful and flexible alternative to REST</a:t>
+            </a:r>
+          </a:p>
+          <a:p>
+            <a:endParaRPr lang="en-GB" sz="2000" dirty="0">
+              <a:latin typeface="Arial" panose="020B0604020202020204" pitchFamily="34" charset="0"/>
+              <a:cs typeface="Arial" panose="020B0604020202020204" pitchFamily="34" charset="0"/>
+            </a:endParaRPr>
+          </a:p>
+          <a:p>
+            <a:r>
+              <a:rPr lang="en-GB" sz="2000" dirty="0">
                 <a:latin typeface="Arial" panose="020B0604020202020204" pitchFamily="34" charset="0"/>
                 <a:cs typeface="Arial" panose="020B0604020202020204" pitchFamily="34" charset="0"/>
               </a:rPr>
@@ -11552,7 +11291,7 @@
                                         <p:tgtEl>
                                           <p:spTgt spid="3">
                                             <p:txEl>
-                                              <p:pRg st="0" end="0"/>
+                                              <p:pRg st="2" end="2"/>
                                             </p:txEl>
                                           </p:spTgt>
                                         </p:tgtEl>
@@ -11601,7 +11340,7 @@
                                         <p:tgtEl>
                                           <p:spTgt spid="3">
                                             <p:txEl>
-                                              <p:pRg st="2" end="2"/>
+                                              <p:pRg st="4" end="4"/>
                                             </p:txEl>
                                           </p:spTgt>
                                         </p:tgtEl>
@@ -11650,7 +11389,7 @@
                                         <p:tgtEl>
                                           <p:spTgt spid="3">
                                             <p:txEl>
-                                              <p:pRg st="4" end="4"/>
+                                              <p:pRg st="0" end="0"/>
                                             </p:txEl>
                                           </p:spTgt>
                                         </p:tgtEl>
@@ -11720,6 +11459,55 @@
                       </p:childTnLst>
                     </p:cTn>
                   </p:par>
+                  <p:par>
+                    <p:cTn id="19" fill="hold">
+                      <p:stCondLst>
+                        <p:cond delay="indefinite"/>
+                      </p:stCondLst>
+                      <p:childTnLst>
+                        <p:par>
+                          <p:cTn id="20" fill="hold">
+                            <p:stCondLst>
+                              <p:cond delay="0"/>
+                            </p:stCondLst>
+                            <p:childTnLst>
+                              <p:par>
+                                <p:cTn id="21" presetID="1" presetClass="entr" presetSubtype="0" fill="hold" nodeType="clickEffect">
+                                  <p:stCondLst>
+                                    <p:cond delay="0"/>
+                                  </p:stCondLst>
+                                  <p:childTnLst>
+                                    <p:set>
+                                      <p:cBhvr>
+                                        <p:cTn id="22" dur="1" fill="hold">
+                                          <p:stCondLst>
+                                            <p:cond delay="0"/>
+                                          </p:stCondLst>
+                                        </p:cTn>
+                                        <p:tgtEl>
+                                          <p:spTgt spid="3">
+                                            <p:txEl>
+                                              <p:pRg st="8" end="8"/>
+                                            </p:txEl>
+                                          </p:spTgt>
+                                        </p:tgtEl>
+                                        <p:attrNameLst>
+                                          <p:attrName>style.visibility</p:attrName>
+                                        </p:attrNameLst>
+                                      </p:cBhvr>
+                                      <p:to>
+                                        <p:strVal val="visible"/>
+                                      </p:to>
+                                    </p:set>
+                                  </p:childTnLst>
+                                </p:cTn>
+                              </p:par>
+                            </p:childTnLst>
+                          </p:cTn>
+                        </p:par>
+                      </p:childTnLst>
+                    </p:cTn>
+                  </p:par>
                 </p:childTnLst>
               </p:cTn>
               <p:prevCondLst>
@@ -11767,7 +11555,7 @@
           <p:cNvPr id="2" name="Title 1">
             <a:extLst>
               <a:ext uri="{FF2B5EF4-FFF2-40B4-BE49-F238E27FC236}">
-                <a16:creationId xmlns:a16="http://schemas.microsoft.com/office/drawing/2014/main" id="{5025B909-8380-407F-98D1-5BBA276DF1B7}"/>
+                <a16:creationId xmlns:a16="http://schemas.microsoft.com/office/drawing/2014/main" id="{9CDF0D2A-81E2-4D08-B78E-FBEF9039EB1B}"/>
               </a:ext>
             </a:extLst>
           </p:cNvPr>
@@ -11786,11 +11574,158 @@
           <a:lstStyle/>
           <a:p>
             <a:r>
+              <a:rPr lang="en-GB" sz="4000" b="1" dirty="0" err="1">
+                <a:latin typeface="Arial" panose="020B0604020202020204" pitchFamily="34" charset="0"/>
+                <a:cs typeface="Arial" panose="020B0604020202020204" pitchFamily="34" charset="0"/>
+              </a:rPr>
+              <a:t>GraphQL</a:t>
+            </a:r>
+            <a:r>
               <a:rPr lang="en-GB" sz="4000" b="1" dirty="0">
                 <a:latin typeface="Arial" panose="020B0604020202020204" pitchFamily="34" charset="0"/>
                 <a:cs typeface="Arial" panose="020B0604020202020204" pitchFamily="34" charset="0"/>
               </a:rPr>
-              <a:t>Thank You For Listening</a:t>
+              <a:t> Server Libraries</a:t>
+            </a:r>
+            <a:endParaRPr lang="en-GB" sz="4000" dirty="0"/>
+          </a:p>
+        </p:txBody>
+      </p:sp>
+      <p:sp>
+        <p:nvSpPr>
+          <p:cNvPr id="3" name="Content Placeholder 2">
+            <a:extLst>
+              <a:ext uri="{FF2B5EF4-FFF2-40B4-BE49-F238E27FC236}">
+                <a16:creationId xmlns:a16="http://schemas.microsoft.com/office/drawing/2014/main" id="{EA078A30-DC29-45F8-96F9-AD31D1126AFA}"/>
+              </a:ext>
+            </a:extLst>
+          </p:cNvPr>
+          <p:cNvSpPr>
+            <a:spLocks noGrp="1"/>
+          </p:cNvSpPr>
+          <p:nvPr>
+            <p:ph idx="1"/>
+          </p:nvPr>
+        </p:nvSpPr>
+        <p:spPr>
+          <a:xfrm>
+            <a:off x="838200" y="1445614"/>
+            <a:ext cx="10515600" cy="4351338"/>
+          </a:xfrm>
+        </p:spPr>
+        <p:txBody>
+          <a:bodyPr>
+            <a:normAutofit/>
+          </a:bodyPr>
+          <a:lstStyle/>
+          <a:p>
+            <a:pPr marL="0" indent="0">
+              <a:buNone/>
+            </a:pPr>
+            <a:r>
+              <a:rPr lang="en-GB" sz="2000" dirty="0">
+                <a:latin typeface="Arial" panose="020B0604020202020204" pitchFamily="34" charset="0"/>
+                <a:cs typeface="Arial" panose="020B0604020202020204" pitchFamily="34" charset="0"/>
+              </a:rPr>
+              <a:t>As </a:t>
+            </a:r>
+            <a:r>
+              <a:rPr lang="en-GB" sz="2000" dirty="0" err="1">
+                <a:latin typeface="Arial" panose="020B0604020202020204" pitchFamily="34" charset="0"/>
+                <a:cs typeface="Arial" panose="020B0604020202020204" pitchFamily="34" charset="0"/>
+              </a:rPr>
+              <a:t>GraphQL</a:t>
+            </a:r>
+            <a:r>
+              <a:rPr lang="en-GB" sz="2000" dirty="0">
+                <a:latin typeface="Arial" panose="020B0604020202020204" pitchFamily="34" charset="0"/>
+                <a:cs typeface="Arial" panose="020B0604020202020204" pitchFamily="34" charset="0"/>
+              </a:rPr>
+              <a:t> is a </a:t>
+            </a:r>
+            <a:r>
+              <a:rPr lang="en-GB" sz="2000" b="1" dirty="0">
+                <a:latin typeface="Arial" panose="020B0604020202020204" pitchFamily="34" charset="0"/>
+                <a:cs typeface="Arial" panose="020B0604020202020204" pitchFamily="34" charset="0"/>
+              </a:rPr>
+              <a:t>specification</a:t>
+            </a:r>
+            <a:r>
+              <a:rPr lang="en-GB" sz="2000" dirty="0">
+                <a:latin typeface="Arial" panose="020B0604020202020204" pitchFamily="34" charset="0"/>
+                <a:cs typeface="Arial" panose="020B0604020202020204" pitchFamily="34" charset="0"/>
+              </a:rPr>
+              <a:t> you can find server libraries to help you implement </a:t>
+            </a:r>
+            <a:r>
+              <a:rPr lang="en-GB" sz="2000" dirty="0" err="1">
+                <a:latin typeface="Arial" panose="020B0604020202020204" pitchFamily="34" charset="0"/>
+                <a:cs typeface="Arial" panose="020B0604020202020204" pitchFamily="34" charset="0"/>
+              </a:rPr>
+              <a:t>GraphQL</a:t>
+            </a:r>
+            <a:r>
+              <a:rPr lang="en-GB" sz="2000" dirty="0">
+                <a:latin typeface="Arial" panose="020B0604020202020204" pitchFamily="34" charset="0"/>
+                <a:cs typeface="Arial" panose="020B0604020202020204" pitchFamily="34" charset="0"/>
+              </a:rPr>
+              <a:t> in a variety of languages including:</a:t>
+            </a:r>
+          </a:p>
+          <a:p>
+            <a:pPr marL="0" indent="0">
+              <a:buNone/>
+            </a:pPr>
+            <a:endParaRPr lang="en-GB" sz="2000" dirty="0">
+              <a:latin typeface="Arial" panose="020B0604020202020204" pitchFamily="34" charset="0"/>
+              <a:cs typeface="Arial" panose="020B0604020202020204" pitchFamily="34" charset="0"/>
+            </a:endParaRPr>
+          </a:p>
+          <a:p>
+            <a:pPr marL="0" indent="0">
+              <a:buNone/>
+            </a:pPr>
+            <a:r>
+              <a:rPr lang="en-GB" sz="2000" dirty="0">
+                <a:latin typeface="Arial" panose="020B0604020202020204" pitchFamily="34" charset="0"/>
+                <a:cs typeface="Arial" panose="020B0604020202020204" pitchFamily="34" charset="0"/>
+              </a:rPr>
+              <a:t>C# / .NET, Clojure, Elixir, Erlang, </a:t>
+            </a:r>
+            <a:r>
+              <a:rPr lang="en-GB" sz="2000" dirty="0" err="1">
+                <a:latin typeface="Arial" panose="020B0604020202020204" pitchFamily="34" charset="0"/>
+                <a:cs typeface="Arial" panose="020B0604020202020204" pitchFamily="34" charset="0"/>
+              </a:rPr>
+              <a:t>Go,Groovy</a:t>
+            </a:r>
+            <a:r>
+              <a:rPr lang="en-GB" sz="2000" dirty="0">
+                <a:latin typeface="Arial" panose="020B0604020202020204" pitchFamily="34" charset="0"/>
+                <a:cs typeface="Arial" panose="020B0604020202020204" pitchFamily="34" charset="0"/>
+              </a:rPr>
+              <a:t>, Java, JavaScript, PHP, Python, Scala, Ruby</a:t>
+            </a:r>
+          </a:p>
+          <a:p>
+            <a:pPr marL="0" indent="0">
+              <a:buNone/>
+            </a:pPr>
+            <a:endParaRPr lang="en-GB" sz="2000" dirty="0">
+              <a:latin typeface="Arial" panose="020B0604020202020204" pitchFamily="34" charset="0"/>
+              <a:cs typeface="Arial" panose="020B0604020202020204" pitchFamily="34" charset="0"/>
+            </a:endParaRPr>
+          </a:p>
+          <a:p>
+            <a:pPr marL="0" indent="0">
+              <a:buNone/>
+            </a:pPr>
+            <a:r>
+              <a:rPr lang="en-GB" sz="2000" dirty="0">
+                <a:latin typeface="Arial" panose="020B0604020202020204" pitchFamily="34" charset="0"/>
+                <a:cs typeface="Arial" panose="020B0604020202020204" pitchFamily="34" charset="0"/>
+              </a:rPr>
+              <a:t> </a:t>
             </a:r>
           </a:p>
         </p:txBody>
@@ -11798,7 +11733,7 @@
     </p:spTree>
     <p:extLst>
       <p:ext uri="{BB962C8B-B14F-4D97-AF65-F5344CB8AC3E}">
-        <p14:creationId xmlns:p14="http://schemas.microsoft.com/office/powerpoint/2010/main" val="360220739"/>
+        <p14:creationId xmlns:p14="http://schemas.microsoft.com/office/powerpoint/2010/main" val="268548884"/>
       </p:ext>
     </p:extLst>
   </p:cSld>
@@ -11830,6 +11765,69 @@
           <p:cNvPr id="2" name="Title 1">
             <a:extLst>
               <a:ext uri="{FF2B5EF4-FFF2-40B4-BE49-F238E27FC236}">
+                <a16:creationId xmlns:a16="http://schemas.microsoft.com/office/drawing/2014/main" id="{5025B909-8380-407F-98D1-5BBA276DF1B7}"/>
+              </a:ext>
+            </a:extLst>
+          </p:cNvPr>
+          <p:cNvSpPr>
+            <a:spLocks noGrp="1"/>
+          </p:cNvSpPr>
+          <p:nvPr>
+            <p:ph type="title"/>
+          </p:nvPr>
+        </p:nvSpPr>
+        <p:spPr/>
+        <p:txBody>
+          <a:bodyPr>
+            <a:normAutofit/>
+          </a:bodyPr>
+          <a:lstStyle/>
+          <a:p>
+            <a:r>
+              <a:rPr lang="en-GB" sz="4000" b="1" dirty="0">
+                <a:latin typeface="Arial" panose="020B0604020202020204" pitchFamily="34" charset="0"/>
+                <a:cs typeface="Arial" panose="020B0604020202020204" pitchFamily="34" charset="0"/>
+              </a:rPr>
+              <a:t>Thank You For Listening</a:t>
+            </a:r>
+          </a:p>
+        </p:txBody>
+      </p:sp>
+    </p:spTree>
+    <p:extLst>
+      <p:ext uri="{BB962C8B-B14F-4D97-AF65-F5344CB8AC3E}">
+        <p14:creationId xmlns:p14="http://schemas.microsoft.com/office/powerpoint/2010/main" val="360220739"/>
+      </p:ext>
+    </p:extLst>
+  </p:cSld>
+  <p:clrMapOvr>
+    <a:masterClrMapping/>
+  </p:clrMapOvr>
+</p:sld>
+</file>
+
+<file path=ppt/slides/slide32.xml><?xml version="1.0" encoding="utf-8"?>
+<p:sld xmlns:a="http://schemas.openxmlformats.org/drawingml/2006/main" xmlns:r="http://schemas.openxmlformats.org/officeDocument/2006/relationships" xmlns:p="http://schemas.openxmlformats.org/presentationml/2006/main">
+  <p:cSld>
+    <p:spTree>
+      <p:nvGrpSpPr>
+        <p:cNvPr id="1" name=""/>
+        <p:cNvGrpSpPr/>
+        <p:nvPr/>
+      </p:nvGrpSpPr>
+      <p:grpSpPr>
+        <a:xfrm>
+          <a:off x="0" y="0"/>
+          <a:ext cx="0" cy="0"/>
+          <a:chOff x="0" y="0"/>
+          <a:chExt cx="0" cy="0"/>
+        </a:xfrm>
+      </p:grpSpPr>
+      <p:sp>
+        <p:nvSpPr>
+          <p:cNvPr id="2" name="Title 1">
+            <a:extLst>
+              <a:ext uri="{FF2B5EF4-FFF2-40B4-BE49-F238E27FC236}">
                 <a16:creationId xmlns:a16="http://schemas.microsoft.com/office/drawing/2014/main" id="{ADF842CB-C496-4F73-A1FF-31C756A22EC4}"/>
               </a:ext>
             </a:extLst>
@@ -11871,7 +11869,7 @@
 </p:sld>
 </file>
 
-<file path=ppt/slides/slide32.xml><?xml version="1.0" encoding="utf-8"?>
+<file path=ppt/slides/slide33.xml><?xml version="1.0" encoding="utf-8"?>
 <p:sld xmlns:a="http://schemas.openxmlformats.org/drawingml/2006/main" xmlns:r="http://schemas.openxmlformats.org/officeDocument/2006/relationships" xmlns:p="http://schemas.openxmlformats.org/presentationml/2006/main" show="0">
   <p:cSld>
     <p:spTree>
@@ -11974,7 +11972,7 @@
 </p:sld>
 </file>
 
-<file path=ppt/slides/slide33.xml><?xml version="1.0" encoding="utf-8"?>
+<file path=ppt/slides/slide34.xml><?xml version="1.0" encoding="utf-8"?>
 <p:sld xmlns:a="http://schemas.openxmlformats.org/drawingml/2006/main" xmlns:r="http://schemas.openxmlformats.org/officeDocument/2006/relationships" xmlns:p="http://schemas.openxmlformats.org/presentationml/2006/main" show="0">
   <p:cSld>
     <p:spTree>
@@ -13392,11 +13390,18 @@
               </a:rPr>
             </a:br>
             <a:r>
+              <a:rPr lang="en-GB" b="1" dirty="0" err="1">
+                <a:latin typeface="Arial" panose="020B0604020202020204" pitchFamily="34" charset="0"/>
+                <a:cs typeface="Arial" panose="020B0604020202020204" pitchFamily="34" charset="0"/>
+              </a:rPr>
+              <a:t>GraphQL</a:t>
+            </a:r>
+            <a:r>
               <a:rPr lang="en-GB" b="1" dirty="0">
                 <a:latin typeface="Arial" panose="020B0604020202020204" pitchFamily="34" charset="0"/>
                 <a:cs typeface="Arial" panose="020B0604020202020204" pitchFamily="34" charset="0"/>
               </a:rPr>
-              <a:t>Fundamental Language Constructs</a:t>
+              <a:t> API Components</a:t>
             </a:r>
             <a:br>
               <a:rPr lang="en-GB" b="1" dirty="0">
@@ -13426,7 +13431,7 @@
         <p:spPr>
           <a:xfrm>
             <a:off x="838200" y="1666142"/>
-            <a:ext cx="7056863" cy="2523768"/>
+            <a:ext cx="10515600" cy="3385542"/>
           </a:xfrm>
           <a:prstGeom prst="rect">
             <a:avLst/>
@@ -13439,23 +13444,35 @@
           </a:bodyPr>
           <a:lstStyle/>
           <a:p>
+            <a:r>
+              <a:rPr lang="en-GB" sz="2800" dirty="0">
+                <a:latin typeface="Arial" panose="020B0604020202020204" pitchFamily="34" charset="0"/>
+                <a:cs typeface="Arial" panose="020B0604020202020204" pitchFamily="34" charset="0"/>
+              </a:rPr>
+              <a:t>Organised around 3 main building blocks:</a:t>
+            </a:r>
+          </a:p>
+          <a:p>
             <a:pPr marL="285750" indent="-285750">
               <a:buFont typeface="Arial" panose="020B0604020202020204" pitchFamily="34" charset="0"/>
               <a:buChar char="•"/>
             </a:pPr>
-            <a:r>
-              <a:rPr lang="en-GB" sz="2800" dirty="0" err="1">
-                <a:latin typeface="Arial" panose="020B0604020202020204" pitchFamily="34" charset="0"/>
-                <a:cs typeface="Arial" panose="020B0604020202020204" pitchFamily="34" charset="0"/>
-              </a:rPr>
-              <a:t>GraphQL</a:t>
-            </a:r>
+            <a:endParaRPr lang="en-GB" sz="2800" dirty="0">
+              <a:latin typeface="Arial" panose="020B0604020202020204" pitchFamily="34" charset="0"/>
+              <a:cs typeface="Arial" panose="020B0604020202020204" pitchFamily="34" charset="0"/>
+            </a:endParaRPr>
+          </a:p>
+          <a:p>
+            <a:pPr marL="285750" indent="-285750">
+              <a:buFont typeface="Arial" panose="020B0604020202020204" pitchFamily="34" charset="0"/>
+              <a:buChar char="•"/>
+            </a:pPr>
             <a:r>
               <a:rPr lang="en-GB" sz="2800" dirty="0">
                 <a:latin typeface="Arial" panose="020B0604020202020204" pitchFamily="34" charset="0"/>
                 <a:cs typeface="Arial" panose="020B0604020202020204" pitchFamily="34" charset="0"/>
               </a:rPr>
-              <a:t> Schema</a:t>
+              <a:t>Schema</a:t>
             </a:r>
           </a:p>
           <a:p>
@@ -13555,7 +13572,7 @@
                                         <p:tgtEl>
                                           <p:spTgt spid="3">
                                             <p:txEl>
-                                              <p:pRg st="0" end="0"/>
+                                              <p:pRg st="2" end="2"/>
                                             </p:txEl>
                                           </p:spTgt>
                                         </p:tgtEl>
@@ -13604,7 +13621,7 @@
                                         <p:tgtEl>
                                           <p:spTgt spid="3">
                                             <p:txEl>
-                                              <p:pRg st="2" end="2"/>
+                                              <p:pRg st="0" end="0"/>
                                             </p:txEl>
                                           </p:spTgt>
                                         </p:tgtEl>
@@ -13674,6 +13691,55 @@
                       </p:childTnLst>
                     </p:cTn>
                   </p:par>
+                  <p:par>
+                    <p:cTn id="15" fill="hold">
+                      <p:stCondLst>
+                        <p:cond delay="indefinite"/>
+                      </p:stCondLst>
+                      <p:childTnLst>
+                        <p:par>
+                          <p:cTn id="16" fill="hold">
+                            <p:stCondLst>
+                              <p:cond delay="0"/>
+                            </p:stCondLst>
+                            <p:childTnLst>
+                              <p:par>
+                                <p:cTn id="17" presetID="1" presetClass="entr" presetSubtype="0" fill="hold" nodeType="clickEffect">
+                                  <p:stCondLst>
+                                    <p:cond delay="0"/>
+                                  </p:stCondLst>
+                                  <p:childTnLst>
+                                    <p:set>
+                                      <p:cBhvr>
+                                        <p:cTn id="18" dur="1" fill="hold">
+                                          <p:stCondLst>
+                                            <p:cond delay="0"/>
+                                          </p:stCondLst>
+                                        </p:cTn>
+                                        <p:tgtEl>
+                                          <p:spTgt spid="3">
+                                            <p:txEl>
+                                              <p:pRg st="6" end="6"/>
+                                            </p:txEl>
+                                          </p:spTgt>
+                                        </p:tgtEl>
+                                        <p:attrNameLst>
+                                          <p:attrName>style.visibility</p:attrName>
+                                        </p:attrNameLst>
+                                      </p:cBhvr>
+                                      <p:to>
+                                        <p:strVal val="visible"/>
+                                      </p:to>
+                                    </p:set>
+                                  </p:childTnLst>
+                                </p:cTn>
+                              </p:par>
+                            </p:childTnLst>
+                          </p:cTn>
+                        </p:par>
+                      </p:childTnLst>
+                    </p:cTn>
+                  </p:par>
                 </p:childTnLst>
               </p:cTn>
               <p:prevCondLst>
@@ -13735,7 +13801,7 @@
         <p:spPr>
           <a:xfrm>
             <a:off x="838200" y="365126"/>
-            <a:ext cx="10515600" cy="794602"/>
+            <a:ext cx="5721096" cy="794602"/>
           </a:xfrm>
         </p:spPr>
         <p:txBody>
@@ -13786,142 +13852,156 @@
         </p:nvSpPr>
         <p:spPr>
           <a:xfrm>
-            <a:off x="838200" y="1516566"/>
+            <a:off x="838200" y="1417571"/>
             <a:ext cx="10515600" cy="5075303"/>
           </a:xfrm>
         </p:spPr>
         <p:txBody>
           <a:bodyPr>
-            <a:normAutofit lnSpcReduction="10000"/>
+            <a:normAutofit/>
           </a:bodyPr>
           <a:lstStyle/>
           <a:p>
             <a:r>
-              <a:rPr lang="en-GB" dirty="0">
-                <a:latin typeface="Arial" panose="020B0604020202020204" pitchFamily="34" charset="0"/>
-                <a:cs typeface="Arial" panose="020B0604020202020204" pitchFamily="34" charset="0"/>
-              </a:rPr>
-              <a:t>Used in the </a:t>
-            </a:r>
-            <a:r>
-              <a:rPr lang="en-GB" dirty="0" err="1">
+              <a:rPr lang="en-GB" sz="2000" dirty="0">
+                <a:latin typeface="Arial" panose="020B0604020202020204" pitchFamily="34" charset="0"/>
+                <a:cs typeface="Arial" panose="020B0604020202020204" pitchFamily="34" charset="0"/>
+              </a:rPr>
+              <a:t>Used in a server-side runtime</a:t>
+            </a:r>
+          </a:p>
+          <a:p>
+            <a:endParaRPr lang="en-GB" sz="2000" dirty="0">
+              <a:latin typeface="Arial" panose="020B0604020202020204" pitchFamily="34" charset="0"/>
+              <a:cs typeface="Arial" panose="020B0604020202020204" pitchFamily="34" charset="0"/>
+            </a:endParaRPr>
+          </a:p>
+          <a:p>
+            <a:r>
+              <a:rPr lang="en-GB" sz="2000" dirty="0">
+                <a:latin typeface="Arial" panose="020B0604020202020204" pitchFamily="34" charset="0"/>
+                <a:cs typeface="Arial" panose="020B0604020202020204" pitchFamily="34" charset="0"/>
+              </a:rPr>
+              <a:t>The single source of truth in </a:t>
+            </a:r>
+            <a:r>
+              <a:rPr lang="en-GB" sz="2000" dirty="0" err="1">
                 <a:latin typeface="Arial" panose="020B0604020202020204" pitchFamily="34" charset="0"/>
                 <a:cs typeface="Arial" panose="020B0604020202020204" pitchFamily="34" charset="0"/>
               </a:rPr>
               <a:t>GraphQL</a:t>
             </a:r>
             <a:r>
-              <a:rPr lang="en-GB" dirty="0">
-                <a:latin typeface="Arial" panose="020B0604020202020204" pitchFamily="34" charset="0"/>
-                <a:cs typeface="Arial" panose="020B0604020202020204" pitchFamily="34" charset="0"/>
-              </a:rPr>
-              <a:t> server-side runtime</a:t>
-            </a:r>
+              <a:rPr lang="en-GB" sz="2000" dirty="0">
+                <a:latin typeface="Arial" panose="020B0604020202020204" pitchFamily="34" charset="0"/>
+                <a:cs typeface="Arial" panose="020B0604020202020204" pitchFamily="34" charset="0"/>
+              </a:rPr>
+              <a:t> applications </a:t>
+            </a:r>
+          </a:p>
+          <a:p>
+            <a:endParaRPr lang="en-GB" sz="2000" dirty="0">
+              <a:latin typeface="Arial" panose="020B0604020202020204" pitchFamily="34" charset="0"/>
+              <a:cs typeface="Arial" panose="020B0604020202020204" pitchFamily="34" charset="0"/>
+            </a:endParaRPr>
+          </a:p>
+          <a:p>
+            <a:r>
+              <a:rPr lang="en-GB" sz="2000" dirty="0">
+                <a:latin typeface="Arial" panose="020B0604020202020204" pitchFamily="34" charset="0"/>
+                <a:cs typeface="Arial" panose="020B0604020202020204" pitchFamily="34" charset="0"/>
+              </a:rPr>
+              <a:t>Can be seen as a contract between the server and the client</a:t>
+            </a:r>
+          </a:p>
+          <a:p>
+            <a:endParaRPr lang="en-GB" sz="2000" dirty="0">
+              <a:latin typeface="Arial" panose="020B0604020202020204" pitchFamily="34" charset="0"/>
+              <a:cs typeface="Arial" panose="020B0604020202020204" pitchFamily="34" charset="0"/>
+            </a:endParaRPr>
+          </a:p>
+          <a:p>
+            <a:r>
+              <a:rPr lang="en-GB" sz="2000" dirty="0">
+                <a:latin typeface="Arial" panose="020B0604020202020204" pitchFamily="34" charset="0"/>
+                <a:cs typeface="Arial" panose="020B0604020202020204" pitchFamily="34" charset="0"/>
+              </a:rPr>
+              <a:t>Defines the data available from the API and how clients can request it</a:t>
+            </a:r>
+          </a:p>
+          <a:p>
+            <a:endParaRPr lang="en-GB" sz="2000" dirty="0">
+              <a:latin typeface="Arial" panose="020B0604020202020204" pitchFamily="34" charset="0"/>
+              <a:cs typeface="Arial" panose="020B0604020202020204" pitchFamily="34" charset="0"/>
+            </a:endParaRPr>
+          </a:p>
+          <a:p>
+            <a:r>
+              <a:rPr lang="en-GB" sz="2000" dirty="0">
+                <a:latin typeface="Arial" panose="020B0604020202020204" pitchFamily="34" charset="0"/>
+                <a:cs typeface="Arial" panose="020B0604020202020204" pitchFamily="34" charset="0"/>
+              </a:rPr>
+              <a:t>Validates </a:t>
+            </a:r>
+            <a:r>
+              <a:rPr lang="en-GB" sz="2000" dirty="0" err="1">
+                <a:latin typeface="Arial" panose="020B0604020202020204" pitchFamily="34" charset="0"/>
+                <a:cs typeface="Arial" panose="020B0604020202020204" pitchFamily="34" charset="0"/>
+              </a:rPr>
+              <a:t>GraphQL</a:t>
+            </a:r>
+            <a:r>
+              <a:rPr lang="en-GB" sz="2000" dirty="0">
+                <a:latin typeface="Arial" panose="020B0604020202020204" pitchFamily="34" charset="0"/>
+                <a:cs typeface="Arial" panose="020B0604020202020204" pitchFamily="34" charset="0"/>
+              </a:rPr>
+              <a:t> queries</a:t>
+            </a:r>
+          </a:p>
+          <a:p>
+            <a:endParaRPr lang="en-GB" sz="2000" dirty="0">
+              <a:latin typeface="Arial" panose="020B0604020202020204" pitchFamily="34" charset="0"/>
+              <a:cs typeface="Arial" panose="020B0604020202020204" pitchFamily="34" charset="0"/>
+            </a:endParaRPr>
+          </a:p>
+          <a:p>
+            <a:r>
+              <a:rPr lang="en-GB" sz="2000" dirty="0">
+                <a:latin typeface="Arial" panose="020B0604020202020204" pitchFamily="34" charset="0"/>
+                <a:cs typeface="Arial" panose="020B0604020202020204" pitchFamily="34" charset="0"/>
+              </a:rPr>
+              <a:t>Strongly typed and most commonly defined using the </a:t>
+            </a:r>
+            <a:r>
+              <a:rPr lang="en-GB" sz="2000" b="1" dirty="0" err="1">
+                <a:latin typeface="Arial" panose="020B0604020202020204" pitchFamily="34" charset="0"/>
+                <a:cs typeface="Arial" panose="020B0604020202020204" pitchFamily="34" charset="0"/>
+              </a:rPr>
+              <a:t>GraphQL</a:t>
+            </a:r>
+            <a:r>
+              <a:rPr lang="en-GB" sz="2000" b="1" dirty="0">
+                <a:latin typeface="Arial" panose="020B0604020202020204" pitchFamily="34" charset="0"/>
+                <a:cs typeface="Arial" panose="020B0604020202020204" pitchFamily="34" charset="0"/>
+              </a:rPr>
+              <a:t> Schema Definition Language</a:t>
+            </a:r>
+            <a:endParaRPr lang="en-GB" sz="2000" dirty="0">
+              <a:latin typeface="Arial" panose="020B0604020202020204" pitchFamily="34" charset="0"/>
+              <a:cs typeface="Arial" panose="020B0604020202020204" pitchFamily="34" charset="0"/>
+            </a:endParaRPr>
+          </a:p>
+          <a:p>
+            <a:endParaRPr lang="en-GB" sz="2000" dirty="0">
+              <a:latin typeface="Arial" panose="020B0604020202020204" pitchFamily="34" charset="0"/>
+              <a:cs typeface="Arial" panose="020B0604020202020204" pitchFamily="34" charset="0"/>
+            </a:endParaRPr>
           </a:p>
           <a:p>
             <a:endParaRPr lang="en-GB" dirty="0">
               <a:latin typeface="Arial" panose="020B0604020202020204" pitchFamily="34" charset="0"/>
               <a:cs typeface="Arial" panose="020B0604020202020204" pitchFamily="34" charset="0"/>
             </a:endParaRPr>
-          </a:p>
-          <a:p>
-            <a:r>
-              <a:rPr lang="en-GB" dirty="0">
-                <a:latin typeface="Arial" panose="020B0604020202020204" pitchFamily="34" charset="0"/>
-                <a:cs typeface="Arial" panose="020B0604020202020204" pitchFamily="34" charset="0"/>
-              </a:rPr>
-              <a:t>The </a:t>
-            </a:r>
-            <a:r>
-              <a:rPr lang="en-GB" dirty="0" err="1">
-                <a:latin typeface="Arial" panose="020B0604020202020204" pitchFamily="34" charset="0"/>
-                <a:cs typeface="Arial" panose="020B0604020202020204" pitchFamily="34" charset="0"/>
-              </a:rPr>
-              <a:t>GraphQL</a:t>
-            </a:r>
-            <a:r>
-              <a:rPr lang="en-GB" dirty="0">
-                <a:latin typeface="Arial" panose="020B0604020202020204" pitchFamily="34" charset="0"/>
-                <a:cs typeface="Arial" panose="020B0604020202020204" pitchFamily="34" charset="0"/>
-              </a:rPr>
-              <a:t> schema is the single source of truth in </a:t>
-            </a:r>
-            <a:r>
-              <a:rPr lang="en-GB" dirty="0" err="1">
-                <a:latin typeface="Arial" panose="020B0604020202020204" pitchFamily="34" charset="0"/>
-                <a:cs typeface="Arial" panose="020B0604020202020204" pitchFamily="34" charset="0"/>
-              </a:rPr>
-              <a:t>GraphQL</a:t>
-            </a:r>
-            <a:r>
-              <a:rPr lang="en-GB" dirty="0">
-                <a:latin typeface="Arial" panose="020B0604020202020204" pitchFamily="34" charset="0"/>
-                <a:cs typeface="Arial" panose="020B0604020202020204" pitchFamily="34" charset="0"/>
-              </a:rPr>
-              <a:t> applications</a:t>
-            </a:r>
-          </a:p>
-          <a:p>
-            <a:endParaRPr lang="en-GB" dirty="0">
-              <a:latin typeface="Arial" panose="020B0604020202020204" pitchFamily="34" charset="0"/>
-              <a:cs typeface="Arial" panose="020B0604020202020204" pitchFamily="34" charset="0"/>
-            </a:endParaRPr>
-          </a:p>
-          <a:p>
-            <a:r>
-              <a:rPr lang="en-GB" dirty="0">
-                <a:latin typeface="Arial" panose="020B0604020202020204" pitchFamily="34" charset="0"/>
-                <a:cs typeface="Arial" panose="020B0604020202020204" pitchFamily="34" charset="0"/>
-              </a:rPr>
-              <a:t>Defines the data available from the API how clients can request data from it</a:t>
-            </a:r>
-          </a:p>
-          <a:p>
-            <a:pPr marL="0" indent="0">
-              <a:buNone/>
-            </a:pPr>
-            <a:endParaRPr lang="en-GB" dirty="0">
-              <a:latin typeface="Arial" panose="020B0604020202020204" pitchFamily="34" charset="0"/>
-              <a:cs typeface="Arial" panose="020B0604020202020204" pitchFamily="34" charset="0"/>
-            </a:endParaRPr>
-          </a:p>
-          <a:p>
-            <a:r>
-              <a:rPr lang="en-GB" dirty="0">
-                <a:latin typeface="Arial" panose="020B0604020202020204" pitchFamily="34" charset="0"/>
-                <a:cs typeface="Arial" panose="020B0604020202020204" pitchFamily="34" charset="0"/>
-              </a:rPr>
-              <a:t>Used to validate </a:t>
-            </a:r>
-            <a:r>
-              <a:rPr lang="en-GB" dirty="0" err="1">
-                <a:latin typeface="Arial" panose="020B0604020202020204" pitchFamily="34" charset="0"/>
-                <a:cs typeface="Arial" panose="020B0604020202020204" pitchFamily="34" charset="0"/>
-              </a:rPr>
-              <a:t>GraphQL</a:t>
-            </a:r>
-            <a:r>
-              <a:rPr lang="en-GB" dirty="0">
-                <a:latin typeface="Arial" panose="020B0604020202020204" pitchFamily="34" charset="0"/>
-                <a:cs typeface="Arial" panose="020B0604020202020204" pitchFamily="34" charset="0"/>
-              </a:rPr>
-              <a:t> queries</a:t>
-            </a:r>
-          </a:p>
-          <a:p>
-            <a:endParaRPr lang="en-GB" dirty="0">
-              <a:latin typeface="Arial" panose="020B0604020202020204" pitchFamily="34" charset="0"/>
-              <a:cs typeface="Arial" panose="020B0604020202020204" pitchFamily="34" charset="0"/>
-            </a:endParaRPr>
-          </a:p>
-          <a:p>
-            <a:r>
-              <a:rPr lang="en-GB" dirty="0">
-                <a:latin typeface="Arial" panose="020B0604020202020204" pitchFamily="34" charset="0"/>
-                <a:cs typeface="Arial" panose="020B0604020202020204" pitchFamily="34" charset="0"/>
-              </a:rPr>
-              <a:t>Can be seen as a contract between the server and the client</a:t>
-            </a:r>
           </a:p>
           <a:p>
             <a:endParaRPr lang="en-GB" dirty="0"/>
@@ -13974,7 +14054,7 @@
                                         <p:tgtEl>
                                           <p:spTgt spid="3">
                                             <p:txEl>
-                                              <p:pRg st="0" end="0"/>
+                                              <p:pRg st="2" end="2"/>
                                             </p:txEl>
                                           </p:spTgt>
                                         </p:tgtEl>
@@ -14023,7 +14103,7 @@
                                         <p:tgtEl>
                                           <p:spTgt spid="3">
                                             <p:txEl>
-                                              <p:pRg st="2" end="2"/>
+                                              <p:pRg st="0" end="0"/>
                                             </p:txEl>
                                           </p:spTgt>
                                         </p:tgtEl>

--- a/current.pptx
+++ b/current.pptx
@@ -5,7 +5,7 @@
     <p:sldMasterId id="2147483648" r:id="rId1"/>
   </p:sldMasterIdLst>
   <p:notesMasterIdLst>
-    <p:notesMasterId r:id="rId36"/>
+    <p:notesMasterId r:id="rId38"/>
   </p:notesMasterIdLst>
   <p:sldIdLst>
     <p:sldId id="256" r:id="rId2"/>
@@ -21,27 +21,29 @@
     <p:sldId id="270" r:id="rId12"/>
     <p:sldId id="273" r:id="rId13"/>
     <p:sldId id="272" r:id="rId14"/>
-    <p:sldId id="271" r:id="rId15"/>
-    <p:sldId id="294" r:id="rId16"/>
-    <p:sldId id="274" r:id="rId17"/>
-    <p:sldId id="276" r:id="rId18"/>
-    <p:sldId id="277" r:id="rId19"/>
-    <p:sldId id="282" r:id="rId20"/>
-    <p:sldId id="278" r:id="rId21"/>
-    <p:sldId id="280" r:id="rId22"/>
-    <p:sldId id="281" r:id="rId23"/>
-    <p:sldId id="283" r:id="rId24"/>
-    <p:sldId id="284" r:id="rId25"/>
-    <p:sldId id="285" r:id="rId26"/>
-    <p:sldId id="287" r:id="rId27"/>
-    <p:sldId id="289" r:id="rId28"/>
-    <p:sldId id="288" r:id="rId29"/>
-    <p:sldId id="290" r:id="rId30"/>
-    <p:sldId id="293" r:id="rId31"/>
-    <p:sldId id="291" r:id="rId32"/>
-    <p:sldId id="292" r:id="rId33"/>
-    <p:sldId id="275" r:id="rId34"/>
-    <p:sldId id="262" r:id="rId35"/>
+    <p:sldId id="294" r:id="rId15"/>
+    <p:sldId id="295" r:id="rId16"/>
+    <p:sldId id="296" r:id="rId17"/>
+    <p:sldId id="297" r:id="rId18"/>
+    <p:sldId id="274" r:id="rId19"/>
+    <p:sldId id="276" r:id="rId20"/>
+    <p:sldId id="277" r:id="rId21"/>
+    <p:sldId id="282" r:id="rId22"/>
+    <p:sldId id="278" r:id="rId23"/>
+    <p:sldId id="280" r:id="rId24"/>
+    <p:sldId id="281" r:id="rId25"/>
+    <p:sldId id="283" r:id="rId26"/>
+    <p:sldId id="284" r:id="rId27"/>
+    <p:sldId id="285" r:id="rId28"/>
+    <p:sldId id="287" r:id="rId29"/>
+    <p:sldId id="289" r:id="rId30"/>
+    <p:sldId id="288" r:id="rId31"/>
+    <p:sldId id="290" r:id="rId32"/>
+    <p:sldId id="293" r:id="rId33"/>
+    <p:sldId id="291" r:id="rId34"/>
+    <p:sldId id="292" r:id="rId35"/>
+    <p:sldId id="275" r:id="rId36"/>
+    <p:sldId id="262" r:id="rId37"/>
   </p:sldIdLst>
   <p:sldSz cx="12192000" cy="6858000"/>
   <p:notesSz cx="6858000" cy="9144000"/>
@@ -230,7 +232,7 @@
           <a:p>
             <a:fld id="{05A2C539-3BAE-43DA-89DD-3C2B65931CAB}" type="datetimeFigureOut">
               <a:rPr lang="en-GB" smtClean="0"/>
-              <a:t>15/04/2019</a:t>
+              <a:t>16/04/2019</a:t>
             </a:fld>
             <a:endParaRPr lang="en-GB"/>
           </a:p>
@@ -731,7 +733,7 @@
           <a:p>
             <a:fld id="{D6719FC5-C3CA-4722-957E-A07B335E4D2F}" type="slidenum">
               <a:rPr lang="en-GB" smtClean="0"/>
-              <a:t>21</a:t>
+              <a:t>23</a:t>
             </a:fld>
             <a:endParaRPr lang="en-GB"/>
           </a:p>
@@ -899,7 +901,7 @@
           <a:p>
             <a:fld id="{6FADB570-57FC-4C94-8057-F2D76F2B7762}" type="datetimeFigureOut">
               <a:rPr lang="en-GB" smtClean="0"/>
-              <a:t>15/04/2019</a:t>
+              <a:t>16/04/2019</a:t>
             </a:fld>
             <a:endParaRPr lang="en-GB"/>
           </a:p>
@@ -1099,7 +1101,7 @@
           <a:p>
             <a:fld id="{6FADB570-57FC-4C94-8057-F2D76F2B7762}" type="datetimeFigureOut">
               <a:rPr lang="en-GB" smtClean="0"/>
-              <a:t>15/04/2019</a:t>
+              <a:t>16/04/2019</a:t>
             </a:fld>
             <a:endParaRPr lang="en-GB"/>
           </a:p>
@@ -1309,7 +1311,7 @@
           <a:p>
             <a:fld id="{6FADB570-57FC-4C94-8057-F2D76F2B7762}" type="datetimeFigureOut">
               <a:rPr lang="en-GB" smtClean="0"/>
-              <a:t>15/04/2019</a:t>
+              <a:t>16/04/2019</a:t>
             </a:fld>
             <a:endParaRPr lang="en-GB"/>
           </a:p>
@@ -1509,7 +1511,7 @@
           <a:p>
             <a:fld id="{6FADB570-57FC-4C94-8057-F2D76F2B7762}" type="datetimeFigureOut">
               <a:rPr lang="en-GB" smtClean="0"/>
-              <a:t>15/04/2019</a:t>
+              <a:t>16/04/2019</a:t>
             </a:fld>
             <a:endParaRPr lang="en-GB"/>
           </a:p>
@@ -1785,7 +1787,7 @@
           <a:p>
             <a:fld id="{6FADB570-57FC-4C94-8057-F2D76F2B7762}" type="datetimeFigureOut">
               <a:rPr lang="en-GB" smtClean="0"/>
-              <a:t>15/04/2019</a:t>
+              <a:t>16/04/2019</a:t>
             </a:fld>
             <a:endParaRPr lang="en-GB"/>
           </a:p>
@@ -2053,7 +2055,7 @@
           <a:p>
             <a:fld id="{6FADB570-57FC-4C94-8057-F2D76F2B7762}" type="datetimeFigureOut">
               <a:rPr lang="en-GB" smtClean="0"/>
-              <a:t>15/04/2019</a:t>
+              <a:t>16/04/2019</a:t>
             </a:fld>
             <a:endParaRPr lang="en-GB"/>
           </a:p>
@@ -2468,7 +2470,7 @@
           <a:p>
             <a:fld id="{6FADB570-57FC-4C94-8057-F2D76F2B7762}" type="datetimeFigureOut">
               <a:rPr lang="en-GB" smtClean="0"/>
-              <a:t>15/04/2019</a:t>
+              <a:t>16/04/2019</a:t>
             </a:fld>
             <a:endParaRPr lang="en-GB"/>
           </a:p>
@@ -2610,7 +2612,7 @@
           <a:p>
             <a:fld id="{6FADB570-57FC-4C94-8057-F2D76F2B7762}" type="datetimeFigureOut">
               <a:rPr lang="en-GB" smtClean="0"/>
-              <a:t>15/04/2019</a:t>
+              <a:t>16/04/2019</a:t>
             </a:fld>
             <a:endParaRPr lang="en-GB"/>
           </a:p>
@@ -2723,7 +2725,7 @@
           <a:p>
             <a:fld id="{6FADB570-57FC-4C94-8057-F2D76F2B7762}" type="datetimeFigureOut">
               <a:rPr lang="en-GB" smtClean="0"/>
-              <a:t>15/04/2019</a:t>
+              <a:t>16/04/2019</a:t>
             </a:fld>
             <a:endParaRPr lang="en-GB"/>
           </a:p>
@@ -3036,7 +3038,7 @@
           <a:p>
             <a:fld id="{6FADB570-57FC-4C94-8057-F2D76F2B7762}" type="datetimeFigureOut">
               <a:rPr lang="en-GB" smtClean="0"/>
-              <a:t>15/04/2019</a:t>
+              <a:t>16/04/2019</a:t>
             </a:fld>
             <a:endParaRPr lang="en-GB"/>
           </a:p>
@@ -3325,7 +3327,7 @@
           <a:p>
             <a:fld id="{6FADB570-57FC-4C94-8057-F2D76F2B7762}" type="datetimeFigureOut">
               <a:rPr lang="en-GB" smtClean="0"/>
-              <a:t>15/04/2019</a:t>
+              <a:t>16/04/2019</a:t>
             </a:fld>
             <a:endParaRPr lang="en-GB"/>
           </a:p>
@@ -3574,7 +3576,7 @@
           <a:p>
             <a:fld id="{6FADB570-57FC-4C94-8057-F2D76F2B7762}" type="datetimeFigureOut">
               <a:rPr lang="en-GB" smtClean="0"/>
-              <a:t>15/04/2019</a:t>
+              <a:t>16/04/2019</a:t>
             </a:fld>
             <a:endParaRPr lang="en-GB"/>
           </a:p>
@@ -7655,140 +7657,10 @@
       </p:grpSpPr>
       <p:sp>
         <p:nvSpPr>
-          <p:cNvPr id="17" name="Rectangle 7">
-            <a:extLst>
-              <a:ext uri="{FF2B5EF4-FFF2-40B4-BE49-F238E27FC236}">
-                <a16:creationId xmlns:a16="http://schemas.microsoft.com/office/drawing/2014/main" id="{23962611-DFD5-4092-AAFD-559E3DFCE2C9}"/>
-              </a:ext>
-              <a:ext uri="{C183D7F6-B498-43B3-948B-1728B52AA6E4}">
-                <adec:decorative xmlns:adec="http://schemas.microsoft.com/office/drawing/2017/decorative" val="1"/>
-              </a:ext>
-            </a:extLst>
-          </p:cNvPr>
-          <p:cNvSpPr>
-            <a:spLocks noGrp="1" noRot="1" noChangeAspect="1" noMove="1" noResize="1" noEditPoints="1" noAdjustHandles="1" noChangeArrowheads="1" noChangeShapeType="1" noTextEdit="1"/>
-          </p:cNvSpPr>
-          <p:nvPr>
-            <p:extLst>
-              <p:ext uri="{386F3935-93C4-4BCD-93E2-E3B085C9AB24}">
-                <p16:designElem xmlns:p16="http://schemas.microsoft.com/office/powerpoint/2015/main" val="1"/>
-              </p:ext>
-            </p:extLst>
-          </p:nvPr>
-        </p:nvSpPr>
-        <p:spPr>
-          <a:xfrm>
-            <a:off x="475488" y="0"/>
-            <a:ext cx="10910292" cy="6858000"/>
-          </a:xfrm>
-          <a:prstGeom prst="rect">
-            <a:avLst/>
-          </a:prstGeom>
-          <a:gradFill>
-            <a:gsLst>
-              <a:gs pos="0">
-                <a:schemeClr val="accent1">
-                  <a:lumMod val="90000"/>
-                </a:schemeClr>
-              </a:gs>
-              <a:gs pos="25000">
-                <a:schemeClr val="accent1">
-                  <a:lumMod val="90000"/>
-                </a:schemeClr>
-              </a:gs>
-              <a:gs pos="94000">
-                <a:schemeClr val="bg2">
-                  <a:lumMod val="25000"/>
-                </a:schemeClr>
-              </a:gs>
-              <a:gs pos="100000">
-                <a:schemeClr val="bg2">
-                  <a:lumMod val="25000"/>
-                </a:schemeClr>
-              </a:gs>
-            </a:gsLst>
-            <a:lin ang="4200000" scaled="0"/>
-          </a:gradFill>
-          <a:ln>
-            <a:noFill/>
-          </a:ln>
-        </p:spPr>
-        <p:style>
-          <a:lnRef idx="2">
-            <a:schemeClr val="accent1">
-              <a:shade val="50000"/>
-            </a:schemeClr>
-          </a:lnRef>
-          <a:fillRef idx="1">
-            <a:schemeClr val="accent1"/>
-          </a:fillRef>
-          <a:effectRef idx="0">
-            <a:schemeClr val="accent1"/>
-          </a:effectRef>
-          <a:fontRef idx="minor">
-            <a:schemeClr val="lt1"/>
-          </a:fontRef>
-        </p:style>
-        <p:txBody>
-          <a:bodyPr rtlCol="0" anchor="ctr"/>
-          <a:lstStyle/>
-          <a:p>
-            <a:pPr algn="ctr"/>
-            <a:endParaRPr lang="en-US"/>
-          </a:p>
-        </p:txBody>
-      </p:sp>
-      <p:pic>
-        <p:nvPicPr>
-          <p:cNvPr id="18" name="Picture 9">
-            <a:extLst>
-              <a:ext uri="{FF2B5EF4-FFF2-40B4-BE49-F238E27FC236}">
-                <a16:creationId xmlns:a16="http://schemas.microsoft.com/office/drawing/2014/main" id="{2270F1FA-0425-408F-9861-80BF5AFB276D}"/>
-              </a:ext>
-              <a:ext uri="{C183D7F6-B498-43B3-948B-1728B52AA6E4}">
-                <adec:decorative xmlns:adec="http://schemas.microsoft.com/office/drawing/2017/decorative" val="1"/>
-              </a:ext>
-            </a:extLst>
-          </p:cNvPr>
-          <p:cNvPicPr>
-            <a:picLocks noGrp="1" noRot="1" noChangeAspect="1" noMove="1" noResize="1" noEditPoints="1" noAdjustHandles="1" noChangeArrowheads="1" noChangeShapeType="1" noCrop="1"/>
-          </p:cNvPicPr>
-          <p:nvPr>
-            <p:extLst>
-              <p:ext uri="{386F3935-93C4-4BCD-93E2-E3B085C9AB24}">
-                <p16:designElem xmlns:p16="http://schemas.microsoft.com/office/powerpoint/2015/main" val="1"/>
-              </p:ext>
-            </p:extLst>
-          </p:nvPr>
-        </p:nvPicPr>
-        <p:blipFill>
-          <a:blip r:embed="rId2">
-            <a:extLst>
-              <a:ext uri="{28A0092B-C50C-407E-A947-70E740481C1C}">
-                <a14:useLocalDpi xmlns:a14="http://schemas.microsoft.com/office/drawing/2010/main" val="0"/>
-              </a:ext>
-            </a:extLst>
-          </a:blip>
-          <a:stretch>
-            <a:fillRect/>
-          </a:stretch>
-        </p:blipFill>
-        <p:spPr>
-          <a:xfrm>
-            <a:off x="0" y="0"/>
-            <a:ext cx="12192000" cy="6858000"/>
-          </a:xfrm>
-          <a:prstGeom prst="rect">
-            <a:avLst/>
-          </a:prstGeom>
-        </p:spPr>
-      </p:pic>
-      <p:sp>
-        <p:nvSpPr>
           <p:cNvPr id="2" name="Title 1">
             <a:extLst>
               <a:ext uri="{FF2B5EF4-FFF2-40B4-BE49-F238E27FC236}">
-                <a16:creationId xmlns:a16="http://schemas.microsoft.com/office/drawing/2014/main" id="{C17ACC09-60FE-433B-BCAF-A3D0C2D38E51}"/>
+                <a16:creationId xmlns:a16="http://schemas.microsoft.com/office/drawing/2014/main" id="{5A77AE23-7EE8-4A86-A4AA-CD17F6990D38}"/>
               </a:ext>
             </a:extLst>
           </p:cNvPr>
@@ -7799,74 +7671,206 @@
             <p:ph type="title"/>
           </p:nvPr>
         </p:nvSpPr>
-        <p:spPr>
-          <a:xfrm>
-            <a:off x="3045368" y="866899"/>
-            <a:ext cx="6105194" cy="3207819"/>
-          </a:xfrm>
-        </p:spPr>
+        <p:spPr/>
         <p:txBody>
-          <a:bodyPr vert="horz" lIns="91440" tIns="45720" rIns="91440" bIns="45720" rtlCol="0" anchor="b">
+          <a:bodyPr>
             <a:normAutofit/>
           </a:bodyPr>
           <a:lstStyle/>
           <a:p>
-            <a:pPr algn="ctr"/>
-            <a:r>
-              <a:rPr lang="en-US" sz="6000" kern="1200" dirty="0">
-                <a:solidFill>
-                  <a:srgbClr val="FFFFFF"/>
-                </a:solidFill>
-                <a:latin typeface="+mj-lt"/>
-                <a:ea typeface="+mj-ea"/>
-                <a:cs typeface="+mj-cs"/>
+            <a:r>
+              <a:rPr lang="en-GB" sz="4000" b="1" dirty="0">
+                <a:latin typeface="Arial" panose="020B0604020202020204" pitchFamily="34" charset="0"/>
+                <a:cs typeface="Arial" panose="020B0604020202020204" pitchFamily="34" charset="0"/>
+              </a:rPr>
+              <a:t>Live Demonstration</a:t>
+            </a:r>
+          </a:p>
+        </p:txBody>
+      </p:sp>
+      <p:sp>
+        <p:nvSpPr>
+          <p:cNvPr id="3" name="Content Placeholder 2">
+            <a:extLst>
+              <a:ext uri="{FF2B5EF4-FFF2-40B4-BE49-F238E27FC236}">
+                <a16:creationId xmlns:a16="http://schemas.microsoft.com/office/drawing/2014/main" id="{8FA25EB6-0680-4A57-A123-928EB7CD72D1}"/>
+              </a:ext>
+            </a:extLst>
+          </p:cNvPr>
+          <p:cNvSpPr>
+            <a:spLocks noGrp="1"/>
+          </p:cNvSpPr>
+          <p:nvPr>
+            <p:ph idx="1"/>
+          </p:nvPr>
+        </p:nvSpPr>
+        <p:spPr/>
+        <p:txBody>
+          <a:bodyPr>
+            <a:normAutofit/>
+          </a:bodyPr>
+          <a:lstStyle/>
+          <a:p>
+            <a:endParaRPr lang="en-GB" dirty="0"/>
+          </a:p>
+          <a:p>
+            <a:pPr marL="0" indent="0">
+              <a:buNone/>
+            </a:pPr>
+            <a:r>
+              <a:rPr lang="en-GB" sz="2000" dirty="0">
+                <a:latin typeface="Arial" panose="020B0604020202020204" pitchFamily="34" charset="0"/>
+                <a:cs typeface="Arial" panose="020B0604020202020204" pitchFamily="34" charset="0"/>
+              </a:rPr>
+              <a:t>A simple </a:t>
+            </a:r>
+            <a:r>
+              <a:rPr lang="en-GB" sz="2000" dirty="0" err="1">
+                <a:latin typeface="Arial" panose="020B0604020202020204" pitchFamily="34" charset="0"/>
+                <a:cs typeface="Arial" panose="020B0604020202020204" pitchFamily="34" charset="0"/>
+              </a:rPr>
+              <a:t>GraphQL</a:t>
+            </a:r>
+            <a:r>
+              <a:rPr lang="en-GB" sz="2000" dirty="0">
+                <a:latin typeface="Arial" panose="020B0604020202020204" pitchFamily="34" charset="0"/>
+                <a:cs typeface="Arial" panose="020B0604020202020204" pitchFamily="34" charset="0"/>
+              </a:rPr>
+              <a:t> Server built in a Node.js environment using:</a:t>
+            </a:r>
+          </a:p>
+          <a:p>
+            <a:pPr marL="0" indent="0">
+              <a:buNone/>
+            </a:pPr>
+            <a:r>
+              <a:rPr lang="en-GB" sz="2000" dirty="0">
+                <a:latin typeface="Arial" panose="020B0604020202020204" pitchFamily="34" charset="0"/>
+                <a:cs typeface="Arial" panose="020B0604020202020204" pitchFamily="34" charset="0"/>
               </a:rPr>
               <a:t> </a:t>
             </a:r>
-            <a:r>
-              <a:rPr lang="en-GB" b="1" dirty="0">
-                <a:solidFill>
-                  <a:srgbClr val="FFFFFF"/>
-                </a:solidFill>
-                <a:latin typeface="Arial" panose="020B0604020202020204" pitchFamily="34" charset="0"/>
-                <a:cs typeface="Arial" panose="020B0604020202020204" pitchFamily="34" charset="0"/>
-              </a:rPr>
-              <a:t>Demonstration Of A Simple NodeJS </a:t>
-            </a:r>
-            <a:r>
-              <a:rPr lang="en-GB" b="1" dirty="0" err="1">
-                <a:solidFill>
-                  <a:srgbClr val="FFFFFF"/>
-                </a:solidFill>
+          </a:p>
+          <a:p>
+            <a:r>
+              <a:rPr lang="en-GB" sz="2000" b="1" dirty="0">
+                <a:latin typeface="Arial" panose="020B0604020202020204" pitchFamily="34" charset="0"/>
+                <a:cs typeface="Arial" panose="020B0604020202020204" pitchFamily="34" charset="0"/>
+              </a:rPr>
+              <a:t>GraphQL.js</a:t>
+            </a:r>
+            <a:r>
+              <a:rPr lang="en-GB" sz="2000" dirty="0">
+                <a:latin typeface="Arial" panose="020B0604020202020204" pitchFamily="34" charset="0"/>
+                <a:cs typeface="Arial" panose="020B0604020202020204" pitchFamily="34" charset="0"/>
+              </a:rPr>
+              <a:t> (the original reference implementation of the </a:t>
+            </a:r>
+            <a:r>
+              <a:rPr lang="en-GB" sz="2000" dirty="0" err="1">
                 <a:latin typeface="Arial" panose="020B0604020202020204" pitchFamily="34" charset="0"/>
                 <a:cs typeface="Arial" panose="020B0604020202020204" pitchFamily="34" charset="0"/>
               </a:rPr>
               <a:t>GraphQL</a:t>
             </a:r>
             <a:r>
-              <a:rPr lang="en-GB" b="1" dirty="0">
-                <a:solidFill>
-                  <a:srgbClr val="FFFFFF"/>
-                </a:solidFill>
-                <a:latin typeface="Arial" panose="020B0604020202020204" pitchFamily="34" charset="0"/>
-                <a:cs typeface="Arial" panose="020B0604020202020204" pitchFamily="34" charset="0"/>
-              </a:rPr>
-              <a:t> Server</a:t>
-            </a:r>
-            <a:endParaRPr lang="en-US" b="1" kern="1200" dirty="0">
-              <a:solidFill>
-                <a:srgbClr val="FFFFFF"/>
-              </a:solidFill>
+              <a:rPr lang="en-GB" sz="2000" dirty="0">
+                <a:latin typeface="Arial" panose="020B0604020202020204" pitchFamily="34" charset="0"/>
+                <a:cs typeface="Arial" panose="020B0604020202020204" pitchFamily="34" charset="0"/>
+              </a:rPr>
+              <a:t> specification) </a:t>
+            </a:r>
+          </a:p>
+          <a:p>
+            <a:endParaRPr lang="en-GB" sz="2000" dirty="0">
               <a:latin typeface="Arial" panose="020B0604020202020204" pitchFamily="34" charset="0"/>
               <a:cs typeface="Arial" panose="020B0604020202020204" pitchFamily="34" charset="0"/>
             </a:endParaRPr>
+          </a:p>
+          <a:p>
+            <a:r>
+              <a:rPr lang="en-GB" sz="2000" b="1" dirty="0">
+                <a:latin typeface="Arial" panose="020B0604020202020204" pitchFamily="34" charset="0"/>
+                <a:cs typeface="Arial" panose="020B0604020202020204" pitchFamily="34" charset="0"/>
+              </a:rPr>
+              <a:t>Express Web Server</a:t>
+            </a:r>
+          </a:p>
+          <a:p>
+            <a:pPr marL="0" indent="0">
+              <a:buNone/>
+            </a:pPr>
+            <a:endParaRPr lang="en-GB" sz="2000" dirty="0">
+              <a:latin typeface="Arial" panose="020B0604020202020204" pitchFamily="34" charset="0"/>
+              <a:cs typeface="Arial" panose="020B0604020202020204" pitchFamily="34" charset="0"/>
+            </a:endParaRPr>
+          </a:p>
+          <a:p>
+            <a:r>
+              <a:rPr lang="en-GB" sz="2000" b="1" dirty="0">
+                <a:latin typeface="Arial" panose="020B0604020202020204" pitchFamily="34" charset="0"/>
+                <a:cs typeface="Arial" panose="020B0604020202020204" pitchFamily="34" charset="0"/>
+              </a:rPr>
+              <a:t>express-</a:t>
+            </a:r>
+            <a:r>
+              <a:rPr lang="en-GB" sz="2000" b="1" dirty="0" err="1">
+                <a:latin typeface="Arial" panose="020B0604020202020204" pitchFamily="34" charset="0"/>
+                <a:cs typeface="Arial" panose="020B0604020202020204" pitchFamily="34" charset="0"/>
+              </a:rPr>
+              <a:t>graphql</a:t>
+            </a:r>
+            <a:r>
+              <a:rPr lang="en-GB" sz="2000" b="1" dirty="0">
+                <a:latin typeface="Arial" panose="020B0604020202020204" pitchFamily="34" charset="0"/>
+                <a:cs typeface="Arial" panose="020B0604020202020204" pitchFamily="34" charset="0"/>
+              </a:rPr>
+              <a:t> </a:t>
+            </a:r>
+            <a:r>
+              <a:rPr lang="en-GB" sz="2000" dirty="0">
+                <a:latin typeface="Arial" panose="020B0604020202020204" pitchFamily="34" charset="0"/>
+                <a:cs typeface="Arial" panose="020B0604020202020204" pitchFamily="34" charset="0"/>
+              </a:rPr>
+              <a:t>(makes the bridge connection between </a:t>
+            </a:r>
+            <a:r>
+              <a:rPr lang="en-GB" sz="2000" dirty="0" err="1">
+                <a:latin typeface="Arial" panose="020B0604020202020204" pitchFamily="34" charset="0"/>
+                <a:cs typeface="Arial" panose="020B0604020202020204" pitchFamily="34" charset="0"/>
+              </a:rPr>
+              <a:t>GraphQL</a:t>
+            </a:r>
+            <a:r>
+              <a:rPr lang="en-GB" sz="2000" dirty="0">
+                <a:latin typeface="Arial" panose="020B0604020202020204" pitchFamily="34" charset="0"/>
+                <a:cs typeface="Arial" panose="020B0604020202020204" pitchFamily="34" charset="0"/>
+              </a:rPr>
+              <a:t> and Express)</a:t>
+            </a:r>
+            <a:endParaRPr lang="en-GB" sz="2000" b="1" dirty="0">
+              <a:latin typeface="Arial" panose="020B0604020202020204" pitchFamily="34" charset="0"/>
+              <a:cs typeface="Arial" panose="020B0604020202020204" pitchFamily="34" charset="0"/>
+            </a:endParaRPr>
+          </a:p>
+          <a:p>
+            <a:endParaRPr lang="en-GB" sz="2000" b="1" dirty="0">
+              <a:latin typeface="Arial" panose="020B0604020202020204" pitchFamily="34" charset="0"/>
+              <a:cs typeface="Arial" panose="020B0604020202020204" pitchFamily="34" charset="0"/>
+            </a:endParaRPr>
+          </a:p>
+          <a:p>
+            <a:pPr marL="0" indent="0">
+              <a:buNone/>
+            </a:pPr>
+            <a:endParaRPr lang="en-GB" dirty="0"/>
           </a:p>
         </p:txBody>
       </p:sp>
     </p:spTree>
     <p:extLst>
       <p:ext uri="{BB962C8B-B14F-4D97-AF65-F5344CB8AC3E}">
-        <p14:creationId xmlns:p14="http://schemas.microsoft.com/office/powerpoint/2010/main" val="3417984309"/>
+        <p14:creationId xmlns:p14="http://schemas.microsoft.com/office/powerpoint/2010/main" val="185134489"/>
       </p:ext>
     </p:extLst>
   </p:cSld>
@@ -7898,7 +7902,7 @@
           <p:cNvPr id="2" name="Title 1">
             <a:extLst>
               <a:ext uri="{FF2B5EF4-FFF2-40B4-BE49-F238E27FC236}">
-                <a16:creationId xmlns:a16="http://schemas.microsoft.com/office/drawing/2014/main" id="{5A77AE23-7EE8-4A86-A4AA-CD17F6990D38}"/>
+                <a16:creationId xmlns:a16="http://schemas.microsoft.com/office/drawing/2014/main" id="{EC92009E-A30B-486D-AB02-0FFDAF95A91A}"/>
               </a:ext>
             </a:extLst>
           </p:cNvPr>
@@ -7911,12 +7915,17 @@
         </p:nvSpPr>
         <p:spPr/>
         <p:txBody>
-          <a:bodyPr/>
+          <a:bodyPr>
+            <a:normAutofit/>
+          </a:bodyPr>
           <a:lstStyle/>
           <a:p>
             <a:r>
-              <a:rPr lang="en-GB" dirty="0"/>
-              <a:t>Live Demonstration</a:t>
+              <a:rPr lang="en-GB" sz="4000" b="1" dirty="0">
+                <a:latin typeface="Arial" panose="020B0604020202020204" pitchFamily="34" charset="0"/>
+                <a:cs typeface="Arial" panose="020B0604020202020204" pitchFamily="34" charset="0"/>
+              </a:rPr>
+              <a:t>Server Libraries For Other Platforms</a:t>
             </a:r>
           </a:p>
         </p:txBody>
@@ -7926,7 +7935,7 @@
           <p:cNvPr id="3" name="Content Placeholder 2">
             <a:extLst>
               <a:ext uri="{FF2B5EF4-FFF2-40B4-BE49-F238E27FC236}">
-                <a16:creationId xmlns:a16="http://schemas.microsoft.com/office/drawing/2014/main" id="{8FA25EB6-0680-4A57-A123-928EB7CD72D1}"/>
+                <a16:creationId xmlns:a16="http://schemas.microsoft.com/office/drawing/2014/main" id="{88BAA412-884D-44C6-9A26-C73F7F06B9EF}"/>
               </a:ext>
             </a:extLst>
           </p:cNvPr>
@@ -7939,23 +7948,73 @@
         </p:nvSpPr>
         <p:spPr/>
         <p:txBody>
-          <a:bodyPr/>
+          <a:bodyPr>
+            <a:normAutofit/>
+          </a:bodyPr>
           <a:lstStyle/>
           <a:p>
-            <a:r>
-              <a:rPr lang="en-GB" dirty="0"/>
-              <a:t>A simple </a:t>
-            </a:r>
-            <a:r>
-              <a:rPr lang="en-GB" dirty="0" err="1"/>
+            <a:pPr marL="0" indent="0">
+              <a:buNone/>
+            </a:pPr>
+            <a:r>
+              <a:rPr lang="en-GB" dirty="0">
+                <a:latin typeface="Arial" panose="020B0604020202020204" pitchFamily="34" charset="0"/>
+                <a:cs typeface="Arial" panose="020B0604020202020204" pitchFamily="34" charset="0"/>
+              </a:rPr>
+              <a:t>Many other programming languages support </a:t>
+            </a:r>
+            <a:r>
+              <a:rPr lang="en-GB" dirty="0" err="1">
+                <a:latin typeface="Arial" panose="020B0604020202020204" pitchFamily="34" charset="0"/>
+                <a:cs typeface="Arial" panose="020B0604020202020204" pitchFamily="34" charset="0"/>
+              </a:rPr>
               <a:t>GraphQL</a:t>
             </a:r>
             <a:r>
-              <a:rPr lang="en-GB" dirty="0"/>
-              <a:t> Server</a:t>
-            </a:r>
-          </a:p>
-          <a:p>
+              <a:rPr lang="en-GB" dirty="0">
+                <a:latin typeface="Arial" panose="020B0604020202020204" pitchFamily="34" charset="0"/>
+                <a:cs typeface="Arial" panose="020B0604020202020204" pitchFamily="34" charset="0"/>
+              </a:rPr>
+              <a:t>. These include:</a:t>
+            </a:r>
+          </a:p>
+          <a:p>
+            <a:pPr marL="0" indent="0">
+              <a:buNone/>
+            </a:pPr>
+            <a:endParaRPr lang="en-GB" dirty="0">
+              <a:latin typeface="Arial" panose="020B0604020202020204" pitchFamily="34" charset="0"/>
+              <a:cs typeface="Arial" panose="020B0604020202020204" pitchFamily="34" charset="0"/>
+            </a:endParaRPr>
+          </a:p>
+          <a:p>
+            <a:pPr marL="0" indent="0">
+              <a:buNone/>
+            </a:pPr>
+            <a:r>
+              <a:rPr lang="en-GB" dirty="0">
+                <a:latin typeface="Arial" panose="020B0604020202020204" pitchFamily="34" charset="0"/>
+                <a:cs typeface="Arial" panose="020B0604020202020204" pitchFamily="34" charset="0"/>
+              </a:rPr>
+              <a:t>C# / .NET, Clojure, Elixir, Erlang, Go, Groovy, Java,</a:t>
+            </a:r>
+          </a:p>
+          <a:p>
+            <a:pPr marL="0" indent="0">
+              <a:buNone/>
+            </a:pPr>
+            <a:r>
+              <a:rPr lang="en-GB" dirty="0">
+                <a:latin typeface="Arial" panose="020B0604020202020204" pitchFamily="34" charset="0"/>
+                <a:cs typeface="Arial" panose="020B0604020202020204" pitchFamily="34" charset="0"/>
+              </a:rPr>
+              <a:t>PHP, Python, Scala, Ruby</a:t>
+            </a:r>
+          </a:p>
+          <a:p>
+            <a:pPr marL="0" indent="0">
+              <a:buNone/>
+            </a:pPr>
             <a:endParaRPr lang="en-GB" dirty="0"/>
           </a:p>
         </p:txBody>
@@ -7963,7 +8022,7 @@
     </p:spTree>
     <p:extLst>
       <p:ext uri="{BB962C8B-B14F-4D97-AF65-F5344CB8AC3E}">
-        <p14:creationId xmlns:p14="http://schemas.microsoft.com/office/powerpoint/2010/main" val="185134489"/>
+        <p14:creationId xmlns:p14="http://schemas.microsoft.com/office/powerpoint/2010/main" val="3196012546"/>
       </p:ext>
     </p:extLst>
   </p:cSld>
@@ -7995,7 +8054,7 @@
           <p:cNvPr id="2" name="Title 1">
             <a:extLst>
               <a:ext uri="{FF2B5EF4-FFF2-40B4-BE49-F238E27FC236}">
-                <a16:creationId xmlns:a16="http://schemas.microsoft.com/office/drawing/2014/main" id="{43E1D11C-B418-49B3-898F-A7C84CA224DC}"/>
+                <a16:creationId xmlns:a16="http://schemas.microsoft.com/office/drawing/2014/main" id="{71583229-ABC8-4D06-8760-244F45458210}"/>
               </a:ext>
             </a:extLst>
           </p:cNvPr>
@@ -8014,18 +8073,157 @@
           <a:lstStyle/>
           <a:p>
             <a:r>
-              <a:rPr lang="en-GB" sz="4000" b="1" dirty="0" err="1">
+              <a:rPr lang="en-GB" sz="4000" b="1" dirty="0">
+                <a:latin typeface="Arial" panose="020B0604020202020204" pitchFamily="34" charset="0"/>
+                <a:cs typeface="Arial" panose="020B0604020202020204" pitchFamily="34" charset="0"/>
+              </a:rPr>
+              <a:t>JavaScript Client Libraries</a:t>
+            </a:r>
+          </a:p>
+        </p:txBody>
+      </p:sp>
+      <p:sp>
+        <p:nvSpPr>
+          <p:cNvPr id="3" name="Content Placeholder 2">
+            <a:extLst>
+              <a:ext uri="{FF2B5EF4-FFF2-40B4-BE49-F238E27FC236}">
+                <a16:creationId xmlns:a16="http://schemas.microsoft.com/office/drawing/2014/main" id="{BD9CCB9B-1BC4-4CB7-A3AD-A0B672E59396}"/>
+              </a:ext>
+            </a:extLst>
+          </p:cNvPr>
+          <p:cNvSpPr>
+            <a:spLocks noGrp="1"/>
+          </p:cNvSpPr>
+          <p:nvPr>
+            <p:ph idx="1"/>
+          </p:nvPr>
+        </p:nvSpPr>
+        <p:spPr/>
+        <p:txBody>
+          <a:bodyPr>
+            <a:normAutofit lnSpcReduction="10000"/>
+          </a:bodyPr>
+          <a:lstStyle/>
+          <a:p>
+            <a:pPr marL="0" indent="0">
+              <a:buNone/>
+            </a:pPr>
+            <a:r>
+              <a:rPr lang="en-GB" dirty="0">
+                <a:latin typeface="Arial" panose="020B0604020202020204" pitchFamily="34" charset="0"/>
+                <a:cs typeface="Arial" panose="020B0604020202020204" pitchFamily="34" charset="0"/>
+              </a:rPr>
+              <a:t>Used to interact with the </a:t>
+            </a:r>
+            <a:r>
+              <a:rPr lang="en-GB" dirty="0" err="1">
                 <a:latin typeface="Arial" panose="020B0604020202020204" pitchFamily="34" charset="0"/>
                 <a:cs typeface="Arial" panose="020B0604020202020204" pitchFamily="34" charset="0"/>
               </a:rPr>
               <a:t>GraphQL</a:t>
             </a:r>
             <a:r>
-              <a:rPr lang="en-GB" sz="4000" b="1" dirty="0">
-                <a:latin typeface="Arial" panose="020B0604020202020204" pitchFamily="34" charset="0"/>
-                <a:cs typeface="Arial" panose="020B0604020202020204" pitchFamily="34" charset="0"/>
-              </a:rPr>
-              <a:t> Pros</a:t>
+              <a:rPr lang="en-GB" dirty="0">
+                <a:latin typeface="Arial" panose="020B0604020202020204" pitchFamily="34" charset="0"/>
+                <a:cs typeface="Arial" panose="020B0604020202020204" pitchFamily="34" charset="0"/>
+              </a:rPr>
+              <a:t> API</a:t>
+            </a:r>
+          </a:p>
+          <a:p>
+            <a:pPr marL="0" indent="0">
+              <a:buNone/>
+            </a:pPr>
+            <a:endParaRPr lang="en-GB" dirty="0">
+              <a:latin typeface="Arial" panose="020B0604020202020204" pitchFamily="34" charset="0"/>
+              <a:cs typeface="Arial" panose="020B0604020202020204" pitchFamily="34" charset="0"/>
+            </a:endParaRPr>
+          </a:p>
+          <a:p>
+            <a:pPr marL="0" indent="0">
+              <a:buNone/>
+            </a:pPr>
+            <a:r>
+              <a:rPr lang="en-GB" dirty="0">
+                <a:latin typeface="Arial" panose="020B0604020202020204" pitchFamily="34" charset="0"/>
+                <a:cs typeface="Arial" panose="020B0604020202020204" pitchFamily="34" charset="0"/>
+              </a:rPr>
+              <a:t>Two of the most popular are:</a:t>
+            </a:r>
+          </a:p>
+          <a:p>
+            <a:pPr marL="0" indent="0">
+              <a:buNone/>
+            </a:pPr>
+            <a:endParaRPr lang="en-GB" dirty="0">
+              <a:latin typeface="Arial" panose="020B0604020202020204" pitchFamily="34" charset="0"/>
+              <a:cs typeface="Arial" panose="020B0604020202020204" pitchFamily="34" charset="0"/>
+            </a:endParaRPr>
+          </a:p>
+          <a:p>
+            <a:r>
+              <a:rPr lang="en-GB" b="1" dirty="0">
+                <a:latin typeface="Arial" panose="020B0604020202020204" pitchFamily="34" charset="0"/>
+                <a:cs typeface="Arial" panose="020B0604020202020204" pitchFamily="34" charset="0"/>
+              </a:rPr>
+              <a:t>Apollo Client</a:t>
+            </a:r>
+            <a:r>
+              <a:rPr lang="en-GB" dirty="0">
+                <a:latin typeface="Arial" panose="020B0604020202020204" pitchFamily="34" charset="0"/>
+                <a:cs typeface="Arial" panose="020B0604020202020204" pitchFamily="34" charset="0"/>
+              </a:rPr>
+              <a:t>: A powerful JavaScript </a:t>
+            </a:r>
+            <a:r>
+              <a:rPr lang="en-GB" dirty="0" err="1">
+                <a:latin typeface="Arial" panose="020B0604020202020204" pitchFamily="34" charset="0"/>
+                <a:cs typeface="Arial" panose="020B0604020202020204" pitchFamily="34" charset="0"/>
+              </a:rPr>
+              <a:t>GraphQL</a:t>
+            </a:r>
+            <a:r>
+              <a:rPr lang="en-GB" dirty="0">
+                <a:latin typeface="Arial" panose="020B0604020202020204" pitchFamily="34" charset="0"/>
+                <a:cs typeface="Arial" panose="020B0604020202020204" pitchFamily="34" charset="0"/>
+              </a:rPr>
+              <a:t> client, designed to work well with React, React Native, Angular, or just plain JavaScript.</a:t>
+            </a:r>
+          </a:p>
+          <a:p>
+            <a:endParaRPr lang="en-GB" dirty="0">
+              <a:latin typeface="Arial" panose="020B0604020202020204" pitchFamily="34" charset="0"/>
+              <a:cs typeface="Arial" panose="020B0604020202020204" pitchFamily="34" charset="0"/>
+            </a:endParaRPr>
+          </a:p>
+          <a:p>
+            <a:r>
+              <a:rPr lang="en-GB" b="1" dirty="0">
+                <a:latin typeface="Arial" panose="020B0604020202020204" pitchFamily="34" charset="0"/>
+                <a:cs typeface="Arial" panose="020B0604020202020204" pitchFamily="34" charset="0"/>
+              </a:rPr>
+              <a:t>Relay</a:t>
+            </a:r>
+            <a:r>
+              <a:rPr lang="en-GB" dirty="0">
+                <a:latin typeface="Arial" panose="020B0604020202020204" pitchFamily="34" charset="0"/>
+                <a:cs typeface="Arial" panose="020B0604020202020204" pitchFamily="34" charset="0"/>
+              </a:rPr>
+              <a:t>: Facebook's framework for building React applications that talk to a </a:t>
+            </a:r>
+            <a:r>
+              <a:rPr lang="en-GB" dirty="0" err="1">
+                <a:latin typeface="Arial" panose="020B0604020202020204" pitchFamily="34" charset="0"/>
+                <a:cs typeface="Arial" panose="020B0604020202020204" pitchFamily="34" charset="0"/>
+              </a:rPr>
+              <a:t>GraphQL</a:t>
+            </a:r>
+            <a:r>
+              <a:rPr lang="en-GB" dirty="0">
+                <a:latin typeface="Arial" panose="020B0604020202020204" pitchFamily="34" charset="0"/>
+                <a:cs typeface="Arial" panose="020B0604020202020204" pitchFamily="34" charset="0"/>
+              </a:rPr>
+              <a:t> backend.</a:t>
             </a:r>
           </a:p>
         </p:txBody>
@@ -8033,7 +8231,7 @@
     </p:spTree>
     <p:extLst>
       <p:ext uri="{BB962C8B-B14F-4D97-AF65-F5344CB8AC3E}">
-        <p14:creationId xmlns:p14="http://schemas.microsoft.com/office/powerpoint/2010/main" val="4152342311"/>
+        <p14:creationId xmlns:p14="http://schemas.microsoft.com/office/powerpoint/2010/main" val="578184197"/>
       </p:ext>
     </p:extLst>
   </p:cSld>
@@ -8065,7 +8263,7 @@
           <p:cNvPr id="2" name="Title 1">
             <a:extLst>
               <a:ext uri="{FF2B5EF4-FFF2-40B4-BE49-F238E27FC236}">
-                <a16:creationId xmlns:a16="http://schemas.microsoft.com/office/drawing/2014/main" id="{9A503389-E6D6-464A-9E41-A404679E3BA0}"/>
+                <a16:creationId xmlns:a16="http://schemas.microsoft.com/office/drawing/2014/main" id="{6B220E0C-09EC-4A5E-BA35-D7847543BBC7}"/>
               </a:ext>
             </a:extLst>
           </p:cNvPr>
@@ -8076,25 +8274,19 @@
             <p:ph type="title"/>
           </p:nvPr>
         </p:nvSpPr>
-        <p:spPr>
-          <a:xfrm>
-            <a:off x="838200" y="365125"/>
-            <a:ext cx="10515600" cy="1325563"/>
-          </a:xfrm>
-        </p:spPr>
+        <p:spPr/>
         <p:txBody>
-          <a:bodyPr>
-            <a:normAutofit/>
-          </a:bodyPr>
+          <a:bodyPr/>
           <a:lstStyle/>
           <a:p>
             <a:r>
-              <a:rPr lang="en-GB" sz="4000" b="1" dirty="0">
-                <a:latin typeface="Arial" panose="020B0604020202020204" pitchFamily="34" charset="0"/>
-                <a:cs typeface="Arial" panose="020B0604020202020204" pitchFamily="34" charset="0"/>
-              </a:rPr>
-              <a:t>Blog Application</a:t>
-            </a:r>
+              <a:rPr lang="en-GB" b="1" dirty="0">
+                <a:latin typeface="Arial" panose="020B0604020202020204" pitchFamily="34" charset="0"/>
+                <a:cs typeface="Arial" panose="020B0604020202020204" pitchFamily="34" charset="0"/>
+              </a:rPr>
+              <a:t>Client Libraries For Other Platforms</a:t>
+            </a:r>
+            <a:endParaRPr lang="en-GB" dirty="0"/>
           </a:p>
         </p:txBody>
       </p:sp>
@@ -8103,7 +8295,7 @@
           <p:cNvPr id="3" name="Content Placeholder 2">
             <a:extLst>
               <a:ext uri="{FF2B5EF4-FFF2-40B4-BE49-F238E27FC236}">
-                <a16:creationId xmlns:a16="http://schemas.microsoft.com/office/drawing/2014/main" id="{F421BF0F-99A7-440D-B2EA-27565F6D8F69}"/>
+                <a16:creationId xmlns:a16="http://schemas.microsoft.com/office/drawing/2014/main" id="{B27D5DB3-8876-45C5-BED9-9D5465A4CCB3}"/>
               </a:ext>
             </a:extLst>
           </p:cNvPr>
@@ -8114,102 +8306,66 @@
             <p:ph idx="1"/>
           </p:nvPr>
         </p:nvSpPr>
-        <p:spPr>
-          <a:xfrm>
-            <a:off x="838200" y="1825625"/>
-            <a:ext cx="6639232" cy="4351338"/>
-          </a:xfrm>
-          <a:noFill/>
-        </p:spPr>
+        <p:spPr/>
         <p:txBody>
-          <a:bodyPr>
-            <a:normAutofit/>
-          </a:bodyPr>
+          <a:bodyPr/>
           <a:lstStyle/>
           <a:p>
-            <a:pPr marL="0" lvl="0" indent="0">
+            <a:pPr marL="0" indent="0">
               <a:buNone/>
             </a:pPr>
             <a:r>
-              <a:rPr lang="en-GB" dirty="0"/>
-              <a:t>Imagine we have to build an API that lets us:</a:t>
-            </a:r>
-          </a:p>
-          <a:p>
-            <a:pPr marL="0" lvl="0" indent="0">
+              <a:rPr lang="en-GB" dirty="0">
+                <a:latin typeface="Arial" panose="020B0604020202020204" pitchFamily="34" charset="0"/>
+                <a:cs typeface="Arial" panose="020B0604020202020204" pitchFamily="34" charset="0"/>
+              </a:rPr>
+              <a:t>Again there is support in many other programming languages </a:t>
+            </a:r>
+          </a:p>
+          <a:p>
+            <a:pPr marL="0" indent="0">
               <a:buNone/>
             </a:pPr>
             <a:r>
+              <a:rPr lang="en-GB" dirty="0">
+                <a:latin typeface="Arial" panose="020B0604020202020204" pitchFamily="34" charset="0"/>
+                <a:cs typeface="Arial" panose="020B0604020202020204" pitchFamily="34" charset="0"/>
+              </a:rPr>
+              <a:t>These include:</a:t>
+            </a:r>
+          </a:p>
+          <a:p>
+            <a:pPr marL="0" indent="0">
+              <a:buNone/>
+            </a:pPr>
+            <a:r>
               <a:rPr lang="en-GB" dirty="0"/>
-              <a:t> </a:t>
-            </a:r>
-          </a:p>
-          <a:p>
+              <a:t>	 C# / .NET, </a:t>
+            </a:r>
+            <a:r>
+              <a:rPr lang="en-GB" dirty="0" err="1"/>
+              <a:t>Clojurescript</a:t>
+            </a:r>
             <a:r>
               <a:rPr lang="en-GB" dirty="0"/>
-              <a:t>Retrieve user’s name </a:t>
-            </a:r>
-          </a:p>
-          <a:p>
-            <a:endParaRPr lang="en-GB" dirty="0"/>
-          </a:p>
-          <a:p>
+              <a:t>, Go, Java / Android, Swift /</a:t>
+            </a:r>
+          </a:p>
+          <a:p>
+            <a:pPr marL="0" indent="0">
+              <a:buNone/>
+            </a:pPr>
             <a:r>
               <a:rPr lang="en-GB" dirty="0"/>
-              <a:t>Shows the posts he/she has created</a:t>
-            </a:r>
-          </a:p>
-          <a:p>
-            <a:endParaRPr lang="en-GB" dirty="0"/>
-          </a:p>
-          <a:p>
-            <a:r>
-              <a:rPr lang="en-GB" dirty="0"/>
-              <a:t>Shows the followers the user has.</a:t>
-            </a:r>
-          </a:p>
-          <a:p>
-            <a:endParaRPr lang="en-GB" dirty="0"/>
-          </a:p>
-          <a:p>
-            <a:endParaRPr lang="en-GB" sz="2000" dirty="0"/>
+              <a:t>	Objective-C iOS, Python</a:t>
+            </a:r>
           </a:p>
         </p:txBody>
       </p:sp>
-      <p:pic>
-        <p:nvPicPr>
-          <p:cNvPr id="5" name="Picture 4">
-            <a:extLst>
-              <a:ext uri="{FF2B5EF4-FFF2-40B4-BE49-F238E27FC236}">
-                <a16:creationId xmlns:a16="http://schemas.microsoft.com/office/drawing/2014/main" id="{99AC3FA8-248E-40DA-A3C2-73A96FD594E3}"/>
-              </a:ext>
-            </a:extLst>
-          </p:cNvPr>
-          <p:cNvPicPr>
-            <a:picLocks noChangeAspect="1"/>
-          </p:cNvPicPr>
-          <p:nvPr/>
-        </p:nvPicPr>
-        <p:blipFill>
-          <a:blip r:embed="rId2"/>
-          <a:stretch>
-            <a:fillRect/>
-          </a:stretch>
-        </p:blipFill>
-        <p:spPr>
-          <a:xfrm>
-            <a:off x="7525536" y="1253613"/>
-            <a:ext cx="4457131" cy="5397909"/>
-          </a:xfrm>
-          <a:prstGeom prst="rect">
-            <a:avLst/>
-          </a:prstGeom>
-        </p:spPr>
-      </p:pic>
     </p:spTree>
     <p:extLst>
       <p:ext uri="{BB962C8B-B14F-4D97-AF65-F5344CB8AC3E}">
-        <p14:creationId xmlns:p14="http://schemas.microsoft.com/office/powerpoint/2010/main" val="3738782287"/>
+        <p14:creationId xmlns:p14="http://schemas.microsoft.com/office/powerpoint/2010/main" val="4035345678"/>
       </p:ext>
     </p:extLst>
   </p:cSld>
@@ -8241,7 +8397,7 @@
           <p:cNvPr id="2" name="Title 1">
             <a:extLst>
               <a:ext uri="{FF2B5EF4-FFF2-40B4-BE49-F238E27FC236}">
-                <a16:creationId xmlns:a16="http://schemas.microsoft.com/office/drawing/2014/main" id="{BF6CD4F8-1FCA-427D-8F89-2CFB2D6F1184}"/>
+                <a16:creationId xmlns:a16="http://schemas.microsoft.com/office/drawing/2014/main" id="{43E1D11C-B418-49B3-898F-A7C84CA224DC}"/>
               </a:ext>
             </a:extLst>
           </p:cNvPr>
@@ -8260,345 +8416,32 @@
           <a:lstStyle/>
           <a:p>
             <a:r>
+              <a:rPr lang="en-GB" sz="4000" b="1" dirty="0" err="1">
+                <a:latin typeface="Arial" panose="020B0604020202020204" pitchFamily="34" charset="0"/>
+                <a:cs typeface="Arial" panose="020B0604020202020204" pitchFamily="34" charset="0"/>
+              </a:rPr>
+              <a:t>GraphQL</a:t>
+            </a:r>
+            <a:r>
               <a:rPr lang="en-GB" sz="4000" b="1" dirty="0">
                 <a:latin typeface="Arial" panose="020B0604020202020204" pitchFamily="34" charset="0"/>
                 <a:cs typeface="Arial" panose="020B0604020202020204" pitchFamily="34" charset="0"/>
               </a:rPr>
-              <a:t>Blogging App With REST</a:t>
+              <a:t> Pros</a:t>
             </a:r>
           </a:p>
         </p:txBody>
       </p:sp>
-      <p:sp>
-        <p:nvSpPr>
-          <p:cNvPr id="3" name="Content Placeholder 2">
-            <a:extLst>
-              <a:ext uri="{FF2B5EF4-FFF2-40B4-BE49-F238E27FC236}">
-                <a16:creationId xmlns:a16="http://schemas.microsoft.com/office/drawing/2014/main" id="{7C0DCB0D-817C-4150-B909-87CD3337A383}"/>
-              </a:ext>
-            </a:extLst>
-          </p:cNvPr>
-          <p:cNvSpPr>
-            <a:spLocks noGrp="1"/>
-          </p:cNvSpPr>
-          <p:nvPr>
-            <p:ph idx="1"/>
-          </p:nvPr>
-        </p:nvSpPr>
-        <p:spPr>
-          <a:xfrm>
-            <a:off x="838200" y="1825625"/>
-            <a:ext cx="7007942" cy="4667250"/>
-          </a:xfrm>
-        </p:spPr>
-        <p:txBody>
-          <a:bodyPr>
-            <a:normAutofit lnSpcReduction="10000"/>
-          </a:bodyPr>
-          <a:lstStyle/>
-          <a:p>
-            <a:pPr marL="0" indent="0">
-              <a:buNone/>
-            </a:pPr>
-            <a:r>
-              <a:rPr lang="en-GB" dirty="0">
-                <a:latin typeface="Arial" panose="020B0604020202020204" pitchFamily="34" charset="0"/>
-                <a:cs typeface="Arial" panose="020B0604020202020204" pitchFamily="34" charset="0"/>
-              </a:rPr>
-              <a:t>With REST, we might have the following endpoints:</a:t>
-            </a:r>
-          </a:p>
-          <a:p>
-            <a:pPr marL="0" indent="0">
-              <a:buNone/>
-            </a:pPr>
-            <a:endParaRPr lang="en-GB" dirty="0">
-              <a:latin typeface="Arial" panose="020B0604020202020204" pitchFamily="34" charset="0"/>
-              <a:cs typeface="Arial" panose="020B0604020202020204" pitchFamily="34" charset="0"/>
-            </a:endParaRPr>
-          </a:p>
-          <a:p>
-            <a:r>
-              <a:rPr lang="en-GB" b="1" dirty="0">
-                <a:latin typeface="Arial" panose="020B0604020202020204" pitchFamily="34" charset="0"/>
-                <a:cs typeface="Arial" panose="020B0604020202020204" pitchFamily="34" charset="0"/>
-              </a:rPr>
-              <a:t>/users/&lt;id&gt;</a:t>
-            </a:r>
-            <a:r>
-              <a:rPr lang="en-GB" dirty="0">
-                <a:latin typeface="Arial" panose="020B0604020202020204" pitchFamily="34" charset="0"/>
-                <a:cs typeface="Arial" panose="020B0604020202020204" pitchFamily="34" charset="0"/>
-              </a:rPr>
-              <a:t>  to fetch a user</a:t>
-            </a:r>
-          </a:p>
-          <a:p>
-            <a:endParaRPr lang="en-GB" dirty="0">
-              <a:latin typeface="Arial" panose="020B0604020202020204" pitchFamily="34" charset="0"/>
-              <a:cs typeface="Arial" panose="020B0604020202020204" pitchFamily="34" charset="0"/>
-            </a:endParaRPr>
-          </a:p>
-          <a:p>
-            <a:r>
-              <a:rPr lang="en-GB" b="1" dirty="0">
-                <a:latin typeface="Arial" panose="020B0604020202020204" pitchFamily="34" charset="0"/>
-                <a:cs typeface="Arial" panose="020B0604020202020204" pitchFamily="34" charset="0"/>
-              </a:rPr>
-              <a:t>/users/&lt;id&gt;/posts </a:t>
-            </a:r>
-            <a:r>
-              <a:rPr lang="en-GB" dirty="0">
-                <a:latin typeface="Arial" panose="020B0604020202020204" pitchFamily="34" charset="0"/>
-                <a:cs typeface="Arial" panose="020B0604020202020204" pitchFamily="34" charset="0"/>
-              </a:rPr>
-              <a:t>to fetch the post of that particular user</a:t>
-            </a:r>
-          </a:p>
-          <a:p>
-            <a:endParaRPr lang="en-GB" dirty="0">
-              <a:latin typeface="Arial" panose="020B0604020202020204" pitchFamily="34" charset="0"/>
-              <a:cs typeface="Arial" panose="020B0604020202020204" pitchFamily="34" charset="0"/>
-            </a:endParaRPr>
-          </a:p>
-          <a:p>
-            <a:r>
-              <a:rPr lang="en-GB" b="1" dirty="0">
-                <a:latin typeface="Arial" panose="020B0604020202020204" pitchFamily="34" charset="0"/>
-                <a:cs typeface="Arial" panose="020B0604020202020204" pitchFamily="34" charset="0"/>
-              </a:rPr>
-              <a:t>/users/&lt;id&gt;/followers </a:t>
-            </a:r>
-            <a:r>
-              <a:rPr lang="en-GB" dirty="0">
-                <a:latin typeface="Arial" panose="020B0604020202020204" pitchFamily="34" charset="0"/>
-                <a:cs typeface="Arial" panose="020B0604020202020204" pitchFamily="34" charset="0"/>
-              </a:rPr>
-              <a:t>to fetch the followers of that particular user</a:t>
-            </a:r>
-          </a:p>
-          <a:p>
-            <a:endParaRPr lang="en-GB" dirty="0"/>
-          </a:p>
-        </p:txBody>
-      </p:sp>
-      <p:pic>
-        <p:nvPicPr>
-          <p:cNvPr id="5" name="Picture 4">
-            <a:extLst>
-              <a:ext uri="{FF2B5EF4-FFF2-40B4-BE49-F238E27FC236}">
-                <a16:creationId xmlns:a16="http://schemas.microsoft.com/office/drawing/2014/main" id="{46C1C2CF-79EC-4EDD-B7F0-448E89D8EAB3}"/>
-              </a:ext>
-            </a:extLst>
-          </p:cNvPr>
-          <p:cNvPicPr>
-            <a:picLocks noChangeAspect="1"/>
-          </p:cNvPicPr>
-          <p:nvPr/>
-        </p:nvPicPr>
-        <p:blipFill>
-          <a:blip r:embed="rId2"/>
-          <a:stretch>
-            <a:fillRect/>
-          </a:stretch>
-        </p:blipFill>
-        <p:spPr>
-          <a:xfrm>
-            <a:off x="7375193" y="2624447"/>
-            <a:ext cx="4816806" cy="2286766"/>
-          </a:xfrm>
-          <a:prstGeom prst="rect">
-            <a:avLst/>
-          </a:prstGeom>
-        </p:spPr>
-      </p:pic>
     </p:spTree>
     <p:extLst>
       <p:ext uri="{BB962C8B-B14F-4D97-AF65-F5344CB8AC3E}">
-        <p14:creationId xmlns:p14="http://schemas.microsoft.com/office/powerpoint/2010/main" val="2972110637"/>
+        <p14:creationId xmlns:p14="http://schemas.microsoft.com/office/powerpoint/2010/main" val="4152342311"/>
       </p:ext>
     </p:extLst>
   </p:cSld>
   <p:clrMapOvr>
     <a:masterClrMapping/>
   </p:clrMapOvr>
-  <p:timing>
-    <p:tnLst>
-      <p:par>
-        <p:cTn id="1" dur="indefinite" restart="never" nodeType="tmRoot">
-          <p:childTnLst>
-            <p:seq concurrent="1" nextAc="seek">
-              <p:cTn id="2" dur="indefinite" nodeType="mainSeq">
-                <p:childTnLst>
-                  <p:par>
-                    <p:cTn id="3" fill="hold">
-                      <p:stCondLst>
-                        <p:cond delay="indefinite"/>
-                      </p:stCondLst>
-                      <p:childTnLst>
-                        <p:par>
-                          <p:cTn id="4" fill="hold">
-                            <p:stCondLst>
-                              <p:cond delay="0"/>
-                            </p:stCondLst>
-                            <p:childTnLst>
-                              <p:par>
-                                <p:cTn id="5" presetID="1" presetClass="entr" presetSubtype="0" fill="hold" nodeType="clickEffect">
-                                  <p:stCondLst>
-                                    <p:cond delay="0"/>
-                                  </p:stCondLst>
-                                  <p:childTnLst>
-                                    <p:set>
-                                      <p:cBhvr>
-                                        <p:cTn id="6" dur="1" fill="hold">
-                                          <p:stCondLst>
-                                            <p:cond delay="0"/>
-                                          </p:stCondLst>
-                                        </p:cTn>
-                                        <p:tgtEl>
-                                          <p:spTgt spid="3">
-                                            <p:txEl>
-                                              <p:pRg st="2" end="2"/>
-                                            </p:txEl>
-                                          </p:spTgt>
-                                        </p:tgtEl>
-                                        <p:attrNameLst>
-                                          <p:attrName>style.visibility</p:attrName>
-                                        </p:attrNameLst>
-                                      </p:cBhvr>
-                                      <p:to>
-                                        <p:strVal val="visible"/>
-                                      </p:to>
-                                    </p:set>
-                                  </p:childTnLst>
-                                </p:cTn>
-                              </p:par>
-                            </p:childTnLst>
-                          </p:cTn>
-                        </p:par>
-                      </p:childTnLst>
-                    </p:cTn>
-                  </p:par>
-                  <p:par>
-                    <p:cTn id="7" fill="hold">
-                      <p:stCondLst>
-                        <p:cond delay="indefinite"/>
-                      </p:stCondLst>
-                      <p:childTnLst>
-                        <p:par>
-                          <p:cTn id="8" fill="hold">
-                            <p:stCondLst>
-                              <p:cond delay="0"/>
-                            </p:stCondLst>
-                            <p:childTnLst>
-                              <p:par>
-                                <p:cTn id="9" presetID="1" presetClass="entr" presetSubtype="0" fill="hold" nodeType="clickEffect">
-                                  <p:stCondLst>
-                                    <p:cond delay="0"/>
-                                  </p:stCondLst>
-                                  <p:childTnLst>
-                                    <p:set>
-                                      <p:cBhvr>
-                                        <p:cTn id="10" dur="1" fill="hold">
-                                          <p:stCondLst>
-                                            <p:cond delay="0"/>
-                                          </p:stCondLst>
-                                        </p:cTn>
-                                        <p:tgtEl>
-                                          <p:spTgt spid="3">
-                                            <p:txEl>
-                                              <p:pRg st="4" end="4"/>
-                                            </p:txEl>
-                                          </p:spTgt>
-                                        </p:tgtEl>
-                                        <p:attrNameLst>
-                                          <p:attrName>style.visibility</p:attrName>
-                                        </p:attrNameLst>
-                                      </p:cBhvr>
-                                      <p:to>
-                                        <p:strVal val="visible"/>
-                                      </p:to>
-                                    </p:set>
-                                  </p:childTnLst>
-                                </p:cTn>
-                              </p:par>
-                            </p:childTnLst>
-                          </p:cTn>
-                        </p:par>
-                      </p:childTnLst>
-                    </p:cTn>
-                  </p:par>
-                  <p:par>
-                    <p:cTn id="11" fill="hold">
-                      <p:stCondLst>
-                        <p:cond delay="indefinite"/>
-                      </p:stCondLst>
-                      <p:childTnLst>
-                        <p:par>
-                          <p:cTn id="12" fill="hold">
-                            <p:stCondLst>
-                              <p:cond delay="0"/>
-                            </p:stCondLst>
-                            <p:childTnLst>
-                              <p:par>
-                                <p:cTn id="13" presetID="1" presetClass="entr" presetSubtype="0" fill="hold" nodeType="clickEffect">
-                                  <p:stCondLst>
-                                    <p:cond delay="0"/>
-                                  </p:stCondLst>
-                                  <p:childTnLst>
-                                    <p:set>
-                                      <p:cBhvr>
-                                        <p:cTn id="14" dur="1" fill="hold">
-                                          <p:stCondLst>
-                                            <p:cond delay="0"/>
-                                          </p:stCondLst>
-                                        </p:cTn>
-                                        <p:tgtEl>
-                                          <p:spTgt spid="3">
-                                            <p:txEl>
-                                              <p:pRg st="6" end="6"/>
-                                            </p:txEl>
-                                          </p:spTgt>
-                                        </p:tgtEl>
-                                        <p:attrNameLst>
-                                          <p:attrName>style.visibility</p:attrName>
-                                        </p:attrNameLst>
-                                      </p:cBhvr>
-                                      <p:to>
-                                        <p:strVal val="visible"/>
-                                      </p:to>
-                                    </p:set>
-                                  </p:childTnLst>
-                                </p:cTn>
-                              </p:par>
-                            </p:childTnLst>
-                          </p:cTn>
-                        </p:par>
-                      </p:childTnLst>
-                    </p:cTn>
-                  </p:par>
-                </p:childTnLst>
-              </p:cTn>
-              <p:prevCondLst>
-                <p:cond evt="onPrev" delay="0">
-                  <p:tgtEl>
-                    <p:sldTgt/>
-                  </p:tgtEl>
-                </p:cond>
-              </p:prevCondLst>
-              <p:nextCondLst>
-                <p:cond evt="onNext" delay="0">
-                  <p:tgtEl>
-                    <p:sldTgt/>
-                  </p:tgtEl>
-                </p:cond>
-              </p:nextCondLst>
-            </p:seq>
-          </p:childTnLst>
-        </p:cTn>
-      </p:par>
-    </p:tnLst>
-  </p:timing>
 </p:sld>
 </file>
 
@@ -8619,21 +8462,135 @@
           <a:chExt cx="0" cy="0"/>
         </a:xfrm>
       </p:grpSpPr>
-      <p:pic>
-        <p:nvPicPr>
-          <p:cNvPr id="4" name="Content Placeholder 3">
-            <a:extLst>
-              <a:ext uri="{FF2B5EF4-FFF2-40B4-BE49-F238E27FC236}">
-                <a16:creationId xmlns:a16="http://schemas.microsoft.com/office/drawing/2014/main" id="{0DD73423-8C3A-4006-9FB0-CDFBAB53C595}"/>
-              </a:ext>
-            </a:extLst>
-          </p:cNvPr>
-          <p:cNvPicPr>
-            <a:picLocks noGrp="1" noChangeAspect="1"/>
-          </p:cNvPicPr>
+      <p:sp>
+        <p:nvSpPr>
+          <p:cNvPr id="2" name="Title 1">
+            <a:extLst>
+              <a:ext uri="{FF2B5EF4-FFF2-40B4-BE49-F238E27FC236}">
+                <a16:creationId xmlns:a16="http://schemas.microsoft.com/office/drawing/2014/main" id="{9A503389-E6D6-464A-9E41-A404679E3BA0}"/>
+              </a:ext>
+            </a:extLst>
+          </p:cNvPr>
+          <p:cNvSpPr>
+            <a:spLocks noGrp="1"/>
+          </p:cNvSpPr>
+          <p:nvPr>
+            <p:ph type="title"/>
+          </p:nvPr>
+        </p:nvSpPr>
+        <p:spPr>
+          <a:xfrm>
+            <a:off x="838200" y="365125"/>
+            <a:ext cx="10515600" cy="1325563"/>
+          </a:xfrm>
+        </p:spPr>
+        <p:txBody>
+          <a:bodyPr>
+            <a:normAutofit/>
+          </a:bodyPr>
+          <a:lstStyle/>
+          <a:p>
+            <a:r>
+              <a:rPr lang="en-GB" sz="4000" b="1" dirty="0">
+                <a:latin typeface="Arial" panose="020B0604020202020204" pitchFamily="34" charset="0"/>
+                <a:cs typeface="Arial" panose="020B0604020202020204" pitchFamily="34" charset="0"/>
+              </a:rPr>
+              <a:t>Blog Application</a:t>
+            </a:r>
+          </a:p>
+        </p:txBody>
+      </p:sp>
+      <p:sp>
+        <p:nvSpPr>
+          <p:cNvPr id="3" name="Content Placeholder 2">
+            <a:extLst>
+              <a:ext uri="{FF2B5EF4-FFF2-40B4-BE49-F238E27FC236}">
+                <a16:creationId xmlns:a16="http://schemas.microsoft.com/office/drawing/2014/main" id="{F421BF0F-99A7-440D-B2EA-27565F6D8F69}"/>
+              </a:ext>
+            </a:extLst>
+          </p:cNvPr>
+          <p:cNvSpPr>
+            <a:spLocks noGrp="1"/>
+          </p:cNvSpPr>
           <p:nvPr>
             <p:ph idx="1"/>
           </p:nvPr>
+        </p:nvSpPr>
+        <p:spPr>
+          <a:xfrm>
+            <a:off x="838200" y="1825625"/>
+            <a:ext cx="6639232" cy="4351338"/>
+          </a:xfrm>
+          <a:noFill/>
+        </p:spPr>
+        <p:txBody>
+          <a:bodyPr>
+            <a:normAutofit/>
+          </a:bodyPr>
+          <a:lstStyle/>
+          <a:p>
+            <a:pPr marL="0" lvl="0" indent="0">
+              <a:buNone/>
+            </a:pPr>
+            <a:r>
+              <a:rPr lang="en-GB" dirty="0"/>
+              <a:t>Imagine we have to build an API that lets us:</a:t>
+            </a:r>
+          </a:p>
+          <a:p>
+            <a:pPr marL="0" lvl="0" indent="0">
+              <a:buNone/>
+            </a:pPr>
+            <a:r>
+              <a:rPr lang="en-GB" dirty="0"/>
+              <a:t> </a:t>
+            </a:r>
+          </a:p>
+          <a:p>
+            <a:r>
+              <a:rPr lang="en-GB" dirty="0"/>
+              <a:t>Retrieve user’s name </a:t>
+            </a:r>
+          </a:p>
+          <a:p>
+            <a:endParaRPr lang="en-GB" dirty="0"/>
+          </a:p>
+          <a:p>
+            <a:r>
+              <a:rPr lang="en-GB" dirty="0"/>
+              <a:t>Shows the posts he/she has created</a:t>
+            </a:r>
+          </a:p>
+          <a:p>
+            <a:endParaRPr lang="en-GB" dirty="0"/>
+          </a:p>
+          <a:p>
+            <a:r>
+              <a:rPr lang="en-GB" dirty="0"/>
+              <a:t>Shows the followers the user has.</a:t>
+            </a:r>
+          </a:p>
+          <a:p>
+            <a:endParaRPr lang="en-GB" dirty="0"/>
+          </a:p>
+          <a:p>
+            <a:endParaRPr lang="en-GB" sz="2000" dirty="0"/>
+          </a:p>
+        </p:txBody>
+      </p:sp>
+      <p:pic>
+        <p:nvPicPr>
+          <p:cNvPr id="5" name="Picture 4">
+            <a:extLst>
+              <a:ext uri="{FF2B5EF4-FFF2-40B4-BE49-F238E27FC236}">
+                <a16:creationId xmlns:a16="http://schemas.microsoft.com/office/drawing/2014/main" id="{99AC3FA8-248E-40DA-A3C2-73A96FD594E3}"/>
+              </a:ext>
+            </a:extLst>
+          </p:cNvPr>
+          <p:cNvPicPr>
+            <a:picLocks noChangeAspect="1"/>
+          </p:cNvPicPr>
+          <p:nvPr/>
         </p:nvPicPr>
         <p:blipFill>
           <a:blip r:embed="rId2"/>
@@ -8643,8 +8600,8 @@
         </p:blipFill>
         <p:spPr>
           <a:xfrm>
-            <a:off x="40814" y="136478"/>
-            <a:ext cx="11985486" cy="6721522"/>
+            <a:off x="7525536" y="1253613"/>
+            <a:ext cx="4457131" cy="5397909"/>
           </a:xfrm>
           <a:prstGeom prst="rect">
             <a:avLst/>
@@ -8654,7 +8611,7 @@
     </p:spTree>
     <p:extLst>
       <p:ext uri="{BB962C8B-B14F-4D97-AF65-F5344CB8AC3E}">
-        <p14:creationId xmlns:p14="http://schemas.microsoft.com/office/powerpoint/2010/main" val="124588992"/>
+        <p14:creationId xmlns:p14="http://schemas.microsoft.com/office/powerpoint/2010/main" val="3738782287"/>
       </p:ext>
     </p:extLst>
   </p:cSld>
@@ -9233,6 +9190,451 @@
           <a:chExt cx="0" cy="0"/>
         </a:xfrm>
       </p:grpSpPr>
+      <p:sp>
+        <p:nvSpPr>
+          <p:cNvPr id="2" name="Title 1">
+            <a:extLst>
+              <a:ext uri="{FF2B5EF4-FFF2-40B4-BE49-F238E27FC236}">
+                <a16:creationId xmlns:a16="http://schemas.microsoft.com/office/drawing/2014/main" id="{BF6CD4F8-1FCA-427D-8F89-2CFB2D6F1184}"/>
+              </a:ext>
+            </a:extLst>
+          </p:cNvPr>
+          <p:cNvSpPr>
+            <a:spLocks noGrp="1"/>
+          </p:cNvSpPr>
+          <p:nvPr>
+            <p:ph type="title"/>
+          </p:nvPr>
+        </p:nvSpPr>
+        <p:spPr/>
+        <p:txBody>
+          <a:bodyPr>
+            <a:normAutofit/>
+          </a:bodyPr>
+          <a:lstStyle/>
+          <a:p>
+            <a:r>
+              <a:rPr lang="en-GB" sz="4000" b="1" dirty="0">
+                <a:latin typeface="Arial" panose="020B0604020202020204" pitchFamily="34" charset="0"/>
+                <a:cs typeface="Arial" panose="020B0604020202020204" pitchFamily="34" charset="0"/>
+              </a:rPr>
+              <a:t>Blogging App With REST</a:t>
+            </a:r>
+          </a:p>
+        </p:txBody>
+      </p:sp>
+      <p:sp>
+        <p:nvSpPr>
+          <p:cNvPr id="3" name="Content Placeholder 2">
+            <a:extLst>
+              <a:ext uri="{FF2B5EF4-FFF2-40B4-BE49-F238E27FC236}">
+                <a16:creationId xmlns:a16="http://schemas.microsoft.com/office/drawing/2014/main" id="{7C0DCB0D-817C-4150-B909-87CD3337A383}"/>
+              </a:ext>
+            </a:extLst>
+          </p:cNvPr>
+          <p:cNvSpPr>
+            <a:spLocks noGrp="1"/>
+          </p:cNvSpPr>
+          <p:nvPr>
+            <p:ph idx="1"/>
+          </p:nvPr>
+        </p:nvSpPr>
+        <p:spPr>
+          <a:xfrm>
+            <a:off x="838200" y="1825625"/>
+            <a:ext cx="7007942" cy="4667250"/>
+          </a:xfrm>
+        </p:spPr>
+        <p:txBody>
+          <a:bodyPr>
+            <a:normAutofit lnSpcReduction="10000"/>
+          </a:bodyPr>
+          <a:lstStyle/>
+          <a:p>
+            <a:pPr marL="0" indent="0">
+              <a:buNone/>
+            </a:pPr>
+            <a:r>
+              <a:rPr lang="en-GB" dirty="0">
+                <a:latin typeface="Arial" panose="020B0604020202020204" pitchFamily="34" charset="0"/>
+                <a:cs typeface="Arial" panose="020B0604020202020204" pitchFamily="34" charset="0"/>
+              </a:rPr>
+              <a:t>With REST, we might have the following endpoints:</a:t>
+            </a:r>
+          </a:p>
+          <a:p>
+            <a:pPr marL="0" indent="0">
+              <a:buNone/>
+            </a:pPr>
+            <a:endParaRPr lang="en-GB" dirty="0">
+              <a:latin typeface="Arial" panose="020B0604020202020204" pitchFamily="34" charset="0"/>
+              <a:cs typeface="Arial" panose="020B0604020202020204" pitchFamily="34" charset="0"/>
+            </a:endParaRPr>
+          </a:p>
+          <a:p>
+            <a:r>
+              <a:rPr lang="en-GB" b="1" dirty="0">
+                <a:latin typeface="Arial" panose="020B0604020202020204" pitchFamily="34" charset="0"/>
+                <a:cs typeface="Arial" panose="020B0604020202020204" pitchFamily="34" charset="0"/>
+              </a:rPr>
+              <a:t>/users/&lt;id&gt;</a:t>
+            </a:r>
+            <a:r>
+              <a:rPr lang="en-GB" dirty="0">
+                <a:latin typeface="Arial" panose="020B0604020202020204" pitchFamily="34" charset="0"/>
+                <a:cs typeface="Arial" panose="020B0604020202020204" pitchFamily="34" charset="0"/>
+              </a:rPr>
+              <a:t>  to fetch a user</a:t>
+            </a:r>
+          </a:p>
+          <a:p>
+            <a:endParaRPr lang="en-GB" dirty="0">
+              <a:latin typeface="Arial" panose="020B0604020202020204" pitchFamily="34" charset="0"/>
+              <a:cs typeface="Arial" panose="020B0604020202020204" pitchFamily="34" charset="0"/>
+            </a:endParaRPr>
+          </a:p>
+          <a:p>
+            <a:r>
+              <a:rPr lang="en-GB" b="1" dirty="0">
+                <a:latin typeface="Arial" panose="020B0604020202020204" pitchFamily="34" charset="0"/>
+                <a:cs typeface="Arial" panose="020B0604020202020204" pitchFamily="34" charset="0"/>
+              </a:rPr>
+              <a:t>/users/&lt;id&gt;/posts </a:t>
+            </a:r>
+            <a:r>
+              <a:rPr lang="en-GB" dirty="0">
+                <a:latin typeface="Arial" panose="020B0604020202020204" pitchFamily="34" charset="0"/>
+                <a:cs typeface="Arial" panose="020B0604020202020204" pitchFamily="34" charset="0"/>
+              </a:rPr>
+              <a:t>to fetch the post of that particular user</a:t>
+            </a:r>
+          </a:p>
+          <a:p>
+            <a:endParaRPr lang="en-GB" dirty="0">
+              <a:latin typeface="Arial" panose="020B0604020202020204" pitchFamily="34" charset="0"/>
+              <a:cs typeface="Arial" panose="020B0604020202020204" pitchFamily="34" charset="0"/>
+            </a:endParaRPr>
+          </a:p>
+          <a:p>
+            <a:r>
+              <a:rPr lang="en-GB" b="1" dirty="0">
+                <a:latin typeface="Arial" panose="020B0604020202020204" pitchFamily="34" charset="0"/>
+                <a:cs typeface="Arial" panose="020B0604020202020204" pitchFamily="34" charset="0"/>
+              </a:rPr>
+              <a:t>/users/&lt;id&gt;/followers </a:t>
+            </a:r>
+            <a:r>
+              <a:rPr lang="en-GB" dirty="0">
+                <a:latin typeface="Arial" panose="020B0604020202020204" pitchFamily="34" charset="0"/>
+                <a:cs typeface="Arial" panose="020B0604020202020204" pitchFamily="34" charset="0"/>
+              </a:rPr>
+              <a:t>to fetch the followers of that particular user</a:t>
+            </a:r>
+          </a:p>
+          <a:p>
+            <a:endParaRPr lang="en-GB" dirty="0"/>
+          </a:p>
+        </p:txBody>
+      </p:sp>
+      <p:pic>
+        <p:nvPicPr>
+          <p:cNvPr id="5" name="Picture 4">
+            <a:extLst>
+              <a:ext uri="{FF2B5EF4-FFF2-40B4-BE49-F238E27FC236}">
+                <a16:creationId xmlns:a16="http://schemas.microsoft.com/office/drawing/2014/main" id="{46C1C2CF-79EC-4EDD-B7F0-448E89D8EAB3}"/>
+              </a:ext>
+            </a:extLst>
+          </p:cNvPr>
+          <p:cNvPicPr>
+            <a:picLocks noChangeAspect="1"/>
+          </p:cNvPicPr>
+          <p:nvPr/>
+        </p:nvPicPr>
+        <p:blipFill>
+          <a:blip r:embed="rId2"/>
+          <a:stretch>
+            <a:fillRect/>
+          </a:stretch>
+        </p:blipFill>
+        <p:spPr>
+          <a:xfrm>
+            <a:off x="7375193" y="2624447"/>
+            <a:ext cx="4816806" cy="2286766"/>
+          </a:xfrm>
+          <a:prstGeom prst="rect">
+            <a:avLst/>
+          </a:prstGeom>
+        </p:spPr>
+      </p:pic>
+    </p:spTree>
+    <p:extLst>
+      <p:ext uri="{BB962C8B-B14F-4D97-AF65-F5344CB8AC3E}">
+        <p14:creationId xmlns:p14="http://schemas.microsoft.com/office/powerpoint/2010/main" val="2972110637"/>
+      </p:ext>
+    </p:extLst>
+  </p:cSld>
+  <p:clrMapOvr>
+    <a:masterClrMapping/>
+  </p:clrMapOvr>
+  <p:timing>
+    <p:tnLst>
+      <p:par>
+        <p:cTn id="1" dur="indefinite" restart="never" nodeType="tmRoot">
+          <p:childTnLst>
+            <p:seq concurrent="1" nextAc="seek">
+              <p:cTn id="2" dur="indefinite" nodeType="mainSeq">
+                <p:childTnLst>
+                  <p:par>
+                    <p:cTn id="3" fill="hold">
+                      <p:stCondLst>
+                        <p:cond delay="indefinite"/>
+                      </p:stCondLst>
+                      <p:childTnLst>
+                        <p:par>
+                          <p:cTn id="4" fill="hold">
+                            <p:stCondLst>
+                              <p:cond delay="0"/>
+                            </p:stCondLst>
+                            <p:childTnLst>
+                              <p:par>
+                                <p:cTn id="5" presetID="1" presetClass="entr" presetSubtype="0" fill="hold" nodeType="clickEffect">
+                                  <p:stCondLst>
+                                    <p:cond delay="0"/>
+                                  </p:stCondLst>
+                                  <p:childTnLst>
+                                    <p:set>
+                                      <p:cBhvr>
+                                        <p:cTn id="6" dur="1" fill="hold">
+                                          <p:stCondLst>
+                                            <p:cond delay="0"/>
+                                          </p:stCondLst>
+                                        </p:cTn>
+                                        <p:tgtEl>
+                                          <p:spTgt spid="3">
+                                            <p:txEl>
+                                              <p:pRg st="2" end="2"/>
+                                            </p:txEl>
+                                          </p:spTgt>
+                                        </p:tgtEl>
+                                        <p:attrNameLst>
+                                          <p:attrName>style.visibility</p:attrName>
+                                        </p:attrNameLst>
+                                      </p:cBhvr>
+                                      <p:to>
+                                        <p:strVal val="visible"/>
+                                      </p:to>
+                                    </p:set>
+                                  </p:childTnLst>
+                                </p:cTn>
+                              </p:par>
+                            </p:childTnLst>
+                          </p:cTn>
+                        </p:par>
+                      </p:childTnLst>
+                    </p:cTn>
+                  </p:par>
+                  <p:par>
+                    <p:cTn id="7" fill="hold">
+                      <p:stCondLst>
+                        <p:cond delay="indefinite"/>
+                      </p:stCondLst>
+                      <p:childTnLst>
+                        <p:par>
+                          <p:cTn id="8" fill="hold">
+                            <p:stCondLst>
+                              <p:cond delay="0"/>
+                            </p:stCondLst>
+                            <p:childTnLst>
+                              <p:par>
+                                <p:cTn id="9" presetID="1" presetClass="entr" presetSubtype="0" fill="hold" nodeType="clickEffect">
+                                  <p:stCondLst>
+                                    <p:cond delay="0"/>
+                                  </p:stCondLst>
+                                  <p:childTnLst>
+                                    <p:set>
+                                      <p:cBhvr>
+                                        <p:cTn id="10" dur="1" fill="hold">
+                                          <p:stCondLst>
+                                            <p:cond delay="0"/>
+                                          </p:stCondLst>
+                                        </p:cTn>
+                                        <p:tgtEl>
+                                          <p:spTgt spid="3">
+                                            <p:txEl>
+                                              <p:pRg st="4" end="4"/>
+                                            </p:txEl>
+                                          </p:spTgt>
+                                        </p:tgtEl>
+                                        <p:attrNameLst>
+                                          <p:attrName>style.visibility</p:attrName>
+                                        </p:attrNameLst>
+                                      </p:cBhvr>
+                                      <p:to>
+                                        <p:strVal val="visible"/>
+                                      </p:to>
+                                    </p:set>
+                                  </p:childTnLst>
+                                </p:cTn>
+                              </p:par>
+                            </p:childTnLst>
+                          </p:cTn>
+                        </p:par>
+                      </p:childTnLst>
+                    </p:cTn>
+                  </p:par>
+                  <p:par>
+                    <p:cTn id="11" fill="hold">
+                      <p:stCondLst>
+                        <p:cond delay="indefinite"/>
+                      </p:stCondLst>
+                      <p:childTnLst>
+                        <p:par>
+                          <p:cTn id="12" fill="hold">
+                            <p:stCondLst>
+                              <p:cond delay="0"/>
+                            </p:stCondLst>
+                            <p:childTnLst>
+                              <p:par>
+                                <p:cTn id="13" presetID="1" presetClass="entr" presetSubtype="0" fill="hold" nodeType="clickEffect">
+                                  <p:stCondLst>
+                                    <p:cond delay="0"/>
+                                  </p:stCondLst>
+                                  <p:childTnLst>
+                                    <p:set>
+                                      <p:cBhvr>
+                                        <p:cTn id="14" dur="1" fill="hold">
+                                          <p:stCondLst>
+                                            <p:cond delay="0"/>
+                                          </p:stCondLst>
+                                        </p:cTn>
+                                        <p:tgtEl>
+                                          <p:spTgt spid="3">
+                                            <p:txEl>
+                                              <p:pRg st="6" end="6"/>
+                                            </p:txEl>
+                                          </p:spTgt>
+                                        </p:tgtEl>
+                                        <p:attrNameLst>
+                                          <p:attrName>style.visibility</p:attrName>
+                                        </p:attrNameLst>
+                                      </p:cBhvr>
+                                      <p:to>
+                                        <p:strVal val="visible"/>
+                                      </p:to>
+                                    </p:set>
+                                  </p:childTnLst>
+                                </p:cTn>
+                              </p:par>
+                            </p:childTnLst>
+                          </p:cTn>
+                        </p:par>
+                      </p:childTnLst>
+                    </p:cTn>
+                  </p:par>
+                </p:childTnLst>
+              </p:cTn>
+              <p:prevCondLst>
+                <p:cond evt="onPrev" delay="0">
+                  <p:tgtEl>
+                    <p:sldTgt/>
+                  </p:tgtEl>
+                </p:cond>
+              </p:prevCondLst>
+              <p:nextCondLst>
+                <p:cond evt="onNext" delay="0">
+                  <p:tgtEl>
+                    <p:sldTgt/>
+                  </p:tgtEl>
+                </p:cond>
+              </p:nextCondLst>
+            </p:seq>
+          </p:childTnLst>
+        </p:cTn>
+      </p:par>
+    </p:tnLst>
+  </p:timing>
+</p:sld>
+</file>
+
+<file path=ppt/slides/slide21.xml><?xml version="1.0" encoding="utf-8"?>
+<p:sld xmlns:a="http://schemas.openxmlformats.org/drawingml/2006/main" xmlns:r="http://schemas.openxmlformats.org/officeDocument/2006/relationships" xmlns:p="http://schemas.openxmlformats.org/presentationml/2006/main">
+  <p:cSld>
+    <p:spTree>
+      <p:nvGrpSpPr>
+        <p:cNvPr id="1" name=""/>
+        <p:cNvGrpSpPr/>
+        <p:nvPr/>
+      </p:nvGrpSpPr>
+      <p:grpSpPr>
+        <a:xfrm>
+          <a:off x="0" y="0"/>
+          <a:ext cx="0" cy="0"/>
+          <a:chOff x="0" y="0"/>
+          <a:chExt cx="0" cy="0"/>
+        </a:xfrm>
+      </p:grpSpPr>
+      <p:pic>
+        <p:nvPicPr>
+          <p:cNvPr id="4" name="Content Placeholder 3">
+            <a:extLst>
+              <a:ext uri="{FF2B5EF4-FFF2-40B4-BE49-F238E27FC236}">
+                <a16:creationId xmlns:a16="http://schemas.microsoft.com/office/drawing/2014/main" id="{0DD73423-8C3A-4006-9FB0-CDFBAB53C595}"/>
+              </a:ext>
+            </a:extLst>
+          </p:cNvPr>
+          <p:cNvPicPr>
+            <a:picLocks noGrp="1" noChangeAspect="1"/>
+          </p:cNvPicPr>
+          <p:nvPr>
+            <p:ph idx="1"/>
+          </p:nvPr>
+        </p:nvPicPr>
+        <p:blipFill>
+          <a:blip r:embed="rId2"/>
+          <a:stretch>
+            <a:fillRect/>
+          </a:stretch>
+        </p:blipFill>
+        <p:spPr>
+          <a:xfrm>
+            <a:off x="40814" y="136478"/>
+            <a:ext cx="11985486" cy="6721522"/>
+          </a:xfrm>
+          <a:prstGeom prst="rect">
+            <a:avLst/>
+          </a:prstGeom>
+        </p:spPr>
+      </p:pic>
+    </p:spTree>
+    <p:extLst>
+      <p:ext uri="{BB962C8B-B14F-4D97-AF65-F5344CB8AC3E}">
+        <p14:creationId xmlns:p14="http://schemas.microsoft.com/office/powerpoint/2010/main" val="124588992"/>
+      </p:ext>
+    </p:extLst>
+  </p:cSld>
+  <p:clrMapOvr>
+    <a:masterClrMapping/>
+  </p:clrMapOvr>
+</p:sld>
+</file>
+
+<file path=ppt/slides/slide22.xml><?xml version="1.0" encoding="utf-8"?>
+<p:sld xmlns:a="http://schemas.openxmlformats.org/drawingml/2006/main" xmlns:r="http://schemas.openxmlformats.org/officeDocument/2006/relationships" xmlns:p="http://schemas.openxmlformats.org/presentationml/2006/main">
+  <p:cSld>
+    <p:spTree>
+      <p:nvGrpSpPr>
+        <p:cNvPr id="1" name=""/>
+        <p:cNvGrpSpPr/>
+        <p:nvPr/>
+      </p:nvGrpSpPr>
+      <p:grpSpPr>
+        <a:xfrm>
+          <a:off x="0" y="0"/>
+          <a:ext cx="0" cy="0"/>
+          <a:chOff x="0" y="0"/>
+          <a:chExt cx="0" cy="0"/>
+        </a:xfrm>
+      </p:grpSpPr>
       <p:pic>
         <p:nvPicPr>
           <p:cNvPr id="7" name="Picture 6">
@@ -9276,7 +9678,7 @@
 </p:sld>
 </file>
 
-<file path=ppt/slides/slide21.xml><?xml version="1.0" encoding="utf-8"?>
+<file path=ppt/slides/slide23.xml><?xml version="1.0" encoding="utf-8"?>
 <p:sld xmlns:a="http://schemas.openxmlformats.org/drawingml/2006/main" xmlns:r="http://schemas.openxmlformats.org/officeDocument/2006/relationships" xmlns:p="http://schemas.openxmlformats.org/presentationml/2006/main">
   <p:cSld>
     <p:spTree>
@@ -9336,7 +9738,7 @@
 </p:sld>
 </file>
 
-<file path=ppt/slides/slide22.xml><?xml version="1.0" encoding="utf-8"?>
+<file path=ppt/slides/slide24.xml><?xml version="1.0" encoding="utf-8"?>
 <p:sld xmlns:a="http://schemas.openxmlformats.org/drawingml/2006/main" xmlns:r="http://schemas.openxmlformats.org/officeDocument/2006/relationships" xmlns:p="http://schemas.openxmlformats.org/presentationml/2006/main">
   <p:cSld>
     <p:spTree>
@@ -9565,7 +9967,7 @@
 </p:sld>
 </file>
 
-<file path=ppt/slides/slide23.xml><?xml version="1.0" encoding="utf-8"?>
+<file path=ppt/slides/slide25.xml><?xml version="1.0" encoding="utf-8"?>
 <p:sld xmlns:a="http://schemas.openxmlformats.org/drawingml/2006/main" xmlns:r="http://schemas.openxmlformats.org/officeDocument/2006/relationships" xmlns:p="http://schemas.openxmlformats.org/presentationml/2006/main">
   <p:cSld>
     <p:spTree>
@@ -9676,7 +10078,7 @@
 </p:sld>
 </file>
 
-<file path=ppt/slides/slide24.xml><?xml version="1.0" encoding="utf-8"?>
+<file path=ppt/slides/slide26.xml><?xml version="1.0" encoding="utf-8"?>
 <p:sld xmlns:a="http://schemas.openxmlformats.org/drawingml/2006/main" xmlns:r="http://schemas.openxmlformats.org/officeDocument/2006/relationships" xmlns:p="http://schemas.openxmlformats.org/presentationml/2006/main">
   <p:cSld>
     <p:spTree>
@@ -10040,7 +10442,7 @@
 </p:sld>
 </file>
 
-<file path=ppt/slides/slide25.xml><?xml version="1.0" encoding="utf-8"?>
+<file path=ppt/slides/slide27.xml><?xml version="1.0" encoding="utf-8"?>
 <p:sld xmlns:a="http://schemas.openxmlformats.org/drawingml/2006/main" xmlns:r="http://schemas.openxmlformats.org/officeDocument/2006/relationships" xmlns:p="http://schemas.openxmlformats.org/presentationml/2006/main">
   <p:cSld>
     <p:spTree>
@@ -10204,7 +10606,7 @@
 </p:sld>
 </file>
 
-<file path=ppt/slides/slide26.xml><?xml version="1.0" encoding="utf-8"?>
+<file path=ppt/slides/slide28.xml><?xml version="1.0" encoding="utf-8"?>
 <p:sld xmlns:a="http://schemas.openxmlformats.org/drawingml/2006/main" xmlns:r="http://schemas.openxmlformats.org/officeDocument/2006/relationships" xmlns:p="http://schemas.openxmlformats.org/presentationml/2006/main">
   <p:cSld>
     <p:spTree>
@@ -10281,7 +10683,7 @@
 </p:sld>
 </file>
 
-<file path=ppt/slides/slide27.xml><?xml version="1.0" encoding="utf-8"?>
+<file path=ppt/slides/slide29.xml><?xml version="1.0" encoding="utf-8"?>
 <p:sld xmlns:a="http://schemas.openxmlformats.org/drawingml/2006/main" xmlns:r="http://schemas.openxmlformats.org/officeDocument/2006/relationships" xmlns:p="http://schemas.openxmlformats.org/presentationml/2006/main">
   <p:cSld>
     <p:spTree>
@@ -10558,519 +10960,6 @@
       </p:par>
     </p:tnLst>
   </p:timing>
-</p:sld>
-</file>
-
-<file path=ppt/slides/slide28.xml><?xml version="1.0" encoding="utf-8"?>
-<p:sld xmlns:a="http://schemas.openxmlformats.org/drawingml/2006/main" xmlns:r="http://schemas.openxmlformats.org/officeDocument/2006/relationships" xmlns:p="http://schemas.openxmlformats.org/presentationml/2006/main">
-  <p:cSld>
-    <p:spTree>
-      <p:nvGrpSpPr>
-        <p:cNvPr id="1" name=""/>
-        <p:cNvGrpSpPr/>
-        <p:nvPr/>
-      </p:nvGrpSpPr>
-      <p:grpSpPr>
-        <a:xfrm>
-          <a:off x="0" y="0"/>
-          <a:ext cx="0" cy="0"/>
-          <a:chOff x="0" y="0"/>
-          <a:chExt cx="0" cy="0"/>
-        </a:xfrm>
-      </p:grpSpPr>
-      <p:sp>
-        <p:nvSpPr>
-          <p:cNvPr id="2" name="Title 1">
-            <a:extLst>
-              <a:ext uri="{FF2B5EF4-FFF2-40B4-BE49-F238E27FC236}">
-                <a16:creationId xmlns:a16="http://schemas.microsoft.com/office/drawing/2014/main" id="{7BC30914-AAD0-4E8D-9E2C-9D9BBCA57323}"/>
-              </a:ext>
-            </a:extLst>
-          </p:cNvPr>
-          <p:cNvSpPr>
-            <a:spLocks noGrp="1"/>
-          </p:cNvSpPr>
-          <p:nvPr>
-            <p:ph type="title"/>
-          </p:nvPr>
-        </p:nvSpPr>
-        <p:spPr/>
-        <p:txBody>
-          <a:bodyPr>
-            <a:normAutofit/>
-          </a:bodyPr>
-          <a:lstStyle/>
-          <a:p>
-            <a:r>
-              <a:rPr lang="en-GB" sz="4000" b="1" dirty="0" err="1">
-                <a:latin typeface="Arial" panose="020B0604020202020204" pitchFamily="34" charset="0"/>
-                <a:cs typeface="Arial" panose="020B0604020202020204" pitchFamily="34" charset="0"/>
-              </a:rPr>
-              <a:t>GraphQL</a:t>
-            </a:r>
-            <a:r>
-              <a:rPr lang="en-GB" sz="4000" b="1" dirty="0">
-                <a:latin typeface="Arial" panose="020B0604020202020204" pitchFamily="34" charset="0"/>
-                <a:cs typeface="Arial" panose="020B0604020202020204" pitchFamily="34" charset="0"/>
-              </a:rPr>
-              <a:t> API request are most commonly implemented using HTTP POST:</a:t>
-            </a:r>
-          </a:p>
-        </p:txBody>
-      </p:sp>
-      <p:sp>
-        <p:nvSpPr>
-          <p:cNvPr id="3" name="Content Placeholder 2">
-            <a:extLst>
-              <a:ext uri="{FF2B5EF4-FFF2-40B4-BE49-F238E27FC236}">
-                <a16:creationId xmlns:a16="http://schemas.microsoft.com/office/drawing/2014/main" id="{84E581ED-7D63-41F6-945D-5C6E2ACC4A87}"/>
-              </a:ext>
-            </a:extLst>
-          </p:cNvPr>
-          <p:cNvSpPr>
-            <a:spLocks noGrp="1"/>
-          </p:cNvSpPr>
-          <p:nvPr>
-            <p:ph idx="1"/>
-          </p:nvPr>
-        </p:nvSpPr>
-        <p:spPr>
-          <a:xfrm>
-            <a:off x="838200" y="1690688"/>
-            <a:ext cx="10515600" cy="4351338"/>
-          </a:xfrm>
-        </p:spPr>
-        <p:txBody>
-          <a:bodyPr>
-            <a:normAutofit lnSpcReduction="10000"/>
-          </a:bodyPr>
-          <a:lstStyle/>
-          <a:p>
-            <a:endParaRPr lang="en-GB" dirty="0"/>
-          </a:p>
-          <a:p>
-            <a:r>
-              <a:rPr lang="en-GB" dirty="0">
-                <a:latin typeface="Arial" panose="020B0604020202020204" pitchFamily="34" charset="0"/>
-                <a:cs typeface="Arial" panose="020B0604020202020204" pitchFamily="34" charset="0"/>
-              </a:rPr>
-              <a:t>You will need to set up your own caching support </a:t>
-            </a:r>
-          </a:p>
-          <a:p>
-            <a:pPr marL="0" indent="0">
-              <a:buNone/>
-            </a:pPr>
-            <a:endParaRPr lang="en-GB" dirty="0">
-              <a:latin typeface="Arial" panose="020B0604020202020204" pitchFamily="34" charset="0"/>
-              <a:cs typeface="Arial" panose="020B0604020202020204" pitchFamily="34" charset="0"/>
-            </a:endParaRPr>
-          </a:p>
-          <a:p>
-            <a:r>
-              <a:rPr lang="en-GB" dirty="0">
-                <a:latin typeface="Arial" panose="020B0604020202020204" pitchFamily="34" charset="0"/>
-                <a:cs typeface="Arial" panose="020B0604020202020204" pitchFamily="34" charset="0"/>
-              </a:rPr>
-              <a:t>Requests can not be bookmarked</a:t>
-            </a:r>
-          </a:p>
-          <a:p>
-            <a:pPr marL="0" indent="0">
-              <a:buNone/>
-            </a:pPr>
-            <a:endParaRPr lang="en-GB" dirty="0">
-              <a:latin typeface="Arial" panose="020B0604020202020204" pitchFamily="34" charset="0"/>
-              <a:cs typeface="Arial" panose="020B0604020202020204" pitchFamily="34" charset="0"/>
-            </a:endParaRPr>
-          </a:p>
-          <a:p>
-            <a:r>
-              <a:rPr lang="en-GB" dirty="0">
-                <a:latin typeface="Arial" panose="020B0604020202020204" pitchFamily="34" charset="0"/>
-                <a:cs typeface="Arial" panose="020B0604020202020204" pitchFamily="34" charset="0"/>
-              </a:rPr>
-              <a:t>Request do not stay in browser history</a:t>
-            </a:r>
-          </a:p>
-          <a:p>
-            <a:endParaRPr lang="en-GB" dirty="0">
-              <a:latin typeface="Arial" panose="020B0604020202020204" pitchFamily="34" charset="0"/>
-              <a:cs typeface="Arial" panose="020B0604020202020204" pitchFamily="34" charset="0"/>
-            </a:endParaRPr>
-          </a:p>
-          <a:p>
-            <a:r>
-              <a:rPr lang="en-GB" dirty="0">
-                <a:latin typeface="Arial" panose="020B0604020202020204" pitchFamily="34" charset="0"/>
-                <a:cs typeface="Arial" panose="020B0604020202020204" pitchFamily="34" charset="0"/>
-              </a:rPr>
-              <a:t>You can require that the clients use GET for all requests, but it's not ideal, because mutations will get cached too</a:t>
-            </a:r>
-          </a:p>
-        </p:txBody>
-      </p:sp>
-    </p:spTree>
-    <p:extLst>
-      <p:ext uri="{BB962C8B-B14F-4D97-AF65-F5344CB8AC3E}">
-        <p14:creationId xmlns:p14="http://schemas.microsoft.com/office/powerpoint/2010/main" val="3634226830"/>
-      </p:ext>
-    </p:extLst>
-  </p:cSld>
-  <p:clrMapOvr>
-    <a:masterClrMapping/>
-  </p:clrMapOvr>
-  <p:timing>
-    <p:tnLst>
-      <p:par>
-        <p:cTn id="1" dur="indefinite" restart="never" nodeType="tmRoot">
-          <p:childTnLst>
-            <p:seq concurrent="1" nextAc="seek">
-              <p:cTn id="2" dur="indefinite" nodeType="mainSeq">
-                <p:childTnLst>
-                  <p:par>
-                    <p:cTn id="3" fill="hold">
-                      <p:stCondLst>
-                        <p:cond delay="indefinite"/>
-                      </p:stCondLst>
-                      <p:childTnLst>
-                        <p:par>
-                          <p:cTn id="4" fill="hold">
-                            <p:stCondLst>
-                              <p:cond delay="0"/>
-                            </p:stCondLst>
-                            <p:childTnLst>
-                              <p:par>
-                                <p:cTn id="5" presetID="1" presetClass="entr" presetSubtype="0" fill="hold" nodeType="clickEffect">
-                                  <p:stCondLst>
-                                    <p:cond delay="0"/>
-                                  </p:stCondLst>
-                                  <p:childTnLst>
-                                    <p:set>
-                                      <p:cBhvr>
-                                        <p:cTn id="6" dur="1" fill="hold">
-                                          <p:stCondLst>
-                                            <p:cond delay="0"/>
-                                          </p:stCondLst>
-                                        </p:cTn>
-                                        <p:tgtEl>
-                                          <p:spTgt spid="3">
-                                            <p:txEl>
-                                              <p:pRg st="1" end="1"/>
-                                            </p:txEl>
-                                          </p:spTgt>
-                                        </p:tgtEl>
-                                        <p:attrNameLst>
-                                          <p:attrName>style.visibility</p:attrName>
-                                        </p:attrNameLst>
-                                      </p:cBhvr>
-                                      <p:to>
-                                        <p:strVal val="visible"/>
-                                      </p:to>
-                                    </p:set>
-                                  </p:childTnLst>
-                                </p:cTn>
-                              </p:par>
-                            </p:childTnLst>
-                          </p:cTn>
-                        </p:par>
-                      </p:childTnLst>
-                    </p:cTn>
-                  </p:par>
-                  <p:par>
-                    <p:cTn id="7" fill="hold">
-                      <p:stCondLst>
-                        <p:cond delay="indefinite"/>
-                      </p:stCondLst>
-                      <p:childTnLst>
-                        <p:par>
-                          <p:cTn id="8" fill="hold">
-                            <p:stCondLst>
-                              <p:cond delay="0"/>
-                            </p:stCondLst>
-                            <p:childTnLst>
-                              <p:par>
-                                <p:cTn id="9" presetID="1" presetClass="entr" presetSubtype="0" fill="hold" nodeType="clickEffect">
-                                  <p:stCondLst>
-                                    <p:cond delay="0"/>
-                                  </p:stCondLst>
-                                  <p:childTnLst>
-                                    <p:set>
-                                      <p:cBhvr>
-                                        <p:cTn id="10" dur="1" fill="hold">
-                                          <p:stCondLst>
-                                            <p:cond delay="0"/>
-                                          </p:stCondLst>
-                                        </p:cTn>
-                                        <p:tgtEl>
-                                          <p:spTgt spid="3">
-                                            <p:txEl>
-                                              <p:pRg st="3" end="3"/>
-                                            </p:txEl>
-                                          </p:spTgt>
-                                        </p:tgtEl>
-                                        <p:attrNameLst>
-                                          <p:attrName>style.visibility</p:attrName>
-                                        </p:attrNameLst>
-                                      </p:cBhvr>
-                                      <p:to>
-                                        <p:strVal val="visible"/>
-                                      </p:to>
-                                    </p:set>
-                                  </p:childTnLst>
-                                </p:cTn>
-                              </p:par>
-                            </p:childTnLst>
-                          </p:cTn>
-                        </p:par>
-                      </p:childTnLst>
-                    </p:cTn>
-                  </p:par>
-                  <p:par>
-                    <p:cTn id="11" fill="hold">
-                      <p:stCondLst>
-                        <p:cond delay="indefinite"/>
-                      </p:stCondLst>
-                      <p:childTnLst>
-                        <p:par>
-                          <p:cTn id="12" fill="hold">
-                            <p:stCondLst>
-                              <p:cond delay="0"/>
-                            </p:stCondLst>
-                            <p:childTnLst>
-                              <p:par>
-                                <p:cTn id="13" presetID="1" presetClass="entr" presetSubtype="0" fill="hold" nodeType="clickEffect">
-                                  <p:stCondLst>
-                                    <p:cond delay="0"/>
-                                  </p:stCondLst>
-                                  <p:childTnLst>
-                                    <p:set>
-                                      <p:cBhvr>
-                                        <p:cTn id="14" dur="1" fill="hold">
-                                          <p:stCondLst>
-                                            <p:cond delay="0"/>
-                                          </p:stCondLst>
-                                        </p:cTn>
-                                        <p:tgtEl>
-                                          <p:spTgt spid="3">
-                                            <p:txEl>
-                                              <p:pRg st="5" end="5"/>
-                                            </p:txEl>
-                                          </p:spTgt>
-                                        </p:tgtEl>
-                                        <p:attrNameLst>
-                                          <p:attrName>style.visibility</p:attrName>
-                                        </p:attrNameLst>
-                                      </p:cBhvr>
-                                      <p:to>
-                                        <p:strVal val="visible"/>
-                                      </p:to>
-                                    </p:set>
-                                  </p:childTnLst>
-                                </p:cTn>
-                              </p:par>
-                            </p:childTnLst>
-                          </p:cTn>
-                        </p:par>
-                      </p:childTnLst>
-                    </p:cTn>
-                  </p:par>
-                  <p:par>
-                    <p:cTn id="15" fill="hold">
-                      <p:stCondLst>
-                        <p:cond delay="indefinite"/>
-                      </p:stCondLst>
-                      <p:childTnLst>
-                        <p:par>
-                          <p:cTn id="16" fill="hold">
-                            <p:stCondLst>
-                              <p:cond delay="0"/>
-                            </p:stCondLst>
-                            <p:childTnLst>
-                              <p:par>
-                                <p:cTn id="17" presetID="1" presetClass="entr" presetSubtype="0" fill="hold" nodeType="clickEffect">
-                                  <p:stCondLst>
-                                    <p:cond delay="0"/>
-                                  </p:stCondLst>
-                                  <p:childTnLst>
-                                    <p:set>
-                                      <p:cBhvr>
-                                        <p:cTn id="18" dur="1" fill="hold">
-                                          <p:stCondLst>
-                                            <p:cond delay="0"/>
-                                          </p:stCondLst>
-                                        </p:cTn>
-                                        <p:tgtEl>
-                                          <p:spTgt spid="3">
-                                            <p:txEl>
-                                              <p:pRg st="7" end="7"/>
-                                            </p:txEl>
-                                          </p:spTgt>
-                                        </p:tgtEl>
-                                        <p:attrNameLst>
-                                          <p:attrName>style.visibility</p:attrName>
-                                        </p:attrNameLst>
-                                      </p:cBhvr>
-                                      <p:to>
-                                        <p:strVal val="visible"/>
-                                      </p:to>
-                                    </p:set>
-                                  </p:childTnLst>
-                                </p:cTn>
-                              </p:par>
-                            </p:childTnLst>
-                          </p:cTn>
-                        </p:par>
-                      </p:childTnLst>
-                    </p:cTn>
-                  </p:par>
-                </p:childTnLst>
-              </p:cTn>
-              <p:prevCondLst>
-                <p:cond evt="onPrev" delay="0">
-                  <p:tgtEl>
-                    <p:sldTgt/>
-                  </p:tgtEl>
-                </p:cond>
-              </p:prevCondLst>
-              <p:nextCondLst>
-                <p:cond evt="onNext" delay="0">
-                  <p:tgtEl>
-                    <p:sldTgt/>
-                  </p:tgtEl>
-                </p:cond>
-              </p:nextCondLst>
-            </p:seq>
-          </p:childTnLst>
-        </p:cTn>
-      </p:par>
-    </p:tnLst>
-  </p:timing>
-</p:sld>
-</file>
-
-<file path=ppt/slides/slide29.xml><?xml version="1.0" encoding="utf-8"?>
-<p:sld xmlns:a="http://schemas.openxmlformats.org/drawingml/2006/main" xmlns:r="http://schemas.openxmlformats.org/officeDocument/2006/relationships" xmlns:p="http://schemas.openxmlformats.org/presentationml/2006/main">
-  <p:cSld>
-    <p:spTree>
-      <p:nvGrpSpPr>
-        <p:cNvPr id="1" name=""/>
-        <p:cNvGrpSpPr/>
-        <p:nvPr/>
-      </p:nvGrpSpPr>
-      <p:grpSpPr>
-        <a:xfrm>
-          <a:off x="0" y="0"/>
-          <a:ext cx="0" cy="0"/>
-          <a:chOff x="0" y="0"/>
-          <a:chExt cx="0" cy="0"/>
-        </a:xfrm>
-      </p:grpSpPr>
-      <p:sp>
-        <p:nvSpPr>
-          <p:cNvPr id="2" name="Title 1">
-            <a:extLst>
-              <a:ext uri="{FF2B5EF4-FFF2-40B4-BE49-F238E27FC236}">
-                <a16:creationId xmlns:a16="http://schemas.microsoft.com/office/drawing/2014/main" id="{0E3C60F8-DD1F-4212-81B7-F83F830A32C0}"/>
-              </a:ext>
-            </a:extLst>
-          </p:cNvPr>
-          <p:cNvSpPr>
-            <a:spLocks noGrp="1"/>
-          </p:cNvSpPr>
-          <p:nvPr>
-            <p:ph type="title"/>
-          </p:nvPr>
-        </p:nvSpPr>
-        <p:spPr/>
-        <p:txBody>
-          <a:bodyPr>
-            <a:normAutofit/>
-          </a:bodyPr>
-          <a:lstStyle/>
-          <a:p>
-            <a:r>
-              <a:rPr lang="en-GB" sz="4000" b="1" dirty="0">
-                <a:latin typeface="Arial" panose="020B0604020202020204" pitchFamily="34" charset="0"/>
-                <a:cs typeface="Arial" panose="020B0604020202020204" pitchFamily="34" charset="0"/>
-              </a:rPr>
-              <a:t>Should you consider Using </a:t>
-            </a:r>
-            <a:r>
-              <a:rPr lang="en-GB" sz="4000" b="1" dirty="0" err="1">
-                <a:latin typeface="Arial" panose="020B0604020202020204" pitchFamily="34" charset="0"/>
-                <a:cs typeface="Arial" panose="020B0604020202020204" pitchFamily="34" charset="0"/>
-              </a:rPr>
-              <a:t>GraphQL</a:t>
-            </a:r>
-            <a:r>
-              <a:rPr lang="en-GB" sz="4000" b="1" dirty="0">
-                <a:latin typeface="Arial" panose="020B0604020202020204" pitchFamily="34" charset="0"/>
-                <a:cs typeface="Arial" panose="020B0604020202020204" pitchFamily="34" charset="0"/>
-              </a:rPr>
-              <a:t>?</a:t>
-            </a:r>
-          </a:p>
-        </p:txBody>
-      </p:sp>
-      <p:sp>
-        <p:nvSpPr>
-          <p:cNvPr id="3" name="Content Placeholder 2">
-            <a:extLst>
-              <a:ext uri="{FF2B5EF4-FFF2-40B4-BE49-F238E27FC236}">
-                <a16:creationId xmlns:a16="http://schemas.microsoft.com/office/drawing/2014/main" id="{75EE9A8F-D1E3-4346-BC6C-5B56623FB003}"/>
-              </a:ext>
-            </a:extLst>
-          </p:cNvPr>
-          <p:cNvSpPr>
-            <a:spLocks noGrp="1"/>
-          </p:cNvSpPr>
-          <p:nvPr>
-            <p:ph idx="1"/>
-          </p:nvPr>
-        </p:nvSpPr>
-        <p:spPr/>
-        <p:txBody>
-          <a:bodyPr/>
-          <a:lstStyle/>
-          <a:p>
-            <a:endParaRPr lang="en-GB" dirty="0"/>
-          </a:p>
-          <a:p>
-            <a:r>
-              <a:rPr lang="en-GB" dirty="0">
-                <a:latin typeface="Arial" panose="020B0604020202020204" pitchFamily="34" charset="0"/>
-                <a:cs typeface="Arial" panose="020B0604020202020204" pitchFamily="34" charset="0"/>
-              </a:rPr>
-              <a:t>If you find yourself working with a scalable application that has rapidly-changing data, </a:t>
-            </a:r>
-            <a:r>
-              <a:rPr lang="en-GB" dirty="0" err="1">
-                <a:latin typeface="Arial" panose="020B0604020202020204" pitchFamily="34" charset="0"/>
-                <a:cs typeface="Arial" panose="020B0604020202020204" pitchFamily="34" charset="0"/>
-              </a:rPr>
-              <a:t>GraphQL</a:t>
-            </a:r>
-            <a:r>
-              <a:rPr lang="en-GB" dirty="0">
-                <a:latin typeface="Arial" panose="020B0604020202020204" pitchFamily="34" charset="0"/>
-                <a:cs typeface="Arial" panose="020B0604020202020204" pitchFamily="34" charset="0"/>
-              </a:rPr>
-              <a:t> could be a great solution.</a:t>
-            </a:r>
-          </a:p>
-        </p:txBody>
-      </p:sp>
-    </p:spTree>
-    <p:extLst>
-      <p:ext uri="{BB962C8B-B14F-4D97-AF65-F5344CB8AC3E}">
-        <p14:creationId xmlns:p14="http://schemas.microsoft.com/office/powerpoint/2010/main" val="975833146"/>
-      </p:ext>
-    </p:extLst>
-  </p:cSld>
-  <p:clrMapOvr>
-    <a:masterClrMapping/>
-  </p:clrMapOvr>
 </p:sld>
 </file>
 
@@ -11555,7 +11444,7 @@
           <p:cNvPr id="2" name="Title 1">
             <a:extLst>
               <a:ext uri="{FF2B5EF4-FFF2-40B4-BE49-F238E27FC236}">
-                <a16:creationId xmlns:a16="http://schemas.microsoft.com/office/drawing/2014/main" id="{9CDF0D2A-81E2-4D08-B78E-FBEF9039EB1B}"/>
+                <a16:creationId xmlns:a16="http://schemas.microsoft.com/office/drawing/2014/main" id="{7BC30914-AAD0-4E8D-9E2C-9D9BBCA57323}"/>
               </a:ext>
             </a:extLst>
           </p:cNvPr>
@@ -11585,9 +11474,8 @@
                 <a:latin typeface="Arial" panose="020B0604020202020204" pitchFamily="34" charset="0"/>
                 <a:cs typeface="Arial" panose="020B0604020202020204" pitchFamily="34" charset="0"/>
               </a:rPr>
-              <a:t> Server Libraries</a:t>
-            </a:r>
-            <a:endParaRPr lang="en-GB" sz="4000" dirty="0"/>
+              <a:t> API request are most commonly implemented using HTTP POST:</a:t>
+            </a:r>
           </a:p>
         </p:txBody>
       </p:sp>
@@ -11596,7 +11484,7 @@
           <p:cNvPr id="3" name="Content Placeholder 2">
             <a:extLst>
               <a:ext uri="{FF2B5EF4-FFF2-40B4-BE49-F238E27FC236}">
-                <a16:creationId xmlns:a16="http://schemas.microsoft.com/office/drawing/2014/main" id="{EA078A30-DC29-45F8-96F9-AD31D1126AFA}"/>
+                <a16:creationId xmlns:a16="http://schemas.microsoft.com/office/drawing/2014/main" id="{84E581ED-7D63-41F6-945D-5C6E2ACC4A87}"/>
               </a:ext>
             </a:extLst>
           </p:cNvPr>
@@ -11609,123 +11497,76 @@
         </p:nvSpPr>
         <p:spPr>
           <a:xfrm>
-            <a:off x="838200" y="1445614"/>
+            <a:off x="838200" y="1690688"/>
             <a:ext cx="10515600" cy="4351338"/>
           </a:xfrm>
         </p:spPr>
         <p:txBody>
           <a:bodyPr>
-            <a:normAutofit/>
+            <a:normAutofit lnSpcReduction="10000"/>
           </a:bodyPr>
           <a:lstStyle/>
+          <a:p>
+            <a:endParaRPr lang="en-GB" dirty="0"/>
+          </a:p>
+          <a:p>
+            <a:r>
+              <a:rPr lang="en-GB" dirty="0">
+                <a:latin typeface="Arial" panose="020B0604020202020204" pitchFamily="34" charset="0"/>
+                <a:cs typeface="Arial" panose="020B0604020202020204" pitchFamily="34" charset="0"/>
+              </a:rPr>
+              <a:t>You will need to set up your own caching support </a:t>
+            </a:r>
+          </a:p>
           <a:p>
             <a:pPr marL="0" indent="0">
               <a:buNone/>
             </a:pPr>
-            <a:r>
-              <a:rPr lang="en-GB" sz="2000" dirty="0">
-                <a:latin typeface="Arial" panose="020B0604020202020204" pitchFamily="34" charset="0"/>
-                <a:cs typeface="Arial" panose="020B0604020202020204" pitchFamily="34" charset="0"/>
-              </a:rPr>
-              <a:t>As </a:t>
-            </a:r>
-            <a:r>
-              <a:rPr lang="en-GB" sz="2000" dirty="0" err="1">
-                <a:latin typeface="Arial" panose="020B0604020202020204" pitchFamily="34" charset="0"/>
-                <a:cs typeface="Arial" panose="020B0604020202020204" pitchFamily="34" charset="0"/>
-              </a:rPr>
-              <a:t>GraphQL</a:t>
-            </a:r>
-            <a:r>
-              <a:rPr lang="en-GB" sz="2000" dirty="0">
-                <a:latin typeface="Arial" panose="020B0604020202020204" pitchFamily="34" charset="0"/>
-                <a:cs typeface="Arial" panose="020B0604020202020204" pitchFamily="34" charset="0"/>
-              </a:rPr>
-              <a:t> is a </a:t>
-            </a:r>
-            <a:r>
-              <a:rPr lang="en-GB" sz="2000" b="1" dirty="0">
-                <a:latin typeface="Arial" panose="020B0604020202020204" pitchFamily="34" charset="0"/>
-                <a:cs typeface="Arial" panose="020B0604020202020204" pitchFamily="34" charset="0"/>
-              </a:rPr>
-              <a:t>specification</a:t>
-            </a:r>
-            <a:r>
-              <a:rPr lang="en-GB" sz="2000" dirty="0">
-                <a:latin typeface="Arial" panose="020B0604020202020204" pitchFamily="34" charset="0"/>
-                <a:cs typeface="Arial" panose="020B0604020202020204" pitchFamily="34" charset="0"/>
-              </a:rPr>
-              <a:t> you can find server libraries to help you implement </a:t>
-            </a:r>
-            <a:r>
-              <a:rPr lang="en-GB" sz="2000" dirty="0" err="1">
-                <a:latin typeface="Arial" panose="020B0604020202020204" pitchFamily="34" charset="0"/>
-                <a:cs typeface="Arial" panose="020B0604020202020204" pitchFamily="34" charset="0"/>
-              </a:rPr>
-              <a:t>GraphQL</a:t>
-            </a:r>
-            <a:r>
-              <a:rPr lang="en-GB" sz="2000" dirty="0">
-                <a:latin typeface="Arial" panose="020B0604020202020204" pitchFamily="34" charset="0"/>
-                <a:cs typeface="Arial" panose="020B0604020202020204" pitchFamily="34" charset="0"/>
-              </a:rPr>
-              <a:t> in a variety of languages including:</a:t>
+            <a:endParaRPr lang="en-GB" dirty="0">
+              <a:latin typeface="Arial" panose="020B0604020202020204" pitchFamily="34" charset="0"/>
+              <a:cs typeface="Arial" panose="020B0604020202020204" pitchFamily="34" charset="0"/>
+            </a:endParaRPr>
+          </a:p>
+          <a:p>
+            <a:r>
+              <a:rPr lang="en-GB" dirty="0">
+                <a:latin typeface="Arial" panose="020B0604020202020204" pitchFamily="34" charset="0"/>
+                <a:cs typeface="Arial" panose="020B0604020202020204" pitchFamily="34" charset="0"/>
+              </a:rPr>
+              <a:t>Requests can not be bookmarked</a:t>
             </a:r>
           </a:p>
           <a:p>
             <a:pPr marL="0" indent="0">
               <a:buNone/>
             </a:pPr>
-            <a:endParaRPr lang="en-GB" sz="2000" dirty="0">
+            <a:endParaRPr lang="en-GB" dirty="0">
               <a:latin typeface="Arial" panose="020B0604020202020204" pitchFamily="34" charset="0"/>
               <a:cs typeface="Arial" panose="020B0604020202020204" pitchFamily="34" charset="0"/>
             </a:endParaRPr>
           </a:p>
           <a:p>
-            <a:pPr marL="0" indent="0">
-              <a:buNone/>
-            </a:pPr>
-            <a:r>
-              <a:rPr lang="en-GB" sz="2000" dirty="0">
-                <a:latin typeface="Arial" panose="020B0604020202020204" pitchFamily="34" charset="0"/>
-                <a:cs typeface="Arial" panose="020B0604020202020204" pitchFamily="34" charset="0"/>
-              </a:rPr>
-              <a:t>C# / .NET, Clojure, Elixir, Erlang, </a:t>
-            </a:r>
-            <a:r>
-              <a:rPr lang="en-GB" sz="2000" dirty="0" err="1">
-                <a:latin typeface="Arial" panose="020B0604020202020204" pitchFamily="34" charset="0"/>
-                <a:cs typeface="Arial" panose="020B0604020202020204" pitchFamily="34" charset="0"/>
-              </a:rPr>
-              <a:t>Go,Groovy</a:t>
-            </a:r>
-            <a:r>
-              <a:rPr lang="en-GB" sz="2000" dirty="0">
-                <a:latin typeface="Arial" panose="020B0604020202020204" pitchFamily="34" charset="0"/>
-                <a:cs typeface="Arial" panose="020B0604020202020204" pitchFamily="34" charset="0"/>
-              </a:rPr>
-              <a:t>, Java, JavaScript, PHP, Python, Scala, Ruby</a:t>
-            </a:r>
-          </a:p>
-          <a:p>
-            <a:pPr marL="0" indent="0">
-              <a:buNone/>
-            </a:pPr>
-            <a:endParaRPr lang="en-GB" sz="2000" dirty="0">
+            <a:r>
+              <a:rPr lang="en-GB" dirty="0">
+                <a:latin typeface="Arial" panose="020B0604020202020204" pitchFamily="34" charset="0"/>
+                <a:cs typeface="Arial" panose="020B0604020202020204" pitchFamily="34" charset="0"/>
+              </a:rPr>
+              <a:t>Request do not stay in browser history</a:t>
+            </a:r>
+          </a:p>
+          <a:p>
+            <a:endParaRPr lang="en-GB" dirty="0">
               <a:latin typeface="Arial" panose="020B0604020202020204" pitchFamily="34" charset="0"/>
               <a:cs typeface="Arial" panose="020B0604020202020204" pitchFamily="34" charset="0"/>
             </a:endParaRPr>
           </a:p>
           <a:p>
-            <a:pPr marL="0" indent="0">
-              <a:buNone/>
-            </a:pPr>
-            <a:r>
-              <a:rPr lang="en-GB" sz="2000" dirty="0">
-                <a:latin typeface="Arial" panose="020B0604020202020204" pitchFamily="34" charset="0"/>
-                <a:cs typeface="Arial" panose="020B0604020202020204" pitchFamily="34" charset="0"/>
-              </a:rPr>
-              <a:t> </a:t>
+            <a:r>
+              <a:rPr lang="en-GB" dirty="0">
+                <a:latin typeface="Arial" panose="020B0604020202020204" pitchFamily="34" charset="0"/>
+                <a:cs typeface="Arial" panose="020B0604020202020204" pitchFamily="34" charset="0"/>
+              </a:rPr>
+              <a:t>You can require that the clients use GET for all requests, but it's not ideal, because mutations will get cached too</a:t>
             </a:r>
           </a:p>
         </p:txBody>
@@ -11733,13 +11574,239 @@
     </p:spTree>
     <p:extLst>
       <p:ext uri="{BB962C8B-B14F-4D97-AF65-F5344CB8AC3E}">
-        <p14:creationId xmlns:p14="http://schemas.microsoft.com/office/powerpoint/2010/main" val="268548884"/>
+        <p14:creationId xmlns:p14="http://schemas.microsoft.com/office/powerpoint/2010/main" val="3634226830"/>
       </p:ext>
     </p:extLst>
   </p:cSld>
   <p:clrMapOvr>
     <a:masterClrMapping/>
   </p:clrMapOvr>
+  <p:timing>
+    <p:tnLst>
+      <p:par>
+        <p:cTn id="1" dur="indefinite" restart="never" nodeType="tmRoot">
+          <p:childTnLst>
+            <p:seq concurrent="1" nextAc="seek">
+              <p:cTn id="2" dur="indefinite" nodeType="mainSeq">
+                <p:childTnLst>
+                  <p:par>
+                    <p:cTn id="3" fill="hold">
+                      <p:stCondLst>
+                        <p:cond delay="indefinite"/>
+                      </p:stCondLst>
+                      <p:childTnLst>
+                        <p:par>
+                          <p:cTn id="4" fill="hold">
+                            <p:stCondLst>
+                              <p:cond delay="0"/>
+                            </p:stCondLst>
+                            <p:childTnLst>
+                              <p:par>
+                                <p:cTn id="5" presetID="1" presetClass="entr" presetSubtype="0" fill="hold" nodeType="clickEffect">
+                                  <p:stCondLst>
+                                    <p:cond delay="0"/>
+                                  </p:stCondLst>
+                                  <p:childTnLst>
+                                    <p:set>
+                                      <p:cBhvr>
+                                        <p:cTn id="6" dur="1" fill="hold">
+                                          <p:stCondLst>
+                                            <p:cond delay="0"/>
+                                          </p:stCondLst>
+                                        </p:cTn>
+                                        <p:tgtEl>
+                                          <p:spTgt spid="3">
+                                            <p:txEl>
+                                              <p:pRg st="1" end="1"/>
+                                            </p:txEl>
+                                          </p:spTgt>
+                                        </p:tgtEl>
+                                        <p:attrNameLst>
+                                          <p:attrName>style.visibility</p:attrName>
+                                        </p:attrNameLst>
+                                      </p:cBhvr>
+                                      <p:to>
+                                        <p:strVal val="visible"/>
+                                      </p:to>
+                                    </p:set>
+                                  </p:childTnLst>
+                                </p:cTn>
+                              </p:par>
+                            </p:childTnLst>
+                          </p:cTn>
+                        </p:par>
+                      </p:childTnLst>
+                    </p:cTn>
+                  </p:par>
+                  <p:par>
+                    <p:cTn id="7" fill="hold">
+                      <p:stCondLst>
+                        <p:cond delay="indefinite"/>
+                      </p:stCondLst>
+                      <p:childTnLst>
+                        <p:par>
+                          <p:cTn id="8" fill="hold">
+                            <p:stCondLst>
+                              <p:cond delay="0"/>
+                            </p:stCondLst>
+                            <p:childTnLst>
+                              <p:par>
+                                <p:cTn id="9" presetID="1" presetClass="entr" presetSubtype="0" fill="hold" nodeType="clickEffect">
+                                  <p:stCondLst>
+                                    <p:cond delay="0"/>
+                                  </p:stCondLst>
+                                  <p:childTnLst>
+                                    <p:set>
+                                      <p:cBhvr>
+                                        <p:cTn id="10" dur="1" fill="hold">
+                                          <p:stCondLst>
+                                            <p:cond delay="0"/>
+                                          </p:stCondLst>
+                                        </p:cTn>
+                                        <p:tgtEl>
+                                          <p:spTgt spid="3">
+                                            <p:txEl>
+                                              <p:pRg st="3" end="3"/>
+                                            </p:txEl>
+                                          </p:spTgt>
+                                        </p:tgtEl>
+                                        <p:attrNameLst>
+                                          <p:attrName>style.visibility</p:attrName>
+                                        </p:attrNameLst>
+                                      </p:cBhvr>
+                                      <p:to>
+                                        <p:strVal val="visible"/>
+                                      </p:to>
+                                    </p:set>
+                                  </p:childTnLst>
+                                </p:cTn>
+                              </p:par>
+                            </p:childTnLst>
+                          </p:cTn>
+                        </p:par>
+                      </p:childTnLst>
+                    </p:cTn>
+                  </p:par>
+                  <p:par>
+                    <p:cTn id="11" fill="hold">
+                      <p:stCondLst>
+                        <p:cond delay="indefinite"/>
+                      </p:stCondLst>
+                      <p:childTnLst>
+                        <p:par>
+                          <p:cTn id="12" fill="hold">
+                            <p:stCondLst>
+                              <p:cond delay="0"/>
+                            </p:stCondLst>
+                            <p:childTnLst>
+                              <p:par>
+                                <p:cTn id="13" presetID="1" presetClass="entr" presetSubtype="0" fill="hold" nodeType="clickEffect">
+                                  <p:stCondLst>
+                                    <p:cond delay="0"/>
+                                  </p:stCondLst>
+                                  <p:childTnLst>
+                                    <p:set>
+                                      <p:cBhvr>
+                                        <p:cTn id="14" dur="1" fill="hold">
+                                          <p:stCondLst>
+                                            <p:cond delay="0"/>
+                                          </p:stCondLst>
+                                        </p:cTn>
+                                        <p:tgtEl>
+                                          <p:spTgt spid="3">
+                                            <p:txEl>
+                                              <p:pRg st="5" end="5"/>
+                                            </p:txEl>
+                                          </p:spTgt>
+                                        </p:tgtEl>
+                                        <p:attrNameLst>
+                                          <p:attrName>style.visibility</p:attrName>
+                                        </p:attrNameLst>
+                                      </p:cBhvr>
+                                      <p:to>
+                                        <p:strVal val="visible"/>
+                                      </p:to>
+                                    </p:set>
+                                  </p:childTnLst>
+                                </p:cTn>
+                              </p:par>
+                            </p:childTnLst>
+                          </p:cTn>
+                        </p:par>
+                      </p:childTnLst>
+                    </p:cTn>
+                  </p:par>
+                  <p:par>
+                    <p:cTn id="15" fill="hold">
+                      <p:stCondLst>
+                        <p:cond delay="indefinite"/>
+                      </p:stCondLst>
+                      <p:childTnLst>
+                        <p:par>
+                          <p:cTn id="16" fill="hold">
+                            <p:stCondLst>
+                              <p:cond delay="0"/>
+                            </p:stCondLst>
+                            <p:childTnLst>
+                              <p:par>
+                                <p:cTn id="17" presetID="1" presetClass="entr" presetSubtype="0" fill="hold" nodeType="clickEffect">
+                                  <p:stCondLst>
+                                    <p:cond delay="0"/>
+                                  </p:stCondLst>
+                                  <p:childTnLst>
+                                    <p:set>
+                                      <p:cBhvr>
+                                        <p:cTn id="18" dur="1" fill="hold">
+                                          <p:stCondLst>
+                                            <p:cond delay="0"/>
+                                          </p:stCondLst>
+                                        </p:cTn>
+                                        <p:tgtEl>
+                                          <p:spTgt spid="3">
+                                            <p:txEl>
+                                              <p:pRg st="7" end="7"/>
+                                            </p:txEl>
+                                          </p:spTgt>
+                                        </p:tgtEl>
+                                        <p:attrNameLst>
+                                          <p:attrName>style.visibility</p:attrName>
+                                        </p:attrNameLst>
+                                      </p:cBhvr>
+                                      <p:to>
+                                        <p:strVal val="visible"/>
+                                      </p:to>
+                                    </p:set>
+                                  </p:childTnLst>
+                                </p:cTn>
+                              </p:par>
+                            </p:childTnLst>
+                          </p:cTn>
+                        </p:par>
+                      </p:childTnLst>
+                    </p:cTn>
+                  </p:par>
+                </p:childTnLst>
+              </p:cTn>
+              <p:prevCondLst>
+                <p:cond evt="onPrev" delay="0">
+                  <p:tgtEl>
+                    <p:sldTgt/>
+                  </p:tgtEl>
+                </p:cond>
+              </p:prevCondLst>
+              <p:nextCondLst>
+                <p:cond evt="onNext" delay="0">
+                  <p:tgtEl>
+                    <p:sldTgt/>
+                  </p:tgtEl>
+                </p:cond>
+              </p:nextCondLst>
+            </p:seq>
+          </p:childTnLst>
+        </p:cTn>
+      </p:par>
+    </p:tnLst>
+  </p:timing>
 </p:sld>
 </file>
 
@@ -11765,7 +11832,7 @@
           <p:cNvPr id="2" name="Title 1">
             <a:extLst>
               <a:ext uri="{FF2B5EF4-FFF2-40B4-BE49-F238E27FC236}">
-                <a16:creationId xmlns:a16="http://schemas.microsoft.com/office/drawing/2014/main" id="{5025B909-8380-407F-98D1-5BBA276DF1B7}"/>
+                <a16:creationId xmlns:a16="http://schemas.microsoft.com/office/drawing/2014/main" id="{0E3C60F8-DD1F-4212-81B7-F83F830A32C0}"/>
               </a:ext>
             </a:extLst>
           </p:cNvPr>
@@ -11788,7 +11855,69 @@
                 <a:latin typeface="Arial" panose="020B0604020202020204" pitchFamily="34" charset="0"/>
                 <a:cs typeface="Arial" panose="020B0604020202020204" pitchFamily="34" charset="0"/>
               </a:rPr>
-              <a:t>Thank You For Listening</a:t>
+              <a:t>Should you consider Using </a:t>
+            </a:r>
+            <a:r>
+              <a:rPr lang="en-GB" sz="4000" b="1" dirty="0" err="1">
+                <a:latin typeface="Arial" panose="020B0604020202020204" pitchFamily="34" charset="0"/>
+                <a:cs typeface="Arial" panose="020B0604020202020204" pitchFamily="34" charset="0"/>
+              </a:rPr>
+              <a:t>GraphQL</a:t>
+            </a:r>
+            <a:r>
+              <a:rPr lang="en-GB" sz="4000" b="1" dirty="0">
+                <a:latin typeface="Arial" panose="020B0604020202020204" pitchFamily="34" charset="0"/>
+                <a:cs typeface="Arial" panose="020B0604020202020204" pitchFamily="34" charset="0"/>
+              </a:rPr>
+              <a:t>?</a:t>
+            </a:r>
+          </a:p>
+        </p:txBody>
+      </p:sp>
+      <p:sp>
+        <p:nvSpPr>
+          <p:cNvPr id="3" name="Content Placeholder 2">
+            <a:extLst>
+              <a:ext uri="{FF2B5EF4-FFF2-40B4-BE49-F238E27FC236}">
+                <a16:creationId xmlns:a16="http://schemas.microsoft.com/office/drawing/2014/main" id="{75EE9A8F-D1E3-4346-BC6C-5B56623FB003}"/>
+              </a:ext>
+            </a:extLst>
+          </p:cNvPr>
+          <p:cNvSpPr>
+            <a:spLocks noGrp="1"/>
+          </p:cNvSpPr>
+          <p:nvPr>
+            <p:ph idx="1"/>
+          </p:nvPr>
+        </p:nvSpPr>
+        <p:spPr/>
+        <p:txBody>
+          <a:bodyPr/>
+          <a:lstStyle/>
+          <a:p>
+            <a:endParaRPr lang="en-GB" dirty="0"/>
+          </a:p>
+          <a:p>
+            <a:r>
+              <a:rPr lang="en-GB" dirty="0">
+                <a:latin typeface="Arial" panose="020B0604020202020204" pitchFamily="34" charset="0"/>
+                <a:cs typeface="Arial" panose="020B0604020202020204" pitchFamily="34" charset="0"/>
+              </a:rPr>
+              <a:t>If you find yourself working with a scalable application that has rapidly-changing data, </a:t>
+            </a:r>
+            <a:r>
+              <a:rPr lang="en-GB" dirty="0" err="1">
+                <a:latin typeface="Arial" panose="020B0604020202020204" pitchFamily="34" charset="0"/>
+                <a:cs typeface="Arial" panose="020B0604020202020204" pitchFamily="34" charset="0"/>
+              </a:rPr>
+              <a:t>GraphQL</a:t>
+            </a:r>
+            <a:r>
+              <a:rPr lang="en-GB" dirty="0">
+                <a:latin typeface="Arial" panose="020B0604020202020204" pitchFamily="34" charset="0"/>
+                <a:cs typeface="Arial" panose="020B0604020202020204" pitchFamily="34" charset="0"/>
+              </a:rPr>
+              <a:t> could be a great solution.</a:t>
             </a:r>
           </a:p>
         </p:txBody>
@@ -11796,7 +11925,7 @@
     </p:spTree>
     <p:extLst>
       <p:ext uri="{BB962C8B-B14F-4D97-AF65-F5344CB8AC3E}">
-        <p14:creationId xmlns:p14="http://schemas.microsoft.com/office/powerpoint/2010/main" val="360220739"/>
+        <p14:creationId xmlns:p14="http://schemas.microsoft.com/office/powerpoint/2010/main" val="975833146"/>
       </p:ext>
     </p:extLst>
   </p:cSld>
@@ -11828,6 +11957,279 @@
           <p:cNvPr id="2" name="Title 1">
             <a:extLst>
               <a:ext uri="{FF2B5EF4-FFF2-40B4-BE49-F238E27FC236}">
+                <a16:creationId xmlns:a16="http://schemas.microsoft.com/office/drawing/2014/main" id="{9CDF0D2A-81E2-4D08-B78E-FBEF9039EB1B}"/>
+              </a:ext>
+            </a:extLst>
+          </p:cNvPr>
+          <p:cNvSpPr>
+            <a:spLocks noGrp="1"/>
+          </p:cNvSpPr>
+          <p:nvPr>
+            <p:ph type="title"/>
+          </p:nvPr>
+        </p:nvSpPr>
+        <p:spPr/>
+        <p:txBody>
+          <a:bodyPr>
+            <a:normAutofit/>
+          </a:bodyPr>
+          <a:lstStyle/>
+          <a:p>
+            <a:r>
+              <a:rPr lang="en-GB" sz="4000" b="1" dirty="0" err="1">
+                <a:latin typeface="Arial" panose="020B0604020202020204" pitchFamily="34" charset="0"/>
+                <a:cs typeface="Arial" panose="020B0604020202020204" pitchFamily="34" charset="0"/>
+              </a:rPr>
+              <a:t>GraphQL</a:t>
+            </a:r>
+            <a:r>
+              <a:rPr lang="en-GB" sz="4000" b="1" dirty="0">
+                <a:latin typeface="Arial" panose="020B0604020202020204" pitchFamily="34" charset="0"/>
+                <a:cs typeface="Arial" panose="020B0604020202020204" pitchFamily="34" charset="0"/>
+              </a:rPr>
+              <a:t> Server Libraries</a:t>
+            </a:r>
+            <a:endParaRPr lang="en-GB" sz="4000" dirty="0"/>
+          </a:p>
+        </p:txBody>
+      </p:sp>
+      <p:sp>
+        <p:nvSpPr>
+          <p:cNvPr id="3" name="Content Placeholder 2">
+            <a:extLst>
+              <a:ext uri="{FF2B5EF4-FFF2-40B4-BE49-F238E27FC236}">
+                <a16:creationId xmlns:a16="http://schemas.microsoft.com/office/drawing/2014/main" id="{EA078A30-DC29-45F8-96F9-AD31D1126AFA}"/>
+              </a:ext>
+            </a:extLst>
+          </p:cNvPr>
+          <p:cNvSpPr>
+            <a:spLocks noGrp="1"/>
+          </p:cNvSpPr>
+          <p:nvPr>
+            <p:ph idx="1"/>
+          </p:nvPr>
+        </p:nvSpPr>
+        <p:spPr>
+          <a:xfrm>
+            <a:off x="838200" y="1445614"/>
+            <a:ext cx="10515600" cy="4351338"/>
+          </a:xfrm>
+        </p:spPr>
+        <p:txBody>
+          <a:bodyPr>
+            <a:normAutofit/>
+          </a:bodyPr>
+          <a:lstStyle/>
+          <a:p>
+            <a:pPr marL="0" indent="0">
+              <a:buNone/>
+            </a:pPr>
+            <a:r>
+              <a:rPr lang="en-GB" sz="2000" dirty="0">
+                <a:latin typeface="Arial" panose="020B0604020202020204" pitchFamily="34" charset="0"/>
+                <a:cs typeface="Arial" panose="020B0604020202020204" pitchFamily="34" charset="0"/>
+              </a:rPr>
+              <a:t>As </a:t>
+            </a:r>
+            <a:r>
+              <a:rPr lang="en-GB" sz="2000" dirty="0" err="1">
+                <a:latin typeface="Arial" panose="020B0604020202020204" pitchFamily="34" charset="0"/>
+                <a:cs typeface="Arial" panose="020B0604020202020204" pitchFamily="34" charset="0"/>
+              </a:rPr>
+              <a:t>GraphQL</a:t>
+            </a:r>
+            <a:r>
+              <a:rPr lang="en-GB" sz="2000" dirty="0">
+                <a:latin typeface="Arial" panose="020B0604020202020204" pitchFamily="34" charset="0"/>
+                <a:cs typeface="Arial" panose="020B0604020202020204" pitchFamily="34" charset="0"/>
+              </a:rPr>
+              <a:t> is a </a:t>
+            </a:r>
+            <a:r>
+              <a:rPr lang="en-GB" sz="2000" b="1" dirty="0">
+                <a:latin typeface="Arial" panose="020B0604020202020204" pitchFamily="34" charset="0"/>
+                <a:cs typeface="Arial" panose="020B0604020202020204" pitchFamily="34" charset="0"/>
+              </a:rPr>
+              <a:t>specification</a:t>
+            </a:r>
+            <a:r>
+              <a:rPr lang="en-GB" sz="2000" dirty="0">
+                <a:latin typeface="Arial" panose="020B0604020202020204" pitchFamily="34" charset="0"/>
+                <a:cs typeface="Arial" panose="020B0604020202020204" pitchFamily="34" charset="0"/>
+              </a:rPr>
+              <a:t> you can find server libraries to help you implement </a:t>
+            </a:r>
+            <a:r>
+              <a:rPr lang="en-GB" sz="2000" dirty="0" err="1">
+                <a:latin typeface="Arial" panose="020B0604020202020204" pitchFamily="34" charset="0"/>
+                <a:cs typeface="Arial" panose="020B0604020202020204" pitchFamily="34" charset="0"/>
+              </a:rPr>
+              <a:t>GraphQL</a:t>
+            </a:r>
+            <a:r>
+              <a:rPr lang="en-GB" sz="2000" dirty="0">
+                <a:latin typeface="Arial" panose="020B0604020202020204" pitchFamily="34" charset="0"/>
+                <a:cs typeface="Arial" panose="020B0604020202020204" pitchFamily="34" charset="0"/>
+              </a:rPr>
+              <a:t> in a variety of languages including:</a:t>
+            </a:r>
+          </a:p>
+          <a:p>
+            <a:pPr marL="0" indent="0">
+              <a:buNone/>
+            </a:pPr>
+            <a:endParaRPr lang="en-GB" sz="2000" dirty="0">
+              <a:latin typeface="Arial" panose="020B0604020202020204" pitchFamily="34" charset="0"/>
+              <a:cs typeface="Arial" panose="020B0604020202020204" pitchFamily="34" charset="0"/>
+            </a:endParaRPr>
+          </a:p>
+          <a:p>
+            <a:pPr marL="0" indent="0">
+              <a:buNone/>
+            </a:pPr>
+            <a:r>
+              <a:rPr lang="en-GB" sz="2000" dirty="0">
+                <a:latin typeface="Arial" panose="020B0604020202020204" pitchFamily="34" charset="0"/>
+                <a:cs typeface="Arial" panose="020B0604020202020204" pitchFamily="34" charset="0"/>
+              </a:rPr>
+              <a:t>C# / .NET, Clojure, Elixir, Erlang, </a:t>
+            </a:r>
+            <a:r>
+              <a:rPr lang="en-GB" sz="2000" dirty="0" err="1">
+                <a:latin typeface="Arial" panose="020B0604020202020204" pitchFamily="34" charset="0"/>
+                <a:cs typeface="Arial" panose="020B0604020202020204" pitchFamily="34" charset="0"/>
+              </a:rPr>
+              <a:t>Go,Groovy</a:t>
+            </a:r>
+            <a:r>
+              <a:rPr lang="en-GB" sz="2000" dirty="0">
+                <a:latin typeface="Arial" panose="020B0604020202020204" pitchFamily="34" charset="0"/>
+                <a:cs typeface="Arial" panose="020B0604020202020204" pitchFamily="34" charset="0"/>
+              </a:rPr>
+              <a:t>, Java, JavaScript, PHP, Python, Scala, Ruby</a:t>
+            </a:r>
+          </a:p>
+          <a:p>
+            <a:pPr marL="0" indent="0">
+              <a:buNone/>
+            </a:pPr>
+            <a:endParaRPr lang="en-GB" sz="2000" dirty="0">
+              <a:latin typeface="Arial" panose="020B0604020202020204" pitchFamily="34" charset="0"/>
+              <a:cs typeface="Arial" panose="020B0604020202020204" pitchFamily="34" charset="0"/>
+            </a:endParaRPr>
+          </a:p>
+          <a:p>
+            <a:pPr marL="0" indent="0">
+              <a:buNone/>
+            </a:pPr>
+            <a:r>
+              <a:rPr lang="en-GB" sz="2000" dirty="0">
+                <a:latin typeface="Arial" panose="020B0604020202020204" pitchFamily="34" charset="0"/>
+                <a:cs typeface="Arial" panose="020B0604020202020204" pitchFamily="34" charset="0"/>
+              </a:rPr>
+              <a:t> </a:t>
+            </a:r>
+          </a:p>
+        </p:txBody>
+      </p:sp>
+    </p:spTree>
+    <p:extLst>
+      <p:ext uri="{BB962C8B-B14F-4D97-AF65-F5344CB8AC3E}">
+        <p14:creationId xmlns:p14="http://schemas.microsoft.com/office/powerpoint/2010/main" val="268548884"/>
+      </p:ext>
+    </p:extLst>
+  </p:cSld>
+  <p:clrMapOvr>
+    <a:masterClrMapping/>
+  </p:clrMapOvr>
+</p:sld>
+</file>
+
+<file path=ppt/slides/slide33.xml><?xml version="1.0" encoding="utf-8"?>
+<p:sld xmlns:a="http://schemas.openxmlformats.org/drawingml/2006/main" xmlns:r="http://schemas.openxmlformats.org/officeDocument/2006/relationships" xmlns:p="http://schemas.openxmlformats.org/presentationml/2006/main">
+  <p:cSld>
+    <p:spTree>
+      <p:nvGrpSpPr>
+        <p:cNvPr id="1" name=""/>
+        <p:cNvGrpSpPr/>
+        <p:nvPr/>
+      </p:nvGrpSpPr>
+      <p:grpSpPr>
+        <a:xfrm>
+          <a:off x="0" y="0"/>
+          <a:ext cx="0" cy="0"/>
+          <a:chOff x="0" y="0"/>
+          <a:chExt cx="0" cy="0"/>
+        </a:xfrm>
+      </p:grpSpPr>
+      <p:sp>
+        <p:nvSpPr>
+          <p:cNvPr id="2" name="Title 1">
+            <a:extLst>
+              <a:ext uri="{FF2B5EF4-FFF2-40B4-BE49-F238E27FC236}">
+                <a16:creationId xmlns:a16="http://schemas.microsoft.com/office/drawing/2014/main" id="{5025B909-8380-407F-98D1-5BBA276DF1B7}"/>
+              </a:ext>
+            </a:extLst>
+          </p:cNvPr>
+          <p:cNvSpPr>
+            <a:spLocks noGrp="1"/>
+          </p:cNvSpPr>
+          <p:nvPr>
+            <p:ph type="title"/>
+          </p:nvPr>
+        </p:nvSpPr>
+        <p:spPr/>
+        <p:txBody>
+          <a:bodyPr>
+            <a:normAutofit/>
+          </a:bodyPr>
+          <a:lstStyle/>
+          <a:p>
+            <a:r>
+              <a:rPr lang="en-GB" sz="4000" b="1" dirty="0">
+                <a:latin typeface="Arial" panose="020B0604020202020204" pitchFamily="34" charset="0"/>
+                <a:cs typeface="Arial" panose="020B0604020202020204" pitchFamily="34" charset="0"/>
+              </a:rPr>
+              <a:t>Thank You For Listening</a:t>
+            </a:r>
+          </a:p>
+        </p:txBody>
+      </p:sp>
+    </p:spTree>
+    <p:extLst>
+      <p:ext uri="{BB962C8B-B14F-4D97-AF65-F5344CB8AC3E}">
+        <p14:creationId xmlns:p14="http://schemas.microsoft.com/office/powerpoint/2010/main" val="360220739"/>
+      </p:ext>
+    </p:extLst>
+  </p:cSld>
+  <p:clrMapOvr>
+    <a:masterClrMapping/>
+  </p:clrMapOvr>
+</p:sld>
+</file>
+
+<file path=ppt/slides/slide34.xml><?xml version="1.0" encoding="utf-8"?>
+<p:sld xmlns:a="http://schemas.openxmlformats.org/drawingml/2006/main" xmlns:r="http://schemas.openxmlformats.org/officeDocument/2006/relationships" xmlns:p="http://schemas.openxmlformats.org/presentationml/2006/main">
+  <p:cSld>
+    <p:spTree>
+      <p:nvGrpSpPr>
+        <p:cNvPr id="1" name=""/>
+        <p:cNvGrpSpPr/>
+        <p:nvPr/>
+      </p:nvGrpSpPr>
+      <p:grpSpPr>
+        <a:xfrm>
+          <a:off x="0" y="0"/>
+          <a:ext cx="0" cy="0"/>
+          <a:chOff x="0" y="0"/>
+          <a:chExt cx="0" cy="0"/>
+        </a:xfrm>
+      </p:grpSpPr>
+      <p:sp>
+        <p:nvSpPr>
+          <p:cNvPr id="2" name="Title 1">
+            <a:extLst>
+              <a:ext uri="{FF2B5EF4-FFF2-40B4-BE49-F238E27FC236}">
                 <a16:creationId xmlns:a16="http://schemas.microsoft.com/office/drawing/2014/main" id="{ADF842CB-C496-4F73-A1FF-31C756A22EC4}"/>
               </a:ext>
             </a:extLst>
@@ -11869,7 +12271,7 @@
 </p:sld>
 </file>
 
-<file path=ppt/slides/slide33.xml><?xml version="1.0" encoding="utf-8"?>
+<file path=ppt/slides/slide35.xml><?xml version="1.0" encoding="utf-8"?>
 <p:sld xmlns:a="http://schemas.openxmlformats.org/drawingml/2006/main" xmlns:r="http://schemas.openxmlformats.org/officeDocument/2006/relationships" xmlns:p="http://schemas.openxmlformats.org/presentationml/2006/main" show="0">
   <p:cSld>
     <p:spTree>
@@ -11972,7 +12374,7 @@
 </p:sld>
 </file>
 
-<file path=ppt/slides/slide34.xml><?xml version="1.0" encoding="utf-8"?>
+<file path=ppt/slides/slide36.xml><?xml version="1.0" encoding="utf-8"?>
 <p:sld xmlns:a="http://schemas.openxmlformats.org/drawingml/2006/main" xmlns:r="http://schemas.openxmlformats.org/officeDocument/2006/relationships" xmlns:p="http://schemas.openxmlformats.org/presentationml/2006/main" show="0">
   <p:cSld>
     <p:spTree>

--- a/current.pptx
+++ b/current.pptx
@@ -21,28 +21,28 @@
     <p:sldId id="270" r:id="rId12"/>
     <p:sldId id="273" r:id="rId13"/>
     <p:sldId id="272" r:id="rId14"/>
-    <p:sldId id="294" r:id="rId15"/>
-    <p:sldId id="295" r:id="rId16"/>
-    <p:sldId id="296" r:id="rId17"/>
-    <p:sldId id="297" r:id="rId18"/>
+    <p:sldId id="295" r:id="rId15"/>
+    <p:sldId id="296" r:id="rId16"/>
+    <p:sldId id="297" r:id="rId17"/>
+    <p:sldId id="294" r:id="rId18"/>
     <p:sldId id="274" r:id="rId19"/>
     <p:sldId id="276" r:id="rId20"/>
     <p:sldId id="277" r:id="rId21"/>
-    <p:sldId id="282" r:id="rId22"/>
-    <p:sldId id="278" r:id="rId23"/>
-    <p:sldId id="280" r:id="rId24"/>
-    <p:sldId id="281" r:id="rId25"/>
-    <p:sldId id="283" r:id="rId26"/>
-    <p:sldId id="284" r:id="rId27"/>
-    <p:sldId id="285" r:id="rId28"/>
-    <p:sldId id="287" r:id="rId29"/>
-    <p:sldId id="289" r:id="rId30"/>
-    <p:sldId id="288" r:id="rId31"/>
-    <p:sldId id="290" r:id="rId32"/>
-    <p:sldId id="293" r:id="rId33"/>
-    <p:sldId id="291" r:id="rId34"/>
-    <p:sldId id="292" r:id="rId35"/>
-    <p:sldId id="275" r:id="rId36"/>
+    <p:sldId id="281" r:id="rId22"/>
+    <p:sldId id="283" r:id="rId23"/>
+    <p:sldId id="284" r:id="rId24"/>
+    <p:sldId id="285" r:id="rId25"/>
+    <p:sldId id="287" r:id="rId26"/>
+    <p:sldId id="289" r:id="rId27"/>
+    <p:sldId id="288" r:id="rId28"/>
+    <p:sldId id="290" r:id="rId29"/>
+    <p:sldId id="291" r:id="rId30"/>
+    <p:sldId id="292" r:id="rId31"/>
+    <p:sldId id="293" r:id="rId32"/>
+    <p:sldId id="275" r:id="rId33"/>
+    <p:sldId id="282" r:id="rId34"/>
+    <p:sldId id="278" r:id="rId35"/>
+    <p:sldId id="280" r:id="rId36"/>
     <p:sldId id="262" r:id="rId37"/>
   </p:sldIdLst>
   <p:sldSz cx="12192000" cy="6858000"/>
@@ -733,7 +733,7 @@
           <a:p>
             <a:fld id="{D6719FC5-C3CA-4722-957E-A07B335E4D2F}" type="slidenum">
               <a:rPr lang="en-GB" smtClean="0"/>
-              <a:t>23</a:t>
+              <a:t>35</a:t>
             </a:fld>
             <a:endParaRPr lang="en-GB"/>
           </a:p>
@@ -6776,7 +6776,7 @@
         </p:blipFill>
         <p:spPr>
           <a:xfrm>
-            <a:off x="-201811" y="4196484"/>
+            <a:off x="102989" y="4098948"/>
             <a:ext cx="3933825" cy="2686050"/>
           </a:xfrm>
           <a:prstGeom prst="rect">
@@ -6801,7 +6801,7 @@
         <p:spPr>
           <a:xfrm>
             <a:off x="3562126" y="2403764"/>
-            <a:ext cx="1849616" cy="0"/>
+            <a:ext cx="1446661" cy="0"/>
           </a:xfrm>
           <a:prstGeom prst="straightConnector1">
             <a:avLst/>
@@ -6847,7 +6847,7 @@
         </p:blipFill>
         <p:spPr>
           <a:xfrm>
-            <a:off x="5411742" y="1305519"/>
+            <a:off x="5070366" y="1439631"/>
             <a:ext cx="2796789" cy="2746070"/>
           </a:xfrm>
           <a:prstGeom prst="rect">
@@ -6869,8 +6869,8 @@
         </p:nvSpPr>
         <p:spPr>
           <a:xfrm>
-            <a:off x="3775996" y="1572767"/>
-            <a:ext cx="1421875" cy="830997"/>
+            <a:off x="3696625" y="1836238"/>
+            <a:ext cx="1594248" cy="461665"/>
           </a:xfrm>
           <a:prstGeom prst="rect">
             <a:avLst/>
@@ -6888,7 +6888,7 @@
                 <a:latin typeface="Arial" panose="020B0604020202020204" pitchFamily="34" charset="0"/>
                 <a:cs typeface="Arial" panose="020B0604020202020204" pitchFamily="34" charset="0"/>
               </a:rPr>
-              <a:t>Query sent to server and validated against Schema </a:t>
+              <a:t>Query sent to server</a:t>
             </a:r>
           </a:p>
         </p:txBody>
@@ -6915,7 +6915,7 @@
         </p:blipFill>
         <p:spPr>
           <a:xfrm>
-            <a:off x="8957974" y="3720234"/>
+            <a:off x="9274966" y="4512714"/>
             <a:ext cx="2828925" cy="1504950"/>
           </a:xfrm>
           <a:prstGeom prst="rect">
@@ -6932,13 +6932,15 @@
               </a:ext>
             </a:extLst>
           </p:cNvPr>
-          <p:cNvCxnSpPr/>
+          <p:cNvCxnSpPr>
+            <a:cxnSpLocks/>
+          </p:cNvCxnSpPr>
           <p:nvPr/>
         </p:nvCxnSpPr>
         <p:spPr>
           <a:xfrm>
-            <a:off x="8315083" y="3860800"/>
-            <a:ext cx="570299" cy="489527"/>
+            <a:off x="7867155" y="4185701"/>
+            <a:ext cx="1393907" cy="327013"/>
           </a:xfrm>
           <a:prstGeom prst="straightConnector1">
             <a:avLst/>
@@ -6984,7 +6986,7 @@
         </p:blipFill>
         <p:spPr>
           <a:xfrm>
-            <a:off x="5631063" y="5419117"/>
+            <a:off x="5277495" y="5419117"/>
             <a:ext cx="2828925" cy="1215242"/>
           </a:xfrm>
           <a:prstGeom prst="rect">
@@ -7001,13 +7003,15 @@
               </a:ext>
             </a:extLst>
           </p:cNvPr>
-          <p:cNvCxnSpPr/>
+          <p:cNvCxnSpPr>
+            <a:cxnSpLocks/>
+          </p:cNvCxnSpPr>
           <p:nvPr/>
         </p:nvCxnSpPr>
         <p:spPr>
-          <a:xfrm flipH="1">
-            <a:off x="8124092" y="4651131"/>
-            <a:ext cx="833882" cy="712177"/>
+          <a:xfrm flipH="1" flipV="1">
+            <a:off x="8079872" y="5712086"/>
+            <a:ext cx="1167286" cy="24384"/>
           </a:xfrm>
           <a:prstGeom prst="straightConnector1">
             <a:avLst/>
@@ -7040,13 +7044,15 @@
               </a:ext>
             </a:extLst>
           </p:cNvPr>
-          <p:cNvCxnSpPr/>
+          <p:cNvCxnSpPr>
+            <a:cxnSpLocks/>
+          </p:cNvCxnSpPr>
           <p:nvPr/>
         </p:nvCxnSpPr>
         <p:spPr>
           <a:xfrm flipH="1">
-            <a:off x="3823853" y="5802923"/>
-            <a:ext cx="1807210" cy="0"/>
+            <a:off x="4036816" y="5802923"/>
+            <a:ext cx="1254057" cy="0"/>
           </a:xfrm>
           <a:prstGeom prst="straightConnector1">
             <a:avLst/>
@@ -7114,7 +7120,7 @@
         </p:nvSpPr>
         <p:spPr>
           <a:xfrm>
-            <a:off x="2184116" y="257102"/>
+            <a:off x="2184116" y="135725"/>
             <a:ext cx="5649343" cy="707886"/>
           </a:xfrm>
           <a:prstGeom prst="rect">
@@ -7139,6 +7145,318 @@
               <a:latin typeface="Arial" panose="020B0604020202020204" pitchFamily="34" charset="0"/>
               <a:cs typeface="Arial" panose="020B0604020202020204" pitchFamily="34" charset="0"/>
             </a:endParaRPr>
+          </a:p>
+        </p:txBody>
+      </p:sp>
+      <p:sp>
+        <p:nvSpPr>
+          <p:cNvPr id="3" name="TextBox 2">
+            <a:extLst>
+              <a:ext uri="{FF2B5EF4-FFF2-40B4-BE49-F238E27FC236}">
+                <a16:creationId xmlns:a16="http://schemas.microsoft.com/office/drawing/2014/main" id="{62290DE8-3885-47EA-9397-627A6B1E6F18}"/>
+              </a:ext>
+            </a:extLst>
+          </p:cNvPr>
+          <p:cNvSpPr txBox="1"/>
+          <p:nvPr/>
+        </p:nvSpPr>
+        <p:spPr>
+          <a:xfrm>
+            <a:off x="8385302" y="682076"/>
+            <a:ext cx="2539082" cy="2123658"/>
+          </a:xfrm>
+          <a:prstGeom prst="rect">
+            <a:avLst/>
+          </a:prstGeom>
+          <a:noFill/>
+        </p:spPr>
+        <p:txBody>
+          <a:bodyPr wrap="square" rtlCol="0">
+            <a:spAutoFit/>
+          </a:bodyPr>
+          <a:lstStyle/>
+          <a:p>
+            <a:r>
+              <a:rPr lang="en-GB" sz="1200" b="1" dirty="0">
+                <a:latin typeface="Arial" panose="020B0604020202020204" pitchFamily="34" charset="0"/>
+                <a:cs typeface="Arial" panose="020B0604020202020204" pitchFamily="34" charset="0"/>
+              </a:rPr>
+              <a:t>Validation against Schema</a:t>
+            </a:r>
+          </a:p>
+          <a:p>
+            <a:endParaRPr lang="en-GB" sz="1200" b="1" dirty="0">
+              <a:latin typeface="Arial" panose="020B0604020202020204" pitchFamily="34" charset="0"/>
+              <a:cs typeface="Arial" panose="020B0604020202020204" pitchFamily="34" charset="0"/>
+            </a:endParaRPr>
+          </a:p>
+          <a:p>
+            <a:pPr marL="228600" indent="-228600">
+              <a:buFont typeface="+mj-lt"/>
+              <a:buAutoNum type="arabicPeriod"/>
+            </a:pPr>
+            <a:r>
+              <a:rPr lang="en-GB" sz="1200" b="1" dirty="0">
+                <a:latin typeface="Arial" panose="020B0604020202020204" pitchFamily="34" charset="0"/>
+                <a:cs typeface="Arial" panose="020B0604020202020204" pitchFamily="34" charset="0"/>
+              </a:rPr>
+              <a:t>Checks query ‘course’ is defined in the schema and variable is of expected type.</a:t>
+            </a:r>
+          </a:p>
+          <a:p>
+            <a:pPr marL="228600" indent="-228600">
+              <a:buFont typeface="+mj-lt"/>
+              <a:buAutoNum type="arabicPeriod"/>
+            </a:pPr>
+            <a:endParaRPr lang="en-GB" sz="1200" b="1" dirty="0">
+              <a:latin typeface="Arial" panose="020B0604020202020204" pitchFamily="34" charset="0"/>
+              <a:cs typeface="Arial" panose="020B0604020202020204" pitchFamily="34" charset="0"/>
+            </a:endParaRPr>
+          </a:p>
+          <a:p>
+            <a:pPr marL="228600" indent="-228600">
+              <a:buFont typeface="+mj-lt"/>
+              <a:buAutoNum type="arabicPeriod"/>
+            </a:pPr>
+            <a:r>
+              <a:rPr lang="en-GB" sz="1200" b="1" dirty="0">
+                <a:latin typeface="Arial" panose="020B0604020202020204" pitchFamily="34" charset="0"/>
+                <a:cs typeface="Arial" panose="020B0604020202020204" pitchFamily="34" charset="0"/>
+              </a:rPr>
+              <a:t>Checks data requested in the query exists in the ‘Course’ object.</a:t>
+            </a:r>
+          </a:p>
+          <a:p>
+            <a:r>
+              <a:rPr lang="en-GB" sz="1200" b="1" dirty="0">
+                <a:latin typeface="Arial" panose="020B0604020202020204" pitchFamily="34" charset="0"/>
+                <a:cs typeface="Arial" panose="020B0604020202020204" pitchFamily="34" charset="0"/>
+              </a:rPr>
+              <a:t>	</a:t>
+            </a:r>
+            <a:r>
+              <a:rPr lang="en-GB" sz="1200" dirty="0">
+                <a:latin typeface="Arial" panose="020B0604020202020204" pitchFamily="34" charset="0"/>
+                <a:cs typeface="Arial" panose="020B0604020202020204" pitchFamily="34" charset="0"/>
+              </a:rPr>
+              <a:t> </a:t>
+            </a:r>
+          </a:p>
+          <a:p>
+            <a:pPr marL="228600" indent="-228600">
+              <a:buFont typeface="+mj-lt"/>
+              <a:buAutoNum type="arabicPeriod"/>
+            </a:pPr>
+            <a:endParaRPr lang="en-GB" sz="1200" dirty="0">
+              <a:latin typeface="Arial" panose="020B0604020202020204" pitchFamily="34" charset="0"/>
+              <a:cs typeface="Arial" panose="020B0604020202020204" pitchFamily="34" charset="0"/>
+            </a:endParaRPr>
+          </a:p>
+        </p:txBody>
+      </p:sp>
+      <p:sp>
+        <p:nvSpPr>
+          <p:cNvPr id="4" name="TextBox 3">
+            <a:extLst>
+              <a:ext uri="{FF2B5EF4-FFF2-40B4-BE49-F238E27FC236}">
+                <a16:creationId xmlns:a16="http://schemas.microsoft.com/office/drawing/2014/main" id="{F86D0197-C942-42C9-B823-BE7CAB4D0699}"/>
+              </a:ext>
+            </a:extLst>
+          </p:cNvPr>
+          <p:cNvSpPr txBox="1"/>
+          <p:nvPr/>
+        </p:nvSpPr>
+        <p:spPr>
+          <a:xfrm>
+            <a:off x="426720" y="964988"/>
+            <a:ext cx="1757396" cy="369332"/>
+          </a:xfrm>
+          <a:prstGeom prst="rect">
+            <a:avLst/>
+          </a:prstGeom>
+          <a:noFill/>
+        </p:spPr>
+        <p:txBody>
+          <a:bodyPr wrap="square" rtlCol="0">
+            <a:spAutoFit/>
+          </a:bodyPr>
+          <a:lstStyle/>
+          <a:p>
+            <a:r>
+              <a:rPr lang="en-GB" b="1" dirty="0">
+                <a:latin typeface="Arial" panose="020B0604020202020204" pitchFamily="34" charset="0"/>
+                <a:cs typeface="Arial" panose="020B0604020202020204" pitchFamily="34" charset="0"/>
+              </a:rPr>
+              <a:t>Client</a:t>
+            </a:r>
+          </a:p>
+        </p:txBody>
+      </p:sp>
+      <p:sp>
+        <p:nvSpPr>
+          <p:cNvPr id="5" name="TextBox 4">
+            <a:extLst>
+              <a:ext uri="{FF2B5EF4-FFF2-40B4-BE49-F238E27FC236}">
+                <a16:creationId xmlns:a16="http://schemas.microsoft.com/office/drawing/2014/main" id="{FDFB5267-8872-419F-BD39-14008362DA18}"/>
+              </a:ext>
+            </a:extLst>
+          </p:cNvPr>
+          <p:cNvSpPr txBox="1"/>
+          <p:nvPr/>
+        </p:nvSpPr>
+        <p:spPr>
+          <a:xfrm>
+            <a:off x="6096000" y="964988"/>
+            <a:ext cx="1158240" cy="369332"/>
+          </a:xfrm>
+          <a:prstGeom prst="rect">
+            <a:avLst/>
+          </a:prstGeom>
+          <a:noFill/>
+        </p:spPr>
+        <p:txBody>
+          <a:bodyPr wrap="square" rtlCol="0">
+            <a:spAutoFit/>
+          </a:bodyPr>
+          <a:lstStyle/>
+          <a:p>
+            <a:r>
+              <a:rPr lang="en-GB" b="1" dirty="0">
+                <a:latin typeface="Arial" panose="020B0604020202020204" pitchFamily="34" charset="0"/>
+                <a:cs typeface="Arial" panose="020B0604020202020204" pitchFamily="34" charset="0"/>
+              </a:rPr>
+              <a:t>Server</a:t>
+            </a:r>
+          </a:p>
+        </p:txBody>
+      </p:sp>
+      <p:sp>
+        <p:nvSpPr>
+          <p:cNvPr id="29" name="TextBox 28">
+            <a:extLst>
+              <a:ext uri="{FF2B5EF4-FFF2-40B4-BE49-F238E27FC236}">
+                <a16:creationId xmlns:a16="http://schemas.microsoft.com/office/drawing/2014/main" id="{328E1B82-E0AC-4366-B0A8-E4CD5754D813}"/>
+              </a:ext>
+            </a:extLst>
+          </p:cNvPr>
+          <p:cNvSpPr txBox="1"/>
+          <p:nvPr/>
+        </p:nvSpPr>
+        <p:spPr>
+          <a:xfrm>
+            <a:off x="8189054" y="5484070"/>
+            <a:ext cx="1090819" cy="646331"/>
+          </a:xfrm>
+          <a:prstGeom prst="rect">
+            <a:avLst/>
+          </a:prstGeom>
+          <a:noFill/>
+        </p:spPr>
+        <p:txBody>
+          <a:bodyPr wrap="square" rtlCol="0">
+            <a:spAutoFit/>
+          </a:bodyPr>
+          <a:lstStyle/>
+          <a:p>
+            <a:r>
+              <a:rPr lang="en-GB" sz="1200" b="1" dirty="0">
+                <a:latin typeface="Arial" panose="020B0604020202020204" pitchFamily="34" charset="0"/>
+                <a:cs typeface="Arial" panose="020B0604020202020204" pitchFamily="34" charset="0"/>
+              </a:rPr>
+              <a:t>Function</a:t>
+            </a:r>
+          </a:p>
+          <a:p>
+            <a:r>
+              <a:rPr lang="en-GB" sz="1200" b="1" dirty="0" err="1">
+                <a:latin typeface="Arial" panose="020B0604020202020204" pitchFamily="34" charset="0"/>
+                <a:cs typeface="Arial" panose="020B0604020202020204" pitchFamily="34" charset="0"/>
+              </a:rPr>
+              <a:t>getCourse</a:t>
+            </a:r>
+            <a:r>
+              <a:rPr lang="en-GB" sz="1200" b="1" dirty="0">
+                <a:latin typeface="Arial" panose="020B0604020202020204" pitchFamily="34" charset="0"/>
+                <a:cs typeface="Arial" panose="020B0604020202020204" pitchFamily="34" charset="0"/>
+              </a:rPr>
+              <a:t> is executed</a:t>
+            </a:r>
+          </a:p>
+        </p:txBody>
+      </p:sp>
+      <p:sp>
+        <p:nvSpPr>
+          <p:cNvPr id="31" name="TextBox 30">
+            <a:extLst>
+              <a:ext uri="{FF2B5EF4-FFF2-40B4-BE49-F238E27FC236}">
+                <a16:creationId xmlns:a16="http://schemas.microsoft.com/office/drawing/2014/main" id="{4AEA622B-08EC-4BDC-A926-F42D9357F106}"/>
+              </a:ext>
+            </a:extLst>
+          </p:cNvPr>
+          <p:cNvSpPr txBox="1"/>
+          <p:nvPr/>
+        </p:nvSpPr>
+        <p:spPr>
+          <a:xfrm>
+            <a:off x="4219174" y="5574935"/>
+            <a:ext cx="889339" cy="461665"/>
+          </a:xfrm>
+          <a:prstGeom prst="rect">
+            <a:avLst/>
+          </a:prstGeom>
+          <a:noFill/>
+        </p:spPr>
+        <p:txBody>
+          <a:bodyPr wrap="square" rtlCol="0">
+            <a:spAutoFit/>
+          </a:bodyPr>
+          <a:lstStyle/>
+          <a:p>
+            <a:r>
+              <a:rPr lang="en-GB" sz="1200" b="1" dirty="0">
+                <a:latin typeface="Arial" panose="020B0604020202020204" pitchFamily="34" charset="0"/>
+                <a:cs typeface="Arial" panose="020B0604020202020204" pitchFamily="34" charset="0"/>
+              </a:rPr>
+              <a:t>Returns Data</a:t>
+            </a:r>
+          </a:p>
+        </p:txBody>
+      </p:sp>
+      <p:sp>
+        <p:nvSpPr>
+          <p:cNvPr id="32" name="TextBox 31">
+            <a:extLst>
+              <a:ext uri="{FF2B5EF4-FFF2-40B4-BE49-F238E27FC236}">
+                <a16:creationId xmlns:a16="http://schemas.microsoft.com/office/drawing/2014/main" id="{912CD058-96AB-4161-A0AA-4766DE19C43C}"/>
+              </a:ext>
+            </a:extLst>
+          </p:cNvPr>
+          <p:cNvSpPr txBox="1"/>
+          <p:nvPr/>
+        </p:nvSpPr>
+        <p:spPr>
+          <a:xfrm rot="721579">
+            <a:off x="7878378" y="3669186"/>
+            <a:ext cx="2042653" cy="646331"/>
+          </a:xfrm>
+          <a:prstGeom prst="rect">
+            <a:avLst/>
+          </a:prstGeom>
+          <a:noFill/>
+        </p:spPr>
+        <p:txBody>
+          <a:bodyPr wrap="square" rtlCol="0">
+            <a:spAutoFit/>
+          </a:bodyPr>
+          <a:lstStyle/>
+          <a:p>
+            <a:r>
+              <a:rPr lang="en-GB" sz="1200" b="1" dirty="0">
+                <a:latin typeface="Arial" panose="020B0604020202020204" pitchFamily="34" charset="0"/>
+                <a:cs typeface="Arial" panose="020B0604020202020204" pitchFamily="34" charset="0"/>
+              </a:rPr>
+              <a:t>Goes to Resolver which defines what function to execute</a:t>
+            </a:r>
           </a:p>
         </p:txBody>
       </p:sp>
@@ -7321,7 +7639,11 @@
                                           </p:stCondLst>
                                         </p:cTn>
                                         <p:tgtEl>
-                                          <p:spTgt spid="13"/>
+                                          <p:spTgt spid="3">
+                                            <p:txEl>
+                                              <p:pRg st="0" end="0"/>
+                                            </p:txEl>
+                                          </p:spTgt>
                                         </p:tgtEl>
                                         <p:attrNameLst>
                                           <p:attrName>style.visibility</p:attrName>
@@ -7334,26 +7656,39 @@
                                   </p:childTnLst>
                                 </p:cTn>
                               </p:par>
-                            </p:childTnLst>
-                          </p:cTn>
-                        </p:par>
-                      </p:childTnLst>
-                    </p:cTn>
-                  </p:par>
-                  <p:par>
-                    <p:cTn id="19" fill="hold">
-                      <p:stCondLst>
-                        <p:cond delay="indefinite"/>
-                      </p:stCondLst>
-                      <p:childTnLst>
-                        <p:par>
-                          <p:cTn id="20" fill="hold">
-                            <p:stCondLst>
-                              <p:cond delay="0"/>
-                            </p:stCondLst>
-                            <p:childTnLst>
                               <p:par>
-                                <p:cTn id="21" presetID="1" presetClass="entr" presetSubtype="0" fill="hold" nodeType="clickEffect">
+                                <p:cTn id="19" presetID="1" presetClass="entr" presetSubtype="0" fill="hold" nodeType="withEffect">
+                                  <p:stCondLst>
+                                    <p:cond delay="0"/>
+                                  </p:stCondLst>
+                                  <p:childTnLst>
+                                    <p:set>
+                                      <p:cBhvr>
+                                        <p:cTn id="20" dur="1" fill="hold">
+                                          <p:stCondLst>
+                                            <p:cond delay="0"/>
+                                          </p:stCondLst>
+                                        </p:cTn>
+                                        <p:tgtEl>
+                                          <p:spTgt spid="3">
+                                            <p:txEl>
+                                              <p:pRg st="2" end="2"/>
+                                            </p:txEl>
+                                          </p:spTgt>
+                                        </p:tgtEl>
+                                        <p:attrNameLst>
+                                          <p:attrName>style.visibility</p:attrName>
+                                        </p:attrNameLst>
+                                      </p:cBhvr>
+                                      <p:to>
+                                        <p:strVal val="visible"/>
+                                      </p:to>
+                                    </p:set>
+                                  </p:childTnLst>
+                                </p:cTn>
+                              </p:par>
+                              <p:par>
+                                <p:cTn id="21" presetID="1" presetClass="entr" presetSubtype="0" fill="hold" nodeType="withEffect">
                                   <p:stCondLst>
                                     <p:cond delay="0"/>
                                   </p:stCondLst>
@@ -7366,7 +7701,11 @@
                                           </p:stCondLst>
                                         </p:cTn>
                                         <p:tgtEl>
-                                          <p:spTgt spid="19"/>
+                                          <p:spTgt spid="3">
+                                            <p:txEl>
+                                              <p:pRg st="4" end="4"/>
+                                            </p:txEl>
+                                          </p:spTgt>
                                         </p:tgtEl>
                                         <p:attrNameLst>
                                           <p:attrName>style.visibility</p:attrName>
@@ -7411,7 +7750,7 @@
                                           </p:stCondLst>
                                         </p:cTn>
                                         <p:tgtEl>
-                                          <p:spTgt spid="17"/>
+                                          <p:spTgt spid="13"/>
                                         </p:tgtEl>
                                         <p:attrNameLst>
                                           <p:attrName>style.visibility</p:attrName>
@@ -7456,7 +7795,7 @@
                                           </p:stCondLst>
                                         </p:cTn>
                                         <p:tgtEl>
-                                          <p:spTgt spid="22"/>
+                                          <p:spTgt spid="19"/>
                                         </p:tgtEl>
                                         <p:attrNameLst>
                                           <p:attrName>style.visibility</p:attrName>
@@ -7501,7 +7840,7 @@
                                           </p:stCondLst>
                                         </p:cTn>
                                         <p:tgtEl>
-                                          <p:spTgt spid="20"/>
+                                          <p:spTgt spid="17"/>
                                         </p:tgtEl>
                                         <p:attrNameLst>
                                           <p:attrName>style.visibility</p:attrName>
@@ -7546,7 +7885,11 @@
                                           </p:stCondLst>
                                         </p:cTn>
                                         <p:tgtEl>
-                                          <p:spTgt spid="24"/>
+                                          <p:spTgt spid="32">
+                                            <p:txEl>
+                                              <p:pRg st="0" end="0"/>
+                                            </p:txEl>
+                                          </p:spTgt>
                                         </p:tgtEl>
                                         <p:attrNameLst>
                                           <p:attrName>style.visibility</p:attrName>
@@ -7586,6 +7929,231 @@
                                     <p:set>
                                       <p:cBhvr>
                                         <p:cTn id="42" dur="1" fill="hold">
+                                          <p:stCondLst>
+                                            <p:cond delay="0"/>
+                                          </p:stCondLst>
+                                        </p:cTn>
+                                        <p:tgtEl>
+                                          <p:spTgt spid="22"/>
+                                        </p:tgtEl>
+                                        <p:attrNameLst>
+                                          <p:attrName>style.visibility</p:attrName>
+                                        </p:attrNameLst>
+                                      </p:cBhvr>
+                                      <p:to>
+                                        <p:strVal val="visible"/>
+                                      </p:to>
+                                    </p:set>
+                                  </p:childTnLst>
+                                </p:cTn>
+                              </p:par>
+                            </p:childTnLst>
+                          </p:cTn>
+                        </p:par>
+                      </p:childTnLst>
+                    </p:cTn>
+                  </p:par>
+                  <p:par>
+                    <p:cTn id="43" fill="hold">
+                      <p:stCondLst>
+                        <p:cond delay="indefinite"/>
+                      </p:stCondLst>
+                      <p:childTnLst>
+                        <p:par>
+                          <p:cTn id="44" fill="hold">
+                            <p:stCondLst>
+                              <p:cond delay="0"/>
+                            </p:stCondLst>
+                            <p:childTnLst>
+                              <p:par>
+                                <p:cTn id="45" presetID="1" presetClass="entr" presetSubtype="0" fill="hold" grpId="0" nodeType="clickEffect">
+                                  <p:stCondLst>
+                                    <p:cond delay="0"/>
+                                  </p:stCondLst>
+                                  <p:childTnLst>
+                                    <p:set>
+                                      <p:cBhvr>
+                                        <p:cTn id="46" dur="1" fill="hold">
+                                          <p:stCondLst>
+                                            <p:cond delay="0"/>
+                                          </p:stCondLst>
+                                        </p:cTn>
+                                        <p:tgtEl>
+                                          <p:spTgt spid="29"/>
+                                        </p:tgtEl>
+                                        <p:attrNameLst>
+                                          <p:attrName>style.visibility</p:attrName>
+                                        </p:attrNameLst>
+                                      </p:cBhvr>
+                                      <p:to>
+                                        <p:strVal val="visible"/>
+                                      </p:to>
+                                    </p:set>
+                                  </p:childTnLst>
+                                </p:cTn>
+                              </p:par>
+                            </p:childTnLst>
+                          </p:cTn>
+                        </p:par>
+                      </p:childTnLst>
+                    </p:cTn>
+                  </p:par>
+                  <p:par>
+                    <p:cTn id="47" fill="hold">
+                      <p:stCondLst>
+                        <p:cond delay="indefinite"/>
+                      </p:stCondLst>
+                      <p:childTnLst>
+                        <p:par>
+                          <p:cTn id="48" fill="hold">
+                            <p:stCondLst>
+                              <p:cond delay="0"/>
+                            </p:stCondLst>
+                            <p:childTnLst>
+                              <p:par>
+                                <p:cTn id="49" presetID="1" presetClass="entr" presetSubtype="0" fill="hold" nodeType="clickEffect">
+                                  <p:stCondLst>
+                                    <p:cond delay="0"/>
+                                  </p:stCondLst>
+                                  <p:childTnLst>
+                                    <p:set>
+                                      <p:cBhvr>
+                                        <p:cTn id="50" dur="1" fill="hold">
+                                          <p:stCondLst>
+                                            <p:cond delay="0"/>
+                                          </p:stCondLst>
+                                        </p:cTn>
+                                        <p:tgtEl>
+                                          <p:spTgt spid="20"/>
+                                        </p:tgtEl>
+                                        <p:attrNameLst>
+                                          <p:attrName>style.visibility</p:attrName>
+                                        </p:attrNameLst>
+                                      </p:cBhvr>
+                                      <p:to>
+                                        <p:strVal val="visible"/>
+                                      </p:to>
+                                    </p:set>
+                                  </p:childTnLst>
+                                </p:cTn>
+                              </p:par>
+                            </p:childTnLst>
+                          </p:cTn>
+                        </p:par>
+                      </p:childTnLst>
+                    </p:cTn>
+                  </p:par>
+                  <p:par>
+                    <p:cTn id="51" fill="hold">
+                      <p:stCondLst>
+                        <p:cond delay="indefinite"/>
+                      </p:stCondLst>
+                      <p:childTnLst>
+                        <p:par>
+                          <p:cTn id="52" fill="hold">
+                            <p:stCondLst>
+                              <p:cond delay="0"/>
+                            </p:stCondLst>
+                            <p:childTnLst>
+                              <p:par>
+                                <p:cTn id="53" presetID="1" presetClass="entr" presetSubtype="0" fill="hold" nodeType="clickEffect">
+                                  <p:stCondLst>
+                                    <p:cond delay="0"/>
+                                  </p:stCondLst>
+                                  <p:childTnLst>
+                                    <p:set>
+                                      <p:cBhvr>
+                                        <p:cTn id="54" dur="1" fill="hold">
+                                          <p:stCondLst>
+                                            <p:cond delay="0"/>
+                                          </p:stCondLst>
+                                        </p:cTn>
+                                        <p:tgtEl>
+                                          <p:spTgt spid="24"/>
+                                        </p:tgtEl>
+                                        <p:attrNameLst>
+                                          <p:attrName>style.visibility</p:attrName>
+                                        </p:attrNameLst>
+                                      </p:cBhvr>
+                                      <p:to>
+                                        <p:strVal val="visible"/>
+                                      </p:to>
+                                    </p:set>
+                                  </p:childTnLst>
+                                </p:cTn>
+                              </p:par>
+                            </p:childTnLst>
+                          </p:cTn>
+                        </p:par>
+                      </p:childTnLst>
+                    </p:cTn>
+                  </p:par>
+                  <p:par>
+                    <p:cTn id="55" fill="hold">
+                      <p:stCondLst>
+                        <p:cond delay="indefinite"/>
+                      </p:stCondLst>
+                      <p:childTnLst>
+                        <p:par>
+                          <p:cTn id="56" fill="hold">
+                            <p:stCondLst>
+                              <p:cond delay="0"/>
+                            </p:stCondLst>
+                            <p:childTnLst>
+                              <p:par>
+                                <p:cTn id="57" presetID="1" presetClass="entr" presetSubtype="0" fill="hold" grpId="0" nodeType="clickEffect">
+                                  <p:stCondLst>
+                                    <p:cond delay="0"/>
+                                  </p:stCondLst>
+                                  <p:childTnLst>
+                                    <p:set>
+                                      <p:cBhvr>
+                                        <p:cTn id="58" dur="1" fill="hold">
+                                          <p:stCondLst>
+                                            <p:cond delay="0"/>
+                                          </p:stCondLst>
+                                        </p:cTn>
+                                        <p:tgtEl>
+                                          <p:spTgt spid="31"/>
+                                        </p:tgtEl>
+                                        <p:attrNameLst>
+                                          <p:attrName>style.visibility</p:attrName>
+                                        </p:attrNameLst>
+                                      </p:cBhvr>
+                                      <p:to>
+                                        <p:strVal val="visible"/>
+                                      </p:to>
+                                    </p:set>
+                                  </p:childTnLst>
+                                </p:cTn>
+                              </p:par>
+                            </p:childTnLst>
+                          </p:cTn>
+                        </p:par>
+                      </p:childTnLst>
+                    </p:cTn>
+                  </p:par>
+                  <p:par>
+                    <p:cTn id="59" fill="hold">
+                      <p:stCondLst>
+                        <p:cond delay="indefinite"/>
+                      </p:stCondLst>
+                      <p:childTnLst>
+                        <p:par>
+                          <p:cTn id="60" fill="hold">
+                            <p:stCondLst>
+                              <p:cond delay="0"/>
+                            </p:stCondLst>
+                            <p:childTnLst>
+                              <p:par>
+                                <p:cTn id="61" presetID="1" presetClass="entr" presetSubtype="0" fill="hold" nodeType="clickEffect">
+                                  <p:stCondLst>
+                                    <p:cond delay="0"/>
+                                  </p:stCondLst>
+                                  <p:childTnLst>
+                                    <p:set>
+                                      <p:cBhvr>
+                                        <p:cTn id="62" dur="1" fill="hold">
                                           <p:stCondLst>
                                             <p:cond delay="0"/>
                                           </p:stCondLst>
@@ -7633,6 +8201,8 @@
     </p:tnLst>
     <p:bldLst>
       <p:bldP spid="15" grpId="0"/>
+      <p:bldP spid="29" grpId="0"/>
+      <p:bldP spid="31" grpId="0"/>
     </p:bldLst>
   </p:timing>
 </p:sld>
@@ -7660,7 +8230,7 @@
           <p:cNvPr id="2" name="Title 1">
             <a:extLst>
               <a:ext uri="{FF2B5EF4-FFF2-40B4-BE49-F238E27FC236}">
-                <a16:creationId xmlns:a16="http://schemas.microsoft.com/office/drawing/2014/main" id="{5A77AE23-7EE8-4A86-A4AA-CD17F6990D38}"/>
+                <a16:creationId xmlns:a16="http://schemas.microsoft.com/office/drawing/2014/main" id="{EC92009E-A30B-486D-AB02-0FFDAF95A91A}"/>
               </a:ext>
             </a:extLst>
           </p:cNvPr>
@@ -7683,7 +8253,7 @@
                 <a:latin typeface="Arial" panose="020B0604020202020204" pitchFamily="34" charset="0"/>
                 <a:cs typeface="Arial" panose="020B0604020202020204" pitchFamily="34" charset="0"/>
               </a:rPr>
-              <a:t>Live Demonstration</a:t>
+              <a:t>Server Libraries For Other Platforms</a:t>
             </a:r>
           </a:p>
         </p:txBody>
@@ -7693,7 +8263,7 @@
           <p:cNvPr id="3" name="Content Placeholder 2">
             <a:extLst>
               <a:ext uri="{FF2B5EF4-FFF2-40B4-BE49-F238E27FC236}">
-                <a16:creationId xmlns:a16="http://schemas.microsoft.com/office/drawing/2014/main" id="{8FA25EB6-0680-4A57-A123-928EB7CD72D1}"/>
+                <a16:creationId xmlns:a16="http://schemas.microsoft.com/office/drawing/2014/main" id="{88BAA412-884D-44C6-9A26-C73F7F06B9EF}"/>
               </a:ext>
             </a:extLst>
           </p:cNvPr>
@@ -7711,166 +8281,112 @@
           </a:bodyPr>
           <a:lstStyle/>
           <a:p>
-            <a:endParaRPr lang="en-GB" dirty="0"/>
-          </a:p>
-          <a:p>
             <a:pPr marL="0" indent="0">
               <a:buNone/>
             </a:pPr>
             <a:r>
-              <a:rPr lang="en-GB" sz="2000" dirty="0">
-                <a:latin typeface="Arial" panose="020B0604020202020204" pitchFamily="34" charset="0"/>
-                <a:cs typeface="Arial" panose="020B0604020202020204" pitchFamily="34" charset="0"/>
-              </a:rPr>
-              <a:t>A simple </a:t>
-            </a:r>
-            <a:r>
-              <a:rPr lang="en-GB" sz="2000" dirty="0" err="1">
+              <a:rPr lang="en-GB" dirty="0">
+                <a:latin typeface="Arial" panose="020B0604020202020204" pitchFamily="34" charset="0"/>
+                <a:cs typeface="Arial" panose="020B0604020202020204" pitchFamily="34" charset="0"/>
+              </a:rPr>
+              <a:t>Many other programming languages support </a:t>
+            </a:r>
+            <a:r>
+              <a:rPr lang="en-GB" dirty="0" err="1">
                 <a:latin typeface="Arial" panose="020B0604020202020204" pitchFamily="34" charset="0"/>
                 <a:cs typeface="Arial" panose="020B0604020202020204" pitchFamily="34" charset="0"/>
               </a:rPr>
               <a:t>GraphQL</a:t>
             </a:r>
             <a:r>
-              <a:rPr lang="en-GB" sz="2000" dirty="0">
-                <a:latin typeface="Arial" panose="020B0604020202020204" pitchFamily="34" charset="0"/>
-                <a:cs typeface="Arial" panose="020B0604020202020204" pitchFamily="34" charset="0"/>
-              </a:rPr>
-              <a:t> Server built in a Node.js environment using:</a:t>
+              <a:rPr lang="en-GB" dirty="0">
+                <a:latin typeface="Arial" panose="020B0604020202020204" pitchFamily="34" charset="0"/>
+                <a:cs typeface="Arial" panose="020B0604020202020204" pitchFamily="34" charset="0"/>
+              </a:rPr>
+              <a:t>. These include:</a:t>
             </a:r>
           </a:p>
           <a:p>
             <a:pPr marL="0" indent="0">
               <a:buNone/>
             </a:pPr>
-            <a:r>
-              <a:rPr lang="en-GB" sz="2000" dirty="0">
-                <a:latin typeface="Arial" panose="020B0604020202020204" pitchFamily="34" charset="0"/>
-                <a:cs typeface="Arial" panose="020B0604020202020204" pitchFamily="34" charset="0"/>
-              </a:rPr>
-              <a:t> </a:t>
-            </a:r>
-          </a:p>
-          <a:p>
-            <a:r>
-              <a:rPr lang="en-GB" sz="2000" b="1" dirty="0">
-                <a:latin typeface="Arial" panose="020B0604020202020204" pitchFamily="34" charset="0"/>
-                <a:cs typeface="Arial" panose="020B0604020202020204" pitchFamily="34" charset="0"/>
-              </a:rPr>
-              <a:t>GraphQL.js</a:t>
-            </a:r>
-            <a:r>
-              <a:rPr lang="en-GB" sz="2000" dirty="0">
-                <a:latin typeface="Arial" panose="020B0604020202020204" pitchFamily="34" charset="0"/>
-                <a:cs typeface="Arial" panose="020B0604020202020204" pitchFamily="34" charset="0"/>
-              </a:rPr>
-              <a:t> (the original reference implementation of the </a:t>
-            </a:r>
-            <a:r>
-              <a:rPr lang="en-GB" sz="2000" dirty="0" err="1">
-                <a:latin typeface="Arial" panose="020B0604020202020204" pitchFamily="34" charset="0"/>
-                <a:cs typeface="Arial" panose="020B0604020202020204" pitchFamily="34" charset="0"/>
-              </a:rPr>
-              <a:t>GraphQL</a:t>
-            </a:r>
-            <a:r>
-              <a:rPr lang="en-GB" sz="2000" dirty="0">
-                <a:latin typeface="Arial" panose="020B0604020202020204" pitchFamily="34" charset="0"/>
-                <a:cs typeface="Arial" panose="020B0604020202020204" pitchFamily="34" charset="0"/>
-              </a:rPr>
-              <a:t> specification) </a:t>
-            </a:r>
-          </a:p>
-          <a:p>
-            <a:endParaRPr lang="en-GB" sz="2000" dirty="0">
+            <a:endParaRPr lang="en-GB" dirty="0">
               <a:latin typeface="Arial" panose="020B0604020202020204" pitchFamily="34" charset="0"/>
               <a:cs typeface="Arial" panose="020B0604020202020204" pitchFamily="34" charset="0"/>
             </a:endParaRPr>
           </a:p>
           <a:p>
-            <a:r>
-              <a:rPr lang="en-GB" sz="2000" b="1" dirty="0">
-                <a:latin typeface="Arial" panose="020B0604020202020204" pitchFamily="34" charset="0"/>
-                <a:cs typeface="Arial" panose="020B0604020202020204" pitchFamily="34" charset="0"/>
-              </a:rPr>
-              <a:t>Express Web Server</a:t>
-            </a:r>
-          </a:p>
-          <a:p>
             <a:pPr marL="0" indent="0">
               <a:buNone/>
             </a:pPr>
-            <a:endParaRPr lang="en-GB" sz="2000" dirty="0">
+            <a:r>
+              <a:rPr lang="en-GB" dirty="0">
+                <a:latin typeface="Arial" panose="020B0604020202020204" pitchFamily="34" charset="0"/>
+                <a:cs typeface="Arial" panose="020B0604020202020204" pitchFamily="34" charset="0"/>
+              </a:rPr>
+              <a:t>C# / .NET, Clojure, Elixir, Erlang, Go, Groovy, Java,</a:t>
+            </a:r>
+          </a:p>
+          <a:p>
+            <a:pPr marL="0" indent="0">
+              <a:buNone/>
+            </a:pPr>
+            <a:r>
+              <a:rPr lang="en-GB" dirty="0">
+                <a:latin typeface="Arial" panose="020B0604020202020204" pitchFamily="34" charset="0"/>
+                <a:cs typeface="Arial" panose="020B0604020202020204" pitchFamily="34" charset="0"/>
+              </a:rPr>
+              <a:t>PHP, Python, Scala, Ruby</a:t>
+            </a:r>
+          </a:p>
+          <a:p>
+            <a:pPr marL="0" indent="0">
+              <a:buNone/>
+            </a:pPr>
+            <a:endParaRPr lang="en-GB" dirty="0">
               <a:latin typeface="Arial" panose="020B0604020202020204" pitchFamily="34" charset="0"/>
               <a:cs typeface="Arial" panose="020B0604020202020204" pitchFamily="34" charset="0"/>
             </a:endParaRPr>
           </a:p>
           <a:p>
-            <a:r>
-              <a:rPr lang="en-GB" sz="2000" b="1" dirty="0">
-                <a:latin typeface="Arial" panose="020B0604020202020204" pitchFamily="34" charset="0"/>
-                <a:cs typeface="Arial" panose="020B0604020202020204" pitchFamily="34" charset="0"/>
-              </a:rPr>
-              <a:t>express-</a:t>
-            </a:r>
-            <a:r>
-              <a:rPr lang="en-GB" sz="2000" b="1" dirty="0" err="1">
-                <a:latin typeface="Arial" panose="020B0604020202020204" pitchFamily="34" charset="0"/>
-                <a:cs typeface="Arial" panose="020B0604020202020204" pitchFamily="34" charset="0"/>
-              </a:rPr>
-              <a:t>graphql</a:t>
-            </a:r>
-            <a:r>
-              <a:rPr lang="en-GB" sz="2000" b="1" dirty="0">
-                <a:latin typeface="Arial" panose="020B0604020202020204" pitchFamily="34" charset="0"/>
-                <a:cs typeface="Arial" panose="020B0604020202020204" pitchFamily="34" charset="0"/>
-              </a:rPr>
-              <a:t> </a:t>
-            </a:r>
-            <a:r>
-              <a:rPr lang="en-GB" sz="2000" dirty="0">
-                <a:latin typeface="Arial" panose="020B0604020202020204" pitchFamily="34" charset="0"/>
-                <a:cs typeface="Arial" panose="020B0604020202020204" pitchFamily="34" charset="0"/>
-              </a:rPr>
-              <a:t>(makes the bridge connection between </a:t>
-            </a:r>
-            <a:r>
-              <a:rPr lang="en-GB" sz="2000" dirty="0" err="1">
-                <a:latin typeface="Arial" panose="020B0604020202020204" pitchFamily="34" charset="0"/>
-                <a:cs typeface="Arial" panose="020B0604020202020204" pitchFamily="34" charset="0"/>
-              </a:rPr>
-              <a:t>GraphQL</a:t>
-            </a:r>
-            <a:r>
-              <a:rPr lang="en-GB" sz="2000" dirty="0">
-                <a:latin typeface="Arial" panose="020B0604020202020204" pitchFamily="34" charset="0"/>
-                <a:cs typeface="Arial" panose="020B0604020202020204" pitchFamily="34" charset="0"/>
-              </a:rPr>
-              <a:t> and Express)</a:t>
-            </a:r>
-            <a:endParaRPr lang="en-GB" sz="2000" b="1" dirty="0">
+            <a:pPr marL="0" indent="0">
+              <a:buNone/>
+            </a:pPr>
+            <a:r>
+              <a:rPr lang="en-GB" dirty="0">
+                <a:latin typeface="Arial" panose="020B0604020202020204" pitchFamily="34" charset="0"/>
+                <a:cs typeface="Arial" panose="020B0604020202020204" pitchFamily="34" charset="0"/>
+              </a:rPr>
+              <a:t>Full list available at </a:t>
+            </a:r>
+            <a:r>
+              <a:rPr lang="en-GB" dirty="0">
+                <a:latin typeface="Arial" panose="020B0604020202020204" pitchFamily="34" charset="0"/>
+                <a:cs typeface="Arial" panose="020B0604020202020204" pitchFamily="34" charset="0"/>
+                <a:hlinkClick r:id="rId2"/>
+              </a:rPr>
+              <a:t>https://graphql.org/code/#server-libraries</a:t>
+            </a:r>
+            <a:endParaRPr lang="en-GB" dirty="0">
               <a:latin typeface="Arial" panose="020B0604020202020204" pitchFamily="34" charset="0"/>
               <a:cs typeface="Arial" panose="020B0604020202020204" pitchFamily="34" charset="0"/>
             </a:endParaRPr>
           </a:p>
           <a:p>
-            <a:endParaRPr lang="en-GB" sz="2000" b="1" dirty="0">
+            <a:pPr marL="0" indent="0">
+              <a:buNone/>
+            </a:pPr>
+            <a:endParaRPr lang="en-GB" dirty="0">
               <a:latin typeface="Arial" panose="020B0604020202020204" pitchFamily="34" charset="0"/>
               <a:cs typeface="Arial" panose="020B0604020202020204" pitchFamily="34" charset="0"/>
             </a:endParaRPr>
-          </a:p>
-          <a:p>
-            <a:pPr marL="0" indent="0">
-              <a:buNone/>
-            </a:pPr>
-            <a:endParaRPr lang="en-GB" dirty="0"/>
           </a:p>
         </p:txBody>
       </p:sp>
     </p:spTree>
     <p:extLst>
       <p:ext uri="{BB962C8B-B14F-4D97-AF65-F5344CB8AC3E}">
-        <p14:creationId xmlns:p14="http://schemas.microsoft.com/office/powerpoint/2010/main" val="185134489"/>
+        <p14:creationId xmlns:p14="http://schemas.microsoft.com/office/powerpoint/2010/main" val="3196012546"/>
       </p:ext>
     </p:extLst>
   </p:cSld>
@@ -7902,7 +8418,7 @@
           <p:cNvPr id="2" name="Title 1">
             <a:extLst>
               <a:ext uri="{FF2B5EF4-FFF2-40B4-BE49-F238E27FC236}">
-                <a16:creationId xmlns:a16="http://schemas.microsoft.com/office/drawing/2014/main" id="{EC92009E-A30B-486D-AB02-0FFDAF95A91A}"/>
+                <a16:creationId xmlns:a16="http://schemas.microsoft.com/office/drawing/2014/main" id="{71583229-ABC8-4D06-8760-244F45458210}"/>
               </a:ext>
             </a:extLst>
           </p:cNvPr>
@@ -7925,7 +8441,7 @@
                 <a:latin typeface="Arial" panose="020B0604020202020204" pitchFamily="34" charset="0"/>
                 <a:cs typeface="Arial" panose="020B0604020202020204" pitchFamily="34" charset="0"/>
               </a:rPr>
-              <a:t>Server Libraries For Other Platforms</a:t>
+              <a:t>JavaScript Client Libraries</a:t>
             </a:r>
           </a:p>
         </p:txBody>
@@ -7935,7 +8451,7 @@
           <p:cNvPr id="3" name="Content Placeholder 2">
             <a:extLst>
               <a:ext uri="{FF2B5EF4-FFF2-40B4-BE49-F238E27FC236}">
-                <a16:creationId xmlns:a16="http://schemas.microsoft.com/office/drawing/2014/main" id="{88BAA412-884D-44C6-9A26-C73F7F06B9EF}"/>
+                <a16:creationId xmlns:a16="http://schemas.microsoft.com/office/drawing/2014/main" id="{BD9CCB9B-1BC4-4CB7-A3AD-A0B672E59396}"/>
               </a:ext>
             </a:extLst>
           </p:cNvPr>
@@ -7949,7 +8465,7 @@
         <p:spPr/>
         <p:txBody>
           <a:bodyPr>
-            <a:normAutofit/>
+            <a:normAutofit lnSpcReduction="10000"/>
           </a:bodyPr>
           <a:lstStyle/>
           <a:p>
@@ -7961,7 +8477,7 @@
                 <a:latin typeface="Arial" panose="020B0604020202020204" pitchFamily="34" charset="0"/>
                 <a:cs typeface="Arial" panose="020B0604020202020204" pitchFamily="34" charset="0"/>
               </a:rPr>
-              <a:t>Many other programming languages support </a:t>
+              <a:t>Used to interact with the </a:t>
             </a:r>
             <a:r>
               <a:rPr lang="en-GB" dirty="0" err="1">
@@ -7975,7 +8491,7 @@
                 <a:latin typeface="Arial" panose="020B0604020202020204" pitchFamily="34" charset="0"/>
                 <a:cs typeface="Arial" panose="020B0604020202020204" pitchFamily="34" charset="0"/>
               </a:rPr>
-              <a:t>. These include:</a:t>
+              <a:t> API from client side</a:t>
             </a:r>
           </a:p>
           <a:p>
@@ -7996,33 +8512,90 @@
                 <a:latin typeface="Arial" panose="020B0604020202020204" pitchFamily="34" charset="0"/>
                 <a:cs typeface="Arial" panose="020B0604020202020204" pitchFamily="34" charset="0"/>
               </a:rPr>
-              <a:t>C# / .NET, Clojure, Elixir, Erlang, Go, Groovy, Java,</a:t>
+              <a:t>Two of the most popular are:</a:t>
             </a:r>
           </a:p>
           <a:p>
             <a:pPr marL="0" indent="0">
               <a:buNone/>
             </a:pPr>
+            <a:endParaRPr lang="en-GB" dirty="0">
+              <a:latin typeface="Arial" panose="020B0604020202020204" pitchFamily="34" charset="0"/>
+              <a:cs typeface="Arial" panose="020B0604020202020204" pitchFamily="34" charset="0"/>
+            </a:endParaRPr>
+          </a:p>
+          <a:p>
+            <a:r>
+              <a:rPr lang="en-GB" b="1" dirty="0">
+                <a:latin typeface="Arial" panose="020B0604020202020204" pitchFamily="34" charset="0"/>
+                <a:cs typeface="Arial" panose="020B0604020202020204" pitchFamily="34" charset="0"/>
+              </a:rPr>
+              <a:t>Apollo Client</a:t>
+            </a:r>
             <a:r>
               <a:rPr lang="en-GB" dirty="0">
                 <a:latin typeface="Arial" panose="020B0604020202020204" pitchFamily="34" charset="0"/>
                 <a:cs typeface="Arial" panose="020B0604020202020204" pitchFamily="34" charset="0"/>
               </a:rPr>
-              <a:t>PHP, Python, Scala, Ruby</a:t>
-            </a:r>
-          </a:p>
-          <a:p>
-            <a:pPr marL="0" indent="0">
-              <a:buNone/>
-            </a:pPr>
-            <a:endParaRPr lang="en-GB" dirty="0"/>
+              <a:t>: A powerful JavaScript </a:t>
+            </a:r>
+            <a:r>
+              <a:rPr lang="en-GB" dirty="0" err="1">
+                <a:latin typeface="Arial" panose="020B0604020202020204" pitchFamily="34" charset="0"/>
+                <a:cs typeface="Arial" panose="020B0604020202020204" pitchFamily="34" charset="0"/>
+              </a:rPr>
+              <a:t>GraphQL</a:t>
+            </a:r>
+            <a:r>
+              <a:rPr lang="en-GB" dirty="0">
+                <a:latin typeface="Arial" panose="020B0604020202020204" pitchFamily="34" charset="0"/>
+                <a:cs typeface="Arial" panose="020B0604020202020204" pitchFamily="34" charset="0"/>
+              </a:rPr>
+              <a:t> client, designed to work well with React, React Native, Angular, or just plain JavaScript.</a:t>
+            </a:r>
+          </a:p>
+          <a:p>
+            <a:endParaRPr lang="en-GB" dirty="0">
+              <a:latin typeface="Arial" panose="020B0604020202020204" pitchFamily="34" charset="0"/>
+              <a:cs typeface="Arial" panose="020B0604020202020204" pitchFamily="34" charset="0"/>
+            </a:endParaRPr>
+          </a:p>
+          <a:p>
+            <a:r>
+              <a:rPr lang="en-GB" b="1" dirty="0">
+                <a:latin typeface="Arial" panose="020B0604020202020204" pitchFamily="34" charset="0"/>
+                <a:cs typeface="Arial" panose="020B0604020202020204" pitchFamily="34" charset="0"/>
+              </a:rPr>
+              <a:t>Relay</a:t>
+            </a:r>
+            <a:r>
+              <a:rPr lang="en-GB" dirty="0">
+                <a:latin typeface="Arial" panose="020B0604020202020204" pitchFamily="34" charset="0"/>
+                <a:cs typeface="Arial" panose="020B0604020202020204" pitchFamily="34" charset="0"/>
+              </a:rPr>
+              <a:t>: Facebook's framework for building React applications that talk to a </a:t>
+            </a:r>
+            <a:r>
+              <a:rPr lang="en-GB" dirty="0" err="1">
+                <a:latin typeface="Arial" panose="020B0604020202020204" pitchFamily="34" charset="0"/>
+                <a:cs typeface="Arial" panose="020B0604020202020204" pitchFamily="34" charset="0"/>
+              </a:rPr>
+              <a:t>GraphQL</a:t>
+            </a:r>
+            <a:r>
+              <a:rPr lang="en-GB" dirty="0">
+                <a:latin typeface="Arial" panose="020B0604020202020204" pitchFamily="34" charset="0"/>
+                <a:cs typeface="Arial" panose="020B0604020202020204" pitchFamily="34" charset="0"/>
+              </a:rPr>
+              <a:t> backend.</a:t>
+            </a:r>
           </a:p>
         </p:txBody>
       </p:sp>
     </p:spTree>
     <p:extLst>
       <p:ext uri="{BB962C8B-B14F-4D97-AF65-F5344CB8AC3E}">
-        <p14:creationId xmlns:p14="http://schemas.microsoft.com/office/powerpoint/2010/main" val="3196012546"/>
+        <p14:creationId xmlns:p14="http://schemas.microsoft.com/office/powerpoint/2010/main" val="578184197"/>
       </p:ext>
     </p:extLst>
   </p:cSld>
@@ -8054,7 +8627,7 @@
           <p:cNvPr id="2" name="Title 1">
             <a:extLst>
               <a:ext uri="{FF2B5EF4-FFF2-40B4-BE49-F238E27FC236}">
-                <a16:creationId xmlns:a16="http://schemas.microsoft.com/office/drawing/2014/main" id="{71583229-ABC8-4D06-8760-244F45458210}"/>
+                <a16:creationId xmlns:a16="http://schemas.microsoft.com/office/drawing/2014/main" id="{6B220E0C-09EC-4A5E-BA35-D7847543BBC7}"/>
               </a:ext>
             </a:extLst>
           </p:cNvPr>
@@ -8067,18 +8640,17 @@
         </p:nvSpPr>
         <p:spPr/>
         <p:txBody>
-          <a:bodyPr>
-            <a:normAutofit/>
-          </a:bodyPr>
+          <a:bodyPr/>
           <a:lstStyle/>
           <a:p>
             <a:r>
-              <a:rPr lang="en-GB" sz="4000" b="1" dirty="0">
-                <a:latin typeface="Arial" panose="020B0604020202020204" pitchFamily="34" charset="0"/>
-                <a:cs typeface="Arial" panose="020B0604020202020204" pitchFamily="34" charset="0"/>
-              </a:rPr>
-              <a:t>JavaScript Client Libraries</a:t>
-            </a:r>
+              <a:rPr lang="en-GB" b="1" dirty="0">
+                <a:latin typeface="Arial" panose="020B0604020202020204" pitchFamily="34" charset="0"/>
+                <a:cs typeface="Arial" panose="020B0604020202020204" pitchFamily="34" charset="0"/>
+              </a:rPr>
+              <a:t>Client Libraries For Other Platforms</a:t>
+            </a:r>
+            <a:endParaRPr lang="en-GB" dirty="0"/>
           </a:p>
         </p:txBody>
       </p:sp>
@@ -8087,7 +8659,7 @@
           <p:cNvPr id="3" name="Content Placeholder 2">
             <a:extLst>
               <a:ext uri="{FF2B5EF4-FFF2-40B4-BE49-F238E27FC236}">
-                <a16:creationId xmlns:a16="http://schemas.microsoft.com/office/drawing/2014/main" id="{BD9CCB9B-1BC4-4CB7-A3AD-A0B672E59396}"/>
+                <a16:creationId xmlns:a16="http://schemas.microsoft.com/office/drawing/2014/main" id="{B27D5DB3-8876-45C5-BED9-9D5465A4CCB3}"/>
               </a:ext>
             </a:extLst>
           </p:cNvPr>
@@ -8100,9 +8672,7 @@
         </p:nvSpPr>
         <p:spPr/>
         <p:txBody>
-          <a:bodyPr>
-            <a:normAutofit lnSpcReduction="10000"/>
-          </a:bodyPr>
+          <a:bodyPr/>
           <a:lstStyle/>
           <a:p>
             <a:pPr marL="0" indent="0">
@@ -8113,27 +8683,72 @@
                 <a:latin typeface="Arial" panose="020B0604020202020204" pitchFamily="34" charset="0"/>
                 <a:cs typeface="Arial" panose="020B0604020202020204" pitchFamily="34" charset="0"/>
               </a:rPr>
-              <a:t>Used to interact with the </a:t>
-            </a:r>
-            <a:r>
-              <a:rPr lang="en-GB" dirty="0" err="1">
-                <a:latin typeface="Arial" panose="020B0604020202020204" pitchFamily="34" charset="0"/>
-                <a:cs typeface="Arial" panose="020B0604020202020204" pitchFamily="34" charset="0"/>
-              </a:rPr>
-              <a:t>GraphQL</a:t>
-            </a:r>
-            <a:r>
-              <a:rPr lang="en-GB" dirty="0">
-                <a:latin typeface="Arial" panose="020B0604020202020204" pitchFamily="34" charset="0"/>
-                <a:cs typeface="Arial" panose="020B0604020202020204" pitchFamily="34" charset="0"/>
-              </a:rPr>
-              <a:t> API</a:t>
+              <a:t>Again there is support in other programming languages </a:t>
             </a:r>
           </a:p>
           <a:p>
             <a:pPr marL="0" indent="0">
               <a:buNone/>
             </a:pPr>
+            <a:r>
+              <a:rPr lang="en-GB" dirty="0">
+                <a:latin typeface="Arial" panose="020B0604020202020204" pitchFamily="34" charset="0"/>
+                <a:cs typeface="Arial" panose="020B0604020202020204" pitchFamily="34" charset="0"/>
+              </a:rPr>
+              <a:t>These include:</a:t>
+            </a:r>
+          </a:p>
+          <a:p>
+            <a:pPr marL="0" indent="0">
+              <a:buNone/>
+            </a:pPr>
+            <a:r>
+              <a:rPr lang="en-GB" dirty="0"/>
+              <a:t>	 C# / .NET, </a:t>
+            </a:r>
+            <a:r>
+              <a:rPr lang="en-GB" dirty="0" err="1"/>
+              <a:t>Clojurescript</a:t>
+            </a:r>
+            <a:r>
+              <a:rPr lang="en-GB" dirty="0"/>
+              <a:t>, Go, Java / Android, Swift /</a:t>
+            </a:r>
+          </a:p>
+          <a:p>
+            <a:pPr marL="0" indent="0">
+              <a:buNone/>
+            </a:pPr>
+            <a:r>
+              <a:rPr lang="en-GB" dirty="0"/>
+              <a:t>	Objective-C iOS, Python</a:t>
+            </a:r>
+          </a:p>
+          <a:p>
+            <a:pPr marL="0" indent="0">
+              <a:buNone/>
+            </a:pPr>
+            <a:endParaRPr lang="en-GB" dirty="0"/>
+          </a:p>
+          <a:p>
+            <a:pPr marL="0" indent="0">
+              <a:buNone/>
+            </a:pPr>
+            <a:r>
+              <a:rPr lang="en-GB" dirty="0">
+                <a:latin typeface="Arial" panose="020B0604020202020204" pitchFamily="34" charset="0"/>
+                <a:cs typeface="Arial" panose="020B0604020202020204" pitchFamily="34" charset="0"/>
+              </a:rPr>
+              <a:t>Full list available at </a:t>
+            </a:r>
+            <a:r>
+              <a:rPr lang="en-GB" dirty="0">
+                <a:latin typeface="Arial" panose="020B0604020202020204" pitchFamily="34" charset="0"/>
+                <a:cs typeface="Arial" panose="020B0604020202020204" pitchFamily="34" charset="0"/>
+                <a:hlinkClick r:id="rId2"/>
+              </a:rPr>
+              <a:t>https://graphql.org/code/#graphql-clients</a:t>
+            </a:r>
             <a:endParaRPr lang="en-GB" dirty="0">
               <a:latin typeface="Arial" panose="020B0604020202020204" pitchFamily="34" charset="0"/>
               <a:cs typeface="Arial" panose="020B0604020202020204" pitchFamily="34" charset="0"/>
@@ -8143,95 +8758,20 @@
             <a:pPr marL="0" indent="0">
               <a:buNone/>
             </a:pPr>
-            <a:r>
-              <a:rPr lang="en-GB" dirty="0">
-                <a:latin typeface="Arial" panose="020B0604020202020204" pitchFamily="34" charset="0"/>
-                <a:cs typeface="Arial" panose="020B0604020202020204" pitchFamily="34" charset="0"/>
-              </a:rPr>
-              <a:t>Two of the most popular are:</a:t>
-            </a:r>
+            <a:endParaRPr lang="en-GB" dirty="0"/>
           </a:p>
           <a:p>
             <a:pPr marL="0" indent="0">
               <a:buNone/>
             </a:pPr>
-            <a:endParaRPr lang="en-GB" dirty="0">
-              <a:latin typeface="Arial" panose="020B0604020202020204" pitchFamily="34" charset="0"/>
-              <a:cs typeface="Arial" panose="020B0604020202020204" pitchFamily="34" charset="0"/>
-            </a:endParaRPr>
-          </a:p>
-          <a:p>
-            <a:r>
-              <a:rPr lang="en-GB" b="1" dirty="0">
-                <a:latin typeface="Arial" panose="020B0604020202020204" pitchFamily="34" charset="0"/>
-                <a:cs typeface="Arial" panose="020B0604020202020204" pitchFamily="34" charset="0"/>
-              </a:rPr>
-              <a:t>Apollo Client</a:t>
-            </a:r>
-            <a:r>
-              <a:rPr lang="en-GB" dirty="0">
-                <a:latin typeface="Arial" panose="020B0604020202020204" pitchFamily="34" charset="0"/>
-                <a:cs typeface="Arial" panose="020B0604020202020204" pitchFamily="34" charset="0"/>
-              </a:rPr>
-              <a:t>: A powerful JavaScript </a:t>
-            </a:r>
-            <a:r>
-              <a:rPr lang="en-GB" dirty="0" err="1">
-                <a:latin typeface="Arial" panose="020B0604020202020204" pitchFamily="34" charset="0"/>
-                <a:cs typeface="Arial" panose="020B0604020202020204" pitchFamily="34" charset="0"/>
-              </a:rPr>
-              <a:t>GraphQL</a:t>
-            </a:r>
-            <a:r>
-              <a:rPr lang="en-GB" dirty="0">
-                <a:latin typeface="Arial" panose="020B0604020202020204" pitchFamily="34" charset="0"/>
-                <a:cs typeface="Arial" panose="020B0604020202020204" pitchFamily="34" charset="0"/>
-              </a:rPr>
-              <a:t> client, designed to work well with React, React Native, Angular, or just plain JavaScript.</a:t>
-            </a:r>
-          </a:p>
-          <a:p>
-            <a:endParaRPr lang="en-GB" dirty="0">
-              <a:latin typeface="Arial" panose="020B0604020202020204" pitchFamily="34" charset="0"/>
-              <a:cs typeface="Arial" panose="020B0604020202020204" pitchFamily="34" charset="0"/>
-            </a:endParaRPr>
-          </a:p>
-          <a:p>
-            <a:r>
-              <a:rPr lang="en-GB" b="1" dirty="0">
-                <a:latin typeface="Arial" panose="020B0604020202020204" pitchFamily="34" charset="0"/>
-                <a:cs typeface="Arial" panose="020B0604020202020204" pitchFamily="34" charset="0"/>
-              </a:rPr>
-              <a:t>Relay</a:t>
-            </a:r>
-            <a:r>
-              <a:rPr lang="en-GB" dirty="0">
-                <a:latin typeface="Arial" panose="020B0604020202020204" pitchFamily="34" charset="0"/>
-                <a:cs typeface="Arial" panose="020B0604020202020204" pitchFamily="34" charset="0"/>
-              </a:rPr>
-              <a:t>: Facebook's framework for building React applications that talk to a </a:t>
-            </a:r>
-            <a:r>
-              <a:rPr lang="en-GB" dirty="0" err="1">
-                <a:latin typeface="Arial" panose="020B0604020202020204" pitchFamily="34" charset="0"/>
-                <a:cs typeface="Arial" panose="020B0604020202020204" pitchFamily="34" charset="0"/>
-              </a:rPr>
-              <a:t>GraphQL</a:t>
-            </a:r>
-            <a:r>
-              <a:rPr lang="en-GB" dirty="0">
-                <a:latin typeface="Arial" panose="020B0604020202020204" pitchFamily="34" charset="0"/>
-                <a:cs typeface="Arial" panose="020B0604020202020204" pitchFamily="34" charset="0"/>
-              </a:rPr>
-              <a:t> backend.</a:t>
-            </a:r>
+            <a:endParaRPr lang="en-GB" dirty="0"/>
           </a:p>
         </p:txBody>
       </p:sp>
     </p:spTree>
     <p:extLst>
       <p:ext uri="{BB962C8B-B14F-4D97-AF65-F5344CB8AC3E}">
-        <p14:creationId xmlns:p14="http://schemas.microsoft.com/office/powerpoint/2010/main" val="578184197"/>
+        <p14:creationId xmlns:p14="http://schemas.microsoft.com/office/powerpoint/2010/main" val="4035345678"/>
       </p:ext>
     </p:extLst>
   </p:cSld>
@@ -8263,7 +8803,7 @@
           <p:cNvPr id="2" name="Title 1">
             <a:extLst>
               <a:ext uri="{FF2B5EF4-FFF2-40B4-BE49-F238E27FC236}">
-                <a16:creationId xmlns:a16="http://schemas.microsoft.com/office/drawing/2014/main" id="{6B220E0C-09EC-4A5E-BA35-D7847543BBC7}"/>
+                <a16:creationId xmlns:a16="http://schemas.microsoft.com/office/drawing/2014/main" id="{5A77AE23-7EE8-4A86-A4AA-CD17F6990D38}"/>
               </a:ext>
             </a:extLst>
           </p:cNvPr>
@@ -8276,17 +8816,18 @@
         </p:nvSpPr>
         <p:spPr/>
         <p:txBody>
-          <a:bodyPr/>
+          <a:bodyPr>
+            <a:normAutofit/>
+          </a:bodyPr>
           <a:lstStyle/>
           <a:p>
             <a:r>
-              <a:rPr lang="en-GB" b="1" dirty="0">
-                <a:latin typeface="Arial" panose="020B0604020202020204" pitchFamily="34" charset="0"/>
-                <a:cs typeface="Arial" panose="020B0604020202020204" pitchFamily="34" charset="0"/>
-              </a:rPr>
-              <a:t>Client Libraries For Other Platforms</a:t>
-            </a:r>
-            <a:endParaRPr lang="en-GB" dirty="0"/>
+              <a:rPr lang="en-GB" sz="4000" b="1" dirty="0">
+                <a:latin typeface="Arial" panose="020B0604020202020204" pitchFamily="34" charset="0"/>
+                <a:cs typeface="Arial" panose="020B0604020202020204" pitchFamily="34" charset="0"/>
+              </a:rPr>
+              <a:t>Live Demonstration</a:t>
+            </a:r>
           </a:p>
         </p:txBody>
       </p:sp>
@@ -8295,7 +8836,7 @@
           <p:cNvPr id="3" name="Content Placeholder 2">
             <a:extLst>
               <a:ext uri="{FF2B5EF4-FFF2-40B4-BE49-F238E27FC236}">
-                <a16:creationId xmlns:a16="http://schemas.microsoft.com/office/drawing/2014/main" id="{B27D5DB3-8876-45C5-BED9-9D5465A4CCB3}"/>
+                <a16:creationId xmlns:a16="http://schemas.microsoft.com/office/drawing/2014/main" id="{8FA25EB6-0680-4A57-A123-928EB7CD72D1}"/>
               </a:ext>
             </a:extLst>
           </p:cNvPr>
@@ -8308,18 +8849,37 @@
         </p:nvSpPr>
         <p:spPr/>
         <p:txBody>
-          <a:bodyPr/>
+          <a:bodyPr>
+            <a:normAutofit/>
+          </a:bodyPr>
           <a:lstStyle/>
+          <a:p>
+            <a:endParaRPr lang="en-GB" dirty="0"/>
+          </a:p>
           <a:p>
             <a:pPr marL="0" indent="0">
               <a:buNone/>
             </a:pPr>
             <a:r>
-              <a:rPr lang="en-GB" dirty="0">
-                <a:latin typeface="Arial" panose="020B0604020202020204" pitchFamily="34" charset="0"/>
-                <a:cs typeface="Arial" panose="020B0604020202020204" pitchFamily="34" charset="0"/>
-              </a:rPr>
-              <a:t>Again there is support in many other programming languages </a:t>
+              <a:rPr lang="en-GB" sz="2000" dirty="0">
+                <a:latin typeface="Arial" panose="020B0604020202020204" pitchFamily="34" charset="0"/>
+                <a:cs typeface="Arial" panose="020B0604020202020204" pitchFamily="34" charset="0"/>
+              </a:rPr>
+              <a:t>A simple </a:t>
+            </a:r>
+            <a:r>
+              <a:rPr lang="en-GB" sz="2000" dirty="0" err="1">
+                <a:latin typeface="Arial" panose="020B0604020202020204" pitchFamily="34" charset="0"/>
+                <a:cs typeface="Arial" panose="020B0604020202020204" pitchFamily="34" charset="0"/>
+              </a:rPr>
+              <a:t>GraphQL</a:t>
+            </a:r>
+            <a:r>
+              <a:rPr lang="en-GB" sz="2000" dirty="0">
+                <a:latin typeface="Arial" panose="020B0604020202020204" pitchFamily="34" charset="0"/>
+                <a:cs typeface="Arial" panose="020B0604020202020204" pitchFamily="34" charset="0"/>
+              </a:rPr>
+              <a:t> Server built in a Node.js environment using:</a:t>
             </a:r>
           </a:p>
           <a:p>
@@ -8327,45 +8887,133 @@
               <a:buNone/>
             </a:pPr>
             <a:r>
-              <a:rPr lang="en-GB" dirty="0">
-                <a:latin typeface="Arial" panose="020B0604020202020204" pitchFamily="34" charset="0"/>
-                <a:cs typeface="Arial" panose="020B0604020202020204" pitchFamily="34" charset="0"/>
-              </a:rPr>
-              <a:t>These include:</a:t>
+              <a:rPr lang="en-GB" sz="2000" dirty="0">
+                <a:latin typeface="Arial" panose="020B0604020202020204" pitchFamily="34" charset="0"/>
+                <a:cs typeface="Arial" panose="020B0604020202020204" pitchFamily="34" charset="0"/>
+              </a:rPr>
+              <a:t> </a:t>
+            </a:r>
+          </a:p>
+          <a:p>
+            <a:r>
+              <a:rPr lang="en-GB" sz="2000" b="1" dirty="0">
+                <a:latin typeface="Arial" panose="020B0604020202020204" pitchFamily="34" charset="0"/>
+                <a:cs typeface="Arial" panose="020B0604020202020204" pitchFamily="34" charset="0"/>
+              </a:rPr>
+              <a:t>GraphQL.js</a:t>
+            </a:r>
+            <a:r>
+              <a:rPr lang="en-GB" sz="2000" dirty="0">
+                <a:latin typeface="Arial" panose="020B0604020202020204" pitchFamily="34" charset="0"/>
+                <a:cs typeface="Arial" panose="020B0604020202020204" pitchFamily="34" charset="0"/>
+              </a:rPr>
+              <a:t> (the original reference implementation of the </a:t>
+            </a:r>
+            <a:r>
+              <a:rPr lang="en-GB" sz="2000" dirty="0" err="1">
+                <a:latin typeface="Arial" panose="020B0604020202020204" pitchFamily="34" charset="0"/>
+                <a:cs typeface="Arial" panose="020B0604020202020204" pitchFamily="34" charset="0"/>
+              </a:rPr>
+              <a:t>GraphQL</a:t>
+            </a:r>
+            <a:r>
+              <a:rPr lang="en-GB" sz="2000" dirty="0">
+                <a:latin typeface="Arial" panose="020B0604020202020204" pitchFamily="34" charset="0"/>
+                <a:cs typeface="Arial" panose="020B0604020202020204" pitchFamily="34" charset="0"/>
+              </a:rPr>
+              <a:t> specification) </a:t>
+            </a:r>
+          </a:p>
+          <a:p>
+            <a:endParaRPr lang="en-GB" sz="2000" dirty="0">
+              <a:latin typeface="Arial" panose="020B0604020202020204" pitchFamily="34" charset="0"/>
+              <a:cs typeface="Arial" panose="020B0604020202020204" pitchFamily="34" charset="0"/>
+            </a:endParaRPr>
+          </a:p>
+          <a:p>
+            <a:r>
+              <a:rPr lang="en-GB" sz="2000" b="1" dirty="0">
+                <a:latin typeface="Arial" panose="020B0604020202020204" pitchFamily="34" charset="0"/>
+                <a:cs typeface="Arial" panose="020B0604020202020204" pitchFamily="34" charset="0"/>
+              </a:rPr>
+              <a:t>Express Web Server</a:t>
             </a:r>
           </a:p>
           <a:p>
             <a:pPr marL="0" indent="0">
               <a:buNone/>
             </a:pPr>
-            <a:r>
-              <a:rPr lang="en-GB" dirty="0"/>
-              <a:t>	 C# / .NET, </a:t>
-            </a:r>
-            <a:r>
-              <a:rPr lang="en-GB" dirty="0" err="1"/>
-              <a:t>Clojurescript</a:t>
-            </a:r>
-            <a:r>
-              <a:rPr lang="en-GB" dirty="0"/>
-              <a:t>, Go, Java / Android, Swift /</a:t>
-            </a:r>
+            <a:endParaRPr lang="en-GB" sz="2000" dirty="0">
+              <a:latin typeface="Arial" panose="020B0604020202020204" pitchFamily="34" charset="0"/>
+              <a:cs typeface="Arial" panose="020B0604020202020204" pitchFamily="34" charset="0"/>
+            </a:endParaRPr>
+          </a:p>
+          <a:p>
+            <a:r>
+              <a:rPr lang="en-GB" sz="2000" b="1" dirty="0">
+                <a:latin typeface="Arial" panose="020B0604020202020204" pitchFamily="34" charset="0"/>
+                <a:cs typeface="Arial" panose="020B0604020202020204" pitchFamily="34" charset="0"/>
+              </a:rPr>
+              <a:t>express-</a:t>
+            </a:r>
+            <a:r>
+              <a:rPr lang="en-GB" sz="2000" b="1" dirty="0" err="1">
+                <a:latin typeface="Arial" panose="020B0604020202020204" pitchFamily="34" charset="0"/>
+                <a:cs typeface="Arial" panose="020B0604020202020204" pitchFamily="34" charset="0"/>
+              </a:rPr>
+              <a:t>graphql</a:t>
+            </a:r>
+            <a:r>
+              <a:rPr lang="en-GB" sz="2000" b="1" dirty="0">
+                <a:latin typeface="Arial" panose="020B0604020202020204" pitchFamily="34" charset="0"/>
+                <a:cs typeface="Arial" panose="020B0604020202020204" pitchFamily="34" charset="0"/>
+              </a:rPr>
+              <a:t> </a:t>
+            </a:r>
+            <a:r>
+              <a:rPr lang="en-GB" sz="2000" dirty="0">
+                <a:latin typeface="Arial" panose="020B0604020202020204" pitchFamily="34" charset="0"/>
+                <a:cs typeface="Arial" panose="020B0604020202020204" pitchFamily="34" charset="0"/>
+              </a:rPr>
+              <a:t>(middleware between </a:t>
+            </a:r>
+            <a:r>
+              <a:rPr lang="en-GB" sz="2000" dirty="0" err="1">
+                <a:latin typeface="Arial" panose="020B0604020202020204" pitchFamily="34" charset="0"/>
+                <a:cs typeface="Arial" panose="020B0604020202020204" pitchFamily="34" charset="0"/>
+              </a:rPr>
+              <a:t>GraphQL</a:t>
+            </a:r>
+            <a:r>
+              <a:rPr lang="en-GB" sz="2000" dirty="0">
+                <a:latin typeface="Arial" panose="020B0604020202020204" pitchFamily="34" charset="0"/>
+                <a:cs typeface="Arial" panose="020B0604020202020204" pitchFamily="34" charset="0"/>
+              </a:rPr>
+              <a:t> and Express)</a:t>
+            </a:r>
+            <a:endParaRPr lang="en-GB" sz="2000" b="1" dirty="0">
+              <a:latin typeface="Arial" panose="020B0604020202020204" pitchFamily="34" charset="0"/>
+              <a:cs typeface="Arial" panose="020B0604020202020204" pitchFamily="34" charset="0"/>
+            </a:endParaRPr>
+          </a:p>
+          <a:p>
+            <a:endParaRPr lang="en-GB" sz="2000" b="1" dirty="0">
+              <a:latin typeface="Arial" panose="020B0604020202020204" pitchFamily="34" charset="0"/>
+              <a:cs typeface="Arial" panose="020B0604020202020204" pitchFamily="34" charset="0"/>
+            </a:endParaRPr>
           </a:p>
           <a:p>
             <a:pPr marL="0" indent="0">
               <a:buNone/>
             </a:pPr>
-            <a:r>
-              <a:rPr lang="en-GB" dirty="0"/>
-              <a:t>	Objective-C iOS, Python</a:t>
-            </a:r>
+            <a:endParaRPr lang="en-GB" dirty="0"/>
           </a:p>
         </p:txBody>
       </p:sp>
     </p:spTree>
     <p:extLst>
       <p:ext uri="{BB962C8B-B14F-4D97-AF65-F5344CB8AC3E}">
-        <p14:creationId xmlns:p14="http://schemas.microsoft.com/office/powerpoint/2010/main" val="4035345678"/>
+        <p14:creationId xmlns:p14="http://schemas.microsoft.com/office/powerpoint/2010/main" val="185134489"/>
       </p:ext>
     </p:extLst>
   </p:cSld>
@@ -8549,7 +9197,7 @@
           <a:p>
             <a:r>
               <a:rPr lang="en-GB" dirty="0"/>
-              <a:t>Retrieve user’s name </a:t>
+              <a:t>Displays user’s name </a:t>
             </a:r>
           </a:p>
           <a:p>
@@ -8758,54 +9406,18 @@
               <a:buNone/>
             </a:pPr>
             <a:r>
+              <a:rPr lang="en-GB" sz="2000" b="1" dirty="0" err="1">
+                <a:latin typeface="Arial" panose="020B0604020202020204" pitchFamily="34" charset="0"/>
+                <a:cs typeface="Arial" panose="020B0604020202020204" pitchFamily="34" charset="0"/>
+              </a:rPr>
+              <a:t>GraphQL</a:t>
+            </a:r>
+            <a:r>
               <a:rPr lang="en-GB" sz="2000" b="1" dirty="0">
                 <a:latin typeface="Arial" panose="020B0604020202020204" pitchFamily="34" charset="0"/>
                 <a:cs typeface="Arial" panose="020B0604020202020204" pitchFamily="34" charset="0"/>
               </a:rPr>
-              <a:t>Demonstration Of A Simple NodeJS </a:t>
-            </a:r>
-            <a:r>
-              <a:rPr lang="en-GB" sz="2000" b="1" dirty="0" err="1">
-                <a:latin typeface="Arial" panose="020B0604020202020204" pitchFamily="34" charset="0"/>
-                <a:cs typeface="Arial" panose="020B0604020202020204" pitchFamily="34" charset="0"/>
-              </a:rPr>
-              <a:t>GraphQL</a:t>
-            </a:r>
-            <a:r>
-              <a:rPr lang="en-GB" sz="2000" b="1" dirty="0">
-                <a:latin typeface="Arial" panose="020B0604020202020204" pitchFamily="34" charset="0"/>
-                <a:cs typeface="Arial" panose="020B0604020202020204" pitchFamily="34" charset="0"/>
-              </a:rPr>
-              <a:t> Server</a:t>
-            </a:r>
-          </a:p>
-          <a:p>
-            <a:pPr marL="514350" indent="-514350">
-              <a:buFont typeface="+mj-lt"/>
-              <a:buAutoNum type="arabicPeriod"/>
-            </a:pPr>
-            <a:endParaRPr lang="en-GB" sz="2000" b="1" dirty="0">
-              <a:latin typeface="Arial" panose="020B0604020202020204" pitchFamily="34" charset="0"/>
-              <a:cs typeface="Arial" panose="020B0604020202020204" pitchFamily="34" charset="0"/>
-            </a:endParaRPr>
-          </a:p>
-          <a:p>
-            <a:pPr marL="0" indent="0">
-              <a:buNone/>
-            </a:pPr>
-            <a:r>
-              <a:rPr lang="en-GB" sz="2000" b="1" dirty="0" err="1">
-                <a:latin typeface="Arial" panose="020B0604020202020204" pitchFamily="34" charset="0"/>
-                <a:cs typeface="Arial" panose="020B0604020202020204" pitchFamily="34" charset="0"/>
-              </a:rPr>
-              <a:t>GraphQL</a:t>
-            </a:r>
-            <a:r>
-              <a:rPr lang="en-GB" sz="2000" b="1" dirty="0">
-                <a:latin typeface="Arial" panose="020B0604020202020204" pitchFamily="34" charset="0"/>
-                <a:cs typeface="Arial" panose="020B0604020202020204" pitchFamily="34" charset="0"/>
-              </a:rPr>
-              <a:t> Pros &amp; Cons</a:t>
+              <a:t> Server And Clients Libraries</a:t>
             </a:r>
           </a:p>
           <a:p>
@@ -8822,6 +9434,13 @@
               <a:buNone/>
             </a:pPr>
             <a:r>
+              <a:rPr lang="en-GB" sz="2000" b="1" dirty="0">
+                <a:latin typeface="Arial" panose="020B0604020202020204" pitchFamily="34" charset="0"/>
+                <a:cs typeface="Arial" panose="020B0604020202020204" pitchFamily="34" charset="0"/>
+              </a:rPr>
+              <a:t>Demonstration Of A Simple NodeJS </a:t>
+            </a:r>
+            <a:r>
               <a:rPr lang="en-GB" sz="2000" b="1" dirty="0" err="1">
                 <a:latin typeface="Arial" panose="020B0604020202020204" pitchFamily="34" charset="0"/>
                 <a:cs typeface="Arial" panose="020B0604020202020204" pitchFamily="34" charset="0"/>
@@ -8833,7 +9452,35 @@
                 <a:latin typeface="Arial" panose="020B0604020202020204" pitchFamily="34" charset="0"/>
                 <a:cs typeface="Arial" panose="020B0604020202020204" pitchFamily="34" charset="0"/>
               </a:rPr>
-              <a:t> Server Libraries And Clients</a:t>
+              <a:t> Server</a:t>
+            </a:r>
+          </a:p>
+          <a:p>
+            <a:pPr marL="0" indent="0">
+              <a:buNone/>
+            </a:pPr>
+            <a:endParaRPr lang="en-GB" sz="2000" b="1" dirty="0">
+              <a:latin typeface="Arial" panose="020B0604020202020204" pitchFamily="34" charset="0"/>
+              <a:cs typeface="Arial" panose="020B0604020202020204" pitchFamily="34" charset="0"/>
+            </a:endParaRPr>
+          </a:p>
+          <a:p>
+            <a:pPr marL="0" indent="0">
+              <a:buNone/>
+            </a:pPr>
+            <a:r>
+              <a:rPr lang="en-GB" sz="2000" b="1" dirty="0" err="1">
+                <a:latin typeface="Arial" panose="020B0604020202020204" pitchFamily="34" charset="0"/>
+                <a:cs typeface="Arial" panose="020B0604020202020204" pitchFamily="34" charset="0"/>
+              </a:rPr>
+              <a:t>GraphQL</a:t>
+            </a:r>
+            <a:r>
+              <a:rPr lang="en-GB" sz="2000" b="1" dirty="0">
+                <a:latin typeface="Arial" panose="020B0604020202020204" pitchFamily="34" charset="0"/>
+                <a:cs typeface="Arial" panose="020B0604020202020204" pitchFamily="34" charset="0"/>
+              </a:rPr>
+              <a:t> Pros &amp; Cons</a:t>
             </a:r>
           </a:p>
           <a:p>
@@ -8980,7 +9627,7 @@
                                         <p:tgtEl>
                                           <p:spTgt spid="3">
                                             <p:txEl>
-                                              <p:pRg st="4" end="4"/>
+                                              <p:pRg st="2" end="2"/>
                                             </p:txEl>
                                           </p:spTgt>
                                         </p:tgtEl>
@@ -9029,7 +9676,7 @@
                                         <p:tgtEl>
                                           <p:spTgt spid="3">
                                             <p:txEl>
-                                              <p:pRg st="6" end="6"/>
+                                              <p:pRg st="4" end="4"/>
                                             </p:txEl>
                                           </p:spTgt>
                                         </p:tgtEl>
@@ -9078,7 +9725,7 @@
                                         <p:tgtEl>
                                           <p:spTgt spid="3">
                                             <p:txEl>
-                                              <p:pRg st="8" end="8"/>
+                                              <p:pRg st="6" end="6"/>
                                             </p:txEl>
                                           </p:spTgt>
                                         </p:tgtEl>
@@ -9120,6 +9767,55 @@
                                     <p:set>
                                       <p:cBhvr>
                                         <p:cTn id="22" dur="1" fill="hold">
+                                          <p:stCondLst>
+                                            <p:cond delay="0"/>
+                                          </p:stCondLst>
+                                        </p:cTn>
+                                        <p:tgtEl>
+                                          <p:spTgt spid="3">
+                                            <p:txEl>
+                                              <p:pRg st="8" end="8"/>
+                                            </p:txEl>
+                                          </p:spTgt>
+                                        </p:tgtEl>
+                                        <p:attrNameLst>
+                                          <p:attrName>style.visibility</p:attrName>
+                                        </p:attrNameLst>
+                                      </p:cBhvr>
+                                      <p:to>
+                                        <p:strVal val="visible"/>
+                                      </p:to>
+                                    </p:set>
+                                  </p:childTnLst>
+                                </p:cTn>
+                              </p:par>
+                            </p:childTnLst>
+                          </p:cTn>
+                        </p:par>
+                      </p:childTnLst>
+                    </p:cTn>
+                  </p:par>
+                  <p:par>
+                    <p:cTn id="23" fill="hold">
+                      <p:stCondLst>
+                        <p:cond delay="indefinite"/>
+                      </p:stCondLst>
+                      <p:childTnLst>
+                        <p:par>
+                          <p:cTn id="24" fill="hold">
+                            <p:stCondLst>
+                              <p:cond delay="0"/>
+                            </p:stCondLst>
+                            <p:childTnLst>
+                              <p:par>
+                                <p:cTn id="25" presetID="1" presetClass="entr" presetSubtype="0" fill="hold" nodeType="clickEffect">
+                                  <p:stCondLst>
+                                    <p:cond delay="0"/>
+                                  </p:stCondLst>
+                                  <p:childTnLst>
+                                    <p:set>
+                                      <p:cBhvr>
+                                        <p:cTn id="26" dur="1" fill="hold">
                                           <p:stCondLst>
                                             <p:cond delay="0"/>
                                           </p:stCondLst>
@@ -9573,74 +10269,116 @@
           <a:chExt cx="0" cy="0"/>
         </a:xfrm>
       </p:grpSpPr>
+      <p:sp>
+        <p:nvSpPr>
+          <p:cNvPr id="2" name="Title 1">
+            <a:extLst>
+              <a:ext uri="{FF2B5EF4-FFF2-40B4-BE49-F238E27FC236}">
+                <a16:creationId xmlns:a16="http://schemas.microsoft.com/office/drawing/2014/main" id="{8B111B06-BDB7-4048-8F46-C67D9E1911F8}"/>
+              </a:ext>
+            </a:extLst>
+          </p:cNvPr>
+          <p:cNvSpPr>
+            <a:spLocks noGrp="1"/>
+          </p:cNvSpPr>
+          <p:nvPr>
+            <p:ph type="title"/>
+          </p:nvPr>
+        </p:nvSpPr>
+        <p:spPr>
+          <a:xfrm>
+            <a:off x="432816" y="58022"/>
+            <a:ext cx="10515600" cy="1325563"/>
+          </a:xfrm>
+        </p:spPr>
+        <p:txBody>
+          <a:bodyPr>
+            <a:normAutofit/>
+          </a:bodyPr>
+          <a:lstStyle/>
+          <a:p>
+            <a:r>
+              <a:rPr lang="en-GB" sz="4000" b="1" dirty="0">
+                <a:latin typeface="Arial" panose="020B0604020202020204" pitchFamily="34" charset="0"/>
+                <a:cs typeface="Arial" panose="020B0604020202020204" pitchFamily="34" charset="0"/>
+              </a:rPr>
+              <a:t>With REST…..</a:t>
+            </a:r>
+          </a:p>
+        </p:txBody>
+      </p:sp>
+      <p:sp>
+        <p:nvSpPr>
+          <p:cNvPr id="3" name="Content Placeholder 2">
+            <a:extLst>
+              <a:ext uri="{FF2B5EF4-FFF2-40B4-BE49-F238E27FC236}">
+                <a16:creationId xmlns:a16="http://schemas.microsoft.com/office/drawing/2014/main" id="{20343586-2C23-461A-918F-857AA4A54394}"/>
+              </a:ext>
+            </a:extLst>
+          </p:cNvPr>
+          <p:cNvSpPr>
+            <a:spLocks noGrp="1"/>
+          </p:cNvSpPr>
+          <p:nvPr>
+            <p:ph idx="1"/>
+          </p:nvPr>
+        </p:nvSpPr>
+        <p:spPr>
+          <a:xfrm>
+            <a:off x="252191" y="5553841"/>
+            <a:ext cx="9805416" cy="612644"/>
+          </a:xfrm>
+        </p:spPr>
+        <p:txBody>
+          <a:bodyPr>
+            <a:normAutofit lnSpcReduction="10000"/>
+          </a:bodyPr>
+          <a:lstStyle/>
+          <a:p>
+            <a:pPr marL="0" indent="0">
+              <a:buNone/>
+            </a:pPr>
+            <a:r>
+              <a:rPr lang="en-GB" sz="2000" dirty="0">
+                <a:latin typeface="Arial" panose="020B0604020202020204" pitchFamily="34" charset="0"/>
+                <a:cs typeface="Arial" panose="020B0604020202020204" pitchFamily="34" charset="0"/>
+              </a:rPr>
+              <a:t>You are also </a:t>
+            </a:r>
+            <a:r>
+              <a:rPr lang="en-GB" sz="2000" b="1" dirty="0" err="1">
+                <a:latin typeface="Arial" panose="020B0604020202020204" pitchFamily="34" charset="0"/>
+                <a:cs typeface="Arial" panose="020B0604020202020204" pitchFamily="34" charset="0"/>
+              </a:rPr>
+              <a:t>overfetching</a:t>
+            </a:r>
+            <a:r>
+              <a:rPr lang="en-GB" sz="2000" b="1" dirty="0">
+                <a:latin typeface="Arial" panose="020B0604020202020204" pitchFamily="34" charset="0"/>
+                <a:cs typeface="Arial" panose="020B0604020202020204" pitchFamily="34" charset="0"/>
+              </a:rPr>
+              <a:t> </a:t>
+            </a:r>
+            <a:r>
+              <a:rPr lang="en-GB" sz="2000" dirty="0">
+                <a:latin typeface="Arial" panose="020B0604020202020204" pitchFamily="34" charset="0"/>
+                <a:cs typeface="Arial" panose="020B0604020202020204" pitchFamily="34" charset="0"/>
+              </a:rPr>
+              <a:t>since the endpoints return additional information that is not needed.</a:t>
+            </a:r>
+            <a:endParaRPr lang="en-GB" sz="2000" b="1" dirty="0">
+              <a:latin typeface="Arial" panose="020B0604020202020204" pitchFamily="34" charset="0"/>
+              <a:cs typeface="Arial" panose="020B0604020202020204" pitchFamily="34" charset="0"/>
+            </a:endParaRPr>
+          </a:p>
+        </p:txBody>
+      </p:sp>
       <p:pic>
         <p:nvPicPr>
           <p:cNvPr id="4" name="Content Placeholder 3">
             <a:extLst>
               <a:ext uri="{FF2B5EF4-FFF2-40B4-BE49-F238E27FC236}">
-                <a16:creationId xmlns:a16="http://schemas.microsoft.com/office/drawing/2014/main" id="{0DD73423-8C3A-4006-9FB0-CDFBAB53C595}"/>
-              </a:ext>
-            </a:extLst>
-          </p:cNvPr>
-          <p:cNvPicPr>
-            <a:picLocks noGrp="1" noChangeAspect="1"/>
-          </p:cNvPicPr>
-          <p:nvPr>
-            <p:ph idx="1"/>
-          </p:nvPr>
-        </p:nvPicPr>
-        <p:blipFill>
-          <a:blip r:embed="rId2"/>
-          <a:stretch>
-            <a:fillRect/>
-          </a:stretch>
-        </p:blipFill>
-        <p:spPr>
-          <a:xfrm>
-            <a:off x="40814" y="136478"/>
-            <a:ext cx="11985486" cy="6721522"/>
-          </a:xfrm>
-          <a:prstGeom prst="rect">
-            <a:avLst/>
-          </a:prstGeom>
-        </p:spPr>
-      </p:pic>
-    </p:spTree>
-    <p:extLst>
-      <p:ext uri="{BB962C8B-B14F-4D97-AF65-F5344CB8AC3E}">
-        <p14:creationId xmlns:p14="http://schemas.microsoft.com/office/powerpoint/2010/main" val="124588992"/>
-      </p:ext>
-    </p:extLst>
-  </p:cSld>
-  <p:clrMapOvr>
-    <a:masterClrMapping/>
-  </p:clrMapOvr>
-</p:sld>
-</file>
-
-<file path=ppt/slides/slide22.xml><?xml version="1.0" encoding="utf-8"?>
-<p:sld xmlns:a="http://schemas.openxmlformats.org/drawingml/2006/main" xmlns:r="http://schemas.openxmlformats.org/officeDocument/2006/relationships" xmlns:p="http://schemas.openxmlformats.org/presentationml/2006/main">
-  <p:cSld>
-    <p:spTree>
-      <p:nvGrpSpPr>
-        <p:cNvPr id="1" name=""/>
-        <p:cNvGrpSpPr/>
-        <p:nvPr/>
-      </p:nvGrpSpPr>
-      <p:grpSpPr>
-        <a:xfrm>
-          <a:off x="0" y="0"/>
-          <a:ext cx="0" cy="0"/>
-          <a:chOff x="0" y="0"/>
-          <a:chExt cx="0" cy="0"/>
-        </a:xfrm>
-      </p:grpSpPr>
-      <p:pic>
-        <p:nvPicPr>
-          <p:cNvPr id="7" name="Picture 6">
-            <a:extLst>
-              <a:ext uri="{FF2B5EF4-FFF2-40B4-BE49-F238E27FC236}">
-                <a16:creationId xmlns:a16="http://schemas.microsoft.com/office/drawing/2014/main" id="{9C2A9CA2-53F6-43F9-93EA-F5607E36970B}"/>
+                <a16:creationId xmlns:a16="http://schemas.microsoft.com/office/drawing/2014/main" id="{6091989B-9E71-4130-972D-312352B145EB}"/>
               </a:ext>
             </a:extLst>
           </p:cNvPr>
@@ -9657,50 +10395,20 @@
         </p:blipFill>
         <p:spPr>
           <a:xfrm>
-            <a:off x="0" y="0"/>
-            <a:ext cx="12192000" cy="6858000"/>
+            <a:off x="418606" y="2919628"/>
+            <a:ext cx="3519983" cy="1974024"/>
           </a:xfrm>
           <a:prstGeom prst="rect">
             <a:avLst/>
           </a:prstGeom>
         </p:spPr>
       </p:pic>
-    </p:spTree>
-    <p:extLst>
-      <p:ext uri="{BB962C8B-B14F-4D97-AF65-F5344CB8AC3E}">
-        <p14:creationId xmlns:p14="http://schemas.microsoft.com/office/powerpoint/2010/main" val="480149916"/>
-      </p:ext>
-    </p:extLst>
-  </p:cSld>
-  <p:clrMapOvr>
-    <a:masterClrMapping/>
-  </p:clrMapOvr>
-</p:sld>
-</file>
-
-<file path=ppt/slides/slide23.xml><?xml version="1.0" encoding="utf-8"?>
-<p:sld xmlns:a="http://schemas.openxmlformats.org/drawingml/2006/main" xmlns:r="http://schemas.openxmlformats.org/officeDocument/2006/relationships" xmlns:p="http://schemas.openxmlformats.org/presentationml/2006/main">
-  <p:cSld>
-    <p:spTree>
-      <p:nvGrpSpPr>
-        <p:cNvPr id="1" name=""/>
-        <p:cNvGrpSpPr/>
-        <p:nvPr/>
-      </p:nvGrpSpPr>
-      <p:grpSpPr>
-        <a:xfrm>
-          <a:off x="0" y="0"/>
-          <a:ext cx="0" cy="0"/>
-          <a:chOff x="0" y="0"/>
-          <a:chExt cx="0" cy="0"/>
-        </a:xfrm>
-      </p:grpSpPr>
       <p:pic>
         <p:nvPicPr>
           <p:cNvPr id="5" name="Picture 4">
             <a:extLst>
               <a:ext uri="{FF2B5EF4-FFF2-40B4-BE49-F238E27FC236}">
-                <a16:creationId xmlns:a16="http://schemas.microsoft.com/office/drawing/2014/main" id="{8DFFAE8D-D5C1-4F65-95EF-CBE1FC582CD0}"/>
+                <a16:creationId xmlns:a16="http://schemas.microsoft.com/office/drawing/2014/main" id="{E427FBBA-18BC-498B-B3A2-44E6C4F37C48}"/>
               </a:ext>
             </a:extLst>
           </p:cNvPr>
@@ -9717,206 +10425,7 @@
         </p:blipFill>
         <p:spPr>
           <a:xfrm>
-            <a:off x="0" y="0"/>
-            <a:ext cx="12192000" cy="6858000"/>
-          </a:xfrm>
-          <a:prstGeom prst="rect">
-            <a:avLst/>
-          </a:prstGeom>
-        </p:spPr>
-      </p:pic>
-    </p:spTree>
-    <p:extLst>
-      <p:ext uri="{BB962C8B-B14F-4D97-AF65-F5344CB8AC3E}">
-        <p14:creationId xmlns:p14="http://schemas.microsoft.com/office/powerpoint/2010/main" val="3918686251"/>
-      </p:ext>
-    </p:extLst>
-  </p:cSld>
-  <p:clrMapOvr>
-    <a:masterClrMapping/>
-  </p:clrMapOvr>
-</p:sld>
-</file>
-
-<file path=ppt/slides/slide24.xml><?xml version="1.0" encoding="utf-8"?>
-<p:sld xmlns:a="http://schemas.openxmlformats.org/drawingml/2006/main" xmlns:r="http://schemas.openxmlformats.org/officeDocument/2006/relationships" xmlns:p="http://schemas.openxmlformats.org/presentationml/2006/main">
-  <p:cSld>
-    <p:spTree>
-      <p:nvGrpSpPr>
-        <p:cNvPr id="1" name=""/>
-        <p:cNvGrpSpPr/>
-        <p:nvPr/>
-      </p:nvGrpSpPr>
-      <p:grpSpPr>
-        <a:xfrm>
-          <a:off x="0" y="0"/>
-          <a:ext cx="0" cy="0"/>
-          <a:chOff x="0" y="0"/>
-          <a:chExt cx="0" cy="0"/>
-        </a:xfrm>
-      </p:grpSpPr>
-      <p:sp>
-        <p:nvSpPr>
-          <p:cNvPr id="2" name="Title 1">
-            <a:extLst>
-              <a:ext uri="{FF2B5EF4-FFF2-40B4-BE49-F238E27FC236}">
-                <a16:creationId xmlns:a16="http://schemas.microsoft.com/office/drawing/2014/main" id="{8B111B06-BDB7-4048-8F46-C67D9E1911F8}"/>
-              </a:ext>
-            </a:extLst>
-          </p:cNvPr>
-          <p:cNvSpPr>
-            <a:spLocks noGrp="1"/>
-          </p:cNvSpPr>
-          <p:nvPr>
-            <p:ph type="title"/>
-          </p:nvPr>
-        </p:nvSpPr>
-        <p:spPr/>
-        <p:txBody>
-          <a:bodyPr>
-            <a:normAutofit/>
-          </a:bodyPr>
-          <a:lstStyle/>
-          <a:p>
-            <a:r>
-              <a:rPr lang="en-GB" sz="4000" b="1" dirty="0">
-                <a:latin typeface="Arial" panose="020B0604020202020204" pitchFamily="34" charset="0"/>
-                <a:cs typeface="Arial" panose="020B0604020202020204" pitchFamily="34" charset="0"/>
-              </a:rPr>
-              <a:t>With REST…..</a:t>
-            </a:r>
-          </a:p>
-        </p:txBody>
-      </p:sp>
-      <p:sp>
-        <p:nvSpPr>
-          <p:cNvPr id="3" name="Content Placeholder 2">
-            <a:extLst>
-              <a:ext uri="{FF2B5EF4-FFF2-40B4-BE49-F238E27FC236}">
-                <a16:creationId xmlns:a16="http://schemas.microsoft.com/office/drawing/2014/main" id="{20343586-2C23-461A-918F-857AA4A54394}"/>
-              </a:ext>
-            </a:extLst>
-          </p:cNvPr>
-          <p:cNvSpPr>
-            <a:spLocks noGrp="1"/>
-          </p:cNvSpPr>
-          <p:nvPr>
-            <p:ph idx="1"/>
-          </p:nvPr>
-        </p:nvSpPr>
-        <p:spPr>
-          <a:xfrm>
-            <a:off x="838200" y="1825625"/>
-            <a:ext cx="10515600" cy="4351338"/>
-          </a:xfrm>
-        </p:spPr>
-        <p:txBody>
-          <a:bodyPr/>
-          <a:lstStyle/>
-          <a:p>
-            <a:r>
-              <a:rPr lang="en-GB" dirty="0">
-                <a:latin typeface="Arial" panose="020B0604020202020204" pitchFamily="34" charset="0"/>
-                <a:cs typeface="Arial" panose="020B0604020202020204" pitchFamily="34" charset="0"/>
-              </a:rPr>
-              <a:t>Have to make three requests to different endpoints</a:t>
-            </a:r>
-          </a:p>
-          <a:p>
-            <a:endParaRPr lang="en-GB" dirty="0">
-              <a:latin typeface="Arial" panose="020B0604020202020204" pitchFamily="34" charset="0"/>
-              <a:cs typeface="Arial" panose="020B0604020202020204" pitchFamily="34" charset="0"/>
-            </a:endParaRPr>
-          </a:p>
-          <a:p>
-            <a:r>
-              <a:rPr lang="en-GB" dirty="0">
-                <a:latin typeface="Arial" panose="020B0604020202020204" pitchFamily="34" charset="0"/>
-                <a:cs typeface="Arial" panose="020B0604020202020204" pitchFamily="34" charset="0"/>
-              </a:rPr>
-              <a:t>You are also </a:t>
-            </a:r>
-            <a:r>
-              <a:rPr lang="en-GB" b="1" dirty="0" err="1">
-                <a:latin typeface="Arial" panose="020B0604020202020204" pitchFamily="34" charset="0"/>
-                <a:cs typeface="Arial" panose="020B0604020202020204" pitchFamily="34" charset="0"/>
-              </a:rPr>
-              <a:t>overfetching</a:t>
-            </a:r>
-            <a:r>
-              <a:rPr lang="en-GB" b="1" dirty="0">
-                <a:latin typeface="Arial" panose="020B0604020202020204" pitchFamily="34" charset="0"/>
-                <a:cs typeface="Arial" panose="020B0604020202020204" pitchFamily="34" charset="0"/>
-              </a:rPr>
-              <a:t> </a:t>
-            </a:r>
-            <a:r>
-              <a:rPr lang="en-GB" dirty="0">
-                <a:latin typeface="Arial" panose="020B0604020202020204" pitchFamily="34" charset="0"/>
-                <a:cs typeface="Arial" panose="020B0604020202020204" pitchFamily="34" charset="0"/>
-              </a:rPr>
-              <a:t>since the endpoints return additional information that is not needed.</a:t>
-            </a:r>
-            <a:endParaRPr lang="en-GB" b="1" dirty="0">
-              <a:latin typeface="Arial" panose="020B0604020202020204" pitchFamily="34" charset="0"/>
-              <a:cs typeface="Arial" panose="020B0604020202020204" pitchFamily="34" charset="0"/>
-            </a:endParaRPr>
-          </a:p>
-        </p:txBody>
-      </p:sp>
-      <p:pic>
-        <p:nvPicPr>
-          <p:cNvPr id="4" name="Content Placeholder 3">
-            <a:extLst>
-              <a:ext uri="{FF2B5EF4-FFF2-40B4-BE49-F238E27FC236}">
-                <a16:creationId xmlns:a16="http://schemas.microsoft.com/office/drawing/2014/main" id="{6091989B-9E71-4130-972D-312352B145EB}"/>
-              </a:ext>
-            </a:extLst>
-          </p:cNvPr>
-          <p:cNvPicPr>
-            <a:picLocks noChangeAspect="1"/>
-          </p:cNvPicPr>
-          <p:nvPr/>
-        </p:nvPicPr>
-        <p:blipFill>
-          <a:blip r:embed="rId2"/>
-          <a:stretch>
-            <a:fillRect/>
-          </a:stretch>
-        </p:blipFill>
-        <p:spPr>
-          <a:xfrm>
-            <a:off x="332506" y="4460231"/>
-            <a:ext cx="3470894" cy="1946495"/>
-          </a:xfrm>
-          <a:prstGeom prst="rect">
-            <a:avLst/>
-          </a:prstGeom>
-        </p:spPr>
-      </p:pic>
-      <p:pic>
-        <p:nvPicPr>
-          <p:cNvPr id="5" name="Picture 4">
-            <a:extLst>
-              <a:ext uri="{FF2B5EF4-FFF2-40B4-BE49-F238E27FC236}">
-                <a16:creationId xmlns:a16="http://schemas.microsoft.com/office/drawing/2014/main" id="{E427FBBA-18BC-498B-B3A2-44E6C4F37C48}"/>
-              </a:ext>
-            </a:extLst>
-          </p:cNvPr>
-          <p:cNvPicPr>
-            <a:picLocks noChangeAspect="1"/>
-          </p:cNvPicPr>
-          <p:nvPr/>
-        </p:nvPicPr>
-        <p:blipFill>
-          <a:blip r:embed="rId3"/>
-          <a:stretch>
-            <a:fillRect/>
-          </a:stretch>
-        </p:blipFill>
-        <p:spPr>
-          <a:xfrm>
-            <a:off x="4355390" y="4501850"/>
+            <a:off x="4404158" y="2953466"/>
             <a:ext cx="3470894" cy="1952378"/>
           </a:xfrm>
           <a:prstGeom prst="rect">
@@ -9946,7 +10455,7 @@
         </p:blipFill>
         <p:spPr>
           <a:xfrm>
-            <a:off x="8354524" y="4513725"/>
+            <a:off x="8384644" y="2934132"/>
             <a:ext cx="3470894" cy="1952378"/>
           </a:xfrm>
           <a:prstGeom prst="rect">
@@ -9954,6 +10463,44 @@
           </a:prstGeom>
         </p:spPr>
       </p:pic>
+      <p:sp>
+        <p:nvSpPr>
+          <p:cNvPr id="7" name="TextBox 6">
+            <a:extLst>
+              <a:ext uri="{FF2B5EF4-FFF2-40B4-BE49-F238E27FC236}">
+                <a16:creationId xmlns:a16="http://schemas.microsoft.com/office/drawing/2014/main" id="{DD57F518-2FAA-4C8B-A2CA-EE646116587C}"/>
+              </a:ext>
+            </a:extLst>
+          </p:cNvPr>
+          <p:cNvSpPr txBox="1"/>
+          <p:nvPr/>
+        </p:nvSpPr>
+        <p:spPr>
+          <a:xfrm>
+            <a:off x="411480" y="1304159"/>
+            <a:ext cx="6562344" cy="400110"/>
+          </a:xfrm>
+          <a:prstGeom prst="rect">
+            <a:avLst/>
+          </a:prstGeom>
+          <a:noFill/>
+        </p:spPr>
+        <p:txBody>
+          <a:bodyPr wrap="square" rtlCol="0">
+            <a:spAutoFit/>
+          </a:bodyPr>
+          <a:lstStyle/>
+          <a:p>
+            <a:r>
+              <a:rPr lang="en-GB" sz="2000" dirty="0">
+                <a:latin typeface="Arial" panose="020B0604020202020204" pitchFamily="34" charset="0"/>
+                <a:cs typeface="Arial" panose="020B0604020202020204" pitchFamily="34" charset="0"/>
+              </a:rPr>
+              <a:t>Have to make three requests to different endpoints:</a:t>
+            </a:r>
+          </a:p>
+        </p:txBody>
+      </p:sp>
     </p:spTree>
     <p:extLst>
       <p:ext uri="{BB962C8B-B14F-4D97-AF65-F5344CB8AC3E}">
@@ -9967,7 +10514,7 @@
 </p:sld>
 </file>
 
-<file path=ppt/slides/slide25.xml><?xml version="1.0" encoding="utf-8"?>
+<file path=ppt/slides/slide22.xml><?xml version="1.0" encoding="utf-8"?>
 <p:sld xmlns:a="http://schemas.openxmlformats.org/drawingml/2006/main" xmlns:r="http://schemas.openxmlformats.org/officeDocument/2006/relationships" xmlns:p="http://schemas.openxmlformats.org/presentationml/2006/main">
   <p:cSld>
     <p:spTree>
@@ -10078,7 +10625,7 @@
 </p:sld>
 </file>
 
-<file path=ppt/slides/slide26.xml><?xml version="1.0" encoding="utf-8"?>
+<file path=ppt/slides/slide23.xml><?xml version="1.0" encoding="utf-8"?>
 <p:sld xmlns:a="http://schemas.openxmlformats.org/drawingml/2006/main" xmlns:r="http://schemas.openxmlformats.org/officeDocument/2006/relationships" xmlns:p="http://schemas.openxmlformats.org/presentationml/2006/main">
   <p:cSld>
     <p:spTree>
@@ -10442,7 +10989,7 @@
 </p:sld>
 </file>
 
-<file path=ppt/slides/slide27.xml><?xml version="1.0" encoding="utf-8"?>
+<file path=ppt/slides/slide24.xml><?xml version="1.0" encoding="utf-8"?>
 <p:sld xmlns:a="http://schemas.openxmlformats.org/drawingml/2006/main" xmlns:r="http://schemas.openxmlformats.org/officeDocument/2006/relationships" xmlns:p="http://schemas.openxmlformats.org/presentationml/2006/main">
   <p:cSld>
     <p:spTree>
@@ -10606,7 +11153,7 @@
 </p:sld>
 </file>
 
-<file path=ppt/slides/slide28.xml><?xml version="1.0" encoding="utf-8"?>
+<file path=ppt/slides/slide25.xml><?xml version="1.0" encoding="utf-8"?>
 <p:sld xmlns:a="http://schemas.openxmlformats.org/drawingml/2006/main" xmlns:r="http://schemas.openxmlformats.org/officeDocument/2006/relationships" xmlns:p="http://schemas.openxmlformats.org/presentationml/2006/main">
   <p:cSld>
     <p:spTree>
@@ -10683,7 +11230,7 @@
 </p:sld>
 </file>
 
-<file path=ppt/slides/slide29.xml><?xml version="1.0" encoding="utf-8"?>
+<file path=ppt/slides/slide26.xml><?xml version="1.0" encoding="utf-8"?>
 <p:sld xmlns:a="http://schemas.openxmlformats.org/drawingml/2006/main" xmlns:r="http://schemas.openxmlformats.org/officeDocument/2006/relationships" xmlns:p="http://schemas.openxmlformats.org/presentationml/2006/main">
   <p:cSld>
     <p:spTree>
@@ -10963,466 +11510,7 @@
 </p:sld>
 </file>
 
-<file path=ppt/slides/slide3.xml><?xml version="1.0" encoding="utf-8"?>
-<p:sld xmlns:a="http://schemas.openxmlformats.org/drawingml/2006/main" xmlns:r="http://schemas.openxmlformats.org/officeDocument/2006/relationships" xmlns:p="http://schemas.openxmlformats.org/presentationml/2006/main">
-  <p:cSld>
-    <p:spTree>
-      <p:nvGrpSpPr>
-        <p:cNvPr id="1" name=""/>
-        <p:cNvGrpSpPr/>
-        <p:nvPr/>
-      </p:nvGrpSpPr>
-      <p:grpSpPr>
-        <a:xfrm>
-          <a:off x="0" y="0"/>
-          <a:ext cx="0" cy="0"/>
-          <a:chOff x="0" y="0"/>
-          <a:chExt cx="0" cy="0"/>
-        </a:xfrm>
-      </p:grpSpPr>
-      <p:sp>
-        <p:nvSpPr>
-          <p:cNvPr id="2" name="Title 1">
-            <a:extLst>
-              <a:ext uri="{FF2B5EF4-FFF2-40B4-BE49-F238E27FC236}">
-                <a16:creationId xmlns:a16="http://schemas.microsoft.com/office/drawing/2014/main" id="{1F25C1B4-9501-42C1-8603-CEB6C63094E9}"/>
-              </a:ext>
-            </a:extLst>
-          </p:cNvPr>
-          <p:cNvSpPr>
-            <a:spLocks noGrp="1"/>
-          </p:cNvSpPr>
-          <p:nvPr>
-            <p:ph type="title"/>
-          </p:nvPr>
-        </p:nvSpPr>
-        <p:spPr/>
-        <p:txBody>
-          <a:bodyPr>
-            <a:normAutofit/>
-          </a:bodyPr>
-          <a:lstStyle/>
-          <a:p>
-            <a:r>
-              <a:rPr lang="en-GB" sz="4000" b="1" dirty="0">
-                <a:latin typeface="Arial" panose="020B0604020202020204" pitchFamily="34" charset="0"/>
-                <a:cs typeface="Arial" panose="020B0604020202020204" pitchFamily="34" charset="0"/>
-              </a:rPr>
-              <a:t>What is </a:t>
-            </a:r>
-            <a:r>
-              <a:rPr lang="en-GB" sz="4000" b="1" dirty="0" err="1">
-                <a:latin typeface="Arial" panose="020B0604020202020204" pitchFamily="34" charset="0"/>
-                <a:cs typeface="Arial" panose="020B0604020202020204" pitchFamily="34" charset="0"/>
-              </a:rPr>
-              <a:t>GraphQL</a:t>
-            </a:r>
-            <a:endParaRPr lang="en-GB" sz="4000" b="1" dirty="0">
-              <a:latin typeface="Arial" panose="020B0604020202020204" pitchFamily="34" charset="0"/>
-              <a:cs typeface="Arial" panose="020B0604020202020204" pitchFamily="34" charset="0"/>
-            </a:endParaRPr>
-          </a:p>
-        </p:txBody>
-      </p:sp>
-      <p:sp>
-        <p:nvSpPr>
-          <p:cNvPr id="3" name="Content Placeholder 2">
-            <a:extLst>
-              <a:ext uri="{FF2B5EF4-FFF2-40B4-BE49-F238E27FC236}">
-                <a16:creationId xmlns:a16="http://schemas.microsoft.com/office/drawing/2014/main" id="{6B8C41F0-62B7-4E9C-8239-5307582A2381}"/>
-              </a:ext>
-            </a:extLst>
-          </p:cNvPr>
-          <p:cNvSpPr>
-            <a:spLocks noGrp="1"/>
-          </p:cNvSpPr>
-          <p:nvPr>
-            <p:ph idx="1"/>
-          </p:nvPr>
-        </p:nvSpPr>
-        <p:spPr>
-          <a:xfrm>
-            <a:off x="838200" y="1825625"/>
-            <a:ext cx="10515600" cy="4667250"/>
-          </a:xfrm>
-        </p:spPr>
-        <p:txBody>
-          <a:bodyPr>
-            <a:normAutofit/>
-          </a:bodyPr>
-          <a:lstStyle/>
-          <a:p>
-            <a:r>
-              <a:rPr lang="en-GB" sz="2000" dirty="0">
-                <a:latin typeface="Arial" panose="020B0604020202020204" pitchFamily="34" charset="0"/>
-                <a:cs typeface="Arial" panose="020B0604020202020204" pitchFamily="34" charset="0"/>
-              </a:rPr>
-              <a:t>A specification, developed by Facebook and open sourced in 2015</a:t>
-            </a:r>
-          </a:p>
-          <a:p>
-            <a:pPr marL="0" indent="0">
-              <a:buNone/>
-            </a:pPr>
-            <a:endParaRPr lang="en-GB" sz="2000" dirty="0">
-              <a:latin typeface="Arial" panose="020B0604020202020204" pitchFamily="34" charset="0"/>
-              <a:cs typeface="Arial" panose="020B0604020202020204" pitchFamily="34" charset="0"/>
-            </a:endParaRPr>
-          </a:p>
-          <a:p>
-            <a:r>
-              <a:rPr lang="en-GB" sz="2000" dirty="0">
-                <a:latin typeface="Arial" panose="020B0604020202020204" pitchFamily="34" charset="0"/>
-                <a:cs typeface="Arial" panose="020B0604020202020204" pitchFamily="34" charset="0"/>
-              </a:rPr>
-              <a:t>A query language for your API and server-side runtime for executing queries </a:t>
-            </a:r>
-          </a:p>
-          <a:p>
-            <a:endParaRPr lang="en-GB" sz="2000" dirty="0">
-              <a:latin typeface="Arial" panose="020B0604020202020204" pitchFamily="34" charset="0"/>
-              <a:cs typeface="Arial" panose="020B0604020202020204" pitchFamily="34" charset="0"/>
-            </a:endParaRPr>
-          </a:p>
-          <a:p>
-            <a:r>
-              <a:rPr lang="en-GB" sz="2000" dirty="0">
-                <a:latin typeface="Arial" panose="020B0604020202020204" pitchFamily="34" charset="0"/>
-                <a:cs typeface="Arial" panose="020B0604020202020204" pitchFamily="34" charset="0"/>
-              </a:rPr>
-              <a:t>Isn't tied to any specific database or storage engine </a:t>
-            </a:r>
-          </a:p>
-          <a:p>
-            <a:endParaRPr lang="en-GB" sz="2000" dirty="0">
-              <a:latin typeface="Arial" panose="020B0604020202020204" pitchFamily="34" charset="0"/>
-              <a:cs typeface="Arial" panose="020B0604020202020204" pitchFamily="34" charset="0"/>
-            </a:endParaRPr>
-          </a:p>
-          <a:p>
-            <a:r>
-              <a:rPr lang="en-GB" sz="2000" dirty="0">
-                <a:latin typeface="Arial" panose="020B0604020202020204" pitchFamily="34" charset="0"/>
-                <a:cs typeface="Arial" panose="020B0604020202020204" pitchFamily="34" charset="0"/>
-              </a:rPr>
-              <a:t>It can provide a more efficient, powerful and flexible alternative to REST</a:t>
-            </a:r>
-          </a:p>
-          <a:p>
-            <a:endParaRPr lang="en-GB" sz="2000" dirty="0">
-              <a:latin typeface="Arial" panose="020B0604020202020204" pitchFamily="34" charset="0"/>
-              <a:cs typeface="Arial" panose="020B0604020202020204" pitchFamily="34" charset="0"/>
-            </a:endParaRPr>
-          </a:p>
-          <a:p>
-            <a:r>
-              <a:rPr lang="en-GB" sz="2000" dirty="0">
-                <a:latin typeface="Arial" panose="020B0604020202020204" pitchFamily="34" charset="0"/>
-                <a:cs typeface="Arial" panose="020B0604020202020204" pitchFamily="34" charset="0"/>
-              </a:rPr>
-              <a:t>Supports reading, writing (mutating) and subscribing to changes to data (Realtime updates)</a:t>
-            </a:r>
-          </a:p>
-          <a:p>
-            <a:endParaRPr lang="en-GB" dirty="0">
-              <a:latin typeface="Arial" panose="020B0604020202020204" pitchFamily="34" charset="0"/>
-              <a:cs typeface="Arial" panose="020B0604020202020204" pitchFamily="34" charset="0"/>
-            </a:endParaRPr>
-          </a:p>
-          <a:p>
-            <a:endParaRPr lang="en-GB" dirty="0"/>
-          </a:p>
-        </p:txBody>
-      </p:sp>
-    </p:spTree>
-    <p:extLst>
-      <p:ext uri="{BB962C8B-B14F-4D97-AF65-F5344CB8AC3E}">
-        <p14:creationId xmlns:p14="http://schemas.microsoft.com/office/powerpoint/2010/main" val="1327652700"/>
-      </p:ext>
-    </p:extLst>
-  </p:cSld>
-  <p:clrMapOvr>
-    <a:masterClrMapping/>
-  </p:clrMapOvr>
-  <p:timing>
-    <p:tnLst>
-      <p:par>
-        <p:cTn id="1" dur="indefinite" restart="never" nodeType="tmRoot">
-          <p:childTnLst>
-            <p:seq concurrent="1" nextAc="seek">
-              <p:cTn id="2" dur="indefinite" nodeType="mainSeq">
-                <p:childTnLst>
-                  <p:par>
-                    <p:cTn id="3" fill="hold">
-                      <p:stCondLst>
-                        <p:cond delay="indefinite"/>
-                      </p:stCondLst>
-                      <p:childTnLst>
-                        <p:par>
-                          <p:cTn id="4" fill="hold">
-                            <p:stCondLst>
-                              <p:cond delay="0"/>
-                            </p:stCondLst>
-                            <p:childTnLst>
-                              <p:par>
-                                <p:cTn id="5" presetID="1" presetClass="entr" presetSubtype="0" fill="hold" nodeType="clickEffect">
-                                  <p:stCondLst>
-                                    <p:cond delay="0"/>
-                                  </p:stCondLst>
-                                  <p:childTnLst>
-                                    <p:set>
-                                      <p:cBhvr>
-                                        <p:cTn id="6" dur="1" fill="hold">
-                                          <p:stCondLst>
-                                            <p:cond delay="0"/>
-                                          </p:stCondLst>
-                                        </p:cTn>
-                                        <p:tgtEl>
-                                          <p:spTgt spid="3">
-                                            <p:txEl>
-                                              <p:pRg st="2" end="2"/>
-                                            </p:txEl>
-                                          </p:spTgt>
-                                        </p:tgtEl>
-                                        <p:attrNameLst>
-                                          <p:attrName>style.visibility</p:attrName>
-                                        </p:attrNameLst>
-                                      </p:cBhvr>
-                                      <p:to>
-                                        <p:strVal val="visible"/>
-                                      </p:to>
-                                    </p:set>
-                                  </p:childTnLst>
-                                </p:cTn>
-                              </p:par>
-                            </p:childTnLst>
-                          </p:cTn>
-                        </p:par>
-                      </p:childTnLst>
-                    </p:cTn>
-                  </p:par>
-                  <p:par>
-                    <p:cTn id="7" fill="hold">
-                      <p:stCondLst>
-                        <p:cond delay="indefinite"/>
-                      </p:stCondLst>
-                      <p:childTnLst>
-                        <p:par>
-                          <p:cTn id="8" fill="hold">
-                            <p:stCondLst>
-                              <p:cond delay="0"/>
-                            </p:stCondLst>
-                            <p:childTnLst>
-                              <p:par>
-                                <p:cTn id="9" presetID="1" presetClass="entr" presetSubtype="0" fill="hold" nodeType="clickEffect">
-                                  <p:stCondLst>
-                                    <p:cond delay="0"/>
-                                  </p:stCondLst>
-                                  <p:childTnLst>
-                                    <p:set>
-                                      <p:cBhvr>
-                                        <p:cTn id="10" dur="1" fill="hold">
-                                          <p:stCondLst>
-                                            <p:cond delay="0"/>
-                                          </p:stCondLst>
-                                        </p:cTn>
-                                        <p:tgtEl>
-                                          <p:spTgt spid="3">
-                                            <p:txEl>
-                                              <p:pRg st="4" end="4"/>
-                                            </p:txEl>
-                                          </p:spTgt>
-                                        </p:tgtEl>
-                                        <p:attrNameLst>
-                                          <p:attrName>style.visibility</p:attrName>
-                                        </p:attrNameLst>
-                                      </p:cBhvr>
-                                      <p:to>
-                                        <p:strVal val="visible"/>
-                                      </p:to>
-                                    </p:set>
-                                  </p:childTnLst>
-                                </p:cTn>
-                              </p:par>
-                            </p:childTnLst>
-                          </p:cTn>
-                        </p:par>
-                      </p:childTnLst>
-                    </p:cTn>
-                  </p:par>
-                  <p:par>
-                    <p:cTn id="11" fill="hold">
-                      <p:stCondLst>
-                        <p:cond delay="indefinite"/>
-                      </p:stCondLst>
-                      <p:childTnLst>
-                        <p:par>
-                          <p:cTn id="12" fill="hold">
-                            <p:stCondLst>
-                              <p:cond delay="0"/>
-                            </p:stCondLst>
-                            <p:childTnLst>
-                              <p:par>
-                                <p:cTn id="13" presetID="1" presetClass="entr" presetSubtype="0" fill="hold" nodeType="clickEffect">
-                                  <p:stCondLst>
-                                    <p:cond delay="0"/>
-                                  </p:stCondLst>
-                                  <p:childTnLst>
-                                    <p:set>
-                                      <p:cBhvr>
-                                        <p:cTn id="14" dur="1" fill="hold">
-                                          <p:stCondLst>
-                                            <p:cond delay="0"/>
-                                          </p:stCondLst>
-                                        </p:cTn>
-                                        <p:tgtEl>
-                                          <p:spTgt spid="3">
-                                            <p:txEl>
-                                              <p:pRg st="0" end="0"/>
-                                            </p:txEl>
-                                          </p:spTgt>
-                                        </p:tgtEl>
-                                        <p:attrNameLst>
-                                          <p:attrName>style.visibility</p:attrName>
-                                        </p:attrNameLst>
-                                      </p:cBhvr>
-                                      <p:to>
-                                        <p:strVal val="visible"/>
-                                      </p:to>
-                                    </p:set>
-                                  </p:childTnLst>
-                                </p:cTn>
-                              </p:par>
-                            </p:childTnLst>
-                          </p:cTn>
-                        </p:par>
-                      </p:childTnLst>
-                    </p:cTn>
-                  </p:par>
-                  <p:par>
-                    <p:cTn id="15" fill="hold">
-                      <p:stCondLst>
-                        <p:cond delay="indefinite"/>
-                      </p:stCondLst>
-                      <p:childTnLst>
-                        <p:par>
-                          <p:cTn id="16" fill="hold">
-                            <p:stCondLst>
-                              <p:cond delay="0"/>
-                            </p:stCondLst>
-                            <p:childTnLst>
-                              <p:par>
-                                <p:cTn id="17" presetID="1" presetClass="entr" presetSubtype="0" fill="hold" nodeType="clickEffect">
-                                  <p:stCondLst>
-                                    <p:cond delay="0"/>
-                                  </p:stCondLst>
-                                  <p:childTnLst>
-                                    <p:set>
-                                      <p:cBhvr>
-                                        <p:cTn id="18" dur="1" fill="hold">
-                                          <p:stCondLst>
-                                            <p:cond delay="0"/>
-                                          </p:stCondLst>
-                                        </p:cTn>
-                                        <p:tgtEl>
-                                          <p:spTgt spid="3">
-                                            <p:txEl>
-                                              <p:pRg st="6" end="6"/>
-                                            </p:txEl>
-                                          </p:spTgt>
-                                        </p:tgtEl>
-                                        <p:attrNameLst>
-                                          <p:attrName>style.visibility</p:attrName>
-                                        </p:attrNameLst>
-                                      </p:cBhvr>
-                                      <p:to>
-                                        <p:strVal val="visible"/>
-                                      </p:to>
-                                    </p:set>
-                                  </p:childTnLst>
-                                </p:cTn>
-                              </p:par>
-                            </p:childTnLst>
-                          </p:cTn>
-                        </p:par>
-                      </p:childTnLst>
-                    </p:cTn>
-                  </p:par>
-                  <p:par>
-                    <p:cTn id="19" fill="hold">
-                      <p:stCondLst>
-                        <p:cond delay="indefinite"/>
-                      </p:stCondLst>
-                      <p:childTnLst>
-                        <p:par>
-                          <p:cTn id="20" fill="hold">
-                            <p:stCondLst>
-                              <p:cond delay="0"/>
-                            </p:stCondLst>
-                            <p:childTnLst>
-                              <p:par>
-                                <p:cTn id="21" presetID="1" presetClass="entr" presetSubtype="0" fill="hold" nodeType="clickEffect">
-                                  <p:stCondLst>
-                                    <p:cond delay="0"/>
-                                  </p:stCondLst>
-                                  <p:childTnLst>
-                                    <p:set>
-                                      <p:cBhvr>
-                                        <p:cTn id="22" dur="1" fill="hold">
-                                          <p:stCondLst>
-                                            <p:cond delay="0"/>
-                                          </p:stCondLst>
-                                        </p:cTn>
-                                        <p:tgtEl>
-                                          <p:spTgt spid="3">
-                                            <p:txEl>
-                                              <p:pRg st="8" end="8"/>
-                                            </p:txEl>
-                                          </p:spTgt>
-                                        </p:tgtEl>
-                                        <p:attrNameLst>
-                                          <p:attrName>style.visibility</p:attrName>
-                                        </p:attrNameLst>
-                                      </p:cBhvr>
-                                      <p:to>
-                                        <p:strVal val="visible"/>
-                                      </p:to>
-                                    </p:set>
-                                  </p:childTnLst>
-                                </p:cTn>
-                              </p:par>
-                            </p:childTnLst>
-                          </p:cTn>
-                        </p:par>
-                      </p:childTnLst>
-                    </p:cTn>
-                  </p:par>
-                </p:childTnLst>
-              </p:cTn>
-              <p:prevCondLst>
-                <p:cond evt="onPrev" delay="0">
-                  <p:tgtEl>
-                    <p:sldTgt/>
-                  </p:tgtEl>
-                </p:cond>
-              </p:prevCondLst>
-              <p:nextCondLst>
-                <p:cond evt="onNext" delay="0">
-                  <p:tgtEl>
-                    <p:sldTgt/>
-                  </p:tgtEl>
-                </p:cond>
-              </p:nextCondLst>
-            </p:seq>
-          </p:childTnLst>
-        </p:cTn>
-      </p:par>
-    </p:tnLst>
-  </p:timing>
-</p:sld>
-</file>
-
-<file path=ppt/slides/slide30.xml><?xml version="1.0" encoding="utf-8"?>
+<file path=ppt/slides/slide27.xml><?xml version="1.0" encoding="utf-8"?>
 <p:sld xmlns:a="http://schemas.openxmlformats.org/drawingml/2006/main" xmlns:r="http://schemas.openxmlformats.org/officeDocument/2006/relationships" xmlns:p="http://schemas.openxmlformats.org/presentationml/2006/main">
   <p:cSld>
     <p:spTree>
@@ -11810,7 +11898,7 @@
 </p:sld>
 </file>
 
-<file path=ppt/slides/slide31.xml><?xml version="1.0" encoding="utf-8"?>
+<file path=ppt/slides/slide28.xml><?xml version="1.0" encoding="utf-8"?>
 <p:sld xmlns:a="http://schemas.openxmlformats.org/drawingml/2006/main" xmlns:r="http://schemas.openxmlformats.org/officeDocument/2006/relationships" xmlns:p="http://schemas.openxmlformats.org/presentationml/2006/main">
   <p:cSld>
     <p:spTree>
@@ -11935,7 +12023,7 @@
 </p:sld>
 </file>
 
-<file path=ppt/slides/slide32.xml><?xml version="1.0" encoding="utf-8"?>
+<file path=ppt/slides/slide29.xml><?xml version="1.0" encoding="utf-8"?>
 <p:sld xmlns:a="http://schemas.openxmlformats.org/drawingml/2006/main" xmlns:r="http://schemas.openxmlformats.org/officeDocument/2006/relationships" xmlns:p="http://schemas.openxmlformats.org/presentationml/2006/main">
   <p:cSld>
     <p:spTree>
@@ -11957,7 +12045,7 @@
           <p:cNvPr id="2" name="Title 1">
             <a:extLst>
               <a:ext uri="{FF2B5EF4-FFF2-40B4-BE49-F238E27FC236}">
-                <a16:creationId xmlns:a16="http://schemas.microsoft.com/office/drawing/2014/main" id="{9CDF0D2A-81E2-4D08-B78E-FBEF9039EB1B}"/>
+                <a16:creationId xmlns:a16="http://schemas.microsoft.com/office/drawing/2014/main" id="{5025B909-8380-407F-98D1-5BBA276DF1B7}"/>
               </a:ext>
             </a:extLst>
           </p:cNvPr>
@@ -11976,158 +12064,11 @@
           <a:lstStyle/>
           <a:p>
             <a:r>
-              <a:rPr lang="en-GB" sz="4000" b="1" dirty="0" err="1">
-                <a:latin typeface="Arial" panose="020B0604020202020204" pitchFamily="34" charset="0"/>
-                <a:cs typeface="Arial" panose="020B0604020202020204" pitchFamily="34" charset="0"/>
-              </a:rPr>
-              <a:t>GraphQL</a:t>
-            </a:r>
-            <a:r>
               <a:rPr lang="en-GB" sz="4000" b="1" dirty="0">
                 <a:latin typeface="Arial" panose="020B0604020202020204" pitchFamily="34" charset="0"/>
                 <a:cs typeface="Arial" panose="020B0604020202020204" pitchFamily="34" charset="0"/>
               </a:rPr>
-              <a:t> Server Libraries</a:t>
-            </a:r>
-            <a:endParaRPr lang="en-GB" sz="4000" dirty="0"/>
-          </a:p>
-        </p:txBody>
-      </p:sp>
-      <p:sp>
-        <p:nvSpPr>
-          <p:cNvPr id="3" name="Content Placeholder 2">
-            <a:extLst>
-              <a:ext uri="{FF2B5EF4-FFF2-40B4-BE49-F238E27FC236}">
-                <a16:creationId xmlns:a16="http://schemas.microsoft.com/office/drawing/2014/main" id="{EA078A30-DC29-45F8-96F9-AD31D1126AFA}"/>
-              </a:ext>
-            </a:extLst>
-          </p:cNvPr>
-          <p:cNvSpPr>
-            <a:spLocks noGrp="1"/>
-          </p:cNvSpPr>
-          <p:nvPr>
-            <p:ph idx="1"/>
-          </p:nvPr>
-        </p:nvSpPr>
-        <p:spPr>
-          <a:xfrm>
-            <a:off x="838200" y="1445614"/>
-            <a:ext cx="10515600" cy="4351338"/>
-          </a:xfrm>
-        </p:spPr>
-        <p:txBody>
-          <a:bodyPr>
-            <a:normAutofit/>
-          </a:bodyPr>
-          <a:lstStyle/>
-          <a:p>
-            <a:pPr marL="0" indent="0">
-              <a:buNone/>
-            </a:pPr>
-            <a:r>
-              <a:rPr lang="en-GB" sz="2000" dirty="0">
-                <a:latin typeface="Arial" panose="020B0604020202020204" pitchFamily="34" charset="0"/>
-                <a:cs typeface="Arial" panose="020B0604020202020204" pitchFamily="34" charset="0"/>
-              </a:rPr>
-              <a:t>As </a:t>
-            </a:r>
-            <a:r>
-              <a:rPr lang="en-GB" sz="2000" dirty="0" err="1">
-                <a:latin typeface="Arial" panose="020B0604020202020204" pitchFamily="34" charset="0"/>
-                <a:cs typeface="Arial" panose="020B0604020202020204" pitchFamily="34" charset="0"/>
-              </a:rPr>
-              <a:t>GraphQL</a:t>
-            </a:r>
-            <a:r>
-              <a:rPr lang="en-GB" sz="2000" dirty="0">
-                <a:latin typeface="Arial" panose="020B0604020202020204" pitchFamily="34" charset="0"/>
-                <a:cs typeface="Arial" panose="020B0604020202020204" pitchFamily="34" charset="0"/>
-              </a:rPr>
-              <a:t> is a </a:t>
-            </a:r>
-            <a:r>
-              <a:rPr lang="en-GB" sz="2000" b="1" dirty="0">
-                <a:latin typeface="Arial" panose="020B0604020202020204" pitchFamily="34" charset="0"/>
-                <a:cs typeface="Arial" panose="020B0604020202020204" pitchFamily="34" charset="0"/>
-              </a:rPr>
-              <a:t>specification</a:t>
-            </a:r>
-            <a:r>
-              <a:rPr lang="en-GB" sz="2000" dirty="0">
-                <a:latin typeface="Arial" panose="020B0604020202020204" pitchFamily="34" charset="0"/>
-                <a:cs typeface="Arial" panose="020B0604020202020204" pitchFamily="34" charset="0"/>
-              </a:rPr>
-              <a:t> you can find server libraries to help you implement </a:t>
-            </a:r>
-            <a:r>
-              <a:rPr lang="en-GB" sz="2000" dirty="0" err="1">
-                <a:latin typeface="Arial" panose="020B0604020202020204" pitchFamily="34" charset="0"/>
-                <a:cs typeface="Arial" panose="020B0604020202020204" pitchFamily="34" charset="0"/>
-              </a:rPr>
-              <a:t>GraphQL</a:t>
-            </a:r>
-            <a:r>
-              <a:rPr lang="en-GB" sz="2000" dirty="0">
-                <a:latin typeface="Arial" panose="020B0604020202020204" pitchFamily="34" charset="0"/>
-                <a:cs typeface="Arial" panose="020B0604020202020204" pitchFamily="34" charset="0"/>
-              </a:rPr>
-              <a:t> in a variety of languages including:</a:t>
-            </a:r>
-          </a:p>
-          <a:p>
-            <a:pPr marL="0" indent="0">
-              <a:buNone/>
-            </a:pPr>
-            <a:endParaRPr lang="en-GB" sz="2000" dirty="0">
-              <a:latin typeface="Arial" panose="020B0604020202020204" pitchFamily="34" charset="0"/>
-              <a:cs typeface="Arial" panose="020B0604020202020204" pitchFamily="34" charset="0"/>
-            </a:endParaRPr>
-          </a:p>
-          <a:p>
-            <a:pPr marL="0" indent="0">
-              <a:buNone/>
-            </a:pPr>
-            <a:r>
-              <a:rPr lang="en-GB" sz="2000" dirty="0">
-                <a:latin typeface="Arial" panose="020B0604020202020204" pitchFamily="34" charset="0"/>
-                <a:cs typeface="Arial" panose="020B0604020202020204" pitchFamily="34" charset="0"/>
-              </a:rPr>
-              <a:t>C# / .NET, Clojure, Elixir, Erlang, </a:t>
-            </a:r>
-            <a:r>
-              <a:rPr lang="en-GB" sz="2000" dirty="0" err="1">
-                <a:latin typeface="Arial" panose="020B0604020202020204" pitchFamily="34" charset="0"/>
-                <a:cs typeface="Arial" panose="020B0604020202020204" pitchFamily="34" charset="0"/>
-              </a:rPr>
-              <a:t>Go,Groovy</a:t>
-            </a:r>
-            <a:r>
-              <a:rPr lang="en-GB" sz="2000" dirty="0">
-                <a:latin typeface="Arial" panose="020B0604020202020204" pitchFamily="34" charset="0"/>
-                <a:cs typeface="Arial" panose="020B0604020202020204" pitchFamily="34" charset="0"/>
-              </a:rPr>
-              <a:t>, Java, JavaScript, PHP, Python, Scala, Ruby</a:t>
-            </a:r>
-          </a:p>
-          <a:p>
-            <a:pPr marL="0" indent="0">
-              <a:buNone/>
-            </a:pPr>
-            <a:endParaRPr lang="en-GB" sz="2000" dirty="0">
-              <a:latin typeface="Arial" panose="020B0604020202020204" pitchFamily="34" charset="0"/>
-              <a:cs typeface="Arial" panose="020B0604020202020204" pitchFamily="34" charset="0"/>
-            </a:endParaRPr>
-          </a:p>
-          <a:p>
-            <a:pPr marL="0" indent="0">
-              <a:buNone/>
-            </a:pPr>
-            <a:r>
-              <a:rPr lang="en-GB" sz="2000" dirty="0">
-                <a:latin typeface="Arial" panose="020B0604020202020204" pitchFamily="34" charset="0"/>
-                <a:cs typeface="Arial" panose="020B0604020202020204" pitchFamily="34" charset="0"/>
-              </a:rPr>
-              <a:t> </a:t>
+              <a:t>Thank You For Listening</a:t>
             </a:r>
           </a:p>
         </p:txBody>
@@ -12135,7 +12076,7 @@
     </p:spTree>
     <p:extLst>
       <p:ext uri="{BB962C8B-B14F-4D97-AF65-F5344CB8AC3E}">
-        <p14:creationId xmlns:p14="http://schemas.microsoft.com/office/powerpoint/2010/main" val="268548884"/>
+        <p14:creationId xmlns:p14="http://schemas.microsoft.com/office/powerpoint/2010/main" val="360220739"/>
       </p:ext>
     </p:extLst>
   </p:cSld>
@@ -12145,7 +12086,7 @@
 </p:sld>
 </file>
 
-<file path=ppt/slides/slide33.xml><?xml version="1.0" encoding="utf-8"?>
+<file path=ppt/slides/slide3.xml><?xml version="1.0" encoding="utf-8"?>
 <p:sld xmlns:a="http://schemas.openxmlformats.org/drawingml/2006/main" xmlns:r="http://schemas.openxmlformats.org/officeDocument/2006/relationships" xmlns:p="http://schemas.openxmlformats.org/presentationml/2006/main">
   <p:cSld>
     <p:spTree>
@@ -12167,7 +12108,7 @@
           <p:cNvPr id="2" name="Title 1">
             <a:extLst>
               <a:ext uri="{FF2B5EF4-FFF2-40B4-BE49-F238E27FC236}">
-                <a16:creationId xmlns:a16="http://schemas.microsoft.com/office/drawing/2014/main" id="{5025B909-8380-407F-98D1-5BBA276DF1B7}"/>
+                <a16:creationId xmlns:a16="http://schemas.microsoft.com/office/drawing/2014/main" id="{1F25C1B4-9501-42C1-8603-CEB6C63094E9}"/>
               </a:ext>
             </a:extLst>
           </p:cNvPr>
@@ -12190,25 +12131,421 @@
                 <a:latin typeface="Arial" panose="020B0604020202020204" pitchFamily="34" charset="0"/>
                 <a:cs typeface="Arial" panose="020B0604020202020204" pitchFamily="34" charset="0"/>
               </a:rPr>
-              <a:t>Thank You For Listening</a:t>
-            </a:r>
+              <a:t>What is </a:t>
+            </a:r>
+            <a:r>
+              <a:rPr lang="en-GB" sz="4000" b="1" dirty="0" err="1">
+                <a:latin typeface="Arial" panose="020B0604020202020204" pitchFamily="34" charset="0"/>
+                <a:cs typeface="Arial" panose="020B0604020202020204" pitchFamily="34" charset="0"/>
+              </a:rPr>
+              <a:t>GraphQL</a:t>
+            </a:r>
+            <a:endParaRPr lang="en-GB" sz="4000" b="1" dirty="0">
+              <a:latin typeface="Arial" panose="020B0604020202020204" pitchFamily="34" charset="0"/>
+              <a:cs typeface="Arial" panose="020B0604020202020204" pitchFamily="34" charset="0"/>
+            </a:endParaRPr>
+          </a:p>
+        </p:txBody>
+      </p:sp>
+      <p:sp>
+        <p:nvSpPr>
+          <p:cNvPr id="3" name="Content Placeholder 2">
+            <a:extLst>
+              <a:ext uri="{FF2B5EF4-FFF2-40B4-BE49-F238E27FC236}">
+                <a16:creationId xmlns:a16="http://schemas.microsoft.com/office/drawing/2014/main" id="{6B8C41F0-62B7-4E9C-8239-5307582A2381}"/>
+              </a:ext>
+            </a:extLst>
+          </p:cNvPr>
+          <p:cNvSpPr>
+            <a:spLocks noGrp="1"/>
+          </p:cNvSpPr>
+          <p:nvPr>
+            <p:ph idx="1"/>
+          </p:nvPr>
+        </p:nvSpPr>
+        <p:spPr>
+          <a:xfrm>
+            <a:off x="838200" y="1825625"/>
+            <a:ext cx="10515600" cy="4667250"/>
+          </a:xfrm>
+        </p:spPr>
+        <p:txBody>
+          <a:bodyPr>
+            <a:normAutofit/>
+          </a:bodyPr>
+          <a:lstStyle/>
+          <a:p>
+            <a:r>
+              <a:rPr lang="en-GB" sz="2000" dirty="0">
+                <a:latin typeface="Arial" panose="020B0604020202020204" pitchFamily="34" charset="0"/>
+                <a:cs typeface="Arial" panose="020B0604020202020204" pitchFamily="34" charset="0"/>
+              </a:rPr>
+              <a:t>A specification, developed by Facebook and open sourced in 2015</a:t>
+            </a:r>
+          </a:p>
+          <a:p>
+            <a:pPr marL="0" indent="0">
+              <a:buNone/>
+            </a:pPr>
+            <a:endParaRPr lang="en-GB" sz="2000" dirty="0">
+              <a:latin typeface="Arial" panose="020B0604020202020204" pitchFamily="34" charset="0"/>
+              <a:cs typeface="Arial" panose="020B0604020202020204" pitchFamily="34" charset="0"/>
+            </a:endParaRPr>
+          </a:p>
+          <a:p>
+            <a:r>
+              <a:rPr lang="en-GB" sz="2000" dirty="0">
+                <a:latin typeface="Arial" panose="020B0604020202020204" pitchFamily="34" charset="0"/>
+                <a:cs typeface="Arial" panose="020B0604020202020204" pitchFamily="34" charset="0"/>
+              </a:rPr>
+              <a:t>A query language for your API and server-side runtime for executing API calls </a:t>
+            </a:r>
+          </a:p>
+          <a:p>
+            <a:endParaRPr lang="en-GB" sz="2000" dirty="0">
+              <a:latin typeface="Arial" panose="020B0604020202020204" pitchFamily="34" charset="0"/>
+              <a:cs typeface="Arial" panose="020B0604020202020204" pitchFamily="34" charset="0"/>
+            </a:endParaRPr>
+          </a:p>
+          <a:p>
+            <a:r>
+              <a:rPr lang="en-GB" sz="2000" dirty="0">
+                <a:latin typeface="Arial" panose="020B0604020202020204" pitchFamily="34" charset="0"/>
+                <a:cs typeface="Arial" panose="020B0604020202020204" pitchFamily="34" charset="0"/>
+              </a:rPr>
+              <a:t>Isn't tied to any specific database or storage engine </a:t>
+            </a:r>
+          </a:p>
+          <a:p>
+            <a:endParaRPr lang="en-GB" sz="2000" dirty="0">
+              <a:latin typeface="Arial" panose="020B0604020202020204" pitchFamily="34" charset="0"/>
+              <a:cs typeface="Arial" panose="020B0604020202020204" pitchFamily="34" charset="0"/>
+            </a:endParaRPr>
+          </a:p>
+          <a:p>
+            <a:r>
+              <a:rPr lang="en-GB" sz="2000" dirty="0">
+                <a:latin typeface="Arial" panose="020B0604020202020204" pitchFamily="34" charset="0"/>
+                <a:cs typeface="Arial" panose="020B0604020202020204" pitchFamily="34" charset="0"/>
+              </a:rPr>
+              <a:t>It can provide a more efficient, powerful and flexible alternative to REST</a:t>
+            </a:r>
+          </a:p>
+          <a:p>
+            <a:endParaRPr lang="en-GB" sz="2000" dirty="0">
+              <a:latin typeface="Arial" panose="020B0604020202020204" pitchFamily="34" charset="0"/>
+              <a:cs typeface="Arial" panose="020B0604020202020204" pitchFamily="34" charset="0"/>
+            </a:endParaRPr>
+          </a:p>
+          <a:p>
+            <a:r>
+              <a:rPr lang="en-GB" sz="2000" dirty="0">
+                <a:latin typeface="Arial" panose="020B0604020202020204" pitchFamily="34" charset="0"/>
+                <a:cs typeface="Arial" panose="020B0604020202020204" pitchFamily="34" charset="0"/>
+              </a:rPr>
+              <a:t>Supports reading, writing (mutating) and subscribing to changes to data (Realtime updates)</a:t>
+            </a:r>
+          </a:p>
+          <a:p>
+            <a:endParaRPr lang="en-GB" dirty="0">
+              <a:latin typeface="Arial" panose="020B0604020202020204" pitchFamily="34" charset="0"/>
+              <a:cs typeface="Arial" panose="020B0604020202020204" pitchFamily="34" charset="0"/>
+            </a:endParaRPr>
+          </a:p>
+          <a:p>
+            <a:endParaRPr lang="en-GB" dirty="0"/>
           </a:p>
         </p:txBody>
       </p:sp>
     </p:spTree>
     <p:extLst>
       <p:ext uri="{BB962C8B-B14F-4D97-AF65-F5344CB8AC3E}">
-        <p14:creationId xmlns:p14="http://schemas.microsoft.com/office/powerpoint/2010/main" val="360220739"/>
+        <p14:creationId xmlns:p14="http://schemas.microsoft.com/office/powerpoint/2010/main" val="1327652700"/>
       </p:ext>
     </p:extLst>
   </p:cSld>
   <p:clrMapOvr>
     <a:masterClrMapping/>
   </p:clrMapOvr>
+  <p:timing>
+    <p:tnLst>
+      <p:par>
+        <p:cTn id="1" dur="indefinite" restart="never" nodeType="tmRoot">
+          <p:childTnLst>
+            <p:seq concurrent="1" nextAc="seek">
+              <p:cTn id="2" dur="indefinite" nodeType="mainSeq">
+                <p:childTnLst>
+                  <p:par>
+                    <p:cTn id="3" fill="hold">
+                      <p:stCondLst>
+                        <p:cond delay="indefinite"/>
+                      </p:stCondLst>
+                      <p:childTnLst>
+                        <p:par>
+                          <p:cTn id="4" fill="hold">
+                            <p:stCondLst>
+                              <p:cond delay="0"/>
+                            </p:stCondLst>
+                            <p:childTnLst>
+                              <p:par>
+                                <p:cTn id="5" presetID="1" presetClass="entr" presetSubtype="0" fill="hold" nodeType="clickEffect">
+                                  <p:stCondLst>
+                                    <p:cond delay="0"/>
+                                  </p:stCondLst>
+                                  <p:childTnLst>
+                                    <p:set>
+                                      <p:cBhvr>
+                                        <p:cTn id="6" dur="1" fill="hold">
+                                          <p:stCondLst>
+                                            <p:cond delay="0"/>
+                                          </p:stCondLst>
+                                        </p:cTn>
+                                        <p:tgtEl>
+                                          <p:spTgt spid="3">
+                                            <p:txEl>
+                                              <p:pRg st="0" end="0"/>
+                                            </p:txEl>
+                                          </p:spTgt>
+                                        </p:tgtEl>
+                                        <p:attrNameLst>
+                                          <p:attrName>style.visibility</p:attrName>
+                                        </p:attrNameLst>
+                                      </p:cBhvr>
+                                      <p:to>
+                                        <p:strVal val="visible"/>
+                                      </p:to>
+                                    </p:set>
+                                  </p:childTnLst>
+                                </p:cTn>
+                              </p:par>
+                            </p:childTnLst>
+                          </p:cTn>
+                        </p:par>
+                      </p:childTnLst>
+                    </p:cTn>
+                  </p:par>
+                  <p:par>
+                    <p:cTn id="7" fill="hold">
+                      <p:stCondLst>
+                        <p:cond delay="indefinite"/>
+                      </p:stCondLst>
+                      <p:childTnLst>
+                        <p:par>
+                          <p:cTn id="8" fill="hold">
+                            <p:stCondLst>
+                              <p:cond delay="0"/>
+                            </p:stCondLst>
+                            <p:childTnLst>
+                              <p:par>
+                                <p:cTn id="9" presetID="1" presetClass="entr" presetSubtype="0" fill="hold" nodeType="clickEffect">
+                                  <p:stCondLst>
+                                    <p:cond delay="0"/>
+                                  </p:stCondLst>
+                                  <p:childTnLst>
+                                    <p:set>
+                                      <p:cBhvr>
+                                        <p:cTn id="10" dur="1" fill="hold">
+                                          <p:stCondLst>
+                                            <p:cond delay="0"/>
+                                          </p:stCondLst>
+                                        </p:cTn>
+                                        <p:tgtEl>
+                                          <p:spTgt spid="3">
+                                            <p:txEl>
+                                              <p:pRg st="2" end="2"/>
+                                            </p:txEl>
+                                          </p:spTgt>
+                                        </p:tgtEl>
+                                        <p:attrNameLst>
+                                          <p:attrName>style.visibility</p:attrName>
+                                        </p:attrNameLst>
+                                      </p:cBhvr>
+                                      <p:to>
+                                        <p:strVal val="visible"/>
+                                      </p:to>
+                                    </p:set>
+                                  </p:childTnLst>
+                                </p:cTn>
+                              </p:par>
+                            </p:childTnLst>
+                          </p:cTn>
+                        </p:par>
+                      </p:childTnLst>
+                    </p:cTn>
+                  </p:par>
+                  <p:par>
+                    <p:cTn id="11" fill="hold">
+                      <p:stCondLst>
+                        <p:cond delay="indefinite"/>
+                      </p:stCondLst>
+                      <p:childTnLst>
+                        <p:par>
+                          <p:cTn id="12" fill="hold">
+                            <p:stCondLst>
+                              <p:cond delay="0"/>
+                            </p:stCondLst>
+                            <p:childTnLst>
+                              <p:par>
+                                <p:cTn id="13" presetID="1" presetClass="entr" presetSubtype="0" fill="hold" nodeType="clickEffect">
+                                  <p:stCondLst>
+                                    <p:cond delay="0"/>
+                                  </p:stCondLst>
+                                  <p:childTnLst>
+                                    <p:set>
+                                      <p:cBhvr>
+                                        <p:cTn id="14" dur="1" fill="hold">
+                                          <p:stCondLst>
+                                            <p:cond delay="0"/>
+                                          </p:stCondLst>
+                                        </p:cTn>
+                                        <p:tgtEl>
+                                          <p:spTgt spid="3">
+                                            <p:txEl>
+                                              <p:pRg st="4" end="4"/>
+                                            </p:txEl>
+                                          </p:spTgt>
+                                        </p:tgtEl>
+                                        <p:attrNameLst>
+                                          <p:attrName>style.visibility</p:attrName>
+                                        </p:attrNameLst>
+                                      </p:cBhvr>
+                                      <p:to>
+                                        <p:strVal val="visible"/>
+                                      </p:to>
+                                    </p:set>
+                                  </p:childTnLst>
+                                </p:cTn>
+                              </p:par>
+                            </p:childTnLst>
+                          </p:cTn>
+                        </p:par>
+                      </p:childTnLst>
+                    </p:cTn>
+                  </p:par>
+                  <p:par>
+                    <p:cTn id="15" fill="hold">
+                      <p:stCondLst>
+                        <p:cond delay="indefinite"/>
+                      </p:stCondLst>
+                      <p:childTnLst>
+                        <p:par>
+                          <p:cTn id="16" fill="hold">
+                            <p:stCondLst>
+                              <p:cond delay="0"/>
+                            </p:stCondLst>
+                            <p:childTnLst>
+                              <p:par>
+                                <p:cTn id="17" presetID="1" presetClass="entr" presetSubtype="0" fill="hold" nodeType="clickEffect">
+                                  <p:stCondLst>
+                                    <p:cond delay="0"/>
+                                  </p:stCondLst>
+                                  <p:childTnLst>
+                                    <p:set>
+                                      <p:cBhvr>
+                                        <p:cTn id="18" dur="1" fill="hold">
+                                          <p:stCondLst>
+                                            <p:cond delay="0"/>
+                                          </p:stCondLst>
+                                        </p:cTn>
+                                        <p:tgtEl>
+                                          <p:spTgt spid="3">
+                                            <p:txEl>
+                                              <p:pRg st="6" end="6"/>
+                                            </p:txEl>
+                                          </p:spTgt>
+                                        </p:tgtEl>
+                                        <p:attrNameLst>
+                                          <p:attrName>style.visibility</p:attrName>
+                                        </p:attrNameLst>
+                                      </p:cBhvr>
+                                      <p:to>
+                                        <p:strVal val="visible"/>
+                                      </p:to>
+                                    </p:set>
+                                  </p:childTnLst>
+                                </p:cTn>
+                              </p:par>
+                            </p:childTnLst>
+                          </p:cTn>
+                        </p:par>
+                      </p:childTnLst>
+                    </p:cTn>
+                  </p:par>
+                  <p:par>
+                    <p:cTn id="19" fill="hold">
+                      <p:stCondLst>
+                        <p:cond delay="indefinite"/>
+                      </p:stCondLst>
+                      <p:childTnLst>
+                        <p:par>
+                          <p:cTn id="20" fill="hold">
+                            <p:stCondLst>
+                              <p:cond delay="0"/>
+                            </p:stCondLst>
+                            <p:childTnLst>
+                              <p:par>
+                                <p:cTn id="21" presetID="1" presetClass="entr" presetSubtype="0" fill="hold" nodeType="clickEffect">
+                                  <p:stCondLst>
+                                    <p:cond delay="0"/>
+                                  </p:stCondLst>
+                                  <p:childTnLst>
+                                    <p:set>
+                                      <p:cBhvr>
+                                        <p:cTn id="22" dur="1" fill="hold">
+                                          <p:stCondLst>
+                                            <p:cond delay="0"/>
+                                          </p:stCondLst>
+                                        </p:cTn>
+                                        <p:tgtEl>
+                                          <p:spTgt spid="3">
+                                            <p:txEl>
+                                              <p:pRg st="8" end="8"/>
+                                            </p:txEl>
+                                          </p:spTgt>
+                                        </p:tgtEl>
+                                        <p:attrNameLst>
+                                          <p:attrName>style.visibility</p:attrName>
+                                        </p:attrNameLst>
+                                      </p:cBhvr>
+                                      <p:to>
+                                        <p:strVal val="visible"/>
+                                      </p:to>
+                                    </p:set>
+                                  </p:childTnLst>
+                                </p:cTn>
+                              </p:par>
+                            </p:childTnLst>
+                          </p:cTn>
+                        </p:par>
+                      </p:childTnLst>
+                    </p:cTn>
+                  </p:par>
+                </p:childTnLst>
+              </p:cTn>
+              <p:prevCondLst>
+                <p:cond evt="onPrev" delay="0">
+                  <p:tgtEl>
+                    <p:sldTgt/>
+                  </p:tgtEl>
+                </p:cond>
+              </p:prevCondLst>
+              <p:nextCondLst>
+                <p:cond evt="onNext" delay="0">
+                  <p:tgtEl>
+                    <p:sldTgt/>
+                  </p:tgtEl>
+                </p:cond>
+              </p:nextCondLst>
+            </p:seq>
+          </p:childTnLst>
+        </p:cTn>
+      </p:par>
+    </p:tnLst>
+  </p:timing>
 </p:sld>
 </file>
 
-<file path=ppt/slides/slide34.xml><?xml version="1.0" encoding="utf-8"?>
+<file path=ppt/slides/slide30.xml><?xml version="1.0" encoding="utf-8"?>
 <p:sld xmlns:a="http://schemas.openxmlformats.org/drawingml/2006/main" xmlns:r="http://schemas.openxmlformats.org/officeDocument/2006/relationships" xmlns:p="http://schemas.openxmlformats.org/presentationml/2006/main">
   <p:cSld>
     <p:spTree>
@@ -12262,6 +12599,441 @@
     <p:extLst>
       <p:ext uri="{BB962C8B-B14F-4D97-AF65-F5344CB8AC3E}">
         <p14:creationId xmlns:p14="http://schemas.microsoft.com/office/powerpoint/2010/main" val="1184689899"/>
+      </p:ext>
+    </p:extLst>
+  </p:cSld>
+  <p:clrMapOvr>
+    <a:masterClrMapping/>
+  </p:clrMapOvr>
+</p:sld>
+</file>
+
+<file path=ppt/slides/slide31.xml><?xml version="1.0" encoding="utf-8"?>
+<p:sld xmlns:a="http://schemas.openxmlformats.org/drawingml/2006/main" xmlns:r="http://schemas.openxmlformats.org/officeDocument/2006/relationships" xmlns:p="http://schemas.openxmlformats.org/presentationml/2006/main" show="0">
+  <p:cSld>
+    <p:spTree>
+      <p:nvGrpSpPr>
+        <p:cNvPr id="1" name=""/>
+        <p:cNvGrpSpPr/>
+        <p:nvPr/>
+      </p:nvGrpSpPr>
+      <p:grpSpPr>
+        <a:xfrm>
+          <a:off x="0" y="0"/>
+          <a:ext cx="0" cy="0"/>
+          <a:chOff x="0" y="0"/>
+          <a:chExt cx="0" cy="0"/>
+        </a:xfrm>
+      </p:grpSpPr>
+      <p:sp>
+        <p:nvSpPr>
+          <p:cNvPr id="2" name="Title 1">
+            <a:extLst>
+              <a:ext uri="{FF2B5EF4-FFF2-40B4-BE49-F238E27FC236}">
+                <a16:creationId xmlns:a16="http://schemas.microsoft.com/office/drawing/2014/main" id="{9CDF0D2A-81E2-4D08-B78E-FBEF9039EB1B}"/>
+              </a:ext>
+            </a:extLst>
+          </p:cNvPr>
+          <p:cNvSpPr>
+            <a:spLocks noGrp="1"/>
+          </p:cNvSpPr>
+          <p:nvPr>
+            <p:ph type="title"/>
+          </p:nvPr>
+        </p:nvSpPr>
+        <p:spPr/>
+        <p:txBody>
+          <a:bodyPr>
+            <a:normAutofit/>
+          </a:bodyPr>
+          <a:lstStyle/>
+          <a:p>
+            <a:r>
+              <a:rPr lang="en-GB" sz="4000" b="1" dirty="0" err="1">
+                <a:latin typeface="Arial" panose="020B0604020202020204" pitchFamily="34" charset="0"/>
+                <a:cs typeface="Arial" panose="020B0604020202020204" pitchFamily="34" charset="0"/>
+              </a:rPr>
+              <a:t>GraphQL</a:t>
+            </a:r>
+            <a:r>
+              <a:rPr lang="en-GB" sz="4000" b="1" dirty="0">
+                <a:latin typeface="Arial" panose="020B0604020202020204" pitchFamily="34" charset="0"/>
+                <a:cs typeface="Arial" panose="020B0604020202020204" pitchFamily="34" charset="0"/>
+              </a:rPr>
+              <a:t> Server Libraries</a:t>
+            </a:r>
+            <a:endParaRPr lang="en-GB" sz="4000" dirty="0"/>
+          </a:p>
+        </p:txBody>
+      </p:sp>
+      <p:sp>
+        <p:nvSpPr>
+          <p:cNvPr id="3" name="Content Placeholder 2">
+            <a:extLst>
+              <a:ext uri="{FF2B5EF4-FFF2-40B4-BE49-F238E27FC236}">
+                <a16:creationId xmlns:a16="http://schemas.microsoft.com/office/drawing/2014/main" id="{EA078A30-DC29-45F8-96F9-AD31D1126AFA}"/>
+              </a:ext>
+            </a:extLst>
+          </p:cNvPr>
+          <p:cNvSpPr>
+            <a:spLocks noGrp="1"/>
+          </p:cNvSpPr>
+          <p:nvPr>
+            <p:ph idx="1"/>
+          </p:nvPr>
+        </p:nvSpPr>
+        <p:spPr>
+          <a:xfrm>
+            <a:off x="838200" y="1445614"/>
+            <a:ext cx="10515600" cy="4351338"/>
+          </a:xfrm>
+        </p:spPr>
+        <p:txBody>
+          <a:bodyPr>
+            <a:normAutofit/>
+          </a:bodyPr>
+          <a:lstStyle/>
+          <a:p>
+            <a:pPr marL="0" indent="0">
+              <a:buNone/>
+            </a:pPr>
+            <a:r>
+              <a:rPr lang="en-GB" sz="2000" dirty="0">
+                <a:latin typeface="Arial" panose="020B0604020202020204" pitchFamily="34" charset="0"/>
+                <a:cs typeface="Arial" panose="020B0604020202020204" pitchFamily="34" charset="0"/>
+              </a:rPr>
+              <a:t>As </a:t>
+            </a:r>
+            <a:r>
+              <a:rPr lang="en-GB" sz="2000" dirty="0" err="1">
+                <a:latin typeface="Arial" panose="020B0604020202020204" pitchFamily="34" charset="0"/>
+                <a:cs typeface="Arial" panose="020B0604020202020204" pitchFamily="34" charset="0"/>
+              </a:rPr>
+              <a:t>GraphQL</a:t>
+            </a:r>
+            <a:r>
+              <a:rPr lang="en-GB" sz="2000" dirty="0">
+                <a:latin typeface="Arial" panose="020B0604020202020204" pitchFamily="34" charset="0"/>
+                <a:cs typeface="Arial" panose="020B0604020202020204" pitchFamily="34" charset="0"/>
+              </a:rPr>
+              <a:t> is a </a:t>
+            </a:r>
+            <a:r>
+              <a:rPr lang="en-GB" sz="2000" b="1" dirty="0">
+                <a:latin typeface="Arial" panose="020B0604020202020204" pitchFamily="34" charset="0"/>
+                <a:cs typeface="Arial" panose="020B0604020202020204" pitchFamily="34" charset="0"/>
+              </a:rPr>
+              <a:t>specification</a:t>
+            </a:r>
+            <a:r>
+              <a:rPr lang="en-GB" sz="2000" dirty="0">
+                <a:latin typeface="Arial" panose="020B0604020202020204" pitchFamily="34" charset="0"/>
+                <a:cs typeface="Arial" panose="020B0604020202020204" pitchFamily="34" charset="0"/>
+              </a:rPr>
+              <a:t> you can find server libraries to help you implement </a:t>
+            </a:r>
+            <a:r>
+              <a:rPr lang="en-GB" sz="2000" dirty="0" err="1">
+                <a:latin typeface="Arial" panose="020B0604020202020204" pitchFamily="34" charset="0"/>
+                <a:cs typeface="Arial" panose="020B0604020202020204" pitchFamily="34" charset="0"/>
+              </a:rPr>
+              <a:t>GraphQL</a:t>
+            </a:r>
+            <a:r>
+              <a:rPr lang="en-GB" sz="2000" dirty="0">
+                <a:latin typeface="Arial" panose="020B0604020202020204" pitchFamily="34" charset="0"/>
+                <a:cs typeface="Arial" panose="020B0604020202020204" pitchFamily="34" charset="0"/>
+              </a:rPr>
+              <a:t> in a variety of languages including:</a:t>
+            </a:r>
+          </a:p>
+          <a:p>
+            <a:pPr marL="0" indent="0">
+              <a:buNone/>
+            </a:pPr>
+            <a:endParaRPr lang="en-GB" sz="2000" dirty="0">
+              <a:latin typeface="Arial" panose="020B0604020202020204" pitchFamily="34" charset="0"/>
+              <a:cs typeface="Arial" panose="020B0604020202020204" pitchFamily="34" charset="0"/>
+            </a:endParaRPr>
+          </a:p>
+          <a:p>
+            <a:pPr marL="0" indent="0">
+              <a:buNone/>
+            </a:pPr>
+            <a:r>
+              <a:rPr lang="en-GB" sz="2000" dirty="0">
+                <a:latin typeface="Arial" panose="020B0604020202020204" pitchFamily="34" charset="0"/>
+                <a:cs typeface="Arial" panose="020B0604020202020204" pitchFamily="34" charset="0"/>
+              </a:rPr>
+              <a:t>C# / .NET, Clojure, Elixir, Erlang, </a:t>
+            </a:r>
+            <a:r>
+              <a:rPr lang="en-GB" sz="2000" dirty="0" err="1">
+                <a:latin typeface="Arial" panose="020B0604020202020204" pitchFamily="34" charset="0"/>
+                <a:cs typeface="Arial" panose="020B0604020202020204" pitchFamily="34" charset="0"/>
+              </a:rPr>
+              <a:t>Go,Groovy</a:t>
+            </a:r>
+            <a:r>
+              <a:rPr lang="en-GB" sz="2000" dirty="0">
+                <a:latin typeface="Arial" panose="020B0604020202020204" pitchFamily="34" charset="0"/>
+                <a:cs typeface="Arial" panose="020B0604020202020204" pitchFamily="34" charset="0"/>
+              </a:rPr>
+              <a:t>, Java, JavaScript, PHP, Python, Scala, Ruby</a:t>
+            </a:r>
+          </a:p>
+          <a:p>
+            <a:pPr marL="0" indent="0">
+              <a:buNone/>
+            </a:pPr>
+            <a:endParaRPr lang="en-GB" sz="2000" dirty="0">
+              <a:latin typeface="Arial" panose="020B0604020202020204" pitchFamily="34" charset="0"/>
+              <a:cs typeface="Arial" panose="020B0604020202020204" pitchFamily="34" charset="0"/>
+            </a:endParaRPr>
+          </a:p>
+          <a:p>
+            <a:pPr marL="0" indent="0">
+              <a:buNone/>
+            </a:pPr>
+            <a:r>
+              <a:rPr lang="en-GB" sz="2000" dirty="0">
+                <a:latin typeface="Arial" panose="020B0604020202020204" pitchFamily="34" charset="0"/>
+                <a:cs typeface="Arial" panose="020B0604020202020204" pitchFamily="34" charset="0"/>
+              </a:rPr>
+              <a:t> </a:t>
+            </a:r>
+          </a:p>
+        </p:txBody>
+      </p:sp>
+    </p:spTree>
+    <p:extLst>
+      <p:ext uri="{BB962C8B-B14F-4D97-AF65-F5344CB8AC3E}">
+        <p14:creationId xmlns:p14="http://schemas.microsoft.com/office/powerpoint/2010/main" val="268548884"/>
+      </p:ext>
+    </p:extLst>
+  </p:cSld>
+  <p:clrMapOvr>
+    <a:masterClrMapping/>
+  </p:clrMapOvr>
+</p:sld>
+</file>
+
+<file path=ppt/slides/slide32.xml><?xml version="1.0" encoding="utf-8"?>
+<p:sld xmlns:a="http://schemas.openxmlformats.org/drawingml/2006/main" xmlns:r="http://schemas.openxmlformats.org/officeDocument/2006/relationships" xmlns:p="http://schemas.openxmlformats.org/presentationml/2006/main" show="0">
+  <p:cSld>
+    <p:spTree>
+      <p:nvGrpSpPr>
+        <p:cNvPr id="1" name=""/>
+        <p:cNvGrpSpPr/>
+        <p:nvPr/>
+      </p:nvGrpSpPr>
+      <p:grpSpPr>
+        <a:xfrm>
+          <a:off x="0" y="0"/>
+          <a:ext cx="0" cy="0"/>
+          <a:chOff x="0" y="0"/>
+          <a:chExt cx="0" cy="0"/>
+        </a:xfrm>
+      </p:grpSpPr>
+      <p:sp>
+        <p:nvSpPr>
+          <p:cNvPr id="2" name="Title 1">
+            <a:extLst>
+              <a:ext uri="{FF2B5EF4-FFF2-40B4-BE49-F238E27FC236}">
+                <a16:creationId xmlns:a16="http://schemas.microsoft.com/office/drawing/2014/main" id="{6B39982E-B2B4-483D-A055-2AB6C3B7D601}"/>
+              </a:ext>
+            </a:extLst>
+          </p:cNvPr>
+          <p:cNvSpPr>
+            <a:spLocks noGrp="1"/>
+          </p:cNvSpPr>
+          <p:nvPr>
+            <p:ph type="title"/>
+          </p:nvPr>
+        </p:nvSpPr>
+        <p:spPr/>
+        <p:txBody>
+          <a:bodyPr/>
+          <a:lstStyle/>
+          <a:p>
+            <a:r>
+              <a:rPr lang="en-GB" dirty="0"/>
+              <a:t>Conclusion</a:t>
+            </a:r>
+          </a:p>
+        </p:txBody>
+      </p:sp>
+      <p:sp>
+        <p:nvSpPr>
+          <p:cNvPr id="3" name="Content Placeholder 2">
+            <a:extLst>
+              <a:ext uri="{FF2B5EF4-FFF2-40B4-BE49-F238E27FC236}">
+                <a16:creationId xmlns:a16="http://schemas.microsoft.com/office/drawing/2014/main" id="{2F4287DA-39A8-4FAC-9B17-4822286D8AB1}"/>
+              </a:ext>
+            </a:extLst>
+          </p:cNvPr>
+          <p:cNvSpPr>
+            <a:spLocks noGrp="1"/>
+          </p:cNvSpPr>
+          <p:nvPr>
+            <p:ph idx="1"/>
+          </p:nvPr>
+        </p:nvSpPr>
+        <p:spPr/>
+        <p:txBody>
+          <a:bodyPr/>
+          <a:lstStyle/>
+          <a:p>
+            <a:r>
+              <a:rPr lang="en-GB" dirty="0"/>
+              <a:t>If you have a simple REST API and deal with data that is relatively consistent over time, you would be better off sticking with your REST API. For companies that deal with rapidly-changing data, and have the engineering resources to devote to rearchitecting their API platforms, </a:t>
+            </a:r>
+            <a:r>
+              <a:rPr lang="en-GB" dirty="0" err="1"/>
+              <a:t>GraphQL</a:t>
+            </a:r>
+            <a:r>
+              <a:rPr lang="en-GB" dirty="0"/>
+              <a:t> can solve many of the pain points experienced with REST APIs.</a:t>
+            </a:r>
+          </a:p>
+          <a:p>
+            <a:endParaRPr lang="en-GB" dirty="0"/>
+          </a:p>
+          <a:p>
+            <a:r>
+              <a:rPr lang="en-GB" dirty="0"/>
+              <a:t>if you find yourself working with rapidly-changing data at scale, it could be a great solution for your business.</a:t>
+            </a:r>
+          </a:p>
+        </p:txBody>
+      </p:sp>
+    </p:spTree>
+    <p:extLst>
+      <p:ext uri="{BB962C8B-B14F-4D97-AF65-F5344CB8AC3E}">
+        <p14:creationId xmlns:p14="http://schemas.microsoft.com/office/powerpoint/2010/main" val="2355465839"/>
+      </p:ext>
+    </p:extLst>
+  </p:cSld>
+  <p:clrMapOvr>
+    <a:masterClrMapping/>
+  </p:clrMapOvr>
+</p:sld>
+</file>
+
+<file path=ppt/slides/slide33.xml><?xml version="1.0" encoding="utf-8"?>
+<p:sld xmlns:a="http://schemas.openxmlformats.org/drawingml/2006/main" xmlns:r="http://schemas.openxmlformats.org/officeDocument/2006/relationships" xmlns:p="http://schemas.openxmlformats.org/presentationml/2006/main" show="0">
+  <p:cSld>
+    <p:spTree>
+      <p:nvGrpSpPr>
+        <p:cNvPr id="1" name=""/>
+        <p:cNvGrpSpPr/>
+        <p:nvPr/>
+      </p:nvGrpSpPr>
+      <p:grpSpPr>
+        <a:xfrm>
+          <a:off x="0" y="0"/>
+          <a:ext cx="0" cy="0"/>
+          <a:chOff x="0" y="0"/>
+          <a:chExt cx="0" cy="0"/>
+        </a:xfrm>
+      </p:grpSpPr>
+      <p:pic>
+        <p:nvPicPr>
+          <p:cNvPr id="4" name="Content Placeholder 3">
+            <a:extLst>
+              <a:ext uri="{FF2B5EF4-FFF2-40B4-BE49-F238E27FC236}">
+                <a16:creationId xmlns:a16="http://schemas.microsoft.com/office/drawing/2014/main" id="{0DD73423-8C3A-4006-9FB0-CDFBAB53C595}"/>
+              </a:ext>
+            </a:extLst>
+          </p:cNvPr>
+          <p:cNvPicPr>
+            <a:picLocks noGrp="1" noChangeAspect="1"/>
+          </p:cNvPicPr>
+          <p:nvPr>
+            <p:ph idx="1"/>
+          </p:nvPr>
+        </p:nvPicPr>
+        <p:blipFill>
+          <a:blip r:embed="rId2"/>
+          <a:stretch>
+            <a:fillRect/>
+          </a:stretch>
+        </p:blipFill>
+        <p:spPr>
+          <a:xfrm>
+            <a:off x="40814" y="136478"/>
+            <a:ext cx="11985486" cy="6721522"/>
+          </a:xfrm>
+          <a:prstGeom prst="rect">
+            <a:avLst/>
+          </a:prstGeom>
+        </p:spPr>
+      </p:pic>
+    </p:spTree>
+    <p:extLst>
+      <p:ext uri="{BB962C8B-B14F-4D97-AF65-F5344CB8AC3E}">
+        <p14:creationId xmlns:p14="http://schemas.microsoft.com/office/powerpoint/2010/main" val="124588992"/>
+      </p:ext>
+    </p:extLst>
+  </p:cSld>
+  <p:clrMapOvr>
+    <a:masterClrMapping/>
+  </p:clrMapOvr>
+</p:sld>
+</file>
+
+<file path=ppt/slides/slide34.xml><?xml version="1.0" encoding="utf-8"?>
+<p:sld xmlns:a="http://schemas.openxmlformats.org/drawingml/2006/main" xmlns:r="http://schemas.openxmlformats.org/officeDocument/2006/relationships" xmlns:p="http://schemas.openxmlformats.org/presentationml/2006/main" show="0">
+  <p:cSld>
+    <p:spTree>
+      <p:nvGrpSpPr>
+        <p:cNvPr id="1" name=""/>
+        <p:cNvGrpSpPr/>
+        <p:nvPr/>
+      </p:nvGrpSpPr>
+      <p:grpSpPr>
+        <a:xfrm>
+          <a:off x="0" y="0"/>
+          <a:ext cx="0" cy="0"/>
+          <a:chOff x="0" y="0"/>
+          <a:chExt cx="0" cy="0"/>
+        </a:xfrm>
+      </p:grpSpPr>
+      <p:pic>
+        <p:nvPicPr>
+          <p:cNvPr id="7" name="Picture 6">
+            <a:extLst>
+              <a:ext uri="{FF2B5EF4-FFF2-40B4-BE49-F238E27FC236}">
+                <a16:creationId xmlns:a16="http://schemas.microsoft.com/office/drawing/2014/main" id="{9C2A9CA2-53F6-43F9-93EA-F5607E36970B}"/>
+              </a:ext>
+            </a:extLst>
+          </p:cNvPr>
+          <p:cNvPicPr>
+            <a:picLocks noChangeAspect="1"/>
+          </p:cNvPicPr>
+          <p:nvPr/>
+        </p:nvPicPr>
+        <p:blipFill>
+          <a:blip r:embed="rId2"/>
+          <a:stretch>
+            <a:fillRect/>
+          </a:stretch>
+        </p:blipFill>
+        <p:spPr>
+          <a:xfrm>
+            <a:off x="0" y="0"/>
+            <a:ext cx="12192000" cy="6858000"/>
+          </a:xfrm>
+          <a:prstGeom prst="rect">
+            <a:avLst/>
+          </a:prstGeom>
+        </p:spPr>
+      </p:pic>
+    </p:spTree>
+    <p:extLst>
+      <p:ext uri="{BB962C8B-B14F-4D97-AF65-F5344CB8AC3E}">
+        <p14:creationId xmlns:p14="http://schemas.microsoft.com/office/powerpoint/2010/main" val="480149916"/>
       </p:ext>
     </p:extLst>
   </p:cSld>
@@ -12288,83 +13060,40 @@
           <a:chExt cx="0" cy="0"/>
         </a:xfrm>
       </p:grpSpPr>
-      <p:sp>
-        <p:nvSpPr>
-          <p:cNvPr id="2" name="Title 1">
-            <a:extLst>
-              <a:ext uri="{FF2B5EF4-FFF2-40B4-BE49-F238E27FC236}">
-                <a16:creationId xmlns:a16="http://schemas.microsoft.com/office/drawing/2014/main" id="{6B39982E-B2B4-483D-A055-2AB6C3B7D601}"/>
-              </a:ext>
-            </a:extLst>
-          </p:cNvPr>
-          <p:cNvSpPr>
-            <a:spLocks noGrp="1"/>
-          </p:cNvSpPr>
-          <p:nvPr>
-            <p:ph type="title"/>
-          </p:nvPr>
-        </p:nvSpPr>
-        <p:spPr/>
-        <p:txBody>
-          <a:bodyPr/>
-          <a:lstStyle/>
-          <a:p>
-            <a:r>
-              <a:rPr lang="en-GB" dirty="0"/>
-              <a:t>Conclusion</a:t>
-            </a:r>
-          </a:p>
-        </p:txBody>
-      </p:sp>
-      <p:sp>
-        <p:nvSpPr>
-          <p:cNvPr id="3" name="Content Placeholder 2">
-            <a:extLst>
-              <a:ext uri="{FF2B5EF4-FFF2-40B4-BE49-F238E27FC236}">
-                <a16:creationId xmlns:a16="http://schemas.microsoft.com/office/drawing/2014/main" id="{2F4287DA-39A8-4FAC-9B17-4822286D8AB1}"/>
-              </a:ext>
-            </a:extLst>
-          </p:cNvPr>
-          <p:cNvSpPr>
-            <a:spLocks noGrp="1"/>
-          </p:cNvSpPr>
-          <p:nvPr>
-            <p:ph idx="1"/>
-          </p:nvPr>
-        </p:nvSpPr>
-        <p:spPr/>
-        <p:txBody>
-          <a:bodyPr/>
-          <a:lstStyle/>
-          <a:p>
-            <a:r>
-              <a:rPr lang="en-GB" dirty="0"/>
-              <a:t>If you have a simple REST API and deal with data that is relatively consistent over time, you would be better off sticking with your REST API. For companies that deal with rapidly-changing data, and have the engineering resources to devote to rearchitecting their API platforms, </a:t>
-            </a:r>
-            <a:r>
-              <a:rPr lang="en-GB" dirty="0" err="1"/>
-              <a:t>GraphQL</a:t>
-            </a:r>
-            <a:r>
-              <a:rPr lang="en-GB" dirty="0"/>
-              <a:t> can solve many of the pain points experienced with REST APIs.</a:t>
-            </a:r>
-          </a:p>
-          <a:p>
-            <a:endParaRPr lang="en-GB" dirty="0"/>
-          </a:p>
-          <a:p>
-            <a:r>
-              <a:rPr lang="en-GB" dirty="0"/>
-              <a:t>if you find yourself working with rapidly-changing data at scale, it could be a great solution for your business.</a:t>
-            </a:r>
-          </a:p>
-        </p:txBody>
-      </p:sp>
+      <p:pic>
+        <p:nvPicPr>
+          <p:cNvPr id="5" name="Picture 4">
+            <a:extLst>
+              <a:ext uri="{FF2B5EF4-FFF2-40B4-BE49-F238E27FC236}">
+                <a16:creationId xmlns:a16="http://schemas.microsoft.com/office/drawing/2014/main" id="{8DFFAE8D-D5C1-4F65-95EF-CBE1FC582CD0}"/>
+              </a:ext>
+            </a:extLst>
+          </p:cNvPr>
+          <p:cNvPicPr>
+            <a:picLocks noChangeAspect="1"/>
+          </p:cNvPicPr>
+          <p:nvPr/>
+        </p:nvPicPr>
+        <p:blipFill>
+          <a:blip r:embed="rId3"/>
+          <a:stretch>
+            <a:fillRect/>
+          </a:stretch>
+        </p:blipFill>
+        <p:spPr>
+          <a:xfrm>
+            <a:off x="0" y="0"/>
+            <a:ext cx="12192000" cy="6858000"/>
+          </a:xfrm>
+          <a:prstGeom prst="rect">
+            <a:avLst/>
+          </a:prstGeom>
+        </p:spPr>
+      </p:pic>
     </p:spTree>
     <p:extLst>
       <p:ext uri="{BB962C8B-B14F-4D97-AF65-F5344CB8AC3E}">
-        <p14:creationId xmlns:p14="http://schemas.microsoft.com/office/powerpoint/2010/main" val="2355465839"/>
+        <p14:creationId xmlns:p14="http://schemas.microsoft.com/office/powerpoint/2010/main" val="3918686251"/>
       </p:ext>
     </p:extLst>
   </p:cSld>
@@ -12628,6 +13357,58 @@
           <a:effectLst/>
         </p:spPr>
       </p:pic>
+      <p:sp>
+        <p:nvSpPr>
+          <p:cNvPr id="3" name="TextBox 2">
+            <a:extLst>
+              <a:ext uri="{FF2B5EF4-FFF2-40B4-BE49-F238E27FC236}">
+                <a16:creationId xmlns:a16="http://schemas.microsoft.com/office/drawing/2014/main" id="{75B88D46-41B9-4811-80AC-7F11D3205BCD}"/>
+              </a:ext>
+            </a:extLst>
+          </p:cNvPr>
+          <p:cNvSpPr txBox="1"/>
+          <p:nvPr/>
+        </p:nvSpPr>
+        <p:spPr>
+          <a:xfrm>
+            <a:off x="648928" y="2816352"/>
+            <a:ext cx="6446815" cy="1477328"/>
+          </a:xfrm>
+          <a:prstGeom prst="rect">
+            <a:avLst/>
+          </a:prstGeom>
+          <a:noFill/>
+        </p:spPr>
+        <p:txBody>
+          <a:bodyPr wrap="square" rtlCol="0">
+            <a:spAutoFit/>
+          </a:bodyPr>
+          <a:lstStyle/>
+          <a:p>
+            <a:r>
+              <a:rPr lang="en-GB" dirty="0"/>
+              <a:t>When I first came across </a:t>
+            </a:r>
+            <a:r>
+              <a:rPr lang="en-GB" dirty="0" err="1"/>
+              <a:t>GraphQL</a:t>
+            </a:r>
+            <a:r>
+              <a:rPr lang="en-GB" dirty="0"/>
+              <a:t> I wondered what the ‘Graph’ part of the name was referring to</a:t>
+            </a:r>
+          </a:p>
+          <a:p>
+            <a:endParaRPr lang="en-GB" dirty="0"/>
+          </a:p>
+          <a:p>
+            <a:r>
+              <a:rPr lang="en-GB" dirty="0"/>
+              <a:t>Started reading up about it and was still wondering what the ‘Graph’ part of the name was referring to</a:t>
+            </a:r>
+          </a:p>
+        </p:txBody>
+      </p:sp>
     </p:spTree>
     <p:extLst>
       <p:ext uri="{BB962C8B-B14F-4D97-AF65-F5344CB8AC3E}">
@@ -12638,6 +13419,134 @@
   <p:clrMapOvr>
     <a:masterClrMapping/>
   </p:clrMapOvr>
+  <p:timing>
+    <p:tnLst>
+      <p:par>
+        <p:cTn id="1" dur="indefinite" restart="never" nodeType="tmRoot">
+          <p:childTnLst>
+            <p:seq concurrent="1" nextAc="seek">
+              <p:cTn id="2" dur="indefinite" nodeType="mainSeq">
+                <p:childTnLst>
+                  <p:par>
+                    <p:cTn id="3" fill="hold">
+                      <p:stCondLst>
+                        <p:cond delay="indefinite"/>
+                      </p:stCondLst>
+                      <p:childTnLst>
+                        <p:par>
+                          <p:cTn id="4" fill="hold">
+                            <p:stCondLst>
+                              <p:cond delay="0"/>
+                            </p:stCondLst>
+                            <p:childTnLst>
+                              <p:par>
+                                <p:cTn id="5" presetID="1" presetClass="entr" presetSubtype="0" fill="hold" nodeType="clickEffect">
+                                  <p:stCondLst>
+                                    <p:cond delay="0"/>
+                                  </p:stCondLst>
+                                  <p:childTnLst>
+                                    <p:set>
+                                      <p:cBhvr>
+                                        <p:cTn id="6" dur="1" fill="hold">
+                                          <p:stCondLst>
+                                            <p:cond delay="0"/>
+                                          </p:stCondLst>
+                                        </p:cTn>
+                                        <p:tgtEl>
+                                          <p:spTgt spid="3">
+                                            <p:txEl>
+                                              <p:pRg st="0" end="0"/>
+                                            </p:txEl>
+                                          </p:spTgt>
+                                        </p:tgtEl>
+                                        <p:attrNameLst>
+                                          <p:attrName>style.visibility</p:attrName>
+                                        </p:attrNameLst>
+                                      </p:cBhvr>
+                                      <p:to>
+                                        <p:strVal val="visible"/>
+                                      </p:to>
+                                    </p:set>
+                                  </p:childTnLst>
+                                </p:cTn>
+                              </p:par>
+                            </p:childTnLst>
+                          </p:cTn>
+                        </p:par>
+                      </p:childTnLst>
+                    </p:cTn>
+                  </p:par>
+                  <p:par>
+                    <p:cTn id="7" fill="hold">
+                      <p:stCondLst>
+                        <p:cond delay="indefinite"/>
+                      </p:stCondLst>
+                      <p:childTnLst>
+                        <p:par>
+                          <p:cTn id="8" fill="hold">
+                            <p:stCondLst>
+                              <p:cond delay="0"/>
+                            </p:stCondLst>
+                            <p:childTnLst>
+                              <p:par>
+                                <p:cTn id="9" presetID="1" presetClass="entr" presetSubtype="0" fill="hold" nodeType="clickEffect">
+                                  <p:stCondLst>
+                                    <p:cond delay="0"/>
+                                  </p:stCondLst>
+                                  <p:childTnLst>
+                                    <p:set>
+                                      <p:cBhvr>
+                                        <p:cTn id="10" dur="1" fill="hold">
+                                          <p:stCondLst>
+                                            <p:cond delay="0"/>
+                                          </p:stCondLst>
+                                        </p:cTn>
+                                        <p:tgtEl>
+                                          <p:spTgt spid="3">
+                                            <p:txEl>
+                                              <p:pRg st="2" end="2"/>
+                                            </p:txEl>
+                                          </p:spTgt>
+                                        </p:tgtEl>
+                                        <p:attrNameLst>
+                                          <p:attrName>style.visibility</p:attrName>
+                                        </p:attrNameLst>
+                                      </p:cBhvr>
+                                      <p:to>
+                                        <p:strVal val="visible"/>
+                                      </p:to>
+                                    </p:set>
+                                  </p:childTnLst>
+                                </p:cTn>
+                              </p:par>
+                            </p:childTnLst>
+                          </p:cTn>
+                        </p:par>
+                      </p:childTnLst>
+                    </p:cTn>
+                  </p:par>
+                </p:childTnLst>
+              </p:cTn>
+              <p:prevCondLst>
+                <p:cond evt="onPrev" delay="0">
+                  <p:tgtEl>
+                    <p:sldTgt/>
+                  </p:tgtEl>
+                </p:cond>
+              </p:prevCondLst>
+              <p:nextCondLst>
+                <p:cond evt="onNext" delay="0">
+                  <p:tgtEl>
+                    <p:sldTgt/>
+                  </p:tgtEl>
+                </p:cond>
+              </p:nextCondLst>
+            </p:seq>
+          </p:childTnLst>
+        </p:cTn>
+      </p:par>
+    </p:tnLst>
+  </p:timing>
 </p:sld>
 </file>
 
@@ -12731,54 +13640,51 @@
           <a:lstStyle/>
           <a:p>
             <a:r>
-              <a:rPr lang="en-GB" dirty="0">
+              <a:rPr lang="en-GB" sz="2000" dirty="0">
                 <a:latin typeface="Arial" panose="020B0604020202020204" pitchFamily="34" charset="0"/>
                 <a:cs typeface="Arial" panose="020B0604020202020204" pitchFamily="34" charset="0"/>
               </a:rPr>
               <a:t>A lot of data in modern applications can be represented using a </a:t>
             </a:r>
             <a:r>
-              <a:rPr lang="en-GB" b="1" dirty="0">
+              <a:rPr lang="en-GB" sz="2000" b="1" dirty="0">
                 <a:latin typeface="Arial" panose="020B0604020202020204" pitchFamily="34" charset="0"/>
                 <a:cs typeface="Arial" panose="020B0604020202020204" pitchFamily="34" charset="0"/>
               </a:rPr>
               <a:t>Graph</a:t>
             </a:r>
             <a:r>
-              <a:rPr lang="en-GB" dirty="0">
+              <a:rPr lang="en-GB" sz="2000" dirty="0">
                 <a:latin typeface="Arial" panose="020B0604020202020204" pitchFamily="34" charset="0"/>
                 <a:cs typeface="Arial" panose="020B0604020202020204" pitchFamily="34" charset="0"/>
               </a:rPr>
               <a:t> of </a:t>
             </a:r>
             <a:r>
-              <a:rPr lang="en-GB" b="1" dirty="0">
+              <a:rPr lang="en-GB" sz="2000" b="1" dirty="0">
                 <a:latin typeface="Arial" panose="020B0604020202020204" pitchFamily="34" charset="0"/>
                 <a:cs typeface="Arial" panose="020B0604020202020204" pitchFamily="34" charset="0"/>
               </a:rPr>
               <a:t>Nodes</a:t>
             </a:r>
             <a:r>
-              <a:rPr lang="en-GB" dirty="0">
+              <a:rPr lang="en-GB" sz="2000" dirty="0">
                 <a:latin typeface="Arial" panose="020B0604020202020204" pitchFamily="34" charset="0"/>
                 <a:cs typeface="Arial" panose="020B0604020202020204" pitchFamily="34" charset="0"/>
               </a:rPr>
               <a:t> and </a:t>
             </a:r>
             <a:r>
-              <a:rPr lang="en-GB" b="1" dirty="0">
+              <a:rPr lang="en-GB" sz="2000" b="1" dirty="0">
                 <a:latin typeface="Arial" panose="020B0604020202020204" pitchFamily="34" charset="0"/>
                 <a:cs typeface="Arial" panose="020B0604020202020204" pitchFamily="34" charset="0"/>
               </a:rPr>
               <a:t>Edges</a:t>
             </a:r>
-            <a:r>
-              <a:rPr lang="en-GB" dirty="0">
-                <a:latin typeface="Arial" panose="020B0604020202020204" pitchFamily="34" charset="0"/>
-                <a:cs typeface="Arial" panose="020B0604020202020204" pitchFamily="34" charset="0"/>
-              </a:rPr>
-              <a:t>,</a:t>
-            </a:r>
+            <a:endParaRPr lang="en-GB" sz="2000" dirty="0">
+              <a:latin typeface="Arial" panose="020B0604020202020204" pitchFamily="34" charset="0"/>
+              <a:cs typeface="Arial" panose="020B0604020202020204" pitchFamily="34" charset="0"/>
+            </a:endParaRPr>
           </a:p>
           <a:p>
             <a:endParaRPr lang="en-GB" dirty="0">
@@ -13833,7 +14739,7 @@
         <p:spPr>
           <a:xfrm>
             <a:off x="838200" y="1666142"/>
-            <a:ext cx="10515600" cy="3385542"/>
+            <a:ext cx="10515600" cy="2523768"/>
           </a:xfrm>
           <a:prstGeom prst="rect">
             <a:avLst/>
@@ -13847,11 +14753,11 @@
           <a:lstStyle/>
           <a:p>
             <a:r>
-              <a:rPr lang="en-GB" sz="2800" dirty="0">
-                <a:latin typeface="Arial" panose="020B0604020202020204" pitchFamily="34" charset="0"/>
-                <a:cs typeface="Arial" panose="020B0604020202020204" pitchFamily="34" charset="0"/>
-              </a:rPr>
-              <a:t>Organised around 3 main building blocks:</a:t>
+              <a:rPr lang="en-GB" sz="2000" dirty="0">
+                <a:latin typeface="Arial" panose="020B0604020202020204" pitchFamily="34" charset="0"/>
+                <a:cs typeface="Arial" panose="020B0604020202020204" pitchFamily="34" charset="0"/>
+              </a:rPr>
+              <a:t>Three main building blocks:</a:t>
             </a:r>
           </a:p>
           <a:p>
@@ -13859,7 +14765,7 @@
               <a:buFont typeface="Arial" panose="020B0604020202020204" pitchFamily="34" charset="0"/>
               <a:buChar char="•"/>
             </a:pPr>
-            <a:endParaRPr lang="en-GB" sz="2800" dirty="0">
+            <a:endParaRPr lang="en-GB" sz="2000" dirty="0">
               <a:latin typeface="Arial" panose="020B0604020202020204" pitchFamily="34" charset="0"/>
               <a:cs typeface="Arial" panose="020B0604020202020204" pitchFamily="34" charset="0"/>
             </a:endParaRPr>
@@ -13870,7 +14776,7 @@
               <a:buChar char="•"/>
             </a:pPr>
             <a:r>
-              <a:rPr lang="en-GB" sz="2800" dirty="0">
+              <a:rPr lang="en-GB" sz="2000" dirty="0">
                 <a:latin typeface="Arial" panose="020B0604020202020204" pitchFamily="34" charset="0"/>
                 <a:cs typeface="Arial" panose="020B0604020202020204" pitchFamily="34" charset="0"/>
               </a:rPr>
@@ -13882,7 +14788,7 @@
               <a:buFont typeface="Arial" panose="020B0604020202020204" pitchFamily="34" charset="0"/>
               <a:buChar char="•"/>
             </a:pPr>
-            <a:endParaRPr lang="en-GB" sz="2800" dirty="0">
+            <a:endParaRPr lang="en-GB" sz="2000" dirty="0">
               <a:latin typeface="Arial" panose="020B0604020202020204" pitchFamily="34" charset="0"/>
               <a:cs typeface="Arial" panose="020B0604020202020204" pitchFamily="34" charset="0"/>
             </a:endParaRPr>
@@ -13893,7 +14799,7 @@
               <a:buChar char="•"/>
             </a:pPr>
             <a:r>
-              <a:rPr lang="en-GB" sz="2800" dirty="0">
+              <a:rPr lang="en-GB" sz="2000" dirty="0">
                 <a:latin typeface="Arial" panose="020B0604020202020204" pitchFamily="34" charset="0"/>
                 <a:cs typeface="Arial" panose="020B0604020202020204" pitchFamily="34" charset="0"/>
               </a:rPr>
@@ -13905,7 +14811,7 @@
               <a:buFont typeface="Arial" panose="020B0604020202020204" pitchFamily="34" charset="0"/>
               <a:buChar char="•"/>
             </a:pPr>
-            <a:endParaRPr lang="en-GB" sz="2800" dirty="0">
+            <a:endParaRPr lang="en-GB" sz="2000" dirty="0">
               <a:latin typeface="Arial" panose="020B0604020202020204" pitchFamily="34" charset="0"/>
               <a:cs typeface="Arial" panose="020B0604020202020204" pitchFamily="34" charset="0"/>
             </a:endParaRPr>
@@ -13916,7 +14822,7 @@
               <a:buChar char="•"/>
             </a:pPr>
             <a:r>
-              <a:rPr lang="en-GB" sz="2800" dirty="0">
+              <a:rPr lang="en-GB" sz="2000" dirty="0">
                 <a:latin typeface="Arial" panose="020B0604020202020204" pitchFamily="34" charset="0"/>
                 <a:cs typeface="Arial" panose="020B0604020202020204" pitchFamily="34" charset="0"/>
               </a:rPr>
@@ -14456,7 +15362,7 @@
                                         <p:tgtEl>
                                           <p:spTgt spid="3">
                                             <p:txEl>
-                                              <p:pRg st="2" end="2"/>
+                                              <p:pRg st="0" end="0"/>
                                             </p:txEl>
                                           </p:spTgt>
                                         </p:tgtEl>
@@ -14505,7 +15411,7 @@
                                         <p:tgtEl>
                                           <p:spTgt spid="3">
                                             <p:txEl>
-                                              <p:pRg st="0" end="0"/>
+                                              <p:pRg st="2" end="2"/>
                                             </p:txEl>
                                           </p:spTgt>
                                         </p:tgtEl>
@@ -14653,6 +15559,55 @@
                                           <p:spTgt spid="3">
                                             <p:txEl>
                                               <p:pRg st="8" end="8"/>
+                                            </p:txEl>
+                                          </p:spTgt>
+                                        </p:tgtEl>
+                                        <p:attrNameLst>
+                                          <p:attrName>style.visibility</p:attrName>
+                                        </p:attrNameLst>
+                                      </p:cBhvr>
+                                      <p:to>
+                                        <p:strVal val="visible"/>
+                                      </p:to>
+                                    </p:set>
+                                  </p:childTnLst>
+                                </p:cTn>
+                              </p:par>
+                            </p:childTnLst>
+                          </p:cTn>
+                        </p:par>
+                      </p:childTnLst>
+                    </p:cTn>
+                  </p:par>
+                  <p:par>
+                    <p:cTn id="23" fill="hold">
+                      <p:stCondLst>
+                        <p:cond delay="indefinite"/>
+                      </p:stCondLst>
+                      <p:childTnLst>
+                        <p:par>
+                          <p:cTn id="24" fill="hold">
+                            <p:stCondLst>
+                              <p:cond delay="0"/>
+                            </p:stCondLst>
+                            <p:childTnLst>
+                              <p:par>
+                                <p:cTn id="25" presetID="1" presetClass="entr" presetSubtype="0" fill="hold" nodeType="clickEffect">
+                                  <p:stCondLst>
+                                    <p:cond delay="0"/>
+                                  </p:stCondLst>
+                                  <p:childTnLst>
+                                    <p:set>
+                                      <p:cBhvr>
+                                        <p:cTn id="26" dur="1" fill="hold">
+                                          <p:stCondLst>
+                                            <p:cond delay="0"/>
+                                          </p:stCondLst>
+                                        </p:cTn>
+                                        <p:tgtEl>
+                                          <p:spTgt spid="3">
+                                            <p:txEl>
+                                              <p:pRg st="10" end="10"/>
                                             </p:txEl>
                                           </p:spTgt>
                                         </p:tgtEl>

--- a/current.pptx
+++ b/current.pptx
@@ -5,7 +5,7 @@
     <p:sldMasterId id="2147483648" r:id="rId1"/>
   </p:sldMasterIdLst>
   <p:notesMasterIdLst>
-    <p:notesMasterId r:id="rId38"/>
+    <p:notesMasterId r:id="rId42"/>
   </p:notesMasterIdLst>
   <p:sldIdLst>
     <p:sldId id="256" r:id="rId2"/>
@@ -21,29 +21,33 @@
     <p:sldId id="270" r:id="rId12"/>
     <p:sldId id="273" r:id="rId13"/>
     <p:sldId id="272" r:id="rId14"/>
-    <p:sldId id="295" r:id="rId15"/>
-    <p:sldId id="296" r:id="rId16"/>
-    <p:sldId id="297" r:id="rId17"/>
-    <p:sldId id="294" r:id="rId18"/>
+    <p:sldId id="294" r:id="rId15"/>
+    <p:sldId id="295" r:id="rId16"/>
+    <p:sldId id="296" r:id="rId17"/>
+    <p:sldId id="297" r:id="rId18"/>
     <p:sldId id="274" r:id="rId19"/>
     <p:sldId id="276" r:id="rId20"/>
     <p:sldId id="277" r:id="rId21"/>
     <p:sldId id="281" r:id="rId22"/>
     <p:sldId id="283" r:id="rId23"/>
     <p:sldId id="284" r:id="rId24"/>
-    <p:sldId id="285" r:id="rId25"/>
-    <p:sldId id="287" r:id="rId26"/>
-    <p:sldId id="289" r:id="rId27"/>
-    <p:sldId id="288" r:id="rId28"/>
-    <p:sldId id="290" r:id="rId29"/>
-    <p:sldId id="291" r:id="rId30"/>
-    <p:sldId id="292" r:id="rId31"/>
-    <p:sldId id="293" r:id="rId32"/>
-    <p:sldId id="275" r:id="rId33"/>
-    <p:sldId id="282" r:id="rId34"/>
-    <p:sldId id="278" r:id="rId35"/>
-    <p:sldId id="280" r:id="rId36"/>
-    <p:sldId id="262" r:id="rId37"/>
+    <p:sldId id="300" r:id="rId25"/>
+    <p:sldId id="285" r:id="rId26"/>
+    <p:sldId id="301" r:id="rId27"/>
+    <p:sldId id="298" r:id="rId28"/>
+    <p:sldId id="299" r:id="rId29"/>
+    <p:sldId id="287" r:id="rId30"/>
+    <p:sldId id="289" r:id="rId31"/>
+    <p:sldId id="288" r:id="rId32"/>
+    <p:sldId id="290" r:id="rId33"/>
+    <p:sldId id="291" r:id="rId34"/>
+    <p:sldId id="292" r:id="rId35"/>
+    <p:sldId id="293" r:id="rId36"/>
+    <p:sldId id="275" r:id="rId37"/>
+    <p:sldId id="282" r:id="rId38"/>
+    <p:sldId id="278" r:id="rId39"/>
+    <p:sldId id="280" r:id="rId40"/>
+    <p:sldId id="262" r:id="rId41"/>
   </p:sldIdLst>
   <p:sldSz cx="12192000" cy="6858000"/>
   <p:notesSz cx="6858000" cy="9144000"/>
@@ -232,7 +236,7 @@
           <a:p>
             <a:fld id="{05A2C539-3BAE-43DA-89DD-3C2B65931CAB}" type="datetimeFigureOut">
               <a:rPr lang="en-GB" smtClean="0"/>
-              <a:t>16/04/2019</a:t>
+              <a:t>17/04/2019</a:t>
             </a:fld>
             <a:endParaRPr lang="en-GB"/>
           </a:p>
@@ -733,7 +737,7 @@
           <a:p>
             <a:fld id="{D6719FC5-C3CA-4722-957E-A07B335E4D2F}" type="slidenum">
               <a:rPr lang="en-GB" smtClean="0"/>
-              <a:t>35</a:t>
+              <a:t>39</a:t>
             </a:fld>
             <a:endParaRPr lang="en-GB"/>
           </a:p>
@@ -901,7 +905,7 @@
           <a:p>
             <a:fld id="{6FADB570-57FC-4C94-8057-F2D76F2B7762}" type="datetimeFigureOut">
               <a:rPr lang="en-GB" smtClean="0"/>
-              <a:t>16/04/2019</a:t>
+              <a:t>17/04/2019</a:t>
             </a:fld>
             <a:endParaRPr lang="en-GB"/>
           </a:p>
@@ -1101,7 +1105,7 @@
           <a:p>
             <a:fld id="{6FADB570-57FC-4C94-8057-F2D76F2B7762}" type="datetimeFigureOut">
               <a:rPr lang="en-GB" smtClean="0"/>
-              <a:t>16/04/2019</a:t>
+              <a:t>17/04/2019</a:t>
             </a:fld>
             <a:endParaRPr lang="en-GB"/>
           </a:p>
@@ -1311,7 +1315,7 @@
           <a:p>
             <a:fld id="{6FADB570-57FC-4C94-8057-F2D76F2B7762}" type="datetimeFigureOut">
               <a:rPr lang="en-GB" smtClean="0"/>
-              <a:t>16/04/2019</a:t>
+              <a:t>17/04/2019</a:t>
             </a:fld>
             <a:endParaRPr lang="en-GB"/>
           </a:p>
@@ -1511,7 +1515,7 @@
           <a:p>
             <a:fld id="{6FADB570-57FC-4C94-8057-F2D76F2B7762}" type="datetimeFigureOut">
               <a:rPr lang="en-GB" smtClean="0"/>
-              <a:t>16/04/2019</a:t>
+              <a:t>17/04/2019</a:t>
             </a:fld>
             <a:endParaRPr lang="en-GB"/>
           </a:p>
@@ -1787,7 +1791,7 @@
           <a:p>
             <a:fld id="{6FADB570-57FC-4C94-8057-F2D76F2B7762}" type="datetimeFigureOut">
               <a:rPr lang="en-GB" smtClean="0"/>
-              <a:t>16/04/2019</a:t>
+              <a:t>17/04/2019</a:t>
             </a:fld>
             <a:endParaRPr lang="en-GB"/>
           </a:p>
@@ -2055,7 +2059,7 @@
           <a:p>
             <a:fld id="{6FADB570-57FC-4C94-8057-F2D76F2B7762}" type="datetimeFigureOut">
               <a:rPr lang="en-GB" smtClean="0"/>
-              <a:t>16/04/2019</a:t>
+              <a:t>17/04/2019</a:t>
             </a:fld>
             <a:endParaRPr lang="en-GB"/>
           </a:p>
@@ -2470,7 +2474,7 @@
           <a:p>
             <a:fld id="{6FADB570-57FC-4C94-8057-F2D76F2B7762}" type="datetimeFigureOut">
               <a:rPr lang="en-GB" smtClean="0"/>
-              <a:t>16/04/2019</a:t>
+              <a:t>17/04/2019</a:t>
             </a:fld>
             <a:endParaRPr lang="en-GB"/>
           </a:p>
@@ -2612,7 +2616,7 @@
           <a:p>
             <a:fld id="{6FADB570-57FC-4C94-8057-F2D76F2B7762}" type="datetimeFigureOut">
               <a:rPr lang="en-GB" smtClean="0"/>
-              <a:t>16/04/2019</a:t>
+              <a:t>17/04/2019</a:t>
             </a:fld>
             <a:endParaRPr lang="en-GB"/>
           </a:p>
@@ -2725,7 +2729,7 @@
           <a:p>
             <a:fld id="{6FADB570-57FC-4C94-8057-F2D76F2B7762}" type="datetimeFigureOut">
               <a:rPr lang="en-GB" smtClean="0"/>
-              <a:t>16/04/2019</a:t>
+              <a:t>17/04/2019</a:t>
             </a:fld>
             <a:endParaRPr lang="en-GB"/>
           </a:p>
@@ -3038,7 +3042,7 @@
           <a:p>
             <a:fld id="{6FADB570-57FC-4C94-8057-F2D76F2B7762}" type="datetimeFigureOut">
               <a:rPr lang="en-GB" smtClean="0"/>
-              <a:t>16/04/2019</a:t>
+              <a:t>17/04/2019</a:t>
             </a:fld>
             <a:endParaRPr lang="en-GB"/>
           </a:p>
@@ -3327,7 +3331,7 @@
           <a:p>
             <a:fld id="{6FADB570-57FC-4C94-8057-F2D76F2B7762}" type="datetimeFigureOut">
               <a:rPr lang="en-GB" smtClean="0"/>
-              <a:t>16/04/2019</a:t>
+              <a:t>17/04/2019</a:t>
             </a:fld>
             <a:endParaRPr lang="en-GB"/>
           </a:p>
@@ -3576,7 +3580,7 @@
           <a:p>
             <a:fld id="{6FADB570-57FC-4C94-8057-F2D76F2B7762}" type="datetimeFigureOut">
               <a:rPr lang="en-GB" smtClean="0"/>
-              <a:t>16/04/2019</a:t>
+              <a:t>17/04/2019</a:t>
             </a:fld>
             <a:endParaRPr lang="en-GB"/>
           </a:p>
@@ -5163,64 +5167,67 @@
           <a:lstStyle/>
           <a:p>
             <a:r>
-              <a:rPr lang="en-GB" dirty="0">
-                <a:latin typeface="Arial" panose="020B0604020202020204" pitchFamily="34" charset="0"/>
-                <a:cs typeface="Arial" panose="020B0604020202020204" pitchFamily="34" charset="0"/>
-              </a:rPr>
-              <a:t>Responsible for mapping operations to actual functions</a:t>
-            </a:r>
-          </a:p>
-          <a:p>
-            <a:endParaRPr lang="en-GB" dirty="0">
+              <a:rPr lang="en-GB" sz="2000" dirty="0">
+                <a:latin typeface="Arial" panose="020B0604020202020204" pitchFamily="34" charset="0"/>
+                <a:cs typeface="Arial" panose="020B0604020202020204" pitchFamily="34" charset="0"/>
+              </a:rPr>
+              <a:t>Provide the instructions for mapping a </a:t>
+            </a:r>
+            <a:r>
+              <a:rPr lang="en-GB" sz="2000" dirty="0" err="1">
+                <a:latin typeface="Arial" panose="020B0604020202020204" pitchFamily="34" charset="0"/>
+                <a:cs typeface="Arial" panose="020B0604020202020204" pitchFamily="34" charset="0"/>
+              </a:rPr>
+              <a:t>GraphQL</a:t>
+            </a:r>
+            <a:r>
+              <a:rPr lang="en-GB" sz="2000" dirty="0">
+                <a:latin typeface="Arial" panose="020B0604020202020204" pitchFamily="34" charset="0"/>
+                <a:cs typeface="Arial" panose="020B0604020202020204" pitchFamily="34" charset="0"/>
+              </a:rPr>
+              <a:t> operation into an action.</a:t>
+            </a:r>
+          </a:p>
+          <a:p>
+            <a:pPr marL="0" indent="0">
+              <a:buNone/>
+            </a:pPr>
+            <a:endParaRPr lang="en-GB" sz="2000" dirty="0">
               <a:latin typeface="Arial" panose="020B0604020202020204" pitchFamily="34" charset="0"/>
               <a:cs typeface="Arial" panose="020B0604020202020204" pitchFamily="34" charset="0"/>
             </a:endParaRPr>
           </a:p>
           <a:p>
             <a:r>
-              <a:rPr lang="en-GB" dirty="0">
-                <a:latin typeface="Arial" panose="020B0604020202020204" pitchFamily="34" charset="0"/>
-                <a:cs typeface="Arial" panose="020B0604020202020204" pitchFamily="34" charset="0"/>
-              </a:rPr>
-              <a:t>Operation called </a:t>
-            </a:r>
-            <a:r>
-              <a:rPr lang="en-GB" b="1" dirty="0">
+              <a:rPr lang="en-GB" sz="2000" dirty="0">
+                <a:latin typeface="Arial" panose="020B0604020202020204" pitchFamily="34" charset="0"/>
+                <a:cs typeface="Arial" panose="020B0604020202020204" pitchFamily="34" charset="0"/>
+              </a:rPr>
+              <a:t>Query Operation called </a:t>
+            </a:r>
+            <a:r>
+              <a:rPr lang="en-GB" sz="2000" b="1" dirty="0">
                 <a:latin typeface="Arial" panose="020B0604020202020204" pitchFamily="34" charset="0"/>
                 <a:cs typeface="Arial" panose="020B0604020202020204" pitchFamily="34" charset="0"/>
               </a:rPr>
               <a:t>course </a:t>
             </a:r>
             <a:r>
-              <a:rPr lang="en-GB" dirty="0">
-                <a:latin typeface="Arial" panose="020B0604020202020204" pitchFamily="34" charset="0"/>
-                <a:cs typeface="Arial" panose="020B0604020202020204" pitchFamily="34" charset="0"/>
-              </a:rPr>
-              <a:t>inside </a:t>
-            </a:r>
-            <a:r>
-              <a:rPr lang="en-GB" b="1" dirty="0">
-                <a:latin typeface="Arial" panose="020B0604020202020204" pitchFamily="34" charset="0"/>
-                <a:cs typeface="Arial" panose="020B0604020202020204" pitchFamily="34" charset="0"/>
-              </a:rPr>
-              <a:t>type Query </a:t>
-            </a:r>
-            <a:r>
-              <a:rPr lang="en-GB" dirty="0">
+              <a:rPr lang="en-GB" sz="2000" dirty="0">
                 <a:latin typeface="Arial" panose="020B0604020202020204" pitchFamily="34" charset="0"/>
                 <a:cs typeface="Arial" panose="020B0604020202020204" pitchFamily="34" charset="0"/>
               </a:rPr>
               <a:t>is mapped to </a:t>
             </a:r>
             <a:r>
-              <a:rPr lang="en-GB" b="1" dirty="0" err="1">
+              <a:rPr lang="en-GB" sz="2000" b="1" dirty="0" err="1">
                 <a:latin typeface="Arial" panose="020B0604020202020204" pitchFamily="34" charset="0"/>
                 <a:cs typeface="Arial" panose="020B0604020202020204" pitchFamily="34" charset="0"/>
               </a:rPr>
               <a:t>getCourse</a:t>
             </a:r>
             <a:r>
-              <a:rPr lang="en-GB" dirty="0">
+              <a:rPr lang="en-GB" sz="2000" dirty="0">
                 <a:latin typeface="Arial" panose="020B0604020202020204" pitchFamily="34" charset="0"/>
                 <a:cs typeface="Arial" panose="020B0604020202020204" pitchFamily="34" charset="0"/>
               </a:rPr>
@@ -5228,56 +5235,56 @@
             </a:r>
           </a:p>
           <a:p>
-            <a:endParaRPr lang="en-GB" dirty="0">
+            <a:endParaRPr lang="en-GB" sz="2000" dirty="0">
               <a:latin typeface="Arial" panose="020B0604020202020204" pitchFamily="34" charset="0"/>
               <a:cs typeface="Arial" panose="020B0604020202020204" pitchFamily="34" charset="0"/>
             </a:endParaRPr>
           </a:p>
           <a:p>
             <a:r>
-              <a:rPr lang="en-GB" dirty="0">
+              <a:rPr lang="en-GB" sz="2000" dirty="0">
                 <a:latin typeface="Arial" panose="020B0604020202020204" pitchFamily="34" charset="0"/>
                 <a:cs typeface="Arial" panose="020B0604020202020204" pitchFamily="34" charset="0"/>
               </a:rPr>
               <a:t>Operation called </a:t>
             </a:r>
             <a:r>
-              <a:rPr lang="en-GB" b="1" dirty="0">
+              <a:rPr lang="en-GB" sz="2000" b="1" dirty="0">
                 <a:latin typeface="Arial" panose="020B0604020202020204" pitchFamily="34" charset="0"/>
                 <a:cs typeface="Arial" panose="020B0604020202020204" pitchFamily="34" charset="0"/>
               </a:rPr>
               <a:t>courses </a:t>
             </a:r>
             <a:r>
-              <a:rPr lang="en-GB" dirty="0">
+              <a:rPr lang="en-GB" sz="2000" dirty="0">
                 <a:latin typeface="Arial" panose="020B0604020202020204" pitchFamily="34" charset="0"/>
                 <a:cs typeface="Arial" panose="020B0604020202020204" pitchFamily="34" charset="0"/>
               </a:rPr>
               <a:t>inside </a:t>
             </a:r>
             <a:r>
-              <a:rPr lang="en-GB" b="1" dirty="0">
+              <a:rPr lang="en-GB" sz="2000" b="1" dirty="0">
                 <a:latin typeface="Arial" panose="020B0604020202020204" pitchFamily="34" charset="0"/>
                 <a:cs typeface="Arial" panose="020B0604020202020204" pitchFamily="34" charset="0"/>
               </a:rPr>
               <a:t>type Query </a:t>
             </a:r>
             <a:r>
-              <a:rPr lang="en-GB" dirty="0">
+              <a:rPr lang="en-GB" sz="2000" dirty="0">
                 <a:latin typeface="Arial" panose="020B0604020202020204" pitchFamily="34" charset="0"/>
                 <a:cs typeface="Arial" panose="020B0604020202020204" pitchFamily="34" charset="0"/>
               </a:rPr>
               <a:t>is mapped to </a:t>
             </a:r>
             <a:r>
-              <a:rPr lang="en-GB" b="1" dirty="0" err="1">
+              <a:rPr lang="en-GB" sz="2000" b="1" dirty="0" err="1">
                 <a:latin typeface="Arial" panose="020B0604020202020204" pitchFamily="34" charset="0"/>
                 <a:cs typeface="Arial" panose="020B0604020202020204" pitchFamily="34" charset="0"/>
               </a:rPr>
               <a:t>getCourses</a:t>
             </a:r>
             <a:r>
-              <a:rPr lang="en-GB" dirty="0">
+              <a:rPr lang="en-GB" sz="2000" dirty="0">
                 <a:latin typeface="Arial" panose="020B0604020202020204" pitchFamily="34" charset="0"/>
                 <a:cs typeface="Arial" panose="020B0604020202020204" pitchFamily="34" charset="0"/>
               </a:rPr>
@@ -5333,8 +5340,8 @@
         </p:nvSpPr>
         <p:spPr>
           <a:xfrm>
-            <a:off x="8976325" y="2980706"/>
-            <a:ext cx="1996475" cy="997528"/>
+            <a:off x="9204791" y="3393127"/>
+            <a:ext cx="1996475" cy="207265"/>
           </a:xfrm>
           <a:prstGeom prst="rect">
             <a:avLst/>
@@ -5371,6 +5378,194 @@
           </a:p>
         </p:txBody>
       </p:sp>
+      <p:sp>
+        <p:nvSpPr>
+          <p:cNvPr id="5" name="Rectangle 4">
+            <a:extLst>
+              <a:ext uri="{FF2B5EF4-FFF2-40B4-BE49-F238E27FC236}">
+                <a16:creationId xmlns:a16="http://schemas.microsoft.com/office/drawing/2014/main" id="{8F2DE021-8DAF-4D0A-9CD6-22A5A5493D52}"/>
+              </a:ext>
+            </a:extLst>
+          </p:cNvPr>
+          <p:cNvSpPr/>
+          <p:nvPr/>
+        </p:nvSpPr>
+        <p:spPr>
+          <a:xfrm>
+            <a:off x="9546336" y="2060448"/>
+            <a:ext cx="1807465" cy="207264"/>
+          </a:xfrm>
+          <a:prstGeom prst="rect">
+            <a:avLst/>
+          </a:prstGeom>
+          <a:noFill/>
+          <a:ln>
+            <a:solidFill>
+              <a:srgbClr val="FF0000"/>
+            </a:solidFill>
+          </a:ln>
+        </p:spPr>
+        <p:style>
+          <a:lnRef idx="2">
+            <a:schemeClr val="accent1">
+              <a:shade val="50000"/>
+            </a:schemeClr>
+          </a:lnRef>
+          <a:fillRef idx="1">
+            <a:schemeClr val="accent1"/>
+          </a:fillRef>
+          <a:effectRef idx="0">
+            <a:schemeClr val="accent1"/>
+          </a:effectRef>
+          <a:fontRef idx="minor">
+            <a:schemeClr val="lt1"/>
+          </a:fontRef>
+        </p:style>
+        <p:txBody>
+          <a:bodyPr rtlCol="0" anchor="ctr"/>
+          <a:lstStyle/>
+          <a:p>
+            <a:pPr algn="ctr"/>
+            <a:endParaRPr lang="en-GB"/>
+          </a:p>
+        </p:txBody>
+      </p:sp>
+      <p:sp>
+        <p:nvSpPr>
+          <p:cNvPr id="6" name="Rectangle 5">
+            <a:extLst>
+              <a:ext uri="{FF2B5EF4-FFF2-40B4-BE49-F238E27FC236}">
+                <a16:creationId xmlns:a16="http://schemas.microsoft.com/office/drawing/2014/main" id="{1D734344-B7E0-4505-832B-4879C7FAA5B1}"/>
+              </a:ext>
+            </a:extLst>
+          </p:cNvPr>
+          <p:cNvSpPr/>
+          <p:nvPr/>
+        </p:nvSpPr>
+        <p:spPr>
+          <a:xfrm>
+            <a:off x="9038492" y="4185138"/>
+            <a:ext cx="2927839" cy="1116624"/>
+          </a:xfrm>
+          <a:prstGeom prst="rect">
+            <a:avLst/>
+          </a:prstGeom>
+          <a:noFill/>
+          <a:ln>
+            <a:solidFill>
+              <a:srgbClr val="FF0000"/>
+            </a:solidFill>
+          </a:ln>
+        </p:spPr>
+        <p:style>
+          <a:lnRef idx="2">
+            <a:schemeClr val="accent1">
+              <a:shade val="50000"/>
+            </a:schemeClr>
+          </a:lnRef>
+          <a:fillRef idx="1">
+            <a:schemeClr val="accent1"/>
+          </a:fillRef>
+          <a:effectRef idx="0">
+            <a:schemeClr val="accent1"/>
+          </a:effectRef>
+          <a:fontRef idx="minor">
+            <a:schemeClr val="lt1"/>
+          </a:fontRef>
+        </p:style>
+        <p:txBody>
+          <a:bodyPr rtlCol="0" anchor="ctr"/>
+          <a:lstStyle/>
+          <a:p>
+            <a:pPr algn="ctr"/>
+            <a:endParaRPr lang="en-GB"/>
+          </a:p>
+        </p:txBody>
+      </p:sp>
+      <p:cxnSp>
+        <p:nvCxnSpPr>
+          <p:cNvPr id="9" name="Straight Arrow Connector 8">
+            <a:extLst>
+              <a:ext uri="{FF2B5EF4-FFF2-40B4-BE49-F238E27FC236}">
+                <a16:creationId xmlns:a16="http://schemas.microsoft.com/office/drawing/2014/main" id="{4D75086C-9FF4-45DC-AB17-409C23FDEDF3}"/>
+              </a:ext>
+            </a:extLst>
+          </p:cNvPr>
+          <p:cNvCxnSpPr/>
+          <p:nvPr/>
+        </p:nvCxnSpPr>
+        <p:spPr>
+          <a:xfrm>
+            <a:off x="10269415" y="2267712"/>
+            <a:ext cx="0" cy="1125415"/>
+          </a:xfrm>
+          <a:prstGeom prst="straightConnector1">
+            <a:avLst/>
+          </a:prstGeom>
+          <a:ln>
+            <a:solidFill>
+              <a:srgbClr val="FF0000"/>
+            </a:solidFill>
+            <a:tailEnd type="triangle"/>
+          </a:ln>
+        </p:spPr>
+        <p:style>
+          <a:lnRef idx="1">
+            <a:schemeClr val="accent1"/>
+          </a:lnRef>
+          <a:fillRef idx="0">
+            <a:schemeClr val="accent1"/>
+          </a:fillRef>
+          <a:effectRef idx="0">
+            <a:schemeClr val="accent1"/>
+          </a:effectRef>
+          <a:fontRef idx="minor">
+            <a:schemeClr val="tx1"/>
+          </a:fontRef>
+        </p:style>
+      </p:cxnSp>
+      <p:cxnSp>
+        <p:nvCxnSpPr>
+          <p:cNvPr id="11" name="Straight Arrow Connector 10">
+            <a:extLst>
+              <a:ext uri="{FF2B5EF4-FFF2-40B4-BE49-F238E27FC236}">
+                <a16:creationId xmlns:a16="http://schemas.microsoft.com/office/drawing/2014/main" id="{A870C387-0BB7-4B6D-882C-693A569FC81E}"/>
+              </a:ext>
+            </a:extLst>
+          </p:cNvPr>
+          <p:cNvCxnSpPr/>
+          <p:nvPr/>
+        </p:nvCxnSpPr>
+        <p:spPr>
+          <a:xfrm>
+            <a:off x="10269415" y="3600392"/>
+            <a:ext cx="0" cy="584746"/>
+          </a:xfrm>
+          <a:prstGeom prst="straightConnector1">
+            <a:avLst/>
+          </a:prstGeom>
+          <a:ln>
+            <a:solidFill>
+              <a:srgbClr val="FF0000"/>
+            </a:solidFill>
+            <a:tailEnd type="triangle"/>
+          </a:ln>
+        </p:spPr>
+        <p:style>
+          <a:lnRef idx="1">
+            <a:schemeClr val="accent1"/>
+          </a:lnRef>
+          <a:fillRef idx="0">
+            <a:schemeClr val="accent1"/>
+          </a:fillRef>
+          <a:effectRef idx="0">
+            <a:schemeClr val="accent1"/>
+          </a:effectRef>
+          <a:fontRef idx="minor">
+            <a:schemeClr val="tx1"/>
+          </a:fontRef>
+        </p:style>
+      </p:cxnSp>
     </p:spTree>
     <p:extLst>
       <p:ext uri="{BB962C8B-B14F-4D97-AF65-F5344CB8AC3E}">
@@ -7435,9 +7630,9 @@
           <p:nvPr/>
         </p:nvSpPr>
         <p:spPr>
-          <a:xfrm rot="721579">
-            <a:off x="7878378" y="3669186"/>
-            <a:ext cx="2042653" cy="646331"/>
+          <a:xfrm>
+            <a:off x="9240896" y="3954868"/>
+            <a:ext cx="2042653" cy="461665"/>
           </a:xfrm>
           <a:prstGeom prst="rect">
             <a:avLst/>
@@ -7455,7 +7650,7 @@
                 <a:latin typeface="Arial" panose="020B0604020202020204" pitchFamily="34" charset="0"/>
                 <a:cs typeface="Arial" panose="020B0604020202020204" pitchFamily="34" charset="0"/>
               </a:rPr>
-              <a:t>Goes to Resolver which defines what function to execute</a:t>
+              <a:t>Resolver defines what function to execute</a:t>
             </a:r>
           </a:p>
         </p:txBody>
@@ -8230,7 +8425,7 @@
           <p:cNvPr id="2" name="Title 1">
             <a:extLst>
               <a:ext uri="{FF2B5EF4-FFF2-40B4-BE49-F238E27FC236}">
-                <a16:creationId xmlns:a16="http://schemas.microsoft.com/office/drawing/2014/main" id="{EC92009E-A30B-486D-AB02-0FFDAF95A91A}"/>
+                <a16:creationId xmlns:a16="http://schemas.microsoft.com/office/drawing/2014/main" id="{5A77AE23-7EE8-4A86-A4AA-CD17F6990D38}"/>
               </a:ext>
             </a:extLst>
           </p:cNvPr>
@@ -8253,7 +8448,7 @@
                 <a:latin typeface="Arial" panose="020B0604020202020204" pitchFamily="34" charset="0"/>
                 <a:cs typeface="Arial" panose="020B0604020202020204" pitchFamily="34" charset="0"/>
               </a:rPr>
-              <a:t>Server Libraries For Other Platforms</a:t>
+              <a:t>Live Demonstration</a:t>
             </a:r>
           </a:p>
         </p:txBody>
@@ -8263,7 +8458,7 @@
           <p:cNvPr id="3" name="Content Placeholder 2">
             <a:extLst>
               <a:ext uri="{FF2B5EF4-FFF2-40B4-BE49-F238E27FC236}">
-                <a16:creationId xmlns:a16="http://schemas.microsoft.com/office/drawing/2014/main" id="{88BAA412-884D-44C6-9A26-C73F7F06B9EF}"/>
+                <a16:creationId xmlns:a16="http://schemas.microsoft.com/office/drawing/2014/main" id="{8FA25EB6-0680-4A57-A123-928EB7CD72D1}"/>
               </a:ext>
             </a:extLst>
           </p:cNvPr>
@@ -8281,69 +8476,173 @@
           </a:bodyPr>
           <a:lstStyle/>
           <a:p>
+            <a:endParaRPr lang="en-GB" dirty="0"/>
+          </a:p>
+          <a:p>
             <a:pPr marL="0" indent="0">
               <a:buNone/>
             </a:pPr>
             <a:r>
-              <a:rPr lang="en-GB" dirty="0">
-                <a:latin typeface="Arial" panose="020B0604020202020204" pitchFamily="34" charset="0"/>
-                <a:cs typeface="Arial" panose="020B0604020202020204" pitchFamily="34" charset="0"/>
-              </a:rPr>
-              <a:t>Many other programming languages support </a:t>
-            </a:r>
-            <a:r>
-              <a:rPr lang="en-GB" dirty="0" err="1">
+              <a:rPr lang="en-GB" sz="2000" dirty="0">
+                <a:latin typeface="Arial" panose="020B0604020202020204" pitchFamily="34" charset="0"/>
+                <a:cs typeface="Arial" panose="020B0604020202020204" pitchFamily="34" charset="0"/>
+              </a:rPr>
+              <a:t>A simple </a:t>
+            </a:r>
+            <a:r>
+              <a:rPr lang="en-GB" sz="2000" dirty="0" err="1">
                 <a:latin typeface="Arial" panose="020B0604020202020204" pitchFamily="34" charset="0"/>
                 <a:cs typeface="Arial" panose="020B0604020202020204" pitchFamily="34" charset="0"/>
               </a:rPr>
               <a:t>GraphQL</a:t>
             </a:r>
             <a:r>
-              <a:rPr lang="en-GB" dirty="0">
-                <a:latin typeface="Arial" panose="020B0604020202020204" pitchFamily="34" charset="0"/>
-                <a:cs typeface="Arial" panose="020B0604020202020204" pitchFamily="34" charset="0"/>
-              </a:rPr>
-              <a:t>. These include:</a:t>
+              <a:rPr lang="en-GB" sz="2000" dirty="0">
+                <a:latin typeface="Arial" panose="020B0604020202020204" pitchFamily="34" charset="0"/>
+                <a:cs typeface="Arial" panose="020B0604020202020204" pitchFamily="34" charset="0"/>
+              </a:rPr>
+              <a:t> Server built in a Node.js environment using:</a:t>
             </a:r>
           </a:p>
           <a:p>
             <a:pPr marL="0" indent="0">
               <a:buNone/>
             </a:pPr>
-            <a:endParaRPr lang="en-GB" dirty="0">
+            <a:r>
+              <a:rPr lang="en-GB" sz="2000" dirty="0">
+                <a:latin typeface="Arial" panose="020B0604020202020204" pitchFamily="34" charset="0"/>
+                <a:cs typeface="Arial" panose="020B0604020202020204" pitchFamily="34" charset="0"/>
+              </a:rPr>
+              <a:t> </a:t>
+            </a:r>
+          </a:p>
+          <a:p>
+            <a:r>
+              <a:rPr lang="en-GB" sz="2000" b="1" dirty="0">
+                <a:latin typeface="Arial" panose="020B0604020202020204" pitchFamily="34" charset="0"/>
+                <a:cs typeface="Arial" panose="020B0604020202020204" pitchFamily="34" charset="0"/>
+              </a:rPr>
+              <a:t>GraphQL.js</a:t>
+            </a:r>
+            <a:r>
+              <a:rPr lang="en-GB" sz="2000" dirty="0">
+                <a:latin typeface="Arial" panose="020B0604020202020204" pitchFamily="34" charset="0"/>
+                <a:cs typeface="Arial" panose="020B0604020202020204" pitchFamily="34" charset="0"/>
+              </a:rPr>
+              <a:t> (the original reference implementation of the </a:t>
+            </a:r>
+            <a:r>
+              <a:rPr lang="en-GB" sz="2000" dirty="0" err="1">
+                <a:latin typeface="Arial" panose="020B0604020202020204" pitchFamily="34" charset="0"/>
+                <a:cs typeface="Arial" panose="020B0604020202020204" pitchFamily="34" charset="0"/>
+              </a:rPr>
+              <a:t>GraphQL</a:t>
+            </a:r>
+            <a:r>
+              <a:rPr lang="en-GB" sz="2000" dirty="0">
+                <a:latin typeface="Arial" panose="020B0604020202020204" pitchFamily="34" charset="0"/>
+                <a:cs typeface="Arial" panose="020B0604020202020204" pitchFamily="34" charset="0"/>
+              </a:rPr>
+              <a:t> specification) </a:t>
+            </a:r>
+          </a:p>
+          <a:p>
+            <a:endParaRPr lang="en-GB" sz="2000" dirty="0">
               <a:latin typeface="Arial" panose="020B0604020202020204" pitchFamily="34" charset="0"/>
               <a:cs typeface="Arial" panose="020B0604020202020204" pitchFamily="34" charset="0"/>
             </a:endParaRPr>
           </a:p>
           <a:p>
+            <a:r>
+              <a:rPr lang="en-GB" sz="2000" b="1" dirty="0">
+                <a:latin typeface="Arial" panose="020B0604020202020204" pitchFamily="34" charset="0"/>
+                <a:cs typeface="Arial" panose="020B0604020202020204" pitchFamily="34" charset="0"/>
+              </a:rPr>
+              <a:t>Express Web Server</a:t>
+            </a:r>
+          </a:p>
+          <a:p>
             <a:pPr marL="0" indent="0">
               <a:buNone/>
             </a:pPr>
-            <a:r>
-              <a:rPr lang="en-GB" dirty="0">
-                <a:latin typeface="Arial" panose="020B0604020202020204" pitchFamily="34" charset="0"/>
-                <a:cs typeface="Arial" panose="020B0604020202020204" pitchFamily="34" charset="0"/>
-              </a:rPr>
-              <a:t>C# / .NET, Clojure, Elixir, Erlang, Go, Groovy, Java,</a:t>
+            <a:endParaRPr lang="en-GB" sz="2000" dirty="0">
+              <a:latin typeface="Arial" panose="020B0604020202020204" pitchFamily="34" charset="0"/>
+              <a:cs typeface="Arial" panose="020B0604020202020204" pitchFamily="34" charset="0"/>
+            </a:endParaRPr>
+          </a:p>
+          <a:p>
+            <a:r>
+              <a:rPr lang="en-GB" sz="2000" b="1" dirty="0">
+                <a:latin typeface="Arial" panose="020B0604020202020204" pitchFamily="34" charset="0"/>
+                <a:cs typeface="Arial" panose="020B0604020202020204" pitchFamily="34" charset="0"/>
+              </a:rPr>
+              <a:t>express-</a:t>
+            </a:r>
+            <a:r>
+              <a:rPr lang="en-GB" sz="2000" b="1" dirty="0" err="1">
+                <a:latin typeface="Arial" panose="020B0604020202020204" pitchFamily="34" charset="0"/>
+                <a:cs typeface="Arial" panose="020B0604020202020204" pitchFamily="34" charset="0"/>
+              </a:rPr>
+              <a:t>graphql</a:t>
+            </a:r>
+            <a:r>
+              <a:rPr lang="en-GB" sz="2000" b="1" dirty="0">
+                <a:latin typeface="Arial" panose="020B0604020202020204" pitchFamily="34" charset="0"/>
+                <a:cs typeface="Arial" panose="020B0604020202020204" pitchFamily="34" charset="0"/>
+              </a:rPr>
+              <a:t> </a:t>
+            </a:r>
+            <a:r>
+              <a:rPr lang="en-GB" sz="2000" dirty="0">
+                <a:latin typeface="Arial" panose="020B0604020202020204" pitchFamily="34" charset="0"/>
+                <a:cs typeface="Arial" panose="020B0604020202020204" pitchFamily="34" charset="0"/>
+              </a:rPr>
+              <a:t>(middleware between </a:t>
+            </a:r>
+            <a:r>
+              <a:rPr lang="en-GB" sz="2000" dirty="0" err="1">
+                <a:latin typeface="Arial" panose="020B0604020202020204" pitchFamily="34" charset="0"/>
+                <a:cs typeface="Arial" panose="020B0604020202020204" pitchFamily="34" charset="0"/>
+              </a:rPr>
+              <a:t>GraphQL</a:t>
+            </a:r>
+            <a:r>
+              <a:rPr lang="en-GB" sz="2000" dirty="0">
+                <a:latin typeface="Arial" panose="020B0604020202020204" pitchFamily="34" charset="0"/>
+                <a:cs typeface="Arial" panose="020B0604020202020204" pitchFamily="34" charset="0"/>
+              </a:rPr>
+              <a:t> and Express)</a:t>
             </a:r>
           </a:p>
           <a:p>
             <a:pPr marL="0" indent="0">
               <a:buNone/>
             </a:pPr>
-            <a:r>
-              <a:rPr lang="en-GB" dirty="0">
-                <a:latin typeface="Arial" panose="020B0604020202020204" pitchFamily="34" charset="0"/>
-                <a:cs typeface="Arial" panose="020B0604020202020204" pitchFamily="34" charset="0"/>
-              </a:rPr>
-              <a:t>PHP, Python, Scala, Ruby</a:t>
-            </a:r>
+            <a:endParaRPr lang="en-GB" sz="2000" b="1" dirty="0">
+              <a:latin typeface="Arial" panose="020B0604020202020204" pitchFamily="34" charset="0"/>
+              <a:cs typeface="Arial" panose="020B0604020202020204" pitchFamily="34" charset="0"/>
+            </a:endParaRPr>
           </a:p>
           <a:p>
             <a:pPr marL="0" indent="0">
               <a:buNone/>
             </a:pPr>
-            <a:endParaRPr lang="en-GB" dirty="0">
+            <a:r>
+              <a:rPr lang="en-GB" sz="2000" b="1" dirty="0">
+                <a:latin typeface="Arial" panose="020B0604020202020204" pitchFamily="34" charset="0"/>
+                <a:cs typeface="Arial" panose="020B0604020202020204" pitchFamily="34" charset="0"/>
+              </a:rPr>
+              <a:t>Source Code: </a:t>
+            </a:r>
+            <a:r>
+              <a:rPr lang="en-GB" sz="2000" b="1" dirty="0">
+                <a:latin typeface="Arial" panose="020B0604020202020204" pitchFamily="34" charset="0"/>
+                <a:cs typeface="Arial" panose="020B0604020202020204" pitchFamily="34" charset="0"/>
+                <a:hlinkClick r:id="rId2"/>
+              </a:rPr>
+              <a:t>https://github.com/patelg123/graphql-server</a:t>
+            </a:r>
+            <a:endParaRPr lang="en-GB" sz="2000" b="1" dirty="0">
               <a:latin typeface="Arial" panose="020B0604020202020204" pitchFamily="34" charset="0"/>
               <a:cs typeface="Arial" panose="020B0604020202020204" pitchFamily="34" charset="0"/>
             </a:endParaRPr>
@@ -8352,22 +8651,7 @@
             <a:pPr marL="0" indent="0">
               <a:buNone/>
             </a:pPr>
-            <a:r>
-              <a:rPr lang="en-GB" dirty="0">
-                <a:latin typeface="Arial" panose="020B0604020202020204" pitchFamily="34" charset="0"/>
-                <a:cs typeface="Arial" panose="020B0604020202020204" pitchFamily="34" charset="0"/>
-              </a:rPr>
-              <a:t>Full list available at </a:t>
-            </a:r>
-            <a:r>
-              <a:rPr lang="en-GB" dirty="0">
-                <a:latin typeface="Arial" panose="020B0604020202020204" pitchFamily="34" charset="0"/>
-                <a:cs typeface="Arial" panose="020B0604020202020204" pitchFamily="34" charset="0"/>
-                <a:hlinkClick r:id="rId2"/>
-              </a:rPr>
-              <a:t>https://graphql.org/code/#server-libraries</a:t>
-            </a:r>
-            <a:endParaRPr lang="en-GB" dirty="0">
+            <a:endParaRPr lang="en-GB" sz="2000" b="1" dirty="0">
               <a:latin typeface="Arial" panose="020B0604020202020204" pitchFamily="34" charset="0"/>
               <a:cs typeface="Arial" panose="020B0604020202020204" pitchFamily="34" charset="0"/>
             </a:endParaRPr>
@@ -8376,17 +8660,47 @@
             <a:pPr marL="0" indent="0">
               <a:buNone/>
             </a:pPr>
-            <a:endParaRPr lang="en-GB" dirty="0">
+            <a:endParaRPr lang="en-GB" sz="2000" b="1" dirty="0">
               <a:latin typeface="Arial" panose="020B0604020202020204" pitchFamily="34" charset="0"/>
               <a:cs typeface="Arial" panose="020B0604020202020204" pitchFamily="34" charset="0"/>
             </a:endParaRPr>
+          </a:p>
+          <a:p>
+            <a:pPr marL="0" indent="0">
+              <a:buNone/>
+            </a:pPr>
+            <a:endParaRPr lang="en-GB" sz="2000" b="1" dirty="0">
+              <a:latin typeface="Arial" panose="020B0604020202020204" pitchFamily="34" charset="0"/>
+              <a:cs typeface="Arial" panose="020B0604020202020204" pitchFamily="34" charset="0"/>
+            </a:endParaRPr>
+          </a:p>
+          <a:p>
+            <a:pPr marL="0" indent="0">
+              <a:buNone/>
+            </a:pPr>
+            <a:endParaRPr lang="en-GB" sz="2000" b="1" dirty="0">
+              <a:latin typeface="Arial" panose="020B0604020202020204" pitchFamily="34" charset="0"/>
+              <a:cs typeface="Arial" panose="020B0604020202020204" pitchFamily="34" charset="0"/>
+            </a:endParaRPr>
+          </a:p>
+          <a:p>
+            <a:endParaRPr lang="en-GB" sz="2000" b="1" dirty="0">
+              <a:latin typeface="Arial" panose="020B0604020202020204" pitchFamily="34" charset="0"/>
+              <a:cs typeface="Arial" panose="020B0604020202020204" pitchFamily="34" charset="0"/>
+            </a:endParaRPr>
+          </a:p>
+          <a:p>
+            <a:pPr marL="0" indent="0">
+              <a:buNone/>
+            </a:pPr>
+            <a:endParaRPr lang="en-GB" dirty="0"/>
           </a:p>
         </p:txBody>
       </p:sp>
     </p:spTree>
     <p:extLst>
       <p:ext uri="{BB962C8B-B14F-4D97-AF65-F5344CB8AC3E}">
-        <p14:creationId xmlns:p14="http://schemas.microsoft.com/office/powerpoint/2010/main" val="3196012546"/>
+        <p14:creationId xmlns:p14="http://schemas.microsoft.com/office/powerpoint/2010/main" val="185134489"/>
       </p:ext>
     </p:extLst>
   </p:cSld>
@@ -8418,7 +8732,7 @@
           <p:cNvPr id="2" name="Title 1">
             <a:extLst>
               <a:ext uri="{FF2B5EF4-FFF2-40B4-BE49-F238E27FC236}">
-                <a16:creationId xmlns:a16="http://schemas.microsoft.com/office/drawing/2014/main" id="{71583229-ABC8-4D06-8760-244F45458210}"/>
+                <a16:creationId xmlns:a16="http://schemas.microsoft.com/office/drawing/2014/main" id="{EC92009E-A30B-486D-AB02-0FFDAF95A91A}"/>
               </a:ext>
             </a:extLst>
           </p:cNvPr>
@@ -8441,7 +8755,7 @@
                 <a:latin typeface="Arial" panose="020B0604020202020204" pitchFamily="34" charset="0"/>
                 <a:cs typeface="Arial" panose="020B0604020202020204" pitchFamily="34" charset="0"/>
               </a:rPr>
-              <a:t>JavaScript Client Libraries</a:t>
+              <a:t>Server Libraries For Other Platforms</a:t>
             </a:r>
           </a:p>
         </p:txBody>
@@ -8451,7 +8765,7 @@
           <p:cNvPr id="3" name="Content Placeholder 2">
             <a:extLst>
               <a:ext uri="{FF2B5EF4-FFF2-40B4-BE49-F238E27FC236}">
-                <a16:creationId xmlns:a16="http://schemas.microsoft.com/office/drawing/2014/main" id="{BD9CCB9B-1BC4-4CB7-A3AD-A0B672E59396}"/>
+                <a16:creationId xmlns:a16="http://schemas.microsoft.com/office/drawing/2014/main" id="{88BAA412-884D-44C6-9A26-C73F7F06B9EF}"/>
               </a:ext>
             </a:extLst>
           </p:cNvPr>
@@ -8465,7 +8779,7 @@
         <p:spPr/>
         <p:txBody>
           <a:bodyPr>
-            <a:normAutofit lnSpcReduction="10000"/>
+            <a:normAutofit/>
           </a:bodyPr>
           <a:lstStyle/>
           <a:p>
@@ -8477,7 +8791,7 @@
                 <a:latin typeface="Arial" panose="020B0604020202020204" pitchFamily="34" charset="0"/>
                 <a:cs typeface="Arial" panose="020B0604020202020204" pitchFamily="34" charset="0"/>
               </a:rPr>
-              <a:t>Used to interact with the </a:t>
+              <a:t>Many other programming languages support </a:t>
             </a:r>
             <a:r>
               <a:rPr lang="en-GB" dirty="0" err="1">
@@ -8491,7 +8805,7 @@
                 <a:latin typeface="Arial" panose="020B0604020202020204" pitchFamily="34" charset="0"/>
                 <a:cs typeface="Arial" panose="020B0604020202020204" pitchFamily="34" charset="0"/>
               </a:rPr>
-              <a:t> API from client side</a:t>
+              <a:t>. These include:</a:t>
             </a:r>
           </a:p>
           <a:p>
@@ -8512,7 +8826,19 @@
                 <a:latin typeface="Arial" panose="020B0604020202020204" pitchFamily="34" charset="0"/>
                 <a:cs typeface="Arial" panose="020B0604020202020204" pitchFamily="34" charset="0"/>
               </a:rPr>
-              <a:t>Two of the most popular are:</a:t>
+              <a:t>C# / .NET, Clojure, Elixir, Erlang, Go, Groovy, Java,</a:t>
+            </a:r>
+          </a:p>
+          <a:p>
+            <a:pPr marL="0" indent="0">
+              <a:buNone/>
+            </a:pPr>
+            <a:r>
+              <a:rPr lang="en-GB" dirty="0">
+                <a:latin typeface="Arial" panose="020B0604020202020204" pitchFamily="34" charset="0"/>
+                <a:cs typeface="Arial" panose="020B0604020202020204" pitchFamily="34" charset="0"/>
+              </a:rPr>
+              <a:t>PHP, Python, Scala, Ruby</a:t>
             </a:r>
           </a:p>
           <a:p>
@@ -8525,77 +8851,44 @@
             </a:endParaRPr>
           </a:p>
           <a:p>
-            <a:r>
-              <a:rPr lang="en-GB" b="1" dirty="0">
-                <a:latin typeface="Arial" panose="020B0604020202020204" pitchFamily="34" charset="0"/>
-                <a:cs typeface="Arial" panose="020B0604020202020204" pitchFamily="34" charset="0"/>
-              </a:rPr>
-              <a:t>Apollo Client</a:t>
-            </a:r>
+            <a:pPr marL="0" indent="0">
+              <a:buNone/>
+            </a:pPr>
             <a:r>
               <a:rPr lang="en-GB" dirty="0">
                 <a:latin typeface="Arial" panose="020B0604020202020204" pitchFamily="34" charset="0"/>
                 <a:cs typeface="Arial" panose="020B0604020202020204" pitchFamily="34" charset="0"/>
               </a:rPr>
-              <a:t>: A powerful JavaScript </a:t>
-            </a:r>
-            <a:r>
-              <a:rPr lang="en-GB" dirty="0" err="1">
-                <a:latin typeface="Arial" panose="020B0604020202020204" pitchFamily="34" charset="0"/>
-                <a:cs typeface="Arial" panose="020B0604020202020204" pitchFamily="34" charset="0"/>
-              </a:rPr>
-              <a:t>GraphQL</a:t>
+              <a:t>Full list available at </a:t>
             </a:r>
             <a:r>
               <a:rPr lang="en-GB" dirty="0">
                 <a:latin typeface="Arial" panose="020B0604020202020204" pitchFamily="34" charset="0"/>
                 <a:cs typeface="Arial" panose="020B0604020202020204" pitchFamily="34" charset="0"/>
-              </a:rPr>
-              <a:t> client, designed to work well with React, React Native, Angular, or just plain JavaScript.</a:t>
-            </a:r>
-          </a:p>
-          <a:p>
+                <a:hlinkClick r:id="rId2"/>
+              </a:rPr>
+              <a:t>https://graphql.org/code/#server-libraries</a:t>
+            </a:r>
             <a:endParaRPr lang="en-GB" dirty="0">
               <a:latin typeface="Arial" panose="020B0604020202020204" pitchFamily="34" charset="0"/>
               <a:cs typeface="Arial" panose="020B0604020202020204" pitchFamily="34" charset="0"/>
             </a:endParaRPr>
           </a:p>
           <a:p>
-            <a:r>
-              <a:rPr lang="en-GB" b="1" dirty="0">
-                <a:latin typeface="Arial" panose="020B0604020202020204" pitchFamily="34" charset="0"/>
-                <a:cs typeface="Arial" panose="020B0604020202020204" pitchFamily="34" charset="0"/>
-              </a:rPr>
-              <a:t>Relay</a:t>
-            </a:r>
-            <a:r>
-              <a:rPr lang="en-GB" dirty="0">
-                <a:latin typeface="Arial" panose="020B0604020202020204" pitchFamily="34" charset="0"/>
-                <a:cs typeface="Arial" panose="020B0604020202020204" pitchFamily="34" charset="0"/>
-              </a:rPr>
-              <a:t>: Facebook's framework for building React applications that talk to a </a:t>
-            </a:r>
-            <a:r>
-              <a:rPr lang="en-GB" dirty="0" err="1">
-                <a:latin typeface="Arial" panose="020B0604020202020204" pitchFamily="34" charset="0"/>
-                <a:cs typeface="Arial" panose="020B0604020202020204" pitchFamily="34" charset="0"/>
-              </a:rPr>
-              <a:t>GraphQL</a:t>
-            </a:r>
-            <a:r>
-              <a:rPr lang="en-GB" dirty="0">
-                <a:latin typeface="Arial" panose="020B0604020202020204" pitchFamily="34" charset="0"/>
-                <a:cs typeface="Arial" panose="020B0604020202020204" pitchFamily="34" charset="0"/>
-              </a:rPr>
-              <a:t> backend.</a:t>
-            </a:r>
+            <a:pPr marL="0" indent="0">
+              <a:buNone/>
+            </a:pPr>
+            <a:endParaRPr lang="en-GB" dirty="0">
+              <a:latin typeface="Arial" panose="020B0604020202020204" pitchFamily="34" charset="0"/>
+              <a:cs typeface="Arial" panose="020B0604020202020204" pitchFamily="34" charset="0"/>
+            </a:endParaRPr>
           </a:p>
         </p:txBody>
       </p:sp>
     </p:spTree>
     <p:extLst>
       <p:ext uri="{BB962C8B-B14F-4D97-AF65-F5344CB8AC3E}">
-        <p14:creationId xmlns:p14="http://schemas.microsoft.com/office/powerpoint/2010/main" val="578184197"/>
+        <p14:creationId xmlns:p14="http://schemas.microsoft.com/office/powerpoint/2010/main" val="3196012546"/>
       </p:ext>
     </p:extLst>
   </p:cSld>
@@ -8627,7 +8920,7 @@
           <p:cNvPr id="2" name="Title 1">
             <a:extLst>
               <a:ext uri="{FF2B5EF4-FFF2-40B4-BE49-F238E27FC236}">
-                <a16:creationId xmlns:a16="http://schemas.microsoft.com/office/drawing/2014/main" id="{6B220E0C-09EC-4A5E-BA35-D7847543BBC7}"/>
+                <a16:creationId xmlns:a16="http://schemas.microsoft.com/office/drawing/2014/main" id="{71583229-ABC8-4D06-8760-244F45458210}"/>
               </a:ext>
             </a:extLst>
           </p:cNvPr>
@@ -8640,17 +8933,18 @@
         </p:nvSpPr>
         <p:spPr/>
         <p:txBody>
-          <a:bodyPr/>
+          <a:bodyPr>
+            <a:normAutofit/>
+          </a:bodyPr>
           <a:lstStyle/>
           <a:p>
             <a:r>
-              <a:rPr lang="en-GB" b="1" dirty="0">
-                <a:latin typeface="Arial" panose="020B0604020202020204" pitchFamily="34" charset="0"/>
-                <a:cs typeface="Arial" panose="020B0604020202020204" pitchFamily="34" charset="0"/>
-              </a:rPr>
-              <a:t>Client Libraries For Other Platforms</a:t>
-            </a:r>
-            <a:endParaRPr lang="en-GB" dirty="0"/>
+              <a:rPr lang="en-GB" sz="4000" b="1" dirty="0">
+                <a:latin typeface="Arial" panose="020B0604020202020204" pitchFamily="34" charset="0"/>
+                <a:cs typeface="Arial" panose="020B0604020202020204" pitchFamily="34" charset="0"/>
+              </a:rPr>
+              <a:t>JavaScript Client Libraries</a:t>
+            </a:r>
           </a:p>
         </p:txBody>
       </p:sp>
@@ -8659,7 +8953,7 @@
           <p:cNvPr id="3" name="Content Placeholder 2">
             <a:extLst>
               <a:ext uri="{FF2B5EF4-FFF2-40B4-BE49-F238E27FC236}">
-                <a16:creationId xmlns:a16="http://schemas.microsoft.com/office/drawing/2014/main" id="{B27D5DB3-8876-45C5-BED9-9D5465A4CCB3}"/>
+                <a16:creationId xmlns:a16="http://schemas.microsoft.com/office/drawing/2014/main" id="{BD9CCB9B-1BC4-4CB7-A3AD-A0B672E59396}"/>
               </a:ext>
             </a:extLst>
           </p:cNvPr>
@@ -8672,7 +8966,9 @@
         </p:nvSpPr>
         <p:spPr/>
         <p:txBody>
-          <a:bodyPr/>
+          <a:bodyPr>
+            <a:normAutofit lnSpcReduction="10000"/>
+          </a:bodyPr>
           <a:lstStyle/>
           <a:p>
             <a:pPr marL="0" indent="0">
@@ -8683,72 +8979,27 @@
                 <a:latin typeface="Arial" panose="020B0604020202020204" pitchFamily="34" charset="0"/>
                 <a:cs typeface="Arial" panose="020B0604020202020204" pitchFamily="34" charset="0"/>
               </a:rPr>
-              <a:t>Again there is support in other programming languages </a:t>
+              <a:t>Used to interact with the </a:t>
+            </a:r>
+            <a:r>
+              <a:rPr lang="en-GB" dirty="0" err="1">
+                <a:latin typeface="Arial" panose="020B0604020202020204" pitchFamily="34" charset="0"/>
+                <a:cs typeface="Arial" panose="020B0604020202020204" pitchFamily="34" charset="0"/>
+              </a:rPr>
+              <a:t>GraphQL</a:t>
+            </a:r>
+            <a:r>
+              <a:rPr lang="en-GB" dirty="0">
+                <a:latin typeface="Arial" panose="020B0604020202020204" pitchFamily="34" charset="0"/>
+                <a:cs typeface="Arial" panose="020B0604020202020204" pitchFamily="34" charset="0"/>
+              </a:rPr>
+              <a:t> API from client side</a:t>
             </a:r>
           </a:p>
           <a:p>
             <a:pPr marL="0" indent="0">
               <a:buNone/>
             </a:pPr>
-            <a:r>
-              <a:rPr lang="en-GB" dirty="0">
-                <a:latin typeface="Arial" panose="020B0604020202020204" pitchFamily="34" charset="0"/>
-                <a:cs typeface="Arial" panose="020B0604020202020204" pitchFamily="34" charset="0"/>
-              </a:rPr>
-              <a:t>These include:</a:t>
-            </a:r>
-          </a:p>
-          <a:p>
-            <a:pPr marL="0" indent="0">
-              <a:buNone/>
-            </a:pPr>
-            <a:r>
-              <a:rPr lang="en-GB" dirty="0"/>
-              <a:t>	 C# / .NET, </a:t>
-            </a:r>
-            <a:r>
-              <a:rPr lang="en-GB" dirty="0" err="1"/>
-              <a:t>Clojurescript</a:t>
-            </a:r>
-            <a:r>
-              <a:rPr lang="en-GB" dirty="0"/>
-              <a:t>, Go, Java / Android, Swift /</a:t>
-            </a:r>
-          </a:p>
-          <a:p>
-            <a:pPr marL="0" indent="0">
-              <a:buNone/>
-            </a:pPr>
-            <a:r>
-              <a:rPr lang="en-GB" dirty="0"/>
-              <a:t>	Objective-C iOS, Python</a:t>
-            </a:r>
-          </a:p>
-          <a:p>
-            <a:pPr marL="0" indent="0">
-              <a:buNone/>
-            </a:pPr>
-            <a:endParaRPr lang="en-GB" dirty="0"/>
-          </a:p>
-          <a:p>
-            <a:pPr marL="0" indent="0">
-              <a:buNone/>
-            </a:pPr>
-            <a:r>
-              <a:rPr lang="en-GB" dirty="0">
-                <a:latin typeface="Arial" panose="020B0604020202020204" pitchFamily="34" charset="0"/>
-                <a:cs typeface="Arial" panose="020B0604020202020204" pitchFamily="34" charset="0"/>
-              </a:rPr>
-              <a:t>Full list available at </a:t>
-            </a:r>
-            <a:r>
-              <a:rPr lang="en-GB" dirty="0">
-                <a:latin typeface="Arial" panose="020B0604020202020204" pitchFamily="34" charset="0"/>
-                <a:cs typeface="Arial" panose="020B0604020202020204" pitchFamily="34" charset="0"/>
-                <a:hlinkClick r:id="rId2"/>
-              </a:rPr>
-              <a:t>https://graphql.org/code/#graphql-clients</a:t>
-            </a:r>
             <a:endParaRPr lang="en-GB" dirty="0">
               <a:latin typeface="Arial" panose="020B0604020202020204" pitchFamily="34" charset="0"/>
               <a:cs typeface="Arial" panose="020B0604020202020204" pitchFamily="34" charset="0"/>
@@ -8758,20 +9009,95 @@
             <a:pPr marL="0" indent="0">
               <a:buNone/>
             </a:pPr>
-            <a:endParaRPr lang="en-GB" dirty="0"/>
+            <a:r>
+              <a:rPr lang="en-GB" dirty="0">
+                <a:latin typeface="Arial" panose="020B0604020202020204" pitchFamily="34" charset="0"/>
+                <a:cs typeface="Arial" panose="020B0604020202020204" pitchFamily="34" charset="0"/>
+              </a:rPr>
+              <a:t>Two of the most popular are:</a:t>
+            </a:r>
           </a:p>
           <a:p>
             <a:pPr marL="0" indent="0">
               <a:buNone/>
             </a:pPr>
-            <a:endParaRPr lang="en-GB" dirty="0"/>
+            <a:endParaRPr lang="en-GB" dirty="0">
+              <a:latin typeface="Arial" panose="020B0604020202020204" pitchFamily="34" charset="0"/>
+              <a:cs typeface="Arial" panose="020B0604020202020204" pitchFamily="34" charset="0"/>
+            </a:endParaRPr>
+          </a:p>
+          <a:p>
+            <a:r>
+              <a:rPr lang="en-GB" b="1" dirty="0">
+                <a:latin typeface="Arial" panose="020B0604020202020204" pitchFamily="34" charset="0"/>
+                <a:cs typeface="Arial" panose="020B0604020202020204" pitchFamily="34" charset="0"/>
+              </a:rPr>
+              <a:t>Apollo Client</a:t>
+            </a:r>
+            <a:r>
+              <a:rPr lang="en-GB" dirty="0">
+                <a:latin typeface="Arial" panose="020B0604020202020204" pitchFamily="34" charset="0"/>
+                <a:cs typeface="Arial" panose="020B0604020202020204" pitchFamily="34" charset="0"/>
+              </a:rPr>
+              <a:t>: A powerful JavaScript </a:t>
+            </a:r>
+            <a:r>
+              <a:rPr lang="en-GB" dirty="0" err="1">
+                <a:latin typeface="Arial" panose="020B0604020202020204" pitchFamily="34" charset="0"/>
+                <a:cs typeface="Arial" panose="020B0604020202020204" pitchFamily="34" charset="0"/>
+              </a:rPr>
+              <a:t>GraphQL</a:t>
+            </a:r>
+            <a:r>
+              <a:rPr lang="en-GB" dirty="0">
+                <a:latin typeface="Arial" panose="020B0604020202020204" pitchFamily="34" charset="0"/>
+                <a:cs typeface="Arial" panose="020B0604020202020204" pitchFamily="34" charset="0"/>
+              </a:rPr>
+              <a:t> client, designed to work well with React, React Native, Angular, or just plain JavaScript.</a:t>
+            </a:r>
+          </a:p>
+          <a:p>
+            <a:endParaRPr lang="en-GB" dirty="0">
+              <a:latin typeface="Arial" panose="020B0604020202020204" pitchFamily="34" charset="0"/>
+              <a:cs typeface="Arial" panose="020B0604020202020204" pitchFamily="34" charset="0"/>
+            </a:endParaRPr>
+          </a:p>
+          <a:p>
+            <a:r>
+              <a:rPr lang="en-GB" b="1" dirty="0">
+                <a:latin typeface="Arial" panose="020B0604020202020204" pitchFamily="34" charset="0"/>
+                <a:cs typeface="Arial" panose="020B0604020202020204" pitchFamily="34" charset="0"/>
+              </a:rPr>
+              <a:t>Relay</a:t>
+            </a:r>
+            <a:r>
+              <a:rPr lang="en-GB" dirty="0">
+                <a:latin typeface="Arial" panose="020B0604020202020204" pitchFamily="34" charset="0"/>
+                <a:cs typeface="Arial" panose="020B0604020202020204" pitchFamily="34" charset="0"/>
+              </a:rPr>
+              <a:t>: Facebook's framework for building React applications that talk to a </a:t>
+            </a:r>
+            <a:r>
+              <a:rPr lang="en-GB" dirty="0" err="1">
+                <a:latin typeface="Arial" panose="020B0604020202020204" pitchFamily="34" charset="0"/>
+                <a:cs typeface="Arial" panose="020B0604020202020204" pitchFamily="34" charset="0"/>
+              </a:rPr>
+              <a:t>GraphQL</a:t>
+            </a:r>
+            <a:r>
+              <a:rPr lang="en-GB" dirty="0">
+                <a:latin typeface="Arial" panose="020B0604020202020204" pitchFamily="34" charset="0"/>
+                <a:cs typeface="Arial" panose="020B0604020202020204" pitchFamily="34" charset="0"/>
+              </a:rPr>
+              <a:t> backend.</a:t>
+            </a:r>
           </a:p>
         </p:txBody>
       </p:sp>
     </p:spTree>
     <p:extLst>
       <p:ext uri="{BB962C8B-B14F-4D97-AF65-F5344CB8AC3E}">
-        <p14:creationId xmlns:p14="http://schemas.microsoft.com/office/powerpoint/2010/main" val="4035345678"/>
+        <p14:creationId xmlns:p14="http://schemas.microsoft.com/office/powerpoint/2010/main" val="578184197"/>
       </p:ext>
     </p:extLst>
   </p:cSld>
@@ -8803,7 +9129,7 @@
           <p:cNvPr id="2" name="Title 1">
             <a:extLst>
               <a:ext uri="{FF2B5EF4-FFF2-40B4-BE49-F238E27FC236}">
-                <a16:creationId xmlns:a16="http://schemas.microsoft.com/office/drawing/2014/main" id="{5A77AE23-7EE8-4A86-A4AA-CD17F6990D38}"/>
+                <a16:creationId xmlns:a16="http://schemas.microsoft.com/office/drawing/2014/main" id="{6B220E0C-09EC-4A5E-BA35-D7847543BBC7}"/>
               </a:ext>
             </a:extLst>
           </p:cNvPr>
@@ -8816,18 +9142,17 @@
         </p:nvSpPr>
         <p:spPr/>
         <p:txBody>
-          <a:bodyPr>
-            <a:normAutofit/>
-          </a:bodyPr>
+          <a:bodyPr/>
           <a:lstStyle/>
           <a:p>
             <a:r>
-              <a:rPr lang="en-GB" sz="4000" b="1" dirty="0">
-                <a:latin typeface="Arial" panose="020B0604020202020204" pitchFamily="34" charset="0"/>
-                <a:cs typeface="Arial" panose="020B0604020202020204" pitchFamily="34" charset="0"/>
-              </a:rPr>
-              <a:t>Live Demonstration</a:t>
-            </a:r>
+              <a:rPr lang="en-GB" b="1" dirty="0">
+                <a:latin typeface="Arial" panose="020B0604020202020204" pitchFamily="34" charset="0"/>
+                <a:cs typeface="Arial" panose="020B0604020202020204" pitchFamily="34" charset="0"/>
+              </a:rPr>
+              <a:t>Client Libraries For Other Platforms</a:t>
+            </a:r>
+            <a:endParaRPr lang="en-GB" dirty="0"/>
           </a:p>
         </p:txBody>
       </p:sp>
@@ -8836,7 +9161,7 @@
           <p:cNvPr id="3" name="Content Placeholder 2">
             <a:extLst>
               <a:ext uri="{FF2B5EF4-FFF2-40B4-BE49-F238E27FC236}">
-                <a16:creationId xmlns:a16="http://schemas.microsoft.com/office/drawing/2014/main" id="{8FA25EB6-0680-4A57-A123-928EB7CD72D1}"/>
+                <a16:creationId xmlns:a16="http://schemas.microsoft.com/office/drawing/2014/main" id="{B27D5DB3-8876-45C5-BED9-9D5465A4CCB3}"/>
               </a:ext>
             </a:extLst>
           </p:cNvPr>
@@ -8849,37 +9174,18 @@
         </p:nvSpPr>
         <p:spPr/>
         <p:txBody>
-          <a:bodyPr>
-            <a:normAutofit/>
-          </a:bodyPr>
+          <a:bodyPr/>
           <a:lstStyle/>
-          <a:p>
-            <a:endParaRPr lang="en-GB" dirty="0"/>
-          </a:p>
           <a:p>
             <a:pPr marL="0" indent="0">
               <a:buNone/>
             </a:pPr>
             <a:r>
-              <a:rPr lang="en-GB" sz="2000" dirty="0">
-                <a:latin typeface="Arial" panose="020B0604020202020204" pitchFamily="34" charset="0"/>
-                <a:cs typeface="Arial" panose="020B0604020202020204" pitchFamily="34" charset="0"/>
-              </a:rPr>
-              <a:t>A simple </a:t>
-            </a:r>
-            <a:r>
-              <a:rPr lang="en-GB" sz="2000" dirty="0" err="1">
-                <a:latin typeface="Arial" panose="020B0604020202020204" pitchFamily="34" charset="0"/>
-                <a:cs typeface="Arial" panose="020B0604020202020204" pitchFamily="34" charset="0"/>
-              </a:rPr>
-              <a:t>GraphQL</a:t>
-            </a:r>
-            <a:r>
-              <a:rPr lang="en-GB" sz="2000" dirty="0">
-                <a:latin typeface="Arial" panose="020B0604020202020204" pitchFamily="34" charset="0"/>
-                <a:cs typeface="Arial" panose="020B0604020202020204" pitchFamily="34" charset="0"/>
-              </a:rPr>
-              <a:t> Server built in a Node.js environment using:</a:t>
+              <a:rPr lang="en-GB" dirty="0">
+                <a:latin typeface="Arial" panose="020B0604020202020204" pitchFamily="34" charset="0"/>
+                <a:cs typeface="Arial" panose="020B0604020202020204" pitchFamily="34" charset="0"/>
+              </a:rPr>
+              <a:t>Again there is support in other programming languages </a:t>
             </a:r>
           </a:p>
           <a:p>
@@ -8887,120 +9193,74 @@
               <a:buNone/>
             </a:pPr>
             <a:r>
-              <a:rPr lang="en-GB" sz="2000" dirty="0">
-                <a:latin typeface="Arial" panose="020B0604020202020204" pitchFamily="34" charset="0"/>
-                <a:cs typeface="Arial" panose="020B0604020202020204" pitchFamily="34" charset="0"/>
-              </a:rPr>
-              <a:t> </a:t>
-            </a:r>
-          </a:p>
-          <a:p>
-            <a:r>
-              <a:rPr lang="en-GB" sz="2000" b="1" dirty="0">
-                <a:latin typeface="Arial" panose="020B0604020202020204" pitchFamily="34" charset="0"/>
-                <a:cs typeface="Arial" panose="020B0604020202020204" pitchFamily="34" charset="0"/>
-              </a:rPr>
-              <a:t>GraphQL.js</a:t>
-            </a:r>
-            <a:r>
-              <a:rPr lang="en-GB" sz="2000" dirty="0">
-                <a:latin typeface="Arial" panose="020B0604020202020204" pitchFamily="34" charset="0"/>
-                <a:cs typeface="Arial" panose="020B0604020202020204" pitchFamily="34" charset="0"/>
-              </a:rPr>
-              <a:t> (the original reference implementation of the </a:t>
-            </a:r>
-            <a:r>
-              <a:rPr lang="en-GB" sz="2000" dirty="0" err="1">
-                <a:latin typeface="Arial" panose="020B0604020202020204" pitchFamily="34" charset="0"/>
-                <a:cs typeface="Arial" panose="020B0604020202020204" pitchFamily="34" charset="0"/>
-              </a:rPr>
-              <a:t>GraphQL</a:t>
-            </a:r>
-            <a:r>
-              <a:rPr lang="en-GB" sz="2000" dirty="0">
-                <a:latin typeface="Arial" panose="020B0604020202020204" pitchFamily="34" charset="0"/>
-                <a:cs typeface="Arial" panose="020B0604020202020204" pitchFamily="34" charset="0"/>
-              </a:rPr>
-              <a:t> specification) </a:t>
-            </a:r>
-          </a:p>
-          <a:p>
-            <a:endParaRPr lang="en-GB" sz="2000" dirty="0">
+              <a:rPr lang="en-GB" dirty="0">
+                <a:latin typeface="Arial" panose="020B0604020202020204" pitchFamily="34" charset="0"/>
+                <a:cs typeface="Arial" panose="020B0604020202020204" pitchFamily="34" charset="0"/>
+              </a:rPr>
+              <a:t>These include:</a:t>
+            </a:r>
+          </a:p>
+          <a:p>
+            <a:pPr marL="0" indent="0">
+              <a:buNone/>
+            </a:pPr>
+            <a:r>
+              <a:rPr lang="en-GB" dirty="0"/>
+              <a:t>	 C# / .NET, </a:t>
+            </a:r>
+            <a:r>
+              <a:rPr lang="en-GB" dirty="0" err="1"/>
+              <a:t>Clojurescript</a:t>
+            </a:r>
+            <a:r>
+              <a:rPr lang="en-GB" dirty="0"/>
+              <a:t>, Go, Java / Android, Swift /</a:t>
+            </a:r>
+          </a:p>
+          <a:p>
+            <a:pPr marL="0" indent="0">
+              <a:buNone/>
+            </a:pPr>
+            <a:r>
+              <a:rPr lang="en-GB" dirty="0"/>
+              <a:t>	Objective-C iOS, Python</a:t>
+            </a:r>
+          </a:p>
+          <a:p>
+            <a:pPr marL="0" indent="0">
+              <a:buNone/>
+            </a:pPr>
+            <a:endParaRPr lang="en-GB" dirty="0"/>
+          </a:p>
+          <a:p>
+            <a:pPr marL="0" indent="0">
+              <a:buNone/>
+            </a:pPr>
+            <a:r>
+              <a:rPr lang="en-GB" dirty="0">
+                <a:latin typeface="Arial" panose="020B0604020202020204" pitchFamily="34" charset="0"/>
+                <a:cs typeface="Arial" panose="020B0604020202020204" pitchFamily="34" charset="0"/>
+              </a:rPr>
+              <a:t>Full list available at </a:t>
+            </a:r>
+            <a:r>
+              <a:rPr lang="en-GB" dirty="0">
+                <a:latin typeface="Arial" panose="020B0604020202020204" pitchFamily="34" charset="0"/>
+                <a:cs typeface="Arial" panose="020B0604020202020204" pitchFamily="34" charset="0"/>
+                <a:hlinkClick r:id="rId2"/>
+              </a:rPr>
+              <a:t>https://graphql.org/code/#graphql-clients</a:t>
+            </a:r>
+            <a:endParaRPr lang="en-GB" dirty="0">
               <a:latin typeface="Arial" panose="020B0604020202020204" pitchFamily="34" charset="0"/>
               <a:cs typeface="Arial" panose="020B0604020202020204" pitchFamily="34" charset="0"/>
             </a:endParaRPr>
           </a:p>
           <a:p>
-            <a:r>
-              <a:rPr lang="en-GB" sz="2000" b="1" dirty="0">
-                <a:latin typeface="Arial" panose="020B0604020202020204" pitchFamily="34" charset="0"/>
-                <a:cs typeface="Arial" panose="020B0604020202020204" pitchFamily="34" charset="0"/>
-              </a:rPr>
-              <a:t>Express Web Server</a:t>
-            </a:r>
-          </a:p>
-          <a:p>
             <a:pPr marL="0" indent="0">
               <a:buNone/>
             </a:pPr>
-            <a:endParaRPr lang="en-GB" sz="2000" dirty="0">
-              <a:latin typeface="Arial" panose="020B0604020202020204" pitchFamily="34" charset="0"/>
-              <a:cs typeface="Arial" panose="020B0604020202020204" pitchFamily="34" charset="0"/>
-            </a:endParaRPr>
-          </a:p>
-          <a:p>
-            <a:r>
-              <a:rPr lang="en-GB" sz="2000" b="1" dirty="0">
-                <a:latin typeface="Arial" panose="020B0604020202020204" pitchFamily="34" charset="0"/>
-                <a:cs typeface="Arial" panose="020B0604020202020204" pitchFamily="34" charset="0"/>
-              </a:rPr>
-              <a:t>express-</a:t>
-            </a:r>
-            <a:r>
-              <a:rPr lang="en-GB" sz="2000" b="1" dirty="0" err="1">
-                <a:latin typeface="Arial" panose="020B0604020202020204" pitchFamily="34" charset="0"/>
-                <a:cs typeface="Arial" panose="020B0604020202020204" pitchFamily="34" charset="0"/>
-              </a:rPr>
-              <a:t>graphql</a:t>
-            </a:r>
-            <a:r>
-              <a:rPr lang="en-GB" sz="2000" b="1" dirty="0">
-                <a:latin typeface="Arial" panose="020B0604020202020204" pitchFamily="34" charset="0"/>
-                <a:cs typeface="Arial" panose="020B0604020202020204" pitchFamily="34" charset="0"/>
-              </a:rPr>
-              <a:t> </a:t>
-            </a:r>
-            <a:r>
-              <a:rPr lang="en-GB" sz="2000" dirty="0">
-                <a:latin typeface="Arial" panose="020B0604020202020204" pitchFamily="34" charset="0"/>
-                <a:cs typeface="Arial" panose="020B0604020202020204" pitchFamily="34" charset="0"/>
-              </a:rPr>
-              <a:t>(middleware between </a:t>
-            </a:r>
-            <a:r>
-              <a:rPr lang="en-GB" sz="2000" dirty="0" err="1">
-                <a:latin typeface="Arial" panose="020B0604020202020204" pitchFamily="34" charset="0"/>
-                <a:cs typeface="Arial" panose="020B0604020202020204" pitchFamily="34" charset="0"/>
-              </a:rPr>
-              <a:t>GraphQL</a:t>
-            </a:r>
-            <a:r>
-              <a:rPr lang="en-GB" sz="2000" dirty="0">
-                <a:latin typeface="Arial" panose="020B0604020202020204" pitchFamily="34" charset="0"/>
-                <a:cs typeface="Arial" panose="020B0604020202020204" pitchFamily="34" charset="0"/>
-              </a:rPr>
-              <a:t> and Express)</a:t>
-            </a:r>
-            <a:endParaRPr lang="en-GB" sz="2000" b="1" dirty="0">
-              <a:latin typeface="Arial" panose="020B0604020202020204" pitchFamily="34" charset="0"/>
-              <a:cs typeface="Arial" panose="020B0604020202020204" pitchFamily="34" charset="0"/>
-            </a:endParaRPr>
-          </a:p>
-          <a:p>
-            <a:endParaRPr lang="en-GB" sz="2000" b="1" dirty="0">
-              <a:latin typeface="Arial" panose="020B0604020202020204" pitchFamily="34" charset="0"/>
-              <a:cs typeface="Arial" panose="020B0604020202020204" pitchFamily="34" charset="0"/>
-            </a:endParaRPr>
+            <a:endParaRPr lang="en-GB" dirty="0"/>
           </a:p>
           <a:p>
             <a:pPr marL="0" indent="0">
@@ -9013,7 +9273,7 @@
     </p:spTree>
     <p:extLst>
       <p:ext uri="{BB962C8B-B14F-4D97-AF65-F5344CB8AC3E}">
-        <p14:creationId xmlns:p14="http://schemas.microsoft.com/office/powerpoint/2010/main" val="185134489"/>
+        <p14:creationId xmlns:p14="http://schemas.microsoft.com/office/powerpoint/2010/main" val="4035345678"/>
       </p:ext>
     </p:extLst>
   </p:cSld>
@@ -11008,10 +11268,59 @@
       </p:grpSpPr>
       <p:sp>
         <p:nvSpPr>
+          <p:cNvPr id="2" name="Title 1">
+            <a:extLst>
+              <a:ext uri="{FF2B5EF4-FFF2-40B4-BE49-F238E27FC236}">
+                <a16:creationId xmlns:a16="http://schemas.microsoft.com/office/drawing/2014/main" id="{893C171C-8731-49C4-A21E-009C30BF45F4}"/>
+              </a:ext>
+            </a:extLst>
+          </p:cNvPr>
+          <p:cNvSpPr>
+            <a:spLocks noGrp="1"/>
+          </p:cNvSpPr>
+          <p:nvPr>
+            <p:ph type="title"/>
+          </p:nvPr>
+        </p:nvSpPr>
+        <p:spPr>
+          <a:xfrm>
+            <a:off x="838200" y="365126"/>
+            <a:ext cx="10515600" cy="490536"/>
+          </a:xfrm>
+        </p:spPr>
+        <p:txBody>
+          <a:bodyPr>
+            <a:normAutofit fontScale="90000"/>
+          </a:bodyPr>
+          <a:lstStyle/>
+          <a:p>
+            <a:r>
+              <a:rPr lang="en-GB" sz="4000" b="1" dirty="0" err="1">
+                <a:latin typeface="Arial" panose="020B0604020202020204" pitchFamily="34" charset="0"/>
+                <a:cs typeface="Arial" panose="020B0604020202020204" pitchFamily="34" charset="0"/>
+              </a:rPr>
+              <a:t>GraphQL</a:t>
+            </a:r>
+            <a:r>
+              <a:rPr lang="en-GB" sz="4000" b="1" dirty="0">
+                <a:latin typeface="Arial" panose="020B0604020202020204" pitchFamily="34" charset="0"/>
+                <a:cs typeface="Arial" panose="020B0604020202020204" pitchFamily="34" charset="0"/>
+              </a:rPr>
+              <a:t> Schema Stitching</a:t>
+            </a:r>
+            <a:br>
+              <a:rPr lang="en-GB" b="1" dirty="0"/>
+            </a:br>
+            <a:endParaRPr lang="en-GB" dirty="0"/>
+          </a:p>
+        </p:txBody>
+      </p:sp>
+      <p:sp>
+        <p:nvSpPr>
           <p:cNvPr id="3" name="Content Placeholder 2">
             <a:extLst>
               <a:ext uri="{FF2B5EF4-FFF2-40B4-BE49-F238E27FC236}">
-                <a16:creationId xmlns:a16="http://schemas.microsoft.com/office/drawing/2014/main" id="{424BD421-50F2-45E6-992D-89C04A3E92FA}"/>
+                <a16:creationId xmlns:a16="http://schemas.microsoft.com/office/drawing/2014/main" id="{2A277538-F53C-4213-8E4A-3E49458751CB}"/>
               </a:ext>
             </a:extLst>
           </p:cNvPr>
@@ -11024,8 +11333,8 @@
         </p:nvSpPr>
         <p:spPr>
           <a:xfrm>
-            <a:off x="838200" y="106006"/>
-            <a:ext cx="10515600" cy="6158315"/>
+            <a:off x="231648" y="3920872"/>
+            <a:ext cx="6964680" cy="1477328"/>
           </a:xfrm>
         </p:spPr>
         <p:txBody>
@@ -11034,33 +11343,169 @@
           </a:bodyPr>
           <a:lstStyle/>
           <a:p>
-            <a:pPr marL="0" indent="0">
-              <a:buNone/>
-            </a:pPr>
-            <a:r>
-              <a:rPr lang="en-GB" sz="3600" b="1" dirty="0">
-                <a:latin typeface="Arial" panose="020B0604020202020204" pitchFamily="34" charset="0"/>
-                <a:cs typeface="Arial" panose="020B0604020202020204" pitchFamily="34" charset="0"/>
-              </a:rPr>
-              <a:t>No Need For Versioning:</a:t>
-            </a:r>
-          </a:p>
-          <a:p>
-            <a:pPr marL="0" indent="0">
-              <a:buNone/>
-            </a:pPr>
-            <a:endParaRPr lang="en-GB" sz="4000" b="1" dirty="0">
+            <a:r>
+              <a:rPr lang="en-GB" sz="1800" dirty="0">
+                <a:latin typeface="Arial" panose="020B0604020202020204" pitchFamily="34" charset="0"/>
+                <a:cs typeface="Arial" panose="020B0604020202020204" pitchFamily="34" charset="0"/>
+              </a:rPr>
+              <a:t>Useful with microservices architecture </a:t>
+            </a:r>
+          </a:p>
+          <a:p>
+            <a:endParaRPr lang="en-GB" sz="1800" dirty="0">
               <a:latin typeface="Arial" panose="020B0604020202020204" pitchFamily="34" charset="0"/>
               <a:cs typeface="Arial" panose="020B0604020202020204" pitchFamily="34" charset="0"/>
             </a:endParaRPr>
           </a:p>
           <a:p>
             <a:r>
+              <a:rPr lang="en-GB" sz="1800" dirty="0">
+                <a:latin typeface="Arial" panose="020B0604020202020204" pitchFamily="34" charset="0"/>
+                <a:cs typeface="Arial" panose="020B0604020202020204" pitchFamily="34" charset="0"/>
+              </a:rPr>
+              <a:t>Each microservice can have its own </a:t>
+            </a:r>
+            <a:r>
+              <a:rPr lang="en-GB" sz="1800" dirty="0" err="1">
+                <a:latin typeface="Arial" panose="020B0604020202020204" pitchFamily="34" charset="0"/>
+                <a:cs typeface="Arial" panose="020B0604020202020204" pitchFamily="34" charset="0"/>
+              </a:rPr>
+              <a:t>GraphQL</a:t>
+            </a:r>
+            <a:r>
+              <a:rPr lang="en-GB" sz="1800" dirty="0">
+                <a:latin typeface="Arial" panose="020B0604020202020204" pitchFamily="34" charset="0"/>
+                <a:cs typeface="Arial" panose="020B0604020202020204" pitchFamily="34" charset="0"/>
+              </a:rPr>
+              <a:t> endpoint which can be consolidated to create one </a:t>
+            </a:r>
+            <a:r>
+              <a:rPr lang="en-GB" sz="1800" dirty="0" err="1">
+                <a:latin typeface="Arial" panose="020B0604020202020204" pitchFamily="34" charset="0"/>
+                <a:cs typeface="Arial" panose="020B0604020202020204" pitchFamily="34" charset="0"/>
+              </a:rPr>
+              <a:t>GraphQL</a:t>
+            </a:r>
+            <a:r>
+              <a:rPr lang="en-GB" sz="1800" dirty="0">
+                <a:latin typeface="Arial" panose="020B0604020202020204" pitchFamily="34" charset="0"/>
+                <a:cs typeface="Arial" panose="020B0604020202020204" pitchFamily="34" charset="0"/>
+              </a:rPr>
+              <a:t> API gateway.</a:t>
+            </a:r>
+          </a:p>
+          <a:p>
+            <a:endParaRPr lang="en-GB" sz="1800" dirty="0"/>
+          </a:p>
+          <a:p>
+            <a:endParaRPr lang="en-GB" dirty="0"/>
+          </a:p>
+          <a:p>
+            <a:endParaRPr lang="en-GB" dirty="0"/>
+          </a:p>
+          <a:p>
+            <a:endParaRPr lang="en-GB" dirty="0"/>
+          </a:p>
+        </p:txBody>
+      </p:sp>
+      <p:pic>
+        <p:nvPicPr>
+          <p:cNvPr id="5" name="Picture 4">
+            <a:extLst>
+              <a:ext uri="{FF2B5EF4-FFF2-40B4-BE49-F238E27FC236}">
+                <a16:creationId xmlns:a16="http://schemas.microsoft.com/office/drawing/2014/main" id="{E8CDC491-86CC-4391-873B-C3FB3390A95F}"/>
+              </a:ext>
+            </a:extLst>
+          </p:cNvPr>
+          <p:cNvPicPr>
+            <a:picLocks noChangeAspect="1"/>
+          </p:cNvPicPr>
+          <p:nvPr/>
+        </p:nvPicPr>
+        <p:blipFill>
+          <a:blip r:embed="rId2"/>
+          <a:stretch>
+            <a:fillRect/>
+          </a:stretch>
+        </p:blipFill>
+        <p:spPr>
+          <a:xfrm>
+            <a:off x="7559040" y="1258173"/>
+            <a:ext cx="4495800" cy="1352550"/>
+          </a:xfrm>
+          <a:prstGeom prst="rect">
+            <a:avLst/>
+          </a:prstGeom>
+        </p:spPr>
+      </p:pic>
+      <p:pic>
+        <p:nvPicPr>
+          <p:cNvPr id="6" name="Picture 5">
+            <a:extLst>
+              <a:ext uri="{FF2B5EF4-FFF2-40B4-BE49-F238E27FC236}">
+                <a16:creationId xmlns:a16="http://schemas.microsoft.com/office/drawing/2014/main" id="{07647416-14EA-45FB-847B-B3D6A48A8031}"/>
+              </a:ext>
+            </a:extLst>
+          </p:cNvPr>
+          <p:cNvPicPr>
+            <a:picLocks noChangeAspect="1"/>
+          </p:cNvPicPr>
+          <p:nvPr/>
+        </p:nvPicPr>
+        <p:blipFill>
+          <a:blip r:embed="rId3"/>
+          <a:stretch>
+            <a:fillRect/>
+          </a:stretch>
+        </p:blipFill>
+        <p:spPr>
+          <a:xfrm>
+            <a:off x="7559040" y="4038314"/>
+            <a:ext cx="3343275" cy="1809750"/>
+          </a:xfrm>
+          <a:prstGeom prst="rect">
+            <a:avLst/>
+          </a:prstGeom>
+        </p:spPr>
+      </p:pic>
+      <p:sp>
+        <p:nvSpPr>
+          <p:cNvPr id="7" name="TextBox 6">
+            <a:extLst>
+              <a:ext uri="{FF2B5EF4-FFF2-40B4-BE49-F238E27FC236}">
+                <a16:creationId xmlns:a16="http://schemas.microsoft.com/office/drawing/2014/main" id="{E6E7D4CA-BC52-40C3-AE5E-048627A1006A}"/>
+              </a:ext>
+            </a:extLst>
+          </p:cNvPr>
+          <p:cNvSpPr txBox="1"/>
+          <p:nvPr/>
+        </p:nvSpPr>
+        <p:spPr>
+          <a:xfrm>
+            <a:off x="137160" y="1258173"/>
+            <a:ext cx="7165848" cy="1754326"/>
+          </a:xfrm>
+          <a:prstGeom prst="rect">
+            <a:avLst/>
+          </a:prstGeom>
+          <a:noFill/>
+        </p:spPr>
+        <p:txBody>
+          <a:bodyPr wrap="square" rtlCol="0">
+            <a:spAutoFit/>
+          </a:bodyPr>
+          <a:lstStyle/>
+          <a:p>
+            <a:pPr marL="285750" indent="-285750">
+              <a:buFont typeface="Arial" panose="020B0604020202020204" pitchFamily="34" charset="0"/>
+              <a:buChar char="•"/>
+            </a:pPr>
+            <a:r>
               <a:rPr lang="en-GB" dirty="0">
                 <a:latin typeface="Arial" panose="020B0604020202020204" pitchFamily="34" charset="0"/>
                 <a:cs typeface="Arial" panose="020B0604020202020204" pitchFamily="34" charset="0"/>
               </a:rPr>
-              <a:t>Can easily add new fields and types to our </a:t>
+              <a:t>Schema Stitching  allows the creation of a single </a:t>
             </a:r>
             <a:r>
               <a:rPr lang="en-GB" dirty="0" err="1">
@@ -11074,40 +11519,21 @@
                 <a:latin typeface="Arial" panose="020B0604020202020204" pitchFamily="34" charset="0"/>
                 <a:cs typeface="Arial" panose="020B0604020202020204" pitchFamily="34" charset="0"/>
               </a:rPr>
-              <a:t> API without impacting existing queries</a:t>
-            </a:r>
-          </a:p>
-          <a:p>
-            <a:pPr marL="0" indent="0">
-              <a:buNone/>
-            </a:pPr>
-            <a:endParaRPr lang="en-GB" dirty="0"/>
-          </a:p>
-          <a:p>
-            <a:pPr marL="0" indent="0">
-              <a:buNone/>
-            </a:pPr>
-            <a:r>
-              <a:rPr lang="en-GB" sz="3600" b="1" dirty="0">
-                <a:latin typeface="Arial" panose="020B0604020202020204" pitchFamily="34" charset="0"/>
-                <a:cs typeface="Arial" panose="020B0604020202020204" pitchFamily="34" charset="0"/>
-              </a:rPr>
-              <a:t>No Need To Create A Custom Data Endpoints:</a:t>
-            </a:r>
-          </a:p>
-          <a:p>
-            <a:pPr marL="0" indent="0">
-              <a:buNone/>
-            </a:pPr>
-            <a:endParaRPr lang="en-GB" sz="4000" b="1" dirty="0"/>
-          </a:p>
-          <a:p>
+              <a:t> schema from multiple underlying </a:t>
+            </a:r>
+            <a:r>
+              <a:rPr lang="en-GB" dirty="0" err="1">
+                <a:latin typeface="Arial" panose="020B0604020202020204" pitchFamily="34" charset="0"/>
+                <a:cs typeface="Arial" panose="020B0604020202020204" pitchFamily="34" charset="0"/>
+              </a:rPr>
+              <a:t>GraphQL</a:t>
+            </a:r>
             <a:r>
               <a:rPr lang="en-GB" dirty="0">
                 <a:latin typeface="Arial" panose="020B0604020202020204" pitchFamily="34" charset="0"/>
                 <a:cs typeface="Arial" panose="020B0604020202020204" pitchFamily="34" charset="0"/>
               </a:rPr>
-              <a:t>Exact data requirements are specified on the client side</a:t>
+              <a:t> APIs (sub-schemas)</a:t>
             </a:r>
           </a:p>
           <a:p>
@@ -11117,33 +11543,30 @@
             </a:endParaRPr>
           </a:p>
           <a:p>
-            <a:r>
-              <a:rPr lang="en-GB" dirty="0" err="1">
-                <a:latin typeface="Arial" panose="020B0604020202020204" pitchFamily="34" charset="0"/>
-                <a:cs typeface="Arial" panose="020B0604020202020204" pitchFamily="34" charset="0"/>
-              </a:rPr>
-              <a:t>GraphQL</a:t>
-            </a:r>
+            <a:endParaRPr lang="en-GB" dirty="0">
+              <a:latin typeface="Arial" panose="020B0604020202020204" pitchFamily="34" charset="0"/>
+              <a:cs typeface="Arial" panose="020B0604020202020204" pitchFamily="34" charset="0"/>
+            </a:endParaRPr>
+          </a:p>
+          <a:p>
+            <a:pPr marL="285750" indent="-285750">
+              <a:buFont typeface="Arial" panose="020B0604020202020204" pitchFamily="34" charset="0"/>
+              <a:buChar char="•"/>
+            </a:pPr>
             <a:r>
               <a:rPr lang="en-GB" dirty="0">
                 <a:latin typeface="Arial" panose="020B0604020202020204" pitchFamily="34" charset="0"/>
                 <a:cs typeface="Arial" panose="020B0604020202020204" pitchFamily="34" charset="0"/>
               </a:rPr>
-              <a:t> server will only return those requested by the client</a:t>
-            </a:r>
-          </a:p>
-          <a:p>
-            <a:pPr marL="0" indent="0">
-              <a:buNone/>
-            </a:pPr>
-            <a:endParaRPr lang="en-GB" dirty="0"/>
+              <a:t>These sub-schemas can be either local to the server, or running on a remote server</a:t>
+            </a:r>
           </a:p>
         </p:txBody>
       </p:sp>
     </p:spTree>
     <p:extLst>
       <p:ext uri="{BB962C8B-B14F-4D97-AF65-F5344CB8AC3E}">
-        <p14:creationId xmlns:p14="http://schemas.microsoft.com/office/powerpoint/2010/main" val="3681285667"/>
+        <p14:creationId xmlns:p14="http://schemas.microsoft.com/office/powerpoint/2010/main" val="3997901101"/>
       </p:ext>
     </p:extLst>
   </p:cSld>
@@ -11172,10 +11595,10 @@
       </p:grpSpPr>
       <p:sp>
         <p:nvSpPr>
-          <p:cNvPr id="2" name="Title 1">
-            <a:extLst>
-              <a:ext uri="{FF2B5EF4-FFF2-40B4-BE49-F238E27FC236}">
-                <a16:creationId xmlns:a16="http://schemas.microsoft.com/office/drawing/2014/main" id="{2C63CBC6-7DB4-4E54-BCC5-14F93A3F7D6A}"/>
+          <p:cNvPr id="3" name="Content Placeholder 2">
+            <a:extLst>
+              <a:ext uri="{FF2B5EF4-FFF2-40B4-BE49-F238E27FC236}">
+                <a16:creationId xmlns:a16="http://schemas.microsoft.com/office/drawing/2014/main" id="{424BD421-50F2-45E6-992D-89C04A3E92FA}"/>
               </a:ext>
             </a:extLst>
           </p:cNvPr>
@@ -11183,44 +11606,100 @@
             <a:spLocks noGrp="1"/>
           </p:cNvSpPr>
           <p:nvPr>
-            <p:ph type="title"/>
+            <p:ph idx="1"/>
           </p:nvPr>
         </p:nvSpPr>
-        <p:spPr/>
+        <p:spPr>
+          <a:xfrm>
+            <a:off x="838200" y="106006"/>
+            <a:ext cx="10515600" cy="6158315"/>
+          </a:xfrm>
+        </p:spPr>
         <p:txBody>
           <a:bodyPr>
             <a:normAutofit/>
           </a:bodyPr>
           <a:lstStyle/>
           <a:p>
-            <a:r>
-              <a:rPr lang="en-GB" sz="4000" b="1" dirty="0">
-                <a:latin typeface="Arial" panose="020B0604020202020204" pitchFamily="34" charset="0"/>
-                <a:cs typeface="Arial" panose="020B0604020202020204" pitchFamily="34" charset="0"/>
-              </a:rPr>
-              <a:t>Some </a:t>
-            </a:r>
-            <a:r>
-              <a:rPr lang="en-GB" sz="4000" b="1" dirty="0" err="1">
+            <a:pPr marL="0" indent="0">
+              <a:buNone/>
+            </a:pPr>
+            <a:r>
+              <a:rPr lang="en-GB" sz="3600" b="1" dirty="0">
+                <a:latin typeface="Arial" panose="020B0604020202020204" pitchFamily="34" charset="0"/>
+                <a:cs typeface="Arial" panose="020B0604020202020204" pitchFamily="34" charset="0"/>
+              </a:rPr>
+              <a:t>No Need For Versioning:</a:t>
+            </a:r>
+          </a:p>
+          <a:p>
+            <a:pPr marL="0" indent="0">
+              <a:buNone/>
+            </a:pPr>
+            <a:endParaRPr lang="en-GB" sz="4000" b="1" dirty="0">
+              <a:latin typeface="Arial" panose="020B0604020202020204" pitchFamily="34" charset="0"/>
+              <a:cs typeface="Arial" panose="020B0604020202020204" pitchFamily="34" charset="0"/>
+            </a:endParaRPr>
+          </a:p>
+          <a:p>
+            <a:r>
+              <a:rPr lang="en-GB" dirty="0">
+                <a:latin typeface="Arial" panose="020B0604020202020204" pitchFamily="34" charset="0"/>
+                <a:cs typeface="Arial" panose="020B0604020202020204" pitchFamily="34" charset="0"/>
+              </a:rPr>
+              <a:t>Can easily add new fields and types to our </a:t>
+            </a:r>
+            <a:r>
+              <a:rPr lang="en-GB" dirty="0" err="1">
                 <a:latin typeface="Arial" panose="020B0604020202020204" pitchFamily="34" charset="0"/>
                 <a:cs typeface="Arial" panose="020B0604020202020204" pitchFamily="34" charset="0"/>
               </a:rPr>
               <a:t>GraphQL</a:t>
             </a:r>
             <a:r>
-              <a:rPr lang="en-GB" sz="4000" b="1" dirty="0">
-                <a:latin typeface="Arial" panose="020B0604020202020204" pitchFamily="34" charset="0"/>
-                <a:cs typeface="Arial" panose="020B0604020202020204" pitchFamily="34" charset="0"/>
-              </a:rPr>
-              <a:t> Cons</a:t>
-            </a:r>
+              <a:rPr lang="en-GB" dirty="0">
+                <a:latin typeface="Arial" panose="020B0604020202020204" pitchFamily="34" charset="0"/>
+                <a:cs typeface="Arial" panose="020B0604020202020204" pitchFamily="34" charset="0"/>
+              </a:rPr>
+              <a:t> API without impacting existing queries</a:t>
+            </a:r>
+          </a:p>
+          <a:p>
+            <a:endParaRPr lang="en-GB" dirty="0">
+              <a:latin typeface="Arial" panose="020B0604020202020204" pitchFamily="34" charset="0"/>
+              <a:cs typeface="Arial" panose="020B0604020202020204" pitchFamily="34" charset="0"/>
+            </a:endParaRPr>
+          </a:p>
+          <a:p>
+            <a:endParaRPr lang="en-GB" dirty="0">
+              <a:latin typeface="Arial" panose="020B0604020202020204" pitchFamily="34" charset="0"/>
+              <a:cs typeface="Arial" panose="020B0604020202020204" pitchFamily="34" charset="0"/>
+            </a:endParaRPr>
+          </a:p>
+          <a:p>
+            <a:pPr marL="0" indent="0">
+              <a:buNone/>
+            </a:pPr>
+            <a:endParaRPr lang="en-GB" dirty="0"/>
+          </a:p>
+          <a:p>
+            <a:pPr marL="0" indent="0">
+              <a:buNone/>
+            </a:pPr>
+            <a:endParaRPr lang="en-GB" sz="4000" b="1" dirty="0"/>
+          </a:p>
+          <a:p>
+            <a:pPr marL="0" indent="0">
+              <a:buNone/>
+            </a:pPr>
+            <a:endParaRPr lang="en-GB" dirty="0"/>
           </a:p>
         </p:txBody>
       </p:sp>
     </p:spTree>
     <p:extLst>
       <p:ext uri="{BB962C8B-B14F-4D97-AF65-F5344CB8AC3E}">
-        <p14:creationId xmlns:p14="http://schemas.microsoft.com/office/powerpoint/2010/main" val="2749597948"/>
+        <p14:creationId xmlns:p14="http://schemas.microsoft.com/office/powerpoint/2010/main" val="3681285667"/>
       </p:ext>
     </p:extLst>
   </p:cSld>
@@ -11252,7 +11731,7 @@
           <p:cNvPr id="2" name="Title 1">
             <a:extLst>
               <a:ext uri="{FF2B5EF4-FFF2-40B4-BE49-F238E27FC236}">
-                <a16:creationId xmlns:a16="http://schemas.microsoft.com/office/drawing/2014/main" id="{6F93E33B-E8EA-469B-8B6C-6855B42BF147}"/>
+                <a16:creationId xmlns:a16="http://schemas.microsoft.com/office/drawing/2014/main" id="{3C10C2F9-8805-4236-B937-3629A5E1D38F}"/>
               </a:ext>
             </a:extLst>
           </p:cNvPr>
@@ -11271,12 +11750,19 @@
           <a:lstStyle/>
           <a:p>
             <a:r>
-              <a:rPr lang="en-GB" sz="4000" b="1" dirty="0">
-                <a:latin typeface="Arial" panose="020B0604020202020204" pitchFamily="34" charset="0"/>
-                <a:cs typeface="Arial" panose="020B0604020202020204" pitchFamily="34" charset="0"/>
-              </a:rPr>
-              <a:t>Denial of Service Attacks</a:t>
-            </a:r>
+              <a:rPr lang="en-GB" sz="3200" b="1" dirty="0">
+                <a:latin typeface="Arial" panose="020B0604020202020204" pitchFamily="34" charset="0"/>
+                <a:cs typeface="Arial" panose="020B0604020202020204" pitchFamily="34" charset="0"/>
+              </a:rPr>
+              <a:t>No Need To Create A Custom Data Endpoints:</a:t>
+            </a:r>
+            <a:br>
+              <a:rPr lang="en-GB" sz="3200" b="1" dirty="0">
+                <a:latin typeface="Arial" panose="020B0604020202020204" pitchFamily="34" charset="0"/>
+                <a:cs typeface="Arial" panose="020B0604020202020204" pitchFamily="34" charset="0"/>
+              </a:rPr>
+            </a:br>
+            <a:endParaRPr lang="en-GB" sz="3200" dirty="0"/>
           </a:p>
         </p:txBody>
       </p:sp>
@@ -11285,7 +11771,7 @@
           <p:cNvPr id="3" name="Content Placeholder 2">
             <a:extLst>
               <a:ext uri="{FF2B5EF4-FFF2-40B4-BE49-F238E27FC236}">
-                <a16:creationId xmlns:a16="http://schemas.microsoft.com/office/drawing/2014/main" id="{767B64BA-C5ED-40A9-A106-8E3FA7B2ECC5}"/>
+                <a16:creationId xmlns:a16="http://schemas.microsoft.com/office/drawing/2014/main" id="{5576025F-C886-43DC-9FB5-70A00F45B4FF}"/>
               </a:ext>
             </a:extLst>
           </p:cNvPr>
@@ -11306,21 +11792,7 @@
                 <a:latin typeface="Arial" panose="020B0604020202020204" pitchFamily="34" charset="0"/>
                 <a:cs typeface="Arial" panose="020B0604020202020204" pitchFamily="34" charset="0"/>
               </a:rPr>
-              <a:t>A </a:t>
-            </a:r>
-            <a:r>
-              <a:rPr lang="en-GB" dirty="0" err="1">
-                <a:latin typeface="Arial" panose="020B0604020202020204" pitchFamily="34" charset="0"/>
-                <a:cs typeface="Arial" panose="020B0604020202020204" pitchFamily="34" charset="0"/>
-              </a:rPr>
-              <a:t>GraphQL</a:t>
-            </a:r>
-            <a:r>
-              <a:rPr lang="en-GB" dirty="0">
-                <a:latin typeface="Arial" panose="020B0604020202020204" pitchFamily="34" charset="0"/>
-                <a:cs typeface="Arial" panose="020B0604020202020204" pitchFamily="34" charset="0"/>
-              </a:rPr>
-              <a:t> server can be attacked with overly complex queries that can consume all the resources of the server. </a:t>
+              <a:t>Exact data requirements are specified on the client side</a:t>
             </a:r>
           </a:p>
           <a:p>
@@ -11331,40 +11803,21 @@
           </a:p>
           <a:p>
             <a:r>
+              <a:rPr lang="en-GB" dirty="0" err="1">
+                <a:latin typeface="Arial" panose="020B0604020202020204" pitchFamily="34" charset="0"/>
+                <a:cs typeface="Arial" panose="020B0604020202020204" pitchFamily="34" charset="0"/>
+              </a:rPr>
+              <a:t>GraphQL</a:t>
+            </a:r>
+            <a:r>
               <a:rPr lang="en-GB" dirty="0">
                 <a:latin typeface="Arial" panose="020B0604020202020204" pitchFamily="34" charset="0"/>
                 <a:cs typeface="Arial" panose="020B0604020202020204" pitchFamily="34" charset="0"/>
               </a:rPr>
-              <a:t>Although not specific to </a:t>
-            </a:r>
-            <a:r>
-              <a:rPr lang="en-GB" dirty="0" err="1">
-                <a:latin typeface="Arial" panose="020B0604020202020204" pitchFamily="34" charset="0"/>
-                <a:cs typeface="Arial" panose="020B0604020202020204" pitchFamily="34" charset="0"/>
-              </a:rPr>
-              <a:t>GraphQL</a:t>
-            </a:r>
-            <a:r>
-              <a:rPr lang="en-GB" dirty="0">
-                <a:latin typeface="Arial" panose="020B0604020202020204" pitchFamily="34" charset="0"/>
-                <a:cs typeface="Arial" panose="020B0604020202020204" pitchFamily="34" charset="0"/>
-              </a:rPr>
-              <a:t>, we have to be extra careful and have put in place mitigation functionality.</a:t>
-            </a:r>
-          </a:p>
-          <a:p>
-            <a:endParaRPr lang="en-GB" dirty="0"/>
-          </a:p>
-          <a:p>
-            <a:pPr marL="0" indent="0">
-              <a:buNone/>
-            </a:pPr>
-            <a:endParaRPr lang="en-GB" dirty="0"/>
-          </a:p>
-          <a:p>
-            <a:pPr marL="0" indent="0">
-              <a:buNone/>
-            </a:pPr>
+              <a:t> server will only return those requested by the client</a:t>
+            </a:r>
+          </a:p>
+          <a:p>
             <a:endParaRPr lang="en-GB" dirty="0"/>
           </a:p>
         </p:txBody>
@@ -11372,141 +11825,13 @@
     </p:spTree>
     <p:extLst>
       <p:ext uri="{BB962C8B-B14F-4D97-AF65-F5344CB8AC3E}">
-        <p14:creationId xmlns:p14="http://schemas.microsoft.com/office/powerpoint/2010/main" val="863917254"/>
+        <p14:creationId xmlns:p14="http://schemas.microsoft.com/office/powerpoint/2010/main" val="2998030680"/>
       </p:ext>
     </p:extLst>
   </p:cSld>
   <p:clrMapOvr>
     <a:masterClrMapping/>
   </p:clrMapOvr>
-  <p:timing>
-    <p:tnLst>
-      <p:par>
-        <p:cTn id="1" dur="indefinite" restart="never" nodeType="tmRoot">
-          <p:childTnLst>
-            <p:seq concurrent="1" nextAc="seek">
-              <p:cTn id="2" dur="indefinite" nodeType="mainSeq">
-                <p:childTnLst>
-                  <p:par>
-                    <p:cTn id="3" fill="hold">
-                      <p:stCondLst>
-                        <p:cond delay="indefinite"/>
-                      </p:stCondLst>
-                      <p:childTnLst>
-                        <p:par>
-                          <p:cTn id="4" fill="hold">
-                            <p:stCondLst>
-                              <p:cond delay="0"/>
-                            </p:stCondLst>
-                            <p:childTnLst>
-                              <p:par>
-                                <p:cTn id="5" presetID="1" presetClass="entr" presetSubtype="0" fill="hold" nodeType="clickEffect">
-                                  <p:stCondLst>
-                                    <p:cond delay="0"/>
-                                  </p:stCondLst>
-                                  <p:childTnLst>
-                                    <p:set>
-                                      <p:cBhvr>
-                                        <p:cTn id="6" dur="1" fill="hold">
-                                          <p:stCondLst>
-                                            <p:cond delay="0"/>
-                                          </p:stCondLst>
-                                        </p:cTn>
-                                        <p:tgtEl>
-                                          <p:spTgt spid="3">
-                                            <p:txEl>
-                                              <p:pRg st="0" end="0"/>
-                                            </p:txEl>
-                                          </p:spTgt>
-                                        </p:tgtEl>
-                                        <p:attrNameLst>
-                                          <p:attrName>style.visibility</p:attrName>
-                                        </p:attrNameLst>
-                                      </p:cBhvr>
-                                      <p:to>
-                                        <p:strVal val="visible"/>
-                                      </p:to>
-                                    </p:set>
-                                  </p:childTnLst>
-                                </p:cTn>
-                              </p:par>
-                            </p:childTnLst>
-                          </p:cTn>
-                        </p:par>
-                      </p:childTnLst>
-                    </p:cTn>
-                  </p:par>
-                  <p:par>
-                    <p:cTn id="7" fill="hold">
-                      <p:stCondLst>
-                        <p:cond delay="indefinite"/>
-                      </p:stCondLst>
-                      <p:childTnLst>
-                        <p:par>
-                          <p:cTn id="8" fill="hold">
-                            <p:stCondLst>
-                              <p:cond delay="0"/>
-                            </p:stCondLst>
-                            <p:childTnLst>
-                              <p:par>
-                                <p:cTn id="9" presetID="1" presetClass="entr" presetSubtype="0" fill="hold" nodeType="clickEffect">
-                                  <p:stCondLst>
-                                    <p:cond delay="0"/>
-                                  </p:stCondLst>
-                                  <p:childTnLst>
-                                    <p:set>
-                                      <p:cBhvr>
-                                        <p:cTn id="10" dur="1" fill="hold">
-                                          <p:stCondLst>
-                                            <p:cond delay="0"/>
-                                          </p:stCondLst>
-                                        </p:cTn>
-                                        <p:tgtEl>
-                                          <p:spTgt spid="3">
-                                            <p:txEl>
-                                              <p:pRg st="2" end="2"/>
-                                            </p:txEl>
-                                          </p:spTgt>
-                                        </p:tgtEl>
-                                        <p:attrNameLst>
-                                          <p:attrName>style.visibility</p:attrName>
-                                        </p:attrNameLst>
-                                      </p:cBhvr>
-                                      <p:to>
-                                        <p:strVal val="visible"/>
-                                      </p:to>
-                                    </p:set>
-                                  </p:childTnLst>
-                                </p:cTn>
-                              </p:par>
-                            </p:childTnLst>
-                          </p:cTn>
-                        </p:par>
-                      </p:childTnLst>
-                    </p:cTn>
-                  </p:par>
-                </p:childTnLst>
-              </p:cTn>
-              <p:prevCondLst>
-                <p:cond evt="onPrev" delay="0">
-                  <p:tgtEl>
-                    <p:sldTgt/>
-                  </p:tgtEl>
-                </p:cond>
-              </p:prevCondLst>
-              <p:nextCondLst>
-                <p:cond evt="onNext" delay="0">
-                  <p:tgtEl>
-                    <p:sldTgt/>
-                  </p:tgtEl>
-                </p:cond>
-              </p:nextCondLst>
-            </p:seq>
-          </p:childTnLst>
-        </p:cTn>
-      </p:par>
-    </p:tnLst>
-  </p:timing>
 </p:sld>
 </file>
 
@@ -11532,7 +11857,7 @@
           <p:cNvPr id="2" name="Title 1">
             <a:extLst>
               <a:ext uri="{FF2B5EF4-FFF2-40B4-BE49-F238E27FC236}">
-                <a16:creationId xmlns:a16="http://schemas.microsoft.com/office/drawing/2014/main" id="{7BC30914-AAD0-4E8D-9E2C-9D9BBCA57323}"/>
+                <a16:creationId xmlns:a16="http://schemas.microsoft.com/office/drawing/2014/main" id="{618EDEBF-E902-4F0D-8CAA-13C1248CB6D6}"/>
               </a:ext>
             </a:extLst>
           </p:cNvPr>
@@ -11551,18 +11876,11 @@
           <a:lstStyle/>
           <a:p>
             <a:r>
-              <a:rPr lang="en-GB" sz="4000" b="1" dirty="0" err="1">
-                <a:latin typeface="Arial" panose="020B0604020202020204" pitchFamily="34" charset="0"/>
-                <a:cs typeface="Arial" panose="020B0604020202020204" pitchFamily="34" charset="0"/>
-              </a:rPr>
-              <a:t>GraphQL</a:t>
-            </a:r>
-            <a:r>
               <a:rPr lang="en-GB" sz="4000" b="1" dirty="0">
                 <a:latin typeface="Arial" panose="020B0604020202020204" pitchFamily="34" charset="0"/>
                 <a:cs typeface="Arial" panose="020B0604020202020204" pitchFamily="34" charset="0"/>
               </a:rPr>
-              <a:t> API request are most commonly implemented using HTTP POST:</a:t>
+              <a:t>Strongly Typed</a:t>
             </a:r>
           </a:p>
         </p:txBody>
@@ -11572,7 +11890,7 @@
           <p:cNvPr id="3" name="Content Placeholder 2">
             <a:extLst>
               <a:ext uri="{FF2B5EF4-FFF2-40B4-BE49-F238E27FC236}">
-                <a16:creationId xmlns:a16="http://schemas.microsoft.com/office/drawing/2014/main" id="{84E581ED-7D63-41F6-945D-5C6E2ACC4A87}"/>
+                <a16:creationId xmlns:a16="http://schemas.microsoft.com/office/drawing/2014/main" id="{493B63F5-69DE-4FBF-96E6-A337AD4F92A1}"/>
               </a:ext>
             </a:extLst>
           </p:cNvPr>
@@ -11583,33 +11901,34 @@
             <p:ph idx="1"/>
           </p:nvPr>
         </p:nvSpPr>
-        <p:spPr>
-          <a:xfrm>
-            <a:off x="838200" y="1690688"/>
-            <a:ext cx="10515600" cy="4351338"/>
-          </a:xfrm>
-        </p:spPr>
+        <p:spPr/>
         <p:txBody>
-          <a:bodyPr>
-            <a:normAutofit lnSpcReduction="10000"/>
-          </a:bodyPr>
+          <a:bodyPr/>
           <a:lstStyle/>
           <a:p>
-            <a:endParaRPr lang="en-GB" dirty="0"/>
-          </a:p>
-          <a:p>
             <a:r>
               <a:rPr lang="en-GB" dirty="0">
                 <a:latin typeface="Arial" panose="020B0604020202020204" pitchFamily="34" charset="0"/>
                 <a:cs typeface="Arial" panose="020B0604020202020204" pitchFamily="34" charset="0"/>
               </a:rPr>
-              <a:t>You will need to set up your own caching support </a:t>
-            </a:r>
-          </a:p>
-          <a:p>
-            <a:pPr marL="0" indent="0">
-              <a:buNone/>
-            </a:pPr>
+              <a:t>Being strongly-typed makes </a:t>
+            </a:r>
+            <a:r>
+              <a:rPr lang="en-GB" dirty="0" err="1">
+                <a:latin typeface="Arial" panose="020B0604020202020204" pitchFamily="34" charset="0"/>
+                <a:cs typeface="Arial" panose="020B0604020202020204" pitchFamily="34" charset="0"/>
+              </a:rPr>
+              <a:t>GraphQL</a:t>
+            </a:r>
+            <a:r>
+              <a:rPr lang="en-GB" dirty="0">
+                <a:latin typeface="Arial" panose="020B0604020202020204" pitchFamily="34" charset="0"/>
+                <a:cs typeface="Arial" panose="020B0604020202020204" pitchFamily="34" charset="0"/>
+              </a:rPr>
+              <a:t> less error prone</a:t>
+            </a:r>
+          </a:p>
+          <a:p>
             <a:endParaRPr lang="en-GB" dirty="0">
               <a:latin typeface="Arial" panose="020B0604020202020204" pitchFamily="34" charset="0"/>
               <a:cs typeface="Arial" panose="020B0604020202020204" pitchFamily="34" charset="0"/>
@@ -11621,40 +11940,7 @@
                 <a:latin typeface="Arial" panose="020B0604020202020204" pitchFamily="34" charset="0"/>
                 <a:cs typeface="Arial" panose="020B0604020202020204" pitchFamily="34" charset="0"/>
               </a:rPr>
-              <a:t>Requests can not be bookmarked</a:t>
-            </a:r>
-          </a:p>
-          <a:p>
-            <a:pPr marL="0" indent="0">
-              <a:buNone/>
-            </a:pPr>
-            <a:endParaRPr lang="en-GB" dirty="0">
-              <a:latin typeface="Arial" panose="020B0604020202020204" pitchFamily="34" charset="0"/>
-              <a:cs typeface="Arial" panose="020B0604020202020204" pitchFamily="34" charset="0"/>
-            </a:endParaRPr>
-          </a:p>
-          <a:p>
-            <a:r>
-              <a:rPr lang="en-GB" dirty="0">
-                <a:latin typeface="Arial" panose="020B0604020202020204" pitchFamily="34" charset="0"/>
-                <a:cs typeface="Arial" panose="020B0604020202020204" pitchFamily="34" charset="0"/>
-              </a:rPr>
-              <a:t>Request do not stay in browser history</a:t>
-            </a:r>
-          </a:p>
-          <a:p>
-            <a:endParaRPr lang="en-GB" dirty="0">
-              <a:latin typeface="Arial" panose="020B0604020202020204" pitchFamily="34" charset="0"/>
-              <a:cs typeface="Arial" panose="020B0604020202020204" pitchFamily="34" charset="0"/>
-            </a:endParaRPr>
-          </a:p>
-          <a:p>
-            <a:r>
-              <a:rPr lang="en-GB" dirty="0">
-                <a:latin typeface="Arial" panose="020B0604020202020204" pitchFamily="34" charset="0"/>
-                <a:cs typeface="Arial" panose="020B0604020202020204" pitchFamily="34" charset="0"/>
-              </a:rPr>
-              <a:t>You can require that the clients use GET for all requests, but it's not ideal, because mutations will get cached too</a:t>
+              <a:t>Can be validated during compile-time</a:t>
             </a:r>
           </a:p>
         </p:txBody>
@@ -11662,239 +11948,13 @@
     </p:spTree>
     <p:extLst>
       <p:ext uri="{BB962C8B-B14F-4D97-AF65-F5344CB8AC3E}">
-        <p14:creationId xmlns:p14="http://schemas.microsoft.com/office/powerpoint/2010/main" val="3634226830"/>
+        <p14:creationId xmlns:p14="http://schemas.microsoft.com/office/powerpoint/2010/main" val="4202305339"/>
       </p:ext>
     </p:extLst>
   </p:cSld>
   <p:clrMapOvr>
     <a:masterClrMapping/>
   </p:clrMapOvr>
-  <p:timing>
-    <p:tnLst>
-      <p:par>
-        <p:cTn id="1" dur="indefinite" restart="never" nodeType="tmRoot">
-          <p:childTnLst>
-            <p:seq concurrent="1" nextAc="seek">
-              <p:cTn id="2" dur="indefinite" nodeType="mainSeq">
-                <p:childTnLst>
-                  <p:par>
-                    <p:cTn id="3" fill="hold">
-                      <p:stCondLst>
-                        <p:cond delay="indefinite"/>
-                      </p:stCondLst>
-                      <p:childTnLst>
-                        <p:par>
-                          <p:cTn id="4" fill="hold">
-                            <p:stCondLst>
-                              <p:cond delay="0"/>
-                            </p:stCondLst>
-                            <p:childTnLst>
-                              <p:par>
-                                <p:cTn id="5" presetID="1" presetClass="entr" presetSubtype="0" fill="hold" nodeType="clickEffect">
-                                  <p:stCondLst>
-                                    <p:cond delay="0"/>
-                                  </p:stCondLst>
-                                  <p:childTnLst>
-                                    <p:set>
-                                      <p:cBhvr>
-                                        <p:cTn id="6" dur="1" fill="hold">
-                                          <p:stCondLst>
-                                            <p:cond delay="0"/>
-                                          </p:stCondLst>
-                                        </p:cTn>
-                                        <p:tgtEl>
-                                          <p:spTgt spid="3">
-                                            <p:txEl>
-                                              <p:pRg st="1" end="1"/>
-                                            </p:txEl>
-                                          </p:spTgt>
-                                        </p:tgtEl>
-                                        <p:attrNameLst>
-                                          <p:attrName>style.visibility</p:attrName>
-                                        </p:attrNameLst>
-                                      </p:cBhvr>
-                                      <p:to>
-                                        <p:strVal val="visible"/>
-                                      </p:to>
-                                    </p:set>
-                                  </p:childTnLst>
-                                </p:cTn>
-                              </p:par>
-                            </p:childTnLst>
-                          </p:cTn>
-                        </p:par>
-                      </p:childTnLst>
-                    </p:cTn>
-                  </p:par>
-                  <p:par>
-                    <p:cTn id="7" fill="hold">
-                      <p:stCondLst>
-                        <p:cond delay="indefinite"/>
-                      </p:stCondLst>
-                      <p:childTnLst>
-                        <p:par>
-                          <p:cTn id="8" fill="hold">
-                            <p:stCondLst>
-                              <p:cond delay="0"/>
-                            </p:stCondLst>
-                            <p:childTnLst>
-                              <p:par>
-                                <p:cTn id="9" presetID="1" presetClass="entr" presetSubtype="0" fill="hold" nodeType="clickEffect">
-                                  <p:stCondLst>
-                                    <p:cond delay="0"/>
-                                  </p:stCondLst>
-                                  <p:childTnLst>
-                                    <p:set>
-                                      <p:cBhvr>
-                                        <p:cTn id="10" dur="1" fill="hold">
-                                          <p:stCondLst>
-                                            <p:cond delay="0"/>
-                                          </p:stCondLst>
-                                        </p:cTn>
-                                        <p:tgtEl>
-                                          <p:spTgt spid="3">
-                                            <p:txEl>
-                                              <p:pRg st="3" end="3"/>
-                                            </p:txEl>
-                                          </p:spTgt>
-                                        </p:tgtEl>
-                                        <p:attrNameLst>
-                                          <p:attrName>style.visibility</p:attrName>
-                                        </p:attrNameLst>
-                                      </p:cBhvr>
-                                      <p:to>
-                                        <p:strVal val="visible"/>
-                                      </p:to>
-                                    </p:set>
-                                  </p:childTnLst>
-                                </p:cTn>
-                              </p:par>
-                            </p:childTnLst>
-                          </p:cTn>
-                        </p:par>
-                      </p:childTnLst>
-                    </p:cTn>
-                  </p:par>
-                  <p:par>
-                    <p:cTn id="11" fill="hold">
-                      <p:stCondLst>
-                        <p:cond delay="indefinite"/>
-                      </p:stCondLst>
-                      <p:childTnLst>
-                        <p:par>
-                          <p:cTn id="12" fill="hold">
-                            <p:stCondLst>
-                              <p:cond delay="0"/>
-                            </p:stCondLst>
-                            <p:childTnLst>
-                              <p:par>
-                                <p:cTn id="13" presetID="1" presetClass="entr" presetSubtype="0" fill="hold" nodeType="clickEffect">
-                                  <p:stCondLst>
-                                    <p:cond delay="0"/>
-                                  </p:stCondLst>
-                                  <p:childTnLst>
-                                    <p:set>
-                                      <p:cBhvr>
-                                        <p:cTn id="14" dur="1" fill="hold">
-                                          <p:stCondLst>
-                                            <p:cond delay="0"/>
-                                          </p:stCondLst>
-                                        </p:cTn>
-                                        <p:tgtEl>
-                                          <p:spTgt spid="3">
-                                            <p:txEl>
-                                              <p:pRg st="5" end="5"/>
-                                            </p:txEl>
-                                          </p:spTgt>
-                                        </p:tgtEl>
-                                        <p:attrNameLst>
-                                          <p:attrName>style.visibility</p:attrName>
-                                        </p:attrNameLst>
-                                      </p:cBhvr>
-                                      <p:to>
-                                        <p:strVal val="visible"/>
-                                      </p:to>
-                                    </p:set>
-                                  </p:childTnLst>
-                                </p:cTn>
-                              </p:par>
-                            </p:childTnLst>
-                          </p:cTn>
-                        </p:par>
-                      </p:childTnLst>
-                    </p:cTn>
-                  </p:par>
-                  <p:par>
-                    <p:cTn id="15" fill="hold">
-                      <p:stCondLst>
-                        <p:cond delay="indefinite"/>
-                      </p:stCondLst>
-                      <p:childTnLst>
-                        <p:par>
-                          <p:cTn id="16" fill="hold">
-                            <p:stCondLst>
-                              <p:cond delay="0"/>
-                            </p:stCondLst>
-                            <p:childTnLst>
-                              <p:par>
-                                <p:cTn id="17" presetID="1" presetClass="entr" presetSubtype="0" fill="hold" nodeType="clickEffect">
-                                  <p:stCondLst>
-                                    <p:cond delay="0"/>
-                                  </p:stCondLst>
-                                  <p:childTnLst>
-                                    <p:set>
-                                      <p:cBhvr>
-                                        <p:cTn id="18" dur="1" fill="hold">
-                                          <p:stCondLst>
-                                            <p:cond delay="0"/>
-                                          </p:stCondLst>
-                                        </p:cTn>
-                                        <p:tgtEl>
-                                          <p:spTgt spid="3">
-                                            <p:txEl>
-                                              <p:pRg st="7" end="7"/>
-                                            </p:txEl>
-                                          </p:spTgt>
-                                        </p:tgtEl>
-                                        <p:attrNameLst>
-                                          <p:attrName>style.visibility</p:attrName>
-                                        </p:attrNameLst>
-                                      </p:cBhvr>
-                                      <p:to>
-                                        <p:strVal val="visible"/>
-                                      </p:to>
-                                    </p:set>
-                                  </p:childTnLst>
-                                </p:cTn>
-                              </p:par>
-                            </p:childTnLst>
-                          </p:cTn>
-                        </p:par>
-                      </p:childTnLst>
-                    </p:cTn>
-                  </p:par>
-                </p:childTnLst>
-              </p:cTn>
-              <p:prevCondLst>
-                <p:cond evt="onPrev" delay="0">
-                  <p:tgtEl>
-                    <p:sldTgt/>
-                  </p:tgtEl>
-                </p:cond>
-              </p:prevCondLst>
-              <p:nextCondLst>
-                <p:cond evt="onNext" delay="0">
-                  <p:tgtEl>
-                    <p:sldTgt/>
-                  </p:tgtEl>
-                </p:cond>
-              </p:nextCondLst>
-            </p:seq>
-          </p:childTnLst>
-        </p:cTn>
-      </p:par>
-    </p:tnLst>
-  </p:timing>
 </p:sld>
 </file>
 
@@ -11920,7 +11980,7 @@
           <p:cNvPr id="2" name="Title 1">
             <a:extLst>
               <a:ext uri="{FF2B5EF4-FFF2-40B4-BE49-F238E27FC236}">
-                <a16:creationId xmlns:a16="http://schemas.microsoft.com/office/drawing/2014/main" id="{0E3C60F8-DD1F-4212-81B7-F83F830A32C0}"/>
+                <a16:creationId xmlns:a16="http://schemas.microsoft.com/office/drawing/2014/main" id="{F197D249-7BAD-4A21-A524-2AE01BA3CB68}"/>
               </a:ext>
             </a:extLst>
           </p:cNvPr>
@@ -11933,32 +11993,27 @@
         </p:nvSpPr>
         <p:spPr/>
         <p:txBody>
-          <a:bodyPr>
-            <a:normAutofit/>
-          </a:bodyPr>
+          <a:bodyPr/>
           <a:lstStyle/>
           <a:p>
             <a:r>
+              <a:rPr lang="en-GB" sz="4000" b="1" dirty="0" err="1">
+                <a:latin typeface="Arial" panose="020B0604020202020204" pitchFamily="34" charset="0"/>
+                <a:cs typeface="Arial" panose="020B0604020202020204" pitchFamily="34" charset="0"/>
+              </a:rPr>
+              <a:t>GraphQL</a:t>
+            </a:r>
+            <a:r>
               <a:rPr lang="en-GB" sz="4000" b="1" dirty="0">
                 <a:latin typeface="Arial" panose="020B0604020202020204" pitchFamily="34" charset="0"/>
                 <a:cs typeface="Arial" panose="020B0604020202020204" pitchFamily="34" charset="0"/>
               </a:rPr>
-              <a:t>Should you consider Using </a:t>
-            </a:r>
-            <a:r>
-              <a:rPr lang="en-GB" sz="4000" b="1" dirty="0" err="1">
-                <a:latin typeface="Arial" panose="020B0604020202020204" pitchFamily="34" charset="0"/>
-                <a:cs typeface="Arial" panose="020B0604020202020204" pitchFamily="34" charset="0"/>
-              </a:rPr>
-              <a:t>GraphQL</a:t>
-            </a:r>
-            <a:r>
-              <a:rPr lang="en-GB" sz="4000" b="1" dirty="0">
-                <a:latin typeface="Arial" panose="020B0604020202020204" pitchFamily="34" charset="0"/>
-                <a:cs typeface="Arial" panose="020B0604020202020204" pitchFamily="34" charset="0"/>
-              </a:rPr>
-              <a:t>?</a:t>
-            </a:r>
+              <a:t> Introspection</a:t>
+            </a:r>
+            <a:br>
+              <a:rPr lang="en-GB" b="1" dirty="0"/>
+            </a:br>
+            <a:endParaRPr lang="en-GB" dirty="0"/>
           </a:p>
         </p:txBody>
       </p:sp>
@@ -11967,7 +12022,7 @@
           <p:cNvPr id="3" name="Content Placeholder 2">
             <a:extLst>
               <a:ext uri="{FF2B5EF4-FFF2-40B4-BE49-F238E27FC236}">
-                <a16:creationId xmlns:a16="http://schemas.microsoft.com/office/drawing/2014/main" id="{75EE9A8F-D1E3-4346-BC6C-5B56623FB003}"/>
+                <a16:creationId xmlns:a16="http://schemas.microsoft.com/office/drawing/2014/main" id="{8754006B-F79F-4F44-80E6-E0852000D8F5}"/>
               </a:ext>
             </a:extLst>
           </p:cNvPr>
@@ -11983,29 +12038,31 @@
           <a:bodyPr/>
           <a:lstStyle/>
           <a:p>
+            <a:r>
+              <a:rPr lang="en-GB" dirty="0" err="1"/>
+              <a:t>GraphQL</a:t>
+            </a:r>
+            <a:r>
+              <a:rPr lang="en-GB" dirty="0"/>
+              <a:t> has a built-in introspection system that publishes the Schema’s structure</a:t>
+            </a:r>
+          </a:p>
+          <a:p>
             <a:endParaRPr lang="en-GB" dirty="0"/>
           </a:p>
           <a:p>
             <a:r>
-              <a:rPr lang="en-GB" dirty="0">
-                <a:latin typeface="Arial" panose="020B0604020202020204" pitchFamily="34" charset="0"/>
-                <a:cs typeface="Arial" panose="020B0604020202020204" pitchFamily="34" charset="0"/>
-              </a:rPr>
-              <a:t>If you find yourself working with a scalable application that has rapidly-changing data, </a:t>
-            </a:r>
-            <a:r>
-              <a:rPr lang="en-GB" dirty="0" err="1">
-                <a:latin typeface="Arial" panose="020B0604020202020204" pitchFamily="34" charset="0"/>
-                <a:cs typeface="Arial" panose="020B0604020202020204" pitchFamily="34" charset="0"/>
-              </a:rPr>
-              <a:t>GraphQL</a:t>
-            </a:r>
-            <a:r>
-              <a:rPr lang="en-GB" dirty="0">
-                <a:latin typeface="Arial" panose="020B0604020202020204" pitchFamily="34" charset="0"/>
-                <a:cs typeface="Arial" panose="020B0604020202020204" pitchFamily="34" charset="0"/>
-              </a:rPr>
-              <a:t> could be a great solution.</a:t>
+              <a:rPr lang="en-GB" dirty="0"/>
+              <a:t>Provides information about what queries are supported and what data is available.</a:t>
+            </a:r>
+          </a:p>
+          <a:p>
+            <a:endParaRPr lang="en-GB" dirty="0"/>
+          </a:p>
+          <a:p>
+            <a:r>
+              <a:rPr lang="en-GB" dirty="0"/>
+              <a:t>Makes it easier to autogenerate API documentation</a:t>
             </a:r>
           </a:p>
         </p:txBody>
@@ -12013,7 +12070,7 @@
     </p:spTree>
     <p:extLst>
       <p:ext uri="{BB962C8B-B14F-4D97-AF65-F5344CB8AC3E}">
-        <p14:creationId xmlns:p14="http://schemas.microsoft.com/office/powerpoint/2010/main" val="975833146"/>
+        <p14:creationId xmlns:p14="http://schemas.microsoft.com/office/powerpoint/2010/main" val="2048925979"/>
       </p:ext>
     </p:extLst>
   </p:cSld>
@@ -12045,7 +12102,7 @@
           <p:cNvPr id="2" name="Title 1">
             <a:extLst>
               <a:ext uri="{FF2B5EF4-FFF2-40B4-BE49-F238E27FC236}">
-                <a16:creationId xmlns:a16="http://schemas.microsoft.com/office/drawing/2014/main" id="{5025B909-8380-407F-98D1-5BBA276DF1B7}"/>
+                <a16:creationId xmlns:a16="http://schemas.microsoft.com/office/drawing/2014/main" id="{2C63CBC6-7DB4-4E54-BCC5-14F93A3F7D6A}"/>
               </a:ext>
             </a:extLst>
           </p:cNvPr>
@@ -12068,7 +12125,21 @@
                 <a:latin typeface="Arial" panose="020B0604020202020204" pitchFamily="34" charset="0"/>
                 <a:cs typeface="Arial" panose="020B0604020202020204" pitchFamily="34" charset="0"/>
               </a:rPr>
-              <a:t>Thank You For Listening</a:t>
+              <a:t>Some </a:t>
+            </a:r>
+            <a:r>
+              <a:rPr lang="en-GB" sz="4000" b="1" dirty="0" err="1">
+                <a:latin typeface="Arial" panose="020B0604020202020204" pitchFamily="34" charset="0"/>
+                <a:cs typeface="Arial" panose="020B0604020202020204" pitchFamily="34" charset="0"/>
+              </a:rPr>
+              <a:t>GraphQL</a:t>
+            </a:r>
+            <a:r>
+              <a:rPr lang="en-GB" sz="4000" b="1" dirty="0">
+                <a:latin typeface="Arial" panose="020B0604020202020204" pitchFamily="34" charset="0"/>
+                <a:cs typeface="Arial" panose="020B0604020202020204" pitchFamily="34" charset="0"/>
+              </a:rPr>
+              <a:t> Cons</a:t>
             </a:r>
           </a:p>
         </p:txBody>
@@ -12076,7 +12147,7 @@
     </p:spTree>
     <p:extLst>
       <p:ext uri="{BB962C8B-B14F-4D97-AF65-F5344CB8AC3E}">
-        <p14:creationId xmlns:p14="http://schemas.microsoft.com/office/powerpoint/2010/main" val="360220739"/>
+        <p14:creationId xmlns:p14="http://schemas.microsoft.com/office/powerpoint/2010/main" val="2749597948"/>
       </p:ext>
     </p:extLst>
   </p:cSld>
@@ -12243,7 +12314,59 @@
                 <a:latin typeface="Arial" panose="020B0604020202020204" pitchFamily="34" charset="0"/>
                 <a:cs typeface="Arial" panose="020B0604020202020204" pitchFamily="34" charset="0"/>
               </a:rPr>
-              <a:t>Supports reading, writing (mutating) and subscribing to changes to data (Realtime updates)</a:t>
+              <a:t>Apart from Facebook, users of </a:t>
+            </a:r>
+            <a:r>
+              <a:rPr lang="en-GB" sz="2000" dirty="0" err="1">
+                <a:latin typeface="Arial" panose="020B0604020202020204" pitchFamily="34" charset="0"/>
+                <a:cs typeface="Arial" panose="020B0604020202020204" pitchFamily="34" charset="0"/>
+              </a:rPr>
+              <a:t>GraphQL</a:t>
+            </a:r>
+            <a:r>
+              <a:rPr lang="en-GB" sz="2000" dirty="0">
+                <a:latin typeface="Arial" panose="020B0604020202020204" pitchFamily="34" charset="0"/>
+                <a:cs typeface="Arial" panose="020B0604020202020204" pitchFamily="34" charset="0"/>
+              </a:rPr>
+              <a:t> include:</a:t>
+            </a:r>
+          </a:p>
+          <a:p>
+            <a:pPr marL="0" indent="0">
+              <a:buNone/>
+            </a:pPr>
+            <a:r>
+              <a:rPr lang="en-GB" sz="2000" dirty="0">
+                <a:latin typeface="Arial" panose="020B0604020202020204" pitchFamily="34" charset="0"/>
+                <a:cs typeface="Arial" panose="020B0604020202020204" pitchFamily="34" charset="0"/>
+              </a:rPr>
+              <a:t>	GitHub, Shopify, Twitter, Coursera, Yelp, </a:t>
+            </a:r>
+            <a:r>
+              <a:rPr lang="en-GB" sz="2000" dirty="0" err="1">
+                <a:latin typeface="Arial" panose="020B0604020202020204" pitchFamily="34" charset="0"/>
+                <a:cs typeface="Arial" panose="020B0604020202020204" pitchFamily="34" charset="0"/>
+              </a:rPr>
+              <a:t>Wordpress</a:t>
+            </a:r>
+            <a:r>
+              <a:rPr lang="en-GB" sz="2000" dirty="0">
+                <a:latin typeface="Arial" panose="020B0604020202020204" pitchFamily="34" charset="0"/>
+                <a:cs typeface="Arial" panose="020B0604020202020204" pitchFamily="34" charset="0"/>
+              </a:rPr>
+              <a:t>, Pinterest</a:t>
+            </a:r>
+          </a:p>
+          <a:p>
+            <a:pPr marL="0" indent="0">
+              <a:buNone/>
+            </a:pPr>
+            <a:r>
+              <a:rPr lang="en-GB" sz="2000" dirty="0">
+                <a:latin typeface="Arial" panose="020B0604020202020204" pitchFamily="34" charset="0"/>
+                <a:cs typeface="Arial" panose="020B0604020202020204" pitchFamily="34" charset="0"/>
+              </a:rPr>
+              <a:t>	</a:t>
             </a:r>
           </a:p>
           <a:p>
@@ -12520,6 +12643,104 @@
                       </p:childTnLst>
                     </p:cTn>
                   </p:par>
+                  <p:par>
+                    <p:cTn id="23" fill="hold">
+                      <p:stCondLst>
+                        <p:cond delay="indefinite"/>
+                      </p:stCondLst>
+                      <p:childTnLst>
+                        <p:par>
+                          <p:cTn id="24" fill="hold">
+                            <p:stCondLst>
+                              <p:cond delay="0"/>
+                            </p:stCondLst>
+                            <p:childTnLst>
+                              <p:par>
+                                <p:cTn id="25" presetID="1" presetClass="entr" presetSubtype="0" fill="hold" nodeType="clickEffect">
+                                  <p:stCondLst>
+                                    <p:cond delay="0"/>
+                                  </p:stCondLst>
+                                  <p:childTnLst>
+                                    <p:set>
+                                      <p:cBhvr>
+                                        <p:cTn id="26" dur="1" fill="hold">
+                                          <p:stCondLst>
+                                            <p:cond delay="0"/>
+                                          </p:stCondLst>
+                                        </p:cTn>
+                                        <p:tgtEl>
+                                          <p:spTgt spid="3">
+                                            <p:txEl>
+                                              <p:pRg st="9" end="9"/>
+                                            </p:txEl>
+                                          </p:spTgt>
+                                        </p:tgtEl>
+                                        <p:attrNameLst>
+                                          <p:attrName>style.visibility</p:attrName>
+                                        </p:attrNameLst>
+                                      </p:cBhvr>
+                                      <p:to>
+                                        <p:strVal val="visible"/>
+                                      </p:to>
+                                    </p:set>
+                                  </p:childTnLst>
+                                </p:cTn>
+                              </p:par>
+                            </p:childTnLst>
+                          </p:cTn>
+                        </p:par>
+                      </p:childTnLst>
+                    </p:cTn>
+                  </p:par>
+                  <p:par>
+                    <p:cTn id="27" fill="hold">
+                      <p:stCondLst>
+                        <p:cond delay="indefinite"/>
+                      </p:stCondLst>
+                      <p:childTnLst>
+                        <p:par>
+                          <p:cTn id="28" fill="hold">
+                            <p:stCondLst>
+                              <p:cond delay="0"/>
+                            </p:stCondLst>
+                            <p:childTnLst>
+                              <p:par>
+                                <p:cTn id="29" presetID="1" presetClass="entr" presetSubtype="0" fill="hold" nodeType="clickEffect">
+                                  <p:stCondLst>
+                                    <p:cond delay="0"/>
+                                  </p:stCondLst>
+                                  <p:childTnLst>
+                                    <p:set>
+                                      <p:cBhvr>
+                                        <p:cTn id="30" dur="1" fill="hold">
+                                          <p:stCondLst>
+                                            <p:cond delay="0"/>
+                                          </p:stCondLst>
+                                        </p:cTn>
+                                        <p:tgtEl>
+                                          <p:spTgt spid="3">
+                                            <p:txEl>
+                                              <p:pRg st="10" end="10"/>
+                                            </p:txEl>
+                                          </p:spTgt>
+                                        </p:tgtEl>
+                                        <p:attrNameLst>
+                                          <p:attrName>style.visibility</p:attrName>
+                                        </p:attrNameLst>
+                                      </p:cBhvr>
+                                      <p:to>
+                                        <p:strVal val="visible"/>
+                                      </p:to>
+                                    </p:set>
+                                  </p:childTnLst>
+                                </p:cTn>
+                              </p:par>
+                            </p:childTnLst>
+                          </p:cTn>
+                        </p:par>
+                      </p:childTnLst>
+                    </p:cTn>
+                  </p:par>
                 </p:childTnLst>
               </p:cTn>
               <p:prevCondLst>
@@ -12567,7 +12788,7 @@
           <p:cNvPr id="2" name="Title 1">
             <a:extLst>
               <a:ext uri="{FF2B5EF4-FFF2-40B4-BE49-F238E27FC236}">
-                <a16:creationId xmlns:a16="http://schemas.microsoft.com/office/drawing/2014/main" id="{ADF842CB-C496-4F73-A1FF-31C756A22EC4}"/>
+                <a16:creationId xmlns:a16="http://schemas.microsoft.com/office/drawing/2014/main" id="{6F93E33B-E8EA-469B-8B6C-6855B42BF147}"/>
               </a:ext>
             </a:extLst>
           </p:cNvPr>
@@ -12590,79 +12811,8 @@
                 <a:latin typeface="Arial" panose="020B0604020202020204" pitchFamily="34" charset="0"/>
                 <a:cs typeface="Arial" panose="020B0604020202020204" pitchFamily="34" charset="0"/>
               </a:rPr>
-              <a:t>Questions…..</a:t>
-            </a:r>
-          </a:p>
-        </p:txBody>
-      </p:sp>
-    </p:spTree>
-    <p:extLst>
-      <p:ext uri="{BB962C8B-B14F-4D97-AF65-F5344CB8AC3E}">
-        <p14:creationId xmlns:p14="http://schemas.microsoft.com/office/powerpoint/2010/main" val="1184689899"/>
-      </p:ext>
-    </p:extLst>
-  </p:cSld>
-  <p:clrMapOvr>
-    <a:masterClrMapping/>
-  </p:clrMapOvr>
-</p:sld>
-</file>
-
-<file path=ppt/slides/slide31.xml><?xml version="1.0" encoding="utf-8"?>
-<p:sld xmlns:a="http://schemas.openxmlformats.org/drawingml/2006/main" xmlns:r="http://schemas.openxmlformats.org/officeDocument/2006/relationships" xmlns:p="http://schemas.openxmlformats.org/presentationml/2006/main" show="0">
-  <p:cSld>
-    <p:spTree>
-      <p:nvGrpSpPr>
-        <p:cNvPr id="1" name=""/>
-        <p:cNvGrpSpPr/>
-        <p:nvPr/>
-      </p:nvGrpSpPr>
-      <p:grpSpPr>
-        <a:xfrm>
-          <a:off x="0" y="0"/>
-          <a:ext cx="0" cy="0"/>
-          <a:chOff x="0" y="0"/>
-          <a:chExt cx="0" cy="0"/>
-        </a:xfrm>
-      </p:grpSpPr>
-      <p:sp>
-        <p:nvSpPr>
-          <p:cNvPr id="2" name="Title 1">
-            <a:extLst>
-              <a:ext uri="{FF2B5EF4-FFF2-40B4-BE49-F238E27FC236}">
-                <a16:creationId xmlns:a16="http://schemas.microsoft.com/office/drawing/2014/main" id="{9CDF0D2A-81E2-4D08-B78E-FBEF9039EB1B}"/>
-              </a:ext>
-            </a:extLst>
-          </p:cNvPr>
-          <p:cNvSpPr>
-            <a:spLocks noGrp="1"/>
-          </p:cNvSpPr>
-          <p:nvPr>
-            <p:ph type="title"/>
-          </p:nvPr>
-        </p:nvSpPr>
-        <p:spPr/>
-        <p:txBody>
-          <a:bodyPr>
-            <a:normAutofit/>
-          </a:bodyPr>
-          <a:lstStyle/>
-          <a:p>
-            <a:r>
-              <a:rPr lang="en-GB" sz="4000" b="1" dirty="0" err="1">
-                <a:latin typeface="Arial" panose="020B0604020202020204" pitchFamily="34" charset="0"/>
-                <a:cs typeface="Arial" panose="020B0604020202020204" pitchFamily="34" charset="0"/>
-              </a:rPr>
-              <a:t>GraphQL</a:t>
-            </a:r>
-            <a:r>
-              <a:rPr lang="en-GB" sz="4000" b="1" dirty="0">
-                <a:latin typeface="Arial" panose="020B0604020202020204" pitchFamily="34" charset="0"/>
-                <a:cs typeface="Arial" panose="020B0604020202020204" pitchFamily="34" charset="0"/>
-              </a:rPr>
-              <a:t> Server Libraries</a:t>
-            </a:r>
-            <a:endParaRPr lang="en-GB" sz="4000" dirty="0"/>
+              <a:t>Denial of Service Attacks</a:t>
+            </a:r>
           </a:p>
         </p:txBody>
       </p:sp>
@@ -12671,204 +12821,7 @@
           <p:cNvPr id="3" name="Content Placeholder 2">
             <a:extLst>
               <a:ext uri="{FF2B5EF4-FFF2-40B4-BE49-F238E27FC236}">
-                <a16:creationId xmlns:a16="http://schemas.microsoft.com/office/drawing/2014/main" id="{EA078A30-DC29-45F8-96F9-AD31D1126AFA}"/>
-              </a:ext>
-            </a:extLst>
-          </p:cNvPr>
-          <p:cNvSpPr>
-            <a:spLocks noGrp="1"/>
-          </p:cNvSpPr>
-          <p:nvPr>
-            <p:ph idx="1"/>
-          </p:nvPr>
-        </p:nvSpPr>
-        <p:spPr>
-          <a:xfrm>
-            <a:off x="838200" y="1445614"/>
-            <a:ext cx="10515600" cy="4351338"/>
-          </a:xfrm>
-        </p:spPr>
-        <p:txBody>
-          <a:bodyPr>
-            <a:normAutofit/>
-          </a:bodyPr>
-          <a:lstStyle/>
-          <a:p>
-            <a:pPr marL="0" indent="0">
-              <a:buNone/>
-            </a:pPr>
-            <a:r>
-              <a:rPr lang="en-GB" sz="2000" dirty="0">
-                <a:latin typeface="Arial" panose="020B0604020202020204" pitchFamily="34" charset="0"/>
-                <a:cs typeface="Arial" panose="020B0604020202020204" pitchFamily="34" charset="0"/>
-              </a:rPr>
-              <a:t>As </a:t>
-            </a:r>
-            <a:r>
-              <a:rPr lang="en-GB" sz="2000" dirty="0" err="1">
-                <a:latin typeface="Arial" panose="020B0604020202020204" pitchFamily="34" charset="0"/>
-                <a:cs typeface="Arial" panose="020B0604020202020204" pitchFamily="34" charset="0"/>
-              </a:rPr>
-              <a:t>GraphQL</a:t>
-            </a:r>
-            <a:r>
-              <a:rPr lang="en-GB" sz="2000" dirty="0">
-                <a:latin typeface="Arial" panose="020B0604020202020204" pitchFamily="34" charset="0"/>
-                <a:cs typeface="Arial" panose="020B0604020202020204" pitchFamily="34" charset="0"/>
-              </a:rPr>
-              <a:t> is a </a:t>
-            </a:r>
-            <a:r>
-              <a:rPr lang="en-GB" sz="2000" b="1" dirty="0">
-                <a:latin typeface="Arial" panose="020B0604020202020204" pitchFamily="34" charset="0"/>
-                <a:cs typeface="Arial" panose="020B0604020202020204" pitchFamily="34" charset="0"/>
-              </a:rPr>
-              <a:t>specification</a:t>
-            </a:r>
-            <a:r>
-              <a:rPr lang="en-GB" sz="2000" dirty="0">
-                <a:latin typeface="Arial" panose="020B0604020202020204" pitchFamily="34" charset="0"/>
-                <a:cs typeface="Arial" panose="020B0604020202020204" pitchFamily="34" charset="0"/>
-              </a:rPr>
-              <a:t> you can find server libraries to help you implement </a:t>
-            </a:r>
-            <a:r>
-              <a:rPr lang="en-GB" sz="2000" dirty="0" err="1">
-                <a:latin typeface="Arial" panose="020B0604020202020204" pitchFamily="34" charset="0"/>
-                <a:cs typeface="Arial" panose="020B0604020202020204" pitchFamily="34" charset="0"/>
-              </a:rPr>
-              <a:t>GraphQL</a:t>
-            </a:r>
-            <a:r>
-              <a:rPr lang="en-GB" sz="2000" dirty="0">
-                <a:latin typeface="Arial" panose="020B0604020202020204" pitchFamily="34" charset="0"/>
-                <a:cs typeface="Arial" panose="020B0604020202020204" pitchFamily="34" charset="0"/>
-              </a:rPr>
-              <a:t> in a variety of languages including:</a:t>
-            </a:r>
-          </a:p>
-          <a:p>
-            <a:pPr marL="0" indent="0">
-              <a:buNone/>
-            </a:pPr>
-            <a:endParaRPr lang="en-GB" sz="2000" dirty="0">
-              <a:latin typeface="Arial" panose="020B0604020202020204" pitchFamily="34" charset="0"/>
-              <a:cs typeface="Arial" panose="020B0604020202020204" pitchFamily="34" charset="0"/>
-            </a:endParaRPr>
-          </a:p>
-          <a:p>
-            <a:pPr marL="0" indent="0">
-              <a:buNone/>
-            </a:pPr>
-            <a:r>
-              <a:rPr lang="en-GB" sz="2000" dirty="0">
-                <a:latin typeface="Arial" panose="020B0604020202020204" pitchFamily="34" charset="0"/>
-                <a:cs typeface="Arial" panose="020B0604020202020204" pitchFamily="34" charset="0"/>
-              </a:rPr>
-              <a:t>C# / .NET, Clojure, Elixir, Erlang, </a:t>
-            </a:r>
-            <a:r>
-              <a:rPr lang="en-GB" sz="2000" dirty="0" err="1">
-                <a:latin typeface="Arial" panose="020B0604020202020204" pitchFamily="34" charset="0"/>
-                <a:cs typeface="Arial" panose="020B0604020202020204" pitchFamily="34" charset="0"/>
-              </a:rPr>
-              <a:t>Go,Groovy</a:t>
-            </a:r>
-            <a:r>
-              <a:rPr lang="en-GB" sz="2000" dirty="0">
-                <a:latin typeface="Arial" panose="020B0604020202020204" pitchFamily="34" charset="0"/>
-                <a:cs typeface="Arial" panose="020B0604020202020204" pitchFamily="34" charset="0"/>
-              </a:rPr>
-              <a:t>, Java, JavaScript, PHP, Python, Scala, Ruby</a:t>
-            </a:r>
-          </a:p>
-          <a:p>
-            <a:pPr marL="0" indent="0">
-              <a:buNone/>
-            </a:pPr>
-            <a:endParaRPr lang="en-GB" sz="2000" dirty="0">
-              <a:latin typeface="Arial" panose="020B0604020202020204" pitchFamily="34" charset="0"/>
-              <a:cs typeface="Arial" panose="020B0604020202020204" pitchFamily="34" charset="0"/>
-            </a:endParaRPr>
-          </a:p>
-          <a:p>
-            <a:pPr marL="0" indent="0">
-              <a:buNone/>
-            </a:pPr>
-            <a:r>
-              <a:rPr lang="en-GB" sz="2000" dirty="0">
-                <a:latin typeface="Arial" panose="020B0604020202020204" pitchFamily="34" charset="0"/>
-                <a:cs typeface="Arial" panose="020B0604020202020204" pitchFamily="34" charset="0"/>
-              </a:rPr>
-              <a:t> </a:t>
-            </a:r>
-          </a:p>
-        </p:txBody>
-      </p:sp>
-    </p:spTree>
-    <p:extLst>
-      <p:ext uri="{BB962C8B-B14F-4D97-AF65-F5344CB8AC3E}">
-        <p14:creationId xmlns:p14="http://schemas.microsoft.com/office/powerpoint/2010/main" val="268548884"/>
-      </p:ext>
-    </p:extLst>
-  </p:cSld>
-  <p:clrMapOvr>
-    <a:masterClrMapping/>
-  </p:clrMapOvr>
-</p:sld>
-</file>
-
-<file path=ppt/slides/slide32.xml><?xml version="1.0" encoding="utf-8"?>
-<p:sld xmlns:a="http://schemas.openxmlformats.org/drawingml/2006/main" xmlns:r="http://schemas.openxmlformats.org/officeDocument/2006/relationships" xmlns:p="http://schemas.openxmlformats.org/presentationml/2006/main" show="0">
-  <p:cSld>
-    <p:spTree>
-      <p:nvGrpSpPr>
-        <p:cNvPr id="1" name=""/>
-        <p:cNvGrpSpPr/>
-        <p:nvPr/>
-      </p:nvGrpSpPr>
-      <p:grpSpPr>
-        <a:xfrm>
-          <a:off x="0" y="0"/>
-          <a:ext cx="0" cy="0"/>
-          <a:chOff x="0" y="0"/>
-          <a:chExt cx="0" cy="0"/>
-        </a:xfrm>
-      </p:grpSpPr>
-      <p:sp>
-        <p:nvSpPr>
-          <p:cNvPr id="2" name="Title 1">
-            <a:extLst>
-              <a:ext uri="{FF2B5EF4-FFF2-40B4-BE49-F238E27FC236}">
-                <a16:creationId xmlns:a16="http://schemas.microsoft.com/office/drawing/2014/main" id="{6B39982E-B2B4-483D-A055-2AB6C3B7D601}"/>
-              </a:ext>
-            </a:extLst>
-          </p:cNvPr>
-          <p:cNvSpPr>
-            <a:spLocks noGrp="1"/>
-          </p:cNvSpPr>
-          <p:nvPr>
-            <p:ph type="title"/>
-          </p:nvPr>
-        </p:nvSpPr>
-        <p:spPr/>
-        <p:txBody>
-          <a:bodyPr/>
-          <a:lstStyle/>
-          <a:p>
-            <a:r>
-              <a:rPr lang="en-GB" dirty="0"/>
-              <a:t>Conclusion</a:t>
-            </a:r>
-          </a:p>
-        </p:txBody>
-      </p:sp>
-      <p:sp>
-        <p:nvSpPr>
-          <p:cNvPr id="3" name="Content Placeholder 2">
-            <a:extLst>
-              <a:ext uri="{FF2B5EF4-FFF2-40B4-BE49-F238E27FC236}">
-                <a16:creationId xmlns:a16="http://schemas.microsoft.com/office/drawing/2014/main" id="{2F4287DA-39A8-4FAC-9B17-4822286D8AB1}"/>
+                <a16:creationId xmlns:a16="http://schemas.microsoft.com/office/drawing/2014/main" id="{767B64BA-C5ED-40A9-A106-8E3FA7B2ECC5}"/>
               </a:ext>
             </a:extLst>
           </p:cNvPr>
@@ -12885,534 +12838,77 @@
           <a:lstStyle/>
           <a:p>
             <a:r>
-              <a:rPr lang="en-GB" dirty="0"/>
-              <a:t>If you have a simple REST API and deal with data that is relatively consistent over time, you would be better off sticking with your REST API. For companies that deal with rapidly-changing data, and have the engineering resources to devote to rearchitecting their API platforms, </a:t>
-            </a:r>
-            <a:r>
-              <a:rPr lang="en-GB" dirty="0" err="1"/>
+              <a:rPr lang="en-GB" dirty="0">
+                <a:latin typeface="Arial" panose="020B0604020202020204" pitchFamily="34" charset="0"/>
+                <a:cs typeface="Arial" panose="020B0604020202020204" pitchFamily="34" charset="0"/>
+              </a:rPr>
+              <a:t>A </a:t>
+            </a:r>
+            <a:r>
+              <a:rPr lang="en-GB" dirty="0" err="1">
+                <a:latin typeface="Arial" panose="020B0604020202020204" pitchFamily="34" charset="0"/>
+                <a:cs typeface="Arial" panose="020B0604020202020204" pitchFamily="34" charset="0"/>
+              </a:rPr>
               <a:t>GraphQL</a:t>
             </a:r>
             <a:r>
-              <a:rPr lang="en-GB" dirty="0"/>
-              <a:t> can solve many of the pain points experienced with REST APIs.</a:t>
+              <a:rPr lang="en-GB" dirty="0">
+                <a:latin typeface="Arial" panose="020B0604020202020204" pitchFamily="34" charset="0"/>
+                <a:cs typeface="Arial" panose="020B0604020202020204" pitchFamily="34" charset="0"/>
+              </a:rPr>
+              <a:t> server can be attacked with overly complex queries that can consume all the resources of the server. </a:t>
+            </a:r>
+          </a:p>
+          <a:p>
+            <a:endParaRPr lang="en-GB" dirty="0">
+              <a:latin typeface="Arial" panose="020B0604020202020204" pitchFamily="34" charset="0"/>
+              <a:cs typeface="Arial" panose="020B0604020202020204" pitchFamily="34" charset="0"/>
+            </a:endParaRPr>
+          </a:p>
+          <a:p>
+            <a:r>
+              <a:rPr lang="en-GB" dirty="0">
+                <a:latin typeface="Arial" panose="020B0604020202020204" pitchFamily="34" charset="0"/>
+                <a:cs typeface="Arial" panose="020B0604020202020204" pitchFamily="34" charset="0"/>
+              </a:rPr>
+              <a:t>Although not specific to </a:t>
+            </a:r>
+            <a:r>
+              <a:rPr lang="en-GB" dirty="0" err="1">
+                <a:latin typeface="Arial" panose="020B0604020202020204" pitchFamily="34" charset="0"/>
+                <a:cs typeface="Arial" panose="020B0604020202020204" pitchFamily="34" charset="0"/>
+              </a:rPr>
+              <a:t>GraphQL</a:t>
+            </a:r>
+            <a:r>
+              <a:rPr lang="en-GB" dirty="0">
+                <a:latin typeface="Arial" panose="020B0604020202020204" pitchFamily="34" charset="0"/>
+                <a:cs typeface="Arial" panose="020B0604020202020204" pitchFamily="34" charset="0"/>
+              </a:rPr>
+              <a:t>, we have to be extra careful and have put in place mitigation functionality.</a:t>
             </a:r>
           </a:p>
           <a:p>
             <a:endParaRPr lang="en-GB" dirty="0"/>
           </a:p>
           <a:p>
-            <a:r>
-              <a:rPr lang="en-GB" dirty="0"/>
-              <a:t>if you find yourself working with rapidly-changing data at scale, it could be a great solution for your business.</a:t>
-            </a:r>
+            <a:pPr marL="0" indent="0">
+              <a:buNone/>
+            </a:pPr>
+            <a:endParaRPr lang="en-GB" dirty="0"/>
+          </a:p>
+          <a:p>
+            <a:pPr marL="0" indent="0">
+              <a:buNone/>
+            </a:pPr>
+            <a:endParaRPr lang="en-GB" dirty="0"/>
           </a:p>
         </p:txBody>
       </p:sp>
     </p:spTree>
     <p:extLst>
       <p:ext uri="{BB962C8B-B14F-4D97-AF65-F5344CB8AC3E}">
-        <p14:creationId xmlns:p14="http://schemas.microsoft.com/office/powerpoint/2010/main" val="2355465839"/>
-      </p:ext>
-    </p:extLst>
-  </p:cSld>
-  <p:clrMapOvr>
-    <a:masterClrMapping/>
-  </p:clrMapOvr>
-</p:sld>
-</file>
-
-<file path=ppt/slides/slide33.xml><?xml version="1.0" encoding="utf-8"?>
-<p:sld xmlns:a="http://schemas.openxmlformats.org/drawingml/2006/main" xmlns:r="http://schemas.openxmlformats.org/officeDocument/2006/relationships" xmlns:p="http://schemas.openxmlformats.org/presentationml/2006/main" show="0">
-  <p:cSld>
-    <p:spTree>
-      <p:nvGrpSpPr>
-        <p:cNvPr id="1" name=""/>
-        <p:cNvGrpSpPr/>
-        <p:nvPr/>
-      </p:nvGrpSpPr>
-      <p:grpSpPr>
-        <a:xfrm>
-          <a:off x="0" y="0"/>
-          <a:ext cx="0" cy="0"/>
-          <a:chOff x="0" y="0"/>
-          <a:chExt cx="0" cy="0"/>
-        </a:xfrm>
-      </p:grpSpPr>
-      <p:pic>
-        <p:nvPicPr>
-          <p:cNvPr id="4" name="Content Placeholder 3">
-            <a:extLst>
-              <a:ext uri="{FF2B5EF4-FFF2-40B4-BE49-F238E27FC236}">
-                <a16:creationId xmlns:a16="http://schemas.microsoft.com/office/drawing/2014/main" id="{0DD73423-8C3A-4006-9FB0-CDFBAB53C595}"/>
-              </a:ext>
-            </a:extLst>
-          </p:cNvPr>
-          <p:cNvPicPr>
-            <a:picLocks noGrp="1" noChangeAspect="1"/>
-          </p:cNvPicPr>
-          <p:nvPr>
-            <p:ph idx="1"/>
-          </p:nvPr>
-        </p:nvPicPr>
-        <p:blipFill>
-          <a:blip r:embed="rId2"/>
-          <a:stretch>
-            <a:fillRect/>
-          </a:stretch>
-        </p:blipFill>
-        <p:spPr>
-          <a:xfrm>
-            <a:off x="40814" y="136478"/>
-            <a:ext cx="11985486" cy="6721522"/>
-          </a:xfrm>
-          <a:prstGeom prst="rect">
-            <a:avLst/>
-          </a:prstGeom>
-        </p:spPr>
-      </p:pic>
-    </p:spTree>
-    <p:extLst>
-      <p:ext uri="{BB962C8B-B14F-4D97-AF65-F5344CB8AC3E}">
-        <p14:creationId xmlns:p14="http://schemas.microsoft.com/office/powerpoint/2010/main" val="124588992"/>
-      </p:ext>
-    </p:extLst>
-  </p:cSld>
-  <p:clrMapOvr>
-    <a:masterClrMapping/>
-  </p:clrMapOvr>
-</p:sld>
-</file>
-
-<file path=ppt/slides/slide34.xml><?xml version="1.0" encoding="utf-8"?>
-<p:sld xmlns:a="http://schemas.openxmlformats.org/drawingml/2006/main" xmlns:r="http://schemas.openxmlformats.org/officeDocument/2006/relationships" xmlns:p="http://schemas.openxmlformats.org/presentationml/2006/main" show="0">
-  <p:cSld>
-    <p:spTree>
-      <p:nvGrpSpPr>
-        <p:cNvPr id="1" name=""/>
-        <p:cNvGrpSpPr/>
-        <p:nvPr/>
-      </p:nvGrpSpPr>
-      <p:grpSpPr>
-        <a:xfrm>
-          <a:off x="0" y="0"/>
-          <a:ext cx="0" cy="0"/>
-          <a:chOff x="0" y="0"/>
-          <a:chExt cx="0" cy="0"/>
-        </a:xfrm>
-      </p:grpSpPr>
-      <p:pic>
-        <p:nvPicPr>
-          <p:cNvPr id="7" name="Picture 6">
-            <a:extLst>
-              <a:ext uri="{FF2B5EF4-FFF2-40B4-BE49-F238E27FC236}">
-                <a16:creationId xmlns:a16="http://schemas.microsoft.com/office/drawing/2014/main" id="{9C2A9CA2-53F6-43F9-93EA-F5607E36970B}"/>
-              </a:ext>
-            </a:extLst>
-          </p:cNvPr>
-          <p:cNvPicPr>
-            <a:picLocks noChangeAspect="1"/>
-          </p:cNvPicPr>
-          <p:nvPr/>
-        </p:nvPicPr>
-        <p:blipFill>
-          <a:blip r:embed="rId2"/>
-          <a:stretch>
-            <a:fillRect/>
-          </a:stretch>
-        </p:blipFill>
-        <p:spPr>
-          <a:xfrm>
-            <a:off x="0" y="0"/>
-            <a:ext cx="12192000" cy="6858000"/>
-          </a:xfrm>
-          <a:prstGeom prst="rect">
-            <a:avLst/>
-          </a:prstGeom>
-        </p:spPr>
-      </p:pic>
-    </p:spTree>
-    <p:extLst>
-      <p:ext uri="{BB962C8B-B14F-4D97-AF65-F5344CB8AC3E}">
-        <p14:creationId xmlns:p14="http://schemas.microsoft.com/office/powerpoint/2010/main" val="480149916"/>
-      </p:ext>
-    </p:extLst>
-  </p:cSld>
-  <p:clrMapOvr>
-    <a:masterClrMapping/>
-  </p:clrMapOvr>
-</p:sld>
-</file>
-
-<file path=ppt/slides/slide35.xml><?xml version="1.0" encoding="utf-8"?>
-<p:sld xmlns:a="http://schemas.openxmlformats.org/drawingml/2006/main" xmlns:r="http://schemas.openxmlformats.org/officeDocument/2006/relationships" xmlns:p="http://schemas.openxmlformats.org/presentationml/2006/main" show="0">
-  <p:cSld>
-    <p:spTree>
-      <p:nvGrpSpPr>
-        <p:cNvPr id="1" name=""/>
-        <p:cNvGrpSpPr/>
-        <p:nvPr/>
-      </p:nvGrpSpPr>
-      <p:grpSpPr>
-        <a:xfrm>
-          <a:off x="0" y="0"/>
-          <a:ext cx="0" cy="0"/>
-          <a:chOff x="0" y="0"/>
-          <a:chExt cx="0" cy="0"/>
-        </a:xfrm>
-      </p:grpSpPr>
-      <p:pic>
-        <p:nvPicPr>
-          <p:cNvPr id="5" name="Picture 4">
-            <a:extLst>
-              <a:ext uri="{FF2B5EF4-FFF2-40B4-BE49-F238E27FC236}">
-                <a16:creationId xmlns:a16="http://schemas.microsoft.com/office/drawing/2014/main" id="{8DFFAE8D-D5C1-4F65-95EF-CBE1FC582CD0}"/>
-              </a:ext>
-            </a:extLst>
-          </p:cNvPr>
-          <p:cNvPicPr>
-            <a:picLocks noChangeAspect="1"/>
-          </p:cNvPicPr>
-          <p:nvPr/>
-        </p:nvPicPr>
-        <p:blipFill>
-          <a:blip r:embed="rId3"/>
-          <a:stretch>
-            <a:fillRect/>
-          </a:stretch>
-        </p:blipFill>
-        <p:spPr>
-          <a:xfrm>
-            <a:off x="0" y="0"/>
-            <a:ext cx="12192000" cy="6858000"/>
-          </a:xfrm>
-          <a:prstGeom prst="rect">
-            <a:avLst/>
-          </a:prstGeom>
-        </p:spPr>
-      </p:pic>
-    </p:spTree>
-    <p:extLst>
-      <p:ext uri="{BB962C8B-B14F-4D97-AF65-F5344CB8AC3E}">
-        <p14:creationId xmlns:p14="http://schemas.microsoft.com/office/powerpoint/2010/main" val="3918686251"/>
-      </p:ext>
-    </p:extLst>
-  </p:cSld>
-  <p:clrMapOvr>
-    <a:masterClrMapping/>
-  </p:clrMapOvr>
-</p:sld>
-</file>
-
-<file path=ppt/slides/slide36.xml><?xml version="1.0" encoding="utf-8"?>
-<p:sld xmlns:a="http://schemas.openxmlformats.org/drawingml/2006/main" xmlns:r="http://schemas.openxmlformats.org/officeDocument/2006/relationships" xmlns:p="http://schemas.openxmlformats.org/presentationml/2006/main" show="0">
-  <p:cSld>
-    <p:spTree>
-      <p:nvGrpSpPr>
-        <p:cNvPr id="1" name=""/>
-        <p:cNvGrpSpPr/>
-        <p:nvPr/>
-      </p:nvGrpSpPr>
-      <p:grpSpPr>
-        <a:xfrm>
-          <a:off x="0" y="0"/>
-          <a:ext cx="0" cy="0"/>
-          <a:chOff x="0" y="0"/>
-          <a:chExt cx="0" cy="0"/>
-        </a:xfrm>
-      </p:grpSpPr>
-      <p:sp>
-        <p:nvSpPr>
-          <p:cNvPr id="2" name="Title 1">
-            <a:extLst>
-              <a:ext uri="{FF2B5EF4-FFF2-40B4-BE49-F238E27FC236}">
-                <a16:creationId xmlns:a16="http://schemas.microsoft.com/office/drawing/2014/main" id="{7B9E8B8E-F033-42D5-980B-ED08ED7910B5}"/>
-              </a:ext>
-            </a:extLst>
-          </p:cNvPr>
-          <p:cNvSpPr>
-            <a:spLocks noGrp="1"/>
-          </p:cNvSpPr>
-          <p:nvPr>
-            <p:ph type="title"/>
-          </p:nvPr>
-        </p:nvSpPr>
-        <p:spPr/>
-        <p:txBody>
-          <a:bodyPr/>
-          <a:lstStyle/>
-          <a:p>
-            <a:r>
-              <a:rPr lang="en-GB" b="1" dirty="0">
-                <a:latin typeface="Arial" panose="020B0604020202020204" pitchFamily="34" charset="0"/>
-                <a:cs typeface="Arial" panose="020B0604020202020204" pitchFamily="34" charset="0"/>
-              </a:rPr>
-              <a:t>What Is </a:t>
-            </a:r>
-            <a:r>
-              <a:rPr lang="en-GB" b="1" dirty="0" err="1">
-                <a:latin typeface="Arial" panose="020B0604020202020204" pitchFamily="34" charset="0"/>
-                <a:cs typeface="Arial" panose="020B0604020202020204" pitchFamily="34" charset="0"/>
-              </a:rPr>
-              <a:t>GraphQL</a:t>
-            </a:r>
-            <a:r>
-              <a:rPr lang="en-GB" b="1" dirty="0">
-                <a:latin typeface="Arial" panose="020B0604020202020204" pitchFamily="34" charset="0"/>
-                <a:cs typeface="Arial" panose="020B0604020202020204" pitchFamily="34" charset="0"/>
-              </a:rPr>
-              <a:t>?</a:t>
-            </a:r>
-            <a:r>
-              <a:rPr lang="en-GB" dirty="0">
-                <a:latin typeface="Arial" panose="020B0604020202020204" pitchFamily="34" charset="0"/>
-                <a:cs typeface="Arial" panose="020B0604020202020204" pitchFamily="34" charset="0"/>
-              </a:rPr>
-              <a:t>	</a:t>
-            </a:r>
-          </a:p>
-        </p:txBody>
-      </p:sp>
-      <p:sp>
-        <p:nvSpPr>
-          <p:cNvPr id="3" name="Content Placeholder 2">
-            <a:extLst>
-              <a:ext uri="{FF2B5EF4-FFF2-40B4-BE49-F238E27FC236}">
-                <a16:creationId xmlns:a16="http://schemas.microsoft.com/office/drawing/2014/main" id="{97091BEC-29C9-4BDB-9E64-C10725B1BBD9}"/>
-              </a:ext>
-            </a:extLst>
-          </p:cNvPr>
-          <p:cNvSpPr>
-            <a:spLocks noGrp="1"/>
-          </p:cNvSpPr>
-          <p:nvPr>
-            <p:ph idx="1"/>
-          </p:nvPr>
-        </p:nvSpPr>
-        <p:spPr/>
-        <p:txBody>
-          <a:bodyPr>
-            <a:normAutofit lnSpcReduction="10000"/>
-          </a:bodyPr>
-          <a:lstStyle/>
-          <a:p>
-            <a:r>
-              <a:rPr lang="en-GB" dirty="0" err="1"/>
-              <a:t>GraphQL</a:t>
-            </a:r>
-            <a:r>
-              <a:rPr lang="en-GB" dirty="0"/>
-              <a:t> is a data query language for APIs and a runtime for fulfilling those queries with your existing data.</a:t>
-            </a:r>
-          </a:p>
-          <a:p>
-            <a:endParaRPr lang="en-GB" dirty="0"/>
-          </a:p>
-          <a:p>
-            <a:r>
-              <a:rPr lang="en-GB" dirty="0" err="1"/>
-              <a:t>GraphQL</a:t>
-            </a:r>
-            <a:r>
-              <a:rPr lang="en-GB" dirty="0"/>
-              <a:t> provides a complete and understandable description of the data in your API.</a:t>
-            </a:r>
-          </a:p>
-          <a:p>
-            <a:endParaRPr lang="en-GB" dirty="0"/>
-          </a:p>
-          <a:p>
-            <a:r>
-              <a:rPr lang="en-GB" dirty="0"/>
-              <a:t>Gives clients the power to ask for exactly what they need and nothing more.</a:t>
-            </a:r>
-          </a:p>
-          <a:p>
-            <a:pPr marL="0" indent="0">
-              <a:buNone/>
-            </a:pPr>
-            <a:endParaRPr lang="en-GB" b="1" dirty="0"/>
-          </a:p>
-          <a:p>
-            <a:pPr marL="0" indent="0">
-              <a:buNone/>
-            </a:pPr>
-            <a:r>
-              <a:rPr lang="en-GB" b="1" dirty="0"/>
-              <a:t>(Source: GraphQL.org)</a:t>
-            </a:r>
-          </a:p>
-          <a:p>
-            <a:endParaRPr lang="en-GB" dirty="0"/>
-          </a:p>
-        </p:txBody>
-      </p:sp>
-    </p:spTree>
-    <p:extLst>
-      <p:ext uri="{BB962C8B-B14F-4D97-AF65-F5344CB8AC3E}">
-        <p14:creationId xmlns:p14="http://schemas.microsoft.com/office/powerpoint/2010/main" val="395996166"/>
-      </p:ext>
-    </p:extLst>
-  </p:cSld>
-  <p:clrMapOvr>
-    <a:masterClrMapping/>
-  </p:clrMapOvr>
-</p:sld>
-</file>
-
-<file path=ppt/slides/slide4.xml><?xml version="1.0" encoding="utf-8"?>
-<p:sld xmlns:a="http://schemas.openxmlformats.org/drawingml/2006/main" xmlns:r="http://schemas.openxmlformats.org/officeDocument/2006/relationships" xmlns:p="http://schemas.openxmlformats.org/presentationml/2006/main">
-  <p:cSld>
-    <p:spTree>
-      <p:nvGrpSpPr>
-        <p:cNvPr id="1" name=""/>
-        <p:cNvGrpSpPr/>
-        <p:nvPr/>
-      </p:nvGrpSpPr>
-      <p:grpSpPr>
-        <a:xfrm>
-          <a:off x="0" y="0"/>
-          <a:ext cx="0" cy="0"/>
-          <a:chOff x="0" y="0"/>
-          <a:chExt cx="0" cy="0"/>
-        </a:xfrm>
-      </p:grpSpPr>
-      <p:sp>
-        <p:nvSpPr>
-          <p:cNvPr id="2" name="Title 1">
-            <a:extLst>
-              <a:ext uri="{FF2B5EF4-FFF2-40B4-BE49-F238E27FC236}">
-                <a16:creationId xmlns:a16="http://schemas.microsoft.com/office/drawing/2014/main" id="{041C0F86-50CA-4304-AD41-45B8337EA416}"/>
-              </a:ext>
-            </a:extLst>
-          </p:cNvPr>
-          <p:cNvSpPr>
-            <a:spLocks noGrp="1"/>
-          </p:cNvSpPr>
-          <p:nvPr>
-            <p:ph type="title"/>
-          </p:nvPr>
-        </p:nvSpPr>
-        <p:spPr>
-          <a:xfrm>
-            <a:off x="648929" y="629266"/>
-            <a:ext cx="6586491" cy="1676603"/>
-          </a:xfrm>
-        </p:spPr>
-        <p:txBody>
-          <a:bodyPr>
-            <a:normAutofit/>
-          </a:bodyPr>
-          <a:lstStyle/>
-          <a:p>
-            <a:r>
-              <a:rPr lang="en-GB" sz="7200" b="1" u="sng" dirty="0">
-                <a:latin typeface="Arial Black" panose="020B0A04020102020204" pitchFamily="34" charset="0"/>
-                <a:cs typeface="Arial" panose="020B0604020202020204" pitchFamily="34" charset="0"/>
-              </a:rPr>
-              <a:t>Graph</a:t>
-            </a:r>
-            <a:r>
-              <a:rPr lang="en-GB" sz="7200" b="1" dirty="0">
-                <a:latin typeface="Arial Black" panose="020B0A04020102020204" pitchFamily="34" charset="0"/>
-                <a:cs typeface="Arial" panose="020B0604020202020204" pitchFamily="34" charset="0"/>
-              </a:rPr>
-              <a:t>???QL</a:t>
-            </a:r>
-          </a:p>
-        </p:txBody>
-      </p:sp>
-      <p:pic>
-        <p:nvPicPr>
-          <p:cNvPr id="10" name="Content Placeholder 6">
-            <a:extLst>
-              <a:ext uri="{FF2B5EF4-FFF2-40B4-BE49-F238E27FC236}">
-                <a16:creationId xmlns:a16="http://schemas.microsoft.com/office/drawing/2014/main" id="{C0A51745-70B0-4479-8FF8-9A6D17F335F3}"/>
-              </a:ext>
-            </a:extLst>
-          </p:cNvPr>
-          <p:cNvPicPr>
-            <a:picLocks noChangeAspect="1"/>
-          </p:cNvPicPr>
-          <p:nvPr/>
-        </p:nvPicPr>
-        <p:blipFill rotWithShape="1">
-          <a:blip r:embed="rId2">
-            <a:extLst>
-              <a:ext uri="{28A0092B-C50C-407E-A947-70E740481C1C}">
-                <a14:useLocalDpi xmlns:a14="http://schemas.microsoft.com/office/drawing/2010/main" val="0"/>
-              </a:ext>
-            </a:extLst>
-          </a:blip>
-          <a:srcRect l="24730" r="23729" b="-1"/>
-          <a:stretch/>
-        </p:blipFill>
-        <p:spPr>
-          <a:xfrm>
-            <a:off x="7556408" y="10"/>
-            <a:ext cx="4635591" cy="6857990"/>
-          </a:xfrm>
-          <a:prstGeom prst="rect">
-            <a:avLst/>
-          </a:prstGeom>
-          <a:effectLst/>
-        </p:spPr>
-      </p:pic>
-      <p:sp>
-        <p:nvSpPr>
-          <p:cNvPr id="3" name="TextBox 2">
-            <a:extLst>
-              <a:ext uri="{FF2B5EF4-FFF2-40B4-BE49-F238E27FC236}">
-                <a16:creationId xmlns:a16="http://schemas.microsoft.com/office/drawing/2014/main" id="{75B88D46-41B9-4811-80AC-7F11D3205BCD}"/>
-              </a:ext>
-            </a:extLst>
-          </p:cNvPr>
-          <p:cNvSpPr txBox="1"/>
-          <p:nvPr/>
-        </p:nvSpPr>
-        <p:spPr>
-          <a:xfrm>
-            <a:off x="648928" y="2816352"/>
-            <a:ext cx="6446815" cy="1477328"/>
-          </a:xfrm>
-          <a:prstGeom prst="rect">
-            <a:avLst/>
-          </a:prstGeom>
-          <a:noFill/>
-        </p:spPr>
-        <p:txBody>
-          <a:bodyPr wrap="square" rtlCol="0">
-            <a:spAutoFit/>
-          </a:bodyPr>
-          <a:lstStyle/>
-          <a:p>
-            <a:r>
-              <a:rPr lang="en-GB" dirty="0"/>
-              <a:t>When I first came across </a:t>
-            </a:r>
-            <a:r>
-              <a:rPr lang="en-GB" dirty="0" err="1"/>
-              <a:t>GraphQL</a:t>
-            </a:r>
-            <a:r>
-              <a:rPr lang="en-GB" dirty="0"/>
-              <a:t> I wondered what the ‘Graph’ part of the name was referring to</a:t>
-            </a:r>
-          </a:p>
-          <a:p>
-            <a:endParaRPr lang="en-GB" dirty="0"/>
-          </a:p>
-          <a:p>
-            <a:r>
-              <a:rPr lang="en-GB" dirty="0"/>
-              <a:t>Started reading up about it and was still wondering what the ‘Graph’ part of the name was referring to</a:t>
-            </a:r>
-          </a:p>
-        </p:txBody>
-      </p:sp>
-    </p:spTree>
-    <p:extLst>
-      <p:ext uri="{BB962C8B-B14F-4D97-AF65-F5344CB8AC3E}">
-        <p14:creationId xmlns:p14="http://schemas.microsoft.com/office/powerpoint/2010/main" val="2044215885"/>
+        <p14:creationId xmlns:p14="http://schemas.microsoft.com/office/powerpoint/2010/main" val="863917254"/>
       </p:ext>
     </p:extLst>
   </p:cSld>
@@ -13547,6 +13043,1407 @@
       </p:par>
     </p:tnLst>
   </p:timing>
+</p:sld>
+</file>
+
+<file path=ppt/slides/slide31.xml><?xml version="1.0" encoding="utf-8"?>
+<p:sld xmlns:a="http://schemas.openxmlformats.org/drawingml/2006/main" xmlns:r="http://schemas.openxmlformats.org/officeDocument/2006/relationships" xmlns:p="http://schemas.openxmlformats.org/presentationml/2006/main">
+  <p:cSld>
+    <p:spTree>
+      <p:nvGrpSpPr>
+        <p:cNvPr id="1" name=""/>
+        <p:cNvGrpSpPr/>
+        <p:nvPr/>
+      </p:nvGrpSpPr>
+      <p:grpSpPr>
+        <a:xfrm>
+          <a:off x="0" y="0"/>
+          <a:ext cx="0" cy="0"/>
+          <a:chOff x="0" y="0"/>
+          <a:chExt cx="0" cy="0"/>
+        </a:xfrm>
+      </p:grpSpPr>
+      <p:sp>
+        <p:nvSpPr>
+          <p:cNvPr id="2" name="Title 1">
+            <a:extLst>
+              <a:ext uri="{FF2B5EF4-FFF2-40B4-BE49-F238E27FC236}">
+                <a16:creationId xmlns:a16="http://schemas.microsoft.com/office/drawing/2014/main" id="{7BC30914-AAD0-4E8D-9E2C-9D9BBCA57323}"/>
+              </a:ext>
+            </a:extLst>
+          </p:cNvPr>
+          <p:cNvSpPr>
+            <a:spLocks noGrp="1"/>
+          </p:cNvSpPr>
+          <p:nvPr>
+            <p:ph type="title"/>
+          </p:nvPr>
+        </p:nvSpPr>
+        <p:spPr/>
+        <p:txBody>
+          <a:bodyPr>
+            <a:normAutofit/>
+          </a:bodyPr>
+          <a:lstStyle/>
+          <a:p>
+            <a:r>
+              <a:rPr lang="en-GB" sz="4000" b="1" dirty="0" err="1">
+                <a:latin typeface="Arial" panose="020B0604020202020204" pitchFamily="34" charset="0"/>
+                <a:cs typeface="Arial" panose="020B0604020202020204" pitchFamily="34" charset="0"/>
+              </a:rPr>
+              <a:t>GraphQL</a:t>
+            </a:r>
+            <a:r>
+              <a:rPr lang="en-GB" sz="4000" b="1" dirty="0">
+                <a:latin typeface="Arial" panose="020B0604020202020204" pitchFamily="34" charset="0"/>
+                <a:cs typeface="Arial" panose="020B0604020202020204" pitchFamily="34" charset="0"/>
+              </a:rPr>
+              <a:t> API request are most commonly implemented using HTTP POST:</a:t>
+            </a:r>
+          </a:p>
+        </p:txBody>
+      </p:sp>
+      <p:sp>
+        <p:nvSpPr>
+          <p:cNvPr id="3" name="Content Placeholder 2">
+            <a:extLst>
+              <a:ext uri="{FF2B5EF4-FFF2-40B4-BE49-F238E27FC236}">
+                <a16:creationId xmlns:a16="http://schemas.microsoft.com/office/drawing/2014/main" id="{84E581ED-7D63-41F6-945D-5C6E2ACC4A87}"/>
+              </a:ext>
+            </a:extLst>
+          </p:cNvPr>
+          <p:cNvSpPr>
+            <a:spLocks noGrp="1"/>
+          </p:cNvSpPr>
+          <p:nvPr>
+            <p:ph idx="1"/>
+          </p:nvPr>
+        </p:nvSpPr>
+        <p:spPr>
+          <a:xfrm>
+            <a:off x="838200" y="1690688"/>
+            <a:ext cx="10515600" cy="4351338"/>
+          </a:xfrm>
+        </p:spPr>
+        <p:txBody>
+          <a:bodyPr>
+            <a:normAutofit lnSpcReduction="10000"/>
+          </a:bodyPr>
+          <a:lstStyle/>
+          <a:p>
+            <a:endParaRPr lang="en-GB" dirty="0"/>
+          </a:p>
+          <a:p>
+            <a:r>
+              <a:rPr lang="en-GB" dirty="0">
+                <a:latin typeface="Arial" panose="020B0604020202020204" pitchFamily="34" charset="0"/>
+                <a:cs typeface="Arial" panose="020B0604020202020204" pitchFamily="34" charset="0"/>
+              </a:rPr>
+              <a:t>You will need to set up your own caching support </a:t>
+            </a:r>
+          </a:p>
+          <a:p>
+            <a:pPr marL="0" indent="0">
+              <a:buNone/>
+            </a:pPr>
+            <a:endParaRPr lang="en-GB" dirty="0">
+              <a:latin typeface="Arial" panose="020B0604020202020204" pitchFamily="34" charset="0"/>
+              <a:cs typeface="Arial" panose="020B0604020202020204" pitchFamily="34" charset="0"/>
+            </a:endParaRPr>
+          </a:p>
+          <a:p>
+            <a:r>
+              <a:rPr lang="en-GB" dirty="0">
+                <a:latin typeface="Arial" panose="020B0604020202020204" pitchFamily="34" charset="0"/>
+                <a:cs typeface="Arial" panose="020B0604020202020204" pitchFamily="34" charset="0"/>
+              </a:rPr>
+              <a:t>Requests can not be bookmarked</a:t>
+            </a:r>
+          </a:p>
+          <a:p>
+            <a:pPr marL="0" indent="0">
+              <a:buNone/>
+            </a:pPr>
+            <a:endParaRPr lang="en-GB" dirty="0">
+              <a:latin typeface="Arial" panose="020B0604020202020204" pitchFamily="34" charset="0"/>
+              <a:cs typeface="Arial" panose="020B0604020202020204" pitchFamily="34" charset="0"/>
+            </a:endParaRPr>
+          </a:p>
+          <a:p>
+            <a:r>
+              <a:rPr lang="en-GB" dirty="0">
+                <a:latin typeface="Arial" panose="020B0604020202020204" pitchFamily="34" charset="0"/>
+                <a:cs typeface="Arial" panose="020B0604020202020204" pitchFamily="34" charset="0"/>
+              </a:rPr>
+              <a:t>Request do not stay in browser history</a:t>
+            </a:r>
+          </a:p>
+          <a:p>
+            <a:endParaRPr lang="en-GB" dirty="0">
+              <a:latin typeface="Arial" panose="020B0604020202020204" pitchFamily="34" charset="0"/>
+              <a:cs typeface="Arial" panose="020B0604020202020204" pitchFamily="34" charset="0"/>
+            </a:endParaRPr>
+          </a:p>
+          <a:p>
+            <a:r>
+              <a:rPr lang="en-GB" dirty="0">
+                <a:latin typeface="Arial" panose="020B0604020202020204" pitchFamily="34" charset="0"/>
+                <a:cs typeface="Arial" panose="020B0604020202020204" pitchFamily="34" charset="0"/>
+              </a:rPr>
+              <a:t>You can require that the clients use GET for all requests, but it's not ideal, because mutations will get cached too</a:t>
+            </a:r>
+          </a:p>
+        </p:txBody>
+      </p:sp>
+    </p:spTree>
+    <p:extLst>
+      <p:ext uri="{BB962C8B-B14F-4D97-AF65-F5344CB8AC3E}">
+        <p14:creationId xmlns:p14="http://schemas.microsoft.com/office/powerpoint/2010/main" val="3634226830"/>
+      </p:ext>
+    </p:extLst>
+  </p:cSld>
+  <p:clrMapOvr>
+    <a:masterClrMapping/>
+  </p:clrMapOvr>
+  <p:timing>
+    <p:tnLst>
+      <p:par>
+        <p:cTn id="1" dur="indefinite" restart="never" nodeType="tmRoot">
+          <p:childTnLst>
+            <p:seq concurrent="1" nextAc="seek">
+              <p:cTn id="2" dur="indefinite" nodeType="mainSeq">
+                <p:childTnLst>
+                  <p:par>
+                    <p:cTn id="3" fill="hold">
+                      <p:stCondLst>
+                        <p:cond delay="indefinite"/>
+                      </p:stCondLst>
+                      <p:childTnLst>
+                        <p:par>
+                          <p:cTn id="4" fill="hold">
+                            <p:stCondLst>
+                              <p:cond delay="0"/>
+                            </p:stCondLst>
+                            <p:childTnLst>
+                              <p:par>
+                                <p:cTn id="5" presetID="1" presetClass="entr" presetSubtype="0" fill="hold" nodeType="clickEffect">
+                                  <p:stCondLst>
+                                    <p:cond delay="0"/>
+                                  </p:stCondLst>
+                                  <p:childTnLst>
+                                    <p:set>
+                                      <p:cBhvr>
+                                        <p:cTn id="6" dur="1" fill="hold">
+                                          <p:stCondLst>
+                                            <p:cond delay="0"/>
+                                          </p:stCondLst>
+                                        </p:cTn>
+                                        <p:tgtEl>
+                                          <p:spTgt spid="3">
+                                            <p:txEl>
+                                              <p:pRg st="1" end="1"/>
+                                            </p:txEl>
+                                          </p:spTgt>
+                                        </p:tgtEl>
+                                        <p:attrNameLst>
+                                          <p:attrName>style.visibility</p:attrName>
+                                        </p:attrNameLst>
+                                      </p:cBhvr>
+                                      <p:to>
+                                        <p:strVal val="visible"/>
+                                      </p:to>
+                                    </p:set>
+                                  </p:childTnLst>
+                                </p:cTn>
+                              </p:par>
+                            </p:childTnLst>
+                          </p:cTn>
+                        </p:par>
+                      </p:childTnLst>
+                    </p:cTn>
+                  </p:par>
+                  <p:par>
+                    <p:cTn id="7" fill="hold">
+                      <p:stCondLst>
+                        <p:cond delay="indefinite"/>
+                      </p:stCondLst>
+                      <p:childTnLst>
+                        <p:par>
+                          <p:cTn id="8" fill="hold">
+                            <p:stCondLst>
+                              <p:cond delay="0"/>
+                            </p:stCondLst>
+                            <p:childTnLst>
+                              <p:par>
+                                <p:cTn id="9" presetID="1" presetClass="entr" presetSubtype="0" fill="hold" nodeType="clickEffect">
+                                  <p:stCondLst>
+                                    <p:cond delay="0"/>
+                                  </p:stCondLst>
+                                  <p:childTnLst>
+                                    <p:set>
+                                      <p:cBhvr>
+                                        <p:cTn id="10" dur="1" fill="hold">
+                                          <p:stCondLst>
+                                            <p:cond delay="0"/>
+                                          </p:stCondLst>
+                                        </p:cTn>
+                                        <p:tgtEl>
+                                          <p:spTgt spid="3">
+                                            <p:txEl>
+                                              <p:pRg st="3" end="3"/>
+                                            </p:txEl>
+                                          </p:spTgt>
+                                        </p:tgtEl>
+                                        <p:attrNameLst>
+                                          <p:attrName>style.visibility</p:attrName>
+                                        </p:attrNameLst>
+                                      </p:cBhvr>
+                                      <p:to>
+                                        <p:strVal val="visible"/>
+                                      </p:to>
+                                    </p:set>
+                                  </p:childTnLst>
+                                </p:cTn>
+                              </p:par>
+                            </p:childTnLst>
+                          </p:cTn>
+                        </p:par>
+                      </p:childTnLst>
+                    </p:cTn>
+                  </p:par>
+                  <p:par>
+                    <p:cTn id="11" fill="hold">
+                      <p:stCondLst>
+                        <p:cond delay="indefinite"/>
+                      </p:stCondLst>
+                      <p:childTnLst>
+                        <p:par>
+                          <p:cTn id="12" fill="hold">
+                            <p:stCondLst>
+                              <p:cond delay="0"/>
+                            </p:stCondLst>
+                            <p:childTnLst>
+                              <p:par>
+                                <p:cTn id="13" presetID="1" presetClass="entr" presetSubtype="0" fill="hold" nodeType="clickEffect">
+                                  <p:stCondLst>
+                                    <p:cond delay="0"/>
+                                  </p:stCondLst>
+                                  <p:childTnLst>
+                                    <p:set>
+                                      <p:cBhvr>
+                                        <p:cTn id="14" dur="1" fill="hold">
+                                          <p:stCondLst>
+                                            <p:cond delay="0"/>
+                                          </p:stCondLst>
+                                        </p:cTn>
+                                        <p:tgtEl>
+                                          <p:spTgt spid="3">
+                                            <p:txEl>
+                                              <p:pRg st="5" end="5"/>
+                                            </p:txEl>
+                                          </p:spTgt>
+                                        </p:tgtEl>
+                                        <p:attrNameLst>
+                                          <p:attrName>style.visibility</p:attrName>
+                                        </p:attrNameLst>
+                                      </p:cBhvr>
+                                      <p:to>
+                                        <p:strVal val="visible"/>
+                                      </p:to>
+                                    </p:set>
+                                  </p:childTnLst>
+                                </p:cTn>
+                              </p:par>
+                            </p:childTnLst>
+                          </p:cTn>
+                        </p:par>
+                      </p:childTnLst>
+                    </p:cTn>
+                  </p:par>
+                  <p:par>
+                    <p:cTn id="15" fill="hold">
+                      <p:stCondLst>
+                        <p:cond delay="indefinite"/>
+                      </p:stCondLst>
+                      <p:childTnLst>
+                        <p:par>
+                          <p:cTn id="16" fill="hold">
+                            <p:stCondLst>
+                              <p:cond delay="0"/>
+                            </p:stCondLst>
+                            <p:childTnLst>
+                              <p:par>
+                                <p:cTn id="17" presetID="1" presetClass="entr" presetSubtype="0" fill="hold" nodeType="clickEffect">
+                                  <p:stCondLst>
+                                    <p:cond delay="0"/>
+                                  </p:stCondLst>
+                                  <p:childTnLst>
+                                    <p:set>
+                                      <p:cBhvr>
+                                        <p:cTn id="18" dur="1" fill="hold">
+                                          <p:stCondLst>
+                                            <p:cond delay="0"/>
+                                          </p:stCondLst>
+                                        </p:cTn>
+                                        <p:tgtEl>
+                                          <p:spTgt spid="3">
+                                            <p:txEl>
+                                              <p:pRg st="7" end="7"/>
+                                            </p:txEl>
+                                          </p:spTgt>
+                                        </p:tgtEl>
+                                        <p:attrNameLst>
+                                          <p:attrName>style.visibility</p:attrName>
+                                        </p:attrNameLst>
+                                      </p:cBhvr>
+                                      <p:to>
+                                        <p:strVal val="visible"/>
+                                      </p:to>
+                                    </p:set>
+                                  </p:childTnLst>
+                                </p:cTn>
+                              </p:par>
+                            </p:childTnLst>
+                          </p:cTn>
+                        </p:par>
+                      </p:childTnLst>
+                    </p:cTn>
+                  </p:par>
+                </p:childTnLst>
+              </p:cTn>
+              <p:prevCondLst>
+                <p:cond evt="onPrev" delay="0">
+                  <p:tgtEl>
+                    <p:sldTgt/>
+                  </p:tgtEl>
+                </p:cond>
+              </p:prevCondLst>
+              <p:nextCondLst>
+                <p:cond evt="onNext" delay="0">
+                  <p:tgtEl>
+                    <p:sldTgt/>
+                  </p:tgtEl>
+                </p:cond>
+              </p:nextCondLst>
+            </p:seq>
+          </p:childTnLst>
+        </p:cTn>
+      </p:par>
+    </p:tnLst>
+  </p:timing>
+</p:sld>
+</file>
+
+<file path=ppt/slides/slide32.xml><?xml version="1.0" encoding="utf-8"?>
+<p:sld xmlns:a="http://schemas.openxmlformats.org/drawingml/2006/main" xmlns:r="http://schemas.openxmlformats.org/officeDocument/2006/relationships" xmlns:p="http://schemas.openxmlformats.org/presentationml/2006/main">
+  <p:cSld>
+    <p:spTree>
+      <p:nvGrpSpPr>
+        <p:cNvPr id="1" name=""/>
+        <p:cNvGrpSpPr/>
+        <p:nvPr/>
+      </p:nvGrpSpPr>
+      <p:grpSpPr>
+        <a:xfrm>
+          <a:off x="0" y="0"/>
+          <a:ext cx="0" cy="0"/>
+          <a:chOff x="0" y="0"/>
+          <a:chExt cx="0" cy="0"/>
+        </a:xfrm>
+      </p:grpSpPr>
+      <p:sp>
+        <p:nvSpPr>
+          <p:cNvPr id="2" name="Title 1">
+            <a:extLst>
+              <a:ext uri="{FF2B5EF4-FFF2-40B4-BE49-F238E27FC236}">
+                <a16:creationId xmlns:a16="http://schemas.microsoft.com/office/drawing/2014/main" id="{0E3C60F8-DD1F-4212-81B7-F83F830A32C0}"/>
+              </a:ext>
+            </a:extLst>
+          </p:cNvPr>
+          <p:cNvSpPr>
+            <a:spLocks noGrp="1"/>
+          </p:cNvSpPr>
+          <p:nvPr>
+            <p:ph type="title"/>
+          </p:nvPr>
+        </p:nvSpPr>
+        <p:spPr/>
+        <p:txBody>
+          <a:bodyPr>
+            <a:normAutofit/>
+          </a:bodyPr>
+          <a:lstStyle/>
+          <a:p>
+            <a:r>
+              <a:rPr lang="en-GB" sz="4000" b="1" dirty="0">
+                <a:latin typeface="Arial" panose="020B0604020202020204" pitchFamily="34" charset="0"/>
+                <a:cs typeface="Arial" panose="020B0604020202020204" pitchFamily="34" charset="0"/>
+              </a:rPr>
+              <a:t>Should you consider Using </a:t>
+            </a:r>
+            <a:r>
+              <a:rPr lang="en-GB" sz="4000" b="1" dirty="0" err="1">
+                <a:latin typeface="Arial" panose="020B0604020202020204" pitchFamily="34" charset="0"/>
+                <a:cs typeface="Arial" panose="020B0604020202020204" pitchFamily="34" charset="0"/>
+              </a:rPr>
+              <a:t>GraphQL</a:t>
+            </a:r>
+            <a:r>
+              <a:rPr lang="en-GB" sz="4000" b="1" dirty="0">
+                <a:latin typeface="Arial" panose="020B0604020202020204" pitchFamily="34" charset="0"/>
+                <a:cs typeface="Arial" panose="020B0604020202020204" pitchFamily="34" charset="0"/>
+              </a:rPr>
+              <a:t>?</a:t>
+            </a:r>
+          </a:p>
+        </p:txBody>
+      </p:sp>
+      <p:sp>
+        <p:nvSpPr>
+          <p:cNvPr id="3" name="Content Placeholder 2">
+            <a:extLst>
+              <a:ext uri="{FF2B5EF4-FFF2-40B4-BE49-F238E27FC236}">
+                <a16:creationId xmlns:a16="http://schemas.microsoft.com/office/drawing/2014/main" id="{75EE9A8F-D1E3-4346-BC6C-5B56623FB003}"/>
+              </a:ext>
+            </a:extLst>
+          </p:cNvPr>
+          <p:cNvSpPr>
+            <a:spLocks noGrp="1"/>
+          </p:cNvSpPr>
+          <p:nvPr>
+            <p:ph idx="1"/>
+          </p:nvPr>
+        </p:nvSpPr>
+        <p:spPr/>
+        <p:txBody>
+          <a:bodyPr/>
+          <a:lstStyle/>
+          <a:p>
+            <a:endParaRPr lang="en-GB" dirty="0"/>
+          </a:p>
+          <a:p>
+            <a:r>
+              <a:rPr lang="en-GB" dirty="0">
+                <a:latin typeface="Arial" panose="020B0604020202020204" pitchFamily="34" charset="0"/>
+                <a:cs typeface="Arial" panose="020B0604020202020204" pitchFamily="34" charset="0"/>
+              </a:rPr>
+              <a:t>If you find yourself working with a scalable application that has rapidly-changing data, </a:t>
+            </a:r>
+            <a:r>
+              <a:rPr lang="en-GB" dirty="0" err="1">
+                <a:latin typeface="Arial" panose="020B0604020202020204" pitchFamily="34" charset="0"/>
+                <a:cs typeface="Arial" panose="020B0604020202020204" pitchFamily="34" charset="0"/>
+              </a:rPr>
+              <a:t>GraphQL</a:t>
+            </a:r>
+            <a:r>
+              <a:rPr lang="en-GB" dirty="0">
+                <a:latin typeface="Arial" panose="020B0604020202020204" pitchFamily="34" charset="0"/>
+                <a:cs typeface="Arial" panose="020B0604020202020204" pitchFamily="34" charset="0"/>
+              </a:rPr>
+              <a:t> could be a great solution.</a:t>
+            </a:r>
+          </a:p>
+        </p:txBody>
+      </p:sp>
+    </p:spTree>
+    <p:extLst>
+      <p:ext uri="{BB962C8B-B14F-4D97-AF65-F5344CB8AC3E}">
+        <p14:creationId xmlns:p14="http://schemas.microsoft.com/office/powerpoint/2010/main" val="975833146"/>
+      </p:ext>
+    </p:extLst>
+  </p:cSld>
+  <p:clrMapOvr>
+    <a:masterClrMapping/>
+  </p:clrMapOvr>
+</p:sld>
+</file>
+
+<file path=ppt/slides/slide33.xml><?xml version="1.0" encoding="utf-8"?>
+<p:sld xmlns:a="http://schemas.openxmlformats.org/drawingml/2006/main" xmlns:r="http://schemas.openxmlformats.org/officeDocument/2006/relationships" xmlns:p="http://schemas.openxmlformats.org/presentationml/2006/main">
+  <p:cSld>
+    <p:spTree>
+      <p:nvGrpSpPr>
+        <p:cNvPr id="1" name=""/>
+        <p:cNvGrpSpPr/>
+        <p:nvPr/>
+      </p:nvGrpSpPr>
+      <p:grpSpPr>
+        <a:xfrm>
+          <a:off x="0" y="0"/>
+          <a:ext cx="0" cy="0"/>
+          <a:chOff x="0" y="0"/>
+          <a:chExt cx="0" cy="0"/>
+        </a:xfrm>
+      </p:grpSpPr>
+      <p:sp>
+        <p:nvSpPr>
+          <p:cNvPr id="2" name="Title 1">
+            <a:extLst>
+              <a:ext uri="{FF2B5EF4-FFF2-40B4-BE49-F238E27FC236}">
+                <a16:creationId xmlns:a16="http://schemas.microsoft.com/office/drawing/2014/main" id="{5025B909-8380-407F-98D1-5BBA276DF1B7}"/>
+              </a:ext>
+            </a:extLst>
+          </p:cNvPr>
+          <p:cNvSpPr>
+            <a:spLocks noGrp="1"/>
+          </p:cNvSpPr>
+          <p:nvPr>
+            <p:ph type="title"/>
+          </p:nvPr>
+        </p:nvSpPr>
+        <p:spPr/>
+        <p:txBody>
+          <a:bodyPr>
+            <a:normAutofit/>
+          </a:bodyPr>
+          <a:lstStyle/>
+          <a:p>
+            <a:r>
+              <a:rPr lang="en-GB" sz="4000" b="1" dirty="0">
+                <a:latin typeface="Arial" panose="020B0604020202020204" pitchFamily="34" charset="0"/>
+                <a:cs typeface="Arial" panose="020B0604020202020204" pitchFamily="34" charset="0"/>
+              </a:rPr>
+              <a:t>Thank You For Listening</a:t>
+            </a:r>
+          </a:p>
+        </p:txBody>
+      </p:sp>
+    </p:spTree>
+    <p:extLst>
+      <p:ext uri="{BB962C8B-B14F-4D97-AF65-F5344CB8AC3E}">
+        <p14:creationId xmlns:p14="http://schemas.microsoft.com/office/powerpoint/2010/main" val="360220739"/>
+      </p:ext>
+    </p:extLst>
+  </p:cSld>
+  <p:clrMapOvr>
+    <a:masterClrMapping/>
+  </p:clrMapOvr>
+</p:sld>
+</file>
+
+<file path=ppt/slides/slide34.xml><?xml version="1.0" encoding="utf-8"?>
+<p:sld xmlns:a="http://schemas.openxmlformats.org/drawingml/2006/main" xmlns:r="http://schemas.openxmlformats.org/officeDocument/2006/relationships" xmlns:p="http://schemas.openxmlformats.org/presentationml/2006/main">
+  <p:cSld>
+    <p:spTree>
+      <p:nvGrpSpPr>
+        <p:cNvPr id="1" name=""/>
+        <p:cNvGrpSpPr/>
+        <p:nvPr/>
+      </p:nvGrpSpPr>
+      <p:grpSpPr>
+        <a:xfrm>
+          <a:off x="0" y="0"/>
+          <a:ext cx="0" cy="0"/>
+          <a:chOff x="0" y="0"/>
+          <a:chExt cx="0" cy="0"/>
+        </a:xfrm>
+      </p:grpSpPr>
+      <p:sp>
+        <p:nvSpPr>
+          <p:cNvPr id="2" name="Title 1">
+            <a:extLst>
+              <a:ext uri="{FF2B5EF4-FFF2-40B4-BE49-F238E27FC236}">
+                <a16:creationId xmlns:a16="http://schemas.microsoft.com/office/drawing/2014/main" id="{ADF842CB-C496-4F73-A1FF-31C756A22EC4}"/>
+              </a:ext>
+            </a:extLst>
+          </p:cNvPr>
+          <p:cNvSpPr>
+            <a:spLocks noGrp="1"/>
+          </p:cNvSpPr>
+          <p:nvPr>
+            <p:ph type="title"/>
+          </p:nvPr>
+        </p:nvSpPr>
+        <p:spPr/>
+        <p:txBody>
+          <a:bodyPr>
+            <a:normAutofit/>
+          </a:bodyPr>
+          <a:lstStyle/>
+          <a:p>
+            <a:r>
+              <a:rPr lang="en-GB" sz="4000" b="1" dirty="0">
+                <a:latin typeface="Arial" panose="020B0604020202020204" pitchFamily="34" charset="0"/>
+                <a:cs typeface="Arial" panose="020B0604020202020204" pitchFamily="34" charset="0"/>
+              </a:rPr>
+              <a:t>Questions…..</a:t>
+            </a:r>
+          </a:p>
+        </p:txBody>
+      </p:sp>
+    </p:spTree>
+    <p:extLst>
+      <p:ext uri="{BB962C8B-B14F-4D97-AF65-F5344CB8AC3E}">
+        <p14:creationId xmlns:p14="http://schemas.microsoft.com/office/powerpoint/2010/main" val="1184689899"/>
+      </p:ext>
+    </p:extLst>
+  </p:cSld>
+  <p:clrMapOvr>
+    <a:masterClrMapping/>
+  </p:clrMapOvr>
+</p:sld>
+</file>
+
+<file path=ppt/slides/slide35.xml><?xml version="1.0" encoding="utf-8"?>
+<p:sld xmlns:a="http://schemas.openxmlformats.org/drawingml/2006/main" xmlns:r="http://schemas.openxmlformats.org/officeDocument/2006/relationships" xmlns:p="http://schemas.openxmlformats.org/presentationml/2006/main" show="0">
+  <p:cSld>
+    <p:spTree>
+      <p:nvGrpSpPr>
+        <p:cNvPr id="1" name=""/>
+        <p:cNvGrpSpPr/>
+        <p:nvPr/>
+      </p:nvGrpSpPr>
+      <p:grpSpPr>
+        <a:xfrm>
+          <a:off x="0" y="0"/>
+          <a:ext cx="0" cy="0"/>
+          <a:chOff x="0" y="0"/>
+          <a:chExt cx="0" cy="0"/>
+        </a:xfrm>
+      </p:grpSpPr>
+      <p:sp>
+        <p:nvSpPr>
+          <p:cNvPr id="2" name="Title 1">
+            <a:extLst>
+              <a:ext uri="{FF2B5EF4-FFF2-40B4-BE49-F238E27FC236}">
+                <a16:creationId xmlns:a16="http://schemas.microsoft.com/office/drawing/2014/main" id="{9CDF0D2A-81E2-4D08-B78E-FBEF9039EB1B}"/>
+              </a:ext>
+            </a:extLst>
+          </p:cNvPr>
+          <p:cNvSpPr>
+            <a:spLocks noGrp="1"/>
+          </p:cNvSpPr>
+          <p:nvPr>
+            <p:ph type="title"/>
+          </p:nvPr>
+        </p:nvSpPr>
+        <p:spPr/>
+        <p:txBody>
+          <a:bodyPr>
+            <a:normAutofit/>
+          </a:bodyPr>
+          <a:lstStyle/>
+          <a:p>
+            <a:r>
+              <a:rPr lang="en-GB" sz="4000" b="1" dirty="0" err="1">
+                <a:latin typeface="Arial" panose="020B0604020202020204" pitchFamily="34" charset="0"/>
+                <a:cs typeface="Arial" panose="020B0604020202020204" pitchFamily="34" charset="0"/>
+              </a:rPr>
+              <a:t>GraphQL</a:t>
+            </a:r>
+            <a:r>
+              <a:rPr lang="en-GB" sz="4000" b="1" dirty="0">
+                <a:latin typeface="Arial" panose="020B0604020202020204" pitchFamily="34" charset="0"/>
+                <a:cs typeface="Arial" panose="020B0604020202020204" pitchFamily="34" charset="0"/>
+              </a:rPr>
+              <a:t> Server Libraries</a:t>
+            </a:r>
+            <a:endParaRPr lang="en-GB" sz="4000" dirty="0"/>
+          </a:p>
+        </p:txBody>
+      </p:sp>
+      <p:sp>
+        <p:nvSpPr>
+          <p:cNvPr id="3" name="Content Placeholder 2">
+            <a:extLst>
+              <a:ext uri="{FF2B5EF4-FFF2-40B4-BE49-F238E27FC236}">
+                <a16:creationId xmlns:a16="http://schemas.microsoft.com/office/drawing/2014/main" id="{EA078A30-DC29-45F8-96F9-AD31D1126AFA}"/>
+              </a:ext>
+            </a:extLst>
+          </p:cNvPr>
+          <p:cNvSpPr>
+            <a:spLocks noGrp="1"/>
+          </p:cNvSpPr>
+          <p:nvPr>
+            <p:ph idx="1"/>
+          </p:nvPr>
+        </p:nvSpPr>
+        <p:spPr>
+          <a:xfrm>
+            <a:off x="838200" y="1445614"/>
+            <a:ext cx="10515600" cy="4351338"/>
+          </a:xfrm>
+        </p:spPr>
+        <p:txBody>
+          <a:bodyPr>
+            <a:normAutofit/>
+          </a:bodyPr>
+          <a:lstStyle/>
+          <a:p>
+            <a:pPr marL="0" indent="0">
+              <a:buNone/>
+            </a:pPr>
+            <a:r>
+              <a:rPr lang="en-GB" sz="2000" dirty="0">
+                <a:latin typeface="Arial" panose="020B0604020202020204" pitchFamily="34" charset="0"/>
+                <a:cs typeface="Arial" panose="020B0604020202020204" pitchFamily="34" charset="0"/>
+              </a:rPr>
+              <a:t>As </a:t>
+            </a:r>
+            <a:r>
+              <a:rPr lang="en-GB" sz="2000" dirty="0" err="1">
+                <a:latin typeface="Arial" panose="020B0604020202020204" pitchFamily="34" charset="0"/>
+                <a:cs typeface="Arial" panose="020B0604020202020204" pitchFamily="34" charset="0"/>
+              </a:rPr>
+              <a:t>GraphQL</a:t>
+            </a:r>
+            <a:r>
+              <a:rPr lang="en-GB" sz="2000" dirty="0">
+                <a:latin typeface="Arial" panose="020B0604020202020204" pitchFamily="34" charset="0"/>
+                <a:cs typeface="Arial" panose="020B0604020202020204" pitchFamily="34" charset="0"/>
+              </a:rPr>
+              <a:t> is a </a:t>
+            </a:r>
+            <a:r>
+              <a:rPr lang="en-GB" sz="2000" b="1" dirty="0">
+                <a:latin typeface="Arial" panose="020B0604020202020204" pitchFamily="34" charset="0"/>
+                <a:cs typeface="Arial" panose="020B0604020202020204" pitchFamily="34" charset="0"/>
+              </a:rPr>
+              <a:t>specification</a:t>
+            </a:r>
+            <a:r>
+              <a:rPr lang="en-GB" sz="2000" dirty="0">
+                <a:latin typeface="Arial" panose="020B0604020202020204" pitchFamily="34" charset="0"/>
+                <a:cs typeface="Arial" panose="020B0604020202020204" pitchFamily="34" charset="0"/>
+              </a:rPr>
+              <a:t> you can find server libraries to help you implement </a:t>
+            </a:r>
+            <a:r>
+              <a:rPr lang="en-GB" sz="2000" dirty="0" err="1">
+                <a:latin typeface="Arial" panose="020B0604020202020204" pitchFamily="34" charset="0"/>
+                <a:cs typeface="Arial" panose="020B0604020202020204" pitchFamily="34" charset="0"/>
+              </a:rPr>
+              <a:t>GraphQL</a:t>
+            </a:r>
+            <a:r>
+              <a:rPr lang="en-GB" sz="2000" dirty="0">
+                <a:latin typeface="Arial" panose="020B0604020202020204" pitchFamily="34" charset="0"/>
+                <a:cs typeface="Arial" panose="020B0604020202020204" pitchFamily="34" charset="0"/>
+              </a:rPr>
+              <a:t> in a variety of languages including:</a:t>
+            </a:r>
+          </a:p>
+          <a:p>
+            <a:pPr marL="0" indent="0">
+              <a:buNone/>
+            </a:pPr>
+            <a:endParaRPr lang="en-GB" sz="2000" dirty="0">
+              <a:latin typeface="Arial" panose="020B0604020202020204" pitchFamily="34" charset="0"/>
+              <a:cs typeface="Arial" panose="020B0604020202020204" pitchFamily="34" charset="0"/>
+            </a:endParaRPr>
+          </a:p>
+          <a:p>
+            <a:pPr marL="0" indent="0">
+              <a:buNone/>
+            </a:pPr>
+            <a:r>
+              <a:rPr lang="en-GB" sz="2000" dirty="0">
+                <a:latin typeface="Arial" panose="020B0604020202020204" pitchFamily="34" charset="0"/>
+                <a:cs typeface="Arial" panose="020B0604020202020204" pitchFamily="34" charset="0"/>
+              </a:rPr>
+              <a:t>C# / .NET, Clojure, Elixir, Erlang, </a:t>
+            </a:r>
+            <a:r>
+              <a:rPr lang="en-GB" sz="2000" dirty="0" err="1">
+                <a:latin typeface="Arial" panose="020B0604020202020204" pitchFamily="34" charset="0"/>
+                <a:cs typeface="Arial" panose="020B0604020202020204" pitchFamily="34" charset="0"/>
+              </a:rPr>
+              <a:t>Go,Groovy</a:t>
+            </a:r>
+            <a:r>
+              <a:rPr lang="en-GB" sz="2000" dirty="0">
+                <a:latin typeface="Arial" panose="020B0604020202020204" pitchFamily="34" charset="0"/>
+                <a:cs typeface="Arial" panose="020B0604020202020204" pitchFamily="34" charset="0"/>
+              </a:rPr>
+              <a:t>, Java, JavaScript, PHP, Python, Scala, Ruby</a:t>
+            </a:r>
+          </a:p>
+          <a:p>
+            <a:pPr marL="0" indent="0">
+              <a:buNone/>
+            </a:pPr>
+            <a:endParaRPr lang="en-GB" sz="2000" dirty="0">
+              <a:latin typeface="Arial" panose="020B0604020202020204" pitchFamily="34" charset="0"/>
+              <a:cs typeface="Arial" panose="020B0604020202020204" pitchFamily="34" charset="0"/>
+            </a:endParaRPr>
+          </a:p>
+          <a:p>
+            <a:pPr marL="0" indent="0">
+              <a:buNone/>
+            </a:pPr>
+            <a:r>
+              <a:rPr lang="en-GB" sz="2000" dirty="0">
+                <a:latin typeface="Arial" panose="020B0604020202020204" pitchFamily="34" charset="0"/>
+                <a:cs typeface="Arial" panose="020B0604020202020204" pitchFamily="34" charset="0"/>
+              </a:rPr>
+              <a:t> </a:t>
+            </a:r>
+          </a:p>
+        </p:txBody>
+      </p:sp>
+    </p:spTree>
+    <p:extLst>
+      <p:ext uri="{BB962C8B-B14F-4D97-AF65-F5344CB8AC3E}">
+        <p14:creationId xmlns:p14="http://schemas.microsoft.com/office/powerpoint/2010/main" val="268548884"/>
+      </p:ext>
+    </p:extLst>
+  </p:cSld>
+  <p:clrMapOvr>
+    <a:masterClrMapping/>
+  </p:clrMapOvr>
+</p:sld>
+</file>
+
+<file path=ppt/slides/slide36.xml><?xml version="1.0" encoding="utf-8"?>
+<p:sld xmlns:a="http://schemas.openxmlformats.org/drawingml/2006/main" xmlns:r="http://schemas.openxmlformats.org/officeDocument/2006/relationships" xmlns:p="http://schemas.openxmlformats.org/presentationml/2006/main" show="0">
+  <p:cSld>
+    <p:spTree>
+      <p:nvGrpSpPr>
+        <p:cNvPr id="1" name=""/>
+        <p:cNvGrpSpPr/>
+        <p:nvPr/>
+      </p:nvGrpSpPr>
+      <p:grpSpPr>
+        <a:xfrm>
+          <a:off x="0" y="0"/>
+          <a:ext cx="0" cy="0"/>
+          <a:chOff x="0" y="0"/>
+          <a:chExt cx="0" cy="0"/>
+        </a:xfrm>
+      </p:grpSpPr>
+      <p:sp>
+        <p:nvSpPr>
+          <p:cNvPr id="2" name="Title 1">
+            <a:extLst>
+              <a:ext uri="{FF2B5EF4-FFF2-40B4-BE49-F238E27FC236}">
+                <a16:creationId xmlns:a16="http://schemas.microsoft.com/office/drawing/2014/main" id="{6B39982E-B2B4-483D-A055-2AB6C3B7D601}"/>
+              </a:ext>
+            </a:extLst>
+          </p:cNvPr>
+          <p:cNvSpPr>
+            <a:spLocks noGrp="1"/>
+          </p:cNvSpPr>
+          <p:nvPr>
+            <p:ph type="title"/>
+          </p:nvPr>
+        </p:nvSpPr>
+        <p:spPr/>
+        <p:txBody>
+          <a:bodyPr/>
+          <a:lstStyle/>
+          <a:p>
+            <a:r>
+              <a:rPr lang="en-GB" dirty="0"/>
+              <a:t>Conclusion</a:t>
+            </a:r>
+          </a:p>
+        </p:txBody>
+      </p:sp>
+      <p:sp>
+        <p:nvSpPr>
+          <p:cNvPr id="3" name="Content Placeholder 2">
+            <a:extLst>
+              <a:ext uri="{FF2B5EF4-FFF2-40B4-BE49-F238E27FC236}">
+                <a16:creationId xmlns:a16="http://schemas.microsoft.com/office/drawing/2014/main" id="{2F4287DA-39A8-4FAC-9B17-4822286D8AB1}"/>
+              </a:ext>
+            </a:extLst>
+          </p:cNvPr>
+          <p:cNvSpPr>
+            <a:spLocks noGrp="1"/>
+          </p:cNvSpPr>
+          <p:nvPr>
+            <p:ph idx="1"/>
+          </p:nvPr>
+        </p:nvSpPr>
+        <p:spPr/>
+        <p:txBody>
+          <a:bodyPr/>
+          <a:lstStyle/>
+          <a:p>
+            <a:r>
+              <a:rPr lang="en-GB" dirty="0"/>
+              <a:t>If you have a simple REST API and deal with data that is relatively consistent over time, you would be better off sticking with your REST API. For companies that deal with rapidly-changing data, and have the engineering resources to devote to rearchitecting their API platforms, </a:t>
+            </a:r>
+            <a:r>
+              <a:rPr lang="en-GB" dirty="0" err="1"/>
+              <a:t>GraphQL</a:t>
+            </a:r>
+            <a:r>
+              <a:rPr lang="en-GB" dirty="0"/>
+              <a:t> can solve many of the pain points experienced with REST APIs.</a:t>
+            </a:r>
+          </a:p>
+          <a:p>
+            <a:endParaRPr lang="en-GB" dirty="0"/>
+          </a:p>
+          <a:p>
+            <a:r>
+              <a:rPr lang="en-GB" dirty="0"/>
+              <a:t>if you find yourself working with rapidly-changing data at scale, it could be a great solution for your business.</a:t>
+            </a:r>
+          </a:p>
+        </p:txBody>
+      </p:sp>
+    </p:spTree>
+    <p:extLst>
+      <p:ext uri="{BB962C8B-B14F-4D97-AF65-F5344CB8AC3E}">
+        <p14:creationId xmlns:p14="http://schemas.microsoft.com/office/powerpoint/2010/main" val="2355465839"/>
+      </p:ext>
+    </p:extLst>
+  </p:cSld>
+  <p:clrMapOvr>
+    <a:masterClrMapping/>
+  </p:clrMapOvr>
+</p:sld>
+</file>
+
+<file path=ppt/slides/slide37.xml><?xml version="1.0" encoding="utf-8"?>
+<p:sld xmlns:a="http://schemas.openxmlformats.org/drawingml/2006/main" xmlns:r="http://schemas.openxmlformats.org/officeDocument/2006/relationships" xmlns:p="http://schemas.openxmlformats.org/presentationml/2006/main" show="0">
+  <p:cSld>
+    <p:spTree>
+      <p:nvGrpSpPr>
+        <p:cNvPr id="1" name=""/>
+        <p:cNvGrpSpPr/>
+        <p:nvPr/>
+      </p:nvGrpSpPr>
+      <p:grpSpPr>
+        <a:xfrm>
+          <a:off x="0" y="0"/>
+          <a:ext cx="0" cy="0"/>
+          <a:chOff x="0" y="0"/>
+          <a:chExt cx="0" cy="0"/>
+        </a:xfrm>
+      </p:grpSpPr>
+      <p:pic>
+        <p:nvPicPr>
+          <p:cNvPr id="4" name="Content Placeholder 3">
+            <a:extLst>
+              <a:ext uri="{FF2B5EF4-FFF2-40B4-BE49-F238E27FC236}">
+                <a16:creationId xmlns:a16="http://schemas.microsoft.com/office/drawing/2014/main" id="{0DD73423-8C3A-4006-9FB0-CDFBAB53C595}"/>
+              </a:ext>
+            </a:extLst>
+          </p:cNvPr>
+          <p:cNvPicPr>
+            <a:picLocks noGrp="1" noChangeAspect="1"/>
+          </p:cNvPicPr>
+          <p:nvPr>
+            <p:ph idx="1"/>
+          </p:nvPr>
+        </p:nvPicPr>
+        <p:blipFill>
+          <a:blip r:embed="rId2"/>
+          <a:stretch>
+            <a:fillRect/>
+          </a:stretch>
+        </p:blipFill>
+        <p:spPr>
+          <a:xfrm>
+            <a:off x="40814" y="136478"/>
+            <a:ext cx="11985486" cy="6721522"/>
+          </a:xfrm>
+          <a:prstGeom prst="rect">
+            <a:avLst/>
+          </a:prstGeom>
+        </p:spPr>
+      </p:pic>
+    </p:spTree>
+    <p:extLst>
+      <p:ext uri="{BB962C8B-B14F-4D97-AF65-F5344CB8AC3E}">
+        <p14:creationId xmlns:p14="http://schemas.microsoft.com/office/powerpoint/2010/main" val="124588992"/>
+      </p:ext>
+    </p:extLst>
+  </p:cSld>
+  <p:clrMapOvr>
+    <a:masterClrMapping/>
+  </p:clrMapOvr>
+</p:sld>
+</file>
+
+<file path=ppt/slides/slide38.xml><?xml version="1.0" encoding="utf-8"?>
+<p:sld xmlns:a="http://schemas.openxmlformats.org/drawingml/2006/main" xmlns:r="http://schemas.openxmlformats.org/officeDocument/2006/relationships" xmlns:p="http://schemas.openxmlformats.org/presentationml/2006/main" show="0">
+  <p:cSld>
+    <p:spTree>
+      <p:nvGrpSpPr>
+        <p:cNvPr id="1" name=""/>
+        <p:cNvGrpSpPr/>
+        <p:nvPr/>
+      </p:nvGrpSpPr>
+      <p:grpSpPr>
+        <a:xfrm>
+          <a:off x="0" y="0"/>
+          <a:ext cx="0" cy="0"/>
+          <a:chOff x="0" y="0"/>
+          <a:chExt cx="0" cy="0"/>
+        </a:xfrm>
+      </p:grpSpPr>
+      <p:pic>
+        <p:nvPicPr>
+          <p:cNvPr id="7" name="Picture 6">
+            <a:extLst>
+              <a:ext uri="{FF2B5EF4-FFF2-40B4-BE49-F238E27FC236}">
+                <a16:creationId xmlns:a16="http://schemas.microsoft.com/office/drawing/2014/main" id="{9C2A9CA2-53F6-43F9-93EA-F5607E36970B}"/>
+              </a:ext>
+            </a:extLst>
+          </p:cNvPr>
+          <p:cNvPicPr>
+            <a:picLocks noChangeAspect="1"/>
+          </p:cNvPicPr>
+          <p:nvPr/>
+        </p:nvPicPr>
+        <p:blipFill>
+          <a:blip r:embed="rId2"/>
+          <a:stretch>
+            <a:fillRect/>
+          </a:stretch>
+        </p:blipFill>
+        <p:spPr>
+          <a:xfrm>
+            <a:off x="0" y="0"/>
+            <a:ext cx="12192000" cy="6858000"/>
+          </a:xfrm>
+          <a:prstGeom prst="rect">
+            <a:avLst/>
+          </a:prstGeom>
+        </p:spPr>
+      </p:pic>
+    </p:spTree>
+    <p:extLst>
+      <p:ext uri="{BB962C8B-B14F-4D97-AF65-F5344CB8AC3E}">
+        <p14:creationId xmlns:p14="http://schemas.microsoft.com/office/powerpoint/2010/main" val="480149916"/>
+      </p:ext>
+    </p:extLst>
+  </p:cSld>
+  <p:clrMapOvr>
+    <a:masterClrMapping/>
+  </p:clrMapOvr>
+</p:sld>
+</file>
+
+<file path=ppt/slides/slide39.xml><?xml version="1.0" encoding="utf-8"?>
+<p:sld xmlns:a="http://schemas.openxmlformats.org/drawingml/2006/main" xmlns:r="http://schemas.openxmlformats.org/officeDocument/2006/relationships" xmlns:p="http://schemas.openxmlformats.org/presentationml/2006/main" show="0">
+  <p:cSld>
+    <p:spTree>
+      <p:nvGrpSpPr>
+        <p:cNvPr id="1" name=""/>
+        <p:cNvGrpSpPr/>
+        <p:nvPr/>
+      </p:nvGrpSpPr>
+      <p:grpSpPr>
+        <a:xfrm>
+          <a:off x="0" y="0"/>
+          <a:ext cx="0" cy="0"/>
+          <a:chOff x="0" y="0"/>
+          <a:chExt cx="0" cy="0"/>
+        </a:xfrm>
+      </p:grpSpPr>
+      <p:pic>
+        <p:nvPicPr>
+          <p:cNvPr id="5" name="Picture 4">
+            <a:extLst>
+              <a:ext uri="{FF2B5EF4-FFF2-40B4-BE49-F238E27FC236}">
+                <a16:creationId xmlns:a16="http://schemas.microsoft.com/office/drawing/2014/main" id="{8DFFAE8D-D5C1-4F65-95EF-CBE1FC582CD0}"/>
+              </a:ext>
+            </a:extLst>
+          </p:cNvPr>
+          <p:cNvPicPr>
+            <a:picLocks noChangeAspect="1"/>
+          </p:cNvPicPr>
+          <p:nvPr/>
+        </p:nvPicPr>
+        <p:blipFill>
+          <a:blip r:embed="rId3"/>
+          <a:stretch>
+            <a:fillRect/>
+          </a:stretch>
+        </p:blipFill>
+        <p:spPr>
+          <a:xfrm>
+            <a:off x="0" y="0"/>
+            <a:ext cx="12192000" cy="6858000"/>
+          </a:xfrm>
+          <a:prstGeom prst="rect">
+            <a:avLst/>
+          </a:prstGeom>
+        </p:spPr>
+      </p:pic>
+    </p:spTree>
+    <p:extLst>
+      <p:ext uri="{BB962C8B-B14F-4D97-AF65-F5344CB8AC3E}">
+        <p14:creationId xmlns:p14="http://schemas.microsoft.com/office/powerpoint/2010/main" val="3918686251"/>
+      </p:ext>
+    </p:extLst>
+  </p:cSld>
+  <p:clrMapOvr>
+    <a:masterClrMapping/>
+  </p:clrMapOvr>
+</p:sld>
+</file>
+
+<file path=ppt/slides/slide4.xml><?xml version="1.0" encoding="utf-8"?>
+<p:sld xmlns:a="http://schemas.openxmlformats.org/drawingml/2006/main" xmlns:r="http://schemas.openxmlformats.org/officeDocument/2006/relationships" xmlns:p="http://schemas.openxmlformats.org/presentationml/2006/main">
+  <p:cSld>
+    <p:spTree>
+      <p:nvGrpSpPr>
+        <p:cNvPr id="1" name=""/>
+        <p:cNvGrpSpPr/>
+        <p:nvPr/>
+      </p:nvGrpSpPr>
+      <p:grpSpPr>
+        <a:xfrm>
+          <a:off x="0" y="0"/>
+          <a:ext cx="0" cy="0"/>
+          <a:chOff x="0" y="0"/>
+          <a:chExt cx="0" cy="0"/>
+        </a:xfrm>
+      </p:grpSpPr>
+      <p:sp>
+        <p:nvSpPr>
+          <p:cNvPr id="2" name="Title 1">
+            <a:extLst>
+              <a:ext uri="{FF2B5EF4-FFF2-40B4-BE49-F238E27FC236}">
+                <a16:creationId xmlns:a16="http://schemas.microsoft.com/office/drawing/2014/main" id="{041C0F86-50CA-4304-AD41-45B8337EA416}"/>
+              </a:ext>
+            </a:extLst>
+          </p:cNvPr>
+          <p:cNvSpPr>
+            <a:spLocks noGrp="1"/>
+          </p:cNvSpPr>
+          <p:nvPr>
+            <p:ph type="title"/>
+          </p:nvPr>
+        </p:nvSpPr>
+        <p:spPr>
+          <a:xfrm>
+            <a:off x="158497" y="629266"/>
+            <a:ext cx="7076924" cy="1676603"/>
+          </a:xfrm>
+        </p:spPr>
+        <p:txBody>
+          <a:bodyPr>
+            <a:normAutofit/>
+          </a:bodyPr>
+          <a:lstStyle/>
+          <a:p>
+            <a:r>
+              <a:rPr lang="en-GB" sz="4000" b="1" u="sng" dirty="0">
+                <a:latin typeface="Arial" panose="020B0604020202020204" pitchFamily="34" charset="0"/>
+                <a:cs typeface="Arial" panose="020B0604020202020204" pitchFamily="34" charset="0"/>
+              </a:rPr>
+              <a:t>Graph</a:t>
+            </a:r>
+            <a:r>
+              <a:rPr lang="en-GB" sz="4000" b="1" dirty="0">
+                <a:latin typeface="Arial" panose="020B0604020202020204" pitchFamily="34" charset="0"/>
+                <a:cs typeface="Arial" panose="020B0604020202020204" pitchFamily="34" charset="0"/>
+              </a:rPr>
+              <a:t>??? Query Language</a:t>
+            </a:r>
+          </a:p>
+        </p:txBody>
+      </p:sp>
+      <p:pic>
+        <p:nvPicPr>
+          <p:cNvPr id="10" name="Content Placeholder 6">
+            <a:extLst>
+              <a:ext uri="{FF2B5EF4-FFF2-40B4-BE49-F238E27FC236}">
+                <a16:creationId xmlns:a16="http://schemas.microsoft.com/office/drawing/2014/main" id="{C0A51745-70B0-4479-8FF8-9A6D17F335F3}"/>
+              </a:ext>
+            </a:extLst>
+          </p:cNvPr>
+          <p:cNvPicPr>
+            <a:picLocks noChangeAspect="1"/>
+          </p:cNvPicPr>
+          <p:nvPr/>
+        </p:nvPicPr>
+        <p:blipFill rotWithShape="1">
+          <a:blip r:embed="rId2">
+            <a:extLst>
+              <a:ext uri="{28A0092B-C50C-407E-A947-70E740481C1C}">
+                <a14:useLocalDpi xmlns:a14="http://schemas.microsoft.com/office/drawing/2010/main" val="0"/>
+              </a:ext>
+            </a:extLst>
+          </a:blip>
+          <a:srcRect l="24730" r="23729" b="-1"/>
+          <a:stretch/>
+        </p:blipFill>
+        <p:spPr>
+          <a:xfrm>
+            <a:off x="7556408" y="10"/>
+            <a:ext cx="4635591" cy="6857990"/>
+          </a:xfrm>
+          <a:prstGeom prst="rect">
+            <a:avLst/>
+          </a:prstGeom>
+          <a:effectLst/>
+        </p:spPr>
+      </p:pic>
+    </p:spTree>
+    <p:extLst>
+      <p:ext uri="{BB962C8B-B14F-4D97-AF65-F5344CB8AC3E}">
+        <p14:creationId xmlns:p14="http://schemas.microsoft.com/office/powerpoint/2010/main" val="2044215885"/>
+      </p:ext>
+    </p:extLst>
+  </p:cSld>
+  <p:clrMapOvr>
+    <a:masterClrMapping/>
+  </p:clrMapOvr>
+</p:sld>
+</file>
+
+<file path=ppt/slides/slide40.xml><?xml version="1.0" encoding="utf-8"?>
+<p:sld xmlns:a="http://schemas.openxmlformats.org/drawingml/2006/main" xmlns:r="http://schemas.openxmlformats.org/officeDocument/2006/relationships" xmlns:p="http://schemas.openxmlformats.org/presentationml/2006/main" show="0">
+  <p:cSld>
+    <p:spTree>
+      <p:nvGrpSpPr>
+        <p:cNvPr id="1" name=""/>
+        <p:cNvGrpSpPr/>
+        <p:nvPr/>
+      </p:nvGrpSpPr>
+      <p:grpSpPr>
+        <a:xfrm>
+          <a:off x="0" y="0"/>
+          <a:ext cx="0" cy="0"/>
+          <a:chOff x="0" y="0"/>
+          <a:chExt cx="0" cy="0"/>
+        </a:xfrm>
+      </p:grpSpPr>
+      <p:sp>
+        <p:nvSpPr>
+          <p:cNvPr id="2" name="Title 1">
+            <a:extLst>
+              <a:ext uri="{FF2B5EF4-FFF2-40B4-BE49-F238E27FC236}">
+                <a16:creationId xmlns:a16="http://schemas.microsoft.com/office/drawing/2014/main" id="{7B9E8B8E-F033-42D5-980B-ED08ED7910B5}"/>
+              </a:ext>
+            </a:extLst>
+          </p:cNvPr>
+          <p:cNvSpPr>
+            <a:spLocks noGrp="1"/>
+          </p:cNvSpPr>
+          <p:nvPr>
+            <p:ph type="title"/>
+          </p:nvPr>
+        </p:nvSpPr>
+        <p:spPr/>
+        <p:txBody>
+          <a:bodyPr/>
+          <a:lstStyle/>
+          <a:p>
+            <a:r>
+              <a:rPr lang="en-GB" b="1" dirty="0">
+                <a:latin typeface="Arial" panose="020B0604020202020204" pitchFamily="34" charset="0"/>
+                <a:cs typeface="Arial" panose="020B0604020202020204" pitchFamily="34" charset="0"/>
+              </a:rPr>
+              <a:t>What Is </a:t>
+            </a:r>
+            <a:r>
+              <a:rPr lang="en-GB" b="1" dirty="0" err="1">
+                <a:latin typeface="Arial" panose="020B0604020202020204" pitchFamily="34" charset="0"/>
+                <a:cs typeface="Arial" panose="020B0604020202020204" pitchFamily="34" charset="0"/>
+              </a:rPr>
+              <a:t>GraphQL</a:t>
+            </a:r>
+            <a:r>
+              <a:rPr lang="en-GB" b="1" dirty="0">
+                <a:latin typeface="Arial" panose="020B0604020202020204" pitchFamily="34" charset="0"/>
+                <a:cs typeface="Arial" panose="020B0604020202020204" pitchFamily="34" charset="0"/>
+              </a:rPr>
+              <a:t>?</a:t>
+            </a:r>
+            <a:r>
+              <a:rPr lang="en-GB" dirty="0">
+                <a:latin typeface="Arial" panose="020B0604020202020204" pitchFamily="34" charset="0"/>
+                <a:cs typeface="Arial" panose="020B0604020202020204" pitchFamily="34" charset="0"/>
+              </a:rPr>
+              <a:t>	</a:t>
+            </a:r>
+          </a:p>
+        </p:txBody>
+      </p:sp>
+      <p:sp>
+        <p:nvSpPr>
+          <p:cNvPr id="3" name="Content Placeholder 2">
+            <a:extLst>
+              <a:ext uri="{FF2B5EF4-FFF2-40B4-BE49-F238E27FC236}">
+                <a16:creationId xmlns:a16="http://schemas.microsoft.com/office/drawing/2014/main" id="{97091BEC-29C9-4BDB-9E64-C10725B1BBD9}"/>
+              </a:ext>
+            </a:extLst>
+          </p:cNvPr>
+          <p:cNvSpPr>
+            <a:spLocks noGrp="1"/>
+          </p:cNvSpPr>
+          <p:nvPr>
+            <p:ph idx="1"/>
+          </p:nvPr>
+        </p:nvSpPr>
+        <p:spPr/>
+        <p:txBody>
+          <a:bodyPr>
+            <a:normAutofit lnSpcReduction="10000"/>
+          </a:bodyPr>
+          <a:lstStyle/>
+          <a:p>
+            <a:r>
+              <a:rPr lang="en-GB" dirty="0" err="1"/>
+              <a:t>GraphQL</a:t>
+            </a:r>
+            <a:r>
+              <a:rPr lang="en-GB" dirty="0"/>
+              <a:t> is a data query language for APIs and a runtime for fulfilling those queries with your existing data.</a:t>
+            </a:r>
+          </a:p>
+          <a:p>
+            <a:endParaRPr lang="en-GB" dirty="0"/>
+          </a:p>
+          <a:p>
+            <a:r>
+              <a:rPr lang="en-GB" dirty="0" err="1"/>
+              <a:t>GraphQL</a:t>
+            </a:r>
+            <a:r>
+              <a:rPr lang="en-GB" dirty="0"/>
+              <a:t> provides a complete and understandable description of the data in your API.</a:t>
+            </a:r>
+          </a:p>
+          <a:p>
+            <a:endParaRPr lang="en-GB" dirty="0"/>
+          </a:p>
+          <a:p>
+            <a:r>
+              <a:rPr lang="en-GB" dirty="0"/>
+              <a:t>Gives clients the power to ask for exactly what they need and nothing more.</a:t>
+            </a:r>
+          </a:p>
+          <a:p>
+            <a:pPr marL="0" indent="0">
+              <a:buNone/>
+            </a:pPr>
+            <a:endParaRPr lang="en-GB" b="1" dirty="0"/>
+          </a:p>
+          <a:p>
+            <a:pPr marL="0" indent="0">
+              <a:buNone/>
+            </a:pPr>
+            <a:r>
+              <a:rPr lang="en-GB" b="1" dirty="0"/>
+              <a:t>(Source: GraphQL.org)</a:t>
+            </a:r>
+          </a:p>
+          <a:p>
+            <a:endParaRPr lang="en-GB" dirty="0"/>
+          </a:p>
+        </p:txBody>
+      </p:sp>
+    </p:spTree>
+    <p:extLst>
+      <p:ext uri="{BB962C8B-B14F-4D97-AF65-F5344CB8AC3E}">
+        <p14:creationId xmlns:p14="http://schemas.microsoft.com/office/powerpoint/2010/main" val="395996166"/>
+      </p:ext>
+    </p:extLst>
+  </p:cSld>
+  <p:clrMapOvr>
+    <a:masterClrMapping/>
+  </p:clrMapOvr>
 </p:sld>
 </file>
 
@@ -15175,7 +16072,21 @@
                 <a:latin typeface="Arial" panose="020B0604020202020204" pitchFamily="34" charset="0"/>
                 <a:cs typeface="Arial" panose="020B0604020202020204" pitchFamily="34" charset="0"/>
               </a:rPr>
-              <a:t>Used in a server-side runtime</a:t>
+              <a:t>The single source of truth in </a:t>
+            </a:r>
+            <a:r>
+              <a:rPr lang="en-GB" sz="2000" dirty="0" err="1">
+                <a:latin typeface="Arial" panose="020B0604020202020204" pitchFamily="34" charset="0"/>
+                <a:cs typeface="Arial" panose="020B0604020202020204" pitchFamily="34" charset="0"/>
+              </a:rPr>
+              <a:t>GraphQL</a:t>
+            </a:r>
+            <a:r>
+              <a:rPr lang="en-GB" sz="2000" dirty="0">
+                <a:latin typeface="Arial" panose="020B0604020202020204" pitchFamily="34" charset="0"/>
+                <a:cs typeface="Arial" panose="020B0604020202020204" pitchFamily="34" charset="0"/>
+              </a:rPr>
+              <a:t> applications </a:t>
             </a:r>
           </a:p>
           <a:p>
@@ -15190,21 +16101,7 @@
                 <a:latin typeface="Arial" panose="020B0604020202020204" pitchFamily="34" charset="0"/>
                 <a:cs typeface="Arial" panose="020B0604020202020204" pitchFamily="34" charset="0"/>
               </a:rPr>
-              <a:t>The single source of truth in </a:t>
-            </a:r>
-            <a:r>
-              <a:rPr lang="en-GB" sz="2000" dirty="0" err="1">
-                <a:latin typeface="Arial" panose="020B0604020202020204" pitchFamily="34" charset="0"/>
-                <a:cs typeface="Arial" panose="020B0604020202020204" pitchFamily="34" charset="0"/>
-              </a:rPr>
-              <a:t>GraphQL</a:t>
-            </a:r>
-            <a:r>
-              <a:rPr lang="en-GB" sz="2000" dirty="0">
-                <a:latin typeface="Arial" panose="020B0604020202020204" pitchFamily="34" charset="0"/>
-                <a:cs typeface="Arial" panose="020B0604020202020204" pitchFamily="34" charset="0"/>
-              </a:rPr>
-              <a:t> applications </a:t>
+              <a:t>Can be seen as a contract between the server and the client</a:t>
             </a:r>
           </a:p>
           <a:p>
@@ -15219,7 +16116,7 @@
                 <a:latin typeface="Arial" panose="020B0604020202020204" pitchFamily="34" charset="0"/>
                 <a:cs typeface="Arial" panose="020B0604020202020204" pitchFamily="34" charset="0"/>
               </a:rPr>
-              <a:t>Can be seen as a contract between the server and the client</a:t>
+              <a:t>Defines the data available from the API and how clients can request it</a:t>
             </a:r>
           </a:p>
           <a:p>
@@ -15234,22 +16131,7 @@
                 <a:latin typeface="Arial" panose="020B0604020202020204" pitchFamily="34" charset="0"/>
                 <a:cs typeface="Arial" panose="020B0604020202020204" pitchFamily="34" charset="0"/>
               </a:rPr>
-              <a:t>Defines the data available from the API and how clients can request it</a:t>
-            </a:r>
-          </a:p>
-          <a:p>
-            <a:endParaRPr lang="en-GB" sz="2000" dirty="0">
-              <a:latin typeface="Arial" panose="020B0604020202020204" pitchFamily="34" charset="0"/>
-              <a:cs typeface="Arial" panose="020B0604020202020204" pitchFamily="34" charset="0"/>
-            </a:endParaRPr>
-          </a:p>
-          <a:p>
-            <a:r>
-              <a:rPr lang="en-GB" sz="2000" dirty="0">
-                <a:latin typeface="Arial" panose="020B0604020202020204" pitchFamily="34" charset="0"/>
-                <a:cs typeface="Arial" panose="020B0604020202020204" pitchFamily="34" charset="0"/>
-              </a:rPr>
-              <a:t>Validates </a:t>
+              <a:t>Used to validate </a:t>
             </a:r>
             <a:r>
               <a:rPr lang="en-GB" sz="2000" dirty="0" err="1">
@@ -15559,55 +16441,6 @@
                                           <p:spTgt spid="3">
                                             <p:txEl>
                                               <p:pRg st="8" end="8"/>
-                                            </p:txEl>
-                                          </p:spTgt>
-                                        </p:tgtEl>
-                                        <p:attrNameLst>
-                                          <p:attrName>style.visibility</p:attrName>
-                                        </p:attrNameLst>
-                                      </p:cBhvr>
-                                      <p:to>
-                                        <p:strVal val="visible"/>
-                                      </p:to>
-                                    </p:set>
-                                  </p:childTnLst>
-                                </p:cTn>
-                              </p:par>
-                            </p:childTnLst>
-                          </p:cTn>
-                        </p:par>
-                      </p:childTnLst>
-                    </p:cTn>
-                  </p:par>
-                  <p:par>
-                    <p:cTn id="23" fill="hold">
-                      <p:stCondLst>
-                        <p:cond delay="indefinite"/>
-                      </p:stCondLst>
-                      <p:childTnLst>
-                        <p:par>
-                          <p:cTn id="24" fill="hold">
-                            <p:stCondLst>
-                              <p:cond delay="0"/>
-                            </p:stCondLst>
-                            <p:childTnLst>
-                              <p:par>
-                                <p:cTn id="25" presetID="1" presetClass="entr" presetSubtype="0" fill="hold" nodeType="clickEffect">
-                                  <p:stCondLst>
-                                    <p:cond delay="0"/>
-                                  </p:stCondLst>
-                                  <p:childTnLst>
-                                    <p:set>
-                                      <p:cBhvr>
-                                        <p:cTn id="26" dur="1" fill="hold">
-                                          <p:stCondLst>
-                                            <p:cond delay="0"/>
-                                          </p:stCondLst>
-                                        </p:cTn>
-                                        <p:tgtEl>
-                                          <p:spTgt spid="3">
-                                            <p:txEl>
-                                              <p:pRg st="10" end="10"/>
                                             </p:txEl>
                                           </p:spTgt>
                                         </p:tgtEl>

--- a/current.pptx
+++ b/current.pptx
@@ -5185,7 +5185,7 @@
                 <a:latin typeface="Arial" panose="020B0604020202020204" pitchFamily="34" charset="0"/>
                 <a:cs typeface="Arial" panose="020B0604020202020204" pitchFamily="34" charset="0"/>
               </a:rPr>
-              <a:t> operation into an action.</a:t>
+              <a:t> operation defined in the schema to an action which is usually a function</a:t>
             </a:r>
           </a:p>
           <a:p>
@@ -5217,7 +5217,7 @@
                 <a:latin typeface="Arial" panose="020B0604020202020204" pitchFamily="34" charset="0"/>
                 <a:cs typeface="Arial" panose="020B0604020202020204" pitchFamily="34" charset="0"/>
               </a:rPr>
-              <a:t>is mapped to </a:t>
+              <a:t>is mapped to the </a:t>
             </a:r>
             <a:r>
               <a:rPr lang="en-GB" sz="2000" b="1" dirty="0" err="1">
@@ -5231,7 +5231,7 @@
                 <a:latin typeface="Arial" panose="020B0604020202020204" pitchFamily="34" charset="0"/>
                 <a:cs typeface="Arial" panose="020B0604020202020204" pitchFamily="34" charset="0"/>
               </a:rPr>
-              <a:t> function</a:t>
+              <a:t> resolver function</a:t>
             </a:r>
           </a:p>
           <a:p>
@@ -6492,7 +6492,7 @@
                                           </p:stCondLst>
                                         </p:cTn>
                                         <p:tgtEl>
-                                          <p:spTgt spid="31">
+                                          <p:spTgt spid="9">
                                             <p:txEl>
                                               <p:pRg st="0" end="0"/>
                                             </p:txEl>
@@ -6541,7 +6541,7 @@
                                           </p:stCondLst>
                                         </p:cTn>
                                         <p:tgtEl>
-                                          <p:spTgt spid="9">
+                                          <p:spTgt spid="26">
                                             <p:txEl>
                                               <p:pRg st="0" end="0"/>
                                             </p:txEl>
@@ -6590,7 +6590,7 @@
                                           </p:stCondLst>
                                         </p:cTn>
                                         <p:tgtEl>
-                                          <p:spTgt spid="26">
+                                          <p:spTgt spid="31">
                                             <p:txEl>
                                               <p:pRg st="0" end="0"/>
                                             </p:txEl>
@@ -7834,6 +7834,51 @@
                                           </p:stCondLst>
                                         </p:cTn>
                                         <p:tgtEl>
+                                          <p:spTgt spid="13"/>
+                                        </p:tgtEl>
+                                        <p:attrNameLst>
+                                          <p:attrName>style.visibility</p:attrName>
+                                        </p:attrNameLst>
+                                      </p:cBhvr>
+                                      <p:to>
+                                        <p:strVal val="visible"/>
+                                      </p:to>
+                                    </p:set>
+                                  </p:childTnLst>
+                                </p:cTn>
+                              </p:par>
+                            </p:childTnLst>
+                          </p:cTn>
+                        </p:par>
+                      </p:childTnLst>
+                    </p:cTn>
+                  </p:par>
+                  <p:par>
+                    <p:cTn id="19" fill="hold">
+                      <p:stCondLst>
+                        <p:cond delay="indefinite"/>
+                      </p:stCondLst>
+                      <p:childTnLst>
+                        <p:par>
+                          <p:cTn id="20" fill="hold">
+                            <p:stCondLst>
+                              <p:cond delay="0"/>
+                            </p:stCondLst>
+                            <p:childTnLst>
+                              <p:par>
+                                <p:cTn id="21" presetID="1" presetClass="entr" presetSubtype="0" fill="hold" nodeType="clickEffect">
+                                  <p:stCondLst>
+                                    <p:cond delay="0"/>
+                                  </p:stCondLst>
+                                  <p:childTnLst>
+                                    <p:set>
+                                      <p:cBhvr>
+                                        <p:cTn id="22" dur="1" fill="hold">
+                                          <p:stCondLst>
+                                            <p:cond delay="0"/>
+                                          </p:stCondLst>
+                                        </p:cTn>
+                                        <p:tgtEl>
                                           <p:spTgt spid="3">
                                             <p:txEl>
                                               <p:pRg st="0" end="0"/>
@@ -7852,14 +7897,14 @@
                                 </p:cTn>
                               </p:par>
                               <p:par>
-                                <p:cTn id="19" presetID="1" presetClass="entr" presetSubtype="0" fill="hold" nodeType="withEffect">
+                                <p:cTn id="23" presetID="1" presetClass="entr" presetSubtype="0" fill="hold" nodeType="withEffect">
                                   <p:stCondLst>
                                     <p:cond delay="0"/>
                                   </p:stCondLst>
                                   <p:childTnLst>
                                     <p:set>
                                       <p:cBhvr>
-                                        <p:cTn id="20" dur="1" fill="hold">
+                                        <p:cTn id="24" dur="1" fill="hold">
                                           <p:stCondLst>
                                             <p:cond delay="0"/>
                                           </p:stCondLst>
@@ -7883,56 +7928,7 @@
                                 </p:cTn>
                               </p:par>
                               <p:par>
-                                <p:cTn id="21" presetID="1" presetClass="entr" presetSubtype="0" fill="hold" nodeType="withEffect">
-                                  <p:stCondLst>
-                                    <p:cond delay="0"/>
-                                  </p:stCondLst>
-                                  <p:childTnLst>
-                                    <p:set>
-                                      <p:cBhvr>
-                                        <p:cTn id="22" dur="1" fill="hold">
-                                          <p:stCondLst>
-                                            <p:cond delay="0"/>
-                                          </p:stCondLst>
-                                        </p:cTn>
-                                        <p:tgtEl>
-                                          <p:spTgt spid="3">
-                                            <p:txEl>
-                                              <p:pRg st="4" end="4"/>
-                                            </p:txEl>
-                                          </p:spTgt>
-                                        </p:tgtEl>
-                                        <p:attrNameLst>
-                                          <p:attrName>style.visibility</p:attrName>
-                                        </p:attrNameLst>
-                                      </p:cBhvr>
-                                      <p:to>
-                                        <p:strVal val="visible"/>
-                                      </p:to>
-                                    </p:set>
-                                  </p:childTnLst>
-                                </p:cTn>
-                              </p:par>
-                            </p:childTnLst>
-                          </p:cTn>
-                        </p:par>
-                      </p:childTnLst>
-                    </p:cTn>
-                  </p:par>
-                  <p:par>
-                    <p:cTn id="23" fill="hold">
-                      <p:stCondLst>
-                        <p:cond delay="indefinite"/>
-                      </p:stCondLst>
-                      <p:childTnLst>
-                        <p:par>
-                          <p:cTn id="24" fill="hold">
-                            <p:stCondLst>
-                              <p:cond delay="0"/>
-                            </p:stCondLst>
-                            <p:childTnLst>
-                              <p:par>
-                                <p:cTn id="25" presetID="1" presetClass="entr" presetSubtype="0" fill="hold" nodeType="clickEffect">
+                                <p:cTn id="25" presetID="1" presetClass="entr" presetSubtype="0" fill="hold" nodeType="withEffect">
                                   <p:stCondLst>
                                     <p:cond delay="0"/>
                                   </p:stCondLst>
@@ -7945,7 +7941,11 @@
                                           </p:stCondLst>
                                         </p:cTn>
                                         <p:tgtEl>
-                                          <p:spTgt spid="13"/>
+                                          <p:spTgt spid="3">
+                                            <p:txEl>
+                                              <p:pRg st="4" end="4"/>
+                                            </p:txEl>
+                                          </p:spTgt>
                                         </p:tgtEl>
                                         <p:attrNameLst>
                                           <p:attrName>style.visibility</p:attrName>
@@ -10198,7 +10198,7 @@
         <p:spPr>
           <a:xfrm>
             <a:off x="838200" y="1825625"/>
-            <a:ext cx="7007942" cy="4667250"/>
+            <a:ext cx="6391656" cy="4667250"/>
           </a:xfrm>
         </p:spPr>
         <p:txBody>
@@ -10655,8 +10655,8 @@
         </p:blipFill>
         <p:spPr>
           <a:xfrm>
-            <a:off x="418606" y="2919628"/>
-            <a:ext cx="3519983" cy="1974024"/>
+            <a:off x="444469" y="2934132"/>
+            <a:ext cx="3494120" cy="1959520"/>
           </a:xfrm>
           <a:prstGeom prst="rect">
             <a:avLst/>
@@ -11284,13 +11284,13 @@
         </p:nvSpPr>
         <p:spPr>
           <a:xfrm>
-            <a:off x="838200" y="365126"/>
-            <a:ext cx="10515600" cy="490536"/>
+            <a:off x="926592" y="109728"/>
+            <a:ext cx="10431780" cy="1148445"/>
           </a:xfrm>
         </p:spPr>
         <p:txBody>
           <a:bodyPr>
-            <a:normAutofit fontScale="90000"/>
+            <a:normAutofit/>
           </a:bodyPr>
           <a:lstStyle/>
           <a:p>
@@ -11308,9 +11308,6 @@
               </a:rPr>
               <a:t> Schema Stitching</a:t>
             </a:r>
-            <a:br>
-              <a:rPr lang="en-GB" b="1" dirty="0"/>
-            </a:br>
             <a:endParaRPr lang="en-GB" dirty="0"/>
           </a:p>
         </p:txBody>
@@ -12799,7 +12796,12 @@
             <p:ph type="title"/>
           </p:nvPr>
         </p:nvSpPr>
-        <p:spPr/>
+        <p:spPr>
+          <a:xfrm>
+            <a:off x="838200" y="152401"/>
+            <a:ext cx="10515600" cy="1325563"/>
+          </a:xfrm>
+        </p:spPr>
         <p:txBody>
           <a:bodyPr>
             <a:normAutofit/>
@@ -12832,9 +12834,16 @@
             <p:ph idx="1"/>
           </p:nvPr>
         </p:nvSpPr>
-        <p:spPr/>
+        <p:spPr>
+          <a:xfrm>
+            <a:off x="838200" y="1231393"/>
+            <a:ext cx="11024616" cy="5303520"/>
+          </a:xfrm>
+        </p:spPr>
         <p:txBody>
-          <a:bodyPr/>
+          <a:bodyPr>
+            <a:normAutofit lnSpcReduction="10000"/>
+          </a:bodyPr>
           <a:lstStyle/>
           <a:p>
             <a:r>
@@ -12885,17 +12894,62 @@
                 <a:latin typeface="Arial" panose="020B0604020202020204" pitchFamily="34" charset="0"/>
                 <a:cs typeface="Arial" panose="020B0604020202020204" pitchFamily="34" charset="0"/>
               </a:rPr>
-              <a:t>, we have to be extra careful and have put in place mitigation functionality.</a:t>
-            </a:r>
-          </a:p>
-          <a:p>
-            <a:endParaRPr lang="en-GB" dirty="0"/>
+              <a:t>, we have to be extra careful and have put in place mitigation functionality</a:t>
+            </a:r>
+          </a:p>
+          <a:p>
+            <a:endParaRPr lang="en-GB" dirty="0">
+              <a:latin typeface="Arial" panose="020B0604020202020204" pitchFamily="34" charset="0"/>
+              <a:cs typeface="Arial" panose="020B0604020202020204" pitchFamily="34" charset="0"/>
+            </a:endParaRPr>
           </a:p>
           <a:p>
             <a:pPr marL="0" indent="0">
               <a:buNone/>
             </a:pPr>
-            <a:endParaRPr lang="en-GB" dirty="0"/>
+            <a:r>
+              <a:rPr lang="en-GB" dirty="0">
+                <a:latin typeface="Arial" panose="020B0604020202020204" pitchFamily="34" charset="0"/>
+                <a:cs typeface="Arial" panose="020B0604020202020204" pitchFamily="34" charset="0"/>
+              </a:rPr>
+              <a:t>Such as:</a:t>
+            </a:r>
+          </a:p>
+          <a:p>
+            <a:r>
+              <a:rPr lang="en-GB" dirty="0">
+                <a:latin typeface="Arial" panose="020B0604020202020204" pitchFamily="34" charset="0"/>
+                <a:cs typeface="Arial" panose="020B0604020202020204" pitchFamily="34" charset="0"/>
+              </a:rPr>
+              <a:t>Query validation</a:t>
+            </a:r>
+          </a:p>
+          <a:p>
+            <a:r>
+              <a:rPr lang="en-GB" dirty="0">
+                <a:latin typeface="Arial" panose="020B0604020202020204" pitchFamily="34" charset="0"/>
+                <a:cs typeface="Arial" panose="020B0604020202020204" pitchFamily="34" charset="0"/>
+              </a:rPr>
+              <a:t>Query timeout</a:t>
+            </a:r>
+          </a:p>
+          <a:p>
+            <a:r>
+              <a:rPr lang="en-GB" dirty="0">
+                <a:latin typeface="Arial" panose="020B0604020202020204" pitchFamily="34" charset="0"/>
+                <a:cs typeface="Arial" panose="020B0604020202020204" pitchFamily="34" charset="0"/>
+              </a:rPr>
+              <a:t>Limiting the maximum depth of incoming queries </a:t>
+            </a:r>
+          </a:p>
+          <a:p>
+            <a:r>
+              <a:rPr lang="en-GB" dirty="0">
+                <a:latin typeface="Arial" panose="020B0604020202020204" pitchFamily="34" charset="0"/>
+                <a:cs typeface="Arial" panose="020B0604020202020204" pitchFamily="34" charset="0"/>
+              </a:rPr>
+              <a:t>Limiting the amount of objects that can be returned</a:t>
+            </a:r>
           </a:p>
           <a:p>
             <a:pPr marL="0" indent="0">
@@ -13021,6 +13075,251 @@
                       </p:childTnLst>
                     </p:cTn>
                   </p:par>
+                  <p:par>
+                    <p:cTn id="11" fill="hold">
+                      <p:stCondLst>
+                        <p:cond delay="indefinite"/>
+                      </p:stCondLst>
+                      <p:childTnLst>
+                        <p:par>
+                          <p:cTn id="12" fill="hold">
+                            <p:stCondLst>
+                              <p:cond delay="0"/>
+                            </p:stCondLst>
+                            <p:childTnLst>
+                              <p:par>
+                                <p:cTn id="13" presetID="1" presetClass="entr" presetSubtype="0" fill="hold" nodeType="clickEffect">
+                                  <p:stCondLst>
+                                    <p:cond delay="0"/>
+                                  </p:stCondLst>
+                                  <p:childTnLst>
+                                    <p:set>
+                                      <p:cBhvr>
+                                        <p:cTn id="14" dur="1" fill="hold">
+                                          <p:stCondLst>
+                                            <p:cond delay="0"/>
+                                          </p:stCondLst>
+                                        </p:cTn>
+                                        <p:tgtEl>
+                                          <p:spTgt spid="3">
+                                            <p:txEl>
+                                              <p:pRg st="4" end="4"/>
+                                            </p:txEl>
+                                          </p:spTgt>
+                                        </p:tgtEl>
+                                        <p:attrNameLst>
+                                          <p:attrName>style.visibility</p:attrName>
+                                        </p:attrNameLst>
+                                      </p:cBhvr>
+                                      <p:to>
+                                        <p:strVal val="visible"/>
+                                      </p:to>
+                                    </p:set>
+                                  </p:childTnLst>
+                                </p:cTn>
+                              </p:par>
+                            </p:childTnLst>
+                          </p:cTn>
+                        </p:par>
+                      </p:childTnLst>
+                    </p:cTn>
+                  </p:par>
+                  <p:par>
+                    <p:cTn id="15" fill="hold">
+                      <p:stCondLst>
+                        <p:cond delay="indefinite"/>
+                      </p:stCondLst>
+                      <p:childTnLst>
+                        <p:par>
+                          <p:cTn id="16" fill="hold">
+                            <p:stCondLst>
+                              <p:cond delay="0"/>
+                            </p:stCondLst>
+                            <p:childTnLst>
+                              <p:par>
+                                <p:cTn id="17" presetID="1" presetClass="entr" presetSubtype="0" fill="hold" nodeType="clickEffect">
+                                  <p:stCondLst>
+                                    <p:cond delay="0"/>
+                                  </p:stCondLst>
+                                  <p:childTnLst>
+                                    <p:set>
+                                      <p:cBhvr>
+                                        <p:cTn id="18" dur="1" fill="hold">
+                                          <p:stCondLst>
+                                            <p:cond delay="0"/>
+                                          </p:stCondLst>
+                                        </p:cTn>
+                                        <p:tgtEl>
+                                          <p:spTgt spid="3">
+                                            <p:txEl>
+                                              <p:pRg st="5" end="5"/>
+                                            </p:txEl>
+                                          </p:spTgt>
+                                        </p:tgtEl>
+                                        <p:attrNameLst>
+                                          <p:attrName>style.visibility</p:attrName>
+                                        </p:attrNameLst>
+                                      </p:cBhvr>
+                                      <p:to>
+                                        <p:strVal val="visible"/>
+                                      </p:to>
+                                    </p:set>
+                                  </p:childTnLst>
+                                </p:cTn>
+                              </p:par>
+                            </p:childTnLst>
+                          </p:cTn>
+                        </p:par>
+                      </p:childTnLst>
+                    </p:cTn>
+                  </p:par>
+                  <p:par>
+                    <p:cTn id="19" fill="hold">
+                      <p:stCondLst>
+                        <p:cond delay="indefinite"/>
+                      </p:stCondLst>
+                      <p:childTnLst>
+                        <p:par>
+                          <p:cTn id="20" fill="hold">
+                            <p:stCondLst>
+                              <p:cond delay="0"/>
+                            </p:stCondLst>
+                            <p:childTnLst>
+                              <p:par>
+                                <p:cTn id="21" presetID="1" presetClass="entr" presetSubtype="0" fill="hold" nodeType="clickEffect">
+                                  <p:stCondLst>
+                                    <p:cond delay="0"/>
+                                  </p:stCondLst>
+                                  <p:childTnLst>
+                                    <p:set>
+                                      <p:cBhvr>
+                                        <p:cTn id="22" dur="1" fill="hold">
+                                          <p:stCondLst>
+                                            <p:cond delay="0"/>
+                                          </p:stCondLst>
+                                        </p:cTn>
+                                        <p:tgtEl>
+                                          <p:spTgt spid="3">
+                                            <p:txEl>
+                                              <p:pRg st="6" end="6"/>
+                                            </p:txEl>
+                                          </p:spTgt>
+                                        </p:tgtEl>
+                                        <p:attrNameLst>
+                                          <p:attrName>style.visibility</p:attrName>
+                                        </p:attrNameLst>
+                                      </p:cBhvr>
+                                      <p:to>
+                                        <p:strVal val="visible"/>
+                                      </p:to>
+                                    </p:set>
+                                  </p:childTnLst>
+                                </p:cTn>
+                              </p:par>
+                            </p:childTnLst>
+                          </p:cTn>
+                        </p:par>
+                      </p:childTnLst>
+                    </p:cTn>
+                  </p:par>
+                  <p:par>
+                    <p:cTn id="23" fill="hold">
+                      <p:stCondLst>
+                        <p:cond delay="indefinite"/>
+                      </p:stCondLst>
+                      <p:childTnLst>
+                        <p:par>
+                          <p:cTn id="24" fill="hold">
+                            <p:stCondLst>
+                              <p:cond delay="0"/>
+                            </p:stCondLst>
+                            <p:childTnLst>
+                              <p:par>
+                                <p:cTn id="25" presetID="1" presetClass="entr" presetSubtype="0" fill="hold" nodeType="clickEffect">
+                                  <p:stCondLst>
+                                    <p:cond delay="0"/>
+                                  </p:stCondLst>
+                                  <p:childTnLst>
+                                    <p:set>
+                                      <p:cBhvr>
+                                        <p:cTn id="26" dur="1" fill="hold">
+                                          <p:stCondLst>
+                                            <p:cond delay="0"/>
+                                          </p:stCondLst>
+                                        </p:cTn>
+                                        <p:tgtEl>
+                                          <p:spTgt spid="3">
+                                            <p:txEl>
+                                              <p:pRg st="7" end="7"/>
+                                            </p:txEl>
+                                          </p:spTgt>
+                                        </p:tgtEl>
+                                        <p:attrNameLst>
+                                          <p:attrName>style.visibility</p:attrName>
+                                        </p:attrNameLst>
+                                      </p:cBhvr>
+                                      <p:to>
+                                        <p:strVal val="visible"/>
+                                      </p:to>
+                                    </p:set>
+                                  </p:childTnLst>
+                                </p:cTn>
+                              </p:par>
+                            </p:childTnLst>
+                          </p:cTn>
+                        </p:par>
+                      </p:childTnLst>
+                    </p:cTn>
+                  </p:par>
+                  <p:par>
+                    <p:cTn id="27" fill="hold">
+                      <p:stCondLst>
+                        <p:cond delay="indefinite"/>
+                      </p:stCondLst>
+                      <p:childTnLst>
+                        <p:par>
+                          <p:cTn id="28" fill="hold">
+                            <p:stCondLst>
+                              <p:cond delay="0"/>
+                            </p:stCondLst>
+                            <p:childTnLst>
+                              <p:par>
+                                <p:cTn id="29" presetID="1" presetClass="entr" presetSubtype="0" fill="hold" nodeType="clickEffect">
+                                  <p:stCondLst>
+                                    <p:cond delay="0"/>
+                                  </p:stCondLst>
+                                  <p:childTnLst>
+                                    <p:set>
+                                      <p:cBhvr>
+                                        <p:cTn id="30" dur="1" fill="hold">
+                                          <p:stCondLst>
+                                            <p:cond delay="0"/>
+                                          </p:stCondLst>
+                                        </p:cTn>
+                                        <p:tgtEl>
+                                          <p:spTgt spid="3">
+                                            <p:txEl>
+                                              <p:pRg st="8" end="8"/>
+                                            </p:txEl>
+                                          </p:spTgt>
+                                        </p:tgtEl>
+                                        <p:attrNameLst>
+                                          <p:attrName>style.visibility</p:attrName>
+                                        </p:attrNameLst>
+                                      </p:cBhvr>
+                                      <p:to>
+                                        <p:strVal val="visible"/>
+                                      </p:to>
+                                    </p:set>
+                                  </p:childTnLst>
+                                </p:cTn>
+                              </p:par>
+                            </p:childTnLst>
+                          </p:cTn>
+                        </p:par>
+                      </p:childTnLst>
+                    </p:cTn>
+                  </p:par>
                 </p:childTnLst>
               </p:cTn>
               <p:prevCondLst>
@@ -13098,7 +13397,7 @@
                 <a:latin typeface="Arial" panose="020B0604020202020204" pitchFamily="34" charset="0"/>
                 <a:cs typeface="Arial" panose="020B0604020202020204" pitchFamily="34" charset="0"/>
               </a:rPr>
-              <a:t> API request are most commonly implemented using HTTP POST:</a:t>
+              <a:t> API request are most commonly implemented using HTTP POST</a:t>
             </a:r>
           </a:p>
         </p:txBody>
@@ -13127,7 +13426,7 @@
         </p:spPr>
         <p:txBody>
           <a:bodyPr>
-            <a:normAutofit lnSpcReduction="10000"/>
+            <a:normAutofit fontScale="92500" lnSpcReduction="10000"/>
           </a:bodyPr>
           <a:lstStyle/>
           <a:p>
@@ -13139,7 +13438,7 @@
                 <a:latin typeface="Arial" panose="020B0604020202020204" pitchFamily="34" charset="0"/>
                 <a:cs typeface="Arial" panose="020B0604020202020204" pitchFamily="34" charset="0"/>
               </a:rPr>
-              <a:t>You will need to set up your own caching support </a:t>
+              <a:t>Need to set up your own caching support as you can not use native HTTP caching mechanisms</a:t>
             </a:r>
           </a:p>
           <a:p>
@@ -13514,35 +13813,189 @@
             <p:ph idx="1"/>
           </p:nvPr>
         </p:nvSpPr>
-        <p:spPr/>
+        <p:spPr>
+          <a:xfrm>
+            <a:off x="743712" y="1825625"/>
+            <a:ext cx="10610088" cy="4667250"/>
+          </a:xfrm>
+        </p:spPr>
         <p:txBody>
-          <a:bodyPr/>
+          <a:bodyPr>
+            <a:normAutofit fontScale="92500" lnSpcReduction="10000"/>
+          </a:bodyPr>
           <a:lstStyle/>
           <a:p>
-            <a:endParaRPr lang="en-GB" dirty="0"/>
-          </a:p>
-          <a:p>
-            <a:r>
-              <a:rPr lang="en-GB" dirty="0">
-                <a:latin typeface="Arial" panose="020B0604020202020204" pitchFamily="34" charset="0"/>
-                <a:cs typeface="Arial" panose="020B0604020202020204" pitchFamily="34" charset="0"/>
-              </a:rPr>
-              <a:t>If you find yourself working with a scalable application that has rapidly-changing data, </a:t>
-            </a:r>
-            <a:r>
-              <a:rPr lang="en-GB" dirty="0" err="1">
+            <a:pPr marL="0" indent="0">
+              <a:buNone/>
+            </a:pPr>
+            <a:r>
+              <a:rPr lang="en-GB" sz="2000" dirty="0">
+                <a:latin typeface="Arial" panose="020B0604020202020204" pitchFamily="34" charset="0"/>
+                <a:cs typeface="Arial" panose="020B0604020202020204" pitchFamily="34" charset="0"/>
+              </a:rPr>
+              <a:t>Some scenarios where </a:t>
+            </a:r>
+            <a:r>
+              <a:rPr lang="en-GB" sz="2000" dirty="0" err="1">
                 <a:latin typeface="Arial" panose="020B0604020202020204" pitchFamily="34" charset="0"/>
                 <a:cs typeface="Arial" panose="020B0604020202020204" pitchFamily="34" charset="0"/>
               </a:rPr>
               <a:t>GraphQL</a:t>
             </a:r>
             <a:r>
-              <a:rPr lang="en-GB" dirty="0">
-                <a:latin typeface="Arial" panose="020B0604020202020204" pitchFamily="34" charset="0"/>
-                <a:cs typeface="Arial" panose="020B0604020202020204" pitchFamily="34" charset="0"/>
-              </a:rPr>
-              <a:t> could be a great solution.</a:t>
-            </a:r>
+              <a:rPr lang="en-GB" sz="2000" dirty="0">
+                <a:latin typeface="Arial" panose="020B0604020202020204" pitchFamily="34" charset="0"/>
+                <a:cs typeface="Arial" panose="020B0604020202020204" pitchFamily="34" charset="0"/>
+              </a:rPr>
+              <a:t> could provide a good solution include:</a:t>
+            </a:r>
+          </a:p>
+          <a:p>
+            <a:pPr marL="0" indent="0">
+              <a:buNone/>
+            </a:pPr>
+            <a:endParaRPr lang="en-GB" sz="2000" dirty="0">
+              <a:latin typeface="Arial" panose="020B0604020202020204" pitchFamily="34" charset="0"/>
+              <a:cs typeface="Arial" panose="020B0604020202020204" pitchFamily="34" charset="0"/>
+            </a:endParaRPr>
+          </a:p>
+          <a:p>
+            <a:r>
+              <a:rPr lang="en-GB" sz="2000" dirty="0">
+                <a:latin typeface="Arial" panose="020B0604020202020204" pitchFamily="34" charset="0"/>
+                <a:cs typeface="Arial" panose="020B0604020202020204" pitchFamily="34" charset="0"/>
+              </a:rPr>
+              <a:t>The data available from your API is changing frequently. </a:t>
+            </a:r>
+            <a:r>
+              <a:rPr lang="en-GB" sz="2000" dirty="0" err="1">
+                <a:latin typeface="Arial" panose="020B0604020202020204" pitchFamily="34" charset="0"/>
+                <a:cs typeface="Arial" panose="020B0604020202020204" pitchFamily="34" charset="0"/>
+              </a:rPr>
+              <a:t>GraphQL</a:t>
+            </a:r>
+            <a:r>
+              <a:rPr lang="en-GB" sz="2000" dirty="0">
+                <a:latin typeface="Arial" panose="020B0604020202020204" pitchFamily="34" charset="0"/>
+                <a:cs typeface="Arial" panose="020B0604020202020204" pitchFamily="34" charset="0"/>
+              </a:rPr>
+              <a:t> reduces the need for versioning</a:t>
+            </a:r>
+          </a:p>
+          <a:p>
+            <a:endParaRPr lang="en-GB" sz="2000" dirty="0">
+              <a:latin typeface="Arial" panose="020B0604020202020204" pitchFamily="34" charset="0"/>
+              <a:cs typeface="Arial" panose="020B0604020202020204" pitchFamily="34" charset="0"/>
+            </a:endParaRPr>
+          </a:p>
+          <a:p>
+            <a:r>
+              <a:rPr lang="en-GB" sz="2000" dirty="0">
+                <a:latin typeface="Arial" panose="020B0604020202020204" pitchFamily="34" charset="0"/>
+                <a:cs typeface="Arial" panose="020B0604020202020204" pitchFamily="34" charset="0"/>
+              </a:rPr>
+              <a:t>You are building rich UI/UX based mobile applications. If these applications are used over slow networks </a:t>
+            </a:r>
+            <a:r>
+              <a:rPr lang="en-GB" sz="2000" dirty="0" err="1">
+                <a:latin typeface="Arial" panose="020B0604020202020204" pitchFamily="34" charset="0"/>
+                <a:cs typeface="Arial" panose="020B0604020202020204" pitchFamily="34" charset="0"/>
+              </a:rPr>
+              <a:t>GraphQL</a:t>
+            </a:r>
+            <a:r>
+              <a:rPr lang="en-GB" sz="2000" dirty="0">
+                <a:latin typeface="Arial" panose="020B0604020202020204" pitchFamily="34" charset="0"/>
+                <a:cs typeface="Arial" panose="020B0604020202020204" pitchFamily="34" charset="0"/>
+              </a:rPr>
+              <a:t> helps you load only what you need and with few network requests</a:t>
+            </a:r>
+          </a:p>
+          <a:p>
+            <a:endParaRPr lang="en-GB" sz="2000" dirty="0">
+              <a:latin typeface="Arial" panose="020B0604020202020204" pitchFamily="34" charset="0"/>
+              <a:cs typeface="Arial" panose="020B0604020202020204" pitchFamily="34" charset="0"/>
+            </a:endParaRPr>
+          </a:p>
+          <a:p>
+            <a:r>
+              <a:rPr lang="en-GB" sz="2000" dirty="0">
+                <a:latin typeface="Arial" panose="020B0604020202020204" pitchFamily="34" charset="0"/>
+                <a:cs typeface="Arial" panose="020B0604020202020204" pitchFamily="34" charset="0"/>
+              </a:rPr>
+              <a:t>Your application has multiple schemas from multiple sources</a:t>
+            </a:r>
+          </a:p>
+          <a:p>
+            <a:pPr marL="0" indent="0">
+              <a:buNone/>
+            </a:pPr>
+            <a:endParaRPr lang="en-GB" sz="2000" dirty="0">
+              <a:latin typeface="Arial" panose="020B0604020202020204" pitchFamily="34" charset="0"/>
+              <a:cs typeface="Arial" panose="020B0604020202020204" pitchFamily="34" charset="0"/>
+            </a:endParaRPr>
+          </a:p>
+          <a:p>
+            <a:r>
+              <a:rPr lang="en-GB" sz="2000" dirty="0">
+                <a:latin typeface="Arial" panose="020B0604020202020204" pitchFamily="34" charset="0"/>
+                <a:cs typeface="Arial" panose="020B0604020202020204" pitchFamily="34" charset="0"/>
+              </a:rPr>
+              <a:t>You have many clients with different requirements from your API. </a:t>
+            </a:r>
+            <a:r>
+              <a:rPr lang="en-GB" sz="2000" dirty="0" err="1">
+                <a:latin typeface="Arial" panose="020B0604020202020204" pitchFamily="34" charset="0"/>
+                <a:cs typeface="Arial" panose="020B0604020202020204" pitchFamily="34" charset="0"/>
+              </a:rPr>
+              <a:t>GraphQL</a:t>
+            </a:r>
+            <a:r>
+              <a:rPr lang="en-GB" sz="2000" dirty="0">
+                <a:latin typeface="Arial" panose="020B0604020202020204" pitchFamily="34" charset="0"/>
+                <a:cs typeface="Arial" panose="020B0604020202020204" pitchFamily="34" charset="0"/>
+              </a:rPr>
+              <a:t> reduces the need for multiple custom end points</a:t>
+            </a:r>
+          </a:p>
+          <a:p>
+            <a:endParaRPr lang="en-GB" sz="2000" dirty="0">
+              <a:latin typeface="Arial" panose="020B0604020202020204" pitchFamily="34" charset="0"/>
+              <a:cs typeface="Arial" panose="020B0604020202020204" pitchFamily="34" charset="0"/>
+            </a:endParaRPr>
+          </a:p>
+          <a:p>
+            <a:r>
+              <a:rPr lang="en-GB" sz="2000" dirty="0">
+                <a:latin typeface="Arial" panose="020B0604020202020204" pitchFamily="34" charset="0"/>
+                <a:cs typeface="Arial" panose="020B0604020202020204" pitchFamily="34" charset="0"/>
+              </a:rPr>
+              <a:t>You are working with Microservices architecture </a:t>
+            </a:r>
+          </a:p>
+          <a:p>
+            <a:endParaRPr lang="en-GB" sz="2000" dirty="0">
+              <a:latin typeface="Arial" panose="020B0604020202020204" pitchFamily="34" charset="0"/>
+              <a:cs typeface="Arial" panose="020B0604020202020204" pitchFamily="34" charset="0"/>
+            </a:endParaRPr>
+          </a:p>
+          <a:p>
+            <a:endParaRPr lang="en-GB" sz="2000" dirty="0">
+              <a:latin typeface="Arial" panose="020B0604020202020204" pitchFamily="34" charset="0"/>
+              <a:cs typeface="Arial" panose="020B0604020202020204" pitchFamily="34" charset="0"/>
+            </a:endParaRPr>
+          </a:p>
+          <a:p>
+            <a:endParaRPr lang="en-GB" dirty="0">
+              <a:latin typeface="Arial" panose="020B0604020202020204" pitchFamily="34" charset="0"/>
+              <a:cs typeface="Arial" panose="020B0604020202020204" pitchFamily="34" charset="0"/>
+            </a:endParaRPr>
+          </a:p>
+          <a:p>
+            <a:endParaRPr lang="en-GB" dirty="0">
+              <a:latin typeface="Arial" panose="020B0604020202020204" pitchFamily="34" charset="0"/>
+              <a:cs typeface="Arial" panose="020B0604020202020204" pitchFamily="34" charset="0"/>
+            </a:endParaRPr>
           </a:p>
         </p:txBody>
       </p:sp>
@@ -13556,6 +14009,281 @@
   <p:clrMapOvr>
     <a:masterClrMapping/>
   </p:clrMapOvr>
+  <p:timing>
+    <p:tnLst>
+      <p:par>
+        <p:cTn id="1" dur="indefinite" restart="never" nodeType="tmRoot">
+          <p:childTnLst>
+            <p:seq concurrent="1" nextAc="seek">
+              <p:cTn id="2" dur="indefinite" nodeType="mainSeq">
+                <p:childTnLst>
+                  <p:par>
+                    <p:cTn id="3" fill="hold">
+                      <p:stCondLst>
+                        <p:cond delay="indefinite"/>
+                      </p:stCondLst>
+                      <p:childTnLst>
+                        <p:par>
+                          <p:cTn id="4" fill="hold">
+                            <p:stCondLst>
+                              <p:cond delay="0"/>
+                            </p:stCondLst>
+                            <p:childTnLst>
+                              <p:par>
+                                <p:cTn id="5" presetID="1" presetClass="entr" presetSubtype="0" fill="hold" nodeType="clickEffect">
+                                  <p:stCondLst>
+                                    <p:cond delay="0"/>
+                                  </p:stCondLst>
+                                  <p:childTnLst>
+                                    <p:set>
+                                      <p:cBhvr>
+                                        <p:cTn id="6" dur="1" fill="hold">
+                                          <p:stCondLst>
+                                            <p:cond delay="0"/>
+                                          </p:stCondLst>
+                                        </p:cTn>
+                                        <p:tgtEl>
+                                          <p:spTgt spid="3">
+                                            <p:txEl>
+                                              <p:pRg st="2" end="2"/>
+                                            </p:txEl>
+                                          </p:spTgt>
+                                        </p:tgtEl>
+                                        <p:attrNameLst>
+                                          <p:attrName>style.visibility</p:attrName>
+                                        </p:attrNameLst>
+                                      </p:cBhvr>
+                                      <p:to>
+                                        <p:strVal val="visible"/>
+                                      </p:to>
+                                    </p:set>
+                                  </p:childTnLst>
+                                </p:cTn>
+                              </p:par>
+                            </p:childTnLst>
+                          </p:cTn>
+                        </p:par>
+                      </p:childTnLst>
+                    </p:cTn>
+                  </p:par>
+                  <p:par>
+                    <p:cTn id="7" fill="hold">
+                      <p:stCondLst>
+                        <p:cond delay="indefinite"/>
+                      </p:stCondLst>
+                      <p:childTnLst>
+                        <p:par>
+                          <p:cTn id="8" fill="hold">
+                            <p:stCondLst>
+                              <p:cond delay="0"/>
+                            </p:stCondLst>
+                            <p:childTnLst>
+                              <p:par>
+                                <p:cTn id="9" presetID="1" presetClass="entr" presetSubtype="0" fill="hold" nodeType="clickEffect">
+                                  <p:stCondLst>
+                                    <p:cond delay="0"/>
+                                  </p:stCondLst>
+                                  <p:childTnLst>
+                                    <p:set>
+                                      <p:cBhvr>
+                                        <p:cTn id="10" dur="1" fill="hold">
+                                          <p:stCondLst>
+                                            <p:cond delay="0"/>
+                                          </p:stCondLst>
+                                        </p:cTn>
+                                        <p:tgtEl>
+                                          <p:spTgt spid="3">
+                                            <p:txEl>
+                                              <p:pRg st="4" end="4"/>
+                                            </p:txEl>
+                                          </p:spTgt>
+                                        </p:tgtEl>
+                                        <p:attrNameLst>
+                                          <p:attrName>style.visibility</p:attrName>
+                                        </p:attrNameLst>
+                                      </p:cBhvr>
+                                      <p:to>
+                                        <p:strVal val="visible"/>
+                                      </p:to>
+                                    </p:set>
+                                  </p:childTnLst>
+                                </p:cTn>
+                              </p:par>
+                            </p:childTnLst>
+                          </p:cTn>
+                        </p:par>
+                      </p:childTnLst>
+                    </p:cTn>
+                  </p:par>
+                  <p:par>
+                    <p:cTn id="11" fill="hold">
+                      <p:stCondLst>
+                        <p:cond delay="indefinite"/>
+                      </p:stCondLst>
+                      <p:childTnLst>
+                        <p:par>
+                          <p:cTn id="12" fill="hold">
+                            <p:stCondLst>
+                              <p:cond delay="0"/>
+                            </p:stCondLst>
+                            <p:childTnLst>
+                              <p:par>
+                                <p:cTn id="13" presetID="1" presetClass="entr" presetSubtype="0" fill="hold" nodeType="clickEffect">
+                                  <p:stCondLst>
+                                    <p:cond delay="0"/>
+                                  </p:stCondLst>
+                                  <p:childTnLst>
+                                    <p:set>
+                                      <p:cBhvr>
+                                        <p:cTn id="14" dur="1" fill="hold">
+                                          <p:stCondLst>
+                                            <p:cond delay="0"/>
+                                          </p:stCondLst>
+                                        </p:cTn>
+                                        <p:tgtEl>
+                                          <p:spTgt spid="3">
+                                            <p:txEl>
+                                              <p:pRg st="6" end="6"/>
+                                            </p:txEl>
+                                          </p:spTgt>
+                                        </p:tgtEl>
+                                        <p:attrNameLst>
+                                          <p:attrName>style.visibility</p:attrName>
+                                        </p:attrNameLst>
+                                      </p:cBhvr>
+                                      <p:to>
+                                        <p:strVal val="visible"/>
+                                      </p:to>
+                                    </p:set>
+                                  </p:childTnLst>
+                                </p:cTn>
+                              </p:par>
+                            </p:childTnLst>
+                          </p:cTn>
+                        </p:par>
+                      </p:childTnLst>
+                    </p:cTn>
+                  </p:par>
+                  <p:par>
+                    <p:cTn id="15" fill="hold">
+                      <p:stCondLst>
+                        <p:cond delay="indefinite"/>
+                      </p:stCondLst>
+                      <p:childTnLst>
+                        <p:par>
+                          <p:cTn id="16" fill="hold">
+                            <p:stCondLst>
+                              <p:cond delay="0"/>
+                            </p:stCondLst>
+                            <p:childTnLst>
+                              <p:par>
+                                <p:cTn id="17" presetID="1" presetClass="entr" presetSubtype="0" fill="hold" nodeType="clickEffect">
+                                  <p:stCondLst>
+                                    <p:cond delay="0"/>
+                                  </p:stCondLst>
+                                  <p:childTnLst>
+                                    <p:set>
+                                      <p:cBhvr>
+                                        <p:cTn id="18" dur="1" fill="hold">
+                                          <p:stCondLst>
+                                            <p:cond delay="0"/>
+                                          </p:stCondLst>
+                                        </p:cTn>
+                                        <p:tgtEl>
+                                          <p:spTgt spid="3">
+                                            <p:txEl>
+                                              <p:pRg st="8" end="8"/>
+                                            </p:txEl>
+                                          </p:spTgt>
+                                        </p:tgtEl>
+                                        <p:attrNameLst>
+                                          <p:attrName>style.visibility</p:attrName>
+                                        </p:attrNameLst>
+                                      </p:cBhvr>
+                                      <p:to>
+                                        <p:strVal val="visible"/>
+                                      </p:to>
+                                    </p:set>
+                                  </p:childTnLst>
+                                </p:cTn>
+                              </p:par>
+                            </p:childTnLst>
+                          </p:cTn>
+                        </p:par>
+                      </p:childTnLst>
+                    </p:cTn>
+                  </p:par>
+                  <p:par>
+                    <p:cTn id="19" fill="hold">
+                      <p:stCondLst>
+                        <p:cond delay="indefinite"/>
+                      </p:stCondLst>
+                      <p:childTnLst>
+                        <p:par>
+                          <p:cTn id="20" fill="hold">
+                            <p:stCondLst>
+                              <p:cond delay="0"/>
+                            </p:stCondLst>
+                            <p:childTnLst>
+                              <p:par>
+                                <p:cTn id="21" presetID="1" presetClass="entr" presetSubtype="0" fill="hold" nodeType="clickEffect">
+                                  <p:stCondLst>
+                                    <p:cond delay="0"/>
+                                  </p:stCondLst>
+                                  <p:childTnLst>
+                                    <p:set>
+                                      <p:cBhvr>
+                                        <p:cTn id="22" dur="1" fill="hold">
+                                          <p:stCondLst>
+                                            <p:cond delay="0"/>
+                                          </p:stCondLst>
+                                        </p:cTn>
+                                        <p:tgtEl>
+                                          <p:spTgt spid="3">
+                                            <p:txEl>
+                                              <p:pRg st="10" end="10"/>
+                                            </p:txEl>
+                                          </p:spTgt>
+                                        </p:tgtEl>
+                                        <p:attrNameLst>
+                                          <p:attrName>style.visibility</p:attrName>
+                                        </p:attrNameLst>
+                                      </p:cBhvr>
+                                      <p:to>
+                                        <p:strVal val="visible"/>
+                                      </p:to>
+                                    </p:set>
+                                  </p:childTnLst>
+                                </p:cTn>
+                              </p:par>
+                            </p:childTnLst>
+                          </p:cTn>
+                        </p:par>
+                      </p:childTnLst>
+                    </p:cTn>
+                  </p:par>
+                </p:childTnLst>
+              </p:cTn>
+              <p:prevCondLst>
+                <p:cond evt="onPrev" delay="0">
+                  <p:tgtEl>
+                    <p:sldTgt/>
+                  </p:tgtEl>
+                </p:cond>
+              </p:prevCondLst>
+              <p:nextCondLst>
+                <p:cond evt="onNext" delay="0">
+                  <p:tgtEl>
+                    <p:sldTgt/>
+                  </p:tgtEl>
+                </p:cond>
+              </p:nextCondLst>
+            </p:seq>
+          </p:childTnLst>
+        </p:cTn>
+      </p:par>
+    </p:tnLst>
+  </p:timing>
 </p:sld>
 </file>
 
@@ -15777,7 +16505,7 @@
                                         <p:tgtEl>
                                           <p:spTgt spid="3">
                                             <p:txEl>
-                                              <p:pRg st="2" end="2"/>
+                                              <p:pRg st="0" end="0"/>
                                             </p:txEl>
                                           </p:spTgt>
                                         </p:tgtEl>
@@ -15826,7 +16554,7 @@
                                         <p:tgtEl>
                                           <p:spTgt spid="3">
                                             <p:txEl>
-                                              <p:pRg st="0" end="0"/>
+                                              <p:pRg st="2" end="2"/>
                                             </p:txEl>
                                           </p:spTgt>
                                         </p:tgtEl>

--- a/current.pptx
+++ b/current.pptx
@@ -16,10 +16,10 @@
     <p:sldId id="260" r:id="rId7"/>
     <p:sldId id="261" r:id="rId8"/>
     <p:sldId id="267" r:id="rId9"/>
-    <p:sldId id="264" r:id="rId10"/>
-    <p:sldId id="265" r:id="rId11"/>
-    <p:sldId id="270" r:id="rId12"/>
-    <p:sldId id="273" r:id="rId13"/>
+    <p:sldId id="273" r:id="rId10"/>
+    <p:sldId id="264" r:id="rId11"/>
+    <p:sldId id="265" r:id="rId12"/>
+    <p:sldId id="270" r:id="rId13"/>
     <p:sldId id="272" r:id="rId14"/>
     <p:sldId id="294" r:id="rId15"/>
     <p:sldId id="295" r:id="rId16"/>
@@ -236,7 +236,7 @@
           <a:p>
             <a:fld id="{05A2C539-3BAE-43DA-89DD-3C2B65931CAB}" type="datetimeFigureOut">
               <a:rPr lang="en-GB" smtClean="0"/>
-              <a:t>17/04/2019</a:t>
+              <a:t>18/04/2019</a:t>
             </a:fld>
             <a:endParaRPr lang="en-GB"/>
           </a:p>
@@ -569,7 +569,7 @@
           <a:p>
             <a:fld id="{D6719FC5-C3CA-4722-957E-A07B335E4D2F}" type="slidenum">
               <a:rPr lang="en-GB" smtClean="0"/>
-              <a:t>11</a:t>
+              <a:t>9</a:t>
             </a:fld>
             <a:endParaRPr lang="en-GB"/>
           </a:p>
@@ -578,7 +578,7 @@
     </p:spTree>
     <p:extLst>
       <p:ext uri="{BB962C8B-B14F-4D97-AF65-F5344CB8AC3E}">
-        <p14:creationId xmlns:p14="http://schemas.microsoft.com/office/powerpoint/2010/main" val="1717315459"/>
+        <p14:creationId xmlns:p14="http://schemas.microsoft.com/office/powerpoint/2010/main" val="1557874753"/>
       </p:ext>
     </p:extLst>
   </p:cSld>
@@ -662,7 +662,7 @@
     </p:spTree>
     <p:extLst>
       <p:ext uri="{BB962C8B-B14F-4D97-AF65-F5344CB8AC3E}">
-        <p14:creationId xmlns:p14="http://schemas.microsoft.com/office/powerpoint/2010/main" val="1557874753"/>
+        <p14:creationId xmlns:p14="http://schemas.microsoft.com/office/powerpoint/2010/main" val="1717315459"/>
       </p:ext>
     </p:extLst>
   </p:cSld>
@@ -673,6 +673,90 @@
 </file>
 
 <file path=ppt/notesSlides/notesSlide3.xml><?xml version="1.0" encoding="utf-8"?>
+<p:notes xmlns:a="http://schemas.openxmlformats.org/drawingml/2006/main" xmlns:r="http://schemas.openxmlformats.org/officeDocument/2006/relationships" xmlns:p="http://schemas.openxmlformats.org/presentationml/2006/main">
+  <p:cSld>
+    <p:spTree>
+      <p:nvGrpSpPr>
+        <p:cNvPr id="1" name=""/>
+        <p:cNvGrpSpPr/>
+        <p:nvPr/>
+      </p:nvGrpSpPr>
+      <p:grpSpPr>
+        <a:xfrm>
+          <a:off x="0" y="0"/>
+          <a:ext cx="0" cy="0"/>
+          <a:chOff x="0" y="0"/>
+          <a:chExt cx="0" cy="0"/>
+        </a:xfrm>
+      </p:grpSpPr>
+      <p:sp>
+        <p:nvSpPr>
+          <p:cNvPr id="2" name="Slide Image Placeholder 1"/>
+          <p:cNvSpPr>
+            <a:spLocks noGrp="1" noRot="1" noChangeAspect="1"/>
+          </p:cNvSpPr>
+          <p:nvPr>
+            <p:ph type="sldImg"/>
+          </p:nvPr>
+        </p:nvSpPr>
+        <p:spPr/>
+      </p:sp>
+      <p:sp>
+        <p:nvSpPr>
+          <p:cNvPr id="3" name="Notes Placeholder 2"/>
+          <p:cNvSpPr>
+            <a:spLocks noGrp="1"/>
+          </p:cNvSpPr>
+          <p:nvPr>
+            <p:ph type="body" idx="1"/>
+          </p:nvPr>
+        </p:nvSpPr>
+        <p:spPr/>
+        <p:txBody>
+          <a:bodyPr/>
+          <a:lstStyle/>
+          <a:p>
+            <a:endParaRPr lang="en-GB" dirty="0"/>
+          </a:p>
+        </p:txBody>
+      </p:sp>
+      <p:sp>
+        <p:nvSpPr>
+          <p:cNvPr id="4" name="Slide Number Placeholder 3"/>
+          <p:cNvSpPr>
+            <a:spLocks noGrp="1"/>
+          </p:cNvSpPr>
+          <p:nvPr>
+            <p:ph type="sldNum" sz="quarter" idx="5"/>
+          </p:nvPr>
+        </p:nvSpPr>
+        <p:spPr/>
+        <p:txBody>
+          <a:bodyPr/>
+          <a:lstStyle/>
+          <a:p>
+            <a:fld id="{D6719FC5-C3CA-4722-957E-A07B335E4D2F}" type="slidenum">
+              <a:rPr lang="en-GB" smtClean="0"/>
+              <a:t>14</a:t>
+            </a:fld>
+            <a:endParaRPr lang="en-GB"/>
+          </a:p>
+        </p:txBody>
+      </p:sp>
+    </p:spTree>
+    <p:extLst>
+      <p:ext uri="{BB962C8B-B14F-4D97-AF65-F5344CB8AC3E}">
+        <p14:creationId xmlns:p14="http://schemas.microsoft.com/office/powerpoint/2010/main" val="1450276191"/>
+      </p:ext>
+    </p:extLst>
+  </p:cSld>
+  <p:clrMapOvr>
+    <a:masterClrMapping/>
+  </p:clrMapOvr>
+</p:notes>
+</file>
+
+<file path=ppt/notesSlides/notesSlide4.xml><?xml version="1.0" encoding="utf-8"?>
 <p:notes xmlns:a="http://schemas.openxmlformats.org/drawingml/2006/main" xmlns:r="http://schemas.openxmlformats.org/officeDocument/2006/relationships" xmlns:p="http://schemas.openxmlformats.org/presentationml/2006/main">
   <p:cSld>
     <p:spTree>
@@ -905,7 +989,7 @@
           <a:p>
             <a:fld id="{6FADB570-57FC-4C94-8057-F2D76F2B7762}" type="datetimeFigureOut">
               <a:rPr lang="en-GB" smtClean="0"/>
-              <a:t>17/04/2019</a:t>
+              <a:t>18/04/2019</a:t>
             </a:fld>
             <a:endParaRPr lang="en-GB"/>
           </a:p>
@@ -1105,7 +1189,7 @@
           <a:p>
             <a:fld id="{6FADB570-57FC-4C94-8057-F2D76F2B7762}" type="datetimeFigureOut">
               <a:rPr lang="en-GB" smtClean="0"/>
-              <a:t>17/04/2019</a:t>
+              <a:t>18/04/2019</a:t>
             </a:fld>
             <a:endParaRPr lang="en-GB"/>
           </a:p>
@@ -1315,7 +1399,7 @@
           <a:p>
             <a:fld id="{6FADB570-57FC-4C94-8057-F2D76F2B7762}" type="datetimeFigureOut">
               <a:rPr lang="en-GB" smtClean="0"/>
-              <a:t>17/04/2019</a:t>
+              <a:t>18/04/2019</a:t>
             </a:fld>
             <a:endParaRPr lang="en-GB"/>
           </a:p>
@@ -1515,7 +1599,7 @@
           <a:p>
             <a:fld id="{6FADB570-57FC-4C94-8057-F2D76F2B7762}" type="datetimeFigureOut">
               <a:rPr lang="en-GB" smtClean="0"/>
-              <a:t>17/04/2019</a:t>
+              <a:t>18/04/2019</a:t>
             </a:fld>
             <a:endParaRPr lang="en-GB"/>
           </a:p>
@@ -1791,7 +1875,7 @@
           <a:p>
             <a:fld id="{6FADB570-57FC-4C94-8057-F2D76F2B7762}" type="datetimeFigureOut">
               <a:rPr lang="en-GB" smtClean="0"/>
-              <a:t>17/04/2019</a:t>
+              <a:t>18/04/2019</a:t>
             </a:fld>
             <a:endParaRPr lang="en-GB"/>
           </a:p>
@@ -2059,7 +2143,7 @@
           <a:p>
             <a:fld id="{6FADB570-57FC-4C94-8057-F2D76F2B7762}" type="datetimeFigureOut">
               <a:rPr lang="en-GB" smtClean="0"/>
-              <a:t>17/04/2019</a:t>
+              <a:t>18/04/2019</a:t>
             </a:fld>
             <a:endParaRPr lang="en-GB"/>
           </a:p>
@@ -2474,7 +2558,7 @@
           <a:p>
             <a:fld id="{6FADB570-57FC-4C94-8057-F2D76F2B7762}" type="datetimeFigureOut">
               <a:rPr lang="en-GB" smtClean="0"/>
-              <a:t>17/04/2019</a:t>
+              <a:t>18/04/2019</a:t>
             </a:fld>
             <a:endParaRPr lang="en-GB"/>
           </a:p>
@@ -2616,7 +2700,7 @@
           <a:p>
             <a:fld id="{6FADB570-57FC-4C94-8057-F2D76F2B7762}" type="datetimeFigureOut">
               <a:rPr lang="en-GB" smtClean="0"/>
-              <a:t>17/04/2019</a:t>
+              <a:t>18/04/2019</a:t>
             </a:fld>
             <a:endParaRPr lang="en-GB"/>
           </a:p>
@@ -2729,7 +2813,7 @@
           <a:p>
             <a:fld id="{6FADB570-57FC-4C94-8057-F2D76F2B7762}" type="datetimeFigureOut">
               <a:rPr lang="en-GB" smtClean="0"/>
-              <a:t>17/04/2019</a:t>
+              <a:t>18/04/2019</a:t>
             </a:fld>
             <a:endParaRPr lang="en-GB"/>
           </a:p>
@@ -3042,7 +3126,7 @@
           <a:p>
             <a:fld id="{6FADB570-57FC-4C94-8057-F2D76F2B7762}" type="datetimeFigureOut">
               <a:rPr lang="en-GB" smtClean="0"/>
-              <a:t>17/04/2019</a:t>
+              <a:t>18/04/2019</a:t>
             </a:fld>
             <a:endParaRPr lang="en-GB"/>
           </a:p>
@@ -3331,7 +3415,7 @@
           <a:p>
             <a:fld id="{6FADB570-57FC-4C94-8057-F2D76F2B7762}" type="datetimeFigureOut">
               <a:rPr lang="en-GB" smtClean="0"/>
-              <a:t>17/04/2019</a:t>
+              <a:t>18/04/2019</a:t>
             </a:fld>
             <a:endParaRPr lang="en-GB"/>
           </a:p>
@@ -3580,7 +3664,7 @@
           <a:p>
             <a:fld id="{6FADB570-57FC-4C94-8057-F2D76F2B7762}" type="datetimeFigureOut">
               <a:rPr lang="en-GB" smtClean="0"/>
-              <a:t>17/04/2019</a:t>
+              <a:t>18/04/2019</a:t>
             </a:fld>
             <a:endParaRPr lang="en-GB"/>
           </a:p>
@@ -4166,6 +4250,522 @@
           <p:cNvPr id="2" name="Title 1">
             <a:extLst>
               <a:ext uri="{FF2B5EF4-FFF2-40B4-BE49-F238E27FC236}">
+                <a16:creationId xmlns:a16="http://schemas.microsoft.com/office/drawing/2014/main" id="{27B47342-65E1-4DA6-AC49-41E1D7C94E72}"/>
+              </a:ext>
+            </a:extLst>
+          </p:cNvPr>
+          <p:cNvSpPr>
+            <a:spLocks noGrp="1"/>
+          </p:cNvSpPr>
+          <p:nvPr>
+            <p:ph type="title"/>
+          </p:nvPr>
+        </p:nvSpPr>
+        <p:spPr>
+          <a:xfrm>
+            <a:off x="838200" y="365126"/>
+            <a:ext cx="5721096" cy="794602"/>
+          </a:xfrm>
+        </p:spPr>
+        <p:txBody>
+          <a:bodyPr>
+            <a:normAutofit/>
+          </a:bodyPr>
+          <a:lstStyle/>
+          <a:p>
+            <a:r>
+              <a:rPr lang="en-GB" sz="4000" b="1" dirty="0">
+                <a:latin typeface="Arial" panose="020B0604020202020204" pitchFamily="34" charset="0"/>
+                <a:cs typeface="Arial" panose="020B0604020202020204" pitchFamily="34" charset="0"/>
+              </a:rPr>
+              <a:t>The </a:t>
+            </a:r>
+            <a:r>
+              <a:rPr lang="en-GB" sz="4000" b="1" dirty="0" err="1">
+                <a:latin typeface="Arial" panose="020B0604020202020204" pitchFamily="34" charset="0"/>
+                <a:cs typeface="Arial" panose="020B0604020202020204" pitchFamily="34" charset="0"/>
+              </a:rPr>
+              <a:t>GraphQL</a:t>
+            </a:r>
+            <a:r>
+              <a:rPr lang="en-GB" sz="4000" b="1" dirty="0">
+                <a:latin typeface="Arial" panose="020B0604020202020204" pitchFamily="34" charset="0"/>
+                <a:cs typeface="Arial" panose="020B0604020202020204" pitchFamily="34" charset="0"/>
+              </a:rPr>
+              <a:t> Schema</a:t>
+            </a:r>
+          </a:p>
+        </p:txBody>
+      </p:sp>
+      <p:sp>
+        <p:nvSpPr>
+          <p:cNvPr id="3" name="Content Placeholder 2">
+            <a:extLst>
+              <a:ext uri="{FF2B5EF4-FFF2-40B4-BE49-F238E27FC236}">
+                <a16:creationId xmlns:a16="http://schemas.microsoft.com/office/drawing/2014/main" id="{46249623-7E50-4A03-B2A3-9F5FB92325FF}"/>
+              </a:ext>
+            </a:extLst>
+          </p:cNvPr>
+          <p:cNvSpPr>
+            <a:spLocks noGrp="1"/>
+          </p:cNvSpPr>
+          <p:nvPr>
+            <p:ph idx="1"/>
+          </p:nvPr>
+        </p:nvSpPr>
+        <p:spPr>
+          <a:xfrm>
+            <a:off x="838200" y="1417571"/>
+            <a:ext cx="10515600" cy="5075303"/>
+          </a:xfrm>
+        </p:spPr>
+        <p:txBody>
+          <a:bodyPr>
+            <a:normAutofit/>
+          </a:bodyPr>
+          <a:lstStyle/>
+          <a:p>
+            <a:r>
+              <a:rPr lang="en-GB" sz="2000" dirty="0">
+                <a:latin typeface="Arial" panose="020B0604020202020204" pitchFamily="34" charset="0"/>
+                <a:cs typeface="Arial" panose="020B0604020202020204" pitchFamily="34" charset="0"/>
+              </a:rPr>
+              <a:t>The single source of truth in </a:t>
+            </a:r>
+            <a:r>
+              <a:rPr lang="en-GB" sz="2000" dirty="0" err="1">
+                <a:latin typeface="Arial" panose="020B0604020202020204" pitchFamily="34" charset="0"/>
+                <a:cs typeface="Arial" panose="020B0604020202020204" pitchFamily="34" charset="0"/>
+              </a:rPr>
+              <a:t>GraphQL</a:t>
+            </a:r>
+            <a:r>
+              <a:rPr lang="en-GB" sz="2000" dirty="0">
+                <a:latin typeface="Arial" panose="020B0604020202020204" pitchFamily="34" charset="0"/>
+                <a:cs typeface="Arial" panose="020B0604020202020204" pitchFamily="34" charset="0"/>
+              </a:rPr>
+              <a:t> applications </a:t>
+            </a:r>
+          </a:p>
+          <a:p>
+            <a:endParaRPr lang="en-GB" sz="2000" dirty="0">
+              <a:latin typeface="Arial" panose="020B0604020202020204" pitchFamily="34" charset="0"/>
+              <a:cs typeface="Arial" panose="020B0604020202020204" pitchFamily="34" charset="0"/>
+            </a:endParaRPr>
+          </a:p>
+          <a:p>
+            <a:r>
+              <a:rPr lang="en-GB" sz="2000" dirty="0">
+                <a:latin typeface="Arial" panose="020B0604020202020204" pitchFamily="34" charset="0"/>
+                <a:cs typeface="Arial" panose="020B0604020202020204" pitchFamily="34" charset="0"/>
+              </a:rPr>
+              <a:t>Can be seen as a contract between the server and the client</a:t>
+            </a:r>
+          </a:p>
+          <a:p>
+            <a:endParaRPr lang="en-GB" sz="2000" dirty="0">
+              <a:latin typeface="Arial" panose="020B0604020202020204" pitchFamily="34" charset="0"/>
+              <a:cs typeface="Arial" panose="020B0604020202020204" pitchFamily="34" charset="0"/>
+            </a:endParaRPr>
+          </a:p>
+          <a:p>
+            <a:r>
+              <a:rPr lang="en-GB" sz="2000" dirty="0">
+                <a:latin typeface="Arial" panose="020B0604020202020204" pitchFamily="34" charset="0"/>
+                <a:cs typeface="Arial" panose="020B0604020202020204" pitchFamily="34" charset="0"/>
+              </a:rPr>
+              <a:t>Defines the data available from the API and how clients can request it</a:t>
+            </a:r>
+          </a:p>
+          <a:p>
+            <a:endParaRPr lang="en-GB" sz="2000" dirty="0">
+              <a:latin typeface="Arial" panose="020B0604020202020204" pitchFamily="34" charset="0"/>
+              <a:cs typeface="Arial" panose="020B0604020202020204" pitchFamily="34" charset="0"/>
+            </a:endParaRPr>
+          </a:p>
+          <a:p>
+            <a:r>
+              <a:rPr lang="en-GB" sz="2000" dirty="0">
+                <a:latin typeface="Arial" panose="020B0604020202020204" pitchFamily="34" charset="0"/>
+                <a:cs typeface="Arial" panose="020B0604020202020204" pitchFamily="34" charset="0"/>
+              </a:rPr>
+              <a:t>Used to validate </a:t>
+            </a:r>
+            <a:r>
+              <a:rPr lang="en-GB" sz="2000" dirty="0" err="1">
+                <a:latin typeface="Arial" panose="020B0604020202020204" pitchFamily="34" charset="0"/>
+                <a:cs typeface="Arial" panose="020B0604020202020204" pitchFamily="34" charset="0"/>
+              </a:rPr>
+              <a:t>GraphQL</a:t>
+            </a:r>
+            <a:r>
+              <a:rPr lang="en-GB" sz="2000" dirty="0">
+                <a:latin typeface="Arial" panose="020B0604020202020204" pitchFamily="34" charset="0"/>
+                <a:cs typeface="Arial" panose="020B0604020202020204" pitchFamily="34" charset="0"/>
+              </a:rPr>
+              <a:t> queries</a:t>
+            </a:r>
+          </a:p>
+          <a:p>
+            <a:endParaRPr lang="en-GB" sz="2000" dirty="0">
+              <a:latin typeface="Arial" panose="020B0604020202020204" pitchFamily="34" charset="0"/>
+              <a:cs typeface="Arial" panose="020B0604020202020204" pitchFamily="34" charset="0"/>
+            </a:endParaRPr>
+          </a:p>
+          <a:p>
+            <a:r>
+              <a:rPr lang="en-GB" sz="2000" dirty="0">
+                <a:latin typeface="Arial" panose="020B0604020202020204" pitchFamily="34" charset="0"/>
+                <a:cs typeface="Arial" panose="020B0604020202020204" pitchFamily="34" charset="0"/>
+              </a:rPr>
+              <a:t>Strongly typed and most commonly defined using the </a:t>
+            </a:r>
+            <a:r>
+              <a:rPr lang="en-GB" sz="2000" b="1" dirty="0" err="1">
+                <a:latin typeface="Arial" panose="020B0604020202020204" pitchFamily="34" charset="0"/>
+                <a:cs typeface="Arial" panose="020B0604020202020204" pitchFamily="34" charset="0"/>
+              </a:rPr>
+              <a:t>GraphQL</a:t>
+            </a:r>
+            <a:r>
+              <a:rPr lang="en-GB" sz="2000" b="1" dirty="0">
+                <a:latin typeface="Arial" panose="020B0604020202020204" pitchFamily="34" charset="0"/>
+                <a:cs typeface="Arial" panose="020B0604020202020204" pitchFamily="34" charset="0"/>
+              </a:rPr>
+              <a:t> Schema Definition Language</a:t>
+            </a:r>
+            <a:endParaRPr lang="en-GB" sz="2000" dirty="0">
+              <a:latin typeface="Arial" panose="020B0604020202020204" pitchFamily="34" charset="0"/>
+              <a:cs typeface="Arial" panose="020B0604020202020204" pitchFamily="34" charset="0"/>
+            </a:endParaRPr>
+          </a:p>
+          <a:p>
+            <a:endParaRPr lang="en-GB" sz="2000" dirty="0">
+              <a:latin typeface="Arial" panose="020B0604020202020204" pitchFamily="34" charset="0"/>
+              <a:cs typeface="Arial" panose="020B0604020202020204" pitchFamily="34" charset="0"/>
+            </a:endParaRPr>
+          </a:p>
+          <a:p>
+            <a:endParaRPr lang="en-GB" dirty="0">
+              <a:latin typeface="Arial" panose="020B0604020202020204" pitchFamily="34" charset="0"/>
+              <a:cs typeface="Arial" panose="020B0604020202020204" pitchFamily="34" charset="0"/>
+            </a:endParaRPr>
+          </a:p>
+          <a:p>
+            <a:endParaRPr lang="en-GB" dirty="0"/>
+          </a:p>
+        </p:txBody>
+      </p:sp>
+    </p:spTree>
+    <p:extLst>
+      <p:ext uri="{BB962C8B-B14F-4D97-AF65-F5344CB8AC3E}">
+        <p14:creationId xmlns:p14="http://schemas.microsoft.com/office/powerpoint/2010/main" val="3881882428"/>
+      </p:ext>
+    </p:extLst>
+  </p:cSld>
+  <p:clrMapOvr>
+    <a:masterClrMapping/>
+  </p:clrMapOvr>
+  <p:timing>
+    <p:tnLst>
+      <p:par>
+        <p:cTn id="1" dur="indefinite" restart="never" nodeType="tmRoot">
+          <p:childTnLst>
+            <p:seq concurrent="1" nextAc="seek">
+              <p:cTn id="2" dur="indefinite" nodeType="mainSeq">
+                <p:childTnLst>
+                  <p:par>
+                    <p:cTn id="3" fill="hold">
+                      <p:stCondLst>
+                        <p:cond delay="indefinite"/>
+                      </p:stCondLst>
+                      <p:childTnLst>
+                        <p:par>
+                          <p:cTn id="4" fill="hold">
+                            <p:stCondLst>
+                              <p:cond delay="0"/>
+                            </p:stCondLst>
+                            <p:childTnLst>
+                              <p:par>
+                                <p:cTn id="5" presetID="1" presetClass="entr" presetSubtype="0" fill="hold" nodeType="clickEffect">
+                                  <p:stCondLst>
+                                    <p:cond delay="0"/>
+                                  </p:stCondLst>
+                                  <p:childTnLst>
+                                    <p:set>
+                                      <p:cBhvr>
+                                        <p:cTn id="6" dur="1" fill="hold">
+                                          <p:stCondLst>
+                                            <p:cond delay="0"/>
+                                          </p:stCondLst>
+                                        </p:cTn>
+                                        <p:tgtEl>
+                                          <p:spTgt spid="3">
+                                            <p:txEl>
+                                              <p:pRg st="0" end="0"/>
+                                            </p:txEl>
+                                          </p:spTgt>
+                                        </p:tgtEl>
+                                        <p:attrNameLst>
+                                          <p:attrName>style.visibility</p:attrName>
+                                        </p:attrNameLst>
+                                      </p:cBhvr>
+                                      <p:to>
+                                        <p:strVal val="visible"/>
+                                      </p:to>
+                                    </p:set>
+                                  </p:childTnLst>
+                                </p:cTn>
+                              </p:par>
+                            </p:childTnLst>
+                          </p:cTn>
+                        </p:par>
+                      </p:childTnLst>
+                    </p:cTn>
+                  </p:par>
+                  <p:par>
+                    <p:cTn id="7" fill="hold">
+                      <p:stCondLst>
+                        <p:cond delay="indefinite"/>
+                      </p:stCondLst>
+                      <p:childTnLst>
+                        <p:par>
+                          <p:cTn id="8" fill="hold">
+                            <p:stCondLst>
+                              <p:cond delay="0"/>
+                            </p:stCondLst>
+                            <p:childTnLst>
+                              <p:par>
+                                <p:cTn id="9" presetID="1" presetClass="entr" presetSubtype="0" fill="hold" nodeType="clickEffect">
+                                  <p:stCondLst>
+                                    <p:cond delay="0"/>
+                                  </p:stCondLst>
+                                  <p:childTnLst>
+                                    <p:set>
+                                      <p:cBhvr>
+                                        <p:cTn id="10" dur="1" fill="hold">
+                                          <p:stCondLst>
+                                            <p:cond delay="0"/>
+                                          </p:stCondLst>
+                                        </p:cTn>
+                                        <p:tgtEl>
+                                          <p:spTgt spid="3">
+                                            <p:txEl>
+                                              <p:pRg st="2" end="2"/>
+                                            </p:txEl>
+                                          </p:spTgt>
+                                        </p:tgtEl>
+                                        <p:attrNameLst>
+                                          <p:attrName>style.visibility</p:attrName>
+                                        </p:attrNameLst>
+                                      </p:cBhvr>
+                                      <p:to>
+                                        <p:strVal val="visible"/>
+                                      </p:to>
+                                    </p:set>
+                                  </p:childTnLst>
+                                </p:cTn>
+                              </p:par>
+                            </p:childTnLst>
+                          </p:cTn>
+                        </p:par>
+                      </p:childTnLst>
+                    </p:cTn>
+                  </p:par>
+                  <p:par>
+                    <p:cTn id="11" fill="hold">
+                      <p:stCondLst>
+                        <p:cond delay="indefinite"/>
+                      </p:stCondLst>
+                      <p:childTnLst>
+                        <p:par>
+                          <p:cTn id="12" fill="hold">
+                            <p:stCondLst>
+                              <p:cond delay="0"/>
+                            </p:stCondLst>
+                            <p:childTnLst>
+                              <p:par>
+                                <p:cTn id="13" presetID="1" presetClass="entr" presetSubtype="0" fill="hold" nodeType="clickEffect">
+                                  <p:stCondLst>
+                                    <p:cond delay="0"/>
+                                  </p:stCondLst>
+                                  <p:childTnLst>
+                                    <p:set>
+                                      <p:cBhvr>
+                                        <p:cTn id="14" dur="1" fill="hold">
+                                          <p:stCondLst>
+                                            <p:cond delay="0"/>
+                                          </p:stCondLst>
+                                        </p:cTn>
+                                        <p:tgtEl>
+                                          <p:spTgt spid="3">
+                                            <p:txEl>
+                                              <p:pRg st="4" end="4"/>
+                                            </p:txEl>
+                                          </p:spTgt>
+                                        </p:tgtEl>
+                                        <p:attrNameLst>
+                                          <p:attrName>style.visibility</p:attrName>
+                                        </p:attrNameLst>
+                                      </p:cBhvr>
+                                      <p:to>
+                                        <p:strVal val="visible"/>
+                                      </p:to>
+                                    </p:set>
+                                  </p:childTnLst>
+                                </p:cTn>
+                              </p:par>
+                            </p:childTnLst>
+                          </p:cTn>
+                        </p:par>
+                      </p:childTnLst>
+                    </p:cTn>
+                  </p:par>
+                  <p:par>
+                    <p:cTn id="15" fill="hold">
+                      <p:stCondLst>
+                        <p:cond delay="indefinite"/>
+                      </p:stCondLst>
+                      <p:childTnLst>
+                        <p:par>
+                          <p:cTn id="16" fill="hold">
+                            <p:stCondLst>
+                              <p:cond delay="0"/>
+                            </p:stCondLst>
+                            <p:childTnLst>
+                              <p:par>
+                                <p:cTn id="17" presetID="1" presetClass="entr" presetSubtype="0" fill="hold" nodeType="clickEffect">
+                                  <p:stCondLst>
+                                    <p:cond delay="0"/>
+                                  </p:stCondLst>
+                                  <p:childTnLst>
+                                    <p:set>
+                                      <p:cBhvr>
+                                        <p:cTn id="18" dur="1" fill="hold">
+                                          <p:stCondLst>
+                                            <p:cond delay="0"/>
+                                          </p:stCondLst>
+                                        </p:cTn>
+                                        <p:tgtEl>
+                                          <p:spTgt spid="3">
+                                            <p:txEl>
+                                              <p:pRg st="6" end="6"/>
+                                            </p:txEl>
+                                          </p:spTgt>
+                                        </p:tgtEl>
+                                        <p:attrNameLst>
+                                          <p:attrName>style.visibility</p:attrName>
+                                        </p:attrNameLst>
+                                      </p:cBhvr>
+                                      <p:to>
+                                        <p:strVal val="visible"/>
+                                      </p:to>
+                                    </p:set>
+                                  </p:childTnLst>
+                                </p:cTn>
+                              </p:par>
+                            </p:childTnLst>
+                          </p:cTn>
+                        </p:par>
+                      </p:childTnLst>
+                    </p:cTn>
+                  </p:par>
+                  <p:par>
+                    <p:cTn id="19" fill="hold">
+                      <p:stCondLst>
+                        <p:cond delay="indefinite"/>
+                      </p:stCondLst>
+                      <p:childTnLst>
+                        <p:par>
+                          <p:cTn id="20" fill="hold">
+                            <p:stCondLst>
+                              <p:cond delay="0"/>
+                            </p:stCondLst>
+                            <p:childTnLst>
+                              <p:par>
+                                <p:cTn id="21" presetID="1" presetClass="entr" presetSubtype="0" fill="hold" nodeType="clickEffect">
+                                  <p:stCondLst>
+                                    <p:cond delay="0"/>
+                                  </p:stCondLst>
+                                  <p:childTnLst>
+                                    <p:set>
+                                      <p:cBhvr>
+                                        <p:cTn id="22" dur="1" fill="hold">
+                                          <p:stCondLst>
+                                            <p:cond delay="0"/>
+                                          </p:stCondLst>
+                                        </p:cTn>
+                                        <p:tgtEl>
+                                          <p:spTgt spid="3">
+                                            <p:txEl>
+                                              <p:pRg st="8" end="8"/>
+                                            </p:txEl>
+                                          </p:spTgt>
+                                        </p:tgtEl>
+                                        <p:attrNameLst>
+                                          <p:attrName>style.visibility</p:attrName>
+                                        </p:attrNameLst>
+                                      </p:cBhvr>
+                                      <p:to>
+                                        <p:strVal val="visible"/>
+                                      </p:to>
+                                    </p:set>
+                                  </p:childTnLst>
+                                </p:cTn>
+                              </p:par>
+                            </p:childTnLst>
+                          </p:cTn>
+                        </p:par>
+                      </p:childTnLst>
+                    </p:cTn>
+                  </p:par>
+                </p:childTnLst>
+              </p:cTn>
+              <p:prevCondLst>
+                <p:cond evt="onPrev" delay="0">
+                  <p:tgtEl>
+                    <p:sldTgt/>
+                  </p:tgtEl>
+                </p:cond>
+              </p:prevCondLst>
+              <p:nextCondLst>
+                <p:cond evt="onNext" delay="0">
+                  <p:tgtEl>
+                    <p:sldTgt/>
+                  </p:tgtEl>
+                </p:cond>
+              </p:nextCondLst>
+            </p:seq>
+          </p:childTnLst>
+        </p:cTn>
+      </p:par>
+    </p:tnLst>
+  </p:timing>
+</p:sld>
+</file>
+
+<file path=ppt/slides/slide11.xml><?xml version="1.0" encoding="utf-8"?>
+<p:sld xmlns:a="http://schemas.openxmlformats.org/drawingml/2006/main" xmlns:r="http://schemas.openxmlformats.org/officeDocument/2006/relationships" xmlns:p="http://schemas.openxmlformats.org/presentationml/2006/main">
+  <p:cSld>
+    <p:spTree>
+      <p:nvGrpSpPr>
+        <p:cNvPr id="1" name=""/>
+        <p:cNvGrpSpPr/>
+        <p:nvPr/>
+      </p:nvGrpSpPr>
+      <p:grpSpPr>
+        <a:xfrm>
+          <a:off x="0" y="0"/>
+          <a:ext cx="0" cy="0"/>
+          <a:chOff x="0" y="0"/>
+          <a:chExt cx="0" cy="0"/>
+        </a:xfrm>
+      </p:grpSpPr>
+      <p:sp>
+        <p:nvSpPr>
+          <p:cNvPr id="2" name="Title 1">
+            <a:extLst>
+              <a:ext uri="{FF2B5EF4-FFF2-40B4-BE49-F238E27FC236}">
                 <a16:creationId xmlns:a16="http://schemas.microsoft.com/office/drawing/2014/main" id="{7995D02D-56B8-4AE2-AF9C-CA9EB76410A7}"/>
               </a:ext>
             </a:extLst>
@@ -4179,8 +4779,8 @@
         </p:nvSpPr>
         <p:spPr>
           <a:xfrm>
-            <a:off x="6252555" y="170985"/>
-            <a:ext cx="4588529" cy="1270660"/>
+            <a:off x="4354915" y="258909"/>
+            <a:ext cx="3629025" cy="945638"/>
           </a:xfrm>
         </p:spPr>
         <p:txBody>
@@ -4190,7 +4790,7 @@
           <a:lstStyle/>
           <a:p>
             <a:r>
-              <a:rPr lang="en-GB" sz="4000" b="1" dirty="0">
+              <a:rPr lang="en-GB" sz="3200" b="1" dirty="0">
                 <a:latin typeface="Arial" panose="020B0604020202020204" pitchFamily="34" charset="0"/>
                 <a:cs typeface="Arial" panose="020B0604020202020204" pitchFamily="34" charset="0"/>
               </a:rPr>
@@ -4529,6 +5129,110 @@
           </a:prstGeom>
         </p:spPr>
       </p:pic>
+      <p:sp>
+        <p:nvSpPr>
+          <p:cNvPr id="5" name="Rectangle 4">
+            <a:extLst>
+              <a:ext uri="{FF2B5EF4-FFF2-40B4-BE49-F238E27FC236}">
+                <a16:creationId xmlns:a16="http://schemas.microsoft.com/office/drawing/2014/main" id="{CF156318-730C-45EA-BE60-22DD07EE496B}"/>
+              </a:ext>
+            </a:extLst>
+          </p:cNvPr>
+          <p:cNvSpPr/>
+          <p:nvPr/>
+        </p:nvSpPr>
+        <p:spPr>
+          <a:xfrm>
+            <a:off x="4681728" y="2121408"/>
+            <a:ext cx="2438400" cy="1853184"/>
+          </a:xfrm>
+          <a:prstGeom prst="rect">
+            <a:avLst/>
+          </a:prstGeom>
+          <a:noFill/>
+          <a:ln>
+            <a:solidFill>
+              <a:srgbClr val="FF0000"/>
+            </a:solidFill>
+          </a:ln>
+        </p:spPr>
+        <p:style>
+          <a:lnRef idx="2">
+            <a:schemeClr val="accent1">
+              <a:shade val="50000"/>
+            </a:schemeClr>
+          </a:lnRef>
+          <a:fillRef idx="1">
+            <a:schemeClr val="accent1"/>
+          </a:fillRef>
+          <a:effectRef idx="0">
+            <a:schemeClr val="accent1"/>
+          </a:effectRef>
+          <a:fontRef idx="minor">
+            <a:schemeClr val="lt1"/>
+          </a:fontRef>
+        </p:style>
+        <p:txBody>
+          <a:bodyPr rtlCol="0" anchor="ctr"/>
+          <a:lstStyle/>
+          <a:p>
+            <a:pPr algn="ctr"/>
+            <a:endParaRPr lang="en-GB"/>
+          </a:p>
+        </p:txBody>
+      </p:sp>
+      <p:sp>
+        <p:nvSpPr>
+          <p:cNvPr id="6" name="Rectangle 5">
+            <a:extLst>
+              <a:ext uri="{FF2B5EF4-FFF2-40B4-BE49-F238E27FC236}">
+                <a16:creationId xmlns:a16="http://schemas.microsoft.com/office/drawing/2014/main" id="{24DD22A3-7E5A-476E-9A58-2D22C263AA64}"/>
+              </a:ext>
+            </a:extLst>
+          </p:cNvPr>
+          <p:cNvSpPr/>
+          <p:nvPr/>
+        </p:nvSpPr>
+        <p:spPr>
+          <a:xfrm>
+            <a:off x="4681728" y="3974592"/>
+            <a:ext cx="3182112" cy="963168"/>
+          </a:xfrm>
+          <a:prstGeom prst="rect">
+            <a:avLst/>
+          </a:prstGeom>
+          <a:noFill/>
+          <a:ln>
+            <a:solidFill>
+              <a:srgbClr val="FFFF00"/>
+            </a:solidFill>
+          </a:ln>
+        </p:spPr>
+        <p:style>
+          <a:lnRef idx="2">
+            <a:schemeClr val="accent1">
+              <a:shade val="50000"/>
+            </a:schemeClr>
+          </a:lnRef>
+          <a:fillRef idx="1">
+            <a:schemeClr val="accent1"/>
+          </a:fillRef>
+          <a:effectRef idx="0">
+            <a:schemeClr val="accent1"/>
+          </a:effectRef>
+          <a:fontRef idx="minor">
+            <a:schemeClr val="lt1"/>
+          </a:fontRef>
+        </p:style>
+        <p:txBody>
+          <a:bodyPr rtlCol="0" anchor="ctr"/>
+          <a:lstStyle/>
+          <a:p>
+            <a:pPr algn="ctr"/>
+            <a:endParaRPr lang="en-GB"/>
+          </a:p>
+        </p:txBody>
+      </p:sp>
     </p:spTree>
     <p:extLst>
       <p:ext uri="{BB962C8B-B14F-4D97-AF65-F5344CB8AC3E}">
@@ -4573,7 +5277,7 @@
                                           </p:stCondLst>
                                         </p:cTn>
                                         <p:tgtEl>
-                                          <p:spTgt spid="4"/>
+                                          <p:spTgt spid="3"/>
                                         </p:tgtEl>
                                         <p:attrNameLst>
                                           <p:attrName>style.visibility</p:attrName>
@@ -4618,7 +5322,7 @@
                                           </p:stCondLst>
                                         </p:cTn>
                                         <p:tgtEl>
-                                          <p:spTgt spid="3"/>
+                                          <p:spTgt spid="4"/>
                                         </p:tgtEl>
                                         <p:attrNameLst>
                                           <p:attrName>style.visibility</p:attrName>
@@ -4699,7 +5403,7 @@
                             </p:stCondLst>
                             <p:childTnLst>
                               <p:par>
-                                <p:cTn id="17" presetID="1" presetClass="entr" presetSubtype="0" fill="hold" nodeType="clickEffect">
+                                <p:cTn id="17" presetID="1" presetClass="entr" presetSubtype="0" fill="hold" grpId="0" nodeType="clickEffect">
                                   <p:stCondLst>
                                     <p:cond delay="0"/>
                                   </p:stCondLst>
@@ -4712,11 +5416,7 @@
                                           </p:stCondLst>
                                         </p:cTn>
                                         <p:tgtEl>
-                                          <p:spTgt spid="8">
-                                            <p:txEl>
-                                              <p:pRg st="2" end="2"/>
-                                            </p:txEl>
-                                          </p:spTgt>
+                                          <p:spTgt spid="5"/>
                                         </p:tgtEl>
                                         <p:attrNameLst>
                                           <p:attrName>style.visibility</p:attrName>
@@ -4763,7 +5463,7 @@
                                         <p:tgtEl>
                                           <p:spTgt spid="8">
                                             <p:txEl>
-                                              <p:pRg st="3" end="3"/>
+                                              <p:pRg st="2" end="2"/>
                                             </p:txEl>
                                           </p:spTgt>
                                         </p:tgtEl>
@@ -4812,7 +5512,7 @@
                                         <p:tgtEl>
                                           <p:spTgt spid="8">
                                             <p:txEl>
-                                              <p:pRg st="5" end="5"/>
+                                              <p:pRg st="3" end="3"/>
                                             </p:txEl>
                                           </p:spTgt>
                                         </p:tgtEl>
@@ -4861,7 +5561,7 @@
                                         <p:tgtEl>
                                           <p:spTgt spid="8">
                                             <p:txEl>
-                                              <p:pRg st="7" end="7"/>
+                                              <p:pRg st="5" end="5"/>
                                             </p:txEl>
                                           </p:spTgt>
                                         </p:tgtEl>
@@ -4895,7 +5595,7 @@
                             </p:stCondLst>
                             <p:childTnLst>
                               <p:par>
-                                <p:cTn id="33" presetID="1" presetClass="entr" presetSubtype="0" fill="hold" nodeType="clickEffect">
+                                <p:cTn id="33" presetID="1" presetClass="entr" presetSubtype="0" fill="hold" grpId="0" nodeType="clickEffect">
                                   <p:stCondLst>
                                     <p:cond delay="0"/>
                                   </p:stCondLst>
@@ -4908,11 +5608,7 @@
                                           </p:stCondLst>
                                         </p:cTn>
                                         <p:tgtEl>
-                                          <p:spTgt spid="8">
-                                            <p:txEl>
-                                              <p:pRg st="8" end="8"/>
-                                            </p:txEl>
-                                          </p:spTgt>
+                                          <p:spTgt spid="6"/>
                                         </p:tgtEl>
                                         <p:attrNameLst>
                                           <p:attrName>style.visibility</p:attrName>
@@ -4959,6 +5655,104 @@
                                         <p:tgtEl>
                                           <p:spTgt spid="8">
                                             <p:txEl>
+                                              <p:pRg st="7" end="7"/>
+                                            </p:txEl>
+                                          </p:spTgt>
+                                        </p:tgtEl>
+                                        <p:attrNameLst>
+                                          <p:attrName>style.visibility</p:attrName>
+                                        </p:attrNameLst>
+                                      </p:cBhvr>
+                                      <p:to>
+                                        <p:strVal val="visible"/>
+                                      </p:to>
+                                    </p:set>
+                                  </p:childTnLst>
+                                </p:cTn>
+                              </p:par>
+                            </p:childTnLst>
+                          </p:cTn>
+                        </p:par>
+                      </p:childTnLst>
+                    </p:cTn>
+                  </p:par>
+                  <p:par>
+                    <p:cTn id="39" fill="hold">
+                      <p:stCondLst>
+                        <p:cond delay="indefinite"/>
+                      </p:stCondLst>
+                      <p:childTnLst>
+                        <p:par>
+                          <p:cTn id="40" fill="hold">
+                            <p:stCondLst>
+                              <p:cond delay="0"/>
+                            </p:stCondLst>
+                            <p:childTnLst>
+                              <p:par>
+                                <p:cTn id="41" presetID="1" presetClass="entr" presetSubtype="0" fill="hold" nodeType="clickEffect">
+                                  <p:stCondLst>
+                                    <p:cond delay="0"/>
+                                  </p:stCondLst>
+                                  <p:childTnLst>
+                                    <p:set>
+                                      <p:cBhvr>
+                                        <p:cTn id="42" dur="1" fill="hold">
+                                          <p:stCondLst>
+                                            <p:cond delay="0"/>
+                                          </p:stCondLst>
+                                        </p:cTn>
+                                        <p:tgtEl>
+                                          <p:spTgt spid="8">
+                                            <p:txEl>
+                                              <p:pRg st="8" end="8"/>
+                                            </p:txEl>
+                                          </p:spTgt>
+                                        </p:tgtEl>
+                                        <p:attrNameLst>
+                                          <p:attrName>style.visibility</p:attrName>
+                                        </p:attrNameLst>
+                                      </p:cBhvr>
+                                      <p:to>
+                                        <p:strVal val="visible"/>
+                                      </p:to>
+                                    </p:set>
+                                  </p:childTnLst>
+                                </p:cTn>
+                              </p:par>
+                            </p:childTnLst>
+                          </p:cTn>
+                        </p:par>
+                      </p:childTnLst>
+                    </p:cTn>
+                  </p:par>
+                  <p:par>
+                    <p:cTn id="43" fill="hold">
+                      <p:stCondLst>
+                        <p:cond delay="indefinite"/>
+                      </p:stCondLst>
+                      <p:childTnLst>
+                        <p:par>
+                          <p:cTn id="44" fill="hold">
+                            <p:stCondLst>
+                              <p:cond delay="0"/>
+                            </p:stCondLst>
+                            <p:childTnLst>
+                              <p:par>
+                                <p:cTn id="45" presetID="1" presetClass="entr" presetSubtype="0" fill="hold" nodeType="clickEffect">
+                                  <p:stCondLst>
+                                    <p:cond delay="0"/>
+                                  </p:stCondLst>
+                                  <p:childTnLst>
+                                    <p:set>
+                                      <p:cBhvr>
+                                        <p:cTn id="46" dur="1" fill="hold">
+                                          <p:stCondLst>
+                                            <p:cond delay="0"/>
+                                          </p:stCondLst>
+                                        </p:cTn>
+                                        <p:tgtEl>
+                                          <p:spTgt spid="8">
+                                            <p:txEl>
                                               <p:pRg st="11" end="11"/>
                                             </p:txEl>
                                           </p:spTgt>
@@ -4975,14 +5769,14 @@
                                 </p:cTn>
                               </p:par>
                               <p:par>
-                                <p:cTn id="39" presetID="1" presetClass="entr" presetSubtype="0" fill="hold" nodeType="withEffect">
+                                <p:cTn id="47" presetID="1" presetClass="entr" presetSubtype="0" fill="hold" nodeType="withEffect">
                                   <p:stCondLst>
                                     <p:cond delay="0"/>
                                   </p:stCondLst>
                                   <p:childTnLst>
                                     <p:set>
                                       <p:cBhvr>
-                                        <p:cTn id="40" dur="1" fill="hold">
+                                        <p:cTn id="48" dur="1" fill="hold">
                                           <p:stCondLst>
                                             <p:cond delay="0"/>
                                           </p:stCondLst>
@@ -5012,26 +5806,26 @@
                     </p:cTn>
                   </p:par>
                   <p:par>
-                    <p:cTn id="41" fill="hold">
+                    <p:cTn id="49" fill="hold">
                       <p:stCondLst>
                         <p:cond delay="indefinite"/>
                       </p:stCondLst>
                       <p:childTnLst>
                         <p:par>
-                          <p:cTn id="42" fill="hold">
+                          <p:cTn id="50" fill="hold">
                             <p:stCondLst>
                               <p:cond delay="0"/>
                             </p:stCondLst>
                             <p:childTnLst>
                               <p:par>
-                                <p:cTn id="43" presetID="1" presetClass="entr" presetSubtype="0" fill="hold" nodeType="clickEffect">
+                                <p:cTn id="51" presetID="1" presetClass="entr" presetSubtype="0" fill="hold" nodeType="clickEffect">
                                   <p:stCondLst>
                                     <p:cond delay="0"/>
                                   </p:stCondLst>
                                   <p:childTnLst>
                                     <p:set>
                                       <p:cBhvr>
-                                        <p:cTn id="44" dur="1" fill="hold">
+                                        <p:cTn id="52" dur="1" fill="hold">
                                           <p:stCondLst>
                                             <p:cond delay="0"/>
                                           </p:stCondLst>
@@ -5081,11 +5875,15 @@
         </p:cTn>
       </p:par>
     </p:tnLst>
+    <p:bldLst>
+      <p:bldP spid="5" grpId="0" animBg="1"/>
+      <p:bldP spid="6" grpId="0" animBg="1"/>
+    </p:bldLst>
   </p:timing>
 </p:sld>
 </file>
 
-<file path=ppt/slides/slide11.xml><?xml version="1.0" encoding="utf-8"?>
+<file path=ppt/slides/slide12.xml><?xml version="1.0" encoding="utf-8"?>
 <p:sld xmlns:a="http://schemas.openxmlformats.org/drawingml/2006/main" xmlns:r="http://schemas.openxmlformats.org/officeDocument/2006/relationships" xmlns:p="http://schemas.openxmlformats.org/presentationml/2006/main">
   <p:cSld>
     <p:spTree>
@@ -5711,1182 +6509,6 @@
                                           <p:spTgt spid="3">
                                             <p:txEl>
                                               <p:pRg st="4" end="4"/>
-                                            </p:txEl>
-                                          </p:spTgt>
-                                        </p:tgtEl>
-                                        <p:attrNameLst>
-                                          <p:attrName>style.visibility</p:attrName>
-                                        </p:attrNameLst>
-                                      </p:cBhvr>
-                                      <p:to>
-                                        <p:strVal val="visible"/>
-                                      </p:to>
-                                    </p:set>
-                                  </p:childTnLst>
-                                </p:cTn>
-                              </p:par>
-                            </p:childTnLst>
-                          </p:cTn>
-                        </p:par>
-                      </p:childTnLst>
-                    </p:cTn>
-                  </p:par>
-                </p:childTnLst>
-              </p:cTn>
-              <p:prevCondLst>
-                <p:cond evt="onPrev" delay="0">
-                  <p:tgtEl>
-                    <p:sldTgt/>
-                  </p:tgtEl>
-                </p:cond>
-              </p:prevCondLst>
-              <p:nextCondLst>
-                <p:cond evt="onNext" delay="0">
-                  <p:tgtEl>
-                    <p:sldTgt/>
-                  </p:tgtEl>
-                </p:cond>
-              </p:nextCondLst>
-            </p:seq>
-          </p:childTnLst>
-        </p:cTn>
-      </p:par>
-    </p:tnLst>
-  </p:timing>
-</p:sld>
-</file>
-
-<file path=ppt/slides/slide12.xml><?xml version="1.0" encoding="utf-8"?>
-<p:sld xmlns:a="http://schemas.openxmlformats.org/drawingml/2006/main" xmlns:r="http://schemas.openxmlformats.org/officeDocument/2006/relationships" xmlns:p="http://schemas.openxmlformats.org/presentationml/2006/main">
-  <p:cSld>
-    <p:spTree>
-      <p:nvGrpSpPr>
-        <p:cNvPr id="1" name=""/>
-        <p:cNvGrpSpPr/>
-        <p:nvPr/>
-      </p:nvGrpSpPr>
-      <p:grpSpPr>
-        <a:xfrm>
-          <a:off x="0" y="0"/>
-          <a:ext cx="0" cy="0"/>
-          <a:chOff x="0" y="0"/>
-          <a:chExt cx="0" cy="0"/>
-        </a:xfrm>
-      </p:grpSpPr>
-      <p:sp>
-        <p:nvSpPr>
-          <p:cNvPr id="2" name="Title 1">
-            <a:extLst>
-              <a:ext uri="{FF2B5EF4-FFF2-40B4-BE49-F238E27FC236}">
-                <a16:creationId xmlns:a16="http://schemas.microsoft.com/office/drawing/2014/main" id="{E27FAF20-FFF6-4E47-84B4-50B14FD45DAA}"/>
-              </a:ext>
-            </a:extLst>
-          </p:cNvPr>
-          <p:cNvSpPr>
-            <a:spLocks noGrp="1"/>
-          </p:cNvSpPr>
-          <p:nvPr>
-            <p:ph type="title"/>
-          </p:nvPr>
-        </p:nvSpPr>
-        <p:spPr>
-          <a:xfrm>
-            <a:off x="838200" y="365125"/>
-            <a:ext cx="4510141" cy="1325563"/>
-          </a:xfrm>
-        </p:spPr>
-        <p:txBody>
-          <a:bodyPr>
-            <a:normAutofit/>
-          </a:bodyPr>
-          <a:lstStyle/>
-          <a:p>
-            <a:r>
-              <a:rPr lang="en-GB" sz="4000" b="1" dirty="0">
-                <a:latin typeface="Arial" panose="020B0604020202020204" pitchFamily="34" charset="0"/>
-                <a:cs typeface="Arial" panose="020B0604020202020204" pitchFamily="34" charset="0"/>
-              </a:rPr>
-              <a:t>Queries</a:t>
-            </a:r>
-          </a:p>
-        </p:txBody>
-      </p:sp>
-      <p:pic>
-        <p:nvPicPr>
-          <p:cNvPr id="4" name="Content Placeholder 3">
-            <a:extLst>
-              <a:ext uri="{FF2B5EF4-FFF2-40B4-BE49-F238E27FC236}">
-                <a16:creationId xmlns:a16="http://schemas.microsoft.com/office/drawing/2014/main" id="{ACE95CBC-E5E1-49DD-9724-70E2D65E1E1F}"/>
-              </a:ext>
-            </a:extLst>
-          </p:cNvPr>
-          <p:cNvPicPr>
-            <a:picLocks noGrp="1" noChangeAspect="1"/>
-          </p:cNvPicPr>
-          <p:nvPr>
-            <p:ph idx="1"/>
-          </p:nvPr>
-        </p:nvPicPr>
-        <p:blipFill>
-          <a:blip r:embed="rId3"/>
-          <a:stretch>
-            <a:fillRect/>
-          </a:stretch>
-        </p:blipFill>
-        <p:spPr>
-          <a:xfrm>
-            <a:off x="6790908" y="2575250"/>
-            <a:ext cx="3467100" cy="2381250"/>
-          </a:xfrm>
-          <a:prstGeom prst="rect">
-            <a:avLst/>
-          </a:prstGeom>
-        </p:spPr>
-      </p:pic>
-      <p:cxnSp>
-        <p:nvCxnSpPr>
-          <p:cNvPr id="8" name="Straight Arrow Connector 7">
-            <a:extLst>
-              <a:ext uri="{FF2B5EF4-FFF2-40B4-BE49-F238E27FC236}">
-                <a16:creationId xmlns:a16="http://schemas.microsoft.com/office/drawing/2014/main" id="{66DF41F3-C8D3-48C5-8B0A-CC8BD0BDB5F1}"/>
-              </a:ext>
-            </a:extLst>
-          </p:cNvPr>
-          <p:cNvCxnSpPr>
-            <a:cxnSpLocks/>
-            <a:stCxn id="9" idx="2"/>
-          </p:cNvCxnSpPr>
-          <p:nvPr/>
-        </p:nvCxnSpPr>
-        <p:spPr>
-          <a:xfrm>
-            <a:off x="6996158" y="1273345"/>
-            <a:ext cx="2520" cy="1329178"/>
-          </a:xfrm>
-          <a:prstGeom prst="straightConnector1">
-            <a:avLst/>
-          </a:prstGeom>
-          <a:ln>
-            <a:tailEnd type="triangle"/>
-          </a:ln>
-        </p:spPr>
-        <p:style>
-          <a:lnRef idx="1">
-            <a:schemeClr val="accent1"/>
-          </a:lnRef>
-          <a:fillRef idx="0">
-            <a:schemeClr val="accent1"/>
-          </a:fillRef>
-          <a:effectRef idx="0">
-            <a:schemeClr val="accent1"/>
-          </a:effectRef>
-          <a:fontRef idx="minor">
-            <a:schemeClr val="tx1"/>
-          </a:fontRef>
-        </p:style>
-      </p:cxnSp>
-      <p:sp>
-        <p:nvSpPr>
-          <p:cNvPr id="9" name="TextBox 8">
-            <a:extLst>
-              <a:ext uri="{FF2B5EF4-FFF2-40B4-BE49-F238E27FC236}">
-                <a16:creationId xmlns:a16="http://schemas.microsoft.com/office/drawing/2014/main" id="{D7B05566-AD28-4C67-A322-9388DC979211}"/>
-              </a:ext>
-            </a:extLst>
-          </p:cNvPr>
-          <p:cNvSpPr txBox="1"/>
-          <p:nvPr/>
-        </p:nvSpPr>
-        <p:spPr>
-          <a:xfrm>
-            <a:off x="6008915" y="904013"/>
-            <a:ext cx="1974485" cy="369332"/>
-          </a:xfrm>
-          <a:prstGeom prst="rect">
-            <a:avLst/>
-          </a:prstGeom>
-          <a:noFill/>
-        </p:spPr>
-        <p:txBody>
-          <a:bodyPr wrap="square" rtlCol="0">
-            <a:spAutoFit/>
-          </a:bodyPr>
-          <a:lstStyle/>
-          <a:p>
-            <a:r>
-              <a:rPr lang="en-GB" b="1" dirty="0">
-                <a:latin typeface="Arial" panose="020B0604020202020204" pitchFamily="34" charset="0"/>
-                <a:cs typeface="Arial" panose="020B0604020202020204" pitchFamily="34" charset="0"/>
-              </a:rPr>
-              <a:t>Operation Type</a:t>
-            </a:r>
-          </a:p>
-        </p:txBody>
-      </p:sp>
-      <p:cxnSp>
-        <p:nvCxnSpPr>
-          <p:cNvPr id="11" name="Straight Arrow Connector 10">
-            <a:extLst>
-              <a:ext uri="{FF2B5EF4-FFF2-40B4-BE49-F238E27FC236}">
-                <a16:creationId xmlns:a16="http://schemas.microsoft.com/office/drawing/2014/main" id="{A78E6112-6415-4F21-98EC-B5DD9B2F92D5}"/>
-              </a:ext>
-            </a:extLst>
-          </p:cNvPr>
-          <p:cNvCxnSpPr>
-            <a:cxnSpLocks/>
-          </p:cNvCxnSpPr>
-          <p:nvPr/>
-        </p:nvCxnSpPr>
-        <p:spPr>
-          <a:xfrm>
-            <a:off x="7860323" y="1690688"/>
-            <a:ext cx="0" cy="902147"/>
-          </a:xfrm>
-          <a:prstGeom prst="straightConnector1">
-            <a:avLst/>
-          </a:prstGeom>
-          <a:ln>
-            <a:tailEnd type="triangle"/>
-          </a:ln>
-        </p:spPr>
-        <p:style>
-          <a:lnRef idx="1">
-            <a:schemeClr val="accent1"/>
-          </a:lnRef>
-          <a:fillRef idx="0">
-            <a:schemeClr val="accent1"/>
-          </a:fillRef>
-          <a:effectRef idx="0">
-            <a:schemeClr val="accent1"/>
-          </a:effectRef>
-          <a:fontRef idx="minor">
-            <a:schemeClr val="tx1"/>
-          </a:fontRef>
-        </p:style>
-      </p:cxnSp>
-      <p:sp>
-        <p:nvSpPr>
-          <p:cNvPr id="12" name="TextBox 11">
-            <a:extLst>
-              <a:ext uri="{FF2B5EF4-FFF2-40B4-BE49-F238E27FC236}">
-                <a16:creationId xmlns:a16="http://schemas.microsoft.com/office/drawing/2014/main" id="{6D0F6A8A-452B-4636-975C-8853468D9682}"/>
-              </a:ext>
-            </a:extLst>
-          </p:cNvPr>
-          <p:cNvSpPr txBox="1"/>
-          <p:nvPr/>
-        </p:nvSpPr>
-        <p:spPr>
-          <a:xfrm>
-            <a:off x="7498737" y="1326200"/>
-            <a:ext cx="2053339" cy="369332"/>
-          </a:xfrm>
-          <a:prstGeom prst="rect">
-            <a:avLst/>
-          </a:prstGeom>
-          <a:noFill/>
-        </p:spPr>
-        <p:txBody>
-          <a:bodyPr wrap="square" rtlCol="0">
-            <a:spAutoFit/>
-          </a:bodyPr>
-          <a:lstStyle/>
-          <a:p>
-            <a:r>
-              <a:rPr lang="en-GB" b="1" dirty="0">
-                <a:latin typeface="Arial" panose="020B0604020202020204" pitchFamily="34" charset="0"/>
-                <a:cs typeface="Arial" panose="020B0604020202020204" pitchFamily="34" charset="0"/>
-              </a:rPr>
-              <a:t>Operation name</a:t>
-            </a:r>
-          </a:p>
-        </p:txBody>
-      </p:sp>
-      <p:cxnSp>
-        <p:nvCxnSpPr>
-          <p:cNvPr id="16" name="Straight Arrow Connector 15">
-            <a:extLst>
-              <a:ext uri="{FF2B5EF4-FFF2-40B4-BE49-F238E27FC236}">
-                <a16:creationId xmlns:a16="http://schemas.microsoft.com/office/drawing/2014/main" id="{59FAE0AC-14A9-4EF2-B0F7-BA649C5A354E}"/>
-              </a:ext>
-            </a:extLst>
-          </p:cNvPr>
-          <p:cNvCxnSpPr/>
-          <p:nvPr/>
-        </p:nvCxnSpPr>
-        <p:spPr>
-          <a:xfrm>
-            <a:off x="9135208" y="2141761"/>
-            <a:ext cx="0" cy="460762"/>
-          </a:xfrm>
-          <a:prstGeom prst="straightConnector1">
-            <a:avLst/>
-          </a:prstGeom>
-          <a:ln>
-            <a:tailEnd type="triangle"/>
-          </a:ln>
-        </p:spPr>
-        <p:style>
-          <a:lnRef idx="1">
-            <a:schemeClr val="accent1"/>
-          </a:lnRef>
-          <a:fillRef idx="0">
-            <a:schemeClr val="accent1"/>
-          </a:fillRef>
-          <a:effectRef idx="0">
-            <a:schemeClr val="accent1"/>
-          </a:effectRef>
-          <a:fontRef idx="minor">
-            <a:schemeClr val="tx1"/>
-          </a:fontRef>
-        </p:style>
-      </p:cxnSp>
-      <p:sp>
-        <p:nvSpPr>
-          <p:cNvPr id="17" name="TextBox 16">
-            <a:extLst>
-              <a:ext uri="{FF2B5EF4-FFF2-40B4-BE49-F238E27FC236}">
-                <a16:creationId xmlns:a16="http://schemas.microsoft.com/office/drawing/2014/main" id="{5232AD55-A07E-406F-BC6B-61154BE0F653}"/>
-              </a:ext>
-            </a:extLst>
-          </p:cNvPr>
-          <p:cNvSpPr txBox="1"/>
-          <p:nvPr/>
-        </p:nvSpPr>
-        <p:spPr>
-          <a:xfrm>
-            <a:off x="8998101" y="1777274"/>
-            <a:ext cx="2519815" cy="369332"/>
-          </a:xfrm>
-          <a:prstGeom prst="rect">
-            <a:avLst/>
-          </a:prstGeom>
-          <a:noFill/>
-        </p:spPr>
-        <p:txBody>
-          <a:bodyPr wrap="square" rtlCol="0">
-            <a:spAutoFit/>
-          </a:bodyPr>
-          <a:lstStyle/>
-          <a:p>
-            <a:r>
-              <a:rPr lang="en-GB" b="1" dirty="0">
-                <a:latin typeface="Arial" panose="020B0604020202020204" pitchFamily="34" charset="0"/>
-                <a:cs typeface="Arial" panose="020B0604020202020204" pitchFamily="34" charset="0"/>
-              </a:rPr>
-              <a:t>Variable Definitions</a:t>
-            </a:r>
-          </a:p>
-        </p:txBody>
-      </p:sp>
-      <p:sp>
-        <p:nvSpPr>
-          <p:cNvPr id="18" name="Left Brace 17">
-            <a:extLst>
-              <a:ext uri="{FF2B5EF4-FFF2-40B4-BE49-F238E27FC236}">
-                <a16:creationId xmlns:a16="http://schemas.microsoft.com/office/drawing/2014/main" id="{4C632083-2939-4227-8EDB-B7D99BE6CF11}"/>
-              </a:ext>
-            </a:extLst>
-          </p:cNvPr>
-          <p:cNvSpPr/>
-          <p:nvPr/>
-        </p:nvSpPr>
-        <p:spPr>
-          <a:xfrm>
-            <a:off x="7288822" y="3288323"/>
-            <a:ext cx="137863" cy="1055077"/>
-          </a:xfrm>
-          <a:prstGeom prst="leftBrace">
-            <a:avLst/>
-          </a:prstGeom>
-        </p:spPr>
-        <p:style>
-          <a:lnRef idx="1">
-            <a:schemeClr val="accent1"/>
-          </a:lnRef>
-          <a:fillRef idx="0">
-            <a:schemeClr val="accent1"/>
-          </a:fillRef>
-          <a:effectRef idx="0">
-            <a:schemeClr val="accent1"/>
-          </a:effectRef>
-          <a:fontRef idx="minor">
-            <a:schemeClr val="tx1"/>
-          </a:fontRef>
-        </p:style>
-        <p:txBody>
-          <a:bodyPr rtlCol="0" anchor="ctr"/>
-          <a:lstStyle/>
-          <a:p>
-            <a:pPr algn="ctr"/>
-            <a:endParaRPr lang="en-GB"/>
-          </a:p>
-        </p:txBody>
-      </p:sp>
-      <p:cxnSp>
-        <p:nvCxnSpPr>
-          <p:cNvPr id="20" name="Straight Arrow Connector 19">
-            <a:extLst>
-              <a:ext uri="{FF2B5EF4-FFF2-40B4-BE49-F238E27FC236}">
-                <a16:creationId xmlns:a16="http://schemas.microsoft.com/office/drawing/2014/main" id="{791E28C2-BC74-4DEC-9725-E661BDA2BAA2}"/>
-              </a:ext>
-            </a:extLst>
-          </p:cNvPr>
-          <p:cNvCxnSpPr>
-            <a:cxnSpLocks/>
-          </p:cNvCxnSpPr>
-          <p:nvPr/>
-        </p:nvCxnSpPr>
-        <p:spPr>
-          <a:xfrm>
-            <a:off x="6383215" y="3815862"/>
-            <a:ext cx="1043470" cy="0"/>
-          </a:xfrm>
-          <a:prstGeom prst="straightConnector1">
-            <a:avLst/>
-          </a:prstGeom>
-          <a:ln>
-            <a:tailEnd type="triangle"/>
-          </a:ln>
-        </p:spPr>
-        <p:style>
-          <a:lnRef idx="1">
-            <a:schemeClr val="accent1"/>
-          </a:lnRef>
-          <a:fillRef idx="0">
-            <a:schemeClr val="accent1"/>
-          </a:fillRef>
-          <a:effectRef idx="0">
-            <a:schemeClr val="accent1"/>
-          </a:effectRef>
-          <a:fontRef idx="minor">
-            <a:schemeClr val="tx1"/>
-          </a:fontRef>
-        </p:style>
-      </p:cxnSp>
-      <p:sp>
-        <p:nvSpPr>
-          <p:cNvPr id="25" name="TextBox 24">
-            <a:extLst>
-              <a:ext uri="{FF2B5EF4-FFF2-40B4-BE49-F238E27FC236}">
-                <a16:creationId xmlns:a16="http://schemas.microsoft.com/office/drawing/2014/main" id="{C5EC9195-7396-43E9-B8D8-EAAC12A5DC5B}"/>
-              </a:ext>
-            </a:extLst>
-          </p:cNvPr>
-          <p:cNvSpPr txBox="1"/>
-          <p:nvPr/>
-        </p:nvSpPr>
-        <p:spPr>
-          <a:xfrm>
-            <a:off x="5401093" y="3631195"/>
-            <a:ext cx="885452" cy="369332"/>
-          </a:xfrm>
-          <a:prstGeom prst="rect">
-            <a:avLst/>
-          </a:prstGeom>
-          <a:noFill/>
-        </p:spPr>
-        <p:txBody>
-          <a:bodyPr wrap="square" rtlCol="0">
-            <a:spAutoFit/>
-          </a:bodyPr>
-          <a:lstStyle/>
-          <a:p>
-            <a:r>
-              <a:rPr lang="en-GB" b="1" dirty="0">
-                <a:latin typeface="Arial" panose="020B0604020202020204" pitchFamily="34" charset="0"/>
-                <a:cs typeface="Arial" panose="020B0604020202020204" pitchFamily="34" charset="0"/>
-              </a:rPr>
-              <a:t>Fields</a:t>
-            </a:r>
-          </a:p>
-        </p:txBody>
-      </p:sp>
-      <p:sp>
-        <p:nvSpPr>
-          <p:cNvPr id="26" name="TextBox 25">
-            <a:extLst>
-              <a:ext uri="{FF2B5EF4-FFF2-40B4-BE49-F238E27FC236}">
-                <a16:creationId xmlns:a16="http://schemas.microsoft.com/office/drawing/2014/main" id="{F4D70436-4062-41B3-9AB5-4E18999E1AEA}"/>
-              </a:ext>
-            </a:extLst>
-          </p:cNvPr>
-          <p:cNvSpPr txBox="1"/>
-          <p:nvPr/>
-        </p:nvSpPr>
-        <p:spPr>
-          <a:xfrm>
-            <a:off x="476982" y="1690686"/>
-            <a:ext cx="4301628" cy="3970318"/>
-          </a:xfrm>
-          <a:prstGeom prst="rect">
-            <a:avLst/>
-          </a:prstGeom>
-          <a:noFill/>
-        </p:spPr>
-        <p:txBody>
-          <a:bodyPr wrap="square" rtlCol="0">
-            <a:spAutoFit/>
-          </a:bodyPr>
-          <a:lstStyle/>
-          <a:p>
-            <a:pPr marL="285750" indent="-285750">
-              <a:buFont typeface="Arial" panose="020B0604020202020204" pitchFamily="34" charset="0"/>
-              <a:buChar char="•"/>
-            </a:pPr>
-            <a:r>
-              <a:rPr lang="en-GB" b="1" dirty="0">
-                <a:latin typeface="Arial" panose="020B0604020202020204" pitchFamily="34" charset="0"/>
-                <a:cs typeface="Arial" panose="020B0604020202020204" pitchFamily="34" charset="0"/>
-              </a:rPr>
-              <a:t>Operation type</a:t>
-            </a:r>
-            <a:r>
-              <a:rPr lang="en-GB" dirty="0">
-                <a:latin typeface="Arial" panose="020B0604020202020204" pitchFamily="34" charset="0"/>
-                <a:cs typeface="Arial" panose="020B0604020202020204" pitchFamily="34" charset="0"/>
-              </a:rPr>
-              <a:t>: either a query, mutation or subscription</a:t>
-            </a:r>
-          </a:p>
-          <a:p>
-            <a:pPr marL="285750" indent="-285750">
-              <a:buFont typeface="Arial" panose="020B0604020202020204" pitchFamily="34" charset="0"/>
-              <a:buChar char="•"/>
-            </a:pPr>
-            <a:endParaRPr lang="en-GB" dirty="0">
-              <a:latin typeface="Arial" panose="020B0604020202020204" pitchFamily="34" charset="0"/>
-              <a:cs typeface="Arial" panose="020B0604020202020204" pitchFamily="34" charset="0"/>
-            </a:endParaRPr>
-          </a:p>
-          <a:p>
-            <a:pPr marL="285750" indent="-285750">
-              <a:buFont typeface="Arial" panose="020B0604020202020204" pitchFamily="34" charset="0"/>
-              <a:buChar char="•"/>
-            </a:pPr>
-            <a:r>
-              <a:rPr lang="en-GB" b="1" dirty="0">
-                <a:latin typeface="Arial" panose="020B0604020202020204" pitchFamily="34" charset="0"/>
-                <a:cs typeface="Arial" panose="020B0604020202020204" pitchFamily="34" charset="0"/>
-              </a:rPr>
-              <a:t>Operation name: </a:t>
-            </a:r>
-            <a:r>
-              <a:rPr lang="en-GB" dirty="0">
-                <a:latin typeface="Arial" panose="020B0604020202020204" pitchFamily="34" charset="0"/>
-                <a:cs typeface="Arial" panose="020B0604020202020204" pitchFamily="34" charset="0"/>
-              </a:rPr>
-              <a:t>Optional but</a:t>
-            </a:r>
-            <a:r>
-              <a:rPr lang="en-GB" b="1" dirty="0">
-                <a:latin typeface="Arial" panose="020B0604020202020204" pitchFamily="34" charset="0"/>
-                <a:cs typeface="Arial" panose="020B0604020202020204" pitchFamily="34" charset="0"/>
-              </a:rPr>
-              <a:t> </a:t>
-            </a:r>
-            <a:r>
-              <a:rPr lang="en-GB" dirty="0">
-                <a:latin typeface="Arial" panose="020B0604020202020204" pitchFamily="34" charset="0"/>
-                <a:cs typeface="Arial" panose="020B0604020202020204" pitchFamily="34" charset="0"/>
-              </a:rPr>
-              <a:t>for debugging and server-side logging reasons, it’s useful to give your queries meaningful names.</a:t>
-            </a:r>
-          </a:p>
-          <a:p>
-            <a:pPr marL="285750" indent="-285750">
-              <a:buFont typeface="Arial" panose="020B0604020202020204" pitchFamily="34" charset="0"/>
-              <a:buChar char="•"/>
-            </a:pPr>
-            <a:endParaRPr lang="en-GB" dirty="0">
-              <a:latin typeface="Arial" panose="020B0604020202020204" pitchFamily="34" charset="0"/>
-              <a:cs typeface="Arial" panose="020B0604020202020204" pitchFamily="34" charset="0"/>
-            </a:endParaRPr>
-          </a:p>
-          <a:p>
-            <a:pPr marL="285750" indent="-285750">
-              <a:buFont typeface="Arial" panose="020B0604020202020204" pitchFamily="34" charset="0"/>
-              <a:buChar char="•"/>
-            </a:pPr>
-            <a:r>
-              <a:rPr lang="en-GB" b="1" dirty="0">
-                <a:latin typeface="Arial" panose="020B0604020202020204" pitchFamily="34" charset="0"/>
-                <a:cs typeface="Arial" panose="020B0604020202020204" pitchFamily="34" charset="0"/>
-              </a:rPr>
-              <a:t>Variable Definitions: </a:t>
-            </a:r>
-            <a:r>
-              <a:rPr lang="en-GB" dirty="0">
-                <a:latin typeface="Arial" panose="020B0604020202020204" pitchFamily="34" charset="0"/>
-                <a:cs typeface="Arial" panose="020B0604020202020204" pitchFamily="34" charset="0"/>
-              </a:rPr>
-              <a:t>where you declare the types of variables you are planning to provide</a:t>
-            </a:r>
-          </a:p>
-          <a:p>
-            <a:pPr marL="285750" indent="-285750">
-              <a:buFont typeface="Arial" panose="020B0604020202020204" pitchFamily="34" charset="0"/>
-              <a:buChar char="•"/>
-            </a:pPr>
-            <a:endParaRPr lang="en-GB" dirty="0">
-              <a:latin typeface="Arial" panose="020B0604020202020204" pitchFamily="34" charset="0"/>
-              <a:cs typeface="Arial" panose="020B0604020202020204" pitchFamily="34" charset="0"/>
-            </a:endParaRPr>
-          </a:p>
-          <a:p>
-            <a:pPr marL="285750" indent="-285750">
-              <a:buFont typeface="Arial" panose="020B0604020202020204" pitchFamily="34" charset="0"/>
-              <a:buChar char="•"/>
-            </a:pPr>
-            <a:r>
-              <a:rPr lang="en-GB" b="1" dirty="0">
-                <a:latin typeface="Arial" panose="020B0604020202020204" pitchFamily="34" charset="0"/>
-                <a:cs typeface="Arial" panose="020B0604020202020204" pitchFamily="34" charset="0"/>
-              </a:rPr>
-              <a:t>Fields: </a:t>
-            </a:r>
-            <a:r>
-              <a:rPr lang="en-GB" dirty="0">
-                <a:latin typeface="Arial" panose="020B0604020202020204" pitchFamily="34" charset="0"/>
-                <a:cs typeface="Arial" panose="020B0604020202020204" pitchFamily="34" charset="0"/>
-              </a:rPr>
-              <a:t>What data we want returned from query</a:t>
-            </a:r>
-          </a:p>
-        </p:txBody>
-      </p:sp>
-      <p:cxnSp>
-        <p:nvCxnSpPr>
-          <p:cNvPr id="28" name="Straight Arrow Connector 27">
-            <a:extLst>
-              <a:ext uri="{FF2B5EF4-FFF2-40B4-BE49-F238E27FC236}">
-                <a16:creationId xmlns:a16="http://schemas.microsoft.com/office/drawing/2014/main" id="{6936F1BE-EF40-4FE7-AF97-18183C2DF889}"/>
-              </a:ext>
-            </a:extLst>
-          </p:cNvPr>
-          <p:cNvCxnSpPr>
-            <a:cxnSpLocks/>
-          </p:cNvCxnSpPr>
-          <p:nvPr/>
-        </p:nvCxnSpPr>
-        <p:spPr>
-          <a:xfrm flipV="1">
-            <a:off x="6383215" y="3121848"/>
-            <a:ext cx="817784" cy="8214"/>
-          </a:xfrm>
-          <a:prstGeom prst="straightConnector1">
-            <a:avLst/>
-          </a:prstGeom>
-          <a:ln>
-            <a:tailEnd type="triangle"/>
-          </a:ln>
-        </p:spPr>
-        <p:style>
-          <a:lnRef idx="1">
-            <a:schemeClr val="accent1"/>
-          </a:lnRef>
-          <a:fillRef idx="0">
-            <a:schemeClr val="accent1"/>
-          </a:fillRef>
-          <a:effectRef idx="0">
-            <a:schemeClr val="accent1"/>
-          </a:effectRef>
-          <a:fontRef idx="minor">
-            <a:schemeClr val="tx1"/>
-          </a:fontRef>
-        </p:style>
-      </p:cxnSp>
-      <p:sp>
-        <p:nvSpPr>
-          <p:cNvPr id="31" name="TextBox 30">
-            <a:extLst>
-              <a:ext uri="{FF2B5EF4-FFF2-40B4-BE49-F238E27FC236}">
-                <a16:creationId xmlns:a16="http://schemas.microsoft.com/office/drawing/2014/main" id="{DADFE7A5-8162-477E-89C1-507970D8E716}"/>
-              </a:ext>
-            </a:extLst>
-          </p:cNvPr>
-          <p:cNvSpPr txBox="1"/>
-          <p:nvPr/>
-        </p:nvSpPr>
-        <p:spPr>
-          <a:xfrm>
-            <a:off x="5317640" y="2410725"/>
-            <a:ext cx="1292475" cy="1200329"/>
-          </a:xfrm>
-          <a:prstGeom prst="rect">
-            <a:avLst/>
-          </a:prstGeom>
-          <a:noFill/>
-        </p:spPr>
-        <p:txBody>
-          <a:bodyPr wrap="square" rtlCol="0">
-            <a:spAutoFit/>
-          </a:bodyPr>
-          <a:lstStyle/>
-          <a:p>
-            <a:r>
-              <a:rPr lang="en-GB" b="1" dirty="0">
-                <a:latin typeface="Arial" panose="020B0604020202020204" pitchFamily="34" charset="0"/>
-                <a:cs typeface="Arial" panose="020B0604020202020204" pitchFamily="34" charset="0"/>
-              </a:rPr>
-              <a:t>Query to run on </a:t>
-            </a:r>
-            <a:r>
-              <a:rPr lang="en-GB" b="1" dirty="0" err="1">
-                <a:latin typeface="Arial" panose="020B0604020202020204" pitchFamily="34" charset="0"/>
-                <a:cs typeface="Arial" panose="020B0604020202020204" pitchFamily="34" charset="0"/>
-              </a:rPr>
-              <a:t>GraphQL</a:t>
-            </a:r>
-            <a:r>
-              <a:rPr lang="en-GB" b="1" dirty="0">
-                <a:latin typeface="Arial" panose="020B0604020202020204" pitchFamily="34" charset="0"/>
-                <a:cs typeface="Arial" panose="020B0604020202020204" pitchFamily="34" charset="0"/>
-              </a:rPr>
-              <a:t> Server</a:t>
-            </a:r>
-          </a:p>
-        </p:txBody>
-      </p:sp>
-    </p:spTree>
-    <p:extLst>
-      <p:ext uri="{BB962C8B-B14F-4D97-AF65-F5344CB8AC3E}">
-        <p14:creationId xmlns:p14="http://schemas.microsoft.com/office/powerpoint/2010/main" val="2625303275"/>
-      </p:ext>
-    </p:extLst>
-  </p:cSld>
-  <p:clrMapOvr>
-    <a:masterClrMapping/>
-  </p:clrMapOvr>
-  <p:timing>
-    <p:tnLst>
-      <p:par>
-        <p:cTn id="1" dur="indefinite" restart="never" nodeType="tmRoot">
-          <p:childTnLst>
-            <p:seq concurrent="1" nextAc="seek">
-              <p:cTn id="2" dur="indefinite" nodeType="mainSeq">
-                <p:childTnLst>
-                  <p:par>
-                    <p:cTn id="3" fill="hold">
-                      <p:stCondLst>
-                        <p:cond delay="indefinite"/>
-                      </p:stCondLst>
-                      <p:childTnLst>
-                        <p:par>
-                          <p:cTn id="4" fill="hold">
-                            <p:stCondLst>
-                              <p:cond delay="0"/>
-                            </p:stCondLst>
-                            <p:childTnLst>
-                              <p:par>
-                                <p:cTn id="5" presetID="1" presetClass="entr" presetSubtype="0" fill="hold" nodeType="clickEffect">
-                                  <p:stCondLst>
-                                    <p:cond delay="0"/>
-                                  </p:stCondLst>
-                                  <p:childTnLst>
-                                    <p:set>
-                                      <p:cBhvr>
-                                        <p:cTn id="6" dur="1" fill="hold">
-                                          <p:stCondLst>
-                                            <p:cond delay="0"/>
-                                          </p:stCondLst>
-                                        </p:cTn>
-                                        <p:tgtEl>
-                                          <p:spTgt spid="9">
-                                            <p:txEl>
-                                              <p:pRg st="0" end="0"/>
-                                            </p:txEl>
-                                          </p:spTgt>
-                                        </p:tgtEl>
-                                        <p:attrNameLst>
-                                          <p:attrName>style.visibility</p:attrName>
-                                        </p:attrNameLst>
-                                      </p:cBhvr>
-                                      <p:to>
-                                        <p:strVal val="visible"/>
-                                      </p:to>
-                                    </p:set>
-                                  </p:childTnLst>
-                                </p:cTn>
-                              </p:par>
-                            </p:childTnLst>
-                          </p:cTn>
-                        </p:par>
-                      </p:childTnLst>
-                    </p:cTn>
-                  </p:par>
-                  <p:par>
-                    <p:cTn id="7" fill="hold">
-                      <p:stCondLst>
-                        <p:cond delay="indefinite"/>
-                      </p:stCondLst>
-                      <p:childTnLst>
-                        <p:par>
-                          <p:cTn id="8" fill="hold">
-                            <p:stCondLst>
-                              <p:cond delay="0"/>
-                            </p:stCondLst>
-                            <p:childTnLst>
-                              <p:par>
-                                <p:cTn id="9" presetID="1" presetClass="entr" presetSubtype="0" fill="hold" nodeType="clickEffect">
-                                  <p:stCondLst>
-                                    <p:cond delay="0"/>
-                                  </p:stCondLst>
-                                  <p:childTnLst>
-                                    <p:set>
-                                      <p:cBhvr>
-                                        <p:cTn id="10" dur="1" fill="hold">
-                                          <p:stCondLst>
-                                            <p:cond delay="0"/>
-                                          </p:stCondLst>
-                                        </p:cTn>
-                                        <p:tgtEl>
-                                          <p:spTgt spid="26">
-                                            <p:txEl>
-                                              <p:pRg st="0" end="0"/>
-                                            </p:txEl>
-                                          </p:spTgt>
-                                        </p:tgtEl>
-                                        <p:attrNameLst>
-                                          <p:attrName>style.visibility</p:attrName>
-                                        </p:attrNameLst>
-                                      </p:cBhvr>
-                                      <p:to>
-                                        <p:strVal val="visible"/>
-                                      </p:to>
-                                    </p:set>
-                                  </p:childTnLst>
-                                </p:cTn>
-                              </p:par>
-                            </p:childTnLst>
-                          </p:cTn>
-                        </p:par>
-                      </p:childTnLst>
-                    </p:cTn>
-                  </p:par>
-                  <p:par>
-                    <p:cTn id="11" fill="hold">
-                      <p:stCondLst>
-                        <p:cond delay="indefinite"/>
-                      </p:stCondLst>
-                      <p:childTnLst>
-                        <p:par>
-                          <p:cTn id="12" fill="hold">
-                            <p:stCondLst>
-                              <p:cond delay="0"/>
-                            </p:stCondLst>
-                            <p:childTnLst>
-                              <p:par>
-                                <p:cTn id="13" presetID="1" presetClass="entr" presetSubtype="0" fill="hold" nodeType="clickEffect">
-                                  <p:stCondLst>
-                                    <p:cond delay="0"/>
-                                  </p:stCondLst>
-                                  <p:childTnLst>
-                                    <p:set>
-                                      <p:cBhvr>
-                                        <p:cTn id="14" dur="1" fill="hold">
-                                          <p:stCondLst>
-                                            <p:cond delay="0"/>
-                                          </p:stCondLst>
-                                        </p:cTn>
-                                        <p:tgtEl>
-                                          <p:spTgt spid="31">
-                                            <p:txEl>
-                                              <p:pRg st="0" end="0"/>
-                                            </p:txEl>
-                                          </p:spTgt>
-                                        </p:tgtEl>
-                                        <p:attrNameLst>
-                                          <p:attrName>style.visibility</p:attrName>
-                                        </p:attrNameLst>
-                                      </p:cBhvr>
-                                      <p:to>
-                                        <p:strVal val="visible"/>
-                                      </p:to>
-                                    </p:set>
-                                  </p:childTnLst>
-                                </p:cTn>
-                              </p:par>
-                            </p:childTnLst>
-                          </p:cTn>
-                        </p:par>
-                      </p:childTnLst>
-                    </p:cTn>
-                  </p:par>
-                  <p:par>
-                    <p:cTn id="15" fill="hold">
-                      <p:stCondLst>
-                        <p:cond delay="indefinite"/>
-                      </p:stCondLst>
-                      <p:childTnLst>
-                        <p:par>
-                          <p:cTn id="16" fill="hold">
-                            <p:stCondLst>
-                              <p:cond delay="0"/>
-                            </p:stCondLst>
-                            <p:childTnLst>
-                              <p:par>
-                                <p:cTn id="17" presetID="1" presetClass="entr" presetSubtype="0" fill="hold" nodeType="clickEffect">
-                                  <p:stCondLst>
-                                    <p:cond delay="0"/>
-                                  </p:stCondLst>
-                                  <p:childTnLst>
-                                    <p:set>
-                                      <p:cBhvr>
-                                        <p:cTn id="18" dur="1" fill="hold">
-                                          <p:stCondLst>
-                                            <p:cond delay="0"/>
-                                          </p:stCondLst>
-                                        </p:cTn>
-                                        <p:tgtEl>
-                                          <p:spTgt spid="12">
-                                            <p:txEl>
-                                              <p:pRg st="0" end="0"/>
-                                            </p:txEl>
-                                          </p:spTgt>
-                                        </p:tgtEl>
-                                        <p:attrNameLst>
-                                          <p:attrName>style.visibility</p:attrName>
-                                        </p:attrNameLst>
-                                      </p:cBhvr>
-                                      <p:to>
-                                        <p:strVal val="visible"/>
-                                      </p:to>
-                                    </p:set>
-                                  </p:childTnLst>
-                                </p:cTn>
-                              </p:par>
-                            </p:childTnLst>
-                          </p:cTn>
-                        </p:par>
-                      </p:childTnLst>
-                    </p:cTn>
-                  </p:par>
-                  <p:par>
-                    <p:cTn id="19" fill="hold">
-                      <p:stCondLst>
-                        <p:cond delay="indefinite"/>
-                      </p:stCondLst>
-                      <p:childTnLst>
-                        <p:par>
-                          <p:cTn id="20" fill="hold">
-                            <p:stCondLst>
-                              <p:cond delay="0"/>
-                            </p:stCondLst>
-                            <p:childTnLst>
-                              <p:par>
-                                <p:cTn id="21" presetID="1" presetClass="entr" presetSubtype="0" fill="hold" nodeType="clickEffect">
-                                  <p:stCondLst>
-                                    <p:cond delay="0"/>
-                                  </p:stCondLst>
-                                  <p:childTnLst>
-                                    <p:set>
-                                      <p:cBhvr>
-                                        <p:cTn id="22" dur="1" fill="hold">
-                                          <p:stCondLst>
-                                            <p:cond delay="0"/>
-                                          </p:stCondLst>
-                                        </p:cTn>
-                                        <p:tgtEl>
-                                          <p:spTgt spid="26">
-                                            <p:txEl>
-                                              <p:pRg st="2" end="2"/>
-                                            </p:txEl>
-                                          </p:spTgt>
-                                        </p:tgtEl>
-                                        <p:attrNameLst>
-                                          <p:attrName>style.visibility</p:attrName>
-                                        </p:attrNameLst>
-                                      </p:cBhvr>
-                                      <p:to>
-                                        <p:strVal val="visible"/>
-                                      </p:to>
-                                    </p:set>
-                                  </p:childTnLst>
-                                </p:cTn>
-                              </p:par>
-                            </p:childTnLst>
-                          </p:cTn>
-                        </p:par>
-                      </p:childTnLst>
-                    </p:cTn>
-                  </p:par>
-                  <p:par>
-                    <p:cTn id="23" fill="hold">
-                      <p:stCondLst>
-                        <p:cond delay="indefinite"/>
-                      </p:stCondLst>
-                      <p:childTnLst>
-                        <p:par>
-                          <p:cTn id="24" fill="hold">
-                            <p:stCondLst>
-                              <p:cond delay="0"/>
-                            </p:stCondLst>
-                            <p:childTnLst>
-                              <p:par>
-                                <p:cTn id="25" presetID="1" presetClass="entr" presetSubtype="0" fill="hold" nodeType="clickEffect">
-                                  <p:stCondLst>
-                                    <p:cond delay="0"/>
-                                  </p:stCondLst>
-                                  <p:childTnLst>
-                                    <p:set>
-                                      <p:cBhvr>
-                                        <p:cTn id="26" dur="1" fill="hold">
-                                          <p:stCondLst>
-                                            <p:cond delay="0"/>
-                                          </p:stCondLst>
-                                        </p:cTn>
-                                        <p:tgtEl>
-                                          <p:spTgt spid="17">
-                                            <p:txEl>
-                                              <p:pRg st="0" end="0"/>
-                                            </p:txEl>
-                                          </p:spTgt>
-                                        </p:tgtEl>
-                                        <p:attrNameLst>
-                                          <p:attrName>style.visibility</p:attrName>
-                                        </p:attrNameLst>
-                                      </p:cBhvr>
-                                      <p:to>
-                                        <p:strVal val="visible"/>
-                                      </p:to>
-                                    </p:set>
-                                  </p:childTnLst>
-                                </p:cTn>
-                              </p:par>
-                            </p:childTnLst>
-                          </p:cTn>
-                        </p:par>
-                      </p:childTnLst>
-                    </p:cTn>
-                  </p:par>
-                  <p:par>
-                    <p:cTn id="27" fill="hold">
-                      <p:stCondLst>
-                        <p:cond delay="indefinite"/>
-                      </p:stCondLst>
-                      <p:childTnLst>
-                        <p:par>
-                          <p:cTn id="28" fill="hold">
-                            <p:stCondLst>
-                              <p:cond delay="0"/>
-                            </p:stCondLst>
-                            <p:childTnLst>
-                              <p:par>
-                                <p:cTn id="29" presetID="1" presetClass="entr" presetSubtype="0" fill="hold" nodeType="clickEffect">
-                                  <p:stCondLst>
-                                    <p:cond delay="0"/>
-                                  </p:stCondLst>
-                                  <p:childTnLst>
-                                    <p:set>
-                                      <p:cBhvr>
-                                        <p:cTn id="30" dur="1" fill="hold">
-                                          <p:stCondLst>
-                                            <p:cond delay="0"/>
-                                          </p:stCondLst>
-                                        </p:cTn>
-                                        <p:tgtEl>
-                                          <p:spTgt spid="26">
-                                            <p:txEl>
-                                              <p:pRg st="4" end="4"/>
-                                            </p:txEl>
-                                          </p:spTgt>
-                                        </p:tgtEl>
-                                        <p:attrNameLst>
-                                          <p:attrName>style.visibility</p:attrName>
-                                        </p:attrNameLst>
-                                      </p:cBhvr>
-                                      <p:to>
-                                        <p:strVal val="visible"/>
-                                      </p:to>
-                                    </p:set>
-                                  </p:childTnLst>
-                                </p:cTn>
-                              </p:par>
-                            </p:childTnLst>
-                          </p:cTn>
-                        </p:par>
-                      </p:childTnLst>
-                    </p:cTn>
-                  </p:par>
-                  <p:par>
-                    <p:cTn id="31" fill="hold">
-                      <p:stCondLst>
-                        <p:cond delay="indefinite"/>
-                      </p:stCondLst>
-                      <p:childTnLst>
-                        <p:par>
-                          <p:cTn id="32" fill="hold">
-                            <p:stCondLst>
-                              <p:cond delay="0"/>
-                            </p:stCondLst>
-                            <p:childTnLst>
-                              <p:par>
-                                <p:cTn id="33" presetID="1" presetClass="entr" presetSubtype="0" fill="hold" nodeType="clickEffect">
-                                  <p:stCondLst>
-                                    <p:cond delay="0"/>
-                                  </p:stCondLst>
-                                  <p:childTnLst>
-                                    <p:set>
-                                      <p:cBhvr>
-                                        <p:cTn id="34" dur="1" fill="hold">
-                                          <p:stCondLst>
-                                            <p:cond delay="0"/>
-                                          </p:stCondLst>
-                                        </p:cTn>
-                                        <p:tgtEl>
-                                          <p:spTgt spid="25">
-                                            <p:txEl>
-                                              <p:pRg st="0" end="0"/>
-                                            </p:txEl>
-                                          </p:spTgt>
-                                        </p:tgtEl>
-                                        <p:attrNameLst>
-                                          <p:attrName>style.visibility</p:attrName>
-                                        </p:attrNameLst>
-                                      </p:cBhvr>
-                                      <p:to>
-                                        <p:strVal val="visible"/>
-                                      </p:to>
-                                    </p:set>
-                                  </p:childTnLst>
-                                </p:cTn>
-                              </p:par>
-                            </p:childTnLst>
-                          </p:cTn>
-                        </p:par>
-                      </p:childTnLst>
-                    </p:cTn>
-                  </p:par>
-                  <p:par>
-                    <p:cTn id="35" fill="hold">
-                      <p:stCondLst>
-                        <p:cond delay="indefinite"/>
-                      </p:stCondLst>
-                      <p:childTnLst>
-                        <p:par>
-                          <p:cTn id="36" fill="hold">
-                            <p:stCondLst>
-                              <p:cond delay="0"/>
-                            </p:stCondLst>
-                            <p:childTnLst>
-                              <p:par>
-                                <p:cTn id="37" presetID="1" presetClass="entr" presetSubtype="0" fill="hold" nodeType="clickEffect">
-                                  <p:stCondLst>
-                                    <p:cond delay="0"/>
-                                  </p:stCondLst>
-                                  <p:childTnLst>
-                                    <p:set>
-                                      <p:cBhvr>
-                                        <p:cTn id="38" dur="1" fill="hold">
-                                          <p:stCondLst>
-                                            <p:cond delay="0"/>
-                                          </p:stCondLst>
-                                        </p:cTn>
-                                        <p:tgtEl>
-                                          <p:spTgt spid="26">
-                                            <p:txEl>
-                                              <p:pRg st="6" end="6"/>
                                             </p:txEl>
                                           </p:spTgt>
                                         </p:tgtEl>
@@ -8638,7 +8260,7 @@
               <a:rPr lang="en-GB" sz="2000" b="1" dirty="0">
                 <a:latin typeface="Arial" panose="020B0604020202020204" pitchFamily="34" charset="0"/>
                 <a:cs typeface="Arial" panose="020B0604020202020204" pitchFamily="34" charset="0"/>
-                <a:hlinkClick r:id="rId2"/>
+                <a:hlinkClick r:id="rId3"/>
               </a:rPr>
               <a:t>https://github.com/patelg123/graphql-server</a:t>
             </a:r>
@@ -8707,6 +8329,232 @@
   <p:clrMapOvr>
     <a:masterClrMapping/>
   </p:clrMapOvr>
+  <p:timing>
+    <p:tnLst>
+      <p:par>
+        <p:cTn id="1" dur="indefinite" restart="never" nodeType="tmRoot">
+          <p:childTnLst>
+            <p:seq concurrent="1" nextAc="seek">
+              <p:cTn id="2" dur="indefinite" nodeType="mainSeq">
+                <p:childTnLst>
+                  <p:par>
+                    <p:cTn id="3" fill="hold">
+                      <p:stCondLst>
+                        <p:cond delay="indefinite"/>
+                      </p:stCondLst>
+                      <p:childTnLst>
+                        <p:par>
+                          <p:cTn id="4" fill="hold">
+                            <p:stCondLst>
+                              <p:cond delay="0"/>
+                            </p:stCondLst>
+                            <p:childTnLst>
+                              <p:par>
+                                <p:cTn id="5" presetID="1" presetClass="entr" presetSubtype="0" fill="hold" nodeType="clickEffect">
+                                  <p:stCondLst>
+                                    <p:cond delay="0"/>
+                                  </p:stCondLst>
+                                  <p:childTnLst>
+                                    <p:set>
+                                      <p:cBhvr>
+                                        <p:cTn id="6" dur="1" fill="hold">
+                                          <p:stCondLst>
+                                            <p:cond delay="0"/>
+                                          </p:stCondLst>
+                                        </p:cTn>
+                                        <p:tgtEl>
+                                          <p:spTgt spid="3">
+                                            <p:txEl>
+                                              <p:pRg st="3" end="3"/>
+                                            </p:txEl>
+                                          </p:spTgt>
+                                        </p:tgtEl>
+                                        <p:attrNameLst>
+                                          <p:attrName>style.visibility</p:attrName>
+                                        </p:attrNameLst>
+                                      </p:cBhvr>
+                                      <p:to>
+                                        <p:strVal val="visible"/>
+                                      </p:to>
+                                    </p:set>
+                                  </p:childTnLst>
+                                </p:cTn>
+                              </p:par>
+                            </p:childTnLst>
+                          </p:cTn>
+                        </p:par>
+                      </p:childTnLst>
+                    </p:cTn>
+                  </p:par>
+                  <p:par>
+                    <p:cTn id="7" fill="hold">
+                      <p:stCondLst>
+                        <p:cond delay="indefinite"/>
+                      </p:stCondLst>
+                      <p:childTnLst>
+                        <p:par>
+                          <p:cTn id="8" fill="hold">
+                            <p:stCondLst>
+                              <p:cond delay="0"/>
+                            </p:stCondLst>
+                            <p:childTnLst>
+                              <p:par>
+                                <p:cTn id="9" presetID="1" presetClass="entr" presetSubtype="0" fill="hold" nodeType="clickEffect">
+                                  <p:stCondLst>
+                                    <p:cond delay="0"/>
+                                  </p:stCondLst>
+                                  <p:childTnLst>
+                                    <p:set>
+                                      <p:cBhvr>
+                                        <p:cTn id="10" dur="1" fill="hold">
+                                          <p:stCondLst>
+                                            <p:cond delay="0"/>
+                                          </p:stCondLst>
+                                        </p:cTn>
+                                        <p:tgtEl>
+                                          <p:spTgt spid="3">
+                                            <p:txEl>
+                                              <p:pRg st="5" end="5"/>
+                                            </p:txEl>
+                                          </p:spTgt>
+                                        </p:tgtEl>
+                                        <p:attrNameLst>
+                                          <p:attrName>style.visibility</p:attrName>
+                                        </p:attrNameLst>
+                                      </p:cBhvr>
+                                      <p:to>
+                                        <p:strVal val="visible"/>
+                                      </p:to>
+                                    </p:set>
+                                  </p:childTnLst>
+                                </p:cTn>
+                              </p:par>
+                            </p:childTnLst>
+                          </p:cTn>
+                        </p:par>
+                      </p:childTnLst>
+                    </p:cTn>
+                  </p:par>
+                  <p:par>
+                    <p:cTn id="11" fill="hold">
+                      <p:stCondLst>
+                        <p:cond delay="indefinite"/>
+                      </p:stCondLst>
+                      <p:childTnLst>
+                        <p:par>
+                          <p:cTn id="12" fill="hold">
+                            <p:stCondLst>
+                              <p:cond delay="0"/>
+                            </p:stCondLst>
+                            <p:childTnLst>
+                              <p:par>
+                                <p:cTn id="13" presetID="1" presetClass="entr" presetSubtype="0" fill="hold" nodeType="clickEffect">
+                                  <p:stCondLst>
+                                    <p:cond delay="0"/>
+                                  </p:stCondLst>
+                                  <p:childTnLst>
+                                    <p:set>
+                                      <p:cBhvr>
+                                        <p:cTn id="14" dur="1" fill="hold">
+                                          <p:stCondLst>
+                                            <p:cond delay="0"/>
+                                          </p:stCondLst>
+                                        </p:cTn>
+                                        <p:tgtEl>
+                                          <p:spTgt spid="3">
+                                            <p:txEl>
+                                              <p:pRg st="7" end="7"/>
+                                            </p:txEl>
+                                          </p:spTgt>
+                                        </p:tgtEl>
+                                        <p:attrNameLst>
+                                          <p:attrName>style.visibility</p:attrName>
+                                        </p:attrNameLst>
+                                      </p:cBhvr>
+                                      <p:to>
+                                        <p:strVal val="visible"/>
+                                      </p:to>
+                                    </p:set>
+                                  </p:childTnLst>
+                                </p:cTn>
+                              </p:par>
+                            </p:childTnLst>
+                          </p:cTn>
+                        </p:par>
+                      </p:childTnLst>
+                    </p:cTn>
+                  </p:par>
+                  <p:par>
+                    <p:cTn id="15" fill="hold">
+                      <p:stCondLst>
+                        <p:cond delay="indefinite"/>
+                      </p:stCondLst>
+                      <p:childTnLst>
+                        <p:par>
+                          <p:cTn id="16" fill="hold">
+                            <p:stCondLst>
+                              <p:cond delay="0"/>
+                            </p:stCondLst>
+                            <p:childTnLst>
+                              <p:par>
+                                <p:cTn id="17" presetID="1" presetClass="entr" presetSubtype="0" fill="hold" nodeType="clickEffect">
+                                  <p:stCondLst>
+                                    <p:cond delay="0"/>
+                                  </p:stCondLst>
+                                  <p:childTnLst>
+                                    <p:set>
+                                      <p:cBhvr>
+                                        <p:cTn id="18" dur="1" fill="hold">
+                                          <p:stCondLst>
+                                            <p:cond delay="0"/>
+                                          </p:stCondLst>
+                                        </p:cTn>
+                                        <p:tgtEl>
+                                          <p:spTgt spid="3">
+                                            <p:txEl>
+                                              <p:pRg st="9" end="9"/>
+                                            </p:txEl>
+                                          </p:spTgt>
+                                        </p:tgtEl>
+                                        <p:attrNameLst>
+                                          <p:attrName>style.visibility</p:attrName>
+                                        </p:attrNameLst>
+                                      </p:cBhvr>
+                                      <p:to>
+                                        <p:strVal val="visible"/>
+                                      </p:to>
+                                    </p:set>
+                                  </p:childTnLst>
+                                </p:cTn>
+                              </p:par>
+                            </p:childTnLst>
+                          </p:cTn>
+                        </p:par>
+                      </p:childTnLst>
+                    </p:cTn>
+                  </p:par>
+                </p:childTnLst>
+              </p:cTn>
+              <p:prevCondLst>
+                <p:cond evt="onPrev" delay="0">
+                  <p:tgtEl>
+                    <p:sldTgt/>
+                  </p:tgtEl>
+                </p:cond>
+              </p:prevCondLst>
+              <p:nextCondLst>
+                <p:cond evt="onNext" delay="0">
+                  <p:tgtEl>
+                    <p:sldTgt/>
+                  </p:tgtEl>
+                </p:cond>
+              </p:nextCondLst>
+            </p:seq>
+          </p:childTnLst>
+        </p:cTn>
+      </p:par>
+    </p:tnLst>
+  </p:timing>
 </p:sld>
 </file>
 
@@ -9104,6 +8952,134 @@
   <p:clrMapOvr>
     <a:masterClrMapping/>
   </p:clrMapOvr>
+  <p:timing>
+    <p:tnLst>
+      <p:par>
+        <p:cTn id="1" dur="indefinite" restart="never" nodeType="tmRoot">
+          <p:childTnLst>
+            <p:seq concurrent="1" nextAc="seek">
+              <p:cTn id="2" dur="indefinite" nodeType="mainSeq">
+                <p:childTnLst>
+                  <p:par>
+                    <p:cTn id="3" fill="hold">
+                      <p:stCondLst>
+                        <p:cond delay="indefinite"/>
+                      </p:stCondLst>
+                      <p:childTnLst>
+                        <p:par>
+                          <p:cTn id="4" fill="hold">
+                            <p:stCondLst>
+                              <p:cond delay="0"/>
+                            </p:stCondLst>
+                            <p:childTnLst>
+                              <p:par>
+                                <p:cTn id="5" presetID="1" presetClass="entr" presetSubtype="0" fill="hold" nodeType="clickEffect">
+                                  <p:stCondLst>
+                                    <p:cond delay="0"/>
+                                  </p:stCondLst>
+                                  <p:childTnLst>
+                                    <p:set>
+                                      <p:cBhvr>
+                                        <p:cTn id="6" dur="1" fill="hold">
+                                          <p:stCondLst>
+                                            <p:cond delay="0"/>
+                                          </p:stCondLst>
+                                        </p:cTn>
+                                        <p:tgtEl>
+                                          <p:spTgt spid="3">
+                                            <p:txEl>
+                                              <p:pRg st="4" end="4"/>
+                                            </p:txEl>
+                                          </p:spTgt>
+                                        </p:tgtEl>
+                                        <p:attrNameLst>
+                                          <p:attrName>style.visibility</p:attrName>
+                                        </p:attrNameLst>
+                                      </p:cBhvr>
+                                      <p:to>
+                                        <p:strVal val="visible"/>
+                                      </p:to>
+                                    </p:set>
+                                  </p:childTnLst>
+                                </p:cTn>
+                              </p:par>
+                            </p:childTnLst>
+                          </p:cTn>
+                        </p:par>
+                      </p:childTnLst>
+                    </p:cTn>
+                  </p:par>
+                  <p:par>
+                    <p:cTn id="7" fill="hold">
+                      <p:stCondLst>
+                        <p:cond delay="indefinite"/>
+                      </p:stCondLst>
+                      <p:childTnLst>
+                        <p:par>
+                          <p:cTn id="8" fill="hold">
+                            <p:stCondLst>
+                              <p:cond delay="0"/>
+                            </p:stCondLst>
+                            <p:childTnLst>
+                              <p:par>
+                                <p:cTn id="9" presetID="1" presetClass="entr" presetSubtype="0" fill="hold" nodeType="clickEffect">
+                                  <p:stCondLst>
+                                    <p:cond delay="0"/>
+                                  </p:stCondLst>
+                                  <p:childTnLst>
+                                    <p:set>
+                                      <p:cBhvr>
+                                        <p:cTn id="10" dur="1" fill="hold">
+                                          <p:stCondLst>
+                                            <p:cond delay="0"/>
+                                          </p:stCondLst>
+                                        </p:cTn>
+                                        <p:tgtEl>
+                                          <p:spTgt spid="3">
+                                            <p:txEl>
+                                              <p:pRg st="6" end="6"/>
+                                            </p:txEl>
+                                          </p:spTgt>
+                                        </p:tgtEl>
+                                        <p:attrNameLst>
+                                          <p:attrName>style.visibility</p:attrName>
+                                        </p:attrNameLst>
+                                      </p:cBhvr>
+                                      <p:to>
+                                        <p:strVal val="visible"/>
+                                      </p:to>
+                                    </p:set>
+                                  </p:childTnLst>
+                                </p:cTn>
+                              </p:par>
+                            </p:childTnLst>
+                          </p:cTn>
+                        </p:par>
+                      </p:childTnLst>
+                    </p:cTn>
+                  </p:par>
+                </p:childTnLst>
+              </p:cTn>
+              <p:prevCondLst>
+                <p:cond evt="onPrev" delay="0">
+                  <p:tgtEl>
+                    <p:sldTgt/>
+                  </p:tgtEl>
+                </p:cond>
+              </p:prevCondLst>
+              <p:nextCondLst>
+                <p:cond evt="onNext" delay="0">
+                  <p:tgtEl>
+                    <p:sldTgt/>
+                  </p:tgtEl>
+                </p:cond>
+              </p:nextCondLst>
+            </p:seq>
+          </p:childTnLst>
+        </p:cTn>
+      </p:par>
+    </p:tnLst>
+  </p:timing>
 </p:sld>
 </file>
 
@@ -9442,7 +9418,7 @@
             </a:pPr>
             <a:r>
               <a:rPr lang="en-GB" dirty="0"/>
-              <a:t>Imagine we have to build an API that lets us:</a:t>
+              <a:t>Imagine we have to build something that:</a:t>
             </a:r>
           </a:p>
           <a:p>
@@ -9475,7 +9451,7 @@
           <a:p>
             <a:r>
               <a:rPr lang="en-GB" dirty="0"/>
-              <a:t>Shows the followers the user has.</a:t>
+              <a:t>Shows the followers the user has</a:t>
             </a:r>
           </a:p>
           <a:p>
@@ -9516,6 +9492,162 @@
           </a:prstGeom>
         </p:spPr>
       </p:pic>
+      <p:sp>
+        <p:nvSpPr>
+          <p:cNvPr id="4" name="Rectangle 3">
+            <a:extLst>
+              <a:ext uri="{FF2B5EF4-FFF2-40B4-BE49-F238E27FC236}">
+                <a16:creationId xmlns:a16="http://schemas.microsoft.com/office/drawing/2014/main" id="{735A82EA-5CCC-4397-A9DD-E75DD7BFCEDE}"/>
+              </a:ext>
+            </a:extLst>
+          </p:cNvPr>
+          <p:cNvSpPr/>
+          <p:nvPr/>
+        </p:nvSpPr>
+        <p:spPr>
+          <a:xfrm>
+            <a:off x="9204960" y="2389632"/>
+            <a:ext cx="865632" cy="280416"/>
+          </a:xfrm>
+          <a:prstGeom prst="rect">
+            <a:avLst/>
+          </a:prstGeom>
+          <a:noFill/>
+          <a:ln>
+            <a:solidFill>
+              <a:srgbClr val="FF0000"/>
+            </a:solidFill>
+          </a:ln>
+        </p:spPr>
+        <p:style>
+          <a:lnRef idx="2">
+            <a:schemeClr val="accent1">
+              <a:shade val="50000"/>
+            </a:schemeClr>
+          </a:lnRef>
+          <a:fillRef idx="1">
+            <a:schemeClr val="accent1"/>
+          </a:fillRef>
+          <a:effectRef idx="0">
+            <a:schemeClr val="accent1"/>
+          </a:effectRef>
+          <a:fontRef idx="minor">
+            <a:schemeClr val="lt1"/>
+          </a:fontRef>
+        </p:style>
+        <p:txBody>
+          <a:bodyPr rtlCol="0" anchor="ctr"/>
+          <a:lstStyle/>
+          <a:p>
+            <a:pPr algn="ctr"/>
+            <a:endParaRPr lang="en-GB"/>
+          </a:p>
+        </p:txBody>
+      </p:sp>
+      <p:sp>
+        <p:nvSpPr>
+          <p:cNvPr id="6" name="Rectangle 5">
+            <a:extLst>
+              <a:ext uri="{FF2B5EF4-FFF2-40B4-BE49-F238E27FC236}">
+                <a16:creationId xmlns:a16="http://schemas.microsoft.com/office/drawing/2014/main" id="{87A644C2-3AF7-4083-9401-8F24F3813A19}"/>
+              </a:ext>
+            </a:extLst>
+          </p:cNvPr>
+          <p:cNvSpPr/>
+          <p:nvPr/>
+        </p:nvSpPr>
+        <p:spPr>
+          <a:xfrm>
+            <a:off x="8522208" y="2852928"/>
+            <a:ext cx="2328672" cy="1926336"/>
+          </a:xfrm>
+          <a:prstGeom prst="rect">
+            <a:avLst/>
+          </a:prstGeom>
+          <a:noFill/>
+          <a:ln>
+            <a:solidFill>
+              <a:srgbClr val="FF0000"/>
+            </a:solidFill>
+          </a:ln>
+        </p:spPr>
+        <p:style>
+          <a:lnRef idx="2">
+            <a:schemeClr val="accent1">
+              <a:shade val="50000"/>
+            </a:schemeClr>
+          </a:lnRef>
+          <a:fillRef idx="1">
+            <a:schemeClr val="accent1"/>
+          </a:fillRef>
+          <a:effectRef idx="0">
+            <a:schemeClr val="accent1"/>
+          </a:effectRef>
+          <a:fontRef idx="minor">
+            <a:schemeClr val="lt1"/>
+          </a:fontRef>
+        </p:style>
+        <p:txBody>
+          <a:bodyPr rtlCol="0" anchor="ctr"/>
+          <a:lstStyle/>
+          <a:p>
+            <a:pPr algn="ctr"/>
+            <a:endParaRPr lang="en-GB"/>
+          </a:p>
+        </p:txBody>
+      </p:sp>
+      <p:sp>
+        <p:nvSpPr>
+          <p:cNvPr id="7" name="Rectangle 6">
+            <a:extLst>
+              <a:ext uri="{FF2B5EF4-FFF2-40B4-BE49-F238E27FC236}">
+                <a16:creationId xmlns:a16="http://schemas.microsoft.com/office/drawing/2014/main" id="{FB95F817-E0B0-485E-B7BF-33CC71BDF121}"/>
+              </a:ext>
+            </a:extLst>
+          </p:cNvPr>
+          <p:cNvSpPr/>
+          <p:nvPr/>
+        </p:nvSpPr>
+        <p:spPr>
+          <a:xfrm>
+            <a:off x="8522208" y="4874145"/>
+            <a:ext cx="1658112" cy="560832"/>
+          </a:xfrm>
+          <a:prstGeom prst="rect">
+            <a:avLst/>
+          </a:prstGeom>
+          <a:noFill/>
+          <a:ln>
+            <a:solidFill>
+              <a:srgbClr val="FF0000"/>
+            </a:solidFill>
+          </a:ln>
+        </p:spPr>
+        <p:style>
+          <a:lnRef idx="2">
+            <a:schemeClr val="accent1">
+              <a:shade val="50000"/>
+            </a:schemeClr>
+          </a:lnRef>
+          <a:fillRef idx="1">
+            <a:schemeClr val="accent1"/>
+          </a:fillRef>
+          <a:effectRef idx="0">
+            <a:schemeClr val="accent1"/>
+          </a:effectRef>
+          <a:fontRef idx="minor">
+            <a:schemeClr val="lt1"/>
+          </a:fontRef>
+        </p:style>
+        <p:txBody>
+          <a:bodyPr rtlCol="0" anchor="ctr"/>
+          <a:lstStyle/>
+          <a:p>
+            <a:pPr algn="ctr"/>
+            <a:endParaRPr lang="en-GB"/>
+          </a:p>
+        </p:txBody>
+      </p:sp>
     </p:spTree>
     <p:extLst>
       <p:ext uri="{BB962C8B-B14F-4D97-AF65-F5344CB8AC3E}">
@@ -9526,6 +9658,323 @@
   <p:clrMapOvr>
     <a:masterClrMapping/>
   </p:clrMapOvr>
+  <p:timing>
+    <p:tnLst>
+      <p:par>
+        <p:cTn id="1" dur="indefinite" restart="never" nodeType="tmRoot">
+          <p:childTnLst>
+            <p:seq concurrent="1" nextAc="seek">
+              <p:cTn id="2" dur="indefinite" nodeType="mainSeq">
+                <p:childTnLst>
+                  <p:par>
+                    <p:cTn id="3" fill="hold">
+                      <p:stCondLst>
+                        <p:cond delay="indefinite"/>
+                      </p:stCondLst>
+                      <p:childTnLst>
+                        <p:par>
+                          <p:cTn id="4" fill="hold">
+                            <p:stCondLst>
+                              <p:cond delay="0"/>
+                            </p:stCondLst>
+                            <p:childTnLst>
+                              <p:par>
+                                <p:cTn id="5" presetID="1" presetClass="entr" presetSubtype="0" fill="hold" nodeType="clickEffect">
+                                  <p:stCondLst>
+                                    <p:cond delay="0"/>
+                                  </p:stCondLst>
+                                  <p:childTnLst>
+                                    <p:set>
+                                      <p:cBhvr>
+                                        <p:cTn id="6" dur="1" fill="hold">
+                                          <p:stCondLst>
+                                            <p:cond delay="0"/>
+                                          </p:stCondLst>
+                                        </p:cTn>
+                                        <p:tgtEl>
+                                          <p:spTgt spid="3">
+                                            <p:txEl>
+                                              <p:pRg st="2" end="2"/>
+                                            </p:txEl>
+                                          </p:spTgt>
+                                        </p:tgtEl>
+                                        <p:attrNameLst>
+                                          <p:attrName>style.visibility</p:attrName>
+                                        </p:attrNameLst>
+                                      </p:cBhvr>
+                                      <p:to>
+                                        <p:strVal val="visible"/>
+                                      </p:to>
+                                    </p:set>
+                                  </p:childTnLst>
+                                </p:cTn>
+                              </p:par>
+                            </p:childTnLst>
+                          </p:cTn>
+                        </p:par>
+                      </p:childTnLst>
+                    </p:cTn>
+                  </p:par>
+                  <p:par>
+                    <p:cTn id="7" fill="hold">
+                      <p:stCondLst>
+                        <p:cond delay="indefinite"/>
+                      </p:stCondLst>
+                      <p:childTnLst>
+                        <p:par>
+                          <p:cTn id="8" fill="hold">
+                            <p:stCondLst>
+                              <p:cond delay="0"/>
+                            </p:stCondLst>
+                            <p:childTnLst>
+                              <p:par>
+                                <p:cTn id="9" presetID="1" presetClass="entr" presetSubtype="0" fill="hold" grpId="0" nodeType="clickEffect">
+                                  <p:stCondLst>
+                                    <p:cond delay="0"/>
+                                  </p:stCondLst>
+                                  <p:childTnLst>
+                                    <p:set>
+                                      <p:cBhvr>
+                                        <p:cTn id="10" dur="1" fill="hold">
+                                          <p:stCondLst>
+                                            <p:cond delay="0"/>
+                                          </p:stCondLst>
+                                        </p:cTn>
+                                        <p:tgtEl>
+                                          <p:spTgt spid="4"/>
+                                        </p:tgtEl>
+                                        <p:attrNameLst>
+                                          <p:attrName>style.visibility</p:attrName>
+                                        </p:attrNameLst>
+                                      </p:cBhvr>
+                                      <p:to>
+                                        <p:strVal val="visible"/>
+                                      </p:to>
+                                    </p:set>
+                                  </p:childTnLst>
+                                </p:cTn>
+                              </p:par>
+                            </p:childTnLst>
+                          </p:cTn>
+                        </p:par>
+                      </p:childTnLst>
+                    </p:cTn>
+                  </p:par>
+                  <p:par>
+                    <p:cTn id="11" fill="hold">
+                      <p:stCondLst>
+                        <p:cond delay="indefinite"/>
+                      </p:stCondLst>
+                      <p:childTnLst>
+                        <p:par>
+                          <p:cTn id="12" fill="hold">
+                            <p:stCondLst>
+                              <p:cond delay="0"/>
+                            </p:stCondLst>
+                            <p:childTnLst>
+                              <p:par>
+                                <p:cTn id="13" presetID="1" presetClass="entr" presetSubtype="0" fill="hold" nodeType="clickEffect">
+                                  <p:stCondLst>
+                                    <p:cond delay="0"/>
+                                  </p:stCondLst>
+                                  <p:childTnLst>
+                                    <p:set>
+                                      <p:cBhvr>
+                                        <p:cTn id="14" dur="1" fill="hold">
+                                          <p:stCondLst>
+                                            <p:cond delay="0"/>
+                                          </p:stCondLst>
+                                        </p:cTn>
+                                        <p:tgtEl>
+                                          <p:spTgt spid="3">
+                                            <p:txEl>
+                                              <p:pRg st="4" end="4"/>
+                                            </p:txEl>
+                                          </p:spTgt>
+                                        </p:tgtEl>
+                                        <p:attrNameLst>
+                                          <p:attrName>style.visibility</p:attrName>
+                                        </p:attrNameLst>
+                                      </p:cBhvr>
+                                      <p:to>
+                                        <p:strVal val="visible"/>
+                                      </p:to>
+                                    </p:set>
+                                  </p:childTnLst>
+                                </p:cTn>
+                              </p:par>
+                            </p:childTnLst>
+                          </p:cTn>
+                        </p:par>
+                      </p:childTnLst>
+                    </p:cTn>
+                  </p:par>
+                  <p:par>
+                    <p:cTn id="15" fill="hold">
+                      <p:stCondLst>
+                        <p:cond delay="indefinite"/>
+                      </p:stCondLst>
+                      <p:childTnLst>
+                        <p:par>
+                          <p:cTn id="16" fill="hold">
+                            <p:stCondLst>
+                              <p:cond delay="0"/>
+                            </p:stCondLst>
+                            <p:childTnLst>
+                              <p:par>
+                                <p:cTn id="17" presetID="1" presetClass="entr" presetSubtype="0" fill="hold" grpId="0" nodeType="clickEffect">
+                                  <p:stCondLst>
+                                    <p:cond delay="0"/>
+                                  </p:stCondLst>
+                                  <p:childTnLst>
+                                    <p:set>
+                                      <p:cBhvr>
+                                        <p:cTn id="18" dur="1" fill="hold">
+                                          <p:stCondLst>
+                                            <p:cond delay="0"/>
+                                          </p:stCondLst>
+                                        </p:cTn>
+                                        <p:tgtEl>
+                                          <p:spTgt spid="6"/>
+                                        </p:tgtEl>
+                                        <p:attrNameLst>
+                                          <p:attrName>style.visibility</p:attrName>
+                                        </p:attrNameLst>
+                                      </p:cBhvr>
+                                      <p:to>
+                                        <p:strVal val="visible"/>
+                                      </p:to>
+                                    </p:set>
+                                  </p:childTnLst>
+                                </p:cTn>
+                              </p:par>
+                            </p:childTnLst>
+                          </p:cTn>
+                        </p:par>
+                      </p:childTnLst>
+                    </p:cTn>
+                  </p:par>
+                  <p:par>
+                    <p:cTn id="19" fill="hold">
+                      <p:stCondLst>
+                        <p:cond delay="indefinite"/>
+                      </p:stCondLst>
+                      <p:childTnLst>
+                        <p:par>
+                          <p:cTn id="20" fill="hold">
+                            <p:stCondLst>
+                              <p:cond delay="0"/>
+                            </p:stCondLst>
+                            <p:childTnLst>
+                              <p:par>
+                                <p:cTn id="21" presetID="1" presetClass="entr" presetSubtype="0" fill="hold" nodeType="clickEffect">
+                                  <p:stCondLst>
+                                    <p:cond delay="0"/>
+                                  </p:stCondLst>
+                                  <p:childTnLst>
+                                    <p:set>
+                                      <p:cBhvr>
+                                        <p:cTn id="22" dur="1" fill="hold">
+                                          <p:stCondLst>
+                                            <p:cond delay="0"/>
+                                          </p:stCondLst>
+                                        </p:cTn>
+                                        <p:tgtEl>
+                                          <p:spTgt spid="3">
+                                            <p:txEl>
+                                              <p:pRg st="6" end="6"/>
+                                            </p:txEl>
+                                          </p:spTgt>
+                                        </p:tgtEl>
+                                        <p:attrNameLst>
+                                          <p:attrName>style.visibility</p:attrName>
+                                        </p:attrNameLst>
+                                      </p:cBhvr>
+                                      <p:to>
+                                        <p:strVal val="visible"/>
+                                      </p:to>
+                                    </p:set>
+                                  </p:childTnLst>
+                                </p:cTn>
+                              </p:par>
+                            </p:childTnLst>
+                          </p:cTn>
+                        </p:par>
+                      </p:childTnLst>
+                    </p:cTn>
+                  </p:par>
+                  <p:par>
+                    <p:cTn id="23" fill="hold">
+                      <p:stCondLst>
+                        <p:cond delay="indefinite"/>
+                      </p:stCondLst>
+                      <p:childTnLst>
+                        <p:par>
+                          <p:cTn id="24" fill="hold">
+                            <p:stCondLst>
+                              <p:cond delay="0"/>
+                            </p:stCondLst>
+                            <p:childTnLst>
+                              <p:par>
+                                <p:cTn id="25" presetID="1" presetClass="entr" presetSubtype="0" fill="hold" grpId="0" nodeType="clickEffect">
+                                  <p:stCondLst>
+                                    <p:cond delay="0"/>
+                                  </p:stCondLst>
+                                  <p:childTnLst>
+                                    <p:set>
+                                      <p:cBhvr>
+                                        <p:cTn id="26" dur="1" fill="hold">
+                                          <p:stCondLst>
+                                            <p:cond delay="0"/>
+                                          </p:stCondLst>
+                                        </p:cTn>
+                                        <p:tgtEl>
+                                          <p:spTgt spid="7"/>
+                                        </p:tgtEl>
+                                        <p:attrNameLst>
+                                          <p:attrName>style.visibility</p:attrName>
+                                        </p:attrNameLst>
+                                      </p:cBhvr>
+                                      <p:to>
+                                        <p:strVal val="visible"/>
+                                      </p:to>
+                                    </p:set>
+                                  </p:childTnLst>
+                                </p:cTn>
+                              </p:par>
+                            </p:childTnLst>
+                          </p:cTn>
+                        </p:par>
+                      </p:childTnLst>
+                    </p:cTn>
+                  </p:par>
+                </p:childTnLst>
+              </p:cTn>
+              <p:prevCondLst>
+                <p:cond evt="onPrev" delay="0">
+                  <p:tgtEl>
+                    <p:sldTgt/>
+                  </p:tgtEl>
+                </p:cond>
+              </p:prevCondLst>
+              <p:nextCondLst>
+                <p:cond evt="onNext" delay="0">
+                  <p:tgtEl>
+                    <p:sldTgt/>
+                  </p:tgtEl>
+                </p:cond>
+              </p:nextCondLst>
+            </p:seq>
+          </p:childTnLst>
+        </p:cTn>
+      </p:par>
+    </p:tnLst>
+    <p:bldLst>
+      <p:bldP spid="4" grpId="0" animBg="1"/>
+      <p:bldP spid="6" grpId="0" animBg="1"/>
+      <p:bldP spid="7" grpId="0" animBg="1"/>
+    </p:bldLst>
+  </p:timing>
 </p:sld>
 </file>
 
@@ -10771,6 +11220,220 @@
   <p:clrMapOvr>
     <a:masterClrMapping/>
   </p:clrMapOvr>
+  <p:timing>
+    <p:tnLst>
+      <p:par>
+        <p:cTn id="1" dur="indefinite" restart="never" nodeType="tmRoot">
+          <p:childTnLst>
+            <p:seq concurrent="1" nextAc="seek">
+              <p:cTn id="2" dur="indefinite" nodeType="mainSeq">
+                <p:childTnLst>
+                  <p:par>
+                    <p:cTn id="3" fill="hold">
+                      <p:stCondLst>
+                        <p:cond delay="indefinite"/>
+                      </p:stCondLst>
+                      <p:childTnLst>
+                        <p:par>
+                          <p:cTn id="4" fill="hold">
+                            <p:stCondLst>
+                              <p:cond delay="0"/>
+                            </p:stCondLst>
+                            <p:childTnLst>
+                              <p:par>
+                                <p:cTn id="5" presetID="1" presetClass="entr" presetSubtype="0" fill="hold" nodeType="clickEffect">
+                                  <p:stCondLst>
+                                    <p:cond delay="0"/>
+                                  </p:stCondLst>
+                                  <p:childTnLst>
+                                    <p:set>
+                                      <p:cBhvr>
+                                        <p:cTn id="6" dur="1" fill="hold">
+                                          <p:stCondLst>
+                                            <p:cond delay="0"/>
+                                          </p:stCondLst>
+                                        </p:cTn>
+                                        <p:tgtEl>
+                                          <p:spTgt spid="4"/>
+                                        </p:tgtEl>
+                                        <p:attrNameLst>
+                                          <p:attrName>style.visibility</p:attrName>
+                                        </p:attrNameLst>
+                                      </p:cBhvr>
+                                      <p:to>
+                                        <p:strVal val="visible"/>
+                                      </p:to>
+                                    </p:set>
+                                  </p:childTnLst>
+                                </p:cTn>
+                              </p:par>
+                            </p:childTnLst>
+                          </p:cTn>
+                        </p:par>
+                      </p:childTnLst>
+                    </p:cTn>
+                  </p:par>
+                  <p:par>
+                    <p:cTn id="7" fill="hold">
+                      <p:stCondLst>
+                        <p:cond delay="indefinite"/>
+                      </p:stCondLst>
+                      <p:childTnLst>
+                        <p:par>
+                          <p:cTn id="8" fill="hold">
+                            <p:stCondLst>
+                              <p:cond delay="0"/>
+                            </p:stCondLst>
+                            <p:childTnLst>
+                              <p:par>
+                                <p:cTn id="9" presetID="1" presetClass="entr" presetSubtype="0" fill="hold" nodeType="clickEffect">
+                                  <p:stCondLst>
+                                    <p:cond delay="0"/>
+                                  </p:stCondLst>
+                                  <p:childTnLst>
+                                    <p:set>
+                                      <p:cBhvr>
+                                        <p:cTn id="10" dur="1" fill="hold">
+                                          <p:stCondLst>
+                                            <p:cond delay="0"/>
+                                          </p:stCondLst>
+                                        </p:cTn>
+                                        <p:tgtEl>
+                                          <p:spTgt spid="5"/>
+                                        </p:tgtEl>
+                                        <p:attrNameLst>
+                                          <p:attrName>style.visibility</p:attrName>
+                                        </p:attrNameLst>
+                                      </p:cBhvr>
+                                      <p:to>
+                                        <p:strVal val="visible"/>
+                                      </p:to>
+                                    </p:set>
+                                  </p:childTnLst>
+                                </p:cTn>
+                              </p:par>
+                            </p:childTnLst>
+                          </p:cTn>
+                        </p:par>
+                      </p:childTnLst>
+                    </p:cTn>
+                  </p:par>
+                  <p:par>
+                    <p:cTn id="11" fill="hold">
+                      <p:stCondLst>
+                        <p:cond delay="indefinite"/>
+                      </p:stCondLst>
+                      <p:childTnLst>
+                        <p:par>
+                          <p:cTn id="12" fill="hold">
+                            <p:stCondLst>
+                              <p:cond delay="0"/>
+                            </p:stCondLst>
+                            <p:childTnLst>
+                              <p:par>
+                                <p:cTn id="13" presetID="1" presetClass="entr" presetSubtype="0" fill="hold" nodeType="clickEffect">
+                                  <p:stCondLst>
+                                    <p:cond delay="0"/>
+                                  </p:stCondLst>
+                                  <p:childTnLst>
+                                    <p:set>
+                                      <p:cBhvr>
+                                        <p:cTn id="14" dur="1" fill="hold">
+                                          <p:stCondLst>
+                                            <p:cond delay="0"/>
+                                          </p:stCondLst>
+                                        </p:cTn>
+                                        <p:tgtEl>
+                                          <p:spTgt spid="6"/>
+                                        </p:tgtEl>
+                                        <p:attrNameLst>
+                                          <p:attrName>style.visibility</p:attrName>
+                                        </p:attrNameLst>
+                                      </p:cBhvr>
+                                      <p:to>
+                                        <p:strVal val="visible"/>
+                                      </p:to>
+                                    </p:set>
+                                  </p:childTnLst>
+                                </p:cTn>
+                              </p:par>
+                            </p:childTnLst>
+                          </p:cTn>
+                        </p:par>
+                      </p:childTnLst>
+                    </p:cTn>
+                  </p:par>
+                  <p:par>
+                    <p:cTn id="15" fill="hold">
+                      <p:stCondLst>
+                        <p:cond delay="indefinite"/>
+                      </p:stCondLst>
+                      <p:childTnLst>
+                        <p:par>
+                          <p:cTn id="16" fill="hold">
+                            <p:stCondLst>
+                              <p:cond delay="0"/>
+                            </p:stCondLst>
+                            <p:childTnLst>
+                              <p:par>
+                                <p:cTn id="17" presetID="1" presetClass="entr" presetSubtype="0" fill="hold" nodeType="clickEffect">
+                                  <p:stCondLst>
+                                    <p:cond delay="0"/>
+                                  </p:stCondLst>
+                                  <p:childTnLst>
+                                    <p:set>
+                                      <p:cBhvr>
+                                        <p:cTn id="18" dur="1" fill="hold">
+                                          <p:stCondLst>
+                                            <p:cond delay="0"/>
+                                          </p:stCondLst>
+                                        </p:cTn>
+                                        <p:tgtEl>
+                                          <p:spTgt spid="3">
+                                            <p:txEl>
+                                              <p:pRg st="0" end="0"/>
+                                            </p:txEl>
+                                          </p:spTgt>
+                                        </p:tgtEl>
+                                        <p:attrNameLst>
+                                          <p:attrName>style.visibility</p:attrName>
+                                        </p:attrNameLst>
+                                      </p:cBhvr>
+                                      <p:to>
+                                        <p:strVal val="visible"/>
+                                      </p:to>
+                                    </p:set>
+                                  </p:childTnLst>
+                                </p:cTn>
+                              </p:par>
+                            </p:childTnLst>
+                          </p:cTn>
+                        </p:par>
+                      </p:childTnLst>
+                    </p:cTn>
+                  </p:par>
+                </p:childTnLst>
+              </p:cTn>
+              <p:prevCondLst>
+                <p:cond evt="onPrev" delay="0">
+                  <p:tgtEl>
+                    <p:sldTgt/>
+                  </p:tgtEl>
+                </p:cond>
+              </p:prevCondLst>
+              <p:nextCondLst>
+                <p:cond evt="onNext" delay="0">
+                  <p:tgtEl>
+                    <p:sldTgt/>
+                  </p:tgtEl>
+                </p:cond>
+              </p:nextCondLst>
+            </p:seq>
+          </p:childTnLst>
+        </p:cTn>
+      </p:par>
+    </p:tnLst>
+  </p:timing>
 </p:sld>
 </file>
 
@@ -10991,7 +11654,15 @@
             </a:pPr>
             <a:r>
               <a:rPr lang="en-GB" sz="2400" dirty="0"/>
-              <a:t>Client can specify exactly what data is required (no over fetching)</a:t>
+              <a:t>Client can specify exactly what data is required (no </a:t>
+            </a:r>
+            <a:r>
+              <a:rPr lang="en-GB" sz="2400" dirty="0" err="1"/>
+              <a:t>overfetching</a:t>
+            </a:r>
+            <a:r>
+              <a:rPr lang="en-GB" sz="2400" dirty="0"/>
+              <a:t>)</a:t>
             </a:r>
           </a:p>
           <a:p>
@@ -11570,6 +12241,322 @@
   <p:clrMapOvr>
     <a:masterClrMapping/>
   </p:clrMapOvr>
+  <p:timing>
+    <p:tnLst>
+      <p:par>
+        <p:cTn id="1" dur="indefinite" restart="never" nodeType="tmRoot">
+          <p:childTnLst>
+            <p:seq concurrent="1" nextAc="seek">
+              <p:cTn id="2" dur="indefinite" nodeType="mainSeq">
+                <p:childTnLst>
+                  <p:par>
+                    <p:cTn id="3" fill="hold">
+                      <p:stCondLst>
+                        <p:cond delay="indefinite"/>
+                      </p:stCondLst>
+                      <p:childTnLst>
+                        <p:par>
+                          <p:cTn id="4" fill="hold">
+                            <p:stCondLst>
+                              <p:cond delay="0"/>
+                            </p:stCondLst>
+                            <p:childTnLst>
+                              <p:par>
+                                <p:cTn id="5" presetID="1" presetClass="entr" presetSubtype="0" fill="hold" nodeType="clickEffect">
+                                  <p:stCondLst>
+                                    <p:cond delay="0"/>
+                                  </p:stCondLst>
+                                  <p:childTnLst>
+                                    <p:set>
+                                      <p:cBhvr>
+                                        <p:cTn id="6" dur="1" fill="hold">
+                                          <p:stCondLst>
+                                            <p:cond delay="0"/>
+                                          </p:stCondLst>
+                                        </p:cTn>
+                                        <p:tgtEl>
+                                          <p:spTgt spid="7">
+                                            <p:txEl>
+                                              <p:pRg st="0" end="0"/>
+                                            </p:txEl>
+                                          </p:spTgt>
+                                        </p:tgtEl>
+                                        <p:attrNameLst>
+                                          <p:attrName>style.visibility</p:attrName>
+                                        </p:attrNameLst>
+                                      </p:cBhvr>
+                                      <p:to>
+                                        <p:strVal val="visible"/>
+                                      </p:to>
+                                    </p:set>
+                                  </p:childTnLst>
+                                </p:cTn>
+                              </p:par>
+                            </p:childTnLst>
+                          </p:cTn>
+                        </p:par>
+                      </p:childTnLst>
+                    </p:cTn>
+                  </p:par>
+                  <p:par>
+                    <p:cTn id="7" fill="hold">
+                      <p:stCondLst>
+                        <p:cond delay="indefinite"/>
+                      </p:stCondLst>
+                      <p:childTnLst>
+                        <p:par>
+                          <p:cTn id="8" fill="hold">
+                            <p:stCondLst>
+                              <p:cond delay="0"/>
+                            </p:stCondLst>
+                            <p:childTnLst>
+                              <p:par>
+                                <p:cTn id="9" presetID="1" presetClass="entr" presetSubtype="0" fill="hold" nodeType="clickEffect">
+                                  <p:stCondLst>
+                                    <p:cond delay="0"/>
+                                  </p:stCondLst>
+                                  <p:childTnLst>
+                                    <p:set>
+                                      <p:cBhvr>
+                                        <p:cTn id="10" dur="1" fill="hold">
+                                          <p:stCondLst>
+                                            <p:cond delay="0"/>
+                                          </p:stCondLst>
+                                        </p:cTn>
+                                        <p:tgtEl>
+                                          <p:spTgt spid="5"/>
+                                        </p:tgtEl>
+                                        <p:attrNameLst>
+                                          <p:attrName>style.visibility</p:attrName>
+                                        </p:attrNameLst>
+                                      </p:cBhvr>
+                                      <p:to>
+                                        <p:strVal val="visible"/>
+                                      </p:to>
+                                    </p:set>
+                                  </p:childTnLst>
+                                </p:cTn>
+                              </p:par>
+                            </p:childTnLst>
+                          </p:cTn>
+                        </p:par>
+                      </p:childTnLst>
+                    </p:cTn>
+                  </p:par>
+                  <p:par>
+                    <p:cTn id="11" fill="hold">
+                      <p:stCondLst>
+                        <p:cond delay="indefinite"/>
+                      </p:stCondLst>
+                      <p:childTnLst>
+                        <p:par>
+                          <p:cTn id="12" fill="hold">
+                            <p:stCondLst>
+                              <p:cond delay="0"/>
+                            </p:stCondLst>
+                            <p:childTnLst>
+                              <p:par>
+                                <p:cTn id="13" presetID="1" presetClass="entr" presetSubtype="0" fill="hold" nodeType="clickEffect">
+                                  <p:stCondLst>
+                                    <p:cond delay="0"/>
+                                  </p:stCondLst>
+                                  <p:childTnLst>
+                                    <p:set>
+                                      <p:cBhvr>
+                                        <p:cTn id="14" dur="1" fill="hold">
+                                          <p:stCondLst>
+                                            <p:cond delay="0"/>
+                                          </p:stCondLst>
+                                        </p:cTn>
+                                        <p:tgtEl>
+                                          <p:spTgt spid="7">
+                                            <p:txEl>
+                                              <p:pRg st="3" end="3"/>
+                                            </p:txEl>
+                                          </p:spTgt>
+                                        </p:tgtEl>
+                                        <p:attrNameLst>
+                                          <p:attrName>style.visibility</p:attrName>
+                                        </p:attrNameLst>
+                                      </p:cBhvr>
+                                      <p:to>
+                                        <p:strVal val="visible"/>
+                                      </p:to>
+                                    </p:set>
+                                  </p:childTnLst>
+                                </p:cTn>
+                              </p:par>
+                            </p:childTnLst>
+                          </p:cTn>
+                        </p:par>
+                      </p:childTnLst>
+                    </p:cTn>
+                  </p:par>
+                  <p:par>
+                    <p:cTn id="15" fill="hold">
+                      <p:stCondLst>
+                        <p:cond delay="indefinite"/>
+                      </p:stCondLst>
+                      <p:childTnLst>
+                        <p:par>
+                          <p:cTn id="16" fill="hold">
+                            <p:stCondLst>
+                              <p:cond delay="0"/>
+                            </p:stCondLst>
+                            <p:childTnLst>
+                              <p:par>
+                                <p:cTn id="17" presetID="1" presetClass="entr" presetSubtype="0" fill="hold" nodeType="clickEffect">
+                                  <p:stCondLst>
+                                    <p:cond delay="0"/>
+                                  </p:stCondLst>
+                                  <p:childTnLst>
+                                    <p:set>
+                                      <p:cBhvr>
+                                        <p:cTn id="18" dur="1" fill="hold">
+                                          <p:stCondLst>
+                                            <p:cond delay="0"/>
+                                          </p:stCondLst>
+                                        </p:cTn>
+                                        <p:tgtEl>
+                                          <p:spTgt spid="3">
+                                            <p:txEl>
+                                              <p:pRg st="0" end="0"/>
+                                            </p:txEl>
+                                          </p:spTgt>
+                                        </p:tgtEl>
+                                        <p:attrNameLst>
+                                          <p:attrName>style.visibility</p:attrName>
+                                        </p:attrNameLst>
+                                      </p:cBhvr>
+                                      <p:to>
+                                        <p:strVal val="visible"/>
+                                      </p:to>
+                                    </p:set>
+                                  </p:childTnLst>
+                                </p:cTn>
+                              </p:par>
+                            </p:childTnLst>
+                          </p:cTn>
+                        </p:par>
+                      </p:childTnLst>
+                    </p:cTn>
+                  </p:par>
+                  <p:par>
+                    <p:cTn id="19" fill="hold">
+                      <p:stCondLst>
+                        <p:cond delay="indefinite"/>
+                      </p:stCondLst>
+                      <p:childTnLst>
+                        <p:par>
+                          <p:cTn id="20" fill="hold">
+                            <p:stCondLst>
+                              <p:cond delay="0"/>
+                            </p:stCondLst>
+                            <p:childTnLst>
+                              <p:par>
+                                <p:cTn id="21" presetID="1" presetClass="entr" presetSubtype="0" fill="hold" nodeType="clickEffect">
+                                  <p:stCondLst>
+                                    <p:cond delay="0"/>
+                                  </p:stCondLst>
+                                  <p:childTnLst>
+                                    <p:set>
+                                      <p:cBhvr>
+                                        <p:cTn id="22" dur="1" fill="hold">
+                                          <p:stCondLst>
+                                            <p:cond delay="0"/>
+                                          </p:stCondLst>
+                                        </p:cTn>
+                                        <p:tgtEl>
+                                          <p:spTgt spid="6"/>
+                                        </p:tgtEl>
+                                        <p:attrNameLst>
+                                          <p:attrName>style.visibility</p:attrName>
+                                        </p:attrNameLst>
+                                      </p:cBhvr>
+                                      <p:to>
+                                        <p:strVal val="visible"/>
+                                      </p:to>
+                                    </p:set>
+                                  </p:childTnLst>
+                                </p:cTn>
+                              </p:par>
+                            </p:childTnLst>
+                          </p:cTn>
+                        </p:par>
+                      </p:childTnLst>
+                    </p:cTn>
+                  </p:par>
+                  <p:par>
+                    <p:cTn id="23" fill="hold">
+                      <p:stCondLst>
+                        <p:cond delay="indefinite"/>
+                      </p:stCondLst>
+                      <p:childTnLst>
+                        <p:par>
+                          <p:cTn id="24" fill="hold">
+                            <p:stCondLst>
+                              <p:cond delay="0"/>
+                            </p:stCondLst>
+                            <p:childTnLst>
+                              <p:par>
+                                <p:cTn id="25" presetID="1" presetClass="entr" presetSubtype="0" fill="hold" nodeType="clickEffect">
+                                  <p:stCondLst>
+                                    <p:cond delay="0"/>
+                                  </p:stCondLst>
+                                  <p:childTnLst>
+                                    <p:set>
+                                      <p:cBhvr>
+                                        <p:cTn id="26" dur="1" fill="hold">
+                                          <p:stCondLst>
+                                            <p:cond delay="0"/>
+                                          </p:stCondLst>
+                                        </p:cTn>
+                                        <p:tgtEl>
+                                          <p:spTgt spid="3">
+                                            <p:txEl>
+                                              <p:pRg st="2" end="2"/>
+                                            </p:txEl>
+                                          </p:spTgt>
+                                        </p:tgtEl>
+                                        <p:attrNameLst>
+                                          <p:attrName>style.visibility</p:attrName>
+                                        </p:attrNameLst>
+                                      </p:cBhvr>
+                                      <p:to>
+                                        <p:strVal val="visible"/>
+                                      </p:to>
+                                    </p:set>
+                                  </p:childTnLst>
+                                </p:cTn>
+                              </p:par>
+                            </p:childTnLst>
+                          </p:cTn>
+                        </p:par>
+                      </p:childTnLst>
+                    </p:cTn>
+                  </p:par>
+                </p:childTnLst>
+              </p:cTn>
+              <p:prevCondLst>
+                <p:cond evt="onPrev" delay="0">
+                  <p:tgtEl>
+                    <p:sldTgt/>
+                  </p:tgtEl>
+                </p:cond>
+              </p:prevCondLst>
+              <p:nextCondLst>
+                <p:cond evt="onNext" delay="0">
+                  <p:tgtEl>
+                    <p:sldTgt/>
+                  </p:tgtEl>
+                </p:cond>
+              </p:nextCondLst>
+            </p:seq>
+          </p:childTnLst>
+        </p:cTn>
+      </p:par>
+    </p:tnLst>
+  </p:timing>
 </p:sld>
 </file>
 
@@ -11829,6 +12816,134 @@
   <p:clrMapOvr>
     <a:masterClrMapping/>
   </p:clrMapOvr>
+  <p:timing>
+    <p:tnLst>
+      <p:par>
+        <p:cTn id="1" dur="indefinite" restart="never" nodeType="tmRoot">
+          <p:childTnLst>
+            <p:seq concurrent="1" nextAc="seek">
+              <p:cTn id="2" dur="indefinite" nodeType="mainSeq">
+                <p:childTnLst>
+                  <p:par>
+                    <p:cTn id="3" fill="hold">
+                      <p:stCondLst>
+                        <p:cond delay="indefinite"/>
+                      </p:stCondLst>
+                      <p:childTnLst>
+                        <p:par>
+                          <p:cTn id="4" fill="hold">
+                            <p:stCondLst>
+                              <p:cond delay="0"/>
+                            </p:stCondLst>
+                            <p:childTnLst>
+                              <p:par>
+                                <p:cTn id="5" presetID="1" presetClass="entr" presetSubtype="0" fill="hold" nodeType="clickEffect">
+                                  <p:stCondLst>
+                                    <p:cond delay="0"/>
+                                  </p:stCondLst>
+                                  <p:childTnLst>
+                                    <p:set>
+                                      <p:cBhvr>
+                                        <p:cTn id="6" dur="1" fill="hold">
+                                          <p:stCondLst>
+                                            <p:cond delay="0"/>
+                                          </p:stCondLst>
+                                        </p:cTn>
+                                        <p:tgtEl>
+                                          <p:spTgt spid="3">
+                                            <p:txEl>
+                                              <p:pRg st="0" end="0"/>
+                                            </p:txEl>
+                                          </p:spTgt>
+                                        </p:tgtEl>
+                                        <p:attrNameLst>
+                                          <p:attrName>style.visibility</p:attrName>
+                                        </p:attrNameLst>
+                                      </p:cBhvr>
+                                      <p:to>
+                                        <p:strVal val="visible"/>
+                                      </p:to>
+                                    </p:set>
+                                  </p:childTnLst>
+                                </p:cTn>
+                              </p:par>
+                            </p:childTnLst>
+                          </p:cTn>
+                        </p:par>
+                      </p:childTnLst>
+                    </p:cTn>
+                  </p:par>
+                  <p:par>
+                    <p:cTn id="7" fill="hold">
+                      <p:stCondLst>
+                        <p:cond delay="indefinite"/>
+                      </p:stCondLst>
+                      <p:childTnLst>
+                        <p:par>
+                          <p:cTn id="8" fill="hold">
+                            <p:stCondLst>
+                              <p:cond delay="0"/>
+                            </p:stCondLst>
+                            <p:childTnLst>
+                              <p:par>
+                                <p:cTn id="9" presetID="1" presetClass="entr" presetSubtype="0" fill="hold" nodeType="clickEffect">
+                                  <p:stCondLst>
+                                    <p:cond delay="0"/>
+                                  </p:stCondLst>
+                                  <p:childTnLst>
+                                    <p:set>
+                                      <p:cBhvr>
+                                        <p:cTn id="10" dur="1" fill="hold">
+                                          <p:stCondLst>
+                                            <p:cond delay="0"/>
+                                          </p:stCondLst>
+                                        </p:cTn>
+                                        <p:tgtEl>
+                                          <p:spTgt spid="3">
+                                            <p:txEl>
+                                              <p:pRg st="2" end="2"/>
+                                            </p:txEl>
+                                          </p:spTgt>
+                                        </p:tgtEl>
+                                        <p:attrNameLst>
+                                          <p:attrName>style.visibility</p:attrName>
+                                        </p:attrNameLst>
+                                      </p:cBhvr>
+                                      <p:to>
+                                        <p:strVal val="visible"/>
+                                      </p:to>
+                                    </p:set>
+                                  </p:childTnLst>
+                                </p:cTn>
+                              </p:par>
+                            </p:childTnLst>
+                          </p:cTn>
+                        </p:par>
+                      </p:childTnLst>
+                    </p:cTn>
+                  </p:par>
+                </p:childTnLst>
+              </p:cTn>
+              <p:prevCondLst>
+                <p:cond evt="onPrev" delay="0">
+                  <p:tgtEl>
+                    <p:sldTgt/>
+                  </p:tgtEl>
+                </p:cond>
+              </p:prevCondLst>
+              <p:nextCondLst>
+                <p:cond evt="onNext" delay="0">
+                  <p:tgtEl>
+                    <p:sldTgt/>
+                  </p:tgtEl>
+                </p:cond>
+              </p:nextCondLst>
+            </p:seq>
+          </p:childTnLst>
+        </p:cTn>
+      </p:par>
+    </p:tnLst>
+  </p:timing>
 </p:sld>
 </file>
 
@@ -11952,6 +13067,134 @@
   <p:clrMapOvr>
     <a:masterClrMapping/>
   </p:clrMapOvr>
+  <p:timing>
+    <p:tnLst>
+      <p:par>
+        <p:cTn id="1" dur="indefinite" restart="never" nodeType="tmRoot">
+          <p:childTnLst>
+            <p:seq concurrent="1" nextAc="seek">
+              <p:cTn id="2" dur="indefinite" nodeType="mainSeq">
+                <p:childTnLst>
+                  <p:par>
+                    <p:cTn id="3" fill="hold">
+                      <p:stCondLst>
+                        <p:cond delay="indefinite"/>
+                      </p:stCondLst>
+                      <p:childTnLst>
+                        <p:par>
+                          <p:cTn id="4" fill="hold">
+                            <p:stCondLst>
+                              <p:cond delay="0"/>
+                            </p:stCondLst>
+                            <p:childTnLst>
+                              <p:par>
+                                <p:cTn id="5" presetID="1" presetClass="entr" presetSubtype="0" fill="hold" nodeType="clickEffect">
+                                  <p:stCondLst>
+                                    <p:cond delay="0"/>
+                                  </p:stCondLst>
+                                  <p:childTnLst>
+                                    <p:set>
+                                      <p:cBhvr>
+                                        <p:cTn id="6" dur="1" fill="hold">
+                                          <p:stCondLst>
+                                            <p:cond delay="0"/>
+                                          </p:stCondLst>
+                                        </p:cTn>
+                                        <p:tgtEl>
+                                          <p:spTgt spid="3">
+                                            <p:txEl>
+                                              <p:pRg st="0" end="0"/>
+                                            </p:txEl>
+                                          </p:spTgt>
+                                        </p:tgtEl>
+                                        <p:attrNameLst>
+                                          <p:attrName>style.visibility</p:attrName>
+                                        </p:attrNameLst>
+                                      </p:cBhvr>
+                                      <p:to>
+                                        <p:strVal val="visible"/>
+                                      </p:to>
+                                    </p:set>
+                                  </p:childTnLst>
+                                </p:cTn>
+                              </p:par>
+                            </p:childTnLst>
+                          </p:cTn>
+                        </p:par>
+                      </p:childTnLst>
+                    </p:cTn>
+                  </p:par>
+                  <p:par>
+                    <p:cTn id="7" fill="hold">
+                      <p:stCondLst>
+                        <p:cond delay="indefinite"/>
+                      </p:stCondLst>
+                      <p:childTnLst>
+                        <p:par>
+                          <p:cTn id="8" fill="hold">
+                            <p:stCondLst>
+                              <p:cond delay="0"/>
+                            </p:stCondLst>
+                            <p:childTnLst>
+                              <p:par>
+                                <p:cTn id="9" presetID="1" presetClass="entr" presetSubtype="0" fill="hold" nodeType="clickEffect">
+                                  <p:stCondLst>
+                                    <p:cond delay="0"/>
+                                  </p:stCondLst>
+                                  <p:childTnLst>
+                                    <p:set>
+                                      <p:cBhvr>
+                                        <p:cTn id="10" dur="1" fill="hold">
+                                          <p:stCondLst>
+                                            <p:cond delay="0"/>
+                                          </p:stCondLst>
+                                        </p:cTn>
+                                        <p:tgtEl>
+                                          <p:spTgt spid="3">
+                                            <p:txEl>
+                                              <p:pRg st="2" end="2"/>
+                                            </p:txEl>
+                                          </p:spTgt>
+                                        </p:tgtEl>
+                                        <p:attrNameLst>
+                                          <p:attrName>style.visibility</p:attrName>
+                                        </p:attrNameLst>
+                                      </p:cBhvr>
+                                      <p:to>
+                                        <p:strVal val="visible"/>
+                                      </p:to>
+                                    </p:set>
+                                  </p:childTnLst>
+                                </p:cTn>
+                              </p:par>
+                            </p:childTnLst>
+                          </p:cTn>
+                        </p:par>
+                      </p:childTnLst>
+                    </p:cTn>
+                  </p:par>
+                </p:childTnLst>
+              </p:cTn>
+              <p:prevCondLst>
+                <p:cond evt="onPrev" delay="0">
+                  <p:tgtEl>
+                    <p:sldTgt/>
+                  </p:tgtEl>
+                </p:cond>
+              </p:prevCondLst>
+              <p:nextCondLst>
+                <p:cond evt="onNext" delay="0">
+                  <p:tgtEl>
+                    <p:sldTgt/>
+                  </p:tgtEl>
+                </p:cond>
+              </p:nextCondLst>
+            </p:seq>
+          </p:childTnLst>
+        </p:cTn>
+      </p:par>
+    </p:tnLst>
+  </p:timing>
 </p:sld>
 </file>
 
@@ -12074,6 +13317,183 @@
   <p:clrMapOvr>
     <a:masterClrMapping/>
   </p:clrMapOvr>
+  <p:timing>
+    <p:tnLst>
+      <p:par>
+        <p:cTn id="1" dur="indefinite" restart="never" nodeType="tmRoot">
+          <p:childTnLst>
+            <p:seq concurrent="1" nextAc="seek">
+              <p:cTn id="2" dur="indefinite" nodeType="mainSeq">
+                <p:childTnLst>
+                  <p:par>
+                    <p:cTn id="3" fill="hold">
+                      <p:stCondLst>
+                        <p:cond delay="indefinite"/>
+                      </p:stCondLst>
+                      <p:childTnLst>
+                        <p:par>
+                          <p:cTn id="4" fill="hold">
+                            <p:stCondLst>
+                              <p:cond delay="0"/>
+                            </p:stCondLst>
+                            <p:childTnLst>
+                              <p:par>
+                                <p:cTn id="5" presetID="1" presetClass="entr" presetSubtype="0" fill="hold" nodeType="clickEffect">
+                                  <p:stCondLst>
+                                    <p:cond delay="0"/>
+                                  </p:stCondLst>
+                                  <p:childTnLst>
+                                    <p:set>
+                                      <p:cBhvr>
+                                        <p:cTn id="6" dur="1" fill="hold">
+                                          <p:stCondLst>
+                                            <p:cond delay="0"/>
+                                          </p:stCondLst>
+                                        </p:cTn>
+                                        <p:tgtEl>
+                                          <p:spTgt spid="3">
+                                            <p:txEl>
+                                              <p:pRg st="0" end="0"/>
+                                            </p:txEl>
+                                          </p:spTgt>
+                                        </p:tgtEl>
+                                        <p:attrNameLst>
+                                          <p:attrName>style.visibility</p:attrName>
+                                        </p:attrNameLst>
+                                      </p:cBhvr>
+                                      <p:to>
+                                        <p:strVal val="visible"/>
+                                      </p:to>
+                                    </p:set>
+                                  </p:childTnLst>
+                                </p:cTn>
+                              </p:par>
+                            </p:childTnLst>
+                          </p:cTn>
+                        </p:par>
+                      </p:childTnLst>
+                    </p:cTn>
+                  </p:par>
+                  <p:par>
+                    <p:cTn id="7" fill="hold">
+                      <p:stCondLst>
+                        <p:cond delay="indefinite"/>
+                      </p:stCondLst>
+                      <p:childTnLst>
+                        <p:par>
+                          <p:cTn id="8" fill="hold">
+                            <p:stCondLst>
+                              <p:cond delay="0"/>
+                            </p:stCondLst>
+                            <p:childTnLst>
+                              <p:par>
+                                <p:cTn id="9" presetID="1" presetClass="entr" presetSubtype="0" fill="hold" nodeType="clickEffect">
+                                  <p:stCondLst>
+                                    <p:cond delay="0"/>
+                                  </p:stCondLst>
+                                  <p:childTnLst>
+                                    <p:set>
+                                      <p:cBhvr>
+                                        <p:cTn id="10" dur="1" fill="hold">
+                                          <p:stCondLst>
+                                            <p:cond delay="0"/>
+                                          </p:stCondLst>
+                                        </p:cTn>
+                                        <p:tgtEl>
+                                          <p:spTgt spid="3">
+                                            <p:txEl>
+                                              <p:pRg st="2" end="2"/>
+                                            </p:txEl>
+                                          </p:spTgt>
+                                        </p:tgtEl>
+                                        <p:attrNameLst>
+                                          <p:attrName>style.visibility</p:attrName>
+                                        </p:attrNameLst>
+                                      </p:cBhvr>
+                                      <p:to>
+                                        <p:strVal val="visible"/>
+                                      </p:to>
+                                    </p:set>
+                                  </p:childTnLst>
+                                </p:cTn>
+                              </p:par>
+                            </p:childTnLst>
+                          </p:cTn>
+                        </p:par>
+                      </p:childTnLst>
+                    </p:cTn>
+                  </p:par>
+                  <p:par>
+                    <p:cTn id="11" fill="hold">
+                      <p:stCondLst>
+                        <p:cond delay="indefinite"/>
+                      </p:stCondLst>
+                      <p:childTnLst>
+                        <p:par>
+                          <p:cTn id="12" fill="hold">
+                            <p:stCondLst>
+                              <p:cond delay="0"/>
+                            </p:stCondLst>
+                            <p:childTnLst>
+                              <p:par>
+                                <p:cTn id="13" presetID="1" presetClass="entr" presetSubtype="0" fill="hold" nodeType="clickEffect">
+                                  <p:stCondLst>
+                                    <p:cond delay="0"/>
+                                  </p:stCondLst>
+                                  <p:childTnLst>
+                                    <p:set>
+                                      <p:cBhvr>
+                                        <p:cTn id="14" dur="1" fill="hold">
+                                          <p:stCondLst>
+                                            <p:cond delay="0"/>
+                                          </p:stCondLst>
+                                        </p:cTn>
+                                        <p:tgtEl>
+                                          <p:spTgt spid="3">
+                                            <p:txEl>
+                                              <p:pRg st="4" end="4"/>
+                                            </p:txEl>
+                                          </p:spTgt>
+                                        </p:tgtEl>
+                                        <p:attrNameLst>
+                                          <p:attrName>style.visibility</p:attrName>
+                                        </p:attrNameLst>
+                                      </p:cBhvr>
+                                      <p:to>
+                                        <p:strVal val="visible"/>
+                                      </p:to>
+                                    </p:set>
+                                  </p:childTnLst>
+                                </p:cTn>
+                              </p:par>
+                            </p:childTnLst>
+                          </p:cTn>
+                        </p:par>
+                      </p:childTnLst>
+                    </p:cTn>
+                  </p:par>
+                </p:childTnLst>
+              </p:cTn>
+              <p:prevCondLst>
+                <p:cond evt="onPrev" delay="0">
+                  <p:tgtEl>
+                    <p:sldTgt/>
+                  </p:tgtEl>
+                </p:cond>
+              </p:prevCondLst>
+              <p:nextCondLst>
+                <p:cond evt="onNext" delay="0">
+                  <p:tgtEl>
+                    <p:sldTgt/>
+                  </p:tgtEl>
+                </p:cond>
+              </p:nextCondLst>
+            </p:seq>
+          </p:childTnLst>
+        </p:cTn>
+      </p:par>
+    </p:tnLst>
+  </p:timing>
 </p:sld>
 </file>
 
@@ -16364,7 +17784,7 @@
         <p:spPr>
           <a:xfrm>
             <a:off x="838200" y="1666142"/>
-            <a:ext cx="10515600" cy="2523768"/>
+            <a:ext cx="10515600" cy="2831544"/>
           </a:xfrm>
           <a:prstGeom prst="rect">
             <a:avLst/>
@@ -16386,6 +17806,25 @@
             </a:r>
           </a:p>
           <a:p>
+            <a:endParaRPr lang="en-GB" sz="2000" dirty="0">
+              <a:latin typeface="Arial" panose="020B0604020202020204" pitchFamily="34" charset="0"/>
+              <a:cs typeface="Arial" panose="020B0604020202020204" pitchFamily="34" charset="0"/>
+            </a:endParaRPr>
+          </a:p>
+          <a:p>
+            <a:pPr marL="285750" indent="-285750">
+              <a:buFont typeface="Arial" panose="020B0604020202020204" pitchFamily="34" charset="0"/>
+              <a:buChar char="•"/>
+            </a:pPr>
+            <a:r>
+              <a:rPr lang="en-GB" sz="2000" dirty="0">
+                <a:latin typeface="Arial" panose="020B0604020202020204" pitchFamily="34" charset="0"/>
+                <a:cs typeface="Arial" panose="020B0604020202020204" pitchFamily="34" charset="0"/>
+              </a:rPr>
+              <a:t>Queries</a:t>
+            </a:r>
+          </a:p>
+          <a:p>
             <a:pPr marL="285750" indent="-285750">
               <a:buFont typeface="Arial" panose="020B0604020202020204" pitchFamily="34" charset="0"/>
               <a:buChar char="•"/>
@@ -16440,19 +17879,6 @@
               <a:latin typeface="Arial" panose="020B0604020202020204" pitchFamily="34" charset="0"/>
               <a:cs typeface="Arial" panose="020B0604020202020204" pitchFamily="34" charset="0"/>
             </a:endParaRPr>
-          </a:p>
-          <a:p>
-            <a:pPr marL="285750" indent="-285750">
-              <a:buFont typeface="Arial" panose="020B0604020202020204" pitchFamily="34" charset="0"/>
-              <a:buChar char="•"/>
-            </a:pPr>
-            <a:r>
-              <a:rPr lang="en-GB" sz="2000" dirty="0">
-                <a:latin typeface="Arial" panose="020B0604020202020204" pitchFamily="34" charset="0"/>
-                <a:cs typeface="Arial" panose="020B0604020202020204" pitchFamily="34" charset="0"/>
-              </a:rPr>
-              <a:t>Queries</a:t>
-            </a:r>
           </a:p>
           <a:p>
             <a:endParaRPr lang="en-GB" dirty="0"/>
@@ -16720,7 +18146,7 @@
           <p:cNvPr id="2" name="Title 1">
             <a:extLst>
               <a:ext uri="{FF2B5EF4-FFF2-40B4-BE49-F238E27FC236}">
-                <a16:creationId xmlns:a16="http://schemas.microsoft.com/office/drawing/2014/main" id="{27B47342-65E1-4DA6-AC49-41E1D7C94E72}"/>
+                <a16:creationId xmlns:a16="http://schemas.microsoft.com/office/drawing/2014/main" id="{E27FAF20-FFF6-4E47-84B4-50B14FD45DAA}"/>
               </a:ext>
             </a:extLst>
           </p:cNvPr>
@@ -16733,8 +18159,8 @@
         </p:nvSpPr>
         <p:spPr>
           <a:xfrm>
-            <a:off x="838200" y="365126"/>
-            <a:ext cx="5721096" cy="794602"/>
+            <a:off x="838200" y="365125"/>
+            <a:ext cx="4510141" cy="1325563"/>
           </a:xfrm>
         </p:spPr>
         <p:txBody>
@@ -16748,188 +18174,652 @@
                 <a:latin typeface="Arial" panose="020B0604020202020204" pitchFamily="34" charset="0"/>
                 <a:cs typeface="Arial" panose="020B0604020202020204" pitchFamily="34" charset="0"/>
               </a:rPr>
-              <a:t>The </a:t>
-            </a:r>
-            <a:r>
-              <a:rPr lang="en-GB" sz="4000" b="1" dirty="0" err="1">
-                <a:latin typeface="Arial" panose="020B0604020202020204" pitchFamily="34" charset="0"/>
-                <a:cs typeface="Arial" panose="020B0604020202020204" pitchFamily="34" charset="0"/>
-              </a:rPr>
-              <a:t>GraphQL</a:t>
-            </a:r>
-            <a:r>
-              <a:rPr lang="en-GB" sz="4000" b="1" dirty="0">
-                <a:latin typeface="Arial" panose="020B0604020202020204" pitchFamily="34" charset="0"/>
-                <a:cs typeface="Arial" panose="020B0604020202020204" pitchFamily="34" charset="0"/>
-              </a:rPr>
-              <a:t> Schema</a:t>
+              <a:t>Queries</a:t>
+            </a:r>
+          </a:p>
+        </p:txBody>
+      </p:sp>
+      <p:pic>
+        <p:nvPicPr>
+          <p:cNvPr id="4" name="Content Placeholder 3">
+            <a:extLst>
+              <a:ext uri="{FF2B5EF4-FFF2-40B4-BE49-F238E27FC236}">
+                <a16:creationId xmlns:a16="http://schemas.microsoft.com/office/drawing/2014/main" id="{ACE95CBC-E5E1-49DD-9724-70E2D65E1E1F}"/>
+              </a:ext>
+            </a:extLst>
+          </p:cNvPr>
+          <p:cNvPicPr>
+            <a:picLocks noGrp="1" noChangeAspect="1"/>
+          </p:cNvPicPr>
+          <p:nvPr>
+            <p:ph idx="1"/>
+          </p:nvPr>
+        </p:nvPicPr>
+        <p:blipFill>
+          <a:blip r:embed="rId3"/>
+          <a:stretch>
+            <a:fillRect/>
+          </a:stretch>
+        </p:blipFill>
+        <p:spPr>
+          <a:xfrm>
+            <a:off x="6790908" y="2575250"/>
+            <a:ext cx="3467100" cy="2381250"/>
+          </a:xfrm>
+          <a:prstGeom prst="rect">
+            <a:avLst/>
+          </a:prstGeom>
+        </p:spPr>
+      </p:pic>
+      <p:cxnSp>
+        <p:nvCxnSpPr>
+          <p:cNvPr id="8" name="Straight Arrow Connector 7">
+            <a:extLst>
+              <a:ext uri="{FF2B5EF4-FFF2-40B4-BE49-F238E27FC236}">
+                <a16:creationId xmlns:a16="http://schemas.microsoft.com/office/drawing/2014/main" id="{66DF41F3-C8D3-48C5-8B0A-CC8BD0BDB5F1}"/>
+              </a:ext>
+            </a:extLst>
+          </p:cNvPr>
+          <p:cNvCxnSpPr>
+            <a:cxnSpLocks/>
+            <a:stCxn id="9" idx="2"/>
+          </p:cNvCxnSpPr>
+          <p:nvPr/>
+        </p:nvCxnSpPr>
+        <p:spPr>
+          <a:xfrm>
+            <a:off x="6996158" y="1273345"/>
+            <a:ext cx="2520" cy="1329178"/>
+          </a:xfrm>
+          <a:prstGeom prst="straightConnector1">
+            <a:avLst/>
+          </a:prstGeom>
+          <a:ln>
+            <a:tailEnd type="triangle"/>
+          </a:ln>
+        </p:spPr>
+        <p:style>
+          <a:lnRef idx="1">
+            <a:schemeClr val="accent1"/>
+          </a:lnRef>
+          <a:fillRef idx="0">
+            <a:schemeClr val="accent1"/>
+          </a:fillRef>
+          <a:effectRef idx="0">
+            <a:schemeClr val="accent1"/>
+          </a:effectRef>
+          <a:fontRef idx="minor">
+            <a:schemeClr val="tx1"/>
+          </a:fontRef>
+        </p:style>
+      </p:cxnSp>
+      <p:sp>
+        <p:nvSpPr>
+          <p:cNvPr id="9" name="TextBox 8">
+            <a:extLst>
+              <a:ext uri="{FF2B5EF4-FFF2-40B4-BE49-F238E27FC236}">
+                <a16:creationId xmlns:a16="http://schemas.microsoft.com/office/drawing/2014/main" id="{D7B05566-AD28-4C67-A322-9388DC979211}"/>
+              </a:ext>
+            </a:extLst>
+          </p:cNvPr>
+          <p:cNvSpPr txBox="1"/>
+          <p:nvPr/>
+        </p:nvSpPr>
+        <p:spPr>
+          <a:xfrm>
+            <a:off x="6008915" y="904013"/>
+            <a:ext cx="1974485" cy="369332"/>
+          </a:xfrm>
+          <a:prstGeom prst="rect">
+            <a:avLst/>
+          </a:prstGeom>
+          <a:noFill/>
+        </p:spPr>
+        <p:txBody>
+          <a:bodyPr wrap="square" rtlCol="0">
+            <a:spAutoFit/>
+          </a:bodyPr>
+          <a:lstStyle/>
+          <a:p>
+            <a:r>
+              <a:rPr lang="en-GB" b="1" dirty="0">
+                <a:latin typeface="Arial" panose="020B0604020202020204" pitchFamily="34" charset="0"/>
+                <a:cs typeface="Arial" panose="020B0604020202020204" pitchFamily="34" charset="0"/>
+              </a:rPr>
+              <a:t>Operation Type</a:t>
+            </a:r>
+          </a:p>
+        </p:txBody>
+      </p:sp>
+      <p:cxnSp>
+        <p:nvCxnSpPr>
+          <p:cNvPr id="11" name="Straight Arrow Connector 10">
+            <a:extLst>
+              <a:ext uri="{FF2B5EF4-FFF2-40B4-BE49-F238E27FC236}">
+                <a16:creationId xmlns:a16="http://schemas.microsoft.com/office/drawing/2014/main" id="{A78E6112-6415-4F21-98EC-B5DD9B2F92D5}"/>
+              </a:ext>
+            </a:extLst>
+          </p:cNvPr>
+          <p:cNvCxnSpPr>
+            <a:cxnSpLocks/>
+          </p:cNvCxnSpPr>
+          <p:nvPr/>
+        </p:nvCxnSpPr>
+        <p:spPr>
+          <a:xfrm>
+            <a:off x="7860323" y="1690688"/>
+            <a:ext cx="0" cy="902147"/>
+          </a:xfrm>
+          <a:prstGeom prst="straightConnector1">
+            <a:avLst/>
+          </a:prstGeom>
+          <a:ln>
+            <a:tailEnd type="triangle"/>
+          </a:ln>
+        </p:spPr>
+        <p:style>
+          <a:lnRef idx="1">
+            <a:schemeClr val="accent1"/>
+          </a:lnRef>
+          <a:fillRef idx="0">
+            <a:schemeClr val="accent1"/>
+          </a:fillRef>
+          <a:effectRef idx="0">
+            <a:schemeClr val="accent1"/>
+          </a:effectRef>
+          <a:fontRef idx="minor">
+            <a:schemeClr val="tx1"/>
+          </a:fontRef>
+        </p:style>
+      </p:cxnSp>
+      <p:sp>
+        <p:nvSpPr>
+          <p:cNvPr id="12" name="TextBox 11">
+            <a:extLst>
+              <a:ext uri="{FF2B5EF4-FFF2-40B4-BE49-F238E27FC236}">
+                <a16:creationId xmlns:a16="http://schemas.microsoft.com/office/drawing/2014/main" id="{6D0F6A8A-452B-4636-975C-8853468D9682}"/>
+              </a:ext>
+            </a:extLst>
+          </p:cNvPr>
+          <p:cNvSpPr txBox="1"/>
+          <p:nvPr/>
+        </p:nvSpPr>
+        <p:spPr>
+          <a:xfrm>
+            <a:off x="7498737" y="1326200"/>
+            <a:ext cx="2053339" cy="369332"/>
+          </a:xfrm>
+          <a:prstGeom prst="rect">
+            <a:avLst/>
+          </a:prstGeom>
+          <a:noFill/>
+        </p:spPr>
+        <p:txBody>
+          <a:bodyPr wrap="square" rtlCol="0">
+            <a:spAutoFit/>
+          </a:bodyPr>
+          <a:lstStyle/>
+          <a:p>
+            <a:r>
+              <a:rPr lang="en-GB" b="1" dirty="0">
+                <a:latin typeface="Arial" panose="020B0604020202020204" pitchFamily="34" charset="0"/>
+                <a:cs typeface="Arial" panose="020B0604020202020204" pitchFamily="34" charset="0"/>
+              </a:rPr>
+              <a:t>Operation name</a:t>
+            </a:r>
+          </a:p>
+        </p:txBody>
+      </p:sp>
+      <p:cxnSp>
+        <p:nvCxnSpPr>
+          <p:cNvPr id="16" name="Straight Arrow Connector 15">
+            <a:extLst>
+              <a:ext uri="{FF2B5EF4-FFF2-40B4-BE49-F238E27FC236}">
+                <a16:creationId xmlns:a16="http://schemas.microsoft.com/office/drawing/2014/main" id="{59FAE0AC-14A9-4EF2-B0F7-BA649C5A354E}"/>
+              </a:ext>
+            </a:extLst>
+          </p:cNvPr>
+          <p:cNvCxnSpPr/>
+          <p:nvPr/>
+        </p:nvCxnSpPr>
+        <p:spPr>
+          <a:xfrm>
+            <a:off x="9135208" y="2141761"/>
+            <a:ext cx="0" cy="460762"/>
+          </a:xfrm>
+          <a:prstGeom prst="straightConnector1">
+            <a:avLst/>
+          </a:prstGeom>
+          <a:ln>
+            <a:tailEnd type="triangle"/>
+          </a:ln>
+        </p:spPr>
+        <p:style>
+          <a:lnRef idx="1">
+            <a:schemeClr val="accent1"/>
+          </a:lnRef>
+          <a:fillRef idx="0">
+            <a:schemeClr val="accent1"/>
+          </a:fillRef>
+          <a:effectRef idx="0">
+            <a:schemeClr val="accent1"/>
+          </a:effectRef>
+          <a:fontRef idx="minor">
+            <a:schemeClr val="tx1"/>
+          </a:fontRef>
+        </p:style>
+      </p:cxnSp>
+      <p:sp>
+        <p:nvSpPr>
+          <p:cNvPr id="17" name="TextBox 16">
+            <a:extLst>
+              <a:ext uri="{FF2B5EF4-FFF2-40B4-BE49-F238E27FC236}">
+                <a16:creationId xmlns:a16="http://schemas.microsoft.com/office/drawing/2014/main" id="{5232AD55-A07E-406F-BC6B-61154BE0F653}"/>
+              </a:ext>
+            </a:extLst>
+          </p:cNvPr>
+          <p:cNvSpPr txBox="1"/>
+          <p:nvPr/>
+        </p:nvSpPr>
+        <p:spPr>
+          <a:xfrm>
+            <a:off x="8998101" y="1777274"/>
+            <a:ext cx="2519815" cy="369332"/>
+          </a:xfrm>
+          <a:prstGeom prst="rect">
+            <a:avLst/>
+          </a:prstGeom>
+          <a:noFill/>
+        </p:spPr>
+        <p:txBody>
+          <a:bodyPr wrap="square" rtlCol="0">
+            <a:spAutoFit/>
+          </a:bodyPr>
+          <a:lstStyle/>
+          <a:p>
+            <a:r>
+              <a:rPr lang="en-GB" b="1" dirty="0">
+                <a:latin typeface="Arial" panose="020B0604020202020204" pitchFamily="34" charset="0"/>
+                <a:cs typeface="Arial" panose="020B0604020202020204" pitchFamily="34" charset="0"/>
+              </a:rPr>
+              <a:t>Variable Definitions</a:t>
             </a:r>
           </a:p>
         </p:txBody>
       </p:sp>
       <p:sp>
         <p:nvSpPr>
-          <p:cNvPr id="3" name="Content Placeholder 2">
+          <p:cNvPr id="18" name="Left Brace 17">
             <a:extLst>
               <a:ext uri="{FF2B5EF4-FFF2-40B4-BE49-F238E27FC236}">
-                <a16:creationId xmlns:a16="http://schemas.microsoft.com/office/drawing/2014/main" id="{46249623-7E50-4A03-B2A3-9F5FB92325FF}"/>
+                <a16:creationId xmlns:a16="http://schemas.microsoft.com/office/drawing/2014/main" id="{4C632083-2939-4227-8EDB-B7D99BE6CF11}"/>
               </a:ext>
             </a:extLst>
           </p:cNvPr>
-          <p:cNvSpPr>
-            <a:spLocks noGrp="1"/>
-          </p:cNvSpPr>
-          <p:nvPr>
-            <p:ph idx="1"/>
-          </p:nvPr>
+          <p:cNvSpPr/>
+          <p:nvPr/>
         </p:nvSpPr>
         <p:spPr>
           <a:xfrm>
-            <a:off x="838200" y="1417571"/>
-            <a:ext cx="10515600" cy="5075303"/>
+            <a:off x="7288822" y="3288323"/>
+            <a:ext cx="137863" cy="1055077"/>
           </a:xfrm>
+          <a:prstGeom prst="leftBrace">
+            <a:avLst/>
+          </a:prstGeom>
+        </p:spPr>
+        <p:style>
+          <a:lnRef idx="1">
+            <a:schemeClr val="accent1"/>
+          </a:lnRef>
+          <a:fillRef idx="0">
+            <a:schemeClr val="accent1"/>
+          </a:fillRef>
+          <a:effectRef idx="0">
+            <a:schemeClr val="accent1"/>
+          </a:effectRef>
+          <a:fontRef idx="minor">
+            <a:schemeClr val="tx1"/>
+          </a:fontRef>
+        </p:style>
+        <p:txBody>
+          <a:bodyPr rtlCol="0" anchor="ctr"/>
+          <a:lstStyle/>
+          <a:p>
+            <a:pPr algn="ctr"/>
+            <a:endParaRPr lang="en-GB"/>
+          </a:p>
+        </p:txBody>
+      </p:sp>
+      <p:cxnSp>
+        <p:nvCxnSpPr>
+          <p:cNvPr id="20" name="Straight Arrow Connector 19">
+            <a:extLst>
+              <a:ext uri="{FF2B5EF4-FFF2-40B4-BE49-F238E27FC236}">
+                <a16:creationId xmlns:a16="http://schemas.microsoft.com/office/drawing/2014/main" id="{791E28C2-BC74-4DEC-9725-E661BDA2BAA2}"/>
+              </a:ext>
+            </a:extLst>
+          </p:cNvPr>
+          <p:cNvCxnSpPr>
+            <a:cxnSpLocks/>
+          </p:cNvCxnSpPr>
+          <p:nvPr/>
+        </p:nvCxnSpPr>
+        <p:spPr>
+          <a:xfrm>
+            <a:off x="6383215" y="3815862"/>
+            <a:ext cx="1043470" cy="0"/>
+          </a:xfrm>
+          <a:prstGeom prst="straightConnector1">
+            <a:avLst/>
+          </a:prstGeom>
+          <a:ln>
+            <a:tailEnd type="triangle"/>
+          </a:ln>
+        </p:spPr>
+        <p:style>
+          <a:lnRef idx="1">
+            <a:schemeClr val="accent1"/>
+          </a:lnRef>
+          <a:fillRef idx="0">
+            <a:schemeClr val="accent1"/>
+          </a:fillRef>
+          <a:effectRef idx="0">
+            <a:schemeClr val="accent1"/>
+          </a:effectRef>
+          <a:fontRef idx="minor">
+            <a:schemeClr val="tx1"/>
+          </a:fontRef>
+        </p:style>
+      </p:cxnSp>
+      <p:sp>
+        <p:nvSpPr>
+          <p:cNvPr id="25" name="TextBox 24">
+            <a:extLst>
+              <a:ext uri="{FF2B5EF4-FFF2-40B4-BE49-F238E27FC236}">
+                <a16:creationId xmlns:a16="http://schemas.microsoft.com/office/drawing/2014/main" id="{C5EC9195-7396-43E9-B8D8-EAAC12A5DC5B}"/>
+              </a:ext>
+            </a:extLst>
+          </p:cNvPr>
+          <p:cNvSpPr txBox="1"/>
+          <p:nvPr/>
+        </p:nvSpPr>
+        <p:spPr>
+          <a:xfrm>
+            <a:off x="5401093" y="3631195"/>
+            <a:ext cx="885452" cy="369332"/>
+          </a:xfrm>
+          <a:prstGeom prst="rect">
+            <a:avLst/>
+          </a:prstGeom>
+          <a:noFill/>
         </p:spPr>
         <p:txBody>
-          <a:bodyPr>
-            <a:normAutofit/>
+          <a:bodyPr wrap="square" rtlCol="0">
+            <a:spAutoFit/>
           </a:bodyPr>
           <a:lstStyle/>
           <a:p>
             <a:r>
-              <a:rPr lang="en-GB" sz="2000" dirty="0">
-                <a:latin typeface="Arial" panose="020B0604020202020204" pitchFamily="34" charset="0"/>
-                <a:cs typeface="Arial" panose="020B0604020202020204" pitchFamily="34" charset="0"/>
-              </a:rPr>
-              <a:t>The single source of truth in </a:t>
-            </a:r>
-            <a:r>
-              <a:rPr lang="en-GB" sz="2000" dirty="0" err="1">
-                <a:latin typeface="Arial" panose="020B0604020202020204" pitchFamily="34" charset="0"/>
-                <a:cs typeface="Arial" panose="020B0604020202020204" pitchFamily="34" charset="0"/>
-              </a:rPr>
-              <a:t>GraphQL</a:t>
-            </a:r>
-            <a:r>
-              <a:rPr lang="en-GB" sz="2000" dirty="0">
-                <a:latin typeface="Arial" panose="020B0604020202020204" pitchFamily="34" charset="0"/>
-                <a:cs typeface="Arial" panose="020B0604020202020204" pitchFamily="34" charset="0"/>
-              </a:rPr>
-              <a:t> applications </a:t>
-            </a:r>
-          </a:p>
-          <a:p>
-            <a:endParaRPr lang="en-GB" sz="2000" dirty="0">
-              <a:latin typeface="Arial" panose="020B0604020202020204" pitchFamily="34" charset="0"/>
-              <a:cs typeface="Arial" panose="020B0604020202020204" pitchFamily="34" charset="0"/>
-            </a:endParaRPr>
-          </a:p>
-          <a:p>
-            <a:r>
-              <a:rPr lang="en-GB" sz="2000" dirty="0">
-                <a:latin typeface="Arial" panose="020B0604020202020204" pitchFamily="34" charset="0"/>
-                <a:cs typeface="Arial" panose="020B0604020202020204" pitchFamily="34" charset="0"/>
-              </a:rPr>
-              <a:t>Can be seen as a contract between the server and the client</a:t>
-            </a:r>
-          </a:p>
-          <a:p>
-            <a:endParaRPr lang="en-GB" sz="2000" dirty="0">
-              <a:latin typeface="Arial" panose="020B0604020202020204" pitchFamily="34" charset="0"/>
-              <a:cs typeface="Arial" panose="020B0604020202020204" pitchFamily="34" charset="0"/>
-            </a:endParaRPr>
-          </a:p>
-          <a:p>
-            <a:r>
-              <a:rPr lang="en-GB" sz="2000" dirty="0">
-                <a:latin typeface="Arial" panose="020B0604020202020204" pitchFamily="34" charset="0"/>
-                <a:cs typeface="Arial" panose="020B0604020202020204" pitchFamily="34" charset="0"/>
-              </a:rPr>
-              <a:t>Defines the data available from the API and how clients can request it</a:t>
-            </a:r>
-          </a:p>
-          <a:p>
-            <a:endParaRPr lang="en-GB" sz="2000" dirty="0">
-              <a:latin typeface="Arial" panose="020B0604020202020204" pitchFamily="34" charset="0"/>
-              <a:cs typeface="Arial" panose="020B0604020202020204" pitchFamily="34" charset="0"/>
-            </a:endParaRPr>
-          </a:p>
-          <a:p>
-            <a:r>
-              <a:rPr lang="en-GB" sz="2000" dirty="0">
-                <a:latin typeface="Arial" panose="020B0604020202020204" pitchFamily="34" charset="0"/>
-                <a:cs typeface="Arial" panose="020B0604020202020204" pitchFamily="34" charset="0"/>
-              </a:rPr>
-              <a:t>Used to validate </a:t>
-            </a:r>
-            <a:r>
-              <a:rPr lang="en-GB" sz="2000" dirty="0" err="1">
-                <a:latin typeface="Arial" panose="020B0604020202020204" pitchFamily="34" charset="0"/>
-                <a:cs typeface="Arial" panose="020B0604020202020204" pitchFamily="34" charset="0"/>
-              </a:rPr>
-              <a:t>GraphQL</a:t>
-            </a:r>
-            <a:r>
-              <a:rPr lang="en-GB" sz="2000" dirty="0">
-                <a:latin typeface="Arial" panose="020B0604020202020204" pitchFamily="34" charset="0"/>
-                <a:cs typeface="Arial" panose="020B0604020202020204" pitchFamily="34" charset="0"/>
-              </a:rPr>
-              <a:t> queries</a:t>
-            </a:r>
-          </a:p>
-          <a:p>
-            <a:endParaRPr lang="en-GB" sz="2000" dirty="0">
-              <a:latin typeface="Arial" panose="020B0604020202020204" pitchFamily="34" charset="0"/>
-              <a:cs typeface="Arial" panose="020B0604020202020204" pitchFamily="34" charset="0"/>
-            </a:endParaRPr>
-          </a:p>
-          <a:p>
-            <a:r>
-              <a:rPr lang="en-GB" sz="2000" dirty="0">
-                <a:latin typeface="Arial" panose="020B0604020202020204" pitchFamily="34" charset="0"/>
-                <a:cs typeface="Arial" panose="020B0604020202020204" pitchFamily="34" charset="0"/>
-              </a:rPr>
-              <a:t>Strongly typed and most commonly defined using the </a:t>
-            </a:r>
-            <a:r>
-              <a:rPr lang="en-GB" sz="2000" b="1" dirty="0" err="1">
-                <a:latin typeface="Arial" panose="020B0604020202020204" pitchFamily="34" charset="0"/>
-                <a:cs typeface="Arial" panose="020B0604020202020204" pitchFamily="34" charset="0"/>
-              </a:rPr>
-              <a:t>GraphQL</a:t>
-            </a:r>
-            <a:r>
-              <a:rPr lang="en-GB" sz="2000" b="1" dirty="0">
-                <a:latin typeface="Arial" panose="020B0604020202020204" pitchFamily="34" charset="0"/>
-                <a:cs typeface="Arial" panose="020B0604020202020204" pitchFamily="34" charset="0"/>
-              </a:rPr>
-              <a:t> Schema Definition Language</a:t>
-            </a:r>
-            <a:endParaRPr lang="en-GB" sz="2000" dirty="0">
-              <a:latin typeface="Arial" panose="020B0604020202020204" pitchFamily="34" charset="0"/>
-              <a:cs typeface="Arial" panose="020B0604020202020204" pitchFamily="34" charset="0"/>
-            </a:endParaRPr>
-          </a:p>
-          <a:p>
-            <a:endParaRPr lang="en-GB" sz="2000" dirty="0">
-              <a:latin typeface="Arial" panose="020B0604020202020204" pitchFamily="34" charset="0"/>
-              <a:cs typeface="Arial" panose="020B0604020202020204" pitchFamily="34" charset="0"/>
-            </a:endParaRPr>
-          </a:p>
-          <a:p>
+              <a:rPr lang="en-GB" b="1" dirty="0">
+                <a:latin typeface="Arial" panose="020B0604020202020204" pitchFamily="34" charset="0"/>
+                <a:cs typeface="Arial" panose="020B0604020202020204" pitchFamily="34" charset="0"/>
+              </a:rPr>
+              <a:t>Fields</a:t>
+            </a:r>
+          </a:p>
+        </p:txBody>
+      </p:sp>
+      <p:sp>
+        <p:nvSpPr>
+          <p:cNvPr id="26" name="TextBox 25">
+            <a:extLst>
+              <a:ext uri="{FF2B5EF4-FFF2-40B4-BE49-F238E27FC236}">
+                <a16:creationId xmlns:a16="http://schemas.microsoft.com/office/drawing/2014/main" id="{F4D70436-4062-41B3-9AB5-4E18999E1AEA}"/>
+              </a:ext>
+            </a:extLst>
+          </p:cNvPr>
+          <p:cNvSpPr txBox="1"/>
+          <p:nvPr/>
+        </p:nvSpPr>
+        <p:spPr>
+          <a:xfrm>
+            <a:off x="476982" y="1690686"/>
+            <a:ext cx="4301628" cy="3970318"/>
+          </a:xfrm>
+          <a:prstGeom prst="rect">
+            <a:avLst/>
+          </a:prstGeom>
+          <a:noFill/>
+        </p:spPr>
+        <p:txBody>
+          <a:bodyPr wrap="square" rtlCol="0">
+            <a:spAutoFit/>
+          </a:bodyPr>
+          <a:lstStyle/>
+          <a:p>
+            <a:pPr marL="285750" indent="-285750">
+              <a:buFont typeface="Arial" panose="020B0604020202020204" pitchFamily="34" charset="0"/>
+              <a:buChar char="•"/>
+            </a:pPr>
+            <a:r>
+              <a:rPr lang="en-GB" b="1" dirty="0">
+                <a:latin typeface="Arial" panose="020B0604020202020204" pitchFamily="34" charset="0"/>
+                <a:cs typeface="Arial" panose="020B0604020202020204" pitchFamily="34" charset="0"/>
+              </a:rPr>
+              <a:t>Operation type</a:t>
+            </a:r>
+            <a:r>
+              <a:rPr lang="en-GB" dirty="0">
+                <a:latin typeface="Arial" panose="020B0604020202020204" pitchFamily="34" charset="0"/>
+                <a:cs typeface="Arial" panose="020B0604020202020204" pitchFamily="34" charset="0"/>
+              </a:rPr>
+              <a:t>: either a query, mutation or subscription</a:t>
+            </a:r>
+          </a:p>
+          <a:p>
+            <a:pPr marL="285750" indent="-285750">
+              <a:buFont typeface="Arial" panose="020B0604020202020204" pitchFamily="34" charset="0"/>
+              <a:buChar char="•"/>
+            </a:pPr>
             <a:endParaRPr lang="en-GB" dirty="0">
               <a:latin typeface="Arial" panose="020B0604020202020204" pitchFamily="34" charset="0"/>
               <a:cs typeface="Arial" panose="020B0604020202020204" pitchFamily="34" charset="0"/>
             </a:endParaRPr>
           </a:p>
           <a:p>
-            <a:endParaRPr lang="en-GB" dirty="0"/>
+            <a:pPr marL="285750" indent="-285750">
+              <a:buFont typeface="Arial" panose="020B0604020202020204" pitchFamily="34" charset="0"/>
+              <a:buChar char="•"/>
+            </a:pPr>
+            <a:r>
+              <a:rPr lang="en-GB" b="1" dirty="0">
+                <a:latin typeface="Arial" panose="020B0604020202020204" pitchFamily="34" charset="0"/>
+                <a:cs typeface="Arial" panose="020B0604020202020204" pitchFamily="34" charset="0"/>
+              </a:rPr>
+              <a:t>Operation name: </a:t>
+            </a:r>
+            <a:r>
+              <a:rPr lang="en-GB" dirty="0">
+                <a:latin typeface="Arial" panose="020B0604020202020204" pitchFamily="34" charset="0"/>
+                <a:cs typeface="Arial" panose="020B0604020202020204" pitchFamily="34" charset="0"/>
+              </a:rPr>
+              <a:t>Optional but</a:t>
+            </a:r>
+            <a:r>
+              <a:rPr lang="en-GB" b="1" dirty="0">
+                <a:latin typeface="Arial" panose="020B0604020202020204" pitchFamily="34" charset="0"/>
+                <a:cs typeface="Arial" panose="020B0604020202020204" pitchFamily="34" charset="0"/>
+              </a:rPr>
+              <a:t> </a:t>
+            </a:r>
+            <a:r>
+              <a:rPr lang="en-GB" dirty="0">
+                <a:latin typeface="Arial" panose="020B0604020202020204" pitchFamily="34" charset="0"/>
+                <a:cs typeface="Arial" panose="020B0604020202020204" pitchFamily="34" charset="0"/>
+              </a:rPr>
+              <a:t>for debugging and server-side logging reasons, it’s useful to give your queries meaningful names.</a:t>
+            </a:r>
+          </a:p>
+          <a:p>
+            <a:pPr marL="285750" indent="-285750">
+              <a:buFont typeface="Arial" panose="020B0604020202020204" pitchFamily="34" charset="0"/>
+              <a:buChar char="•"/>
+            </a:pPr>
+            <a:endParaRPr lang="en-GB" dirty="0">
+              <a:latin typeface="Arial" panose="020B0604020202020204" pitchFamily="34" charset="0"/>
+              <a:cs typeface="Arial" panose="020B0604020202020204" pitchFamily="34" charset="0"/>
+            </a:endParaRPr>
+          </a:p>
+          <a:p>
+            <a:pPr marL="285750" indent="-285750">
+              <a:buFont typeface="Arial" panose="020B0604020202020204" pitchFamily="34" charset="0"/>
+              <a:buChar char="•"/>
+            </a:pPr>
+            <a:r>
+              <a:rPr lang="en-GB" b="1" dirty="0">
+                <a:latin typeface="Arial" panose="020B0604020202020204" pitchFamily="34" charset="0"/>
+                <a:cs typeface="Arial" panose="020B0604020202020204" pitchFamily="34" charset="0"/>
+              </a:rPr>
+              <a:t>Variable Definitions: </a:t>
+            </a:r>
+            <a:r>
+              <a:rPr lang="en-GB" dirty="0">
+                <a:latin typeface="Arial" panose="020B0604020202020204" pitchFamily="34" charset="0"/>
+                <a:cs typeface="Arial" panose="020B0604020202020204" pitchFamily="34" charset="0"/>
+              </a:rPr>
+              <a:t>where you declare the types of variables you are planning to provide</a:t>
+            </a:r>
+          </a:p>
+          <a:p>
+            <a:pPr marL="285750" indent="-285750">
+              <a:buFont typeface="Arial" panose="020B0604020202020204" pitchFamily="34" charset="0"/>
+              <a:buChar char="•"/>
+            </a:pPr>
+            <a:endParaRPr lang="en-GB" dirty="0">
+              <a:latin typeface="Arial" panose="020B0604020202020204" pitchFamily="34" charset="0"/>
+              <a:cs typeface="Arial" panose="020B0604020202020204" pitchFamily="34" charset="0"/>
+            </a:endParaRPr>
+          </a:p>
+          <a:p>
+            <a:pPr marL="285750" indent="-285750">
+              <a:buFont typeface="Arial" panose="020B0604020202020204" pitchFamily="34" charset="0"/>
+              <a:buChar char="•"/>
+            </a:pPr>
+            <a:r>
+              <a:rPr lang="en-GB" b="1" dirty="0">
+                <a:latin typeface="Arial" panose="020B0604020202020204" pitchFamily="34" charset="0"/>
+                <a:cs typeface="Arial" panose="020B0604020202020204" pitchFamily="34" charset="0"/>
+              </a:rPr>
+              <a:t>Fields: </a:t>
+            </a:r>
+            <a:r>
+              <a:rPr lang="en-GB" dirty="0">
+                <a:latin typeface="Arial" panose="020B0604020202020204" pitchFamily="34" charset="0"/>
+                <a:cs typeface="Arial" panose="020B0604020202020204" pitchFamily="34" charset="0"/>
+              </a:rPr>
+              <a:t>What data we want returned from query</a:t>
+            </a:r>
+          </a:p>
+        </p:txBody>
+      </p:sp>
+      <p:cxnSp>
+        <p:nvCxnSpPr>
+          <p:cNvPr id="28" name="Straight Arrow Connector 27">
+            <a:extLst>
+              <a:ext uri="{FF2B5EF4-FFF2-40B4-BE49-F238E27FC236}">
+                <a16:creationId xmlns:a16="http://schemas.microsoft.com/office/drawing/2014/main" id="{6936F1BE-EF40-4FE7-AF97-18183C2DF889}"/>
+              </a:ext>
+            </a:extLst>
+          </p:cNvPr>
+          <p:cNvCxnSpPr>
+            <a:cxnSpLocks/>
+          </p:cNvCxnSpPr>
+          <p:nvPr/>
+        </p:nvCxnSpPr>
+        <p:spPr>
+          <a:xfrm flipV="1">
+            <a:off x="6383215" y="3121848"/>
+            <a:ext cx="817784" cy="8214"/>
+          </a:xfrm>
+          <a:prstGeom prst="straightConnector1">
+            <a:avLst/>
+          </a:prstGeom>
+          <a:ln>
+            <a:tailEnd type="triangle"/>
+          </a:ln>
+        </p:spPr>
+        <p:style>
+          <a:lnRef idx="1">
+            <a:schemeClr val="accent1"/>
+          </a:lnRef>
+          <a:fillRef idx="0">
+            <a:schemeClr val="accent1"/>
+          </a:fillRef>
+          <a:effectRef idx="0">
+            <a:schemeClr val="accent1"/>
+          </a:effectRef>
+          <a:fontRef idx="minor">
+            <a:schemeClr val="tx1"/>
+          </a:fontRef>
+        </p:style>
+      </p:cxnSp>
+      <p:sp>
+        <p:nvSpPr>
+          <p:cNvPr id="31" name="TextBox 30">
+            <a:extLst>
+              <a:ext uri="{FF2B5EF4-FFF2-40B4-BE49-F238E27FC236}">
+                <a16:creationId xmlns:a16="http://schemas.microsoft.com/office/drawing/2014/main" id="{DADFE7A5-8162-477E-89C1-507970D8E716}"/>
+              </a:ext>
+            </a:extLst>
+          </p:cNvPr>
+          <p:cNvSpPr txBox="1"/>
+          <p:nvPr/>
+        </p:nvSpPr>
+        <p:spPr>
+          <a:xfrm>
+            <a:off x="5317640" y="2410725"/>
+            <a:ext cx="1292475" cy="1200329"/>
+          </a:xfrm>
+          <a:prstGeom prst="rect">
+            <a:avLst/>
+          </a:prstGeom>
+          <a:noFill/>
+        </p:spPr>
+        <p:txBody>
+          <a:bodyPr wrap="square" rtlCol="0">
+            <a:spAutoFit/>
+          </a:bodyPr>
+          <a:lstStyle/>
+          <a:p>
+            <a:r>
+              <a:rPr lang="en-GB" b="1" dirty="0">
+                <a:latin typeface="Arial" panose="020B0604020202020204" pitchFamily="34" charset="0"/>
+                <a:cs typeface="Arial" panose="020B0604020202020204" pitchFamily="34" charset="0"/>
+              </a:rPr>
+              <a:t>Query to run on </a:t>
+            </a:r>
+            <a:r>
+              <a:rPr lang="en-GB" b="1" dirty="0" err="1">
+                <a:latin typeface="Arial" panose="020B0604020202020204" pitchFamily="34" charset="0"/>
+                <a:cs typeface="Arial" panose="020B0604020202020204" pitchFamily="34" charset="0"/>
+              </a:rPr>
+              <a:t>GraphQL</a:t>
+            </a:r>
+            <a:r>
+              <a:rPr lang="en-GB" b="1" dirty="0">
+                <a:latin typeface="Arial" panose="020B0604020202020204" pitchFamily="34" charset="0"/>
+                <a:cs typeface="Arial" panose="020B0604020202020204" pitchFamily="34" charset="0"/>
+              </a:rPr>
+              <a:t> Server</a:t>
+            </a:r>
           </a:p>
         </p:txBody>
       </p:sp>
     </p:spTree>
     <p:extLst>
       <p:ext uri="{BB962C8B-B14F-4D97-AF65-F5344CB8AC3E}">
-        <p14:creationId xmlns:p14="http://schemas.microsoft.com/office/powerpoint/2010/main" val="3881882428"/>
+        <p14:creationId xmlns:p14="http://schemas.microsoft.com/office/powerpoint/2010/main" val="2625303275"/>
       </p:ext>
     </p:extLst>
   </p:cSld>
@@ -16970,7 +18860,7 @@
                                           </p:stCondLst>
                                         </p:cTn>
                                         <p:tgtEl>
-                                          <p:spTgt spid="3">
+                                          <p:spTgt spid="9">
                                             <p:txEl>
                                               <p:pRg st="0" end="0"/>
                                             </p:txEl>
@@ -17019,9 +18909,9 @@
                                           </p:stCondLst>
                                         </p:cTn>
                                         <p:tgtEl>
-                                          <p:spTgt spid="3">
+                                          <p:spTgt spid="26">
                                             <p:txEl>
-                                              <p:pRg st="2" end="2"/>
+                                              <p:pRg st="0" end="0"/>
                                             </p:txEl>
                                           </p:spTgt>
                                         </p:tgtEl>
@@ -17068,9 +18958,9 @@
                                           </p:stCondLst>
                                         </p:cTn>
                                         <p:tgtEl>
-                                          <p:spTgt spid="3">
+                                          <p:spTgt spid="31">
                                             <p:txEl>
-                                              <p:pRg st="4" end="4"/>
+                                              <p:pRg st="0" end="0"/>
                                             </p:txEl>
                                           </p:spTgt>
                                         </p:tgtEl>
@@ -17117,9 +19007,9 @@
                                           </p:stCondLst>
                                         </p:cTn>
                                         <p:tgtEl>
-                                          <p:spTgt spid="3">
+                                          <p:spTgt spid="12">
                                             <p:txEl>
-                                              <p:pRg st="6" end="6"/>
+                                              <p:pRg st="0" end="0"/>
                                             </p:txEl>
                                           </p:spTgt>
                                         </p:tgtEl>
@@ -17166,9 +19056,205 @@
                                           </p:stCondLst>
                                         </p:cTn>
                                         <p:tgtEl>
-                                          <p:spTgt spid="3">
+                                          <p:spTgt spid="26">
                                             <p:txEl>
-                                              <p:pRg st="8" end="8"/>
+                                              <p:pRg st="2" end="2"/>
+                                            </p:txEl>
+                                          </p:spTgt>
+                                        </p:tgtEl>
+                                        <p:attrNameLst>
+                                          <p:attrName>style.visibility</p:attrName>
+                                        </p:attrNameLst>
+                                      </p:cBhvr>
+                                      <p:to>
+                                        <p:strVal val="visible"/>
+                                      </p:to>
+                                    </p:set>
+                                  </p:childTnLst>
+                                </p:cTn>
+                              </p:par>
+                            </p:childTnLst>
+                          </p:cTn>
+                        </p:par>
+                      </p:childTnLst>
+                    </p:cTn>
+                  </p:par>
+                  <p:par>
+                    <p:cTn id="23" fill="hold">
+                      <p:stCondLst>
+                        <p:cond delay="indefinite"/>
+                      </p:stCondLst>
+                      <p:childTnLst>
+                        <p:par>
+                          <p:cTn id="24" fill="hold">
+                            <p:stCondLst>
+                              <p:cond delay="0"/>
+                            </p:stCondLst>
+                            <p:childTnLst>
+                              <p:par>
+                                <p:cTn id="25" presetID="1" presetClass="entr" presetSubtype="0" fill="hold" nodeType="clickEffect">
+                                  <p:stCondLst>
+                                    <p:cond delay="0"/>
+                                  </p:stCondLst>
+                                  <p:childTnLst>
+                                    <p:set>
+                                      <p:cBhvr>
+                                        <p:cTn id="26" dur="1" fill="hold">
+                                          <p:stCondLst>
+                                            <p:cond delay="0"/>
+                                          </p:stCondLst>
+                                        </p:cTn>
+                                        <p:tgtEl>
+                                          <p:spTgt spid="17">
+                                            <p:txEl>
+                                              <p:pRg st="0" end="0"/>
+                                            </p:txEl>
+                                          </p:spTgt>
+                                        </p:tgtEl>
+                                        <p:attrNameLst>
+                                          <p:attrName>style.visibility</p:attrName>
+                                        </p:attrNameLst>
+                                      </p:cBhvr>
+                                      <p:to>
+                                        <p:strVal val="visible"/>
+                                      </p:to>
+                                    </p:set>
+                                  </p:childTnLst>
+                                </p:cTn>
+                              </p:par>
+                            </p:childTnLst>
+                          </p:cTn>
+                        </p:par>
+                      </p:childTnLst>
+                    </p:cTn>
+                  </p:par>
+                  <p:par>
+                    <p:cTn id="27" fill="hold">
+                      <p:stCondLst>
+                        <p:cond delay="indefinite"/>
+                      </p:stCondLst>
+                      <p:childTnLst>
+                        <p:par>
+                          <p:cTn id="28" fill="hold">
+                            <p:stCondLst>
+                              <p:cond delay="0"/>
+                            </p:stCondLst>
+                            <p:childTnLst>
+                              <p:par>
+                                <p:cTn id="29" presetID="1" presetClass="entr" presetSubtype="0" fill="hold" nodeType="clickEffect">
+                                  <p:stCondLst>
+                                    <p:cond delay="0"/>
+                                  </p:stCondLst>
+                                  <p:childTnLst>
+                                    <p:set>
+                                      <p:cBhvr>
+                                        <p:cTn id="30" dur="1" fill="hold">
+                                          <p:stCondLst>
+                                            <p:cond delay="0"/>
+                                          </p:stCondLst>
+                                        </p:cTn>
+                                        <p:tgtEl>
+                                          <p:spTgt spid="26">
+                                            <p:txEl>
+                                              <p:pRg st="4" end="4"/>
+                                            </p:txEl>
+                                          </p:spTgt>
+                                        </p:tgtEl>
+                                        <p:attrNameLst>
+                                          <p:attrName>style.visibility</p:attrName>
+                                        </p:attrNameLst>
+                                      </p:cBhvr>
+                                      <p:to>
+                                        <p:strVal val="visible"/>
+                                      </p:to>
+                                    </p:set>
+                                  </p:childTnLst>
+                                </p:cTn>
+                              </p:par>
+                            </p:childTnLst>
+                          </p:cTn>
+                        </p:par>
+                      </p:childTnLst>
+                    </p:cTn>
+                  </p:par>
+                  <p:par>
+                    <p:cTn id="31" fill="hold">
+                      <p:stCondLst>
+                        <p:cond delay="indefinite"/>
+                      </p:stCondLst>
+                      <p:childTnLst>
+                        <p:par>
+                          <p:cTn id="32" fill="hold">
+                            <p:stCondLst>
+                              <p:cond delay="0"/>
+                            </p:stCondLst>
+                            <p:childTnLst>
+                              <p:par>
+                                <p:cTn id="33" presetID="1" presetClass="entr" presetSubtype="0" fill="hold" nodeType="clickEffect">
+                                  <p:stCondLst>
+                                    <p:cond delay="0"/>
+                                  </p:stCondLst>
+                                  <p:childTnLst>
+                                    <p:set>
+                                      <p:cBhvr>
+                                        <p:cTn id="34" dur="1" fill="hold">
+                                          <p:stCondLst>
+                                            <p:cond delay="0"/>
+                                          </p:stCondLst>
+                                        </p:cTn>
+                                        <p:tgtEl>
+                                          <p:spTgt spid="25">
+                                            <p:txEl>
+                                              <p:pRg st="0" end="0"/>
+                                            </p:txEl>
+                                          </p:spTgt>
+                                        </p:tgtEl>
+                                        <p:attrNameLst>
+                                          <p:attrName>style.visibility</p:attrName>
+                                        </p:attrNameLst>
+                                      </p:cBhvr>
+                                      <p:to>
+                                        <p:strVal val="visible"/>
+                                      </p:to>
+                                    </p:set>
+                                  </p:childTnLst>
+                                </p:cTn>
+                              </p:par>
+                            </p:childTnLst>
+                          </p:cTn>
+                        </p:par>
+                      </p:childTnLst>
+                    </p:cTn>
+                  </p:par>
+                  <p:par>
+                    <p:cTn id="35" fill="hold">
+                      <p:stCondLst>
+                        <p:cond delay="indefinite"/>
+                      </p:stCondLst>
+                      <p:childTnLst>
+                        <p:par>
+                          <p:cTn id="36" fill="hold">
+                            <p:stCondLst>
+                              <p:cond delay="0"/>
+                            </p:stCondLst>
+                            <p:childTnLst>
+                              <p:par>
+                                <p:cTn id="37" presetID="1" presetClass="entr" presetSubtype="0" fill="hold" nodeType="clickEffect">
+                                  <p:stCondLst>
+                                    <p:cond delay="0"/>
+                                  </p:stCondLst>
+                                  <p:childTnLst>
+                                    <p:set>
+                                      <p:cBhvr>
+                                        <p:cTn id="38" dur="1" fill="hold">
+                                          <p:stCondLst>
+                                            <p:cond delay="0"/>
+                                          </p:stCondLst>
+                                        </p:cTn>
+                                        <p:tgtEl>
+                                          <p:spTgt spid="26">
+                                            <p:txEl>
+                                              <p:pRg st="6" end="6"/>
                                             </p:txEl>
                                           </p:spTgt>
                                         </p:tgtEl>

--- a/current.pptx
+++ b/current.pptx
@@ -569,7 +569,7 @@
           <a:p>
             <a:fld id="{D6719FC5-C3CA-4722-957E-A07B335E4D2F}" type="slidenum">
               <a:rPr lang="en-GB" smtClean="0"/>
-              <a:t>9</a:t>
+              <a:t>3</a:t>
             </a:fld>
             <a:endParaRPr lang="en-GB"/>
           </a:p>
@@ -578,7 +578,7 @@
     </p:spTree>
     <p:extLst>
       <p:ext uri="{BB962C8B-B14F-4D97-AF65-F5344CB8AC3E}">
-        <p14:creationId xmlns:p14="http://schemas.microsoft.com/office/powerpoint/2010/main" val="1557874753"/>
+        <p14:creationId xmlns:p14="http://schemas.microsoft.com/office/powerpoint/2010/main" val="970130670"/>
       </p:ext>
     </p:extLst>
   </p:cSld>
@@ -632,6 +632,18 @@
           <a:bodyPr/>
           <a:lstStyle/>
           <a:p>
+            <a:r>
+              <a:rPr lang="en-GB" dirty="0"/>
+              <a:t>Initially I wondered what does the Graph part of the name refer to?  Found that it refers to….</a:t>
+            </a:r>
+          </a:p>
+          <a:p>
+            <a:endParaRPr lang="en-GB" dirty="0"/>
+          </a:p>
+          <a:p>
+            <a:endParaRPr lang="en-GB" dirty="0"/>
+          </a:p>
+          <a:p>
             <a:endParaRPr lang="en-GB" dirty="0"/>
           </a:p>
         </p:txBody>
@@ -653,7 +665,7 @@
           <a:p>
             <a:fld id="{D6719FC5-C3CA-4722-957E-A07B335E4D2F}" type="slidenum">
               <a:rPr lang="en-GB" smtClean="0"/>
-              <a:t>12</a:t>
+              <a:t>4</a:t>
             </a:fld>
             <a:endParaRPr lang="en-GB"/>
           </a:p>
@@ -662,7 +674,7 @@
     </p:spTree>
     <p:extLst>
       <p:ext uri="{BB962C8B-B14F-4D97-AF65-F5344CB8AC3E}">
-        <p14:creationId xmlns:p14="http://schemas.microsoft.com/office/powerpoint/2010/main" val="1717315459"/>
+        <p14:creationId xmlns:p14="http://schemas.microsoft.com/office/powerpoint/2010/main" val="1890657681"/>
       </p:ext>
     </p:extLst>
   </p:cSld>
@@ -737,6 +749,366 @@
           <a:p>
             <a:fld id="{D6719FC5-C3CA-4722-957E-A07B335E4D2F}" type="slidenum">
               <a:rPr lang="en-GB" smtClean="0"/>
+              <a:t>6</a:t>
+            </a:fld>
+            <a:endParaRPr lang="en-GB"/>
+          </a:p>
+        </p:txBody>
+      </p:sp>
+    </p:spTree>
+    <p:extLst>
+      <p:ext uri="{BB962C8B-B14F-4D97-AF65-F5344CB8AC3E}">
+        <p14:creationId xmlns:p14="http://schemas.microsoft.com/office/powerpoint/2010/main" val="3959396758"/>
+      </p:ext>
+    </p:extLst>
+  </p:cSld>
+  <p:clrMapOvr>
+    <a:masterClrMapping/>
+  </p:clrMapOvr>
+</p:notes>
+</file>
+
+<file path=ppt/notesSlides/notesSlide4.xml><?xml version="1.0" encoding="utf-8"?>
+<p:notes xmlns:a="http://schemas.openxmlformats.org/drawingml/2006/main" xmlns:r="http://schemas.openxmlformats.org/officeDocument/2006/relationships" xmlns:p="http://schemas.openxmlformats.org/presentationml/2006/main">
+  <p:cSld>
+    <p:spTree>
+      <p:nvGrpSpPr>
+        <p:cNvPr id="1" name=""/>
+        <p:cNvGrpSpPr/>
+        <p:nvPr/>
+      </p:nvGrpSpPr>
+      <p:grpSpPr>
+        <a:xfrm>
+          <a:off x="0" y="0"/>
+          <a:ext cx="0" cy="0"/>
+          <a:chOff x="0" y="0"/>
+          <a:chExt cx="0" cy="0"/>
+        </a:xfrm>
+      </p:grpSpPr>
+      <p:sp>
+        <p:nvSpPr>
+          <p:cNvPr id="2" name="Slide Image Placeholder 1"/>
+          <p:cNvSpPr>
+            <a:spLocks noGrp="1" noRot="1" noChangeAspect="1"/>
+          </p:cNvSpPr>
+          <p:nvPr>
+            <p:ph type="sldImg"/>
+          </p:nvPr>
+        </p:nvSpPr>
+        <p:spPr/>
+      </p:sp>
+      <p:sp>
+        <p:nvSpPr>
+          <p:cNvPr id="3" name="Notes Placeholder 2"/>
+          <p:cNvSpPr>
+            <a:spLocks noGrp="1"/>
+          </p:cNvSpPr>
+          <p:nvPr>
+            <p:ph type="body" idx="1"/>
+          </p:nvPr>
+        </p:nvSpPr>
+        <p:spPr/>
+        <p:txBody>
+          <a:bodyPr/>
+          <a:lstStyle/>
+          <a:p>
+            <a:r>
+              <a:rPr lang="en-GB" dirty="0"/>
+              <a:t>Don’t worry too much if things are 100% clear in the next few slides. </a:t>
+            </a:r>
+          </a:p>
+          <a:p>
+            <a:endParaRPr lang="en-GB" dirty="0"/>
+          </a:p>
+          <a:p>
+            <a:r>
+              <a:rPr lang="en-GB" dirty="0"/>
+              <a:t>Hopefully it will become a bit later on when we put all 3 components together on one slide and see how they interact with each other.</a:t>
+            </a:r>
+          </a:p>
+        </p:txBody>
+      </p:sp>
+      <p:sp>
+        <p:nvSpPr>
+          <p:cNvPr id="4" name="Slide Number Placeholder 3"/>
+          <p:cNvSpPr>
+            <a:spLocks noGrp="1"/>
+          </p:cNvSpPr>
+          <p:nvPr>
+            <p:ph type="sldNum" sz="quarter" idx="5"/>
+          </p:nvPr>
+        </p:nvSpPr>
+        <p:spPr/>
+        <p:txBody>
+          <a:bodyPr/>
+          <a:lstStyle/>
+          <a:p>
+            <a:fld id="{D6719FC5-C3CA-4722-957E-A07B335E4D2F}" type="slidenum">
+              <a:rPr lang="en-GB" smtClean="0"/>
+              <a:t>9</a:t>
+            </a:fld>
+            <a:endParaRPr lang="en-GB"/>
+          </a:p>
+        </p:txBody>
+      </p:sp>
+    </p:spTree>
+    <p:extLst>
+      <p:ext uri="{BB962C8B-B14F-4D97-AF65-F5344CB8AC3E}">
+        <p14:creationId xmlns:p14="http://schemas.microsoft.com/office/powerpoint/2010/main" val="1557874753"/>
+      </p:ext>
+    </p:extLst>
+  </p:cSld>
+  <p:clrMapOvr>
+    <a:masterClrMapping/>
+  </p:clrMapOvr>
+</p:notes>
+</file>
+
+<file path=ppt/notesSlides/notesSlide5.xml><?xml version="1.0" encoding="utf-8"?>
+<p:notes xmlns:a="http://schemas.openxmlformats.org/drawingml/2006/main" xmlns:r="http://schemas.openxmlformats.org/officeDocument/2006/relationships" xmlns:p="http://schemas.openxmlformats.org/presentationml/2006/main">
+  <p:cSld>
+    <p:spTree>
+      <p:nvGrpSpPr>
+        <p:cNvPr id="1" name=""/>
+        <p:cNvGrpSpPr/>
+        <p:nvPr/>
+      </p:nvGrpSpPr>
+      <p:grpSpPr>
+        <a:xfrm>
+          <a:off x="0" y="0"/>
+          <a:ext cx="0" cy="0"/>
+          <a:chOff x="0" y="0"/>
+          <a:chExt cx="0" cy="0"/>
+        </a:xfrm>
+      </p:grpSpPr>
+      <p:sp>
+        <p:nvSpPr>
+          <p:cNvPr id="2" name="Slide Image Placeholder 1"/>
+          <p:cNvSpPr>
+            <a:spLocks noGrp="1" noRot="1" noChangeAspect="1"/>
+          </p:cNvSpPr>
+          <p:nvPr>
+            <p:ph type="sldImg"/>
+          </p:nvPr>
+        </p:nvSpPr>
+        <p:spPr/>
+      </p:sp>
+      <p:sp>
+        <p:nvSpPr>
+          <p:cNvPr id="3" name="Notes Placeholder 2"/>
+          <p:cNvSpPr>
+            <a:spLocks noGrp="1"/>
+          </p:cNvSpPr>
+          <p:nvPr>
+            <p:ph type="body" idx="1"/>
+          </p:nvPr>
+        </p:nvSpPr>
+        <p:spPr/>
+        <p:txBody>
+          <a:bodyPr/>
+          <a:lstStyle/>
+          <a:p>
+            <a:r>
+              <a:rPr lang="en-GB" dirty="0"/>
+              <a:t>Here’s a simple schema for this set of  data.</a:t>
+            </a:r>
+          </a:p>
+          <a:p>
+            <a:endParaRPr lang="en-GB" dirty="0"/>
+          </a:p>
+          <a:p>
+            <a:r>
+              <a:rPr lang="en-GB" dirty="0"/>
+              <a:t>Type Query: course query is expecting an integer as an argument and returns a Course object</a:t>
+            </a:r>
+          </a:p>
+        </p:txBody>
+      </p:sp>
+      <p:sp>
+        <p:nvSpPr>
+          <p:cNvPr id="4" name="Slide Number Placeholder 3"/>
+          <p:cNvSpPr>
+            <a:spLocks noGrp="1"/>
+          </p:cNvSpPr>
+          <p:nvPr>
+            <p:ph type="sldNum" sz="quarter" idx="5"/>
+          </p:nvPr>
+        </p:nvSpPr>
+        <p:spPr/>
+        <p:txBody>
+          <a:bodyPr/>
+          <a:lstStyle/>
+          <a:p>
+            <a:fld id="{D6719FC5-C3CA-4722-957E-A07B335E4D2F}" type="slidenum">
+              <a:rPr lang="en-GB" smtClean="0"/>
+              <a:t>11</a:t>
+            </a:fld>
+            <a:endParaRPr lang="en-GB"/>
+          </a:p>
+        </p:txBody>
+      </p:sp>
+    </p:spTree>
+    <p:extLst>
+      <p:ext uri="{BB962C8B-B14F-4D97-AF65-F5344CB8AC3E}">
+        <p14:creationId xmlns:p14="http://schemas.microsoft.com/office/powerpoint/2010/main" val="1953060287"/>
+      </p:ext>
+    </p:extLst>
+  </p:cSld>
+  <p:clrMapOvr>
+    <a:masterClrMapping/>
+  </p:clrMapOvr>
+</p:notes>
+</file>
+
+<file path=ppt/notesSlides/notesSlide6.xml><?xml version="1.0" encoding="utf-8"?>
+<p:notes xmlns:a="http://schemas.openxmlformats.org/drawingml/2006/main" xmlns:r="http://schemas.openxmlformats.org/officeDocument/2006/relationships" xmlns:p="http://schemas.openxmlformats.org/presentationml/2006/main">
+  <p:cSld>
+    <p:spTree>
+      <p:nvGrpSpPr>
+        <p:cNvPr id="1" name=""/>
+        <p:cNvGrpSpPr/>
+        <p:nvPr/>
+      </p:nvGrpSpPr>
+      <p:grpSpPr>
+        <a:xfrm>
+          <a:off x="0" y="0"/>
+          <a:ext cx="0" cy="0"/>
+          <a:chOff x="0" y="0"/>
+          <a:chExt cx="0" cy="0"/>
+        </a:xfrm>
+      </p:grpSpPr>
+      <p:sp>
+        <p:nvSpPr>
+          <p:cNvPr id="2" name="Slide Image Placeholder 1"/>
+          <p:cNvSpPr>
+            <a:spLocks noGrp="1" noRot="1" noChangeAspect="1"/>
+          </p:cNvSpPr>
+          <p:nvPr>
+            <p:ph type="sldImg"/>
+          </p:nvPr>
+        </p:nvSpPr>
+        <p:spPr/>
+      </p:sp>
+      <p:sp>
+        <p:nvSpPr>
+          <p:cNvPr id="3" name="Notes Placeholder 2"/>
+          <p:cNvSpPr>
+            <a:spLocks noGrp="1"/>
+          </p:cNvSpPr>
+          <p:nvPr>
+            <p:ph type="body" idx="1"/>
+          </p:nvPr>
+        </p:nvSpPr>
+        <p:spPr/>
+        <p:txBody>
+          <a:bodyPr/>
+          <a:lstStyle/>
+          <a:p>
+            <a:endParaRPr lang="en-GB" dirty="0"/>
+          </a:p>
+        </p:txBody>
+      </p:sp>
+      <p:sp>
+        <p:nvSpPr>
+          <p:cNvPr id="4" name="Slide Number Placeholder 3"/>
+          <p:cNvSpPr>
+            <a:spLocks noGrp="1"/>
+          </p:cNvSpPr>
+          <p:nvPr>
+            <p:ph type="sldNum" sz="quarter" idx="5"/>
+          </p:nvPr>
+        </p:nvSpPr>
+        <p:spPr/>
+        <p:txBody>
+          <a:bodyPr/>
+          <a:lstStyle/>
+          <a:p>
+            <a:fld id="{D6719FC5-C3CA-4722-957E-A07B335E4D2F}" type="slidenum">
+              <a:rPr lang="en-GB" smtClean="0"/>
+              <a:t>12</a:t>
+            </a:fld>
+            <a:endParaRPr lang="en-GB"/>
+          </a:p>
+        </p:txBody>
+      </p:sp>
+    </p:spTree>
+    <p:extLst>
+      <p:ext uri="{BB962C8B-B14F-4D97-AF65-F5344CB8AC3E}">
+        <p14:creationId xmlns:p14="http://schemas.microsoft.com/office/powerpoint/2010/main" val="1717315459"/>
+      </p:ext>
+    </p:extLst>
+  </p:cSld>
+  <p:clrMapOvr>
+    <a:masterClrMapping/>
+  </p:clrMapOvr>
+</p:notes>
+</file>
+
+<file path=ppt/notesSlides/notesSlide7.xml><?xml version="1.0" encoding="utf-8"?>
+<p:notes xmlns:a="http://schemas.openxmlformats.org/drawingml/2006/main" xmlns:r="http://schemas.openxmlformats.org/officeDocument/2006/relationships" xmlns:p="http://schemas.openxmlformats.org/presentationml/2006/main">
+  <p:cSld>
+    <p:spTree>
+      <p:nvGrpSpPr>
+        <p:cNvPr id="1" name=""/>
+        <p:cNvGrpSpPr/>
+        <p:nvPr/>
+      </p:nvGrpSpPr>
+      <p:grpSpPr>
+        <a:xfrm>
+          <a:off x="0" y="0"/>
+          <a:ext cx="0" cy="0"/>
+          <a:chOff x="0" y="0"/>
+          <a:chExt cx="0" cy="0"/>
+        </a:xfrm>
+      </p:grpSpPr>
+      <p:sp>
+        <p:nvSpPr>
+          <p:cNvPr id="2" name="Slide Image Placeholder 1"/>
+          <p:cNvSpPr>
+            <a:spLocks noGrp="1" noRot="1" noChangeAspect="1"/>
+          </p:cNvSpPr>
+          <p:nvPr>
+            <p:ph type="sldImg"/>
+          </p:nvPr>
+        </p:nvSpPr>
+        <p:spPr/>
+      </p:sp>
+      <p:sp>
+        <p:nvSpPr>
+          <p:cNvPr id="3" name="Notes Placeholder 2"/>
+          <p:cNvSpPr>
+            <a:spLocks noGrp="1"/>
+          </p:cNvSpPr>
+          <p:nvPr>
+            <p:ph type="body" idx="1"/>
+          </p:nvPr>
+        </p:nvSpPr>
+        <p:spPr/>
+        <p:txBody>
+          <a:bodyPr/>
+          <a:lstStyle/>
+          <a:p>
+            <a:endParaRPr lang="en-GB" dirty="0"/>
+          </a:p>
+        </p:txBody>
+      </p:sp>
+      <p:sp>
+        <p:nvSpPr>
+          <p:cNvPr id="4" name="Slide Number Placeholder 3"/>
+          <p:cNvSpPr>
+            <a:spLocks noGrp="1"/>
+          </p:cNvSpPr>
+          <p:nvPr>
+            <p:ph type="sldNum" sz="quarter" idx="5"/>
+          </p:nvPr>
+        </p:nvSpPr>
+        <p:spPr/>
+        <p:txBody>
+          <a:bodyPr/>
+          <a:lstStyle/>
+          <a:p>
+            <a:fld id="{D6719FC5-C3CA-4722-957E-A07B335E4D2F}" type="slidenum">
+              <a:rPr lang="en-GB" smtClean="0"/>
               <a:t>14</a:t>
             </a:fld>
             <a:endParaRPr lang="en-GB"/>
@@ -756,7 +1128,7 @@
 </p:notes>
 </file>
 
-<file path=ppt/notesSlides/notesSlide4.xml><?xml version="1.0" encoding="utf-8"?>
+<file path=ppt/notesSlides/notesSlide8.xml><?xml version="1.0" encoding="utf-8"?>
 <p:notes xmlns:a="http://schemas.openxmlformats.org/drawingml/2006/main" xmlns:r="http://schemas.openxmlformats.org/officeDocument/2006/relationships" xmlns:p="http://schemas.openxmlformats.org/presentationml/2006/main">
   <p:cSld>
     <p:spTree>
@@ -4816,7 +5188,7 @@
           </p:nvPr>
         </p:nvPicPr>
         <p:blipFill>
-          <a:blip r:embed="rId2"/>
+          <a:blip r:embed="rId3"/>
           <a:stretch>
             <a:fillRect/>
           </a:stretch>
@@ -4845,8 +5217,8 @@
         </p:nvSpPr>
         <p:spPr>
           <a:xfrm>
-            <a:off x="410830" y="806315"/>
-            <a:ext cx="3944085" cy="7848302"/>
+            <a:off x="578174" y="872170"/>
+            <a:ext cx="3359841" cy="6555641"/>
           </a:xfrm>
           <a:prstGeom prst="rect">
             <a:avLst/>
@@ -4860,7 +5232,7 @@
           <a:lstStyle/>
           <a:p>
             <a:r>
-              <a:rPr lang="en-GB" b="1" dirty="0">
+              <a:rPr lang="en-GB" sz="1400" b="1" dirty="0">
                 <a:latin typeface="Arial" panose="020B0604020202020204" pitchFamily="34" charset="0"/>
                 <a:cs typeface="Arial" panose="020B0604020202020204" pitchFamily="34" charset="0"/>
               </a:rPr>
@@ -4868,7 +5240,7 @@
             </a:r>
           </a:p>
           <a:p>
-            <a:endParaRPr lang="en-GB" b="1" dirty="0">
+            <a:endParaRPr lang="en-GB" sz="1400" b="1" dirty="0">
               <a:latin typeface="Arial" panose="020B0604020202020204" pitchFamily="34" charset="0"/>
               <a:cs typeface="Arial" panose="020B0604020202020204" pitchFamily="34" charset="0"/>
             </a:endParaRPr>
@@ -4879,7 +5251,7 @@
               <a:buChar char="•"/>
             </a:pPr>
             <a:r>
-              <a:rPr lang="en-GB" dirty="0">
+              <a:rPr lang="en-GB" sz="1400" dirty="0">
                 <a:latin typeface="Arial" panose="020B0604020202020204" pitchFamily="34" charset="0"/>
                 <a:cs typeface="Arial" panose="020B0604020202020204" pitchFamily="34" charset="0"/>
               </a:rPr>
@@ -4892,11 +5264,25 @@
               <a:buChar char="•"/>
             </a:pPr>
             <a:r>
-              <a:rPr lang="en-GB" dirty="0">
-                <a:latin typeface="Arial" panose="020B0604020202020204" pitchFamily="34" charset="0"/>
-                <a:cs typeface="Arial" panose="020B0604020202020204" pitchFamily="34" charset="0"/>
-              </a:rPr>
-              <a:t>Defines the structure of the course ‘model’ </a:t>
+              <a:rPr lang="en-GB" sz="1400" dirty="0">
+                <a:latin typeface="Arial" panose="020B0604020202020204" pitchFamily="34" charset="0"/>
+                <a:cs typeface="Arial" panose="020B0604020202020204" pitchFamily="34" charset="0"/>
+              </a:rPr>
+              <a:t>Defines the structure of the </a:t>
+            </a:r>
+            <a:r>
+              <a:rPr lang="en-GB" sz="1400" b="1" dirty="0">
+                <a:latin typeface="Arial" panose="020B0604020202020204" pitchFamily="34" charset="0"/>
+                <a:cs typeface="Arial" panose="020B0604020202020204" pitchFamily="34" charset="0"/>
+              </a:rPr>
+              <a:t>courses</a:t>
+            </a:r>
+            <a:r>
+              <a:rPr lang="en-GB" sz="1400" dirty="0">
+                <a:latin typeface="Arial" panose="020B0604020202020204" pitchFamily="34" charset="0"/>
+                <a:cs typeface="Arial" panose="020B0604020202020204" pitchFamily="34" charset="0"/>
+              </a:rPr>
+              <a:t> ‘data model’</a:t>
             </a:r>
           </a:p>
           <a:p>
@@ -4904,14 +5290,14 @@
               <a:buFont typeface="Arial" panose="020B0604020202020204" pitchFamily="34" charset="0"/>
               <a:buChar char="•"/>
             </a:pPr>
-            <a:endParaRPr lang="en-GB" dirty="0">
+            <a:endParaRPr lang="en-GB" sz="1400" dirty="0">
               <a:latin typeface="Arial" panose="020B0604020202020204" pitchFamily="34" charset="0"/>
               <a:cs typeface="Arial" panose="020B0604020202020204" pitchFamily="34" charset="0"/>
             </a:endParaRPr>
           </a:p>
           <a:p>
             <a:r>
-              <a:rPr lang="en-GB" b="1" dirty="0">
+              <a:rPr lang="en-GB" sz="1400" b="1" dirty="0">
                 <a:latin typeface="Arial" panose="020B0604020202020204" pitchFamily="34" charset="0"/>
                 <a:cs typeface="Arial" panose="020B0604020202020204" pitchFamily="34" charset="0"/>
               </a:rPr>
@@ -4919,7 +5305,7 @@
             </a:r>
           </a:p>
           <a:p>
-            <a:endParaRPr lang="en-GB" b="1" dirty="0">
+            <a:endParaRPr lang="en-GB" sz="1400" b="1" dirty="0">
               <a:latin typeface="Arial" panose="020B0604020202020204" pitchFamily="34" charset="0"/>
               <a:cs typeface="Arial" panose="020B0604020202020204" pitchFamily="34" charset="0"/>
             </a:endParaRPr>
@@ -4930,7 +5316,7 @@
               <a:buChar char="•"/>
             </a:pPr>
             <a:r>
-              <a:rPr lang="en-GB" dirty="0">
+              <a:rPr lang="en-GB" sz="1400" dirty="0">
                 <a:latin typeface="Arial" panose="020B0604020202020204" pitchFamily="34" charset="0"/>
                 <a:cs typeface="Arial" panose="020B0604020202020204" pitchFamily="34" charset="0"/>
               </a:rPr>
@@ -4943,60 +5329,33 @@
               <a:buChar char="•"/>
             </a:pPr>
             <a:r>
-              <a:rPr lang="en-GB" dirty="0">
+              <a:rPr lang="en-GB" sz="1400" dirty="0">
                 <a:latin typeface="Arial" panose="020B0604020202020204" pitchFamily="34" charset="0"/>
                 <a:cs typeface="Arial" panose="020B0604020202020204" pitchFamily="34" charset="0"/>
               </a:rPr>
               <a:t>Equivalent to </a:t>
             </a:r>
             <a:r>
-              <a:rPr lang="en-GB" b="1" dirty="0">
+              <a:rPr lang="en-GB" sz="1400" b="1" dirty="0">
                 <a:latin typeface="Arial" panose="020B0604020202020204" pitchFamily="34" charset="0"/>
                 <a:cs typeface="Arial" panose="020B0604020202020204" pitchFamily="34" charset="0"/>
               </a:rPr>
               <a:t>GET </a:t>
             </a:r>
             <a:r>
-              <a:rPr lang="en-GB" dirty="0">
+              <a:rPr lang="en-GB" sz="1400" dirty="0">
                 <a:latin typeface="Arial" panose="020B0604020202020204" pitchFamily="34" charset="0"/>
                 <a:cs typeface="Arial" panose="020B0604020202020204" pitchFamily="34" charset="0"/>
               </a:rPr>
               <a:t>in </a:t>
             </a:r>
             <a:r>
-              <a:rPr lang="en-GB" b="1" dirty="0">
+              <a:rPr lang="en-GB" sz="1400" b="1" dirty="0">
                 <a:latin typeface="Arial" panose="020B0604020202020204" pitchFamily="34" charset="0"/>
                 <a:cs typeface="Arial" panose="020B0604020202020204" pitchFamily="34" charset="0"/>
               </a:rPr>
               <a:t>REST</a:t>
             </a:r>
-          </a:p>
-          <a:p>
-            <a:endParaRPr lang="en-GB" dirty="0">
-              <a:latin typeface="Arial" panose="020B0604020202020204" pitchFamily="34" charset="0"/>
-              <a:cs typeface="Arial" panose="020B0604020202020204" pitchFamily="34" charset="0"/>
-            </a:endParaRPr>
-          </a:p>
-          <a:p>
-            <a:endParaRPr lang="en-GB" b="1" dirty="0">
-              <a:latin typeface="Arial" panose="020B0604020202020204" pitchFamily="34" charset="0"/>
-              <a:cs typeface="Arial" panose="020B0604020202020204" pitchFamily="34" charset="0"/>
-            </a:endParaRPr>
-          </a:p>
-          <a:p>
-            <a:r>
-              <a:rPr lang="en-GB" b="1" dirty="0">
-                <a:latin typeface="Arial" panose="020B0604020202020204" pitchFamily="34" charset="0"/>
-                <a:cs typeface="Arial" panose="020B0604020202020204" pitchFamily="34" charset="0"/>
-              </a:rPr>
-              <a:t>Other Root Types are:</a:t>
-            </a:r>
-          </a:p>
-          <a:p>
-            <a:endParaRPr lang="en-GB" b="1" dirty="0">
-              <a:latin typeface="Arial" panose="020B0604020202020204" pitchFamily="34" charset="0"/>
-              <a:cs typeface="Arial" panose="020B0604020202020204" pitchFamily="34" charset="0"/>
-            </a:endParaRPr>
           </a:p>
           <a:p>
             <a:pPr marL="285750" indent="-285750">
@@ -5004,44 +5363,92 @@
               <a:buChar char="•"/>
             </a:pPr>
             <a:r>
-              <a:rPr lang="en-GB" b="1" dirty="0">
-                <a:latin typeface="Arial" panose="020B0604020202020204" pitchFamily="34" charset="0"/>
-                <a:cs typeface="Arial" panose="020B0604020202020204" pitchFamily="34" charset="0"/>
-              </a:rPr>
-              <a:t>type Mutation: </a:t>
-            </a:r>
-            <a:r>
-              <a:rPr lang="en-GB" dirty="0">
-                <a:latin typeface="Arial" panose="020B0604020202020204" pitchFamily="34" charset="0"/>
-                <a:cs typeface="Arial" panose="020B0604020202020204" pitchFamily="34" charset="0"/>
-              </a:rPr>
-              <a:t>equivalent to POST, UPDATE and DELETE in REST</a:t>
-            </a:r>
+              <a:rPr lang="en-GB" sz="1400" dirty="0">
+                <a:latin typeface="Arial" panose="020B0604020202020204" pitchFamily="34" charset="0"/>
+                <a:cs typeface="Arial" panose="020B0604020202020204" pitchFamily="34" charset="0"/>
+              </a:rPr>
+              <a:t>Defines queries which are of operation type </a:t>
+            </a:r>
+            <a:r>
+              <a:rPr lang="en-GB" sz="1400" b="1" dirty="0">
+                <a:latin typeface="Arial" panose="020B0604020202020204" pitchFamily="34" charset="0"/>
+                <a:cs typeface="Arial" panose="020B0604020202020204" pitchFamily="34" charset="0"/>
+              </a:rPr>
+              <a:t>query</a:t>
+            </a:r>
+            <a:r>
+              <a:rPr lang="en-GB" sz="1400" dirty="0">
+                <a:latin typeface="Arial" panose="020B0604020202020204" pitchFamily="34" charset="0"/>
+                <a:cs typeface="Arial" panose="020B0604020202020204" pitchFamily="34" charset="0"/>
+              </a:rPr>
+              <a:t> </a:t>
+            </a:r>
+          </a:p>
+          <a:p>
+            <a:endParaRPr lang="en-GB" sz="1400" b="1" dirty="0">
+              <a:latin typeface="Arial" panose="020B0604020202020204" pitchFamily="34" charset="0"/>
+              <a:cs typeface="Arial" panose="020B0604020202020204" pitchFamily="34" charset="0"/>
+            </a:endParaRPr>
+          </a:p>
+          <a:p>
+            <a:r>
+              <a:rPr lang="en-GB" sz="1400" b="1" dirty="0">
+                <a:latin typeface="Arial" panose="020B0604020202020204" pitchFamily="34" charset="0"/>
+                <a:cs typeface="Arial" panose="020B0604020202020204" pitchFamily="34" charset="0"/>
+              </a:rPr>
+              <a:t>Other Root Types are:</a:t>
+            </a:r>
+          </a:p>
+          <a:p>
+            <a:endParaRPr lang="en-GB" sz="1400" b="1" dirty="0">
+              <a:latin typeface="Arial" panose="020B0604020202020204" pitchFamily="34" charset="0"/>
+              <a:cs typeface="Arial" panose="020B0604020202020204" pitchFamily="34" charset="0"/>
+            </a:endParaRPr>
           </a:p>
           <a:p>
             <a:pPr marL="285750" indent="-285750">
               <a:buFont typeface="Arial" panose="020B0604020202020204" pitchFamily="34" charset="0"/>
               <a:buChar char="•"/>
             </a:pPr>
-            <a:endParaRPr lang="en-GB" dirty="0">
-              <a:latin typeface="Arial" panose="020B0604020202020204" pitchFamily="34" charset="0"/>
-              <a:cs typeface="Arial" panose="020B0604020202020204" pitchFamily="34" charset="0"/>
-            </a:endParaRPr>
+            <a:r>
+              <a:rPr lang="en-GB" sz="1400" b="1" dirty="0">
+                <a:latin typeface="Arial" panose="020B0604020202020204" pitchFamily="34" charset="0"/>
+                <a:cs typeface="Arial" panose="020B0604020202020204" pitchFamily="34" charset="0"/>
+              </a:rPr>
+              <a:t>type Mutation: </a:t>
+            </a:r>
+            <a:r>
+              <a:rPr lang="en-GB" sz="1400" dirty="0">
+                <a:latin typeface="Arial" panose="020B0604020202020204" pitchFamily="34" charset="0"/>
+                <a:cs typeface="Arial" panose="020B0604020202020204" pitchFamily="34" charset="0"/>
+              </a:rPr>
+              <a:t>equivalent to POST, UPDATE and DELETE in REST</a:t>
+            </a:r>
           </a:p>
           <a:p>
             <a:pPr marL="285750" indent="-285750">
               <a:buFont typeface="Arial" panose="020B0604020202020204" pitchFamily="34" charset="0"/>
               <a:buChar char="•"/>
             </a:pPr>
-            <a:r>
-              <a:rPr lang="en-GB" b="1" dirty="0">
+            <a:endParaRPr lang="en-GB" sz="1400" dirty="0">
+              <a:latin typeface="Arial" panose="020B0604020202020204" pitchFamily="34" charset="0"/>
+              <a:cs typeface="Arial" panose="020B0604020202020204" pitchFamily="34" charset="0"/>
+            </a:endParaRPr>
+          </a:p>
+          <a:p>
+            <a:pPr marL="285750" indent="-285750">
+              <a:buFont typeface="Arial" panose="020B0604020202020204" pitchFamily="34" charset="0"/>
+              <a:buChar char="•"/>
+            </a:pPr>
+            <a:r>
+              <a:rPr lang="en-GB" sz="1400" b="1" dirty="0">
                 <a:latin typeface="Arial" panose="020B0604020202020204" pitchFamily="34" charset="0"/>
                 <a:cs typeface="Arial" panose="020B0604020202020204" pitchFamily="34" charset="0"/>
               </a:rPr>
               <a:t>type Subscription: </a:t>
             </a:r>
             <a:r>
-              <a:rPr lang="en-GB" dirty="0">
+              <a:rPr lang="en-GB" sz="1400" dirty="0">
                 <a:latin typeface="Arial" panose="020B0604020202020204" pitchFamily="34" charset="0"/>
                 <a:cs typeface="Arial" panose="020B0604020202020204" pitchFamily="34" charset="0"/>
               </a:rPr>
@@ -5114,7 +5521,7 @@
           <p:nvPr/>
         </p:nvPicPr>
         <p:blipFill>
-          <a:blip r:embed="rId3"/>
+          <a:blip r:embed="rId4"/>
           <a:stretch>
             <a:fillRect/>
           </a:stretch>
@@ -5230,6 +5637,44 @@
           <a:p>
             <a:pPr algn="ctr"/>
             <a:endParaRPr lang="en-GB"/>
+          </a:p>
+        </p:txBody>
+      </p:sp>
+      <p:sp>
+        <p:nvSpPr>
+          <p:cNvPr id="7" name="TextBox 6">
+            <a:extLst>
+              <a:ext uri="{FF2B5EF4-FFF2-40B4-BE49-F238E27FC236}">
+                <a16:creationId xmlns:a16="http://schemas.microsoft.com/office/drawing/2014/main" id="{7D248A3B-6E93-4DFD-8151-B32010BA2C39}"/>
+              </a:ext>
+            </a:extLst>
+          </p:cNvPr>
+          <p:cNvSpPr txBox="1"/>
+          <p:nvPr/>
+        </p:nvSpPr>
+        <p:spPr>
+          <a:xfrm>
+            <a:off x="8669215" y="1204547"/>
+            <a:ext cx="1501467" cy="276999"/>
+          </a:xfrm>
+          <a:prstGeom prst="rect">
+            <a:avLst/>
+          </a:prstGeom>
+          <a:noFill/>
+        </p:spPr>
+        <p:txBody>
+          <a:bodyPr wrap="square" rtlCol="0">
+            <a:spAutoFit/>
+          </a:bodyPr>
+          <a:lstStyle/>
+          <a:p>
+            <a:r>
+              <a:rPr lang="en-GB" sz="1200" b="1" dirty="0">
+                <a:latin typeface="Arial" panose="020B0604020202020204" pitchFamily="34" charset="0"/>
+                <a:cs typeface="Arial" panose="020B0604020202020204" pitchFamily="34" charset="0"/>
+              </a:rPr>
+              <a:t>Data set</a:t>
+            </a:r>
           </a:p>
         </p:txBody>
       </p:sp>
@@ -5367,7 +5812,7 @@
                                           </p:stCondLst>
                                         </p:cTn>
                                         <p:tgtEl>
-                                          <p:spTgt spid="8">
+                                          <p:spTgt spid="7">
                                             <p:txEl>
                                               <p:pRg st="0" end="0"/>
                                             </p:txEl>
@@ -5403,7 +5848,7 @@
                             </p:stCondLst>
                             <p:childTnLst>
                               <p:par>
-                                <p:cTn id="17" presetID="1" presetClass="entr" presetSubtype="0" fill="hold" grpId="0" nodeType="clickEffect">
+                                <p:cTn id="17" presetID="1" presetClass="entr" presetSubtype="0" fill="hold" nodeType="clickEffect">
                                   <p:stCondLst>
                                     <p:cond delay="0"/>
                                   </p:stCondLst>
@@ -5416,7 +5861,11 @@
                                           </p:stCondLst>
                                         </p:cTn>
                                         <p:tgtEl>
-                                          <p:spTgt spid="5"/>
+                                          <p:spTgt spid="8">
+                                            <p:txEl>
+                                              <p:pRg st="0" end="0"/>
+                                            </p:txEl>
+                                          </p:spTgt>
                                         </p:tgtEl>
                                         <p:attrNameLst>
                                           <p:attrName>style.visibility</p:attrName>
@@ -5448,7 +5897,7 @@
                             </p:stCondLst>
                             <p:childTnLst>
                               <p:par>
-                                <p:cTn id="21" presetID="1" presetClass="entr" presetSubtype="0" fill="hold" nodeType="clickEffect">
+                                <p:cTn id="21" presetID="1" presetClass="entr" presetSubtype="0" fill="hold" grpId="0" nodeType="clickEffect">
                                   <p:stCondLst>
                                     <p:cond delay="0"/>
                                   </p:stCondLst>
@@ -5461,11 +5910,7 @@
                                           </p:stCondLst>
                                         </p:cTn>
                                         <p:tgtEl>
-                                          <p:spTgt spid="8">
-                                            <p:txEl>
-                                              <p:pRg st="2" end="2"/>
-                                            </p:txEl>
-                                          </p:spTgt>
+                                          <p:spTgt spid="5"/>
                                         </p:tgtEl>
                                         <p:attrNameLst>
                                           <p:attrName>style.visibility</p:attrName>
@@ -5512,7 +5957,7 @@
                                         <p:tgtEl>
                                           <p:spTgt spid="8">
                                             <p:txEl>
-                                              <p:pRg st="3" end="3"/>
+                                              <p:pRg st="2" end="2"/>
                                             </p:txEl>
                                           </p:spTgt>
                                         </p:tgtEl>
@@ -5561,7 +6006,7 @@
                                         <p:tgtEl>
                                           <p:spTgt spid="8">
                                             <p:txEl>
-                                              <p:pRg st="5" end="5"/>
+                                              <p:pRg st="3" end="3"/>
                                             </p:txEl>
                                           </p:spTgt>
                                         </p:tgtEl>
@@ -5595,7 +6040,7 @@
                             </p:stCondLst>
                             <p:childTnLst>
                               <p:par>
-                                <p:cTn id="33" presetID="1" presetClass="entr" presetSubtype="0" fill="hold" grpId="0" nodeType="clickEffect">
+                                <p:cTn id="33" presetID="1" presetClass="entr" presetSubtype="0" fill="hold" nodeType="clickEffect">
                                   <p:stCondLst>
                                     <p:cond delay="0"/>
                                   </p:stCondLst>
@@ -5608,7 +6053,11 @@
                                           </p:stCondLst>
                                         </p:cTn>
                                         <p:tgtEl>
-                                          <p:spTgt spid="6"/>
+                                          <p:spTgt spid="8">
+                                            <p:txEl>
+                                              <p:pRg st="5" end="5"/>
+                                            </p:txEl>
+                                          </p:spTgt>
                                         </p:tgtEl>
                                         <p:attrNameLst>
                                           <p:attrName>style.visibility</p:attrName>
@@ -5640,7 +6089,7 @@
                             </p:stCondLst>
                             <p:childTnLst>
                               <p:par>
-                                <p:cTn id="37" presetID="1" presetClass="entr" presetSubtype="0" fill="hold" nodeType="clickEffect">
+                                <p:cTn id="37" presetID="1" presetClass="entr" presetSubtype="0" fill="hold" grpId="0" nodeType="clickEffect">
                                   <p:stCondLst>
                                     <p:cond delay="0"/>
                                   </p:stCondLst>
@@ -5653,11 +6102,7 @@
                                           </p:stCondLst>
                                         </p:cTn>
                                         <p:tgtEl>
-                                          <p:spTgt spid="8">
-                                            <p:txEl>
-                                              <p:pRg st="7" end="7"/>
-                                            </p:txEl>
-                                          </p:spTgt>
+                                          <p:spTgt spid="6"/>
                                         </p:tgtEl>
                                         <p:attrNameLst>
                                           <p:attrName>style.visibility</p:attrName>
@@ -5704,7 +6149,7 @@
                                         <p:tgtEl>
                                           <p:spTgt spid="8">
                                             <p:txEl>
-                                              <p:pRg st="8" end="8"/>
+                                              <p:pRg st="7" end="7"/>
                                             </p:txEl>
                                           </p:spTgt>
                                         </p:tgtEl>
@@ -5753,6 +6198,104 @@
                                         <p:tgtEl>
                                           <p:spTgt spid="8">
                                             <p:txEl>
+                                              <p:pRg st="8" end="8"/>
+                                            </p:txEl>
+                                          </p:spTgt>
+                                        </p:tgtEl>
+                                        <p:attrNameLst>
+                                          <p:attrName>style.visibility</p:attrName>
+                                        </p:attrNameLst>
+                                      </p:cBhvr>
+                                      <p:to>
+                                        <p:strVal val="visible"/>
+                                      </p:to>
+                                    </p:set>
+                                  </p:childTnLst>
+                                </p:cTn>
+                              </p:par>
+                            </p:childTnLst>
+                          </p:cTn>
+                        </p:par>
+                      </p:childTnLst>
+                    </p:cTn>
+                  </p:par>
+                  <p:par>
+                    <p:cTn id="47" fill="hold">
+                      <p:stCondLst>
+                        <p:cond delay="indefinite"/>
+                      </p:stCondLst>
+                      <p:childTnLst>
+                        <p:par>
+                          <p:cTn id="48" fill="hold">
+                            <p:stCondLst>
+                              <p:cond delay="0"/>
+                            </p:stCondLst>
+                            <p:childTnLst>
+                              <p:par>
+                                <p:cTn id="49" presetID="1" presetClass="entr" presetSubtype="0" fill="hold" nodeType="clickEffect">
+                                  <p:stCondLst>
+                                    <p:cond delay="0"/>
+                                  </p:stCondLst>
+                                  <p:childTnLst>
+                                    <p:set>
+                                      <p:cBhvr>
+                                        <p:cTn id="50" dur="1" fill="hold">
+                                          <p:stCondLst>
+                                            <p:cond delay="0"/>
+                                          </p:stCondLst>
+                                        </p:cTn>
+                                        <p:tgtEl>
+                                          <p:spTgt spid="8">
+                                            <p:txEl>
+                                              <p:pRg st="9" end="9"/>
+                                            </p:txEl>
+                                          </p:spTgt>
+                                        </p:tgtEl>
+                                        <p:attrNameLst>
+                                          <p:attrName>style.visibility</p:attrName>
+                                        </p:attrNameLst>
+                                      </p:cBhvr>
+                                      <p:to>
+                                        <p:strVal val="visible"/>
+                                      </p:to>
+                                    </p:set>
+                                  </p:childTnLst>
+                                </p:cTn>
+                              </p:par>
+                            </p:childTnLst>
+                          </p:cTn>
+                        </p:par>
+                      </p:childTnLst>
+                    </p:cTn>
+                  </p:par>
+                  <p:par>
+                    <p:cTn id="51" fill="hold">
+                      <p:stCondLst>
+                        <p:cond delay="indefinite"/>
+                      </p:stCondLst>
+                      <p:childTnLst>
+                        <p:par>
+                          <p:cTn id="52" fill="hold">
+                            <p:stCondLst>
+                              <p:cond delay="0"/>
+                            </p:stCondLst>
+                            <p:childTnLst>
+                              <p:par>
+                                <p:cTn id="53" presetID="1" presetClass="entr" presetSubtype="0" fill="hold" nodeType="clickEffect">
+                                  <p:stCondLst>
+                                    <p:cond delay="0"/>
+                                  </p:stCondLst>
+                                  <p:childTnLst>
+                                    <p:set>
+                                      <p:cBhvr>
+                                        <p:cTn id="54" dur="1" fill="hold">
+                                          <p:stCondLst>
+                                            <p:cond delay="0"/>
+                                          </p:stCondLst>
+                                        </p:cTn>
+                                        <p:tgtEl>
+                                          <p:spTgt spid="8">
+                                            <p:txEl>
                                               <p:pRg st="11" end="11"/>
                                             </p:txEl>
                                           </p:spTgt>
@@ -5769,14 +6312,14 @@
                                 </p:cTn>
                               </p:par>
                               <p:par>
-                                <p:cTn id="47" presetID="1" presetClass="entr" presetSubtype="0" fill="hold" nodeType="withEffect">
+                                <p:cTn id="55" presetID="1" presetClass="entr" presetSubtype="0" fill="hold" nodeType="withEffect">
                                   <p:stCondLst>
                                     <p:cond delay="0"/>
                                   </p:stCondLst>
                                   <p:childTnLst>
                                     <p:set>
                                       <p:cBhvr>
-                                        <p:cTn id="48" dur="1" fill="hold">
+                                        <p:cTn id="56" dur="1" fill="hold">
                                           <p:stCondLst>
                                             <p:cond delay="0"/>
                                           </p:stCondLst>
@@ -5806,26 +6349,26 @@
                     </p:cTn>
                   </p:par>
                   <p:par>
-                    <p:cTn id="49" fill="hold">
+                    <p:cTn id="57" fill="hold">
                       <p:stCondLst>
                         <p:cond delay="indefinite"/>
                       </p:stCondLst>
                       <p:childTnLst>
                         <p:par>
-                          <p:cTn id="50" fill="hold">
+                          <p:cTn id="58" fill="hold">
                             <p:stCondLst>
                               <p:cond delay="0"/>
                             </p:stCondLst>
                             <p:childTnLst>
                               <p:par>
-                                <p:cTn id="51" presetID="1" presetClass="entr" presetSubtype="0" fill="hold" nodeType="clickEffect">
+                                <p:cTn id="59" presetID="1" presetClass="entr" presetSubtype="0" fill="hold" nodeType="clickEffect">
                                   <p:stCondLst>
                                     <p:cond delay="0"/>
                                   </p:stCondLst>
                                   <p:childTnLst>
                                     <p:set>
                                       <p:cBhvr>
-                                        <p:cTn id="52" dur="1" fill="hold">
+                                        <p:cTn id="60" dur="1" fill="hold">
                                           <p:stCondLst>
                                             <p:cond delay="0"/>
                                           </p:stCondLst>
@@ -13023,7 +13566,14 @@
                 <a:latin typeface="Arial" panose="020B0604020202020204" pitchFamily="34" charset="0"/>
                 <a:cs typeface="Arial" panose="020B0604020202020204" pitchFamily="34" charset="0"/>
               </a:rPr>
-              <a:t>Being strongly-typed makes </a:t>
+              <a:t>Being </a:t>
+            </a:r>
+            <a:r>
+              <a:rPr lang="en-GB">
+                <a:latin typeface="Arial" panose="020B0604020202020204" pitchFamily="34" charset="0"/>
+                <a:cs typeface="Arial" panose="020B0604020202020204" pitchFamily="34" charset="0"/>
+              </a:rPr>
+              <a:t>strongly-typed should make </a:t>
             </a:r>
             <a:r>
               <a:rPr lang="en-GB" dirty="0" err="1">
@@ -16405,7 +16955,7 @@
           <p:nvPr/>
         </p:nvPicPr>
         <p:blipFill rotWithShape="1">
-          <a:blip r:embed="rId2">
+          <a:blip r:embed="rId3">
             <a:extLst>
               <a:ext uri="{28A0092B-C50C-407E-A947-70E740481C1C}">
                 <a14:useLocalDpi xmlns:a14="http://schemas.microsoft.com/office/drawing/2010/main" val="0"/>
@@ -16943,7 +17493,7 @@
           </p:nvPr>
         </p:nvPicPr>
         <p:blipFill>
-          <a:blip r:embed="rId2">
+          <a:blip r:embed="rId3">
             <a:extLst>
               <a:ext uri="{28A0092B-C50C-407E-A947-70E740481C1C}">
                 <a14:useLocalDpi xmlns:a14="http://schemas.microsoft.com/office/drawing/2010/main" val="0"/>
@@ -18585,7 +19135,7 @@
         <p:spPr>
           <a:xfrm>
             <a:off x="476982" y="1690686"/>
-            <a:ext cx="4301628" cy="3970318"/>
+            <a:ext cx="4301628" cy="4524315"/>
           </a:xfrm>
           <a:prstGeom prst="rect">
             <a:avLst/>
@@ -18597,6 +19147,25 @@
             <a:spAutoFit/>
           </a:bodyPr>
           <a:lstStyle/>
+          <a:p>
+            <a:r>
+              <a:rPr lang="en-GB" b="1" dirty="0">
+                <a:latin typeface="Arial" panose="020B0604020202020204" pitchFamily="34" charset="0"/>
+                <a:cs typeface="Arial" panose="020B0604020202020204" pitchFamily="34" charset="0"/>
+              </a:rPr>
+              <a:t>Sent from the Client to the Server</a:t>
+            </a:r>
+          </a:p>
+          <a:p>
+            <a:pPr marL="285750" indent="-285750">
+              <a:buFont typeface="Arial" panose="020B0604020202020204" pitchFamily="34" charset="0"/>
+              <a:buChar char="•"/>
+            </a:pPr>
+            <a:endParaRPr lang="en-GB" b="1" dirty="0">
+              <a:latin typeface="Arial" panose="020B0604020202020204" pitchFamily="34" charset="0"/>
+              <a:cs typeface="Arial" panose="020B0604020202020204" pitchFamily="34" charset="0"/>
+            </a:endParaRPr>
+          </a:p>
           <a:p>
             <a:pPr marL="285750" indent="-285750">
               <a:buFont typeface="Arial" panose="020B0604020202020204" pitchFamily="34" charset="0"/>
@@ -18860,7 +19429,7 @@
                                           </p:stCondLst>
                                         </p:cTn>
                                         <p:tgtEl>
-                                          <p:spTgt spid="9">
+                                          <p:spTgt spid="26">
                                             <p:txEl>
                                               <p:pRg st="0" end="0"/>
                                             </p:txEl>
@@ -18909,7 +19478,7 @@
                                           </p:stCondLst>
                                         </p:cTn>
                                         <p:tgtEl>
-                                          <p:spTgt spid="26">
+                                          <p:spTgt spid="9">
                                             <p:txEl>
                                               <p:pRg st="0" end="0"/>
                                             </p:txEl>
@@ -18958,9 +19527,9 @@
                                           </p:stCondLst>
                                         </p:cTn>
                                         <p:tgtEl>
-                                          <p:spTgt spid="31">
+                                          <p:spTgt spid="26">
                                             <p:txEl>
-                                              <p:pRg st="0" end="0"/>
+                                              <p:pRg st="2" end="2"/>
                                             </p:txEl>
                                           </p:spTgt>
                                         </p:tgtEl>
@@ -19007,7 +19576,7 @@
                                           </p:stCondLst>
                                         </p:cTn>
                                         <p:tgtEl>
-                                          <p:spTgt spid="12">
+                                          <p:spTgt spid="31">
                                             <p:txEl>
                                               <p:pRg st="0" end="0"/>
                                             </p:txEl>
@@ -19056,9 +19625,9 @@
                                           </p:stCondLst>
                                         </p:cTn>
                                         <p:tgtEl>
-                                          <p:spTgt spid="26">
+                                          <p:spTgt spid="12">
                                             <p:txEl>
-                                              <p:pRg st="2" end="2"/>
+                                              <p:pRg st="0" end="0"/>
                                             </p:txEl>
                                           </p:spTgt>
                                         </p:tgtEl>
@@ -19105,9 +19674,9 @@
                                           </p:stCondLst>
                                         </p:cTn>
                                         <p:tgtEl>
-                                          <p:spTgt spid="17">
+                                          <p:spTgt spid="26">
                                             <p:txEl>
-                                              <p:pRg st="0" end="0"/>
+                                              <p:pRg st="4" end="4"/>
                                             </p:txEl>
                                           </p:spTgt>
                                         </p:tgtEl>
@@ -19154,9 +19723,9 @@
                                           </p:stCondLst>
                                         </p:cTn>
                                         <p:tgtEl>
-                                          <p:spTgt spid="26">
+                                          <p:spTgt spid="17">
                                             <p:txEl>
-                                              <p:pRg st="4" end="4"/>
+                                              <p:pRg st="0" end="0"/>
                                             </p:txEl>
                                           </p:spTgt>
                                         </p:tgtEl>
@@ -19203,9 +19772,9 @@
                                           </p:stCondLst>
                                         </p:cTn>
                                         <p:tgtEl>
-                                          <p:spTgt spid="25">
+                                          <p:spTgt spid="26">
                                             <p:txEl>
-                                              <p:pRg st="0" end="0"/>
+                                              <p:pRg st="6" end="6"/>
                                             </p:txEl>
                                           </p:spTgt>
                                         </p:tgtEl>
@@ -19252,9 +19821,58 @@
                                           </p:stCondLst>
                                         </p:cTn>
                                         <p:tgtEl>
+                                          <p:spTgt spid="25">
+                                            <p:txEl>
+                                              <p:pRg st="0" end="0"/>
+                                            </p:txEl>
+                                          </p:spTgt>
+                                        </p:tgtEl>
+                                        <p:attrNameLst>
+                                          <p:attrName>style.visibility</p:attrName>
+                                        </p:attrNameLst>
+                                      </p:cBhvr>
+                                      <p:to>
+                                        <p:strVal val="visible"/>
+                                      </p:to>
+                                    </p:set>
+                                  </p:childTnLst>
+                                </p:cTn>
+                              </p:par>
+                            </p:childTnLst>
+                          </p:cTn>
+                        </p:par>
+                      </p:childTnLst>
+                    </p:cTn>
+                  </p:par>
+                  <p:par>
+                    <p:cTn id="39" fill="hold">
+                      <p:stCondLst>
+                        <p:cond delay="indefinite"/>
+                      </p:stCondLst>
+                      <p:childTnLst>
+                        <p:par>
+                          <p:cTn id="40" fill="hold">
+                            <p:stCondLst>
+                              <p:cond delay="0"/>
+                            </p:stCondLst>
+                            <p:childTnLst>
+                              <p:par>
+                                <p:cTn id="41" presetID="1" presetClass="entr" presetSubtype="0" fill="hold" nodeType="clickEffect">
+                                  <p:stCondLst>
+                                    <p:cond delay="0"/>
+                                  </p:stCondLst>
+                                  <p:childTnLst>
+                                    <p:set>
+                                      <p:cBhvr>
+                                        <p:cTn id="42" dur="1" fill="hold">
+                                          <p:stCondLst>
+                                            <p:cond delay="0"/>
+                                          </p:stCondLst>
+                                        </p:cTn>
+                                        <p:tgtEl>
                                           <p:spTgt spid="26">
                                             <p:txEl>
-                                              <p:pRg st="6" end="6"/>
+                                              <p:pRg st="8" end="8"/>
                                             </p:txEl>
                                           </p:spTgt>
                                         </p:tgtEl>

--- a/current.pptx
+++ b/current.pptx
@@ -7820,6 +7820,110 @@
           </a:p>
         </p:txBody>
       </p:sp>
+      <p:sp>
+        <p:nvSpPr>
+          <p:cNvPr id="2" name="Rectangle 1">
+            <a:extLst>
+              <a:ext uri="{FF2B5EF4-FFF2-40B4-BE49-F238E27FC236}">
+                <a16:creationId xmlns:a16="http://schemas.microsoft.com/office/drawing/2014/main" id="{6F67947D-2CD9-44F3-AEF1-27D92BFEC022}"/>
+              </a:ext>
+            </a:extLst>
+          </p:cNvPr>
+          <p:cNvSpPr/>
+          <p:nvPr/>
+        </p:nvSpPr>
+        <p:spPr>
+          <a:xfrm>
+            <a:off x="329184" y="2072649"/>
+            <a:ext cx="1993700" cy="1356294"/>
+          </a:xfrm>
+          <a:prstGeom prst="rect">
+            <a:avLst/>
+          </a:prstGeom>
+          <a:noFill/>
+          <a:ln>
+            <a:solidFill>
+              <a:srgbClr val="FF0000"/>
+            </a:solidFill>
+          </a:ln>
+        </p:spPr>
+        <p:style>
+          <a:lnRef idx="2">
+            <a:schemeClr val="accent1">
+              <a:shade val="50000"/>
+            </a:schemeClr>
+          </a:lnRef>
+          <a:fillRef idx="1">
+            <a:schemeClr val="accent1"/>
+          </a:fillRef>
+          <a:effectRef idx="0">
+            <a:schemeClr val="accent1"/>
+          </a:effectRef>
+          <a:fontRef idx="minor">
+            <a:schemeClr val="lt1"/>
+          </a:fontRef>
+        </p:style>
+        <p:txBody>
+          <a:bodyPr rtlCol="0" anchor="ctr"/>
+          <a:lstStyle/>
+          <a:p>
+            <a:pPr algn="ctr"/>
+            <a:endParaRPr lang="en-GB"/>
+          </a:p>
+        </p:txBody>
+      </p:sp>
+      <p:sp>
+        <p:nvSpPr>
+          <p:cNvPr id="7" name="Rectangle 6">
+            <a:extLst>
+              <a:ext uri="{FF2B5EF4-FFF2-40B4-BE49-F238E27FC236}">
+                <a16:creationId xmlns:a16="http://schemas.microsoft.com/office/drawing/2014/main" id="{A16BF34E-2A09-4EE6-B06B-A13D80960F66}"/>
+              </a:ext>
+            </a:extLst>
+          </p:cNvPr>
+          <p:cNvSpPr/>
+          <p:nvPr/>
+        </p:nvSpPr>
+        <p:spPr>
+          <a:xfrm>
+            <a:off x="5596128" y="1920618"/>
+            <a:ext cx="1499616" cy="1090806"/>
+          </a:xfrm>
+          <a:prstGeom prst="rect">
+            <a:avLst/>
+          </a:prstGeom>
+          <a:noFill/>
+          <a:ln>
+            <a:solidFill>
+              <a:srgbClr val="FF0000"/>
+            </a:solidFill>
+          </a:ln>
+        </p:spPr>
+        <p:style>
+          <a:lnRef idx="2">
+            <a:schemeClr val="accent1">
+              <a:shade val="50000"/>
+            </a:schemeClr>
+          </a:lnRef>
+          <a:fillRef idx="1">
+            <a:schemeClr val="accent1"/>
+          </a:fillRef>
+          <a:effectRef idx="0">
+            <a:schemeClr val="accent1"/>
+          </a:effectRef>
+          <a:fontRef idx="minor">
+            <a:schemeClr val="lt1"/>
+          </a:fontRef>
+        </p:style>
+        <p:txBody>
+          <a:bodyPr rtlCol="0" anchor="ctr"/>
+          <a:lstStyle/>
+          <a:p>
+            <a:pPr algn="ctr"/>
+            <a:endParaRPr lang="en-GB"/>
+          </a:p>
+        </p:txBody>
+      </p:sp>
     </p:spTree>
     <p:extLst>
       <p:ext uri="{BB962C8B-B14F-4D97-AF65-F5344CB8AC3E}">
@@ -8092,25 +8196,39 @@
                                   </p:childTnLst>
                                 </p:cTn>
                               </p:par>
+                            </p:childTnLst>
+                          </p:cTn>
+                        </p:par>
+                      </p:childTnLst>
+                    </p:cTn>
+                  </p:par>
+                  <p:par>
+                    <p:cTn id="25" fill="hold">
+                      <p:stCondLst>
+                        <p:cond delay="indefinite"/>
+                      </p:stCondLst>
+                      <p:childTnLst>
+                        <p:par>
+                          <p:cTn id="26" fill="hold">
+                            <p:stCondLst>
+                              <p:cond delay="0"/>
+                            </p:stCondLst>
+                            <p:childTnLst>
                               <p:par>
-                                <p:cTn id="25" presetID="1" presetClass="entr" presetSubtype="0" fill="hold" nodeType="withEffect">
+                                <p:cTn id="27" presetID="1" presetClass="entr" presetSubtype="0" fill="hold" grpId="0" nodeType="clickEffect">
                                   <p:stCondLst>
                                     <p:cond delay="0"/>
                                   </p:stCondLst>
                                   <p:childTnLst>
                                     <p:set>
                                       <p:cBhvr>
-                                        <p:cTn id="26" dur="1" fill="hold">
+                                        <p:cTn id="28" dur="1" fill="hold">
                                           <p:stCondLst>
                                             <p:cond delay="0"/>
                                           </p:stCondLst>
                                         </p:cTn>
                                         <p:tgtEl>
-                                          <p:spTgt spid="3">
-                                            <p:txEl>
-                                              <p:pRg st="4" end="4"/>
-                                            </p:txEl>
-                                          </p:spTgt>
+                                          <p:spTgt spid="2"/>
                                         </p:tgtEl>
                                         <p:attrNameLst>
                                           <p:attrName>style.visibility</p:attrName>
@@ -8123,26 +8241,8 @@
                                   </p:childTnLst>
                                 </p:cTn>
                               </p:par>
-                            </p:childTnLst>
-                          </p:cTn>
-                        </p:par>
-                      </p:childTnLst>
-                    </p:cTn>
-                  </p:par>
-                  <p:par>
-                    <p:cTn id="27" fill="hold">
-                      <p:stCondLst>
-                        <p:cond delay="indefinite"/>
-                      </p:stCondLst>
-                      <p:childTnLst>
-                        <p:par>
-                          <p:cTn id="28" fill="hold">
-                            <p:stCondLst>
-                              <p:cond delay="0"/>
-                            </p:stCondLst>
-                            <p:childTnLst>
                               <p:par>
-                                <p:cTn id="29" presetID="1" presetClass="entr" presetSubtype="0" fill="hold" nodeType="clickEffect">
+                                <p:cTn id="29" presetID="1" presetClass="entr" presetSubtype="0" fill="hold" nodeType="withEffect">
                                   <p:stCondLst>
                                     <p:cond delay="0"/>
                                   </p:stCondLst>
@@ -8155,7 +8255,11 @@
                                           </p:stCondLst>
                                         </p:cTn>
                                         <p:tgtEl>
-                                          <p:spTgt spid="19"/>
+                                          <p:spTgt spid="3">
+                                            <p:txEl>
+                                              <p:pRg st="4" end="4"/>
+                                            </p:txEl>
+                                          </p:spTgt>
                                         </p:tgtEl>
                                         <p:attrNameLst>
                                           <p:attrName>style.visibility</p:attrName>
@@ -8187,7 +8291,7 @@
                             </p:stCondLst>
                             <p:childTnLst>
                               <p:par>
-                                <p:cTn id="33" presetID="1" presetClass="entr" presetSubtype="0" fill="hold" nodeType="clickEffect">
+                                <p:cTn id="33" presetID="1" presetClass="entr" presetSubtype="0" fill="hold" grpId="0" nodeType="clickEffect">
                                   <p:stCondLst>
                                     <p:cond delay="0"/>
                                   </p:stCondLst>
@@ -8200,7 +8304,7 @@
                                           </p:stCondLst>
                                         </p:cTn>
                                         <p:tgtEl>
-                                          <p:spTgt spid="17"/>
+                                          <p:spTgt spid="7"/>
                                         </p:tgtEl>
                                         <p:attrNameLst>
                                           <p:attrName>style.visibility</p:attrName>
@@ -8245,11 +8349,7 @@
                                           </p:stCondLst>
                                         </p:cTn>
                                         <p:tgtEl>
-                                          <p:spTgt spid="32">
-                                            <p:txEl>
-                                              <p:pRg st="0" end="0"/>
-                                            </p:txEl>
-                                          </p:spTgt>
+                                          <p:spTgt spid="19"/>
                                         </p:tgtEl>
                                         <p:attrNameLst>
                                           <p:attrName>style.visibility</p:attrName>
@@ -8294,7 +8394,7 @@
                                           </p:stCondLst>
                                         </p:cTn>
                                         <p:tgtEl>
-                                          <p:spTgt spid="22"/>
+                                          <p:spTgt spid="17"/>
                                         </p:tgtEl>
                                         <p:attrNameLst>
                                           <p:attrName>style.visibility</p:attrName>
@@ -8326,7 +8426,7 @@
                             </p:stCondLst>
                             <p:childTnLst>
                               <p:par>
-                                <p:cTn id="45" presetID="1" presetClass="entr" presetSubtype="0" fill="hold" grpId="0" nodeType="clickEffect">
+                                <p:cTn id="45" presetID="1" presetClass="entr" presetSubtype="0" fill="hold" nodeType="clickEffect">
                                   <p:stCondLst>
                                     <p:cond delay="0"/>
                                   </p:stCondLst>
@@ -8339,7 +8439,11 @@
                                           </p:stCondLst>
                                         </p:cTn>
                                         <p:tgtEl>
-                                          <p:spTgt spid="29"/>
+                                          <p:spTgt spid="32">
+                                            <p:txEl>
+                                              <p:pRg st="0" end="0"/>
+                                            </p:txEl>
+                                          </p:spTgt>
                                         </p:tgtEl>
                                         <p:attrNameLst>
                                           <p:attrName>style.visibility</p:attrName>
@@ -8384,7 +8488,7 @@
                                           </p:stCondLst>
                                         </p:cTn>
                                         <p:tgtEl>
-                                          <p:spTgt spid="20"/>
+                                          <p:spTgt spid="22"/>
                                         </p:tgtEl>
                                         <p:attrNameLst>
                                           <p:attrName>style.visibility</p:attrName>
@@ -8416,7 +8520,7 @@
                             </p:stCondLst>
                             <p:childTnLst>
                               <p:par>
-                                <p:cTn id="53" presetID="1" presetClass="entr" presetSubtype="0" fill="hold" nodeType="clickEffect">
+                                <p:cTn id="53" presetID="1" presetClass="entr" presetSubtype="0" fill="hold" grpId="0" nodeType="clickEffect">
                                   <p:stCondLst>
                                     <p:cond delay="0"/>
                                   </p:stCondLst>
@@ -8429,7 +8533,7 @@
                                           </p:stCondLst>
                                         </p:cTn>
                                         <p:tgtEl>
-                                          <p:spTgt spid="24"/>
+                                          <p:spTgt spid="29"/>
                                         </p:tgtEl>
                                         <p:attrNameLst>
                                           <p:attrName>style.visibility</p:attrName>
@@ -8461,7 +8565,7 @@
                             </p:stCondLst>
                             <p:childTnLst>
                               <p:par>
-                                <p:cTn id="57" presetID="1" presetClass="entr" presetSubtype="0" fill="hold" grpId="0" nodeType="clickEffect">
+                                <p:cTn id="57" presetID="1" presetClass="entr" presetSubtype="0" fill="hold" nodeType="clickEffect">
                                   <p:stCondLst>
                                     <p:cond delay="0"/>
                                   </p:stCondLst>
@@ -8474,7 +8578,7 @@
                                           </p:stCondLst>
                                         </p:cTn>
                                         <p:tgtEl>
-                                          <p:spTgt spid="31"/>
+                                          <p:spTgt spid="20"/>
                                         </p:tgtEl>
                                         <p:attrNameLst>
                                           <p:attrName>style.visibility</p:attrName>
@@ -8514,6 +8618,96 @@
                                     <p:set>
                                       <p:cBhvr>
                                         <p:cTn id="62" dur="1" fill="hold">
+                                          <p:stCondLst>
+                                            <p:cond delay="0"/>
+                                          </p:stCondLst>
+                                        </p:cTn>
+                                        <p:tgtEl>
+                                          <p:spTgt spid="24"/>
+                                        </p:tgtEl>
+                                        <p:attrNameLst>
+                                          <p:attrName>style.visibility</p:attrName>
+                                        </p:attrNameLst>
+                                      </p:cBhvr>
+                                      <p:to>
+                                        <p:strVal val="visible"/>
+                                      </p:to>
+                                    </p:set>
+                                  </p:childTnLst>
+                                </p:cTn>
+                              </p:par>
+                            </p:childTnLst>
+                          </p:cTn>
+                        </p:par>
+                      </p:childTnLst>
+                    </p:cTn>
+                  </p:par>
+                  <p:par>
+                    <p:cTn id="63" fill="hold">
+                      <p:stCondLst>
+                        <p:cond delay="indefinite"/>
+                      </p:stCondLst>
+                      <p:childTnLst>
+                        <p:par>
+                          <p:cTn id="64" fill="hold">
+                            <p:stCondLst>
+                              <p:cond delay="0"/>
+                            </p:stCondLst>
+                            <p:childTnLst>
+                              <p:par>
+                                <p:cTn id="65" presetID="1" presetClass="entr" presetSubtype="0" fill="hold" grpId="0" nodeType="clickEffect">
+                                  <p:stCondLst>
+                                    <p:cond delay="0"/>
+                                  </p:stCondLst>
+                                  <p:childTnLst>
+                                    <p:set>
+                                      <p:cBhvr>
+                                        <p:cTn id="66" dur="1" fill="hold">
+                                          <p:stCondLst>
+                                            <p:cond delay="0"/>
+                                          </p:stCondLst>
+                                        </p:cTn>
+                                        <p:tgtEl>
+                                          <p:spTgt spid="31"/>
+                                        </p:tgtEl>
+                                        <p:attrNameLst>
+                                          <p:attrName>style.visibility</p:attrName>
+                                        </p:attrNameLst>
+                                      </p:cBhvr>
+                                      <p:to>
+                                        <p:strVal val="visible"/>
+                                      </p:to>
+                                    </p:set>
+                                  </p:childTnLst>
+                                </p:cTn>
+                              </p:par>
+                            </p:childTnLst>
+                          </p:cTn>
+                        </p:par>
+                      </p:childTnLst>
+                    </p:cTn>
+                  </p:par>
+                  <p:par>
+                    <p:cTn id="67" fill="hold">
+                      <p:stCondLst>
+                        <p:cond delay="indefinite"/>
+                      </p:stCondLst>
+                      <p:childTnLst>
+                        <p:par>
+                          <p:cTn id="68" fill="hold">
+                            <p:stCondLst>
+                              <p:cond delay="0"/>
+                            </p:stCondLst>
+                            <p:childTnLst>
+                              <p:par>
+                                <p:cTn id="69" presetID="1" presetClass="entr" presetSubtype="0" fill="hold" nodeType="clickEffect">
+                                  <p:stCondLst>
+                                    <p:cond delay="0"/>
+                                  </p:stCondLst>
+                                  <p:childTnLst>
+                                    <p:set>
+                                      <p:cBhvr>
+                                        <p:cTn id="70" dur="1" fill="hold">
                                           <p:stCondLst>
                                             <p:cond delay="0"/>
                                           </p:stCondLst>
@@ -8563,6 +8757,8 @@
       <p:bldP spid="15" grpId="0"/>
       <p:bldP spid="29" grpId="0"/>
       <p:bldP spid="31" grpId="0"/>
+      <p:bldP spid="2" grpId="0" animBg="1"/>
+      <p:bldP spid="7" grpId="0" animBg="1"/>
     </p:bldLst>
   </p:timing>
 </p:sld>
